--- a/01_Follow_up__activities.pptx
+++ b/01_Follow_up__activities.pptx
@@ -267,7 +267,7 @@
           <a:p>
             <a:fld id="{830943F9-8AC6-4393-AEEF-D45C2A43C7C7}" type="datetimeFigureOut">
               <a:rPr lang="LID4096" smtClean="0"/>
-              <a:t>01/05/2025</a:t>
+              <a:t>01/06/2025</a:t>
             </a:fld>
             <a:endParaRPr lang="LID4096"/>
           </a:p>
@@ -467,7 +467,7 @@
           <a:p>
             <a:fld id="{830943F9-8AC6-4393-AEEF-D45C2A43C7C7}" type="datetimeFigureOut">
               <a:rPr lang="LID4096" smtClean="0"/>
-              <a:t>01/05/2025</a:t>
+              <a:t>01/06/2025</a:t>
             </a:fld>
             <a:endParaRPr lang="LID4096"/>
           </a:p>
@@ -677,7 +677,7 @@
           <a:p>
             <a:fld id="{830943F9-8AC6-4393-AEEF-D45C2A43C7C7}" type="datetimeFigureOut">
               <a:rPr lang="LID4096" smtClean="0"/>
-              <a:t>01/05/2025</a:t>
+              <a:t>01/06/2025</a:t>
             </a:fld>
             <a:endParaRPr lang="LID4096"/>
           </a:p>
@@ -877,7 +877,7 @@
           <a:p>
             <a:fld id="{830943F9-8AC6-4393-AEEF-D45C2A43C7C7}" type="datetimeFigureOut">
               <a:rPr lang="LID4096" smtClean="0"/>
-              <a:t>01/05/2025</a:t>
+              <a:t>01/06/2025</a:t>
             </a:fld>
             <a:endParaRPr lang="LID4096"/>
           </a:p>
@@ -1153,7 +1153,7 @@
           <a:p>
             <a:fld id="{830943F9-8AC6-4393-AEEF-D45C2A43C7C7}" type="datetimeFigureOut">
               <a:rPr lang="LID4096" smtClean="0"/>
-              <a:t>01/05/2025</a:t>
+              <a:t>01/06/2025</a:t>
             </a:fld>
             <a:endParaRPr lang="LID4096"/>
           </a:p>
@@ -1421,7 +1421,7 @@
           <a:p>
             <a:fld id="{830943F9-8AC6-4393-AEEF-D45C2A43C7C7}" type="datetimeFigureOut">
               <a:rPr lang="LID4096" smtClean="0"/>
-              <a:t>01/05/2025</a:t>
+              <a:t>01/06/2025</a:t>
             </a:fld>
             <a:endParaRPr lang="LID4096"/>
           </a:p>
@@ -1836,7 +1836,7 @@
           <a:p>
             <a:fld id="{830943F9-8AC6-4393-AEEF-D45C2A43C7C7}" type="datetimeFigureOut">
               <a:rPr lang="LID4096" smtClean="0"/>
-              <a:t>01/05/2025</a:t>
+              <a:t>01/06/2025</a:t>
             </a:fld>
             <a:endParaRPr lang="LID4096"/>
           </a:p>
@@ -1978,7 +1978,7 @@
           <a:p>
             <a:fld id="{830943F9-8AC6-4393-AEEF-D45C2A43C7C7}" type="datetimeFigureOut">
               <a:rPr lang="LID4096" smtClean="0"/>
-              <a:t>01/05/2025</a:t>
+              <a:t>01/06/2025</a:t>
             </a:fld>
             <a:endParaRPr lang="LID4096"/>
           </a:p>
@@ -2091,7 +2091,7 @@
           <a:p>
             <a:fld id="{830943F9-8AC6-4393-AEEF-D45C2A43C7C7}" type="datetimeFigureOut">
               <a:rPr lang="LID4096" smtClean="0"/>
-              <a:t>01/05/2025</a:t>
+              <a:t>01/06/2025</a:t>
             </a:fld>
             <a:endParaRPr lang="LID4096"/>
           </a:p>
@@ -2404,7 +2404,7 @@
           <a:p>
             <a:fld id="{830943F9-8AC6-4393-AEEF-D45C2A43C7C7}" type="datetimeFigureOut">
               <a:rPr lang="LID4096" smtClean="0"/>
-              <a:t>01/05/2025</a:t>
+              <a:t>01/06/2025</a:t>
             </a:fld>
             <a:endParaRPr lang="LID4096"/>
           </a:p>
@@ -2693,7 +2693,7 @@
           <a:p>
             <a:fld id="{830943F9-8AC6-4393-AEEF-D45C2A43C7C7}" type="datetimeFigureOut">
               <a:rPr lang="LID4096" smtClean="0"/>
-              <a:t>01/05/2025</a:t>
+              <a:t>01/06/2025</a:t>
             </a:fld>
             <a:endParaRPr lang="LID4096"/>
           </a:p>
@@ -2936,7 +2936,7 @@
           <a:p>
             <a:fld id="{830943F9-8AC6-4393-AEEF-D45C2A43C7C7}" type="datetimeFigureOut">
               <a:rPr lang="LID4096" smtClean="0"/>
-              <a:t>01/05/2025</a:t>
+              <a:t>01/06/2025</a:t>
             </a:fld>
             <a:endParaRPr lang="LID4096"/>
           </a:p>
@@ -3438,7 +3438,7 @@
         </p:nvSpPr>
         <p:spPr>
           <a:xfrm>
-            <a:off x="4386244" y="61622"/>
+            <a:off x="4939004" y="19180"/>
             <a:ext cx="1994637" cy="307777"/>
           </a:xfrm>
           <a:prstGeom prst="rect">
@@ -4415,36 +4415,6 @@
           </a:prstGeom>
         </p:spPr>
       </p:pic>
-      <p:pic>
-        <p:nvPicPr>
-          <p:cNvPr id="104" name="Picture 103">
-            <a:extLst>
-              <a:ext uri="{FF2B5EF4-FFF2-40B4-BE49-F238E27FC236}">
-                <a16:creationId xmlns:a16="http://schemas.microsoft.com/office/drawing/2014/main" id="{0BA885A9-9790-EAB1-AEA5-864D66C123FF}"/>
-              </a:ext>
-            </a:extLst>
-          </p:cNvPr>
-          <p:cNvPicPr>
-            <a:picLocks noChangeAspect="1"/>
-          </p:cNvPicPr>
-          <p:nvPr/>
-        </p:nvPicPr>
-        <p:blipFill>
-          <a:blip r:embed="rId13"/>
-          <a:stretch>
-            <a:fillRect/>
-          </a:stretch>
-        </p:blipFill>
-        <p:spPr>
-          <a:xfrm>
-            <a:off x="6221524" y="375073"/>
-            <a:ext cx="5845592" cy="218017"/>
-          </a:xfrm>
-          <a:prstGeom prst="rect">
-            <a:avLst/>
-          </a:prstGeom>
-        </p:spPr>
-      </p:pic>
       <p:grpSp>
         <p:nvGrpSpPr>
           <p:cNvPr id="113" name="Group 112">
@@ -4482,7 +4452,7 @@
             <p:nvPr/>
           </p:nvPicPr>
           <p:blipFill>
-            <a:blip r:embed="rId14"/>
+            <a:blip r:embed="rId13"/>
             <a:stretch>
               <a:fillRect/>
             </a:stretch>
@@ -4524,7 +4494,7 @@
             <p:nvPr/>
           </p:nvPicPr>
           <p:blipFill>
-            <a:blip r:embed="rId15"/>
+            <a:blip r:embed="rId14"/>
             <a:stretch>
               <a:fillRect/>
             </a:stretch>
@@ -4566,7 +4536,7 @@
             <p:nvPr/>
           </p:nvPicPr>
           <p:blipFill>
-            <a:blip r:embed="rId16"/>
+            <a:blip r:embed="rId15"/>
             <a:stretch>
               <a:fillRect/>
             </a:stretch>
@@ -4608,7 +4578,7 @@
             <p:nvPr/>
           </p:nvPicPr>
           <p:blipFill>
-            <a:blip r:embed="rId17"/>
+            <a:blip r:embed="rId16"/>
             <a:stretch>
               <a:fillRect/>
             </a:stretch>
@@ -4636,66 +4606,6 @@
           </p:spPr>
         </p:pic>
       </p:grpSp>
-      <p:pic>
-        <p:nvPicPr>
-          <p:cNvPr id="115" name="Picture 114">
-            <a:extLst>
-              <a:ext uri="{FF2B5EF4-FFF2-40B4-BE49-F238E27FC236}">
-                <a16:creationId xmlns:a16="http://schemas.microsoft.com/office/drawing/2014/main" id="{63118577-7B5B-1E7E-7E07-EAB9E5FA3AFE}"/>
-              </a:ext>
-            </a:extLst>
-          </p:cNvPr>
-          <p:cNvPicPr>
-            <a:picLocks noChangeAspect="1"/>
-          </p:cNvPicPr>
-          <p:nvPr/>
-        </p:nvPicPr>
-        <p:blipFill>
-          <a:blip r:embed="rId18"/>
-          <a:stretch>
-            <a:fillRect/>
-          </a:stretch>
-        </p:blipFill>
-        <p:spPr>
-          <a:xfrm>
-            <a:off x="6857638" y="1970630"/>
-            <a:ext cx="5153234" cy="209610"/>
-          </a:xfrm>
-          <a:prstGeom prst="rect">
-            <a:avLst/>
-          </a:prstGeom>
-        </p:spPr>
-      </p:pic>
-      <p:pic>
-        <p:nvPicPr>
-          <p:cNvPr id="119" name="Picture 118">
-            <a:extLst>
-              <a:ext uri="{FF2B5EF4-FFF2-40B4-BE49-F238E27FC236}">
-                <a16:creationId xmlns:a16="http://schemas.microsoft.com/office/drawing/2014/main" id="{B62F587A-A053-D3B7-D8CC-B513C135508D}"/>
-              </a:ext>
-            </a:extLst>
-          </p:cNvPr>
-          <p:cNvPicPr>
-            <a:picLocks noChangeAspect="1"/>
-          </p:cNvPicPr>
-          <p:nvPr/>
-        </p:nvPicPr>
-        <p:blipFill>
-          <a:blip r:embed="rId19"/>
-          <a:stretch>
-            <a:fillRect/>
-          </a:stretch>
-        </p:blipFill>
-        <p:spPr>
-          <a:xfrm>
-            <a:off x="7340754" y="2229620"/>
-            <a:ext cx="4670118" cy="201298"/>
-          </a:xfrm>
-          <a:prstGeom prst="rect">
-            <a:avLst/>
-          </a:prstGeom>
-        </p:spPr>
-      </p:pic>
       <p:sp>
         <p:nvSpPr>
           <p:cNvPr id="3" name="TextBox 2">
@@ -4710,7 +4620,7 @@
         </p:nvSpPr>
         <p:spPr>
           <a:xfrm>
-            <a:off x="4701048" y="2931300"/>
+            <a:off x="68514" y="3050941"/>
             <a:ext cx="555550" cy="584775"/>
           </a:xfrm>
           <a:prstGeom prst="rect">
@@ -4781,16 +4691,16 @@
           <a:lstStyle/>
           <a:p>
             <a:r>
-              <a:rPr lang="pt-BR" sz="1600" dirty="0"/>
+              <a:rPr lang="pt-BR" sz="1600" b="1" dirty="0"/>
               <a:t>08</a:t>
             </a:r>
           </a:p>
           <a:p>
             <a:r>
-              <a:rPr lang="pt-BR" sz="1600" dirty="0"/>
+              <a:rPr lang="pt-BR" sz="1600" b="1" dirty="0"/>
               <a:t>RCH</a:t>
             </a:r>
-            <a:endParaRPr lang="LID4096" sz="1600" dirty="0"/>
+            <a:endParaRPr lang="LID4096" sz="1600" b="1" dirty="0"/>
           </a:p>
         </p:txBody>
       </p:sp>
@@ -4824,10 +4734,10 @@
           <a:p>
             <a:pPr algn="ctr"/>
             <a:r>
-              <a:rPr lang="pt-BR" sz="1600" dirty="0"/>
+              <a:rPr lang="pt-BR" sz="1600" b="1" dirty="0"/>
               <a:t>01 - 04</a:t>
             </a:r>
-            <a:endParaRPr lang="LID4096" sz="1600" dirty="0"/>
+            <a:endParaRPr lang="LID4096" sz="1600" b="1" dirty="0"/>
           </a:p>
         </p:txBody>
       </p:sp>
@@ -4846,7 +4756,7 @@
           <p:nvPr/>
         </p:nvPicPr>
         <p:blipFill>
-          <a:blip r:embed="rId20"/>
+          <a:blip r:embed="rId17"/>
           <a:stretch>
             <a:fillRect/>
           </a:stretch>
@@ -4888,7 +4798,7 @@
           <p:nvPr/>
         </p:nvPicPr>
         <p:blipFill>
-          <a:blip r:embed="rId21"/>
+          <a:blip r:embed="rId18"/>
           <a:stretch>
             <a:fillRect/>
           </a:stretch>
@@ -5052,7 +4962,7 @@
             <p:nvPr/>
           </p:nvPicPr>
           <p:blipFill>
-            <a:blip r:embed="rId22"/>
+            <a:blip r:embed="rId19"/>
             <a:srcRect t="40474" b="36580"/>
             <a:stretch/>
           </p:blipFill>
@@ -5081,7 +4991,7 @@
             <p:nvPr/>
           </p:nvPicPr>
           <p:blipFill>
-            <a:blip r:embed="rId23"/>
+            <a:blip r:embed="rId20"/>
             <a:stretch>
               <a:fillRect/>
             </a:stretch>
@@ -5111,7 +5021,7 @@
             <p:nvPr/>
           </p:nvPicPr>
           <p:blipFill>
-            <a:blip r:embed="rId24"/>
+            <a:blip r:embed="rId21"/>
             <a:stretch>
               <a:fillRect/>
             </a:stretch>
@@ -5141,7 +5051,7 @@
             <p:nvPr/>
           </p:nvPicPr>
           <p:blipFill>
-            <a:blip r:embed="rId25"/>
+            <a:blip r:embed="rId22"/>
             <a:stretch>
               <a:fillRect/>
             </a:stretch>
@@ -5321,7 +5231,7 @@
             <p:nvPr/>
           </p:nvPicPr>
           <p:blipFill>
-            <a:blip r:embed="rId26"/>
+            <a:blip r:embed="rId23"/>
             <a:stretch>
               <a:fillRect/>
             </a:stretch>
@@ -5352,10 +5262,10 @@
           </p:nvGrpSpPr>
           <p:grpSpPr>
             <a:xfrm>
-              <a:off x="286484" y="1300129"/>
-              <a:ext cx="3886980" cy="1330451"/>
-              <a:chOff x="294104" y="1397125"/>
-              <a:chExt cx="4842032" cy="1657350"/>
+              <a:off x="312098" y="1300129"/>
+              <a:ext cx="3861366" cy="1330451"/>
+              <a:chOff x="326011" y="1397125"/>
+              <a:chExt cx="4810125" cy="1657350"/>
             </a:xfrm>
           </p:grpSpPr>
           <p:pic>
@@ -5373,7 +5283,7 @@
               <p:nvPr/>
             </p:nvPicPr>
             <p:blipFill>
-              <a:blip r:embed="rId27"/>
+              <a:blip r:embed="rId24"/>
               <a:stretch>
                 <a:fillRect/>
               </a:stretch>
@@ -5446,8 +5356,8 @@
             </p:nvSpPr>
             <p:spPr>
               <a:xfrm>
-                <a:off x="294104" y="1664387"/>
-                <a:ext cx="1155170" cy="1188536"/>
+                <a:off x="506357" y="1717325"/>
+                <a:ext cx="1932380" cy="920158"/>
               </a:xfrm>
               <a:prstGeom prst="rect">
                 <a:avLst/>
@@ -5460,27 +5370,21 @@
               </a:bodyPr>
               <a:lstStyle/>
               <a:p>
+                <a:pPr algn="ctr"/>
                 <a:r>
                   <a:rPr lang="en-US" sz="1400" b="1" dirty="0"/>
-                  <a:t>pyemu</a:t>
+                  <a:t>Pyemu, Pstfrom</a:t>
                 </a:r>
               </a:p>
               <a:p>
+                <a:pPr algn="ctr"/>
+                <a:endParaRPr lang="en-US" sz="1400" b="1" dirty="0"/>
+              </a:p>
+              <a:p>
+                <a:pPr algn="ctr"/>
                 <a:r>
                   <a:rPr lang="en-US" sz="1400" b="1" dirty="0"/>
-                  <a:t>Pstfrom</a:t>
-                </a:r>
-              </a:p>
-              <a:p>
-                <a:r>
-                  <a:rPr lang="en-US" sz="1400" b="1" dirty="0"/>
-                  <a:t>05</a:t>
-                </a:r>
-              </a:p>
-              <a:p>
-                <a:r>
-                  <a:rPr lang="en-US" sz="1400" b="1" dirty="0"/>
-                  <a:t>      *.ins</a:t>
+                  <a:t>05      *.ins</a:t>
                 </a:r>
               </a:p>
             </p:txBody>
@@ -5774,7 +5678,7 @@
           <p:nvPr/>
         </p:nvPicPr>
         <p:blipFill>
-          <a:blip r:embed="rId28"/>
+          <a:blip r:embed="rId25"/>
           <a:stretch>
             <a:fillRect/>
           </a:stretch>
@@ -5827,16 +5731,23 @@
           <a:bodyPr wrap="square">
             <a:spAutoFit/>
           </a:bodyPr>
-          <a:lstStyle/>
+          <a:lstStyle>
+            <a:defPPr>
+              <a:defRPr lang="LID4096"/>
+            </a:defPPr>
+            <a:lvl1pPr>
+              <a:defRPr sz="1600" b="1"/>
+            </a:lvl1pPr>
+          </a:lstStyle>
           <a:p>
             <a:r>
-              <a:rPr lang="en-US" sz="1400" b="1" dirty="0"/>
+              <a:rPr lang="en-US" dirty="0"/>
               <a:t>12</a:t>
             </a:r>
           </a:p>
           <a:p>
             <a:r>
-              <a:rPr lang="en-US" sz="1400" b="1" dirty="0"/>
+              <a:rPr lang="en-US" dirty="0"/>
               <a:t>IC</a:t>
             </a:r>
           </a:p>
@@ -5857,14 +5768,14 @@
           <p:nvPr/>
         </p:nvPicPr>
         <p:blipFill>
-          <a:blip r:embed="rId29"/>
+          <a:blip r:embed="rId26"/>
           <a:stretch>
             <a:fillRect/>
           </a:stretch>
         </p:blipFill>
         <p:spPr>
           <a:xfrm>
-            <a:off x="5299192" y="3289597"/>
+            <a:off x="4956993" y="3059006"/>
             <a:ext cx="1630713" cy="569455"/>
           </a:xfrm>
           <a:prstGeom prst="rect">
@@ -5898,7 +5809,7 @@
         </p:nvSpPr>
         <p:spPr>
           <a:xfrm>
-            <a:off x="6568886" y="3526607"/>
+            <a:off x="6226687" y="3296016"/>
             <a:ext cx="340028" cy="290738"/>
           </a:xfrm>
           <a:prstGeom prst="rect">
@@ -5941,7 +5852,7 @@
         </p:nvSpPr>
         <p:spPr>
           <a:xfrm>
-            <a:off x="8938229" y="3602036"/>
+            <a:off x="8444821" y="3705031"/>
             <a:ext cx="3084278" cy="290738"/>
           </a:xfrm>
           <a:prstGeom prst="rect">
@@ -5978,14 +5889,14 @@
           <p:nvPr/>
         </p:nvPicPr>
         <p:blipFill>
-          <a:blip r:embed="rId30"/>
+          <a:blip r:embed="rId27"/>
           <a:stretch>
             <a:fillRect/>
           </a:stretch>
         </p:blipFill>
         <p:spPr>
           <a:xfrm>
-            <a:off x="8959220" y="3840774"/>
+            <a:off x="9042120" y="3968227"/>
             <a:ext cx="3075035" cy="224625"/>
           </a:xfrm>
           <a:prstGeom prst="rect">
@@ -6008,7 +5919,7 @@
           <p:nvPr/>
         </p:nvPicPr>
         <p:blipFill>
-          <a:blip r:embed="rId31"/>
+          <a:blip r:embed="rId28"/>
           <a:stretch>
             <a:fillRect/>
           </a:stretch>
@@ -6037,7 +5948,7 @@
         </p:nvGrpSpPr>
         <p:grpSpPr>
           <a:xfrm>
-            <a:off x="7038381" y="3464532"/>
+            <a:off x="6718784" y="3520663"/>
             <a:ext cx="1790700" cy="609600"/>
             <a:chOff x="7038381" y="3464532"/>
             <a:chExt cx="1790700" cy="609600"/>
@@ -6058,7 +5969,7 @@
             <p:nvPr/>
           </p:nvPicPr>
           <p:blipFill>
-            <a:blip r:embed="rId32"/>
+            <a:blip r:embed="rId29"/>
             <a:stretch>
               <a:fillRect/>
             </a:stretch>
@@ -6129,6 +6040,749 @@
           </p:txBody>
         </p:sp>
       </p:grpSp>
+      <p:grpSp>
+        <p:nvGrpSpPr>
+          <p:cNvPr id="27" name="Group 26">
+            <a:extLst>
+              <a:ext uri="{FF2B5EF4-FFF2-40B4-BE49-F238E27FC236}">
+                <a16:creationId xmlns:a16="http://schemas.microsoft.com/office/drawing/2014/main" id="{76A0E168-25A7-9342-8C0C-B4C54001518B}"/>
+              </a:ext>
+            </a:extLst>
+          </p:cNvPr>
+          <p:cNvGrpSpPr/>
+          <p:nvPr/>
+        </p:nvGrpSpPr>
+        <p:grpSpPr>
+          <a:xfrm>
+            <a:off x="8056885" y="4944884"/>
+            <a:ext cx="2333625" cy="1238250"/>
+            <a:chOff x="6053949" y="5084735"/>
+            <a:chExt cx="2333625" cy="1238250"/>
+          </a:xfrm>
+        </p:grpSpPr>
+        <p:pic>
+          <p:nvPicPr>
+            <p:cNvPr id="14" name="Picture 13">
+              <a:extLst>
+                <a:ext uri="{FF2B5EF4-FFF2-40B4-BE49-F238E27FC236}">
+                  <a16:creationId xmlns:a16="http://schemas.microsoft.com/office/drawing/2014/main" id="{89CD79A0-896D-6069-1E11-67740F378135}"/>
+                </a:ext>
+              </a:extLst>
+            </p:cNvPr>
+            <p:cNvPicPr>
+              <a:picLocks noChangeAspect="1"/>
+            </p:cNvPicPr>
+            <p:nvPr/>
+          </p:nvPicPr>
+          <p:blipFill>
+            <a:blip r:embed="rId30"/>
+            <a:stretch>
+              <a:fillRect/>
+            </a:stretch>
+          </p:blipFill>
+          <p:spPr>
+            <a:xfrm>
+              <a:off x="6053949" y="5084735"/>
+              <a:ext cx="2333625" cy="1238250"/>
+            </a:xfrm>
+            <a:prstGeom prst="rect">
+              <a:avLst/>
+            </a:prstGeom>
+          </p:spPr>
+        </p:pic>
+        <p:sp>
+          <p:nvSpPr>
+            <p:cNvPr id="26" name="Rectangle 25">
+              <a:extLst>
+                <a:ext uri="{FF2B5EF4-FFF2-40B4-BE49-F238E27FC236}">
+                  <a16:creationId xmlns:a16="http://schemas.microsoft.com/office/drawing/2014/main" id="{B11DEDA5-D492-B466-BF44-2728D61688B6}"/>
+                </a:ext>
+              </a:extLst>
+            </p:cNvPr>
+            <p:cNvSpPr/>
+            <p:nvPr/>
+          </p:nvSpPr>
+          <p:spPr>
+            <a:xfrm>
+              <a:off x="6078023" y="5932732"/>
+              <a:ext cx="1997753" cy="156731"/>
+            </a:xfrm>
+            <a:prstGeom prst="rect">
+              <a:avLst/>
+            </a:prstGeom>
+            <a:noFill/>
+            <a:ln w="6350">
+              <a:solidFill>
+                <a:schemeClr val="tx1"/>
+              </a:solidFill>
+            </a:ln>
+            <a:effectLst>
+              <a:outerShdw blurRad="50800" dist="38100" dir="8100000" algn="tr" rotWithShape="0">
+                <a:prstClr val="black">
+                  <a:alpha val="40000"/>
+                </a:prstClr>
+              </a:outerShdw>
+            </a:effectLst>
+          </p:spPr>
+          <p:txBody>
+            <a:bodyPr wrap="none" anchor="ctr" anchorCtr="0">
+              <a:noAutofit/>
+            </a:bodyPr>
+            <a:lstStyle/>
+            <a:p>
+              <a:pPr algn="r"/>
+              <a:endParaRPr lang="LID4096" sz="1100" dirty="0"/>
+            </a:p>
+          </p:txBody>
+        </p:sp>
+      </p:grpSp>
+      <p:pic>
+        <p:nvPicPr>
+          <p:cNvPr id="32" name="Picture 31">
+            <a:extLst>
+              <a:ext uri="{FF2B5EF4-FFF2-40B4-BE49-F238E27FC236}">
+                <a16:creationId xmlns:a16="http://schemas.microsoft.com/office/drawing/2014/main" id="{82233A78-DE07-695E-FE6E-AA1A806A541B}"/>
+              </a:ext>
+            </a:extLst>
+          </p:cNvPr>
+          <p:cNvPicPr>
+            <a:picLocks noChangeAspect="1"/>
+          </p:cNvPicPr>
+          <p:nvPr/>
+        </p:nvPicPr>
+        <p:blipFill>
+          <a:blip r:embed="rId31"/>
+          <a:stretch>
+            <a:fillRect/>
+          </a:stretch>
+        </p:blipFill>
+        <p:spPr>
+          <a:xfrm>
+            <a:off x="6087155" y="4312870"/>
+            <a:ext cx="3467100" cy="266700"/>
+          </a:xfrm>
+          <a:prstGeom prst="rect">
+            <a:avLst/>
+          </a:prstGeom>
+        </p:spPr>
+      </p:pic>
+      <p:pic>
+        <p:nvPicPr>
+          <p:cNvPr id="41" name="Picture 40">
+            <a:extLst>
+              <a:ext uri="{FF2B5EF4-FFF2-40B4-BE49-F238E27FC236}">
+                <a16:creationId xmlns:a16="http://schemas.microsoft.com/office/drawing/2014/main" id="{19F9E8DF-C380-136B-8D80-4DF7E272FB12}"/>
+              </a:ext>
+            </a:extLst>
+          </p:cNvPr>
+          <p:cNvPicPr>
+            <a:picLocks noChangeAspect="1"/>
+          </p:cNvPicPr>
+          <p:nvPr/>
+        </p:nvPicPr>
+        <p:blipFill>
+          <a:blip r:embed="rId32"/>
+          <a:stretch>
+            <a:fillRect/>
+          </a:stretch>
+        </p:blipFill>
+        <p:spPr>
+          <a:xfrm>
+            <a:off x="5765443" y="4661110"/>
+            <a:ext cx="5944804" cy="251511"/>
+          </a:xfrm>
+          <a:prstGeom prst="rect">
+            <a:avLst/>
+          </a:prstGeom>
+        </p:spPr>
+      </p:pic>
+      <p:sp>
+        <p:nvSpPr>
+          <p:cNvPr id="44" name="TextBox 43">
+            <a:extLst>
+              <a:ext uri="{FF2B5EF4-FFF2-40B4-BE49-F238E27FC236}">
+                <a16:creationId xmlns:a16="http://schemas.microsoft.com/office/drawing/2014/main" id="{85F8432C-49EE-C6F8-E35C-6E6764339AB3}"/>
+              </a:ext>
+            </a:extLst>
+          </p:cNvPr>
+          <p:cNvSpPr txBox="1"/>
+          <p:nvPr/>
+        </p:nvSpPr>
+        <p:spPr>
+          <a:xfrm>
+            <a:off x="9531913" y="4321774"/>
+            <a:ext cx="2460691" cy="523220"/>
+          </a:xfrm>
+          <a:prstGeom prst="rect">
+            <a:avLst/>
+          </a:prstGeom>
+          <a:noFill/>
+        </p:spPr>
+        <p:txBody>
+          <a:bodyPr wrap="square" lIns="0" tIns="0" rIns="0" bIns="0" anchor="ctr" anchorCtr="0">
+            <a:noAutofit/>
+          </a:bodyPr>
+          <a:lstStyle>
+            <a:defPPr>
+              <a:defRPr lang="LID4096"/>
+            </a:defPPr>
+            <a:lvl1pPr algn="ctr">
+              <a:defRPr sz="1400" b="1"/>
+            </a:lvl1pPr>
+          </a:lstStyle>
+          <a:p>
+            <a:r>
+              <a:rPr lang="en-US" dirty="0"/>
+              <a:t>20 pst.</a:t>
+            </a:r>
+            <a:r>
+              <a:rPr lang="en-US" dirty="0">
+                <a:solidFill>
+                  <a:srgbClr val="0000FF"/>
+                </a:solidFill>
+              </a:rPr>
+              <a:t>write</a:t>
+            </a:r>
+            <a:r>
+              <a:rPr lang="en-US" dirty="0"/>
+              <a:t> ___ external files </a:t>
+            </a:r>
+          </a:p>
+        </p:txBody>
+      </p:sp>
+      <p:pic>
+        <p:nvPicPr>
+          <p:cNvPr id="47" name="Picture 46">
+            <a:extLst>
+              <a:ext uri="{FF2B5EF4-FFF2-40B4-BE49-F238E27FC236}">
+                <a16:creationId xmlns:a16="http://schemas.microsoft.com/office/drawing/2014/main" id="{EE66AD0B-2339-C40B-C754-E49DD5A346B0}"/>
+              </a:ext>
+            </a:extLst>
+          </p:cNvPr>
+          <p:cNvPicPr>
+            <a:picLocks noChangeAspect="1"/>
+          </p:cNvPicPr>
+          <p:nvPr/>
+        </p:nvPicPr>
+        <p:blipFill>
+          <a:blip r:embed="rId33"/>
+          <a:stretch>
+            <a:fillRect/>
+          </a:stretch>
+        </p:blipFill>
+        <p:spPr>
+          <a:xfrm>
+            <a:off x="10320069" y="5003777"/>
+            <a:ext cx="1762125" cy="809625"/>
+          </a:xfrm>
+          <a:prstGeom prst="rect">
+            <a:avLst/>
+          </a:prstGeom>
+          <a:ln>
+            <a:solidFill>
+              <a:schemeClr val="tx1"/>
+            </a:solidFill>
+          </a:ln>
+          <a:effectLst>
+            <a:outerShdw blurRad="50800" dist="38100" dir="8100000" algn="tr" rotWithShape="0">
+              <a:prstClr val="black">
+                <a:alpha val="40000"/>
+              </a:prstClr>
+            </a:outerShdw>
+          </a:effectLst>
+        </p:spPr>
+      </p:pic>
+      <p:sp>
+        <p:nvSpPr>
+          <p:cNvPr id="2" name="TextBox 1">
+            <a:extLst>
+              <a:ext uri="{FF2B5EF4-FFF2-40B4-BE49-F238E27FC236}">
+                <a16:creationId xmlns:a16="http://schemas.microsoft.com/office/drawing/2014/main" id="{3B74C93D-58E0-540B-EFC8-A932F7A4351C}"/>
+              </a:ext>
+            </a:extLst>
+          </p:cNvPr>
+          <p:cNvSpPr txBox="1"/>
+          <p:nvPr/>
+        </p:nvSpPr>
+        <p:spPr>
+          <a:xfrm>
+            <a:off x="7991813" y="6130618"/>
+            <a:ext cx="825756" cy="338554"/>
+          </a:xfrm>
+          <a:prstGeom prst="rect">
+            <a:avLst/>
+          </a:prstGeom>
+          <a:noFill/>
+        </p:spPr>
+        <p:txBody>
+          <a:bodyPr wrap="square">
+            <a:spAutoFit/>
+          </a:bodyPr>
+          <a:lstStyle/>
+          <a:p>
+            <a:pPr algn="r"/>
+            <a:r>
+              <a:rPr lang="en-US" sz="1600" b="1" dirty="0">
+                <a:solidFill>
+                  <a:srgbClr val="00B050"/>
+                </a:solidFill>
+              </a:rPr>
+              <a:t>PST</a:t>
+            </a:r>
+            <a:r>
+              <a:rPr lang="en-US" sz="1600" b="1">
+                <a:solidFill>
+                  <a:srgbClr val="00B050"/>
+                </a:solidFill>
+              </a:rPr>
+              <a:t>_05</a:t>
+            </a:r>
+            <a:endParaRPr lang="en-US" sz="1600" b="1" dirty="0">
+              <a:solidFill>
+                <a:srgbClr val="00B050"/>
+              </a:solidFill>
+            </a:endParaRPr>
+          </a:p>
+        </p:txBody>
+      </p:sp>
+      <p:pic>
+        <p:nvPicPr>
+          <p:cNvPr id="37" name="Picture 36">
+            <a:extLst>
+              <a:ext uri="{FF2B5EF4-FFF2-40B4-BE49-F238E27FC236}">
+                <a16:creationId xmlns:a16="http://schemas.microsoft.com/office/drawing/2014/main" id="{844669FF-BB65-B4D4-9BE4-45C98AB71361}"/>
+              </a:ext>
+            </a:extLst>
+          </p:cNvPr>
+          <p:cNvPicPr>
+            <a:picLocks noChangeAspect="1"/>
+          </p:cNvPicPr>
+          <p:nvPr/>
+        </p:nvPicPr>
+        <p:blipFill>
+          <a:blip r:embed="rId34"/>
+          <a:stretch>
+            <a:fillRect/>
+          </a:stretch>
+        </p:blipFill>
+        <p:spPr>
+          <a:xfrm>
+            <a:off x="7398158" y="1984915"/>
+            <a:ext cx="4597373" cy="214149"/>
+          </a:xfrm>
+          <a:prstGeom prst="rect">
+            <a:avLst/>
+          </a:prstGeom>
+        </p:spPr>
+      </p:pic>
+      <p:pic>
+        <p:nvPicPr>
+          <p:cNvPr id="45" name="Picture 44">
+            <a:extLst>
+              <a:ext uri="{FF2B5EF4-FFF2-40B4-BE49-F238E27FC236}">
+                <a16:creationId xmlns:a16="http://schemas.microsoft.com/office/drawing/2014/main" id="{8ABDBC0D-E2E7-7D13-447F-CEFF3D363FF6}"/>
+              </a:ext>
+            </a:extLst>
+          </p:cNvPr>
+          <p:cNvPicPr>
+            <a:picLocks noChangeAspect="1"/>
+          </p:cNvPicPr>
+          <p:nvPr/>
+        </p:nvPicPr>
+        <p:blipFill>
+          <a:blip r:embed="rId35"/>
+          <a:stretch>
+            <a:fillRect/>
+          </a:stretch>
+        </p:blipFill>
+        <p:spPr>
+          <a:xfrm>
+            <a:off x="6855950" y="2241980"/>
+            <a:ext cx="5139581" cy="218706"/>
+          </a:xfrm>
+          <a:prstGeom prst="rect">
+            <a:avLst/>
+          </a:prstGeom>
+        </p:spPr>
+      </p:pic>
+      <p:pic>
+        <p:nvPicPr>
+          <p:cNvPr id="57" name="Picture 56">
+            <a:extLst>
+              <a:ext uri="{FF2B5EF4-FFF2-40B4-BE49-F238E27FC236}">
+                <a16:creationId xmlns:a16="http://schemas.microsoft.com/office/drawing/2014/main" id="{DB62BDED-CD69-EB9B-6955-3D6FEF2C4D6C}"/>
+              </a:ext>
+            </a:extLst>
+          </p:cNvPr>
+          <p:cNvPicPr>
+            <a:picLocks noChangeAspect="1"/>
+          </p:cNvPicPr>
+          <p:nvPr/>
+        </p:nvPicPr>
+        <p:blipFill>
+          <a:blip r:embed="rId36"/>
+          <a:stretch>
+            <a:fillRect/>
+          </a:stretch>
+        </p:blipFill>
+        <p:spPr>
+          <a:xfrm>
+            <a:off x="6190721" y="355635"/>
+            <a:ext cx="5804810" cy="232375"/>
+          </a:xfrm>
+          <a:prstGeom prst="rect">
+            <a:avLst/>
+          </a:prstGeom>
+        </p:spPr>
+      </p:pic>
+      <p:sp>
+        <p:nvSpPr>
+          <p:cNvPr id="61" name="TextBox 60">
+            <a:extLst>
+              <a:ext uri="{FF2B5EF4-FFF2-40B4-BE49-F238E27FC236}">
+                <a16:creationId xmlns:a16="http://schemas.microsoft.com/office/drawing/2014/main" id="{5E31E495-F776-AB36-3D52-AA846C3DC2DE}"/>
+              </a:ext>
+            </a:extLst>
+          </p:cNvPr>
+          <p:cNvSpPr txBox="1"/>
+          <p:nvPr/>
+        </p:nvSpPr>
+        <p:spPr>
+          <a:xfrm>
+            <a:off x="11358153" y="4078831"/>
+            <a:ext cx="825756" cy="338554"/>
+          </a:xfrm>
+          <a:prstGeom prst="rect">
+            <a:avLst/>
+          </a:prstGeom>
+          <a:noFill/>
+        </p:spPr>
+        <p:txBody>
+          <a:bodyPr wrap="square">
+            <a:spAutoFit/>
+          </a:bodyPr>
+          <a:lstStyle/>
+          <a:p>
+            <a:pPr algn="r"/>
+            <a:r>
+              <a:rPr lang="en-US" sz="1600" b="1" dirty="0">
+                <a:solidFill>
+                  <a:srgbClr val="00B050"/>
+                </a:solidFill>
+              </a:rPr>
+              <a:t>PST_04</a:t>
+            </a:r>
+          </a:p>
+        </p:txBody>
+      </p:sp>
+      <p:sp>
+        <p:nvSpPr>
+          <p:cNvPr id="63" name="TextBox 62">
+            <a:extLst>
+              <a:ext uri="{FF2B5EF4-FFF2-40B4-BE49-F238E27FC236}">
+                <a16:creationId xmlns:a16="http://schemas.microsoft.com/office/drawing/2014/main" id="{059CDD5E-C789-4839-6628-129BCB57F1BB}"/>
+              </a:ext>
+            </a:extLst>
+          </p:cNvPr>
+          <p:cNvSpPr txBox="1"/>
+          <p:nvPr/>
+        </p:nvSpPr>
+        <p:spPr>
+          <a:xfrm>
+            <a:off x="11358153" y="3609598"/>
+            <a:ext cx="825756" cy="338554"/>
+          </a:xfrm>
+          <a:prstGeom prst="rect">
+            <a:avLst/>
+          </a:prstGeom>
+          <a:noFill/>
+        </p:spPr>
+        <p:txBody>
+          <a:bodyPr wrap="square">
+            <a:spAutoFit/>
+          </a:bodyPr>
+          <a:lstStyle/>
+          <a:p>
+            <a:pPr algn="r"/>
+            <a:r>
+              <a:rPr lang="en-US" sz="1600" b="1" dirty="0">
+                <a:solidFill>
+                  <a:srgbClr val="00B050"/>
+                </a:solidFill>
+              </a:rPr>
+              <a:t>PST_03</a:t>
+            </a:r>
+          </a:p>
+        </p:txBody>
+      </p:sp>
+      <p:grpSp>
+        <p:nvGrpSpPr>
+          <p:cNvPr id="68" name="Group 67">
+            <a:extLst>
+              <a:ext uri="{FF2B5EF4-FFF2-40B4-BE49-F238E27FC236}">
+                <a16:creationId xmlns:a16="http://schemas.microsoft.com/office/drawing/2014/main" id="{479B3195-FB5D-0592-79F1-33E7D2218710}"/>
+              </a:ext>
+            </a:extLst>
+          </p:cNvPr>
+          <p:cNvGrpSpPr/>
+          <p:nvPr/>
+        </p:nvGrpSpPr>
+        <p:grpSpPr>
+          <a:xfrm>
+            <a:off x="5917535" y="5047337"/>
+            <a:ext cx="1871530" cy="1733069"/>
+            <a:chOff x="5917535" y="5047337"/>
+            <a:chExt cx="1871530" cy="1733069"/>
+          </a:xfrm>
+        </p:grpSpPr>
+        <p:pic>
+          <p:nvPicPr>
+            <p:cNvPr id="67" name="Picture 66">
+              <a:extLst>
+                <a:ext uri="{FF2B5EF4-FFF2-40B4-BE49-F238E27FC236}">
+                  <a16:creationId xmlns:a16="http://schemas.microsoft.com/office/drawing/2014/main" id="{F3525D53-E22B-6953-7261-8F8DC02F5972}"/>
+                </a:ext>
+              </a:extLst>
+            </p:cNvPr>
+            <p:cNvPicPr>
+              <a:picLocks noChangeAspect="1"/>
+            </p:cNvPicPr>
+            <p:nvPr/>
+          </p:nvPicPr>
+          <p:blipFill>
+            <a:blip r:embed="rId37"/>
+            <a:stretch>
+              <a:fillRect/>
+            </a:stretch>
+          </p:blipFill>
+          <p:spPr>
+            <a:xfrm>
+              <a:off x="6234964" y="5299011"/>
+              <a:ext cx="1554101" cy="1481395"/>
+            </a:xfrm>
+            <a:prstGeom prst="rect">
+              <a:avLst/>
+            </a:prstGeom>
+            <a:ln>
+              <a:solidFill>
+                <a:schemeClr val="tx1"/>
+              </a:solidFill>
+            </a:ln>
+            <a:effectLst>
+              <a:outerShdw blurRad="50800" dist="38100" dir="8100000" algn="tr" rotWithShape="0">
+                <a:prstClr val="black">
+                  <a:alpha val="40000"/>
+                </a:prstClr>
+              </a:outerShdw>
+            </a:effectLst>
+          </p:spPr>
+        </p:pic>
+        <p:pic>
+          <p:nvPicPr>
+            <p:cNvPr id="65" name="Picture 64">
+              <a:extLst>
+                <a:ext uri="{FF2B5EF4-FFF2-40B4-BE49-F238E27FC236}">
+                  <a16:creationId xmlns:a16="http://schemas.microsoft.com/office/drawing/2014/main" id="{73E7D502-19D8-124B-0272-976BC1DC66A3}"/>
+                </a:ext>
+              </a:extLst>
+            </p:cNvPr>
+            <p:cNvPicPr>
+              <a:picLocks noChangeAspect="1"/>
+            </p:cNvPicPr>
+            <p:nvPr/>
+          </p:nvPicPr>
+          <p:blipFill>
+            <a:blip r:embed="rId38"/>
+            <a:stretch>
+              <a:fillRect/>
+            </a:stretch>
+          </p:blipFill>
+          <p:spPr>
+            <a:xfrm>
+              <a:off x="5917535" y="5047337"/>
+              <a:ext cx="1200150" cy="428625"/>
+            </a:xfrm>
+            <a:prstGeom prst="rect">
+              <a:avLst/>
+            </a:prstGeom>
+            <a:ln>
+              <a:solidFill>
+                <a:schemeClr val="tx1"/>
+              </a:solidFill>
+            </a:ln>
+            <a:effectLst>
+              <a:outerShdw blurRad="50800" dist="38100" dir="8100000" algn="tr" rotWithShape="0">
+                <a:prstClr val="black">
+                  <a:alpha val="40000"/>
+                </a:prstClr>
+              </a:outerShdw>
+            </a:effectLst>
+          </p:spPr>
+        </p:pic>
+      </p:grpSp>
+      <p:sp>
+        <p:nvSpPr>
+          <p:cNvPr id="70" name="TextBox 69">
+            <a:extLst>
+              <a:ext uri="{FF2B5EF4-FFF2-40B4-BE49-F238E27FC236}">
+                <a16:creationId xmlns:a16="http://schemas.microsoft.com/office/drawing/2014/main" id="{594082DE-43BC-CAB3-AEB4-261692A78CCC}"/>
+              </a:ext>
+            </a:extLst>
+          </p:cNvPr>
+          <p:cNvSpPr txBox="1"/>
+          <p:nvPr/>
+        </p:nvSpPr>
+        <p:spPr>
+          <a:xfrm>
+            <a:off x="7093565" y="4981544"/>
+            <a:ext cx="563468" cy="251511"/>
+          </a:xfrm>
+          <a:prstGeom prst="rect">
+            <a:avLst/>
+          </a:prstGeom>
+          <a:noFill/>
+        </p:spPr>
+        <p:txBody>
+          <a:bodyPr wrap="square" lIns="0" tIns="0" rIns="0" bIns="0" anchor="ctr" anchorCtr="0">
+            <a:noAutofit/>
+          </a:bodyPr>
+          <a:lstStyle>
+            <a:defPPr>
+              <a:defRPr lang="LID4096"/>
+            </a:defPPr>
+            <a:lvl1pPr algn="ctr">
+              <a:defRPr sz="1400" b="1"/>
+            </a:lvl1pPr>
+          </a:lstStyle>
+          <a:p>
+            <a:r>
+              <a:rPr lang="en-US" dirty="0"/>
+              <a:t>21</a:t>
+            </a:r>
+          </a:p>
+        </p:txBody>
+      </p:sp>
+      <p:sp>
+        <p:nvSpPr>
+          <p:cNvPr id="71" name="TextBox 70">
+            <a:extLst>
+              <a:ext uri="{FF2B5EF4-FFF2-40B4-BE49-F238E27FC236}">
+                <a16:creationId xmlns:a16="http://schemas.microsoft.com/office/drawing/2014/main" id="{48FF020D-AA79-507D-2000-31A7898CDBC8}"/>
+              </a:ext>
+            </a:extLst>
+          </p:cNvPr>
+          <p:cNvSpPr txBox="1"/>
+          <p:nvPr/>
+        </p:nvSpPr>
+        <p:spPr>
+          <a:xfrm>
+            <a:off x="9627516" y="4201756"/>
+            <a:ext cx="1276915" cy="290738"/>
+          </a:xfrm>
+          <a:prstGeom prst="rect">
+            <a:avLst/>
+          </a:prstGeom>
+          <a:noFill/>
+        </p:spPr>
+        <p:txBody>
+          <a:bodyPr wrap="square" lIns="0" tIns="0" rIns="0" bIns="0" anchor="ctr" anchorCtr="0">
+            <a:noAutofit/>
+          </a:bodyPr>
+          <a:lstStyle/>
+          <a:p>
+            <a:r>
+              <a:rPr lang="en-US" sz="1400" b="1" dirty="0"/>
+              <a:t>17,18,19 ______</a:t>
+            </a:r>
+          </a:p>
+        </p:txBody>
+      </p:sp>
+      <p:sp>
+        <p:nvSpPr>
+          <p:cNvPr id="72" name="TextBox 71">
+            <a:extLst>
+              <a:ext uri="{FF2B5EF4-FFF2-40B4-BE49-F238E27FC236}">
+                <a16:creationId xmlns:a16="http://schemas.microsoft.com/office/drawing/2014/main" id="{B3C74DE2-0F63-7188-848B-67DA343271CC}"/>
+              </a:ext>
+            </a:extLst>
+          </p:cNvPr>
+          <p:cNvSpPr txBox="1"/>
+          <p:nvPr/>
+        </p:nvSpPr>
+        <p:spPr>
+          <a:xfrm>
+            <a:off x="10919509" y="4758752"/>
+            <a:ext cx="1077037" cy="251511"/>
+          </a:xfrm>
+          <a:prstGeom prst="rect">
+            <a:avLst/>
+          </a:prstGeom>
+          <a:noFill/>
+        </p:spPr>
+        <p:txBody>
+          <a:bodyPr wrap="square" lIns="0" tIns="0" rIns="0" bIns="0" anchor="ctr" anchorCtr="0">
+            <a:noAutofit/>
+          </a:bodyPr>
+          <a:lstStyle>
+            <a:defPPr>
+              <a:defRPr lang="LID4096"/>
+            </a:defPPr>
+            <a:lvl1pPr algn="ctr">
+              <a:defRPr sz="1400" b="1"/>
+            </a:lvl1pPr>
+          </a:lstStyle>
+          <a:p>
+            <a:pPr algn="r"/>
+            <a:r>
+              <a:rPr lang="en-US" dirty="0"/>
+              <a:t>REC</a:t>
+            </a:r>
+          </a:p>
+        </p:txBody>
+      </p:sp>
+      <p:sp>
+        <p:nvSpPr>
+          <p:cNvPr id="73" name="TextBox 72">
+            <a:extLst>
+              <a:ext uri="{FF2B5EF4-FFF2-40B4-BE49-F238E27FC236}">
+                <a16:creationId xmlns:a16="http://schemas.microsoft.com/office/drawing/2014/main" id="{2B55D14D-AEAE-E980-0FCD-CEDD2BBC0368}"/>
+              </a:ext>
+            </a:extLst>
+          </p:cNvPr>
+          <p:cNvSpPr txBox="1"/>
+          <p:nvPr/>
+        </p:nvSpPr>
+        <p:spPr>
+          <a:xfrm>
+            <a:off x="8404691" y="6536351"/>
+            <a:ext cx="1872645" cy="251511"/>
+          </a:xfrm>
+          <a:prstGeom prst="rect">
+            <a:avLst/>
+          </a:prstGeom>
+          <a:noFill/>
+        </p:spPr>
+        <p:txBody>
+          <a:bodyPr wrap="square" lIns="0" tIns="0" rIns="0" bIns="0" anchor="ctr" anchorCtr="0">
+            <a:noAutofit/>
+          </a:bodyPr>
+          <a:lstStyle>
+            <a:defPPr>
+              <a:defRPr lang="LID4096"/>
+            </a:defPPr>
+            <a:lvl1pPr algn="ctr">
+              <a:defRPr sz="1400" b="1"/>
+            </a:lvl1pPr>
+          </a:lstStyle>
+          <a:p>
+            <a:pPr algn="r"/>
+            <a:r>
+              <a:rPr lang="en-US" dirty="0"/>
+              <a:t>Then, … ensemble ….</a:t>
+            </a:r>
+          </a:p>
+        </p:txBody>
+      </p:sp>
     </p:spTree>
     <p:extLst>
       <p:ext uri="{BB962C8B-B14F-4D97-AF65-F5344CB8AC3E}">

--- a/01_Follow_up__activities.pptx
+++ b/01_Follow_up__activities.pptx
@@ -3797,7 +3797,7 @@
           </p:nvSpPr>
           <p:spPr>
             <a:xfrm>
-              <a:off x="2090214" y="2787488"/>
+              <a:off x="2090214" y="2813126"/>
               <a:ext cx="369061" cy="231860"/>
             </a:xfrm>
             <a:prstGeom prst="rect">
@@ -3840,7 +3840,7 @@
           </p:nvSpPr>
           <p:spPr>
             <a:xfrm>
-              <a:off x="2093690" y="3000130"/>
+              <a:off x="2093690" y="3025768"/>
               <a:ext cx="365760" cy="228741"/>
             </a:xfrm>
             <a:prstGeom prst="rect">
@@ -7683,7 +7683,7 @@
         </p:nvGrpSpPr>
         <p:grpSpPr>
           <a:xfrm>
-            <a:off x="6004332" y="520772"/>
+            <a:off x="6005650" y="450910"/>
             <a:ext cx="2041177" cy="722951"/>
             <a:chOff x="6283239" y="585832"/>
             <a:chExt cx="2041177" cy="722951"/>

--- a/01_Follow_up__activities.pptx
+++ b/01_Follow_up__activities.pptx
@@ -3355,6 +3355,320 @@
           <a:chExt cx="0" cy="0"/>
         </a:xfrm>
       </p:grpSpPr>
+      <p:pic>
+        <p:nvPicPr>
+          <p:cNvPr id="20" name="Picture 19">
+            <a:extLst>
+              <a:ext uri="{FF2B5EF4-FFF2-40B4-BE49-F238E27FC236}">
+                <a16:creationId xmlns:a16="http://schemas.microsoft.com/office/drawing/2014/main" id="{DB7A4848-79D1-CF76-A381-C15D8771C3FE}"/>
+              </a:ext>
+            </a:extLst>
+          </p:cNvPr>
+          <p:cNvPicPr>
+            <a:picLocks noChangeAspect="1"/>
+          </p:cNvPicPr>
+          <p:nvPr/>
+        </p:nvPicPr>
+        <p:blipFill>
+          <a:blip r:embed="rId2"/>
+          <a:srcRect t="66407" b="22720"/>
+          <a:stretch/>
+        </p:blipFill>
+        <p:spPr>
+          <a:xfrm>
+            <a:off x="8416598" y="299141"/>
+            <a:ext cx="2419350" cy="199867"/>
+          </a:xfrm>
+          <a:prstGeom prst="rect">
+            <a:avLst/>
+          </a:prstGeom>
+        </p:spPr>
+      </p:pic>
+      <p:grpSp>
+        <p:nvGrpSpPr>
+          <p:cNvPr id="6" name="Group 5">
+            <a:extLst>
+              <a:ext uri="{FF2B5EF4-FFF2-40B4-BE49-F238E27FC236}">
+                <a16:creationId xmlns:a16="http://schemas.microsoft.com/office/drawing/2014/main" id="{2B70A95A-D0F7-F911-B4B8-35531BA9B406}"/>
+              </a:ext>
+            </a:extLst>
+          </p:cNvPr>
+          <p:cNvGrpSpPr/>
+          <p:nvPr/>
+        </p:nvGrpSpPr>
+        <p:grpSpPr>
+          <a:xfrm>
+            <a:off x="226416" y="1346528"/>
+            <a:ext cx="2419351" cy="2296717"/>
+            <a:chOff x="8088628" y="811372"/>
+            <a:chExt cx="2419351" cy="2296717"/>
+          </a:xfrm>
+        </p:grpSpPr>
+        <p:pic>
+          <p:nvPicPr>
+            <p:cNvPr id="7" name="Picture 6">
+              <a:extLst>
+                <a:ext uri="{FF2B5EF4-FFF2-40B4-BE49-F238E27FC236}">
+                  <a16:creationId xmlns:a16="http://schemas.microsoft.com/office/drawing/2014/main" id="{E9645DA4-708E-868D-388F-1F68D6B31104}"/>
+                </a:ext>
+              </a:extLst>
+            </p:cNvPr>
+            <p:cNvPicPr>
+              <a:picLocks noChangeAspect="1"/>
+            </p:cNvPicPr>
+            <p:nvPr/>
+          </p:nvPicPr>
+          <p:blipFill>
+            <a:blip r:embed="rId2"/>
+            <a:srcRect b="3071"/>
+            <a:stretch/>
+          </p:blipFill>
+          <p:spPr>
+            <a:xfrm>
+              <a:off x="8088629" y="1326233"/>
+              <a:ext cx="2419350" cy="1781856"/>
+            </a:xfrm>
+            <a:prstGeom prst="rect">
+              <a:avLst/>
+            </a:prstGeom>
+          </p:spPr>
+        </p:pic>
+        <p:grpSp>
+          <p:nvGrpSpPr>
+            <p:cNvPr id="9" name="Group 8">
+              <a:extLst>
+                <a:ext uri="{FF2B5EF4-FFF2-40B4-BE49-F238E27FC236}">
+                  <a16:creationId xmlns:a16="http://schemas.microsoft.com/office/drawing/2014/main" id="{D5E713D6-C42D-EFB2-6655-E66AAE649CAE}"/>
+                </a:ext>
+              </a:extLst>
+            </p:cNvPr>
+            <p:cNvGrpSpPr/>
+            <p:nvPr/>
+          </p:nvGrpSpPr>
+          <p:grpSpPr>
+            <a:xfrm>
+              <a:off x="8088628" y="811372"/>
+              <a:ext cx="2419350" cy="1714822"/>
+              <a:chOff x="117859" y="1326904"/>
+              <a:chExt cx="2419350" cy="1714822"/>
+            </a:xfrm>
+          </p:grpSpPr>
+          <p:grpSp>
+            <p:nvGrpSpPr>
+              <p:cNvPr id="10" name="Group 9">
+                <a:extLst>
+                  <a:ext uri="{FF2B5EF4-FFF2-40B4-BE49-F238E27FC236}">
+                    <a16:creationId xmlns:a16="http://schemas.microsoft.com/office/drawing/2014/main" id="{359750D3-2064-5C41-992F-62C8B7621C0F}"/>
+                  </a:ext>
+                </a:extLst>
+              </p:cNvPr>
+              <p:cNvGrpSpPr>
+                <a:grpSpLocks noChangeAspect="1"/>
+              </p:cNvGrpSpPr>
+              <p:nvPr/>
+            </p:nvGrpSpPr>
+            <p:grpSpPr>
+              <a:xfrm>
+                <a:off x="117859" y="1326904"/>
+                <a:ext cx="2419350" cy="1714822"/>
+                <a:chOff x="4048227" y="505992"/>
+                <a:chExt cx="2419350" cy="1714822"/>
+              </a:xfrm>
+            </p:grpSpPr>
+            <p:pic>
+              <p:nvPicPr>
+                <p:cNvPr id="12" name="Picture 11">
+                  <a:extLst>
+                    <a:ext uri="{FF2B5EF4-FFF2-40B4-BE49-F238E27FC236}">
+                      <a16:creationId xmlns:a16="http://schemas.microsoft.com/office/drawing/2014/main" id="{3EB304BF-7A13-C8C6-B7CF-08C8E5871C80}"/>
+                    </a:ext>
+                  </a:extLst>
+                </p:cNvPr>
+                <p:cNvPicPr>
+                  <a:picLocks noChangeAspect="1"/>
+                </p:cNvPicPr>
+                <p:nvPr/>
+              </p:nvPicPr>
+              <p:blipFill>
+                <a:blip r:embed="rId3"/>
+                <a:stretch>
+                  <a:fillRect/>
+                </a:stretch>
+              </p:blipFill>
+              <p:spPr>
+                <a:xfrm>
+                  <a:off x="4048244" y="509447"/>
+                  <a:ext cx="1590675" cy="228600"/>
+                </a:xfrm>
+                <a:prstGeom prst="rect">
+                  <a:avLst/>
+                </a:prstGeom>
+              </p:spPr>
+            </p:pic>
+            <p:pic>
+              <p:nvPicPr>
+                <p:cNvPr id="14" name="Picture 13">
+                  <a:extLst>
+                    <a:ext uri="{FF2B5EF4-FFF2-40B4-BE49-F238E27FC236}">
+                      <a16:creationId xmlns:a16="http://schemas.microsoft.com/office/drawing/2014/main" id="{F82E947A-5D23-DF1F-605C-6789D4D6010C}"/>
+                    </a:ext>
+                  </a:extLst>
+                </p:cNvPr>
+                <p:cNvPicPr>
+                  <a:picLocks noChangeAspect="1"/>
+                </p:cNvPicPr>
+                <p:nvPr/>
+              </p:nvPicPr>
+              <p:blipFill>
+                <a:blip r:embed="rId4"/>
+                <a:stretch>
+                  <a:fillRect/>
+                </a:stretch>
+              </p:blipFill>
+              <p:spPr>
+                <a:xfrm>
+                  <a:off x="4191410" y="760071"/>
+                  <a:ext cx="1514475" cy="228600"/>
+                </a:xfrm>
+                <a:prstGeom prst="rect">
+                  <a:avLst/>
+                </a:prstGeom>
+              </p:spPr>
+            </p:pic>
+            <p:sp>
+              <p:nvSpPr>
+                <p:cNvPr id="15" name="Rectangle 14">
+                  <a:extLst>
+                    <a:ext uri="{FF2B5EF4-FFF2-40B4-BE49-F238E27FC236}">
+                      <a16:creationId xmlns:a16="http://schemas.microsoft.com/office/drawing/2014/main" id="{5B88A108-90CD-3680-A6E0-3CEFACBBA42D}"/>
+                    </a:ext>
+                  </a:extLst>
+                </p:cNvPr>
+                <p:cNvSpPr/>
+                <p:nvPr/>
+              </p:nvSpPr>
+              <p:spPr>
+                <a:xfrm>
+                  <a:off x="4048228" y="505992"/>
+                  <a:ext cx="1683738" cy="232193"/>
+                </a:xfrm>
+                <a:prstGeom prst="rect">
+                  <a:avLst/>
+                </a:prstGeom>
+                <a:noFill/>
+                <a:ln w="6350">
+                  <a:solidFill>
+                    <a:srgbClr val="0000FF"/>
+                  </a:solidFill>
+                </a:ln>
+                <a:effectLst>
+                  <a:outerShdw blurRad="50800" dist="38100" dir="8100000" algn="tr" rotWithShape="0">
+                    <a:prstClr val="black">
+                      <a:alpha val="40000"/>
+                    </a:prstClr>
+                  </a:outerShdw>
+                </a:effectLst>
+              </p:spPr>
+              <p:txBody>
+                <a:bodyPr wrap="none" anchor="ctr" anchorCtr="0">
+                  <a:noAutofit/>
+                </a:bodyPr>
+                <a:lstStyle/>
+                <a:p>
+                  <a:endParaRPr lang="LID4096" dirty="0"/>
+                </a:p>
+              </p:txBody>
+            </p:sp>
+            <p:sp>
+              <p:nvSpPr>
+                <p:cNvPr id="16" name="Rectangle 15">
+                  <a:extLst>
+                    <a:ext uri="{FF2B5EF4-FFF2-40B4-BE49-F238E27FC236}">
+                      <a16:creationId xmlns:a16="http://schemas.microsoft.com/office/drawing/2014/main" id="{D8887CD3-9237-D9A2-19D0-F20F55A5BDD3}"/>
+                    </a:ext>
+                  </a:extLst>
+                </p:cNvPr>
+                <p:cNvSpPr/>
+                <p:nvPr/>
+              </p:nvSpPr>
+              <p:spPr>
+                <a:xfrm>
+                  <a:off x="4048227" y="2025070"/>
+                  <a:ext cx="2419350" cy="195744"/>
+                </a:xfrm>
+                <a:prstGeom prst="rect">
+                  <a:avLst/>
+                </a:prstGeom>
+                <a:noFill/>
+                <a:ln w="6350">
+                  <a:solidFill>
+                    <a:schemeClr val="tx1"/>
+                  </a:solidFill>
+                </a:ln>
+                <a:effectLst>
+                  <a:outerShdw blurRad="50800" dist="38100" dir="8100000" algn="tr" rotWithShape="0">
+                    <a:prstClr val="black">
+                      <a:alpha val="40000"/>
+                    </a:prstClr>
+                  </a:outerShdw>
+                </a:effectLst>
+              </p:spPr>
+              <p:txBody>
+                <a:bodyPr wrap="none" anchor="ctr" anchorCtr="0">
+                  <a:noAutofit/>
+                </a:bodyPr>
+                <a:lstStyle/>
+                <a:p>
+                  <a:endParaRPr lang="LID4096" dirty="0"/>
+                </a:p>
+              </p:txBody>
+            </p:sp>
+          </p:grpSp>
+          <p:sp>
+            <p:nvSpPr>
+              <p:cNvPr id="11" name="TextBox 10">
+                <a:extLst>
+                  <a:ext uri="{FF2B5EF4-FFF2-40B4-BE49-F238E27FC236}">
+                    <a16:creationId xmlns:a16="http://schemas.microsoft.com/office/drawing/2014/main" id="{84017375-D00C-832E-02F4-84F56D403A6E}"/>
+                  </a:ext>
+                </a:extLst>
+              </p:cNvPr>
+              <p:cNvSpPr txBox="1">
+                <a:spLocks noChangeAspect="1"/>
+              </p:cNvSpPr>
+              <p:nvPr/>
+            </p:nvSpPr>
+            <p:spPr>
+              <a:xfrm>
+                <a:off x="2111704" y="2875538"/>
+                <a:ext cx="369061" cy="136632"/>
+              </a:xfrm>
+              <a:prstGeom prst="rect">
+                <a:avLst/>
+              </a:prstGeom>
+              <a:solidFill>
+                <a:schemeClr val="bg1">
+                  <a:lumMod val="85000"/>
+                </a:schemeClr>
+              </a:solidFill>
+            </p:spPr>
+            <p:txBody>
+              <a:bodyPr wrap="none" lIns="0" tIns="0" rIns="0" bIns="0" anchor="ctr" anchorCtr="0">
+                <a:noAutofit/>
+              </a:bodyPr>
+              <a:lstStyle/>
+              <a:p>
+                <a:pPr algn="ctr"/>
+                <a:r>
+                  <a:rPr lang="pt-BR" sz="1200" b="1" dirty="0"/>
+                  <a:t>2_01</a:t>
+                </a:r>
+                <a:endParaRPr lang="LID4096" sz="1200" b="1" dirty="0"/>
+              </a:p>
+            </p:txBody>
+          </p:sp>
+        </p:grpSp>
+      </p:grpSp>
       <p:grpSp>
         <p:nvGrpSpPr>
           <p:cNvPr id="2" name="Group 1">
@@ -3538,7 +3852,7 @@
                   <a:latin typeface="Lucida Casual"/>
                   <a:ea typeface="Calibri" panose="020F0502020204030204" pitchFamily="34" charset="0"/>
                   <a:cs typeface="Arial" panose="020B0604020202020204" pitchFamily="34" charset="0"/>
-                  <a:hlinkClick r:id="rId2">
+                  <a:hlinkClick r:id="rId5">
                     <a:extLst>
                       <a:ext uri="{A12FA001-AC4F-418D-AE19-62706E023703}">
                         <ahyp:hlinkClr xmlns:ahyp="http://schemas.microsoft.com/office/drawing/2018/hyperlinkcolor" val="tx"/>
@@ -3563,10 +3877,10 @@
       </p:grpSp>
       <p:grpSp>
         <p:nvGrpSpPr>
-          <p:cNvPr id="42" name="Group 41">
-            <a:extLst>
-              <a:ext uri="{FF2B5EF4-FFF2-40B4-BE49-F238E27FC236}">
-                <a16:creationId xmlns:a16="http://schemas.microsoft.com/office/drawing/2014/main" id="{E41455C1-0CA3-A170-F87A-01838C456D09}"/>
+          <p:cNvPr id="43" name="Group 42">
+            <a:extLst>
+              <a:ext uri="{FF2B5EF4-FFF2-40B4-BE49-F238E27FC236}">
+                <a16:creationId xmlns:a16="http://schemas.microsoft.com/office/drawing/2014/main" id="{EB57C950-3CD6-C020-C22D-EF93E84F1565}"/>
               </a:ext>
             </a:extLst>
           </p:cNvPr>
@@ -3575,317 +3889,10 @@
         </p:nvGrpSpPr>
         <p:grpSpPr>
           <a:xfrm>
-            <a:off x="19160" y="1326904"/>
-            <a:ext cx="2667000" cy="2107684"/>
-            <a:chOff x="19160" y="1326904"/>
-            <a:chExt cx="2667000" cy="2107684"/>
-          </a:xfrm>
-        </p:grpSpPr>
-        <p:pic>
-          <p:nvPicPr>
-            <p:cNvPr id="22" name="Picture 21">
-              <a:extLst>
-                <a:ext uri="{FF2B5EF4-FFF2-40B4-BE49-F238E27FC236}">
-                  <a16:creationId xmlns:a16="http://schemas.microsoft.com/office/drawing/2014/main" id="{E311A52C-DF82-0B7C-D9C4-A1DCBCC7A9B7}"/>
-                </a:ext>
-              </a:extLst>
-            </p:cNvPr>
-            <p:cNvPicPr>
-              <a:picLocks noChangeAspect="1"/>
-            </p:cNvPicPr>
-            <p:nvPr/>
-          </p:nvPicPr>
-          <p:blipFill>
-            <a:blip r:embed="rId3"/>
-            <a:srcRect t="3105" b="1"/>
-            <a:stretch/>
-          </p:blipFill>
-          <p:spPr>
-            <a:xfrm>
-              <a:off x="19160" y="1828706"/>
-              <a:ext cx="2667000" cy="1605882"/>
-            </a:xfrm>
-            <a:prstGeom prst="rect">
-              <a:avLst/>
-            </a:prstGeom>
-          </p:spPr>
-        </p:pic>
-        <p:grpSp>
-          <p:nvGrpSpPr>
-            <p:cNvPr id="48" name="Group 47">
-              <a:extLst>
-                <a:ext uri="{FF2B5EF4-FFF2-40B4-BE49-F238E27FC236}">
-                  <a16:creationId xmlns:a16="http://schemas.microsoft.com/office/drawing/2014/main" id="{608EB2A8-157A-5BDF-009B-F9C85F229A52}"/>
-                </a:ext>
-              </a:extLst>
-            </p:cNvPr>
-            <p:cNvGrpSpPr>
-              <a:grpSpLocks noChangeAspect="1"/>
-            </p:cNvGrpSpPr>
-            <p:nvPr/>
-          </p:nvGrpSpPr>
-          <p:grpSpPr>
-            <a:xfrm>
-              <a:off x="48587" y="1326904"/>
-              <a:ext cx="1993298" cy="1882817"/>
-              <a:chOff x="3978955" y="505992"/>
-              <a:chExt cx="1993298" cy="1882817"/>
-            </a:xfrm>
-          </p:grpSpPr>
-          <p:pic>
-            <p:nvPicPr>
-              <p:cNvPr id="49" name="Picture 48">
-                <a:extLst>
-                  <a:ext uri="{FF2B5EF4-FFF2-40B4-BE49-F238E27FC236}">
-                    <a16:creationId xmlns:a16="http://schemas.microsoft.com/office/drawing/2014/main" id="{D4EA3117-CA94-097C-E0AE-0770901728AE}"/>
-                  </a:ext>
-                </a:extLst>
-              </p:cNvPr>
-              <p:cNvPicPr>
-                <a:picLocks noChangeAspect="1"/>
-              </p:cNvPicPr>
-              <p:nvPr/>
-            </p:nvPicPr>
-            <p:blipFill>
-              <a:blip r:embed="rId4"/>
-              <a:stretch>
-                <a:fillRect/>
-              </a:stretch>
-            </p:blipFill>
-            <p:spPr>
-              <a:xfrm>
-                <a:off x="4048244" y="509447"/>
-                <a:ext cx="1590675" cy="228600"/>
-              </a:xfrm>
-              <a:prstGeom prst="rect">
-                <a:avLst/>
-              </a:prstGeom>
-            </p:spPr>
-          </p:pic>
-          <p:pic>
-            <p:nvPicPr>
-              <p:cNvPr id="53" name="Picture 52">
-                <a:extLst>
-                  <a:ext uri="{FF2B5EF4-FFF2-40B4-BE49-F238E27FC236}">
-                    <a16:creationId xmlns:a16="http://schemas.microsoft.com/office/drawing/2014/main" id="{F0E9F340-DA1F-7A07-6194-02F6A1450C63}"/>
-                  </a:ext>
-                </a:extLst>
-              </p:cNvPr>
-              <p:cNvPicPr>
-                <a:picLocks noChangeAspect="1"/>
-              </p:cNvPicPr>
-              <p:nvPr/>
-            </p:nvPicPr>
-            <p:blipFill>
-              <a:blip r:embed="rId5"/>
-              <a:stretch>
-                <a:fillRect/>
-              </a:stretch>
-            </p:blipFill>
-            <p:spPr>
-              <a:xfrm>
-                <a:off x="4191410" y="760071"/>
-                <a:ext cx="1514475" cy="228600"/>
-              </a:xfrm>
-              <a:prstGeom prst="rect">
-                <a:avLst/>
-              </a:prstGeom>
-            </p:spPr>
-          </p:pic>
-          <p:sp>
-            <p:nvSpPr>
-              <p:cNvPr id="57" name="Rectangle 56">
-                <a:extLst>
-                  <a:ext uri="{FF2B5EF4-FFF2-40B4-BE49-F238E27FC236}">
-                    <a16:creationId xmlns:a16="http://schemas.microsoft.com/office/drawing/2014/main" id="{3CE529C0-4F4B-B0B4-4705-2DC539DE9084}"/>
-                  </a:ext>
-                </a:extLst>
-              </p:cNvPr>
-              <p:cNvSpPr/>
-              <p:nvPr/>
-            </p:nvSpPr>
-            <p:spPr>
-              <a:xfrm>
-                <a:off x="4048228" y="505992"/>
-                <a:ext cx="1683738" cy="232193"/>
-              </a:xfrm>
-              <a:prstGeom prst="rect">
-                <a:avLst/>
-              </a:prstGeom>
-              <a:noFill/>
-              <a:ln w="6350">
-                <a:solidFill>
-                  <a:srgbClr val="0000FF"/>
-                </a:solidFill>
-              </a:ln>
-              <a:effectLst>
-                <a:outerShdw blurRad="50800" dist="38100" dir="8100000" algn="tr" rotWithShape="0">
-                  <a:prstClr val="black">
-                    <a:alpha val="40000"/>
-                  </a:prstClr>
-                </a:outerShdw>
-              </a:effectLst>
-            </p:spPr>
-            <p:txBody>
-              <a:bodyPr wrap="none" anchor="ctr" anchorCtr="0">
-                <a:noAutofit/>
-              </a:bodyPr>
-              <a:lstStyle/>
-              <a:p>
-                <a:endParaRPr lang="LID4096" dirty="0"/>
-              </a:p>
-            </p:txBody>
-          </p:sp>
-          <p:sp>
-            <p:nvSpPr>
-              <p:cNvPr id="61" name="Rectangle 60">
-                <a:extLst>
-                  <a:ext uri="{FF2B5EF4-FFF2-40B4-BE49-F238E27FC236}">
-                    <a16:creationId xmlns:a16="http://schemas.microsoft.com/office/drawing/2014/main" id="{ECA1E9B0-2590-2008-70FD-34006B92D715}"/>
-                  </a:ext>
-                </a:extLst>
-              </p:cNvPr>
-              <p:cNvSpPr/>
-              <p:nvPr/>
-            </p:nvSpPr>
-            <p:spPr>
-              <a:xfrm>
-                <a:off x="3978955" y="1791013"/>
-                <a:ext cx="1993298" cy="597796"/>
-              </a:xfrm>
-              <a:prstGeom prst="rect">
-                <a:avLst/>
-              </a:prstGeom>
-              <a:noFill/>
-              <a:ln w="6350">
-                <a:solidFill>
-                  <a:schemeClr val="tx1"/>
-                </a:solidFill>
-              </a:ln>
-              <a:effectLst>
-                <a:outerShdw blurRad="50800" dist="38100" dir="8100000" algn="tr" rotWithShape="0">
-                  <a:prstClr val="black">
-                    <a:alpha val="40000"/>
-                  </a:prstClr>
-                </a:outerShdw>
-              </a:effectLst>
-            </p:spPr>
-            <p:txBody>
-              <a:bodyPr wrap="none" anchor="ctr" anchorCtr="0">
-                <a:noAutofit/>
-              </a:bodyPr>
-              <a:lstStyle/>
-              <a:p>
-                <a:endParaRPr lang="LID4096" dirty="0"/>
-              </a:p>
-            </p:txBody>
-          </p:sp>
-        </p:grpSp>
-        <p:sp>
-          <p:nvSpPr>
-            <p:cNvPr id="23" name="TextBox 22">
-              <a:extLst>
-                <a:ext uri="{FF2B5EF4-FFF2-40B4-BE49-F238E27FC236}">
-                  <a16:creationId xmlns:a16="http://schemas.microsoft.com/office/drawing/2014/main" id="{57B0E320-E71B-BDEF-4FB9-0F7718451562}"/>
-                </a:ext>
-              </a:extLst>
-            </p:cNvPr>
-            <p:cNvSpPr txBox="1">
-              <a:spLocks noChangeAspect="1"/>
-            </p:cNvSpPr>
-            <p:nvPr/>
-          </p:nvSpPr>
-          <p:spPr>
-            <a:xfrm>
-              <a:off x="2090214" y="2813126"/>
-              <a:ext cx="369061" cy="231860"/>
-            </a:xfrm>
-            <a:prstGeom prst="rect">
-              <a:avLst/>
-            </a:prstGeom>
-            <a:solidFill>
-              <a:schemeClr val="bg1">
-                <a:lumMod val="85000"/>
-              </a:schemeClr>
-            </a:solidFill>
-          </p:spPr>
-          <p:txBody>
-            <a:bodyPr wrap="none" lIns="0" tIns="0" rIns="0" bIns="0" anchor="ctr" anchorCtr="0">
-              <a:noAutofit/>
-            </a:bodyPr>
-            <a:lstStyle/>
-            <a:p>
-              <a:pPr algn="ctr"/>
-              <a:r>
-                <a:rPr lang="pt-BR" sz="1200" b="1" dirty="0"/>
-                <a:t>2_01</a:t>
-              </a:r>
-              <a:endParaRPr lang="LID4096" sz="1200" b="1" dirty="0"/>
-            </a:p>
-          </p:txBody>
-        </p:sp>
-        <p:sp>
-          <p:nvSpPr>
-            <p:cNvPr id="24" name="TextBox 23">
-              <a:extLst>
-                <a:ext uri="{FF2B5EF4-FFF2-40B4-BE49-F238E27FC236}">
-                  <a16:creationId xmlns:a16="http://schemas.microsoft.com/office/drawing/2014/main" id="{2812BF2E-20DA-7EED-B617-0C95B1E2C097}"/>
-                </a:ext>
-              </a:extLst>
-            </p:cNvPr>
-            <p:cNvSpPr txBox="1">
-              <a:spLocks noChangeAspect="1"/>
-            </p:cNvSpPr>
-            <p:nvPr/>
-          </p:nvSpPr>
-          <p:spPr>
-            <a:xfrm>
-              <a:off x="2093690" y="3025768"/>
-              <a:ext cx="365760" cy="228741"/>
-            </a:xfrm>
-            <a:prstGeom prst="rect">
-              <a:avLst/>
-            </a:prstGeom>
-            <a:solidFill>
-              <a:schemeClr val="bg1">
-                <a:lumMod val="85000"/>
-              </a:schemeClr>
-            </a:solidFill>
-          </p:spPr>
-          <p:txBody>
-            <a:bodyPr wrap="none" lIns="0" tIns="0" rIns="0" bIns="0" anchor="ctr" anchorCtr="0">
-              <a:noAutofit/>
-            </a:bodyPr>
-            <a:lstStyle/>
-            <a:p>
-              <a:pPr algn="ctr"/>
-              <a:r>
-                <a:rPr lang="pt-BR" sz="1200" b="1" dirty="0"/>
-                <a:t>2_02</a:t>
-              </a:r>
-              <a:endParaRPr lang="LID4096" sz="1200" b="1" dirty="0"/>
-            </a:p>
-          </p:txBody>
-        </p:sp>
-      </p:grpSp>
-      <p:grpSp>
-        <p:nvGrpSpPr>
-          <p:cNvPr id="43" name="Group 42">
-            <a:extLst>
-              <a:ext uri="{FF2B5EF4-FFF2-40B4-BE49-F238E27FC236}">
-                <a16:creationId xmlns:a16="http://schemas.microsoft.com/office/drawing/2014/main" id="{EB57C950-3CD6-C020-C22D-EF93E84F1565}"/>
-              </a:ext>
-            </a:extLst>
-          </p:cNvPr>
-          <p:cNvGrpSpPr/>
-          <p:nvPr/>
-        </p:nvGrpSpPr>
-        <p:grpSpPr>
-          <a:xfrm>
-            <a:off x="8407689" y="281279"/>
-            <a:ext cx="3465911" cy="4667098"/>
-            <a:chOff x="6132884" y="239922"/>
-            <a:chExt cx="3465911" cy="4667098"/>
+            <a:off x="8425144" y="281279"/>
+            <a:ext cx="3448456" cy="4667098"/>
+            <a:chOff x="6150339" y="239922"/>
+            <a:chExt cx="3448456" cy="4667098"/>
           </a:xfrm>
         </p:grpSpPr>
         <p:grpSp>
@@ -3902,10 +3909,10 @@
           </p:nvGrpSpPr>
           <p:grpSpPr>
             <a:xfrm>
-              <a:off x="6132884" y="239922"/>
-              <a:ext cx="3465911" cy="4667098"/>
-              <a:chOff x="5877509" y="190494"/>
-              <a:chExt cx="3465911" cy="4667098"/>
+              <a:off x="6150339" y="239922"/>
+              <a:ext cx="3448456" cy="4667098"/>
+              <a:chOff x="5894964" y="190494"/>
+              <a:chExt cx="3448456" cy="4667098"/>
             </a:xfrm>
           </p:grpSpPr>
           <p:pic>
@@ -3954,10 +3961,10 @@
             </p:nvGrpSpPr>
             <p:grpSpPr>
               <a:xfrm>
-                <a:off x="5877509" y="190494"/>
-                <a:ext cx="3463892" cy="1452757"/>
-                <a:chOff x="2701654" y="952704"/>
-                <a:chExt cx="3463892" cy="1452757"/>
+                <a:off x="5894964" y="190494"/>
+                <a:ext cx="3446437" cy="1452757"/>
+                <a:chOff x="2719109" y="952704"/>
+                <a:chExt cx="3446437" cy="1452757"/>
               </a:xfrm>
             </p:grpSpPr>
             <p:sp>
@@ -4004,35 +4011,6 @@
                 </a:p>
               </p:txBody>
             </p:sp>
-            <p:pic>
-              <p:nvPicPr>
-                <p:cNvPr id="88" name="Picture 87">
-                  <a:extLst>
-                    <a:ext uri="{FF2B5EF4-FFF2-40B4-BE49-F238E27FC236}">
-                      <a16:creationId xmlns:a16="http://schemas.microsoft.com/office/drawing/2014/main" id="{C9716A55-BC66-C747-8CCB-A54068086A2F}"/>
-                    </a:ext>
-                  </a:extLst>
-                </p:cNvPr>
-                <p:cNvPicPr>
-                  <a:picLocks noChangeAspect="1"/>
-                </p:cNvPicPr>
-                <p:nvPr/>
-              </p:nvPicPr>
-              <p:blipFill>
-                <a:blip r:embed="rId7"/>
-                <a:srcRect t="67651" b="22555"/>
-                <a:stretch/>
-              </p:blipFill>
-              <p:spPr>
-                <a:xfrm>
-                  <a:off x="2701654" y="966536"/>
-                  <a:ext cx="2190750" cy="179110"/>
-                </a:xfrm>
-                <a:prstGeom prst="rect">
-                  <a:avLst/>
-                </a:prstGeom>
-              </p:spPr>
-            </p:pic>
             <p:sp>
               <p:nvSpPr>
                 <p:cNvPr id="89" name="Rectangle 88">
@@ -4179,9 +4157,9 @@
         <p:grpSpPr>
           <a:xfrm>
             <a:off x="125598" y="76665"/>
-            <a:ext cx="2019300" cy="1028700"/>
+            <a:ext cx="1919943" cy="1028700"/>
             <a:chOff x="125598" y="76665"/>
-            <a:chExt cx="2019300" cy="1028700"/>
+            <a:chExt cx="1919943" cy="1028700"/>
           </a:xfrm>
         </p:grpSpPr>
         <p:pic>
@@ -4199,15 +4177,14 @@
             <p:nvPr/>
           </p:nvPicPr>
           <p:blipFill>
-            <a:blip r:embed="rId8"/>
-            <a:stretch>
-              <a:fillRect/>
-            </a:stretch>
+            <a:blip r:embed="rId7"/>
+            <a:srcRect r="53369"/>
+            <a:stretch/>
           </p:blipFill>
           <p:spPr>
             <a:xfrm>
               <a:off x="125598" y="76665"/>
-              <a:ext cx="2019300" cy="1028700"/>
+              <a:ext cx="941616" cy="1028700"/>
             </a:xfrm>
             <a:prstGeom prst="rect">
               <a:avLst/>
@@ -4328,9 +4305,9 @@
         <p:grpSpPr>
           <a:xfrm>
             <a:off x="3689435" y="217617"/>
-            <a:ext cx="4140169" cy="4959205"/>
+            <a:ext cx="4125450" cy="4959205"/>
             <a:chOff x="3318721" y="221634"/>
-            <a:chExt cx="4140169" cy="4959205"/>
+            <a:chExt cx="4125450" cy="4959205"/>
           </a:xfrm>
         </p:grpSpPr>
         <p:grpSp>
@@ -4348,9 +4325,9 @@
           <p:grpSpPr>
             <a:xfrm>
               <a:off x="3318721" y="221634"/>
-              <a:ext cx="4140169" cy="4959205"/>
+              <a:ext cx="4125450" cy="4959205"/>
               <a:chOff x="2733833" y="221634"/>
-              <a:chExt cx="4140169" cy="4959205"/>
+              <a:chExt cx="4125450" cy="4959205"/>
             </a:xfrm>
           </p:grpSpPr>
           <p:pic>
@@ -4368,7 +4345,7 @@
               <p:nvPr/>
             </p:nvPicPr>
             <p:blipFill>
-              <a:blip r:embed="rId9"/>
+              <a:blip r:embed="rId8"/>
               <a:stretch>
                 <a:fillRect/>
               </a:stretch>
@@ -4398,7 +4375,7 @@
               <p:nvPr/>
             </p:nvPicPr>
             <p:blipFill>
-              <a:blip r:embed="rId10"/>
+              <a:blip r:embed="rId9"/>
               <a:stretch>
                 <a:fillRect/>
               </a:stretch>
@@ -4631,7 +4608,7 @@
             </p:nvSpPr>
             <p:spPr>
               <a:xfrm>
-                <a:off x="6164316" y="3011830"/>
+                <a:off x="5161171" y="3433017"/>
                 <a:ext cx="709686" cy="283668"/>
               </a:xfrm>
               <a:prstGeom prst="rect">
@@ -4715,14 +4692,14 @@
             </a:extLst>
           </p:cNvPr>
           <p:cNvSpPr txBox="1">
-            <a:spLocks noChangeAspect="1"/>
+            <a:spLocks/>
           </p:cNvSpPr>
           <p:nvPr/>
         </p:nvSpPr>
         <p:spPr>
           <a:xfrm>
-            <a:off x="2087628" y="2221130"/>
-            <a:ext cx="369061" cy="231860"/>
+            <a:off x="2225165" y="2331791"/>
+            <a:ext cx="369060" cy="137160"/>
           </a:xfrm>
           <a:prstGeom prst="rect">
             <a:avLst/>
@@ -4762,7 +4739,7 @@
         </p:nvGrpSpPr>
         <p:grpSpPr>
           <a:xfrm>
-            <a:off x="56825" y="3981728"/>
+            <a:off x="198185" y="3870247"/>
             <a:ext cx="2712767" cy="2774292"/>
             <a:chOff x="56825" y="3981728"/>
             <a:chExt cx="2712767" cy="2774292"/>
@@ -4783,7 +4760,7 @@
             <p:nvPr/>
           </p:nvPicPr>
           <p:blipFill>
-            <a:blip r:embed="rId11"/>
+            <a:blip r:embed="rId10"/>
             <a:stretch>
               <a:fillRect/>
             </a:stretch>
@@ -4813,7 +4790,7 @@
             <p:nvPr/>
           </p:nvPicPr>
           <p:blipFill>
-            <a:blip r:embed="rId3"/>
+            <a:blip r:embed="rId11"/>
             <a:srcRect t="28348" b="60588"/>
             <a:stretch/>
           </p:blipFill>
@@ -4842,7 +4819,7 @@
             <p:nvPr/>
           </p:nvPicPr>
           <p:blipFill>
-            <a:blip r:embed="rId3"/>
+            <a:blip r:embed="rId11"/>
             <a:srcRect l="636" t="87625" r="-636" b="1311"/>
             <a:stretch/>
           </p:blipFill>
@@ -4936,14 +4913,14 @@
               </a:extLst>
             </p:cNvPr>
             <p:cNvSpPr txBox="1">
-              <a:spLocks noChangeAspect="1"/>
+              <a:spLocks/>
             </p:cNvSpPr>
             <p:nvPr/>
           </p:nvSpPr>
           <p:spPr>
             <a:xfrm>
               <a:off x="2087627" y="4060031"/>
-              <a:ext cx="369061" cy="231860"/>
+              <a:ext cx="369061" cy="137160"/>
             </a:xfrm>
             <a:prstGeom prst="rect">
               <a:avLst/>
@@ -4970,6 +4947,214 @@
           </p:txBody>
         </p:sp>
       </p:grpSp>
+      <p:sp>
+        <p:nvSpPr>
+          <p:cNvPr id="17" name="TextBox 16">
+            <a:extLst>
+              <a:ext uri="{FF2B5EF4-FFF2-40B4-BE49-F238E27FC236}">
+                <a16:creationId xmlns:a16="http://schemas.microsoft.com/office/drawing/2014/main" id="{2812BF2E-20DA-7EED-B617-0C95B1E2C097}"/>
+              </a:ext>
+            </a:extLst>
+          </p:cNvPr>
+          <p:cNvSpPr txBox="1">
+            <a:spLocks/>
+          </p:cNvSpPr>
+          <p:nvPr/>
+        </p:nvSpPr>
+        <p:spPr>
+          <a:xfrm>
+            <a:off x="2220261" y="3094744"/>
+            <a:ext cx="365760" cy="137160"/>
+          </a:xfrm>
+          <a:prstGeom prst="rect">
+            <a:avLst/>
+          </a:prstGeom>
+          <a:solidFill>
+            <a:schemeClr val="bg1">
+              <a:lumMod val="85000"/>
+            </a:schemeClr>
+          </a:solidFill>
+        </p:spPr>
+        <p:txBody>
+          <a:bodyPr wrap="none" lIns="0" tIns="0" rIns="0" bIns="0" anchor="ctr" anchorCtr="0">
+            <a:noAutofit/>
+          </a:bodyPr>
+          <a:lstStyle/>
+          <a:p>
+            <a:pPr algn="ctr"/>
+            <a:r>
+              <a:rPr lang="pt-BR" sz="1200" b="1" dirty="0"/>
+              <a:t>2_02</a:t>
+            </a:r>
+            <a:endParaRPr lang="LID4096" sz="1200" b="1" dirty="0"/>
+          </a:p>
+        </p:txBody>
+      </p:sp>
+      <p:sp>
+        <p:nvSpPr>
+          <p:cNvPr id="18" name="TextBox 17">
+            <a:extLst>
+              <a:ext uri="{FF2B5EF4-FFF2-40B4-BE49-F238E27FC236}">
+                <a16:creationId xmlns:a16="http://schemas.microsoft.com/office/drawing/2014/main" id="{ED29F966-C0C5-385B-21C0-F73DF992AEA4}"/>
+              </a:ext>
+            </a:extLst>
+          </p:cNvPr>
+          <p:cNvSpPr txBox="1"/>
+          <p:nvPr/>
+        </p:nvSpPr>
+        <p:spPr>
+          <a:xfrm>
+            <a:off x="10343291" y="2701868"/>
+            <a:ext cx="1547141" cy="261610"/>
+          </a:xfrm>
+          <a:prstGeom prst="rect">
+            <a:avLst/>
+          </a:prstGeom>
+          <a:noFill/>
+        </p:spPr>
+        <p:txBody>
+          <a:bodyPr wrap="square">
+            <a:spAutoFit/>
+          </a:bodyPr>
+          <a:lstStyle/>
+          <a:p>
+            <a:pPr algn="r"/>
+            <a:r>
+              <a:rPr lang="en-US" sz="1100" b="1" dirty="0"/>
+              <a:t>Original version</a:t>
+            </a:r>
+          </a:p>
+        </p:txBody>
+      </p:sp>
+      <p:sp>
+        <p:nvSpPr>
+          <p:cNvPr id="19" name="Rectangle 18">
+            <a:extLst>
+              <a:ext uri="{FF2B5EF4-FFF2-40B4-BE49-F238E27FC236}">
+                <a16:creationId xmlns:a16="http://schemas.microsoft.com/office/drawing/2014/main" id="{AD5926F2-FA6D-41A2-5559-53F179C89CE5}"/>
+              </a:ext>
+            </a:extLst>
+          </p:cNvPr>
+          <p:cNvSpPr/>
+          <p:nvPr/>
+        </p:nvSpPr>
+        <p:spPr>
+          <a:xfrm>
+            <a:off x="8467269" y="2936712"/>
+            <a:ext cx="3377011" cy="199866"/>
+          </a:xfrm>
+          <a:prstGeom prst="rect">
+            <a:avLst/>
+          </a:prstGeom>
+          <a:noFill/>
+          <a:ln w="6350">
+            <a:solidFill>
+              <a:srgbClr val="FF0000"/>
+            </a:solidFill>
+          </a:ln>
+          <a:effectLst>
+            <a:outerShdw blurRad="50800" dist="38100" dir="8100000" algn="tr" rotWithShape="0">
+              <a:prstClr val="black">
+                <a:alpha val="40000"/>
+              </a:prstClr>
+            </a:outerShdw>
+          </a:effectLst>
+        </p:spPr>
+        <p:txBody>
+          <a:bodyPr wrap="none" anchor="ctr" anchorCtr="0">
+            <a:noAutofit/>
+          </a:bodyPr>
+          <a:lstStyle/>
+          <a:p>
+            <a:endParaRPr lang="LID4096"/>
+          </a:p>
+        </p:txBody>
+      </p:sp>
+      <p:sp>
+        <p:nvSpPr>
+          <p:cNvPr id="25" name="TextBox 24">
+            <a:extLst>
+              <a:ext uri="{FF2B5EF4-FFF2-40B4-BE49-F238E27FC236}">
+                <a16:creationId xmlns:a16="http://schemas.microsoft.com/office/drawing/2014/main" id="{AD5EDBCF-49BD-26AD-FD57-76D4623DB14F}"/>
+              </a:ext>
+            </a:extLst>
+          </p:cNvPr>
+          <p:cNvSpPr txBox="1"/>
+          <p:nvPr/>
+        </p:nvSpPr>
+        <p:spPr>
+          <a:xfrm>
+            <a:off x="1349720" y="2008559"/>
+            <a:ext cx="795178" cy="246221"/>
+          </a:xfrm>
+          <a:prstGeom prst="rect">
+            <a:avLst/>
+          </a:prstGeom>
+          <a:noFill/>
+        </p:spPr>
+        <p:txBody>
+          <a:bodyPr wrap="square">
+            <a:spAutoFit/>
+          </a:bodyPr>
+          <a:lstStyle/>
+          <a:p>
+            <a:r>
+              <a:rPr lang="LID4096" sz="1000" dirty="0">
+                <a:solidFill>
+                  <a:srgbClr val="FF0000"/>
+                </a:solidFill>
+              </a:rPr>
+              <a:t>FREYBERG</a:t>
+            </a:r>
+          </a:p>
+        </p:txBody>
+      </p:sp>
+      <p:sp>
+        <p:nvSpPr>
+          <p:cNvPr id="21" name="Arrow: Right 20">
+            <a:extLst>
+              <a:ext uri="{FF2B5EF4-FFF2-40B4-BE49-F238E27FC236}">
+                <a16:creationId xmlns:a16="http://schemas.microsoft.com/office/drawing/2014/main" id="{037047CD-E58C-D7B8-8D0B-45F8AC36B0B4}"/>
+              </a:ext>
+            </a:extLst>
+          </p:cNvPr>
+          <p:cNvSpPr/>
+          <p:nvPr/>
+        </p:nvSpPr>
+        <p:spPr>
+          <a:xfrm rot="20429806">
+            <a:off x="7080200" y="3346035"/>
+            <a:ext cx="402193" cy="308340"/>
+          </a:xfrm>
+          <a:prstGeom prst="rightArrow">
+            <a:avLst/>
+          </a:prstGeom>
+        </p:spPr>
+        <p:style>
+          <a:lnRef idx="2">
+            <a:schemeClr val="accent1">
+              <a:shade val="15000"/>
+            </a:schemeClr>
+          </a:lnRef>
+          <a:fillRef idx="1">
+            <a:schemeClr val="accent1"/>
+          </a:fillRef>
+          <a:effectRef idx="0">
+            <a:schemeClr val="accent1"/>
+          </a:effectRef>
+          <a:fontRef idx="minor">
+            <a:schemeClr val="lt1"/>
+          </a:fontRef>
+        </p:style>
+        <p:txBody>
+          <a:bodyPr rtlCol="0" anchor="ctr"/>
+          <a:lstStyle/>
+          <a:p>
+            <a:pPr algn="ctr"/>
+            <a:endParaRPr lang="LID4096"/>
+          </a:p>
+        </p:txBody>
+      </p:sp>
     </p:spTree>
     <p:extLst>
       <p:ext uri="{BB962C8B-B14F-4D97-AF65-F5344CB8AC3E}">
@@ -5226,7 +5411,7 @@
         </p:nvSpPr>
         <p:spPr>
           <a:xfrm>
-            <a:off x="132563" y="3124852"/>
+            <a:off x="448385" y="5040921"/>
             <a:ext cx="1458551" cy="246221"/>
           </a:xfrm>
           <a:prstGeom prst="rect">
@@ -5272,9 +5457,9 @@
         <p:grpSpPr>
           <a:xfrm>
             <a:off x="202886" y="1307843"/>
-            <a:ext cx="3003491" cy="1725615"/>
+            <a:ext cx="2403300" cy="463040"/>
             <a:chOff x="8974956" y="4712565"/>
-            <a:chExt cx="3003491" cy="1725615"/>
+            <a:chExt cx="2403300" cy="463040"/>
           </a:xfrm>
         </p:grpSpPr>
         <p:pic>
@@ -5293,13 +5478,13 @@
           </p:nvPicPr>
           <p:blipFill>
             <a:blip r:embed="rId3"/>
-            <a:srcRect t="40041" b="40053"/>
+            <a:srcRect t="40041" r="46014" b="40053"/>
             <a:stretch/>
           </p:blipFill>
           <p:spPr>
             <a:xfrm>
               <a:off x="8974956" y="4749965"/>
-              <a:ext cx="2019300" cy="204773"/>
+              <a:ext cx="1090133" cy="204773"/>
             </a:xfrm>
             <a:prstGeom prst="rect">
               <a:avLst/>
@@ -5308,10 +5493,10 @@
         </p:pic>
         <p:grpSp>
           <p:nvGrpSpPr>
-            <p:cNvPr id="27" name="Group 26">
+            <p:cNvPr id="29" name="Group 28">
               <a:extLst>
                 <a:ext uri="{FF2B5EF4-FFF2-40B4-BE49-F238E27FC236}">
-                  <a16:creationId xmlns:a16="http://schemas.microsoft.com/office/drawing/2014/main" id="{8E75B757-8F63-62B2-5C2A-01F1B7A99859}"/>
+                  <a16:creationId xmlns:a16="http://schemas.microsoft.com/office/drawing/2014/main" id="{9633D10B-DC4A-CD5B-DFD2-2B0A710E5839}"/>
                 </a:ext>
               </a:extLst>
             </p:cNvPr>
@@ -5321,172 +5506,47 @@
           <p:grpSpPr>
             <a:xfrm>
               <a:off x="8974956" y="4729123"/>
-              <a:ext cx="3003491" cy="1709057"/>
-              <a:chOff x="8442441" y="4397161"/>
-              <a:chExt cx="3003491" cy="1709057"/>
+              <a:ext cx="2305761" cy="446482"/>
+              <a:chOff x="5116577" y="207015"/>
+              <a:chExt cx="2305761" cy="446482"/>
             </a:xfrm>
           </p:grpSpPr>
-          <p:grpSp>
-            <p:nvGrpSpPr>
-              <p:cNvPr id="29" name="Group 28">
+          <p:pic>
+            <p:nvPicPr>
+              <p:cNvPr id="31" name="Picture 30">
                 <a:extLst>
                   <a:ext uri="{FF2B5EF4-FFF2-40B4-BE49-F238E27FC236}">
-                    <a16:creationId xmlns:a16="http://schemas.microsoft.com/office/drawing/2014/main" id="{9633D10B-DC4A-CD5B-DFD2-2B0A710E5839}"/>
+                    <a16:creationId xmlns:a16="http://schemas.microsoft.com/office/drawing/2014/main" id="{5CC4E739-83FB-2B2E-7DA0-ACF5F78755E5}"/>
                   </a:ext>
                 </a:extLst>
               </p:cNvPr>
-              <p:cNvGrpSpPr/>
+              <p:cNvPicPr>
+                <a:picLocks noChangeAspect="1"/>
+              </p:cNvPicPr>
               <p:nvPr/>
-            </p:nvGrpSpPr>
-            <p:grpSpPr>
+            </p:nvPicPr>
+            <p:blipFill>
+              <a:blip r:embed="rId4"/>
+              <a:stretch>
+                <a:fillRect/>
+              </a:stretch>
+            </p:blipFill>
+            <p:spPr>
               <a:xfrm>
-                <a:off x="8442441" y="4397161"/>
-                <a:ext cx="3003491" cy="1709057"/>
-                <a:chOff x="5116577" y="207015"/>
-                <a:chExt cx="3003491" cy="1709057"/>
+                <a:off x="5264119" y="453472"/>
+                <a:ext cx="1933575" cy="200025"/>
               </a:xfrm>
-            </p:grpSpPr>
-            <p:pic>
-              <p:nvPicPr>
-                <p:cNvPr id="31" name="Picture 30">
-                  <a:extLst>
-                    <a:ext uri="{FF2B5EF4-FFF2-40B4-BE49-F238E27FC236}">
-                      <a16:creationId xmlns:a16="http://schemas.microsoft.com/office/drawing/2014/main" id="{5CC4E739-83FB-2B2E-7DA0-ACF5F78755E5}"/>
-                    </a:ext>
-                  </a:extLst>
-                </p:cNvPr>
-                <p:cNvPicPr>
-                  <a:picLocks noChangeAspect="1"/>
-                </p:cNvPicPr>
-                <p:nvPr/>
-              </p:nvPicPr>
-              <p:blipFill>
-                <a:blip r:embed="rId4"/>
-                <a:stretch>
-                  <a:fillRect/>
-                </a:stretch>
-              </p:blipFill>
-              <p:spPr>
-                <a:xfrm>
-                  <a:off x="5264119" y="453472"/>
-                  <a:ext cx="1933575" cy="200025"/>
-                </a:xfrm>
-                <a:prstGeom prst="rect">
-                  <a:avLst/>
-                </a:prstGeom>
-              </p:spPr>
-            </p:pic>
-            <p:pic>
-              <p:nvPicPr>
-                <p:cNvPr id="32" name="Picture 31">
-                  <a:extLst>
-                    <a:ext uri="{FF2B5EF4-FFF2-40B4-BE49-F238E27FC236}">
-                      <a16:creationId xmlns:a16="http://schemas.microsoft.com/office/drawing/2014/main" id="{46CDE9FA-2B73-BA9C-FE8B-0072C2821F42}"/>
-                    </a:ext>
-                  </a:extLst>
-                </p:cNvPr>
-                <p:cNvPicPr>
-                  <a:picLocks noChangeAspect="1"/>
-                </p:cNvPicPr>
-                <p:nvPr/>
-              </p:nvPicPr>
-              <p:blipFill>
-                <a:blip r:embed="rId5"/>
-                <a:stretch>
-                  <a:fillRect/>
-                </a:stretch>
-              </p:blipFill>
-              <p:spPr>
-                <a:xfrm>
-                  <a:off x="5409227" y="657473"/>
-                  <a:ext cx="904875" cy="228600"/>
-                </a:xfrm>
-                <a:prstGeom prst="rect">
-                  <a:avLst/>
-                </a:prstGeom>
-              </p:spPr>
-            </p:pic>
-            <p:pic>
-              <p:nvPicPr>
-                <p:cNvPr id="33" name="Picture 32">
-                  <a:extLst>
-                    <a:ext uri="{FF2B5EF4-FFF2-40B4-BE49-F238E27FC236}">
-                      <a16:creationId xmlns:a16="http://schemas.microsoft.com/office/drawing/2014/main" id="{0F9B5EAC-3FB1-6E2A-0618-63B1D6AD8094}"/>
-                    </a:ext>
-                  </a:extLst>
-                </p:cNvPr>
-                <p:cNvPicPr>
-                  <a:picLocks noChangeAspect="1"/>
-                </p:cNvPicPr>
-                <p:nvPr/>
-              </p:nvPicPr>
-              <p:blipFill>
-                <a:blip r:embed="rId6"/>
-                <a:stretch>
-                  <a:fillRect/>
-                </a:stretch>
-              </p:blipFill>
-              <p:spPr>
-                <a:xfrm>
-                  <a:off x="5605468" y="887372"/>
-                  <a:ext cx="2514600" cy="1028700"/>
-                </a:xfrm>
-                <a:prstGeom prst="rect">
-                  <a:avLst/>
-                </a:prstGeom>
-              </p:spPr>
-            </p:pic>
-            <p:sp>
-              <p:nvSpPr>
-                <p:cNvPr id="34" name="Rectangle 33">
-                  <a:extLst>
-                    <a:ext uri="{FF2B5EF4-FFF2-40B4-BE49-F238E27FC236}">
-                      <a16:creationId xmlns:a16="http://schemas.microsoft.com/office/drawing/2014/main" id="{25743ECA-7AA8-97EB-2D50-69BCFAD039E8}"/>
-                    </a:ext>
-                  </a:extLst>
-                </p:cNvPr>
-                <p:cNvSpPr/>
-                <p:nvPr/>
-              </p:nvSpPr>
-              <p:spPr>
-                <a:xfrm>
-                  <a:off x="5116577" y="207015"/>
-                  <a:ext cx="2305761" cy="213260"/>
-                </a:xfrm>
-                <a:prstGeom prst="rect">
-                  <a:avLst/>
-                </a:prstGeom>
-                <a:noFill/>
-                <a:ln w="6350">
-                  <a:solidFill>
-                    <a:srgbClr val="0000FF"/>
-                  </a:solidFill>
-                </a:ln>
-                <a:effectLst>
-                  <a:outerShdw blurRad="50800" dist="38100" dir="8100000" algn="tr" rotWithShape="0">
-                    <a:prstClr val="black">
-                      <a:alpha val="40000"/>
-                    </a:prstClr>
-                  </a:outerShdw>
-                </a:effectLst>
-              </p:spPr>
-              <p:txBody>
-                <a:bodyPr wrap="none" anchor="ctr" anchorCtr="0">
-                  <a:noAutofit/>
-                </a:bodyPr>
-                <a:lstStyle/>
-                <a:p>
-                  <a:endParaRPr lang="LID4096"/>
-                </a:p>
-              </p:txBody>
-            </p:sp>
-          </p:grpSp>
+              <a:prstGeom prst="rect">
+                <a:avLst/>
+              </a:prstGeom>
+            </p:spPr>
+          </p:pic>
           <p:sp>
             <p:nvSpPr>
-              <p:cNvPr id="30" name="Rectangle 29">
+              <p:cNvPr id="34" name="Rectangle 33">
                 <a:extLst>
                   <a:ext uri="{FF2B5EF4-FFF2-40B4-BE49-F238E27FC236}">
-                    <a16:creationId xmlns:a16="http://schemas.microsoft.com/office/drawing/2014/main" id="{6C899F47-28E2-07F3-9012-EA790B6A825A}"/>
+                    <a16:creationId xmlns:a16="http://schemas.microsoft.com/office/drawing/2014/main" id="{25743ECA-7AA8-97EB-2D50-69BCFAD039E8}"/>
                   </a:ext>
                 </a:extLst>
               </p:cNvPr>
@@ -5495,8 +5555,8 @@
             </p:nvSpPr>
             <p:spPr>
               <a:xfrm>
-                <a:off x="8889191" y="5459739"/>
-                <a:ext cx="2514600" cy="228600"/>
+                <a:off x="5116577" y="207015"/>
+                <a:ext cx="2305761" cy="213260"/>
               </a:xfrm>
               <a:prstGeom prst="rect">
                 <a:avLst/>
@@ -5504,7 +5564,7 @@
               <a:noFill/>
               <a:ln w="6350">
                 <a:solidFill>
-                  <a:srgbClr val="FF0000"/>
+                  <a:srgbClr val="0000FF"/>
                 </a:solidFill>
               </a:ln>
               <a:effectLst>
@@ -5611,7 +5671,7 @@
             <p:nvPr/>
           </p:nvPicPr>
           <p:blipFill>
-            <a:blip r:embed="rId7"/>
+            <a:blip r:embed="rId5"/>
             <a:stretch>
               <a:fillRect/>
             </a:stretch>
@@ -5705,7 +5765,7 @@
                   <p:nvPr/>
                 </p:nvPicPr>
                 <p:blipFill>
-                  <a:blip r:embed="rId8"/>
+                  <a:blip r:embed="rId6"/>
                   <a:srcRect t="65550" b="15487"/>
                   <a:stretch/>
                 </p:blipFill>
@@ -5798,7 +5858,7 @@
                         <p:nvPr/>
                       </p:nvPicPr>
                       <p:blipFill>
-                        <a:blip r:embed="rId9"/>
+                        <a:blip r:embed="rId7"/>
                         <a:srcRect t="1" b="14084"/>
                         <a:stretch/>
                       </p:blipFill>
@@ -5827,7 +5887,7 @@
                         <p:nvPr/>
                       </p:nvPicPr>
                       <p:blipFill>
-                        <a:blip r:embed="rId10"/>
+                        <a:blip r:embed="rId8"/>
                         <a:stretch>
                           <a:fillRect/>
                         </a:stretch>
@@ -5999,7 +6059,7 @@
               <p:nvPr/>
             </p:nvPicPr>
             <p:blipFill>
-              <a:blip r:embed="rId11"/>
+              <a:blip r:embed="rId9"/>
               <a:stretch>
                 <a:fillRect/>
               </a:stretch>
@@ -6187,7 +6247,7 @@
                 <p:nvPr/>
               </p:nvPicPr>
               <p:blipFill>
-                <a:blip r:embed="rId12"/>
+                <a:blip r:embed="rId10"/>
                 <a:srcRect b="7926"/>
                 <a:stretch/>
               </p:blipFill>
@@ -6216,7 +6276,7 @@
                 <p:nvPr/>
               </p:nvPicPr>
               <p:blipFill>
-                <a:blip r:embed="rId13"/>
+                <a:blip r:embed="rId11"/>
                 <a:stretch>
                   <a:fillRect/>
                 </a:stretch>
@@ -6247,7 +6307,7 @@
               <p:nvPr/>
             </p:nvPicPr>
             <p:blipFill>
-              <a:blip r:embed="rId14"/>
+              <a:blip r:embed="rId12"/>
               <a:srcRect t="27962" b="64002"/>
               <a:stretch/>
             </p:blipFill>
@@ -6461,7 +6521,7 @@
                 <p:nvPr/>
               </p:nvPicPr>
               <p:blipFill>
-                <a:blip r:embed="rId15"/>
+                <a:blip r:embed="rId13"/>
                 <a:stretch>
                   <a:fillRect/>
                 </a:stretch>
@@ -6491,7 +6551,7 @@
                 <p:nvPr/>
               </p:nvPicPr>
               <p:blipFill>
-                <a:blip r:embed="rId12"/>
+                <a:blip r:embed="rId10"/>
                 <a:srcRect b="7926"/>
                 <a:stretch/>
               </p:blipFill>
@@ -6520,7 +6580,7 @@
                 <p:nvPr/>
               </p:nvPicPr>
               <p:blipFill>
-                <a:blip r:embed="rId16"/>
+                <a:blip r:embed="rId14"/>
                 <a:stretch>
                   <a:fillRect/>
                 </a:stretch>
@@ -6550,7 +6610,7 @@
                 <p:nvPr/>
               </p:nvPicPr>
               <p:blipFill>
-                <a:blip r:embed="rId17"/>
+                <a:blip r:embed="rId15"/>
                 <a:srcRect t="37210"/>
                 <a:stretch/>
               </p:blipFill>
@@ -6580,7 +6640,7 @@
               <p:nvPr/>
             </p:nvPicPr>
             <p:blipFill>
-              <a:blip r:embed="rId14"/>
+              <a:blip r:embed="rId12"/>
               <a:srcRect l="-546" t="36606" r="546" b="55358"/>
               <a:stretch/>
             </p:blipFill>
@@ -6639,53 +6699,6 @@
             </p:txBody>
           </p:sp>
         </p:grpSp>
-        <p:sp>
-          <p:nvSpPr>
-            <p:cNvPr id="86" name="TextBox 85">
-              <a:extLst>
-                <a:ext uri="{FF2B5EF4-FFF2-40B4-BE49-F238E27FC236}">
-                  <a16:creationId xmlns:a16="http://schemas.microsoft.com/office/drawing/2014/main" id="{01699DA8-C790-A682-D182-EB462237B056}"/>
-                </a:ext>
-              </a:extLst>
-            </p:cNvPr>
-            <p:cNvSpPr txBox="1">
-              <a:spLocks noChangeAspect="1"/>
-            </p:cNvSpPr>
-            <p:nvPr/>
-          </p:nvSpPr>
-          <p:spPr>
-            <a:xfrm>
-              <a:off x="4120068" y="5305537"/>
-              <a:ext cx="564149" cy="283668"/>
-            </a:xfrm>
-            <a:prstGeom prst="rect">
-              <a:avLst/>
-            </a:prstGeom>
-            <a:solidFill>
-              <a:srgbClr val="FFCCFF"/>
-            </a:solidFill>
-          </p:spPr>
-          <p:txBody>
-            <a:bodyPr wrap="none" lIns="0" tIns="0" rIns="0" bIns="0" anchor="ctr" anchorCtr="0">
-              <a:noAutofit/>
-            </a:bodyPr>
-            <a:lstStyle/>
-            <a:p>
-              <a:pPr algn="ctr"/>
-              <a:r>
-                <a:rPr lang="en-US" sz="800" b="1" dirty="0"/>
-                <a:t>Last one: </a:t>
-              </a:r>
-            </a:p>
-            <a:p>
-              <a:pPr algn="ctr"/>
-              <a:r>
-                <a:rPr lang="en-US" sz="800" b="1" dirty="0"/>
-                <a:t>Move on … </a:t>
-              </a:r>
-            </a:p>
-          </p:txBody>
-        </p:sp>
         <p:sp>
           <p:nvSpPr>
             <p:cNvPr id="100" name="TextBox 99">
@@ -6806,7 +6819,7 @@
                 <p:nvPr/>
               </p:nvPicPr>
               <p:blipFill>
-                <a:blip r:embed="rId18"/>
+                <a:blip r:embed="rId16"/>
                 <a:stretch>
                   <a:fillRect/>
                 </a:stretch>
@@ -6836,7 +6849,7 @@
                 <p:nvPr/>
               </p:nvPicPr>
               <p:blipFill>
-                <a:blip r:embed="rId12"/>
+                <a:blip r:embed="rId10"/>
                 <a:srcRect b="7926"/>
                 <a:stretch/>
               </p:blipFill>
@@ -6865,7 +6878,7 @@
                 <p:nvPr/>
               </p:nvPicPr>
               <p:blipFill>
-                <a:blip r:embed="rId14"/>
+                <a:blip r:embed="rId12"/>
                 <a:srcRect l="1065" t="46100" r="-1065" b="45864"/>
                 <a:stretch/>
               </p:blipFill>
@@ -7029,7 +7042,7 @@
         </p:nvGrpSpPr>
         <p:grpSpPr>
           <a:xfrm>
-            <a:off x="3465852" y="488601"/>
+            <a:off x="3432819" y="492654"/>
             <a:ext cx="2211039" cy="2469115"/>
             <a:chOff x="3206898" y="1567263"/>
             <a:chExt cx="2211039" cy="2469115"/>
@@ -7119,7 +7132,7 @@
                 <p:nvPr/>
               </p:nvPicPr>
               <p:blipFill>
-                <a:blip r:embed="rId14"/>
+                <a:blip r:embed="rId12"/>
                 <a:stretch>
                   <a:fillRect/>
                 </a:stretch>
@@ -7340,9 +7353,9 @@
           <p:grpSpPr>
             <a:xfrm>
               <a:off x="125598" y="76665"/>
-              <a:ext cx="2019300" cy="1028700"/>
+              <a:ext cx="1919943" cy="1028700"/>
               <a:chOff x="125598" y="76665"/>
-              <a:chExt cx="2019300" cy="1028700"/>
+              <a:chExt cx="1919943" cy="1028700"/>
             </a:xfrm>
           </p:grpSpPr>
           <p:pic>
@@ -7361,14 +7374,13 @@
             </p:nvPicPr>
             <p:blipFill>
               <a:blip r:embed="rId3"/>
-              <a:stretch>
-                <a:fillRect/>
-              </a:stretch>
+              <a:srcRect r="54588"/>
+              <a:stretch/>
             </p:blipFill>
             <p:spPr>
               <a:xfrm>
                 <a:off x="125598" y="76665"/>
-                <a:ext cx="2019300" cy="1028700"/>
+                <a:ext cx="916989" cy="1028700"/>
               </a:xfrm>
               <a:prstGeom prst="rect">
                 <a:avLst/>
@@ -7683,10 +7695,10 @@
         </p:nvGrpSpPr>
         <p:grpSpPr>
           <a:xfrm>
-            <a:off x="6005650" y="450910"/>
-            <a:ext cx="2041177" cy="722951"/>
-            <a:chOff x="6283239" y="585832"/>
-            <a:chExt cx="2041177" cy="722951"/>
+            <a:off x="5818182" y="450910"/>
+            <a:ext cx="2228645" cy="715104"/>
+            <a:chOff x="6095771" y="585832"/>
+            <a:chExt cx="2228645" cy="715104"/>
           </a:xfrm>
         </p:grpSpPr>
         <p:grpSp>
@@ -7724,7 +7736,7 @@
               <p:nvPr/>
             </p:nvPicPr>
             <p:blipFill>
-              <a:blip r:embed="rId19"/>
+              <a:blip r:embed="rId17"/>
               <a:srcRect t="3106" r="43214" b="86087"/>
               <a:stretch/>
             </p:blipFill>
@@ -7775,7 +7787,7 @@
                 <p:nvPr/>
               </p:nvPicPr>
               <p:blipFill>
-                <a:blip r:embed="rId20"/>
+                <a:blip r:embed="rId18"/>
                 <a:stretch>
                   <a:fillRect/>
                 </a:stretch>
@@ -7805,7 +7817,7 @@
                 <p:nvPr/>
               </p:nvPicPr>
               <p:blipFill>
-                <a:blip r:embed="rId21"/>
+                <a:blip r:embed="rId19"/>
                 <a:stretch>
                   <a:fillRect/>
                 </a:stretch>
@@ -7882,7 +7894,7 @@
           </p:nvSpPr>
           <p:spPr>
             <a:xfrm>
-              <a:off x="6283239" y="1067761"/>
+              <a:off x="6095771" y="910524"/>
               <a:ext cx="384048" cy="241022"/>
             </a:xfrm>
             <a:prstGeom prst="rect">
@@ -7910,6 +7922,434 @@
           </p:txBody>
         </p:sp>
       </p:grpSp>
+      <p:pic>
+        <p:nvPicPr>
+          <p:cNvPr id="6" name="Picture 5">
+            <a:extLst>
+              <a:ext uri="{FF2B5EF4-FFF2-40B4-BE49-F238E27FC236}">
+                <a16:creationId xmlns:a16="http://schemas.microsoft.com/office/drawing/2014/main" id="{14450CD6-44A1-A1B4-0568-C40663F2F3A6}"/>
+              </a:ext>
+            </a:extLst>
+          </p:cNvPr>
+          <p:cNvPicPr>
+            <a:picLocks noChangeAspect="1"/>
+          </p:cNvPicPr>
+          <p:nvPr/>
+        </p:nvPicPr>
+        <p:blipFill>
+          <a:blip r:embed="rId20">
+            <a:extLst>
+              <a:ext uri="{28A0092B-C50C-407E-A947-70E740481C1C}">
+                <a14:useLocalDpi xmlns:a14="http://schemas.microsoft.com/office/drawing/2010/main" val="0"/>
+              </a:ext>
+            </a:extLst>
+          </a:blip>
+          <a:stretch>
+            <a:fillRect/>
+          </a:stretch>
+        </p:blipFill>
+        <p:spPr>
+          <a:xfrm>
+            <a:off x="9861550" y="5290670"/>
+            <a:ext cx="1533525" cy="1119059"/>
+          </a:xfrm>
+          <a:prstGeom prst="rect">
+            <a:avLst/>
+          </a:prstGeom>
+          <a:ln>
+            <a:solidFill>
+              <a:schemeClr val="tx1"/>
+            </a:solidFill>
+          </a:ln>
+        </p:spPr>
+      </p:pic>
+      <p:sp>
+        <p:nvSpPr>
+          <p:cNvPr id="7" name="TextBox 6">
+            <a:extLst>
+              <a:ext uri="{FF2B5EF4-FFF2-40B4-BE49-F238E27FC236}">
+                <a16:creationId xmlns:a16="http://schemas.microsoft.com/office/drawing/2014/main" id="{388779FE-7549-FF7E-561E-402898173FFC}"/>
+              </a:ext>
+            </a:extLst>
+          </p:cNvPr>
+          <p:cNvSpPr txBox="1"/>
+          <p:nvPr/>
+        </p:nvSpPr>
+        <p:spPr>
+          <a:xfrm>
+            <a:off x="861838" y="5603978"/>
+            <a:ext cx="795178" cy="246221"/>
+          </a:xfrm>
+          <a:prstGeom prst="rect">
+            <a:avLst/>
+          </a:prstGeom>
+          <a:noFill/>
+        </p:spPr>
+        <p:txBody>
+          <a:bodyPr wrap="square">
+            <a:spAutoFit/>
+          </a:bodyPr>
+          <a:lstStyle/>
+          <a:p>
+            <a:r>
+              <a:rPr lang="LID4096" sz="1000" dirty="0"/>
+              <a:t>FREYBERG</a:t>
+            </a:r>
+          </a:p>
+        </p:txBody>
+      </p:sp>
+      <p:pic>
+        <p:nvPicPr>
+          <p:cNvPr id="9" name="Picture 8">
+            <a:extLst>
+              <a:ext uri="{FF2B5EF4-FFF2-40B4-BE49-F238E27FC236}">
+                <a16:creationId xmlns:a16="http://schemas.microsoft.com/office/drawing/2014/main" id="{98ED293E-D822-CCF5-CCFC-A17111C9DD47}"/>
+              </a:ext>
+            </a:extLst>
+          </p:cNvPr>
+          <p:cNvPicPr>
+            <a:picLocks noChangeAspect="1"/>
+          </p:cNvPicPr>
+          <p:nvPr/>
+        </p:nvPicPr>
+        <p:blipFill>
+          <a:blip r:embed="rId21"/>
+          <a:stretch>
+            <a:fillRect/>
+          </a:stretch>
+        </p:blipFill>
+        <p:spPr>
+          <a:xfrm>
+            <a:off x="4972050" y="3228975"/>
+            <a:ext cx="2247900" cy="400050"/>
+          </a:xfrm>
+          <a:prstGeom prst="rect">
+            <a:avLst/>
+          </a:prstGeom>
+        </p:spPr>
+      </p:pic>
+      <p:pic>
+        <p:nvPicPr>
+          <p:cNvPr id="11" name="Picture 10">
+            <a:extLst>
+              <a:ext uri="{FF2B5EF4-FFF2-40B4-BE49-F238E27FC236}">
+                <a16:creationId xmlns:a16="http://schemas.microsoft.com/office/drawing/2014/main" id="{B681F581-8956-A928-EC4B-B9D1AF917EF2}"/>
+              </a:ext>
+            </a:extLst>
+          </p:cNvPr>
+          <p:cNvPicPr>
+            <a:picLocks noChangeAspect="1"/>
+          </p:cNvPicPr>
+          <p:nvPr/>
+        </p:nvPicPr>
+        <p:blipFill>
+          <a:blip r:embed="rId21"/>
+          <a:srcRect b="51282"/>
+          <a:stretch/>
+        </p:blipFill>
+        <p:spPr>
+          <a:xfrm>
+            <a:off x="578222" y="1801882"/>
+            <a:ext cx="2247900" cy="194897"/>
+          </a:xfrm>
+          <a:prstGeom prst="rect">
+            <a:avLst/>
+          </a:prstGeom>
+        </p:spPr>
+      </p:pic>
+      <p:grpSp>
+        <p:nvGrpSpPr>
+          <p:cNvPr id="16" name="Group 15">
+            <a:extLst>
+              <a:ext uri="{FF2B5EF4-FFF2-40B4-BE49-F238E27FC236}">
+                <a16:creationId xmlns:a16="http://schemas.microsoft.com/office/drawing/2014/main" id="{13DC16DF-6840-FEBC-7FBA-F435BFE89C71}"/>
+              </a:ext>
+            </a:extLst>
+          </p:cNvPr>
+          <p:cNvGrpSpPr/>
+          <p:nvPr/>
+        </p:nvGrpSpPr>
+        <p:grpSpPr>
+          <a:xfrm>
+            <a:off x="380365" y="2327675"/>
+            <a:ext cx="2876465" cy="1431783"/>
+            <a:chOff x="332936" y="2187166"/>
+            <a:chExt cx="2876465" cy="1431783"/>
+          </a:xfrm>
+        </p:grpSpPr>
+        <p:pic>
+          <p:nvPicPr>
+            <p:cNvPr id="12" name="Picture 11">
+              <a:extLst>
+                <a:ext uri="{FF2B5EF4-FFF2-40B4-BE49-F238E27FC236}">
+                  <a16:creationId xmlns:a16="http://schemas.microsoft.com/office/drawing/2014/main" id="{46CDE9FA-2B73-BA9C-FE8B-0072C2821F42}"/>
+                </a:ext>
+              </a:extLst>
+            </p:cNvPr>
+            <p:cNvPicPr>
+              <a:picLocks noChangeAspect="1"/>
+            </p:cNvPicPr>
+            <p:nvPr/>
+          </p:nvPicPr>
+          <p:blipFill>
+            <a:blip r:embed="rId22"/>
+            <a:stretch>
+              <a:fillRect/>
+            </a:stretch>
+          </p:blipFill>
+          <p:spPr>
+            <a:xfrm>
+              <a:off x="498560" y="2360350"/>
+              <a:ext cx="904875" cy="228600"/>
+            </a:xfrm>
+            <a:prstGeom prst="rect">
+              <a:avLst/>
+            </a:prstGeom>
+          </p:spPr>
+        </p:pic>
+        <p:pic>
+          <p:nvPicPr>
+            <p:cNvPr id="13" name="Picture 12">
+              <a:extLst>
+                <a:ext uri="{FF2B5EF4-FFF2-40B4-BE49-F238E27FC236}">
+                  <a16:creationId xmlns:a16="http://schemas.microsoft.com/office/drawing/2014/main" id="{0F9B5EAC-3FB1-6E2A-0618-63B1D6AD8094}"/>
+                </a:ext>
+              </a:extLst>
+            </p:cNvPr>
+            <p:cNvPicPr>
+              <a:picLocks noChangeAspect="1"/>
+            </p:cNvPicPr>
+            <p:nvPr/>
+          </p:nvPicPr>
+          <p:blipFill>
+            <a:blip r:embed="rId23"/>
+            <a:stretch>
+              <a:fillRect/>
+            </a:stretch>
+          </p:blipFill>
+          <p:spPr>
+            <a:xfrm>
+              <a:off x="694801" y="2590249"/>
+              <a:ext cx="2514600" cy="1028700"/>
+            </a:xfrm>
+            <a:prstGeom prst="rect">
+              <a:avLst/>
+            </a:prstGeom>
+          </p:spPr>
+        </p:pic>
+        <p:sp>
+          <p:nvSpPr>
+            <p:cNvPr id="14" name="Rectangle 13">
+              <a:extLst>
+                <a:ext uri="{FF2B5EF4-FFF2-40B4-BE49-F238E27FC236}">
+                  <a16:creationId xmlns:a16="http://schemas.microsoft.com/office/drawing/2014/main" id="{6C899F47-28E2-07F3-9012-EA790B6A825A}"/>
+                </a:ext>
+              </a:extLst>
+            </p:cNvPr>
+            <p:cNvSpPr/>
+            <p:nvPr/>
+          </p:nvSpPr>
+          <p:spPr>
+            <a:xfrm>
+              <a:off x="649636" y="2986130"/>
+              <a:ext cx="2514600" cy="228600"/>
+            </a:xfrm>
+            <a:prstGeom prst="rect">
+              <a:avLst/>
+            </a:prstGeom>
+            <a:noFill/>
+            <a:ln w="6350">
+              <a:solidFill>
+                <a:srgbClr val="FF0000"/>
+              </a:solidFill>
+            </a:ln>
+            <a:effectLst>
+              <a:outerShdw blurRad="50800" dist="38100" dir="8100000" algn="tr" rotWithShape="0">
+                <a:prstClr val="black">
+                  <a:alpha val="40000"/>
+                </a:prstClr>
+              </a:outerShdw>
+            </a:effectLst>
+          </p:spPr>
+          <p:txBody>
+            <a:bodyPr wrap="none" anchor="ctr" anchorCtr="0">
+              <a:noAutofit/>
+            </a:bodyPr>
+            <a:lstStyle/>
+            <a:p>
+              <a:endParaRPr lang="LID4096"/>
+            </a:p>
+          </p:txBody>
+        </p:sp>
+        <p:pic>
+          <p:nvPicPr>
+            <p:cNvPr id="15" name="Picture 14">
+              <a:extLst>
+                <a:ext uri="{FF2B5EF4-FFF2-40B4-BE49-F238E27FC236}">
+                  <a16:creationId xmlns:a16="http://schemas.microsoft.com/office/drawing/2014/main" id="{B0AB0EB1-0804-19F6-B919-152B7B5DBD9D}"/>
+                </a:ext>
+              </a:extLst>
+            </p:cNvPr>
+            <p:cNvPicPr>
+              <a:picLocks noChangeAspect="1"/>
+            </p:cNvPicPr>
+            <p:nvPr/>
+          </p:nvPicPr>
+          <p:blipFill>
+            <a:blip r:embed="rId21"/>
+            <a:srcRect t="51223"/>
+            <a:stretch/>
+          </p:blipFill>
+          <p:spPr>
+            <a:xfrm>
+              <a:off x="332936" y="2187166"/>
+              <a:ext cx="2247900" cy="195132"/>
+            </a:xfrm>
+            <a:prstGeom prst="rect">
+              <a:avLst/>
+            </a:prstGeom>
+          </p:spPr>
+        </p:pic>
+      </p:grpSp>
+      <p:sp>
+        <p:nvSpPr>
+          <p:cNvPr id="8" name="TextBox 7">
+            <a:extLst>
+              <a:ext uri="{FF2B5EF4-FFF2-40B4-BE49-F238E27FC236}">
+                <a16:creationId xmlns:a16="http://schemas.microsoft.com/office/drawing/2014/main" id="{01699DA8-C790-A682-D182-EB462237B056}"/>
+              </a:ext>
+            </a:extLst>
+          </p:cNvPr>
+          <p:cNvSpPr txBox="1">
+            <a:spLocks noChangeAspect="1"/>
+          </p:cNvSpPr>
+          <p:nvPr/>
+        </p:nvSpPr>
+        <p:spPr>
+          <a:xfrm>
+            <a:off x="7169322" y="3024963"/>
+            <a:ext cx="564149" cy="283668"/>
+          </a:xfrm>
+          <a:prstGeom prst="rect">
+            <a:avLst/>
+          </a:prstGeom>
+          <a:solidFill>
+            <a:srgbClr val="FFCCFF"/>
+          </a:solidFill>
+        </p:spPr>
+        <p:txBody>
+          <a:bodyPr wrap="none" lIns="0" tIns="0" rIns="0" bIns="0" anchor="ctr" anchorCtr="0">
+            <a:noAutofit/>
+          </a:bodyPr>
+          <a:lstStyle/>
+          <a:p>
+            <a:pPr algn="ctr"/>
+            <a:r>
+              <a:rPr lang="en-US" sz="800" b="1" dirty="0"/>
+              <a:t>Last one: </a:t>
+            </a:r>
+          </a:p>
+          <a:p>
+            <a:pPr algn="ctr"/>
+            <a:r>
+              <a:rPr lang="en-US" sz="800" b="1" dirty="0"/>
+              <a:t>Move on … </a:t>
+            </a:r>
+          </a:p>
+        </p:txBody>
+      </p:sp>
+      <p:sp>
+        <p:nvSpPr>
+          <p:cNvPr id="18" name="Arrow: Right 17">
+            <a:extLst>
+              <a:ext uri="{FF2B5EF4-FFF2-40B4-BE49-F238E27FC236}">
+                <a16:creationId xmlns:a16="http://schemas.microsoft.com/office/drawing/2014/main" id="{2C4919F5-C2E3-7C31-3AEB-36BB406D5A28}"/>
+              </a:ext>
+            </a:extLst>
+          </p:cNvPr>
+          <p:cNvSpPr/>
+          <p:nvPr/>
+        </p:nvSpPr>
+        <p:spPr>
+          <a:xfrm rot="10800000">
+            <a:off x="2723728" y="1731220"/>
+            <a:ext cx="402193" cy="308340"/>
+          </a:xfrm>
+          <a:prstGeom prst="rightArrow">
+            <a:avLst/>
+          </a:prstGeom>
+        </p:spPr>
+        <p:style>
+          <a:lnRef idx="2">
+            <a:schemeClr val="accent1">
+              <a:shade val="15000"/>
+            </a:schemeClr>
+          </a:lnRef>
+          <a:fillRef idx="1">
+            <a:schemeClr val="accent1"/>
+          </a:fillRef>
+          <a:effectRef idx="0">
+            <a:schemeClr val="accent1"/>
+          </a:effectRef>
+          <a:fontRef idx="minor">
+            <a:schemeClr val="lt1"/>
+          </a:fontRef>
+        </p:style>
+        <p:txBody>
+          <a:bodyPr rtlCol="0" anchor="ctr"/>
+          <a:lstStyle/>
+          <a:p>
+            <a:pPr algn="ctr"/>
+            <a:endParaRPr lang="LID4096"/>
+          </a:p>
+        </p:txBody>
+      </p:sp>
+      <p:sp>
+        <p:nvSpPr>
+          <p:cNvPr id="20" name="Rectangle 19">
+            <a:extLst>
+              <a:ext uri="{FF2B5EF4-FFF2-40B4-BE49-F238E27FC236}">
+                <a16:creationId xmlns:a16="http://schemas.microsoft.com/office/drawing/2014/main" id="{4D6D3673-31EF-44FF-5D60-E7575821C0FF}"/>
+              </a:ext>
+            </a:extLst>
+          </p:cNvPr>
+          <p:cNvSpPr/>
+          <p:nvPr/>
+        </p:nvSpPr>
+        <p:spPr>
+          <a:xfrm>
+            <a:off x="7994661" y="5193207"/>
+            <a:ext cx="320397" cy="207735"/>
+          </a:xfrm>
+          <a:prstGeom prst="rect">
+            <a:avLst/>
+          </a:prstGeom>
+        </p:spPr>
+        <p:style>
+          <a:lnRef idx="2">
+            <a:schemeClr val="accent1">
+              <a:shade val="15000"/>
+            </a:schemeClr>
+          </a:lnRef>
+          <a:fillRef idx="1">
+            <a:schemeClr val="accent1"/>
+          </a:fillRef>
+          <a:effectRef idx="0">
+            <a:schemeClr val="accent1"/>
+          </a:effectRef>
+          <a:fontRef idx="minor">
+            <a:schemeClr val="lt1"/>
+          </a:fontRef>
+        </p:style>
+        <p:txBody>
+          <a:bodyPr rtlCol="0" anchor="ctr"/>
+          <a:lstStyle/>
+          <a:p>
+            <a:pPr algn="ctr"/>
+            <a:endParaRPr lang="LID4096"/>
+          </a:p>
+        </p:txBody>
+      </p:sp>
     </p:spTree>
     <p:extLst>
       <p:ext uri="{BB962C8B-B14F-4D97-AF65-F5344CB8AC3E}">
@@ -7951,59 +8391,12 @@
           <a:chExt cx="0" cy="0"/>
         </a:xfrm>
       </p:grpSpPr>
-      <p:sp>
-        <p:nvSpPr>
-          <p:cNvPr id="7" name="TextBox 6">
-            <a:extLst>
-              <a:ext uri="{FF2B5EF4-FFF2-40B4-BE49-F238E27FC236}">
-                <a16:creationId xmlns:a16="http://schemas.microsoft.com/office/drawing/2014/main" id="{23ECB52F-D78E-585B-EBF4-08B1F039CA98}"/>
-              </a:ext>
-            </a:extLst>
-          </p:cNvPr>
-          <p:cNvSpPr txBox="1">
-            <a:spLocks noChangeAspect="1"/>
-          </p:cNvSpPr>
-          <p:nvPr/>
-        </p:nvSpPr>
-        <p:spPr>
-          <a:xfrm>
-            <a:off x="9674614" y="2893238"/>
-            <a:ext cx="1988321" cy="329261"/>
-          </a:xfrm>
-          <a:prstGeom prst="rect">
-            <a:avLst/>
-          </a:prstGeom>
-          <a:solidFill>
-            <a:schemeClr val="bg1">
-              <a:lumMod val="85000"/>
-            </a:schemeClr>
-          </a:solidFill>
-        </p:spPr>
-        <p:txBody>
-          <a:bodyPr wrap="none" lIns="0" tIns="0" rIns="0" bIns="0" anchor="ctr" anchorCtr="0">
-            <a:noAutofit/>
-          </a:bodyPr>
-          <a:lstStyle/>
-          <a:p>
-            <a:pPr algn="ctr"/>
-            <a:r>
-              <a:rPr lang="pt-BR" sz="1600" b="1" dirty="0"/>
-              <a:t>2_01 </a:t>
-            </a:r>
-            <a:r>
-              <a:rPr lang="en-US" sz="1600" b="1" dirty="0"/>
-              <a:t>pstfromSETUP</a:t>
-            </a:r>
-            <a:endParaRPr lang="LID4096" sz="1600" b="1" dirty="0"/>
-          </a:p>
-        </p:txBody>
-      </p:sp>
       <p:grpSp>
         <p:nvGrpSpPr>
-          <p:cNvPr id="82" name="Group 81">
-            <a:extLst>
-              <a:ext uri="{FF2B5EF4-FFF2-40B4-BE49-F238E27FC236}">
-                <a16:creationId xmlns:a16="http://schemas.microsoft.com/office/drawing/2014/main" id="{07ABA698-F994-439A-2BC6-1A3BB963D5B7}"/>
+          <p:cNvPr id="16" name="Group 15">
+            <a:extLst>
+              <a:ext uri="{FF2B5EF4-FFF2-40B4-BE49-F238E27FC236}">
+                <a16:creationId xmlns:a16="http://schemas.microsoft.com/office/drawing/2014/main" id="{7CB5514A-AF61-C495-BDD8-DF713755F8C8}"/>
               </a:ext>
             </a:extLst>
           </p:cNvPr>
@@ -8012,135 +8405,18 @@
         </p:nvGrpSpPr>
         <p:grpSpPr>
           <a:xfrm>
-            <a:off x="8065960" y="3279895"/>
-            <a:ext cx="3596975" cy="3108403"/>
-            <a:chOff x="8065960" y="3279895"/>
-            <a:chExt cx="3596975" cy="3108403"/>
+            <a:off x="8006140" y="743006"/>
+            <a:ext cx="3631159" cy="5576926"/>
+            <a:chOff x="8065960" y="811372"/>
+            <a:chExt cx="3631159" cy="5576926"/>
           </a:xfrm>
         </p:grpSpPr>
-        <p:sp>
-          <p:nvSpPr>
-            <p:cNvPr id="54" name="TextBox 53">
+        <p:grpSp>
+          <p:nvGrpSpPr>
+            <p:cNvPr id="82" name="Group 81">
               <a:extLst>
                 <a:ext uri="{FF2B5EF4-FFF2-40B4-BE49-F238E27FC236}">
-                  <a16:creationId xmlns:a16="http://schemas.microsoft.com/office/drawing/2014/main" id="{66B0607A-CC52-3823-2DB1-FECF557E16E0}"/>
-                </a:ext>
-              </a:extLst>
-            </p:cNvPr>
-            <p:cNvSpPr txBox="1"/>
-            <p:nvPr/>
-          </p:nvSpPr>
-          <p:spPr>
-            <a:xfrm>
-              <a:off x="8065960" y="3798181"/>
-              <a:ext cx="2364259" cy="2590117"/>
-            </a:xfrm>
-            <a:prstGeom prst="rect">
-              <a:avLst/>
-            </a:prstGeom>
-            <a:noFill/>
-          </p:spPr>
-          <p:txBody>
-            <a:bodyPr wrap="square">
-              <a:noAutofit/>
-            </a:bodyPr>
-            <a:lstStyle/>
-            <a:p>
-              <a:r>
-                <a:rPr lang="en-US" b="1" dirty="0">
-                  <a:solidFill>
-                    <a:srgbClr val="0000FF"/>
-                  </a:solidFill>
-                </a:rPr>
-                <a:t>01__OBS(a) </a:t>
-              </a:r>
-            </a:p>
-            <a:p>
-              <a:r>
-                <a:rPr lang="en-US" b="1" dirty="0">
-                  <a:solidFill>
-                    <a:srgbClr val="FF0000"/>
-                  </a:solidFill>
-                </a:rPr>
-                <a:t>02__PAR(a)</a:t>
-              </a:r>
-            </a:p>
-            <a:p>
-              <a:r>
-                <a:rPr lang="en-US" b="1" dirty="0">
-                  <a:solidFill>
-                    <a:srgbClr val="00B050"/>
-                  </a:solidFill>
-                </a:rPr>
-                <a:t>03__BC </a:t>
-              </a:r>
-              <a:r>
-                <a:rPr lang="en-US" b="1" dirty="0">
-                  <a:solidFill>
-                    <a:srgbClr val="FF0000"/>
-                  </a:solidFill>
-                </a:rPr>
-                <a:t>&amp; PAR(b) </a:t>
-              </a:r>
-            </a:p>
-            <a:p>
-              <a:r>
-                <a:rPr lang="en-US" b="1" dirty="0"/>
-                <a:t>04_IC</a:t>
-              </a:r>
-            </a:p>
-            <a:p>
-              <a:r>
-                <a:rPr lang="en-US" b="1" dirty="0">
-                  <a:solidFill>
-                    <a:srgbClr val="0000FF"/>
-                  </a:solidFill>
-                </a:rPr>
-                <a:t>05__2º___OBS(b)</a:t>
-              </a:r>
-            </a:p>
-            <a:p>
-              <a:r>
-                <a:rPr lang="en-US" b="1" dirty="0"/>
-                <a:t>06__Writing___RUN</a:t>
-              </a:r>
-            </a:p>
-            <a:p>
-              <a:r>
-                <a:rPr lang="en-US" b="1" dirty="0"/>
-                <a:t>07__Prior_Ensemble_</a:t>
-              </a:r>
-            </a:p>
-            <a:p>
-              <a:r>
-                <a:rPr lang="en-US" b="1" dirty="0"/>
-                <a:t>08__Run_again_FW</a:t>
-              </a:r>
-            </a:p>
-            <a:p>
-              <a:r>
-                <a:rPr lang="en-US" b="1" dirty="0"/>
-                <a:t>09__Graphics...</a:t>
-              </a:r>
-            </a:p>
-            <a:p>
-              <a:r>
-                <a:rPr lang="en-US" b="1" dirty="0">
-                  <a:solidFill>
-                    <a:srgbClr val="0000FF"/>
-                  </a:solidFill>
-                </a:rPr>
-                <a:t> </a:t>
-              </a:r>
-            </a:p>
-          </p:txBody>
-        </p:sp>
-        <p:grpSp>
-          <p:nvGrpSpPr>
-            <p:cNvPr id="76" name="Group 75">
-              <a:extLst>
-                <a:ext uri="{FF2B5EF4-FFF2-40B4-BE49-F238E27FC236}">
-                  <a16:creationId xmlns:a16="http://schemas.microsoft.com/office/drawing/2014/main" id="{CC8D3872-E06D-0C75-BB04-0B244F89BDE4}"/>
+                  <a16:creationId xmlns:a16="http://schemas.microsoft.com/office/drawing/2014/main" id="{07ABA698-F994-439A-2BC6-1A3BB963D5B7}"/>
                 </a:ext>
               </a:extLst>
             </p:cNvPr>
@@ -8149,18 +8425,228 @@
           </p:nvGrpSpPr>
           <p:grpSpPr>
             <a:xfrm>
-              <a:off x="10129538" y="3798181"/>
-              <a:ext cx="1533397" cy="1484354"/>
-              <a:chOff x="10129538" y="3798181"/>
-              <a:chExt cx="1533397" cy="1484354"/>
+              <a:off x="8065960" y="3279895"/>
+              <a:ext cx="3631159" cy="3108403"/>
+              <a:chOff x="8065960" y="3279895"/>
+              <a:chExt cx="3631159" cy="3108403"/>
             </a:xfrm>
           </p:grpSpPr>
+          <p:sp>
+            <p:nvSpPr>
+              <p:cNvPr id="54" name="TextBox 53">
+                <a:extLst>
+                  <a:ext uri="{FF2B5EF4-FFF2-40B4-BE49-F238E27FC236}">
+                    <a16:creationId xmlns:a16="http://schemas.microsoft.com/office/drawing/2014/main" id="{66B0607A-CC52-3823-2DB1-FECF557E16E0}"/>
+                  </a:ext>
+                </a:extLst>
+              </p:cNvPr>
+              <p:cNvSpPr txBox="1"/>
+              <p:nvPr/>
+            </p:nvSpPr>
+            <p:spPr>
+              <a:xfrm>
+                <a:off x="8065960" y="3798181"/>
+                <a:ext cx="2364259" cy="2590117"/>
+              </a:xfrm>
+              <a:prstGeom prst="rect">
+                <a:avLst/>
+              </a:prstGeom>
+              <a:noFill/>
+            </p:spPr>
+            <p:txBody>
+              <a:bodyPr wrap="square">
+                <a:noAutofit/>
+              </a:bodyPr>
+              <a:lstStyle/>
+              <a:p>
+                <a:r>
+                  <a:rPr lang="en-US" b="1" dirty="0">
+                    <a:solidFill>
+                      <a:srgbClr val="0000FF"/>
+                    </a:solidFill>
+                  </a:rPr>
+                  <a:t>01__OBS(a) </a:t>
+                </a:r>
+              </a:p>
+              <a:p>
+                <a:r>
+                  <a:rPr lang="en-US" b="1" dirty="0">
+                    <a:solidFill>
+                      <a:srgbClr val="FF0000"/>
+                    </a:solidFill>
+                  </a:rPr>
+                  <a:t>02__PAR(a)</a:t>
+                </a:r>
+              </a:p>
+              <a:p>
+                <a:r>
+                  <a:rPr lang="en-US" b="1" dirty="0">
+                    <a:solidFill>
+                      <a:srgbClr val="00B050"/>
+                    </a:solidFill>
+                  </a:rPr>
+                  <a:t>03__BC </a:t>
+                </a:r>
+                <a:r>
+                  <a:rPr lang="en-US" b="1" dirty="0">
+                    <a:solidFill>
+                      <a:srgbClr val="FF0000"/>
+                    </a:solidFill>
+                  </a:rPr>
+                  <a:t>&amp; PAR(b) </a:t>
+                </a:r>
+              </a:p>
+              <a:p>
+                <a:r>
+                  <a:rPr lang="en-US" b="1" dirty="0"/>
+                  <a:t>04_IC</a:t>
+                </a:r>
+              </a:p>
+              <a:p>
+                <a:r>
+                  <a:rPr lang="en-US" b="1" dirty="0">
+                    <a:solidFill>
+                      <a:srgbClr val="0000FF"/>
+                    </a:solidFill>
+                  </a:rPr>
+                  <a:t>05__2º___OBS(b)</a:t>
+                </a:r>
+              </a:p>
+              <a:p>
+                <a:r>
+                  <a:rPr lang="en-US" b="1" dirty="0"/>
+                  <a:t>06__Writing___RUN</a:t>
+                </a:r>
+              </a:p>
+              <a:p>
+                <a:r>
+                  <a:rPr lang="en-US" b="1" dirty="0"/>
+                  <a:t>07__Prior_Ensemble_</a:t>
+                </a:r>
+              </a:p>
+              <a:p>
+                <a:r>
+                  <a:rPr lang="en-US" b="1" dirty="0"/>
+                  <a:t>08__Run_again_FW</a:t>
+                </a:r>
+              </a:p>
+              <a:p>
+                <a:r>
+                  <a:rPr lang="en-US" b="1" dirty="0"/>
+                  <a:t>09__Graphics...</a:t>
+                </a:r>
+              </a:p>
+              <a:p>
+                <a:r>
+                  <a:rPr lang="en-US" b="1" dirty="0">
+                    <a:solidFill>
+                      <a:srgbClr val="0000FF"/>
+                    </a:solidFill>
+                  </a:rPr>
+                  <a:t> </a:t>
+                </a:r>
+              </a:p>
+            </p:txBody>
+          </p:sp>
+          <p:grpSp>
+            <p:nvGrpSpPr>
+              <p:cNvPr id="76" name="Group 75">
+                <a:extLst>
+                  <a:ext uri="{FF2B5EF4-FFF2-40B4-BE49-F238E27FC236}">
+                    <a16:creationId xmlns:a16="http://schemas.microsoft.com/office/drawing/2014/main" id="{CC8D3872-E06D-0C75-BB04-0B244F89BDE4}"/>
+                  </a:ext>
+                </a:extLst>
+              </p:cNvPr>
+              <p:cNvGrpSpPr/>
+              <p:nvPr/>
+            </p:nvGrpSpPr>
+            <p:grpSpPr>
+              <a:xfrm>
+                <a:off x="10129538" y="3798181"/>
+                <a:ext cx="1533397" cy="1484354"/>
+                <a:chOff x="10129538" y="3798181"/>
+                <a:chExt cx="1533397" cy="1484354"/>
+              </a:xfrm>
+            </p:grpSpPr>
+            <p:pic>
+              <p:nvPicPr>
+                <p:cNvPr id="66" name="Picture 65">
+                  <a:extLst>
+                    <a:ext uri="{FF2B5EF4-FFF2-40B4-BE49-F238E27FC236}">
+                      <a16:creationId xmlns:a16="http://schemas.microsoft.com/office/drawing/2014/main" id="{30BE0C65-1E0E-1AEE-6361-C463690F8CC5}"/>
+                    </a:ext>
+                  </a:extLst>
+                </p:cNvPr>
+                <p:cNvPicPr>
+                  <a:picLocks noChangeAspect="1"/>
+                </p:cNvPicPr>
+                <p:nvPr/>
+              </p:nvPicPr>
+              <p:blipFill>
+                <a:blip r:embed="rId2"/>
+                <a:stretch>
+                  <a:fillRect/>
+                </a:stretch>
+              </p:blipFill>
+              <p:spPr>
+                <a:xfrm>
+                  <a:off x="10129538" y="3798181"/>
+                  <a:ext cx="1533397" cy="1484354"/>
+                </a:xfrm>
+                <a:prstGeom prst="rect">
+                  <a:avLst/>
+                </a:prstGeom>
+              </p:spPr>
+            </p:pic>
+            <p:pic>
+              <p:nvPicPr>
+                <p:cNvPr id="74" name="Picture 73">
+                  <a:extLst>
+                    <a:ext uri="{FF2B5EF4-FFF2-40B4-BE49-F238E27FC236}">
+                      <a16:creationId xmlns:a16="http://schemas.microsoft.com/office/drawing/2014/main" id="{EDE24BE1-4099-48CF-D36E-80391129E162}"/>
+                    </a:ext>
+                  </a:extLst>
+                </p:cNvPr>
+                <p:cNvPicPr>
+                  <a:picLocks noChangeAspect="1"/>
+                </p:cNvPicPr>
+                <p:nvPr/>
+              </p:nvPicPr>
+              <p:blipFill>
+                <a:blip r:embed="rId3"/>
+                <a:stretch>
+                  <a:fillRect/>
+                </a:stretch>
+              </p:blipFill>
+              <p:spPr>
+                <a:xfrm>
+                  <a:off x="10773383" y="3912972"/>
+                  <a:ext cx="772058" cy="735939"/>
+                </a:xfrm>
+                <a:prstGeom prst="rect">
+                  <a:avLst/>
+                </a:prstGeom>
+                <a:ln>
+                  <a:solidFill>
+                    <a:schemeClr val="tx1"/>
+                  </a:solidFill>
+                </a:ln>
+                <a:effectLst>
+                  <a:outerShdw blurRad="50800" dist="38100" dir="8100000" algn="tr" rotWithShape="0">
+                    <a:prstClr val="black">
+                      <a:alpha val="40000"/>
+                    </a:prstClr>
+                  </a:outerShdw>
+                </a:effectLst>
+              </p:spPr>
+            </p:pic>
+          </p:grpSp>
           <p:pic>
             <p:nvPicPr>
-              <p:cNvPr id="66" name="Picture 65">
+              <p:cNvPr id="80" name="Picture 79">
                 <a:extLst>
                   <a:ext uri="{FF2B5EF4-FFF2-40B4-BE49-F238E27FC236}">
-                    <a16:creationId xmlns:a16="http://schemas.microsoft.com/office/drawing/2014/main" id="{30BE0C65-1E0E-1AEE-6361-C463690F8CC5}"/>
+                    <a16:creationId xmlns:a16="http://schemas.microsoft.com/office/drawing/2014/main" id="{DD49206F-738C-4754-D9D1-D3849075C676}"/>
                   </a:ext>
                 </a:extLst>
               </p:cNvPr>
@@ -8170,27 +8656,47 @@
               <p:nvPr/>
             </p:nvPicPr>
             <p:blipFill>
-              <a:blip r:embed="rId2"/>
-              <a:stretch>
-                <a:fillRect/>
-              </a:stretch>
+              <a:blip r:embed="rId4"/>
+              <a:srcRect t="9057"/>
+              <a:stretch/>
             </p:blipFill>
             <p:spPr>
               <a:xfrm>
-                <a:off x="10129538" y="3798181"/>
-                <a:ext cx="1533397" cy="1484354"/>
+                <a:off x="8100144" y="3279895"/>
+                <a:ext cx="3596975" cy="407129"/>
               </a:xfrm>
               <a:prstGeom prst="rect">
                 <a:avLst/>
               </a:prstGeom>
             </p:spPr>
           </p:pic>
+        </p:grpSp>
+        <p:grpSp>
+          <p:nvGrpSpPr>
+            <p:cNvPr id="14" name="Group 13">
+              <a:extLst>
+                <a:ext uri="{FF2B5EF4-FFF2-40B4-BE49-F238E27FC236}">
+                  <a16:creationId xmlns:a16="http://schemas.microsoft.com/office/drawing/2014/main" id="{87B52BD7-48FA-4602-AE27-7EF1DC85FC41}"/>
+                </a:ext>
+              </a:extLst>
+            </p:cNvPr>
+            <p:cNvGrpSpPr/>
+            <p:nvPr/>
+          </p:nvGrpSpPr>
+          <p:grpSpPr>
+            <a:xfrm>
+              <a:off x="8088628" y="811372"/>
+              <a:ext cx="2419351" cy="2353185"/>
+              <a:chOff x="8088628" y="811372"/>
+              <a:chExt cx="2419351" cy="2353185"/>
+            </a:xfrm>
+          </p:grpSpPr>
           <p:pic>
             <p:nvPicPr>
-              <p:cNvPr id="74" name="Picture 73">
+              <p:cNvPr id="13" name="Picture 12">
                 <a:extLst>
                   <a:ext uri="{FF2B5EF4-FFF2-40B4-BE49-F238E27FC236}">
-                    <a16:creationId xmlns:a16="http://schemas.microsoft.com/office/drawing/2014/main" id="{EDE24BE1-4099-48CF-D36E-80391129E162}"/>
+                    <a16:creationId xmlns:a16="http://schemas.microsoft.com/office/drawing/2014/main" id="{19289174-DC39-271D-2664-8BC8D47D4094}"/>
                   </a:ext>
                 </a:extLst>
               </p:cNvPr>
@@ -8200,64 +8706,347 @@
               <p:nvPr/>
             </p:nvPicPr>
             <p:blipFill>
-              <a:blip r:embed="rId3"/>
+              <a:blip r:embed="rId5"/>
               <a:stretch>
                 <a:fillRect/>
               </a:stretch>
             </p:blipFill>
             <p:spPr>
               <a:xfrm>
-                <a:off x="10974361" y="3912973"/>
-                <a:ext cx="571079" cy="544362"/>
+                <a:off x="8088629" y="1326232"/>
+                <a:ext cx="2419350" cy="1838325"/>
               </a:xfrm>
               <a:prstGeom prst="rect">
                 <a:avLst/>
               </a:prstGeom>
-              <a:ln>
-                <a:solidFill>
-                  <a:schemeClr val="tx1"/>
-                </a:solidFill>
-              </a:ln>
-              <a:effectLst>
-                <a:outerShdw blurRad="50800" dist="38100" dir="8100000" algn="tr" rotWithShape="0">
-                  <a:prstClr val="black">
-                    <a:alpha val="40000"/>
-                  </a:prstClr>
-                </a:outerShdw>
-              </a:effectLst>
             </p:spPr>
           </p:pic>
+          <p:grpSp>
+            <p:nvGrpSpPr>
+              <p:cNvPr id="2" name="Group 1">
+                <a:extLst>
+                  <a:ext uri="{FF2B5EF4-FFF2-40B4-BE49-F238E27FC236}">
+                    <a16:creationId xmlns:a16="http://schemas.microsoft.com/office/drawing/2014/main" id="{D4F70CD5-EF06-D9F2-F1BC-64EF0B5FE1AB}"/>
+                  </a:ext>
+                </a:extLst>
+              </p:cNvPr>
+              <p:cNvGrpSpPr/>
+              <p:nvPr/>
+            </p:nvGrpSpPr>
+            <p:grpSpPr>
+              <a:xfrm>
+                <a:off x="8088628" y="811372"/>
+                <a:ext cx="2419350" cy="1714822"/>
+                <a:chOff x="117859" y="1326904"/>
+                <a:chExt cx="2419350" cy="1714822"/>
+              </a:xfrm>
+            </p:grpSpPr>
+            <p:grpSp>
+              <p:nvGrpSpPr>
+                <p:cNvPr id="4" name="Group 3">
+                  <a:extLst>
+                    <a:ext uri="{FF2B5EF4-FFF2-40B4-BE49-F238E27FC236}">
+                      <a16:creationId xmlns:a16="http://schemas.microsoft.com/office/drawing/2014/main" id="{10D34176-F041-79F3-5983-3533DC5A0EBB}"/>
+                    </a:ext>
+                  </a:extLst>
+                </p:cNvPr>
+                <p:cNvGrpSpPr>
+                  <a:grpSpLocks noChangeAspect="1"/>
+                </p:cNvGrpSpPr>
+                <p:nvPr/>
+              </p:nvGrpSpPr>
+              <p:grpSpPr>
+                <a:xfrm>
+                  <a:off x="117859" y="1326904"/>
+                  <a:ext cx="2419350" cy="1714822"/>
+                  <a:chOff x="4048227" y="505992"/>
+                  <a:chExt cx="2419350" cy="1714822"/>
+                </a:xfrm>
+              </p:grpSpPr>
+              <p:pic>
+                <p:nvPicPr>
+                  <p:cNvPr id="8" name="Picture 7">
+                    <a:extLst>
+                      <a:ext uri="{FF2B5EF4-FFF2-40B4-BE49-F238E27FC236}">
+                        <a16:creationId xmlns:a16="http://schemas.microsoft.com/office/drawing/2014/main" id="{2944F2C3-4325-F529-B3A1-6C12CB447425}"/>
+                      </a:ext>
+                    </a:extLst>
+                  </p:cNvPr>
+                  <p:cNvPicPr>
+                    <a:picLocks noChangeAspect="1"/>
+                  </p:cNvPicPr>
+                  <p:nvPr/>
+                </p:nvPicPr>
+                <p:blipFill>
+                  <a:blip r:embed="rId6"/>
+                  <a:stretch>
+                    <a:fillRect/>
+                  </a:stretch>
+                </p:blipFill>
+                <p:spPr>
+                  <a:xfrm>
+                    <a:off x="4048244" y="509447"/>
+                    <a:ext cx="1590675" cy="228600"/>
+                  </a:xfrm>
+                  <a:prstGeom prst="rect">
+                    <a:avLst/>
+                  </a:prstGeom>
+                </p:spPr>
+              </p:pic>
+              <p:pic>
+                <p:nvPicPr>
+                  <p:cNvPr id="9" name="Picture 8">
+                    <a:extLst>
+                      <a:ext uri="{FF2B5EF4-FFF2-40B4-BE49-F238E27FC236}">
+                        <a16:creationId xmlns:a16="http://schemas.microsoft.com/office/drawing/2014/main" id="{04262C1D-E0EB-4A6D-0579-830C2853B087}"/>
+                      </a:ext>
+                    </a:extLst>
+                  </p:cNvPr>
+                  <p:cNvPicPr>
+                    <a:picLocks noChangeAspect="1"/>
+                  </p:cNvPicPr>
+                  <p:nvPr/>
+                </p:nvPicPr>
+                <p:blipFill>
+                  <a:blip r:embed="rId7"/>
+                  <a:stretch>
+                    <a:fillRect/>
+                  </a:stretch>
+                </p:blipFill>
+                <p:spPr>
+                  <a:xfrm>
+                    <a:off x="4191410" y="760071"/>
+                    <a:ext cx="1514475" cy="228600"/>
+                  </a:xfrm>
+                  <a:prstGeom prst="rect">
+                    <a:avLst/>
+                  </a:prstGeom>
+                </p:spPr>
+              </p:pic>
+              <p:sp>
+                <p:nvSpPr>
+                  <p:cNvPr id="10" name="Rectangle 9">
+                    <a:extLst>
+                      <a:ext uri="{FF2B5EF4-FFF2-40B4-BE49-F238E27FC236}">
+                        <a16:creationId xmlns:a16="http://schemas.microsoft.com/office/drawing/2014/main" id="{3215B1B0-DAAA-6B71-1DFA-FEF142C5880D}"/>
+                      </a:ext>
+                    </a:extLst>
+                  </p:cNvPr>
+                  <p:cNvSpPr/>
+                  <p:nvPr/>
+                </p:nvSpPr>
+                <p:spPr>
+                  <a:xfrm>
+                    <a:off x="4048228" y="505992"/>
+                    <a:ext cx="1683738" cy="232193"/>
+                  </a:xfrm>
+                  <a:prstGeom prst="rect">
+                    <a:avLst/>
+                  </a:prstGeom>
+                  <a:noFill/>
+                  <a:ln w="6350">
+                    <a:solidFill>
+                      <a:srgbClr val="0000FF"/>
+                    </a:solidFill>
+                  </a:ln>
+                  <a:effectLst>
+                    <a:outerShdw blurRad="50800" dist="38100" dir="8100000" algn="tr" rotWithShape="0">
+                      <a:prstClr val="black">
+                        <a:alpha val="40000"/>
+                      </a:prstClr>
+                    </a:outerShdw>
+                  </a:effectLst>
+                </p:spPr>
+                <p:txBody>
+                  <a:bodyPr wrap="none" anchor="ctr" anchorCtr="0">
+                    <a:noAutofit/>
+                  </a:bodyPr>
+                  <a:lstStyle/>
+                  <a:p>
+                    <a:endParaRPr lang="LID4096" dirty="0"/>
+                  </a:p>
+                </p:txBody>
+              </p:sp>
+              <p:sp>
+                <p:nvSpPr>
+                  <p:cNvPr id="11" name="Rectangle 10">
+                    <a:extLst>
+                      <a:ext uri="{FF2B5EF4-FFF2-40B4-BE49-F238E27FC236}">
+                        <a16:creationId xmlns:a16="http://schemas.microsoft.com/office/drawing/2014/main" id="{1840EC4C-0F8E-45AC-3154-8BDAE0530B05}"/>
+                      </a:ext>
+                    </a:extLst>
+                  </p:cNvPr>
+                  <p:cNvSpPr/>
+                  <p:nvPr/>
+                </p:nvSpPr>
+                <p:spPr>
+                  <a:xfrm>
+                    <a:off x="4048227" y="2025070"/>
+                    <a:ext cx="2419350" cy="195744"/>
+                  </a:xfrm>
+                  <a:prstGeom prst="rect">
+                    <a:avLst/>
+                  </a:prstGeom>
+                  <a:noFill/>
+                  <a:ln w="6350">
+                    <a:solidFill>
+                      <a:schemeClr val="tx1"/>
+                    </a:solidFill>
+                  </a:ln>
+                  <a:effectLst>
+                    <a:outerShdw blurRad="50800" dist="38100" dir="8100000" algn="tr" rotWithShape="0">
+                      <a:prstClr val="black">
+                        <a:alpha val="40000"/>
+                      </a:prstClr>
+                    </a:outerShdw>
+                  </a:effectLst>
+                </p:spPr>
+                <p:txBody>
+                  <a:bodyPr wrap="none" anchor="ctr" anchorCtr="0">
+                    <a:noAutofit/>
+                  </a:bodyPr>
+                  <a:lstStyle/>
+                  <a:p>
+                    <a:endParaRPr lang="LID4096" dirty="0"/>
+                  </a:p>
+                </p:txBody>
+              </p:sp>
+            </p:grpSp>
+            <p:sp>
+              <p:nvSpPr>
+                <p:cNvPr id="5" name="TextBox 4">
+                  <a:extLst>
+                    <a:ext uri="{FF2B5EF4-FFF2-40B4-BE49-F238E27FC236}">
+                      <a16:creationId xmlns:a16="http://schemas.microsoft.com/office/drawing/2014/main" id="{62D31665-E21B-CB80-628A-AB7240E2B4DE}"/>
+                    </a:ext>
+                  </a:extLst>
+                </p:cNvPr>
+                <p:cNvSpPr txBox="1">
+                  <a:spLocks noChangeAspect="1"/>
+                </p:cNvSpPr>
+                <p:nvPr/>
+              </p:nvSpPr>
+              <p:spPr>
+                <a:xfrm>
+                  <a:off x="2090214" y="2874170"/>
+                  <a:ext cx="369061" cy="136632"/>
+                </a:xfrm>
+                <a:prstGeom prst="rect">
+                  <a:avLst/>
+                </a:prstGeom>
+                <a:solidFill>
+                  <a:schemeClr val="bg1">
+                    <a:lumMod val="85000"/>
+                  </a:schemeClr>
+                </a:solidFill>
+              </p:spPr>
+              <p:txBody>
+                <a:bodyPr wrap="none" lIns="0" tIns="0" rIns="0" bIns="0" anchor="ctr" anchorCtr="0">
+                  <a:noAutofit/>
+                </a:bodyPr>
+                <a:lstStyle/>
+                <a:p>
+                  <a:pPr algn="ctr"/>
+                  <a:r>
+                    <a:rPr lang="pt-BR" sz="1200" b="1" dirty="0"/>
+                    <a:t>2_01</a:t>
+                  </a:r>
+                  <a:endParaRPr lang="LID4096" sz="1200" b="1" dirty="0"/>
+                </a:p>
+              </p:txBody>
+            </p:sp>
+          </p:grpSp>
         </p:grpSp>
-        <p:pic>
-          <p:nvPicPr>
-            <p:cNvPr id="80" name="Picture 79">
+        <p:sp>
+          <p:nvSpPr>
+            <p:cNvPr id="15" name="Rectangle 14">
               <a:extLst>
                 <a:ext uri="{FF2B5EF4-FFF2-40B4-BE49-F238E27FC236}">
-                  <a16:creationId xmlns:a16="http://schemas.microsoft.com/office/drawing/2014/main" id="{DD49206F-738C-4754-D9D1-D3849075C676}"/>
+                  <a16:creationId xmlns:a16="http://schemas.microsoft.com/office/drawing/2014/main" id="{389963BC-CDF8-7077-B58F-38ADEB747577}"/>
                 </a:ext>
               </a:extLst>
             </p:cNvPr>
-            <p:cNvPicPr>
-              <a:picLocks noChangeAspect="1"/>
-            </p:cNvPicPr>
+            <p:cNvSpPr/>
             <p:nvPr/>
-          </p:nvPicPr>
-          <p:blipFill>
-            <a:blip r:embed="rId4"/>
-            <a:srcRect t="9057"/>
-            <a:stretch/>
-          </p:blipFill>
+          </p:nvSpPr>
           <p:spPr>
             <a:xfrm>
-              <a:off x="8065960" y="3279895"/>
-              <a:ext cx="3596975" cy="407129"/>
+              <a:off x="8088628" y="3500319"/>
+              <a:ext cx="2419350" cy="195744"/>
             </a:xfrm>
             <a:prstGeom prst="rect">
               <a:avLst/>
             </a:prstGeom>
+            <a:noFill/>
+            <a:ln w="6350">
+              <a:solidFill>
+                <a:schemeClr val="tx1"/>
+              </a:solidFill>
+            </a:ln>
+            <a:effectLst>
+              <a:outerShdw blurRad="50800" dist="38100" dir="8100000" algn="tr" rotWithShape="0">
+                <a:prstClr val="black">
+                  <a:alpha val="40000"/>
+                </a:prstClr>
+              </a:outerShdw>
+            </a:effectLst>
           </p:spPr>
-        </p:pic>
+          <p:txBody>
+            <a:bodyPr wrap="none" anchor="ctr" anchorCtr="0">
+              <a:noAutofit/>
+            </a:bodyPr>
+            <a:lstStyle/>
+            <a:p>
+              <a:endParaRPr lang="LID4096" dirty="0"/>
+            </a:p>
+          </p:txBody>
+        </p:sp>
       </p:grpSp>
+      <p:sp>
+        <p:nvSpPr>
+          <p:cNvPr id="17" name="TextBox 16">
+            <a:extLst>
+              <a:ext uri="{FF2B5EF4-FFF2-40B4-BE49-F238E27FC236}">
+                <a16:creationId xmlns:a16="http://schemas.microsoft.com/office/drawing/2014/main" id="{82A350D2-C9F0-4F94-83A7-0F5545CD2DF0}"/>
+              </a:ext>
+            </a:extLst>
+          </p:cNvPr>
+          <p:cNvSpPr txBox="1"/>
+          <p:nvPr/>
+        </p:nvSpPr>
+        <p:spPr>
+          <a:xfrm>
+            <a:off x="450234" y="275890"/>
+            <a:ext cx="2364259" cy="2590117"/>
+          </a:xfrm>
+          <a:prstGeom prst="rect">
+            <a:avLst/>
+          </a:prstGeom>
+          <a:noFill/>
+        </p:spPr>
+        <p:txBody>
+          <a:bodyPr wrap="square">
+            <a:noAutofit/>
+          </a:bodyPr>
+          <a:lstStyle/>
+          <a:p>
+            <a:r>
+              <a:rPr lang="en-US" b="1" dirty="0"/>
+              <a:t>Flopy ...</a:t>
+            </a:r>
+          </a:p>
+          <a:p>
+            <a:r>
+              <a:rPr lang="en-US" b="1" dirty="0">
+                <a:solidFill>
+                  <a:srgbClr val="0000FF"/>
+                </a:solidFill>
+              </a:rPr>
+              <a:t> </a:t>
+            </a:r>
+          </a:p>
+        </p:txBody>
+      </p:sp>
     </p:spTree>
     <p:extLst>
       <p:ext uri="{BB962C8B-B14F-4D97-AF65-F5344CB8AC3E}">
@@ -15691,57 +16480,6 @@
           </a:effectLst>
         </p:spPr>
       </p:pic>
-      <p:sp>
-        <p:nvSpPr>
-          <p:cNvPr id="27" name="TextBox 26">
-            <a:extLst>
-              <a:ext uri="{FF2B5EF4-FFF2-40B4-BE49-F238E27FC236}">
-                <a16:creationId xmlns:a16="http://schemas.microsoft.com/office/drawing/2014/main" id="{0944D0E0-556C-63AB-5BFD-2CC59FF0B391}"/>
-              </a:ext>
-            </a:extLst>
-          </p:cNvPr>
-          <p:cNvSpPr txBox="1"/>
-          <p:nvPr/>
-        </p:nvSpPr>
-        <p:spPr>
-          <a:xfrm>
-            <a:off x="8890237" y="682153"/>
-            <a:ext cx="3194669" cy="646331"/>
-          </a:xfrm>
-          <a:prstGeom prst="rect">
-            <a:avLst/>
-          </a:prstGeom>
-          <a:noFill/>
-        </p:spPr>
-        <p:txBody>
-          <a:bodyPr wrap="square">
-            <a:spAutoFit/>
-          </a:bodyPr>
-          <a:lstStyle/>
-          <a:p>
-            <a:pPr algn="r"/>
-            <a:r>
-              <a:rPr lang="pt-BR" sz="1200" b="1" dirty="0"/>
-              <a:t>Beta_01</a:t>
-            </a:r>
-          </a:p>
-          <a:p>
-            <a:pPr algn="r"/>
-            <a:r>
-              <a:rPr lang="pt-BR" sz="1200" b="1" dirty="0"/>
-              <a:t>02</a:t>
-            </a:r>
-          </a:p>
-          <a:p>
-            <a:pPr algn="r"/>
-            <a:r>
-              <a:rPr lang="pt-BR" sz="1200" b="1" dirty="0"/>
-              <a:t>03</a:t>
-            </a:r>
-            <a:endParaRPr lang="LID4096" sz="1200" b="1" dirty="0"/>
-          </a:p>
-        </p:txBody>
-      </p:sp>
       <p:pic>
         <p:nvPicPr>
           <p:cNvPr id="28" name="Picture 27">
@@ -18141,111 +18879,6 @@
           </a:p>
         </p:txBody>
       </p:sp>
-      <p:sp>
-        <p:nvSpPr>
-          <p:cNvPr id="11" name="TextBox 10">
-            <a:extLst>
-              <a:ext uri="{FF2B5EF4-FFF2-40B4-BE49-F238E27FC236}">
-                <a16:creationId xmlns:a16="http://schemas.microsoft.com/office/drawing/2014/main" id="{AC5191A8-D6CF-BD8F-0993-06F5B9C59700}"/>
-              </a:ext>
-            </a:extLst>
-          </p:cNvPr>
-          <p:cNvSpPr txBox="1"/>
-          <p:nvPr/>
-        </p:nvSpPr>
-        <p:spPr>
-          <a:xfrm>
-            <a:off x="8376514" y="308162"/>
-            <a:ext cx="3575208" cy="1477328"/>
-          </a:xfrm>
-          <a:prstGeom prst="rect">
-            <a:avLst/>
-          </a:prstGeom>
-          <a:noFill/>
-        </p:spPr>
-        <p:txBody>
-          <a:bodyPr wrap="square">
-            <a:spAutoFit/>
-          </a:bodyPr>
-          <a:lstStyle/>
-          <a:p>
-            <a:r>
-              <a:rPr lang="LID4096" dirty="0"/>
-              <a:t>http://localhost:8888/notebooks/01_GMDSI_____advanced/01_Tutorials___AGAIN___/a_part0_intro_to_pyemu______ok/intro_to_pyemu________.ipynb#Geostatistics-=-PPCOV</a:t>
-            </a:r>
-          </a:p>
-        </p:txBody>
-      </p:sp>
-      <p:sp>
-        <p:nvSpPr>
-          <p:cNvPr id="15" name="TextBox 14">
-            <a:extLst>
-              <a:ext uri="{FF2B5EF4-FFF2-40B4-BE49-F238E27FC236}">
-                <a16:creationId xmlns:a16="http://schemas.microsoft.com/office/drawing/2014/main" id="{7A4D963A-522D-7203-0296-AABFFA1C4B68}"/>
-              </a:ext>
-            </a:extLst>
-          </p:cNvPr>
-          <p:cNvSpPr txBox="1"/>
-          <p:nvPr/>
-        </p:nvSpPr>
-        <p:spPr>
-          <a:xfrm>
-            <a:off x="9391801" y="2369288"/>
-            <a:ext cx="1892419" cy="2308324"/>
-          </a:xfrm>
-          <a:prstGeom prst="rect">
-            <a:avLst/>
-          </a:prstGeom>
-          <a:noFill/>
-        </p:spPr>
-        <p:txBody>
-          <a:bodyPr wrap="square">
-            <a:spAutoFit/>
-          </a:bodyPr>
-          <a:lstStyle/>
-          <a:p>
-            <a:r>
-              <a:rPr lang="LID4096" dirty="0"/>
-              <a:t>## `First Order, Second Moment (FOSM)`_ Linear Analysis + forecasts _&lt;font color='red'&gt; Recording __*.cov &lt;/font&gt; </a:t>
-            </a:r>
-          </a:p>
-        </p:txBody>
-      </p:sp>
-      <p:sp>
-        <p:nvSpPr>
-          <p:cNvPr id="20" name="TextBox 19">
-            <a:extLst>
-              <a:ext uri="{FF2B5EF4-FFF2-40B4-BE49-F238E27FC236}">
-                <a16:creationId xmlns:a16="http://schemas.microsoft.com/office/drawing/2014/main" id="{1C9780D4-414E-00EF-5071-A8F726AAA4D0}"/>
-              </a:ext>
-            </a:extLst>
-          </p:cNvPr>
-          <p:cNvSpPr txBox="1"/>
-          <p:nvPr/>
-        </p:nvSpPr>
-        <p:spPr>
-          <a:xfrm>
-            <a:off x="8716235" y="5306141"/>
-            <a:ext cx="2841000" cy="923330"/>
-          </a:xfrm>
-          <a:prstGeom prst="rect">
-            <a:avLst/>
-          </a:prstGeom>
-          <a:noFill/>
-        </p:spPr>
-        <p:txBody>
-          <a:bodyPr wrap="square">
-            <a:spAutoFit/>
-          </a:bodyPr>
-          <a:lstStyle/>
-          <a:p>
-            <a:r>
-              <a:rPr lang="LID4096" dirty="0"/>
-              <a:t># Previous Ensemble &lt;font color='red'&gt; possible issue &lt;/font&gt;  shutil.rmtree(t_d)</a:t>
-            </a:r>
-          </a:p>
-        </p:txBody>
-      </p:sp>
     </p:spTree>
     <p:extLst>
       <p:ext uri="{BB962C8B-B14F-4D97-AF65-F5344CB8AC3E}">

--- a/01_Follow_up__activities.pptx
+++ b/01_Follow_up__activities.pptx
@@ -7,13 +7,14 @@
   <p:sldIdLst>
     <p:sldId id="274" r:id="rId2"/>
     <p:sldId id="279" r:id="rId3"/>
-    <p:sldId id="261" r:id="rId4"/>
-    <p:sldId id="280" r:id="rId5"/>
-    <p:sldId id="273" r:id="rId6"/>
-    <p:sldId id="275" r:id="rId7"/>
-    <p:sldId id="276" r:id="rId8"/>
+    <p:sldId id="278" r:id="rId4"/>
+    <p:sldId id="261" r:id="rId5"/>
+    <p:sldId id="280" r:id="rId6"/>
+    <p:sldId id="273" r:id="rId7"/>
+    <p:sldId id="275" r:id="rId8"/>
     <p:sldId id="277" r:id="rId9"/>
-    <p:sldId id="278" r:id="rId10"/>
+    <p:sldId id="281" r:id="rId10"/>
+    <p:sldId id="276" r:id="rId11"/>
   </p:sldIdLst>
   <p:sldSz cx="12192000" cy="6858000"/>
   <p:notesSz cx="6858000" cy="9144000"/>
@@ -269,7 +270,7 @@
           <a:p>
             <a:fld id="{830943F9-8AC6-4393-AEEF-D45C2A43C7C7}" type="datetimeFigureOut">
               <a:rPr lang="LID4096" smtClean="0"/>
-              <a:t>01/07/2025</a:t>
+              <a:t>01/08/2025</a:t>
             </a:fld>
             <a:endParaRPr lang="LID4096"/>
           </a:p>
@@ -469,7 +470,7 @@
           <a:p>
             <a:fld id="{830943F9-8AC6-4393-AEEF-D45C2A43C7C7}" type="datetimeFigureOut">
               <a:rPr lang="LID4096" smtClean="0"/>
-              <a:t>01/07/2025</a:t>
+              <a:t>01/08/2025</a:t>
             </a:fld>
             <a:endParaRPr lang="LID4096"/>
           </a:p>
@@ -679,7 +680,7 @@
           <a:p>
             <a:fld id="{830943F9-8AC6-4393-AEEF-D45C2A43C7C7}" type="datetimeFigureOut">
               <a:rPr lang="LID4096" smtClean="0"/>
-              <a:t>01/07/2025</a:t>
+              <a:t>01/08/2025</a:t>
             </a:fld>
             <a:endParaRPr lang="LID4096"/>
           </a:p>
@@ -879,7 +880,7 @@
           <a:p>
             <a:fld id="{830943F9-8AC6-4393-AEEF-D45C2A43C7C7}" type="datetimeFigureOut">
               <a:rPr lang="LID4096" smtClean="0"/>
-              <a:t>01/07/2025</a:t>
+              <a:t>01/08/2025</a:t>
             </a:fld>
             <a:endParaRPr lang="LID4096"/>
           </a:p>
@@ -1155,7 +1156,7 @@
           <a:p>
             <a:fld id="{830943F9-8AC6-4393-AEEF-D45C2A43C7C7}" type="datetimeFigureOut">
               <a:rPr lang="LID4096" smtClean="0"/>
-              <a:t>01/07/2025</a:t>
+              <a:t>01/08/2025</a:t>
             </a:fld>
             <a:endParaRPr lang="LID4096"/>
           </a:p>
@@ -1423,7 +1424,7 @@
           <a:p>
             <a:fld id="{830943F9-8AC6-4393-AEEF-D45C2A43C7C7}" type="datetimeFigureOut">
               <a:rPr lang="LID4096" smtClean="0"/>
-              <a:t>01/07/2025</a:t>
+              <a:t>01/08/2025</a:t>
             </a:fld>
             <a:endParaRPr lang="LID4096"/>
           </a:p>
@@ -1838,7 +1839,7 @@
           <a:p>
             <a:fld id="{830943F9-8AC6-4393-AEEF-D45C2A43C7C7}" type="datetimeFigureOut">
               <a:rPr lang="LID4096" smtClean="0"/>
-              <a:t>01/07/2025</a:t>
+              <a:t>01/08/2025</a:t>
             </a:fld>
             <a:endParaRPr lang="LID4096"/>
           </a:p>
@@ -1980,7 +1981,7 @@
           <a:p>
             <a:fld id="{830943F9-8AC6-4393-AEEF-D45C2A43C7C7}" type="datetimeFigureOut">
               <a:rPr lang="LID4096" smtClean="0"/>
-              <a:t>01/07/2025</a:t>
+              <a:t>01/08/2025</a:t>
             </a:fld>
             <a:endParaRPr lang="LID4096"/>
           </a:p>
@@ -2093,7 +2094,7 @@
           <a:p>
             <a:fld id="{830943F9-8AC6-4393-AEEF-D45C2A43C7C7}" type="datetimeFigureOut">
               <a:rPr lang="LID4096" smtClean="0"/>
-              <a:t>01/07/2025</a:t>
+              <a:t>01/08/2025</a:t>
             </a:fld>
             <a:endParaRPr lang="LID4096"/>
           </a:p>
@@ -2406,7 +2407,7 @@
           <a:p>
             <a:fld id="{830943F9-8AC6-4393-AEEF-D45C2A43C7C7}" type="datetimeFigureOut">
               <a:rPr lang="LID4096" smtClean="0"/>
-              <a:t>01/07/2025</a:t>
+              <a:t>01/08/2025</a:t>
             </a:fld>
             <a:endParaRPr lang="LID4096"/>
           </a:p>
@@ -2695,7 +2696,7 @@
           <a:p>
             <a:fld id="{830943F9-8AC6-4393-AEEF-D45C2A43C7C7}" type="datetimeFigureOut">
               <a:rPr lang="LID4096" smtClean="0"/>
-              <a:t>01/07/2025</a:t>
+              <a:t>01/08/2025</a:t>
             </a:fld>
             <a:endParaRPr lang="LID4096"/>
           </a:p>
@@ -2938,7 +2939,7 @@
           <a:p>
             <a:fld id="{830943F9-8AC6-4393-AEEF-D45C2A43C7C7}" type="datetimeFigureOut">
               <a:rPr lang="LID4096" smtClean="0"/>
-              <a:t>01/07/2025</a:t>
+              <a:t>01/08/2025</a:t>
             </a:fld>
             <a:endParaRPr lang="LID4096"/>
           </a:p>
@@ -4157,9 +4158,9 @@
         <p:grpSpPr>
           <a:xfrm>
             <a:off x="125598" y="76665"/>
-            <a:ext cx="1919943" cy="1028700"/>
+            <a:ext cx="1919943" cy="1074824"/>
             <a:chOff x="125598" y="76665"/>
-            <a:chExt cx="1919943" cy="1028700"/>
+            <a:chExt cx="1919943" cy="1074824"/>
           </a:xfrm>
         </p:grpSpPr>
         <p:pic>
@@ -4250,7 +4251,7 @@
           <p:spPr>
             <a:xfrm>
               <a:off x="125598" y="281279"/>
-              <a:ext cx="1916220" cy="213260"/>
+              <a:ext cx="1916220" cy="870210"/>
             </a:xfrm>
             <a:prstGeom prst="rect">
               <a:avLst/>
@@ -5155,10 +5156,726 @@
           </a:p>
         </p:txBody>
       </p:sp>
+      <p:sp>
+        <p:nvSpPr>
+          <p:cNvPr id="22" name="Arrow: Right 21">
+            <a:extLst>
+              <a:ext uri="{FF2B5EF4-FFF2-40B4-BE49-F238E27FC236}">
+                <a16:creationId xmlns:a16="http://schemas.microsoft.com/office/drawing/2014/main" id="{761C912C-3B1A-A9CE-6334-E6DE5859BB58}"/>
+              </a:ext>
+            </a:extLst>
+          </p:cNvPr>
+          <p:cNvSpPr/>
+          <p:nvPr/>
+        </p:nvSpPr>
+        <p:spPr>
+          <a:xfrm rot="3957263">
+            <a:off x="6981609" y="3512749"/>
+            <a:ext cx="402193" cy="308340"/>
+          </a:xfrm>
+          <a:prstGeom prst="rightArrow">
+            <a:avLst/>
+          </a:prstGeom>
+        </p:spPr>
+        <p:style>
+          <a:lnRef idx="2">
+            <a:schemeClr val="accent1">
+              <a:shade val="15000"/>
+            </a:schemeClr>
+          </a:lnRef>
+          <a:fillRef idx="1">
+            <a:schemeClr val="accent1"/>
+          </a:fillRef>
+          <a:effectRef idx="0">
+            <a:schemeClr val="accent1"/>
+          </a:effectRef>
+          <a:fontRef idx="minor">
+            <a:schemeClr val="lt1"/>
+          </a:fontRef>
+        </p:style>
+        <p:txBody>
+          <a:bodyPr rtlCol="0" anchor="ctr"/>
+          <a:lstStyle/>
+          <a:p>
+            <a:pPr algn="ctr"/>
+            <a:endParaRPr lang="LID4096"/>
+          </a:p>
+        </p:txBody>
+      </p:sp>
+      <p:sp>
+        <p:nvSpPr>
+          <p:cNvPr id="23" name="TextBox 22">
+            <a:extLst>
+              <a:ext uri="{FF2B5EF4-FFF2-40B4-BE49-F238E27FC236}">
+                <a16:creationId xmlns:a16="http://schemas.microsoft.com/office/drawing/2014/main" id="{9B47317D-5D39-CF9A-5EB3-B431B84D3955}"/>
+              </a:ext>
+            </a:extLst>
+          </p:cNvPr>
+          <p:cNvSpPr txBox="1"/>
+          <p:nvPr/>
+        </p:nvSpPr>
+        <p:spPr>
+          <a:xfrm>
+            <a:off x="10604127" y="710214"/>
+            <a:ext cx="1458551" cy="523220"/>
+          </a:xfrm>
+          <a:prstGeom prst="rect">
+            <a:avLst/>
+          </a:prstGeom>
+          <a:noFill/>
+        </p:spPr>
+        <p:txBody>
+          <a:bodyPr wrap="square">
+            <a:spAutoFit/>
+          </a:bodyPr>
+          <a:lstStyle>
+            <a:defPPr>
+              <a:defRPr lang="LID4096"/>
+            </a:defPPr>
+            <a:lvl1pPr>
+              <a:defRPr sz="1100" b="1"/>
+            </a:lvl1pPr>
+          </a:lstStyle>
+          <a:p>
+            <a:pPr algn="r"/>
+            <a:r>
+              <a:rPr lang="en-US" sz="2800" dirty="0"/>
+              <a:t>04</a:t>
+            </a:r>
+            <a:endParaRPr lang="LID4096" sz="2800" dirty="0"/>
+          </a:p>
+        </p:txBody>
+      </p:sp>
     </p:spTree>
     <p:extLst>
       <p:ext uri="{BB962C8B-B14F-4D97-AF65-F5344CB8AC3E}">
         <p14:creationId xmlns:p14="http://schemas.microsoft.com/office/powerpoint/2010/main" val="139564977"/>
+      </p:ext>
+    </p:extLst>
+  </p:cSld>
+  <p:clrMapOvr>
+    <a:masterClrMapping/>
+  </p:clrMapOvr>
+</p:sld>
+</file>
+
+<file path=ppt/slides/slide10.xml><?xml version="1.0" encoding="utf-8"?>
+<p:sld xmlns:a="http://schemas.openxmlformats.org/drawingml/2006/main" xmlns:r="http://schemas.openxmlformats.org/officeDocument/2006/relationships" xmlns:p="http://schemas.openxmlformats.org/presentationml/2006/main">
+  <p:cSld>
+    <p:bg>
+      <p:bgPr>
+        <a:solidFill>
+          <a:srgbClr val="EFDECD"/>
+        </a:solidFill>
+        <a:effectLst/>
+      </p:bgPr>
+    </p:bg>
+    <p:spTree>
+      <p:nvGrpSpPr>
+        <p:cNvPr id="1" name="">
+          <a:extLst>
+            <a:ext uri="{FF2B5EF4-FFF2-40B4-BE49-F238E27FC236}">
+              <a16:creationId xmlns:a16="http://schemas.microsoft.com/office/drawing/2014/main" id="{BD3D6D14-6A3F-C284-D69B-58CA7AA7BAD2}"/>
+            </a:ext>
+          </a:extLst>
+        </p:cNvPr>
+        <p:cNvGrpSpPr/>
+        <p:nvPr/>
+      </p:nvGrpSpPr>
+      <p:grpSpPr>
+        <a:xfrm>
+          <a:off x="0" y="0"/>
+          <a:ext cx="0" cy="0"/>
+          <a:chOff x="0" y="0"/>
+          <a:chExt cx="0" cy="0"/>
+        </a:xfrm>
+      </p:grpSpPr>
+      <p:grpSp>
+        <p:nvGrpSpPr>
+          <p:cNvPr id="1034" name="Group 1033">
+            <a:extLst>
+              <a:ext uri="{FF2B5EF4-FFF2-40B4-BE49-F238E27FC236}">
+                <a16:creationId xmlns:a16="http://schemas.microsoft.com/office/drawing/2014/main" id="{75071F53-EA5D-3143-E694-1325E62922A0}"/>
+              </a:ext>
+            </a:extLst>
+          </p:cNvPr>
+          <p:cNvGrpSpPr/>
+          <p:nvPr/>
+        </p:nvGrpSpPr>
+        <p:grpSpPr>
+          <a:xfrm>
+            <a:off x="148310" y="4524375"/>
+            <a:ext cx="11920458" cy="2256228"/>
+            <a:chOff x="308243" y="1947388"/>
+            <a:chExt cx="14349790" cy="3066418"/>
+          </a:xfrm>
+        </p:grpSpPr>
+        <p:grpSp>
+          <p:nvGrpSpPr>
+            <p:cNvPr id="37" name="Group 36">
+              <a:extLst>
+                <a:ext uri="{FF2B5EF4-FFF2-40B4-BE49-F238E27FC236}">
+                  <a16:creationId xmlns:a16="http://schemas.microsoft.com/office/drawing/2014/main" id="{BC3ACF7E-9F09-AB97-F55C-F6BDB84C03BF}"/>
+                </a:ext>
+              </a:extLst>
+            </p:cNvPr>
+            <p:cNvGrpSpPr>
+              <a:grpSpLocks noChangeAspect="1"/>
+            </p:cNvGrpSpPr>
+            <p:nvPr/>
+          </p:nvGrpSpPr>
+          <p:grpSpPr>
+            <a:xfrm>
+              <a:off x="308243" y="1947388"/>
+              <a:ext cx="14349790" cy="3066418"/>
+              <a:chOff x="440294" y="1908799"/>
+              <a:chExt cx="11194730" cy="2392211"/>
+            </a:xfrm>
+          </p:grpSpPr>
+          <p:grpSp>
+            <p:nvGrpSpPr>
+              <p:cNvPr id="19" name="Group 18">
+                <a:extLst>
+                  <a:ext uri="{FF2B5EF4-FFF2-40B4-BE49-F238E27FC236}">
+                    <a16:creationId xmlns:a16="http://schemas.microsoft.com/office/drawing/2014/main" id="{E36FFBBB-EFFC-2CBC-82CE-23BC2F490D6A}"/>
+                  </a:ext>
+                </a:extLst>
+              </p:cNvPr>
+              <p:cNvGrpSpPr>
+                <a:grpSpLocks noChangeAspect="1"/>
+              </p:cNvGrpSpPr>
+              <p:nvPr/>
+            </p:nvGrpSpPr>
+            <p:grpSpPr>
+              <a:xfrm>
+                <a:off x="7699324" y="1908799"/>
+                <a:ext cx="3935700" cy="2392211"/>
+                <a:chOff x="5042198" y="1429617"/>
+                <a:chExt cx="2477692" cy="1506001"/>
+              </a:xfrm>
+            </p:grpSpPr>
+            <p:pic>
+              <p:nvPicPr>
+                <p:cNvPr id="16" name="Picture 15">
+                  <a:extLst>
+                    <a:ext uri="{FF2B5EF4-FFF2-40B4-BE49-F238E27FC236}">
+                      <a16:creationId xmlns:a16="http://schemas.microsoft.com/office/drawing/2014/main" id="{706117A3-EB57-12DC-62BF-B3061FCAA2DB}"/>
+                    </a:ext>
+                  </a:extLst>
+                </p:cNvPr>
+                <p:cNvPicPr>
+                  <a:picLocks noChangeAspect="1"/>
+                </p:cNvPicPr>
+                <p:nvPr/>
+              </p:nvPicPr>
+              <p:blipFill>
+                <a:blip r:embed="rId2"/>
+                <a:srcRect l="3850" t="27660"/>
+                <a:stretch/>
+              </p:blipFill>
+              <p:spPr>
+                <a:xfrm>
+                  <a:off x="5042198" y="1429617"/>
+                  <a:ext cx="1689370" cy="303240"/>
+                </a:xfrm>
+                <a:prstGeom prst="rect">
+                  <a:avLst/>
+                </a:prstGeom>
+                <a:noFill/>
+                <a:ln w="3175">
+                  <a:solidFill>
+                    <a:schemeClr val="tx1"/>
+                  </a:solidFill>
+                </a:ln>
+                <a:effectLst>
+                  <a:outerShdw blurRad="50800" dist="38100" dir="8100000" algn="tr" rotWithShape="0">
+                    <a:prstClr val="black">
+                      <a:alpha val="40000"/>
+                    </a:prstClr>
+                  </a:outerShdw>
+                </a:effectLst>
+              </p:spPr>
+            </p:pic>
+            <p:pic>
+              <p:nvPicPr>
+                <p:cNvPr id="18" name="Picture 17">
+                  <a:extLst>
+                    <a:ext uri="{FF2B5EF4-FFF2-40B4-BE49-F238E27FC236}">
+                      <a16:creationId xmlns:a16="http://schemas.microsoft.com/office/drawing/2014/main" id="{40BC5BCE-50E7-8EB8-5E1E-4891FE3C830D}"/>
+                    </a:ext>
+                  </a:extLst>
+                </p:cNvPr>
+                <p:cNvPicPr>
+                  <a:picLocks noChangeAspect="1"/>
+                </p:cNvPicPr>
+                <p:nvPr/>
+              </p:nvPicPr>
+              <p:blipFill>
+                <a:blip r:embed="rId3"/>
+                <a:stretch>
+                  <a:fillRect/>
+                </a:stretch>
+              </p:blipFill>
+              <p:spPr>
+                <a:xfrm>
+                  <a:off x="5650395" y="1804727"/>
+                  <a:ext cx="1869495" cy="1130891"/>
+                </a:xfrm>
+                <a:prstGeom prst="rect">
+                  <a:avLst/>
+                </a:prstGeom>
+                <a:noFill/>
+                <a:ln w="3175">
+                  <a:solidFill>
+                    <a:schemeClr val="tx1"/>
+                  </a:solidFill>
+                </a:ln>
+                <a:effectLst>
+                  <a:outerShdw blurRad="50800" dist="38100" dir="8100000" algn="tr" rotWithShape="0">
+                    <a:prstClr val="black">
+                      <a:alpha val="40000"/>
+                    </a:prstClr>
+                  </a:outerShdw>
+                </a:effectLst>
+              </p:spPr>
+            </p:pic>
+          </p:grpSp>
+          <p:grpSp>
+            <p:nvGrpSpPr>
+              <p:cNvPr id="30" name="Group 29">
+                <a:extLst>
+                  <a:ext uri="{FF2B5EF4-FFF2-40B4-BE49-F238E27FC236}">
+                    <a16:creationId xmlns:a16="http://schemas.microsoft.com/office/drawing/2014/main" id="{E78E1336-86E7-C212-69B4-C3CE41AECC6B}"/>
+                  </a:ext>
+                </a:extLst>
+              </p:cNvPr>
+              <p:cNvGrpSpPr/>
+              <p:nvPr/>
+            </p:nvGrpSpPr>
+            <p:grpSpPr>
+              <a:xfrm>
+                <a:off x="440294" y="3692123"/>
+                <a:ext cx="8141424" cy="589960"/>
+                <a:chOff x="440294" y="3692123"/>
+                <a:chExt cx="8141424" cy="589960"/>
+              </a:xfrm>
+            </p:grpSpPr>
+            <p:pic>
+              <p:nvPicPr>
+                <p:cNvPr id="22" name="Picture 21">
+                  <a:extLst>
+                    <a:ext uri="{FF2B5EF4-FFF2-40B4-BE49-F238E27FC236}">
+                      <a16:creationId xmlns:a16="http://schemas.microsoft.com/office/drawing/2014/main" id="{7CC2F160-83FF-AB70-A919-26185801C4AE}"/>
+                    </a:ext>
+                  </a:extLst>
+                </p:cNvPr>
+                <p:cNvPicPr>
+                  <a:picLocks noChangeAspect="1"/>
+                </p:cNvPicPr>
+                <p:nvPr/>
+              </p:nvPicPr>
+              <p:blipFill>
+                <a:blip r:embed="rId4"/>
+                <a:srcRect r="842"/>
+                <a:stretch/>
+              </p:blipFill>
+              <p:spPr>
+                <a:xfrm>
+                  <a:off x="440294" y="3695931"/>
+                  <a:ext cx="8141424" cy="276225"/>
+                </a:xfrm>
+                <a:prstGeom prst="rect">
+                  <a:avLst/>
+                </a:prstGeom>
+              </p:spPr>
+            </p:pic>
+            <p:pic>
+              <p:nvPicPr>
+                <p:cNvPr id="24" name="Picture 23">
+                  <a:extLst>
+                    <a:ext uri="{FF2B5EF4-FFF2-40B4-BE49-F238E27FC236}">
+                      <a16:creationId xmlns:a16="http://schemas.microsoft.com/office/drawing/2014/main" id="{60F6576A-7438-DAC7-32E4-BDFFA3A6DC10}"/>
+                    </a:ext>
+                  </a:extLst>
+                </p:cNvPr>
+                <p:cNvPicPr>
+                  <a:picLocks noChangeAspect="1"/>
+                </p:cNvPicPr>
+                <p:nvPr/>
+              </p:nvPicPr>
+              <p:blipFill>
+                <a:blip r:embed="rId5"/>
+                <a:stretch>
+                  <a:fillRect/>
+                </a:stretch>
+              </p:blipFill>
+              <p:spPr>
+                <a:xfrm>
+                  <a:off x="440294" y="4005854"/>
+                  <a:ext cx="5867400" cy="276224"/>
+                </a:xfrm>
+                <a:prstGeom prst="rect">
+                  <a:avLst/>
+                </a:prstGeom>
+              </p:spPr>
+            </p:pic>
+            <p:sp>
+              <p:nvSpPr>
+                <p:cNvPr id="27" name="Rectangle 26">
+                  <a:extLst>
+                    <a:ext uri="{FF2B5EF4-FFF2-40B4-BE49-F238E27FC236}">
+                      <a16:creationId xmlns:a16="http://schemas.microsoft.com/office/drawing/2014/main" id="{6C9A8715-9FA5-4F8D-4BCC-E808ED18F5D7}"/>
+                    </a:ext>
+                  </a:extLst>
+                </p:cNvPr>
+                <p:cNvSpPr/>
+                <p:nvPr/>
+              </p:nvSpPr>
+              <p:spPr>
+                <a:xfrm>
+                  <a:off x="440294" y="3695931"/>
+                  <a:ext cx="320504" cy="276226"/>
+                </a:xfrm>
+                <a:prstGeom prst="rect">
+                  <a:avLst/>
+                </a:prstGeom>
+                <a:noFill/>
+                <a:ln w="6350">
+                  <a:solidFill>
+                    <a:schemeClr val="tx1"/>
+                  </a:solidFill>
+                </a:ln>
+                <a:effectLst>
+                  <a:outerShdw blurRad="50800" dist="38100" dir="8100000" algn="tr" rotWithShape="0">
+                    <a:prstClr val="black">
+                      <a:alpha val="40000"/>
+                    </a:prstClr>
+                  </a:outerShdw>
+                </a:effectLst>
+              </p:spPr>
+              <p:txBody>
+                <a:bodyPr wrap="none" anchor="ctr" anchorCtr="0">
+                  <a:noAutofit/>
+                </a:bodyPr>
+                <a:lstStyle/>
+                <a:p>
+                  <a:endParaRPr lang="LID4096"/>
+                </a:p>
+              </p:txBody>
+            </p:sp>
+            <p:sp>
+              <p:nvSpPr>
+                <p:cNvPr id="28" name="Rectangle 27">
+                  <a:extLst>
+                    <a:ext uri="{FF2B5EF4-FFF2-40B4-BE49-F238E27FC236}">
+                      <a16:creationId xmlns:a16="http://schemas.microsoft.com/office/drawing/2014/main" id="{FA31F018-6F5F-27DE-9B98-77BB2CD18865}"/>
+                    </a:ext>
+                  </a:extLst>
+                </p:cNvPr>
+                <p:cNvSpPr/>
+                <p:nvPr/>
+              </p:nvSpPr>
+              <p:spPr>
+                <a:xfrm>
+                  <a:off x="2239116" y="4005856"/>
+                  <a:ext cx="495655" cy="276227"/>
+                </a:xfrm>
+                <a:prstGeom prst="rect">
+                  <a:avLst/>
+                </a:prstGeom>
+                <a:noFill/>
+                <a:ln w="6350">
+                  <a:solidFill>
+                    <a:schemeClr val="tx1"/>
+                  </a:solidFill>
+                </a:ln>
+                <a:effectLst>
+                  <a:outerShdw blurRad="50800" dist="38100" dir="8100000" algn="tr" rotWithShape="0">
+                    <a:prstClr val="black">
+                      <a:alpha val="40000"/>
+                    </a:prstClr>
+                  </a:outerShdw>
+                </a:effectLst>
+              </p:spPr>
+              <p:txBody>
+                <a:bodyPr wrap="none" anchor="ctr" anchorCtr="0">
+                  <a:noAutofit/>
+                </a:bodyPr>
+                <a:lstStyle/>
+                <a:p>
+                  <a:endParaRPr lang="LID4096"/>
+                </a:p>
+              </p:txBody>
+            </p:sp>
+            <p:sp>
+              <p:nvSpPr>
+                <p:cNvPr id="29" name="Rectangle 28">
+                  <a:extLst>
+                    <a:ext uri="{FF2B5EF4-FFF2-40B4-BE49-F238E27FC236}">
+                      <a16:creationId xmlns:a16="http://schemas.microsoft.com/office/drawing/2014/main" id="{8D819851-F454-8363-3B3D-FD38997B5BAD}"/>
+                    </a:ext>
+                  </a:extLst>
+                </p:cNvPr>
+                <p:cNvSpPr/>
+                <p:nvPr/>
+              </p:nvSpPr>
+              <p:spPr>
+                <a:xfrm>
+                  <a:off x="6980608" y="3692123"/>
+                  <a:ext cx="1601109" cy="276226"/>
+                </a:xfrm>
+                <a:prstGeom prst="rect">
+                  <a:avLst/>
+                </a:prstGeom>
+                <a:noFill/>
+                <a:ln w="6350">
+                  <a:solidFill>
+                    <a:schemeClr val="tx1"/>
+                  </a:solidFill>
+                </a:ln>
+                <a:effectLst>
+                  <a:outerShdw blurRad="50800" dist="38100" dir="8100000" algn="tr" rotWithShape="0">
+                    <a:prstClr val="black">
+                      <a:alpha val="40000"/>
+                    </a:prstClr>
+                  </a:outerShdw>
+                </a:effectLst>
+              </p:spPr>
+              <p:txBody>
+                <a:bodyPr wrap="none" anchor="ctr" anchorCtr="0">
+                  <a:noAutofit/>
+                </a:bodyPr>
+                <a:lstStyle/>
+                <a:p>
+                  <a:endParaRPr lang="LID4096"/>
+                </a:p>
+              </p:txBody>
+            </p:sp>
+          </p:grpSp>
+        </p:grpSp>
+        <p:sp>
+          <p:nvSpPr>
+            <p:cNvPr id="1033" name="TextBox 1032">
+              <a:extLst>
+                <a:ext uri="{FF2B5EF4-FFF2-40B4-BE49-F238E27FC236}">
+                  <a16:creationId xmlns:a16="http://schemas.microsoft.com/office/drawing/2014/main" id="{905EDF5B-5D07-D5AE-35A0-D9DC91A8BF5F}"/>
+                </a:ext>
+              </a:extLst>
+            </p:cNvPr>
+            <p:cNvSpPr txBox="1"/>
+            <p:nvPr/>
+          </p:nvSpPr>
+          <p:spPr>
+            <a:xfrm>
+              <a:off x="6595378" y="2805659"/>
+              <a:ext cx="4356000" cy="962081"/>
+            </a:xfrm>
+            <a:prstGeom prst="rect">
+              <a:avLst/>
+            </a:prstGeom>
+            <a:noFill/>
+          </p:spPr>
+          <p:txBody>
+            <a:bodyPr wrap="square">
+              <a:spAutoFit/>
+            </a:bodyPr>
+            <a:lstStyle/>
+            <a:p>
+              <a:r>
+                <a:rPr lang="LID4096" sz="2000" b="1" dirty="0"/>
+                <a:t>03a_</a:t>
+              </a:r>
+              <a:r>
+                <a:rPr lang="LID4096" sz="2000" b="1" dirty="0">
+                  <a:solidFill>
+                    <a:srgbClr val="FF0000"/>
+                  </a:solidFill>
+                </a:rPr>
+                <a:t>floPy</a:t>
+              </a:r>
+              <a:r>
+                <a:rPr lang="LID4096" sz="2000" b="1" dirty="0"/>
+                <a:t>_</a:t>
+              </a:r>
+              <a:r>
+                <a:rPr lang="en-US" sz="2000" b="1" dirty="0"/>
+                <a:t>01_Pleasant-lake-</a:t>
+              </a:r>
+              <a:r>
+                <a:rPr lang="en-US" sz="2000" b="1" dirty="0">
+                  <a:solidFill>
+                    <a:srgbClr val="FF0000"/>
+                  </a:solidFill>
+                </a:rPr>
+                <a:t>flopy</a:t>
+              </a:r>
+              <a:r>
+                <a:rPr lang="en-US" sz="2000" b="1" dirty="0"/>
+                <a:t>-example</a:t>
+              </a:r>
+              <a:endParaRPr lang="LID4096" sz="2000" b="1" dirty="0"/>
+            </a:p>
+          </p:txBody>
+        </p:sp>
+      </p:grpSp>
+      <p:sp>
+        <p:nvSpPr>
+          <p:cNvPr id="2" name="TextBox 1">
+            <a:extLst>
+              <a:ext uri="{FF2B5EF4-FFF2-40B4-BE49-F238E27FC236}">
+                <a16:creationId xmlns:a16="http://schemas.microsoft.com/office/drawing/2014/main" id="{C8F74336-9BFE-FDD6-B554-08A48CB427C7}"/>
+              </a:ext>
+            </a:extLst>
+          </p:cNvPr>
+          <p:cNvSpPr txBox="1">
+            <a:spLocks noChangeAspect="1"/>
+          </p:cNvSpPr>
+          <p:nvPr/>
+        </p:nvSpPr>
+        <p:spPr>
+          <a:xfrm>
+            <a:off x="11532973" y="4524375"/>
+            <a:ext cx="535795" cy="520428"/>
+          </a:xfrm>
+          <a:prstGeom prst="rect">
+            <a:avLst/>
+          </a:prstGeom>
+          <a:solidFill>
+            <a:schemeClr val="accent2"/>
+          </a:solidFill>
+        </p:spPr>
+        <p:txBody>
+          <a:bodyPr wrap="none" lIns="0" tIns="0" rIns="0" bIns="0" anchor="ctr" anchorCtr="0">
+            <a:noAutofit/>
+          </a:bodyPr>
+          <a:lstStyle/>
+          <a:p>
+            <a:pPr algn="ctr"/>
+            <a:r>
+              <a:rPr lang="pt-BR" sz="2400" b="1" dirty="0">
+                <a:solidFill>
+                  <a:schemeClr val="bg1"/>
+                </a:solidFill>
+              </a:rPr>
+              <a:t>02</a:t>
+            </a:r>
+            <a:endParaRPr lang="LID4096" sz="2400" b="1" dirty="0">
+              <a:solidFill>
+                <a:schemeClr val="bg1"/>
+              </a:solidFill>
+            </a:endParaRPr>
+          </a:p>
+        </p:txBody>
+      </p:sp>
+      <p:sp>
+        <p:nvSpPr>
+          <p:cNvPr id="9" name="TextBox 8">
+            <a:extLst>
+              <a:ext uri="{FF2B5EF4-FFF2-40B4-BE49-F238E27FC236}">
+                <a16:creationId xmlns:a16="http://schemas.microsoft.com/office/drawing/2014/main" id="{F1CC934C-2557-EB93-5977-F3A98B5DC3F8}"/>
+              </a:ext>
+            </a:extLst>
+          </p:cNvPr>
+          <p:cNvSpPr txBox="1"/>
+          <p:nvPr/>
+        </p:nvSpPr>
+        <p:spPr>
+          <a:xfrm>
+            <a:off x="489592" y="686458"/>
+            <a:ext cx="10672678" cy="400110"/>
+          </a:xfrm>
+          <a:prstGeom prst="rect">
+            <a:avLst/>
+          </a:prstGeom>
+          <a:noFill/>
+        </p:spPr>
+        <p:txBody>
+          <a:bodyPr wrap="square">
+            <a:spAutoFit/>
+          </a:bodyPr>
+          <a:lstStyle/>
+          <a:p>
+            <a:r>
+              <a:rPr lang="LID4096" sz="2000" b="1" dirty="0"/>
+              <a:t>### `Stoped at ____:   Postrocessing : Get_water_table()__Module`     __________ err __ 2x</a:t>
+            </a:r>
+          </a:p>
+        </p:txBody>
+      </p:sp>
+      <p:sp>
+        <p:nvSpPr>
+          <p:cNvPr id="11" name="TextBox 10">
+            <a:extLst>
+              <a:ext uri="{FF2B5EF4-FFF2-40B4-BE49-F238E27FC236}">
+                <a16:creationId xmlns:a16="http://schemas.microsoft.com/office/drawing/2014/main" id="{8D1A6623-BE2C-F78F-B503-43618ED6159B}"/>
+              </a:ext>
+            </a:extLst>
+          </p:cNvPr>
+          <p:cNvSpPr txBox="1"/>
+          <p:nvPr/>
+        </p:nvSpPr>
+        <p:spPr>
+          <a:xfrm>
+            <a:off x="874756" y="1288065"/>
+            <a:ext cx="6096000" cy="369332"/>
+          </a:xfrm>
+          <a:prstGeom prst="rect">
+            <a:avLst/>
+          </a:prstGeom>
+          <a:noFill/>
+        </p:spPr>
+        <p:txBody>
+          <a:bodyPr wrap="square">
+            <a:spAutoFit/>
+          </a:bodyPr>
+          <a:lstStyle/>
+          <a:p>
+            <a:r>
+              <a:rPr lang="LID4096" dirty="0"/>
+              <a:t>##  ` Streamflow err... intersects`  ____________` err_01 ` </a:t>
+            </a:r>
+          </a:p>
+        </p:txBody>
+      </p:sp>
+      <p:sp>
+        <p:nvSpPr>
+          <p:cNvPr id="13" name="TextBox 12">
+            <a:extLst>
+              <a:ext uri="{FF2B5EF4-FFF2-40B4-BE49-F238E27FC236}">
+                <a16:creationId xmlns:a16="http://schemas.microsoft.com/office/drawing/2014/main" id="{F2745D77-D1DD-983C-F413-11AF8CDF2FA8}"/>
+              </a:ext>
+            </a:extLst>
+          </p:cNvPr>
+          <p:cNvSpPr txBox="1"/>
+          <p:nvPr/>
+        </p:nvSpPr>
+        <p:spPr>
+          <a:xfrm>
+            <a:off x="874756" y="1726927"/>
+            <a:ext cx="6096000" cy="369332"/>
+          </a:xfrm>
+          <a:prstGeom prst="rect">
+            <a:avLst/>
+          </a:prstGeom>
+          <a:noFill/>
+        </p:spPr>
+        <p:txBody>
+          <a:bodyPr wrap="square">
+            <a:spAutoFit/>
+          </a:bodyPr>
+          <a:lstStyle/>
+          <a:p>
+            <a:r>
+              <a:rPr lang="LID4096" dirty="0"/>
+              <a:t>## Postrocessing : Get_water_table()__Module ____` err_02 `</a:t>
+            </a:r>
+          </a:p>
+        </p:txBody>
+      </p:sp>
+    </p:spTree>
+    <p:extLst>
+      <p:ext uri="{BB962C8B-B14F-4D97-AF65-F5344CB8AC3E}">
+        <p14:creationId xmlns:p14="http://schemas.microsoft.com/office/powerpoint/2010/main" val="3766104932"/>
       </p:ext>
     </p:extLst>
   </p:cSld>
@@ -5411,8 +6128,8 @@
         </p:nvSpPr>
         <p:spPr>
           <a:xfrm>
-            <a:off x="448385" y="5040921"/>
-            <a:ext cx="1458551" cy="246221"/>
+            <a:off x="2861861" y="2839406"/>
+            <a:ext cx="1458551" cy="523220"/>
           </a:xfrm>
           <a:prstGeom prst="rect">
             <a:avLst/>
@@ -5433,10 +6150,10 @@
           </a:lstStyle>
           <a:p>
             <a:r>
-              <a:rPr lang="en-US" dirty="0"/>
-              <a:t>multi_threads err</a:t>
+              <a:rPr lang="en-US" sz="2800" dirty="0"/>
+              <a:t>01</a:t>
             </a:r>
-            <a:endParaRPr lang="LID4096" dirty="0"/>
+            <a:endParaRPr lang="LID4096" sz="2800" dirty="0"/>
           </a:p>
         </p:txBody>
       </p:sp>
@@ -6102,7 +6819,7 @@
           <p:spPr>
             <a:xfrm>
               <a:off x="10263286" y="3058627"/>
-              <a:ext cx="735151" cy="369332"/>
+              <a:ext cx="735151" cy="307777"/>
             </a:xfrm>
             <a:prstGeom prst="rect">
               <a:avLst/>
@@ -6123,10 +6840,14 @@
             </a:lstStyle>
             <a:p>
               <a:r>
-                <a:rPr lang="pt-BR" dirty="0"/>
-                <a:t>+10</a:t>
+                <a:rPr lang="pt-BR" sz="1400" dirty="0"/>
+                <a:t>+</a:t>
               </a:r>
-              <a:endParaRPr lang="LID4096" dirty="0"/>
+              <a:r>
+                <a:rPr lang="pt-BR" sz="1400" b="0" dirty="0"/>
+                <a:t>10</a:t>
+              </a:r>
+              <a:endParaRPr lang="LID4096" sz="1400" b="0" dirty="0"/>
             </a:p>
           </p:txBody>
         </p:sp>
@@ -7265,10 +7986,10 @@
               <a:lstStyle/>
               <a:p>
                 <a:r>
-                  <a:rPr lang="pt-BR" b="1" dirty="0"/>
+                  <a:rPr lang="pt-BR" sz="1400" dirty="0"/>
                   <a:t>+50</a:t>
                 </a:r>
-                <a:endParaRPr lang="LID4096" b="1" dirty="0"/>
+                <a:endParaRPr lang="LID4096" sz="1400" dirty="0"/>
               </a:p>
             </p:txBody>
           </p:sp>
@@ -7332,10 +8053,10 @@
         </p:nvGrpSpPr>
         <p:grpSpPr>
           <a:xfrm>
-            <a:off x="125598" y="76665"/>
-            <a:ext cx="2369976" cy="1050111"/>
-            <a:chOff x="125598" y="76665"/>
-            <a:chExt cx="2369976" cy="1050111"/>
+            <a:off x="125598" y="25886"/>
+            <a:ext cx="2369976" cy="1100890"/>
+            <a:chOff x="125598" y="25886"/>
+            <a:chExt cx="2369976" cy="1100890"/>
           </a:xfrm>
         </p:grpSpPr>
         <p:grpSp>
@@ -7352,10 +8073,10 @@
           </p:nvGrpSpPr>
           <p:grpSpPr>
             <a:xfrm>
-              <a:off x="125598" y="76665"/>
-              <a:ext cx="1919943" cy="1028700"/>
-              <a:chOff x="125598" y="76665"/>
-              <a:chExt cx="1919943" cy="1028700"/>
+              <a:off x="125598" y="25886"/>
+              <a:ext cx="1919943" cy="1079479"/>
+              <a:chOff x="125598" y="25886"/>
+              <a:chExt cx="1919943" cy="1079479"/>
             </a:xfrm>
           </p:grpSpPr>
           <p:pic>
@@ -7445,8 +8166,8 @@
             </p:nvSpPr>
             <p:spPr>
               <a:xfrm>
-                <a:off x="125598" y="281279"/>
-                <a:ext cx="1916220" cy="213260"/>
+                <a:off x="125598" y="25886"/>
+                <a:ext cx="1916220" cy="468653"/>
               </a:xfrm>
               <a:prstGeom prst="rect">
                 <a:avLst/>
@@ -7950,8 +8671,8 @@
         </p:blipFill>
         <p:spPr>
           <a:xfrm>
-            <a:off x="9861550" y="5290670"/>
-            <a:ext cx="1533525" cy="1119059"/>
+            <a:off x="9418524" y="5250017"/>
+            <a:ext cx="986498" cy="719877"/>
           </a:xfrm>
           <a:prstGeom prst="rect">
             <a:avLst/>
@@ -7977,8 +8698,8 @@
         </p:nvSpPr>
         <p:spPr>
           <a:xfrm>
-            <a:off x="861838" y="5603978"/>
-            <a:ext cx="795178" cy="246221"/>
+            <a:off x="149975" y="1826525"/>
+            <a:ext cx="795178" cy="400110"/>
           </a:xfrm>
           <a:prstGeom prst="rect">
             <a:avLst/>
@@ -7992,42 +8713,19 @@
           <a:lstStyle/>
           <a:p>
             <a:r>
-              <a:rPr lang="LID4096" sz="1000" dirty="0"/>
-              <a:t>FREYBERG</a:t>
+              <a:rPr lang="pt-BR" sz="1000" dirty="0"/>
+              <a:t>Local</a:t>
             </a:r>
+          </a:p>
+          <a:p>
+            <a:r>
+              <a:rPr lang="pt-BR" sz="1000" dirty="0"/>
+              <a:t>Temp.</a:t>
+            </a:r>
+            <a:endParaRPr lang="LID4096" sz="1000" dirty="0"/>
           </a:p>
         </p:txBody>
       </p:sp>
-      <p:pic>
-        <p:nvPicPr>
-          <p:cNvPr id="9" name="Picture 8">
-            <a:extLst>
-              <a:ext uri="{FF2B5EF4-FFF2-40B4-BE49-F238E27FC236}">
-                <a16:creationId xmlns:a16="http://schemas.microsoft.com/office/drawing/2014/main" id="{98ED293E-D822-CCF5-CCFC-A17111C9DD47}"/>
-              </a:ext>
-            </a:extLst>
-          </p:cNvPr>
-          <p:cNvPicPr>
-            <a:picLocks noChangeAspect="1"/>
-          </p:cNvPicPr>
-          <p:nvPr/>
-        </p:nvPicPr>
-        <p:blipFill>
-          <a:blip r:embed="rId21"/>
-          <a:stretch>
-            <a:fillRect/>
-          </a:stretch>
-        </p:blipFill>
-        <p:spPr>
-          <a:xfrm>
-            <a:off x="4972050" y="3228975"/>
-            <a:ext cx="2247900" cy="400050"/>
-          </a:xfrm>
-          <a:prstGeom prst="rect">
-            <a:avLst/>
-          </a:prstGeom>
-        </p:spPr>
-      </p:pic>
       <p:pic>
         <p:nvPicPr>
           <p:cNvPr id="11" name="Picture 10">
@@ -8057,160 +8755,6 @@
           </a:prstGeom>
         </p:spPr>
       </p:pic>
-      <p:grpSp>
-        <p:nvGrpSpPr>
-          <p:cNvPr id="16" name="Group 15">
-            <a:extLst>
-              <a:ext uri="{FF2B5EF4-FFF2-40B4-BE49-F238E27FC236}">
-                <a16:creationId xmlns:a16="http://schemas.microsoft.com/office/drawing/2014/main" id="{13DC16DF-6840-FEBC-7FBA-F435BFE89C71}"/>
-              </a:ext>
-            </a:extLst>
-          </p:cNvPr>
-          <p:cNvGrpSpPr/>
-          <p:nvPr/>
-        </p:nvGrpSpPr>
-        <p:grpSpPr>
-          <a:xfrm>
-            <a:off x="380365" y="2327675"/>
-            <a:ext cx="2876465" cy="1431783"/>
-            <a:chOff x="332936" y="2187166"/>
-            <a:chExt cx="2876465" cy="1431783"/>
-          </a:xfrm>
-        </p:grpSpPr>
-        <p:pic>
-          <p:nvPicPr>
-            <p:cNvPr id="12" name="Picture 11">
-              <a:extLst>
-                <a:ext uri="{FF2B5EF4-FFF2-40B4-BE49-F238E27FC236}">
-                  <a16:creationId xmlns:a16="http://schemas.microsoft.com/office/drawing/2014/main" id="{46CDE9FA-2B73-BA9C-FE8B-0072C2821F42}"/>
-                </a:ext>
-              </a:extLst>
-            </p:cNvPr>
-            <p:cNvPicPr>
-              <a:picLocks noChangeAspect="1"/>
-            </p:cNvPicPr>
-            <p:nvPr/>
-          </p:nvPicPr>
-          <p:blipFill>
-            <a:blip r:embed="rId22"/>
-            <a:stretch>
-              <a:fillRect/>
-            </a:stretch>
-          </p:blipFill>
-          <p:spPr>
-            <a:xfrm>
-              <a:off x="498560" y="2360350"/>
-              <a:ext cx="904875" cy="228600"/>
-            </a:xfrm>
-            <a:prstGeom prst="rect">
-              <a:avLst/>
-            </a:prstGeom>
-          </p:spPr>
-        </p:pic>
-        <p:pic>
-          <p:nvPicPr>
-            <p:cNvPr id="13" name="Picture 12">
-              <a:extLst>
-                <a:ext uri="{FF2B5EF4-FFF2-40B4-BE49-F238E27FC236}">
-                  <a16:creationId xmlns:a16="http://schemas.microsoft.com/office/drawing/2014/main" id="{0F9B5EAC-3FB1-6E2A-0618-63B1D6AD8094}"/>
-                </a:ext>
-              </a:extLst>
-            </p:cNvPr>
-            <p:cNvPicPr>
-              <a:picLocks noChangeAspect="1"/>
-            </p:cNvPicPr>
-            <p:nvPr/>
-          </p:nvPicPr>
-          <p:blipFill>
-            <a:blip r:embed="rId23"/>
-            <a:stretch>
-              <a:fillRect/>
-            </a:stretch>
-          </p:blipFill>
-          <p:spPr>
-            <a:xfrm>
-              <a:off x="694801" y="2590249"/>
-              <a:ext cx="2514600" cy="1028700"/>
-            </a:xfrm>
-            <a:prstGeom prst="rect">
-              <a:avLst/>
-            </a:prstGeom>
-          </p:spPr>
-        </p:pic>
-        <p:sp>
-          <p:nvSpPr>
-            <p:cNvPr id="14" name="Rectangle 13">
-              <a:extLst>
-                <a:ext uri="{FF2B5EF4-FFF2-40B4-BE49-F238E27FC236}">
-                  <a16:creationId xmlns:a16="http://schemas.microsoft.com/office/drawing/2014/main" id="{6C899F47-28E2-07F3-9012-EA790B6A825A}"/>
-                </a:ext>
-              </a:extLst>
-            </p:cNvPr>
-            <p:cNvSpPr/>
-            <p:nvPr/>
-          </p:nvSpPr>
-          <p:spPr>
-            <a:xfrm>
-              <a:off x="649636" y="2986130"/>
-              <a:ext cx="2514600" cy="228600"/>
-            </a:xfrm>
-            <a:prstGeom prst="rect">
-              <a:avLst/>
-            </a:prstGeom>
-            <a:noFill/>
-            <a:ln w="6350">
-              <a:solidFill>
-                <a:srgbClr val="FF0000"/>
-              </a:solidFill>
-            </a:ln>
-            <a:effectLst>
-              <a:outerShdw blurRad="50800" dist="38100" dir="8100000" algn="tr" rotWithShape="0">
-                <a:prstClr val="black">
-                  <a:alpha val="40000"/>
-                </a:prstClr>
-              </a:outerShdw>
-            </a:effectLst>
-          </p:spPr>
-          <p:txBody>
-            <a:bodyPr wrap="none" anchor="ctr" anchorCtr="0">
-              <a:noAutofit/>
-            </a:bodyPr>
-            <a:lstStyle/>
-            <a:p>
-              <a:endParaRPr lang="LID4096"/>
-            </a:p>
-          </p:txBody>
-        </p:sp>
-        <p:pic>
-          <p:nvPicPr>
-            <p:cNvPr id="15" name="Picture 14">
-              <a:extLst>
-                <a:ext uri="{FF2B5EF4-FFF2-40B4-BE49-F238E27FC236}">
-                  <a16:creationId xmlns:a16="http://schemas.microsoft.com/office/drawing/2014/main" id="{B0AB0EB1-0804-19F6-B919-152B7B5DBD9D}"/>
-                </a:ext>
-              </a:extLst>
-            </p:cNvPr>
-            <p:cNvPicPr>
-              <a:picLocks noChangeAspect="1"/>
-            </p:cNvPicPr>
-            <p:nvPr/>
-          </p:nvPicPr>
-          <p:blipFill>
-            <a:blip r:embed="rId21"/>
-            <a:srcRect t="51223"/>
-            <a:stretch/>
-          </p:blipFill>
-          <p:spPr>
-            <a:xfrm>
-              <a:off x="332936" y="2187166"/>
-              <a:ext cx="2247900" cy="195132"/>
-            </a:xfrm>
-            <a:prstGeom prst="rect">
-              <a:avLst/>
-            </a:prstGeom>
-          </p:spPr>
-        </p:pic>
-      </p:grpSp>
       <p:sp>
         <p:nvSpPr>
           <p:cNvPr id="8" name="TextBox 7">
@@ -8228,7 +8772,7 @@
         <p:spPr>
           <a:xfrm>
             <a:off x="7169322" y="3024963"/>
-            <a:ext cx="564149" cy="283668"/>
+            <a:ext cx="1206084" cy="283668"/>
           </a:xfrm>
           <a:prstGeom prst="rect">
             <a:avLst/>
@@ -8245,62 +8789,9 @@
           <a:p>
             <a:pPr algn="ctr"/>
             <a:r>
-              <a:rPr lang="en-US" sz="800" b="1" dirty="0"/>
-              <a:t>Last one: </a:t>
+              <a:rPr lang="en-US" sz="1000" b="1" dirty="0"/>
+              <a:t>Change TEMP folder</a:t>
             </a:r>
-          </a:p>
-          <a:p>
-            <a:pPr algn="ctr"/>
-            <a:r>
-              <a:rPr lang="en-US" sz="800" b="1" dirty="0"/>
-              <a:t>Move on … </a:t>
-            </a:r>
-          </a:p>
-        </p:txBody>
-      </p:sp>
-      <p:sp>
-        <p:nvSpPr>
-          <p:cNvPr id="18" name="Arrow: Right 17">
-            <a:extLst>
-              <a:ext uri="{FF2B5EF4-FFF2-40B4-BE49-F238E27FC236}">
-                <a16:creationId xmlns:a16="http://schemas.microsoft.com/office/drawing/2014/main" id="{2C4919F5-C2E3-7C31-3AEB-36BB406D5A28}"/>
-              </a:ext>
-            </a:extLst>
-          </p:cNvPr>
-          <p:cNvSpPr/>
-          <p:nvPr/>
-        </p:nvSpPr>
-        <p:spPr>
-          <a:xfrm rot="10800000">
-            <a:off x="2723728" y="1731220"/>
-            <a:ext cx="402193" cy="308340"/>
-          </a:xfrm>
-          <a:prstGeom prst="rightArrow">
-            <a:avLst/>
-          </a:prstGeom>
-        </p:spPr>
-        <p:style>
-          <a:lnRef idx="2">
-            <a:schemeClr val="accent1">
-              <a:shade val="15000"/>
-            </a:schemeClr>
-          </a:lnRef>
-          <a:fillRef idx="1">
-            <a:schemeClr val="accent1"/>
-          </a:fillRef>
-          <a:effectRef idx="0">
-            <a:schemeClr val="accent1"/>
-          </a:effectRef>
-          <a:fontRef idx="minor">
-            <a:schemeClr val="lt1"/>
-          </a:fontRef>
-        </p:style>
-        <p:txBody>
-          <a:bodyPr rtlCol="0" anchor="ctr"/>
-          <a:lstStyle/>
-          <a:p>
-            <a:pPr algn="ctr"/>
-            <a:endParaRPr lang="LID4096"/>
           </a:p>
         </p:txBody>
       </p:sp>
@@ -8350,6 +8841,345 @@
           </a:p>
         </p:txBody>
       </p:sp>
+      <p:pic>
+        <p:nvPicPr>
+          <p:cNvPr id="21" name="Picture 20">
+            <a:extLst>
+              <a:ext uri="{FF2B5EF4-FFF2-40B4-BE49-F238E27FC236}">
+                <a16:creationId xmlns:a16="http://schemas.microsoft.com/office/drawing/2014/main" id="{B439789A-090D-4A1D-DF97-7BACEE7DB22D}"/>
+              </a:ext>
+            </a:extLst>
+          </p:cNvPr>
+          <p:cNvPicPr>
+            <a:picLocks noChangeAspect="1"/>
+          </p:cNvPicPr>
+          <p:nvPr/>
+        </p:nvPicPr>
+        <p:blipFill>
+          <a:blip r:embed="rId22"/>
+          <a:stretch>
+            <a:fillRect/>
+          </a:stretch>
+        </p:blipFill>
+        <p:spPr>
+          <a:xfrm>
+            <a:off x="756567" y="2014393"/>
+            <a:ext cx="2343150" cy="180975"/>
+          </a:xfrm>
+          <a:prstGeom prst="rect">
+            <a:avLst/>
+          </a:prstGeom>
+          <a:ln>
+            <a:solidFill>
+              <a:srgbClr val="FF0000"/>
+            </a:solidFill>
+          </a:ln>
+        </p:spPr>
+      </p:pic>
+      <p:grpSp>
+        <p:nvGrpSpPr>
+          <p:cNvPr id="24" name="Group 23">
+            <a:extLst>
+              <a:ext uri="{FF2B5EF4-FFF2-40B4-BE49-F238E27FC236}">
+                <a16:creationId xmlns:a16="http://schemas.microsoft.com/office/drawing/2014/main" id="{6A95AE21-2D22-9A62-1504-4D73CC683981}"/>
+              </a:ext>
+            </a:extLst>
+          </p:cNvPr>
+          <p:cNvGrpSpPr/>
+          <p:nvPr/>
+        </p:nvGrpSpPr>
+        <p:grpSpPr>
+          <a:xfrm>
+            <a:off x="571198" y="2246147"/>
+            <a:ext cx="2748250" cy="625013"/>
+            <a:chOff x="571198" y="2246147"/>
+            <a:chExt cx="2748250" cy="625013"/>
+          </a:xfrm>
+        </p:grpSpPr>
+        <p:grpSp>
+          <p:nvGrpSpPr>
+            <p:cNvPr id="16" name="Group 15">
+              <a:extLst>
+                <a:ext uri="{FF2B5EF4-FFF2-40B4-BE49-F238E27FC236}">
+                  <a16:creationId xmlns:a16="http://schemas.microsoft.com/office/drawing/2014/main" id="{13DC16DF-6840-FEBC-7FBA-F435BFE89C71}"/>
+                </a:ext>
+              </a:extLst>
+            </p:cNvPr>
+            <p:cNvGrpSpPr/>
+            <p:nvPr/>
+          </p:nvGrpSpPr>
+          <p:grpSpPr>
+            <a:xfrm>
+              <a:off x="571198" y="2246147"/>
+              <a:ext cx="2247900" cy="401784"/>
+              <a:chOff x="332936" y="2187166"/>
+              <a:chExt cx="2247900" cy="401784"/>
+            </a:xfrm>
+          </p:grpSpPr>
+          <p:pic>
+            <p:nvPicPr>
+              <p:cNvPr id="12" name="Picture 11">
+                <a:extLst>
+                  <a:ext uri="{FF2B5EF4-FFF2-40B4-BE49-F238E27FC236}">
+                    <a16:creationId xmlns:a16="http://schemas.microsoft.com/office/drawing/2014/main" id="{46CDE9FA-2B73-BA9C-FE8B-0072C2821F42}"/>
+                  </a:ext>
+                </a:extLst>
+              </p:cNvPr>
+              <p:cNvPicPr>
+                <a:picLocks noChangeAspect="1"/>
+              </p:cNvPicPr>
+              <p:nvPr/>
+            </p:nvPicPr>
+            <p:blipFill>
+              <a:blip r:embed="rId23"/>
+              <a:stretch>
+                <a:fillRect/>
+              </a:stretch>
+            </p:blipFill>
+            <p:spPr>
+              <a:xfrm>
+                <a:off x="498560" y="2360350"/>
+                <a:ext cx="904875" cy="228600"/>
+              </a:xfrm>
+              <a:prstGeom prst="rect">
+                <a:avLst/>
+              </a:prstGeom>
+            </p:spPr>
+          </p:pic>
+          <p:pic>
+            <p:nvPicPr>
+              <p:cNvPr id="15" name="Picture 14">
+                <a:extLst>
+                  <a:ext uri="{FF2B5EF4-FFF2-40B4-BE49-F238E27FC236}">
+                    <a16:creationId xmlns:a16="http://schemas.microsoft.com/office/drawing/2014/main" id="{B0AB0EB1-0804-19F6-B919-152B7B5DBD9D}"/>
+                  </a:ext>
+                </a:extLst>
+              </p:cNvPr>
+              <p:cNvPicPr>
+                <a:picLocks noChangeAspect="1"/>
+              </p:cNvPicPr>
+              <p:nvPr/>
+            </p:nvPicPr>
+            <p:blipFill>
+              <a:blip r:embed="rId21"/>
+              <a:srcRect t="51223"/>
+              <a:stretch/>
+            </p:blipFill>
+            <p:spPr>
+              <a:xfrm>
+                <a:off x="332936" y="2187166"/>
+                <a:ext cx="2247900" cy="195132"/>
+              </a:xfrm>
+              <a:prstGeom prst="rect">
+                <a:avLst/>
+              </a:prstGeom>
+            </p:spPr>
+          </p:pic>
+        </p:grpSp>
+        <p:pic>
+          <p:nvPicPr>
+            <p:cNvPr id="23" name="Picture 22">
+              <a:extLst>
+                <a:ext uri="{FF2B5EF4-FFF2-40B4-BE49-F238E27FC236}">
+                  <a16:creationId xmlns:a16="http://schemas.microsoft.com/office/drawing/2014/main" id="{63691665-2A62-8E65-1CAC-C3535F2D071A}"/>
+                </a:ext>
+              </a:extLst>
+            </p:cNvPr>
+            <p:cNvPicPr>
+              <a:picLocks noChangeAspect="1"/>
+            </p:cNvPicPr>
+            <p:nvPr/>
+          </p:nvPicPr>
+          <p:blipFill>
+            <a:blip r:embed="rId24"/>
+            <a:stretch>
+              <a:fillRect/>
+            </a:stretch>
+          </p:blipFill>
+          <p:spPr>
+            <a:xfrm>
+              <a:off x="881048" y="2671135"/>
+              <a:ext cx="2438400" cy="200025"/>
+            </a:xfrm>
+            <a:prstGeom prst="rect">
+              <a:avLst/>
+            </a:prstGeom>
+            <a:ln>
+              <a:solidFill>
+                <a:srgbClr val="FF0000"/>
+              </a:solidFill>
+            </a:ln>
+          </p:spPr>
+        </p:pic>
+      </p:grpSp>
+      <p:pic>
+        <p:nvPicPr>
+          <p:cNvPr id="26" name="Picture 25">
+            <a:extLst>
+              <a:ext uri="{FF2B5EF4-FFF2-40B4-BE49-F238E27FC236}">
+                <a16:creationId xmlns:a16="http://schemas.microsoft.com/office/drawing/2014/main" id="{F8B0EF57-D975-045D-47EE-BB8F8E27D12E}"/>
+              </a:ext>
+            </a:extLst>
+          </p:cNvPr>
+          <p:cNvPicPr>
+            <a:picLocks noChangeAspect="1"/>
+          </p:cNvPicPr>
+          <p:nvPr/>
+        </p:nvPicPr>
+        <p:blipFill>
+          <a:blip r:embed="rId25"/>
+          <a:stretch>
+            <a:fillRect/>
+          </a:stretch>
+        </p:blipFill>
+        <p:spPr>
+          <a:xfrm>
+            <a:off x="10780671" y="5250017"/>
+            <a:ext cx="854312" cy="719877"/>
+          </a:xfrm>
+          <a:prstGeom prst="rect">
+            <a:avLst/>
+          </a:prstGeom>
+          <a:ln>
+            <a:solidFill>
+              <a:schemeClr val="tx1"/>
+            </a:solidFill>
+          </a:ln>
+        </p:spPr>
+      </p:pic>
+      <p:sp>
+        <p:nvSpPr>
+          <p:cNvPr id="27" name="TextBox 26">
+            <a:extLst>
+              <a:ext uri="{FF2B5EF4-FFF2-40B4-BE49-F238E27FC236}">
+                <a16:creationId xmlns:a16="http://schemas.microsoft.com/office/drawing/2014/main" id="{E1306BEF-02CF-D663-26B6-B8F4A1CA97EF}"/>
+              </a:ext>
+            </a:extLst>
+          </p:cNvPr>
+          <p:cNvSpPr txBox="1">
+            <a:spLocks noChangeAspect="1"/>
+          </p:cNvSpPr>
+          <p:nvPr/>
+        </p:nvSpPr>
+        <p:spPr>
+          <a:xfrm>
+            <a:off x="2770883" y="2173378"/>
+            <a:ext cx="709686" cy="283668"/>
+          </a:xfrm>
+          <a:prstGeom prst="rect">
+            <a:avLst/>
+          </a:prstGeom>
+          <a:solidFill>
+            <a:srgbClr val="FFCCFF"/>
+          </a:solidFill>
+        </p:spPr>
+        <p:txBody>
+          <a:bodyPr wrap="none" lIns="0" tIns="0" rIns="0" bIns="0" anchor="ctr" anchorCtr="0">
+            <a:noAutofit/>
+          </a:bodyPr>
+          <a:lstStyle/>
+          <a:p>
+            <a:pPr algn="ctr"/>
+            <a:r>
+              <a:rPr lang="en-US" sz="800" b="1" dirty="0"/>
+              <a:t>Last one: </a:t>
+            </a:r>
+          </a:p>
+          <a:p>
+            <a:pPr algn="ctr"/>
+            <a:r>
+              <a:rPr lang="en-US" sz="800" b="1" dirty="0"/>
+              <a:t>Move on … </a:t>
+            </a:r>
+          </a:p>
+        </p:txBody>
+      </p:sp>
+      <p:sp>
+        <p:nvSpPr>
+          <p:cNvPr id="30" name="TextBox 29">
+            <a:extLst>
+              <a:ext uri="{FF2B5EF4-FFF2-40B4-BE49-F238E27FC236}">
+                <a16:creationId xmlns:a16="http://schemas.microsoft.com/office/drawing/2014/main" id="{5EE13865-E183-1F82-9AF7-B84301E466A4}"/>
+              </a:ext>
+            </a:extLst>
+          </p:cNvPr>
+          <p:cNvSpPr txBox="1"/>
+          <p:nvPr/>
+        </p:nvSpPr>
+        <p:spPr>
+          <a:xfrm>
+            <a:off x="11207827" y="3417128"/>
+            <a:ext cx="588361" cy="523220"/>
+          </a:xfrm>
+          <a:prstGeom prst="rect">
+            <a:avLst/>
+          </a:prstGeom>
+          <a:noFill/>
+        </p:spPr>
+        <p:txBody>
+          <a:bodyPr wrap="square">
+            <a:spAutoFit/>
+          </a:bodyPr>
+          <a:lstStyle>
+            <a:defPPr>
+              <a:defRPr lang="LID4096"/>
+            </a:defPPr>
+            <a:lvl1pPr>
+              <a:defRPr sz="1100" b="1"/>
+            </a:lvl1pPr>
+          </a:lstStyle>
+          <a:p>
+            <a:r>
+              <a:rPr lang="en-US" sz="2800" dirty="0"/>
+              <a:t>02</a:t>
+            </a:r>
+            <a:endParaRPr lang="LID4096" sz="2800" dirty="0"/>
+          </a:p>
+        </p:txBody>
+      </p:sp>
+      <p:sp>
+        <p:nvSpPr>
+          <p:cNvPr id="32" name="TextBox 31">
+            <a:extLst>
+              <a:ext uri="{FF2B5EF4-FFF2-40B4-BE49-F238E27FC236}">
+                <a16:creationId xmlns:a16="http://schemas.microsoft.com/office/drawing/2014/main" id="{32B185A9-A194-3308-8A93-270B59715315}"/>
+              </a:ext>
+            </a:extLst>
+          </p:cNvPr>
+          <p:cNvSpPr txBox="1"/>
+          <p:nvPr/>
+        </p:nvSpPr>
+        <p:spPr>
+          <a:xfrm>
+            <a:off x="7998195" y="3630182"/>
+            <a:ext cx="1458551" cy="523220"/>
+          </a:xfrm>
+          <a:prstGeom prst="rect">
+            <a:avLst/>
+          </a:prstGeom>
+          <a:noFill/>
+        </p:spPr>
+        <p:txBody>
+          <a:bodyPr wrap="square">
+            <a:spAutoFit/>
+          </a:bodyPr>
+          <a:lstStyle>
+            <a:defPPr>
+              <a:defRPr lang="LID4096"/>
+            </a:defPPr>
+            <a:lvl1pPr>
+              <a:defRPr sz="1100" b="1"/>
+            </a:lvl1pPr>
+          </a:lstStyle>
+          <a:p>
+            <a:r>
+              <a:rPr lang="en-US" sz="2800" dirty="0"/>
+              <a:t>03</a:t>
+            </a:r>
+            <a:endParaRPr lang="LID4096" sz="2800" dirty="0"/>
+          </a:p>
+        </p:txBody>
+      </p:sp>
     </p:spTree>
     <p:extLst>
       <p:ext uri="{BB962C8B-B14F-4D97-AF65-F5344CB8AC3E}">
@@ -8364,6 +9194,471 @@
 </file>
 
 <file path=ppt/slides/slide3.xml><?xml version="1.0" encoding="utf-8"?>
+<p:sld xmlns:a="http://schemas.openxmlformats.org/drawingml/2006/main" xmlns:r="http://schemas.openxmlformats.org/officeDocument/2006/relationships" xmlns:p="http://schemas.openxmlformats.org/presentationml/2006/main">
+  <p:cSld>
+    <p:bg>
+      <p:bgPr>
+        <a:solidFill>
+          <a:schemeClr val="bg1">
+            <a:lumMod val="85000"/>
+          </a:schemeClr>
+        </a:solidFill>
+        <a:effectLst/>
+      </p:bgPr>
+    </p:bg>
+    <p:spTree>
+      <p:nvGrpSpPr>
+        <p:cNvPr id="1" name=""/>
+        <p:cNvGrpSpPr/>
+        <p:nvPr/>
+      </p:nvGrpSpPr>
+      <p:grpSpPr>
+        <a:xfrm>
+          <a:off x="0" y="0"/>
+          <a:ext cx="0" cy="0"/>
+          <a:chOff x="0" y="0"/>
+          <a:chExt cx="0" cy="0"/>
+        </a:xfrm>
+      </p:grpSpPr>
+      <p:sp>
+        <p:nvSpPr>
+          <p:cNvPr id="6" name="Rectangle 5">
+            <a:extLst>
+              <a:ext uri="{FF2B5EF4-FFF2-40B4-BE49-F238E27FC236}">
+                <a16:creationId xmlns:a16="http://schemas.microsoft.com/office/drawing/2014/main" id="{14D79EAF-977F-FA90-8C73-FFD5113B3F6F}"/>
+              </a:ext>
+            </a:extLst>
+          </p:cNvPr>
+          <p:cNvSpPr/>
+          <p:nvPr/>
+        </p:nvSpPr>
+        <p:spPr>
+          <a:xfrm>
+            <a:off x="0" y="0"/>
+            <a:ext cx="4052330" cy="6858000"/>
+          </a:xfrm>
+          <a:prstGeom prst="rect">
+            <a:avLst/>
+          </a:prstGeom>
+          <a:solidFill>
+            <a:schemeClr val="accent5">
+              <a:lumMod val="20000"/>
+              <a:lumOff val="80000"/>
+            </a:schemeClr>
+          </a:solidFill>
+          <a:ln>
+            <a:noFill/>
+          </a:ln>
+        </p:spPr>
+        <p:style>
+          <a:lnRef idx="2">
+            <a:schemeClr val="accent1">
+              <a:shade val="15000"/>
+            </a:schemeClr>
+          </a:lnRef>
+          <a:fillRef idx="1">
+            <a:schemeClr val="accent1"/>
+          </a:fillRef>
+          <a:effectRef idx="0">
+            <a:schemeClr val="accent1"/>
+          </a:effectRef>
+          <a:fontRef idx="minor">
+            <a:schemeClr val="lt1"/>
+          </a:fontRef>
+        </p:style>
+        <p:txBody>
+          <a:bodyPr rtlCol="0" anchor="ctr"/>
+          <a:lstStyle/>
+          <a:p>
+            <a:pPr algn="ctr"/>
+            <a:endParaRPr lang="LID4096"/>
+          </a:p>
+        </p:txBody>
+      </p:sp>
+      <p:pic>
+        <p:nvPicPr>
+          <p:cNvPr id="10" name="Picture 9">
+            <a:extLst>
+              <a:ext uri="{FF2B5EF4-FFF2-40B4-BE49-F238E27FC236}">
+                <a16:creationId xmlns:a16="http://schemas.microsoft.com/office/drawing/2014/main" id="{C8E47F97-775D-4FEC-3A66-D80D114CFC1C}"/>
+              </a:ext>
+            </a:extLst>
+          </p:cNvPr>
+          <p:cNvPicPr>
+            <a:picLocks noChangeAspect="1"/>
+          </p:cNvPicPr>
+          <p:nvPr/>
+        </p:nvPicPr>
+        <p:blipFill>
+          <a:blip r:embed="rId2">
+            <a:extLst>
+              <a:ext uri="{28A0092B-C50C-407E-A947-70E740481C1C}">
+                <a14:useLocalDpi xmlns:a14="http://schemas.microsoft.com/office/drawing/2010/main" val="0"/>
+              </a:ext>
+            </a:extLst>
+          </a:blip>
+          <a:stretch>
+            <a:fillRect/>
+          </a:stretch>
+        </p:blipFill>
+        <p:spPr>
+          <a:xfrm>
+            <a:off x="174437" y="2123635"/>
+            <a:ext cx="1840498" cy="1399815"/>
+          </a:xfrm>
+          <a:prstGeom prst="rect">
+            <a:avLst/>
+          </a:prstGeom>
+        </p:spPr>
+      </p:pic>
+      <p:pic>
+        <p:nvPicPr>
+          <p:cNvPr id="12" name="Picture 11">
+            <a:extLst>
+              <a:ext uri="{FF2B5EF4-FFF2-40B4-BE49-F238E27FC236}">
+                <a16:creationId xmlns:a16="http://schemas.microsoft.com/office/drawing/2014/main" id="{8391E879-B096-F501-C77B-F173DEA234DD}"/>
+              </a:ext>
+            </a:extLst>
+          </p:cNvPr>
+          <p:cNvPicPr>
+            <a:picLocks noChangeAspect="1"/>
+          </p:cNvPicPr>
+          <p:nvPr/>
+        </p:nvPicPr>
+        <p:blipFill>
+          <a:blip r:embed="rId3">
+            <a:extLst>
+              <a:ext uri="{28A0092B-C50C-407E-A947-70E740481C1C}">
+                <a14:useLocalDpi xmlns:a14="http://schemas.microsoft.com/office/drawing/2010/main" val="0"/>
+              </a:ext>
+            </a:extLst>
+          </a:blip>
+          <a:stretch>
+            <a:fillRect/>
+          </a:stretch>
+        </p:blipFill>
+        <p:spPr>
+          <a:xfrm>
+            <a:off x="174437" y="3614871"/>
+            <a:ext cx="3616834" cy="1467512"/>
+          </a:xfrm>
+          <a:prstGeom prst="rect">
+            <a:avLst/>
+          </a:prstGeom>
+        </p:spPr>
+      </p:pic>
+      <p:pic>
+        <p:nvPicPr>
+          <p:cNvPr id="14" name="Picture 13">
+            <a:extLst>
+              <a:ext uri="{FF2B5EF4-FFF2-40B4-BE49-F238E27FC236}">
+                <a16:creationId xmlns:a16="http://schemas.microsoft.com/office/drawing/2014/main" id="{ECA42460-7A44-139D-3A0F-9822D1B27B56}"/>
+              </a:ext>
+            </a:extLst>
+          </p:cNvPr>
+          <p:cNvPicPr>
+            <a:picLocks noChangeAspect="1"/>
+          </p:cNvPicPr>
+          <p:nvPr/>
+        </p:nvPicPr>
+        <p:blipFill>
+          <a:blip r:embed="rId4">
+            <a:extLst>
+              <a:ext uri="{28A0092B-C50C-407E-A947-70E740481C1C}">
+                <a14:useLocalDpi xmlns:a14="http://schemas.microsoft.com/office/drawing/2010/main" val="0"/>
+              </a:ext>
+            </a:extLst>
+          </a:blip>
+          <a:stretch>
+            <a:fillRect/>
+          </a:stretch>
+        </p:blipFill>
+        <p:spPr>
+          <a:xfrm>
+            <a:off x="174437" y="5204840"/>
+            <a:ext cx="1807559" cy="1399815"/>
+          </a:xfrm>
+          <a:prstGeom prst="rect">
+            <a:avLst/>
+          </a:prstGeom>
+        </p:spPr>
+      </p:pic>
+      <p:pic>
+        <p:nvPicPr>
+          <p:cNvPr id="16" name="Picture 15">
+            <a:extLst>
+              <a:ext uri="{FF2B5EF4-FFF2-40B4-BE49-F238E27FC236}">
+                <a16:creationId xmlns:a16="http://schemas.microsoft.com/office/drawing/2014/main" id="{7348E59A-453D-7C76-FD3F-DF16FDF8B9A2}"/>
+              </a:ext>
+            </a:extLst>
+          </p:cNvPr>
+          <p:cNvPicPr>
+            <a:picLocks noChangeAspect="1"/>
+          </p:cNvPicPr>
+          <p:nvPr/>
+        </p:nvPicPr>
+        <p:blipFill>
+          <a:blip r:embed="rId5">
+            <a:extLst>
+              <a:ext uri="{28A0092B-C50C-407E-A947-70E740481C1C}">
+                <a14:useLocalDpi xmlns:a14="http://schemas.microsoft.com/office/drawing/2010/main" val="0"/>
+              </a:ext>
+            </a:extLst>
+          </a:blip>
+          <a:stretch>
+            <a:fillRect/>
+          </a:stretch>
+        </p:blipFill>
+        <p:spPr>
+          <a:xfrm>
+            <a:off x="2118777" y="2123635"/>
+            <a:ext cx="1672494" cy="1399815"/>
+          </a:xfrm>
+          <a:prstGeom prst="rect">
+            <a:avLst/>
+          </a:prstGeom>
+        </p:spPr>
+      </p:pic>
+      <p:pic>
+        <p:nvPicPr>
+          <p:cNvPr id="18" name="Picture 17">
+            <a:extLst>
+              <a:ext uri="{FF2B5EF4-FFF2-40B4-BE49-F238E27FC236}">
+                <a16:creationId xmlns:a16="http://schemas.microsoft.com/office/drawing/2014/main" id="{BED38954-4328-2E7F-A441-EC0785F67D87}"/>
+              </a:ext>
+            </a:extLst>
+          </p:cNvPr>
+          <p:cNvPicPr>
+            <a:picLocks noChangeAspect="1"/>
+          </p:cNvPicPr>
+          <p:nvPr/>
+        </p:nvPicPr>
+        <p:blipFill>
+          <a:blip r:embed="rId6">
+            <a:extLst>
+              <a:ext uri="{28A0092B-C50C-407E-A947-70E740481C1C}">
+                <a14:useLocalDpi xmlns:a14="http://schemas.microsoft.com/office/drawing/2010/main" val="0"/>
+              </a:ext>
+            </a:extLst>
+          </a:blip>
+          <a:stretch>
+            <a:fillRect/>
+          </a:stretch>
+        </p:blipFill>
+        <p:spPr>
+          <a:xfrm>
+            <a:off x="2066855" y="5204840"/>
+            <a:ext cx="1805210" cy="1399815"/>
+          </a:xfrm>
+          <a:prstGeom prst="rect">
+            <a:avLst/>
+          </a:prstGeom>
+        </p:spPr>
+      </p:pic>
+      <p:pic>
+        <p:nvPicPr>
+          <p:cNvPr id="27" name="Picture 26">
+            <a:extLst>
+              <a:ext uri="{FF2B5EF4-FFF2-40B4-BE49-F238E27FC236}">
+                <a16:creationId xmlns:a16="http://schemas.microsoft.com/office/drawing/2014/main" id="{073D615F-F727-3C35-66E4-2A71BACD57D2}"/>
+              </a:ext>
+            </a:extLst>
+          </p:cNvPr>
+          <p:cNvPicPr>
+            <a:picLocks noChangeAspect="1"/>
+          </p:cNvPicPr>
+          <p:nvPr/>
+        </p:nvPicPr>
+        <p:blipFill>
+          <a:blip r:embed="rId7"/>
+          <a:stretch>
+            <a:fillRect/>
+          </a:stretch>
+        </p:blipFill>
+        <p:spPr>
+          <a:xfrm>
+            <a:off x="175677" y="14068"/>
+            <a:ext cx="1943100" cy="1047750"/>
+          </a:xfrm>
+          <a:prstGeom prst="rect">
+            <a:avLst/>
+          </a:prstGeom>
+        </p:spPr>
+      </p:pic>
+      <p:pic>
+        <p:nvPicPr>
+          <p:cNvPr id="28" name="Picture 27">
+            <a:extLst>
+              <a:ext uri="{FF2B5EF4-FFF2-40B4-BE49-F238E27FC236}">
+                <a16:creationId xmlns:a16="http://schemas.microsoft.com/office/drawing/2014/main" id="{9ADE2362-F361-847E-D4BE-BA05D1A31957}"/>
+              </a:ext>
+            </a:extLst>
+          </p:cNvPr>
+          <p:cNvPicPr>
+            <a:picLocks noChangeAspect="1"/>
+          </p:cNvPicPr>
+          <p:nvPr/>
+        </p:nvPicPr>
+        <p:blipFill>
+          <a:blip r:embed="rId8"/>
+          <a:stretch>
+            <a:fillRect/>
+          </a:stretch>
+        </p:blipFill>
+        <p:spPr>
+          <a:xfrm>
+            <a:off x="1898853" y="516978"/>
+            <a:ext cx="1892418" cy="1552518"/>
+          </a:xfrm>
+          <a:prstGeom prst="rect">
+            <a:avLst/>
+          </a:prstGeom>
+        </p:spPr>
+      </p:pic>
+      <p:sp>
+        <p:nvSpPr>
+          <p:cNvPr id="29" name="TextBox 28">
+            <a:extLst>
+              <a:ext uri="{FF2B5EF4-FFF2-40B4-BE49-F238E27FC236}">
+                <a16:creationId xmlns:a16="http://schemas.microsoft.com/office/drawing/2014/main" id="{91A1BF73-25E1-5D87-889D-E55D5AC171DF}"/>
+              </a:ext>
+            </a:extLst>
+          </p:cNvPr>
+          <p:cNvSpPr txBox="1">
+            <a:spLocks noChangeAspect="1"/>
+          </p:cNvSpPr>
+          <p:nvPr/>
+        </p:nvSpPr>
+        <p:spPr>
+          <a:xfrm>
+            <a:off x="2208508" y="159573"/>
+            <a:ext cx="1582763" cy="287837"/>
+          </a:xfrm>
+          <a:prstGeom prst="rect">
+            <a:avLst/>
+          </a:prstGeom>
+          <a:solidFill>
+            <a:schemeClr val="bg1">
+              <a:lumMod val="85000"/>
+            </a:schemeClr>
+          </a:solidFill>
+        </p:spPr>
+        <p:txBody>
+          <a:bodyPr wrap="none" lIns="0" tIns="0" rIns="0" bIns="0" anchor="ctr" anchorCtr="0">
+            <a:noAutofit/>
+          </a:bodyPr>
+          <a:lstStyle/>
+          <a:p>
+            <a:pPr algn="ctr"/>
+            <a:r>
+              <a:rPr lang="en-US" sz="1600" b="1" dirty="0"/>
+              <a:t>1.3 intro pyEMU</a:t>
+            </a:r>
+          </a:p>
+        </p:txBody>
+      </p:sp>
+      <p:sp>
+        <p:nvSpPr>
+          <p:cNvPr id="30" name="Rectangle 29">
+            <a:extLst>
+              <a:ext uri="{FF2B5EF4-FFF2-40B4-BE49-F238E27FC236}">
+                <a16:creationId xmlns:a16="http://schemas.microsoft.com/office/drawing/2014/main" id="{8AD5BACE-1F9C-8FCF-9862-D881592ECF1B}"/>
+              </a:ext>
+            </a:extLst>
+          </p:cNvPr>
+          <p:cNvSpPr/>
+          <p:nvPr/>
+        </p:nvSpPr>
+        <p:spPr>
+          <a:xfrm>
+            <a:off x="1898852" y="700755"/>
+            <a:ext cx="1828127" cy="205099"/>
+          </a:xfrm>
+          <a:prstGeom prst="rect">
+            <a:avLst/>
+          </a:prstGeom>
+          <a:noFill/>
+          <a:ln w="6350">
+            <a:solidFill>
+              <a:schemeClr val="tx1"/>
+            </a:solidFill>
+          </a:ln>
+          <a:effectLst>
+            <a:outerShdw blurRad="50800" dist="38100" dir="8100000" algn="tr" rotWithShape="0">
+              <a:prstClr val="black">
+                <a:alpha val="40000"/>
+              </a:prstClr>
+            </a:outerShdw>
+          </a:effectLst>
+        </p:spPr>
+        <p:txBody>
+          <a:bodyPr wrap="none" anchor="ctr" anchorCtr="0">
+            <a:noAutofit/>
+          </a:bodyPr>
+          <a:lstStyle/>
+          <a:p>
+            <a:endParaRPr lang="LID4096" dirty="0"/>
+          </a:p>
+        </p:txBody>
+      </p:sp>
+      <p:sp>
+        <p:nvSpPr>
+          <p:cNvPr id="31" name="Rectangle 30">
+            <a:extLst>
+              <a:ext uri="{FF2B5EF4-FFF2-40B4-BE49-F238E27FC236}">
+                <a16:creationId xmlns:a16="http://schemas.microsoft.com/office/drawing/2014/main" id="{6BDD915B-521D-0DCA-4B5D-3FC2A76C1B1A}"/>
+              </a:ext>
+            </a:extLst>
+          </p:cNvPr>
+          <p:cNvSpPr/>
+          <p:nvPr/>
+        </p:nvSpPr>
+        <p:spPr>
+          <a:xfrm>
+            <a:off x="174437" y="33590"/>
+            <a:ext cx="1828127" cy="205099"/>
+          </a:xfrm>
+          <a:prstGeom prst="rect">
+            <a:avLst/>
+          </a:prstGeom>
+          <a:noFill/>
+          <a:ln w="6350">
+            <a:solidFill>
+              <a:schemeClr val="tx1"/>
+            </a:solidFill>
+          </a:ln>
+          <a:effectLst>
+            <a:outerShdw blurRad="50800" dist="38100" dir="8100000" algn="tr" rotWithShape="0">
+              <a:prstClr val="black">
+                <a:alpha val="40000"/>
+              </a:prstClr>
+            </a:outerShdw>
+          </a:effectLst>
+        </p:spPr>
+        <p:txBody>
+          <a:bodyPr wrap="none" anchor="ctr" anchorCtr="0">
+            <a:noAutofit/>
+          </a:bodyPr>
+          <a:lstStyle/>
+          <a:p>
+            <a:endParaRPr lang="LID4096" dirty="0"/>
+          </a:p>
+        </p:txBody>
+      </p:sp>
+    </p:spTree>
+    <p:extLst>
+      <p:ext uri="{BB962C8B-B14F-4D97-AF65-F5344CB8AC3E}">
+        <p14:creationId xmlns:p14="http://schemas.microsoft.com/office/powerpoint/2010/main" val="2752659032"/>
+      </p:ext>
+    </p:extLst>
+  </p:cSld>
+  <p:clrMapOvr>
+    <a:masterClrMapping/>
+  </p:clrMapOvr>
+</p:sld>
+</file>
+
+<file path=ppt/slides/slide4.xml><?xml version="1.0" encoding="utf-8"?>
 <p:sld xmlns:a="http://schemas.openxmlformats.org/drawingml/2006/main" xmlns:r="http://schemas.openxmlformats.org/officeDocument/2006/relationships" xmlns:p="http://schemas.openxmlformats.org/presentationml/2006/main">
   <p:cSld>
     <p:bg>
@@ -9016,7 +10311,7 @@
         </p:nvSpPr>
         <p:spPr>
           <a:xfrm>
-            <a:off x="450234" y="275890"/>
+            <a:off x="125598" y="1353271"/>
             <a:ext cx="2364259" cy="2590117"/>
           </a:xfrm>
           <a:prstGeom prst="rect">
@@ -9032,7 +10327,7 @@
           <a:p>
             <a:r>
               <a:rPr lang="en-US" b="1" dirty="0"/>
-              <a:t>Flopy ...</a:t>
+              <a:t>Flopy ... Freyberg</a:t>
             </a:r>
           </a:p>
           <a:p>
@@ -9047,6 +10342,248 @@
           </a:p>
         </p:txBody>
       </p:sp>
+      <p:sp>
+        <p:nvSpPr>
+          <p:cNvPr id="3" name="TextBox 2">
+            <a:extLst>
+              <a:ext uri="{FF2B5EF4-FFF2-40B4-BE49-F238E27FC236}">
+                <a16:creationId xmlns:a16="http://schemas.microsoft.com/office/drawing/2014/main" id="{6324C447-8FCA-59C0-552A-458C3F46053B}"/>
+              </a:ext>
+            </a:extLst>
+          </p:cNvPr>
+          <p:cNvSpPr txBox="1">
+            <a:spLocks noChangeAspect="1"/>
+          </p:cNvSpPr>
+          <p:nvPr/>
+        </p:nvSpPr>
+        <p:spPr>
+          <a:xfrm>
+            <a:off x="10203679" y="0"/>
+            <a:ext cx="1988321" cy="329261"/>
+          </a:xfrm>
+          <a:prstGeom prst="rect">
+            <a:avLst/>
+          </a:prstGeom>
+          <a:solidFill>
+            <a:schemeClr val="bg1">
+              <a:lumMod val="85000"/>
+            </a:schemeClr>
+          </a:solidFill>
+        </p:spPr>
+        <p:txBody>
+          <a:bodyPr wrap="none" lIns="0" tIns="0" rIns="0" bIns="0" anchor="ctr" anchorCtr="0">
+            <a:noAutofit/>
+          </a:bodyPr>
+          <a:lstStyle/>
+          <a:p>
+            <a:pPr algn="ctr"/>
+            <a:r>
+              <a:rPr lang="pt-BR" sz="1600" b="1" dirty="0"/>
+              <a:t>2_01 </a:t>
+            </a:r>
+            <a:r>
+              <a:rPr lang="en-US" sz="1600" b="1" dirty="0"/>
+              <a:t>pstfromSETUP</a:t>
+            </a:r>
+            <a:endParaRPr lang="LID4096" sz="1600" b="1" dirty="0"/>
+          </a:p>
+        </p:txBody>
+      </p:sp>
+      <p:sp>
+        <p:nvSpPr>
+          <p:cNvPr id="6" name="TextBox 5">
+            <a:extLst>
+              <a:ext uri="{FF2B5EF4-FFF2-40B4-BE49-F238E27FC236}">
+                <a16:creationId xmlns:a16="http://schemas.microsoft.com/office/drawing/2014/main" id="{3233B531-DE0B-2AEE-E473-2DC59E4FEB9E}"/>
+              </a:ext>
+            </a:extLst>
+          </p:cNvPr>
+          <p:cNvSpPr txBox="1"/>
+          <p:nvPr/>
+        </p:nvSpPr>
+        <p:spPr>
+          <a:xfrm>
+            <a:off x="10579693" y="329261"/>
+            <a:ext cx="1623377" cy="407129"/>
+          </a:xfrm>
+          <a:prstGeom prst="rect">
+            <a:avLst/>
+          </a:prstGeom>
+          <a:noFill/>
+        </p:spPr>
+        <p:txBody>
+          <a:bodyPr wrap="square">
+            <a:noAutofit/>
+          </a:bodyPr>
+          <a:lstStyle/>
+          <a:p>
+            <a:pPr algn="r"/>
+            <a:r>
+              <a:rPr lang="en-US" b="1" dirty="0"/>
+              <a:t>Simples</a:t>
+            </a:r>
+          </a:p>
+          <a:p>
+            <a:pPr algn="r"/>
+            <a:r>
+              <a:rPr lang="en-US" b="1" dirty="0">
+                <a:solidFill>
+                  <a:srgbClr val="0000FF"/>
+                </a:solidFill>
+              </a:rPr>
+              <a:t> </a:t>
+            </a:r>
+          </a:p>
+        </p:txBody>
+      </p:sp>
+      <p:grpSp>
+        <p:nvGrpSpPr>
+          <p:cNvPr id="20" name="Group 19">
+            <a:extLst>
+              <a:ext uri="{FF2B5EF4-FFF2-40B4-BE49-F238E27FC236}">
+                <a16:creationId xmlns:a16="http://schemas.microsoft.com/office/drawing/2014/main" id="{6F884462-85D4-65AD-C6CD-0D2CB8D05F36}"/>
+              </a:ext>
+            </a:extLst>
+          </p:cNvPr>
+          <p:cNvGrpSpPr/>
+          <p:nvPr/>
+        </p:nvGrpSpPr>
+        <p:grpSpPr>
+          <a:xfrm>
+            <a:off x="125598" y="76665"/>
+            <a:ext cx="1919943" cy="1074824"/>
+            <a:chOff x="125598" y="76665"/>
+            <a:chExt cx="1919943" cy="1074824"/>
+          </a:xfrm>
+        </p:grpSpPr>
+        <p:pic>
+          <p:nvPicPr>
+            <p:cNvPr id="21" name="Picture 20">
+              <a:extLst>
+                <a:ext uri="{FF2B5EF4-FFF2-40B4-BE49-F238E27FC236}">
+                  <a16:creationId xmlns:a16="http://schemas.microsoft.com/office/drawing/2014/main" id="{D570A248-F83F-ED79-7F38-E6D790DABC08}"/>
+                </a:ext>
+              </a:extLst>
+            </p:cNvPr>
+            <p:cNvPicPr>
+              <a:picLocks noChangeAspect="1"/>
+            </p:cNvPicPr>
+            <p:nvPr/>
+          </p:nvPicPr>
+          <p:blipFill>
+            <a:blip r:embed="rId8"/>
+            <a:srcRect r="53369"/>
+            <a:stretch/>
+          </p:blipFill>
+          <p:spPr>
+            <a:xfrm>
+              <a:off x="125598" y="76665"/>
+              <a:ext cx="941616" cy="1028700"/>
+            </a:xfrm>
+            <a:prstGeom prst="rect">
+              <a:avLst/>
+            </a:prstGeom>
+          </p:spPr>
+        </p:pic>
+        <p:sp>
+          <p:nvSpPr>
+            <p:cNvPr id="22" name="Rectangle 21">
+              <a:extLst>
+                <a:ext uri="{FF2B5EF4-FFF2-40B4-BE49-F238E27FC236}">
+                  <a16:creationId xmlns:a16="http://schemas.microsoft.com/office/drawing/2014/main" id="{23449B97-EFD5-E650-B5F5-6075AB9E1DD3}"/>
+                </a:ext>
+              </a:extLst>
+            </p:cNvPr>
+            <p:cNvSpPr/>
+            <p:nvPr/>
+          </p:nvSpPr>
+          <p:spPr>
+            <a:xfrm>
+              <a:off x="129322" y="79497"/>
+              <a:ext cx="1916219" cy="1019573"/>
+            </a:xfrm>
+            <a:prstGeom prst="rect">
+              <a:avLst/>
+            </a:prstGeom>
+            <a:noFill/>
+            <a:ln w="6350">
+              <a:solidFill>
+                <a:srgbClr val="0000FF"/>
+              </a:solidFill>
+            </a:ln>
+            <a:effectLst>
+              <a:outerShdw blurRad="50800" dist="38100" dir="8100000" algn="tr" rotWithShape="0">
+                <a:prstClr val="black">
+                  <a:alpha val="40000"/>
+                </a:prstClr>
+              </a:outerShdw>
+            </a:effectLst>
+          </p:spPr>
+          <p:txBody>
+            <a:bodyPr wrap="none" anchor="ctr" anchorCtr="0">
+              <a:noAutofit/>
+            </a:bodyPr>
+            <a:lstStyle/>
+            <a:p>
+              <a:endParaRPr lang="LID4096"/>
+            </a:p>
+          </p:txBody>
+        </p:sp>
+        <p:sp>
+          <p:nvSpPr>
+            <p:cNvPr id="23" name="Rectangle 22">
+              <a:extLst>
+                <a:ext uri="{FF2B5EF4-FFF2-40B4-BE49-F238E27FC236}">
+                  <a16:creationId xmlns:a16="http://schemas.microsoft.com/office/drawing/2014/main" id="{90D87F46-89E3-563C-4097-2EF2D5527F8C}"/>
+                </a:ext>
+              </a:extLst>
+            </p:cNvPr>
+            <p:cNvSpPr/>
+            <p:nvPr/>
+          </p:nvSpPr>
+          <p:spPr>
+            <a:xfrm>
+              <a:off x="125598" y="281279"/>
+              <a:ext cx="1916220" cy="870210"/>
+            </a:xfrm>
+            <a:prstGeom prst="rect">
+              <a:avLst/>
+            </a:prstGeom>
+            <a:solidFill>
+              <a:srgbClr val="FFF2CC">
+                <a:alpha val="80000"/>
+              </a:srgbClr>
+            </a:solidFill>
+            <a:ln>
+              <a:noFill/>
+            </a:ln>
+          </p:spPr>
+          <p:style>
+            <a:lnRef idx="2">
+              <a:schemeClr val="accent1">
+                <a:shade val="15000"/>
+              </a:schemeClr>
+            </a:lnRef>
+            <a:fillRef idx="1">
+              <a:schemeClr val="accent1"/>
+            </a:fillRef>
+            <a:effectRef idx="0">
+              <a:schemeClr val="accent1"/>
+            </a:effectRef>
+            <a:fontRef idx="minor">
+              <a:schemeClr val="lt1"/>
+            </a:fontRef>
+          </p:style>
+          <p:txBody>
+            <a:bodyPr rtlCol="0" anchor="ctr"/>
+            <a:lstStyle/>
+            <a:p>
+              <a:pPr algn="ctr"/>
+              <a:endParaRPr lang="LID4096"/>
+            </a:p>
+          </p:txBody>
+        </p:sp>
+      </p:grpSp>
     </p:spTree>
     <p:extLst>
       <p:ext uri="{BB962C8B-B14F-4D97-AF65-F5344CB8AC3E}">
@@ -9060,7 +10597,7 @@
 </p:sld>
 </file>
 
-<file path=ppt/slides/slide4.xml><?xml version="1.0" encoding="utf-8"?>
+<file path=ppt/slides/slide5.xml><?xml version="1.0" encoding="utf-8"?>
 <p:sld xmlns:a="http://schemas.openxmlformats.org/drawingml/2006/main" xmlns:r="http://schemas.openxmlformats.org/officeDocument/2006/relationships" xmlns:p="http://schemas.openxmlformats.org/presentationml/2006/main">
   <p:cSld>
     <p:bg>
@@ -12530,13 +14067,13 @@
 </p:sld>
 </file>
 
-<file path=ppt/slides/slide5.xml><?xml version="1.0" encoding="utf-8"?>
+<file path=ppt/slides/slide6.xml><?xml version="1.0" encoding="utf-8"?>
 <p:sld xmlns:a="http://schemas.openxmlformats.org/drawingml/2006/main" xmlns:r="http://schemas.openxmlformats.org/officeDocument/2006/relationships" xmlns:p="http://schemas.openxmlformats.org/presentationml/2006/main">
   <p:cSld>
     <p:bg>
       <p:bgPr>
         <a:solidFill>
-          <a:schemeClr val="accent1">
+          <a:schemeClr val="accent4">
             <a:lumMod val="20000"/>
             <a:lumOff val="80000"/>
           </a:schemeClr>
@@ -12585,7 +14122,7 @@
             <a:avLst/>
           </a:prstGeom>
           <a:solidFill>
-            <a:schemeClr val="accent6">
+            <a:schemeClr val="accent5">
               <a:lumMod val="20000"/>
               <a:lumOff val="80000"/>
             </a:schemeClr>
@@ -15276,7 +16813,7 @@
 </p:sld>
 </file>
 
-<file path=ppt/slides/slide6.xml><?xml version="1.0" encoding="utf-8"?>
+<file path=ppt/slides/slide7.xml><?xml version="1.0" encoding="utf-8"?>
 <p:sld xmlns:a="http://schemas.openxmlformats.org/drawingml/2006/main" xmlns:r="http://schemas.openxmlformats.org/officeDocument/2006/relationships" xmlns:p="http://schemas.openxmlformats.org/presentationml/2006/main">
   <p:cSld>
     <p:bg>
@@ -15307,1479 +16844,6 @@
           <a:chExt cx="0" cy="0"/>
         </a:xfrm>
       </p:grpSpPr>
-      <p:pic>
-        <p:nvPicPr>
-          <p:cNvPr id="1088" name="Picture 1087">
-            <a:extLst>
-              <a:ext uri="{FF2B5EF4-FFF2-40B4-BE49-F238E27FC236}">
-                <a16:creationId xmlns:a16="http://schemas.microsoft.com/office/drawing/2014/main" id="{A78E8213-4BEA-EBAB-41C5-EAC55BB50B34}"/>
-              </a:ext>
-            </a:extLst>
-          </p:cNvPr>
-          <p:cNvPicPr>
-            <a:picLocks noChangeAspect="1"/>
-          </p:cNvPicPr>
-          <p:nvPr/>
-        </p:nvPicPr>
-        <p:blipFill>
-          <a:blip r:embed="rId2"/>
-          <a:stretch>
-            <a:fillRect/>
-          </a:stretch>
-        </p:blipFill>
-        <p:spPr>
-          <a:xfrm>
-            <a:off x="155649" y="4562566"/>
-            <a:ext cx="733746" cy="301360"/>
-          </a:xfrm>
-          <a:prstGeom prst="rect">
-            <a:avLst/>
-          </a:prstGeom>
-        </p:spPr>
-      </p:pic>
-      <p:pic>
-        <p:nvPicPr>
-          <p:cNvPr id="1090" name="Picture 1089">
-            <a:extLst>
-              <a:ext uri="{FF2B5EF4-FFF2-40B4-BE49-F238E27FC236}">
-                <a16:creationId xmlns:a16="http://schemas.microsoft.com/office/drawing/2014/main" id="{E7B5F5E1-16AE-D635-B8FE-E8A1078F5464}"/>
-              </a:ext>
-            </a:extLst>
-          </p:cNvPr>
-          <p:cNvPicPr>
-            <a:picLocks noChangeAspect="1"/>
-          </p:cNvPicPr>
-          <p:nvPr/>
-        </p:nvPicPr>
-        <p:blipFill>
-          <a:blip r:embed="rId3"/>
-          <a:stretch>
-            <a:fillRect/>
-          </a:stretch>
-        </p:blipFill>
-        <p:spPr>
-          <a:xfrm>
-            <a:off x="1798139" y="5675806"/>
-            <a:ext cx="1022004" cy="301360"/>
-          </a:xfrm>
-          <a:prstGeom prst="rect">
-            <a:avLst/>
-          </a:prstGeom>
-        </p:spPr>
-      </p:pic>
-      <p:pic>
-        <p:nvPicPr>
-          <p:cNvPr id="1092" name="Picture 1091">
-            <a:extLst>
-              <a:ext uri="{FF2B5EF4-FFF2-40B4-BE49-F238E27FC236}">
-                <a16:creationId xmlns:a16="http://schemas.microsoft.com/office/drawing/2014/main" id="{4557742F-3782-3EA4-B6A3-ACC3278C76A7}"/>
-              </a:ext>
-            </a:extLst>
-          </p:cNvPr>
-          <p:cNvPicPr>
-            <a:picLocks noChangeAspect="1"/>
-          </p:cNvPicPr>
-          <p:nvPr/>
-        </p:nvPicPr>
-        <p:blipFill>
-          <a:blip r:embed="rId4"/>
-          <a:stretch>
-            <a:fillRect/>
-          </a:stretch>
-        </p:blipFill>
-        <p:spPr>
-          <a:xfrm>
-            <a:off x="1792722" y="6008618"/>
-            <a:ext cx="799260" cy="301360"/>
-          </a:xfrm>
-          <a:prstGeom prst="rect">
-            <a:avLst/>
-          </a:prstGeom>
-        </p:spPr>
-      </p:pic>
-      <p:pic>
-        <p:nvPicPr>
-          <p:cNvPr id="1094" name="Picture 1093">
-            <a:extLst>
-              <a:ext uri="{FF2B5EF4-FFF2-40B4-BE49-F238E27FC236}">
-                <a16:creationId xmlns:a16="http://schemas.microsoft.com/office/drawing/2014/main" id="{D73C4DE4-D933-1C0A-5D0D-C675C4574E1D}"/>
-              </a:ext>
-            </a:extLst>
-          </p:cNvPr>
-          <p:cNvPicPr>
-            <a:picLocks noChangeAspect="1"/>
-          </p:cNvPicPr>
-          <p:nvPr/>
-        </p:nvPicPr>
-        <p:blipFill>
-          <a:blip r:embed="rId5"/>
-          <a:stretch>
-            <a:fillRect/>
-          </a:stretch>
-        </p:blipFill>
-        <p:spPr>
-          <a:xfrm>
-            <a:off x="155648" y="4924077"/>
-            <a:ext cx="733747" cy="327566"/>
-          </a:xfrm>
-          <a:prstGeom prst="rect">
-            <a:avLst/>
-          </a:prstGeom>
-        </p:spPr>
-      </p:pic>
-      <p:pic>
-        <p:nvPicPr>
-          <p:cNvPr id="1096" name="Picture 1095">
-            <a:extLst>
-              <a:ext uri="{FF2B5EF4-FFF2-40B4-BE49-F238E27FC236}">
-                <a16:creationId xmlns:a16="http://schemas.microsoft.com/office/drawing/2014/main" id="{E8182CDE-690D-4D18-CFF4-A1C6A652BEF1}"/>
-              </a:ext>
-            </a:extLst>
-          </p:cNvPr>
-          <p:cNvPicPr>
-            <a:picLocks noChangeAspect="1"/>
-          </p:cNvPicPr>
-          <p:nvPr/>
-        </p:nvPicPr>
-        <p:blipFill>
-          <a:blip r:embed="rId6"/>
-          <a:stretch>
-            <a:fillRect/>
-          </a:stretch>
-        </p:blipFill>
-        <p:spPr>
-          <a:xfrm>
-            <a:off x="1792722" y="6361442"/>
-            <a:ext cx="642028" cy="301360"/>
-          </a:xfrm>
-          <a:prstGeom prst="rect">
-            <a:avLst/>
-          </a:prstGeom>
-        </p:spPr>
-      </p:pic>
-      <p:pic>
-        <p:nvPicPr>
-          <p:cNvPr id="1098" name="Picture 1097">
-            <a:extLst>
-              <a:ext uri="{FF2B5EF4-FFF2-40B4-BE49-F238E27FC236}">
-                <a16:creationId xmlns:a16="http://schemas.microsoft.com/office/drawing/2014/main" id="{7310228B-E91F-FC3D-D8E6-B72C29F4B8CF}"/>
-              </a:ext>
-            </a:extLst>
-          </p:cNvPr>
-          <p:cNvPicPr>
-            <a:picLocks noChangeAspect="1"/>
-          </p:cNvPicPr>
-          <p:nvPr/>
-        </p:nvPicPr>
-        <p:blipFill>
-          <a:blip r:embed="rId7"/>
-          <a:stretch>
-            <a:fillRect/>
-          </a:stretch>
-        </p:blipFill>
-        <p:spPr>
-          <a:xfrm>
-            <a:off x="144425" y="5573704"/>
-            <a:ext cx="1297159" cy="338145"/>
-          </a:xfrm>
-          <a:prstGeom prst="rect">
-            <a:avLst/>
-          </a:prstGeom>
-        </p:spPr>
-      </p:pic>
-      <p:pic>
-        <p:nvPicPr>
-          <p:cNvPr id="1100" name="Picture 1099">
-            <a:extLst>
-              <a:ext uri="{FF2B5EF4-FFF2-40B4-BE49-F238E27FC236}">
-                <a16:creationId xmlns:a16="http://schemas.microsoft.com/office/drawing/2014/main" id="{C687F5C1-BA5A-F8C4-AD96-9D3D34573E4E}"/>
-              </a:ext>
-            </a:extLst>
-          </p:cNvPr>
-          <p:cNvPicPr>
-            <a:picLocks noChangeAspect="1"/>
-          </p:cNvPicPr>
-          <p:nvPr/>
-        </p:nvPicPr>
-        <p:blipFill>
-          <a:blip r:embed="rId8"/>
-          <a:stretch>
-            <a:fillRect/>
-          </a:stretch>
-        </p:blipFill>
-        <p:spPr>
-          <a:xfrm>
-            <a:off x="144425" y="5949451"/>
-            <a:ext cx="615822" cy="248949"/>
-          </a:xfrm>
-          <a:prstGeom prst="rect">
-            <a:avLst/>
-          </a:prstGeom>
-        </p:spPr>
-      </p:pic>
-      <p:pic>
-        <p:nvPicPr>
-          <p:cNvPr id="1103" name="Picture 1102">
-            <a:extLst>
-              <a:ext uri="{FF2B5EF4-FFF2-40B4-BE49-F238E27FC236}">
-                <a16:creationId xmlns:a16="http://schemas.microsoft.com/office/drawing/2014/main" id="{C7409039-8B8C-B619-6590-7954E9C1F74F}"/>
-              </a:ext>
-            </a:extLst>
-          </p:cNvPr>
-          <p:cNvPicPr>
-            <a:picLocks noChangeAspect="1"/>
-          </p:cNvPicPr>
-          <p:nvPr/>
-        </p:nvPicPr>
-        <p:blipFill>
-          <a:blip r:embed="rId9"/>
-          <a:stretch>
-            <a:fillRect/>
-          </a:stretch>
-        </p:blipFill>
-        <p:spPr>
-          <a:xfrm>
-            <a:off x="144425" y="6255142"/>
-            <a:ext cx="919941" cy="301360"/>
-          </a:xfrm>
-          <a:prstGeom prst="rect">
-            <a:avLst/>
-          </a:prstGeom>
-        </p:spPr>
-      </p:pic>
-      <p:pic>
-        <p:nvPicPr>
-          <p:cNvPr id="1105" name="Picture 1104">
-            <a:extLst>
-              <a:ext uri="{FF2B5EF4-FFF2-40B4-BE49-F238E27FC236}">
-                <a16:creationId xmlns:a16="http://schemas.microsoft.com/office/drawing/2014/main" id="{7FAF6B8E-25B1-6A36-0DB2-D0D7ACEB94DF}"/>
-              </a:ext>
-            </a:extLst>
-          </p:cNvPr>
-          <p:cNvPicPr>
-            <a:picLocks noChangeAspect="1"/>
-          </p:cNvPicPr>
-          <p:nvPr/>
-        </p:nvPicPr>
-        <p:blipFill>
-          <a:blip r:embed="rId10"/>
-          <a:stretch>
-            <a:fillRect/>
-          </a:stretch>
-        </p:blipFill>
-        <p:spPr>
-          <a:xfrm>
-            <a:off x="148307" y="5287196"/>
-            <a:ext cx="2667000" cy="266700"/>
-          </a:xfrm>
-          <a:prstGeom prst="rect">
-            <a:avLst/>
-          </a:prstGeom>
-        </p:spPr>
-      </p:pic>
-      <p:sp>
-        <p:nvSpPr>
-          <p:cNvPr id="6" name="TextBox 5">
-            <a:extLst>
-              <a:ext uri="{FF2B5EF4-FFF2-40B4-BE49-F238E27FC236}">
-                <a16:creationId xmlns:a16="http://schemas.microsoft.com/office/drawing/2014/main" id="{A130982D-80D5-07E8-9E60-3E6669099E50}"/>
-              </a:ext>
-            </a:extLst>
-          </p:cNvPr>
-          <p:cNvSpPr txBox="1">
-            <a:spLocks noChangeAspect="1"/>
-          </p:cNvSpPr>
-          <p:nvPr/>
-        </p:nvSpPr>
-        <p:spPr>
-          <a:xfrm>
-            <a:off x="11658815" y="0"/>
-            <a:ext cx="535795" cy="520428"/>
-          </a:xfrm>
-          <a:prstGeom prst="rect">
-            <a:avLst/>
-          </a:prstGeom>
-          <a:solidFill>
-            <a:srgbClr val="00B0F0"/>
-          </a:solidFill>
-        </p:spPr>
-        <p:txBody>
-          <a:bodyPr wrap="none" lIns="0" tIns="0" rIns="0" bIns="0" anchor="ctr" anchorCtr="0">
-            <a:noAutofit/>
-          </a:bodyPr>
-          <a:lstStyle/>
-          <a:p>
-            <a:pPr algn="ctr"/>
-            <a:r>
-              <a:rPr lang="pt-BR" sz="2400" b="1">
-                <a:solidFill>
-                  <a:schemeClr val="bg1"/>
-                </a:solidFill>
-              </a:rPr>
-              <a:t>04</a:t>
-            </a:r>
-            <a:endParaRPr lang="LID4096" sz="2400" b="1" dirty="0">
-              <a:solidFill>
-                <a:schemeClr val="bg1"/>
-              </a:solidFill>
-            </a:endParaRPr>
-          </a:p>
-        </p:txBody>
-      </p:sp>
-      <p:pic>
-        <p:nvPicPr>
-          <p:cNvPr id="4" name="Picture 3">
-            <a:extLst>
-              <a:ext uri="{FF2B5EF4-FFF2-40B4-BE49-F238E27FC236}">
-                <a16:creationId xmlns:a16="http://schemas.microsoft.com/office/drawing/2014/main" id="{E3E8073A-0939-3842-3C56-C9D349187264}"/>
-              </a:ext>
-            </a:extLst>
-          </p:cNvPr>
-          <p:cNvPicPr>
-            <a:picLocks noChangeAspect="1"/>
-          </p:cNvPicPr>
-          <p:nvPr/>
-        </p:nvPicPr>
-        <p:blipFill>
-          <a:blip r:embed="rId11"/>
-          <a:stretch>
-            <a:fillRect/>
-          </a:stretch>
-        </p:blipFill>
-        <p:spPr>
-          <a:xfrm>
-            <a:off x="5248275" y="5505450"/>
-            <a:ext cx="6943725" cy="1352550"/>
-          </a:xfrm>
-          <a:prstGeom prst="rect">
-            <a:avLst/>
-          </a:prstGeom>
-          <a:ln>
-            <a:solidFill>
-              <a:schemeClr val="tx1"/>
-            </a:solidFill>
-          </a:ln>
-        </p:spPr>
-      </p:pic>
-      <p:grpSp>
-        <p:nvGrpSpPr>
-          <p:cNvPr id="19" name="Group 18">
-            <a:extLst>
-              <a:ext uri="{FF2B5EF4-FFF2-40B4-BE49-F238E27FC236}">
-                <a16:creationId xmlns:a16="http://schemas.microsoft.com/office/drawing/2014/main" id="{9BA9301B-5F3E-1963-DF40-258AA9EA21CB}"/>
-              </a:ext>
-            </a:extLst>
-          </p:cNvPr>
-          <p:cNvGrpSpPr/>
-          <p:nvPr/>
-        </p:nvGrpSpPr>
-        <p:grpSpPr>
-          <a:xfrm>
-            <a:off x="144425" y="136600"/>
-            <a:ext cx="5173773" cy="4292421"/>
-            <a:chOff x="144425" y="130192"/>
-            <a:chExt cx="5173773" cy="4292421"/>
-          </a:xfrm>
-        </p:grpSpPr>
-        <p:pic>
-          <p:nvPicPr>
-            <p:cNvPr id="8" name="Picture 7">
-              <a:extLst>
-                <a:ext uri="{FF2B5EF4-FFF2-40B4-BE49-F238E27FC236}">
-                  <a16:creationId xmlns:a16="http://schemas.microsoft.com/office/drawing/2014/main" id="{0372AEA7-6610-5CEA-5988-E5787DC74D81}"/>
-                </a:ext>
-              </a:extLst>
-            </p:cNvPr>
-            <p:cNvPicPr>
-              <a:picLocks noChangeAspect="1"/>
-            </p:cNvPicPr>
-            <p:nvPr/>
-          </p:nvPicPr>
-          <p:blipFill>
-            <a:blip r:embed="rId12"/>
-            <a:stretch>
-              <a:fillRect/>
-            </a:stretch>
-          </p:blipFill>
-          <p:spPr>
-            <a:xfrm>
-              <a:off x="155648" y="130192"/>
-              <a:ext cx="5162550" cy="1381125"/>
-            </a:xfrm>
-            <a:prstGeom prst="rect">
-              <a:avLst/>
-            </a:prstGeom>
-            <a:noFill/>
-            <a:ln w="3175">
-              <a:solidFill>
-                <a:schemeClr val="tx1"/>
-              </a:solidFill>
-            </a:ln>
-            <a:effectLst>
-              <a:outerShdw blurRad="50800" dist="38100" dir="8100000" algn="tr" rotWithShape="0">
-                <a:prstClr val="black">
-                  <a:alpha val="40000"/>
-                </a:prstClr>
-              </a:outerShdw>
-            </a:effectLst>
-          </p:spPr>
-        </p:pic>
-        <p:grpSp>
-          <p:nvGrpSpPr>
-            <p:cNvPr id="1080" name="Group 1079">
-              <a:extLst>
-                <a:ext uri="{FF2B5EF4-FFF2-40B4-BE49-F238E27FC236}">
-                  <a16:creationId xmlns:a16="http://schemas.microsoft.com/office/drawing/2014/main" id="{B27ED0DB-4745-705F-20A3-50761A0841D0}"/>
-                </a:ext>
-              </a:extLst>
-            </p:cNvPr>
-            <p:cNvGrpSpPr/>
-            <p:nvPr/>
-          </p:nvGrpSpPr>
-          <p:grpSpPr>
-            <a:xfrm>
-              <a:off x="148307" y="2431888"/>
-              <a:ext cx="4638804" cy="1990725"/>
-              <a:chOff x="148307" y="2431888"/>
-              <a:chExt cx="4638804" cy="1990725"/>
-            </a:xfrm>
-          </p:grpSpPr>
-          <p:pic>
-            <p:nvPicPr>
-              <p:cNvPr id="1066" name="Picture 1065">
-                <a:extLst>
-                  <a:ext uri="{FF2B5EF4-FFF2-40B4-BE49-F238E27FC236}">
-                    <a16:creationId xmlns:a16="http://schemas.microsoft.com/office/drawing/2014/main" id="{0F102B3E-7354-61BE-EBDA-A30A82035440}"/>
-                  </a:ext>
-                </a:extLst>
-              </p:cNvPr>
-              <p:cNvPicPr>
-                <a:picLocks noChangeAspect="1"/>
-              </p:cNvPicPr>
-              <p:nvPr/>
-            </p:nvPicPr>
-            <p:blipFill>
-              <a:blip r:embed="rId13"/>
-              <a:srcRect r="38712"/>
-              <a:stretch/>
-            </p:blipFill>
-            <p:spPr>
-              <a:xfrm>
-                <a:off x="148307" y="2431888"/>
-                <a:ext cx="2037346" cy="1990725"/>
-              </a:xfrm>
-              <a:prstGeom prst="rect">
-                <a:avLst/>
-              </a:prstGeom>
-              <a:noFill/>
-              <a:ln w="3175">
-                <a:solidFill>
-                  <a:schemeClr val="tx1"/>
-                </a:solidFill>
-              </a:ln>
-              <a:effectLst>
-                <a:outerShdw blurRad="50800" dist="38100" dir="8100000" algn="tr" rotWithShape="0">
-                  <a:prstClr val="black">
-                    <a:alpha val="40000"/>
-                  </a:prstClr>
-                </a:outerShdw>
-              </a:effectLst>
-            </p:spPr>
-          </p:pic>
-          <p:grpSp>
-            <p:nvGrpSpPr>
-              <p:cNvPr id="1071" name="Group 1070">
-                <a:extLst>
-                  <a:ext uri="{FF2B5EF4-FFF2-40B4-BE49-F238E27FC236}">
-                    <a16:creationId xmlns:a16="http://schemas.microsoft.com/office/drawing/2014/main" id="{4DD86960-EE79-F27F-B44C-1AFF1EBE0899}"/>
-                  </a:ext>
-                </a:extLst>
-              </p:cNvPr>
-              <p:cNvGrpSpPr/>
-              <p:nvPr/>
-            </p:nvGrpSpPr>
-            <p:grpSpPr>
-              <a:xfrm>
-                <a:off x="1592441" y="2431888"/>
-                <a:ext cx="3194669" cy="1104900"/>
-                <a:chOff x="822070" y="2243835"/>
-                <a:chExt cx="3194669" cy="1104900"/>
-              </a:xfrm>
-            </p:grpSpPr>
-            <p:pic>
-              <p:nvPicPr>
-                <p:cNvPr id="1072" name="Picture 1071">
-                  <a:extLst>
-                    <a:ext uri="{FF2B5EF4-FFF2-40B4-BE49-F238E27FC236}">
-                      <a16:creationId xmlns:a16="http://schemas.microsoft.com/office/drawing/2014/main" id="{3166D0F8-3F3A-5B6E-451F-10691BC28158}"/>
-                    </a:ext>
-                  </a:extLst>
-                </p:cNvPr>
-                <p:cNvPicPr>
-                  <a:picLocks noChangeAspect="1"/>
-                </p:cNvPicPr>
-                <p:nvPr/>
-              </p:nvPicPr>
-              <p:blipFill>
-                <a:blip r:embed="rId14"/>
-                <a:srcRect l="6649" t="64248" r="29467"/>
-                <a:stretch/>
-              </p:blipFill>
-              <p:spPr>
-                <a:xfrm>
-                  <a:off x="822070" y="2243835"/>
-                  <a:ext cx="3194669" cy="1104900"/>
-                </a:xfrm>
-                <a:prstGeom prst="rect">
-                  <a:avLst/>
-                </a:prstGeom>
-                <a:noFill/>
-                <a:ln w="3175">
-                  <a:solidFill>
-                    <a:schemeClr val="tx1"/>
-                  </a:solidFill>
-                </a:ln>
-                <a:effectLst>
-                  <a:outerShdw blurRad="50800" dist="38100" dir="8100000" algn="tr" rotWithShape="0">
-                    <a:prstClr val="black">
-                      <a:alpha val="40000"/>
-                    </a:prstClr>
-                  </a:outerShdw>
-                </a:effectLst>
-              </p:spPr>
-            </p:pic>
-            <p:grpSp>
-              <p:nvGrpSpPr>
-                <p:cNvPr id="1073" name="Group 1072">
-                  <a:extLst>
-                    <a:ext uri="{FF2B5EF4-FFF2-40B4-BE49-F238E27FC236}">
-                      <a16:creationId xmlns:a16="http://schemas.microsoft.com/office/drawing/2014/main" id="{2141923C-93A9-4103-ACF3-69460C02A07E}"/>
-                    </a:ext>
-                  </a:extLst>
-                </p:cNvPr>
-                <p:cNvGrpSpPr/>
-                <p:nvPr/>
-              </p:nvGrpSpPr>
-              <p:grpSpPr>
-                <a:xfrm>
-                  <a:off x="900613" y="2578099"/>
-                  <a:ext cx="121738" cy="308738"/>
-                  <a:chOff x="900613" y="2578099"/>
-                  <a:chExt cx="121738" cy="308738"/>
-                </a:xfrm>
-              </p:grpSpPr>
-              <p:sp>
-                <p:nvSpPr>
-                  <p:cNvPr id="1074" name="Arrow: Right 1073">
-                    <a:extLst>
-                      <a:ext uri="{FF2B5EF4-FFF2-40B4-BE49-F238E27FC236}">
-                        <a16:creationId xmlns:a16="http://schemas.microsoft.com/office/drawing/2014/main" id="{D7FB534E-98A5-DFE3-D89C-C57543393A48}"/>
-                      </a:ext>
-                    </a:extLst>
-                  </p:cNvPr>
-                  <p:cNvSpPr/>
-                  <p:nvPr/>
-                </p:nvSpPr>
-                <p:spPr>
-                  <a:xfrm rot="10800000" flipH="1">
-                    <a:off x="900613" y="2774059"/>
-                    <a:ext cx="121738" cy="112778"/>
-                  </a:xfrm>
-                  <a:prstGeom prst="rightArrow">
-                    <a:avLst/>
-                  </a:prstGeom>
-                  <a:solidFill>
-                    <a:schemeClr val="accent2"/>
-                  </a:solidFill>
-                  <a:ln>
-                    <a:solidFill>
-                      <a:srgbClr val="002060"/>
-                    </a:solidFill>
-                  </a:ln>
-                </p:spPr>
-                <p:style>
-                  <a:lnRef idx="2">
-                    <a:schemeClr val="accent1">
-                      <a:shade val="15000"/>
-                    </a:schemeClr>
-                  </a:lnRef>
-                  <a:fillRef idx="1">
-                    <a:schemeClr val="accent1"/>
-                  </a:fillRef>
-                  <a:effectRef idx="0">
-                    <a:schemeClr val="accent1"/>
-                  </a:effectRef>
-                  <a:fontRef idx="minor">
-                    <a:schemeClr val="lt1"/>
-                  </a:fontRef>
-                </p:style>
-                <p:txBody>
-                  <a:bodyPr rtlCol="0" anchor="ctr"/>
-                  <a:lstStyle/>
-                  <a:p>
-                    <a:pPr algn="ctr"/>
-                    <a:endParaRPr lang="LID4096"/>
-                  </a:p>
-                </p:txBody>
-              </p:sp>
-              <p:sp>
-                <p:nvSpPr>
-                  <p:cNvPr id="1075" name="Arrow: Right 1074">
-                    <a:extLst>
-                      <a:ext uri="{FF2B5EF4-FFF2-40B4-BE49-F238E27FC236}">
-                        <a16:creationId xmlns:a16="http://schemas.microsoft.com/office/drawing/2014/main" id="{5D884D4A-5702-5D24-686C-3442CAED86A4}"/>
-                      </a:ext>
-                    </a:extLst>
-                  </p:cNvPr>
-                  <p:cNvSpPr/>
-                  <p:nvPr/>
-                </p:nvSpPr>
-                <p:spPr>
-                  <a:xfrm rot="10800000" flipH="1">
-                    <a:off x="900613" y="2578099"/>
-                    <a:ext cx="121738" cy="112778"/>
-                  </a:xfrm>
-                  <a:prstGeom prst="rightArrow">
-                    <a:avLst/>
-                  </a:prstGeom>
-                  <a:solidFill>
-                    <a:schemeClr val="accent2"/>
-                  </a:solidFill>
-                  <a:ln>
-                    <a:solidFill>
-                      <a:srgbClr val="002060"/>
-                    </a:solidFill>
-                  </a:ln>
-                </p:spPr>
-                <p:style>
-                  <a:lnRef idx="2">
-                    <a:schemeClr val="accent1">
-                      <a:shade val="15000"/>
-                    </a:schemeClr>
-                  </a:lnRef>
-                  <a:fillRef idx="1">
-                    <a:schemeClr val="accent1"/>
-                  </a:fillRef>
-                  <a:effectRef idx="0">
-                    <a:schemeClr val="accent1"/>
-                  </a:effectRef>
-                  <a:fontRef idx="minor">
-                    <a:schemeClr val="lt1"/>
-                  </a:fontRef>
-                </p:style>
-                <p:txBody>
-                  <a:bodyPr rtlCol="0" anchor="ctr"/>
-                  <a:lstStyle/>
-                  <a:p>
-                    <a:pPr algn="ctr"/>
-                    <a:endParaRPr lang="LID4096"/>
-                  </a:p>
-                </p:txBody>
-              </p:sp>
-            </p:grpSp>
-          </p:grpSp>
-          <p:sp>
-            <p:nvSpPr>
-              <p:cNvPr id="1076" name="TextBox 1075">
-                <a:extLst>
-                  <a:ext uri="{FF2B5EF4-FFF2-40B4-BE49-F238E27FC236}">
-                    <a16:creationId xmlns:a16="http://schemas.microsoft.com/office/drawing/2014/main" id="{DADDD34A-21F2-13FF-B852-6803979BB520}"/>
-                  </a:ext>
-                </a:extLst>
-              </p:cNvPr>
-              <p:cNvSpPr txBox="1"/>
-              <p:nvPr/>
-            </p:nvSpPr>
-            <p:spPr>
-              <a:xfrm>
-                <a:off x="4066685" y="2504542"/>
-                <a:ext cx="720425" cy="523220"/>
-              </a:xfrm>
-              <a:prstGeom prst="rect">
-                <a:avLst/>
-              </a:prstGeom>
-              <a:noFill/>
-            </p:spPr>
-            <p:txBody>
-              <a:bodyPr wrap="square">
-                <a:spAutoFit/>
-              </a:bodyPr>
-              <a:lstStyle/>
-              <a:p>
-                <a:r>
-                  <a:rPr lang="pt-BR" sz="2800" b="1" dirty="0"/>
-                  <a:t>. . .</a:t>
-                </a:r>
-                <a:endParaRPr lang="LID4096" sz="2800" b="1" dirty="0"/>
-              </a:p>
-            </p:txBody>
-          </p:sp>
-          <p:sp>
-            <p:nvSpPr>
-              <p:cNvPr id="1078" name="TextBox 1077">
-                <a:extLst>
-                  <a:ext uri="{FF2B5EF4-FFF2-40B4-BE49-F238E27FC236}">
-                    <a16:creationId xmlns:a16="http://schemas.microsoft.com/office/drawing/2014/main" id="{88E5D1A1-1876-4AC8-146C-40389F889C10}"/>
-                  </a:ext>
-                </a:extLst>
-              </p:cNvPr>
-              <p:cNvSpPr txBox="1"/>
-              <p:nvPr/>
-            </p:nvSpPr>
-            <p:spPr>
-              <a:xfrm>
-                <a:off x="2154851" y="4144567"/>
-                <a:ext cx="2632260" cy="276999"/>
-              </a:xfrm>
-              <a:prstGeom prst="rect">
-                <a:avLst/>
-              </a:prstGeom>
-              <a:noFill/>
-            </p:spPr>
-            <p:txBody>
-              <a:bodyPr wrap="square">
-                <a:spAutoFit/>
-              </a:bodyPr>
-              <a:lstStyle/>
-              <a:p>
-                <a:pPr algn="r"/>
-                <a:r>
-                  <a:rPr lang="LID4096" sz="600" dirty="0"/>
-                  <a:t>http://localhost:8888/notebooks/05_PEST_pp________On_the_run-01/benchmarks/01_one_dim_flow/02_Beta_model_SETUP___01__.ipynb</a:t>
-                </a:r>
-              </a:p>
-            </p:txBody>
-          </p:sp>
-        </p:grpSp>
-        <p:pic>
-          <p:nvPicPr>
-            <p:cNvPr id="18" name="Picture 17">
-              <a:extLst>
-                <a:ext uri="{FF2B5EF4-FFF2-40B4-BE49-F238E27FC236}">
-                  <a16:creationId xmlns:a16="http://schemas.microsoft.com/office/drawing/2014/main" id="{56A70B14-AE99-CA64-559B-0AD6B57328D4}"/>
-                </a:ext>
-              </a:extLst>
-            </p:cNvPr>
-            <p:cNvPicPr>
-              <a:picLocks noChangeAspect="1"/>
-            </p:cNvPicPr>
-            <p:nvPr/>
-          </p:nvPicPr>
-          <p:blipFill>
-            <a:blip r:embed="rId15"/>
-            <a:stretch>
-              <a:fillRect/>
-            </a:stretch>
-          </p:blipFill>
-          <p:spPr>
-            <a:xfrm>
-              <a:off x="144425" y="1700762"/>
-              <a:ext cx="4642685" cy="647817"/>
-            </a:xfrm>
-            <a:prstGeom prst="rect">
-              <a:avLst/>
-            </a:prstGeom>
-            <a:noFill/>
-            <a:ln w="3175">
-              <a:solidFill>
-                <a:schemeClr val="tx1"/>
-              </a:solidFill>
-            </a:ln>
-            <a:effectLst>
-              <a:outerShdw blurRad="50800" dist="38100" dir="8100000" algn="tr" rotWithShape="0">
-                <a:prstClr val="black">
-                  <a:alpha val="40000"/>
-                </a:prstClr>
-              </a:outerShdw>
-            </a:effectLst>
-          </p:spPr>
-        </p:pic>
-      </p:grpSp>
-      <p:sp>
-        <p:nvSpPr>
-          <p:cNvPr id="20" name="TextBox 19">
-            <a:extLst>
-              <a:ext uri="{FF2B5EF4-FFF2-40B4-BE49-F238E27FC236}">
-                <a16:creationId xmlns:a16="http://schemas.microsoft.com/office/drawing/2014/main" id="{671DBF3C-A5F1-DFF5-9C90-0E9F04FCA29E}"/>
-              </a:ext>
-            </a:extLst>
-          </p:cNvPr>
-          <p:cNvSpPr txBox="1"/>
-          <p:nvPr/>
-        </p:nvSpPr>
-        <p:spPr>
-          <a:xfrm>
-            <a:off x="1481807" y="345779"/>
-            <a:ext cx="952943" cy="174649"/>
-          </a:xfrm>
-          <a:prstGeom prst="rect">
-            <a:avLst/>
-          </a:prstGeom>
-          <a:noFill/>
-          <a:ln w="28575">
-            <a:solidFill>
-              <a:srgbClr val="FF0000"/>
-            </a:solidFill>
-          </a:ln>
-        </p:spPr>
-        <p:txBody>
-          <a:bodyPr wrap="square">
-            <a:noAutofit/>
-          </a:bodyPr>
-          <a:lstStyle/>
-          <a:p>
-            <a:endParaRPr lang="en-US" sz="1300" b="1" dirty="0">
-              <a:solidFill>
-                <a:srgbClr val="FF0000"/>
-              </a:solidFill>
-            </a:endParaRPr>
-          </a:p>
-        </p:txBody>
-      </p:sp>
-      <p:grpSp>
-        <p:nvGrpSpPr>
-          <p:cNvPr id="24" name="Group 23">
-            <a:extLst>
-              <a:ext uri="{FF2B5EF4-FFF2-40B4-BE49-F238E27FC236}">
-                <a16:creationId xmlns:a16="http://schemas.microsoft.com/office/drawing/2014/main" id="{4F0A3F25-6DC0-5562-57F8-A332B709EF9B}"/>
-              </a:ext>
-            </a:extLst>
-          </p:cNvPr>
-          <p:cNvGrpSpPr>
-            <a:grpSpLocks noChangeAspect="1"/>
-          </p:cNvGrpSpPr>
-          <p:nvPr/>
-        </p:nvGrpSpPr>
-        <p:grpSpPr>
-          <a:xfrm>
-            <a:off x="5389852" y="170437"/>
-            <a:ext cx="5912364" cy="1536733"/>
-            <a:chOff x="6148890" y="507927"/>
-            <a:chExt cx="5708723" cy="1483803"/>
-          </a:xfrm>
-        </p:grpSpPr>
-        <p:grpSp>
-          <p:nvGrpSpPr>
-            <p:cNvPr id="14" name="Group 13">
-              <a:extLst>
-                <a:ext uri="{FF2B5EF4-FFF2-40B4-BE49-F238E27FC236}">
-                  <a16:creationId xmlns:a16="http://schemas.microsoft.com/office/drawing/2014/main" id="{78BF01D1-568B-BD44-A700-C8D2F2DF95D4}"/>
-                </a:ext>
-              </a:extLst>
-            </p:cNvPr>
-            <p:cNvGrpSpPr/>
-            <p:nvPr/>
-          </p:nvGrpSpPr>
-          <p:grpSpPr>
-            <a:xfrm>
-              <a:off x="6148890" y="809156"/>
-              <a:ext cx="5708723" cy="883631"/>
-              <a:chOff x="6190858" y="587377"/>
-              <a:chExt cx="5708723" cy="883631"/>
-            </a:xfrm>
-          </p:grpSpPr>
-          <p:pic>
-            <p:nvPicPr>
-              <p:cNvPr id="11" name="Picture 10">
-                <a:extLst>
-                  <a:ext uri="{FF2B5EF4-FFF2-40B4-BE49-F238E27FC236}">
-                    <a16:creationId xmlns:a16="http://schemas.microsoft.com/office/drawing/2014/main" id="{3E6B1767-E437-3B61-FA0E-7011C520FECC}"/>
-                  </a:ext>
-                </a:extLst>
-              </p:cNvPr>
-              <p:cNvPicPr>
-                <a:picLocks noChangeAspect="1"/>
-              </p:cNvPicPr>
-              <p:nvPr/>
-            </p:nvPicPr>
-            <p:blipFill>
-              <a:blip r:embed="rId16"/>
-              <a:stretch>
-                <a:fillRect/>
-              </a:stretch>
-            </p:blipFill>
-            <p:spPr>
-              <a:xfrm>
-                <a:off x="8184831" y="587377"/>
-                <a:ext cx="3714750" cy="419100"/>
-              </a:xfrm>
-              <a:prstGeom prst="rect">
-                <a:avLst/>
-              </a:prstGeom>
-              <a:noFill/>
-              <a:ln w="3175">
-                <a:solidFill>
-                  <a:srgbClr val="00B050"/>
-                </a:solidFill>
-              </a:ln>
-              <a:effectLst>
-                <a:outerShdw blurRad="50800" dist="38100" dir="8100000" algn="tr" rotWithShape="0">
-                  <a:prstClr val="black">
-                    <a:alpha val="40000"/>
-                  </a:prstClr>
-                </a:outerShdw>
-              </a:effectLst>
-            </p:spPr>
-          </p:pic>
-          <p:pic>
-            <p:nvPicPr>
-              <p:cNvPr id="13" name="Picture 12">
-                <a:extLst>
-                  <a:ext uri="{FF2B5EF4-FFF2-40B4-BE49-F238E27FC236}">
-                    <a16:creationId xmlns:a16="http://schemas.microsoft.com/office/drawing/2014/main" id="{6633E0E0-9E72-AA14-527C-6FF96CEA50BB}"/>
-                  </a:ext>
-                </a:extLst>
-              </p:cNvPr>
-              <p:cNvPicPr>
-                <a:picLocks noChangeAspect="1"/>
-              </p:cNvPicPr>
-              <p:nvPr/>
-            </p:nvPicPr>
-            <p:blipFill>
-              <a:blip r:embed="rId17"/>
-              <a:stretch>
-                <a:fillRect/>
-              </a:stretch>
-            </p:blipFill>
-            <p:spPr>
-              <a:xfrm>
-                <a:off x="6190858" y="1057587"/>
-                <a:ext cx="5708723" cy="413421"/>
-              </a:xfrm>
-              <a:prstGeom prst="rect">
-                <a:avLst/>
-              </a:prstGeom>
-              <a:noFill/>
-              <a:ln w="3175">
-                <a:solidFill>
-                  <a:srgbClr val="00B050"/>
-                </a:solidFill>
-              </a:ln>
-              <a:effectLst>
-                <a:outerShdw blurRad="50800" dist="38100" dir="8100000" algn="tr" rotWithShape="0">
-                  <a:prstClr val="black">
-                    <a:alpha val="40000"/>
-                  </a:prstClr>
-                </a:outerShdw>
-              </a:effectLst>
-            </p:spPr>
-          </p:pic>
-        </p:grpSp>
-        <p:pic>
-          <p:nvPicPr>
-            <p:cNvPr id="16" name="Picture 15">
-              <a:extLst>
-                <a:ext uri="{FF2B5EF4-FFF2-40B4-BE49-F238E27FC236}">
-                  <a16:creationId xmlns:a16="http://schemas.microsoft.com/office/drawing/2014/main" id="{23B48A04-F54B-CF0D-2076-625DECAFF466}"/>
-                </a:ext>
-              </a:extLst>
-            </p:cNvPr>
-            <p:cNvPicPr>
-              <a:picLocks noChangeAspect="1"/>
-            </p:cNvPicPr>
-            <p:nvPr/>
-          </p:nvPicPr>
-          <p:blipFill>
-            <a:blip r:embed="rId18"/>
-            <a:stretch>
-              <a:fillRect/>
-            </a:stretch>
-          </p:blipFill>
-          <p:spPr>
-            <a:xfrm>
-              <a:off x="6845000" y="1753605"/>
-              <a:ext cx="4991100" cy="238125"/>
-            </a:xfrm>
-            <a:prstGeom prst="rect">
-              <a:avLst/>
-            </a:prstGeom>
-            <a:noFill/>
-            <a:ln w="3175">
-              <a:solidFill>
-                <a:srgbClr val="00B050"/>
-              </a:solidFill>
-            </a:ln>
-            <a:effectLst>
-              <a:outerShdw blurRad="50800" dist="38100" dir="8100000" algn="tr" rotWithShape="0">
-                <a:prstClr val="black">
-                  <a:alpha val="40000"/>
-                </a:prstClr>
-              </a:outerShdw>
-            </a:effectLst>
-          </p:spPr>
-        </p:pic>
-        <p:sp>
-          <p:nvSpPr>
-            <p:cNvPr id="21" name="TextBox 20">
-              <a:extLst>
-                <a:ext uri="{FF2B5EF4-FFF2-40B4-BE49-F238E27FC236}">
-                  <a16:creationId xmlns:a16="http://schemas.microsoft.com/office/drawing/2014/main" id="{2D2A6E52-807E-68E1-491C-F204A8817EE1}"/>
-                </a:ext>
-              </a:extLst>
-            </p:cNvPr>
-            <p:cNvSpPr txBox="1"/>
-            <p:nvPr/>
-          </p:nvSpPr>
-          <p:spPr>
-            <a:xfrm>
-              <a:off x="10613450" y="1761949"/>
-              <a:ext cx="1222650" cy="229781"/>
-            </a:xfrm>
-            <a:prstGeom prst="rect">
-              <a:avLst/>
-            </a:prstGeom>
-            <a:noFill/>
-            <a:ln w="28575">
-              <a:solidFill>
-                <a:srgbClr val="FF0000"/>
-              </a:solidFill>
-            </a:ln>
-          </p:spPr>
-          <p:txBody>
-            <a:bodyPr wrap="square">
-              <a:noAutofit/>
-            </a:bodyPr>
-            <a:lstStyle/>
-            <a:p>
-              <a:endParaRPr lang="en-US" sz="1300" b="1" dirty="0">
-                <a:solidFill>
-                  <a:srgbClr val="FF0000"/>
-                </a:solidFill>
-              </a:endParaRPr>
-            </a:p>
-          </p:txBody>
-        </p:sp>
-        <p:pic>
-          <p:nvPicPr>
-            <p:cNvPr id="22" name="Picture 21">
-              <a:extLst>
-                <a:ext uri="{FF2B5EF4-FFF2-40B4-BE49-F238E27FC236}">
-                  <a16:creationId xmlns:a16="http://schemas.microsoft.com/office/drawing/2014/main" id="{073E7771-C893-C753-E2B9-9D3FC7943D45}"/>
-                </a:ext>
-              </a:extLst>
-            </p:cNvPr>
-            <p:cNvPicPr>
-              <a:picLocks noChangeAspect="1"/>
-            </p:cNvPicPr>
-            <p:nvPr/>
-          </p:nvPicPr>
-          <p:blipFill>
-            <a:blip r:embed="rId19"/>
-            <a:stretch>
-              <a:fillRect/>
-            </a:stretch>
-          </p:blipFill>
-          <p:spPr>
-            <a:xfrm>
-              <a:off x="8349262" y="507927"/>
-              <a:ext cx="3508351" cy="233890"/>
-            </a:xfrm>
-            <a:prstGeom prst="rect">
-              <a:avLst/>
-            </a:prstGeom>
-            <a:noFill/>
-            <a:ln w="3175">
-              <a:solidFill>
-                <a:srgbClr val="00B050"/>
-              </a:solidFill>
-            </a:ln>
-            <a:effectLst>
-              <a:outerShdw blurRad="50800" dist="38100" dir="8100000" algn="tr" rotWithShape="0">
-                <a:prstClr val="black">
-                  <a:alpha val="40000"/>
-                </a:prstClr>
-              </a:outerShdw>
-            </a:effectLst>
-          </p:spPr>
-        </p:pic>
-        <p:sp>
-          <p:nvSpPr>
-            <p:cNvPr id="23" name="Rectangle 22">
-              <a:extLst>
-                <a:ext uri="{FF2B5EF4-FFF2-40B4-BE49-F238E27FC236}">
-                  <a16:creationId xmlns:a16="http://schemas.microsoft.com/office/drawing/2014/main" id="{32E24D1B-06EF-4044-0077-EAF63AC9FE56}"/>
-                </a:ext>
-              </a:extLst>
-            </p:cNvPr>
-            <p:cNvSpPr/>
-            <p:nvPr/>
-          </p:nvSpPr>
-          <p:spPr>
-            <a:xfrm>
-              <a:off x="10614212" y="532395"/>
-              <a:ext cx="1236996" cy="209422"/>
-            </a:xfrm>
-            <a:prstGeom prst="rect">
-              <a:avLst/>
-            </a:prstGeom>
-            <a:noFill/>
-            <a:ln w="19050">
-              <a:solidFill>
-                <a:srgbClr val="0000FF"/>
-              </a:solidFill>
-            </a:ln>
-            <a:effectLst>
-              <a:outerShdw blurRad="50800" dist="38100" dir="8100000" algn="tr" rotWithShape="0">
-                <a:prstClr val="black">
-                  <a:alpha val="40000"/>
-                </a:prstClr>
-              </a:outerShdw>
-            </a:effectLst>
-          </p:spPr>
-          <p:txBody>
-            <a:bodyPr wrap="none" anchor="ctr" anchorCtr="0">
-              <a:noAutofit/>
-            </a:bodyPr>
-            <a:lstStyle/>
-            <a:p>
-              <a:endParaRPr lang="LID4096"/>
-            </a:p>
-          </p:txBody>
-        </p:sp>
-      </p:grpSp>
-      <p:pic>
-        <p:nvPicPr>
-          <p:cNvPr id="26" name="Picture 25">
-            <a:extLst>
-              <a:ext uri="{FF2B5EF4-FFF2-40B4-BE49-F238E27FC236}">
-                <a16:creationId xmlns:a16="http://schemas.microsoft.com/office/drawing/2014/main" id="{23F8DC6E-02E8-BB4E-C515-A3D4CC7E551B}"/>
-              </a:ext>
-            </a:extLst>
-          </p:cNvPr>
-          <p:cNvPicPr>
-            <a:picLocks noChangeAspect="1"/>
-          </p:cNvPicPr>
-          <p:nvPr/>
-        </p:nvPicPr>
-        <p:blipFill>
-          <a:blip r:embed="rId20"/>
-          <a:stretch>
-            <a:fillRect/>
-          </a:stretch>
-        </p:blipFill>
-        <p:spPr>
-          <a:xfrm>
-            <a:off x="5587560" y="1825134"/>
-            <a:ext cx="3373116" cy="2260834"/>
-          </a:xfrm>
-          <a:prstGeom prst="rect">
-            <a:avLst/>
-          </a:prstGeom>
-          <a:noFill/>
-          <a:ln w="3175">
-            <a:solidFill>
-              <a:srgbClr val="00B050"/>
-            </a:solidFill>
-          </a:ln>
-          <a:effectLst>
-            <a:outerShdw blurRad="50800" dist="38100" dir="8100000" algn="tr" rotWithShape="0">
-              <a:prstClr val="black">
-                <a:alpha val="40000"/>
-              </a:prstClr>
-            </a:outerShdw>
-          </a:effectLst>
-        </p:spPr>
-      </p:pic>
-      <p:pic>
-        <p:nvPicPr>
-          <p:cNvPr id="28" name="Picture 27">
-            <a:extLst>
-              <a:ext uri="{FF2B5EF4-FFF2-40B4-BE49-F238E27FC236}">
-                <a16:creationId xmlns:a16="http://schemas.microsoft.com/office/drawing/2014/main" id="{EC5EB6E0-0F26-F0B3-3280-590657154BFE}"/>
-              </a:ext>
-            </a:extLst>
-          </p:cNvPr>
-          <p:cNvPicPr>
-            <a:picLocks noChangeAspect="1"/>
-          </p:cNvPicPr>
-          <p:nvPr/>
-        </p:nvPicPr>
-        <p:blipFill>
-          <a:blip r:embed="rId20"/>
-          <a:srcRect l="61446" t="65114" r="17785" b="29264"/>
-          <a:stretch/>
-        </p:blipFill>
-        <p:spPr>
-          <a:xfrm>
-            <a:off x="8399426" y="6071286"/>
-            <a:ext cx="979159" cy="177633"/>
-          </a:xfrm>
-          <a:prstGeom prst="rect">
-            <a:avLst/>
-          </a:prstGeom>
-          <a:noFill/>
-          <a:ln w="3175">
-            <a:solidFill>
-              <a:srgbClr val="00B050"/>
-            </a:solidFill>
-          </a:ln>
-          <a:effectLst>
-            <a:outerShdw blurRad="50800" dist="38100" dir="8100000" algn="tr" rotWithShape="0">
-              <a:prstClr val="black">
-                <a:alpha val="40000"/>
-              </a:prstClr>
-            </a:outerShdw>
-          </a:effectLst>
-        </p:spPr>
-      </p:pic>
-      <p:pic>
-        <p:nvPicPr>
-          <p:cNvPr id="29" name="Picture 28">
-            <a:extLst>
-              <a:ext uri="{FF2B5EF4-FFF2-40B4-BE49-F238E27FC236}">
-                <a16:creationId xmlns:a16="http://schemas.microsoft.com/office/drawing/2014/main" id="{261A81EA-2353-B387-7B3E-D53F30C74805}"/>
-              </a:ext>
-            </a:extLst>
-          </p:cNvPr>
-          <p:cNvPicPr>
-            <a:picLocks noChangeAspect="1"/>
-          </p:cNvPicPr>
-          <p:nvPr/>
-        </p:nvPicPr>
-        <p:blipFill>
-          <a:blip r:embed="rId20"/>
-          <a:srcRect l="70900" t="91671" r="11470" b="1933"/>
-          <a:stretch/>
-        </p:blipFill>
-        <p:spPr>
-          <a:xfrm>
-            <a:off x="10487571" y="5573704"/>
-            <a:ext cx="831167" cy="202110"/>
-          </a:xfrm>
-          <a:prstGeom prst="rect">
-            <a:avLst/>
-          </a:prstGeom>
-          <a:noFill/>
-          <a:ln w="3175">
-            <a:solidFill>
-              <a:srgbClr val="00B050"/>
-            </a:solidFill>
-          </a:ln>
-          <a:effectLst>
-            <a:outerShdw blurRad="50800" dist="38100" dir="8100000" algn="tr" rotWithShape="0">
-              <a:prstClr val="black">
-                <a:alpha val="40000"/>
-              </a:prstClr>
-            </a:outerShdw>
-          </a:effectLst>
-        </p:spPr>
-      </p:pic>
-      <p:pic>
-        <p:nvPicPr>
-          <p:cNvPr id="31" name="Picture 30">
-            <a:extLst>
-              <a:ext uri="{FF2B5EF4-FFF2-40B4-BE49-F238E27FC236}">
-                <a16:creationId xmlns:a16="http://schemas.microsoft.com/office/drawing/2014/main" id="{AF036E84-6A75-91E3-81D5-C82EBA93F612}"/>
-              </a:ext>
-            </a:extLst>
-          </p:cNvPr>
-          <p:cNvPicPr>
-            <a:picLocks noChangeAspect="1"/>
-          </p:cNvPicPr>
-          <p:nvPr/>
-        </p:nvPicPr>
-        <p:blipFill>
-          <a:blip r:embed="rId21"/>
-          <a:stretch>
-            <a:fillRect/>
-          </a:stretch>
-        </p:blipFill>
-        <p:spPr>
-          <a:xfrm>
-            <a:off x="9222517" y="2524406"/>
-            <a:ext cx="1885950" cy="257175"/>
-          </a:xfrm>
-          <a:prstGeom prst="rect">
-            <a:avLst/>
-          </a:prstGeom>
-          <a:noFill/>
-          <a:ln w="3175">
-            <a:solidFill>
-              <a:srgbClr val="00B050"/>
-            </a:solidFill>
-          </a:ln>
-          <a:effectLst>
-            <a:outerShdw blurRad="50800" dist="38100" dir="8100000" algn="tr" rotWithShape="0">
-              <a:prstClr val="black">
-                <a:alpha val="40000"/>
-              </a:prstClr>
-            </a:outerShdw>
-          </a:effectLst>
-        </p:spPr>
-      </p:pic>
-      <p:pic>
-        <p:nvPicPr>
-          <p:cNvPr id="33" name="Picture 32">
-            <a:extLst>
-              <a:ext uri="{FF2B5EF4-FFF2-40B4-BE49-F238E27FC236}">
-                <a16:creationId xmlns:a16="http://schemas.microsoft.com/office/drawing/2014/main" id="{73EEFB63-A50E-F5E0-1D8C-BBBBA55153FB}"/>
-              </a:ext>
-            </a:extLst>
-          </p:cNvPr>
-          <p:cNvPicPr>
-            <a:picLocks noChangeAspect="1"/>
-          </p:cNvPicPr>
-          <p:nvPr/>
-        </p:nvPicPr>
-        <p:blipFill>
-          <a:blip r:embed="rId22"/>
-          <a:srcRect t="12963" r="3642"/>
-          <a:stretch/>
-        </p:blipFill>
-        <p:spPr>
-          <a:xfrm>
-            <a:off x="9353820" y="2843632"/>
-            <a:ext cx="2358755" cy="223837"/>
-          </a:xfrm>
-          <a:prstGeom prst="rect">
-            <a:avLst/>
-          </a:prstGeom>
-          <a:noFill/>
-          <a:ln w="3175">
-            <a:solidFill>
-              <a:srgbClr val="00B050"/>
-            </a:solidFill>
-          </a:ln>
-          <a:effectLst>
-            <a:outerShdw blurRad="50800" dist="38100" dir="8100000" algn="tr" rotWithShape="0">
-              <a:prstClr val="black">
-                <a:alpha val="40000"/>
-              </a:prstClr>
-            </a:outerShdw>
-          </a:effectLst>
-        </p:spPr>
-      </p:pic>
-      <p:sp>
-        <p:nvSpPr>
-          <p:cNvPr id="51" name="TextBox 50">
-            <a:extLst>
-              <a:ext uri="{FF2B5EF4-FFF2-40B4-BE49-F238E27FC236}">
-                <a16:creationId xmlns:a16="http://schemas.microsoft.com/office/drawing/2014/main" id="{91ACD05D-BB55-7B74-AAC2-75C2E8503FA9}"/>
-              </a:ext>
-            </a:extLst>
-          </p:cNvPr>
-          <p:cNvSpPr txBox="1"/>
-          <p:nvPr/>
-        </p:nvSpPr>
-        <p:spPr>
-          <a:xfrm>
-            <a:off x="5248275" y="4326195"/>
-            <a:ext cx="6218474" cy="646331"/>
-          </a:xfrm>
-          <a:prstGeom prst="rect">
-            <a:avLst/>
-          </a:prstGeom>
-          <a:noFill/>
-        </p:spPr>
-        <p:txBody>
-          <a:bodyPr wrap="square">
-            <a:spAutoFit/>
-          </a:bodyPr>
-          <a:lstStyle>
-            <a:defPPr>
-              <a:defRPr lang="LID4096"/>
-            </a:defPPr>
-          </a:lstStyle>
-          <a:p>
-            <a:r>
-              <a:rPr lang="en-US" dirty="0"/>
-              <a:t>Stopped at: </a:t>
-            </a:r>
-          </a:p>
-          <a:p>
-            <a:r>
-              <a:rPr lang="en-US" dirty="0"/>
-              <a:t># `Beta ____ multi_threads=false ____ error`</a:t>
-            </a:r>
-          </a:p>
-        </p:txBody>
-      </p:sp>
-      <p:sp>
-        <p:nvSpPr>
-          <p:cNvPr id="52" name="TextBox 51">
-            <a:extLst>
-              <a:ext uri="{FF2B5EF4-FFF2-40B4-BE49-F238E27FC236}">
-                <a16:creationId xmlns:a16="http://schemas.microsoft.com/office/drawing/2014/main" id="{7D017DB1-CD19-11A7-F639-53E6102BD5EC}"/>
-              </a:ext>
-            </a:extLst>
-          </p:cNvPr>
-          <p:cNvSpPr txBox="1"/>
-          <p:nvPr/>
-        </p:nvSpPr>
-        <p:spPr>
-          <a:xfrm>
-            <a:off x="1607017" y="3575129"/>
-            <a:ext cx="3194669" cy="338554"/>
-          </a:xfrm>
-          <a:prstGeom prst="rect">
-            <a:avLst/>
-          </a:prstGeom>
-          <a:noFill/>
-        </p:spPr>
-        <p:txBody>
-          <a:bodyPr wrap="square">
-            <a:spAutoFit/>
-          </a:bodyPr>
-          <a:lstStyle/>
-          <a:p>
-            <a:pPr algn="r"/>
-            <a:r>
-              <a:rPr lang="LID4096" sz="1600" b="1" dirty="0"/>
-              <a:t>PEST_pp</a:t>
-            </a:r>
-            <a:r>
-              <a:rPr lang="pt-BR" sz="1600" b="1" dirty="0"/>
-              <a:t> \ B</a:t>
-            </a:r>
-            <a:r>
-              <a:rPr lang="LID4096" sz="1600" b="1" dirty="0"/>
-              <a:t>enchmarks</a:t>
-            </a:r>
-            <a:r>
-              <a:rPr lang="pt-BR" sz="1600" b="1" dirty="0"/>
-              <a:t> \ 1D</a:t>
-            </a:r>
-            <a:endParaRPr lang="LID4096" sz="1600" b="1" dirty="0"/>
-          </a:p>
-        </p:txBody>
-      </p:sp>
-      <p:sp>
-        <p:nvSpPr>
-          <p:cNvPr id="53" name="TextBox 52">
-            <a:extLst>
-              <a:ext uri="{FF2B5EF4-FFF2-40B4-BE49-F238E27FC236}">
-                <a16:creationId xmlns:a16="http://schemas.microsoft.com/office/drawing/2014/main" id="{EA0FCABA-61E5-6FC5-02D5-321DA9F276AA}"/>
-              </a:ext>
-            </a:extLst>
-          </p:cNvPr>
-          <p:cNvSpPr txBox="1"/>
-          <p:nvPr/>
-        </p:nvSpPr>
-        <p:spPr>
-          <a:xfrm>
-            <a:off x="2591983" y="3845158"/>
-            <a:ext cx="2195128" cy="338554"/>
-          </a:xfrm>
-          <a:prstGeom prst="rect">
-            <a:avLst/>
-          </a:prstGeom>
-          <a:noFill/>
-        </p:spPr>
-        <p:txBody>
-          <a:bodyPr wrap="square">
-            <a:spAutoFit/>
-          </a:bodyPr>
-          <a:lstStyle/>
-          <a:p>
-            <a:pPr algn="r"/>
-            <a:r>
-              <a:rPr lang="pt-BR" sz="1600" b="1" dirty="0"/>
-              <a:t>Mf5 _1d ___ SETUP</a:t>
-            </a:r>
-            <a:endParaRPr lang="LID4096" sz="1600" b="1" dirty="0"/>
-          </a:p>
-        </p:txBody>
-      </p:sp>
     </p:spTree>
     <p:extLst>
       <p:ext uri="{BB962C8B-B14F-4D97-AF65-F5344CB8AC3E}">
@@ -16793,635 +16857,17 @@
 </p:sld>
 </file>
 
-<file path=ppt/slides/slide7.xml><?xml version="1.0" encoding="utf-8"?>
+<file path=ppt/slides/slide8.xml><?xml version="1.0" encoding="utf-8"?>
 <p:sld xmlns:a="http://schemas.openxmlformats.org/drawingml/2006/main" xmlns:r="http://schemas.openxmlformats.org/officeDocument/2006/relationships" xmlns:p="http://schemas.openxmlformats.org/presentationml/2006/main">
   <p:cSld>
     <p:bg>
       <p:bgPr>
         <a:solidFill>
-          <a:srgbClr val="EFDECD"/>
+          <a:srgbClr val="F3FCFF"/>
         </a:solidFill>
         <a:effectLst/>
       </p:bgPr>
     </p:bg>
-    <p:spTree>
-      <p:nvGrpSpPr>
-        <p:cNvPr id="1" name="">
-          <a:extLst>
-            <a:ext uri="{FF2B5EF4-FFF2-40B4-BE49-F238E27FC236}">
-              <a16:creationId xmlns:a16="http://schemas.microsoft.com/office/drawing/2014/main" id="{BD3D6D14-6A3F-C284-D69B-58CA7AA7BAD2}"/>
-            </a:ext>
-          </a:extLst>
-        </p:cNvPr>
-        <p:cNvGrpSpPr/>
-        <p:nvPr/>
-      </p:nvGrpSpPr>
-      <p:grpSpPr>
-        <a:xfrm>
-          <a:off x="0" y="0"/>
-          <a:ext cx="0" cy="0"/>
-          <a:chOff x="0" y="0"/>
-          <a:chExt cx="0" cy="0"/>
-        </a:xfrm>
-      </p:grpSpPr>
-      <p:grpSp>
-        <p:nvGrpSpPr>
-          <p:cNvPr id="1034" name="Group 1033">
-            <a:extLst>
-              <a:ext uri="{FF2B5EF4-FFF2-40B4-BE49-F238E27FC236}">
-                <a16:creationId xmlns:a16="http://schemas.microsoft.com/office/drawing/2014/main" id="{75071F53-EA5D-3143-E694-1325E62922A0}"/>
-              </a:ext>
-            </a:extLst>
-          </p:cNvPr>
-          <p:cNvGrpSpPr/>
-          <p:nvPr/>
-        </p:nvGrpSpPr>
-        <p:grpSpPr>
-          <a:xfrm>
-            <a:off x="148310" y="4524375"/>
-            <a:ext cx="11920458" cy="2256228"/>
-            <a:chOff x="308243" y="1947388"/>
-            <a:chExt cx="14349790" cy="3066418"/>
-          </a:xfrm>
-        </p:grpSpPr>
-        <p:grpSp>
-          <p:nvGrpSpPr>
-            <p:cNvPr id="37" name="Group 36">
-              <a:extLst>
-                <a:ext uri="{FF2B5EF4-FFF2-40B4-BE49-F238E27FC236}">
-                  <a16:creationId xmlns:a16="http://schemas.microsoft.com/office/drawing/2014/main" id="{BC3ACF7E-9F09-AB97-F55C-F6BDB84C03BF}"/>
-                </a:ext>
-              </a:extLst>
-            </p:cNvPr>
-            <p:cNvGrpSpPr>
-              <a:grpSpLocks noChangeAspect="1"/>
-            </p:cNvGrpSpPr>
-            <p:nvPr/>
-          </p:nvGrpSpPr>
-          <p:grpSpPr>
-            <a:xfrm>
-              <a:off x="308243" y="1947388"/>
-              <a:ext cx="14349790" cy="3066418"/>
-              <a:chOff x="440294" y="1908799"/>
-              <a:chExt cx="11194730" cy="2392211"/>
-            </a:xfrm>
-          </p:grpSpPr>
-          <p:grpSp>
-            <p:nvGrpSpPr>
-              <p:cNvPr id="19" name="Group 18">
-                <a:extLst>
-                  <a:ext uri="{FF2B5EF4-FFF2-40B4-BE49-F238E27FC236}">
-                    <a16:creationId xmlns:a16="http://schemas.microsoft.com/office/drawing/2014/main" id="{E36FFBBB-EFFC-2CBC-82CE-23BC2F490D6A}"/>
-                  </a:ext>
-                </a:extLst>
-              </p:cNvPr>
-              <p:cNvGrpSpPr>
-                <a:grpSpLocks noChangeAspect="1"/>
-              </p:cNvGrpSpPr>
-              <p:nvPr/>
-            </p:nvGrpSpPr>
-            <p:grpSpPr>
-              <a:xfrm>
-                <a:off x="7699324" y="1908799"/>
-                <a:ext cx="3935700" cy="2392211"/>
-                <a:chOff x="5042198" y="1429617"/>
-                <a:chExt cx="2477692" cy="1506001"/>
-              </a:xfrm>
-            </p:grpSpPr>
-            <p:pic>
-              <p:nvPicPr>
-                <p:cNvPr id="16" name="Picture 15">
-                  <a:extLst>
-                    <a:ext uri="{FF2B5EF4-FFF2-40B4-BE49-F238E27FC236}">
-                      <a16:creationId xmlns:a16="http://schemas.microsoft.com/office/drawing/2014/main" id="{706117A3-EB57-12DC-62BF-B3061FCAA2DB}"/>
-                    </a:ext>
-                  </a:extLst>
-                </p:cNvPr>
-                <p:cNvPicPr>
-                  <a:picLocks noChangeAspect="1"/>
-                </p:cNvPicPr>
-                <p:nvPr/>
-              </p:nvPicPr>
-              <p:blipFill>
-                <a:blip r:embed="rId2"/>
-                <a:srcRect l="3850" t="27660"/>
-                <a:stretch/>
-              </p:blipFill>
-              <p:spPr>
-                <a:xfrm>
-                  <a:off x="5042198" y="1429617"/>
-                  <a:ext cx="1689370" cy="303240"/>
-                </a:xfrm>
-                <a:prstGeom prst="rect">
-                  <a:avLst/>
-                </a:prstGeom>
-                <a:noFill/>
-                <a:ln w="3175">
-                  <a:solidFill>
-                    <a:schemeClr val="tx1"/>
-                  </a:solidFill>
-                </a:ln>
-                <a:effectLst>
-                  <a:outerShdw blurRad="50800" dist="38100" dir="8100000" algn="tr" rotWithShape="0">
-                    <a:prstClr val="black">
-                      <a:alpha val="40000"/>
-                    </a:prstClr>
-                  </a:outerShdw>
-                </a:effectLst>
-              </p:spPr>
-            </p:pic>
-            <p:pic>
-              <p:nvPicPr>
-                <p:cNvPr id="18" name="Picture 17">
-                  <a:extLst>
-                    <a:ext uri="{FF2B5EF4-FFF2-40B4-BE49-F238E27FC236}">
-                      <a16:creationId xmlns:a16="http://schemas.microsoft.com/office/drawing/2014/main" id="{40BC5BCE-50E7-8EB8-5E1E-4891FE3C830D}"/>
-                    </a:ext>
-                  </a:extLst>
-                </p:cNvPr>
-                <p:cNvPicPr>
-                  <a:picLocks noChangeAspect="1"/>
-                </p:cNvPicPr>
-                <p:nvPr/>
-              </p:nvPicPr>
-              <p:blipFill>
-                <a:blip r:embed="rId3"/>
-                <a:stretch>
-                  <a:fillRect/>
-                </a:stretch>
-              </p:blipFill>
-              <p:spPr>
-                <a:xfrm>
-                  <a:off x="5650395" y="1804727"/>
-                  <a:ext cx="1869495" cy="1130891"/>
-                </a:xfrm>
-                <a:prstGeom prst="rect">
-                  <a:avLst/>
-                </a:prstGeom>
-                <a:noFill/>
-                <a:ln w="3175">
-                  <a:solidFill>
-                    <a:schemeClr val="tx1"/>
-                  </a:solidFill>
-                </a:ln>
-                <a:effectLst>
-                  <a:outerShdw blurRad="50800" dist="38100" dir="8100000" algn="tr" rotWithShape="0">
-                    <a:prstClr val="black">
-                      <a:alpha val="40000"/>
-                    </a:prstClr>
-                  </a:outerShdw>
-                </a:effectLst>
-              </p:spPr>
-            </p:pic>
-          </p:grpSp>
-          <p:grpSp>
-            <p:nvGrpSpPr>
-              <p:cNvPr id="30" name="Group 29">
-                <a:extLst>
-                  <a:ext uri="{FF2B5EF4-FFF2-40B4-BE49-F238E27FC236}">
-                    <a16:creationId xmlns:a16="http://schemas.microsoft.com/office/drawing/2014/main" id="{E78E1336-86E7-C212-69B4-C3CE41AECC6B}"/>
-                  </a:ext>
-                </a:extLst>
-              </p:cNvPr>
-              <p:cNvGrpSpPr/>
-              <p:nvPr/>
-            </p:nvGrpSpPr>
-            <p:grpSpPr>
-              <a:xfrm>
-                <a:off x="440294" y="3692123"/>
-                <a:ext cx="8141424" cy="589960"/>
-                <a:chOff x="440294" y="3692123"/>
-                <a:chExt cx="8141424" cy="589960"/>
-              </a:xfrm>
-            </p:grpSpPr>
-            <p:pic>
-              <p:nvPicPr>
-                <p:cNvPr id="22" name="Picture 21">
-                  <a:extLst>
-                    <a:ext uri="{FF2B5EF4-FFF2-40B4-BE49-F238E27FC236}">
-                      <a16:creationId xmlns:a16="http://schemas.microsoft.com/office/drawing/2014/main" id="{7CC2F160-83FF-AB70-A919-26185801C4AE}"/>
-                    </a:ext>
-                  </a:extLst>
-                </p:cNvPr>
-                <p:cNvPicPr>
-                  <a:picLocks noChangeAspect="1"/>
-                </p:cNvPicPr>
-                <p:nvPr/>
-              </p:nvPicPr>
-              <p:blipFill>
-                <a:blip r:embed="rId4"/>
-                <a:srcRect r="842"/>
-                <a:stretch/>
-              </p:blipFill>
-              <p:spPr>
-                <a:xfrm>
-                  <a:off x="440294" y="3695931"/>
-                  <a:ext cx="8141424" cy="276225"/>
-                </a:xfrm>
-                <a:prstGeom prst="rect">
-                  <a:avLst/>
-                </a:prstGeom>
-              </p:spPr>
-            </p:pic>
-            <p:pic>
-              <p:nvPicPr>
-                <p:cNvPr id="24" name="Picture 23">
-                  <a:extLst>
-                    <a:ext uri="{FF2B5EF4-FFF2-40B4-BE49-F238E27FC236}">
-                      <a16:creationId xmlns:a16="http://schemas.microsoft.com/office/drawing/2014/main" id="{60F6576A-7438-DAC7-32E4-BDFFA3A6DC10}"/>
-                    </a:ext>
-                  </a:extLst>
-                </p:cNvPr>
-                <p:cNvPicPr>
-                  <a:picLocks noChangeAspect="1"/>
-                </p:cNvPicPr>
-                <p:nvPr/>
-              </p:nvPicPr>
-              <p:blipFill>
-                <a:blip r:embed="rId5"/>
-                <a:stretch>
-                  <a:fillRect/>
-                </a:stretch>
-              </p:blipFill>
-              <p:spPr>
-                <a:xfrm>
-                  <a:off x="440294" y="4005854"/>
-                  <a:ext cx="5867400" cy="276224"/>
-                </a:xfrm>
-                <a:prstGeom prst="rect">
-                  <a:avLst/>
-                </a:prstGeom>
-              </p:spPr>
-            </p:pic>
-            <p:sp>
-              <p:nvSpPr>
-                <p:cNvPr id="27" name="Rectangle 26">
-                  <a:extLst>
-                    <a:ext uri="{FF2B5EF4-FFF2-40B4-BE49-F238E27FC236}">
-                      <a16:creationId xmlns:a16="http://schemas.microsoft.com/office/drawing/2014/main" id="{6C9A8715-9FA5-4F8D-4BCC-E808ED18F5D7}"/>
-                    </a:ext>
-                  </a:extLst>
-                </p:cNvPr>
-                <p:cNvSpPr/>
-                <p:nvPr/>
-              </p:nvSpPr>
-              <p:spPr>
-                <a:xfrm>
-                  <a:off x="440294" y="3695931"/>
-                  <a:ext cx="320504" cy="276226"/>
-                </a:xfrm>
-                <a:prstGeom prst="rect">
-                  <a:avLst/>
-                </a:prstGeom>
-                <a:noFill/>
-                <a:ln w="6350">
-                  <a:solidFill>
-                    <a:schemeClr val="tx1"/>
-                  </a:solidFill>
-                </a:ln>
-                <a:effectLst>
-                  <a:outerShdw blurRad="50800" dist="38100" dir="8100000" algn="tr" rotWithShape="0">
-                    <a:prstClr val="black">
-                      <a:alpha val="40000"/>
-                    </a:prstClr>
-                  </a:outerShdw>
-                </a:effectLst>
-              </p:spPr>
-              <p:txBody>
-                <a:bodyPr wrap="none" anchor="ctr" anchorCtr="0">
-                  <a:noAutofit/>
-                </a:bodyPr>
-                <a:lstStyle/>
-                <a:p>
-                  <a:endParaRPr lang="LID4096"/>
-                </a:p>
-              </p:txBody>
-            </p:sp>
-            <p:sp>
-              <p:nvSpPr>
-                <p:cNvPr id="28" name="Rectangle 27">
-                  <a:extLst>
-                    <a:ext uri="{FF2B5EF4-FFF2-40B4-BE49-F238E27FC236}">
-                      <a16:creationId xmlns:a16="http://schemas.microsoft.com/office/drawing/2014/main" id="{FA31F018-6F5F-27DE-9B98-77BB2CD18865}"/>
-                    </a:ext>
-                  </a:extLst>
-                </p:cNvPr>
-                <p:cNvSpPr/>
-                <p:nvPr/>
-              </p:nvSpPr>
-              <p:spPr>
-                <a:xfrm>
-                  <a:off x="2239116" y="4005856"/>
-                  <a:ext cx="495655" cy="276227"/>
-                </a:xfrm>
-                <a:prstGeom prst="rect">
-                  <a:avLst/>
-                </a:prstGeom>
-                <a:noFill/>
-                <a:ln w="6350">
-                  <a:solidFill>
-                    <a:schemeClr val="tx1"/>
-                  </a:solidFill>
-                </a:ln>
-                <a:effectLst>
-                  <a:outerShdw blurRad="50800" dist="38100" dir="8100000" algn="tr" rotWithShape="0">
-                    <a:prstClr val="black">
-                      <a:alpha val="40000"/>
-                    </a:prstClr>
-                  </a:outerShdw>
-                </a:effectLst>
-              </p:spPr>
-              <p:txBody>
-                <a:bodyPr wrap="none" anchor="ctr" anchorCtr="0">
-                  <a:noAutofit/>
-                </a:bodyPr>
-                <a:lstStyle/>
-                <a:p>
-                  <a:endParaRPr lang="LID4096"/>
-                </a:p>
-              </p:txBody>
-            </p:sp>
-            <p:sp>
-              <p:nvSpPr>
-                <p:cNvPr id="29" name="Rectangle 28">
-                  <a:extLst>
-                    <a:ext uri="{FF2B5EF4-FFF2-40B4-BE49-F238E27FC236}">
-                      <a16:creationId xmlns:a16="http://schemas.microsoft.com/office/drawing/2014/main" id="{8D819851-F454-8363-3B3D-FD38997B5BAD}"/>
-                    </a:ext>
-                  </a:extLst>
-                </p:cNvPr>
-                <p:cNvSpPr/>
-                <p:nvPr/>
-              </p:nvSpPr>
-              <p:spPr>
-                <a:xfrm>
-                  <a:off x="6980608" y="3692123"/>
-                  <a:ext cx="1601109" cy="276226"/>
-                </a:xfrm>
-                <a:prstGeom prst="rect">
-                  <a:avLst/>
-                </a:prstGeom>
-                <a:noFill/>
-                <a:ln w="6350">
-                  <a:solidFill>
-                    <a:schemeClr val="tx1"/>
-                  </a:solidFill>
-                </a:ln>
-                <a:effectLst>
-                  <a:outerShdw blurRad="50800" dist="38100" dir="8100000" algn="tr" rotWithShape="0">
-                    <a:prstClr val="black">
-                      <a:alpha val="40000"/>
-                    </a:prstClr>
-                  </a:outerShdw>
-                </a:effectLst>
-              </p:spPr>
-              <p:txBody>
-                <a:bodyPr wrap="none" anchor="ctr" anchorCtr="0">
-                  <a:noAutofit/>
-                </a:bodyPr>
-                <a:lstStyle/>
-                <a:p>
-                  <a:endParaRPr lang="LID4096"/>
-                </a:p>
-              </p:txBody>
-            </p:sp>
-          </p:grpSp>
-        </p:grpSp>
-        <p:sp>
-          <p:nvSpPr>
-            <p:cNvPr id="1033" name="TextBox 1032">
-              <a:extLst>
-                <a:ext uri="{FF2B5EF4-FFF2-40B4-BE49-F238E27FC236}">
-                  <a16:creationId xmlns:a16="http://schemas.microsoft.com/office/drawing/2014/main" id="{905EDF5B-5D07-D5AE-35A0-D9DC91A8BF5F}"/>
-                </a:ext>
-              </a:extLst>
-            </p:cNvPr>
-            <p:cNvSpPr txBox="1"/>
-            <p:nvPr/>
-          </p:nvSpPr>
-          <p:spPr>
-            <a:xfrm>
-              <a:off x="6595378" y="2805659"/>
-              <a:ext cx="4356000" cy="962081"/>
-            </a:xfrm>
-            <a:prstGeom prst="rect">
-              <a:avLst/>
-            </a:prstGeom>
-            <a:noFill/>
-          </p:spPr>
-          <p:txBody>
-            <a:bodyPr wrap="square">
-              <a:spAutoFit/>
-            </a:bodyPr>
-            <a:lstStyle/>
-            <a:p>
-              <a:r>
-                <a:rPr lang="LID4096" sz="2000" b="1" dirty="0"/>
-                <a:t>03a_</a:t>
-              </a:r>
-              <a:r>
-                <a:rPr lang="LID4096" sz="2000" b="1" dirty="0">
-                  <a:solidFill>
-                    <a:srgbClr val="FF0000"/>
-                  </a:solidFill>
-                </a:rPr>
-                <a:t>floPy</a:t>
-              </a:r>
-              <a:r>
-                <a:rPr lang="LID4096" sz="2000" b="1" dirty="0"/>
-                <a:t>_</a:t>
-              </a:r>
-              <a:r>
-                <a:rPr lang="en-US" sz="2000" b="1" dirty="0"/>
-                <a:t>01_Pleasant-lake-</a:t>
-              </a:r>
-              <a:r>
-                <a:rPr lang="en-US" sz="2000" b="1" dirty="0">
-                  <a:solidFill>
-                    <a:srgbClr val="FF0000"/>
-                  </a:solidFill>
-                </a:rPr>
-                <a:t>flopy</a:t>
-              </a:r>
-              <a:r>
-                <a:rPr lang="en-US" sz="2000" b="1" dirty="0"/>
-                <a:t>-example</a:t>
-              </a:r>
-              <a:endParaRPr lang="LID4096" sz="2000" b="1" dirty="0"/>
-            </a:p>
-          </p:txBody>
-        </p:sp>
-      </p:grpSp>
-      <p:sp>
-        <p:nvSpPr>
-          <p:cNvPr id="2" name="TextBox 1">
-            <a:extLst>
-              <a:ext uri="{FF2B5EF4-FFF2-40B4-BE49-F238E27FC236}">
-                <a16:creationId xmlns:a16="http://schemas.microsoft.com/office/drawing/2014/main" id="{C8F74336-9BFE-FDD6-B554-08A48CB427C7}"/>
-              </a:ext>
-            </a:extLst>
-          </p:cNvPr>
-          <p:cNvSpPr txBox="1">
-            <a:spLocks noChangeAspect="1"/>
-          </p:cNvSpPr>
-          <p:nvPr/>
-        </p:nvSpPr>
-        <p:spPr>
-          <a:xfrm>
-            <a:off x="11532973" y="4524375"/>
-            <a:ext cx="535795" cy="520428"/>
-          </a:xfrm>
-          <a:prstGeom prst="rect">
-            <a:avLst/>
-          </a:prstGeom>
-          <a:solidFill>
-            <a:schemeClr val="accent2"/>
-          </a:solidFill>
-        </p:spPr>
-        <p:txBody>
-          <a:bodyPr wrap="none" lIns="0" tIns="0" rIns="0" bIns="0" anchor="ctr" anchorCtr="0">
-            <a:noAutofit/>
-          </a:bodyPr>
-          <a:lstStyle/>
-          <a:p>
-            <a:pPr algn="ctr"/>
-            <a:r>
-              <a:rPr lang="pt-BR" sz="2400" b="1" dirty="0">
-                <a:solidFill>
-                  <a:schemeClr val="bg1"/>
-                </a:solidFill>
-              </a:rPr>
-              <a:t>02</a:t>
-            </a:r>
-            <a:endParaRPr lang="LID4096" sz="2400" b="1" dirty="0">
-              <a:solidFill>
-                <a:schemeClr val="bg1"/>
-              </a:solidFill>
-            </a:endParaRPr>
-          </a:p>
-        </p:txBody>
-      </p:sp>
-      <p:sp>
-        <p:nvSpPr>
-          <p:cNvPr id="9" name="TextBox 8">
-            <a:extLst>
-              <a:ext uri="{FF2B5EF4-FFF2-40B4-BE49-F238E27FC236}">
-                <a16:creationId xmlns:a16="http://schemas.microsoft.com/office/drawing/2014/main" id="{F1CC934C-2557-EB93-5977-F3A98B5DC3F8}"/>
-              </a:ext>
-            </a:extLst>
-          </p:cNvPr>
-          <p:cNvSpPr txBox="1"/>
-          <p:nvPr/>
-        </p:nvSpPr>
-        <p:spPr>
-          <a:xfrm>
-            <a:off x="489592" y="686458"/>
-            <a:ext cx="10672678" cy="400110"/>
-          </a:xfrm>
-          <a:prstGeom prst="rect">
-            <a:avLst/>
-          </a:prstGeom>
-          <a:noFill/>
-        </p:spPr>
-        <p:txBody>
-          <a:bodyPr wrap="square">
-            <a:spAutoFit/>
-          </a:bodyPr>
-          <a:lstStyle/>
-          <a:p>
-            <a:r>
-              <a:rPr lang="LID4096" sz="2000" b="1" dirty="0"/>
-              <a:t>### `Stoped at ____:   Postrocessing : Get_water_table()__Module`     __________ err __ 2x</a:t>
-            </a:r>
-          </a:p>
-        </p:txBody>
-      </p:sp>
-      <p:sp>
-        <p:nvSpPr>
-          <p:cNvPr id="11" name="TextBox 10">
-            <a:extLst>
-              <a:ext uri="{FF2B5EF4-FFF2-40B4-BE49-F238E27FC236}">
-                <a16:creationId xmlns:a16="http://schemas.microsoft.com/office/drawing/2014/main" id="{8D1A6623-BE2C-F78F-B503-43618ED6159B}"/>
-              </a:ext>
-            </a:extLst>
-          </p:cNvPr>
-          <p:cNvSpPr txBox="1"/>
-          <p:nvPr/>
-        </p:nvSpPr>
-        <p:spPr>
-          <a:xfrm>
-            <a:off x="874756" y="1288065"/>
-            <a:ext cx="6096000" cy="369332"/>
-          </a:xfrm>
-          <a:prstGeom prst="rect">
-            <a:avLst/>
-          </a:prstGeom>
-          <a:noFill/>
-        </p:spPr>
-        <p:txBody>
-          <a:bodyPr wrap="square">
-            <a:spAutoFit/>
-          </a:bodyPr>
-          <a:lstStyle/>
-          <a:p>
-            <a:r>
-              <a:rPr lang="LID4096" dirty="0"/>
-              <a:t>##  ` Streamflow err... intersects`  ____________` err_01 ` </a:t>
-            </a:r>
-          </a:p>
-        </p:txBody>
-      </p:sp>
-      <p:sp>
-        <p:nvSpPr>
-          <p:cNvPr id="13" name="TextBox 12">
-            <a:extLst>
-              <a:ext uri="{FF2B5EF4-FFF2-40B4-BE49-F238E27FC236}">
-                <a16:creationId xmlns:a16="http://schemas.microsoft.com/office/drawing/2014/main" id="{F2745D77-D1DD-983C-F413-11AF8CDF2FA8}"/>
-              </a:ext>
-            </a:extLst>
-          </p:cNvPr>
-          <p:cNvSpPr txBox="1"/>
-          <p:nvPr/>
-        </p:nvSpPr>
-        <p:spPr>
-          <a:xfrm>
-            <a:off x="874756" y="1726927"/>
-            <a:ext cx="6096000" cy="369332"/>
-          </a:xfrm>
-          <a:prstGeom prst="rect">
-            <a:avLst/>
-          </a:prstGeom>
-          <a:noFill/>
-        </p:spPr>
-        <p:txBody>
-          <a:bodyPr wrap="square">
-            <a:spAutoFit/>
-          </a:bodyPr>
-          <a:lstStyle/>
-          <a:p>
-            <a:r>
-              <a:rPr lang="LID4096" dirty="0"/>
-              <a:t>## Postrocessing : Get_water_table()__Module ____` err_02 `</a:t>
-            </a:r>
-          </a:p>
-        </p:txBody>
-      </p:sp>
-    </p:spTree>
-    <p:extLst>
-      <p:ext uri="{BB962C8B-B14F-4D97-AF65-F5344CB8AC3E}">
-        <p14:creationId xmlns:p14="http://schemas.microsoft.com/office/powerpoint/2010/main" val="3766104932"/>
-      </p:ext>
-    </p:extLst>
-  </p:cSld>
-  <p:clrMapOvr>
-    <a:masterClrMapping/>
-  </p:clrMapOvr>
-</p:sld>
-</file>
-
-<file path=ppt/slides/slide8.xml><?xml version="1.0" encoding="utf-8"?>
-<p:sld xmlns:a="http://schemas.openxmlformats.org/drawingml/2006/main" xmlns:r="http://schemas.openxmlformats.org/officeDocument/2006/relationships" xmlns:p="http://schemas.openxmlformats.org/presentationml/2006/main">
-  <p:cSld>
     <p:spTree>
       <p:nvGrpSpPr>
         <p:cNvPr id="1" name=""/>
@@ -17436,61 +16882,6 @@
           <a:chExt cx="0" cy="0"/>
         </a:xfrm>
       </p:grpSpPr>
-      <p:sp>
-        <p:nvSpPr>
-          <p:cNvPr id="2" name="Rectangle 1">
-            <a:extLst>
-              <a:ext uri="{FF2B5EF4-FFF2-40B4-BE49-F238E27FC236}">
-                <a16:creationId xmlns:a16="http://schemas.microsoft.com/office/drawing/2014/main" id="{2A028F24-47CB-EC6D-DD31-8B63AD18F2C7}"/>
-              </a:ext>
-            </a:extLst>
-          </p:cNvPr>
-          <p:cNvSpPr/>
-          <p:nvPr/>
-        </p:nvSpPr>
-        <p:spPr>
-          <a:xfrm>
-            <a:off x="0" y="0"/>
-            <a:ext cx="12192000" cy="6858000"/>
-          </a:xfrm>
-          <a:prstGeom prst="rect">
-            <a:avLst/>
-          </a:prstGeom>
-          <a:solidFill>
-            <a:schemeClr val="accent4">
-              <a:lumMod val="20000"/>
-              <a:lumOff val="80000"/>
-            </a:schemeClr>
-          </a:solidFill>
-          <a:ln>
-            <a:noFill/>
-          </a:ln>
-        </p:spPr>
-        <p:style>
-          <a:lnRef idx="2">
-            <a:schemeClr val="accent1">
-              <a:shade val="15000"/>
-            </a:schemeClr>
-          </a:lnRef>
-          <a:fillRef idx="1">
-            <a:schemeClr val="accent1"/>
-          </a:fillRef>
-          <a:effectRef idx="0">
-            <a:schemeClr val="accent1"/>
-          </a:effectRef>
-          <a:fontRef idx="minor">
-            <a:schemeClr val="lt1"/>
-          </a:fontRef>
-        </p:style>
-        <p:txBody>
-          <a:bodyPr rtlCol="0" anchor="ctr"/>
-          <a:lstStyle/>
-          <a:p>
-            <a:pPr algn="ctr"/>
-            <a:endParaRPr lang="LID4096"/>
-          </a:p>
-        </p:txBody>
-      </p:sp>
       <p:pic>
         <p:nvPicPr>
           <p:cNvPr id="7" name="Picture 6">
@@ -17548,10 +16939,10 @@
         </p:nvGrpSpPr>
         <p:grpSpPr>
           <a:xfrm>
-            <a:off x="257486" y="2216397"/>
-            <a:ext cx="6191250" cy="1924050"/>
-            <a:chOff x="5743264" y="911553"/>
-            <a:chExt cx="6191250" cy="1924050"/>
+            <a:off x="274418" y="2264890"/>
+            <a:ext cx="6191250" cy="1543050"/>
+            <a:chOff x="5743264" y="1292553"/>
+            <a:chExt cx="6191250" cy="1543050"/>
           </a:xfrm>
         </p:grpSpPr>
         <p:pic>
@@ -17570,14 +16961,13 @@
           </p:nvPicPr>
           <p:blipFill>
             <a:blip r:embed="rId3"/>
-            <a:stretch>
-              <a:fillRect/>
-            </a:stretch>
+            <a:srcRect t="19802"/>
+            <a:stretch/>
           </p:blipFill>
           <p:spPr>
             <a:xfrm>
-              <a:off x="5743264" y="911553"/>
-              <a:ext cx="6191250" cy="1924050"/>
+              <a:off x="5743264" y="1292553"/>
+              <a:ext cx="6191250" cy="1543050"/>
             </a:xfrm>
             <a:prstGeom prst="rect">
               <a:avLst/>
@@ -17642,7 +17032,7 @@
         </p:nvGrpSpPr>
         <p:grpSpPr>
           <a:xfrm>
-            <a:off x="257486" y="4291177"/>
+            <a:off x="282175" y="3897240"/>
             <a:ext cx="4791075" cy="1733550"/>
             <a:chOff x="5505406" y="3762859"/>
             <a:chExt cx="4791075" cy="1733550"/>
@@ -17954,13 +17344,15 @@
               </a:ext>
             </a:extLst>
           </p:cNvPr>
-          <p:cNvGrpSpPr/>
+          <p:cNvGrpSpPr>
+            <a:grpSpLocks noChangeAspect="1"/>
+          </p:cNvGrpSpPr>
           <p:nvPr/>
         </p:nvGrpSpPr>
         <p:grpSpPr>
           <a:xfrm>
-            <a:off x="6742123" y="3639916"/>
-            <a:ext cx="5211245" cy="3218084"/>
+            <a:off x="4132124" y="5000227"/>
+            <a:ext cx="2830011" cy="1747608"/>
             <a:chOff x="6742123" y="3639916"/>
             <a:chExt cx="5211245" cy="3218084"/>
           </a:xfrm>
@@ -18059,8 +17451,8 @@
           </p:nvSpPr>
           <p:spPr>
             <a:xfrm>
-              <a:off x="8947106" y="4182498"/>
-              <a:ext cx="2100772" cy="307777"/>
+              <a:off x="7212818" y="4721725"/>
+              <a:ext cx="3174054" cy="532505"/>
             </a:xfrm>
             <a:prstGeom prst="rect">
               <a:avLst/>
@@ -18074,8 +17466,8 @@
             <a:lstStyle/>
             <a:p>
               <a:r>
-                <a:rPr lang="en-US" sz="1400" b="1" dirty="0"/>
-                <a:t>How to insert a H line?</a:t>
+                <a:rPr lang="en-US" sz="1100" b="1" dirty="0"/>
+                <a:t>insert line ..</a:t>
               </a:r>
             </a:p>
           </p:txBody>
@@ -18097,8 +17489,214 @@
         </p:nvSpPr>
         <p:spPr>
           <a:xfrm>
-            <a:off x="116571" y="6449708"/>
-            <a:ext cx="2190793" cy="273747"/>
+            <a:off x="116571" y="6175458"/>
+            <a:ext cx="1327668" cy="547998"/>
+          </a:xfrm>
+          <a:prstGeom prst="rect">
+            <a:avLst/>
+          </a:prstGeom>
+          <a:solidFill>
+            <a:schemeClr val="accent6">
+              <a:lumMod val="60000"/>
+              <a:lumOff val="40000"/>
+            </a:schemeClr>
+          </a:solidFill>
+        </p:spPr>
+        <p:txBody>
+          <a:bodyPr wrap="none" lIns="0" tIns="0" rIns="0" bIns="0" anchor="ctr" anchorCtr="0">
+            <a:noAutofit/>
+          </a:bodyPr>
+          <a:lstStyle/>
+          <a:p>
+            <a:pPr algn="ctr"/>
+            <a:r>
+              <a:rPr lang="pt-BR" sz="2000" b="1" dirty="0"/>
+              <a:t>pyEMU - 03</a:t>
+            </a:r>
+            <a:endParaRPr lang="LID4096" sz="2000" b="1" dirty="0"/>
+          </a:p>
+        </p:txBody>
+      </p:sp>
+      <p:grpSp>
+        <p:nvGrpSpPr>
+          <p:cNvPr id="9" name="Group 8">
+            <a:extLst>
+              <a:ext uri="{FF2B5EF4-FFF2-40B4-BE49-F238E27FC236}">
+                <a16:creationId xmlns:a16="http://schemas.microsoft.com/office/drawing/2014/main" id="{7DA3B80A-A5BD-F3BA-B55B-65657840790B}"/>
+              </a:ext>
+            </a:extLst>
+          </p:cNvPr>
+          <p:cNvGrpSpPr>
+            <a:grpSpLocks noChangeAspect="1"/>
+          </p:cNvGrpSpPr>
+          <p:nvPr/>
+        </p:nvGrpSpPr>
+        <p:grpSpPr>
+          <a:xfrm>
+            <a:off x="6790655" y="3116010"/>
+            <a:ext cx="5102608" cy="2758021"/>
+            <a:chOff x="240278" y="213821"/>
+            <a:chExt cx="7602193" cy="4109075"/>
+          </a:xfrm>
+        </p:grpSpPr>
+        <p:pic>
+          <p:nvPicPr>
+            <p:cNvPr id="4" name="Picture 3">
+              <a:extLst>
+                <a:ext uri="{FF2B5EF4-FFF2-40B4-BE49-F238E27FC236}">
+                  <a16:creationId xmlns:a16="http://schemas.microsoft.com/office/drawing/2014/main" id="{408A273C-9221-8C39-9741-7EC38DF8EAE8}"/>
+                </a:ext>
+              </a:extLst>
+            </p:cNvPr>
+            <p:cNvPicPr>
+              <a:picLocks noChangeAspect="1"/>
+            </p:cNvPicPr>
+            <p:nvPr/>
+          </p:nvPicPr>
+          <p:blipFill>
+            <a:blip r:embed="rId12"/>
+            <a:stretch>
+              <a:fillRect/>
+            </a:stretch>
+          </p:blipFill>
+          <p:spPr>
+            <a:xfrm>
+              <a:off x="240278" y="213821"/>
+              <a:ext cx="3636057" cy="3063884"/>
+            </a:xfrm>
+            <a:prstGeom prst="rect">
+              <a:avLst/>
+            </a:prstGeom>
+            <a:ln>
+              <a:solidFill>
+                <a:schemeClr val="tx1"/>
+              </a:solidFill>
+            </a:ln>
+          </p:spPr>
+        </p:pic>
+        <p:pic>
+          <p:nvPicPr>
+            <p:cNvPr id="5" name="Picture 4">
+              <a:extLst>
+                <a:ext uri="{FF2B5EF4-FFF2-40B4-BE49-F238E27FC236}">
+                  <a16:creationId xmlns:a16="http://schemas.microsoft.com/office/drawing/2014/main" id="{AD3649E2-CEBA-4BAE-5A23-EF8FBF2D8AA4}"/>
+                </a:ext>
+              </a:extLst>
+            </p:cNvPr>
+            <p:cNvPicPr>
+              <a:picLocks noChangeAspect="1"/>
+            </p:cNvPicPr>
+            <p:nvPr/>
+          </p:nvPicPr>
+          <p:blipFill>
+            <a:blip r:embed="rId13"/>
+            <a:srcRect r="36312"/>
+            <a:stretch/>
+          </p:blipFill>
+          <p:spPr>
+            <a:xfrm>
+              <a:off x="4206414" y="213821"/>
+              <a:ext cx="3636057" cy="3063886"/>
+            </a:xfrm>
+            <a:prstGeom prst="rect">
+              <a:avLst/>
+            </a:prstGeom>
+            <a:ln>
+              <a:solidFill>
+                <a:schemeClr val="tx1"/>
+              </a:solidFill>
+            </a:ln>
+          </p:spPr>
+        </p:pic>
+        <p:pic>
+          <p:nvPicPr>
+            <p:cNvPr id="6" name="Picture 5">
+              <a:extLst>
+                <a:ext uri="{FF2B5EF4-FFF2-40B4-BE49-F238E27FC236}">
+                  <a16:creationId xmlns:a16="http://schemas.microsoft.com/office/drawing/2014/main" id="{57C7AD07-C0A7-CAE1-A133-4E1B752CC946}"/>
+                </a:ext>
+              </a:extLst>
+            </p:cNvPr>
+            <p:cNvPicPr>
+              <a:picLocks noChangeAspect="1"/>
+            </p:cNvPicPr>
+            <p:nvPr/>
+          </p:nvPicPr>
+          <p:blipFill>
+            <a:blip r:embed="rId13"/>
+            <a:srcRect l="85777"/>
+            <a:stretch/>
+          </p:blipFill>
+          <p:spPr>
+            <a:xfrm>
+              <a:off x="5618443" y="213821"/>
+              <a:ext cx="811995" cy="3063886"/>
+            </a:xfrm>
+            <a:prstGeom prst="rect">
+              <a:avLst/>
+            </a:prstGeom>
+            <a:ln>
+              <a:solidFill>
+                <a:schemeClr val="tx1"/>
+              </a:solidFill>
+            </a:ln>
+          </p:spPr>
+        </p:pic>
+        <p:sp>
+          <p:nvSpPr>
+            <p:cNvPr id="8" name="TextBox 7">
+              <a:extLst>
+                <a:ext uri="{FF2B5EF4-FFF2-40B4-BE49-F238E27FC236}">
+                  <a16:creationId xmlns:a16="http://schemas.microsoft.com/office/drawing/2014/main" id="{72303FDE-0413-AF3A-9C8D-42A61DAACAF5}"/>
+                </a:ext>
+              </a:extLst>
+            </p:cNvPr>
+            <p:cNvSpPr txBox="1"/>
+            <p:nvPr/>
+          </p:nvSpPr>
+          <p:spPr>
+            <a:xfrm>
+              <a:off x="934224" y="3726787"/>
+              <a:ext cx="5834456" cy="596109"/>
+            </a:xfrm>
+            <a:prstGeom prst="rect">
+              <a:avLst/>
+            </a:prstGeom>
+            <a:noFill/>
+          </p:spPr>
+          <p:txBody>
+            <a:bodyPr wrap="square">
+              <a:spAutoFit/>
+            </a:bodyPr>
+            <a:lstStyle/>
+            <a:p>
+              <a:pPr algn="ctr"/>
+              <a:r>
+                <a:rPr lang="en-US" sz="2000" b="1" dirty="0"/>
+                <a:t>Flopy construction ?</a:t>
+              </a:r>
+            </a:p>
+          </p:txBody>
+        </p:sp>
+      </p:grpSp>
+      <p:sp>
+        <p:nvSpPr>
+          <p:cNvPr id="10" name="TextBox 9">
+            <a:extLst>
+              <a:ext uri="{FF2B5EF4-FFF2-40B4-BE49-F238E27FC236}">
+                <a16:creationId xmlns:a16="http://schemas.microsoft.com/office/drawing/2014/main" id="{1537BCBB-1170-4FBD-A8FC-925EF65793CD}"/>
+              </a:ext>
+            </a:extLst>
+          </p:cNvPr>
+          <p:cNvSpPr txBox="1">
+            <a:spLocks noChangeAspect="1"/>
+          </p:cNvSpPr>
+          <p:nvPr/>
+        </p:nvSpPr>
+        <p:spPr>
+          <a:xfrm>
+            <a:off x="8598584" y="6175458"/>
+            <a:ext cx="3335930" cy="547998"/>
           </a:xfrm>
           <a:prstGeom prst="rect">
             <a:avLst/>
@@ -18119,7 +17717,51 @@
             <a:pPr algn="ctr"/>
             <a:r>
               <a:rPr lang="pt-BR" sz="1500" b="1" dirty="0"/>
-              <a:t>03.1 Part 01 - Capture</a:t>
+              <a:t>Part 02 – Capture </a:t>
+            </a:r>
+            <a:endParaRPr lang="LID4096" sz="1500" b="1" dirty="0"/>
+          </a:p>
+        </p:txBody>
+      </p:sp>
+      <p:sp>
+        <p:nvSpPr>
+          <p:cNvPr id="11" name="TextBox 10">
+            <a:extLst>
+              <a:ext uri="{FF2B5EF4-FFF2-40B4-BE49-F238E27FC236}">
+                <a16:creationId xmlns:a16="http://schemas.microsoft.com/office/drawing/2014/main" id="{8D42FEA5-FE1C-530D-D78B-970F3218AA13}"/>
+              </a:ext>
+            </a:extLst>
+          </p:cNvPr>
+          <p:cNvSpPr txBox="1">
+            <a:spLocks noChangeAspect="1"/>
+          </p:cNvSpPr>
+          <p:nvPr/>
+        </p:nvSpPr>
+        <p:spPr>
+          <a:xfrm>
+            <a:off x="1560810" y="6175458"/>
+            <a:ext cx="1148207" cy="547998"/>
+          </a:xfrm>
+          <a:prstGeom prst="rect">
+            <a:avLst/>
+          </a:prstGeom>
+          <a:solidFill>
+            <a:schemeClr val="accent6">
+              <a:lumMod val="60000"/>
+              <a:lumOff val="40000"/>
+            </a:schemeClr>
+          </a:solidFill>
+        </p:spPr>
+        <p:txBody>
+          <a:bodyPr wrap="none" lIns="0" tIns="0" rIns="0" bIns="0" anchor="ctr" anchorCtr="0">
+            <a:noAutofit/>
+          </a:bodyPr>
+          <a:lstStyle/>
+          <a:p>
+            <a:pPr algn="ctr"/>
+            <a:r>
+              <a:rPr lang="pt-BR" sz="1500" b="1" dirty="0"/>
+              <a:t>Part 01 – 1D</a:t>
             </a:r>
             <a:endParaRPr lang="LID4096" sz="1500" b="1" dirty="0"/>
           </a:p>
@@ -18141,9 +17783,23 @@
 <file path=ppt/slides/slide9.xml><?xml version="1.0" encoding="utf-8"?>
 <p:sld xmlns:a="http://schemas.openxmlformats.org/drawingml/2006/main" xmlns:r="http://schemas.openxmlformats.org/officeDocument/2006/relationships" xmlns:p="http://schemas.openxmlformats.org/presentationml/2006/main">
   <p:cSld>
+    <p:bg>
+      <p:bgPr>
+        <a:solidFill>
+          <a:srgbClr val="EFDECD"/>
+        </a:solidFill>
+        <a:effectLst/>
+      </p:bgPr>
+    </p:bg>
     <p:spTree>
       <p:nvGrpSpPr>
-        <p:cNvPr id="1" name=""/>
+        <p:cNvPr id="1" name="">
+          <a:extLst>
+            <a:ext uri="{FF2B5EF4-FFF2-40B4-BE49-F238E27FC236}">
+              <a16:creationId xmlns:a16="http://schemas.microsoft.com/office/drawing/2014/main" id="{005A93EA-C738-87F8-AC56-2199256A77A9}"/>
+            </a:ext>
+          </a:extLst>
+        </p:cNvPr>
         <p:cNvGrpSpPr/>
         <p:nvPr/>
       </p:nvGrpSpPr>
@@ -18155,111 +17811,12 @@
           <a:chExt cx="0" cy="0"/>
         </a:xfrm>
       </p:grpSpPr>
-      <p:sp>
-        <p:nvSpPr>
-          <p:cNvPr id="3" name="Rectangle 2">
-            <a:extLst>
-              <a:ext uri="{FF2B5EF4-FFF2-40B4-BE49-F238E27FC236}">
-                <a16:creationId xmlns:a16="http://schemas.microsoft.com/office/drawing/2014/main" id="{103F0978-EA0C-2208-9CC4-36872DBF3403}"/>
-              </a:ext>
-            </a:extLst>
-          </p:cNvPr>
-          <p:cNvSpPr/>
-          <p:nvPr/>
-        </p:nvSpPr>
-        <p:spPr>
-          <a:xfrm>
-            <a:off x="0" y="0"/>
-            <a:ext cx="4110527" cy="6858000"/>
-          </a:xfrm>
-          <a:prstGeom prst="rect">
-            <a:avLst/>
-          </a:prstGeom>
-          <a:solidFill>
-            <a:schemeClr val="accent4">
-              <a:lumMod val="20000"/>
-              <a:lumOff val="80000"/>
-            </a:schemeClr>
-          </a:solidFill>
-          <a:ln>
-            <a:noFill/>
-          </a:ln>
-        </p:spPr>
-        <p:style>
-          <a:lnRef idx="2">
-            <a:schemeClr val="accent1">
-              <a:shade val="15000"/>
-            </a:schemeClr>
-          </a:lnRef>
-          <a:fillRef idx="1">
-            <a:schemeClr val="accent1"/>
-          </a:fillRef>
-          <a:effectRef idx="0">
-            <a:schemeClr val="accent1"/>
-          </a:effectRef>
-          <a:fontRef idx="minor">
-            <a:schemeClr val="lt1"/>
-          </a:fontRef>
-        </p:style>
-        <p:txBody>
-          <a:bodyPr rtlCol="0" anchor="ctr"/>
-          <a:lstStyle/>
-          <a:p>
-            <a:pPr algn="ctr"/>
-            <a:endParaRPr lang="LID4096"/>
-          </a:p>
-        </p:txBody>
-      </p:sp>
-      <p:sp>
-        <p:nvSpPr>
-          <p:cNvPr id="2" name="TextBox 1">
-            <a:extLst>
-              <a:ext uri="{FF2B5EF4-FFF2-40B4-BE49-F238E27FC236}">
-                <a16:creationId xmlns:a16="http://schemas.microsoft.com/office/drawing/2014/main" id="{424E9ADD-4B67-E2DB-DE42-ACC99F63886D}"/>
-              </a:ext>
-            </a:extLst>
-          </p:cNvPr>
-          <p:cNvSpPr txBox="1">
-            <a:spLocks noChangeAspect="1"/>
-          </p:cNvSpPr>
-          <p:nvPr/>
-        </p:nvSpPr>
-        <p:spPr>
-          <a:xfrm>
-            <a:off x="116571" y="6449708"/>
-            <a:ext cx="2190793" cy="273747"/>
-          </a:xfrm>
-          <a:prstGeom prst="rect">
-            <a:avLst/>
-          </a:prstGeom>
-          <a:solidFill>
-            <a:schemeClr val="accent6">
-              <a:lumMod val="60000"/>
-              <a:lumOff val="40000"/>
-            </a:schemeClr>
-          </a:solidFill>
-        </p:spPr>
-        <p:txBody>
-          <a:bodyPr wrap="none" lIns="0" tIns="0" rIns="0" bIns="0" anchor="ctr" anchorCtr="0">
-            <a:noAutofit/>
-          </a:bodyPr>
-          <a:lstStyle/>
-          <a:p>
-            <a:pPr algn="ctr"/>
-            <a:r>
-              <a:rPr lang="pt-BR" sz="1500" b="1" dirty="0"/>
-              <a:t>03.2 Part 02 - Capture</a:t>
-            </a:r>
-            <a:endParaRPr lang="LID4096" sz="1500" b="1" dirty="0"/>
-          </a:p>
-        </p:txBody>
-      </p:sp>
       <p:pic>
         <p:nvPicPr>
-          <p:cNvPr id="4" name="Picture 3">
-            <a:extLst>
-              <a:ext uri="{FF2B5EF4-FFF2-40B4-BE49-F238E27FC236}">
-                <a16:creationId xmlns:a16="http://schemas.microsoft.com/office/drawing/2014/main" id="{408A273C-9221-8C39-9741-7EC38DF8EAE8}"/>
+          <p:cNvPr id="1088" name="Picture 1087">
+            <a:extLst>
+              <a:ext uri="{FF2B5EF4-FFF2-40B4-BE49-F238E27FC236}">
+                <a16:creationId xmlns:a16="http://schemas.microsoft.com/office/drawing/2014/main" id="{1C5ADB66-5D3A-4762-1C4F-405B3D024573}"/>
               </a:ext>
             </a:extLst>
           </p:cNvPr>
@@ -18276,215 +17833,8 @@
         </p:blipFill>
         <p:spPr>
           <a:xfrm>
-            <a:off x="240278" y="213821"/>
-            <a:ext cx="3636057" cy="2871431"/>
-          </a:xfrm>
-          <a:prstGeom prst="rect">
-            <a:avLst/>
-          </a:prstGeom>
-          <a:ln>
-            <a:solidFill>
-              <a:schemeClr val="tx1"/>
-            </a:solidFill>
-          </a:ln>
-        </p:spPr>
-      </p:pic>
-      <p:pic>
-        <p:nvPicPr>
-          <p:cNvPr id="5" name="Picture 4">
-            <a:extLst>
-              <a:ext uri="{FF2B5EF4-FFF2-40B4-BE49-F238E27FC236}">
-                <a16:creationId xmlns:a16="http://schemas.microsoft.com/office/drawing/2014/main" id="{AD3649E2-CEBA-4BAE-5A23-EF8FBF2D8AA4}"/>
-              </a:ext>
-            </a:extLst>
-          </p:cNvPr>
-          <p:cNvPicPr>
-            <a:picLocks noChangeAspect="1"/>
-          </p:cNvPicPr>
-          <p:nvPr/>
-        </p:nvPicPr>
-        <p:blipFill>
-          <a:blip r:embed="rId3"/>
-          <a:srcRect r="36312"/>
-          <a:stretch/>
-        </p:blipFill>
-        <p:spPr>
-          <a:xfrm>
-            <a:off x="240278" y="3234362"/>
-            <a:ext cx="3636057" cy="3063887"/>
-          </a:xfrm>
-          <a:prstGeom prst="rect">
-            <a:avLst/>
-          </a:prstGeom>
-          <a:ln>
-            <a:solidFill>
-              <a:schemeClr val="tx1"/>
-            </a:solidFill>
-          </a:ln>
-        </p:spPr>
-      </p:pic>
-      <p:pic>
-        <p:nvPicPr>
-          <p:cNvPr id="7" name="Picture 6">
-            <a:extLst>
-              <a:ext uri="{FF2B5EF4-FFF2-40B4-BE49-F238E27FC236}">
-                <a16:creationId xmlns:a16="http://schemas.microsoft.com/office/drawing/2014/main" id="{57C7AD07-C0A7-CAE1-A133-4E1B752CC946}"/>
-              </a:ext>
-            </a:extLst>
-          </p:cNvPr>
-          <p:cNvPicPr>
-            <a:picLocks noChangeAspect="1"/>
-          </p:cNvPicPr>
-          <p:nvPr/>
-        </p:nvPicPr>
-        <p:blipFill>
-          <a:blip r:embed="rId3"/>
-          <a:srcRect l="85777"/>
-          <a:stretch/>
-        </p:blipFill>
-        <p:spPr>
-          <a:xfrm>
-            <a:off x="1652308" y="3234362"/>
-            <a:ext cx="811995" cy="3063887"/>
-          </a:xfrm>
-          <a:prstGeom prst="rect">
-            <a:avLst/>
-          </a:prstGeom>
-          <a:ln>
-            <a:solidFill>
-              <a:schemeClr val="tx1"/>
-            </a:solidFill>
-          </a:ln>
-        </p:spPr>
-      </p:pic>
-      <p:sp>
-        <p:nvSpPr>
-          <p:cNvPr id="8" name="TextBox 7">
-            <a:extLst>
-              <a:ext uri="{FF2B5EF4-FFF2-40B4-BE49-F238E27FC236}">
-                <a16:creationId xmlns:a16="http://schemas.microsoft.com/office/drawing/2014/main" id="{72303FDE-0413-AF3A-9C8D-42A61DAACAF5}"/>
-              </a:ext>
-            </a:extLst>
-          </p:cNvPr>
-          <p:cNvSpPr txBox="1"/>
-          <p:nvPr/>
-        </p:nvSpPr>
-        <p:spPr>
-          <a:xfrm>
-            <a:off x="2388387" y="1951196"/>
-            <a:ext cx="1487948" cy="584775"/>
-          </a:xfrm>
-          <a:prstGeom prst="rect">
-            <a:avLst/>
-          </a:prstGeom>
-          <a:noFill/>
-        </p:spPr>
-        <p:txBody>
-          <a:bodyPr wrap="square">
-            <a:spAutoFit/>
-          </a:bodyPr>
-          <a:lstStyle/>
-          <a:p>
-            <a:pPr algn="ctr"/>
-            <a:r>
-              <a:rPr lang="en-US" sz="1600" b="1" dirty="0"/>
-              <a:t>Flopy </a:t>
-            </a:r>
-          </a:p>
-          <a:p>
-            <a:pPr algn="ctr"/>
-            <a:r>
-              <a:rPr lang="en-US" sz="1600" b="1" dirty="0"/>
-              <a:t>construction ?</a:t>
-            </a:r>
-          </a:p>
-        </p:txBody>
-      </p:sp>
-      <p:sp>
-        <p:nvSpPr>
-          <p:cNvPr id="6" name="Rectangle 5">
-            <a:extLst>
-              <a:ext uri="{FF2B5EF4-FFF2-40B4-BE49-F238E27FC236}">
-                <a16:creationId xmlns:a16="http://schemas.microsoft.com/office/drawing/2014/main" id="{14D79EAF-977F-FA90-8C73-FFD5113B3F6F}"/>
-              </a:ext>
-            </a:extLst>
-          </p:cNvPr>
-          <p:cNvSpPr/>
-          <p:nvPr/>
-        </p:nvSpPr>
-        <p:spPr>
-          <a:xfrm>
-            <a:off x="4029145" y="0"/>
-            <a:ext cx="4052330" cy="6858000"/>
-          </a:xfrm>
-          <a:prstGeom prst="rect">
-            <a:avLst/>
-          </a:prstGeom>
-          <a:solidFill>
-            <a:schemeClr val="accent5">
-              <a:lumMod val="20000"/>
-              <a:lumOff val="80000"/>
-            </a:schemeClr>
-          </a:solidFill>
-          <a:ln>
-            <a:noFill/>
-          </a:ln>
-        </p:spPr>
-        <p:style>
-          <a:lnRef idx="2">
-            <a:schemeClr val="accent1">
-              <a:shade val="15000"/>
-            </a:schemeClr>
-          </a:lnRef>
-          <a:fillRef idx="1">
-            <a:schemeClr val="accent1"/>
-          </a:fillRef>
-          <a:effectRef idx="0">
-            <a:schemeClr val="accent1"/>
-          </a:effectRef>
-          <a:fontRef idx="minor">
-            <a:schemeClr val="lt1"/>
-          </a:fontRef>
-        </p:style>
-        <p:txBody>
-          <a:bodyPr rtlCol="0" anchor="ctr"/>
-          <a:lstStyle/>
-          <a:p>
-            <a:pPr algn="ctr"/>
-            <a:endParaRPr lang="LID4096"/>
-          </a:p>
-        </p:txBody>
-      </p:sp>
-      <p:pic>
-        <p:nvPicPr>
-          <p:cNvPr id="10" name="Picture 9">
-            <a:extLst>
-              <a:ext uri="{FF2B5EF4-FFF2-40B4-BE49-F238E27FC236}">
-                <a16:creationId xmlns:a16="http://schemas.microsoft.com/office/drawing/2014/main" id="{C8E47F97-775D-4FEC-3A66-D80D114CFC1C}"/>
-              </a:ext>
-            </a:extLst>
-          </p:cNvPr>
-          <p:cNvPicPr>
-            <a:picLocks noChangeAspect="1"/>
-          </p:cNvPicPr>
-          <p:nvPr/>
-        </p:nvPicPr>
-        <p:blipFill>
-          <a:blip r:embed="rId4">
-            <a:extLst>
-              <a:ext uri="{28A0092B-C50C-407E-A947-70E740481C1C}">
-                <a14:useLocalDpi xmlns:a14="http://schemas.microsoft.com/office/drawing/2010/main" val="0"/>
-              </a:ext>
-            </a:extLst>
-          </a:blip>
-          <a:stretch>
-            <a:fillRect/>
-          </a:stretch>
-        </p:blipFill>
-        <p:spPr>
-          <a:xfrm>
-            <a:off x="4203582" y="2123635"/>
-            <a:ext cx="1840498" cy="1399815"/>
+            <a:off x="155649" y="4562566"/>
+            <a:ext cx="733746" cy="301360"/>
           </a:xfrm>
           <a:prstGeom prst="rect">
             <a:avLst/>
@@ -18493,10 +17843,10 @@
       </p:pic>
       <p:pic>
         <p:nvPicPr>
-          <p:cNvPr id="12" name="Picture 11">
-            <a:extLst>
-              <a:ext uri="{FF2B5EF4-FFF2-40B4-BE49-F238E27FC236}">
-                <a16:creationId xmlns:a16="http://schemas.microsoft.com/office/drawing/2014/main" id="{8391E879-B096-F501-C77B-F173DEA234DD}"/>
+          <p:cNvPr id="1090" name="Picture 1089">
+            <a:extLst>
+              <a:ext uri="{FF2B5EF4-FFF2-40B4-BE49-F238E27FC236}">
+                <a16:creationId xmlns:a16="http://schemas.microsoft.com/office/drawing/2014/main" id="{D059915B-2B24-4350-83D5-EEF947AA9655}"/>
               </a:ext>
             </a:extLst>
           </p:cNvPr>
@@ -18506,21 +17856,15 @@
           <p:nvPr/>
         </p:nvPicPr>
         <p:blipFill>
-          <a:blip r:embed="rId5">
-            <a:extLst>
-              <a:ext uri="{28A0092B-C50C-407E-A947-70E740481C1C}">
-                <a14:useLocalDpi xmlns:a14="http://schemas.microsoft.com/office/drawing/2010/main" val="0"/>
-              </a:ext>
-            </a:extLst>
-          </a:blip>
+          <a:blip r:embed="rId3"/>
           <a:stretch>
             <a:fillRect/>
           </a:stretch>
         </p:blipFill>
         <p:spPr>
           <a:xfrm>
-            <a:off x="4203582" y="3614871"/>
-            <a:ext cx="3616834" cy="1467512"/>
+            <a:off x="1798139" y="5675806"/>
+            <a:ext cx="1022004" cy="301360"/>
           </a:xfrm>
           <a:prstGeom prst="rect">
             <a:avLst/>
@@ -18529,10 +17873,10 @@
       </p:pic>
       <p:pic>
         <p:nvPicPr>
-          <p:cNvPr id="14" name="Picture 13">
-            <a:extLst>
-              <a:ext uri="{FF2B5EF4-FFF2-40B4-BE49-F238E27FC236}">
-                <a16:creationId xmlns:a16="http://schemas.microsoft.com/office/drawing/2014/main" id="{ECA42460-7A44-139D-3A0F-9822D1B27B56}"/>
+          <p:cNvPr id="1092" name="Picture 1091">
+            <a:extLst>
+              <a:ext uri="{FF2B5EF4-FFF2-40B4-BE49-F238E27FC236}">
+                <a16:creationId xmlns:a16="http://schemas.microsoft.com/office/drawing/2014/main" id="{567405D1-7024-E12B-656B-F88D45815608}"/>
               </a:ext>
             </a:extLst>
           </p:cNvPr>
@@ -18542,21 +17886,15 @@
           <p:nvPr/>
         </p:nvPicPr>
         <p:blipFill>
-          <a:blip r:embed="rId6">
-            <a:extLst>
-              <a:ext uri="{28A0092B-C50C-407E-A947-70E740481C1C}">
-                <a14:useLocalDpi xmlns:a14="http://schemas.microsoft.com/office/drawing/2010/main" val="0"/>
-              </a:ext>
-            </a:extLst>
-          </a:blip>
+          <a:blip r:embed="rId4"/>
           <a:stretch>
             <a:fillRect/>
           </a:stretch>
         </p:blipFill>
         <p:spPr>
           <a:xfrm>
-            <a:off x="4203582" y="5204840"/>
-            <a:ext cx="1807559" cy="1399815"/>
+            <a:off x="1792722" y="6008618"/>
+            <a:ext cx="799260" cy="301360"/>
           </a:xfrm>
           <a:prstGeom prst="rect">
             <a:avLst/>
@@ -18565,10 +17903,10 @@
       </p:pic>
       <p:pic>
         <p:nvPicPr>
-          <p:cNvPr id="16" name="Picture 15">
-            <a:extLst>
-              <a:ext uri="{FF2B5EF4-FFF2-40B4-BE49-F238E27FC236}">
-                <a16:creationId xmlns:a16="http://schemas.microsoft.com/office/drawing/2014/main" id="{7348E59A-453D-7C76-FD3F-DF16FDF8B9A2}"/>
+          <p:cNvPr id="1094" name="Picture 1093">
+            <a:extLst>
+              <a:ext uri="{FF2B5EF4-FFF2-40B4-BE49-F238E27FC236}">
+                <a16:creationId xmlns:a16="http://schemas.microsoft.com/office/drawing/2014/main" id="{3185E168-E99D-FB3D-24B5-B5DB70EA13B6}"/>
               </a:ext>
             </a:extLst>
           </p:cNvPr>
@@ -18578,21 +17916,15 @@
           <p:nvPr/>
         </p:nvPicPr>
         <p:blipFill>
-          <a:blip r:embed="rId7">
-            <a:extLst>
-              <a:ext uri="{28A0092B-C50C-407E-A947-70E740481C1C}">
-                <a14:useLocalDpi xmlns:a14="http://schemas.microsoft.com/office/drawing/2010/main" val="0"/>
-              </a:ext>
-            </a:extLst>
-          </a:blip>
+          <a:blip r:embed="rId5"/>
           <a:stretch>
             <a:fillRect/>
           </a:stretch>
         </p:blipFill>
         <p:spPr>
           <a:xfrm>
-            <a:off x="6147922" y="2123635"/>
-            <a:ext cx="1672494" cy="1399815"/>
+            <a:off x="155648" y="4924077"/>
+            <a:ext cx="733747" cy="327566"/>
           </a:xfrm>
           <a:prstGeom prst="rect">
             <a:avLst/>
@@ -18601,10 +17933,10 @@
       </p:pic>
       <p:pic>
         <p:nvPicPr>
-          <p:cNvPr id="18" name="Picture 17">
-            <a:extLst>
-              <a:ext uri="{FF2B5EF4-FFF2-40B4-BE49-F238E27FC236}">
-                <a16:creationId xmlns:a16="http://schemas.microsoft.com/office/drawing/2014/main" id="{BED38954-4328-2E7F-A441-EC0785F67D87}"/>
+          <p:cNvPr id="1096" name="Picture 1095">
+            <a:extLst>
+              <a:ext uri="{FF2B5EF4-FFF2-40B4-BE49-F238E27FC236}">
+                <a16:creationId xmlns:a16="http://schemas.microsoft.com/office/drawing/2014/main" id="{818EA404-6905-44C4-5E92-164401639B18}"/>
               </a:ext>
             </a:extLst>
           </p:cNvPr>
@@ -18614,87 +17946,87 @@
           <p:nvPr/>
         </p:nvPicPr>
         <p:blipFill>
-          <a:blip r:embed="rId8">
-            <a:extLst>
-              <a:ext uri="{28A0092B-C50C-407E-A947-70E740481C1C}">
-                <a14:useLocalDpi xmlns:a14="http://schemas.microsoft.com/office/drawing/2010/main" val="0"/>
-              </a:ext>
-            </a:extLst>
-          </a:blip>
+          <a:blip r:embed="rId6"/>
           <a:stretch>
             <a:fillRect/>
           </a:stretch>
         </p:blipFill>
         <p:spPr>
           <a:xfrm>
-            <a:off x="6096000" y="5204840"/>
-            <a:ext cx="1805210" cy="1399815"/>
+            <a:off x="1792722" y="6361442"/>
+            <a:ext cx="642028" cy="301360"/>
           </a:xfrm>
           <a:prstGeom prst="rect">
             <a:avLst/>
           </a:prstGeom>
         </p:spPr>
       </p:pic>
-      <p:sp>
-        <p:nvSpPr>
-          <p:cNvPr id="19" name="Rectangle 18">
-            <a:extLst>
-              <a:ext uri="{FF2B5EF4-FFF2-40B4-BE49-F238E27FC236}">
-                <a16:creationId xmlns:a16="http://schemas.microsoft.com/office/drawing/2014/main" id="{7194ACFE-BFAD-62A0-7EFA-8B91672977BF}"/>
-              </a:ext>
-            </a:extLst>
-          </p:cNvPr>
-          <p:cNvSpPr/>
+      <p:pic>
+        <p:nvPicPr>
+          <p:cNvPr id="1098" name="Picture 1097">
+            <a:extLst>
+              <a:ext uri="{FF2B5EF4-FFF2-40B4-BE49-F238E27FC236}">
+                <a16:creationId xmlns:a16="http://schemas.microsoft.com/office/drawing/2014/main" id="{C47623F3-558C-D700-BF32-95FD6200C443}"/>
+              </a:ext>
+            </a:extLst>
+          </p:cNvPr>
+          <p:cNvPicPr>
+            <a:picLocks noChangeAspect="1"/>
+          </p:cNvPicPr>
           <p:nvPr/>
-        </p:nvSpPr>
+        </p:nvPicPr>
+        <p:blipFill>
+          <a:blip r:embed="rId7"/>
+          <a:stretch>
+            <a:fillRect/>
+          </a:stretch>
+        </p:blipFill>
         <p:spPr>
           <a:xfrm>
-            <a:off x="8081472" y="0"/>
-            <a:ext cx="4110527" cy="6858000"/>
+            <a:off x="144425" y="5573704"/>
+            <a:ext cx="1297159" cy="338145"/>
           </a:xfrm>
           <a:prstGeom prst="rect">
             <a:avLst/>
           </a:prstGeom>
-          <a:solidFill>
-            <a:schemeClr val="bg1">
-              <a:lumMod val="95000"/>
-            </a:schemeClr>
-          </a:solidFill>
-          <a:ln>
-            <a:noFill/>
-          </a:ln>
         </p:spPr>
-        <p:style>
-          <a:lnRef idx="2">
-            <a:schemeClr val="accent1">
-              <a:shade val="15000"/>
-            </a:schemeClr>
-          </a:lnRef>
-          <a:fillRef idx="1">
-            <a:schemeClr val="accent1"/>
-          </a:fillRef>
-          <a:effectRef idx="0">
-            <a:schemeClr val="accent1"/>
-          </a:effectRef>
-          <a:fontRef idx="minor">
-            <a:schemeClr val="lt1"/>
-          </a:fontRef>
-        </p:style>
-        <p:txBody>
-          <a:bodyPr rtlCol="0" anchor="ctr"/>
-          <a:lstStyle/>
-          <a:p>
-            <a:pPr algn="ctr"/>
-            <a:endParaRPr lang="LID4096"/>
-          </a:p>
-        </p:txBody>
-      </p:sp>
+      </p:pic>
       <p:pic>
         <p:nvPicPr>
-          <p:cNvPr id="27" name="Picture 26">
-            <a:extLst>
-              <a:ext uri="{FF2B5EF4-FFF2-40B4-BE49-F238E27FC236}">
-                <a16:creationId xmlns:a16="http://schemas.microsoft.com/office/drawing/2014/main" id="{073D615F-F727-3C35-66E4-2A71BACD57D2}"/>
+          <p:cNvPr id="1100" name="Picture 1099">
+            <a:extLst>
+              <a:ext uri="{FF2B5EF4-FFF2-40B4-BE49-F238E27FC236}">
+                <a16:creationId xmlns:a16="http://schemas.microsoft.com/office/drawing/2014/main" id="{A0977BD7-F0F4-2634-7646-65502EC8BBB1}"/>
+              </a:ext>
+            </a:extLst>
+          </p:cNvPr>
+          <p:cNvPicPr>
+            <a:picLocks noChangeAspect="1"/>
+          </p:cNvPicPr>
+          <p:nvPr/>
+        </p:nvPicPr>
+        <p:blipFill>
+          <a:blip r:embed="rId8"/>
+          <a:stretch>
+            <a:fillRect/>
+          </a:stretch>
+        </p:blipFill>
+        <p:spPr>
+          <a:xfrm>
+            <a:off x="144425" y="5949451"/>
+            <a:ext cx="615822" cy="248949"/>
+          </a:xfrm>
+          <a:prstGeom prst="rect">
+            <a:avLst/>
+          </a:prstGeom>
+        </p:spPr>
+      </p:pic>
+      <p:pic>
+        <p:nvPicPr>
+          <p:cNvPr id="1103" name="Picture 1102">
+            <a:extLst>
+              <a:ext uri="{FF2B5EF4-FFF2-40B4-BE49-F238E27FC236}">
+                <a16:creationId xmlns:a16="http://schemas.microsoft.com/office/drawing/2014/main" id="{D4D7584C-1051-908C-ECC6-9F2B1119F201}"/>
               </a:ext>
             </a:extLst>
           </p:cNvPr>
@@ -18711,8 +18043,8 @@
         </p:blipFill>
         <p:spPr>
           <a:xfrm>
-            <a:off x="4204822" y="14068"/>
-            <a:ext cx="1943100" cy="1047750"/>
+            <a:off x="144425" y="6255142"/>
+            <a:ext cx="919941" cy="301360"/>
           </a:xfrm>
           <a:prstGeom prst="rect">
             <a:avLst/>
@@ -18721,10 +18053,10 @@
       </p:pic>
       <p:pic>
         <p:nvPicPr>
-          <p:cNvPr id="28" name="Picture 27">
-            <a:extLst>
-              <a:ext uri="{FF2B5EF4-FFF2-40B4-BE49-F238E27FC236}">
-                <a16:creationId xmlns:a16="http://schemas.microsoft.com/office/drawing/2014/main" id="{9ADE2362-F361-847E-D4BE-BA05D1A31957}"/>
+          <p:cNvPr id="1105" name="Picture 1104">
+            <a:extLst>
+              <a:ext uri="{FF2B5EF4-FFF2-40B4-BE49-F238E27FC236}">
+                <a16:creationId xmlns:a16="http://schemas.microsoft.com/office/drawing/2014/main" id="{2099EFBE-4990-A16A-6762-17B8764A3981}"/>
               </a:ext>
             </a:extLst>
           </p:cNvPr>
@@ -18741,80 +18073,857 @@
         </p:blipFill>
         <p:spPr>
           <a:xfrm>
-            <a:off x="5927998" y="516978"/>
-            <a:ext cx="1892418" cy="1552518"/>
+            <a:off x="148307" y="5287196"/>
+            <a:ext cx="2667000" cy="266700"/>
           </a:xfrm>
           <a:prstGeom prst="rect">
             <a:avLst/>
           </a:prstGeom>
         </p:spPr>
       </p:pic>
+      <p:pic>
+        <p:nvPicPr>
+          <p:cNvPr id="4" name="Picture 3">
+            <a:extLst>
+              <a:ext uri="{FF2B5EF4-FFF2-40B4-BE49-F238E27FC236}">
+                <a16:creationId xmlns:a16="http://schemas.microsoft.com/office/drawing/2014/main" id="{52B1B0C3-0526-2B9D-05CD-8DB6B19F48A5}"/>
+              </a:ext>
+            </a:extLst>
+          </p:cNvPr>
+          <p:cNvPicPr>
+            <a:picLocks noChangeAspect="1"/>
+          </p:cNvPicPr>
+          <p:nvPr/>
+        </p:nvPicPr>
+        <p:blipFill>
+          <a:blip r:embed="rId11"/>
+          <a:stretch>
+            <a:fillRect/>
+          </a:stretch>
+        </p:blipFill>
+        <p:spPr>
+          <a:xfrm>
+            <a:off x="5248275" y="5505450"/>
+            <a:ext cx="6943725" cy="1352550"/>
+          </a:xfrm>
+          <a:prstGeom prst="rect">
+            <a:avLst/>
+          </a:prstGeom>
+          <a:ln>
+            <a:solidFill>
+              <a:schemeClr val="tx1"/>
+            </a:solidFill>
+          </a:ln>
+        </p:spPr>
+      </p:pic>
+      <p:grpSp>
+        <p:nvGrpSpPr>
+          <p:cNvPr id="19" name="Group 18">
+            <a:extLst>
+              <a:ext uri="{FF2B5EF4-FFF2-40B4-BE49-F238E27FC236}">
+                <a16:creationId xmlns:a16="http://schemas.microsoft.com/office/drawing/2014/main" id="{BA9CD93F-AF65-99BE-6389-7DC782E5CCC6}"/>
+              </a:ext>
+            </a:extLst>
+          </p:cNvPr>
+          <p:cNvGrpSpPr/>
+          <p:nvPr/>
+        </p:nvGrpSpPr>
+        <p:grpSpPr>
+          <a:xfrm>
+            <a:off x="144425" y="136600"/>
+            <a:ext cx="5173773" cy="4292421"/>
+            <a:chOff x="144425" y="130192"/>
+            <a:chExt cx="5173773" cy="4292421"/>
+          </a:xfrm>
+        </p:grpSpPr>
+        <p:pic>
+          <p:nvPicPr>
+            <p:cNvPr id="8" name="Picture 7">
+              <a:extLst>
+                <a:ext uri="{FF2B5EF4-FFF2-40B4-BE49-F238E27FC236}">
+                  <a16:creationId xmlns:a16="http://schemas.microsoft.com/office/drawing/2014/main" id="{78C9D8CA-F64D-5557-5B40-7E1F83A8812B}"/>
+                </a:ext>
+              </a:extLst>
+            </p:cNvPr>
+            <p:cNvPicPr>
+              <a:picLocks noChangeAspect="1"/>
+            </p:cNvPicPr>
+            <p:nvPr/>
+          </p:nvPicPr>
+          <p:blipFill>
+            <a:blip r:embed="rId12"/>
+            <a:stretch>
+              <a:fillRect/>
+            </a:stretch>
+          </p:blipFill>
+          <p:spPr>
+            <a:xfrm>
+              <a:off x="155648" y="130192"/>
+              <a:ext cx="5162550" cy="1381125"/>
+            </a:xfrm>
+            <a:prstGeom prst="rect">
+              <a:avLst/>
+            </a:prstGeom>
+            <a:noFill/>
+            <a:ln w="3175">
+              <a:solidFill>
+                <a:schemeClr val="tx1"/>
+              </a:solidFill>
+            </a:ln>
+            <a:effectLst>
+              <a:outerShdw blurRad="50800" dist="38100" dir="8100000" algn="tr" rotWithShape="0">
+                <a:prstClr val="black">
+                  <a:alpha val="40000"/>
+                </a:prstClr>
+              </a:outerShdw>
+            </a:effectLst>
+          </p:spPr>
+        </p:pic>
+        <p:grpSp>
+          <p:nvGrpSpPr>
+            <p:cNvPr id="1080" name="Group 1079">
+              <a:extLst>
+                <a:ext uri="{FF2B5EF4-FFF2-40B4-BE49-F238E27FC236}">
+                  <a16:creationId xmlns:a16="http://schemas.microsoft.com/office/drawing/2014/main" id="{9AA996AD-F2F5-1343-7E9D-C610E61A24DE}"/>
+                </a:ext>
+              </a:extLst>
+            </p:cNvPr>
+            <p:cNvGrpSpPr/>
+            <p:nvPr/>
+          </p:nvGrpSpPr>
+          <p:grpSpPr>
+            <a:xfrm>
+              <a:off x="148307" y="2431888"/>
+              <a:ext cx="4638804" cy="1990725"/>
+              <a:chOff x="148307" y="2431888"/>
+              <a:chExt cx="4638804" cy="1990725"/>
+            </a:xfrm>
+          </p:grpSpPr>
+          <p:pic>
+            <p:nvPicPr>
+              <p:cNvPr id="1066" name="Picture 1065">
+                <a:extLst>
+                  <a:ext uri="{FF2B5EF4-FFF2-40B4-BE49-F238E27FC236}">
+                    <a16:creationId xmlns:a16="http://schemas.microsoft.com/office/drawing/2014/main" id="{8236B543-9CE4-CF76-F017-4FD1351DA907}"/>
+                  </a:ext>
+                </a:extLst>
+              </p:cNvPr>
+              <p:cNvPicPr>
+                <a:picLocks noChangeAspect="1"/>
+              </p:cNvPicPr>
+              <p:nvPr/>
+            </p:nvPicPr>
+            <p:blipFill>
+              <a:blip r:embed="rId13"/>
+              <a:srcRect r="38712"/>
+              <a:stretch/>
+            </p:blipFill>
+            <p:spPr>
+              <a:xfrm>
+                <a:off x="148307" y="2431888"/>
+                <a:ext cx="2037346" cy="1990725"/>
+              </a:xfrm>
+              <a:prstGeom prst="rect">
+                <a:avLst/>
+              </a:prstGeom>
+              <a:noFill/>
+              <a:ln w="3175">
+                <a:solidFill>
+                  <a:schemeClr val="tx1"/>
+                </a:solidFill>
+              </a:ln>
+              <a:effectLst>
+                <a:outerShdw blurRad="50800" dist="38100" dir="8100000" algn="tr" rotWithShape="0">
+                  <a:prstClr val="black">
+                    <a:alpha val="40000"/>
+                  </a:prstClr>
+                </a:outerShdw>
+              </a:effectLst>
+            </p:spPr>
+          </p:pic>
+          <p:grpSp>
+            <p:nvGrpSpPr>
+              <p:cNvPr id="1071" name="Group 1070">
+                <a:extLst>
+                  <a:ext uri="{FF2B5EF4-FFF2-40B4-BE49-F238E27FC236}">
+                    <a16:creationId xmlns:a16="http://schemas.microsoft.com/office/drawing/2014/main" id="{C8C22A67-F622-7975-11BC-6E0BEBBA258A}"/>
+                  </a:ext>
+                </a:extLst>
+              </p:cNvPr>
+              <p:cNvGrpSpPr/>
+              <p:nvPr/>
+            </p:nvGrpSpPr>
+            <p:grpSpPr>
+              <a:xfrm>
+                <a:off x="1592441" y="2431888"/>
+                <a:ext cx="3194669" cy="1104900"/>
+                <a:chOff x="822070" y="2243835"/>
+                <a:chExt cx="3194669" cy="1104900"/>
+              </a:xfrm>
+            </p:grpSpPr>
+            <p:pic>
+              <p:nvPicPr>
+                <p:cNvPr id="1072" name="Picture 1071">
+                  <a:extLst>
+                    <a:ext uri="{FF2B5EF4-FFF2-40B4-BE49-F238E27FC236}">
+                      <a16:creationId xmlns:a16="http://schemas.microsoft.com/office/drawing/2014/main" id="{178C7A45-DF3A-C3AB-97AA-C057EE395D97}"/>
+                    </a:ext>
+                  </a:extLst>
+                </p:cNvPr>
+                <p:cNvPicPr>
+                  <a:picLocks noChangeAspect="1"/>
+                </p:cNvPicPr>
+                <p:nvPr/>
+              </p:nvPicPr>
+              <p:blipFill>
+                <a:blip r:embed="rId14"/>
+                <a:srcRect l="6649" t="64248" r="29467"/>
+                <a:stretch/>
+              </p:blipFill>
+              <p:spPr>
+                <a:xfrm>
+                  <a:off x="822070" y="2243835"/>
+                  <a:ext cx="3194669" cy="1104900"/>
+                </a:xfrm>
+                <a:prstGeom prst="rect">
+                  <a:avLst/>
+                </a:prstGeom>
+                <a:noFill/>
+                <a:ln w="3175">
+                  <a:solidFill>
+                    <a:schemeClr val="tx1"/>
+                  </a:solidFill>
+                </a:ln>
+                <a:effectLst>
+                  <a:outerShdw blurRad="50800" dist="38100" dir="8100000" algn="tr" rotWithShape="0">
+                    <a:prstClr val="black">
+                      <a:alpha val="40000"/>
+                    </a:prstClr>
+                  </a:outerShdw>
+                </a:effectLst>
+              </p:spPr>
+            </p:pic>
+            <p:grpSp>
+              <p:nvGrpSpPr>
+                <p:cNvPr id="1073" name="Group 1072">
+                  <a:extLst>
+                    <a:ext uri="{FF2B5EF4-FFF2-40B4-BE49-F238E27FC236}">
+                      <a16:creationId xmlns:a16="http://schemas.microsoft.com/office/drawing/2014/main" id="{448AA5DB-CCBF-0E92-98DB-5ED5FDAFFD51}"/>
+                    </a:ext>
+                  </a:extLst>
+                </p:cNvPr>
+                <p:cNvGrpSpPr/>
+                <p:nvPr/>
+              </p:nvGrpSpPr>
+              <p:grpSpPr>
+                <a:xfrm>
+                  <a:off x="900613" y="2578099"/>
+                  <a:ext cx="121738" cy="308738"/>
+                  <a:chOff x="900613" y="2578099"/>
+                  <a:chExt cx="121738" cy="308738"/>
+                </a:xfrm>
+              </p:grpSpPr>
+              <p:sp>
+                <p:nvSpPr>
+                  <p:cNvPr id="1074" name="Arrow: Right 1073">
+                    <a:extLst>
+                      <a:ext uri="{FF2B5EF4-FFF2-40B4-BE49-F238E27FC236}">
+                        <a16:creationId xmlns:a16="http://schemas.microsoft.com/office/drawing/2014/main" id="{2A6224F9-62AE-FFDF-FCC4-668872D6C756}"/>
+                      </a:ext>
+                    </a:extLst>
+                  </p:cNvPr>
+                  <p:cNvSpPr/>
+                  <p:nvPr/>
+                </p:nvSpPr>
+                <p:spPr>
+                  <a:xfrm rot="10800000" flipH="1">
+                    <a:off x="900613" y="2774059"/>
+                    <a:ext cx="121738" cy="112778"/>
+                  </a:xfrm>
+                  <a:prstGeom prst="rightArrow">
+                    <a:avLst/>
+                  </a:prstGeom>
+                  <a:solidFill>
+                    <a:schemeClr val="accent2"/>
+                  </a:solidFill>
+                  <a:ln>
+                    <a:solidFill>
+                      <a:srgbClr val="002060"/>
+                    </a:solidFill>
+                  </a:ln>
+                </p:spPr>
+                <p:style>
+                  <a:lnRef idx="2">
+                    <a:schemeClr val="accent1">
+                      <a:shade val="15000"/>
+                    </a:schemeClr>
+                  </a:lnRef>
+                  <a:fillRef idx="1">
+                    <a:schemeClr val="accent1"/>
+                  </a:fillRef>
+                  <a:effectRef idx="0">
+                    <a:schemeClr val="accent1"/>
+                  </a:effectRef>
+                  <a:fontRef idx="minor">
+                    <a:schemeClr val="lt1"/>
+                  </a:fontRef>
+                </p:style>
+                <p:txBody>
+                  <a:bodyPr rtlCol="0" anchor="ctr"/>
+                  <a:lstStyle/>
+                  <a:p>
+                    <a:pPr algn="ctr"/>
+                    <a:endParaRPr lang="LID4096"/>
+                  </a:p>
+                </p:txBody>
+              </p:sp>
+              <p:sp>
+                <p:nvSpPr>
+                  <p:cNvPr id="1075" name="Arrow: Right 1074">
+                    <a:extLst>
+                      <a:ext uri="{FF2B5EF4-FFF2-40B4-BE49-F238E27FC236}">
+                        <a16:creationId xmlns:a16="http://schemas.microsoft.com/office/drawing/2014/main" id="{E71F7809-FAAC-945F-2A81-1BBA30C5C6B9}"/>
+                      </a:ext>
+                    </a:extLst>
+                  </p:cNvPr>
+                  <p:cNvSpPr/>
+                  <p:nvPr/>
+                </p:nvSpPr>
+                <p:spPr>
+                  <a:xfrm rot="10800000" flipH="1">
+                    <a:off x="900613" y="2578099"/>
+                    <a:ext cx="121738" cy="112778"/>
+                  </a:xfrm>
+                  <a:prstGeom prst="rightArrow">
+                    <a:avLst/>
+                  </a:prstGeom>
+                  <a:solidFill>
+                    <a:schemeClr val="accent2"/>
+                  </a:solidFill>
+                  <a:ln>
+                    <a:solidFill>
+                      <a:srgbClr val="002060"/>
+                    </a:solidFill>
+                  </a:ln>
+                </p:spPr>
+                <p:style>
+                  <a:lnRef idx="2">
+                    <a:schemeClr val="accent1">
+                      <a:shade val="15000"/>
+                    </a:schemeClr>
+                  </a:lnRef>
+                  <a:fillRef idx="1">
+                    <a:schemeClr val="accent1"/>
+                  </a:fillRef>
+                  <a:effectRef idx="0">
+                    <a:schemeClr val="accent1"/>
+                  </a:effectRef>
+                  <a:fontRef idx="minor">
+                    <a:schemeClr val="lt1"/>
+                  </a:fontRef>
+                </p:style>
+                <p:txBody>
+                  <a:bodyPr rtlCol="0" anchor="ctr"/>
+                  <a:lstStyle/>
+                  <a:p>
+                    <a:pPr algn="ctr"/>
+                    <a:endParaRPr lang="LID4096"/>
+                  </a:p>
+                </p:txBody>
+              </p:sp>
+            </p:grpSp>
+          </p:grpSp>
+          <p:sp>
+            <p:nvSpPr>
+              <p:cNvPr id="1076" name="TextBox 1075">
+                <a:extLst>
+                  <a:ext uri="{FF2B5EF4-FFF2-40B4-BE49-F238E27FC236}">
+                    <a16:creationId xmlns:a16="http://schemas.microsoft.com/office/drawing/2014/main" id="{904FD576-073F-0D33-A9C5-46A52715E172}"/>
+                  </a:ext>
+                </a:extLst>
+              </p:cNvPr>
+              <p:cNvSpPr txBox="1"/>
+              <p:nvPr/>
+            </p:nvSpPr>
+            <p:spPr>
+              <a:xfrm>
+                <a:off x="4066685" y="2504542"/>
+                <a:ext cx="720425" cy="523220"/>
+              </a:xfrm>
+              <a:prstGeom prst="rect">
+                <a:avLst/>
+              </a:prstGeom>
+              <a:noFill/>
+            </p:spPr>
+            <p:txBody>
+              <a:bodyPr wrap="square">
+                <a:spAutoFit/>
+              </a:bodyPr>
+              <a:lstStyle/>
+              <a:p>
+                <a:r>
+                  <a:rPr lang="pt-BR" sz="2800" b="1" dirty="0"/>
+                  <a:t>. . .</a:t>
+                </a:r>
+                <a:endParaRPr lang="LID4096" sz="2800" b="1" dirty="0"/>
+              </a:p>
+            </p:txBody>
+          </p:sp>
+          <p:sp>
+            <p:nvSpPr>
+              <p:cNvPr id="1078" name="TextBox 1077">
+                <a:extLst>
+                  <a:ext uri="{FF2B5EF4-FFF2-40B4-BE49-F238E27FC236}">
+                    <a16:creationId xmlns:a16="http://schemas.microsoft.com/office/drawing/2014/main" id="{5C3B61B6-5A4E-A178-A860-6F86252AD12F}"/>
+                  </a:ext>
+                </a:extLst>
+              </p:cNvPr>
+              <p:cNvSpPr txBox="1"/>
+              <p:nvPr/>
+            </p:nvSpPr>
+            <p:spPr>
+              <a:xfrm>
+                <a:off x="2154851" y="4144567"/>
+                <a:ext cx="2632260" cy="276999"/>
+              </a:xfrm>
+              <a:prstGeom prst="rect">
+                <a:avLst/>
+              </a:prstGeom>
+              <a:noFill/>
+            </p:spPr>
+            <p:txBody>
+              <a:bodyPr wrap="square">
+                <a:spAutoFit/>
+              </a:bodyPr>
+              <a:lstStyle/>
+              <a:p>
+                <a:pPr algn="r"/>
+                <a:r>
+                  <a:rPr lang="LID4096" sz="600" dirty="0"/>
+                  <a:t>http://localhost:8888/notebooks/05_PEST_pp________On_the_run-01/benchmarks/01_one_dim_flow/02_Beta_model_SETUP___01__.ipynb</a:t>
+                </a:r>
+              </a:p>
+            </p:txBody>
+          </p:sp>
+        </p:grpSp>
+        <p:pic>
+          <p:nvPicPr>
+            <p:cNvPr id="18" name="Picture 17">
+              <a:extLst>
+                <a:ext uri="{FF2B5EF4-FFF2-40B4-BE49-F238E27FC236}">
+                  <a16:creationId xmlns:a16="http://schemas.microsoft.com/office/drawing/2014/main" id="{47AEE735-D8FA-B565-3E7B-848511943F96}"/>
+                </a:ext>
+              </a:extLst>
+            </p:cNvPr>
+            <p:cNvPicPr>
+              <a:picLocks noChangeAspect="1"/>
+            </p:cNvPicPr>
+            <p:nvPr/>
+          </p:nvPicPr>
+          <p:blipFill>
+            <a:blip r:embed="rId15"/>
+            <a:stretch>
+              <a:fillRect/>
+            </a:stretch>
+          </p:blipFill>
+          <p:spPr>
+            <a:xfrm>
+              <a:off x="144425" y="1700762"/>
+              <a:ext cx="4642685" cy="647817"/>
+            </a:xfrm>
+            <a:prstGeom prst="rect">
+              <a:avLst/>
+            </a:prstGeom>
+            <a:noFill/>
+            <a:ln w="3175">
+              <a:solidFill>
+                <a:schemeClr val="tx1"/>
+              </a:solidFill>
+            </a:ln>
+            <a:effectLst>
+              <a:outerShdw blurRad="50800" dist="38100" dir="8100000" algn="tr" rotWithShape="0">
+                <a:prstClr val="black">
+                  <a:alpha val="40000"/>
+                </a:prstClr>
+              </a:outerShdw>
+            </a:effectLst>
+          </p:spPr>
+        </p:pic>
+      </p:grpSp>
       <p:sp>
         <p:nvSpPr>
-          <p:cNvPr id="29" name="TextBox 28">
-            <a:extLst>
-              <a:ext uri="{FF2B5EF4-FFF2-40B4-BE49-F238E27FC236}">
-                <a16:creationId xmlns:a16="http://schemas.microsoft.com/office/drawing/2014/main" id="{91A1BF73-25E1-5D87-889D-E55D5AC171DF}"/>
-              </a:ext>
-            </a:extLst>
-          </p:cNvPr>
-          <p:cNvSpPr txBox="1">
-            <a:spLocks noChangeAspect="1"/>
-          </p:cNvSpPr>
+          <p:cNvPr id="20" name="TextBox 19">
+            <a:extLst>
+              <a:ext uri="{FF2B5EF4-FFF2-40B4-BE49-F238E27FC236}">
+                <a16:creationId xmlns:a16="http://schemas.microsoft.com/office/drawing/2014/main" id="{0F2F49AB-1285-A1D5-04A8-B5CE89DF0314}"/>
+              </a:ext>
+            </a:extLst>
+          </p:cNvPr>
+          <p:cNvSpPr txBox="1"/>
           <p:nvPr/>
         </p:nvSpPr>
         <p:spPr>
           <a:xfrm>
-            <a:off x="6237653" y="159573"/>
-            <a:ext cx="1582763" cy="287837"/>
-          </a:xfrm>
-          <a:prstGeom prst="rect">
-            <a:avLst/>
-          </a:prstGeom>
-          <a:solidFill>
-            <a:schemeClr val="bg1">
-              <a:lumMod val="85000"/>
-            </a:schemeClr>
-          </a:solidFill>
-        </p:spPr>
-        <p:txBody>
-          <a:bodyPr wrap="none" lIns="0" tIns="0" rIns="0" bIns="0" anchor="ctr" anchorCtr="0">
-            <a:noAutofit/>
-          </a:bodyPr>
-          <a:lstStyle/>
-          <a:p>
-            <a:pPr algn="ctr"/>
-            <a:r>
-              <a:rPr lang="en-US" sz="1600" b="1" dirty="0"/>
-              <a:t>1.3 intro pyEMU</a:t>
-            </a:r>
-          </a:p>
-        </p:txBody>
-      </p:sp>
-      <p:sp>
-        <p:nvSpPr>
-          <p:cNvPr id="30" name="Rectangle 29">
-            <a:extLst>
-              <a:ext uri="{FF2B5EF4-FFF2-40B4-BE49-F238E27FC236}">
-                <a16:creationId xmlns:a16="http://schemas.microsoft.com/office/drawing/2014/main" id="{8AD5BACE-1F9C-8FCF-9862-D881592ECF1B}"/>
-              </a:ext>
-            </a:extLst>
-          </p:cNvPr>
-          <p:cNvSpPr/>
-          <p:nvPr/>
-        </p:nvSpPr>
-        <p:spPr>
-          <a:xfrm>
-            <a:off x="5927997" y="700755"/>
-            <a:ext cx="1828127" cy="205099"/>
+            <a:off x="1481807" y="345779"/>
+            <a:ext cx="952943" cy="174649"/>
           </a:xfrm>
           <a:prstGeom prst="rect">
             <a:avLst/>
           </a:prstGeom>
           <a:noFill/>
-          <a:ln w="6350">
+          <a:ln w="28575">
             <a:solidFill>
-              <a:schemeClr val="tx1"/>
+              <a:srgbClr val="FF0000"/>
+            </a:solidFill>
+          </a:ln>
+        </p:spPr>
+        <p:txBody>
+          <a:bodyPr wrap="square">
+            <a:noAutofit/>
+          </a:bodyPr>
+          <a:lstStyle/>
+          <a:p>
+            <a:endParaRPr lang="en-US" sz="1300" b="1" dirty="0">
+              <a:solidFill>
+                <a:srgbClr val="FF0000"/>
+              </a:solidFill>
+            </a:endParaRPr>
+          </a:p>
+        </p:txBody>
+      </p:sp>
+      <p:grpSp>
+        <p:nvGrpSpPr>
+          <p:cNvPr id="24" name="Group 23">
+            <a:extLst>
+              <a:ext uri="{FF2B5EF4-FFF2-40B4-BE49-F238E27FC236}">
+                <a16:creationId xmlns:a16="http://schemas.microsoft.com/office/drawing/2014/main" id="{667B37FE-16DD-2E72-8232-802306F46F71}"/>
+              </a:ext>
+            </a:extLst>
+          </p:cNvPr>
+          <p:cNvGrpSpPr>
+            <a:grpSpLocks noChangeAspect="1"/>
+          </p:cNvGrpSpPr>
+          <p:nvPr/>
+        </p:nvGrpSpPr>
+        <p:grpSpPr>
+          <a:xfrm>
+            <a:off x="5389852" y="170437"/>
+            <a:ext cx="5912364" cy="1536733"/>
+            <a:chOff x="6148890" y="507927"/>
+            <a:chExt cx="5708723" cy="1483803"/>
+          </a:xfrm>
+        </p:grpSpPr>
+        <p:grpSp>
+          <p:nvGrpSpPr>
+            <p:cNvPr id="14" name="Group 13">
+              <a:extLst>
+                <a:ext uri="{FF2B5EF4-FFF2-40B4-BE49-F238E27FC236}">
+                  <a16:creationId xmlns:a16="http://schemas.microsoft.com/office/drawing/2014/main" id="{BD6456DE-34A9-B7A0-4407-745F11867F33}"/>
+                </a:ext>
+              </a:extLst>
+            </p:cNvPr>
+            <p:cNvGrpSpPr/>
+            <p:nvPr/>
+          </p:nvGrpSpPr>
+          <p:grpSpPr>
+            <a:xfrm>
+              <a:off x="6148890" y="809156"/>
+              <a:ext cx="5708723" cy="883631"/>
+              <a:chOff x="6190858" y="587377"/>
+              <a:chExt cx="5708723" cy="883631"/>
+            </a:xfrm>
+          </p:grpSpPr>
+          <p:pic>
+            <p:nvPicPr>
+              <p:cNvPr id="11" name="Picture 10">
+                <a:extLst>
+                  <a:ext uri="{FF2B5EF4-FFF2-40B4-BE49-F238E27FC236}">
+                    <a16:creationId xmlns:a16="http://schemas.microsoft.com/office/drawing/2014/main" id="{93CBB4A1-CC54-17E8-5660-877C580E00D3}"/>
+                  </a:ext>
+                </a:extLst>
+              </p:cNvPr>
+              <p:cNvPicPr>
+                <a:picLocks noChangeAspect="1"/>
+              </p:cNvPicPr>
+              <p:nvPr/>
+            </p:nvPicPr>
+            <p:blipFill>
+              <a:blip r:embed="rId16"/>
+              <a:stretch>
+                <a:fillRect/>
+              </a:stretch>
+            </p:blipFill>
+            <p:spPr>
+              <a:xfrm>
+                <a:off x="8184831" y="587377"/>
+                <a:ext cx="3714750" cy="419100"/>
+              </a:xfrm>
+              <a:prstGeom prst="rect">
+                <a:avLst/>
+              </a:prstGeom>
+              <a:noFill/>
+              <a:ln w="3175">
+                <a:solidFill>
+                  <a:srgbClr val="00B050"/>
+                </a:solidFill>
+              </a:ln>
+              <a:effectLst>
+                <a:outerShdw blurRad="50800" dist="38100" dir="8100000" algn="tr" rotWithShape="0">
+                  <a:prstClr val="black">
+                    <a:alpha val="40000"/>
+                  </a:prstClr>
+                </a:outerShdw>
+              </a:effectLst>
+            </p:spPr>
+          </p:pic>
+          <p:pic>
+            <p:nvPicPr>
+              <p:cNvPr id="13" name="Picture 12">
+                <a:extLst>
+                  <a:ext uri="{FF2B5EF4-FFF2-40B4-BE49-F238E27FC236}">
+                    <a16:creationId xmlns:a16="http://schemas.microsoft.com/office/drawing/2014/main" id="{FCE5D845-D749-E684-8D12-32167A37D6EB}"/>
+                  </a:ext>
+                </a:extLst>
+              </p:cNvPr>
+              <p:cNvPicPr>
+                <a:picLocks noChangeAspect="1"/>
+              </p:cNvPicPr>
+              <p:nvPr/>
+            </p:nvPicPr>
+            <p:blipFill>
+              <a:blip r:embed="rId17"/>
+              <a:stretch>
+                <a:fillRect/>
+              </a:stretch>
+            </p:blipFill>
+            <p:spPr>
+              <a:xfrm>
+                <a:off x="6190858" y="1057587"/>
+                <a:ext cx="5708723" cy="413421"/>
+              </a:xfrm>
+              <a:prstGeom prst="rect">
+                <a:avLst/>
+              </a:prstGeom>
+              <a:noFill/>
+              <a:ln w="3175">
+                <a:solidFill>
+                  <a:srgbClr val="00B050"/>
+                </a:solidFill>
+              </a:ln>
+              <a:effectLst>
+                <a:outerShdw blurRad="50800" dist="38100" dir="8100000" algn="tr" rotWithShape="0">
+                  <a:prstClr val="black">
+                    <a:alpha val="40000"/>
+                  </a:prstClr>
+                </a:outerShdw>
+              </a:effectLst>
+            </p:spPr>
+          </p:pic>
+        </p:grpSp>
+        <p:pic>
+          <p:nvPicPr>
+            <p:cNvPr id="16" name="Picture 15">
+              <a:extLst>
+                <a:ext uri="{FF2B5EF4-FFF2-40B4-BE49-F238E27FC236}">
+                  <a16:creationId xmlns:a16="http://schemas.microsoft.com/office/drawing/2014/main" id="{82E59A25-6E72-45D0-61BE-A7D2C4BE9846}"/>
+                </a:ext>
+              </a:extLst>
+            </p:cNvPr>
+            <p:cNvPicPr>
+              <a:picLocks noChangeAspect="1"/>
+            </p:cNvPicPr>
+            <p:nvPr/>
+          </p:nvPicPr>
+          <p:blipFill>
+            <a:blip r:embed="rId18"/>
+            <a:stretch>
+              <a:fillRect/>
+            </a:stretch>
+          </p:blipFill>
+          <p:spPr>
+            <a:xfrm>
+              <a:off x="6845000" y="1753605"/>
+              <a:ext cx="4991100" cy="238125"/>
+            </a:xfrm>
+            <a:prstGeom prst="rect">
+              <a:avLst/>
+            </a:prstGeom>
+            <a:noFill/>
+            <a:ln w="3175">
+              <a:solidFill>
+                <a:srgbClr val="00B050"/>
+              </a:solidFill>
+            </a:ln>
+            <a:effectLst>
+              <a:outerShdw blurRad="50800" dist="38100" dir="8100000" algn="tr" rotWithShape="0">
+                <a:prstClr val="black">
+                  <a:alpha val="40000"/>
+                </a:prstClr>
+              </a:outerShdw>
+            </a:effectLst>
+          </p:spPr>
+        </p:pic>
+        <p:sp>
+          <p:nvSpPr>
+            <p:cNvPr id="21" name="TextBox 20">
+              <a:extLst>
+                <a:ext uri="{FF2B5EF4-FFF2-40B4-BE49-F238E27FC236}">
+                  <a16:creationId xmlns:a16="http://schemas.microsoft.com/office/drawing/2014/main" id="{41BC73B0-0412-5EDE-11F5-A42EAC25EB64}"/>
+                </a:ext>
+              </a:extLst>
+            </p:cNvPr>
+            <p:cNvSpPr txBox="1"/>
+            <p:nvPr/>
+          </p:nvSpPr>
+          <p:spPr>
+            <a:xfrm>
+              <a:off x="10613450" y="1761949"/>
+              <a:ext cx="1222650" cy="229781"/>
+            </a:xfrm>
+            <a:prstGeom prst="rect">
+              <a:avLst/>
+            </a:prstGeom>
+            <a:noFill/>
+            <a:ln w="28575">
+              <a:solidFill>
+                <a:srgbClr val="FF0000"/>
+              </a:solidFill>
+            </a:ln>
+          </p:spPr>
+          <p:txBody>
+            <a:bodyPr wrap="square">
+              <a:noAutofit/>
+            </a:bodyPr>
+            <a:lstStyle/>
+            <a:p>
+              <a:endParaRPr lang="en-US" sz="1300" b="1" dirty="0">
+                <a:solidFill>
+                  <a:srgbClr val="FF0000"/>
+                </a:solidFill>
+              </a:endParaRPr>
+            </a:p>
+          </p:txBody>
+        </p:sp>
+        <p:pic>
+          <p:nvPicPr>
+            <p:cNvPr id="22" name="Picture 21">
+              <a:extLst>
+                <a:ext uri="{FF2B5EF4-FFF2-40B4-BE49-F238E27FC236}">
+                  <a16:creationId xmlns:a16="http://schemas.microsoft.com/office/drawing/2014/main" id="{478FEEEF-9611-B556-B79B-F62EEDF894A2}"/>
+                </a:ext>
+              </a:extLst>
+            </p:cNvPr>
+            <p:cNvPicPr>
+              <a:picLocks noChangeAspect="1"/>
+            </p:cNvPicPr>
+            <p:nvPr/>
+          </p:nvPicPr>
+          <p:blipFill>
+            <a:blip r:embed="rId19"/>
+            <a:stretch>
+              <a:fillRect/>
+            </a:stretch>
+          </p:blipFill>
+          <p:spPr>
+            <a:xfrm>
+              <a:off x="8349262" y="507927"/>
+              <a:ext cx="3508351" cy="233890"/>
+            </a:xfrm>
+            <a:prstGeom prst="rect">
+              <a:avLst/>
+            </a:prstGeom>
+            <a:noFill/>
+            <a:ln w="3175">
+              <a:solidFill>
+                <a:srgbClr val="00B050"/>
+              </a:solidFill>
+            </a:ln>
+            <a:effectLst>
+              <a:outerShdw blurRad="50800" dist="38100" dir="8100000" algn="tr" rotWithShape="0">
+                <a:prstClr val="black">
+                  <a:alpha val="40000"/>
+                </a:prstClr>
+              </a:outerShdw>
+            </a:effectLst>
+          </p:spPr>
+        </p:pic>
+        <p:sp>
+          <p:nvSpPr>
+            <p:cNvPr id="23" name="Rectangle 22">
+              <a:extLst>
+                <a:ext uri="{FF2B5EF4-FFF2-40B4-BE49-F238E27FC236}">
+                  <a16:creationId xmlns:a16="http://schemas.microsoft.com/office/drawing/2014/main" id="{CDE29116-8C28-BDBF-F3C5-E04803BCB91C}"/>
+                </a:ext>
+              </a:extLst>
+            </p:cNvPr>
+            <p:cNvSpPr/>
+            <p:nvPr/>
+          </p:nvSpPr>
+          <p:spPr>
+            <a:xfrm>
+              <a:off x="10614212" y="532395"/>
+              <a:ext cx="1236996" cy="209422"/>
+            </a:xfrm>
+            <a:prstGeom prst="rect">
+              <a:avLst/>
+            </a:prstGeom>
+            <a:noFill/>
+            <a:ln w="19050">
+              <a:solidFill>
+                <a:srgbClr val="0000FF"/>
+              </a:solidFill>
+            </a:ln>
+            <a:effectLst>
+              <a:outerShdw blurRad="50800" dist="38100" dir="8100000" algn="tr" rotWithShape="0">
+                <a:prstClr val="black">
+                  <a:alpha val="40000"/>
+                </a:prstClr>
+              </a:outerShdw>
+            </a:effectLst>
+          </p:spPr>
+          <p:txBody>
+            <a:bodyPr wrap="none" anchor="ctr" anchorCtr="0">
+              <a:noAutofit/>
+            </a:bodyPr>
+            <a:lstStyle/>
+            <a:p>
+              <a:endParaRPr lang="LID4096"/>
+            </a:p>
+          </p:txBody>
+        </p:sp>
+      </p:grpSp>
+      <p:pic>
+        <p:nvPicPr>
+          <p:cNvPr id="26" name="Picture 25">
+            <a:extLst>
+              <a:ext uri="{FF2B5EF4-FFF2-40B4-BE49-F238E27FC236}">
+                <a16:creationId xmlns:a16="http://schemas.microsoft.com/office/drawing/2014/main" id="{F737D550-50B9-F525-E02D-42F18A9BE105}"/>
+              </a:ext>
+            </a:extLst>
+          </p:cNvPr>
+          <p:cNvPicPr>
+            <a:picLocks noChangeAspect="1"/>
+          </p:cNvPicPr>
+          <p:nvPr/>
+        </p:nvPicPr>
+        <p:blipFill>
+          <a:blip r:embed="rId20"/>
+          <a:stretch>
+            <a:fillRect/>
+          </a:stretch>
+        </p:blipFill>
+        <p:spPr>
+          <a:xfrm>
+            <a:off x="5587560" y="1825134"/>
+            <a:ext cx="3373116" cy="2260834"/>
+          </a:xfrm>
+          <a:prstGeom prst="rect">
+            <a:avLst/>
+          </a:prstGeom>
+          <a:noFill/>
+          <a:ln w="3175">
+            <a:solidFill>
+              <a:srgbClr val="00B050"/>
             </a:solidFill>
           </a:ln>
           <a:effectLst>
@@ -18825,40 +18934,38 @@
             </a:outerShdw>
           </a:effectLst>
         </p:spPr>
-        <p:txBody>
-          <a:bodyPr wrap="none" anchor="ctr" anchorCtr="0">
-            <a:noAutofit/>
-          </a:bodyPr>
-          <a:lstStyle/>
-          <a:p>
-            <a:endParaRPr lang="LID4096" dirty="0"/>
-          </a:p>
-        </p:txBody>
-      </p:sp>
-      <p:sp>
-        <p:nvSpPr>
-          <p:cNvPr id="31" name="Rectangle 30">
-            <a:extLst>
-              <a:ext uri="{FF2B5EF4-FFF2-40B4-BE49-F238E27FC236}">
-                <a16:creationId xmlns:a16="http://schemas.microsoft.com/office/drawing/2014/main" id="{6BDD915B-521D-0DCA-4B5D-3FC2A76C1B1A}"/>
-              </a:ext>
-            </a:extLst>
-          </p:cNvPr>
-          <p:cNvSpPr/>
+      </p:pic>
+      <p:pic>
+        <p:nvPicPr>
+          <p:cNvPr id="28" name="Picture 27">
+            <a:extLst>
+              <a:ext uri="{FF2B5EF4-FFF2-40B4-BE49-F238E27FC236}">
+                <a16:creationId xmlns:a16="http://schemas.microsoft.com/office/drawing/2014/main" id="{2C3BBFDA-A194-FDD4-C23E-770AA7DA8F87}"/>
+              </a:ext>
+            </a:extLst>
+          </p:cNvPr>
+          <p:cNvPicPr>
+            <a:picLocks noChangeAspect="1"/>
+          </p:cNvPicPr>
           <p:nvPr/>
-        </p:nvSpPr>
+        </p:nvPicPr>
+        <p:blipFill>
+          <a:blip r:embed="rId20"/>
+          <a:srcRect l="61446" t="65114" r="17785" b="29264"/>
+          <a:stretch/>
+        </p:blipFill>
         <p:spPr>
           <a:xfrm>
-            <a:off x="4203582" y="33590"/>
-            <a:ext cx="1828127" cy="205099"/>
+            <a:off x="8399426" y="6071286"/>
+            <a:ext cx="979159" cy="177633"/>
           </a:xfrm>
           <a:prstGeom prst="rect">
             <a:avLst/>
           </a:prstGeom>
           <a:noFill/>
-          <a:ln w="6350">
+          <a:ln w="3175">
             <a:solidFill>
-              <a:schemeClr val="tx1"/>
+              <a:srgbClr val="00B050"/>
             </a:solidFill>
           </a:ln>
           <a:effectLst>
@@ -18869,20 +18976,420 @@
             </a:outerShdw>
           </a:effectLst>
         </p:spPr>
+      </p:pic>
+      <p:pic>
+        <p:nvPicPr>
+          <p:cNvPr id="29" name="Picture 28">
+            <a:extLst>
+              <a:ext uri="{FF2B5EF4-FFF2-40B4-BE49-F238E27FC236}">
+                <a16:creationId xmlns:a16="http://schemas.microsoft.com/office/drawing/2014/main" id="{D76DF589-7685-24D1-25FB-4C01EC750D28}"/>
+              </a:ext>
+            </a:extLst>
+          </p:cNvPr>
+          <p:cNvPicPr>
+            <a:picLocks noChangeAspect="1"/>
+          </p:cNvPicPr>
+          <p:nvPr/>
+        </p:nvPicPr>
+        <p:blipFill>
+          <a:blip r:embed="rId20"/>
+          <a:srcRect l="70900" t="91671" r="11470" b="1933"/>
+          <a:stretch/>
+        </p:blipFill>
+        <p:spPr>
+          <a:xfrm>
+            <a:off x="10487571" y="5573704"/>
+            <a:ext cx="831167" cy="202110"/>
+          </a:xfrm>
+          <a:prstGeom prst="rect">
+            <a:avLst/>
+          </a:prstGeom>
+          <a:noFill/>
+          <a:ln w="3175">
+            <a:solidFill>
+              <a:srgbClr val="00B050"/>
+            </a:solidFill>
+          </a:ln>
+          <a:effectLst>
+            <a:outerShdw blurRad="50800" dist="38100" dir="8100000" algn="tr" rotWithShape="0">
+              <a:prstClr val="black">
+                <a:alpha val="40000"/>
+              </a:prstClr>
+            </a:outerShdw>
+          </a:effectLst>
+        </p:spPr>
+      </p:pic>
+      <p:pic>
+        <p:nvPicPr>
+          <p:cNvPr id="31" name="Picture 30">
+            <a:extLst>
+              <a:ext uri="{FF2B5EF4-FFF2-40B4-BE49-F238E27FC236}">
+                <a16:creationId xmlns:a16="http://schemas.microsoft.com/office/drawing/2014/main" id="{7949044D-7E3D-10DE-E9E7-48BF01BFE61F}"/>
+              </a:ext>
+            </a:extLst>
+          </p:cNvPr>
+          <p:cNvPicPr>
+            <a:picLocks noChangeAspect="1"/>
+          </p:cNvPicPr>
+          <p:nvPr/>
+        </p:nvPicPr>
+        <p:blipFill>
+          <a:blip r:embed="rId21"/>
+          <a:stretch>
+            <a:fillRect/>
+          </a:stretch>
+        </p:blipFill>
+        <p:spPr>
+          <a:xfrm>
+            <a:off x="9222517" y="2524406"/>
+            <a:ext cx="1885950" cy="257175"/>
+          </a:xfrm>
+          <a:prstGeom prst="rect">
+            <a:avLst/>
+          </a:prstGeom>
+          <a:noFill/>
+          <a:ln w="3175">
+            <a:solidFill>
+              <a:srgbClr val="00B050"/>
+            </a:solidFill>
+          </a:ln>
+          <a:effectLst>
+            <a:outerShdw blurRad="50800" dist="38100" dir="8100000" algn="tr" rotWithShape="0">
+              <a:prstClr val="black">
+                <a:alpha val="40000"/>
+              </a:prstClr>
+            </a:outerShdw>
+          </a:effectLst>
+        </p:spPr>
+      </p:pic>
+      <p:pic>
+        <p:nvPicPr>
+          <p:cNvPr id="33" name="Picture 32">
+            <a:extLst>
+              <a:ext uri="{FF2B5EF4-FFF2-40B4-BE49-F238E27FC236}">
+                <a16:creationId xmlns:a16="http://schemas.microsoft.com/office/drawing/2014/main" id="{1C5B4F5A-CC40-C6F5-74C6-17945A62746E}"/>
+              </a:ext>
+            </a:extLst>
+          </p:cNvPr>
+          <p:cNvPicPr>
+            <a:picLocks noChangeAspect="1"/>
+          </p:cNvPicPr>
+          <p:nvPr/>
+        </p:nvPicPr>
+        <p:blipFill>
+          <a:blip r:embed="rId22"/>
+          <a:srcRect t="12963" r="3642"/>
+          <a:stretch/>
+        </p:blipFill>
+        <p:spPr>
+          <a:xfrm>
+            <a:off x="9353820" y="2843632"/>
+            <a:ext cx="2358755" cy="223837"/>
+          </a:xfrm>
+          <a:prstGeom prst="rect">
+            <a:avLst/>
+          </a:prstGeom>
+          <a:noFill/>
+          <a:ln w="3175">
+            <a:solidFill>
+              <a:srgbClr val="00B050"/>
+            </a:solidFill>
+          </a:ln>
+          <a:effectLst>
+            <a:outerShdw blurRad="50800" dist="38100" dir="8100000" algn="tr" rotWithShape="0">
+              <a:prstClr val="black">
+                <a:alpha val="40000"/>
+              </a:prstClr>
+            </a:outerShdw>
+          </a:effectLst>
+        </p:spPr>
+      </p:pic>
+      <p:sp>
+        <p:nvSpPr>
+          <p:cNvPr id="51" name="TextBox 50">
+            <a:extLst>
+              <a:ext uri="{FF2B5EF4-FFF2-40B4-BE49-F238E27FC236}">
+                <a16:creationId xmlns:a16="http://schemas.microsoft.com/office/drawing/2014/main" id="{B24F9D8E-849B-859C-D935-8658F5233CD6}"/>
+              </a:ext>
+            </a:extLst>
+          </p:cNvPr>
+          <p:cNvSpPr txBox="1"/>
+          <p:nvPr/>
+        </p:nvSpPr>
+        <p:spPr>
+          <a:xfrm>
+            <a:off x="3470981" y="4724014"/>
+            <a:ext cx="6218474" cy="646331"/>
+          </a:xfrm>
+          <a:prstGeom prst="rect">
+            <a:avLst/>
+          </a:prstGeom>
+          <a:noFill/>
+        </p:spPr>
         <p:txBody>
-          <a:bodyPr wrap="none" anchor="ctr" anchorCtr="0">
-            <a:noAutofit/>
+          <a:bodyPr wrap="square">
+            <a:spAutoFit/>
+          </a:bodyPr>
+          <a:lstStyle>
+            <a:defPPr>
+              <a:defRPr lang="LID4096"/>
+            </a:defPPr>
+          </a:lstStyle>
+          <a:p>
+            <a:r>
+              <a:rPr lang="en-US" dirty="0"/>
+              <a:t>Stopped at: </a:t>
+            </a:r>
+          </a:p>
+          <a:p>
+            <a:r>
+              <a:rPr lang="en-US" dirty="0"/>
+              <a:t># `Beta ____ multi_threads=false ____ error`</a:t>
+            </a:r>
+          </a:p>
+        </p:txBody>
+      </p:sp>
+      <p:sp>
+        <p:nvSpPr>
+          <p:cNvPr id="52" name="TextBox 51">
+            <a:extLst>
+              <a:ext uri="{FF2B5EF4-FFF2-40B4-BE49-F238E27FC236}">
+                <a16:creationId xmlns:a16="http://schemas.microsoft.com/office/drawing/2014/main" id="{480999B4-C01B-1BCB-BB94-893CB59CB812}"/>
+              </a:ext>
+            </a:extLst>
+          </p:cNvPr>
+          <p:cNvSpPr txBox="1"/>
+          <p:nvPr/>
+        </p:nvSpPr>
+        <p:spPr>
+          <a:xfrm>
+            <a:off x="1607017" y="3575129"/>
+            <a:ext cx="3194669" cy="338554"/>
+          </a:xfrm>
+          <a:prstGeom prst="rect">
+            <a:avLst/>
+          </a:prstGeom>
+          <a:noFill/>
+        </p:spPr>
+        <p:txBody>
+          <a:bodyPr wrap="square">
+            <a:spAutoFit/>
           </a:bodyPr>
           <a:lstStyle/>
           <a:p>
-            <a:endParaRPr lang="LID4096" dirty="0"/>
+            <a:pPr algn="r"/>
+            <a:r>
+              <a:rPr lang="LID4096" sz="1600" b="1" dirty="0"/>
+              <a:t>PEST_pp</a:t>
+            </a:r>
+            <a:r>
+              <a:rPr lang="pt-BR" sz="1600" b="1" dirty="0"/>
+              <a:t> \ B</a:t>
+            </a:r>
+            <a:r>
+              <a:rPr lang="LID4096" sz="1600" b="1" dirty="0"/>
+              <a:t>enchmarks</a:t>
+            </a:r>
+            <a:r>
+              <a:rPr lang="pt-BR" sz="1600" b="1" dirty="0"/>
+              <a:t> \ 1D</a:t>
+            </a:r>
+            <a:endParaRPr lang="LID4096" sz="1600" b="1" dirty="0"/>
           </a:p>
         </p:txBody>
       </p:sp>
+      <p:sp>
+        <p:nvSpPr>
+          <p:cNvPr id="53" name="TextBox 52">
+            <a:extLst>
+              <a:ext uri="{FF2B5EF4-FFF2-40B4-BE49-F238E27FC236}">
+                <a16:creationId xmlns:a16="http://schemas.microsoft.com/office/drawing/2014/main" id="{DA7BC306-66E2-0B52-E1CD-A5FF006D9ED1}"/>
+              </a:ext>
+            </a:extLst>
+          </p:cNvPr>
+          <p:cNvSpPr txBox="1"/>
+          <p:nvPr/>
+        </p:nvSpPr>
+        <p:spPr>
+          <a:xfrm>
+            <a:off x="2591983" y="3845158"/>
+            <a:ext cx="2195128" cy="338554"/>
+          </a:xfrm>
+          <a:prstGeom prst="rect">
+            <a:avLst/>
+          </a:prstGeom>
+          <a:noFill/>
+        </p:spPr>
+        <p:txBody>
+          <a:bodyPr wrap="square">
+            <a:spAutoFit/>
+          </a:bodyPr>
+          <a:lstStyle/>
+          <a:p>
+            <a:pPr algn="r"/>
+            <a:r>
+              <a:rPr lang="pt-BR" sz="1600" b="1" dirty="0"/>
+              <a:t>Mf5 _1d ___ SETUP</a:t>
+            </a:r>
+            <a:endParaRPr lang="LID4096" sz="1600" b="1" dirty="0"/>
+          </a:p>
+        </p:txBody>
+      </p:sp>
+      <p:grpSp>
+        <p:nvGrpSpPr>
+          <p:cNvPr id="7" name="Group 6">
+            <a:extLst>
+              <a:ext uri="{FF2B5EF4-FFF2-40B4-BE49-F238E27FC236}">
+                <a16:creationId xmlns:a16="http://schemas.microsoft.com/office/drawing/2014/main" id="{068693F0-F9CE-BB8A-37C7-BDCB1EF6AF6C}"/>
+              </a:ext>
+            </a:extLst>
+          </p:cNvPr>
+          <p:cNvGrpSpPr/>
+          <p:nvPr/>
+        </p:nvGrpSpPr>
+        <p:grpSpPr>
+          <a:xfrm>
+            <a:off x="9191052" y="4239420"/>
+            <a:ext cx="2593038" cy="834084"/>
+            <a:chOff x="9119537" y="4445279"/>
+            <a:chExt cx="2593038" cy="834084"/>
+          </a:xfrm>
+        </p:grpSpPr>
+        <p:sp>
+          <p:nvSpPr>
+            <p:cNvPr id="6" name="TextBox 5">
+              <a:extLst>
+                <a:ext uri="{FF2B5EF4-FFF2-40B4-BE49-F238E27FC236}">
+                  <a16:creationId xmlns:a16="http://schemas.microsoft.com/office/drawing/2014/main" id="{1AD65824-997F-D76A-B3FF-D6FF597A7002}"/>
+                </a:ext>
+              </a:extLst>
+            </p:cNvPr>
+            <p:cNvSpPr txBox="1">
+              <a:spLocks noChangeAspect="1"/>
+            </p:cNvSpPr>
+            <p:nvPr/>
+          </p:nvSpPr>
+          <p:spPr>
+            <a:xfrm>
+              <a:off x="11176780" y="4758935"/>
+              <a:ext cx="535795" cy="520428"/>
+            </a:xfrm>
+            <a:prstGeom prst="rect">
+              <a:avLst/>
+            </a:prstGeom>
+            <a:solidFill>
+              <a:srgbClr val="00B0F0"/>
+            </a:solidFill>
+          </p:spPr>
+          <p:txBody>
+            <a:bodyPr wrap="none" lIns="0" tIns="0" rIns="0" bIns="0" anchor="ctr" anchorCtr="0">
+              <a:noAutofit/>
+            </a:bodyPr>
+            <a:lstStyle/>
+            <a:p>
+              <a:pPr algn="ctr"/>
+              <a:r>
+                <a:rPr lang="pt-BR" sz="2400" b="1">
+                  <a:solidFill>
+                    <a:schemeClr val="bg1"/>
+                  </a:solidFill>
+                </a:rPr>
+                <a:t>04</a:t>
+              </a:r>
+              <a:endParaRPr lang="LID4096" sz="2400" b="1" dirty="0">
+                <a:solidFill>
+                  <a:schemeClr val="bg1"/>
+                </a:solidFill>
+              </a:endParaRPr>
+            </a:p>
+          </p:txBody>
+        </p:sp>
+        <p:grpSp>
+          <p:nvGrpSpPr>
+            <p:cNvPr id="5" name="Group 4">
+              <a:extLst>
+                <a:ext uri="{FF2B5EF4-FFF2-40B4-BE49-F238E27FC236}">
+                  <a16:creationId xmlns:a16="http://schemas.microsoft.com/office/drawing/2014/main" id="{702AA38A-A141-296D-8FBB-C4A5A2C3CD12}"/>
+                </a:ext>
+              </a:extLst>
+            </p:cNvPr>
+            <p:cNvGrpSpPr>
+              <a:grpSpLocks noChangeAspect="1"/>
+            </p:cNvGrpSpPr>
+            <p:nvPr/>
+          </p:nvGrpSpPr>
+          <p:grpSpPr>
+            <a:xfrm>
+              <a:off x="9119537" y="4445279"/>
+              <a:ext cx="2593038" cy="601900"/>
+              <a:chOff x="10013671" y="3790532"/>
+              <a:chExt cx="1767113" cy="410185"/>
+            </a:xfrm>
+          </p:grpSpPr>
+          <p:pic>
+            <p:nvPicPr>
+              <p:cNvPr id="2" name="Picture 1">
+                <a:extLst>
+                  <a:ext uri="{FF2B5EF4-FFF2-40B4-BE49-F238E27FC236}">
+                    <a16:creationId xmlns:a16="http://schemas.microsoft.com/office/drawing/2014/main" id="{ADC53B97-8A8F-3D69-7740-45ECDF24ABE4}"/>
+                  </a:ext>
+                </a:extLst>
+              </p:cNvPr>
+              <p:cNvPicPr>
+                <a:picLocks noChangeAspect="1"/>
+              </p:cNvPicPr>
+              <p:nvPr/>
+            </p:nvPicPr>
+            <p:blipFill>
+              <a:blip r:embed="rId23"/>
+              <a:srcRect t="65550" b="15487"/>
+              <a:stretch/>
+            </p:blipFill>
+            <p:spPr>
+              <a:xfrm>
+                <a:off x="10013671" y="3790532"/>
+                <a:ext cx="1767113" cy="197024"/>
+              </a:xfrm>
+              <a:prstGeom prst="rect">
+                <a:avLst/>
+              </a:prstGeom>
+            </p:spPr>
+          </p:pic>
+          <p:pic>
+            <p:nvPicPr>
+              <p:cNvPr id="3" name="Picture 2">
+                <a:extLst>
+                  <a:ext uri="{FF2B5EF4-FFF2-40B4-BE49-F238E27FC236}">
+                    <a16:creationId xmlns:a16="http://schemas.microsoft.com/office/drawing/2014/main" id="{DBD501B8-216B-2142-DE5F-BC66004D7F13}"/>
+                  </a:ext>
+                </a:extLst>
+              </p:cNvPr>
+              <p:cNvPicPr>
+                <a:picLocks noChangeAspect="1"/>
+              </p:cNvPicPr>
+              <p:nvPr/>
+            </p:nvPicPr>
+            <p:blipFill>
+              <a:blip r:embed="rId24"/>
+              <a:srcRect t="1" b="14084"/>
+              <a:stretch/>
+            </p:blipFill>
+            <p:spPr>
+              <a:xfrm>
+                <a:off x="10049038" y="4005966"/>
+                <a:ext cx="1054545" cy="194751"/>
+              </a:xfrm>
+              <a:prstGeom prst="rect">
+                <a:avLst/>
+              </a:prstGeom>
+            </p:spPr>
+          </p:pic>
+        </p:grpSp>
+      </p:grpSp>
     </p:spTree>
     <p:extLst>
       <p:ext uri="{BB962C8B-B14F-4D97-AF65-F5344CB8AC3E}">
-        <p14:creationId xmlns:p14="http://schemas.microsoft.com/office/powerpoint/2010/main" val="2752659032"/>
+        <p14:creationId xmlns:p14="http://schemas.microsoft.com/office/powerpoint/2010/main" val="177492580"/>
       </p:ext>
     </p:extLst>
   </p:cSld>

--- a/01_Follow_up__activities.pptx
+++ b/01_Follow_up__activities.pptx
@@ -8,13 +8,14 @@
     <p:sldId id="274" r:id="rId2"/>
     <p:sldId id="279" r:id="rId3"/>
     <p:sldId id="278" r:id="rId4"/>
-    <p:sldId id="261" r:id="rId5"/>
-    <p:sldId id="280" r:id="rId6"/>
-    <p:sldId id="273" r:id="rId7"/>
-    <p:sldId id="275" r:id="rId8"/>
-    <p:sldId id="277" r:id="rId9"/>
-    <p:sldId id="281" r:id="rId10"/>
-    <p:sldId id="276" r:id="rId11"/>
+    <p:sldId id="282" r:id="rId5"/>
+    <p:sldId id="261" r:id="rId6"/>
+    <p:sldId id="280" r:id="rId7"/>
+    <p:sldId id="273" r:id="rId8"/>
+    <p:sldId id="275" r:id="rId9"/>
+    <p:sldId id="277" r:id="rId10"/>
+    <p:sldId id="281" r:id="rId11"/>
+    <p:sldId id="276" r:id="rId12"/>
   </p:sldIdLst>
   <p:sldSz cx="12192000" cy="6858000"/>
   <p:notesSz cx="6858000" cy="9144000"/>
@@ -5260,6 +5261,1625 @@
 </file>
 
 <file path=ppt/slides/slide10.xml><?xml version="1.0" encoding="utf-8"?>
+<p:sld xmlns:a="http://schemas.openxmlformats.org/drawingml/2006/main" xmlns:r="http://schemas.openxmlformats.org/officeDocument/2006/relationships" xmlns:p="http://schemas.openxmlformats.org/presentationml/2006/main">
+  <p:cSld>
+    <p:bg>
+      <p:bgPr>
+        <a:solidFill>
+          <a:srgbClr val="EFDECD"/>
+        </a:solidFill>
+        <a:effectLst/>
+      </p:bgPr>
+    </p:bg>
+    <p:spTree>
+      <p:nvGrpSpPr>
+        <p:cNvPr id="1" name="">
+          <a:extLst>
+            <a:ext uri="{FF2B5EF4-FFF2-40B4-BE49-F238E27FC236}">
+              <a16:creationId xmlns:a16="http://schemas.microsoft.com/office/drawing/2014/main" id="{005A93EA-C738-87F8-AC56-2199256A77A9}"/>
+            </a:ext>
+          </a:extLst>
+        </p:cNvPr>
+        <p:cNvGrpSpPr/>
+        <p:nvPr/>
+      </p:nvGrpSpPr>
+      <p:grpSpPr>
+        <a:xfrm>
+          <a:off x="0" y="0"/>
+          <a:ext cx="0" cy="0"/>
+          <a:chOff x="0" y="0"/>
+          <a:chExt cx="0" cy="0"/>
+        </a:xfrm>
+      </p:grpSpPr>
+      <p:pic>
+        <p:nvPicPr>
+          <p:cNvPr id="1088" name="Picture 1087">
+            <a:extLst>
+              <a:ext uri="{FF2B5EF4-FFF2-40B4-BE49-F238E27FC236}">
+                <a16:creationId xmlns:a16="http://schemas.microsoft.com/office/drawing/2014/main" id="{1C5ADB66-5D3A-4762-1C4F-405B3D024573}"/>
+              </a:ext>
+            </a:extLst>
+          </p:cNvPr>
+          <p:cNvPicPr>
+            <a:picLocks noChangeAspect="1"/>
+          </p:cNvPicPr>
+          <p:nvPr/>
+        </p:nvPicPr>
+        <p:blipFill>
+          <a:blip r:embed="rId2"/>
+          <a:stretch>
+            <a:fillRect/>
+          </a:stretch>
+        </p:blipFill>
+        <p:spPr>
+          <a:xfrm>
+            <a:off x="155649" y="4562566"/>
+            <a:ext cx="733746" cy="301360"/>
+          </a:xfrm>
+          <a:prstGeom prst="rect">
+            <a:avLst/>
+          </a:prstGeom>
+        </p:spPr>
+      </p:pic>
+      <p:pic>
+        <p:nvPicPr>
+          <p:cNvPr id="1090" name="Picture 1089">
+            <a:extLst>
+              <a:ext uri="{FF2B5EF4-FFF2-40B4-BE49-F238E27FC236}">
+                <a16:creationId xmlns:a16="http://schemas.microsoft.com/office/drawing/2014/main" id="{D059915B-2B24-4350-83D5-EEF947AA9655}"/>
+              </a:ext>
+            </a:extLst>
+          </p:cNvPr>
+          <p:cNvPicPr>
+            <a:picLocks noChangeAspect="1"/>
+          </p:cNvPicPr>
+          <p:nvPr/>
+        </p:nvPicPr>
+        <p:blipFill>
+          <a:blip r:embed="rId3"/>
+          <a:stretch>
+            <a:fillRect/>
+          </a:stretch>
+        </p:blipFill>
+        <p:spPr>
+          <a:xfrm>
+            <a:off x="1798139" y="5675806"/>
+            <a:ext cx="1022004" cy="301360"/>
+          </a:xfrm>
+          <a:prstGeom prst="rect">
+            <a:avLst/>
+          </a:prstGeom>
+        </p:spPr>
+      </p:pic>
+      <p:pic>
+        <p:nvPicPr>
+          <p:cNvPr id="1092" name="Picture 1091">
+            <a:extLst>
+              <a:ext uri="{FF2B5EF4-FFF2-40B4-BE49-F238E27FC236}">
+                <a16:creationId xmlns:a16="http://schemas.microsoft.com/office/drawing/2014/main" id="{567405D1-7024-E12B-656B-F88D45815608}"/>
+              </a:ext>
+            </a:extLst>
+          </p:cNvPr>
+          <p:cNvPicPr>
+            <a:picLocks noChangeAspect="1"/>
+          </p:cNvPicPr>
+          <p:nvPr/>
+        </p:nvPicPr>
+        <p:blipFill>
+          <a:blip r:embed="rId4"/>
+          <a:stretch>
+            <a:fillRect/>
+          </a:stretch>
+        </p:blipFill>
+        <p:spPr>
+          <a:xfrm>
+            <a:off x="1792722" y="6008618"/>
+            <a:ext cx="799260" cy="301360"/>
+          </a:xfrm>
+          <a:prstGeom prst="rect">
+            <a:avLst/>
+          </a:prstGeom>
+        </p:spPr>
+      </p:pic>
+      <p:pic>
+        <p:nvPicPr>
+          <p:cNvPr id="1094" name="Picture 1093">
+            <a:extLst>
+              <a:ext uri="{FF2B5EF4-FFF2-40B4-BE49-F238E27FC236}">
+                <a16:creationId xmlns:a16="http://schemas.microsoft.com/office/drawing/2014/main" id="{3185E168-E99D-FB3D-24B5-B5DB70EA13B6}"/>
+              </a:ext>
+            </a:extLst>
+          </p:cNvPr>
+          <p:cNvPicPr>
+            <a:picLocks noChangeAspect="1"/>
+          </p:cNvPicPr>
+          <p:nvPr/>
+        </p:nvPicPr>
+        <p:blipFill>
+          <a:blip r:embed="rId5"/>
+          <a:stretch>
+            <a:fillRect/>
+          </a:stretch>
+        </p:blipFill>
+        <p:spPr>
+          <a:xfrm>
+            <a:off x="155648" y="4924077"/>
+            <a:ext cx="733747" cy="327566"/>
+          </a:xfrm>
+          <a:prstGeom prst="rect">
+            <a:avLst/>
+          </a:prstGeom>
+        </p:spPr>
+      </p:pic>
+      <p:pic>
+        <p:nvPicPr>
+          <p:cNvPr id="1096" name="Picture 1095">
+            <a:extLst>
+              <a:ext uri="{FF2B5EF4-FFF2-40B4-BE49-F238E27FC236}">
+                <a16:creationId xmlns:a16="http://schemas.microsoft.com/office/drawing/2014/main" id="{818EA404-6905-44C4-5E92-164401639B18}"/>
+              </a:ext>
+            </a:extLst>
+          </p:cNvPr>
+          <p:cNvPicPr>
+            <a:picLocks noChangeAspect="1"/>
+          </p:cNvPicPr>
+          <p:nvPr/>
+        </p:nvPicPr>
+        <p:blipFill>
+          <a:blip r:embed="rId6"/>
+          <a:stretch>
+            <a:fillRect/>
+          </a:stretch>
+        </p:blipFill>
+        <p:spPr>
+          <a:xfrm>
+            <a:off x="1792722" y="6361442"/>
+            <a:ext cx="642028" cy="301360"/>
+          </a:xfrm>
+          <a:prstGeom prst="rect">
+            <a:avLst/>
+          </a:prstGeom>
+        </p:spPr>
+      </p:pic>
+      <p:pic>
+        <p:nvPicPr>
+          <p:cNvPr id="1098" name="Picture 1097">
+            <a:extLst>
+              <a:ext uri="{FF2B5EF4-FFF2-40B4-BE49-F238E27FC236}">
+                <a16:creationId xmlns:a16="http://schemas.microsoft.com/office/drawing/2014/main" id="{C47623F3-558C-D700-BF32-95FD6200C443}"/>
+              </a:ext>
+            </a:extLst>
+          </p:cNvPr>
+          <p:cNvPicPr>
+            <a:picLocks noChangeAspect="1"/>
+          </p:cNvPicPr>
+          <p:nvPr/>
+        </p:nvPicPr>
+        <p:blipFill>
+          <a:blip r:embed="rId7"/>
+          <a:stretch>
+            <a:fillRect/>
+          </a:stretch>
+        </p:blipFill>
+        <p:spPr>
+          <a:xfrm>
+            <a:off x="144425" y="5573704"/>
+            <a:ext cx="1297159" cy="338145"/>
+          </a:xfrm>
+          <a:prstGeom prst="rect">
+            <a:avLst/>
+          </a:prstGeom>
+        </p:spPr>
+      </p:pic>
+      <p:pic>
+        <p:nvPicPr>
+          <p:cNvPr id="1100" name="Picture 1099">
+            <a:extLst>
+              <a:ext uri="{FF2B5EF4-FFF2-40B4-BE49-F238E27FC236}">
+                <a16:creationId xmlns:a16="http://schemas.microsoft.com/office/drawing/2014/main" id="{A0977BD7-F0F4-2634-7646-65502EC8BBB1}"/>
+              </a:ext>
+            </a:extLst>
+          </p:cNvPr>
+          <p:cNvPicPr>
+            <a:picLocks noChangeAspect="1"/>
+          </p:cNvPicPr>
+          <p:nvPr/>
+        </p:nvPicPr>
+        <p:blipFill>
+          <a:blip r:embed="rId8"/>
+          <a:stretch>
+            <a:fillRect/>
+          </a:stretch>
+        </p:blipFill>
+        <p:spPr>
+          <a:xfrm>
+            <a:off x="144425" y="5949451"/>
+            <a:ext cx="615822" cy="248949"/>
+          </a:xfrm>
+          <a:prstGeom prst="rect">
+            <a:avLst/>
+          </a:prstGeom>
+        </p:spPr>
+      </p:pic>
+      <p:pic>
+        <p:nvPicPr>
+          <p:cNvPr id="1103" name="Picture 1102">
+            <a:extLst>
+              <a:ext uri="{FF2B5EF4-FFF2-40B4-BE49-F238E27FC236}">
+                <a16:creationId xmlns:a16="http://schemas.microsoft.com/office/drawing/2014/main" id="{D4D7584C-1051-908C-ECC6-9F2B1119F201}"/>
+              </a:ext>
+            </a:extLst>
+          </p:cNvPr>
+          <p:cNvPicPr>
+            <a:picLocks noChangeAspect="1"/>
+          </p:cNvPicPr>
+          <p:nvPr/>
+        </p:nvPicPr>
+        <p:blipFill>
+          <a:blip r:embed="rId9"/>
+          <a:stretch>
+            <a:fillRect/>
+          </a:stretch>
+        </p:blipFill>
+        <p:spPr>
+          <a:xfrm>
+            <a:off x="144425" y="6255142"/>
+            <a:ext cx="919941" cy="301360"/>
+          </a:xfrm>
+          <a:prstGeom prst="rect">
+            <a:avLst/>
+          </a:prstGeom>
+        </p:spPr>
+      </p:pic>
+      <p:pic>
+        <p:nvPicPr>
+          <p:cNvPr id="1105" name="Picture 1104">
+            <a:extLst>
+              <a:ext uri="{FF2B5EF4-FFF2-40B4-BE49-F238E27FC236}">
+                <a16:creationId xmlns:a16="http://schemas.microsoft.com/office/drawing/2014/main" id="{2099EFBE-4990-A16A-6762-17B8764A3981}"/>
+              </a:ext>
+            </a:extLst>
+          </p:cNvPr>
+          <p:cNvPicPr>
+            <a:picLocks noChangeAspect="1"/>
+          </p:cNvPicPr>
+          <p:nvPr/>
+        </p:nvPicPr>
+        <p:blipFill>
+          <a:blip r:embed="rId10"/>
+          <a:stretch>
+            <a:fillRect/>
+          </a:stretch>
+        </p:blipFill>
+        <p:spPr>
+          <a:xfrm>
+            <a:off x="148307" y="5287196"/>
+            <a:ext cx="2667000" cy="266700"/>
+          </a:xfrm>
+          <a:prstGeom prst="rect">
+            <a:avLst/>
+          </a:prstGeom>
+        </p:spPr>
+      </p:pic>
+      <p:pic>
+        <p:nvPicPr>
+          <p:cNvPr id="4" name="Picture 3">
+            <a:extLst>
+              <a:ext uri="{FF2B5EF4-FFF2-40B4-BE49-F238E27FC236}">
+                <a16:creationId xmlns:a16="http://schemas.microsoft.com/office/drawing/2014/main" id="{52B1B0C3-0526-2B9D-05CD-8DB6B19F48A5}"/>
+              </a:ext>
+            </a:extLst>
+          </p:cNvPr>
+          <p:cNvPicPr>
+            <a:picLocks noChangeAspect="1"/>
+          </p:cNvPicPr>
+          <p:nvPr/>
+        </p:nvPicPr>
+        <p:blipFill>
+          <a:blip r:embed="rId11"/>
+          <a:stretch>
+            <a:fillRect/>
+          </a:stretch>
+        </p:blipFill>
+        <p:spPr>
+          <a:xfrm>
+            <a:off x="5248275" y="5505450"/>
+            <a:ext cx="6943725" cy="1352550"/>
+          </a:xfrm>
+          <a:prstGeom prst="rect">
+            <a:avLst/>
+          </a:prstGeom>
+          <a:ln>
+            <a:solidFill>
+              <a:schemeClr val="tx1"/>
+            </a:solidFill>
+          </a:ln>
+        </p:spPr>
+      </p:pic>
+      <p:grpSp>
+        <p:nvGrpSpPr>
+          <p:cNvPr id="19" name="Group 18">
+            <a:extLst>
+              <a:ext uri="{FF2B5EF4-FFF2-40B4-BE49-F238E27FC236}">
+                <a16:creationId xmlns:a16="http://schemas.microsoft.com/office/drawing/2014/main" id="{BA9CD93F-AF65-99BE-6389-7DC782E5CCC6}"/>
+              </a:ext>
+            </a:extLst>
+          </p:cNvPr>
+          <p:cNvGrpSpPr/>
+          <p:nvPr/>
+        </p:nvGrpSpPr>
+        <p:grpSpPr>
+          <a:xfrm>
+            <a:off x="144425" y="136600"/>
+            <a:ext cx="5173773" cy="4292421"/>
+            <a:chOff x="144425" y="130192"/>
+            <a:chExt cx="5173773" cy="4292421"/>
+          </a:xfrm>
+        </p:grpSpPr>
+        <p:pic>
+          <p:nvPicPr>
+            <p:cNvPr id="8" name="Picture 7">
+              <a:extLst>
+                <a:ext uri="{FF2B5EF4-FFF2-40B4-BE49-F238E27FC236}">
+                  <a16:creationId xmlns:a16="http://schemas.microsoft.com/office/drawing/2014/main" id="{78C9D8CA-F64D-5557-5B40-7E1F83A8812B}"/>
+                </a:ext>
+              </a:extLst>
+            </p:cNvPr>
+            <p:cNvPicPr>
+              <a:picLocks noChangeAspect="1"/>
+            </p:cNvPicPr>
+            <p:nvPr/>
+          </p:nvPicPr>
+          <p:blipFill>
+            <a:blip r:embed="rId12"/>
+            <a:stretch>
+              <a:fillRect/>
+            </a:stretch>
+          </p:blipFill>
+          <p:spPr>
+            <a:xfrm>
+              <a:off x="155648" y="130192"/>
+              <a:ext cx="5162550" cy="1381125"/>
+            </a:xfrm>
+            <a:prstGeom prst="rect">
+              <a:avLst/>
+            </a:prstGeom>
+            <a:noFill/>
+            <a:ln w="3175">
+              <a:solidFill>
+                <a:schemeClr val="tx1"/>
+              </a:solidFill>
+            </a:ln>
+            <a:effectLst>
+              <a:outerShdw blurRad="50800" dist="38100" dir="8100000" algn="tr" rotWithShape="0">
+                <a:prstClr val="black">
+                  <a:alpha val="40000"/>
+                </a:prstClr>
+              </a:outerShdw>
+            </a:effectLst>
+          </p:spPr>
+        </p:pic>
+        <p:grpSp>
+          <p:nvGrpSpPr>
+            <p:cNvPr id="1080" name="Group 1079">
+              <a:extLst>
+                <a:ext uri="{FF2B5EF4-FFF2-40B4-BE49-F238E27FC236}">
+                  <a16:creationId xmlns:a16="http://schemas.microsoft.com/office/drawing/2014/main" id="{9AA996AD-F2F5-1343-7E9D-C610E61A24DE}"/>
+                </a:ext>
+              </a:extLst>
+            </p:cNvPr>
+            <p:cNvGrpSpPr/>
+            <p:nvPr/>
+          </p:nvGrpSpPr>
+          <p:grpSpPr>
+            <a:xfrm>
+              <a:off x="148307" y="2431888"/>
+              <a:ext cx="4638804" cy="1990725"/>
+              <a:chOff x="148307" y="2431888"/>
+              <a:chExt cx="4638804" cy="1990725"/>
+            </a:xfrm>
+          </p:grpSpPr>
+          <p:pic>
+            <p:nvPicPr>
+              <p:cNvPr id="1066" name="Picture 1065">
+                <a:extLst>
+                  <a:ext uri="{FF2B5EF4-FFF2-40B4-BE49-F238E27FC236}">
+                    <a16:creationId xmlns:a16="http://schemas.microsoft.com/office/drawing/2014/main" id="{8236B543-9CE4-CF76-F017-4FD1351DA907}"/>
+                  </a:ext>
+                </a:extLst>
+              </p:cNvPr>
+              <p:cNvPicPr>
+                <a:picLocks noChangeAspect="1"/>
+              </p:cNvPicPr>
+              <p:nvPr/>
+            </p:nvPicPr>
+            <p:blipFill>
+              <a:blip r:embed="rId13"/>
+              <a:srcRect r="38712"/>
+              <a:stretch/>
+            </p:blipFill>
+            <p:spPr>
+              <a:xfrm>
+                <a:off x="148307" y="2431888"/>
+                <a:ext cx="2037346" cy="1990725"/>
+              </a:xfrm>
+              <a:prstGeom prst="rect">
+                <a:avLst/>
+              </a:prstGeom>
+              <a:noFill/>
+              <a:ln w="3175">
+                <a:solidFill>
+                  <a:schemeClr val="tx1"/>
+                </a:solidFill>
+              </a:ln>
+              <a:effectLst>
+                <a:outerShdw blurRad="50800" dist="38100" dir="8100000" algn="tr" rotWithShape="0">
+                  <a:prstClr val="black">
+                    <a:alpha val="40000"/>
+                  </a:prstClr>
+                </a:outerShdw>
+              </a:effectLst>
+            </p:spPr>
+          </p:pic>
+          <p:grpSp>
+            <p:nvGrpSpPr>
+              <p:cNvPr id="1071" name="Group 1070">
+                <a:extLst>
+                  <a:ext uri="{FF2B5EF4-FFF2-40B4-BE49-F238E27FC236}">
+                    <a16:creationId xmlns:a16="http://schemas.microsoft.com/office/drawing/2014/main" id="{C8C22A67-F622-7975-11BC-6E0BEBBA258A}"/>
+                  </a:ext>
+                </a:extLst>
+              </p:cNvPr>
+              <p:cNvGrpSpPr/>
+              <p:nvPr/>
+            </p:nvGrpSpPr>
+            <p:grpSpPr>
+              <a:xfrm>
+                <a:off x="1592441" y="2431888"/>
+                <a:ext cx="3194669" cy="1104900"/>
+                <a:chOff x="822070" y="2243835"/>
+                <a:chExt cx="3194669" cy="1104900"/>
+              </a:xfrm>
+            </p:grpSpPr>
+            <p:pic>
+              <p:nvPicPr>
+                <p:cNvPr id="1072" name="Picture 1071">
+                  <a:extLst>
+                    <a:ext uri="{FF2B5EF4-FFF2-40B4-BE49-F238E27FC236}">
+                      <a16:creationId xmlns:a16="http://schemas.microsoft.com/office/drawing/2014/main" id="{178C7A45-DF3A-C3AB-97AA-C057EE395D97}"/>
+                    </a:ext>
+                  </a:extLst>
+                </p:cNvPr>
+                <p:cNvPicPr>
+                  <a:picLocks noChangeAspect="1"/>
+                </p:cNvPicPr>
+                <p:nvPr/>
+              </p:nvPicPr>
+              <p:blipFill>
+                <a:blip r:embed="rId14"/>
+                <a:srcRect l="6649" t="64248" r="29467"/>
+                <a:stretch/>
+              </p:blipFill>
+              <p:spPr>
+                <a:xfrm>
+                  <a:off x="822070" y="2243835"/>
+                  <a:ext cx="3194669" cy="1104900"/>
+                </a:xfrm>
+                <a:prstGeom prst="rect">
+                  <a:avLst/>
+                </a:prstGeom>
+                <a:noFill/>
+                <a:ln w="3175">
+                  <a:solidFill>
+                    <a:schemeClr val="tx1"/>
+                  </a:solidFill>
+                </a:ln>
+                <a:effectLst>
+                  <a:outerShdw blurRad="50800" dist="38100" dir="8100000" algn="tr" rotWithShape="0">
+                    <a:prstClr val="black">
+                      <a:alpha val="40000"/>
+                    </a:prstClr>
+                  </a:outerShdw>
+                </a:effectLst>
+              </p:spPr>
+            </p:pic>
+            <p:grpSp>
+              <p:nvGrpSpPr>
+                <p:cNvPr id="1073" name="Group 1072">
+                  <a:extLst>
+                    <a:ext uri="{FF2B5EF4-FFF2-40B4-BE49-F238E27FC236}">
+                      <a16:creationId xmlns:a16="http://schemas.microsoft.com/office/drawing/2014/main" id="{448AA5DB-CCBF-0E92-98DB-5ED5FDAFFD51}"/>
+                    </a:ext>
+                  </a:extLst>
+                </p:cNvPr>
+                <p:cNvGrpSpPr/>
+                <p:nvPr/>
+              </p:nvGrpSpPr>
+              <p:grpSpPr>
+                <a:xfrm>
+                  <a:off x="900613" y="2578099"/>
+                  <a:ext cx="121738" cy="308738"/>
+                  <a:chOff x="900613" y="2578099"/>
+                  <a:chExt cx="121738" cy="308738"/>
+                </a:xfrm>
+              </p:grpSpPr>
+              <p:sp>
+                <p:nvSpPr>
+                  <p:cNvPr id="1074" name="Arrow: Right 1073">
+                    <a:extLst>
+                      <a:ext uri="{FF2B5EF4-FFF2-40B4-BE49-F238E27FC236}">
+                        <a16:creationId xmlns:a16="http://schemas.microsoft.com/office/drawing/2014/main" id="{2A6224F9-62AE-FFDF-FCC4-668872D6C756}"/>
+                      </a:ext>
+                    </a:extLst>
+                  </p:cNvPr>
+                  <p:cNvSpPr/>
+                  <p:nvPr/>
+                </p:nvSpPr>
+                <p:spPr>
+                  <a:xfrm rot="10800000" flipH="1">
+                    <a:off x="900613" y="2774059"/>
+                    <a:ext cx="121738" cy="112778"/>
+                  </a:xfrm>
+                  <a:prstGeom prst="rightArrow">
+                    <a:avLst/>
+                  </a:prstGeom>
+                  <a:solidFill>
+                    <a:schemeClr val="accent2"/>
+                  </a:solidFill>
+                  <a:ln>
+                    <a:solidFill>
+                      <a:srgbClr val="002060"/>
+                    </a:solidFill>
+                  </a:ln>
+                </p:spPr>
+                <p:style>
+                  <a:lnRef idx="2">
+                    <a:schemeClr val="accent1">
+                      <a:shade val="15000"/>
+                    </a:schemeClr>
+                  </a:lnRef>
+                  <a:fillRef idx="1">
+                    <a:schemeClr val="accent1"/>
+                  </a:fillRef>
+                  <a:effectRef idx="0">
+                    <a:schemeClr val="accent1"/>
+                  </a:effectRef>
+                  <a:fontRef idx="minor">
+                    <a:schemeClr val="lt1"/>
+                  </a:fontRef>
+                </p:style>
+                <p:txBody>
+                  <a:bodyPr rtlCol="0" anchor="ctr"/>
+                  <a:lstStyle/>
+                  <a:p>
+                    <a:pPr algn="ctr"/>
+                    <a:endParaRPr lang="LID4096"/>
+                  </a:p>
+                </p:txBody>
+              </p:sp>
+              <p:sp>
+                <p:nvSpPr>
+                  <p:cNvPr id="1075" name="Arrow: Right 1074">
+                    <a:extLst>
+                      <a:ext uri="{FF2B5EF4-FFF2-40B4-BE49-F238E27FC236}">
+                        <a16:creationId xmlns:a16="http://schemas.microsoft.com/office/drawing/2014/main" id="{E71F7809-FAAC-945F-2A81-1BBA30C5C6B9}"/>
+                      </a:ext>
+                    </a:extLst>
+                  </p:cNvPr>
+                  <p:cNvSpPr/>
+                  <p:nvPr/>
+                </p:nvSpPr>
+                <p:spPr>
+                  <a:xfrm rot="10800000" flipH="1">
+                    <a:off x="900613" y="2578099"/>
+                    <a:ext cx="121738" cy="112778"/>
+                  </a:xfrm>
+                  <a:prstGeom prst="rightArrow">
+                    <a:avLst/>
+                  </a:prstGeom>
+                  <a:solidFill>
+                    <a:schemeClr val="accent2"/>
+                  </a:solidFill>
+                  <a:ln>
+                    <a:solidFill>
+                      <a:srgbClr val="002060"/>
+                    </a:solidFill>
+                  </a:ln>
+                </p:spPr>
+                <p:style>
+                  <a:lnRef idx="2">
+                    <a:schemeClr val="accent1">
+                      <a:shade val="15000"/>
+                    </a:schemeClr>
+                  </a:lnRef>
+                  <a:fillRef idx="1">
+                    <a:schemeClr val="accent1"/>
+                  </a:fillRef>
+                  <a:effectRef idx="0">
+                    <a:schemeClr val="accent1"/>
+                  </a:effectRef>
+                  <a:fontRef idx="minor">
+                    <a:schemeClr val="lt1"/>
+                  </a:fontRef>
+                </p:style>
+                <p:txBody>
+                  <a:bodyPr rtlCol="0" anchor="ctr"/>
+                  <a:lstStyle/>
+                  <a:p>
+                    <a:pPr algn="ctr"/>
+                    <a:endParaRPr lang="LID4096"/>
+                  </a:p>
+                </p:txBody>
+              </p:sp>
+            </p:grpSp>
+          </p:grpSp>
+          <p:sp>
+            <p:nvSpPr>
+              <p:cNvPr id="1076" name="TextBox 1075">
+                <a:extLst>
+                  <a:ext uri="{FF2B5EF4-FFF2-40B4-BE49-F238E27FC236}">
+                    <a16:creationId xmlns:a16="http://schemas.microsoft.com/office/drawing/2014/main" id="{904FD576-073F-0D33-A9C5-46A52715E172}"/>
+                  </a:ext>
+                </a:extLst>
+              </p:cNvPr>
+              <p:cNvSpPr txBox="1"/>
+              <p:nvPr/>
+            </p:nvSpPr>
+            <p:spPr>
+              <a:xfrm>
+                <a:off x="4066685" y="2504542"/>
+                <a:ext cx="720425" cy="523220"/>
+              </a:xfrm>
+              <a:prstGeom prst="rect">
+                <a:avLst/>
+              </a:prstGeom>
+              <a:noFill/>
+            </p:spPr>
+            <p:txBody>
+              <a:bodyPr wrap="square">
+                <a:spAutoFit/>
+              </a:bodyPr>
+              <a:lstStyle/>
+              <a:p>
+                <a:r>
+                  <a:rPr lang="pt-BR" sz="2800" b="1" dirty="0"/>
+                  <a:t>. . .</a:t>
+                </a:r>
+                <a:endParaRPr lang="LID4096" sz="2800" b="1" dirty="0"/>
+              </a:p>
+            </p:txBody>
+          </p:sp>
+          <p:sp>
+            <p:nvSpPr>
+              <p:cNvPr id="1078" name="TextBox 1077">
+                <a:extLst>
+                  <a:ext uri="{FF2B5EF4-FFF2-40B4-BE49-F238E27FC236}">
+                    <a16:creationId xmlns:a16="http://schemas.microsoft.com/office/drawing/2014/main" id="{5C3B61B6-5A4E-A178-A860-6F86252AD12F}"/>
+                  </a:ext>
+                </a:extLst>
+              </p:cNvPr>
+              <p:cNvSpPr txBox="1"/>
+              <p:nvPr/>
+            </p:nvSpPr>
+            <p:spPr>
+              <a:xfrm>
+                <a:off x="2154851" y="4144567"/>
+                <a:ext cx="2632260" cy="276999"/>
+              </a:xfrm>
+              <a:prstGeom prst="rect">
+                <a:avLst/>
+              </a:prstGeom>
+              <a:noFill/>
+            </p:spPr>
+            <p:txBody>
+              <a:bodyPr wrap="square">
+                <a:spAutoFit/>
+              </a:bodyPr>
+              <a:lstStyle/>
+              <a:p>
+                <a:pPr algn="r"/>
+                <a:r>
+                  <a:rPr lang="LID4096" sz="600" dirty="0"/>
+                  <a:t>http://localhost:8888/notebooks/05_PEST_pp________On_the_run-01/benchmarks/01_one_dim_flow/02_Beta_model_SETUP___01__.ipynb</a:t>
+                </a:r>
+              </a:p>
+            </p:txBody>
+          </p:sp>
+        </p:grpSp>
+        <p:pic>
+          <p:nvPicPr>
+            <p:cNvPr id="18" name="Picture 17">
+              <a:extLst>
+                <a:ext uri="{FF2B5EF4-FFF2-40B4-BE49-F238E27FC236}">
+                  <a16:creationId xmlns:a16="http://schemas.microsoft.com/office/drawing/2014/main" id="{47AEE735-D8FA-B565-3E7B-848511943F96}"/>
+                </a:ext>
+              </a:extLst>
+            </p:cNvPr>
+            <p:cNvPicPr>
+              <a:picLocks noChangeAspect="1"/>
+            </p:cNvPicPr>
+            <p:nvPr/>
+          </p:nvPicPr>
+          <p:blipFill>
+            <a:blip r:embed="rId15"/>
+            <a:stretch>
+              <a:fillRect/>
+            </a:stretch>
+          </p:blipFill>
+          <p:spPr>
+            <a:xfrm>
+              <a:off x="144425" y="1700762"/>
+              <a:ext cx="4642685" cy="647817"/>
+            </a:xfrm>
+            <a:prstGeom prst="rect">
+              <a:avLst/>
+            </a:prstGeom>
+            <a:noFill/>
+            <a:ln w="3175">
+              <a:solidFill>
+                <a:schemeClr val="tx1"/>
+              </a:solidFill>
+            </a:ln>
+            <a:effectLst>
+              <a:outerShdw blurRad="50800" dist="38100" dir="8100000" algn="tr" rotWithShape="0">
+                <a:prstClr val="black">
+                  <a:alpha val="40000"/>
+                </a:prstClr>
+              </a:outerShdw>
+            </a:effectLst>
+          </p:spPr>
+        </p:pic>
+      </p:grpSp>
+      <p:sp>
+        <p:nvSpPr>
+          <p:cNvPr id="20" name="TextBox 19">
+            <a:extLst>
+              <a:ext uri="{FF2B5EF4-FFF2-40B4-BE49-F238E27FC236}">
+                <a16:creationId xmlns:a16="http://schemas.microsoft.com/office/drawing/2014/main" id="{0F2F49AB-1285-A1D5-04A8-B5CE89DF0314}"/>
+              </a:ext>
+            </a:extLst>
+          </p:cNvPr>
+          <p:cNvSpPr txBox="1"/>
+          <p:nvPr/>
+        </p:nvSpPr>
+        <p:spPr>
+          <a:xfrm>
+            <a:off x="1481807" y="345779"/>
+            <a:ext cx="952943" cy="174649"/>
+          </a:xfrm>
+          <a:prstGeom prst="rect">
+            <a:avLst/>
+          </a:prstGeom>
+          <a:noFill/>
+          <a:ln w="28575">
+            <a:solidFill>
+              <a:srgbClr val="FF0000"/>
+            </a:solidFill>
+          </a:ln>
+        </p:spPr>
+        <p:txBody>
+          <a:bodyPr wrap="square">
+            <a:noAutofit/>
+          </a:bodyPr>
+          <a:lstStyle/>
+          <a:p>
+            <a:endParaRPr lang="en-US" sz="1300" b="1" dirty="0">
+              <a:solidFill>
+                <a:srgbClr val="FF0000"/>
+              </a:solidFill>
+            </a:endParaRPr>
+          </a:p>
+        </p:txBody>
+      </p:sp>
+      <p:grpSp>
+        <p:nvGrpSpPr>
+          <p:cNvPr id="24" name="Group 23">
+            <a:extLst>
+              <a:ext uri="{FF2B5EF4-FFF2-40B4-BE49-F238E27FC236}">
+                <a16:creationId xmlns:a16="http://schemas.microsoft.com/office/drawing/2014/main" id="{667B37FE-16DD-2E72-8232-802306F46F71}"/>
+              </a:ext>
+            </a:extLst>
+          </p:cNvPr>
+          <p:cNvGrpSpPr>
+            <a:grpSpLocks noChangeAspect="1"/>
+          </p:cNvGrpSpPr>
+          <p:nvPr/>
+        </p:nvGrpSpPr>
+        <p:grpSpPr>
+          <a:xfrm>
+            <a:off x="5389852" y="170437"/>
+            <a:ext cx="5912364" cy="1536733"/>
+            <a:chOff x="6148890" y="507927"/>
+            <a:chExt cx="5708723" cy="1483803"/>
+          </a:xfrm>
+        </p:grpSpPr>
+        <p:grpSp>
+          <p:nvGrpSpPr>
+            <p:cNvPr id="14" name="Group 13">
+              <a:extLst>
+                <a:ext uri="{FF2B5EF4-FFF2-40B4-BE49-F238E27FC236}">
+                  <a16:creationId xmlns:a16="http://schemas.microsoft.com/office/drawing/2014/main" id="{BD6456DE-34A9-B7A0-4407-745F11867F33}"/>
+                </a:ext>
+              </a:extLst>
+            </p:cNvPr>
+            <p:cNvGrpSpPr/>
+            <p:nvPr/>
+          </p:nvGrpSpPr>
+          <p:grpSpPr>
+            <a:xfrm>
+              <a:off x="6148890" y="809156"/>
+              <a:ext cx="5708723" cy="883631"/>
+              <a:chOff x="6190858" y="587377"/>
+              <a:chExt cx="5708723" cy="883631"/>
+            </a:xfrm>
+          </p:grpSpPr>
+          <p:pic>
+            <p:nvPicPr>
+              <p:cNvPr id="11" name="Picture 10">
+                <a:extLst>
+                  <a:ext uri="{FF2B5EF4-FFF2-40B4-BE49-F238E27FC236}">
+                    <a16:creationId xmlns:a16="http://schemas.microsoft.com/office/drawing/2014/main" id="{93CBB4A1-CC54-17E8-5660-877C580E00D3}"/>
+                  </a:ext>
+                </a:extLst>
+              </p:cNvPr>
+              <p:cNvPicPr>
+                <a:picLocks noChangeAspect="1"/>
+              </p:cNvPicPr>
+              <p:nvPr/>
+            </p:nvPicPr>
+            <p:blipFill>
+              <a:blip r:embed="rId16"/>
+              <a:stretch>
+                <a:fillRect/>
+              </a:stretch>
+            </p:blipFill>
+            <p:spPr>
+              <a:xfrm>
+                <a:off x="8184831" y="587377"/>
+                <a:ext cx="3714750" cy="419100"/>
+              </a:xfrm>
+              <a:prstGeom prst="rect">
+                <a:avLst/>
+              </a:prstGeom>
+              <a:noFill/>
+              <a:ln w="3175">
+                <a:solidFill>
+                  <a:srgbClr val="00B050"/>
+                </a:solidFill>
+              </a:ln>
+              <a:effectLst>
+                <a:outerShdw blurRad="50800" dist="38100" dir="8100000" algn="tr" rotWithShape="0">
+                  <a:prstClr val="black">
+                    <a:alpha val="40000"/>
+                  </a:prstClr>
+                </a:outerShdw>
+              </a:effectLst>
+            </p:spPr>
+          </p:pic>
+          <p:pic>
+            <p:nvPicPr>
+              <p:cNvPr id="13" name="Picture 12">
+                <a:extLst>
+                  <a:ext uri="{FF2B5EF4-FFF2-40B4-BE49-F238E27FC236}">
+                    <a16:creationId xmlns:a16="http://schemas.microsoft.com/office/drawing/2014/main" id="{FCE5D845-D749-E684-8D12-32167A37D6EB}"/>
+                  </a:ext>
+                </a:extLst>
+              </p:cNvPr>
+              <p:cNvPicPr>
+                <a:picLocks noChangeAspect="1"/>
+              </p:cNvPicPr>
+              <p:nvPr/>
+            </p:nvPicPr>
+            <p:blipFill>
+              <a:blip r:embed="rId17"/>
+              <a:stretch>
+                <a:fillRect/>
+              </a:stretch>
+            </p:blipFill>
+            <p:spPr>
+              <a:xfrm>
+                <a:off x="6190858" y="1057587"/>
+                <a:ext cx="5708723" cy="413421"/>
+              </a:xfrm>
+              <a:prstGeom prst="rect">
+                <a:avLst/>
+              </a:prstGeom>
+              <a:noFill/>
+              <a:ln w="3175">
+                <a:solidFill>
+                  <a:srgbClr val="00B050"/>
+                </a:solidFill>
+              </a:ln>
+              <a:effectLst>
+                <a:outerShdw blurRad="50800" dist="38100" dir="8100000" algn="tr" rotWithShape="0">
+                  <a:prstClr val="black">
+                    <a:alpha val="40000"/>
+                  </a:prstClr>
+                </a:outerShdw>
+              </a:effectLst>
+            </p:spPr>
+          </p:pic>
+        </p:grpSp>
+        <p:pic>
+          <p:nvPicPr>
+            <p:cNvPr id="16" name="Picture 15">
+              <a:extLst>
+                <a:ext uri="{FF2B5EF4-FFF2-40B4-BE49-F238E27FC236}">
+                  <a16:creationId xmlns:a16="http://schemas.microsoft.com/office/drawing/2014/main" id="{82E59A25-6E72-45D0-61BE-A7D2C4BE9846}"/>
+                </a:ext>
+              </a:extLst>
+            </p:cNvPr>
+            <p:cNvPicPr>
+              <a:picLocks noChangeAspect="1"/>
+            </p:cNvPicPr>
+            <p:nvPr/>
+          </p:nvPicPr>
+          <p:blipFill>
+            <a:blip r:embed="rId18"/>
+            <a:stretch>
+              <a:fillRect/>
+            </a:stretch>
+          </p:blipFill>
+          <p:spPr>
+            <a:xfrm>
+              <a:off x="6845000" y="1753605"/>
+              <a:ext cx="4991100" cy="238125"/>
+            </a:xfrm>
+            <a:prstGeom prst="rect">
+              <a:avLst/>
+            </a:prstGeom>
+            <a:noFill/>
+            <a:ln w="3175">
+              <a:solidFill>
+                <a:srgbClr val="00B050"/>
+              </a:solidFill>
+            </a:ln>
+            <a:effectLst>
+              <a:outerShdw blurRad="50800" dist="38100" dir="8100000" algn="tr" rotWithShape="0">
+                <a:prstClr val="black">
+                  <a:alpha val="40000"/>
+                </a:prstClr>
+              </a:outerShdw>
+            </a:effectLst>
+          </p:spPr>
+        </p:pic>
+        <p:sp>
+          <p:nvSpPr>
+            <p:cNvPr id="21" name="TextBox 20">
+              <a:extLst>
+                <a:ext uri="{FF2B5EF4-FFF2-40B4-BE49-F238E27FC236}">
+                  <a16:creationId xmlns:a16="http://schemas.microsoft.com/office/drawing/2014/main" id="{41BC73B0-0412-5EDE-11F5-A42EAC25EB64}"/>
+                </a:ext>
+              </a:extLst>
+            </p:cNvPr>
+            <p:cNvSpPr txBox="1"/>
+            <p:nvPr/>
+          </p:nvSpPr>
+          <p:spPr>
+            <a:xfrm>
+              <a:off x="10613450" y="1761949"/>
+              <a:ext cx="1222650" cy="229781"/>
+            </a:xfrm>
+            <a:prstGeom prst="rect">
+              <a:avLst/>
+            </a:prstGeom>
+            <a:noFill/>
+            <a:ln w="28575">
+              <a:solidFill>
+                <a:srgbClr val="FF0000"/>
+              </a:solidFill>
+            </a:ln>
+          </p:spPr>
+          <p:txBody>
+            <a:bodyPr wrap="square">
+              <a:noAutofit/>
+            </a:bodyPr>
+            <a:lstStyle/>
+            <a:p>
+              <a:endParaRPr lang="en-US" sz="1300" b="1" dirty="0">
+                <a:solidFill>
+                  <a:srgbClr val="FF0000"/>
+                </a:solidFill>
+              </a:endParaRPr>
+            </a:p>
+          </p:txBody>
+        </p:sp>
+        <p:pic>
+          <p:nvPicPr>
+            <p:cNvPr id="22" name="Picture 21">
+              <a:extLst>
+                <a:ext uri="{FF2B5EF4-FFF2-40B4-BE49-F238E27FC236}">
+                  <a16:creationId xmlns:a16="http://schemas.microsoft.com/office/drawing/2014/main" id="{478FEEEF-9611-B556-B79B-F62EEDF894A2}"/>
+                </a:ext>
+              </a:extLst>
+            </p:cNvPr>
+            <p:cNvPicPr>
+              <a:picLocks noChangeAspect="1"/>
+            </p:cNvPicPr>
+            <p:nvPr/>
+          </p:nvPicPr>
+          <p:blipFill>
+            <a:blip r:embed="rId19"/>
+            <a:stretch>
+              <a:fillRect/>
+            </a:stretch>
+          </p:blipFill>
+          <p:spPr>
+            <a:xfrm>
+              <a:off x="8349262" y="507927"/>
+              <a:ext cx="3508351" cy="233890"/>
+            </a:xfrm>
+            <a:prstGeom prst="rect">
+              <a:avLst/>
+            </a:prstGeom>
+            <a:noFill/>
+            <a:ln w="3175">
+              <a:solidFill>
+                <a:srgbClr val="00B050"/>
+              </a:solidFill>
+            </a:ln>
+            <a:effectLst>
+              <a:outerShdw blurRad="50800" dist="38100" dir="8100000" algn="tr" rotWithShape="0">
+                <a:prstClr val="black">
+                  <a:alpha val="40000"/>
+                </a:prstClr>
+              </a:outerShdw>
+            </a:effectLst>
+          </p:spPr>
+        </p:pic>
+        <p:sp>
+          <p:nvSpPr>
+            <p:cNvPr id="23" name="Rectangle 22">
+              <a:extLst>
+                <a:ext uri="{FF2B5EF4-FFF2-40B4-BE49-F238E27FC236}">
+                  <a16:creationId xmlns:a16="http://schemas.microsoft.com/office/drawing/2014/main" id="{CDE29116-8C28-BDBF-F3C5-E04803BCB91C}"/>
+                </a:ext>
+              </a:extLst>
+            </p:cNvPr>
+            <p:cNvSpPr/>
+            <p:nvPr/>
+          </p:nvSpPr>
+          <p:spPr>
+            <a:xfrm>
+              <a:off x="10614212" y="532395"/>
+              <a:ext cx="1236996" cy="209422"/>
+            </a:xfrm>
+            <a:prstGeom prst="rect">
+              <a:avLst/>
+            </a:prstGeom>
+            <a:noFill/>
+            <a:ln w="19050">
+              <a:solidFill>
+                <a:srgbClr val="0000FF"/>
+              </a:solidFill>
+            </a:ln>
+            <a:effectLst>
+              <a:outerShdw blurRad="50800" dist="38100" dir="8100000" algn="tr" rotWithShape="0">
+                <a:prstClr val="black">
+                  <a:alpha val="40000"/>
+                </a:prstClr>
+              </a:outerShdw>
+            </a:effectLst>
+          </p:spPr>
+          <p:txBody>
+            <a:bodyPr wrap="none" anchor="ctr" anchorCtr="0">
+              <a:noAutofit/>
+            </a:bodyPr>
+            <a:lstStyle/>
+            <a:p>
+              <a:endParaRPr lang="LID4096"/>
+            </a:p>
+          </p:txBody>
+        </p:sp>
+      </p:grpSp>
+      <p:pic>
+        <p:nvPicPr>
+          <p:cNvPr id="26" name="Picture 25">
+            <a:extLst>
+              <a:ext uri="{FF2B5EF4-FFF2-40B4-BE49-F238E27FC236}">
+                <a16:creationId xmlns:a16="http://schemas.microsoft.com/office/drawing/2014/main" id="{F737D550-50B9-F525-E02D-42F18A9BE105}"/>
+              </a:ext>
+            </a:extLst>
+          </p:cNvPr>
+          <p:cNvPicPr>
+            <a:picLocks noChangeAspect="1"/>
+          </p:cNvPicPr>
+          <p:nvPr/>
+        </p:nvPicPr>
+        <p:blipFill>
+          <a:blip r:embed="rId20"/>
+          <a:stretch>
+            <a:fillRect/>
+          </a:stretch>
+        </p:blipFill>
+        <p:spPr>
+          <a:xfrm>
+            <a:off x="5587560" y="1825134"/>
+            <a:ext cx="3373116" cy="2260834"/>
+          </a:xfrm>
+          <a:prstGeom prst="rect">
+            <a:avLst/>
+          </a:prstGeom>
+          <a:noFill/>
+          <a:ln w="3175">
+            <a:solidFill>
+              <a:srgbClr val="00B050"/>
+            </a:solidFill>
+          </a:ln>
+          <a:effectLst>
+            <a:outerShdw blurRad="50800" dist="38100" dir="8100000" algn="tr" rotWithShape="0">
+              <a:prstClr val="black">
+                <a:alpha val="40000"/>
+              </a:prstClr>
+            </a:outerShdw>
+          </a:effectLst>
+        </p:spPr>
+      </p:pic>
+      <p:pic>
+        <p:nvPicPr>
+          <p:cNvPr id="28" name="Picture 27">
+            <a:extLst>
+              <a:ext uri="{FF2B5EF4-FFF2-40B4-BE49-F238E27FC236}">
+                <a16:creationId xmlns:a16="http://schemas.microsoft.com/office/drawing/2014/main" id="{2C3BBFDA-A194-FDD4-C23E-770AA7DA8F87}"/>
+              </a:ext>
+            </a:extLst>
+          </p:cNvPr>
+          <p:cNvPicPr>
+            <a:picLocks noChangeAspect="1"/>
+          </p:cNvPicPr>
+          <p:nvPr/>
+        </p:nvPicPr>
+        <p:blipFill>
+          <a:blip r:embed="rId20"/>
+          <a:srcRect l="61446" t="65114" r="17785" b="29264"/>
+          <a:stretch/>
+        </p:blipFill>
+        <p:spPr>
+          <a:xfrm>
+            <a:off x="8399426" y="6071286"/>
+            <a:ext cx="979159" cy="177633"/>
+          </a:xfrm>
+          <a:prstGeom prst="rect">
+            <a:avLst/>
+          </a:prstGeom>
+          <a:noFill/>
+          <a:ln w="3175">
+            <a:solidFill>
+              <a:srgbClr val="00B050"/>
+            </a:solidFill>
+          </a:ln>
+          <a:effectLst>
+            <a:outerShdw blurRad="50800" dist="38100" dir="8100000" algn="tr" rotWithShape="0">
+              <a:prstClr val="black">
+                <a:alpha val="40000"/>
+              </a:prstClr>
+            </a:outerShdw>
+          </a:effectLst>
+        </p:spPr>
+      </p:pic>
+      <p:pic>
+        <p:nvPicPr>
+          <p:cNvPr id="29" name="Picture 28">
+            <a:extLst>
+              <a:ext uri="{FF2B5EF4-FFF2-40B4-BE49-F238E27FC236}">
+                <a16:creationId xmlns:a16="http://schemas.microsoft.com/office/drawing/2014/main" id="{D76DF589-7685-24D1-25FB-4C01EC750D28}"/>
+              </a:ext>
+            </a:extLst>
+          </p:cNvPr>
+          <p:cNvPicPr>
+            <a:picLocks noChangeAspect="1"/>
+          </p:cNvPicPr>
+          <p:nvPr/>
+        </p:nvPicPr>
+        <p:blipFill>
+          <a:blip r:embed="rId20"/>
+          <a:srcRect l="70900" t="91671" r="11470" b="1933"/>
+          <a:stretch/>
+        </p:blipFill>
+        <p:spPr>
+          <a:xfrm>
+            <a:off x="10487571" y="5573704"/>
+            <a:ext cx="831167" cy="202110"/>
+          </a:xfrm>
+          <a:prstGeom prst="rect">
+            <a:avLst/>
+          </a:prstGeom>
+          <a:noFill/>
+          <a:ln w="3175">
+            <a:solidFill>
+              <a:srgbClr val="00B050"/>
+            </a:solidFill>
+          </a:ln>
+          <a:effectLst>
+            <a:outerShdw blurRad="50800" dist="38100" dir="8100000" algn="tr" rotWithShape="0">
+              <a:prstClr val="black">
+                <a:alpha val="40000"/>
+              </a:prstClr>
+            </a:outerShdw>
+          </a:effectLst>
+        </p:spPr>
+      </p:pic>
+      <p:pic>
+        <p:nvPicPr>
+          <p:cNvPr id="31" name="Picture 30">
+            <a:extLst>
+              <a:ext uri="{FF2B5EF4-FFF2-40B4-BE49-F238E27FC236}">
+                <a16:creationId xmlns:a16="http://schemas.microsoft.com/office/drawing/2014/main" id="{7949044D-7E3D-10DE-E9E7-48BF01BFE61F}"/>
+              </a:ext>
+            </a:extLst>
+          </p:cNvPr>
+          <p:cNvPicPr>
+            <a:picLocks noChangeAspect="1"/>
+          </p:cNvPicPr>
+          <p:nvPr/>
+        </p:nvPicPr>
+        <p:blipFill>
+          <a:blip r:embed="rId21"/>
+          <a:stretch>
+            <a:fillRect/>
+          </a:stretch>
+        </p:blipFill>
+        <p:spPr>
+          <a:xfrm>
+            <a:off x="9222517" y="2524406"/>
+            <a:ext cx="1885950" cy="257175"/>
+          </a:xfrm>
+          <a:prstGeom prst="rect">
+            <a:avLst/>
+          </a:prstGeom>
+          <a:noFill/>
+          <a:ln w="3175">
+            <a:solidFill>
+              <a:srgbClr val="00B050"/>
+            </a:solidFill>
+          </a:ln>
+          <a:effectLst>
+            <a:outerShdw blurRad="50800" dist="38100" dir="8100000" algn="tr" rotWithShape="0">
+              <a:prstClr val="black">
+                <a:alpha val="40000"/>
+              </a:prstClr>
+            </a:outerShdw>
+          </a:effectLst>
+        </p:spPr>
+      </p:pic>
+      <p:pic>
+        <p:nvPicPr>
+          <p:cNvPr id="33" name="Picture 32">
+            <a:extLst>
+              <a:ext uri="{FF2B5EF4-FFF2-40B4-BE49-F238E27FC236}">
+                <a16:creationId xmlns:a16="http://schemas.microsoft.com/office/drawing/2014/main" id="{1C5B4F5A-CC40-C6F5-74C6-17945A62746E}"/>
+              </a:ext>
+            </a:extLst>
+          </p:cNvPr>
+          <p:cNvPicPr>
+            <a:picLocks noChangeAspect="1"/>
+          </p:cNvPicPr>
+          <p:nvPr/>
+        </p:nvPicPr>
+        <p:blipFill>
+          <a:blip r:embed="rId22"/>
+          <a:srcRect t="12963" r="3642"/>
+          <a:stretch/>
+        </p:blipFill>
+        <p:spPr>
+          <a:xfrm>
+            <a:off x="9353820" y="2843632"/>
+            <a:ext cx="2358755" cy="223837"/>
+          </a:xfrm>
+          <a:prstGeom prst="rect">
+            <a:avLst/>
+          </a:prstGeom>
+          <a:noFill/>
+          <a:ln w="3175">
+            <a:solidFill>
+              <a:srgbClr val="00B050"/>
+            </a:solidFill>
+          </a:ln>
+          <a:effectLst>
+            <a:outerShdw blurRad="50800" dist="38100" dir="8100000" algn="tr" rotWithShape="0">
+              <a:prstClr val="black">
+                <a:alpha val="40000"/>
+              </a:prstClr>
+            </a:outerShdw>
+          </a:effectLst>
+        </p:spPr>
+      </p:pic>
+      <p:sp>
+        <p:nvSpPr>
+          <p:cNvPr id="51" name="TextBox 50">
+            <a:extLst>
+              <a:ext uri="{FF2B5EF4-FFF2-40B4-BE49-F238E27FC236}">
+                <a16:creationId xmlns:a16="http://schemas.microsoft.com/office/drawing/2014/main" id="{B24F9D8E-849B-859C-D935-8658F5233CD6}"/>
+              </a:ext>
+            </a:extLst>
+          </p:cNvPr>
+          <p:cNvSpPr txBox="1"/>
+          <p:nvPr/>
+        </p:nvSpPr>
+        <p:spPr>
+          <a:xfrm>
+            <a:off x="3470981" y="4724014"/>
+            <a:ext cx="6218474" cy="646331"/>
+          </a:xfrm>
+          <a:prstGeom prst="rect">
+            <a:avLst/>
+          </a:prstGeom>
+          <a:noFill/>
+        </p:spPr>
+        <p:txBody>
+          <a:bodyPr wrap="square">
+            <a:spAutoFit/>
+          </a:bodyPr>
+          <a:lstStyle>
+            <a:defPPr>
+              <a:defRPr lang="LID4096"/>
+            </a:defPPr>
+          </a:lstStyle>
+          <a:p>
+            <a:r>
+              <a:rPr lang="en-US" dirty="0"/>
+              <a:t>Stopped at: </a:t>
+            </a:r>
+          </a:p>
+          <a:p>
+            <a:r>
+              <a:rPr lang="en-US" dirty="0"/>
+              <a:t># `Beta ____ multi_threads=false ____ error`</a:t>
+            </a:r>
+          </a:p>
+        </p:txBody>
+      </p:sp>
+      <p:sp>
+        <p:nvSpPr>
+          <p:cNvPr id="52" name="TextBox 51">
+            <a:extLst>
+              <a:ext uri="{FF2B5EF4-FFF2-40B4-BE49-F238E27FC236}">
+                <a16:creationId xmlns:a16="http://schemas.microsoft.com/office/drawing/2014/main" id="{480999B4-C01B-1BCB-BB94-893CB59CB812}"/>
+              </a:ext>
+            </a:extLst>
+          </p:cNvPr>
+          <p:cNvSpPr txBox="1"/>
+          <p:nvPr/>
+        </p:nvSpPr>
+        <p:spPr>
+          <a:xfrm>
+            <a:off x="1607017" y="3575129"/>
+            <a:ext cx="3194669" cy="338554"/>
+          </a:xfrm>
+          <a:prstGeom prst="rect">
+            <a:avLst/>
+          </a:prstGeom>
+          <a:noFill/>
+        </p:spPr>
+        <p:txBody>
+          <a:bodyPr wrap="square">
+            <a:spAutoFit/>
+          </a:bodyPr>
+          <a:lstStyle/>
+          <a:p>
+            <a:pPr algn="r"/>
+            <a:r>
+              <a:rPr lang="LID4096" sz="1600" b="1" dirty="0"/>
+              <a:t>PEST_pp</a:t>
+            </a:r>
+            <a:r>
+              <a:rPr lang="pt-BR" sz="1600" b="1" dirty="0"/>
+              <a:t> \ B</a:t>
+            </a:r>
+            <a:r>
+              <a:rPr lang="LID4096" sz="1600" b="1" dirty="0"/>
+              <a:t>enchmarks</a:t>
+            </a:r>
+            <a:r>
+              <a:rPr lang="pt-BR" sz="1600" b="1" dirty="0"/>
+              <a:t> \ 1D</a:t>
+            </a:r>
+            <a:endParaRPr lang="LID4096" sz="1600" b="1" dirty="0"/>
+          </a:p>
+        </p:txBody>
+      </p:sp>
+      <p:sp>
+        <p:nvSpPr>
+          <p:cNvPr id="53" name="TextBox 52">
+            <a:extLst>
+              <a:ext uri="{FF2B5EF4-FFF2-40B4-BE49-F238E27FC236}">
+                <a16:creationId xmlns:a16="http://schemas.microsoft.com/office/drawing/2014/main" id="{DA7BC306-66E2-0B52-E1CD-A5FF006D9ED1}"/>
+              </a:ext>
+            </a:extLst>
+          </p:cNvPr>
+          <p:cNvSpPr txBox="1"/>
+          <p:nvPr/>
+        </p:nvSpPr>
+        <p:spPr>
+          <a:xfrm>
+            <a:off x="2591983" y="3845158"/>
+            <a:ext cx="2195128" cy="338554"/>
+          </a:xfrm>
+          <a:prstGeom prst="rect">
+            <a:avLst/>
+          </a:prstGeom>
+          <a:noFill/>
+        </p:spPr>
+        <p:txBody>
+          <a:bodyPr wrap="square">
+            <a:spAutoFit/>
+          </a:bodyPr>
+          <a:lstStyle/>
+          <a:p>
+            <a:pPr algn="r"/>
+            <a:r>
+              <a:rPr lang="pt-BR" sz="1600" b="1" dirty="0"/>
+              <a:t>Mf5 _1d ___ SETUP</a:t>
+            </a:r>
+            <a:endParaRPr lang="LID4096" sz="1600" b="1" dirty="0"/>
+          </a:p>
+        </p:txBody>
+      </p:sp>
+      <p:grpSp>
+        <p:nvGrpSpPr>
+          <p:cNvPr id="7" name="Group 6">
+            <a:extLst>
+              <a:ext uri="{FF2B5EF4-FFF2-40B4-BE49-F238E27FC236}">
+                <a16:creationId xmlns:a16="http://schemas.microsoft.com/office/drawing/2014/main" id="{068693F0-F9CE-BB8A-37C7-BDCB1EF6AF6C}"/>
+              </a:ext>
+            </a:extLst>
+          </p:cNvPr>
+          <p:cNvGrpSpPr/>
+          <p:nvPr/>
+        </p:nvGrpSpPr>
+        <p:grpSpPr>
+          <a:xfrm>
+            <a:off x="9191052" y="4239420"/>
+            <a:ext cx="2593038" cy="834084"/>
+            <a:chOff x="9119537" y="4445279"/>
+            <a:chExt cx="2593038" cy="834084"/>
+          </a:xfrm>
+        </p:grpSpPr>
+        <p:sp>
+          <p:nvSpPr>
+            <p:cNvPr id="6" name="TextBox 5">
+              <a:extLst>
+                <a:ext uri="{FF2B5EF4-FFF2-40B4-BE49-F238E27FC236}">
+                  <a16:creationId xmlns:a16="http://schemas.microsoft.com/office/drawing/2014/main" id="{1AD65824-997F-D76A-B3FF-D6FF597A7002}"/>
+                </a:ext>
+              </a:extLst>
+            </p:cNvPr>
+            <p:cNvSpPr txBox="1">
+              <a:spLocks noChangeAspect="1"/>
+            </p:cNvSpPr>
+            <p:nvPr/>
+          </p:nvSpPr>
+          <p:spPr>
+            <a:xfrm>
+              <a:off x="11176780" y="4758935"/>
+              <a:ext cx="535795" cy="520428"/>
+            </a:xfrm>
+            <a:prstGeom prst="rect">
+              <a:avLst/>
+            </a:prstGeom>
+            <a:solidFill>
+              <a:srgbClr val="00B0F0"/>
+            </a:solidFill>
+          </p:spPr>
+          <p:txBody>
+            <a:bodyPr wrap="none" lIns="0" tIns="0" rIns="0" bIns="0" anchor="ctr" anchorCtr="0">
+              <a:noAutofit/>
+            </a:bodyPr>
+            <a:lstStyle/>
+            <a:p>
+              <a:pPr algn="ctr"/>
+              <a:r>
+                <a:rPr lang="pt-BR" sz="2400" b="1">
+                  <a:solidFill>
+                    <a:schemeClr val="bg1"/>
+                  </a:solidFill>
+                </a:rPr>
+                <a:t>04</a:t>
+              </a:r>
+              <a:endParaRPr lang="LID4096" sz="2400" b="1" dirty="0">
+                <a:solidFill>
+                  <a:schemeClr val="bg1"/>
+                </a:solidFill>
+              </a:endParaRPr>
+            </a:p>
+          </p:txBody>
+        </p:sp>
+        <p:grpSp>
+          <p:nvGrpSpPr>
+            <p:cNvPr id="5" name="Group 4">
+              <a:extLst>
+                <a:ext uri="{FF2B5EF4-FFF2-40B4-BE49-F238E27FC236}">
+                  <a16:creationId xmlns:a16="http://schemas.microsoft.com/office/drawing/2014/main" id="{702AA38A-A141-296D-8FBB-C4A5A2C3CD12}"/>
+                </a:ext>
+              </a:extLst>
+            </p:cNvPr>
+            <p:cNvGrpSpPr>
+              <a:grpSpLocks noChangeAspect="1"/>
+            </p:cNvGrpSpPr>
+            <p:nvPr/>
+          </p:nvGrpSpPr>
+          <p:grpSpPr>
+            <a:xfrm>
+              <a:off x="9119537" y="4445279"/>
+              <a:ext cx="2593038" cy="601900"/>
+              <a:chOff x="10013671" y="3790532"/>
+              <a:chExt cx="1767113" cy="410185"/>
+            </a:xfrm>
+          </p:grpSpPr>
+          <p:pic>
+            <p:nvPicPr>
+              <p:cNvPr id="2" name="Picture 1">
+                <a:extLst>
+                  <a:ext uri="{FF2B5EF4-FFF2-40B4-BE49-F238E27FC236}">
+                    <a16:creationId xmlns:a16="http://schemas.microsoft.com/office/drawing/2014/main" id="{ADC53B97-8A8F-3D69-7740-45ECDF24ABE4}"/>
+                  </a:ext>
+                </a:extLst>
+              </p:cNvPr>
+              <p:cNvPicPr>
+                <a:picLocks noChangeAspect="1"/>
+              </p:cNvPicPr>
+              <p:nvPr/>
+            </p:nvPicPr>
+            <p:blipFill>
+              <a:blip r:embed="rId23"/>
+              <a:srcRect t="65550" b="15487"/>
+              <a:stretch/>
+            </p:blipFill>
+            <p:spPr>
+              <a:xfrm>
+                <a:off x="10013671" y="3790532"/>
+                <a:ext cx="1767113" cy="197024"/>
+              </a:xfrm>
+              <a:prstGeom prst="rect">
+                <a:avLst/>
+              </a:prstGeom>
+            </p:spPr>
+          </p:pic>
+          <p:pic>
+            <p:nvPicPr>
+              <p:cNvPr id="3" name="Picture 2">
+                <a:extLst>
+                  <a:ext uri="{FF2B5EF4-FFF2-40B4-BE49-F238E27FC236}">
+                    <a16:creationId xmlns:a16="http://schemas.microsoft.com/office/drawing/2014/main" id="{DBD501B8-216B-2142-DE5F-BC66004D7F13}"/>
+                  </a:ext>
+                </a:extLst>
+              </p:cNvPr>
+              <p:cNvPicPr>
+                <a:picLocks noChangeAspect="1"/>
+              </p:cNvPicPr>
+              <p:nvPr/>
+            </p:nvPicPr>
+            <p:blipFill>
+              <a:blip r:embed="rId24"/>
+              <a:srcRect t="1" b="14084"/>
+              <a:stretch/>
+            </p:blipFill>
+            <p:spPr>
+              <a:xfrm>
+                <a:off x="10049038" y="4005966"/>
+                <a:ext cx="1054545" cy="194751"/>
+              </a:xfrm>
+              <a:prstGeom prst="rect">
+                <a:avLst/>
+              </a:prstGeom>
+            </p:spPr>
+          </p:pic>
+        </p:grpSp>
+      </p:grpSp>
+    </p:spTree>
+    <p:extLst>
+      <p:ext uri="{BB962C8B-B14F-4D97-AF65-F5344CB8AC3E}">
+        <p14:creationId xmlns:p14="http://schemas.microsoft.com/office/powerpoint/2010/main" val="177492580"/>
+      </p:ext>
+    </p:extLst>
+  </p:cSld>
+  <p:clrMapOvr>
+    <a:masterClrMapping/>
+  </p:clrMapOvr>
+</p:sld>
+</file>
+
+<file path=ppt/slides/slide11.xml><?xml version="1.0" encoding="utf-8"?>
 <p:sld xmlns:a="http://schemas.openxmlformats.org/drawingml/2006/main" xmlns:r="http://schemas.openxmlformats.org/officeDocument/2006/relationships" xmlns:p="http://schemas.openxmlformats.org/presentationml/2006/main">
   <p:cSld>
     <p:bg>
@@ -6114,49 +7734,6 @@
           </p:txBody>
         </p:sp>
       </p:grpSp>
-      <p:sp>
-        <p:nvSpPr>
-          <p:cNvPr id="17" name="TextBox 16">
-            <a:extLst>
-              <a:ext uri="{FF2B5EF4-FFF2-40B4-BE49-F238E27FC236}">
-                <a16:creationId xmlns:a16="http://schemas.microsoft.com/office/drawing/2014/main" id="{DAAD3A0A-FA94-5645-99B3-902C53A67AB9}"/>
-              </a:ext>
-            </a:extLst>
-          </p:cNvPr>
-          <p:cNvSpPr txBox="1"/>
-          <p:nvPr/>
-        </p:nvSpPr>
-        <p:spPr>
-          <a:xfrm>
-            <a:off x="2861861" y="2839406"/>
-            <a:ext cx="1458551" cy="523220"/>
-          </a:xfrm>
-          <a:prstGeom prst="rect">
-            <a:avLst/>
-          </a:prstGeom>
-          <a:noFill/>
-        </p:spPr>
-        <p:txBody>
-          <a:bodyPr wrap="square">
-            <a:spAutoFit/>
-          </a:bodyPr>
-          <a:lstStyle>
-            <a:defPPr>
-              <a:defRPr lang="LID4096"/>
-            </a:defPPr>
-            <a:lvl1pPr>
-              <a:defRPr sz="1100" b="1"/>
-            </a:lvl1pPr>
-          </a:lstStyle>
-          <a:p>
-            <a:r>
-              <a:rPr lang="en-US" sz="2800" dirty="0"/>
-              <a:t>01</a:t>
-            </a:r>
-            <a:endParaRPr lang="LID4096" sz="2800" dirty="0"/>
-          </a:p>
-        </p:txBody>
-      </p:sp>
       <p:grpSp>
         <p:nvGrpSpPr>
           <p:cNvPr id="19" name="Group 18">
@@ -6907,7 +8484,7 @@
         </p:nvGrpSpPr>
         <p:grpSpPr>
           <a:xfrm>
-            <a:off x="5811006" y="1345638"/>
+            <a:off x="6073284" y="1328971"/>
             <a:ext cx="2353480" cy="1169077"/>
             <a:chOff x="2636906" y="3625516"/>
             <a:chExt cx="2353480" cy="1169077"/>
@@ -7181,7 +8758,7 @@
         </p:nvGrpSpPr>
         <p:grpSpPr>
           <a:xfrm>
-            <a:off x="5833638" y="2658219"/>
+            <a:off x="6095916" y="2641552"/>
             <a:ext cx="2371725" cy="1771199"/>
             <a:chOff x="2784384" y="4938793"/>
             <a:chExt cx="2371725" cy="1771199"/>
@@ -7479,7 +9056,7 @@
         </p:nvGrpSpPr>
         <p:grpSpPr>
           <a:xfrm>
-            <a:off x="5883164" y="4609619"/>
+            <a:off x="6145442" y="4592952"/>
             <a:ext cx="2182433" cy="1739223"/>
             <a:chOff x="5025663" y="4964308"/>
             <a:chExt cx="2182433" cy="1739223"/>
@@ -7763,7 +9340,7 @@
         </p:nvGrpSpPr>
         <p:grpSpPr>
           <a:xfrm>
-            <a:off x="3432819" y="492654"/>
+            <a:off x="3695097" y="475987"/>
             <a:ext cx="2211039" cy="2469115"/>
             <a:chOff x="3206898" y="1567263"/>
             <a:chExt cx="2211039" cy="2469115"/>
@@ -8416,7 +9993,7 @@
         </p:nvGrpSpPr>
         <p:grpSpPr>
           <a:xfrm>
-            <a:off x="5818182" y="450910"/>
+            <a:off x="6080460" y="434243"/>
             <a:ext cx="2228645" cy="715104"/>
             <a:chOff x="6095771" y="585832"/>
             <a:chExt cx="2228645" cy="715104"/>
@@ -8726,35 +10303,6 @@
           </a:p>
         </p:txBody>
       </p:sp>
-      <p:pic>
-        <p:nvPicPr>
-          <p:cNvPr id="11" name="Picture 10">
-            <a:extLst>
-              <a:ext uri="{FF2B5EF4-FFF2-40B4-BE49-F238E27FC236}">
-                <a16:creationId xmlns:a16="http://schemas.microsoft.com/office/drawing/2014/main" id="{B681F581-8956-A928-EC4B-B9D1AF917EF2}"/>
-              </a:ext>
-            </a:extLst>
-          </p:cNvPr>
-          <p:cNvPicPr>
-            <a:picLocks noChangeAspect="1"/>
-          </p:cNvPicPr>
-          <p:nvPr/>
-        </p:nvPicPr>
-        <p:blipFill>
-          <a:blip r:embed="rId21"/>
-          <a:srcRect b="51282"/>
-          <a:stretch/>
-        </p:blipFill>
-        <p:spPr>
-          <a:xfrm>
-            <a:off x="578222" y="1801882"/>
-            <a:ext cx="2247900" cy="194897"/>
-          </a:xfrm>
-          <a:prstGeom prst="rect">
-            <a:avLst/>
-          </a:prstGeom>
-        </p:spPr>
-      </p:pic>
       <p:sp>
         <p:nvSpPr>
           <p:cNvPr id="8" name="TextBox 7">
@@ -8771,7 +10319,7 @@
         </p:nvSpPr>
         <p:spPr>
           <a:xfrm>
-            <a:off x="7169322" y="3024963"/>
+            <a:off x="7431600" y="3008296"/>
             <a:ext cx="1206084" cy="283668"/>
           </a:xfrm>
           <a:prstGeom prst="rect">
@@ -8809,7 +10357,7 @@
         </p:nvSpPr>
         <p:spPr>
           <a:xfrm>
-            <a:off x="7994661" y="5193207"/>
+            <a:off x="8256939" y="5176540"/>
             <a:ext cx="320397" cy="207735"/>
           </a:xfrm>
           <a:prstGeom prst="rect">
@@ -8856,7 +10404,7 @@
           <p:nvPr/>
         </p:nvPicPr>
         <p:blipFill>
-          <a:blip r:embed="rId22"/>
+          <a:blip r:embed="rId21"/>
           <a:stretch>
             <a:fillRect/>
           </a:stretch>
@@ -8890,92 +10438,42 @@
         </p:nvGrpSpPr>
         <p:grpSpPr>
           <a:xfrm>
-            <a:off x="571198" y="2246147"/>
-            <a:ext cx="2748250" cy="625013"/>
-            <a:chOff x="571198" y="2246147"/>
-            <a:chExt cx="2748250" cy="625013"/>
+            <a:off x="736822" y="2419331"/>
+            <a:ext cx="2582626" cy="451829"/>
+            <a:chOff x="736822" y="2419331"/>
+            <a:chExt cx="2582626" cy="451829"/>
           </a:xfrm>
         </p:grpSpPr>
-        <p:grpSp>
-          <p:nvGrpSpPr>
-            <p:cNvPr id="16" name="Group 15">
+        <p:pic>
+          <p:nvPicPr>
+            <p:cNvPr id="12" name="Picture 11">
               <a:extLst>
                 <a:ext uri="{FF2B5EF4-FFF2-40B4-BE49-F238E27FC236}">
-                  <a16:creationId xmlns:a16="http://schemas.microsoft.com/office/drawing/2014/main" id="{13DC16DF-6840-FEBC-7FBA-F435BFE89C71}"/>
+                  <a16:creationId xmlns:a16="http://schemas.microsoft.com/office/drawing/2014/main" id="{46CDE9FA-2B73-BA9C-FE8B-0072C2821F42}"/>
                 </a:ext>
               </a:extLst>
             </p:cNvPr>
-            <p:cNvGrpSpPr/>
+            <p:cNvPicPr>
+              <a:picLocks noChangeAspect="1"/>
+            </p:cNvPicPr>
             <p:nvPr/>
-          </p:nvGrpSpPr>
-          <p:grpSpPr>
+          </p:nvPicPr>
+          <p:blipFill>
+            <a:blip r:embed="rId22"/>
+            <a:stretch>
+              <a:fillRect/>
+            </a:stretch>
+          </p:blipFill>
+          <p:spPr>
             <a:xfrm>
-              <a:off x="571198" y="2246147"/>
-              <a:ext cx="2247900" cy="401784"/>
-              <a:chOff x="332936" y="2187166"/>
-              <a:chExt cx="2247900" cy="401784"/>
+              <a:off x="736822" y="2419331"/>
+              <a:ext cx="904875" cy="228600"/>
             </a:xfrm>
-          </p:grpSpPr>
-          <p:pic>
-            <p:nvPicPr>
-              <p:cNvPr id="12" name="Picture 11">
-                <a:extLst>
-                  <a:ext uri="{FF2B5EF4-FFF2-40B4-BE49-F238E27FC236}">
-                    <a16:creationId xmlns:a16="http://schemas.microsoft.com/office/drawing/2014/main" id="{46CDE9FA-2B73-BA9C-FE8B-0072C2821F42}"/>
-                  </a:ext>
-                </a:extLst>
-              </p:cNvPr>
-              <p:cNvPicPr>
-                <a:picLocks noChangeAspect="1"/>
-              </p:cNvPicPr>
-              <p:nvPr/>
-            </p:nvPicPr>
-            <p:blipFill>
-              <a:blip r:embed="rId23"/>
-              <a:stretch>
-                <a:fillRect/>
-              </a:stretch>
-            </p:blipFill>
-            <p:spPr>
-              <a:xfrm>
-                <a:off x="498560" y="2360350"/>
-                <a:ext cx="904875" cy="228600"/>
-              </a:xfrm>
-              <a:prstGeom prst="rect">
-                <a:avLst/>
-              </a:prstGeom>
-            </p:spPr>
-          </p:pic>
-          <p:pic>
-            <p:nvPicPr>
-              <p:cNvPr id="15" name="Picture 14">
-                <a:extLst>
-                  <a:ext uri="{FF2B5EF4-FFF2-40B4-BE49-F238E27FC236}">
-                    <a16:creationId xmlns:a16="http://schemas.microsoft.com/office/drawing/2014/main" id="{B0AB0EB1-0804-19F6-B919-152B7B5DBD9D}"/>
-                  </a:ext>
-                </a:extLst>
-              </p:cNvPr>
-              <p:cNvPicPr>
-                <a:picLocks noChangeAspect="1"/>
-              </p:cNvPicPr>
-              <p:nvPr/>
-            </p:nvPicPr>
-            <p:blipFill>
-              <a:blip r:embed="rId21"/>
-              <a:srcRect t="51223"/>
-              <a:stretch/>
-            </p:blipFill>
-            <p:spPr>
-              <a:xfrm>
-                <a:off x="332936" y="2187166"/>
-                <a:ext cx="2247900" cy="195132"/>
-              </a:xfrm>
-              <a:prstGeom prst="rect">
-                <a:avLst/>
-              </a:prstGeom>
-            </p:spPr>
-          </p:pic>
-        </p:grpSp>
+            <a:prstGeom prst="rect">
+              <a:avLst/>
+            </a:prstGeom>
+          </p:spPr>
+        </p:pic>
         <p:pic>
           <p:nvPicPr>
             <p:cNvPr id="23" name="Picture 22">
@@ -8991,7 +10489,7 @@
             <p:nvPr/>
           </p:nvPicPr>
           <p:blipFill>
-            <a:blip r:embed="rId24"/>
+            <a:blip r:embed="rId23"/>
             <a:stretch>
               <a:fillRect/>
             </a:stretch>
@@ -9027,7 +10525,7 @@
           <p:nvPr/>
         </p:nvPicPr>
         <p:blipFill>
-          <a:blip r:embed="rId25"/>
+          <a:blip r:embed="rId24"/>
           <a:stretch>
             <a:fillRect/>
           </a:stretch>
@@ -9063,7 +10561,7 @@
         </p:nvSpPr>
         <p:spPr>
           <a:xfrm>
-            <a:off x="2770883" y="2173378"/>
+            <a:off x="2599165" y="2938693"/>
             <a:ext cx="709686" cy="283668"/>
           </a:xfrm>
           <a:prstGeom prst="rect">
@@ -9109,7 +10607,7 @@
         <p:spPr>
           <a:xfrm>
             <a:off x="11207827" y="3417128"/>
-            <a:ext cx="588361" cy="523220"/>
+            <a:ext cx="588361" cy="954107"/>
           </a:xfrm>
           <a:prstGeom prst="rect">
             <a:avLst/>
@@ -9128,6 +10626,12 @@
               <a:defRPr sz="1100" b="1"/>
             </a:lvl1pPr>
           </a:lstStyle>
+          <a:p>
+            <a:r>
+              <a:rPr lang="en-US" sz="2800" dirty="0"/>
+              <a:t>01</a:t>
+            </a:r>
+          </a:p>
           <a:p>
             <a:r>
               <a:rPr lang="en-US" sz="2800" dirty="0"/>
@@ -9180,6 +10684,93 @@
           </a:p>
         </p:txBody>
       </p:sp>
+      <p:pic>
+        <p:nvPicPr>
+          <p:cNvPr id="10" name="Picture 9">
+            <a:extLst>
+              <a:ext uri="{FF2B5EF4-FFF2-40B4-BE49-F238E27FC236}">
+                <a16:creationId xmlns:a16="http://schemas.microsoft.com/office/drawing/2014/main" id="{B235E6B6-C542-7BA1-254C-8A22F7F4ED1C}"/>
+              </a:ext>
+            </a:extLst>
+          </p:cNvPr>
+          <p:cNvPicPr>
+            <a:picLocks noChangeAspect="1"/>
+          </p:cNvPicPr>
+          <p:nvPr/>
+        </p:nvPicPr>
+        <p:blipFill>
+          <a:blip r:embed="rId25"/>
+          <a:srcRect b="50000"/>
+          <a:stretch/>
+        </p:blipFill>
+        <p:spPr>
+          <a:xfrm>
+            <a:off x="591808" y="1793893"/>
+            <a:ext cx="2362200" cy="200025"/>
+          </a:xfrm>
+          <a:prstGeom prst="rect">
+            <a:avLst/>
+          </a:prstGeom>
+        </p:spPr>
+      </p:pic>
+      <p:pic>
+        <p:nvPicPr>
+          <p:cNvPr id="13" name="Picture 12">
+            <a:extLst>
+              <a:ext uri="{FF2B5EF4-FFF2-40B4-BE49-F238E27FC236}">
+                <a16:creationId xmlns:a16="http://schemas.microsoft.com/office/drawing/2014/main" id="{70805933-1241-0B13-423D-60FC01380D65}"/>
+              </a:ext>
+            </a:extLst>
+          </p:cNvPr>
+          <p:cNvPicPr>
+            <a:picLocks noChangeAspect="1"/>
+          </p:cNvPicPr>
+          <p:nvPr/>
+        </p:nvPicPr>
+        <p:blipFill>
+          <a:blip r:embed="rId25"/>
+          <a:srcRect t="49775"/>
+          <a:stretch/>
+        </p:blipFill>
+        <p:spPr>
+          <a:xfrm>
+            <a:off x="617330" y="2238452"/>
+            <a:ext cx="2362200" cy="200930"/>
+          </a:xfrm>
+          <a:prstGeom prst="rect">
+            <a:avLst/>
+          </a:prstGeom>
+        </p:spPr>
+      </p:pic>
+      <p:pic>
+        <p:nvPicPr>
+          <p:cNvPr id="14" name="Picture 13">
+            <a:extLst>
+              <a:ext uri="{FF2B5EF4-FFF2-40B4-BE49-F238E27FC236}">
+                <a16:creationId xmlns:a16="http://schemas.microsoft.com/office/drawing/2014/main" id="{E5F24A57-18FA-2FE4-2F7F-F57A750026BD}"/>
+              </a:ext>
+            </a:extLst>
+          </p:cNvPr>
+          <p:cNvPicPr>
+            <a:picLocks noChangeAspect="1"/>
+          </p:cNvPicPr>
+          <p:nvPr/>
+        </p:nvPicPr>
+        <p:blipFill>
+          <a:blip r:embed="rId4"/>
+          <a:srcRect r="74025" b="13003"/>
+          <a:stretch/>
+        </p:blipFill>
+        <p:spPr>
+          <a:xfrm>
+            <a:off x="672997" y="2920297"/>
+            <a:ext cx="502239" cy="174015"/>
+          </a:xfrm>
+          <a:prstGeom prst="rect">
+            <a:avLst/>
+          </a:prstGeom>
+        </p:spPr>
+      </p:pic>
     </p:spTree>
     <p:extLst>
       <p:ext uri="{BB962C8B-B14F-4D97-AF65-F5344CB8AC3E}">
@@ -9220,12 +10811,310 @@
           <a:chExt cx="0" cy="0"/>
         </a:xfrm>
       </p:grpSpPr>
+      <p:pic>
+        <p:nvPicPr>
+          <p:cNvPr id="3" name="Picture 2">
+            <a:extLst>
+              <a:ext uri="{FF2B5EF4-FFF2-40B4-BE49-F238E27FC236}">
+                <a16:creationId xmlns:a16="http://schemas.microsoft.com/office/drawing/2014/main" id="{21AA11D0-0F1A-FA13-B535-46B4B5395119}"/>
+              </a:ext>
+            </a:extLst>
+          </p:cNvPr>
+          <p:cNvPicPr>
+            <a:picLocks noChangeAspect="1"/>
+          </p:cNvPicPr>
+          <p:nvPr/>
+        </p:nvPicPr>
+        <p:blipFill>
+          <a:blip r:embed="rId2"/>
+          <a:stretch>
+            <a:fillRect/>
+          </a:stretch>
+        </p:blipFill>
+        <p:spPr>
+          <a:xfrm>
+            <a:off x="470561" y="276136"/>
+            <a:ext cx="1038225" cy="2800350"/>
+          </a:xfrm>
+          <a:prstGeom prst="rect">
+            <a:avLst/>
+          </a:prstGeom>
+        </p:spPr>
+      </p:pic>
+      <p:sp>
+        <p:nvSpPr>
+          <p:cNvPr id="4" name="Rectangle 3">
+            <a:extLst>
+              <a:ext uri="{FF2B5EF4-FFF2-40B4-BE49-F238E27FC236}">
+                <a16:creationId xmlns:a16="http://schemas.microsoft.com/office/drawing/2014/main" id="{6FE607B3-0FDA-E3F8-729C-14104E42EF8C}"/>
+              </a:ext>
+            </a:extLst>
+          </p:cNvPr>
+          <p:cNvSpPr/>
+          <p:nvPr/>
+        </p:nvSpPr>
+        <p:spPr>
+          <a:xfrm>
+            <a:off x="470561" y="276136"/>
+            <a:ext cx="1762124" cy="589344"/>
+          </a:xfrm>
+          <a:prstGeom prst="rect">
+            <a:avLst/>
+          </a:prstGeom>
+          <a:noFill/>
+          <a:ln w="6350">
+            <a:solidFill>
+              <a:schemeClr val="tx1"/>
+            </a:solidFill>
+          </a:ln>
+          <a:effectLst>
+            <a:outerShdw blurRad="50800" dist="38100" dir="8100000" algn="tr" rotWithShape="0">
+              <a:prstClr val="black">
+                <a:alpha val="40000"/>
+              </a:prstClr>
+            </a:outerShdw>
+          </a:effectLst>
+        </p:spPr>
+        <p:txBody>
+          <a:bodyPr wrap="none" anchor="ctr" anchorCtr="0">
+            <a:noAutofit/>
+          </a:bodyPr>
+          <a:lstStyle/>
+          <a:p>
+            <a:endParaRPr lang="LID4096" dirty="0"/>
+          </a:p>
+        </p:txBody>
+      </p:sp>
+      <p:sp>
+        <p:nvSpPr>
+          <p:cNvPr id="5" name="Rectangle 4">
+            <a:extLst>
+              <a:ext uri="{FF2B5EF4-FFF2-40B4-BE49-F238E27FC236}">
+                <a16:creationId xmlns:a16="http://schemas.microsoft.com/office/drawing/2014/main" id="{B3AAC189-131B-91C6-CCC2-88F8527E45C5}"/>
+              </a:ext>
+            </a:extLst>
+          </p:cNvPr>
+          <p:cNvSpPr/>
+          <p:nvPr/>
+        </p:nvSpPr>
+        <p:spPr>
+          <a:xfrm>
+            <a:off x="470561" y="2655606"/>
+            <a:ext cx="1762124" cy="420880"/>
+          </a:xfrm>
+          <a:prstGeom prst="rect">
+            <a:avLst/>
+          </a:prstGeom>
+          <a:noFill/>
+          <a:ln w="6350">
+            <a:solidFill>
+              <a:schemeClr val="tx1"/>
+            </a:solidFill>
+          </a:ln>
+          <a:effectLst>
+            <a:outerShdw blurRad="50800" dist="38100" dir="8100000" algn="tr" rotWithShape="0">
+              <a:prstClr val="black">
+                <a:alpha val="40000"/>
+              </a:prstClr>
+            </a:outerShdw>
+          </a:effectLst>
+        </p:spPr>
+        <p:txBody>
+          <a:bodyPr wrap="none" anchor="ctr" anchorCtr="0">
+            <a:noAutofit/>
+          </a:bodyPr>
+          <a:lstStyle/>
+          <a:p>
+            <a:endParaRPr lang="LID4096" dirty="0"/>
+          </a:p>
+        </p:txBody>
+      </p:sp>
+      <p:pic>
+        <p:nvPicPr>
+          <p:cNvPr id="8" name="Picture 7">
+            <a:extLst>
+              <a:ext uri="{FF2B5EF4-FFF2-40B4-BE49-F238E27FC236}">
+                <a16:creationId xmlns:a16="http://schemas.microsoft.com/office/drawing/2014/main" id="{7F190894-2B04-81BB-5709-5A5DAEC6A541}"/>
+              </a:ext>
+            </a:extLst>
+          </p:cNvPr>
+          <p:cNvPicPr>
+            <a:picLocks noChangeAspect="1"/>
+          </p:cNvPicPr>
+          <p:nvPr/>
+        </p:nvPicPr>
+        <p:blipFill>
+          <a:blip r:embed="rId3"/>
+          <a:stretch>
+            <a:fillRect/>
+          </a:stretch>
+        </p:blipFill>
+        <p:spPr>
+          <a:xfrm>
+            <a:off x="2870764" y="2542196"/>
+            <a:ext cx="1190625" cy="647700"/>
+          </a:xfrm>
+          <a:prstGeom prst="rect">
+            <a:avLst/>
+          </a:prstGeom>
+        </p:spPr>
+      </p:pic>
+      <p:pic>
+        <p:nvPicPr>
+          <p:cNvPr id="11" name="Picture 10">
+            <a:extLst>
+              <a:ext uri="{FF2B5EF4-FFF2-40B4-BE49-F238E27FC236}">
+                <a16:creationId xmlns:a16="http://schemas.microsoft.com/office/drawing/2014/main" id="{ACF8C54C-B04B-9AB6-39BE-9DE88F30FA77}"/>
+              </a:ext>
+            </a:extLst>
+          </p:cNvPr>
+          <p:cNvPicPr>
+            <a:picLocks noChangeAspect="1"/>
+          </p:cNvPicPr>
+          <p:nvPr/>
+        </p:nvPicPr>
+        <p:blipFill>
+          <a:blip r:embed="rId4"/>
+          <a:stretch>
+            <a:fillRect/>
+          </a:stretch>
+        </p:blipFill>
+        <p:spPr>
+          <a:xfrm>
+            <a:off x="470561" y="3275175"/>
+            <a:ext cx="3590828" cy="3429000"/>
+          </a:xfrm>
+          <a:prstGeom prst="rect">
+            <a:avLst/>
+          </a:prstGeom>
+        </p:spPr>
+      </p:pic>
+      <p:sp>
+        <p:nvSpPr>
+          <p:cNvPr id="13" name="Rectangle 12">
+            <a:extLst>
+              <a:ext uri="{FF2B5EF4-FFF2-40B4-BE49-F238E27FC236}">
+                <a16:creationId xmlns:a16="http://schemas.microsoft.com/office/drawing/2014/main" id="{E379EAB0-8C70-5F67-C312-55DC9FE1921C}"/>
+              </a:ext>
+            </a:extLst>
+          </p:cNvPr>
+          <p:cNvSpPr/>
+          <p:nvPr/>
+        </p:nvSpPr>
+        <p:spPr>
+          <a:xfrm>
+            <a:off x="470561" y="873919"/>
+            <a:ext cx="1170232" cy="190250"/>
+          </a:xfrm>
+          <a:prstGeom prst="rect">
+            <a:avLst/>
+          </a:prstGeom>
+          <a:noFill/>
+          <a:ln w="6350">
+            <a:solidFill>
+              <a:srgbClr val="FF0000"/>
+            </a:solidFill>
+          </a:ln>
+          <a:effectLst>
+            <a:outerShdw blurRad="50800" dist="38100" dir="8100000" algn="tr" rotWithShape="0">
+              <a:prstClr val="black">
+                <a:alpha val="40000"/>
+              </a:prstClr>
+            </a:outerShdw>
+          </a:effectLst>
+        </p:spPr>
+        <p:txBody>
+          <a:bodyPr wrap="none" anchor="ctr" anchorCtr="0">
+            <a:noAutofit/>
+          </a:bodyPr>
+          <a:lstStyle/>
+          <a:p>
+            <a:endParaRPr lang="LID4096" dirty="0"/>
+          </a:p>
+        </p:txBody>
+      </p:sp>
+      <p:pic>
+        <p:nvPicPr>
+          <p:cNvPr id="15" name="Picture 14">
+            <a:extLst>
+              <a:ext uri="{FF2B5EF4-FFF2-40B4-BE49-F238E27FC236}">
+                <a16:creationId xmlns:a16="http://schemas.microsoft.com/office/drawing/2014/main" id="{72F8D536-A6C7-3674-1F7E-B06A5ECD65A9}"/>
+              </a:ext>
+            </a:extLst>
+          </p:cNvPr>
+          <p:cNvPicPr>
+            <a:picLocks noChangeAspect="1"/>
+          </p:cNvPicPr>
+          <p:nvPr/>
+        </p:nvPicPr>
+        <p:blipFill>
+          <a:blip r:embed="rId5"/>
+          <a:stretch>
+            <a:fillRect/>
+          </a:stretch>
+        </p:blipFill>
+        <p:spPr>
+          <a:xfrm>
+            <a:off x="1832539" y="969044"/>
+            <a:ext cx="1190625" cy="1020536"/>
+          </a:xfrm>
+          <a:prstGeom prst="rect">
+            <a:avLst/>
+          </a:prstGeom>
+        </p:spPr>
+      </p:pic>
+    </p:spTree>
+    <p:extLst>
+      <p:ext uri="{BB962C8B-B14F-4D97-AF65-F5344CB8AC3E}">
+        <p14:creationId xmlns:p14="http://schemas.microsoft.com/office/powerpoint/2010/main" val="2752659032"/>
+      </p:ext>
+    </p:extLst>
+  </p:cSld>
+  <p:clrMapOvr>
+    <a:masterClrMapping/>
+  </p:clrMapOvr>
+</p:sld>
+</file>
+
+<file path=ppt/slides/slide4.xml><?xml version="1.0" encoding="utf-8"?>
+<p:sld xmlns:a="http://schemas.openxmlformats.org/drawingml/2006/main" xmlns:r="http://schemas.openxmlformats.org/officeDocument/2006/relationships" xmlns:p="http://schemas.openxmlformats.org/presentationml/2006/main">
+  <p:cSld>
+    <p:bg>
+      <p:bgPr>
+        <a:solidFill>
+          <a:schemeClr val="bg1">
+            <a:lumMod val="85000"/>
+          </a:schemeClr>
+        </a:solidFill>
+        <a:effectLst/>
+      </p:bgPr>
+    </p:bg>
+    <p:spTree>
+      <p:nvGrpSpPr>
+        <p:cNvPr id="1" name="">
+          <a:extLst>
+            <a:ext uri="{FF2B5EF4-FFF2-40B4-BE49-F238E27FC236}">
+              <a16:creationId xmlns:a16="http://schemas.microsoft.com/office/drawing/2014/main" id="{F34CD34E-213C-0C97-0F6B-97F544953ECA}"/>
+            </a:ext>
+          </a:extLst>
+        </p:cNvPr>
+        <p:cNvGrpSpPr/>
+        <p:nvPr/>
+      </p:nvGrpSpPr>
+      <p:grpSpPr>
+        <a:xfrm>
+          <a:off x="0" y="0"/>
+          <a:ext cx="0" cy="0"/>
+          <a:chOff x="0" y="0"/>
+          <a:chExt cx="0" cy="0"/>
+        </a:xfrm>
+      </p:grpSpPr>
       <p:sp>
         <p:nvSpPr>
           <p:cNvPr id="6" name="Rectangle 5">
             <a:extLst>
               <a:ext uri="{FF2B5EF4-FFF2-40B4-BE49-F238E27FC236}">
-                <a16:creationId xmlns:a16="http://schemas.microsoft.com/office/drawing/2014/main" id="{14D79EAF-977F-FA90-8C73-FFD5113B3F6F}"/>
+                <a16:creationId xmlns:a16="http://schemas.microsoft.com/office/drawing/2014/main" id="{A66BCB43-9E61-38ED-D7BA-97748B6329D6}"/>
               </a:ext>
             </a:extLst>
           </p:cNvPr>
@@ -9280,7 +11169,7 @@
           <p:cNvPr id="10" name="Picture 9">
             <a:extLst>
               <a:ext uri="{FF2B5EF4-FFF2-40B4-BE49-F238E27FC236}">
-                <a16:creationId xmlns:a16="http://schemas.microsoft.com/office/drawing/2014/main" id="{C8E47F97-775D-4FEC-3A66-D80D114CFC1C}"/>
+                <a16:creationId xmlns:a16="http://schemas.microsoft.com/office/drawing/2014/main" id="{773F6384-73C8-A2DB-6372-BBF6B20B549C}"/>
               </a:ext>
             </a:extLst>
           </p:cNvPr>
@@ -9316,7 +11205,7 @@
           <p:cNvPr id="12" name="Picture 11">
             <a:extLst>
               <a:ext uri="{FF2B5EF4-FFF2-40B4-BE49-F238E27FC236}">
-                <a16:creationId xmlns:a16="http://schemas.microsoft.com/office/drawing/2014/main" id="{8391E879-B096-F501-C77B-F173DEA234DD}"/>
+                <a16:creationId xmlns:a16="http://schemas.microsoft.com/office/drawing/2014/main" id="{9C2FD3E8-FAAE-B129-A252-CEA2B25DAF10}"/>
               </a:ext>
             </a:extLst>
           </p:cNvPr>
@@ -9352,7 +11241,7 @@
           <p:cNvPr id="14" name="Picture 13">
             <a:extLst>
               <a:ext uri="{FF2B5EF4-FFF2-40B4-BE49-F238E27FC236}">
-                <a16:creationId xmlns:a16="http://schemas.microsoft.com/office/drawing/2014/main" id="{ECA42460-7A44-139D-3A0F-9822D1B27B56}"/>
+                <a16:creationId xmlns:a16="http://schemas.microsoft.com/office/drawing/2014/main" id="{6A570FA5-0100-7F2C-3463-983C5914CEC0}"/>
               </a:ext>
             </a:extLst>
           </p:cNvPr>
@@ -9388,7 +11277,7 @@
           <p:cNvPr id="16" name="Picture 15">
             <a:extLst>
               <a:ext uri="{FF2B5EF4-FFF2-40B4-BE49-F238E27FC236}">
-                <a16:creationId xmlns:a16="http://schemas.microsoft.com/office/drawing/2014/main" id="{7348E59A-453D-7C76-FD3F-DF16FDF8B9A2}"/>
+                <a16:creationId xmlns:a16="http://schemas.microsoft.com/office/drawing/2014/main" id="{7EE842CF-F682-3FE9-CD3C-6EB684FD1B7C}"/>
               </a:ext>
             </a:extLst>
           </p:cNvPr>
@@ -9424,7 +11313,7 @@
           <p:cNvPr id="18" name="Picture 17">
             <a:extLst>
               <a:ext uri="{FF2B5EF4-FFF2-40B4-BE49-F238E27FC236}">
-                <a16:creationId xmlns:a16="http://schemas.microsoft.com/office/drawing/2014/main" id="{BED38954-4328-2E7F-A441-EC0785F67D87}"/>
+                <a16:creationId xmlns:a16="http://schemas.microsoft.com/office/drawing/2014/main" id="{A5889BA0-318D-1B06-BDDA-6E0F9688DBC3}"/>
               </a:ext>
             </a:extLst>
           </p:cNvPr>
@@ -9460,7 +11349,7 @@
           <p:cNvPr id="27" name="Picture 26">
             <a:extLst>
               <a:ext uri="{FF2B5EF4-FFF2-40B4-BE49-F238E27FC236}">
-                <a16:creationId xmlns:a16="http://schemas.microsoft.com/office/drawing/2014/main" id="{073D615F-F727-3C35-66E4-2A71BACD57D2}"/>
+                <a16:creationId xmlns:a16="http://schemas.microsoft.com/office/drawing/2014/main" id="{6D4A1B69-5BCF-9034-B63F-64C5B8C87409}"/>
               </a:ext>
             </a:extLst>
           </p:cNvPr>
@@ -9490,7 +11379,7 @@
           <p:cNvPr id="28" name="Picture 27">
             <a:extLst>
               <a:ext uri="{FF2B5EF4-FFF2-40B4-BE49-F238E27FC236}">
-                <a16:creationId xmlns:a16="http://schemas.microsoft.com/office/drawing/2014/main" id="{9ADE2362-F361-847E-D4BE-BA05D1A31957}"/>
+                <a16:creationId xmlns:a16="http://schemas.microsoft.com/office/drawing/2014/main" id="{DDB039F8-C042-0F43-D0DB-CE857AEFA462}"/>
               </a:ext>
             </a:extLst>
           </p:cNvPr>
@@ -9520,7 +11409,7 @@
           <p:cNvPr id="29" name="TextBox 28">
             <a:extLst>
               <a:ext uri="{FF2B5EF4-FFF2-40B4-BE49-F238E27FC236}">
-                <a16:creationId xmlns:a16="http://schemas.microsoft.com/office/drawing/2014/main" id="{91A1BF73-25E1-5D87-889D-E55D5AC171DF}"/>
+                <a16:creationId xmlns:a16="http://schemas.microsoft.com/office/drawing/2014/main" id="{DF0711BB-C501-1241-8E9B-FACAE809E53B}"/>
               </a:ext>
             </a:extLst>
           </p:cNvPr>
@@ -9562,7 +11451,7 @@
           <p:cNvPr id="30" name="Rectangle 29">
             <a:extLst>
               <a:ext uri="{FF2B5EF4-FFF2-40B4-BE49-F238E27FC236}">
-                <a16:creationId xmlns:a16="http://schemas.microsoft.com/office/drawing/2014/main" id="{8AD5BACE-1F9C-8FCF-9862-D881592ECF1B}"/>
+                <a16:creationId xmlns:a16="http://schemas.microsoft.com/office/drawing/2014/main" id="{43DAA31A-2C66-AC47-655D-4B8D87BC4343}"/>
               </a:ext>
             </a:extLst>
           </p:cNvPr>
@@ -9606,7 +11495,7 @@
           <p:cNvPr id="31" name="Rectangle 30">
             <a:extLst>
               <a:ext uri="{FF2B5EF4-FFF2-40B4-BE49-F238E27FC236}">
-                <a16:creationId xmlns:a16="http://schemas.microsoft.com/office/drawing/2014/main" id="{6BDD915B-521D-0DCA-4B5D-3FC2A76C1B1A}"/>
+                <a16:creationId xmlns:a16="http://schemas.microsoft.com/office/drawing/2014/main" id="{946B69A5-9945-1CC2-263C-8E11697CB224}"/>
               </a:ext>
             </a:extLst>
           </p:cNvPr>
@@ -9648,7 +11537,7 @@
     </p:spTree>
     <p:extLst>
       <p:ext uri="{BB962C8B-B14F-4D97-AF65-F5344CB8AC3E}">
-        <p14:creationId xmlns:p14="http://schemas.microsoft.com/office/powerpoint/2010/main" val="2752659032"/>
+        <p14:creationId xmlns:p14="http://schemas.microsoft.com/office/powerpoint/2010/main" val="1043546393"/>
       </p:ext>
     </p:extLst>
   </p:cSld>
@@ -9658,7 +11547,7 @@
 </p:sld>
 </file>
 
-<file path=ppt/slides/slide4.xml><?xml version="1.0" encoding="utf-8"?>
+<file path=ppt/slides/slide5.xml><?xml version="1.0" encoding="utf-8"?>
 <p:sld xmlns:a="http://schemas.openxmlformats.org/drawingml/2006/main" xmlns:r="http://schemas.openxmlformats.org/officeDocument/2006/relationships" xmlns:p="http://schemas.openxmlformats.org/presentationml/2006/main">
   <p:cSld>
     <p:bg>
@@ -10597,7 +12486,7 @@
 </p:sld>
 </file>
 
-<file path=ppt/slides/slide5.xml><?xml version="1.0" encoding="utf-8"?>
+<file path=ppt/slides/slide6.xml><?xml version="1.0" encoding="utf-8"?>
 <p:sld xmlns:a="http://schemas.openxmlformats.org/drawingml/2006/main" xmlns:r="http://schemas.openxmlformats.org/officeDocument/2006/relationships" xmlns:p="http://schemas.openxmlformats.org/presentationml/2006/main">
   <p:cSld>
     <p:bg>
@@ -14067,7 +15956,7 @@
 </p:sld>
 </file>
 
-<file path=ppt/slides/slide6.xml><?xml version="1.0" encoding="utf-8"?>
+<file path=ppt/slides/slide7.xml><?xml version="1.0" encoding="utf-8"?>
 <p:sld xmlns:a="http://schemas.openxmlformats.org/drawingml/2006/main" xmlns:r="http://schemas.openxmlformats.org/officeDocument/2006/relationships" xmlns:p="http://schemas.openxmlformats.org/presentationml/2006/main">
   <p:cSld>
     <p:bg>
@@ -16813,7 +18702,7 @@
 </p:sld>
 </file>
 
-<file path=ppt/slides/slide7.xml><?xml version="1.0" encoding="utf-8"?>
+<file path=ppt/slides/slide8.xml><?xml version="1.0" encoding="utf-8"?>
 <p:sld xmlns:a="http://schemas.openxmlformats.org/drawingml/2006/main" xmlns:r="http://schemas.openxmlformats.org/officeDocument/2006/relationships" xmlns:p="http://schemas.openxmlformats.org/presentationml/2006/main">
   <p:cSld>
     <p:bg>
@@ -16857,7 +18746,7 @@
 </p:sld>
 </file>
 
-<file path=ppt/slides/slide8.xml><?xml version="1.0" encoding="utf-8"?>
+<file path=ppt/slides/slide9.xml><?xml version="1.0" encoding="utf-8"?>
 <p:sld xmlns:a="http://schemas.openxmlformats.org/drawingml/2006/main" xmlns:r="http://schemas.openxmlformats.org/officeDocument/2006/relationships" xmlns:p="http://schemas.openxmlformats.org/presentationml/2006/main">
   <p:cSld>
     <p:bg>
@@ -17771,1625 +19660,6 @@
     <p:extLst>
       <p:ext uri="{BB962C8B-B14F-4D97-AF65-F5344CB8AC3E}">
         <p14:creationId xmlns:p14="http://schemas.microsoft.com/office/powerpoint/2010/main" val="3452270432"/>
-      </p:ext>
-    </p:extLst>
-  </p:cSld>
-  <p:clrMapOvr>
-    <a:masterClrMapping/>
-  </p:clrMapOvr>
-</p:sld>
-</file>
-
-<file path=ppt/slides/slide9.xml><?xml version="1.0" encoding="utf-8"?>
-<p:sld xmlns:a="http://schemas.openxmlformats.org/drawingml/2006/main" xmlns:r="http://schemas.openxmlformats.org/officeDocument/2006/relationships" xmlns:p="http://schemas.openxmlformats.org/presentationml/2006/main">
-  <p:cSld>
-    <p:bg>
-      <p:bgPr>
-        <a:solidFill>
-          <a:srgbClr val="EFDECD"/>
-        </a:solidFill>
-        <a:effectLst/>
-      </p:bgPr>
-    </p:bg>
-    <p:spTree>
-      <p:nvGrpSpPr>
-        <p:cNvPr id="1" name="">
-          <a:extLst>
-            <a:ext uri="{FF2B5EF4-FFF2-40B4-BE49-F238E27FC236}">
-              <a16:creationId xmlns:a16="http://schemas.microsoft.com/office/drawing/2014/main" id="{005A93EA-C738-87F8-AC56-2199256A77A9}"/>
-            </a:ext>
-          </a:extLst>
-        </p:cNvPr>
-        <p:cNvGrpSpPr/>
-        <p:nvPr/>
-      </p:nvGrpSpPr>
-      <p:grpSpPr>
-        <a:xfrm>
-          <a:off x="0" y="0"/>
-          <a:ext cx="0" cy="0"/>
-          <a:chOff x="0" y="0"/>
-          <a:chExt cx="0" cy="0"/>
-        </a:xfrm>
-      </p:grpSpPr>
-      <p:pic>
-        <p:nvPicPr>
-          <p:cNvPr id="1088" name="Picture 1087">
-            <a:extLst>
-              <a:ext uri="{FF2B5EF4-FFF2-40B4-BE49-F238E27FC236}">
-                <a16:creationId xmlns:a16="http://schemas.microsoft.com/office/drawing/2014/main" id="{1C5ADB66-5D3A-4762-1C4F-405B3D024573}"/>
-              </a:ext>
-            </a:extLst>
-          </p:cNvPr>
-          <p:cNvPicPr>
-            <a:picLocks noChangeAspect="1"/>
-          </p:cNvPicPr>
-          <p:nvPr/>
-        </p:nvPicPr>
-        <p:blipFill>
-          <a:blip r:embed="rId2"/>
-          <a:stretch>
-            <a:fillRect/>
-          </a:stretch>
-        </p:blipFill>
-        <p:spPr>
-          <a:xfrm>
-            <a:off x="155649" y="4562566"/>
-            <a:ext cx="733746" cy="301360"/>
-          </a:xfrm>
-          <a:prstGeom prst="rect">
-            <a:avLst/>
-          </a:prstGeom>
-        </p:spPr>
-      </p:pic>
-      <p:pic>
-        <p:nvPicPr>
-          <p:cNvPr id="1090" name="Picture 1089">
-            <a:extLst>
-              <a:ext uri="{FF2B5EF4-FFF2-40B4-BE49-F238E27FC236}">
-                <a16:creationId xmlns:a16="http://schemas.microsoft.com/office/drawing/2014/main" id="{D059915B-2B24-4350-83D5-EEF947AA9655}"/>
-              </a:ext>
-            </a:extLst>
-          </p:cNvPr>
-          <p:cNvPicPr>
-            <a:picLocks noChangeAspect="1"/>
-          </p:cNvPicPr>
-          <p:nvPr/>
-        </p:nvPicPr>
-        <p:blipFill>
-          <a:blip r:embed="rId3"/>
-          <a:stretch>
-            <a:fillRect/>
-          </a:stretch>
-        </p:blipFill>
-        <p:spPr>
-          <a:xfrm>
-            <a:off x="1798139" y="5675806"/>
-            <a:ext cx="1022004" cy="301360"/>
-          </a:xfrm>
-          <a:prstGeom prst="rect">
-            <a:avLst/>
-          </a:prstGeom>
-        </p:spPr>
-      </p:pic>
-      <p:pic>
-        <p:nvPicPr>
-          <p:cNvPr id="1092" name="Picture 1091">
-            <a:extLst>
-              <a:ext uri="{FF2B5EF4-FFF2-40B4-BE49-F238E27FC236}">
-                <a16:creationId xmlns:a16="http://schemas.microsoft.com/office/drawing/2014/main" id="{567405D1-7024-E12B-656B-F88D45815608}"/>
-              </a:ext>
-            </a:extLst>
-          </p:cNvPr>
-          <p:cNvPicPr>
-            <a:picLocks noChangeAspect="1"/>
-          </p:cNvPicPr>
-          <p:nvPr/>
-        </p:nvPicPr>
-        <p:blipFill>
-          <a:blip r:embed="rId4"/>
-          <a:stretch>
-            <a:fillRect/>
-          </a:stretch>
-        </p:blipFill>
-        <p:spPr>
-          <a:xfrm>
-            <a:off x="1792722" y="6008618"/>
-            <a:ext cx="799260" cy="301360"/>
-          </a:xfrm>
-          <a:prstGeom prst="rect">
-            <a:avLst/>
-          </a:prstGeom>
-        </p:spPr>
-      </p:pic>
-      <p:pic>
-        <p:nvPicPr>
-          <p:cNvPr id="1094" name="Picture 1093">
-            <a:extLst>
-              <a:ext uri="{FF2B5EF4-FFF2-40B4-BE49-F238E27FC236}">
-                <a16:creationId xmlns:a16="http://schemas.microsoft.com/office/drawing/2014/main" id="{3185E168-E99D-FB3D-24B5-B5DB70EA13B6}"/>
-              </a:ext>
-            </a:extLst>
-          </p:cNvPr>
-          <p:cNvPicPr>
-            <a:picLocks noChangeAspect="1"/>
-          </p:cNvPicPr>
-          <p:nvPr/>
-        </p:nvPicPr>
-        <p:blipFill>
-          <a:blip r:embed="rId5"/>
-          <a:stretch>
-            <a:fillRect/>
-          </a:stretch>
-        </p:blipFill>
-        <p:spPr>
-          <a:xfrm>
-            <a:off x="155648" y="4924077"/>
-            <a:ext cx="733747" cy="327566"/>
-          </a:xfrm>
-          <a:prstGeom prst="rect">
-            <a:avLst/>
-          </a:prstGeom>
-        </p:spPr>
-      </p:pic>
-      <p:pic>
-        <p:nvPicPr>
-          <p:cNvPr id="1096" name="Picture 1095">
-            <a:extLst>
-              <a:ext uri="{FF2B5EF4-FFF2-40B4-BE49-F238E27FC236}">
-                <a16:creationId xmlns:a16="http://schemas.microsoft.com/office/drawing/2014/main" id="{818EA404-6905-44C4-5E92-164401639B18}"/>
-              </a:ext>
-            </a:extLst>
-          </p:cNvPr>
-          <p:cNvPicPr>
-            <a:picLocks noChangeAspect="1"/>
-          </p:cNvPicPr>
-          <p:nvPr/>
-        </p:nvPicPr>
-        <p:blipFill>
-          <a:blip r:embed="rId6"/>
-          <a:stretch>
-            <a:fillRect/>
-          </a:stretch>
-        </p:blipFill>
-        <p:spPr>
-          <a:xfrm>
-            <a:off x="1792722" y="6361442"/>
-            <a:ext cx="642028" cy="301360"/>
-          </a:xfrm>
-          <a:prstGeom prst="rect">
-            <a:avLst/>
-          </a:prstGeom>
-        </p:spPr>
-      </p:pic>
-      <p:pic>
-        <p:nvPicPr>
-          <p:cNvPr id="1098" name="Picture 1097">
-            <a:extLst>
-              <a:ext uri="{FF2B5EF4-FFF2-40B4-BE49-F238E27FC236}">
-                <a16:creationId xmlns:a16="http://schemas.microsoft.com/office/drawing/2014/main" id="{C47623F3-558C-D700-BF32-95FD6200C443}"/>
-              </a:ext>
-            </a:extLst>
-          </p:cNvPr>
-          <p:cNvPicPr>
-            <a:picLocks noChangeAspect="1"/>
-          </p:cNvPicPr>
-          <p:nvPr/>
-        </p:nvPicPr>
-        <p:blipFill>
-          <a:blip r:embed="rId7"/>
-          <a:stretch>
-            <a:fillRect/>
-          </a:stretch>
-        </p:blipFill>
-        <p:spPr>
-          <a:xfrm>
-            <a:off x="144425" y="5573704"/>
-            <a:ext cx="1297159" cy="338145"/>
-          </a:xfrm>
-          <a:prstGeom prst="rect">
-            <a:avLst/>
-          </a:prstGeom>
-        </p:spPr>
-      </p:pic>
-      <p:pic>
-        <p:nvPicPr>
-          <p:cNvPr id="1100" name="Picture 1099">
-            <a:extLst>
-              <a:ext uri="{FF2B5EF4-FFF2-40B4-BE49-F238E27FC236}">
-                <a16:creationId xmlns:a16="http://schemas.microsoft.com/office/drawing/2014/main" id="{A0977BD7-F0F4-2634-7646-65502EC8BBB1}"/>
-              </a:ext>
-            </a:extLst>
-          </p:cNvPr>
-          <p:cNvPicPr>
-            <a:picLocks noChangeAspect="1"/>
-          </p:cNvPicPr>
-          <p:nvPr/>
-        </p:nvPicPr>
-        <p:blipFill>
-          <a:blip r:embed="rId8"/>
-          <a:stretch>
-            <a:fillRect/>
-          </a:stretch>
-        </p:blipFill>
-        <p:spPr>
-          <a:xfrm>
-            <a:off x="144425" y="5949451"/>
-            <a:ext cx="615822" cy="248949"/>
-          </a:xfrm>
-          <a:prstGeom prst="rect">
-            <a:avLst/>
-          </a:prstGeom>
-        </p:spPr>
-      </p:pic>
-      <p:pic>
-        <p:nvPicPr>
-          <p:cNvPr id="1103" name="Picture 1102">
-            <a:extLst>
-              <a:ext uri="{FF2B5EF4-FFF2-40B4-BE49-F238E27FC236}">
-                <a16:creationId xmlns:a16="http://schemas.microsoft.com/office/drawing/2014/main" id="{D4D7584C-1051-908C-ECC6-9F2B1119F201}"/>
-              </a:ext>
-            </a:extLst>
-          </p:cNvPr>
-          <p:cNvPicPr>
-            <a:picLocks noChangeAspect="1"/>
-          </p:cNvPicPr>
-          <p:nvPr/>
-        </p:nvPicPr>
-        <p:blipFill>
-          <a:blip r:embed="rId9"/>
-          <a:stretch>
-            <a:fillRect/>
-          </a:stretch>
-        </p:blipFill>
-        <p:spPr>
-          <a:xfrm>
-            <a:off x="144425" y="6255142"/>
-            <a:ext cx="919941" cy="301360"/>
-          </a:xfrm>
-          <a:prstGeom prst="rect">
-            <a:avLst/>
-          </a:prstGeom>
-        </p:spPr>
-      </p:pic>
-      <p:pic>
-        <p:nvPicPr>
-          <p:cNvPr id="1105" name="Picture 1104">
-            <a:extLst>
-              <a:ext uri="{FF2B5EF4-FFF2-40B4-BE49-F238E27FC236}">
-                <a16:creationId xmlns:a16="http://schemas.microsoft.com/office/drawing/2014/main" id="{2099EFBE-4990-A16A-6762-17B8764A3981}"/>
-              </a:ext>
-            </a:extLst>
-          </p:cNvPr>
-          <p:cNvPicPr>
-            <a:picLocks noChangeAspect="1"/>
-          </p:cNvPicPr>
-          <p:nvPr/>
-        </p:nvPicPr>
-        <p:blipFill>
-          <a:blip r:embed="rId10"/>
-          <a:stretch>
-            <a:fillRect/>
-          </a:stretch>
-        </p:blipFill>
-        <p:spPr>
-          <a:xfrm>
-            <a:off x="148307" y="5287196"/>
-            <a:ext cx="2667000" cy="266700"/>
-          </a:xfrm>
-          <a:prstGeom prst="rect">
-            <a:avLst/>
-          </a:prstGeom>
-        </p:spPr>
-      </p:pic>
-      <p:pic>
-        <p:nvPicPr>
-          <p:cNvPr id="4" name="Picture 3">
-            <a:extLst>
-              <a:ext uri="{FF2B5EF4-FFF2-40B4-BE49-F238E27FC236}">
-                <a16:creationId xmlns:a16="http://schemas.microsoft.com/office/drawing/2014/main" id="{52B1B0C3-0526-2B9D-05CD-8DB6B19F48A5}"/>
-              </a:ext>
-            </a:extLst>
-          </p:cNvPr>
-          <p:cNvPicPr>
-            <a:picLocks noChangeAspect="1"/>
-          </p:cNvPicPr>
-          <p:nvPr/>
-        </p:nvPicPr>
-        <p:blipFill>
-          <a:blip r:embed="rId11"/>
-          <a:stretch>
-            <a:fillRect/>
-          </a:stretch>
-        </p:blipFill>
-        <p:spPr>
-          <a:xfrm>
-            <a:off x="5248275" y="5505450"/>
-            <a:ext cx="6943725" cy="1352550"/>
-          </a:xfrm>
-          <a:prstGeom prst="rect">
-            <a:avLst/>
-          </a:prstGeom>
-          <a:ln>
-            <a:solidFill>
-              <a:schemeClr val="tx1"/>
-            </a:solidFill>
-          </a:ln>
-        </p:spPr>
-      </p:pic>
-      <p:grpSp>
-        <p:nvGrpSpPr>
-          <p:cNvPr id="19" name="Group 18">
-            <a:extLst>
-              <a:ext uri="{FF2B5EF4-FFF2-40B4-BE49-F238E27FC236}">
-                <a16:creationId xmlns:a16="http://schemas.microsoft.com/office/drawing/2014/main" id="{BA9CD93F-AF65-99BE-6389-7DC782E5CCC6}"/>
-              </a:ext>
-            </a:extLst>
-          </p:cNvPr>
-          <p:cNvGrpSpPr/>
-          <p:nvPr/>
-        </p:nvGrpSpPr>
-        <p:grpSpPr>
-          <a:xfrm>
-            <a:off x="144425" y="136600"/>
-            <a:ext cx="5173773" cy="4292421"/>
-            <a:chOff x="144425" y="130192"/>
-            <a:chExt cx="5173773" cy="4292421"/>
-          </a:xfrm>
-        </p:grpSpPr>
-        <p:pic>
-          <p:nvPicPr>
-            <p:cNvPr id="8" name="Picture 7">
-              <a:extLst>
-                <a:ext uri="{FF2B5EF4-FFF2-40B4-BE49-F238E27FC236}">
-                  <a16:creationId xmlns:a16="http://schemas.microsoft.com/office/drawing/2014/main" id="{78C9D8CA-F64D-5557-5B40-7E1F83A8812B}"/>
-                </a:ext>
-              </a:extLst>
-            </p:cNvPr>
-            <p:cNvPicPr>
-              <a:picLocks noChangeAspect="1"/>
-            </p:cNvPicPr>
-            <p:nvPr/>
-          </p:nvPicPr>
-          <p:blipFill>
-            <a:blip r:embed="rId12"/>
-            <a:stretch>
-              <a:fillRect/>
-            </a:stretch>
-          </p:blipFill>
-          <p:spPr>
-            <a:xfrm>
-              <a:off x="155648" y="130192"/>
-              <a:ext cx="5162550" cy="1381125"/>
-            </a:xfrm>
-            <a:prstGeom prst="rect">
-              <a:avLst/>
-            </a:prstGeom>
-            <a:noFill/>
-            <a:ln w="3175">
-              <a:solidFill>
-                <a:schemeClr val="tx1"/>
-              </a:solidFill>
-            </a:ln>
-            <a:effectLst>
-              <a:outerShdw blurRad="50800" dist="38100" dir="8100000" algn="tr" rotWithShape="0">
-                <a:prstClr val="black">
-                  <a:alpha val="40000"/>
-                </a:prstClr>
-              </a:outerShdw>
-            </a:effectLst>
-          </p:spPr>
-        </p:pic>
-        <p:grpSp>
-          <p:nvGrpSpPr>
-            <p:cNvPr id="1080" name="Group 1079">
-              <a:extLst>
-                <a:ext uri="{FF2B5EF4-FFF2-40B4-BE49-F238E27FC236}">
-                  <a16:creationId xmlns:a16="http://schemas.microsoft.com/office/drawing/2014/main" id="{9AA996AD-F2F5-1343-7E9D-C610E61A24DE}"/>
-                </a:ext>
-              </a:extLst>
-            </p:cNvPr>
-            <p:cNvGrpSpPr/>
-            <p:nvPr/>
-          </p:nvGrpSpPr>
-          <p:grpSpPr>
-            <a:xfrm>
-              <a:off x="148307" y="2431888"/>
-              <a:ext cx="4638804" cy="1990725"/>
-              <a:chOff x="148307" y="2431888"/>
-              <a:chExt cx="4638804" cy="1990725"/>
-            </a:xfrm>
-          </p:grpSpPr>
-          <p:pic>
-            <p:nvPicPr>
-              <p:cNvPr id="1066" name="Picture 1065">
-                <a:extLst>
-                  <a:ext uri="{FF2B5EF4-FFF2-40B4-BE49-F238E27FC236}">
-                    <a16:creationId xmlns:a16="http://schemas.microsoft.com/office/drawing/2014/main" id="{8236B543-9CE4-CF76-F017-4FD1351DA907}"/>
-                  </a:ext>
-                </a:extLst>
-              </p:cNvPr>
-              <p:cNvPicPr>
-                <a:picLocks noChangeAspect="1"/>
-              </p:cNvPicPr>
-              <p:nvPr/>
-            </p:nvPicPr>
-            <p:blipFill>
-              <a:blip r:embed="rId13"/>
-              <a:srcRect r="38712"/>
-              <a:stretch/>
-            </p:blipFill>
-            <p:spPr>
-              <a:xfrm>
-                <a:off x="148307" y="2431888"/>
-                <a:ext cx="2037346" cy="1990725"/>
-              </a:xfrm>
-              <a:prstGeom prst="rect">
-                <a:avLst/>
-              </a:prstGeom>
-              <a:noFill/>
-              <a:ln w="3175">
-                <a:solidFill>
-                  <a:schemeClr val="tx1"/>
-                </a:solidFill>
-              </a:ln>
-              <a:effectLst>
-                <a:outerShdw blurRad="50800" dist="38100" dir="8100000" algn="tr" rotWithShape="0">
-                  <a:prstClr val="black">
-                    <a:alpha val="40000"/>
-                  </a:prstClr>
-                </a:outerShdw>
-              </a:effectLst>
-            </p:spPr>
-          </p:pic>
-          <p:grpSp>
-            <p:nvGrpSpPr>
-              <p:cNvPr id="1071" name="Group 1070">
-                <a:extLst>
-                  <a:ext uri="{FF2B5EF4-FFF2-40B4-BE49-F238E27FC236}">
-                    <a16:creationId xmlns:a16="http://schemas.microsoft.com/office/drawing/2014/main" id="{C8C22A67-F622-7975-11BC-6E0BEBBA258A}"/>
-                  </a:ext>
-                </a:extLst>
-              </p:cNvPr>
-              <p:cNvGrpSpPr/>
-              <p:nvPr/>
-            </p:nvGrpSpPr>
-            <p:grpSpPr>
-              <a:xfrm>
-                <a:off x="1592441" y="2431888"/>
-                <a:ext cx="3194669" cy="1104900"/>
-                <a:chOff x="822070" y="2243835"/>
-                <a:chExt cx="3194669" cy="1104900"/>
-              </a:xfrm>
-            </p:grpSpPr>
-            <p:pic>
-              <p:nvPicPr>
-                <p:cNvPr id="1072" name="Picture 1071">
-                  <a:extLst>
-                    <a:ext uri="{FF2B5EF4-FFF2-40B4-BE49-F238E27FC236}">
-                      <a16:creationId xmlns:a16="http://schemas.microsoft.com/office/drawing/2014/main" id="{178C7A45-DF3A-C3AB-97AA-C057EE395D97}"/>
-                    </a:ext>
-                  </a:extLst>
-                </p:cNvPr>
-                <p:cNvPicPr>
-                  <a:picLocks noChangeAspect="1"/>
-                </p:cNvPicPr>
-                <p:nvPr/>
-              </p:nvPicPr>
-              <p:blipFill>
-                <a:blip r:embed="rId14"/>
-                <a:srcRect l="6649" t="64248" r="29467"/>
-                <a:stretch/>
-              </p:blipFill>
-              <p:spPr>
-                <a:xfrm>
-                  <a:off x="822070" y="2243835"/>
-                  <a:ext cx="3194669" cy="1104900"/>
-                </a:xfrm>
-                <a:prstGeom prst="rect">
-                  <a:avLst/>
-                </a:prstGeom>
-                <a:noFill/>
-                <a:ln w="3175">
-                  <a:solidFill>
-                    <a:schemeClr val="tx1"/>
-                  </a:solidFill>
-                </a:ln>
-                <a:effectLst>
-                  <a:outerShdw blurRad="50800" dist="38100" dir="8100000" algn="tr" rotWithShape="0">
-                    <a:prstClr val="black">
-                      <a:alpha val="40000"/>
-                    </a:prstClr>
-                  </a:outerShdw>
-                </a:effectLst>
-              </p:spPr>
-            </p:pic>
-            <p:grpSp>
-              <p:nvGrpSpPr>
-                <p:cNvPr id="1073" name="Group 1072">
-                  <a:extLst>
-                    <a:ext uri="{FF2B5EF4-FFF2-40B4-BE49-F238E27FC236}">
-                      <a16:creationId xmlns:a16="http://schemas.microsoft.com/office/drawing/2014/main" id="{448AA5DB-CCBF-0E92-98DB-5ED5FDAFFD51}"/>
-                    </a:ext>
-                  </a:extLst>
-                </p:cNvPr>
-                <p:cNvGrpSpPr/>
-                <p:nvPr/>
-              </p:nvGrpSpPr>
-              <p:grpSpPr>
-                <a:xfrm>
-                  <a:off x="900613" y="2578099"/>
-                  <a:ext cx="121738" cy="308738"/>
-                  <a:chOff x="900613" y="2578099"/>
-                  <a:chExt cx="121738" cy="308738"/>
-                </a:xfrm>
-              </p:grpSpPr>
-              <p:sp>
-                <p:nvSpPr>
-                  <p:cNvPr id="1074" name="Arrow: Right 1073">
-                    <a:extLst>
-                      <a:ext uri="{FF2B5EF4-FFF2-40B4-BE49-F238E27FC236}">
-                        <a16:creationId xmlns:a16="http://schemas.microsoft.com/office/drawing/2014/main" id="{2A6224F9-62AE-FFDF-FCC4-668872D6C756}"/>
-                      </a:ext>
-                    </a:extLst>
-                  </p:cNvPr>
-                  <p:cNvSpPr/>
-                  <p:nvPr/>
-                </p:nvSpPr>
-                <p:spPr>
-                  <a:xfrm rot="10800000" flipH="1">
-                    <a:off x="900613" y="2774059"/>
-                    <a:ext cx="121738" cy="112778"/>
-                  </a:xfrm>
-                  <a:prstGeom prst="rightArrow">
-                    <a:avLst/>
-                  </a:prstGeom>
-                  <a:solidFill>
-                    <a:schemeClr val="accent2"/>
-                  </a:solidFill>
-                  <a:ln>
-                    <a:solidFill>
-                      <a:srgbClr val="002060"/>
-                    </a:solidFill>
-                  </a:ln>
-                </p:spPr>
-                <p:style>
-                  <a:lnRef idx="2">
-                    <a:schemeClr val="accent1">
-                      <a:shade val="15000"/>
-                    </a:schemeClr>
-                  </a:lnRef>
-                  <a:fillRef idx="1">
-                    <a:schemeClr val="accent1"/>
-                  </a:fillRef>
-                  <a:effectRef idx="0">
-                    <a:schemeClr val="accent1"/>
-                  </a:effectRef>
-                  <a:fontRef idx="minor">
-                    <a:schemeClr val="lt1"/>
-                  </a:fontRef>
-                </p:style>
-                <p:txBody>
-                  <a:bodyPr rtlCol="0" anchor="ctr"/>
-                  <a:lstStyle/>
-                  <a:p>
-                    <a:pPr algn="ctr"/>
-                    <a:endParaRPr lang="LID4096"/>
-                  </a:p>
-                </p:txBody>
-              </p:sp>
-              <p:sp>
-                <p:nvSpPr>
-                  <p:cNvPr id="1075" name="Arrow: Right 1074">
-                    <a:extLst>
-                      <a:ext uri="{FF2B5EF4-FFF2-40B4-BE49-F238E27FC236}">
-                        <a16:creationId xmlns:a16="http://schemas.microsoft.com/office/drawing/2014/main" id="{E71F7809-FAAC-945F-2A81-1BBA30C5C6B9}"/>
-                      </a:ext>
-                    </a:extLst>
-                  </p:cNvPr>
-                  <p:cNvSpPr/>
-                  <p:nvPr/>
-                </p:nvSpPr>
-                <p:spPr>
-                  <a:xfrm rot="10800000" flipH="1">
-                    <a:off x="900613" y="2578099"/>
-                    <a:ext cx="121738" cy="112778"/>
-                  </a:xfrm>
-                  <a:prstGeom prst="rightArrow">
-                    <a:avLst/>
-                  </a:prstGeom>
-                  <a:solidFill>
-                    <a:schemeClr val="accent2"/>
-                  </a:solidFill>
-                  <a:ln>
-                    <a:solidFill>
-                      <a:srgbClr val="002060"/>
-                    </a:solidFill>
-                  </a:ln>
-                </p:spPr>
-                <p:style>
-                  <a:lnRef idx="2">
-                    <a:schemeClr val="accent1">
-                      <a:shade val="15000"/>
-                    </a:schemeClr>
-                  </a:lnRef>
-                  <a:fillRef idx="1">
-                    <a:schemeClr val="accent1"/>
-                  </a:fillRef>
-                  <a:effectRef idx="0">
-                    <a:schemeClr val="accent1"/>
-                  </a:effectRef>
-                  <a:fontRef idx="minor">
-                    <a:schemeClr val="lt1"/>
-                  </a:fontRef>
-                </p:style>
-                <p:txBody>
-                  <a:bodyPr rtlCol="0" anchor="ctr"/>
-                  <a:lstStyle/>
-                  <a:p>
-                    <a:pPr algn="ctr"/>
-                    <a:endParaRPr lang="LID4096"/>
-                  </a:p>
-                </p:txBody>
-              </p:sp>
-            </p:grpSp>
-          </p:grpSp>
-          <p:sp>
-            <p:nvSpPr>
-              <p:cNvPr id="1076" name="TextBox 1075">
-                <a:extLst>
-                  <a:ext uri="{FF2B5EF4-FFF2-40B4-BE49-F238E27FC236}">
-                    <a16:creationId xmlns:a16="http://schemas.microsoft.com/office/drawing/2014/main" id="{904FD576-073F-0D33-A9C5-46A52715E172}"/>
-                  </a:ext>
-                </a:extLst>
-              </p:cNvPr>
-              <p:cNvSpPr txBox="1"/>
-              <p:nvPr/>
-            </p:nvSpPr>
-            <p:spPr>
-              <a:xfrm>
-                <a:off x="4066685" y="2504542"/>
-                <a:ext cx="720425" cy="523220"/>
-              </a:xfrm>
-              <a:prstGeom prst="rect">
-                <a:avLst/>
-              </a:prstGeom>
-              <a:noFill/>
-            </p:spPr>
-            <p:txBody>
-              <a:bodyPr wrap="square">
-                <a:spAutoFit/>
-              </a:bodyPr>
-              <a:lstStyle/>
-              <a:p>
-                <a:r>
-                  <a:rPr lang="pt-BR" sz="2800" b="1" dirty="0"/>
-                  <a:t>. . .</a:t>
-                </a:r>
-                <a:endParaRPr lang="LID4096" sz="2800" b="1" dirty="0"/>
-              </a:p>
-            </p:txBody>
-          </p:sp>
-          <p:sp>
-            <p:nvSpPr>
-              <p:cNvPr id="1078" name="TextBox 1077">
-                <a:extLst>
-                  <a:ext uri="{FF2B5EF4-FFF2-40B4-BE49-F238E27FC236}">
-                    <a16:creationId xmlns:a16="http://schemas.microsoft.com/office/drawing/2014/main" id="{5C3B61B6-5A4E-A178-A860-6F86252AD12F}"/>
-                  </a:ext>
-                </a:extLst>
-              </p:cNvPr>
-              <p:cNvSpPr txBox="1"/>
-              <p:nvPr/>
-            </p:nvSpPr>
-            <p:spPr>
-              <a:xfrm>
-                <a:off x="2154851" y="4144567"/>
-                <a:ext cx="2632260" cy="276999"/>
-              </a:xfrm>
-              <a:prstGeom prst="rect">
-                <a:avLst/>
-              </a:prstGeom>
-              <a:noFill/>
-            </p:spPr>
-            <p:txBody>
-              <a:bodyPr wrap="square">
-                <a:spAutoFit/>
-              </a:bodyPr>
-              <a:lstStyle/>
-              <a:p>
-                <a:pPr algn="r"/>
-                <a:r>
-                  <a:rPr lang="LID4096" sz="600" dirty="0"/>
-                  <a:t>http://localhost:8888/notebooks/05_PEST_pp________On_the_run-01/benchmarks/01_one_dim_flow/02_Beta_model_SETUP___01__.ipynb</a:t>
-                </a:r>
-              </a:p>
-            </p:txBody>
-          </p:sp>
-        </p:grpSp>
-        <p:pic>
-          <p:nvPicPr>
-            <p:cNvPr id="18" name="Picture 17">
-              <a:extLst>
-                <a:ext uri="{FF2B5EF4-FFF2-40B4-BE49-F238E27FC236}">
-                  <a16:creationId xmlns:a16="http://schemas.microsoft.com/office/drawing/2014/main" id="{47AEE735-D8FA-B565-3E7B-848511943F96}"/>
-                </a:ext>
-              </a:extLst>
-            </p:cNvPr>
-            <p:cNvPicPr>
-              <a:picLocks noChangeAspect="1"/>
-            </p:cNvPicPr>
-            <p:nvPr/>
-          </p:nvPicPr>
-          <p:blipFill>
-            <a:blip r:embed="rId15"/>
-            <a:stretch>
-              <a:fillRect/>
-            </a:stretch>
-          </p:blipFill>
-          <p:spPr>
-            <a:xfrm>
-              <a:off x="144425" y="1700762"/>
-              <a:ext cx="4642685" cy="647817"/>
-            </a:xfrm>
-            <a:prstGeom prst="rect">
-              <a:avLst/>
-            </a:prstGeom>
-            <a:noFill/>
-            <a:ln w="3175">
-              <a:solidFill>
-                <a:schemeClr val="tx1"/>
-              </a:solidFill>
-            </a:ln>
-            <a:effectLst>
-              <a:outerShdw blurRad="50800" dist="38100" dir="8100000" algn="tr" rotWithShape="0">
-                <a:prstClr val="black">
-                  <a:alpha val="40000"/>
-                </a:prstClr>
-              </a:outerShdw>
-            </a:effectLst>
-          </p:spPr>
-        </p:pic>
-      </p:grpSp>
-      <p:sp>
-        <p:nvSpPr>
-          <p:cNvPr id="20" name="TextBox 19">
-            <a:extLst>
-              <a:ext uri="{FF2B5EF4-FFF2-40B4-BE49-F238E27FC236}">
-                <a16:creationId xmlns:a16="http://schemas.microsoft.com/office/drawing/2014/main" id="{0F2F49AB-1285-A1D5-04A8-B5CE89DF0314}"/>
-              </a:ext>
-            </a:extLst>
-          </p:cNvPr>
-          <p:cNvSpPr txBox="1"/>
-          <p:nvPr/>
-        </p:nvSpPr>
-        <p:spPr>
-          <a:xfrm>
-            <a:off x="1481807" y="345779"/>
-            <a:ext cx="952943" cy="174649"/>
-          </a:xfrm>
-          <a:prstGeom prst="rect">
-            <a:avLst/>
-          </a:prstGeom>
-          <a:noFill/>
-          <a:ln w="28575">
-            <a:solidFill>
-              <a:srgbClr val="FF0000"/>
-            </a:solidFill>
-          </a:ln>
-        </p:spPr>
-        <p:txBody>
-          <a:bodyPr wrap="square">
-            <a:noAutofit/>
-          </a:bodyPr>
-          <a:lstStyle/>
-          <a:p>
-            <a:endParaRPr lang="en-US" sz="1300" b="1" dirty="0">
-              <a:solidFill>
-                <a:srgbClr val="FF0000"/>
-              </a:solidFill>
-            </a:endParaRPr>
-          </a:p>
-        </p:txBody>
-      </p:sp>
-      <p:grpSp>
-        <p:nvGrpSpPr>
-          <p:cNvPr id="24" name="Group 23">
-            <a:extLst>
-              <a:ext uri="{FF2B5EF4-FFF2-40B4-BE49-F238E27FC236}">
-                <a16:creationId xmlns:a16="http://schemas.microsoft.com/office/drawing/2014/main" id="{667B37FE-16DD-2E72-8232-802306F46F71}"/>
-              </a:ext>
-            </a:extLst>
-          </p:cNvPr>
-          <p:cNvGrpSpPr>
-            <a:grpSpLocks noChangeAspect="1"/>
-          </p:cNvGrpSpPr>
-          <p:nvPr/>
-        </p:nvGrpSpPr>
-        <p:grpSpPr>
-          <a:xfrm>
-            <a:off x="5389852" y="170437"/>
-            <a:ext cx="5912364" cy="1536733"/>
-            <a:chOff x="6148890" y="507927"/>
-            <a:chExt cx="5708723" cy="1483803"/>
-          </a:xfrm>
-        </p:grpSpPr>
-        <p:grpSp>
-          <p:nvGrpSpPr>
-            <p:cNvPr id="14" name="Group 13">
-              <a:extLst>
-                <a:ext uri="{FF2B5EF4-FFF2-40B4-BE49-F238E27FC236}">
-                  <a16:creationId xmlns:a16="http://schemas.microsoft.com/office/drawing/2014/main" id="{BD6456DE-34A9-B7A0-4407-745F11867F33}"/>
-                </a:ext>
-              </a:extLst>
-            </p:cNvPr>
-            <p:cNvGrpSpPr/>
-            <p:nvPr/>
-          </p:nvGrpSpPr>
-          <p:grpSpPr>
-            <a:xfrm>
-              <a:off x="6148890" y="809156"/>
-              <a:ext cx="5708723" cy="883631"/>
-              <a:chOff x="6190858" y="587377"/>
-              <a:chExt cx="5708723" cy="883631"/>
-            </a:xfrm>
-          </p:grpSpPr>
-          <p:pic>
-            <p:nvPicPr>
-              <p:cNvPr id="11" name="Picture 10">
-                <a:extLst>
-                  <a:ext uri="{FF2B5EF4-FFF2-40B4-BE49-F238E27FC236}">
-                    <a16:creationId xmlns:a16="http://schemas.microsoft.com/office/drawing/2014/main" id="{93CBB4A1-CC54-17E8-5660-877C580E00D3}"/>
-                  </a:ext>
-                </a:extLst>
-              </p:cNvPr>
-              <p:cNvPicPr>
-                <a:picLocks noChangeAspect="1"/>
-              </p:cNvPicPr>
-              <p:nvPr/>
-            </p:nvPicPr>
-            <p:blipFill>
-              <a:blip r:embed="rId16"/>
-              <a:stretch>
-                <a:fillRect/>
-              </a:stretch>
-            </p:blipFill>
-            <p:spPr>
-              <a:xfrm>
-                <a:off x="8184831" y="587377"/>
-                <a:ext cx="3714750" cy="419100"/>
-              </a:xfrm>
-              <a:prstGeom prst="rect">
-                <a:avLst/>
-              </a:prstGeom>
-              <a:noFill/>
-              <a:ln w="3175">
-                <a:solidFill>
-                  <a:srgbClr val="00B050"/>
-                </a:solidFill>
-              </a:ln>
-              <a:effectLst>
-                <a:outerShdw blurRad="50800" dist="38100" dir="8100000" algn="tr" rotWithShape="0">
-                  <a:prstClr val="black">
-                    <a:alpha val="40000"/>
-                  </a:prstClr>
-                </a:outerShdw>
-              </a:effectLst>
-            </p:spPr>
-          </p:pic>
-          <p:pic>
-            <p:nvPicPr>
-              <p:cNvPr id="13" name="Picture 12">
-                <a:extLst>
-                  <a:ext uri="{FF2B5EF4-FFF2-40B4-BE49-F238E27FC236}">
-                    <a16:creationId xmlns:a16="http://schemas.microsoft.com/office/drawing/2014/main" id="{FCE5D845-D749-E684-8D12-32167A37D6EB}"/>
-                  </a:ext>
-                </a:extLst>
-              </p:cNvPr>
-              <p:cNvPicPr>
-                <a:picLocks noChangeAspect="1"/>
-              </p:cNvPicPr>
-              <p:nvPr/>
-            </p:nvPicPr>
-            <p:blipFill>
-              <a:blip r:embed="rId17"/>
-              <a:stretch>
-                <a:fillRect/>
-              </a:stretch>
-            </p:blipFill>
-            <p:spPr>
-              <a:xfrm>
-                <a:off x="6190858" y="1057587"/>
-                <a:ext cx="5708723" cy="413421"/>
-              </a:xfrm>
-              <a:prstGeom prst="rect">
-                <a:avLst/>
-              </a:prstGeom>
-              <a:noFill/>
-              <a:ln w="3175">
-                <a:solidFill>
-                  <a:srgbClr val="00B050"/>
-                </a:solidFill>
-              </a:ln>
-              <a:effectLst>
-                <a:outerShdw blurRad="50800" dist="38100" dir="8100000" algn="tr" rotWithShape="0">
-                  <a:prstClr val="black">
-                    <a:alpha val="40000"/>
-                  </a:prstClr>
-                </a:outerShdw>
-              </a:effectLst>
-            </p:spPr>
-          </p:pic>
-        </p:grpSp>
-        <p:pic>
-          <p:nvPicPr>
-            <p:cNvPr id="16" name="Picture 15">
-              <a:extLst>
-                <a:ext uri="{FF2B5EF4-FFF2-40B4-BE49-F238E27FC236}">
-                  <a16:creationId xmlns:a16="http://schemas.microsoft.com/office/drawing/2014/main" id="{82E59A25-6E72-45D0-61BE-A7D2C4BE9846}"/>
-                </a:ext>
-              </a:extLst>
-            </p:cNvPr>
-            <p:cNvPicPr>
-              <a:picLocks noChangeAspect="1"/>
-            </p:cNvPicPr>
-            <p:nvPr/>
-          </p:nvPicPr>
-          <p:blipFill>
-            <a:blip r:embed="rId18"/>
-            <a:stretch>
-              <a:fillRect/>
-            </a:stretch>
-          </p:blipFill>
-          <p:spPr>
-            <a:xfrm>
-              <a:off x="6845000" y="1753605"/>
-              <a:ext cx="4991100" cy="238125"/>
-            </a:xfrm>
-            <a:prstGeom prst="rect">
-              <a:avLst/>
-            </a:prstGeom>
-            <a:noFill/>
-            <a:ln w="3175">
-              <a:solidFill>
-                <a:srgbClr val="00B050"/>
-              </a:solidFill>
-            </a:ln>
-            <a:effectLst>
-              <a:outerShdw blurRad="50800" dist="38100" dir="8100000" algn="tr" rotWithShape="0">
-                <a:prstClr val="black">
-                  <a:alpha val="40000"/>
-                </a:prstClr>
-              </a:outerShdw>
-            </a:effectLst>
-          </p:spPr>
-        </p:pic>
-        <p:sp>
-          <p:nvSpPr>
-            <p:cNvPr id="21" name="TextBox 20">
-              <a:extLst>
-                <a:ext uri="{FF2B5EF4-FFF2-40B4-BE49-F238E27FC236}">
-                  <a16:creationId xmlns:a16="http://schemas.microsoft.com/office/drawing/2014/main" id="{41BC73B0-0412-5EDE-11F5-A42EAC25EB64}"/>
-                </a:ext>
-              </a:extLst>
-            </p:cNvPr>
-            <p:cNvSpPr txBox="1"/>
-            <p:nvPr/>
-          </p:nvSpPr>
-          <p:spPr>
-            <a:xfrm>
-              <a:off x="10613450" y="1761949"/>
-              <a:ext cx="1222650" cy="229781"/>
-            </a:xfrm>
-            <a:prstGeom prst="rect">
-              <a:avLst/>
-            </a:prstGeom>
-            <a:noFill/>
-            <a:ln w="28575">
-              <a:solidFill>
-                <a:srgbClr val="FF0000"/>
-              </a:solidFill>
-            </a:ln>
-          </p:spPr>
-          <p:txBody>
-            <a:bodyPr wrap="square">
-              <a:noAutofit/>
-            </a:bodyPr>
-            <a:lstStyle/>
-            <a:p>
-              <a:endParaRPr lang="en-US" sz="1300" b="1" dirty="0">
-                <a:solidFill>
-                  <a:srgbClr val="FF0000"/>
-                </a:solidFill>
-              </a:endParaRPr>
-            </a:p>
-          </p:txBody>
-        </p:sp>
-        <p:pic>
-          <p:nvPicPr>
-            <p:cNvPr id="22" name="Picture 21">
-              <a:extLst>
-                <a:ext uri="{FF2B5EF4-FFF2-40B4-BE49-F238E27FC236}">
-                  <a16:creationId xmlns:a16="http://schemas.microsoft.com/office/drawing/2014/main" id="{478FEEEF-9611-B556-B79B-F62EEDF894A2}"/>
-                </a:ext>
-              </a:extLst>
-            </p:cNvPr>
-            <p:cNvPicPr>
-              <a:picLocks noChangeAspect="1"/>
-            </p:cNvPicPr>
-            <p:nvPr/>
-          </p:nvPicPr>
-          <p:blipFill>
-            <a:blip r:embed="rId19"/>
-            <a:stretch>
-              <a:fillRect/>
-            </a:stretch>
-          </p:blipFill>
-          <p:spPr>
-            <a:xfrm>
-              <a:off x="8349262" y="507927"/>
-              <a:ext cx="3508351" cy="233890"/>
-            </a:xfrm>
-            <a:prstGeom prst="rect">
-              <a:avLst/>
-            </a:prstGeom>
-            <a:noFill/>
-            <a:ln w="3175">
-              <a:solidFill>
-                <a:srgbClr val="00B050"/>
-              </a:solidFill>
-            </a:ln>
-            <a:effectLst>
-              <a:outerShdw blurRad="50800" dist="38100" dir="8100000" algn="tr" rotWithShape="0">
-                <a:prstClr val="black">
-                  <a:alpha val="40000"/>
-                </a:prstClr>
-              </a:outerShdw>
-            </a:effectLst>
-          </p:spPr>
-        </p:pic>
-        <p:sp>
-          <p:nvSpPr>
-            <p:cNvPr id="23" name="Rectangle 22">
-              <a:extLst>
-                <a:ext uri="{FF2B5EF4-FFF2-40B4-BE49-F238E27FC236}">
-                  <a16:creationId xmlns:a16="http://schemas.microsoft.com/office/drawing/2014/main" id="{CDE29116-8C28-BDBF-F3C5-E04803BCB91C}"/>
-                </a:ext>
-              </a:extLst>
-            </p:cNvPr>
-            <p:cNvSpPr/>
-            <p:nvPr/>
-          </p:nvSpPr>
-          <p:spPr>
-            <a:xfrm>
-              <a:off x="10614212" y="532395"/>
-              <a:ext cx="1236996" cy="209422"/>
-            </a:xfrm>
-            <a:prstGeom prst="rect">
-              <a:avLst/>
-            </a:prstGeom>
-            <a:noFill/>
-            <a:ln w="19050">
-              <a:solidFill>
-                <a:srgbClr val="0000FF"/>
-              </a:solidFill>
-            </a:ln>
-            <a:effectLst>
-              <a:outerShdw blurRad="50800" dist="38100" dir="8100000" algn="tr" rotWithShape="0">
-                <a:prstClr val="black">
-                  <a:alpha val="40000"/>
-                </a:prstClr>
-              </a:outerShdw>
-            </a:effectLst>
-          </p:spPr>
-          <p:txBody>
-            <a:bodyPr wrap="none" anchor="ctr" anchorCtr="0">
-              <a:noAutofit/>
-            </a:bodyPr>
-            <a:lstStyle/>
-            <a:p>
-              <a:endParaRPr lang="LID4096"/>
-            </a:p>
-          </p:txBody>
-        </p:sp>
-      </p:grpSp>
-      <p:pic>
-        <p:nvPicPr>
-          <p:cNvPr id="26" name="Picture 25">
-            <a:extLst>
-              <a:ext uri="{FF2B5EF4-FFF2-40B4-BE49-F238E27FC236}">
-                <a16:creationId xmlns:a16="http://schemas.microsoft.com/office/drawing/2014/main" id="{F737D550-50B9-F525-E02D-42F18A9BE105}"/>
-              </a:ext>
-            </a:extLst>
-          </p:cNvPr>
-          <p:cNvPicPr>
-            <a:picLocks noChangeAspect="1"/>
-          </p:cNvPicPr>
-          <p:nvPr/>
-        </p:nvPicPr>
-        <p:blipFill>
-          <a:blip r:embed="rId20"/>
-          <a:stretch>
-            <a:fillRect/>
-          </a:stretch>
-        </p:blipFill>
-        <p:spPr>
-          <a:xfrm>
-            <a:off x="5587560" y="1825134"/>
-            <a:ext cx="3373116" cy="2260834"/>
-          </a:xfrm>
-          <a:prstGeom prst="rect">
-            <a:avLst/>
-          </a:prstGeom>
-          <a:noFill/>
-          <a:ln w="3175">
-            <a:solidFill>
-              <a:srgbClr val="00B050"/>
-            </a:solidFill>
-          </a:ln>
-          <a:effectLst>
-            <a:outerShdw blurRad="50800" dist="38100" dir="8100000" algn="tr" rotWithShape="0">
-              <a:prstClr val="black">
-                <a:alpha val="40000"/>
-              </a:prstClr>
-            </a:outerShdw>
-          </a:effectLst>
-        </p:spPr>
-      </p:pic>
-      <p:pic>
-        <p:nvPicPr>
-          <p:cNvPr id="28" name="Picture 27">
-            <a:extLst>
-              <a:ext uri="{FF2B5EF4-FFF2-40B4-BE49-F238E27FC236}">
-                <a16:creationId xmlns:a16="http://schemas.microsoft.com/office/drawing/2014/main" id="{2C3BBFDA-A194-FDD4-C23E-770AA7DA8F87}"/>
-              </a:ext>
-            </a:extLst>
-          </p:cNvPr>
-          <p:cNvPicPr>
-            <a:picLocks noChangeAspect="1"/>
-          </p:cNvPicPr>
-          <p:nvPr/>
-        </p:nvPicPr>
-        <p:blipFill>
-          <a:blip r:embed="rId20"/>
-          <a:srcRect l="61446" t="65114" r="17785" b="29264"/>
-          <a:stretch/>
-        </p:blipFill>
-        <p:spPr>
-          <a:xfrm>
-            <a:off x="8399426" y="6071286"/>
-            <a:ext cx="979159" cy="177633"/>
-          </a:xfrm>
-          <a:prstGeom prst="rect">
-            <a:avLst/>
-          </a:prstGeom>
-          <a:noFill/>
-          <a:ln w="3175">
-            <a:solidFill>
-              <a:srgbClr val="00B050"/>
-            </a:solidFill>
-          </a:ln>
-          <a:effectLst>
-            <a:outerShdw blurRad="50800" dist="38100" dir="8100000" algn="tr" rotWithShape="0">
-              <a:prstClr val="black">
-                <a:alpha val="40000"/>
-              </a:prstClr>
-            </a:outerShdw>
-          </a:effectLst>
-        </p:spPr>
-      </p:pic>
-      <p:pic>
-        <p:nvPicPr>
-          <p:cNvPr id="29" name="Picture 28">
-            <a:extLst>
-              <a:ext uri="{FF2B5EF4-FFF2-40B4-BE49-F238E27FC236}">
-                <a16:creationId xmlns:a16="http://schemas.microsoft.com/office/drawing/2014/main" id="{D76DF589-7685-24D1-25FB-4C01EC750D28}"/>
-              </a:ext>
-            </a:extLst>
-          </p:cNvPr>
-          <p:cNvPicPr>
-            <a:picLocks noChangeAspect="1"/>
-          </p:cNvPicPr>
-          <p:nvPr/>
-        </p:nvPicPr>
-        <p:blipFill>
-          <a:blip r:embed="rId20"/>
-          <a:srcRect l="70900" t="91671" r="11470" b="1933"/>
-          <a:stretch/>
-        </p:blipFill>
-        <p:spPr>
-          <a:xfrm>
-            <a:off x="10487571" y="5573704"/>
-            <a:ext cx="831167" cy="202110"/>
-          </a:xfrm>
-          <a:prstGeom prst="rect">
-            <a:avLst/>
-          </a:prstGeom>
-          <a:noFill/>
-          <a:ln w="3175">
-            <a:solidFill>
-              <a:srgbClr val="00B050"/>
-            </a:solidFill>
-          </a:ln>
-          <a:effectLst>
-            <a:outerShdw blurRad="50800" dist="38100" dir="8100000" algn="tr" rotWithShape="0">
-              <a:prstClr val="black">
-                <a:alpha val="40000"/>
-              </a:prstClr>
-            </a:outerShdw>
-          </a:effectLst>
-        </p:spPr>
-      </p:pic>
-      <p:pic>
-        <p:nvPicPr>
-          <p:cNvPr id="31" name="Picture 30">
-            <a:extLst>
-              <a:ext uri="{FF2B5EF4-FFF2-40B4-BE49-F238E27FC236}">
-                <a16:creationId xmlns:a16="http://schemas.microsoft.com/office/drawing/2014/main" id="{7949044D-7E3D-10DE-E9E7-48BF01BFE61F}"/>
-              </a:ext>
-            </a:extLst>
-          </p:cNvPr>
-          <p:cNvPicPr>
-            <a:picLocks noChangeAspect="1"/>
-          </p:cNvPicPr>
-          <p:nvPr/>
-        </p:nvPicPr>
-        <p:blipFill>
-          <a:blip r:embed="rId21"/>
-          <a:stretch>
-            <a:fillRect/>
-          </a:stretch>
-        </p:blipFill>
-        <p:spPr>
-          <a:xfrm>
-            <a:off x="9222517" y="2524406"/>
-            <a:ext cx="1885950" cy="257175"/>
-          </a:xfrm>
-          <a:prstGeom prst="rect">
-            <a:avLst/>
-          </a:prstGeom>
-          <a:noFill/>
-          <a:ln w="3175">
-            <a:solidFill>
-              <a:srgbClr val="00B050"/>
-            </a:solidFill>
-          </a:ln>
-          <a:effectLst>
-            <a:outerShdw blurRad="50800" dist="38100" dir="8100000" algn="tr" rotWithShape="0">
-              <a:prstClr val="black">
-                <a:alpha val="40000"/>
-              </a:prstClr>
-            </a:outerShdw>
-          </a:effectLst>
-        </p:spPr>
-      </p:pic>
-      <p:pic>
-        <p:nvPicPr>
-          <p:cNvPr id="33" name="Picture 32">
-            <a:extLst>
-              <a:ext uri="{FF2B5EF4-FFF2-40B4-BE49-F238E27FC236}">
-                <a16:creationId xmlns:a16="http://schemas.microsoft.com/office/drawing/2014/main" id="{1C5B4F5A-CC40-C6F5-74C6-17945A62746E}"/>
-              </a:ext>
-            </a:extLst>
-          </p:cNvPr>
-          <p:cNvPicPr>
-            <a:picLocks noChangeAspect="1"/>
-          </p:cNvPicPr>
-          <p:nvPr/>
-        </p:nvPicPr>
-        <p:blipFill>
-          <a:blip r:embed="rId22"/>
-          <a:srcRect t="12963" r="3642"/>
-          <a:stretch/>
-        </p:blipFill>
-        <p:spPr>
-          <a:xfrm>
-            <a:off x="9353820" y="2843632"/>
-            <a:ext cx="2358755" cy="223837"/>
-          </a:xfrm>
-          <a:prstGeom prst="rect">
-            <a:avLst/>
-          </a:prstGeom>
-          <a:noFill/>
-          <a:ln w="3175">
-            <a:solidFill>
-              <a:srgbClr val="00B050"/>
-            </a:solidFill>
-          </a:ln>
-          <a:effectLst>
-            <a:outerShdw blurRad="50800" dist="38100" dir="8100000" algn="tr" rotWithShape="0">
-              <a:prstClr val="black">
-                <a:alpha val="40000"/>
-              </a:prstClr>
-            </a:outerShdw>
-          </a:effectLst>
-        </p:spPr>
-      </p:pic>
-      <p:sp>
-        <p:nvSpPr>
-          <p:cNvPr id="51" name="TextBox 50">
-            <a:extLst>
-              <a:ext uri="{FF2B5EF4-FFF2-40B4-BE49-F238E27FC236}">
-                <a16:creationId xmlns:a16="http://schemas.microsoft.com/office/drawing/2014/main" id="{B24F9D8E-849B-859C-D935-8658F5233CD6}"/>
-              </a:ext>
-            </a:extLst>
-          </p:cNvPr>
-          <p:cNvSpPr txBox="1"/>
-          <p:nvPr/>
-        </p:nvSpPr>
-        <p:spPr>
-          <a:xfrm>
-            <a:off x="3470981" y="4724014"/>
-            <a:ext cx="6218474" cy="646331"/>
-          </a:xfrm>
-          <a:prstGeom prst="rect">
-            <a:avLst/>
-          </a:prstGeom>
-          <a:noFill/>
-        </p:spPr>
-        <p:txBody>
-          <a:bodyPr wrap="square">
-            <a:spAutoFit/>
-          </a:bodyPr>
-          <a:lstStyle>
-            <a:defPPr>
-              <a:defRPr lang="LID4096"/>
-            </a:defPPr>
-          </a:lstStyle>
-          <a:p>
-            <a:r>
-              <a:rPr lang="en-US" dirty="0"/>
-              <a:t>Stopped at: </a:t>
-            </a:r>
-          </a:p>
-          <a:p>
-            <a:r>
-              <a:rPr lang="en-US" dirty="0"/>
-              <a:t># `Beta ____ multi_threads=false ____ error`</a:t>
-            </a:r>
-          </a:p>
-        </p:txBody>
-      </p:sp>
-      <p:sp>
-        <p:nvSpPr>
-          <p:cNvPr id="52" name="TextBox 51">
-            <a:extLst>
-              <a:ext uri="{FF2B5EF4-FFF2-40B4-BE49-F238E27FC236}">
-                <a16:creationId xmlns:a16="http://schemas.microsoft.com/office/drawing/2014/main" id="{480999B4-C01B-1BCB-BB94-893CB59CB812}"/>
-              </a:ext>
-            </a:extLst>
-          </p:cNvPr>
-          <p:cNvSpPr txBox="1"/>
-          <p:nvPr/>
-        </p:nvSpPr>
-        <p:spPr>
-          <a:xfrm>
-            <a:off x="1607017" y="3575129"/>
-            <a:ext cx="3194669" cy="338554"/>
-          </a:xfrm>
-          <a:prstGeom prst="rect">
-            <a:avLst/>
-          </a:prstGeom>
-          <a:noFill/>
-        </p:spPr>
-        <p:txBody>
-          <a:bodyPr wrap="square">
-            <a:spAutoFit/>
-          </a:bodyPr>
-          <a:lstStyle/>
-          <a:p>
-            <a:pPr algn="r"/>
-            <a:r>
-              <a:rPr lang="LID4096" sz="1600" b="1" dirty="0"/>
-              <a:t>PEST_pp</a:t>
-            </a:r>
-            <a:r>
-              <a:rPr lang="pt-BR" sz="1600" b="1" dirty="0"/>
-              <a:t> \ B</a:t>
-            </a:r>
-            <a:r>
-              <a:rPr lang="LID4096" sz="1600" b="1" dirty="0"/>
-              <a:t>enchmarks</a:t>
-            </a:r>
-            <a:r>
-              <a:rPr lang="pt-BR" sz="1600" b="1" dirty="0"/>
-              <a:t> \ 1D</a:t>
-            </a:r>
-            <a:endParaRPr lang="LID4096" sz="1600" b="1" dirty="0"/>
-          </a:p>
-        </p:txBody>
-      </p:sp>
-      <p:sp>
-        <p:nvSpPr>
-          <p:cNvPr id="53" name="TextBox 52">
-            <a:extLst>
-              <a:ext uri="{FF2B5EF4-FFF2-40B4-BE49-F238E27FC236}">
-                <a16:creationId xmlns:a16="http://schemas.microsoft.com/office/drawing/2014/main" id="{DA7BC306-66E2-0B52-E1CD-A5FF006D9ED1}"/>
-              </a:ext>
-            </a:extLst>
-          </p:cNvPr>
-          <p:cNvSpPr txBox="1"/>
-          <p:nvPr/>
-        </p:nvSpPr>
-        <p:spPr>
-          <a:xfrm>
-            <a:off x="2591983" y="3845158"/>
-            <a:ext cx="2195128" cy="338554"/>
-          </a:xfrm>
-          <a:prstGeom prst="rect">
-            <a:avLst/>
-          </a:prstGeom>
-          <a:noFill/>
-        </p:spPr>
-        <p:txBody>
-          <a:bodyPr wrap="square">
-            <a:spAutoFit/>
-          </a:bodyPr>
-          <a:lstStyle/>
-          <a:p>
-            <a:pPr algn="r"/>
-            <a:r>
-              <a:rPr lang="pt-BR" sz="1600" b="1" dirty="0"/>
-              <a:t>Mf5 _1d ___ SETUP</a:t>
-            </a:r>
-            <a:endParaRPr lang="LID4096" sz="1600" b="1" dirty="0"/>
-          </a:p>
-        </p:txBody>
-      </p:sp>
-      <p:grpSp>
-        <p:nvGrpSpPr>
-          <p:cNvPr id="7" name="Group 6">
-            <a:extLst>
-              <a:ext uri="{FF2B5EF4-FFF2-40B4-BE49-F238E27FC236}">
-                <a16:creationId xmlns:a16="http://schemas.microsoft.com/office/drawing/2014/main" id="{068693F0-F9CE-BB8A-37C7-BDCB1EF6AF6C}"/>
-              </a:ext>
-            </a:extLst>
-          </p:cNvPr>
-          <p:cNvGrpSpPr/>
-          <p:nvPr/>
-        </p:nvGrpSpPr>
-        <p:grpSpPr>
-          <a:xfrm>
-            <a:off x="9191052" y="4239420"/>
-            <a:ext cx="2593038" cy="834084"/>
-            <a:chOff x="9119537" y="4445279"/>
-            <a:chExt cx="2593038" cy="834084"/>
-          </a:xfrm>
-        </p:grpSpPr>
-        <p:sp>
-          <p:nvSpPr>
-            <p:cNvPr id="6" name="TextBox 5">
-              <a:extLst>
-                <a:ext uri="{FF2B5EF4-FFF2-40B4-BE49-F238E27FC236}">
-                  <a16:creationId xmlns:a16="http://schemas.microsoft.com/office/drawing/2014/main" id="{1AD65824-997F-D76A-B3FF-D6FF597A7002}"/>
-                </a:ext>
-              </a:extLst>
-            </p:cNvPr>
-            <p:cNvSpPr txBox="1">
-              <a:spLocks noChangeAspect="1"/>
-            </p:cNvSpPr>
-            <p:nvPr/>
-          </p:nvSpPr>
-          <p:spPr>
-            <a:xfrm>
-              <a:off x="11176780" y="4758935"/>
-              <a:ext cx="535795" cy="520428"/>
-            </a:xfrm>
-            <a:prstGeom prst="rect">
-              <a:avLst/>
-            </a:prstGeom>
-            <a:solidFill>
-              <a:srgbClr val="00B0F0"/>
-            </a:solidFill>
-          </p:spPr>
-          <p:txBody>
-            <a:bodyPr wrap="none" lIns="0" tIns="0" rIns="0" bIns="0" anchor="ctr" anchorCtr="0">
-              <a:noAutofit/>
-            </a:bodyPr>
-            <a:lstStyle/>
-            <a:p>
-              <a:pPr algn="ctr"/>
-              <a:r>
-                <a:rPr lang="pt-BR" sz="2400" b="1">
-                  <a:solidFill>
-                    <a:schemeClr val="bg1"/>
-                  </a:solidFill>
-                </a:rPr>
-                <a:t>04</a:t>
-              </a:r>
-              <a:endParaRPr lang="LID4096" sz="2400" b="1" dirty="0">
-                <a:solidFill>
-                  <a:schemeClr val="bg1"/>
-                </a:solidFill>
-              </a:endParaRPr>
-            </a:p>
-          </p:txBody>
-        </p:sp>
-        <p:grpSp>
-          <p:nvGrpSpPr>
-            <p:cNvPr id="5" name="Group 4">
-              <a:extLst>
-                <a:ext uri="{FF2B5EF4-FFF2-40B4-BE49-F238E27FC236}">
-                  <a16:creationId xmlns:a16="http://schemas.microsoft.com/office/drawing/2014/main" id="{702AA38A-A141-296D-8FBB-C4A5A2C3CD12}"/>
-                </a:ext>
-              </a:extLst>
-            </p:cNvPr>
-            <p:cNvGrpSpPr>
-              <a:grpSpLocks noChangeAspect="1"/>
-            </p:cNvGrpSpPr>
-            <p:nvPr/>
-          </p:nvGrpSpPr>
-          <p:grpSpPr>
-            <a:xfrm>
-              <a:off x="9119537" y="4445279"/>
-              <a:ext cx="2593038" cy="601900"/>
-              <a:chOff x="10013671" y="3790532"/>
-              <a:chExt cx="1767113" cy="410185"/>
-            </a:xfrm>
-          </p:grpSpPr>
-          <p:pic>
-            <p:nvPicPr>
-              <p:cNvPr id="2" name="Picture 1">
-                <a:extLst>
-                  <a:ext uri="{FF2B5EF4-FFF2-40B4-BE49-F238E27FC236}">
-                    <a16:creationId xmlns:a16="http://schemas.microsoft.com/office/drawing/2014/main" id="{ADC53B97-8A8F-3D69-7740-45ECDF24ABE4}"/>
-                  </a:ext>
-                </a:extLst>
-              </p:cNvPr>
-              <p:cNvPicPr>
-                <a:picLocks noChangeAspect="1"/>
-              </p:cNvPicPr>
-              <p:nvPr/>
-            </p:nvPicPr>
-            <p:blipFill>
-              <a:blip r:embed="rId23"/>
-              <a:srcRect t="65550" b="15487"/>
-              <a:stretch/>
-            </p:blipFill>
-            <p:spPr>
-              <a:xfrm>
-                <a:off x="10013671" y="3790532"/>
-                <a:ext cx="1767113" cy="197024"/>
-              </a:xfrm>
-              <a:prstGeom prst="rect">
-                <a:avLst/>
-              </a:prstGeom>
-            </p:spPr>
-          </p:pic>
-          <p:pic>
-            <p:nvPicPr>
-              <p:cNvPr id="3" name="Picture 2">
-                <a:extLst>
-                  <a:ext uri="{FF2B5EF4-FFF2-40B4-BE49-F238E27FC236}">
-                    <a16:creationId xmlns:a16="http://schemas.microsoft.com/office/drawing/2014/main" id="{DBD501B8-216B-2142-DE5F-BC66004D7F13}"/>
-                  </a:ext>
-                </a:extLst>
-              </p:cNvPr>
-              <p:cNvPicPr>
-                <a:picLocks noChangeAspect="1"/>
-              </p:cNvPicPr>
-              <p:nvPr/>
-            </p:nvPicPr>
-            <p:blipFill>
-              <a:blip r:embed="rId24"/>
-              <a:srcRect t="1" b="14084"/>
-              <a:stretch/>
-            </p:blipFill>
-            <p:spPr>
-              <a:xfrm>
-                <a:off x="10049038" y="4005966"/>
-                <a:ext cx="1054545" cy="194751"/>
-              </a:xfrm>
-              <a:prstGeom prst="rect">
-                <a:avLst/>
-              </a:prstGeom>
-            </p:spPr>
-          </p:pic>
-        </p:grpSp>
-      </p:grpSp>
-    </p:spTree>
-    <p:extLst>
-      <p:ext uri="{BB962C8B-B14F-4D97-AF65-F5344CB8AC3E}">
-        <p14:creationId xmlns:p14="http://schemas.microsoft.com/office/powerpoint/2010/main" val="177492580"/>
       </p:ext>
     </p:extLst>
   </p:cSld>

--- a/01_Follow_up__activities.pptx
+++ b/01_Follow_up__activities.pptx
@@ -271,7 +271,7 @@
           <a:p>
             <a:fld id="{830943F9-8AC6-4393-AEEF-D45C2A43C7C7}" type="datetimeFigureOut">
               <a:rPr lang="LID4096" smtClean="0"/>
-              <a:t>01/08/2025</a:t>
+              <a:t>01/09/2025</a:t>
             </a:fld>
             <a:endParaRPr lang="LID4096"/>
           </a:p>
@@ -471,7 +471,7 @@
           <a:p>
             <a:fld id="{830943F9-8AC6-4393-AEEF-D45C2A43C7C7}" type="datetimeFigureOut">
               <a:rPr lang="LID4096" smtClean="0"/>
-              <a:t>01/08/2025</a:t>
+              <a:t>01/09/2025</a:t>
             </a:fld>
             <a:endParaRPr lang="LID4096"/>
           </a:p>
@@ -681,7 +681,7 @@
           <a:p>
             <a:fld id="{830943F9-8AC6-4393-AEEF-D45C2A43C7C7}" type="datetimeFigureOut">
               <a:rPr lang="LID4096" smtClean="0"/>
-              <a:t>01/08/2025</a:t>
+              <a:t>01/09/2025</a:t>
             </a:fld>
             <a:endParaRPr lang="LID4096"/>
           </a:p>
@@ -881,7 +881,7 @@
           <a:p>
             <a:fld id="{830943F9-8AC6-4393-AEEF-D45C2A43C7C7}" type="datetimeFigureOut">
               <a:rPr lang="LID4096" smtClean="0"/>
-              <a:t>01/08/2025</a:t>
+              <a:t>01/09/2025</a:t>
             </a:fld>
             <a:endParaRPr lang="LID4096"/>
           </a:p>
@@ -1157,7 +1157,7 @@
           <a:p>
             <a:fld id="{830943F9-8AC6-4393-AEEF-D45C2A43C7C7}" type="datetimeFigureOut">
               <a:rPr lang="LID4096" smtClean="0"/>
-              <a:t>01/08/2025</a:t>
+              <a:t>01/09/2025</a:t>
             </a:fld>
             <a:endParaRPr lang="LID4096"/>
           </a:p>
@@ -1425,7 +1425,7 @@
           <a:p>
             <a:fld id="{830943F9-8AC6-4393-AEEF-D45C2A43C7C7}" type="datetimeFigureOut">
               <a:rPr lang="LID4096" smtClean="0"/>
-              <a:t>01/08/2025</a:t>
+              <a:t>01/09/2025</a:t>
             </a:fld>
             <a:endParaRPr lang="LID4096"/>
           </a:p>
@@ -1840,7 +1840,7 @@
           <a:p>
             <a:fld id="{830943F9-8AC6-4393-AEEF-D45C2A43C7C7}" type="datetimeFigureOut">
               <a:rPr lang="LID4096" smtClean="0"/>
-              <a:t>01/08/2025</a:t>
+              <a:t>01/09/2025</a:t>
             </a:fld>
             <a:endParaRPr lang="LID4096"/>
           </a:p>
@@ -1982,7 +1982,7 @@
           <a:p>
             <a:fld id="{830943F9-8AC6-4393-AEEF-D45C2A43C7C7}" type="datetimeFigureOut">
               <a:rPr lang="LID4096" smtClean="0"/>
-              <a:t>01/08/2025</a:t>
+              <a:t>01/09/2025</a:t>
             </a:fld>
             <a:endParaRPr lang="LID4096"/>
           </a:p>
@@ -2095,7 +2095,7 @@
           <a:p>
             <a:fld id="{830943F9-8AC6-4393-AEEF-D45C2A43C7C7}" type="datetimeFigureOut">
               <a:rPr lang="LID4096" smtClean="0"/>
-              <a:t>01/08/2025</a:t>
+              <a:t>01/09/2025</a:t>
             </a:fld>
             <a:endParaRPr lang="LID4096"/>
           </a:p>
@@ -2408,7 +2408,7 @@
           <a:p>
             <a:fld id="{830943F9-8AC6-4393-AEEF-D45C2A43C7C7}" type="datetimeFigureOut">
               <a:rPr lang="LID4096" smtClean="0"/>
-              <a:t>01/08/2025</a:t>
+              <a:t>01/09/2025</a:t>
             </a:fld>
             <a:endParaRPr lang="LID4096"/>
           </a:p>
@@ -2697,7 +2697,7 @@
           <a:p>
             <a:fld id="{830943F9-8AC6-4393-AEEF-D45C2A43C7C7}" type="datetimeFigureOut">
               <a:rPr lang="LID4096" smtClean="0"/>
-              <a:t>01/08/2025</a:t>
+              <a:t>01/09/2025</a:t>
             </a:fld>
             <a:endParaRPr lang="LID4096"/>
           </a:p>
@@ -2940,7 +2940,7 @@
           <a:p>
             <a:fld id="{830943F9-8AC6-4393-AEEF-D45C2A43C7C7}" type="datetimeFigureOut">
               <a:rPr lang="LID4096" smtClean="0"/>
-              <a:t>01/08/2025</a:t>
+              <a:t>01/09/2025</a:t>
             </a:fld>
             <a:endParaRPr lang="LID4096"/>
           </a:p>
@@ -3450,9 +3450,9 @@
           <p:grpSpPr>
             <a:xfrm>
               <a:off x="8088628" y="811372"/>
-              <a:ext cx="2419350" cy="1714822"/>
+              <a:ext cx="2362906" cy="1714822"/>
               <a:chOff x="117859" y="1326904"/>
-              <a:chExt cx="2419350" cy="1714822"/>
+              <a:chExt cx="2362906" cy="1714822"/>
             </a:xfrm>
           </p:grpSpPr>
           <p:grpSp>
@@ -3472,9 +3472,9 @@
             <p:grpSpPr>
               <a:xfrm>
                 <a:off x="117859" y="1326904"/>
-                <a:ext cx="2419350" cy="1714822"/>
+                <a:ext cx="1916220" cy="1714822"/>
                 <a:chOff x="4048227" y="505992"/>
-                <a:chExt cx="2419350" cy="1714822"/>
+                <a:chExt cx="1916220" cy="1714822"/>
               </a:xfrm>
             </p:grpSpPr>
             <p:pic>
@@ -3595,8 +3595,8 @@
               </p:nvSpPr>
               <p:spPr>
                 <a:xfrm>
-                  <a:off x="4048227" y="2025070"/>
-                  <a:ext cx="2419350" cy="195744"/>
+                  <a:off x="4048227" y="2006795"/>
+                  <a:ext cx="1916220" cy="214019"/>
                 </a:xfrm>
                 <a:prstGeom prst="rect">
                   <a:avLst/>
@@ -4741,7 +4741,7 @@
         </p:nvGrpSpPr>
         <p:grpSpPr>
           <a:xfrm>
-            <a:off x="198185" y="3870247"/>
+            <a:off x="390925" y="3837278"/>
             <a:ext cx="2712767" cy="2774292"/>
             <a:chOff x="56825" y="3981728"/>
             <a:chExt cx="2712767" cy="2774292"/>
@@ -5170,7 +5170,7 @@
           <p:nvPr/>
         </p:nvSpPr>
         <p:spPr>
-          <a:xfrm rot="3957263">
+          <a:xfrm rot="4214347">
             <a:off x="6981609" y="3512749"/>
             <a:ext cx="402193" cy="308340"/>
           </a:xfrm>
@@ -7736,202 +7736,6 @@
       </p:grpSp>
       <p:grpSp>
         <p:nvGrpSpPr>
-          <p:cNvPr id="19" name="Group 18">
-            <a:extLst>
-              <a:ext uri="{FF2B5EF4-FFF2-40B4-BE49-F238E27FC236}">
-                <a16:creationId xmlns:a16="http://schemas.microsoft.com/office/drawing/2014/main" id="{4393E401-DB62-C495-9B0F-3F9843F8580A}"/>
-              </a:ext>
-            </a:extLst>
-          </p:cNvPr>
-          <p:cNvGrpSpPr>
-            <a:grpSpLocks noChangeAspect="1"/>
-          </p:cNvGrpSpPr>
-          <p:nvPr/>
-        </p:nvGrpSpPr>
-        <p:grpSpPr>
-          <a:xfrm>
-            <a:off x="202886" y="1307843"/>
-            <a:ext cx="2403300" cy="463040"/>
-            <a:chOff x="8974956" y="4712565"/>
-            <a:chExt cx="2403300" cy="463040"/>
-          </a:xfrm>
-        </p:grpSpPr>
-        <p:pic>
-          <p:nvPicPr>
-            <p:cNvPr id="25" name="Picture 24">
-              <a:extLst>
-                <a:ext uri="{FF2B5EF4-FFF2-40B4-BE49-F238E27FC236}">
-                  <a16:creationId xmlns:a16="http://schemas.microsoft.com/office/drawing/2014/main" id="{A02B55DE-E1BB-B21A-EC5C-89FA83EC778A}"/>
-                </a:ext>
-              </a:extLst>
-            </p:cNvPr>
-            <p:cNvPicPr>
-              <a:picLocks noChangeAspect="1"/>
-            </p:cNvPicPr>
-            <p:nvPr/>
-          </p:nvPicPr>
-          <p:blipFill>
-            <a:blip r:embed="rId3"/>
-            <a:srcRect t="40041" r="46014" b="40053"/>
-            <a:stretch/>
-          </p:blipFill>
-          <p:spPr>
-            <a:xfrm>
-              <a:off x="8974956" y="4749965"/>
-              <a:ext cx="1090133" cy="204773"/>
-            </a:xfrm>
-            <a:prstGeom prst="rect">
-              <a:avLst/>
-            </a:prstGeom>
-          </p:spPr>
-        </p:pic>
-        <p:grpSp>
-          <p:nvGrpSpPr>
-            <p:cNvPr id="29" name="Group 28">
-              <a:extLst>
-                <a:ext uri="{FF2B5EF4-FFF2-40B4-BE49-F238E27FC236}">
-                  <a16:creationId xmlns:a16="http://schemas.microsoft.com/office/drawing/2014/main" id="{9633D10B-DC4A-CD5B-DFD2-2B0A710E5839}"/>
-                </a:ext>
-              </a:extLst>
-            </p:cNvPr>
-            <p:cNvGrpSpPr/>
-            <p:nvPr/>
-          </p:nvGrpSpPr>
-          <p:grpSpPr>
-            <a:xfrm>
-              <a:off x="8974956" y="4729123"/>
-              <a:ext cx="2305761" cy="446482"/>
-              <a:chOff x="5116577" y="207015"/>
-              <a:chExt cx="2305761" cy="446482"/>
-            </a:xfrm>
-          </p:grpSpPr>
-          <p:pic>
-            <p:nvPicPr>
-              <p:cNvPr id="31" name="Picture 30">
-                <a:extLst>
-                  <a:ext uri="{FF2B5EF4-FFF2-40B4-BE49-F238E27FC236}">
-                    <a16:creationId xmlns:a16="http://schemas.microsoft.com/office/drawing/2014/main" id="{5CC4E739-83FB-2B2E-7DA0-ACF5F78755E5}"/>
-                  </a:ext>
-                </a:extLst>
-              </p:cNvPr>
-              <p:cNvPicPr>
-                <a:picLocks noChangeAspect="1"/>
-              </p:cNvPicPr>
-              <p:nvPr/>
-            </p:nvPicPr>
-            <p:blipFill>
-              <a:blip r:embed="rId4"/>
-              <a:stretch>
-                <a:fillRect/>
-              </a:stretch>
-            </p:blipFill>
-            <p:spPr>
-              <a:xfrm>
-                <a:off x="5264119" y="453472"/>
-                <a:ext cx="1933575" cy="200025"/>
-              </a:xfrm>
-              <a:prstGeom prst="rect">
-                <a:avLst/>
-              </a:prstGeom>
-            </p:spPr>
-          </p:pic>
-          <p:sp>
-            <p:nvSpPr>
-              <p:cNvPr id="34" name="Rectangle 33">
-                <a:extLst>
-                  <a:ext uri="{FF2B5EF4-FFF2-40B4-BE49-F238E27FC236}">
-                    <a16:creationId xmlns:a16="http://schemas.microsoft.com/office/drawing/2014/main" id="{25743ECA-7AA8-97EB-2D50-69BCFAD039E8}"/>
-                  </a:ext>
-                </a:extLst>
-              </p:cNvPr>
-              <p:cNvSpPr/>
-              <p:nvPr/>
-            </p:nvSpPr>
-            <p:spPr>
-              <a:xfrm>
-                <a:off x="5116577" y="207015"/>
-                <a:ext cx="2305761" cy="213260"/>
-              </a:xfrm>
-              <a:prstGeom prst="rect">
-                <a:avLst/>
-              </a:prstGeom>
-              <a:noFill/>
-              <a:ln w="6350">
-                <a:solidFill>
-                  <a:srgbClr val="0000FF"/>
-                </a:solidFill>
-              </a:ln>
-              <a:effectLst>
-                <a:outerShdw blurRad="50800" dist="38100" dir="8100000" algn="tr" rotWithShape="0">
-                  <a:prstClr val="black">
-                    <a:alpha val="40000"/>
-                  </a:prstClr>
-                </a:outerShdw>
-              </a:effectLst>
-            </p:spPr>
-            <p:txBody>
-              <a:bodyPr wrap="none" anchor="ctr" anchorCtr="0">
-                <a:noAutofit/>
-              </a:bodyPr>
-              <a:lstStyle/>
-              <a:p>
-                <a:endParaRPr lang="LID4096"/>
-              </a:p>
-            </p:txBody>
-          </p:sp>
-        </p:grpSp>
-        <p:sp>
-          <p:nvSpPr>
-            <p:cNvPr id="28" name="TextBox 27">
-              <a:extLst>
-                <a:ext uri="{FF2B5EF4-FFF2-40B4-BE49-F238E27FC236}">
-                  <a16:creationId xmlns:a16="http://schemas.microsoft.com/office/drawing/2014/main" id="{CE455491-2848-88AE-5040-6C6D1D9C8752}"/>
-                </a:ext>
-              </a:extLst>
-            </p:cNvPr>
-            <p:cNvSpPr txBox="1">
-              <a:spLocks noChangeAspect="1"/>
-            </p:cNvSpPr>
-            <p:nvPr/>
-          </p:nvSpPr>
-          <p:spPr>
-            <a:xfrm>
-              <a:off x="11096426" y="4712565"/>
-              <a:ext cx="281830" cy="273747"/>
-            </a:xfrm>
-            <a:prstGeom prst="rect">
-              <a:avLst/>
-            </a:prstGeom>
-            <a:solidFill>
-              <a:schemeClr val="accent2"/>
-            </a:solidFill>
-          </p:spPr>
-          <p:txBody>
-            <a:bodyPr wrap="none" lIns="0" tIns="0" rIns="0" bIns="0" anchor="ctr" anchorCtr="0">
-              <a:noAutofit/>
-            </a:bodyPr>
-            <a:lstStyle/>
-            <a:p>
-              <a:pPr algn="ctr"/>
-              <a:r>
-                <a:rPr lang="pt-BR" sz="1500" b="1" dirty="0">
-                  <a:solidFill>
-                    <a:schemeClr val="bg1"/>
-                  </a:solidFill>
-                </a:rPr>
-                <a:t>02</a:t>
-              </a:r>
-              <a:endParaRPr lang="LID4096" sz="1500" b="1" dirty="0">
-                <a:solidFill>
-                  <a:schemeClr val="bg1"/>
-                </a:solidFill>
-              </a:endParaRPr>
-            </a:p>
-          </p:txBody>
-        </p:sp>
-      </p:grpSp>
-      <p:grpSp>
-        <p:nvGrpSpPr>
           <p:cNvPr id="35" name="Group 34">
             <a:extLst>
               <a:ext uri="{FF2B5EF4-FFF2-40B4-BE49-F238E27FC236}">
@@ -7944,7 +7748,7 @@
         </p:nvGrpSpPr>
         <p:grpSpPr>
           <a:xfrm>
-            <a:off x="9125616" y="1594342"/>
+            <a:off x="9441608" y="2006296"/>
             <a:ext cx="2550976" cy="3543628"/>
             <a:chOff x="9262389" y="2860525"/>
             <a:chExt cx="2550976" cy="3543628"/>
@@ -7965,7 +7769,7 @@
             <p:nvPr/>
           </p:nvPicPr>
           <p:blipFill>
-            <a:blip r:embed="rId5"/>
+            <a:blip r:embed="rId3"/>
             <a:stretch>
               <a:fillRect/>
             </a:stretch>
@@ -8059,7 +7863,7 @@
                   <p:nvPr/>
                 </p:nvPicPr>
                 <p:blipFill>
-                  <a:blip r:embed="rId6"/>
+                  <a:blip r:embed="rId4"/>
                   <a:srcRect t="65550" b="15487"/>
                   <a:stretch/>
                 </p:blipFill>
@@ -8152,7 +7956,7 @@
                         <p:nvPr/>
                       </p:nvPicPr>
                       <p:blipFill>
-                        <a:blip r:embed="rId7"/>
+                        <a:blip r:embed="rId5"/>
                         <a:srcRect t="1" b="14084"/>
                         <a:stretch/>
                       </p:blipFill>
@@ -8181,7 +7985,7 @@
                         <p:nvPr/>
                       </p:nvPicPr>
                       <p:blipFill>
-                        <a:blip r:embed="rId8"/>
+                        <a:blip r:embed="rId6"/>
                         <a:stretch>
                           <a:fillRect/>
                         </a:stretch>
@@ -8353,7 +8157,7 @@
               <p:nvPr/>
             </p:nvPicPr>
             <p:blipFill>
-              <a:blip r:embed="rId9"/>
+              <a:blip r:embed="rId7"/>
               <a:stretch>
                 <a:fillRect/>
               </a:stretch>
@@ -8428,1193 +8232,6 @@
             </a:p>
           </p:txBody>
         </p:sp>
-        <p:sp>
-          <p:nvSpPr>
-            <p:cNvPr id="40" name="TextBox 39">
-              <a:extLst>
-                <a:ext uri="{FF2B5EF4-FFF2-40B4-BE49-F238E27FC236}">
-                  <a16:creationId xmlns:a16="http://schemas.microsoft.com/office/drawing/2014/main" id="{7EDF9CB9-7B4F-BFA6-D303-0430DBC8611F}"/>
-                </a:ext>
-              </a:extLst>
-            </p:cNvPr>
-            <p:cNvSpPr txBox="1"/>
-            <p:nvPr/>
-          </p:nvSpPr>
-          <p:spPr>
-            <a:xfrm>
-              <a:off x="10455909" y="5493720"/>
-              <a:ext cx="1224285" cy="600164"/>
-            </a:xfrm>
-            <a:prstGeom prst="rect">
-              <a:avLst/>
-            </a:prstGeom>
-            <a:noFill/>
-          </p:spPr>
-          <p:txBody>
-            <a:bodyPr wrap="square">
-              <a:spAutoFit/>
-            </a:bodyPr>
-            <a:lstStyle/>
-            <a:p>
-              <a:r>
-                <a:rPr lang="en-US" sz="1100" b="1" dirty="0"/>
-                <a:t>Streamflow  </a:t>
-              </a:r>
-            </a:p>
-            <a:p>
-              <a:r>
-                <a:rPr lang="en-US" sz="1100" b="1" dirty="0"/>
-                <a:t>Postprocessing errs</a:t>
-              </a:r>
-            </a:p>
-          </p:txBody>
-        </p:sp>
-      </p:grpSp>
-      <p:grpSp>
-        <p:nvGrpSpPr>
-          <p:cNvPr id="73" name="Group 72">
-            <a:extLst>
-              <a:ext uri="{FF2B5EF4-FFF2-40B4-BE49-F238E27FC236}">
-                <a16:creationId xmlns:a16="http://schemas.microsoft.com/office/drawing/2014/main" id="{C29ECF7D-7F00-736F-6E3F-ED0CB4EDA300}"/>
-              </a:ext>
-            </a:extLst>
-          </p:cNvPr>
-          <p:cNvGrpSpPr/>
-          <p:nvPr/>
-        </p:nvGrpSpPr>
-        <p:grpSpPr>
-          <a:xfrm>
-            <a:off x="6073284" y="1328971"/>
-            <a:ext cx="2353480" cy="1169077"/>
-            <a:chOff x="2636906" y="3625516"/>
-            <a:chExt cx="2353480" cy="1169077"/>
-          </a:xfrm>
-        </p:grpSpPr>
-        <p:grpSp>
-          <p:nvGrpSpPr>
-            <p:cNvPr id="74" name="Group 73">
-              <a:extLst>
-                <a:ext uri="{FF2B5EF4-FFF2-40B4-BE49-F238E27FC236}">
-                  <a16:creationId xmlns:a16="http://schemas.microsoft.com/office/drawing/2014/main" id="{2BB46261-6FC0-8BD5-2FF5-752475E92A7B}"/>
-                </a:ext>
-              </a:extLst>
-            </p:cNvPr>
-            <p:cNvGrpSpPr/>
-            <p:nvPr/>
-          </p:nvGrpSpPr>
-          <p:grpSpPr>
-            <a:xfrm>
-              <a:off x="2636906" y="3651324"/>
-              <a:ext cx="2353480" cy="1143269"/>
-              <a:chOff x="2414854" y="3639556"/>
-              <a:chExt cx="2353480" cy="1143269"/>
-            </a:xfrm>
-          </p:grpSpPr>
-          <p:grpSp>
-            <p:nvGrpSpPr>
-              <p:cNvPr id="77" name="Group 76">
-                <a:extLst>
-                  <a:ext uri="{FF2B5EF4-FFF2-40B4-BE49-F238E27FC236}">
-                    <a16:creationId xmlns:a16="http://schemas.microsoft.com/office/drawing/2014/main" id="{9BC805AF-C786-B94F-8463-379ED7AAAE37}"/>
-                  </a:ext>
-                </a:extLst>
-              </p:cNvPr>
-              <p:cNvGrpSpPr/>
-              <p:nvPr/>
-            </p:nvGrpSpPr>
-            <p:grpSpPr>
-              <a:xfrm>
-                <a:off x="2525946" y="3812851"/>
-                <a:ext cx="2242388" cy="969974"/>
-                <a:chOff x="2565408" y="4805706"/>
-                <a:chExt cx="2242388" cy="969974"/>
-              </a:xfrm>
-            </p:grpSpPr>
-            <p:pic>
-              <p:nvPicPr>
-                <p:cNvPr id="80" name="Picture 79">
-                  <a:extLst>
-                    <a:ext uri="{FF2B5EF4-FFF2-40B4-BE49-F238E27FC236}">
-                      <a16:creationId xmlns:a16="http://schemas.microsoft.com/office/drawing/2014/main" id="{39CA7649-4056-00B2-AD7C-9DC677C117AC}"/>
-                    </a:ext>
-                  </a:extLst>
-                </p:cNvPr>
-                <p:cNvPicPr>
-                  <a:picLocks noChangeAspect="1"/>
-                </p:cNvPicPr>
-                <p:nvPr/>
-              </p:nvPicPr>
-              <p:blipFill>
-                <a:blip r:embed="rId10"/>
-                <a:srcRect b="7926"/>
-                <a:stretch/>
-              </p:blipFill>
-              <p:spPr>
-                <a:xfrm>
-                  <a:off x="2565408" y="4805706"/>
-                  <a:ext cx="361950" cy="192942"/>
-                </a:xfrm>
-                <a:prstGeom prst="rect">
-                  <a:avLst/>
-                </a:prstGeom>
-              </p:spPr>
-            </p:pic>
-            <p:pic>
-              <p:nvPicPr>
-                <p:cNvPr id="81" name="Picture 80">
-                  <a:extLst>
-                    <a:ext uri="{FF2B5EF4-FFF2-40B4-BE49-F238E27FC236}">
-                      <a16:creationId xmlns:a16="http://schemas.microsoft.com/office/drawing/2014/main" id="{93909375-32B1-37EF-0D89-7D5A094503D0}"/>
-                    </a:ext>
-                  </a:extLst>
-                </p:cNvPr>
-                <p:cNvPicPr>
-                  <a:picLocks noChangeAspect="1"/>
-                </p:cNvPicPr>
-                <p:nvPr/>
-              </p:nvPicPr>
-              <p:blipFill>
-                <a:blip r:embed="rId11"/>
-                <a:stretch>
-                  <a:fillRect/>
-                </a:stretch>
-              </p:blipFill>
-              <p:spPr>
-                <a:xfrm>
-                  <a:off x="2607521" y="4975580"/>
-                  <a:ext cx="2200275" cy="800100"/>
-                </a:xfrm>
-                <a:prstGeom prst="rect">
-                  <a:avLst/>
-                </a:prstGeom>
-              </p:spPr>
-            </p:pic>
-          </p:grpSp>
-          <p:pic>
-            <p:nvPicPr>
-              <p:cNvPr id="78" name="Picture 77">
-                <a:extLst>
-                  <a:ext uri="{FF2B5EF4-FFF2-40B4-BE49-F238E27FC236}">
-                    <a16:creationId xmlns:a16="http://schemas.microsoft.com/office/drawing/2014/main" id="{2EE60BCB-49DE-63A0-2653-FAD1FF6DF191}"/>
-                  </a:ext>
-                </a:extLst>
-              </p:cNvPr>
-              <p:cNvPicPr>
-                <a:picLocks noChangeAspect="1"/>
-              </p:cNvPicPr>
-              <p:nvPr/>
-            </p:nvPicPr>
-            <p:blipFill>
-              <a:blip r:embed="rId12"/>
-              <a:srcRect t="27962" b="64002"/>
-              <a:stretch/>
-            </p:blipFill>
-            <p:spPr>
-              <a:xfrm>
-                <a:off x="2414854" y="3639557"/>
-                <a:ext cx="1762125" cy="179110"/>
-              </a:xfrm>
-              <a:prstGeom prst="rect">
-                <a:avLst/>
-              </a:prstGeom>
-            </p:spPr>
-          </p:pic>
-          <p:sp>
-            <p:nvSpPr>
-              <p:cNvPr id="79" name="Rectangle 78">
-                <a:extLst>
-                  <a:ext uri="{FF2B5EF4-FFF2-40B4-BE49-F238E27FC236}">
-                    <a16:creationId xmlns:a16="http://schemas.microsoft.com/office/drawing/2014/main" id="{41F2BD3A-796D-29F1-3404-B2E7367750C8}"/>
-                  </a:ext>
-                </a:extLst>
-              </p:cNvPr>
-              <p:cNvSpPr/>
-              <p:nvPr/>
-            </p:nvSpPr>
-            <p:spPr>
-              <a:xfrm>
-                <a:off x="2422030" y="3639556"/>
-                <a:ext cx="1754949" cy="204773"/>
-              </a:xfrm>
-              <a:prstGeom prst="rect">
-                <a:avLst/>
-              </a:prstGeom>
-              <a:noFill/>
-              <a:ln w="6350">
-                <a:solidFill>
-                  <a:srgbClr val="0000FF"/>
-                </a:solidFill>
-              </a:ln>
-              <a:effectLst>
-                <a:outerShdw blurRad="50800" dist="38100" dir="8100000" algn="tr" rotWithShape="0">
-                  <a:prstClr val="black">
-                    <a:alpha val="40000"/>
-                  </a:prstClr>
-                </a:outerShdw>
-              </a:effectLst>
-            </p:spPr>
-            <p:txBody>
-              <a:bodyPr wrap="none" anchor="ctr" anchorCtr="0">
-                <a:noAutofit/>
-              </a:bodyPr>
-              <a:lstStyle/>
-              <a:p>
-                <a:endParaRPr lang="LID4096" dirty="0"/>
-              </a:p>
-            </p:txBody>
-          </p:sp>
-        </p:grpSp>
-        <p:sp>
-          <p:nvSpPr>
-            <p:cNvPr id="75" name="TextBox 74">
-              <a:extLst>
-                <a:ext uri="{FF2B5EF4-FFF2-40B4-BE49-F238E27FC236}">
-                  <a16:creationId xmlns:a16="http://schemas.microsoft.com/office/drawing/2014/main" id="{DD2D9D03-D972-D32F-9E48-1AA52C38F6BD}"/>
-                </a:ext>
-              </a:extLst>
-            </p:cNvPr>
-            <p:cNvSpPr txBox="1">
-              <a:spLocks noChangeAspect="1"/>
-            </p:cNvSpPr>
-            <p:nvPr/>
-          </p:nvSpPr>
-          <p:spPr>
-            <a:xfrm>
-              <a:off x="4502947" y="3625516"/>
-              <a:ext cx="385181" cy="273747"/>
-            </a:xfrm>
-            <a:prstGeom prst="rect">
-              <a:avLst/>
-            </a:prstGeom>
-            <a:solidFill>
-              <a:schemeClr val="accent6">
-                <a:lumMod val="60000"/>
-                <a:lumOff val="40000"/>
-              </a:schemeClr>
-            </a:solidFill>
-          </p:spPr>
-          <p:txBody>
-            <a:bodyPr wrap="none" lIns="0" tIns="0" rIns="0" bIns="0" anchor="ctr" anchorCtr="0">
-              <a:noAutofit/>
-            </a:bodyPr>
-            <a:lstStyle/>
-            <a:p>
-              <a:pPr algn="ctr"/>
-              <a:r>
-                <a:rPr lang="pt-BR" sz="1500" b="1" dirty="0"/>
-                <a:t>03.1</a:t>
-              </a:r>
-              <a:endParaRPr lang="LID4096" sz="1500" b="1" dirty="0"/>
-            </a:p>
-          </p:txBody>
-        </p:sp>
-        <p:sp>
-          <p:nvSpPr>
-            <p:cNvPr id="76" name="TextBox 75">
-              <a:extLst>
-                <a:ext uri="{FF2B5EF4-FFF2-40B4-BE49-F238E27FC236}">
-                  <a16:creationId xmlns:a16="http://schemas.microsoft.com/office/drawing/2014/main" id="{2011415F-6355-3776-326C-2C0571DCB8E8}"/>
-                </a:ext>
-              </a:extLst>
-            </p:cNvPr>
-            <p:cNvSpPr txBox="1"/>
-            <p:nvPr/>
-          </p:nvSpPr>
-          <p:spPr>
-            <a:xfrm>
-              <a:off x="4184985" y="3952268"/>
-              <a:ext cx="703144" cy="246221"/>
-            </a:xfrm>
-            <a:prstGeom prst="rect">
-              <a:avLst/>
-            </a:prstGeom>
-            <a:noFill/>
-          </p:spPr>
-          <p:txBody>
-            <a:bodyPr wrap="square">
-              <a:spAutoFit/>
-            </a:bodyPr>
-            <a:lstStyle/>
-            <a:p>
-              <a:r>
-                <a:rPr lang="en-US" sz="1000" dirty="0"/>
-                <a:t>06 phases</a:t>
-              </a:r>
-            </a:p>
-          </p:txBody>
-        </p:sp>
-      </p:grpSp>
-      <p:grpSp>
-        <p:nvGrpSpPr>
-          <p:cNvPr id="82" name="Group 81">
-            <a:extLst>
-              <a:ext uri="{FF2B5EF4-FFF2-40B4-BE49-F238E27FC236}">
-                <a16:creationId xmlns:a16="http://schemas.microsoft.com/office/drawing/2014/main" id="{9EC55AAF-04BD-61E3-FDF8-415779F61367}"/>
-              </a:ext>
-            </a:extLst>
-          </p:cNvPr>
-          <p:cNvGrpSpPr/>
-          <p:nvPr/>
-        </p:nvGrpSpPr>
-        <p:grpSpPr>
-          <a:xfrm>
-            <a:off x="6095916" y="2641552"/>
-            <a:ext cx="2371725" cy="1771199"/>
-            <a:chOff x="2784384" y="4938793"/>
-            <a:chExt cx="2371725" cy="1771199"/>
-          </a:xfrm>
-        </p:grpSpPr>
-        <p:grpSp>
-          <p:nvGrpSpPr>
-            <p:cNvPr id="83" name="Group 82">
-              <a:extLst>
-                <a:ext uri="{FF2B5EF4-FFF2-40B4-BE49-F238E27FC236}">
-                  <a16:creationId xmlns:a16="http://schemas.microsoft.com/office/drawing/2014/main" id="{D43269DE-EC08-4669-BA4C-1489E18F9B1F}"/>
-                </a:ext>
-              </a:extLst>
-            </p:cNvPr>
-            <p:cNvGrpSpPr/>
-            <p:nvPr/>
-          </p:nvGrpSpPr>
-          <p:grpSpPr>
-            <a:xfrm>
-              <a:off x="2784384" y="4938793"/>
-              <a:ext cx="2371725" cy="1771199"/>
-              <a:chOff x="2547437" y="5030685"/>
-              <a:chExt cx="2371725" cy="1771199"/>
-            </a:xfrm>
-          </p:grpSpPr>
-          <p:grpSp>
-            <p:nvGrpSpPr>
-              <p:cNvPr id="101" name="Group 100">
-                <a:extLst>
-                  <a:ext uri="{FF2B5EF4-FFF2-40B4-BE49-F238E27FC236}">
-                    <a16:creationId xmlns:a16="http://schemas.microsoft.com/office/drawing/2014/main" id="{AAA6FB2A-FB44-015E-D98E-E735DEB570EA}"/>
-                  </a:ext>
-                </a:extLst>
-              </p:cNvPr>
-              <p:cNvGrpSpPr/>
-              <p:nvPr/>
-            </p:nvGrpSpPr>
-            <p:grpSpPr>
-              <a:xfrm>
-                <a:off x="2547437" y="5223091"/>
-                <a:ext cx="2371725" cy="1578793"/>
-                <a:chOff x="6037235" y="5699343"/>
-                <a:chExt cx="2371725" cy="1578793"/>
-              </a:xfrm>
-            </p:grpSpPr>
-            <p:pic>
-              <p:nvPicPr>
-                <p:cNvPr id="131" name="Picture 130">
-                  <a:extLst>
-                    <a:ext uri="{FF2B5EF4-FFF2-40B4-BE49-F238E27FC236}">
-                      <a16:creationId xmlns:a16="http://schemas.microsoft.com/office/drawing/2014/main" id="{C30406DA-7768-855D-D587-CF84DC6FC7A6}"/>
-                    </a:ext>
-                  </a:extLst>
-                </p:cNvPr>
-                <p:cNvPicPr>
-                  <a:picLocks noChangeAspect="1"/>
-                </p:cNvPicPr>
-                <p:nvPr/>
-              </p:nvPicPr>
-              <p:blipFill>
-                <a:blip r:embed="rId13"/>
-                <a:stretch>
-                  <a:fillRect/>
-                </a:stretch>
-              </p:blipFill>
-              <p:spPr>
-                <a:xfrm>
-                  <a:off x="6209247" y="5850160"/>
-                  <a:ext cx="857250" cy="219075"/>
-                </a:xfrm>
-                <a:prstGeom prst="rect">
-                  <a:avLst/>
-                </a:prstGeom>
-              </p:spPr>
-            </p:pic>
-            <p:pic>
-              <p:nvPicPr>
-                <p:cNvPr id="133" name="Picture 132">
-                  <a:extLst>
-                    <a:ext uri="{FF2B5EF4-FFF2-40B4-BE49-F238E27FC236}">
-                      <a16:creationId xmlns:a16="http://schemas.microsoft.com/office/drawing/2014/main" id="{B6116382-13C3-594A-3565-CF6ADBBC4E32}"/>
-                    </a:ext>
-                  </a:extLst>
-                </p:cNvPr>
-                <p:cNvPicPr>
-                  <a:picLocks noChangeAspect="1"/>
-                </p:cNvPicPr>
-                <p:nvPr/>
-              </p:nvPicPr>
-              <p:blipFill>
-                <a:blip r:embed="rId10"/>
-                <a:srcRect b="7926"/>
-                <a:stretch/>
-              </p:blipFill>
-              <p:spPr>
-                <a:xfrm>
-                  <a:off x="6147910" y="5699343"/>
-                  <a:ext cx="361950" cy="192942"/>
-                </a:xfrm>
-                <a:prstGeom prst="rect">
-                  <a:avLst/>
-                </a:prstGeom>
-              </p:spPr>
-            </p:pic>
-            <p:pic>
-              <p:nvPicPr>
-                <p:cNvPr id="135" name="Picture 134">
-                  <a:extLst>
-                    <a:ext uri="{FF2B5EF4-FFF2-40B4-BE49-F238E27FC236}">
-                      <a16:creationId xmlns:a16="http://schemas.microsoft.com/office/drawing/2014/main" id="{5085E56E-129F-7B8A-7107-CF87B3671F1E}"/>
-                    </a:ext>
-                  </a:extLst>
-                </p:cNvPr>
-                <p:cNvPicPr>
-                  <a:picLocks noChangeAspect="1"/>
-                </p:cNvPicPr>
-                <p:nvPr/>
-              </p:nvPicPr>
-              <p:blipFill>
-                <a:blip r:embed="rId14"/>
-                <a:stretch>
-                  <a:fillRect/>
-                </a:stretch>
-              </p:blipFill>
-              <p:spPr>
-                <a:xfrm>
-                  <a:off x="6331103" y="6039851"/>
-                  <a:ext cx="828675" cy="247650"/>
-                </a:xfrm>
-                <a:prstGeom prst="rect">
-                  <a:avLst/>
-                </a:prstGeom>
-              </p:spPr>
-            </p:pic>
-            <p:pic>
-              <p:nvPicPr>
-                <p:cNvPr id="145" name="Picture 144">
-                  <a:extLst>
-                    <a:ext uri="{FF2B5EF4-FFF2-40B4-BE49-F238E27FC236}">
-                      <a16:creationId xmlns:a16="http://schemas.microsoft.com/office/drawing/2014/main" id="{97819659-F926-BEE6-E3E5-A4B65A28BFF9}"/>
-                    </a:ext>
-                  </a:extLst>
-                </p:cNvPr>
-                <p:cNvPicPr>
-                  <a:picLocks noChangeAspect="1"/>
-                </p:cNvPicPr>
-                <p:nvPr/>
-              </p:nvPicPr>
-              <p:blipFill>
-                <a:blip r:embed="rId15"/>
-                <a:srcRect t="37210"/>
-                <a:stretch/>
-              </p:blipFill>
-              <p:spPr>
-                <a:xfrm>
-                  <a:off x="6037235" y="6249436"/>
-                  <a:ext cx="2371725" cy="1028700"/>
-                </a:xfrm>
-                <a:prstGeom prst="rect">
-                  <a:avLst/>
-                </a:prstGeom>
-              </p:spPr>
-            </p:pic>
-          </p:grpSp>
-          <p:pic>
-            <p:nvPicPr>
-              <p:cNvPr id="106" name="Picture 105">
-                <a:extLst>
-                  <a:ext uri="{FF2B5EF4-FFF2-40B4-BE49-F238E27FC236}">
-                    <a16:creationId xmlns:a16="http://schemas.microsoft.com/office/drawing/2014/main" id="{41CEA3C7-5258-6B63-08B0-64A3C932A664}"/>
-                  </a:ext>
-                </a:extLst>
-              </p:cNvPr>
-              <p:cNvPicPr>
-                <a:picLocks noChangeAspect="1"/>
-              </p:cNvPicPr>
-              <p:nvPr/>
-            </p:nvPicPr>
-            <p:blipFill>
-              <a:blip r:embed="rId12"/>
-              <a:srcRect l="-546" t="36606" r="546" b="55358"/>
-              <a:stretch/>
-            </p:blipFill>
-            <p:spPr>
-              <a:xfrm>
-                <a:off x="2568059" y="5031460"/>
-                <a:ext cx="1762125" cy="179110"/>
-              </a:xfrm>
-              <a:prstGeom prst="rect">
-                <a:avLst/>
-              </a:prstGeom>
-            </p:spPr>
-          </p:pic>
-          <p:sp>
-            <p:nvSpPr>
-              <p:cNvPr id="108" name="Rectangle 107">
-                <a:extLst>
-                  <a:ext uri="{FF2B5EF4-FFF2-40B4-BE49-F238E27FC236}">
-                    <a16:creationId xmlns:a16="http://schemas.microsoft.com/office/drawing/2014/main" id="{DC968EEB-04E2-EC03-55EE-2076B4B2D6DE}"/>
-                  </a:ext>
-                </a:extLst>
-              </p:cNvPr>
-              <p:cNvSpPr/>
-              <p:nvPr/>
-            </p:nvSpPr>
-            <p:spPr>
-              <a:xfrm>
-                <a:off x="2590342" y="5030685"/>
-                <a:ext cx="1754949" cy="204773"/>
-              </a:xfrm>
-              <a:prstGeom prst="rect">
-                <a:avLst/>
-              </a:prstGeom>
-              <a:noFill/>
-              <a:ln w="6350">
-                <a:solidFill>
-                  <a:srgbClr val="0000FF"/>
-                </a:solidFill>
-              </a:ln>
-              <a:effectLst>
-                <a:outerShdw blurRad="50800" dist="38100" dir="8100000" algn="tr" rotWithShape="0">
-                  <a:prstClr val="black">
-                    <a:alpha val="40000"/>
-                  </a:prstClr>
-                </a:outerShdw>
-              </a:effectLst>
-            </p:spPr>
-            <p:txBody>
-              <a:bodyPr wrap="none" anchor="ctr" anchorCtr="0">
-                <a:noAutofit/>
-              </a:bodyPr>
-              <a:lstStyle/>
-              <a:p>
-                <a:endParaRPr lang="LID4096" dirty="0"/>
-              </a:p>
-            </p:txBody>
-          </p:sp>
-        </p:grpSp>
-        <p:sp>
-          <p:nvSpPr>
-            <p:cNvPr id="100" name="TextBox 99">
-              <a:extLst>
-                <a:ext uri="{FF2B5EF4-FFF2-40B4-BE49-F238E27FC236}">
-                  <a16:creationId xmlns:a16="http://schemas.microsoft.com/office/drawing/2014/main" id="{40D99AF3-716B-2144-1626-1316EC57E62C}"/>
-                </a:ext>
-              </a:extLst>
-            </p:cNvPr>
-            <p:cNvSpPr txBox="1">
-              <a:spLocks noChangeAspect="1"/>
-            </p:cNvSpPr>
-            <p:nvPr/>
-          </p:nvSpPr>
-          <p:spPr>
-            <a:xfrm>
-              <a:off x="4627793" y="4941689"/>
-              <a:ext cx="385181" cy="273747"/>
-            </a:xfrm>
-            <a:prstGeom prst="rect">
-              <a:avLst/>
-            </a:prstGeom>
-            <a:solidFill>
-              <a:schemeClr val="accent6">
-                <a:lumMod val="60000"/>
-                <a:lumOff val="40000"/>
-              </a:schemeClr>
-            </a:solidFill>
-          </p:spPr>
-          <p:txBody>
-            <a:bodyPr wrap="none" lIns="0" tIns="0" rIns="0" bIns="0" anchor="ctr" anchorCtr="0">
-              <a:noAutofit/>
-            </a:bodyPr>
-            <a:lstStyle/>
-            <a:p>
-              <a:pPr algn="ctr"/>
-              <a:r>
-                <a:rPr lang="pt-BR" sz="1500" b="1" dirty="0"/>
-                <a:t>03.2</a:t>
-              </a:r>
-              <a:endParaRPr lang="LID4096" sz="1500" b="1" dirty="0"/>
-            </a:p>
-          </p:txBody>
-        </p:sp>
-      </p:grpSp>
-      <p:grpSp>
-        <p:nvGrpSpPr>
-          <p:cNvPr id="146" name="Group 145">
-            <a:extLst>
-              <a:ext uri="{FF2B5EF4-FFF2-40B4-BE49-F238E27FC236}">
-                <a16:creationId xmlns:a16="http://schemas.microsoft.com/office/drawing/2014/main" id="{C51A4432-A010-B38D-B259-357D5A6DCCA9}"/>
-              </a:ext>
-            </a:extLst>
-          </p:cNvPr>
-          <p:cNvGrpSpPr/>
-          <p:nvPr/>
-        </p:nvGrpSpPr>
-        <p:grpSpPr>
-          <a:xfrm>
-            <a:off x="6145442" y="4592952"/>
-            <a:ext cx="2182433" cy="1739223"/>
-            <a:chOff x="5025663" y="4964308"/>
-            <a:chExt cx="2182433" cy="1739223"/>
-          </a:xfrm>
-        </p:grpSpPr>
-        <p:grpSp>
-          <p:nvGrpSpPr>
-            <p:cNvPr id="147" name="Group 146">
-              <a:extLst>
-                <a:ext uri="{FF2B5EF4-FFF2-40B4-BE49-F238E27FC236}">
-                  <a16:creationId xmlns:a16="http://schemas.microsoft.com/office/drawing/2014/main" id="{70D59933-699D-B2B3-4616-AE584B841344}"/>
-                </a:ext>
-              </a:extLst>
-            </p:cNvPr>
-            <p:cNvGrpSpPr/>
-            <p:nvPr/>
-          </p:nvGrpSpPr>
-          <p:grpSpPr>
-            <a:xfrm>
-              <a:off x="5025663" y="4964308"/>
-              <a:ext cx="1794807" cy="1739223"/>
-              <a:chOff x="4788716" y="5056200"/>
-              <a:chExt cx="1794807" cy="1739223"/>
-            </a:xfrm>
-          </p:grpSpPr>
-          <p:grpSp>
-            <p:nvGrpSpPr>
-              <p:cNvPr id="152" name="Group 151">
-                <a:extLst>
-                  <a:ext uri="{FF2B5EF4-FFF2-40B4-BE49-F238E27FC236}">
-                    <a16:creationId xmlns:a16="http://schemas.microsoft.com/office/drawing/2014/main" id="{8A13A3E5-F4A1-1544-1D21-B5C0EFDF9337}"/>
-                  </a:ext>
-                </a:extLst>
-              </p:cNvPr>
-              <p:cNvGrpSpPr/>
-              <p:nvPr/>
-            </p:nvGrpSpPr>
-            <p:grpSpPr>
-              <a:xfrm>
-                <a:off x="4788716" y="5075592"/>
-                <a:ext cx="1762125" cy="1719831"/>
-                <a:chOff x="4788716" y="5075592"/>
-                <a:chExt cx="1762125" cy="1719831"/>
-              </a:xfrm>
-            </p:grpSpPr>
-            <p:pic>
-              <p:nvPicPr>
-                <p:cNvPr id="154" name="Picture 153">
-                  <a:extLst>
-                    <a:ext uri="{FF2B5EF4-FFF2-40B4-BE49-F238E27FC236}">
-                      <a16:creationId xmlns:a16="http://schemas.microsoft.com/office/drawing/2014/main" id="{AB6D6667-F2E1-A8E5-CE55-402D6ABF446F}"/>
-                    </a:ext>
-                  </a:extLst>
-                </p:cNvPr>
-                <p:cNvPicPr>
-                  <a:picLocks noChangeAspect="1"/>
-                </p:cNvPicPr>
-                <p:nvPr/>
-              </p:nvPicPr>
-              <p:blipFill>
-                <a:blip r:embed="rId16"/>
-                <a:stretch>
-                  <a:fillRect/>
-                </a:stretch>
-              </p:blipFill>
-              <p:spPr>
-                <a:xfrm>
-                  <a:off x="4956238" y="5385723"/>
-                  <a:ext cx="1533525" cy="1409700"/>
-                </a:xfrm>
-                <a:prstGeom prst="rect">
-                  <a:avLst/>
-                </a:prstGeom>
-              </p:spPr>
-            </p:pic>
-            <p:pic>
-              <p:nvPicPr>
-                <p:cNvPr id="155" name="Picture 154">
-                  <a:extLst>
-                    <a:ext uri="{FF2B5EF4-FFF2-40B4-BE49-F238E27FC236}">
-                      <a16:creationId xmlns:a16="http://schemas.microsoft.com/office/drawing/2014/main" id="{65671CE5-987E-A8F4-472B-C9BF59F1BC29}"/>
-                    </a:ext>
-                  </a:extLst>
-                </p:cNvPr>
-                <p:cNvPicPr>
-                  <a:picLocks noChangeAspect="1"/>
-                </p:cNvPicPr>
-                <p:nvPr/>
-              </p:nvPicPr>
-              <p:blipFill>
-                <a:blip r:embed="rId10"/>
-                <a:srcRect b="7926"/>
-                <a:stretch/>
-              </p:blipFill>
-              <p:spPr>
-                <a:xfrm>
-                  <a:off x="4879304" y="5232798"/>
-                  <a:ext cx="361950" cy="192942"/>
-                </a:xfrm>
-                <a:prstGeom prst="rect">
-                  <a:avLst/>
-                </a:prstGeom>
-              </p:spPr>
-            </p:pic>
-            <p:pic>
-              <p:nvPicPr>
-                <p:cNvPr id="157" name="Picture 156">
-                  <a:extLst>
-                    <a:ext uri="{FF2B5EF4-FFF2-40B4-BE49-F238E27FC236}">
-                      <a16:creationId xmlns:a16="http://schemas.microsoft.com/office/drawing/2014/main" id="{98C717B1-B0D6-886B-CE57-283456C8EF1F}"/>
-                    </a:ext>
-                  </a:extLst>
-                </p:cNvPr>
-                <p:cNvPicPr>
-                  <a:picLocks noChangeAspect="1"/>
-                </p:cNvPicPr>
-                <p:nvPr/>
-              </p:nvPicPr>
-              <p:blipFill>
-                <a:blip r:embed="rId12"/>
-                <a:srcRect l="1065" t="46100" r="-1065" b="45864"/>
-                <a:stretch/>
-              </p:blipFill>
-              <p:spPr>
-                <a:xfrm>
-                  <a:off x="4788716" y="5075592"/>
-                  <a:ext cx="1762125" cy="179110"/>
-                </a:xfrm>
-                <a:prstGeom prst="rect">
-                  <a:avLst/>
-                </a:prstGeom>
-              </p:spPr>
-            </p:pic>
-          </p:grpSp>
-          <p:sp>
-            <p:nvSpPr>
-              <p:cNvPr id="153" name="Rectangle 152">
-                <a:extLst>
-                  <a:ext uri="{FF2B5EF4-FFF2-40B4-BE49-F238E27FC236}">
-                    <a16:creationId xmlns:a16="http://schemas.microsoft.com/office/drawing/2014/main" id="{037A3667-6AC3-873D-CD5D-313152668649}"/>
-                  </a:ext>
-                </a:extLst>
-              </p:cNvPr>
-              <p:cNvSpPr/>
-              <p:nvPr/>
-            </p:nvSpPr>
-            <p:spPr>
-              <a:xfrm>
-                <a:off x="4828574" y="5056200"/>
-                <a:ext cx="1754949" cy="204773"/>
-              </a:xfrm>
-              <a:prstGeom prst="rect">
-                <a:avLst/>
-              </a:prstGeom>
-              <a:noFill/>
-              <a:ln w="6350">
-                <a:solidFill>
-                  <a:srgbClr val="0000FF"/>
-                </a:solidFill>
-              </a:ln>
-              <a:effectLst>
-                <a:outerShdw blurRad="50800" dist="38100" dir="8100000" algn="tr" rotWithShape="0">
-                  <a:prstClr val="black">
-                    <a:alpha val="40000"/>
-                  </a:prstClr>
-                </a:outerShdw>
-              </a:effectLst>
-            </p:spPr>
-            <p:txBody>
-              <a:bodyPr wrap="none" anchor="ctr" anchorCtr="0">
-                <a:noAutofit/>
-              </a:bodyPr>
-              <a:lstStyle/>
-              <a:p>
-                <a:endParaRPr lang="LID4096" dirty="0"/>
-              </a:p>
-            </p:txBody>
-          </p:sp>
-        </p:grpSp>
-        <p:sp>
-          <p:nvSpPr>
-            <p:cNvPr id="148" name="TextBox 147">
-              <a:extLst>
-                <a:ext uri="{FF2B5EF4-FFF2-40B4-BE49-F238E27FC236}">
-                  <a16:creationId xmlns:a16="http://schemas.microsoft.com/office/drawing/2014/main" id="{1EB44804-AAF4-8AA3-F5CB-57B108EC83E4}"/>
-                </a:ext>
-              </a:extLst>
-            </p:cNvPr>
-            <p:cNvSpPr txBox="1">
-              <a:spLocks noChangeAspect="1"/>
-            </p:cNvSpPr>
-            <p:nvPr/>
-          </p:nvSpPr>
-          <p:spPr>
-            <a:xfrm>
-              <a:off x="6822915" y="4993692"/>
-              <a:ext cx="385181" cy="273747"/>
-            </a:xfrm>
-            <a:prstGeom prst="rect">
-              <a:avLst/>
-            </a:prstGeom>
-            <a:solidFill>
-              <a:schemeClr val="accent6">
-                <a:lumMod val="60000"/>
-                <a:lumOff val="40000"/>
-              </a:schemeClr>
-            </a:solidFill>
-          </p:spPr>
-          <p:txBody>
-            <a:bodyPr wrap="none" lIns="0" tIns="0" rIns="0" bIns="0" anchor="ctr" anchorCtr="0">
-              <a:noAutofit/>
-            </a:bodyPr>
-            <a:lstStyle/>
-            <a:p>
-              <a:pPr algn="ctr"/>
-              <a:r>
-                <a:rPr lang="pt-BR" sz="1500" b="1" dirty="0"/>
-                <a:t>03.3</a:t>
-              </a:r>
-              <a:endParaRPr lang="LID4096" sz="1500" b="1" dirty="0"/>
-            </a:p>
-          </p:txBody>
-        </p:sp>
-        <p:sp>
-          <p:nvSpPr>
-            <p:cNvPr id="151" name="TextBox 150">
-              <a:extLst>
-                <a:ext uri="{FF2B5EF4-FFF2-40B4-BE49-F238E27FC236}">
-                  <a16:creationId xmlns:a16="http://schemas.microsoft.com/office/drawing/2014/main" id="{899575C9-8AAE-7C58-4DFF-FADE928E67EE}"/>
-                </a:ext>
-              </a:extLst>
-            </p:cNvPr>
-            <p:cNvSpPr txBox="1"/>
-            <p:nvPr/>
-          </p:nvSpPr>
-          <p:spPr>
-            <a:xfrm>
-              <a:off x="6736587" y="5437858"/>
-              <a:ext cx="168850" cy="110038"/>
-            </a:xfrm>
-            <a:prstGeom prst="rect">
-              <a:avLst/>
-            </a:prstGeom>
-            <a:solidFill>
-              <a:srgbClr val="93E3FF"/>
-            </a:solidFill>
-          </p:spPr>
-          <p:txBody>
-            <a:bodyPr wrap="none" lIns="0" tIns="0" rIns="0" bIns="0" rtlCol="0" anchor="ctr" anchorCtr="0">
-              <a:noAutofit/>
-            </a:bodyPr>
-            <a:lstStyle/>
-            <a:p>
-              <a:pPr algn="ctr"/>
-              <a:r>
-                <a:rPr lang="pt-BR" sz="1400" b="1" dirty="0">
-                  <a:latin typeface="Calibri bold" panose="020F0702030404030204" pitchFamily="34" charset="0"/>
-                  <a:cs typeface="Calibri bold" panose="020F0702030404030204" pitchFamily="34" charset="0"/>
-                </a:rPr>
-                <a:t>s</a:t>
-              </a:r>
-              <a:endParaRPr lang="LID4096" sz="1400" b="1" dirty="0">
-                <a:latin typeface="Calibri bold" panose="020F0702030404030204" pitchFamily="34" charset="0"/>
-                <a:cs typeface="Calibri bold" panose="020F0702030404030204" pitchFamily="34" charset="0"/>
-              </a:endParaRPr>
-            </a:p>
-          </p:txBody>
-        </p:sp>
-      </p:grpSp>
-      <p:grpSp>
-        <p:nvGrpSpPr>
-          <p:cNvPr id="190" name="Group 189">
-            <a:extLst>
-              <a:ext uri="{FF2B5EF4-FFF2-40B4-BE49-F238E27FC236}">
-                <a16:creationId xmlns:a16="http://schemas.microsoft.com/office/drawing/2014/main" id="{1C11BEC2-D6DB-4BF3-594A-985F4AAD6F3B}"/>
-              </a:ext>
-            </a:extLst>
-          </p:cNvPr>
-          <p:cNvGrpSpPr/>
-          <p:nvPr/>
-        </p:nvGrpSpPr>
-        <p:grpSpPr>
-          <a:xfrm>
-            <a:off x="3695097" y="475987"/>
-            <a:ext cx="2211039" cy="2469115"/>
-            <a:chOff x="3206898" y="1567263"/>
-            <a:chExt cx="2211039" cy="2469115"/>
-          </a:xfrm>
-        </p:grpSpPr>
-        <p:grpSp>
-          <p:nvGrpSpPr>
-            <p:cNvPr id="62" name="Group 61">
-              <a:extLst>
-                <a:ext uri="{FF2B5EF4-FFF2-40B4-BE49-F238E27FC236}">
-                  <a16:creationId xmlns:a16="http://schemas.microsoft.com/office/drawing/2014/main" id="{6E73D71F-F742-B0E6-DE5B-366DFE333A09}"/>
-                </a:ext>
-              </a:extLst>
-            </p:cNvPr>
-            <p:cNvGrpSpPr/>
-            <p:nvPr/>
-          </p:nvGrpSpPr>
-          <p:grpSpPr>
-            <a:xfrm>
-              <a:off x="3206898" y="1581590"/>
-              <a:ext cx="2211039" cy="2454788"/>
-              <a:chOff x="358299" y="3903805"/>
-              <a:chExt cx="2211039" cy="2454788"/>
-            </a:xfrm>
-          </p:grpSpPr>
-          <p:pic>
-            <p:nvPicPr>
-              <p:cNvPr id="64" name="Picture 63">
-                <a:extLst>
-                  <a:ext uri="{FF2B5EF4-FFF2-40B4-BE49-F238E27FC236}">
-                    <a16:creationId xmlns:a16="http://schemas.microsoft.com/office/drawing/2014/main" id="{E5F01EB9-5661-F767-8DAC-BFE260077241}"/>
-                  </a:ext>
-                </a:extLst>
-              </p:cNvPr>
-              <p:cNvPicPr>
-                <a:picLocks noChangeAspect="1"/>
-              </p:cNvPicPr>
-              <p:nvPr/>
-            </p:nvPicPr>
-            <p:blipFill>
-              <a:blip r:embed="rId3"/>
-              <a:srcRect t="58454" r="57025" b="21387"/>
-              <a:stretch/>
-            </p:blipFill>
-            <p:spPr>
-              <a:xfrm>
-                <a:off x="358299" y="3922959"/>
-                <a:ext cx="867792" cy="207373"/>
-              </a:xfrm>
-              <a:prstGeom prst="rect">
-                <a:avLst/>
-              </a:prstGeom>
-            </p:spPr>
-          </p:pic>
-          <p:grpSp>
-            <p:nvGrpSpPr>
-              <p:cNvPr id="66" name="Group 65">
-                <a:extLst>
-                  <a:ext uri="{FF2B5EF4-FFF2-40B4-BE49-F238E27FC236}">
-                    <a16:creationId xmlns:a16="http://schemas.microsoft.com/office/drawing/2014/main" id="{AFB2C5BD-7827-DEA5-B274-43D45D9548AA}"/>
-                  </a:ext>
-                </a:extLst>
-              </p:cNvPr>
-              <p:cNvGrpSpPr/>
-              <p:nvPr/>
-            </p:nvGrpSpPr>
-            <p:grpSpPr>
-              <a:xfrm>
-                <a:off x="371399" y="3903805"/>
-                <a:ext cx="2197939" cy="2454788"/>
-                <a:chOff x="134452" y="3862915"/>
-                <a:chExt cx="2197939" cy="2454788"/>
-              </a:xfrm>
-            </p:grpSpPr>
-            <p:pic>
-              <p:nvPicPr>
-                <p:cNvPr id="69" name="Picture 68">
-                  <a:extLst>
-                    <a:ext uri="{FF2B5EF4-FFF2-40B4-BE49-F238E27FC236}">
-                      <a16:creationId xmlns:a16="http://schemas.microsoft.com/office/drawing/2014/main" id="{BB8818B6-9BF0-0E11-22BF-393854158157}"/>
-                    </a:ext>
-                  </a:extLst>
-                </p:cNvPr>
-                <p:cNvPicPr>
-                  <a:picLocks noChangeAspect="1"/>
-                </p:cNvPicPr>
-                <p:nvPr/>
-              </p:nvPicPr>
-              <p:blipFill>
-                <a:blip r:embed="rId12"/>
-                <a:stretch>
-                  <a:fillRect/>
-                </a:stretch>
-              </p:blipFill>
-              <p:spPr>
-                <a:xfrm>
-                  <a:off x="552458" y="4088853"/>
-                  <a:ext cx="1762125" cy="2228850"/>
-                </a:xfrm>
-                <a:prstGeom prst="rect">
-                  <a:avLst/>
-                </a:prstGeom>
-              </p:spPr>
-            </p:pic>
-            <p:sp>
-              <p:nvSpPr>
-                <p:cNvPr id="71" name="Rectangle 70">
-                  <a:extLst>
-                    <a:ext uri="{FF2B5EF4-FFF2-40B4-BE49-F238E27FC236}">
-                      <a16:creationId xmlns:a16="http://schemas.microsoft.com/office/drawing/2014/main" id="{A1E48D17-6520-9E3C-DD09-FAA9A81F7C27}"/>
-                    </a:ext>
-                  </a:extLst>
-                </p:cNvPr>
-                <p:cNvSpPr/>
-                <p:nvPr/>
-              </p:nvSpPr>
-              <p:spPr>
-                <a:xfrm>
-                  <a:off x="134452" y="3862915"/>
-                  <a:ext cx="942484" cy="232193"/>
-                </a:xfrm>
-                <a:prstGeom prst="rect">
-                  <a:avLst/>
-                </a:prstGeom>
-                <a:noFill/>
-                <a:ln w="6350">
-                  <a:solidFill>
-                    <a:srgbClr val="0000FF"/>
-                  </a:solidFill>
-                </a:ln>
-                <a:effectLst>
-                  <a:outerShdw blurRad="50800" dist="38100" dir="8100000" algn="tr" rotWithShape="0">
-                    <a:prstClr val="black">
-                      <a:alpha val="40000"/>
-                    </a:prstClr>
-                  </a:outerShdw>
-                </a:effectLst>
-              </p:spPr>
-              <p:txBody>
-                <a:bodyPr wrap="none" anchor="ctr" anchorCtr="0">
-                  <a:noAutofit/>
-                </a:bodyPr>
-                <a:lstStyle/>
-                <a:p>
-                  <a:endParaRPr lang="LID4096" dirty="0"/>
-                </a:p>
-              </p:txBody>
-            </p:sp>
-            <p:sp>
-              <p:nvSpPr>
-                <p:cNvPr id="72" name="Rectangle 71">
-                  <a:extLst>
-                    <a:ext uri="{FF2B5EF4-FFF2-40B4-BE49-F238E27FC236}">
-                      <a16:creationId xmlns:a16="http://schemas.microsoft.com/office/drawing/2014/main" id="{C54BC8C4-1DC1-D38F-D3E7-6F87C199450E}"/>
-                    </a:ext>
-                  </a:extLst>
-                </p:cNvPr>
-                <p:cNvSpPr/>
-                <p:nvPr/>
-              </p:nvSpPr>
-              <p:spPr>
-                <a:xfrm>
-                  <a:off x="570267" y="4731775"/>
-                  <a:ext cx="1762124" cy="589344"/>
-                </a:xfrm>
-                <a:prstGeom prst="rect">
-                  <a:avLst/>
-                </a:prstGeom>
-                <a:noFill/>
-                <a:ln w="6350">
-                  <a:solidFill>
-                    <a:srgbClr val="0000FF"/>
-                  </a:solidFill>
-                </a:ln>
-                <a:effectLst>
-                  <a:outerShdw blurRad="50800" dist="38100" dir="8100000" algn="tr" rotWithShape="0">
-                    <a:prstClr val="black">
-                      <a:alpha val="40000"/>
-                    </a:prstClr>
-                  </a:outerShdw>
-                </a:effectLst>
-              </p:spPr>
-              <p:txBody>
-                <a:bodyPr wrap="none" anchor="ctr" anchorCtr="0">
-                  <a:noAutofit/>
-                </a:bodyPr>
-                <a:lstStyle/>
-                <a:p>
-                  <a:endParaRPr lang="LID4096" dirty="0"/>
-                </a:p>
-              </p:txBody>
-            </p:sp>
-          </p:grpSp>
-          <p:sp>
-            <p:nvSpPr>
-              <p:cNvPr id="67" name="TextBox 66">
-                <a:extLst>
-                  <a:ext uri="{FF2B5EF4-FFF2-40B4-BE49-F238E27FC236}">
-                    <a16:creationId xmlns:a16="http://schemas.microsoft.com/office/drawing/2014/main" id="{DB5DB54B-49E2-B2B7-F845-42F4620463BC}"/>
-                  </a:ext>
-                </a:extLst>
-              </p:cNvPr>
-              <p:cNvSpPr txBox="1"/>
-              <p:nvPr/>
-            </p:nvSpPr>
-            <p:spPr>
-              <a:xfrm>
-                <a:off x="396545" y="4446088"/>
-                <a:ext cx="640359" cy="369332"/>
-              </a:xfrm>
-              <a:prstGeom prst="rect">
-                <a:avLst/>
-              </a:prstGeom>
-              <a:noFill/>
-            </p:spPr>
-            <p:txBody>
-              <a:bodyPr wrap="square" lIns="0" tIns="0" rIns="0" bIns="0" anchor="ctr" anchorCtr="0">
-                <a:noAutofit/>
-              </a:bodyPr>
-              <a:lstStyle/>
-              <a:p>
-                <a:r>
-                  <a:rPr lang="pt-BR" sz="1400" dirty="0"/>
-                  <a:t>+50</a:t>
-                </a:r>
-                <a:endParaRPr lang="LID4096" sz="1400" dirty="0"/>
-              </a:p>
-            </p:txBody>
-          </p:sp>
-        </p:grpSp>
-        <p:sp>
-          <p:nvSpPr>
-            <p:cNvPr id="187" name="TextBox 186">
-              <a:extLst>
-                <a:ext uri="{FF2B5EF4-FFF2-40B4-BE49-F238E27FC236}">
-                  <a16:creationId xmlns:a16="http://schemas.microsoft.com/office/drawing/2014/main" id="{E99AECEE-1527-C251-0DCB-CBCF9ACC47A9}"/>
-                </a:ext>
-              </a:extLst>
-            </p:cNvPr>
-            <p:cNvSpPr txBox="1">
-              <a:spLocks noChangeAspect="1"/>
-            </p:cNvSpPr>
-            <p:nvPr/>
-          </p:nvSpPr>
-          <p:spPr>
-            <a:xfrm>
-              <a:off x="4371745" y="1567263"/>
-              <a:ext cx="385181" cy="273747"/>
-            </a:xfrm>
-            <a:prstGeom prst="rect">
-              <a:avLst/>
-            </a:prstGeom>
-            <a:solidFill>
-              <a:schemeClr val="accent6">
-                <a:lumMod val="60000"/>
-                <a:lumOff val="40000"/>
-              </a:schemeClr>
-            </a:solidFill>
-          </p:spPr>
-          <p:txBody>
-            <a:bodyPr wrap="none" lIns="0" tIns="0" rIns="0" bIns="0" anchor="ctr" anchorCtr="0">
-              <a:noAutofit/>
-            </a:bodyPr>
-            <a:lstStyle/>
-            <a:p>
-              <a:pPr algn="ctr"/>
-              <a:r>
-                <a:rPr lang="pt-BR" sz="1500" b="1" dirty="0"/>
-                <a:t>03</a:t>
-              </a:r>
-              <a:endParaRPr lang="LID4096" sz="1500" b="1" dirty="0"/>
-            </a:p>
-          </p:txBody>
-        </p:sp>
       </p:grpSp>
       <p:grpSp>
         <p:nvGrpSpPr>
@@ -9671,7 +8288,7 @@
               <p:nvPr/>
             </p:nvPicPr>
             <p:blipFill>
-              <a:blip r:embed="rId3"/>
+              <a:blip r:embed="rId8"/>
               <a:srcRect r="54588"/>
               <a:stretch/>
             </p:blipFill>
@@ -9979,12 +8596,53 @@
           </p:txBody>
         </p:sp>
       </p:grpSp>
+      <p:pic>
+        <p:nvPicPr>
+          <p:cNvPr id="6" name="Picture 5">
+            <a:extLst>
+              <a:ext uri="{FF2B5EF4-FFF2-40B4-BE49-F238E27FC236}">
+                <a16:creationId xmlns:a16="http://schemas.microsoft.com/office/drawing/2014/main" id="{14450CD6-44A1-A1B4-0568-C40663F2F3A6}"/>
+              </a:ext>
+            </a:extLst>
+          </p:cNvPr>
+          <p:cNvPicPr>
+            <a:picLocks noChangeAspect="1"/>
+          </p:cNvPicPr>
+          <p:nvPr/>
+        </p:nvPicPr>
+        <p:blipFill>
+          <a:blip r:embed="rId9">
+            <a:extLst>
+              <a:ext uri="{28A0092B-C50C-407E-A947-70E740481C1C}">
+                <a14:useLocalDpi xmlns:a14="http://schemas.microsoft.com/office/drawing/2010/main" val="0"/>
+              </a:ext>
+            </a:extLst>
+          </a:blip>
+          <a:stretch>
+            <a:fillRect/>
+          </a:stretch>
+        </p:blipFill>
+        <p:spPr>
+          <a:xfrm>
+            <a:off x="9734516" y="5661971"/>
+            <a:ext cx="986498" cy="719877"/>
+          </a:xfrm>
+          <a:prstGeom prst="rect">
+            <a:avLst/>
+          </a:prstGeom>
+          <a:ln>
+            <a:solidFill>
+              <a:schemeClr val="tx1"/>
+            </a:solidFill>
+          </a:ln>
+        </p:spPr>
+      </p:pic>
       <p:grpSp>
         <p:nvGrpSpPr>
-          <p:cNvPr id="194" name="Group 193">
-            <a:extLst>
-              <a:ext uri="{FF2B5EF4-FFF2-40B4-BE49-F238E27FC236}">
-                <a16:creationId xmlns:a16="http://schemas.microsoft.com/office/drawing/2014/main" id="{3CF63771-2CDD-25DF-96DE-6693C86EE76B}"/>
+          <p:cNvPr id="84" name="Group 83">
+            <a:extLst>
+              <a:ext uri="{FF2B5EF4-FFF2-40B4-BE49-F238E27FC236}">
+                <a16:creationId xmlns:a16="http://schemas.microsoft.com/office/drawing/2014/main" id="{3CDE286E-C9F3-63E8-31FA-F0D0FA2DDF2C}"/>
               </a:ext>
             </a:extLst>
           </p:cNvPr>
@@ -9993,18 +8651,18 @@
         </p:nvGrpSpPr>
         <p:grpSpPr>
           <a:xfrm>
-            <a:off x="6080460" y="434243"/>
-            <a:ext cx="2228645" cy="715104"/>
-            <a:chOff x="6095771" y="585832"/>
-            <a:chExt cx="2228645" cy="715104"/>
+            <a:off x="3946827" y="608227"/>
+            <a:ext cx="2564400" cy="5897932"/>
+            <a:chOff x="3626524" y="767678"/>
+            <a:chExt cx="2564400" cy="5897932"/>
           </a:xfrm>
         </p:grpSpPr>
         <p:grpSp>
           <p:nvGrpSpPr>
-            <p:cNvPr id="158" name="Group 157">
+            <p:cNvPr id="73" name="Group 72">
               <a:extLst>
                 <a:ext uri="{FF2B5EF4-FFF2-40B4-BE49-F238E27FC236}">
-                  <a16:creationId xmlns:a16="http://schemas.microsoft.com/office/drawing/2014/main" id="{86B5C3CA-E3BE-248F-CC9F-AFA1A3F94FC8}"/>
+                  <a16:creationId xmlns:a16="http://schemas.microsoft.com/office/drawing/2014/main" id="{C29ECF7D-7F00-736F-6E3F-ED0CB4EDA300}"/>
                 </a:ext>
               </a:extLst>
             </p:cNvPr>
@@ -10013,69 +8671,118 @@
           </p:nvGrpSpPr>
           <p:grpSpPr>
             <a:xfrm>
-              <a:off x="6433634" y="585832"/>
-              <a:ext cx="1890782" cy="715104"/>
-              <a:chOff x="117876" y="1330359"/>
-              <a:chExt cx="1890782" cy="715104"/>
+              <a:off x="3626524" y="1688214"/>
+              <a:ext cx="2353480" cy="1143269"/>
+              <a:chOff x="2636906" y="3651324"/>
+              <a:chExt cx="2353480" cy="1143269"/>
             </a:xfrm>
           </p:grpSpPr>
-          <p:pic>
-            <p:nvPicPr>
-              <p:cNvPr id="159" name="Picture 158">
+          <p:grpSp>
+            <p:nvGrpSpPr>
+              <p:cNvPr id="74" name="Group 73">
                 <a:extLst>
                   <a:ext uri="{FF2B5EF4-FFF2-40B4-BE49-F238E27FC236}">
-                    <a16:creationId xmlns:a16="http://schemas.microsoft.com/office/drawing/2014/main" id="{72B59B0A-99E4-D0FB-E91A-FF79E22C4770}"/>
+                    <a16:creationId xmlns:a16="http://schemas.microsoft.com/office/drawing/2014/main" id="{2BB46261-6FC0-8BD5-2FF5-752475E92A7B}"/>
                   </a:ext>
                 </a:extLst>
               </p:cNvPr>
-              <p:cNvPicPr>
-                <a:picLocks noChangeAspect="1"/>
-              </p:cNvPicPr>
-              <p:nvPr/>
-            </p:nvPicPr>
-            <p:blipFill>
-              <a:blip r:embed="rId17"/>
-              <a:srcRect t="3106" r="43214" b="86087"/>
-              <a:stretch/>
-            </p:blipFill>
-            <p:spPr>
-              <a:xfrm>
-                <a:off x="442017" y="1845545"/>
-                <a:ext cx="1514475" cy="179110"/>
-              </a:xfrm>
-              <a:prstGeom prst="rect">
-                <a:avLst/>
-              </a:prstGeom>
-            </p:spPr>
-          </p:pic>
-          <p:grpSp>
-            <p:nvGrpSpPr>
-              <p:cNvPr id="160" name="Group 159">
-                <a:extLst>
-                  <a:ext uri="{FF2B5EF4-FFF2-40B4-BE49-F238E27FC236}">
-                    <a16:creationId xmlns:a16="http://schemas.microsoft.com/office/drawing/2014/main" id="{81455DFB-F82D-96AC-2E2F-58B7250C48FD}"/>
-                  </a:ext>
-                </a:extLst>
-              </p:cNvPr>
-              <p:cNvGrpSpPr>
-                <a:grpSpLocks noChangeAspect="1"/>
-              </p:cNvGrpSpPr>
+              <p:cNvGrpSpPr/>
               <p:nvPr/>
             </p:nvGrpSpPr>
             <p:grpSpPr>
               <a:xfrm>
-                <a:off x="117876" y="1330359"/>
-                <a:ext cx="1890782" cy="715104"/>
-                <a:chOff x="4048244" y="509447"/>
-                <a:chExt cx="1890782" cy="715104"/>
+                <a:off x="2636906" y="3651324"/>
+                <a:ext cx="2353480" cy="1143269"/>
+                <a:chOff x="2414854" y="3639556"/>
+                <a:chExt cx="2353480" cy="1143269"/>
               </a:xfrm>
             </p:grpSpPr>
+            <p:grpSp>
+              <p:nvGrpSpPr>
+                <p:cNvPr id="77" name="Group 76">
+                  <a:extLst>
+                    <a:ext uri="{FF2B5EF4-FFF2-40B4-BE49-F238E27FC236}">
+                      <a16:creationId xmlns:a16="http://schemas.microsoft.com/office/drawing/2014/main" id="{9BC805AF-C786-B94F-8463-379ED7AAAE37}"/>
+                    </a:ext>
+                  </a:extLst>
+                </p:cNvPr>
+                <p:cNvGrpSpPr/>
+                <p:nvPr/>
+              </p:nvGrpSpPr>
+              <p:grpSpPr>
+                <a:xfrm>
+                  <a:off x="2525946" y="3812851"/>
+                  <a:ext cx="2242388" cy="969974"/>
+                  <a:chOff x="2565408" y="4805706"/>
+                  <a:chExt cx="2242388" cy="969974"/>
+                </a:xfrm>
+              </p:grpSpPr>
+              <p:pic>
+                <p:nvPicPr>
+                  <p:cNvPr id="80" name="Picture 79">
+                    <a:extLst>
+                      <a:ext uri="{FF2B5EF4-FFF2-40B4-BE49-F238E27FC236}">
+                        <a16:creationId xmlns:a16="http://schemas.microsoft.com/office/drawing/2014/main" id="{39CA7649-4056-00B2-AD7C-9DC677C117AC}"/>
+                      </a:ext>
+                    </a:extLst>
+                  </p:cNvPr>
+                  <p:cNvPicPr>
+                    <a:picLocks noChangeAspect="1"/>
+                  </p:cNvPicPr>
+                  <p:nvPr/>
+                </p:nvPicPr>
+                <p:blipFill>
+                  <a:blip r:embed="rId10"/>
+                  <a:srcRect b="7926"/>
+                  <a:stretch/>
+                </p:blipFill>
+                <p:spPr>
+                  <a:xfrm>
+                    <a:off x="2565408" y="4805706"/>
+                    <a:ext cx="361950" cy="192942"/>
+                  </a:xfrm>
+                  <a:prstGeom prst="rect">
+                    <a:avLst/>
+                  </a:prstGeom>
+                </p:spPr>
+              </p:pic>
+              <p:pic>
+                <p:nvPicPr>
+                  <p:cNvPr id="81" name="Picture 80">
+                    <a:extLst>
+                      <a:ext uri="{FF2B5EF4-FFF2-40B4-BE49-F238E27FC236}">
+                        <a16:creationId xmlns:a16="http://schemas.microsoft.com/office/drawing/2014/main" id="{93909375-32B1-37EF-0D89-7D5A094503D0}"/>
+                      </a:ext>
+                    </a:extLst>
+                  </p:cNvPr>
+                  <p:cNvPicPr>
+                    <a:picLocks noChangeAspect="1"/>
+                  </p:cNvPicPr>
+                  <p:nvPr/>
+                </p:nvPicPr>
+                <p:blipFill>
+                  <a:blip r:embed="rId11"/>
+                  <a:stretch>
+                    <a:fillRect/>
+                  </a:stretch>
+                </p:blipFill>
+                <p:spPr>
+                  <a:xfrm>
+                    <a:off x="2607521" y="4975580"/>
+                    <a:ext cx="2200275" cy="800100"/>
+                  </a:xfrm>
+                  <a:prstGeom prst="rect">
+                    <a:avLst/>
+                  </a:prstGeom>
+                </p:spPr>
+              </p:pic>
+            </p:grpSp>
             <p:pic>
               <p:nvPicPr>
-                <p:cNvPr id="167" name="Picture 166">
+                <p:cNvPr id="78" name="Picture 77">
                   <a:extLst>
                     <a:ext uri="{FF2B5EF4-FFF2-40B4-BE49-F238E27FC236}">
-                      <a16:creationId xmlns:a16="http://schemas.microsoft.com/office/drawing/2014/main" id="{DF4AF777-9E0F-3AC6-11E2-A82B7391FD6C}"/>
+                      <a16:creationId xmlns:a16="http://schemas.microsoft.com/office/drawing/2014/main" id="{2EE60BCB-49DE-63A0-2653-FAD1FF6DF191}"/>
                     </a:ext>
                   </a:extLst>
                 </p:cNvPr>
@@ -10085,45 +8792,14 @@
                 <p:nvPr/>
               </p:nvPicPr>
               <p:blipFill>
-                <a:blip r:embed="rId18"/>
-                <a:stretch>
-                  <a:fillRect/>
-                </a:stretch>
+                <a:blip r:embed="rId12"/>
+                <a:srcRect t="27962" b="64002"/>
+                <a:stretch/>
               </p:blipFill>
               <p:spPr>
                 <a:xfrm>
-                  <a:off x="4048244" y="509447"/>
-                  <a:ext cx="1590675" cy="228600"/>
-                </a:xfrm>
-                <a:prstGeom prst="rect">
-                  <a:avLst/>
-                </a:prstGeom>
-              </p:spPr>
-            </p:pic>
-            <p:pic>
-              <p:nvPicPr>
-                <p:cNvPr id="168" name="Picture 167">
-                  <a:extLst>
-                    <a:ext uri="{FF2B5EF4-FFF2-40B4-BE49-F238E27FC236}">
-                      <a16:creationId xmlns:a16="http://schemas.microsoft.com/office/drawing/2014/main" id="{0B3CA3E3-FCB0-21DB-9C44-A23118F7535C}"/>
-                    </a:ext>
-                  </a:extLst>
-                </p:cNvPr>
-                <p:cNvPicPr>
-                  <a:picLocks noChangeAspect="1"/>
-                </p:cNvPicPr>
-                <p:nvPr/>
-              </p:nvPicPr>
-              <p:blipFill>
-                <a:blip r:embed="rId19"/>
-                <a:stretch>
-                  <a:fillRect/>
-                </a:stretch>
-              </p:blipFill>
-              <p:spPr>
-                <a:xfrm>
-                  <a:off x="4191410" y="760071"/>
-                  <a:ext cx="1514475" cy="228600"/>
+                  <a:off x="2414854" y="3639557"/>
+                  <a:ext cx="1762125" cy="179110"/>
                 </a:xfrm>
                 <a:prstGeom prst="rect">
                   <a:avLst/>
@@ -10132,10 +8808,10 @@
             </p:pic>
             <p:sp>
               <p:nvSpPr>
-                <p:cNvPr id="169" name="Rectangle 168">
+                <p:cNvPr id="79" name="Rectangle 78">
                   <a:extLst>
                     <a:ext uri="{FF2B5EF4-FFF2-40B4-BE49-F238E27FC236}">
-                      <a16:creationId xmlns:a16="http://schemas.microsoft.com/office/drawing/2014/main" id="{9742F578-2D98-9F10-CF69-163178443F1E}"/>
+                      <a16:creationId xmlns:a16="http://schemas.microsoft.com/office/drawing/2014/main" id="{41F2BD3A-796D-29F1-3404-B2E7367750C8}"/>
                     </a:ext>
                   </a:extLst>
                 </p:cNvPr>
@@ -10144,8 +8820,8 @@
               </p:nvSpPr>
               <p:spPr>
                 <a:xfrm>
-                  <a:off x="4372386" y="992358"/>
-                  <a:ext cx="1566640" cy="232193"/>
+                  <a:off x="2422030" y="3639556"/>
+                  <a:ext cx="1754949" cy="204773"/>
                 </a:xfrm>
                 <a:prstGeom prst="rect">
                   <a:avLst/>
@@ -10175,13 +8851,762 @@
               </p:txBody>
             </p:sp>
           </p:grpSp>
+          <p:sp>
+            <p:nvSpPr>
+              <p:cNvPr id="76" name="TextBox 75">
+                <a:extLst>
+                  <a:ext uri="{FF2B5EF4-FFF2-40B4-BE49-F238E27FC236}">
+                    <a16:creationId xmlns:a16="http://schemas.microsoft.com/office/drawing/2014/main" id="{2011415F-6355-3776-326C-2C0571DCB8E8}"/>
+                  </a:ext>
+                </a:extLst>
+              </p:cNvPr>
+              <p:cNvSpPr txBox="1"/>
+              <p:nvPr/>
+            </p:nvSpPr>
+            <p:spPr>
+              <a:xfrm>
+                <a:off x="4184985" y="3952268"/>
+                <a:ext cx="703144" cy="246221"/>
+              </a:xfrm>
+              <a:prstGeom prst="rect">
+                <a:avLst/>
+              </a:prstGeom>
+              <a:noFill/>
+            </p:spPr>
+            <p:txBody>
+              <a:bodyPr wrap="square">
+                <a:spAutoFit/>
+              </a:bodyPr>
+              <a:lstStyle/>
+              <a:p>
+                <a:r>
+                  <a:rPr lang="en-US" sz="1000" dirty="0"/>
+                  <a:t>06 phases</a:t>
+                </a:r>
+              </a:p>
+            </p:txBody>
+          </p:sp>
+        </p:grpSp>
+        <p:grpSp>
+          <p:nvGrpSpPr>
+            <p:cNvPr id="83" name="Group 82">
+              <a:extLst>
+                <a:ext uri="{FF2B5EF4-FFF2-40B4-BE49-F238E27FC236}">
+                  <a16:creationId xmlns:a16="http://schemas.microsoft.com/office/drawing/2014/main" id="{D43269DE-EC08-4669-BA4C-1489E18F9B1F}"/>
+                </a:ext>
+              </a:extLst>
+            </p:cNvPr>
+            <p:cNvGrpSpPr/>
+            <p:nvPr/>
+          </p:nvGrpSpPr>
+          <p:grpSpPr>
+            <a:xfrm>
+              <a:off x="3649156" y="2974987"/>
+              <a:ext cx="2371725" cy="1771199"/>
+              <a:chOff x="2547437" y="5030685"/>
+              <a:chExt cx="2371725" cy="1771199"/>
+            </a:xfrm>
+          </p:grpSpPr>
+          <p:grpSp>
+            <p:nvGrpSpPr>
+              <p:cNvPr id="101" name="Group 100">
+                <a:extLst>
+                  <a:ext uri="{FF2B5EF4-FFF2-40B4-BE49-F238E27FC236}">
+                    <a16:creationId xmlns:a16="http://schemas.microsoft.com/office/drawing/2014/main" id="{AAA6FB2A-FB44-015E-D98E-E735DEB570EA}"/>
+                  </a:ext>
+                </a:extLst>
+              </p:cNvPr>
+              <p:cNvGrpSpPr/>
+              <p:nvPr/>
+            </p:nvGrpSpPr>
+            <p:grpSpPr>
+              <a:xfrm>
+                <a:off x="2547437" y="5223091"/>
+                <a:ext cx="2371725" cy="1578793"/>
+                <a:chOff x="6037235" y="5699343"/>
+                <a:chExt cx="2371725" cy="1578793"/>
+              </a:xfrm>
+            </p:grpSpPr>
+            <p:pic>
+              <p:nvPicPr>
+                <p:cNvPr id="131" name="Picture 130">
+                  <a:extLst>
+                    <a:ext uri="{FF2B5EF4-FFF2-40B4-BE49-F238E27FC236}">
+                      <a16:creationId xmlns:a16="http://schemas.microsoft.com/office/drawing/2014/main" id="{C30406DA-7768-855D-D587-CF84DC6FC7A6}"/>
+                    </a:ext>
+                  </a:extLst>
+                </p:cNvPr>
+                <p:cNvPicPr>
+                  <a:picLocks noChangeAspect="1"/>
+                </p:cNvPicPr>
+                <p:nvPr/>
+              </p:nvPicPr>
+              <p:blipFill>
+                <a:blip r:embed="rId13"/>
+                <a:stretch>
+                  <a:fillRect/>
+                </a:stretch>
+              </p:blipFill>
+              <p:spPr>
+                <a:xfrm>
+                  <a:off x="6209247" y="5850160"/>
+                  <a:ext cx="857250" cy="219075"/>
+                </a:xfrm>
+                <a:prstGeom prst="rect">
+                  <a:avLst/>
+                </a:prstGeom>
+              </p:spPr>
+            </p:pic>
+            <p:pic>
+              <p:nvPicPr>
+                <p:cNvPr id="133" name="Picture 132">
+                  <a:extLst>
+                    <a:ext uri="{FF2B5EF4-FFF2-40B4-BE49-F238E27FC236}">
+                      <a16:creationId xmlns:a16="http://schemas.microsoft.com/office/drawing/2014/main" id="{B6116382-13C3-594A-3565-CF6ADBBC4E32}"/>
+                    </a:ext>
+                  </a:extLst>
+                </p:cNvPr>
+                <p:cNvPicPr>
+                  <a:picLocks noChangeAspect="1"/>
+                </p:cNvPicPr>
+                <p:nvPr/>
+              </p:nvPicPr>
+              <p:blipFill>
+                <a:blip r:embed="rId10"/>
+                <a:srcRect b="7926"/>
+                <a:stretch/>
+              </p:blipFill>
+              <p:spPr>
+                <a:xfrm>
+                  <a:off x="6147910" y="5699343"/>
+                  <a:ext cx="361950" cy="192942"/>
+                </a:xfrm>
+                <a:prstGeom prst="rect">
+                  <a:avLst/>
+                </a:prstGeom>
+              </p:spPr>
+            </p:pic>
+            <p:pic>
+              <p:nvPicPr>
+                <p:cNvPr id="135" name="Picture 134">
+                  <a:extLst>
+                    <a:ext uri="{FF2B5EF4-FFF2-40B4-BE49-F238E27FC236}">
+                      <a16:creationId xmlns:a16="http://schemas.microsoft.com/office/drawing/2014/main" id="{5085E56E-129F-7B8A-7107-CF87B3671F1E}"/>
+                    </a:ext>
+                  </a:extLst>
+                </p:cNvPr>
+                <p:cNvPicPr>
+                  <a:picLocks noChangeAspect="1"/>
+                </p:cNvPicPr>
+                <p:nvPr/>
+              </p:nvPicPr>
+              <p:blipFill>
+                <a:blip r:embed="rId14"/>
+                <a:stretch>
+                  <a:fillRect/>
+                </a:stretch>
+              </p:blipFill>
+              <p:spPr>
+                <a:xfrm>
+                  <a:off x="6331103" y="6039851"/>
+                  <a:ext cx="828675" cy="247650"/>
+                </a:xfrm>
+                <a:prstGeom prst="rect">
+                  <a:avLst/>
+                </a:prstGeom>
+              </p:spPr>
+            </p:pic>
+            <p:pic>
+              <p:nvPicPr>
+                <p:cNvPr id="145" name="Picture 144">
+                  <a:extLst>
+                    <a:ext uri="{FF2B5EF4-FFF2-40B4-BE49-F238E27FC236}">
+                      <a16:creationId xmlns:a16="http://schemas.microsoft.com/office/drawing/2014/main" id="{97819659-F926-BEE6-E3E5-A4B65A28BFF9}"/>
+                    </a:ext>
+                  </a:extLst>
+                </p:cNvPr>
+                <p:cNvPicPr>
+                  <a:picLocks noChangeAspect="1"/>
+                </p:cNvPicPr>
+                <p:nvPr/>
+              </p:nvPicPr>
+              <p:blipFill>
+                <a:blip r:embed="rId15"/>
+                <a:srcRect t="37210"/>
+                <a:stretch/>
+              </p:blipFill>
+              <p:spPr>
+                <a:xfrm>
+                  <a:off x="6037235" y="6249436"/>
+                  <a:ext cx="2371725" cy="1028700"/>
+                </a:xfrm>
+                <a:prstGeom prst="rect">
+                  <a:avLst/>
+                </a:prstGeom>
+              </p:spPr>
+            </p:pic>
+          </p:grpSp>
+          <p:pic>
+            <p:nvPicPr>
+              <p:cNvPr id="106" name="Picture 105">
+                <a:extLst>
+                  <a:ext uri="{FF2B5EF4-FFF2-40B4-BE49-F238E27FC236}">
+                    <a16:creationId xmlns:a16="http://schemas.microsoft.com/office/drawing/2014/main" id="{41CEA3C7-5258-6B63-08B0-64A3C932A664}"/>
+                  </a:ext>
+                </a:extLst>
+              </p:cNvPr>
+              <p:cNvPicPr>
+                <a:picLocks noChangeAspect="1"/>
+              </p:cNvPicPr>
+              <p:nvPr/>
+            </p:nvPicPr>
+            <p:blipFill>
+              <a:blip r:embed="rId12"/>
+              <a:srcRect l="-546" t="36606" r="546" b="55358"/>
+              <a:stretch/>
+            </p:blipFill>
+            <p:spPr>
+              <a:xfrm>
+                <a:off x="2568059" y="5031460"/>
+                <a:ext cx="1762125" cy="179110"/>
+              </a:xfrm>
+              <a:prstGeom prst="rect">
+                <a:avLst/>
+              </a:prstGeom>
+            </p:spPr>
+          </p:pic>
+          <p:sp>
+            <p:nvSpPr>
+              <p:cNvPr id="108" name="Rectangle 107">
+                <a:extLst>
+                  <a:ext uri="{FF2B5EF4-FFF2-40B4-BE49-F238E27FC236}">
+                    <a16:creationId xmlns:a16="http://schemas.microsoft.com/office/drawing/2014/main" id="{DC968EEB-04E2-EC03-55EE-2076B4B2D6DE}"/>
+                  </a:ext>
+                </a:extLst>
+              </p:cNvPr>
+              <p:cNvSpPr/>
+              <p:nvPr/>
+            </p:nvSpPr>
+            <p:spPr>
+              <a:xfrm>
+                <a:off x="2590342" y="5030685"/>
+                <a:ext cx="1754949" cy="204773"/>
+              </a:xfrm>
+              <a:prstGeom prst="rect">
+                <a:avLst/>
+              </a:prstGeom>
+              <a:noFill/>
+              <a:ln w="6350">
+                <a:solidFill>
+                  <a:srgbClr val="0000FF"/>
+                </a:solidFill>
+              </a:ln>
+              <a:effectLst>
+                <a:outerShdw blurRad="50800" dist="38100" dir="8100000" algn="tr" rotWithShape="0">
+                  <a:prstClr val="black">
+                    <a:alpha val="40000"/>
+                  </a:prstClr>
+                </a:outerShdw>
+              </a:effectLst>
+            </p:spPr>
+            <p:txBody>
+              <a:bodyPr wrap="none" anchor="ctr" anchorCtr="0">
+                <a:noAutofit/>
+              </a:bodyPr>
+              <a:lstStyle/>
+              <a:p>
+                <a:endParaRPr lang="LID4096" dirty="0"/>
+              </a:p>
+            </p:txBody>
+          </p:sp>
+        </p:grpSp>
+        <p:grpSp>
+          <p:nvGrpSpPr>
+            <p:cNvPr id="146" name="Group 145">
+              <a:extLst>
+                <a:ext uri="{FF2B5EF4-FFF2-40B4-BE49-F238E27FC236}">
+                  <a16:creationId xmlns:a16="http://schemas.microsoft.com/office/drawing/2014/main" id="{C51A4432-A010-B38D-B259-357D5A6DCCA9}"/>
+                </a:ext>
+              </a:extLst>
+            </p:cNvPr>
+            <p:cNvGrpSpPr/>
+            <p:nvPr/>
+          </p:nvGrpSpPr>
+          <p:grpSpPr>
+            <a:xfrm>
+              <a:off x="3698682" y="4926387"/>
+              <a:ext cx="1879774" cy="1739223"/>
+              <a:chOff x="5025663" y="4964308"/>
+              <a:chExt cx="1879774" cy="1739223"/>
+            </a:xfrm>
+          </p:grpSpPr>
+          <p:grpSp>
+            <p:nvGrpSpPr>
+              <p:cNvPr id="147" name="Group 146">
+                <a:extLst>
+                  <a:ext uri="{FF2B5EF4-FFF2-40B4-BE49-F238E27FC236}">
+                    <a16:creationId xmlns:a16="http://schemas.microsoft.com/office/drawing/2014/main" id="{70D59933-699D-B2B3-4616-AE584B841344}"/>
+                  </a:ext>
+                </a:extLst>
+              </p:cNvPr>
+              <p:cNvGrpSpPr/>
+              <p:nvPr/>
+            </p:nvGrpSpPr>
+            <p:grpSpPr>
+              <a:xfrm>
+                <a:off x="5025663" y="4964308"/>
+                <a:ext cx="1794807" cy="1739223"/>
+                <a:chOff x="4788716" y="5056200"/>
+                <a:chExt cx="1794807" cy="1739223"/>
+              </a:xfrm>
+            </p:grpSpPr>
+            <p:grpSp>
+              <p:nvGrpSpPr>
+                <p:cNvPr id="152" name="Group 151">
+                  <a:extLst>
+                    <a:ext uri="{FF2B5EF4-FFF2-40B4-BE49-F238E27FC236}">
+                      <a16:creationId xmlns:a16="http://schemas.microsoft.com/office/drawing/2014/main" id="{8A13A3E5-F4A1-1544-1D21-B5C0EFDF9337}"/>
+                    </a:ext>
+                  </a:extLst>
+                </p:cNvPr>
+                <p:cNvGrpSpPr/>
+                <p:nvPr/>
+              </p:nvGrpSpPr>
+              <p:grpSpPr>
+                <a:xfrm>
+                  <a:off x="4788716" y="5075592"/>
+                  <a:ext cx="1762125" cy="1719831"/>
+                  <a:chOff x="4788716" y="5075592"/>
+                  <a:chExt cx="1762125" cy="1719831"/>
+                </a:xfrm>
+              </p:grpSpPr>
+              <p:pic>
+                <p:nvPicPr>
+                  <p:cNvPr id="154" name="Picture 153">
+                    <a:extLst>
+                      <a:ext uri="{FF2B5EF4-FFF2-40B4-BE49-F238E27FC236}">
+                        <a16:creationId xmlns:a16="http://schemas.microsoft.com/office/drawing/2014/main" id="{AB6D6667-F2E1-A8E5-CE55-402D6ABF446F}"/>
+                      </a:ext>
+                    </a:extLst>
+                  </p:cNvPr>
+                  <p:cNvPicPr>
+                    <a:picLocks noChangeAspect="1"/>
+                  </p:cNvPicPr>
+                  <p:nvPr/>
+                </p:nvPicPr>
+                <p:blipFill>
+                  <a:blip r:embed="rId16"/>
+                  <a:stretch>
+                    <a:fillRect/>
+                  </a:stretch>
+                </p:blipFill>
+                <p:spPr>
+                  <a:xfrm>
+                    <a:off x="4956238" y="5385723"/>
+                    <a:ext cx="1533525" cy="1409700"/>
+                  </a:xfrm>
+                  <a:prstGeom prst="rect">
+                    <a:avLst/>
+                  </a:prstGeom>
+                </p:spPr>
+              </p:pic>
+              <p:pic>
+                <p:nvPicPr>
+                  <p:cNvPr id="155" name="Picture 154">
+                    <a:extLst>
+                      <a:ext uri="{FF2B5EF4-FFF2-40B4-BE49-F238E27FC236}">
+                        <a16:creationId xmlns:a16="http://schemas.microsoft.com/office/drawing/2014/main" id="{65671CE5-987E-A8F4-472B-C9BF59F1BC29}"/>
+                      </a:ext>
+                    </a:extLst>
+                  </p:cNvPr>
+                  <p:cNvPicPr>
+                    <a:picLocks noChangeAspect="1"/>
+                  </p:cNvPicPr>
+                  <p:nvPr/>
+                </p:nvPicPr>
+                <p:blipFill>
+                  <a:blip r:embed="rId10"/>
+                  <a:srcRect b="7926"/>
+                  <a:stretch/>
+                </p:blipFill>
+                <p:spPr>
+                  <a:xfrm>
+                    <a:off x="4879304" y="5232798"/>
+                    <a:ext cx="361950" cy="192942"/>
+                  </a:xfrm>
+                  <a:prstGeom prst="rect">
+                    <a:avLst/>
+                  </a:prstGeom>
+                </p:spPr>
+              </p:pic>
+              <p:pic>
+                <p:nvPicPr>
+                  <p:cNvPr id="157" name="Picture 156">
+                    <a:extLst>
+                      <a:ext uri="{FF2B5EF4-FFF2-40B4-BE49-F238E27FC236}">
+                        <a16:creationId xmlns:a16="http://schemas.microsoft.com/office/drawing/2014/main" id="{98C717B1-B0D6-886B-CE57-283456C8EF1F}"/>
+                      </a:ext>
+                    </a:extLst>
+                  </p:cNvPr>
+                  <p:cNvPicPr>
+                    <a:picLocks noChangeAspect="1"/>
+                  </p:cNvPicPr>
+                  <p:nvPr/>
+                </p:nvPicPr>
+                <p:blipFill>
+                  <a:blip r:embed="rId12"/>
+                  <a:srcRect l="1065" t="46100" r="-1065" b="45864"/>
+                  <a:stretch/>
+                </p:blipFill>
+                <p:spPr>
+                  <a:xfrm>
+                    <a:off x="4788716" y="5075592"/>
+                    <a:ext cx="1762125" cy="179110"/>
+                  </a:xfrm>
+                  <a:prstGeom prst="rect">
+                    <a:avLst/>
+                  </a:prstGeom>
+                </p:spPr>
+              </p:pic>
+            </p:grpSp>
+            <p:sp>
+              <p:nvSpPr>
+                <p:cNvPr id="153" name="Rectangle 152">
+                  <a:extLst>
+                    <a:ext uri="{FF2B5EF4-FFF2-40B4-BE49-F238E27FC236}">
+                      <a16:creationId xmlns:a16="http://schemas.microsoft.com/office/drawing/2014/main" id="{037A3667-6AC3-873D-CD5D-313152668649}"/>
+                    </a:ext>
+                  </a:extLst>
+                </p:cNvPr>
+                <p:cNvSpPr/>
+                <p:nvPr/>
+              </p:nvSpPr>
+              <p:spPr>
+                <a:xfrm>
+                  <a:off x="4828574" y="5056200"/>
+                  <a:ext cx="1754949" cy="204773"/>
+                </a:xfrm>
+                <a:prstGeom prst="rect">
+                  <a:avLst/>
+                </a:prstGeom>
+                <a:noFill/>
+                <a:ln w="6350">
+                  <a:solidFill>
+                    <a:srgbClr val="0000FF"/>
+                  </a:solidFill>
+                </a:ln>
+                <a:effectLst>
+                  <a:outerShdw blurRad="50800" dist="38100" dir="8100000" algn="tr" rotWithShape="0">
+                    <a:prstClr val="black">
+                      <a:alpha val="40000"/>
+                    </a:prstClr>
+                  </a:outerShdw>
+                </a:effectLst>
+              </p:spPr>
+              <p:txBody>
+                <a:bodyPr wrap="none" anchor="ctr" anchorCtr="0">
+                  <a:noAutofit/>
+                </a:bodyPr>
+                <a:lstStyle/>
+                <a:p>
+                  <a:endParaRPr lang="LID4096" dirty="0"/>
+                </a:p>
+              </p:txBody>
+            </p:sp>
+          </p:grpSp>
+          <p:sp>
+            <p:nvSpPr>
+              <p:cNvPr id="151" name="TextBox 150">
+                <a:extLst>
+                  <a:ext uri="{FF2B5EF4-FFF2-40B4-BE49-F238E27FC236}">
+                    <a16:creationId xmlns:a16="http://schemas.microsoft.com/office/drawing/2014/main" id="{899575C9-8AAE-7C58-4DFF-FADE928E67EE}"/>
+                  </a:ext>
+                </a:extLst>
+              </p:cNvPr>
+              <p:cNvSpPr txBox="1"/>
+              <p:nvPr/>
+            </p:nvSpPr>
+            <p:spPr>
+              <a:xfrm>
+                <a:off x="6736587" y="5437858"/>
+                <a:ext cx="168850" cy="110038"/>
+              </a:xfrm>
+              <a:prstGeom prst="rect">
+                <a:avLst/>
+              </a:prstGeom>
+              <a:solidFill>
+                <a:srgbClr val="93E3FF"/>
+              </a:solidFill>
+            </p:spPr>
+            <p:txBody>
+              <a:bodyPr wrap="none" lIns="0" tIns="0" rIns="0" bIns="0" rtlCol="0" anchor="ctr" anchorCtr="0">
+                <a:noAutofit/>
+              </a:bodyPr>
+              <a:lstStyle/>
+              <a:p>
+                <a:pPr algn="ctr"/>
+                <a:r>
+                  <a:rPr lang="pt-BR" sz="1400" b="1" dirty="0">
+                    <a:latin typeface="Calibri bold" panose="020F0702030404030204" pitchFamily="34" charset="0"/>
+                    <a:cs typeface="Calibri bold" panose="020F0702030404030204" pitchFamily="34" charset="0"/>
+                  </a:rPr>
+                  <a:t>s</a:t>
+                </a:r>
+                <a:endParaRPr lang="LID4096" sz="1400" b="1" dirty="0">
+                  <a:latin typeface="Calibri bold" panose="020F0702030404030204" pitchFamily="34" charset="0"/>
+                  <a:cs typeface="Calibri bold" panose="020F0702030404030204" pitchFamily="34" charset="0"/>
+                </a:endParaRPr>
+              </a:p>
+            </p:txBody>
+          </p:sp>
+        </p:grpSp>
+        <p:grpSp>
+          <p:nvGrpSpPr>
+            <p:cNvPr id="194" name="Group 193">
+              <a:extLst>
+                <a:ext uri="{FF2B5EF4-FFF2-40B4-BE49-F238E27FC236}">
+                  <a16:creationId xmlns:a16="http://schemas.microsoft.com/office/drawing/2014/main" id="{3CF63771-2CDD-25DF-96DE-6693C86EE76B}"/>
+                </a:ext>
+              </a:extLst>
+            </p:cNvPr>
+            <p:cNvGrpSpPr/>
+            <p:nvPr/>
+          </p:nvGrpSpPr>
+          <p:grpSpPr>
+            <a:xfrm>
+              <a:off x="3633700" y="767678"/>
+              <a:ext cx="2228645" cy="715104"/>
+              <a:chOff x="6095771" y="585832"/>
+              <a:chExt cx="2228645" cy="715104"/>
+            </a:xfrm>
+          </p:grpSpPr>
+          <p:grpSp>
+            <p:nvGrpSpPr>
+              <p:cNvPr id="158" name="Group 157">
+                <a:extLst>
+                  <a:ext uri="{FF2B5EF4-FFF2-40B4-BE49-F238E27FC236}">
+                    <a16:creationId xmlns:a16="http://schemas.microsoft.com/office/drawing/2014/main" id="{86B5C3CA-E3BE-248F-CC9F-AFA1A3F94FC8}"/>
+                  </a:ext>
+                </a:extLst>
+              </p:cNvPr>
+              <p:cNvGrpSpPr/>
+              <p:nvPr/>
+            </p:nvGrpSpPr>
+            <p:grpSpPr>
+              <a:xfrm>
+                <a:off x="6433634" y="585832"/>
+                <a:ext cx="1890782" cy="715104"/>
+                <a:chOff x="117876" y="1330359"/>
+                <a:chExt cx="1890782" cy="715104"/>
+              </a:xfrm>
+            </p:grpSpPr>
+            <p:pic>
+              <p:nvPicPr>
+                <p:cNvPr id="159" name="Picture 158">
+                  <a:extLst>
+                    <a:ext uri="{FF2B5EF4-FFF2-40B4-BE49-F238E27FC236}">
+                      <a16:creationId xmlns:a16="http://schemas.microsoft.com/office/drawing/2014/main" id="{72B59B0A-99E4-D0FB-E91A-FF79E22C4770}"/>
+                    </a:ext>
+                  </a:extLst>
+                </p:cNvPr>
+                <p:cNvPicPr>
+                  <a:picLocks noChangeAspect="1"/>
+                </p:cNvPicPr>
+                <p:nvPr/>
+              </p:nvPicPr>
+              <p:blipFill>
+                <a:blip r:embed="rId17"/>
+                <a:srcRect t="3106" r="43214" b="86087"/>
+                <a:stretch/>
+              </p:blipFill>
+              <p:spPr>
+                <a:xfrm>
+                  <a:off x="442017" y="1845545"/>
+                  <a:ext cx="1514475" cy="179110"/>
+                </a:xfrm>
+                <a:prstGeom prst="rect">
+                  <a:avLst/>
+                </a:prstGeom>
+              </p:spPr>
+            </p:pic>
+            <p:grpSp>
+              <p:nvGrpSpPr>
+                <p:cNvPr id="160" name="Group 159">
+                  <a:extLst>
+                    <a:ext uri="{FF2B5EF4-FFF2-40B4-BE49-F238E27FC236}">
+                      <a16:creationId xmlns:a16="http://schemas.microsoft.com/office/drawing/2014/main" id="{81455DFB-F82D-96AC-2E2F-58B7250C48FD}"/>
+                    </a:ext>
+                  </a:extLst>
+                </p:cNvPr>
+                <p:cNvGrpSpPr>
+                  <a:grpSpLocks noChangeAspect="1"/>
+                </p:cNvGrpSpPr>
+                <p:nvPr/>
+              </p:nvGrpSpPr>
+              <p:grpSpPr>
+                <a:xfrm>
+                  <a:off x="117876" y="1330359"/>
+                  <a:ext cx="1890782" cy="715104"/>
+                  <a:chOff x="4048244" y="509447"/>
+                  <a:chExt cx="1890782" cy="715104"/>
+                </a:xfrm>
+              </p:grpSpPr>
+              <p:pic>
+                <p:nvPicPr>
+                  <p:cNvPr id="167" name="Picture 166">
+                    <a:extLst>
+                      <a:ext uri="{FF2B5EF4-FFF2-40B4-BE49-F238E27FC236}">
+                        <a16:creationId xmlns:a16="http://schemas.microsoft.com/office/drawing/2014/main" id="{DF4AF777-9E0F-3AC6-11E2-A82B7391FD6C}"/>
+                      </a:ext>
+                    </a:extLst>
+                  </p:cNvPr>
+                  <p:cNvPicPr>
+                    <a:picLocks noChangeAspect="1"/>
+                  </p:cNvPicPr>
+                  <p:nvPr/>
+                </p:nvPicPr>
+                <p:blipFill>
+                  <a:blip r:embed="rId18"/>
+                  <a:stretch>
+                    <a:fillRect/>
+                  </a:stretch>
+                </p:blipFill>
+                <p:spPr>
+                  <a:xfrm>
+                    <a:off x="4048244" y="509447"/>
+                    <a:ext cx="1590675" cy="228600"/>
+                  </a:xfrm>
+                  <a:prstGeom prst="rect">
+                    <a:avLst/>
+                  </a:prstGeom>
+                </p:spPr>
+              </p:pic>
+              <p:pic>
+                <p:nvPicPr>
+                  <p:cNvPr id="168" name="Picture 167">
+                    <a:extLst>
+                      <a:ext uri="{FF2B5EF4-FFF2-40B4-BE49-F238E27FC236}">
+                        <a16:creationId xmlns:a16="http://schemas.microsoft.com/office/drawing/2014/main" id="{0B3CA3E3-FCB0-21DB-9C44-A23118F7535C}"/>
+                      </a:ext>
+                    </a:extLst>
+                  </p:cNvPr>
+                  <p:cNvPicPr>
+                    <a:picLocks noChangeAspect="1"/>
+                  </p:cNvPicPr>
+                  <p:nvPr/>
+                </p:nvPicPr>
+                <p:blipFill>
+                  <a:blip r:embed="rId19"/>
+                  <a:stretch>
+                    <a:fillRect/>
+                  </a:stretch>
+                </p:blipFill>
+                <p:spPr>
+                  <a:xfrm>
+                    <a:off x="4191410" y="760071"/>
+                    <a:ext cx="1514475" cy="228600"/>
+                  </a:xfrm>
+                  <a:prstGeom prst="rect">
+                    <a:avLst/>
+                  </a:prstGeom>
+                </p:spPr>
+              </p:pic>
+              <p:sp>
+                <p:nvSpPr>
+                  <p:cNvPr id="169" name="Rectangle 168">
+                    <a:extLst>
+                      <a:ext uri="{FF2B5EF4-FFF2-40B4-BE49-F238E27FC236}">
+                        <a16:creationId xmlns:a16="http://schemas.microsoft.com/office/drawing/2014/main" id="{9742F578-2D98-9F10-CF69-163178443F1E}"/>
+                      </a:ext>
+                    </a:extLst>
+                  </p:cNvPr>
+                  <p:cNvSpPr/>
+                  <p:nvPr/>
+                </p:nvSpPr>
+                <p:spPr>
+                  <a:xfrm>
+                    <a:off x="4372386" y="992358"/>
+                    <a:ext cx="1566640" cy="232193"/>
+                  </a:xfrm>
+                  <a:prstGeom prst="rect">
+                    <a:avLst/>
+                  </a:prstGeom>
+                  <a:noFill/>
+                  <a:ln w="6350">
+                    <a:solidFill>
+                      <a:srgbClr val="0000FF"/>
+                    </a:solidFill>
+                  </a:ln>
+                  <a:effectLst>
+                    <a:outerShdw blurRad="50800" dist="38100" dir="8100000" algn="tr" rotWithShape="0">
+                      <a:prstClr val="black">
+                        <a:alpha val="40000"/>
+                      </a:prstClr>
+                    </a:outerShdw>
+                  </a:effectLst>
+                </p:spPr>
+                <p:txBody>
+                  <a:bodyPr wrap="none" anchor="ctr" anchorCtr="0">
+                    <a:noAutofit/>
+                  </a:bodyPr>
+                  <a:lstStyle/>
+                  <a:p>
+                    <a:endParaRPr lang="LID4096" dirty="0"/>
+                  </a:p>
+                </p:txBody>
+              </p:sp>
+            </p:grpSp>
+          </p:grpSp>
+          <p:sp>
+            <p:nvSpPr>
+              <p:cNvPr id="193" name="TextBox 192">
+                <a:extLst>
+                  <a:ext uri="{FF2B5EF4-FFF2-40B4-BE49-F238E27FC236}">
+                    <a16:creationId xmlns:a16="http://schemas.microsoft.com/office/drawing/2014/main" id="{339C76F9-3622-48F5-F3A6-E94708322A5D}"/>
+                  </a:ext>
+                </a:extLst>
+              </p:cNvPr>
+              <p:cNvSpPr txBox="1">
+                <a:spLocks noChangeAspect="1"/>
+              </p:cNvSpPr>
+              <p:nvPr/>
+            </p:nvSpPr>
+            <p:spPr>
+              <a:xfrm>
+                <a:off x="6095771" y="910524"/>
+                <a:ext cx="384048" cy="241022"/>
+              </a:xfrm>
+              <a:prstGeom prst="rect">
+                <a:avLst/>
+              </a:prstGeom>
+              <a:solidFill>
+                <a:schemeClr val="bg1">
+                  <a:lumMod val="85000"/>
+                </a:schemeClr>
+              </a:solidFill>
+            </p:spPr>
+            <p:txBody>
+              <a:bodyPr wrap="none" lIns="0" tIns="0" rIns="0" bIns="0" anchor="ctr" anchorCtr="0">
+                <a:noAutofit/>
+              </a:bodyPr>
+              <a:lstStyle/>
+              <a:p>
+                <a:pPr algn="ctr"/>
+                <a:r>
+                  <a:rPr lang="pt-BR" sz="1200" b="1" dirty="0"/>
+                  <a:t>0</a:t>
+                </a:r>
+                <a:endParaRPr lang="LID4096" sz="1200" b="1" dirty="0"/>
+              </a:p>
+            </p:txBody>
+          </p:sp>
         </p:grpSp>
         <p:sp>
           <p:nvSpPr>
-            <p:cNvPr id="193" name="TextBox 192">
+            <p:cNvPr id="8" name="TextBox 7">
               <a:extLst>
                 <a:ext uri="{FF2B5EF4-FFF2-40B4-BE49-F238E27FC236}">
-                  <a16:creationId xmlns:a16="http://schemas.microsoft.com/office/drawing/2014/main" id="{339C76F9-3622-48F5-F3A6-E94708322A5D}"/>
+                  <a16:creationId xmlns:a16="http://schemas.microsoft.com/office/drawing/2014/main" id="{01699DA8-C790-A682-D182-EB462237B056}"/>
                 </a:ext>
               </a:extLst>
             </p:cNvPr>
@@ -10192,16 +9617,14 @@
           </p:nvSpPr>
           <p:spPr>
             <a:xfrm>
-              <a:off x="6095771" y="910524"/>
-              <a:ext cx="384048" cy="241022"/>
+              <a:off x="4984840" y="3341731"/>
+              <a:ext cx="1206084" cy="283668"/>
             </a:xfrm>
             <a:prstGeom prst="rect">
               <a:avLst/>
             </a:prstGeom>
             <a:solidFill>
-              <a:schemeClr val="bg1">
-                <a:lumMod val="85000"/>
-              </a:schemeClr>
+              <a:srgbClr val="FFCCFF"/>
             </a:solidFill>
           </p:spPr>
           <p:txBody>
@@ -10212,20 +9635,19 @@
             <a:p>
               <a:pPr algn="ctr"/>
               <a:r>
-                <a:rPr lang="pt-BR" sz="1200" b="1" dirty="0"/>
-                <a:t>0</a:t>
+                <a:rPr lang="en-US" sz="1000" b="1" dirty="0"/>
+                <a:t>Change TEMP folder</a:t>
               </a:r>
-              <a:endParaRPr lang="LID4096" sz="1200" b="1" dirty="0"/>
             </a:p>
           </p:txBody>
         </p:sp>
       </p:grpSp>
       <p:pic>
         <p:nvPicPr>
-          <p:cNvPr id="6" name="Picture 5">
-            <a:extLst>
-              <a:ext uri="{FF2B5EF4-FFF2-40B4-BE49-F238E27FC236}">
-                <a16:creationId xmlns:a16="http://schemas.microsoft.com/office/drawing/2014/main" id="{14450CD6-44A1-A1B4-0568-C40663F2F3A6}"/>
+          <p:cNvPr id="26" name="Picture 25">
+            <a:extLst>
+              <a:ext uri="{FF2B5EF4-FFF2-40B4-BE49-F238E27FC236}">
+                <a16:creationId xmlns:a16="http://schemas.microsoft.com/office/drawing/2014/main" id="{F8B0EF57-D975-045D-47EE-BB8F8E27D12E}"/>
               </a:ext>
             </a:extLst>
           </p:cNvPr>
@@ -10235,304 +9657,14 @@
           <p:nvPr/>
         </p:nvPicPr>
         <p:blipFill>
-          <a:blip r:embed="rId20">
-            <a:extLst>
-              <a:ext uri="{28A0092B-C50C-407E-A947-70E740481C1C}">
-                <a14:useLocalDpi xmlns:a14="http://schemas.microsoft.com/office/drawing/2010/main" val="0"/>
-              </a:ext>
-            </a:extLst>
-          </a:blip>
+          <a:blip r:embed="rId20"/>
           <a:stretch>
             <a:fillRect/>
           </a:stretch>
         </p:blipFill>
         <p:spPr>
           <a:xfrm>
-            <a:off x="9418524" y="5250017"/>
-            <a:ext cx="986498" cy="719877"/>
-          </a:xfrm>
-          <a:prstGeom prst="rect">
-            <a:avLst/>
-          </a:prstGeom>
-          <a:ln>
-            <a:solidFill>
-              <a:schemeClr val="tx1"/>
-            </a:solidFill>
-          </a:ln>
-        </p:spPr>
-      </p:pic>
-      <p:sp>
-        <p:nvSpPr>
-          <p:cNvPr id="7" name="TextBox 6">
-            <a:extLst>
-              <a:ext uri="{FF2B5EF4-FFF2-40B4-BE49-F238E27FC236}">
-                <a16:creationId xmlns:a16="http://schemas.microsoft.com/office/drawing/2014/main" id="{388779FE-7549-FF7E-561E-402898173FFC}"/>
-              </a:ext>
-            </a:extLst>
-          </p:cNvPr>
-          <p:cNvSpPr txBox="1"/>
-          <p:nvPr/>
-        </p:nvSpPr>
-        <p:spPr>
-          <a:xfrm>
-            <a:off x="149975" y="1826525"/>
-            <a:ext cx="795178" cy="400110"/>
-          </a:xfrm>
-          <a:prstGeom prst="rect">
-            <a:avLst/>
-          </a:prstGeom>
-          <a:noFill/>
-        </p:spPr>
-        <p:txBody>
-          <a:bodyPr wrap="square">
-            <a:spAutoFit/>
-          </a:bodyPr>
-          <a:lstStyle/>
-          <a:p>
-            <a:r>
-              <a:rPr lang="pt-BR" sz="1000" dirty="0"/>
-              <a:t>Local</a:t>
-            </a:r>
-          </a:p>
-          <a:p>
-            <a:r>
-              <a:rPr lang="pt-BR" sz="1000" dirty="0"/>
-              <a:t>Temp.</a:t>
-            </a:r>
-            <a:endParaRPr lang="LID4096" sz="1000" dirty="0"/>
-          </a:p>
-        </p:txBody>
-      </p:sp>
-      <p:sp>
-        <p:nvSpPr>
-          <p:cNvPr id="8" name="TextBox 7">
-            <a:extLst>
-              <a:ext uri="{FF2B5EF4-FFF2-40B4-BE49-F238E27FC236}">
-                <a16:creationId xmlns:a16="http://schemas.microsoft.com/office/drawing/2014/main" id="{01699DA8-C790-A682-D182-EB462237B056}"/>
-              </a:ext>
-            </a:extLst>
-          </p:cNvPr>
-          <p:cNvSpPr txBox="1">
-            <a:spLocks noChangeAspect="1"/>
-          </p:cNvSpPr>
-          <p:nvPr/>
-        </p:nvSpPr>
-        <p:spPr>
-          <a:xfrm>
-            <a:off x="7431600" y="3008296"/>
-            <a:ext cx="1206084" cy="283668"/>
-          </a:xfrm>
-          <a:prstGeom prst="rect">
-            <a:avLst/>
-          </a:prstGeom>
-          <a:solidFill>
-            <a:srgbClr val="FFCCFF"/>
-          </a:solidFill>
-        </p:spPr>
-        <p:txBody>
-          <a:bodyPr wrap="none" lIns="0" tIns="0" rIns="0" bIns="0" anchor="ctr" anchorCtr="0">
-            <a:noAutofit/>
-          </a:bodyPr>
-          <a:lstStyle/>
-          <a:p>
-            <a:pPr algn="ctr"/>
-            <a:r>
-              <a:rPr lang="en-US" sz="1000" b="1" dirty="0"/>
-              <a:t>Change TEMP folder</a:t>
-            </a:r>
-          </a:p>
-        </p:txBody>
-      </p:sp>
-      <p:sp>
-        <p:nvSpPr>
-          <p:cNvPr id="20" name="Rectangle 19">
-            <a:extLst>
-              <a:ext uri="{FF2B5EF4-FFF2-40B4-BE49-F238E27FC236}">
-                <a16:creationId xmlns:a16="http://schemas.microsoft.com/office/drawing/2014/main" id="{4D6D3673-31EF-44FF-5D60-E7575821C0FF}"/>
-              </a:ext>
-            </a:extLst>
-          </p:cNvPr>
-          <p:cNvSpPr/>
-          <p:nvPr/>
-        </p:nvSpPr>
-        <p:spPr>
-          <a:xfrm>
-            <a:off x="8256939" y="5176540"/>
-            <a:ext cx="320397" cy="207735"/>
-          </a:xfrm>
-          <a:prstGeom prst="rect">
-            <a:avLst/>
-          </a:prstGeom>
-        </p:spPr>
-        <p:style>
-          <a:lnRef idx="2">
-            <a:schemeClr val="accent1">
-              <a:shade val="15000"/>
-            </a:schemeClr>
-          </a:lnRef>
-          <a:fillRef idx="1">
-            <a:schemeClr val="accent1"/>
-          </a:fillRef>
-          <a:effectRef idx="0">
-            <a:schemeClr val="accent1"/>
-          </a:effectRef>
-          <a:fontRef idx="minor">
-            <a:schemeClr val="lt1"/>
-          </a:fontRef>
-        </p:style>
-        <p:txBody>
-          <a:bodyPr rtlCol="0" anchor="ctr"/>
-          <a:lstStyle/>
-          <a:p>
-            <a:pPr algn="ctr"/>
-            <a:endParaRPr lang="LID4096"/>
-          </a:p>
-        </p:txBody>
-      </p:sp>
-      <p:pic>
-        <p:nvPicPr>
-          <p:cNvPr id="21" name="Picture 20">
-            <a:extLst>
-              <a:ext uri="{FF2B5EF4-FFF2-40B4-BE49-F238E27FC236}">
-                <a16:creationId xmlns:a16="http://schemas.microsoft.com/office/drawing/2014/main" id="{B439789A-090D-4A1D-DF97-7BACEE7DB22D}"/>
-              </a:ext>
-            </a:extLst>
-          </p:cNvPr>
-          <p:cNvPicPr>
-            <a:picLocks noChangeAspect="1"/>
-          </p:cNvPicPr>
-          <p:nvPr/>
-        </p:nvPicPr>
-        <p:blipFill>
-          <a:blip r:embed="rId21"/>
-          <a:stretch>
-            <a:fillRect/>
-          </a:stretch>
-        </p:blipFill>
-        <p:spPr>
-          <a:xfrm>
-            <a:off x="756567" y="2014393"/>
-            <a:ext cx="2343150" cy="180975"/>
-          </a:xfrm>
-          <a:prstGeom prst="rect">
-            <a:avLst/>
-          </a:prstGeom>
-          <a:ln>
-            <a:solidFill>
-              <a:srgbClr val="FF0000"/>
-            </a:solidFill>
-          </a:ln>
-        </p:spPr>
-      </p:pic>
-      <p:grpSp>
-        <p:nvGrpSpPr>
-          <p:cNvPr id="24" name="Group 23">
-            <a:extLst>
-              <a:ext uri="{FF2B5EF4-FFF2-40B4-BE49-F238E27FC236}">
-                <a16:creationId xmlns:a16="http://schemas.microsoft.com/office/drawing/2014/main" id="{6A95AE21-2D22-9A62-1504-4D73CC683981}"/>
-              </a:ext>
-            </a:extLst>
-          </p:cNvPr>
-          <p:cNvGrpSpPr/>
-          <p:nvPr/>
-        </p:nvGrpSpPr>
-        <p:grpSpPr>
-          <a:xfrm>
-            <a:off x="736822" y="2419331"/>
-            <a:ext cx="2582626" cy="451829"/>
-            <a:chOff x="736822" y="2419331"/>
-            <a:chExt cx="2582626" cy="451829"/>
-          </a:xfrm>
-        </p:grpSpPr>
-        <p:pic>
-          <p:nvPicPr>
-            <p:cNvPr id="12" name="Picture 11">
-              <a:extLst>
-                <a:ext uri="{FF2B5EF4-FFF2-40B4-BE49-F238E27FC236}">
-                  <a16:creationId xmlns:a16="http://schemas.microsoft.com/office/drawing/2014/main" id="{46CDE9FA-2B73-BA9C-FE8B-0072C2821F42}"/>
-                </a:ext>
-              </a:extLst>
-            </p:cNvPr>
-            <p:cNvPicPr>
-              <a:picLocks noChangeAspect="1"/>
-            </p:cNvPicPr>
-            <p:nvPr/>
-          </p:nvPicPr>
-          <p:blipFill>
-            <a:blip r:embed="rId22"/>
-            <a:stretch>
-              <a:fillRect/>
-            </a:stretch>
-          </p:blipFill>
-          <p:spPr>
-            <a:xfrm>
-              <a:off x="736822" y="2419331"/>
-              <a:ext cx="904875" cy="228600"/>
-            </a:xfrm>
-            <a:prstGeom prst="rect">
-              <a:avLst/>
-            </a:prstGeom>
-          </p:spPr>
-        </p:pic>
-        <p:pic>
-          <p:nvPicPr>
-            <p:cNvPr id="23" name="Picture 22">
-              <a:extLst>
-                <a:ext uri="{FF2B5EF4-FFF2-40B4-BE49-F238E27FC236}">
-                  <a16:creationId xmlns:a16="http://schemas.microsoft.com/office/drawing/2014/main" id="{63691665-2A62-8E65-1CAC-C3535F2D071A}"/>
-                </a:ext>
-              </a:extLst>
-            </p:cNvPr>
-            <p:cNvPicPr>
-              <a:picLocks noChangeAspect="1"/>
-            </p:cNvPicPr>
-            <p:nvPr/>
-          </p:nvPicPr>
-          <p:blipFill>
-            <a:blip r:embed="rId23"/>
-            <a:stretch>
-              <a:fillRect/>
-            </a:stretch>
-          </p:blipFill>
-          <p:spPr>
-            <a:xfrm>
-              <a:off x="881048" y="2671135"/>
-              <a:ext cx="2438400" cy="200025"/>
-            </a:xfrm>
-            <a:prstGeom prst="rect">
-              <a:avLst/>
-            </a:prstGeom>
-            <a:ln>
-              <a:solidFill>
-                <a:srgbClr val="FF0000"/>
-              </a:solidFill>
-            </a:ln>
-          </p:spPr>
-        </p:pic>
-      </p:grpSp>
-      <p:pic>
-        <p:nvPicPr>
-          <p:cNvPr id="26" name="Picture 25">
-            <a:extLst>
-              <a:ext uri="{FF2B5EF4-FFF2-40B4-BE49-F238E27FC236}">
-                <a16:creationId xmlns:a16="http://schemas.microsoft.com/office/drawing/2014/main" id="{F8B0EF57-D975-045D-47EE-BB8F8E27D12E}"/>
-              </a:ext>
-            </a:extLst>
-          </p:cNvPr>
-          <p:cNvPicPr>
-            <a:picLocks noChangeAspect="1"/>
-          </p:cNvPicPr>
-          <p:nvPr/>
-        </p:nvPicPr>
-        <p:blipFill>
-          <a:blip r:embed="rId24"/>
-          <a:stretch>
-            <a:fillRect/>
-          </a:stretch>
-        </p:blipFill>
-        <p:spPr>
-          <a:xfrm>
-            <a:off x="10780671" y="5250017"/>
+            <a:off x="11096663" y="5661971"/>
             <a:ext cx="854312" cy="719877"/>
           </a:xfrm>
           <a:prstGeom prst="rect">
@@ -10547,53 +9679,6 @@
       </p:pic>
       <p:sp>
         <p:nvSpPr>
-          <p:cNvPr id="27" name="TextBox 26">
-            <a:extLst>
-              <a:ext uri="{FF2B5EF4-FFF2-40B4-BE49-F238E27FC236}">
-                <a16:creationId xmlns:a16="http://schemas.microsoft.com/office/drawing/2014/main" id="{E1306BEF-02CF-D663-26B6-B8F4A1CA97EF}"/>
-              </a:ext>
-            </a:extLst>
-          </p:cNvPr>
-          <p:cNvSpPr txBox="1">
-            <a:spLocks noChangeAspect="1"/>
-          </p:cNvSpPr>
-          <p:nvPr/>
-        </p:nvSpPr>
-        <p:spPr>
-          <a:xfrm>
-            <a:off x="2599165" y="2938693"/>
-            <a:ext cx="709686" cy="283668"/>
-          </a:xfrm>
-          <a:prstGeom prst="rect">
-            <a:avLst/>
-          </a:prstGeom>
-          <a:solidFill>
-            <a:srgbClr val="FFCCFF"/>
-          </a:solidFill>
-        </p:spPr>
-        <p:txBody>
-          <a:bodyPr wrap="none" lIns="0" tIns="0" rIns="0" bIns="0" anchor="ctr" anchorCtr="0">
-            <a:noAutofit/>
-          </a:bodyPr>
-          <a:lstStyle/>
-          <a:p>
-            <a:pPr algn="ctr"/>
-            <a:r>
-              <a:rPr lang="en-US" sz="800" b="1" dirty="0"/>
-              <a:t>Last one: </a:t>
-            </a:r>
-          </a:p>
-          <a:p>
-            <a:pPr algn="ctr"/>
-            <a:r>
-              <a:rPr lang="en-US" sz="800" b="1" dirty="0"/>
-              <a:t>Move on … </a:t>
-            </a:r>
-          </a:p>
-        </p:txBody>
-      </p:sp>
-      <p:sp>
-        <p:nvSpPr>
           <p:cNvPr id="30" name="TextBox 29">
             <a:extLst>
               <a:ext uri="{FF2B5EF4-FFF2-40B4-BE49-F238E27FC236}">
@@ -10606,8 +9691,8 @@
         </p:nvSpPr>
         <p:spPr>
           <a:xfrm>
-            <a:off x="11207827" y="3417128"/>
-            <a:ext cx="588361" cy="954107"/>
+            <a:off x="11517107" y="4026524"/>
+            <a:ext cx="588361" cy="523220"/>
           </a:xfrm>
           <a:prstGeom prst="rect">
             <a:avLst/>
@@ -10629,12 +9714,6 @@
           <a:p>
             <a:r>
               <a:rPr lang="en-US" sz="2800" dirty="0"/>
-              <a:t>01</a:t>
-            </a:r>
-          </a:p>
-          <a:p>
-            <a:r>
-              <a:rPr lang="en-US" sz="2800" dirty="0"/>
               <a:t>02</a:t>
             </a:r>
             <a:endParaRPr lang="LID4096" sz="2800" dirty="0"/>
@@ -10655,7 +9734,7 @@
         </p:nvSpPr>
         <p:spPr>
           <a:xfrm>
-            <a:off x="7998195" y="3630182"/>
+            <a:off x="5725375" y="4163125"/>
             <a:ext cx="1458551" cy="523220"/>
           </a:xfrm>
           <a:prstGeom prst="rect">
@@ -10684,93 +9763,1342 @@
           </a:p>
         </p:txBody>
       </p:sp>
-      <p:pic>
-        <p:nvPicPr>
-          <p:cNvPr id="10" name="Picture 9">
-            <a:extLst>
-              <a:ext uri="{FF2B5EF4-FFF2-40B4-BE49-F238E27FC236}">
-                <a16:creationId xmlns:a16="http://schemas.microsoft.com/office/drawing/2014/main" id="{B235E6B6-C542-7BA1-254C-8A22F7F4ED1C}"/>
-              </a:ext>
-            </a:extLst>
-          </p:cNvPr>
-          <p:cNvPicPr>
-            <a:picLocks noChangeAspect="1"/>
-          </p:cNvPicPr>
+      <p:grpSp>
+        <p:nvGrpSpPr>
+          <p:cNvPr id="39" name="Group 38">
+            <a:extLst>
+              <a:ext uri="{FF2B5EF4-FFF2-40B4-BE49-F238E27FC236}">
+                <a16:creationId xmlns:a16="http://schemas.microsoft.com/office/drawing/2014/main" id="{6947D58F-271A-0ECB-874C-972D371D564F}"/>
+              </a:ext>
+            </a:extLst>
+          </p:cNvPr>
+          <p:cNvGrpSpPr/>
           <p:nvPr/>
-        </p:nvPicPr>
-        <p:blipFill>
-          <a:blip r:embed="rId25"/>
-          <a:srcRect b="50000"/>
-          <a:stretch/>
-        </p:blipFill>
+        </p:nvGrpSpPr>
+        <p:grpSpPr>
+          <a:xfrm>
+            <a:off x="363653" y="5944484"/>
+            <a:ext cx="2371724" cy="671442"/>
+            <a:chOff x="370705" y="3788713"/>
+            <a:chExt cx="2371724" cy="671442"/>
+          </a:xfrm>
+        </p:grpSpPr>
+        <p:pic>
+          <p:nvPicPr>
+            <p:cNvPr id="18" name="Picture 17">
+              <a:extLst>
+                <a:ext uri="{FF2B5EF4-FFF2-40B4-BE49-F238E27FC236}">
+                  <a16:creationId xmlns:a16="http://schemas.microsoft.com/office/drawing/2014/main" id="{CDE127FE-3BC3-64A1-4EE4-0E93C996AEAA}"/>
+                </a:ext>
+              </a:extLst>
+            </p:cNvPr>
+            <p:cNvPicPr>
+              <a:picLocks noChangeAspect="1"/>
+            </p:cNvPicPr>
+            <p:nvPr/>
+          </p:nvPicPr>
+          <p:blipFill>
+            <a:blip r:embed="rId21"/>
+            <a:srcRect t="70816"/>
+            <a:stretch/>
+          </p:blipFill>
+          <p:spPr>
+            <a:xfrm>
+              <a:off x="412775" y="3840934"/>
+              <a:ext cx="2314575" cy="592096"/>
+            </a:xfrm>
+            <a:prstGeom prst="rect">
+              <a:avLst/>
+            </a:prstGeom>
+          </p:spPr>
+        </p:pic>
+        <p:sp>
+          <p:nvSpPr>
+            <p:cNvPr id="22" name="Rectangle 21">
+              <a:extLst>
+                <a:ext uri="{FF2B5EF4-FFF2-40B4-BE49-F238E27FC236}">
+                  <a16:creationId xmlns:a16="http://schemas.microsoft.com/office/drawing/2014/main" id="{C54BC8C4-1DC1-D38F-D3E7-6F87C199450E}"/>
+                </a:ext>
+              </a:extLst>
+            </p:cNvPr>
+            <p:cNvSpPr/>
+            <p:nvPr/>
+          </p:nvSpPr>
+          <p:spPr>
+            <a:xfrm>
+              <a:off x="370705" y="3788713"/>
+              <a:ext cx="2371724" cy="671442"/>
+            </a:xfrm>
+            <a:prstGeom prst="rect">
+              <a:avLst/>
+            </a:prstGeom>
+            <a:noFill/>
+            <a:ln w="6350">
+              <a:solidFill>
+                <a:srgbClr val="0000FF"/>
+              </a:solidFill>
+            </a:ln>
+            <a:effectLst>
+              <a:outerShdw blurRad="50800" dist="38100" dir="8100000" algn="tr" rotWithShape="0">
+                <a:prstClr val="black">
+                  <a:alpha val="40000"/>
+                </a:prstClr>
+              </a:outerShdw>
+            </a:effectLst>
+          </p:spPr>
+          <p:txBody>
+            <a:bodyPr wrap="none" anchor="ctr" anchorCtr="0">
+              <a:noAutofit/>
+            </a:bodyPr>
+            <a:lstStyle/>
+            <a:p>
+              <a:endParaRPr lang="LID4096" dirty="0"/>
+            </a:p>
+          </p:txBody>
+        </p:sp>
+      </p:grpSp>
+      <p:grpSp>
+        <p:nvGrpSpPr>
+          <p:cNvPr id="85" name="Group 84">
+            <a:extLst>
+              <a:ext uri="{FF2B5EF4-FFF2-40B4-BE49-F238E27FC236}">
+                <a16:creationId xmlns:a16="http://schemas.microsoft.com/office/drawing/2014/main" id="{6C309C22-B6B2-C7EF-FF74-A614BFD5D744}"/>
+              </a:ext>
+            </a:extLst>
+          </p:cNvPr>
+          <p:cNvGrpSpPr/>
+          <p:nvPr/>
+        </p:nvGrpSpPr>
+        <p:grpSpPr>
+          <a:xfrm>
+            <a:off x="6708730" y="207415"/>
+            <a:ext cx="2528343" cy="2615257"/>
+            <a:chOff x="6708730" y="207415"/>
+            <a:chExt cx="2528343" cy="2615257"/>
+          </a:xfrm>
+        </p:grpSpPr>
+        <p:grpSp>
+          <p:nvGrpSpPr>
+            <p:cNvPr id="190" name="Group 189">
+              <a:extLst>
+                <a:ext uri="{FF2B5EF4-FFF2-40B4-BE49-F238E27FC236}">
+                  <a16:creationId xmlns:a16="http://schemas.microsoft.com/office/drawing/2014/main" id="{1C11BEC2-D6DB-4BF3-594A-985F4AAD6F3B}"/>
+                </a:ext>
+              </a:extLst>
+            </p:cNvPr>
+            <p:cNvGrpSpPr/>
+            <p:nvPr/>
+          </p:nvGrpSpPr>
+          <p:grpSpPr>
+            <a:xfrm>
+              <a:off x="6708730" y="207415"/>
+              <a:ext cx="1550028" cy="273747"/>
+              <a:chOff x="3206898" y="1567263"/>
+              <a:chExt cx="1550028" cy="273747"/>
+            </a:xfrm>
+          </p:grpSpPr>
+          <p:grpSp>
+            <p:nvGrpSpPr>
+              <p:cNvPr id="62" name="Group 61">
+                <a:extLst>
+                  <a:ext uri="{FF2B5EF4-FFF2-40B4-BE49-F238E27FC236}">
+                    <a16:creationId xmlns:a16="http://schemas.microsoft.com/office/drawing/2014/main" id="{6E73D71F-F742-B0E6-DE5B-366DFE333A09}"/>
+                  </a:ext>
+                </a:extLst>
+              </p:cNvPr>
+              <p:cNvGrpSpPr/>
+              <p:nvPr/>
+            </p:nvGrpSpPr>
+            <p:grpSpPr>
+              <a:xfrm>
+                <a:off x="3206898" y="1581590"/>
+                <a:ext cx="955584" cy="232193"/>
+                <a:chOff x="358299" y="3903805"/>
+                <a:chExt cx="955584" cy="232193"/>
+              </a:xfrm>
+            </p:grpSpPr>
+            <p:pic>
+              <p:nvPicPr>
+                <p:cNvPr id="64" name="Picture 63">
+                  <a:extLst>
+                    <a:ext uri="{FF2B5EF4-FFF2-40B4-BE49-F238E27FC236}">
+                      <a16:creationId xmlns:a16="http://schemas.microsoft.com/office/drawing/2014/main" id="{E5F01EB9-5661-F767-8DAC-BFE260077241}"/>
+                    </a:ext>
+                  </a:extLst>
+                </p:cNvPr>
+                <p:cNvPicPr>
+                  <a:picLocks noChangeAspect="1"/>
+                </p:cNvPicPr>
+                <p:nvPr/>
+              </p:nvPicPr>
+              <p:blipFill>
+                <a:blip r:embed="rId8"/>
+                <a:srcRect t="58454" r="57025" b="21387"/>
+                <a:stretch/>
+              </p:blipFill>
+              <p:spPr>
+                <a:xfrm>
+                  <a:off x="358299" y="3922959"/>
+                  <a:ext cx="867792" cy="207373"/>
+                </a:xfrm>
+                <a:prstGeom prst="rect">
+                  <a:avLst/>
+                </a:prstGeom>
+              </p:spPr>
+            </p:pic>
+            <p:sp>
+              <p:nvSpPr>
+                <p:cNvPr id="71" name="Rectangle 70">
+                  <a:extLst>
+                    <a:ext uri="{FF2B5EF4-FFF2-40B4-BE49-F238E27FC236}">
+                      <a16:creationId xmlns:a16="http://schemas.microsoft.com/office/drawing/2014/main" id="{A1E48D17-6520-9E3C-DD09-FAA9A81F7C27}"/>
+                    </a:ext>
+                  </a:extLst>
+                </p:cNvPr>
+                <p:cNvSpPr/>
+                <p:nvPr/>
+              </p:nvSpPr>
+              <p:spPr>
+                <a:xfrm>
+                  <a:off x="371399" y="3903805"/>
+                  <a:ext cx="942484" cy="232193"/>
+                </a:xfrm>
+                <a:prstGeom prst="rect">
+                  <a:avLst/>
+                </a:prstGeom>
+                <a:noFill/>
+                <a:ln w="6350">
+                  <a:solidFill>
+                    <a:srgbClr val="0000FF"/>
+                  </a:solidFill>
+                </a:ln>
+                <a:effectLst>
+                  <a:outerShdw blurRad="50800" dist="38100" dir="8100000" algn="tr" rotWithShape="0">
+                    <a:prstClr val="black">
+                      <a:alpha val="40000"/>
+                    </a:prstClr>
+                  </a:outerShdw>
+                </a:effectLst>
+              </p:spPr>
+              <p:txBody>
+                <a:bodyPr wrap="none" anchor="ctr" anchorCtr="0">
+                  <a:noAutofit/>
+                </a:bodyPr>
+                <a:lstStyle/>
+                <a:p>
+                  <a:endParaRPr lang="LID4096" dirty="0"/>
+                </a:p>
+              </p:txBody>
+            </p:sp>
+          </p:grpSp>
+          <p:sp>
+            <p:nvSpPr>
+              <p:cNvPr id="187" name="TextBox 186">
+                <a:extLst>
+                  <a:ext uri="{FF2B5EF4-FFF2-40B4-BE49-F238E27FC236}">
+                    <a16:creationId xmlns:a16="http://schemas.microsoft.com/office/drawing/2014/main" id="{E99AECEE-1527-C251-0DCB-CBCF9ACC47A9}"/>
+                  </a:ext>
+                </a:extLst>
+              </p:cNvPr>
+              <p:cNvSpPr txBox="1">
+                <a:spLocks noChangeAspect="1"/>
+              </p:cNvSpPr>
+              <p:nvPr/>
+            </p:nvSpPr>
+            <p:spPr>
+              <a:xfrm>
+                <a:off x="4371745" y="1567263"/>
+                <a:ext cx="385181" cy="273747"/>
+              </a:xfrm>
+              <a:prstGeom prst="rect">
+                <a:avLst/>
+              </a:prstGeom>
+              <a:solidFill>
+                <a:schemeClr val="accent6">
+                  <a:lumMod val="60000"/>
+                  <a:lumOff val="40000"/>
+                </a:schemeClr>
+              </a:solidFill>
+            </p:spPr>
+            <p:txBody>
+              <a:bodyPr wrap="none" lIns="0" tIns="0" rIns="0" bIns="0" anchor="ctr" anchorCtr="0">
+                <a:noAutofit/>
+              </a:bodyPr>
+              <a:lstStyle/>
+              <a:p>
+                <a:pPr algn="ctr"/>
+                <a:r>
+                  <a:rPr lang="pt-BR" sz="1500" b="1" dirty="0"/>
+                  <a:t>03</a:t>
+                </a:r>
+                <a:endParaRPr lang="LID4096" sz="1500" b="1" dirty="0"/>
+              </a:p>
+            </p:txBody>
+          </p:sp>
+        </p:grpSp>
+        <p:pic>
+          <p:nvPicPr>
+            <p:cNvPr id="49" name="Picture 48">
+              <a:extLst>
+                <a:ext uri="{FF2B5EF4-FFF2-40B4-BE49-F238E27FC236}">
+                  <a16:creationId xmlns:a16="http://schemas.microsoft.com/office/drawing/2014/main" id="{CFB6F3C2-96FE-71A0-E635-F7E8F23C6FCB}"/>
+                </a:ext>
+              </a:extLst>
+            </p:cNvPr>
+            <p:cNvPicPr>
+              <a:picLocks noChangeAspect="1"/>
+            </p:cNvPicPr>
+            <p:nvPr/>
+          </p:nvPicPr>
+          <p:blipFill>
+            <a:blip r:embed="rId22"/>
+            <a:stretch>
+              <a:fillRect/>
+            </a:stretch>
+          </p:blipFill>
+          <p:spPr>
+            <a:xfrm>
+              <a:off x="6751048" y="565247"/>
+              <a:ext cx="2486025" cy="2257425"/>
+            </a:xfrm>
+            <a:prstGeom prst="rect">
+              <a:avLst/>
+            </a:prstGeom>
+          </p:spPr>
+        </p:pic>
+        <p:sp>
+          <p:nvSpPr>
+            <p:cNvPr id="53" name="TextBox 52">
+              <a:extLst>
+                <a:ext uri="{FF2B5EF4-FFF2-40B4-BE49-F238E27FC236}">
+                  <a16:creationId xmlns:a16="http://schemas.microsoft.com/office/drawing/2014/main" id="{B8FBDC37-7C79-7F44-F2C0-494E35EBD30F}"/>
+                </a:ext>
+              </a:extLst>
+            </p:cNvPr>
+            <p:cNvSpPr txBox="1"/>
+            <p:nvPr/>
+          </p:nvSpPr>
+          <p:spPr>
+            <a:xfrm>
+              <a:off x="8643649" y="315756"/>
+              <a:ext cx="588361" cy="523220"/>
+            </a:xfrm>
+            <a:prstGeom prst="rect">
+              <a:avLst/>
+            </a:prstGeom>
+            <a:noFill/>
+          </p:spPr>
+          <p:txBody>
+            <a:bodyPr wrap="square">
+              <a:spAutoFit/>
+            </a:bodyPr>
+            <a:lstStyle>
+              <a:defPPr>
+                <a:defRPr lang="LID4096"/>
+              </a:defPPr>
+              <a:lvl1pPr>
+                <a:defRPr sz="1100" b="1"/>
+              </a:lvl1pPr>
+            </a:lstStyle>
+            <a:p>
+              <a:r>
+                <a:rPr lang="en-US" sz="2800" dirty="0"/>
+                <a:t>06</a:t>
+              </a:r>
+              <a:endParaRPr lang="LID4096" sz="2800" dirty="0"/>
+            </a:p>
+          </p:txBody>
+        </p:sp>
+      </p:grpSp>
+      <p:sp>
+        <p:nvSpPr>
+          <p:cNvPr id="57" name="TextBox 56">
+            <a:extLst>
+              <a:ext uri="{FF2B5EF4-FFF2-40B4-BE49-F238E27FC236}">
+                <a16:creationId xmlns:a16="http://schemas.microsoft.com/office/drawing/2014/main" id="{D77193A3-2293-ABF9-0E24-C7778F3256B7}"/>
+              </a:ext>
+            </a:extLst>
+          </p:cNvPr>
+          <p:cNvSpPr txBox="1"/>
+          <p:nvPr/>
+        </p:nvSpPr>
         <p:spPr>
           <a:xfrm>
-            <a:off x="591808" y="1793893"/>
-            <a:ext cx="2362200" cy="200025"/>
+            <a:off x="5744720" y="5769533"/>
+            <a:ext cx="1458551" cy="523220"/>
           </a:xfrm>
           <a:prstGeom prst="rect">
             <a:avLst/>
           </a:prstGeom>
+          <a:noFill/>
         </p:spPr>
-      </p:pic>
-      <p:pic>
-        <p:nvPicPr>
-          <p:cNvPr id="13" name="Picture 12">
-            <a:extLst>
-              <a:ext uri="{FF2B5EF4-FFF2-40B4-BE49-F238E27FC236}">
-                <a16:creationId xmlns:a16="http://schemas.microsoft.com/office/drawing/2014/main" id="{70805933-1241-0B13-423D-60FC01380D65}"/>
-              </a:ext>
-            </a:extLst>
-          </p:cNvPr>
-          <p:cNvPicPr>
-            <a:picLocks noChangeAspect="1"/>
-          </p:cNvPicPr>
+        <p:txBody>
+          <a:bodyPr wrap="square">
+            <a:spAutoFit/>
+          </a:bodyPr>
+          <a:lstStyle>
+            <a:defPPr>
+              <a:defRPr lang="LID4096"/>
+            </a:defPPr>
+            <a:lvl1pPr>
+              <a:defRPr sz="1100" b="1"/>
+            </a:lvl1pPr>
+          </a:lstStyle>
+          <a:p>
+            <a:r>
+              <a:rPr lang="en-US" sz="2800"/>
+              <a:t>05</a:t>
+            </a:r>
+            <a:endParaRPr lang="LID4096" sz="2800" dirty="0"/>
+          </a:p>
+        </p:txBody>
+      </p:sp>
+      <p:grpSp>
+        <p:nvGrpSpPr>
+          <p:cNvPr id="86" name="Group 85">
+            <a:extLst>
+              <a:ext uri="{FF2B5EF4-FFF2-40B4-BE49-F238E27FC236}">
+                <a16:creationId xmlns:a16="http://schemas.microsoft.com/office/drawing/2014/main" id="{2BABCB55-15A1-DE28-7A29-98993B69B6E5}"/>
+              </a:ext>
+            </a:extLst>
+          </p:cNvPr>
+          <p:cNvGrpSpPr/>
           <p:nvPr/>
-        </p:nvPicPr>
-        <p:blipFill>
-          <a:blip r:embed="rId25"/>
-          <a:srcRect t="49775"/>
-          <a:stretch/>
-        </p:blipFill>
-        <p:spPr>
+        </p:nvGrpSpPr>
+        <p:grpSpPr>
           <a:xfrm>
-            <a:off x="617330" y="2238452"/>
-            <a:ext cx="2362200" cy="200930"/>
+            <a:off x="202886" y="1307843"/>
+            <a:ext cx="3390730" cy="2492029"/>
+            <a:chOff x="202886" y="1307843"/>
+            <a:chExt cx="3390730" cy="2492029"/>
+          </a:xfrm>
+        </p:grpSpPr>
+        <p:grpSp>
+          <p:nvGrpSpPr>
+            <p:cNvPr id="19" name="Group 18">
+              <a:extLst>
+                <a:ext uri="{FF2B5EF4-FFF2-40B4-BE49-F238E27FC236}">
+                  <a16:creationId xmlns:a16="http://schemas.microsoft.com/office/drawing/2014/main" id="{4393E401-DB62-C495-9B0F-3F9843F8580A}"/>
+                </a:ext>
+              </a:extLst>
+            </p:cNvPr>
+            <p:cNvGrpSpPr>
+              <a:grpSpLocks noChangeAspect="1"/>
+            </p:cNvGrpSpPr>
+            <p:nvPr/>
+          </p:nvGrpSpPr>
+          <p:grpSpPr>
+            <a:xfrm>
+              <a:off x="202886" y="1307843"/>
+              <a:ext cx="2403300" cy="273747"/>
+              <a:chOff x="8974956" y="4712565"/>
+              <a:chExt cx="2403300" cy="273747"/>
+            </a:xfrm>
+          </p:grpSpPr>
+          <p:pic>
+            <p:nvPicPr>
+              <p:cNvPr id="25" name="Picture 24">
+                <a:extLst>
+                  <a:ext uri="{FF2B5EF4-FFF2-40B4-BE49-F238E27FC236}">
+                    <a16:creationId xmlns:a16="http://schemas.microsoft.com/office/drawing/2014/main" id="{A02B55DE-E1BB-B21A-EC5C-89FA83EC778A}"/>
+                  </a:ext>
+                </a:extLst>
+              </p:cNvPr>
+              <p:cNvPicPr>
+                <a:picLocks noChangeAspect="1"/>
+              </p:cNvPicPr>
+              <p:nvPr/>
+            </p:nvPicPr>
+            <p:blipFill>
+              <a:blip r:embed="rId8"/>
+              <a:srcRect t="40041" r="46014" b="40053"/>
+              <a:stretch/>
+            </p:blipFill>
+            <p:spPr>
+              <a:xfrm>
+                <a:off x="8974956" y="4749965"/>
+                <a:ext cx="1090133" cy="204773"/>
+              </a:xfrm>
+              <a:prstGeom prst="rect">
+                <a:avLst/>
+              </a:prstGeom>
+            </p:spPr>
+          </p:pic>
+          <p:sp>
+            <p:nvSpPr>
+              <p:cNvPr id="34" name="Rectangle 33">
+                <a:extLst>
+                  <a:ext uri="{FF2B5EF4-FFF2-40B4-BE49-F238E27FC236}">
+                    <a16:creationId xmlns:a16="http://schemas.microsoft.com/office/drawing/2014/main" id="{25743ECA-7AA8-97EB-2D50-69BCFAD039E8}"/>
+                  </a:ext>
+                </a:extLst>
+              </p:cNvPr>
+              <p:cNvSpPr/>
+              <p:nvPr/>
+            </p:nvSpPr>
+            <p:spPr>
+              <a:xfrm>
+                <a:off x="8974956" y="4729123"/>
+                <a:ext cx="2305761" cy="213260"/>
+              </a:xfrm>
+              <a:prstGeom prst="rect">
+                <a:avLst/>
+              </a:prstGeom>
+              <a:noFill/>
+              <a:ln w="6350">
+                <a:solidFill>
+                  <a:srgbClr val="0000FF"/>
+                </a:solidFill>
+              </a:ln>
+              <a:effectLst>
+                <a:outerShdw blurRad="50800" dist="38100" dir="8100000" algn="tr" rotWithShape="0">
+                  <a:prstClr val="black">
+                    <a:alpha val="40000"/>
+                  </a:prstClr>
+                </a:outerShdw>
+              </a:effectLst>
+            </p:spPr>
+            <p:txBody>
+              <a:bodyPr wrap="none" anchor="ctr" anchorCtr="0">
+                <a:noAutofit/>
+              </a:bodyPr>
+              <a:lstStyle/>
+              <a:p>
+                <a:endParaRPr lang="LID4096"/>
+              </a:p>
+            </p:txBody>
+          </p:sp>
+          <p:sp>
+            <p:nvSpPr>
+              <p:cNvPr id="28" name="TextBox 27">
+                <a:extLst>
+                  <a:ext uri="{FF2B5EF4-FFF2-40B4-BE49-F238E27FC236}">
+                    <a16:creationId xmlns:a16="http://schemas.microsoft.com/office/drawing/2014/main" id="{CE455491-2848-88AE-5040-6C6D1D9C8752}"/>
+                  </a:ext>
+                </a:extLst>
+              </p:cNvPr>
+              <p:cNvSpPr txBox="1">
+                <a:spLocks noChangeAspect="1"/>
+              </p:cNvSpPr>
+              <p:nvPr/>
+            </p:nvSpPr>
+            <p:spPr>
+              <a:xfrm>
+                <a:off x="11096426" y="4712565"/>
+                <a:ext cx="281830" cy="273747"/>
+              </a:xfrm>
+              <a:prstGeom prst="rect">
+                <a:avLst/>
+              </a:prstGeom>
+              <a:solidFill>
+                <a:schemeClr val="accent2"/>
+              </a:solidFill>
+            </p:spPr>
+            <p:txBody>
+              <a:bodyPr wrap="none" lIns="0" tIns="0" rIns="0" bIns="0" anchor="ctr" anchorCtr="0">
+                <a:noAutofit/>
+              </a:bodyPr>
+              <a:lstStyle/>
+              <a:p>
+                <a:pPr algn="ctr"/>
+                <a:r>
+                  <a:rPr lang="pt-BR" sz="1500" b="1" dirty="0">
+                    <a:solidFill>
+                      <a:schemeClr val="bg1"/>
+                    </a:solidFill>
+                  </a:rPr>
+                  <a:t>02</a:t>
+                </a:r>
+                <a:endParaRPr lang="LID4096" sz="1500" b="1" dirty="0">
+                  <a:solidFill>
+                    <a:schemeClr val="bg1"/>
+                  </a:solidFill>
+                </a:endParaRPr>
+              </a:p>
+            </p:txBody>
+          </p:sp>
+        </p:grpSp>
+        <p:sp>
+          <p:nvSpPr>
+            <p:cNvPr id="7" name="TextBox 6">
+              <a:extLst>
+                <a:ext uri="{FF2B5EF4-FFF2-40B4-BE49-F238E27FC236}">
+                  <a16:creationId xmlns:a16="http://schemas.microsoft.com/office/drawing/2014/main" id="{388779FE-7549-FF7E-561E-402898173FFC}"/>
+                </a:ext>
+              </a:extLst>
+            </p:cNvPr>
+            <p:cNvSpPr txBox="1"/>
+            <p:nvPr/>
+          </p:nvSpPr>
+          <p:spPr>
+            <a:xfrm>
+              <a:off x="2798438" y="1511973"/>
+              <a:ext cx="795178" cy="707886"/>
+            </a:xfrm>
+            <a:prstGeom prst="rect">
+              <a:avLst/>
+            </a:prstGeom>
+            <a:noFill/>
+          </p:spPr>
+          <p:txBody>
+            <a:bodyPr wrap="square">
+              <a:spAutoFit/>
+            </a:bodyPr>
+            <a:lstStyle/>
+            <a:p>
+              <a:r>
+                <a:rPr lang="pt-BR" sz="1000" dirty="0"/>
+                <a:t>No</a:t>
+              </a:r>
+            </a:p>
+            <a:p>
+              <a:r>
+                <a:rPr lang="pt-BR" sz="1000" dirty="0"/>
+                <a:t>local</a:t>
+              </a:r>
+            </a:p>
+            <a:p>
+              <a:r>
+                <a:rPr lang="pt-BR" sz="1000" dirty="0"/>
+                <a:t>Temp. </a:t>
+              </a:r>
+            </a:p>
+            <a:p>
+              <a:r>
+                <a:rPr lang="pt-BR" sz="1000" dirty="0"/>
+                <a:t>ok</a:t>
+              </a:r>
+              <a:endParaRPr lang="LID4096" sz="1000" dirty="0"/>
+            </a:p>
+          </p:txBody>
+        </p:sp>
+        <p:pic>
+          <p:nvPicPr>
+            <p:cNvPr id="21" name="Picture 20">
+              <a:extLst>
+                <a:ext uri="{FF2B5EF4-FFF2-40B4-BE49-F238E27FC236}">
+                  <a16:creationId xmlns:a16="http://schemas.microsoft.com/office/drawing/2014/main" id="{B439789A-090D-4A1D-DF97-7BACEE7DB22D}"/>
+                </a:ext>
+              </a:extLst>
+            </p:cNvPr>
+            <p:cNvPicPr>
+              <a:picLocks noChangeAspect="1"/>
+            </p:cNvPicPr>
+            <p:nvPr/>
+          </p:nvPicPr>
+          <p:blipFill>
+            <a:blip r:embed="rId23"/>
+            <a:stretch>
+              <a:fillRect/>
+            </a:stretch>
+          </p:blipFill>
+          <p:spPr>
+            <a:xfrm>
+              <a:off x="474458" y="1827781"/>
+              <a:ext cx="2343150" cy="180975"/>
+            </a:xfrm>
+            <a:prstGeom prst="rect">
+              <a:avLst/>
+            </a:prstGeom>
+            <a:ln>
+              <a:solidFill>
+                <a:srgbClr val="FF0000"/>
+              </a:solidFill>
+            </a:ln>
+          </p:spPr>
+        </p:pic>
+        <p:pic>
+          <p:nvPicPr>
+            <p:cNvPr id="12" name="Picture 11">
+              <a:extLst>
+                <a:ext uri="{FF2B5EF4-FFF2-40B4-BE49-F238E27FC236}">
+                  <a16:creationId xmlns:a16="http://schemas.microsoft.com/office/drawing/2014/main" id="{46CDE9FA-2B73-BA9C-FE8B-0072C2821F42}"/>
+                </a:ext>
+              </a:extLst>
+            </p:cNvPr>
+            <p:cNvPicPr>
+              <a:picLocks noChangeAspect="1"/>
+            </p:cNvPicPr>
+            <p:nvPr/>
+          </p:nvPicPr>
+          <p:blipFill>
+            <a:blip r:embed="rId24"/>
+            <a:stretch>
+              <a:fillRect/>
+            </a:stretch>
+          </p:blipFill>
+          <p:spPr>
+            <a:xfrm>
+              <a:off x="441013" y="2259849"/>
+              <a:ext cx="904875" cy="228600"/>
+            </a:xfrm>
+            <a:prstGeom prst="rect">
+              <a:avLst/>
+            </a:prstGeom>
+          </p:spPr>
+        </p:pic>
+        <p:sp>
+          <p:nvSpPr>
+            <p:cNvPr id="27" name="TextBox 26">
+              <a:extLst>
+                <a:ext uri="{FF2B5EF4-FFF2-40B4-BE49-F238E27FC236}">
+                  <a16:creationId xmlns:a16="http://schemas.microsoft.com/office/drawing/2014/main" id="{E1306BEF-02CF-D663-26B6-B8F4A1CA97EF}"/>
+                </a:ext>
+              </a:extLst>
+            </p:cNvPr>
+            <p:cNvSpPr txBox="1">
+              <a:spLocks noChangeAspect="1"/>
+            </p:cNvSpPr>
+            <p:nvPr/>
+          </p:nvSpPr>
+          <p:spPr>
+            <a:xfrm>
+              <a:off x="2548377" y="3449123"/>
+              <a:ext cx="709686" cy="283668"/>
+            </a:xfrm>
+            <a:prstGeom prst="rect">
+              <a:avLst/>
+            </a:prstGeom>
+            <a:solidFill>
+              <a:srgbClr val="FFCCFF"/>
+            </a:solidFill>
+          </p:spPr>
+          <p:txBody>
+            <a:bodyPr wrap="none" lIns="0" tIns="0" rIns="0" bIns="0" anchor="ctr" anchorCtr="0">
+              <a:noAutofit/>
+            </a:bodyPr>
+            <a:lstStyle/>
+            <a:p>
+              <a:pPr algn="ctr"/>
+              <a:r>
+                <a:rPr lang="en-US" sz="800" b="1" dirty="0"/>
+                <a:t>Last one: </a:t>
+              </a:r>
+            </a:p>
+            <a:p>
+              <a:pPr algn="ctr"/>
+              <a:r>
+                <a:rPr lang="en-US" sz="800" b="1" dirty="0"/>
+                <a:t>Move on … </a:t>
+              </a:r>
+            </a:p>
+          </p:txBody>
+        </p:sp>
+        <p:pic>
+          <p:nvPicPr>
+            <p:cNvPr id="10" name="Picture 9">
+              <a:extLst>
+                <a:ext uri="{FF2B5EF4-FFF2-40B4-BE49-F238E27FC236}">
+                  <a16:creationId xmlns:a16="http://schemas.microsoft.com/office/drawing/2014/main" id="{B235E6B6-C542-7BA1-254C-8A22F7F4ED1C}"/>
+                </a:ext>
+              </a:extLst>
+            </p:cNvPr>
+            <p:cNvPicPr>
+              <a:picLocks noChangeAspect="1"/>
+            </p:cNvPicPr>
+            <p:nvPr/>
+          </p:nvPicPr>
+          <p:blipFill>
+            <a:blip r:embed="rId25"/>
+            <a:srcRect b="50000"/>
+            <a:stretch/>
+          </p:blipFill>
+          <p:spPr>
+            <a:xfrm>
+              <a:off x="309699" y="1607281"/>
+              <a:ext cx="2362200" cy="200025"/>
+            </a:xfrm>
+            <a:prstGeom prst="rect">
+              <a:avLst/>
+            </a:prstGeom>
+          </p:spPr>
+        </p:pic>
+        <p:pic>
+          <p:nvPicPr>
+            <p:cNvPr id="13" name="Picture 12">
+              <a:extLst>
+                <a:ext uri="{FF2B5EF4-FFF2-40B4-BE49-F238E27FC236}">
+                  <a16:creationId xmlns:a16="http://schemas.microsoft.com/office/drawing/2014/main" id="{70805933-1241-0B13-423D-60FC01380D65}"/>
+                </a:ext>
+              </a:extLst>
+            </p:cNvPr>
+            <p:cNvPicPr>
+              <a:picLocks noChangeAspect="1"/>
+            </p:cNvPicPr>
+            <p:nvPr/>
+          </p:nvPicPr>
+          <p:blipFill>
+            <a:blip r:embed="rId25"/>
+            <a:srcRect t="49775"/>
+            <a:stretch/>
+          </p:blipFill>
+          <p:spPr>
+            <a:xfrm>
+              <a:off x="321521" y="2070424"/>
+              <a:ext cx="2362200" cy="200930"/>
+            </a:xfrm>
+            <a:prstGeom prst="rect">
+              <a:avLst/>
+            </a:prstGeom>
+          </p:spPr>
+        </p:pic>
+        <p:pic>
+          <p:nvPicPr>
+            <p:cNvPr id="14" name="Picture 13">
+              <a:extLst>
+                <a:ext uri="{FF2B5EF4-FFF2-40B4-BE49-F238E27FC236}">
+                  <a16:creationId xmlns:a16="http://schemas.microsoft.com/office/drawing/2014/main" id="{E5F24A57-18FA-2FE4-2F7F-F57A750026BD}"/>
+                </a:ext>
+              </a:extLst>
+            </p:cNvPr>
+            <p:cNvPicPr>
+              <a:picLocks noChangeAspect="1"/>
+            </p:cNvPicPr>
+            <p:nvPr/>
+          </p:nvPicPr>
+          <p:blipFill>
+            <a:blip r:embed="rId26"/>
+            <a:srcRect r="74025" b="13003"/>
+            <a:stretch/>
+          </p:blipFill>
+          <p:spPr>
+            <a:xfrm>
+              <a:off x="334006" y="2996669"/>
+              <a:ext cx="502239" cy="174015"/>
+            </a:xfrm>
+            <a:prstGeom prst="rect">
+              <a:avLst/>
+            </a:prstGeom>
+          </p:spPr>
+        </p:pic>
+        <p:pic>
+          <p:nvPicPr>
+            <p:cNvPr id="11" name="Picture 10">
+              <a:extLst>
+                <a:ext uri="{FF2B5EF4-FFF2-40B4-BE49-F238E27FC236}">
+                  <a16:creationId xmlns:a16="http://schemas.microsoft.com/office/drawing/2014/main" id="{745EB0EC-CE42-C9EA-AECD-B72A481757F0}"/>
+                </a:ext>
+              </a:extLst>
+            </p:cNvPr>
+            <p:cNvPicPr>
+              <a:picLocks noChangeAspect="1"/>
+            </p:cNvPicPr>
+            <p:nvPr/>
+          </p:nvPicPr>
+          <p:blipFill>
+            <a:blip r:embed="rId27"/>
+            <a:stretch>
+              <a:fillRect/>
+            </a:stretch>
+          </p:blipFill>
+          <p:spPr>
+            <a:xfrm>
+              <a:off x="474458" y="2539150"/>
+              <a:ext cx="2790825" cy="409575"/>
+            </a:xfrm>
+            <a:prstGeom prst="rect">
+              <a:avLst/>
+            </a:prstGeom>
+            <a:ln>
+              <a:solidFill>
+                <a:srgbClr val="FF0000"/>
+              </a:solidFill>
+            </a:ln>
+          </p:spPr>
+        </p:pic>
+        <p:sp>
+          <p:nvSpPr>
+            <p:cNvPr id="15" name="TextBox 14">
+              <a:extLst>
+                <a:ext uri="{FF2B5EF4-FFF2-40B4-BE49-F238E27FC236}">
+                  <a16:creationId xmlns:a16="http://schemas.microsoft.com/office/drawing/2014/main" id="{7DDD30BD-0845-D3C2-3409-A2B98F2B6646}"/>
+                </a:ext>
+              </a:extLst>
+            </p:cNvPr>
+            <p:cNvSpPr txBox="1"/>
+            <p:nvPr/>
+          </p:nvSpPr>
+          <p:spPr>
+            <a:xfrm>
+              <a:off x="2154446" y="2285240"/>
+              <a:ext cx="1106757" cy="246221"/>
+            </a:xfrm>
+            <a:prstGeom prst="rect">
+              <a:avLst/>
+            </a:prstGeom>
+            <a:noFill/>
+          </p:spPr>
+          <p:txBody>
+            <a:bodyPr wrap="square">
+              <a:spAutoFit/>
+            </a:bodyPr>
+            <a:lstStyle/>
+            <a:p>
+              <a:pPr algn="r"/>
+              <a:r>
+                <a:rPr lang="en-US" sz="1000" dirty="0">
+                  <a:solidFill>
+                    <a:srgbClr val="FF0000"/>
+                  </a:solidFill>
+                </a:rPr>
+                <a:t>Sfrmaker err</a:t>
+              </a:r>
+            </a:p>
+          </p:txBody>
+        </p:sp>
+        <p:sp>
+          <p:nvSpPr>
+            <p:cNvPr id="16" name="TextBox 15">
+              <a:extLst>
+                <a:ext uri="{FF2B5EF4-FFF2-40B4-BE49-F238E27FC236}">
+                  <a16:creationId xmlns:a16="http://schemas.microsoft.com/office/drawing/2014/main" id="{D1B19020-64F5-1E91-C134-C5F989CFBE26}"/>
+                </a:ext>
+              </a:extLst>
+            </p:cNvPr>
+            <p:cNvSpPr txBox="1"/>
+            <p:nvPr/>
+          </p:nvSpPr>
+          <p:spPr>
+            <a:xfrm>
+              <a:off x="1697165" y="2956067"/>
+              <a:ext cx="1564037" cy="246221"/>
+            </a:xfrm>
+            <a:prstGeom prst="rect">
+              <a:avLst/>
+            </a:prstGeom>
+            <a:noFill/>
+          </p:spPr>
+          <p:txBody>
+            <a:bodyPr wrap="square">
+              <a:spAutoFit/>
+            </a:bodyPr>
+            <a:lstStyle/>
+            <a:p>
+              <a:pPr algn="r"/>
+              <a:r>
+                <a:rPr lang="en-US" sz="1000" dirty="0">
+                  <a:solidFill>
+                    <a:srgbClr val="FF0000"/>
+                  </a:solidFill>
+                </a:rPr>
+                <a:t>Sfrmaker &amp; New folder err</a:t>
+              </a:r>
+            </a:p>
+          </p:txBody>
+        </p:sp>
+        <p:sp>
+          <p:nvSpPr>
+            <p:cNvPr id="33" name="TextBox 32">
+              <a:extLst>
+                <a:ext uri="{FF2B5EF4-FFF2-40B4-BE49-F238E27FC236}">
+                  <a16:creationId xmlns:a16="http://schemas.microsoft.com/office/drawing/2014/main" id="{A613950A-3980-B8FE-54DA-5226213DAEBB}"/>
+                </a:ext>
+              </a:extLst>
+            </p:cNvPr>
+            <p:cNvSpPr txBox="1"/>
+            <p:nvPr/>
+          </p:nvSpPr>
+          <p:spPr>
+            <a:xfrm>
+              <a:off x="491139" y="3430540"/>
+              <a:ext cx="640359" cy="369332"/>
+            </a:xfrm>
+            <a:prstGeom prst="rect">
+              <a:avLst/>
+            </a:prstGeom>
+            <a:noFill/>
+          </p:spPr>
+          <p:txBody>
+            <a:bodyPr wrap="square" lIns="0" tIns="0" rIns="0" bIns="0" anchor="t" anchorCtr="0">
+              <a:noAutofit/>
+            </a:bodyPr>
+            <a:lstStyle/>
+            <a:p>
+              <a:r>
+                <a:rPr lang="pt-BR" sz="1400" dirty="0"/>
+                <a:t>04</a:t>
+              </a:r>
+            </a:p>
+            <a:p>
+              <a:endParaRPr lang="pt-BR" sz="1400" dirty="0"/>
+            </a:p>
+            <a:p>
+              <a:r>
+                <a:rPr lang="pt-BR" sz="1400" dirty="0"/>
+                <a:t>05</a:t>
+              </a:r>
+            </a:p>
+            <a:p>
+              <a:endParaRPr lang="pt-BR" sz="1400" dirty="0"/>
+            </a:p>
+            <a:p>
+              <a:r>
+                <a:rPr lang="pt-BR" sz="1400" dirty="0"/>
+                <a:t>06</a:t>
+              </a:r>
+            </a:p>
+            <a:p>
+              <a:endParaRPr lang="pt-BR" sz="1400" dirty="0"/>
+            </a:p>
+            <a:p>
+              <a:r>
+                <a:rPr lang="pt-BR" sz="1400" dirty="0"/>
+                <a:t>07</a:t>
+              </a:r>
+            </a:p>
+            <a:p>
+              <a:endParaRPr lang="pt-BR" sz="1400" dirty="0"/>
+            </a:p>
+            <a:p>
+              <a:r>
+                <a:rPr lang="pt-BR" sz="1400" dirty="0"/>
+                <a:t>08</a:t>
+              </a:r>
+            </a:p>
+            <a:p>
+              <a:endParaRPr lang="pt-BR" sz="1400" dirty="0"/>
+            </a:p>
+            <a:p>
+              <a:r>
+                <a:rPr lang="pt-BR" sz="1400" dirty="0"/>
+                <a:t>...</a:t>
+              </a:r>
+              <a:endParaRPr lang="LID4096" sz="1400" dirty="0"/>
+            </a:p>
+          </p:txBody>
+        </p:sp>
+        <p:pic>
+          <p:nvPicPr>
+            <p:cNvPr id="63" name="Picture 62">
+              <a:extLst>
+                <a:ext uri="{FF2B5EF4-FFF2-40B4-BE49-F238E27FC236}">
+                  <a16:creationId xmlns:a16="http://schemas.microsoft.com/office/drawing/2014/main" id="{F476B806-A02A-2ABB-BB9D-E03E011D2E75}"/>
+                </a:ext>
+              </a:extLst>
+            </p:cNvPr>
+            <p:cNvPicPr>
+              <a:picLocks noChangeAspect="1"/>
+            </p:cNvPicPr>
+            <p:nvPr/>
+          </p:nvPicPr>
+          <p:blipFill>
+            <a:blip r:embed="rId28"/>
+            <a:srcRect t="50001" b="-1"/>
+            <a:stretch/>
+          </p:blipFill>
+          <p:spPr>
+            <a:xfrm>
+              <a:off x="2012191" y="3179760"/>
+              <a:ext cx="1333500" cy="204787"/>
+            </a:xfrm>
+            <a:prstGeom prst="rect">
+              <a:avLst/>
+            </a:prstGeom>
+          </p:spPr>
+        </p:pic>
+        <p:sp>
+          <p:nvSpPr>
+            <p:cNvPr id="65" name="TextBox 64">
+              <a:extLst>
+                <a:ext uri="{FF2B5EF4-FFF2-40B4-BE49-F238E27FC236}">
+                  <a16:creationId xmlns:a16="http://schemas.microsoft.com/office/drawing/2014/main" id="{24C257E0-69A8-2101-C6C8-AAABFEA746B7}"/>
+                </a:ext>
+              </a:extLst>
+            </p:cNvPr>
+            <p:cNvSpPr txBox="1"/>
+            <p:nvPr/>
+          </p:nvSpPr>
+          <p:spPr>
+            <a:xfrm>
+              <a:off x="818113" y="3033973"/>
+              <a:ext cx="588361" cy="523220"/>
+            </a:xfrm>
+            <a:prstGeom prst="rect">
+              <a:avLst/>
+            </a:prstGeom>
+            <a:noFill/>
+          </p:spPr>
+          <p:txBody>
+            <a:bodyPr wrap="square">
+              <a:spAutoFit/>
+            </a:bodyPr>
+            <a:lstStyle>
+              <a:defPPr>
+                <a:defRPr lang="LID4096"/>
+              </a:defPPr>
+              <a:lvl1pPr>
+                <a:defRPr sz="1100" b="1"/>
+              </a:lvl1pPr>
+            </a:lstStyle>
+            <a:p>
+              <a:r>
+                <a:rPr lang="en-US" sz="2800" dirty="0"/>
+                <a:t>01</a:t>
+              </a:r>
+              <a:endParaRPr lang="LID4096" sz="2800" dirty="0"/>
+            </a:p>
+          </p:txBody>
+        </p:sp>
+      </p:grpSp>
+      <p:sp>
+        <p:nvSpPr>
+          <p:cNvPr id="68" name="Rectangle 1">
+            <a:extLst>
+              <a:ext uri="{FF2B5EF4-FFF2-40B4-BE49-F238E27FC236}">
+                <a16:creationId xmlns:a16="http://schemas.microsoft.com/office/drawing/2014/main" id="{859A6A90-0DE6-B877-6C23-8E89C5AF3244}"/>
+              </a:ext>
+            </a:extLst>
+          </p:cNvPr>
+          <p:cNvSpPr>
+            <a:spLocks noChangeArrowheads="1"/>
+          </p:cNvSpPr>
+          <p:nvPr/>
+        </p:nvSpPr>
+        <p:spPr bwMode="auto">
+          <a:xfrm>
+            <a:off x="10052577" y="4571346"/>
+            <a:ext cx="1974167" cy="1169551"/>
           </a:xfrm>
           <a:prstGeom prst="rect">
             <a:avLst/>
           </a:prstGeom>
+          <a:noFill/>
         </p:spPr>
-      </p:pic>
-      <p:pic>
-        <p:nvPicPr>
-          <p:cNvPr id="14" name="Picture 13">
-            <a:extLst>
-              <a:ext uri="{FF2B5EF4-FFF2-40B4-BE49-F238E27FC236}">
-                <a16:creationId xmlns:a16="http://schemas.microsoft.com/office/drawing/2014/main" id="{E5F24A57-18FA-2FE4-2F7F-F57A750026BD}"/>
-              </a:ext>
-            </a:extLst>
-          </p:cNvPr>
-          <p:cNvPicPr>
-            <a:picLocks noChangeAspect="1"/>
-          </p:cNvPicPr>
+        <p:txBody>
+          <a:bodyPr wrap="square">
+            <a:spAutoFit/>
+          </a:bodyPr>
+          <a:lstStyle/>
+          <a:p>
+            <a:pPr algn="r"/>
+            <a:r>
+              <a:rPr lang="LID4096" altLang="LID4096" sz="1400" b="1" dirty="0"/>
+              <a:t>multi_threads</a:t>
+            </a:r>
+            <a:endParaRPr lang="pt-BR" altLang="LID4096" sz="1400" b="1" dirty="0"/>
+          </a:p>
+          <a:p>
+            <a:pPr algn="r"/>
+            <a:r>
+              <a:rPr lang="LID4096" altLang="LID4096" sz="1400" b="1" dirty="0"/>
+              <a:t>=</a:t>
+            </a:r>
+            <a:endParaRPr lang="pt-BR" altLang="LID4096" sz="1400" b="1" dirty="0"/>
+          </a:p>
+          <a:p>
+            <a:pPr algn="r"/>
+            <a:r>
+              <a:rPr lang="LID4096" altLang="LID4096" sz="1400" b="1" dirty="0"/>
+              <a:t>false </a:t>
+            </a:r>
+            <a:endParaRPr lang="pt-BR" altLang="LID4096" sz="1400" b="1" dirty="0"/>
+          </a:p>
+          <a:p>
+            <a:pPr algn="r"/>
+            <a:r>
+              <a:rPr lang="LID4096" altLang="LID4096" sz="1400" b="1" dirty="0"/>
+              <a:t>error</a:t>
+            </a:r>
+          </a:p>
+          <a:p>
+            <a:pPr algn="r"/>
+            <a:endParaRPr lang="LID4096" altLang="LID4096" sz="1400" b="1" dirty="0"/>
+          </a:p>
+        </p:txBody>
+      </p:sp>
+      <p:sp>
+        <p:nvSpPr>
+          <p:cNvPr id="70" name="Rectangle 1">
+            <a:extLst>
+              <a:ext uri="{FF2B5EF4-FFF2-40B4-BE49-F238E27FC236}">
+                <a16:creationId xmlns:a16="http://schemas.microsoft.com/office/drawing/2014/main" id="{4FDD9E44-BBC2-91F5-563D-D977254D8380}"/>
+              </a:ext>
+            </a:extLst>
+          </p:cNvPr>
+          <p:cNvSpPr>
+            <a:spLocks noChangeArrowheads="1"/>
+          </p:cNvSpPr>
           <p:nvPr/>
-        </p:nvPicPr>
-        <p:blipFill>
-          <a:blip r:embed="rId4"/>
-          <a:srcRect r="74025" b="13003"/>
-          <a:stretch/>
-        </p:blipFill>
-        <p:spPr>
+        </p:nvSpPr>
+        <p:spPr bwMode="auto">
           <a:xfrm>
-            <a:off x="672997" y="2920297"/>
-            <a:ext cx="502239" cy="174015"/>
+            <a:off x="9885905" y="2461407"/>
+            <a:ext cx="1974167" cy="523220"/>
           </a:xfrm>
           <a:prstGeom prst="rect">
             <a:avLst/>
           </a:prstGeom>
+          <a:noFill/>
         </p:spPr>
-      </p:pic>
+        <p:txBody>
+          <a:bodyPr wrap="square">
+            <a:spAutoFit/>
+          </a:bodyPr>
+          <a:lstStyle/>
+          <a:p>
+            <a:pPr algn="r"/>
+            <a:r>
+              <a:rPr lang="pt-BR" altLang="LID4096" sz="1400" b="1" dirty="0"/>
+              <a:t>Folders </a:t>
+            </a:r>
+          </a:p>
+          <a:p>
+            <a:pPr algn="r"/>
+            <a:r>
+              <a:rPr lang="pt-BR" altLang="LID4096" sz="1400" b="1" dirty="0"/>
+              <a:t>swap</a:t>
+            </a:r>
+            <a:endParaRPr lang="LID4096" altLang="LID4096" sz="1400" b="1" dirty="0"/>
+          </a:p>
+        </p:txBody>
+      </p:sp>
+      <p:sp>
+        <p:nvSpPr>
+          <p:cNvPr id="87" name="TextBox 86">
+            <a:extLst>
+              <a:ext uri="{FF2B5EF4-FFF2-40B4-BE49-F238E27FC236}">
+                <a16:creationId xmlns:a16="http://schemas.microsoft.com/office/drawing/2014/main" id="{BE083447-7ECE-EDAB-CFE8-FA278C7920CF}"/>
+              </a:ext>
+            </a:extLst>
+          </p:cNvPr>
+          <p:cNvSpPr txBox="1">
+            <a:spLocks noChangeAspect="1"/>
+          </p:cNvSpPr>
+          <p:nvPr/>
+        </p:nvSpPr>
+        <p:spPr>
+          <a:xfrm>
+            <a:off x="5851892" y="1526827"/>
+            <a:ext cx="281830" cy="264514"/>
+          </a:xfrm>
+          <a:prstGeom prst="rect">
+            <a:avLst/>
+          </a:prstGeom>
+          <a:solidFill>
+            <a:schemeClr val="accent2"/>
+          </a:solidFill>
+        </p:spPr>
+        <p:txBody>
+          <a:bodyPr wrap="none" lIns="0" tIns="0" rIns="0" bIns="0" anchor="ctr" anchorCtr="0">
+            <a:noAutofit/>
+          </a:bodyPr>
+          <a:lstStyle/>
+          <a:p>
+            <a:pPr algn="ctr"/>
+            <a:r>
+              <a:rPr lang="pt-BR" sz="1500" b="1" dirty="0">
+                <a:solidFill>
+                  <a:schemeClr val="bg1"/>
+                </a:solidFill>
+              </a:rPr>
+              <a:t>2</a:t>
+            </a:r>
+            <a:endParaRPr lang="LID4096" sz="1500" b="1" dirty="0">
+              <a:solidFill>
+                <a:schemeClr val="bg1"/>
+              </a:solidFill>
+            </a:endParaRPr>
+          </a:p>
+        </p:txBody>
+      </p:sp>
+      <p:sp>
+        <p:nvSpPr>
+          <p:cNvPr id="88" name="TextBox 87">
+            <a:extLst>
+              <a:ext uri="{FF2B5EF4-FFF2-40B4-BE49-F238E27FC236}">
+                <a16:creationId xmlns:a16="http://schemas.microsoft.com/office/drawing/2014/main" id="{972DA45F-3317-6309-678F-1372B021C87B}"/>
+              </a:ext>
+            </a:extLst>
+          </p:cNvPr>
+          <p:cNvSpPr txBox="1">
+            <a:spLocks noChangeAspect="1"/>
+          </p:cNvSpPr>
+          <p:nvPr/>
+        </p:nvSpPr>
+        <p:spPr>
+          <a:xfrm>
+            <a:off x="5847957" y="2748932"/>
+            <a:ext cx="281830" cy="271377"/>
+          </a:xfrm>
+          <a:prstGeom prst="rect">
+            <a:avLst/>
+          </a:prstGeom>
+          <a:solidFill>
+            <a:schemeClr val="accent2"/>
+          </a:solidFill>
+        </p:spPr>
+        <p:txBody>
+          <a:bodyPr wrap="none" lIns="0" tIns="0" rIns="0" bIns="0" anchor="ctr" anchorCtr="0">
+            <a:noAutofit/>
+          </a:bodyPr>
+          <a:lstStyle/>
+          <a:p>
+            <a:pPr algn="ctr"/>
+            <a:r>
+              <a:rPr lang="pt-BR" sz="1500" b="1" dirty="0">
+                <a:solidFill>
+                  <a:schemeClr val="bg1"/>
+                </a:solidFill>
+              </a:rPr>
+              <a:t>2</a:t>
+            </a:r>
+            <a:endParaRPr lang="LID4096" sz="1500" b="1" dirty="0">
+              <a:solidFill>
+                <a:schemeClr val="bg1"/>
+              </a:solidFill>
+            </a:endParaRPr>
+          </a:p>
+        </p:txBody>
+      </p:sp>
+      <p:sp>
+        <p:nvSpPr>
+          <p:cNvPr id="89" name="TextBox 88">
+            <a:extLst>
+              <a:ext uri="{FF2B5EF4-FFF2-40B4-BE49-F238E27FC236}">
+                <a16:creationId xmlns:a16="http://schemas.microsoft.com/office/drawing/2014/main" id="{E503C450-DF88-1404-8AB0-C02972C9A029}"/>
+              </a:ext>
+            </a:extLst>
+          </p:cNvPr>
+          <p:cNvSpPr txBox="1">
+            <a:spLocks noChangeAspect="1"/>
+          </p:cNvSpPr>
+          <p:nvPr/>
+        </p:nvSpPr>
+        <p:spPr>
+          <a:xfrm>
+            <a:off x="5846478" y="4763244"/>
+            <a:ext cx="281830" cy="273747"/>
+          </a:xfrm>
+          <a:prstGeom prst="rect">
+            <a:avLst/>
+          </a:prstGeom>
+          <a:solidFill>
+            <a:schemeClr val="accent2"/>
+          </a:solidFill>
+        </p:spPr>
+        <p:txBody>
+          <a:bodyPr wrap="none" lIns="0" tIns="0" rIns="0" bIns="0" anchor="ctr" anchorCtr="0">
+            <a:noAutofit/>
+          </a:bodyPr>
+          <a:lstStyle/>
+          <a:p>
+            <a:pPr algn="ctr"/>
+            <a:r>
+              <a:rPr lang="pt-BR" sz="1500" b="1" dirty="0">
+                <a:solidFill>
+                  <a:schemeClr val="bg1"/>
+                </a:solidFill>
+              </a:rPr>
+              <a:t>2</a:t>
+            </a:r>
+            <a:endParaRPr lang="LID4096" sz="1500" b="1" dirty="0">
+              <a:solidFill>
+                <a:schemeClr val="bg1"/>
+              </a:solidFill>
+            </a:endParaRPr>
+          </a:p>
+        </p:txBody>
+      </p:sp>
     </p:spTree>
     <p:extLst>
       <p:ext uri="{BB962C8B-B14F-4D97-AF65-F5344CB8AC3E}">
@@ -10811,258 +11139,497 @@
           <a:chExt cx="0" cy="0"/>
         </a:xfrm>
       </p:grpSpPr>
-      <p:pic>
-        <p:nvPicPr>
-          <p:cNvPr id="3" name="Picture 2">
-            <a:extLst>
-              <a:ext uri="{FF2B5EF4-FFF2-40B4-BE49-F238E27FC236}">
-                <a16:creationId xmlns:a16="http://schemas.microsoft.com/office/drawing/2014/main" id="{21AA11D0-0F1A-FA13-B535-46B4B5395119}"/>
-              </a:ext>
-            </a:extLst>
-          </p:cNvPr>
-          <p:cNvPicPr>
-            <a:picLocks noChangeAspect="1"/>
-          </p:cNvPicPr>
+      <p:grpSp>
+        <p:nvGrpSpPr>
+          <p:cNvPr id="72" name="Group 71">
+            <a:extLst>
+              <a:ext uri="{FF2B5EF4-FFF2-40B4-BE49-F238E27FC236}">
+                <a16:creationId xmlns:a16="http://schemas.microsoft.com/office/drawing/2014/main" id="{62CBD34A-8A18-C39F-A7FF-E36192AB2EA8}"/>
+              </a:ext>
+            </a:extLst>
+          </p:cNvPr>
+          <p:cNvGrpSpPr/>
           <p:nvPr/>
-        </p:nvPicPr>
-        <p:blipFill>
-          <a:blip r:embed="rId2"/>
-          <a:stretch>
-            <a:fillRect/>
-          </a:stretch>
-        </p:blipFill>
-        <p:spPr>
+        </p:nvGrpSpPr>
+        <p:grpSpPr>
           <a:xfrm>
             <a:off x="470561" y="276136"/>
-            <a:ext cx="1038225" cy="2800350"/>
+            <a:ext cx="3590828" cy="6428039"/>
+            <a:chOff x="470561" y="276136"/>
+            <a:chExt cx="3590828" cy="6428039"/>
           </a:xfrm>
-          <a:prstGeom prst="rect">
-            <a:avLst/>
-          </a:prstGeom>
-        </p:spPr>
-      </p:pic>
-      <p:sp>
-        <p:nvSpPr>
-          <p:cNvPr id="4" name="Rectangle 3">
-            <a:extLst>
-              <a:ext uri="{FF2B5EF4-FFF2-40B4-BE49-F238E27FC236}">
-                <a16:creationId xmlns:a16="http://schemas.microsoft.com/office/drawing/2014/main" id="{6FE607B3-0FDA-E3F8-729C-14104E42EF8C}"/>
-              </a:ext>
-            </a:extLst>
-          </p:cNvPr>
-          <p:cNvSpPr/>
-          <p:nvPr/>
-        </p:nvSpPr>
-        <p:spPr>
-          <a:xfrm>
-            <a:off x="470561" y="276136"/>
-            <a:ext cx="1762124" cy="589344"/>
-          </a:xfrm>
-          <a:prstGeom prst="rect">
-            <a:avLst/>
-          </a:prstGeom>
-          <a:noFill/>
-          <a:ln w="6350">
-            <a:solidFill>
-              <a:schemeClr val="tx1"/>
-            </a:solidFill>
-          </a:ln>
-          <a:effectLst>
-            <a:outerShdw blurRad="50800" dist="38100" dir="8100000" algn="tr" rotWithShape="0">
-              <a:prstClr val="black">
-                <a:alpha val="40000"/>
-              </a:prstClr>
-            </a:outerShdw>
-          </a:effectLst>
-        </p:spPr>
-        <p:txBody>
-          <a:bodyPr wrap="none" anchor="ctr" anchorCtr="0">
-            <a:noAutofit/>
-          </a:bodyPr>
-          <a:lstStyle/>
-          <a:p>
-            <a:endParaRPr lang="LID4096" dirty="0"/>
-          </a:p>
-        </p:txBody>
-      </p:sp>
-      <p:sp>
-        <p:nvSpPr>
-          <p:cNvPr id="5" name="Rectangle 4">
-            <a:extLst>
-              <a:ext uri="{FF2B5EF4-FFF2-40B4-BE49-F238E27FC236}">
-                <a16:creationId xmlns:a16="http://schemas.microsoft.com/office/drawing/2014/main" id="{B3AAC189-131B-91C6-CCC2-88F8527E45C5}"/>
-              </a:ext>
-            </a:extLst>
-          </p:cNvPr>
-          <p:cNvSpPr/>
-          <p:nvPr/>
-        </p:nvSpPr>
-        <p:spPr>
-          <a:xfrm>
-            <a:off x="470561" y="2655606"/>
-            <a:ext cx="1762124" cy="420880"/>
-          </a:xfrm>
-          <a:prstGeom prst="rect">
-            <a:avLst/>
-          </a:prstGeom>
-          <a:noFill/>
-          <a:ln w="6350">
-            <a:solidFill>
-              <a:schemeClr val="tx1"/>
-            </a:solidFill>
-          </a:ln>
-          <a:effectLst>
-            <a:outerShdw blurRad="50800" dist="38100" dir="8100000" algn="tr" rotWithShape="0">
-              <a:prstClr val="black">
-                <a:alpha val="40000"/>
-              </a:prstClr>
-            </a:outerShdw>
-          </a:effectLst>
-        </p:spPr>
-        <p:txBody>
-          <a:bodyPr wrap="none" anchor="ctr" anchorCtr="0">
-            <a:noAutofit/>
-          </a:bodyPr>
-          <a:lstStyle/>
-          <a:p>
-            <a:endParaRPr lang="LID4096" dirty="0"/>
-          </a:p>
-        </p:txBody>
-      </p:sp>
-      <p:pic>
-        <p:nvPicPr>
-          <p:cNvPr id="8" name="Picture 7">
-            <a:extLst>
-              <a:ext uri="{FF2B5EF4-FFF2-40B4-BE49-F238E27FC236}">
-                <a16:creationId xmlns:a16="http://schemas.microsoft.com/office/drawing/2014/main" id="{7F190894-2B04-81BB-5709-5A5DAEC6A541}"/>
-              </a:ext>
-            </a:extLst>
-          </p:cNvPr>
-          <p:cNvPicPr>
-            <a:picLocks noChangeAspect="1"/>
-          </p:cNvPicPr>
-          <p:nvPr/>
-        </p:nvPicPr>
-        <p:blipFill>
-          <a:blip r:embed="rId3"/>
-          <a:stretch>
-            <a:fillRect/>
-          </a:stretch>
-        </p:blipFill>
-        <p:spPr>
-          <a:xfrm>
-            <a:off x="2870764" y="2542196"/>
-            <a:ext cx="1190625" cy="647700"/>
-          </a:xfrm>
-          <a:prstGeom prst="rect">
-            <a:avLst/>
-          </a:prstGeom>
-        </p:spPr>
-      </p:pic>
-      <p:pic>
-        <p:nvPicPr>
-          <p:cNvPr id="11" name="Picture 10">
-            <a:extLst>
-              <a:ext uri="{FF2B5EF4-FFF2-40B4-BE49-F238E27FC236}">
-                <a16:creationId xmlns:a16="http://schemas.microsoft.com/office/drawing/2014/main" id="{ACF8C54C-B04B-9AB6-39BE-9DE88F30FA77}"/>
-              </a:ext>
-            </a:extLst>
-          </p:cNvPr>
-          <p:cNvPicPr>
-            <a:picLocks noChangeAspect="1"/>
-          </p:cNvPicPr>
-          <p:nvPr/>
-        </p:nvPicPr>
-        <p:blipFill>
-          <a:blip r:embed="rId4"/>
-          <a:stretch>
-            <a:fillRect/>
-          </a:stretch>
-        </p:blipFill>
-        <p:spPr>
-          <a:xfrm>
-            <a:off x="470561" y="3275175"/>
-            <a:ext cx="3590828" cy="3429000"/>
-          </a:xfrm>
-          <a:prstGeom prst="rect">
-            <a:avLst/>
-          </a:prstGeom>
-        </p:spPr>
-      </p:pic>
-      <p:sp>
-        <p:nvSpPr>
-          <p:cNvPr id="13" name="Rectangle 12">
-            <a:extLst>
-              <a:ext uri="{FF2B5EF4-FFF2-40B4-BE49-F238E27FC236}">
-                <a16:creationId xmlns:a16="http://schemas.microsoft.com/office/drawing/2014/main" id="{E379EAB0-8C70-5F67-C312-55DC9FE1921C}"/>
-              </a:ext>
-            </a:extLst>
-          </p:cNvPr>
-          <p:cNvSpPr/>
-          <p:nvPr/>
-        </p:nvSpPr>
-        <p:spPr>
-          <a:xfrm>
-            <a:off x="470561" y="873919"/>
-            <a:ext cx="1170232" cy="190250"/>
-          </a:xfrm>
-          <a:prstGeom prst="rect">
-            <a:avLst/>
-          </a:prstGeom>
-          <a:noFill/>
-          <a:ln w="6350">
-            <a:solidFill>
-              <a:srgbClr val="FF0000"/>
-            </a:solidFill>
-          </a:ln>
-          <a:effectLst>
-            <a:outerShdw blurRad="50800" dist="38100" dir="8100000" algn="tr" rotWithShape="0">
-              <a:prstClr val="black">
-                <a:alpha val="40000"/>
-              </a:prstClr>
-            </a:outerShdw>
-          </a:effectLst>
-        </p:spPr>
-        <p:txBody>
-          <a:bodyPr wrap="none" anchor="ctr" anchorCtr="0">
-            <a:noAutofit/>
-          </a:bodyPr>
-          <a:lstStyle/>
-          <a:p>
-            <a:endParaRPr lang="LID4096" dirty="0"/>
-          </a:p>
-        </p:txBody>
-      </p:sp>
-      <p:pic>
-        <p:nvPicPr>
-          <p:cNvPr id="15" name="Picture 14">
-            <a:extLst>
-              <a:ext uri="{FF2B5EF4-FFF2-40B4-BE49-F238E27FC236}">
-                <a16:creationId xmlns:a16="http://schemas.microsoft.com/office/drawing/2014/main" id="{72F8D536-A6C7-3674-1F7E-B06A5ECD65A9}"/>
-              </a:ext>
-            </a:extLst>
-          </p:cNvPr>
-          <p:cNvPicPr>
-            <a:picLocks noChangeAspect="1"/>
-          </p:cNvPicPr>
-          <p:nvPr/>
-        </p:nvPicPr>
-        <p:blipFill>
-          <a:blip r:embed="rId5"/>
-          <a:stretch>
-            <a:fillRect/>
-          </a:stretch>
-        </p:blipFill>
-        <p:spPr>
-          <a:xfrm>
-            <a:off x="1832539" y="969044"/>
-            <a:ext cx="1190625" cy="1020536"/>
-          </a:xfrm>
-          <a:prstGeom prst="rect">
-            <a:avLst/>
-          </a:prstGeom>
-        </p:spPr>
-      </p:pic>
+        </p:grpSpPr>
+        <p:pic>
+          <p:nvPicPr>
+            <p:cNvPr id="3" name="Picture 2">
+              <a:extLst>
+                <a:ext uri="{FF2B5EF4-FFF2-40B4-BE49-F238E27FC236}">
+                  <a16:creationId xmlns:a16="http://schemas.microsoft.com/office/drawing/2014/main" id="{21AA11D0-0F1A-FA13-B535-46B4B5395119}"/>
+                </a:ext>
+              </a:extLst>
+            </p:cNvPr>
+            <p:cNvPicPr>
+              <a:picLocks noChangeAspect="1"/>
+            </p:cNvPicPr>
+            <p:nvPr/>
+          </p:nvPicPr>
+          <p:blipFill>
+            <a:blip r:embed="rId2"/>
+            <a:stretch>
+              <a:fillRect/>
+            </a:stretch>
+          </p:blipFill>
+          <p:spPr>
+            <a:xfrm>
+              <a:off x="470561" y="276136"/>
+              <a:ext cx="1038225" cy="2800350"/>
+            </a:xfrm>
+            <a:prstGeom prst="rect">
+              <a:avLst/>
+            </a:prstGeom>
+          </p:spPr>
+        </p:pic>
+        <p:sp>
+          <p:nvSpPr>
+            <p:cNvPr id="4" name="Rectangle 3">
+              <a:extLst>
+                <a:ext uri="{FF2B5EF4-FFF2-40B4-BE49-F238E27FC236}">
+                  <a16:creationId xmlns:a16="http://schemas.microsoft.com/office/drawing/2014/main" id="{6FE607B3-0FDA-E3F8-729C-14104E42EF8C}"/>
+                </a:ext>
+              </a:extLst>
+            </p:cNvPr>
+            <p:cNvSpPr/>
+            <p:nvPr/>
+          </p:nvSpPr>
+          <p:spPr>
+            <a:xfrm>
+              <a:off x="470561" y="276136"/>
+              <a:ext cx="1038225" cy="589344"/>
+            </a:xfrm>
+            <a:prstGeom prst="rect">
+              <a:avLst/>
+            </a:prstGeom>
+            <a:noFill/>
+            <a:ln w="6350">
+              <a:solidFill>
+                <a:schemeClr val="tx1"/>
+              </a:solidFill>
+            </a:ln>
+            <a:effectLst>
+              <a:outerShdw blurRad="50800" dist="38100" dir="8100000" algn="tr" rotWithShape="0">
+                <a:prstClr val="black">
+                  <a:alpha val="40000"/>
+                </a:prstClr>
+              </a:outerShdw>
+            </a:effectLst>
+          </p:spPr>
+          <p:txBody>
+            <a:bodyPr wrap="none" anchor="ctr" anchorCtr="0">
+              <a:noAutofit/>
+            </a:bodyPr>
+            <a:lstStyle/>
+            <a:p>
+              <a:endParaRPr lang="LID4096" dirty="0"/>
+            </a:p>
+          </p:txBody>
+        </p:sp>
+        <p:sp>
+          <p:nvSpPr>
+            <p:cNvPr id="5" name="Rectangle 4">
+              <a:extLst>
+                <a:ext uri="{FF2B5EF4-FFF2-40B4-BE49-F238E27FC236}">
+                  <a16:creationId xmlns:a16="http://schemas.microsoft.com/office/drawing/2014/main" id="{B3AAC189-131B-91C6-CCC2-88F8527E45C5}"/>
+                </a:ext>
+              </a:extLst>
+            </p:cNvPr>
+            <p:cNvSpPr/>
+            <p:nvPr/>
+          </p:nvSpPr>
+          <p:spPr>
+            <a:xfrm>
+              <a:off x="470561" y="2655606"/>
+              <a:ext cx="1038225" cy="420880"/>
+            </a:xfrm>
+            <a:prstGeom prst="rect">
+              <a:avLst/>
+            </a:prstGeom>
+            <a:noFill/>
+            <a:ln w="6350">
+              <a:solidFill>
+                <a:schemeClr val="tx1"/>
+              </a:solidFill>
+            </a:ln>
+            <a:effectLst>
+              <a:outerShdw blurRad="50800" dist="38100" dir="8100000" algn="tr" rotWithShape="0">
+                <a:prstClr val="black">
+                  <a:alpha val="40000"/>
+                </a:prstClr>
+              </a:outerShdw>
+            </a:effectLst>
+          </p:spPr>
+          <p:txBody>
+            <a:bodyPr wrap="none" anchor="ctr" anchorCtr="0">
+              <a:noAutofit/>
+            </a:bodyPr>
+            <a:lstStyle/>
+            <a:p>
+              <a:endParaRPr lang="LID4096" dirty="0"/>
+            </a:p>
+          </p:txBody>
+        </p:sp>
+        <p:pic>
+          <p:nvPicPr>
+            <p:cNvPr id="8" name="Picture 7">
+              <a:extLst>
+                <a:ext uri="{FF2B5EF4-FFF2-40B4-BE49-F238E27FC236}">
+                  <a16:creationId xmlns:a16="http://schemas.microsoft.com/office/drawing/2014/main" id="{7F190894-2B04-81BB-5709-5A5DAEC6A541}"/>
+                </a:ext>
+              </a:extLst>
+            </p:cNvPr>
+            <p:cNvPicPr>
+              <a:picLocks noChangeAspect="1"/>
+            </p:cNvPicPr>
+            <p:nvPr/>
+          </p:nvPicPr>
+          <p:blipFill>
+            <a:blip r:embed="rId3"/>
+            <a:stretch>
+              <a:fillRect/>
+            </a:stretch>
+          </p:blipFill>
+          <p:spPr>
+            <a:xfrm>
+              <a:off x="2870764" y="2542196"/>
+              <a:ext cx="1190625" cy="647700"/>
+            </a:xfrm>
+            <a:prstGeom prst="rect">
+              <a:avLst/>
+            </a:prstGeom>
+          </p:spPr>
+        </p:pic>
+        <p:pic>
+          <p:nvPicPr>
+            <p:cNvPr id="11" name="Picture 10">
+              <a:extLst>
+                <a:ext uri="{FF2B5EF4-FFF2-40B4-BE49-F238E27FC236}">
+                  <a16:creationId xmlns:a16="http://schemas.microsoft.com/office/drawing/2014/main" id="{ACF8C54C-B04B-9AB6-39BE-9DE88F30FA77}"/>
+                </a:ext>
+              </a:extLst>
+            </p:cNvPr>
+            <p:cNvPicPr>
+              <a:picLocks noChangeAspect="1"/>
+            </p:cNvPicPr>
+            <p:nvPr/>
+          </p:nvPicPr>
+          <p:blipFill>
+            <a:blip r:embed="rId4"/>
+            <a:stretch>
+              <a:fillRect/>
+            </a:stretch>
+          </p:blipFill>
+          <p:spPr>
+            <a:xfrm>
+              <a:off x="470561" y="3275175"/>
+              <a:ext cx="3590828" cy="3429000"/>
+            </a:xfrm>
+            <a:prstGeom prst="rect">
+              <a:avLst/>
+            </a:prstGeom>
+          </p:spPr>
+        </p:pic>
+        <p:sp>
+          <p:nvSpPr>
+            <p:cNvPr id="13" name="Rectangle 12">
+              <a:extLst>
+                <a:ext uri="{FF2B5EF4-FFF2-40B4-BE49-F238E27FC236}">
+                  <a16:creationId xmlns:a16="http://schemas.microsoft.com/office/drawing/2014/main" id="{E379EAB0-8C70-5F67-C312-55DC9FE1921C}"/>
+                </a:ext>
+              </a:extLst>
+            </p:cNvPr>
+            <p:cNvSpPr/>
+            <p:nvPr/>
+          </p:nvSpPr>
+          <p:spPr>
+            <a:xfrm>
+              <a:off x="470561" y="873919"/>
+              <a:ext cx="1170232" cy="190250"/>
+            </a:xfrm>
+            <a:prstGeom prst="rect">
+              <a:avLst/>
+            </a:prstGeom>
+            <a:noFill/>
+            <a:ln w="6350">
+              <a:solidFill>
+                <a:srgbClr val="FF0000"/>
+              </a:solidFill>
+            </a:ln>
+            <a:effectLst>
+              <a:outerShdw blurRad="50800" dist="38100" dir="8100000" algn="tr" rotWithShape="0">
+                <a:prstClr val="black">
+                  <a:alpha val="40000"/>
+                </a:prstClr>
+              </a:outerShdw>
+            </a:effectLst>
+          </p:spPr>
+          <p:txBody>
+            <a:bodyPr wrap="none" anchor="ctr" anchorCtr="0">
+              <a:noAutofit/>
+            </a:bodyPr>
+            <a:lstStyle/>
+            <a:p>
+              <a:endParaRPr lang="LID4096" dirty="0"/>
+            </a:p>
+          </p:txBody>
+        </p:sp>
+        <p:pic>
+          <p:nvPicPr>
+            <p:cNvPr id="15" name="Picture 14">
+              <a:extLst>
+                <a:ext uri="{FF2B5EF4-FFF2-40B4-BE49-F238E27FC236}">
+                  <a16:creationId xmlns:a16="http://schemas.microsoft.com/office/drawing/2014/main" id="{72F8D536-A6C7-3674-1F7E-B06A5ECD65A9}"/>
+                </a:ext>
+              </a:extLst>
+            </p:cNvPr>
+            <p:cNvPicPr>
+              <a:picLocks noChangeAspect="1"/>
+            </p:cNvPicPr>
+            <p:nvPr/>
+          </p:nvPicPr>
+          <p:blipFill>
+            <a:blip r:embed="rId5"/>
+            <a:stretch>
+              <a:fillRect/>
+            </a:stretch>
+          </p:blipFill>
+          <p:spPr>
+            <a:xfrm>
+              <a:off x="2870763" y="1436381"/>
+              <a:ext cx="1190625" cy="1020536"/>
+            </a:xfrm>
+            <a:prstGeom prst="rect">
+              <a:avLst/>
+            </a:prstGeom>
+          </p:spPr>
+        </p:pic>
+        <p:grpSp>
+          <p:nvGrpSpPr>
+            <p:cNvPr id="54" name="Group 53">
+              <a:extLst>
+                <a:ext uri="{FF2B5EF4-FFF2-40B4-BE49-F238E27FC236}">
+                  <a16:creationId xmlns:a16="http://schemas.microsoft.com/office/drawing/2014/main" id="{04FF6EA8-869D-C68D-78A0-7341498F399B}"/>
+                </a:ext>
+              </a:extLst>
+            </p:cNvPr>
+            <p:cNvGrpSpPr>
+              <a:grpSpLocks noChangeAspect="1"/>
+            </p:cNvGrpSpPr>
+            <p:nvPr/>
+          </p:nvGrpSpPr>
+          <p:grpSpPr>
+            <a:xfrm>
+              <a:off x="1582886" y="280000"/>
+              <a:ext cx="2408164" cy="955091"/>
+              <a:chOff x="259991" y="1699283"/>
+              <a:chExt cx="3046482" cy="1208252"/>
+            </a:xfrm>
+          </p:grpSpPr>
+          <p:grpSp>
+            <p:nvGrpSpPr>
+              <p:cNvPr id="55" name="Group 54">
+                <a:extLst>
+                  <a:ext uri="{FF2B5EF4-FFF2-40B4-BE49-F238E27FC236}">
+                    <a16:creationId xmlns:a16="http://schemas.microsoft.com/office/drawing/2014/main" id="{5922C47C-F96B-FA91-0C14-9D99D5C99257}"/>
+                  </a:ext>
+                </a:extLst>
+              </p:cNvPr>
+              <p:cNvGrpSpPr>
+                <a:grpSpLocks noChangeAspect="1"/>
+              </p:cNvGrpSpPr>
+              <p:nvPr/>
+            </p:nvGrpSpPr>
+            <p:grpSpPr>
+              <a:xfrm>
+                <a:off x="259991" y="1699283"/>
+                <a:ext cx="3046482" cy="705691"/>
+                <a:chOff x="9032061" y="5104005"/>
+                <a:chExt cx="3046482" cy="705691"/>
+              </a:xfrm>
+            </p:grpSpPr>
+            <p:pic>
+              <p:nvPicPr>
+                <p:cNvPr id="69" name="Picture 68">
+                  <a:extLst>
+                    <a:ext uri="{FF2B5EF4-FFF2-40B4-BE49-F238E27FC236}">
+                      <a16:creationId xmlns:a16="http://schemas.microsoft.com/office/drawing/2014/main" id="{56BDC998-B0B7-3B62-9281-551FBF9BD4B9}"/>
+                    </a:ext>
+                  </a:extLst>
+                </p:cNvPr>
+                <p:cNvPicPr>
+                  <a:picLocks noChangeAspect="1"/>
+                </p:cNvPicPr>
+                <p:nvPr/>
+              </p:nvPicPr>
+              <p:blipFill>
+                <a:blip r:embed="rId6"/>
+                <a:srcRect t="40041" r="46014" b="40053"/>
+                <a:stretch/>
+              </p:blipFill>
+              <p:spPr>
+                <a:xfrm>
+                  <a:off x="9032061" y="5104005"/>
+                  <a:ext cx="1728301" cy="324649"/>
+                </a:xfrm>
+                <a:prstGeom prst="rect">
+                  <a:avLst/>
+                </a:prstGeom>
+              </p:spPr>
+            </p:pic>
+            <p:sp>
+              <p:nvSpPr>
+                <p:cNvPr id="71" name="TextBox 70">
+                  <a:extLst>
+                    <a:ext uri="{FF2B5EF4-FFF2-40B4-BE49-F238E27FC236}">
+                      <a16:creationId xmlns:a16="http://schemas.microsoft.com/office/drawing/2014/main" id="{33EABC7D-22A7-97E5-D5B4-6F90DFEE1E83}"/>
+                    </a:ext>
+                  </a:extLst>
+                </p:cNvPr>
+                <p:cNvSpPr txBox="1">
+                  <a:spLocks noChangeAspect="1"/>
+                </p:cNvSpPr>
+                <p:nvPr/>
+              </p:nvSpPr>
+              <p:spPr>
+                <a:xfrm>
+                  <a:off x="11644015" y="5387630"/>
+                  <a:ext cx="434528" cy="422066"/>
+                </a:xfrm>
+                <a:prstGeom prst="rect">
+                  <a:avLst/>
+                </a:prstGeom>
+                <a:solidFill>
+                  <a:schemeClr val="accent2"/>
+                </a:solidFill>
+              </p:spPr>
+              <p:txBody>
+                <a:bodyPr wrap="none" lIns="0" tIns="0" rIns="0" bIns="0" anchor="ctr" anchorCtr="0">
+                  <a:noAutofit/>
+                </a:bodyPr>
+                <a:lstStyle/>
+                <a:p>
+                  <a:pPr algn="ctr"/>
+                  <a:r>
+                    <a:rPr lang="pt-BR" sz="1500" b="1" dirty="0">
+                      <a:solidFill>
+                        <a:schemeClr val="bg1"/>
+                      </a:solidFill>
+                    </a:rPr>
+                    <a:t>02</a:t>
+                  </a:r>
+                  <a:endParaRPr lang="LID4096" sz="1500" b="1" dirty="0">
+                    <a:solidFill>
+                      <a:schemeClr val="bg1"/>
+                    </a:solidFill>
+                  </a:endParaRPr>
+                </a:p>
+              </p:txBody>
+            </p:sp>
+          </p:grpSp>
+          <p:pic>
+            <p:nvPicPr>
+              <p:cNvPr id="58" name="Picture 57">
+                <a:extLst>
+                  <a:ext uri="{FF2B5EF4-FFF2-40B4-BE49-F238E27FC236}">
+                    <a16:creationId xmlns:a16="http://schemas.microsoft.com/office/drawing/2014/main" id="{2E3281F0-3750-4AF1-9602-A5415DC555E3}"/>
+                  </a:ext>
+                </a:extLst>
+              </p:cNvPr>
+              <p:cNvPicPr>
+                <a:picLocks noChangeAspect="1"/>
+              </p:cNvPicPr>
+              <p:nvPr/>
+            </p:nvPicPr>
+            <p:blipFill>
+              <a:blip r:embed="rId7"/>
+              <a:stretch>
+                <a:fillRect/>
+              </a:stretch>
+            </p:blipFill>
+            <p:spPr>
+              <a:xfrm>
+                <a:off x="424537" y="2259849"/>
+                <a:ext cx="904875" cy="228600"/>
+              </a:xfrm>
+              <a:prstGeom prst="rect">
+                <a:avLst/>
+              </a:prstGeom>
+            </p:spPr>
+          </p:pic>
+          <p:pic>
+            <p:nvPicPr>
+              <p:cNvPr id="61" name="Picture 60">
+                <a:extLst>
+                  <a:ext uri="{FF2B5EF4-FFF2-40B4-BE49-F238E27FC236}">
+                    <a16:creationId xmlns:a16="http://schemas.microsoft.com/office/drawing/2014/main" id="{69EA200E-CE04-5C23-0AFD-37B706EB4594}"/>
+                  </a:ext>
+                </a:extLst>
+              </p:cNvPr>
+              <p:cNvPicPr>
+                <a:picLocks noChangeAspect="1"/>
+              </p:cNvPicPr>
+              <p:nvPr/>
+            </p:nvPicPr>
+            <p:blipFill>
+              <a:blip r:embed="rId8"/>
+              <a:srcRect t="49775" r="48686"/>
+              <a:stretch/>
+            </p:blipFill>
+            <p:spPr>
+              <a:xfrm>
+                <a:off x="337996" y="1997791"/>
+                <a:ext cx="1650296" cy="273563"/>
+              </a:xfrm>
+              <a:prstGeom prst="rect">
+                <a:avLst/>
+              </a:prstGeom>
+            </p:spPr>
+          </p:pic>
+          <p:pic>
+            <p:nvPicPr>
+              <p:cNvPr id="63" name="Picture 62">
+                <a:extLst>
+                  <a:ext uri="{FF2B5EF4-FFF2-40B4-BE49-F238E27FC236}">
+                    <a16:creationId xmlns:a16="http://schemas.microsoft.com/office/drawing/2014/main" id="{E1219481-9F03-1704-33F1-33CCE8F9D472}"/>
+                  </a:ext>
+                </a:extLst>
+              </p:cNvPr>
+              <p:cNvPicPr>
+                <a:picLocks noChangeAspect="1"/>
+              </p:cNvPicPr>
+              <p:nvPr/>
+            </p:nvPicPr>
+            <p:blipFill>
+              <a:blip r:embed="rId9"/>
+              <a:stretch>
+                <a:fillRect/>
+              </a:stretch>
+            </p:blipFill>
+            <p:spPr>
+              <a:xfrm>
+                <a:off x="515648" y="2497960"/>
+                <a:ext cx="2790825" cy="409575"/>
+              </a:xfrm>
+              <a:prstGeom prst="rect">
+                <a:avLst/>
+              </a:prstGeom>
+              <a:ln>
+                <a:solidFill>
+                  <a:srgbClr val="FF0000"/>
+                </a:solidFill>
+              </a:ln>
+            </p:spPr>
+          </p:pic>
+        </p:grpSp>
+      </p:grpSp>
     </p:spTree>
     <p:extLst>
       <p:ext uri="{BB962C8B-B14F-4D97-AF65-F5344CB8AC3E}">

--- a/01_Follow_up__activities.pptx
+++ b/01_Follow_up__activities.pptx
@@ -268,7 +268,7 @@
           <a:p>
             <a:fld id="{830943F9-8AC6-4393-AEEF-D45C2A43C7C7}" type="datetimeFigureOut">
               <a:rPr lang="LID4096" smtClean="0"/>
-              <a:t>01/09/2025</a:t>
+              <a:t>01/10/2025</a:t>
             </a:fld>
             <a:endParaRPr lang="LID4096"/>
           </a:p>
@@ -468,7 +468,7 @@
           <a:p>
             <a:fld id="{830943F9-8AC6-4393-AEEF-D45C2A43C7C7}" type="datetimeFigureOut">
               <a:rPr lang="LID4096" smtClean="0"/>
-              <a:t>01/09/2025</a:t>
+              <a:t>01/10/2025</a:t>
             </a:fld>
             <a:endParaRPr lang="LID4096"/>
           </a:p>
@@ -678,7 +678,7 @@
           <a:p>
             <a:fld id="{830943F9-8AC6-4393-AEEF-D45C2A43C7C7}" type="datetimeFigureOut">
               <a:rPr lang="LID4096" smtClean="0"/>
-              <a:t>01/09/2025</a:t>
+              <a:t>01/10/2025</a:t>
             </a:fld>
             <a:endParaRPr lang="LID4096"/>
           </a:p>
@@ -878,7 +878,7 @@
           <a:p>
             <a:fld id="{830943F9-8AC6-4393-AEEF-D45C2A43C7C7}" type="datetimeFigureOut">
               <a:rPr lang="LID4096" smtClean="0"/>
-              <a:t>01/09/2025</a:t>
+              <a:t>01/10/2025</a:t>
             </a:fld>
             <a:endParaRPr lang="LID4096"/>
           </a:p>
@@ -1154,7 +1154,7 @@
           <a:p>
             <a:fld id="{830943F9-8AC6-4393-AEEF-D45C2A43C7C7}" type="datetimeFigureOut">
               <a:rPr lang="LID4096" smtClean="0"/>
-              <a:t>01/09/2025</a:t>
+              <a:t>01/10/2025</a:t>
             </a:fld>
             <a:endParaRPr lang="LID4096"/>
           </a:p>
@@ -1422,7 +1422,7 @@
           <a:p>
             <a:fld id="{830943F9-8AC6-4393-AEEF-D45C2A43C7C7}" type="datetimeFigureOut">
               <a:rPr lang="LID4096" smtClean="0"/>
-              <a:t>01/09/2025</a:t>
+              <a:t>01/10/2025</a:t>
             </a:fld>
             <a:endParaRPr lang="LID4096"/>
           </a:p>
@@ -1837,7 +1837,7 @@
           <a:p>
             <a:fld id="{830943F9-8AC6-4393-AEEF-D45C2A43C7C7}" type="datetimeFigureOut">
               <a:rPr lang="LID4096" smtClean="0"/>
-              <a:t>01/09/2025</a:t>
+              <a:t>01/10/2025</a:t>
             </a:fld>
             <a:endParaRPr lang="LID4096"/>
           </a:p>
@@ -1979,7 +1979,7 @@
           <a:p>
             <a:fld id="{830943F9-8AC6-4393-AEEF-D45C2A43C7C7}" type="datetimeFigureOut">
               <a:rPr lang="LID4096" smtClean="0"/>
-              <a:t>01/09/2025</a:t>
+              <a:t>01/10/2025</a:t>
             </a:fld>
             <a:endParaRPr lang="LID4096"/>
           </a:p>
@@ -2092,7 +2092,7 @@
           <a:p>
             <a:fld id="{830943F9-8AC6-4393-AEEF-D45C2A43C7C7}" type="datetimeFigureOut">
               <a:rPr lang="LID4096" smtClean="0"/>
-              <a:t>01/09/2025</a:t>
+              <a:t>01/10/2025</a:t>
             </a:fld>
             <a:endParaRPr lang="LID4096"/>
           </a:p>
@@ -2405,7 +2405,7 @@
           <a:p>
             <a:fld id="{830943F9-8AC6-4393-AEEF-D45C2A43C7C7}" type="datetimeFigureOut">
               <a:rPr lang="LID4096" smtClean="0"/>
-              <a:t>01/09/2025</a:t>
+              <a:t>01/10/2025</a:t>
             </a:fld>
             <a:endParaRPr lang="LID4096"/>
           </a:p>
@@ -2694,7 +2694,7 @@
           <a:p>
             <a:fld id="{830943F9-8AC6-4393-AEEF-D45C2A43C7C7}" type="datetimeFigureOut">
               <a:rPr lang="LID4096" smtClean="0"/>
-              <a:t>01/09/2025</a:t>
+              <a:t>01/10/2025</a:t>
             </a:fld>
             <a:endParaRPr lang="LID4096"/>
           </a:p>
@@ -2937,7 +2937,7 @@
           <a:p>
             <a:fld id="{830943F9-8AC6-4393-AEEF-D45C2A43C7C7}" type="datetimeFigureOut">
               <a:rPr lang="LID4096" smtClean="0"/>
-              <a:t>01/09/2025</a:t>
+              <a:t>01/10/2025</a:t>
             </a:fld>
             <a:endParaRPr lang="LID4096"/>
           </a:p>
@@ -3397,10 +3397,10 @@
         </p:nvGrpSpPr>
         <p:grpSpPr>
           <a:xfrm>
-            <a:off x="226416" y="1346528"/>
-            <a:ext cx="2419351" cy="2296717"/>
-            <a:chOff x="8088628" y="811372"/>
-            <a:chExt cx="2419351" cy="2296717"/>
+            <a:off x="226417" y="1443989"/>
+            <a:ext cx="2419350" cy="982232"/>
+            <a:chOff x="8088629" y="908833"/>
+            <a:chExt cx="2419350" cy="982232"/>
           </a:xfrm>
         </p:grpSpPr>
         <p:pic>
@@ -3419,13 +3419,13 @@
           </p:nvPicPr>
           <p:blipFill>
             <a:blip r:embed="rId2"/>
-            <a:srcRect b="3071"/>
+            <a:srcRect b="67880"/>
             <a:stretch/>
           </p:blipFill>
           <p:spPr>
             <a:xfrm>
-              <a:off x="8088629" y="1326233"/>
-              <a:ext cx="2419350" cy="1781856"/>
+              <a:off x="8088629" y="1300595"/>
+              <a:ext cx="2419350" cy="590470"/>
             </a:xfrm>
             <a:prstGeom prst="rect">
               <a:avLst/>
@@ -3434,238 +3434,91 @@
         </p:pic>
         <p:grpSp>
           <p:nvGrpSpPr>
-            <p:cNvPr id="9" name="Group 8">
+            <p:cNvPr id="10" name="Group 9">
               <a:extLst>
                 <a:ext uri="{FF2B5EF4-FFF2-40B4-BE49-F238E27FC236}">
-                  <a16:creationId xmlns:a16="http://schemas.microsoft.com/office/drawing/2014/main" id="{D5E713D6-C42D-EFB2-6655-E66AAE649CAE}"/>
+                  <a16:creationId xmlns:a16="http://schemas.microsoft.com/office/drawing/2014/main" id="{359750D3-2064-5C41-992F-62C8B7621C0F}"/>
                 </a:ext>
               </a:extLst>
             </p:cNvPr>
-            <p:cNvGrpSpPr/>
+            <p:cNvGrpSpPr>
+              <a:grpSpLocks noChangeAspect="1"/>
+            </p:cNvGrpSpPr>
             <p:nvPr/>
           </p:nvGrpSpPr>
           <p:grpSpPr>
             <a:xfrm>
-              <a:off x="8088628" y="811372"/>
-              <a:ext cx="2362906" cy="1714822"/>
-              <a:chOff x="117859" y="1326904"/>
-              <a:chExt cx="2362906" cy="1714822"/>
+              <a:off x="8088645" y="908833"/>
+              <a:ext cx="1590675" cy="445549"/>
+              <a:chOff x="4048244" y="603453"/>
+              <a:chExt cx="1590675" cy="445549"/>
             </a:xfrm>
           </p:grpSpPr>
-          <p:grpSp>
-            <p:nvGrpSpPr>
-              <p:cNvPr id="10" name="Group 9">
+          <p:pic>
+            <p:nvPicPr>
+              <p:cNvPr id="12" name="Picture 11">
                 <a:extLst>
                   <a:ext uri="{FF2B5EF4-FFF2-40B4-BE49-F238E27FC236}">
-                    <a16:creationId xmlns:a16="http://schemas.microsoft.com/office/drawing/2014/main" id="{359750D3-2064-5C41-992F-62C8B7621C0F}"/>
+                    <a16:creationId xmlns:a16="http://schemas.microsoft.com/office/drawing/2014/main" id="{3EB304BF-7A13-C8C6-B7CF-08C8E5871C80}"/>
                   </a:ext>
                 </a:extLst>
               </p:cNvPr>
-              <p:cNvGrpSpPr>
-                <a:grpSpLocks noChangeAspect="1"/>
-              </p:cNvGrpSpPr>
+              <p:cNvPicPr>
+                <a:picLocks noChangeAspect="1"/>
+              </p:cNvPicPr>
               <p:nvPr/>
-            </p:nvGrpSpPr>
-            <p:grpSpPr>
-              <a:xfrm>
-                <a:off x="117859" y="1326904"/>
-                <a:ext cx="1916220" cy="1714822"/>
-                <a:chOff x="4048227" y="505992"/>
-                <a:chExt cx="1916220" cy="1714822"/>
-              </a:xfrm>
-            </p:grpSpPr>
-            <p:pic>
-              <p:nvPicPr>
-                <p:cNvPr id="12" name="Picture 11">
-                  <a:extLst>
-                    <a:ext uri="{FF2B5EF4-FFF2-40B4-BE49-F238E27FC236}">
-                      <a16:creationId xmlns:a16="http://schemas.microsoft.com/office/drawing/2014/main" id="{3EB304BF-7A13-C8C6-B7CF-08C8E5871C80}"/>
-                    </a:ext>
-                  </a:extLst>
-                </p:cNvPr>
-                <p:cNvPicPr>
-                  <a:picLocks noChangeAspect="1"/>
-                </p:cNvPicPr>
-                <p:nvPr/>
-              </p:nvPicPr>
-              <p:blipFill>
-                <a:blip r:embed="rId3"/>
-                <a:stretch>
-                  <a:fillRect/>
-                </a:stretch>
-              </p:blipFill>
-              <p:spPr>
-                <a:xfrm>
-                  <a:off x="4048244" y="509447"/>
-                  <a:ext cx="1590675" cy="228600"/>
-                </a:xfrm>
-                <a:prstGeom prst="rect">
-                  <a:avLst/>
-                </a:prstGeom>
-              </p:spPr>
-            </p:pic>
-            <p:pic>
-              <p:nvPicPr>
-                <p:cNvPr id="14" name="Picture 13">
-                  <a:extLst>
-                    <a:ext uri="{FF2B5EF4-FFF2-40B4-BE49-F238E27FC236}">
-                      <a16:creationId xmlns:a16="http://schemas.microsoft.com/office/drawing/2014/main" id="{F82E947A-5D23-DF1F-605C-6789D4D6010C}"/>
-                    </a:ext>
-                  </a:extLst>
-                </p:cNvPr>
-                <p:cNvPicPr>
-                  <a:picLocks noChangeAspect="1"/>
-                </p:cNvPicPr>
-                <p:nvPr/>
-              </p:nvPicPr>
-              <p:blipFill>
-                <a:blip r:embed="rId4"/>
-                <a:stretch>
-                  <a:fillRect/>
-                </a:stretch>
-              </p:blipFill>
-              <p:spPr>
-                <a:xfrm>
-                  <a:off x="4191410" y="760071"/>
-                  <a:ext cx="1514475" cy="228600"/>
-                </a:xfrm>
-                <a:prstGeom prst="rect">
-                  <a:avLst/>
-                </a:prstGeom>
-              </p:spPr>
-            </p:pic>
-            <p:sp>
-              <p:nvSpPr>
-                <p:cNvPr id="15" name="Rectangle 14">
-                  <a:extLst>
-                    <a:ext uri="{FF2B5EF4-FFF2-40B4-BE49-F238E27FC236}">
-                      <a16:creationId xmlns:a16="http://schemas.microsoft.com/office/drawing/2014/main" id="{5B88A108-90CD-3680-A6E0-3CEFACBBA42D}"/>
-                    </a:ext>
-                  </a:extLst>
-                </p:cNvPr>
-                <p:cNvSpPr/>
-                <p:nvPr/>
-              </p:nvSpPr>
-              <p:spPr>
-                <a:xfrm>
-                  <a:off x="4048228" y="505992"/>
-                  <a:ext cx="1683738" cy="232193"/>
-                </a:xfrm>
-                <a:prstGeom prst="rect">
-                  <a:avLst/>
-                </a:prstGeom>
-                <a:noFill/>
-                <a:ln w="6350">
-                  <a:solidFill>
-                    <a:srgbClr val="0000FF"/>
-                  </a:solidFill>
-                </a:ln>
-                <a:effectLst>
-                  <a:outerShdw blurRad="50800" dist="38100" dir="8100000" algn="tr" rotWithShape="0">
-                    <a:prstClr val="black">
-                      <a:alpha val="40000"/>
-                    </a:prstClr>
-                  </a:outerShdw>
-                </a:effectLst>
-              </p:spPr>
-              <p:txBody>
-                <a:bodyPr wrap="none" anchor="ctr" anchorCtr="0">
-                  <a:noAutofit/>
-                </a:bodyPr>
-                <a:lstStyle/>
-                <a:p>
-                  <a:endParaRPr lang="LID4096" dirty="0"/>
-                </a:p>
-              </p:txBody>
-            </p:sp>
-            <p:sp>
-              <p:nvSpPr>
-                <p:cNvPr id="16" name="Rectangle 15">
-                  <a:extLst>
-                    <a:ext uri="{FF2B5EF4-FFF2-40B4-BE49-F238E27FC236}">
-                      <a16:creationId xmlns:a16="http://schemas.microsoft.com/office/drawing/2014/main" id="{D8887CD3-9237-D9A2-19D0-F20F55A5BDD3}"/>
-                    </a:ext>
-                  </a:extLst>
-                </p:cNvPr>
-                <p:cNvSpPr/>
-                <p:nvPr/>
-              </p:nvSpPr>
-              <p:spPr>
-                <a:xfrm>
-                  <a:off x="4048227" y="2006795"/>
-                  <a:ext cx="1916220" cy="214019"/>
-                </a:xfrm>
-                <a:prstGeom prst="rect">
-                  <a:avLst/>
-                </a:prstGeom>
-                <a:noFill/>
-                <a:ln w="6350">
-                  <a:solidFill>
-                    <a:schemeClr val="tx1"/>
-                  </a:solidFill>
-                </a:ln>
-                <a:effectLst>
-                  <a:outerShdw blurRad="50800" dist="38100" dir="8100000" algn="tr" rotWithShape="0">
-                    <a:prstClr val="black">
-                      <a:alpha val="40000"/>
-                    </a:prstClr>
-                  </a:outerShdw>
-                </a:effectLst>
-              </p:spPr>
-              <p:txBody>
-                <a:bodyPr wrap="none" anchor="ctr" anchorCtr="0">
-                  <a:noAutofit/>
-                </a:bodyPr>
-                <a:lstStyle/>
-                <a:p>
-                  <a:endParaRPr lang="LID4096" dirty="0"/>
-                </a:p>
-              </p:txBody>
-            </p:sp>
-          </p:grpSp>
-          <p:sp>
-            <p:nvSpPr>
-              <p:cNvPr id="11" name="TextBox 10">
-                <a:extLst>
-                  <a:ext uri="{FF2B5EF4-FFF2-40B4-BE49-F238E27FC236}">
-                    <a16:creationId xmlns:a16="http://schemas.microsoft.com/office/drawing/2014/main" id="{84017375-D00C-832E-02F4-84F56D403A6E}"/>
-                  </a:ext>
-                </a:extLst>
-              </p:cNvPr>
-              <p:cNvSpPr txBox="1">
-                <a:spLocks noChangeAspect="1"/>
-              </p:cNvSpPr>
-              <p:nvPr/>
-            </p:nvSpPr>
+            </p:nvPicPr>
+            <p:blipFill>
+              <a:blip r:embed="rId3"/>
+              <a:stretch>
+                <a:fillRect/>
+              </a:stretch>
+            </p:blipFill>
             <p:spPr>
               <a:xfrm>
-                <a:off x="2111704" y="2875538"/>
-                <a:ext cx="369061" cy="136632"/>
+                <a:off x="4048244" y="603453"/>
+                <a:ext cx="1590675" cy="228600"/>
               </a:xfrm>
               <a:prstGeom prst="rect">
                 <a:avLst/>
               </a:prstGeom>
-              <a:solidFill>
-                <a:schemeClr val="bg1">
-                  <a:lumMod val="85000"/>
-                </a:schemeClr>
-              </a:solidFill>
+              <a:ln>
+                <a:solidFill>
+                  <a:srgbClr val="0000FF"/>
+                </a:solidFill>
+              </a:ln>
             </p:spPr>
-            <p:txBody>
-              <a:bodyPr wrap="none" lIns="0" tIns="0" rIns="0" bIns="0" anchor="ctr" anchorCtr="0">
-                <a:noAutofit/>
-              </a:bodyPr>
-              <a:lstStyle/>
-              <a:p>
-                <a:pPr algn="ctr"/>
-                <a:r>
-                  <a:rPr lang="pt-BR" sz="1200" b="1" dirty="0"/>
-                  <a:t>2_01</a:t>
-                </a:r>
-                <a:endParaRPr lang="LID4096" sz="1200" b="1" dirty="0"/>
-              </a:p>
-            </p:txBody>
-          </p:sp>
+          </p:pic>
+          <p:pic>
+            <p:nvPicPr>
+              <p:cNvPr id="14" name="Picture 13">
+                <a:extLst>
+                  <a:ext uri="{FF2B5EF4-FFF2-40B4-BE49-F238E27FC236}">
+                    <a16:creationId xmlns:a16="http://schemas.microsoft.com/office/drawing/2014/main" id="{F82E947A-5D23-DF1F-605C-6789D4D6010C}"/>
+                  </a:ext>
+                </a:extLst>
+              </p:cNvPr>
+              <p:cNvPicPr>
+                <a:picLocks noChangeAspect="1"/>
+              </p:cNvPicPr>
+              <p:nvPr/>
+            </p:nvPicPr>
+            <p:blipFill>
+              <a:blip r:embed="rId4"/>
+              <a:stretch>
+                <a:fillRect/>
+              </a:stretch>
+            </p:blipFill>
+            <p:spPr>
+              <a:xfrm>
+                <a:off x="4191411" y="854077"/>
+                <a:ext cx="1291378" cy="194925"/>
+              </a:xfrm>
+              <a:prstGeom prst="rect">
+                <a:avLst/>
+              </a:prstGeom>
+            </p:spPr>
+          </p:pic>
         </p:grpSp>
       </p:grpSp>
       <p:grpSp>
@@ -4716,16 +4569,14 @@
         </p:nvSpPr>
         <p:spPr>
           <a:xfrm>
-            <a:off x="2225165" y="2331791"/>
+            <a:off x="2225165" y="2289061"/>
             <a:ext cx="369060" cy="137160"/>
           </a:xfrm>
           <a:prstGeom prst="rect">
             <a:avLst/>
           </a:prstGeom>
           <a:solidFill>
-            <a:schemeClr val="bg1">
-              <a:lumMod val="85000"/>
-            </a:schemeClr>
+            <a:srgbClr val="00FF00"/>
           </a:solidFill>
         </p:spPr>
         <p:txBody>
@@ -4757,10 +4608,10 @@
         </p:nvGrpSpPr>
         <p:grpSpPr>
           <a:xfrm>
-            <a:off x="390925" y="3837278"/>
-            <a:ext cx="2712767" cy="2774292"/>
-            <a:chOff x="56825" y="3981728"/>
-            <a:chExt cx="2712767" cy="2774292"/>
+            <a:off x="369600" y="2359139"/>
+            <a:ext cx="2668350" cy="3123914"/>
+            <a:chOff x="35500" y="2503589"/>
+            <a:chExt cx="2668350" cy="3123914"/>
           </a:xfrm>
         </p:grpSpPr>
         <p:pic>
@@ -4785,37 +4636,8 @@
           </p:blipFill>
           <p:spPr>
             <a:xfrm>
-              <a:off x="188680" y="5090984"/>
+              <a:off x="209025" y="3962467"/>
               <a:ext cx="2494825" cy="1665036"/>
-            </a:xfrm>
-            <a:prstGeom prst="rect">
-              <a:avLst/>
-            </a:prstGeom>
-          </p:spPr>
-        </p:pic>
-        <p:pic>
-          <p:nvPicPr>
-            <p:cNvPr id="52" name="Picture 51">
-              <a:extLst>
-                <a:ext uri="{FF2B5EF4-FFF2-40B4-BE49-F238E27FC236}">
-                  <a16:creationId xmlns:a16="http://schemas.microsoft.com/office/drawing/2014/main" id="{4F14E290-3C6F-FE3F-ABA8-1C6C957881CE}"/>
-                </a:ext>
-              </a:extLst>
-            </p:cNvPr>
-            <p:cNvPicPr>
-              <a:picLocks noChangeAspect="1"/>
-            </p:cNvPicPr>
-            <p:nvPr/>
-          </p:nvPicPr>
-          <p:blipFill>
-            <a:blip r:embed="rId11"/>
-            <a:srcRect t="28348" b="60588"/>
-            <a:stretch/>
-          </p:blipFill>
-          <p:spPr>
-            <a:xfrm>
-              <a:off x="102592" y="4289462"/>
-              <a:ext cx="2667000" cy="183366"/>
             </a:xfrm>
             <a:prstGeom prst="rect">
               <a:avLst/>
@@ -4843,7 +4665,7 @@
           </p:blipFill>
           <p:spPr>
             <a:xfrm>
-              <a:off x="102592" y="4699831"/>
+              <a:off x="35500" y="2711729"/>
               <a:ext cx="2667000" cy="183366"/>
             </a:xfrm>
             <a:prstGeom prst="rect">
@@ -4865,7 +4687,7 @@
           </p:nvSpPr>
           <p:spPr>
             <a:xfrm>
-              <a:off x="102592" y="4438221"/>
+              <a:off x="35500" y="2503589"/>
               <a:ext cx="1224285" cy="261610"/>
             </a:xfrm>
             <a:prstGeom prst="rect">
@@ -4886,128 +4708,7 @@
             </a:p>
           </p:txBody>
         </p:sp>
-        <p:sp>
-          <p:nvSpPr>
-            <p:cNvPr id="58" name="TextBox 57">
-              <a:extLst>
-                <a:ext uri="{FF2B5EF4-FFF2-40B4-BE49-F238E27FC236}">
-                  <a16:creationId xmlns:a16="http://schemas.microsoft.com/office/drawing/2014/main" id="{298E030B-903B-1D7D-DAB2-19C2C1FE165A}"/>
-                </a:ext>
-              </a:extLst>
-            </p:cNvPr>
-            <p:cNvSpPr txBox="1"/>
-            <p:nvPr/>
-          </p:nvSpPr>
-          <p:spPr>
-            <a:xfrm>
-              <a:off x="56825" y="3981728"/>
-              <a:ext cx="1224285" cy="261610"/>
-            </a:xfrm>
-            <a:prstGeom prst="rect">
-              <a:avLst/>
-            </a:prstGeom>
-            <a:noFill/>
-          </p:spPr>
-          <p:txBody>
-            <a:bodyPr wrap="square">
-              <a:spAutoFit/>
-            </a:bodyPr>
-            <a:lstStyle/>
-            <a:p>
-              <a:r>
-                <a:rPr lang="en-US" sz="1100" b="1" dirty="0"/>
-                <a:t>OBS</a:t>
-              </a:r>
-            </a:p>
-          </p:txBody>
-        </p:sp>
-        <p:sp>
-          <p:nvSpPr>
-            <p:cNvPr id="60" name="TextBox 59">
-              <a:extLst>
-                <a:ext uri="{FF2B5EF4-FFF2-40B4-BE49-F238E27FC236}">
-                  <a16:creationId xmlns:a16="http://schemas.microsoft.com/office/drawing/2014/main" id="{6B59E003-F2CB-A034-C83C-A6DB7CBB7CB7}"/>
-                </a:ext>
-              </a:extLst>
-            </p:cNvPr>
-            <p:cNvSpPr txBox="1">
-              <a:spLocks/>
-            </p:cNvSpPr>
-            <p:nvPr/>
-          </p:nvSpPr>
-          <p:spPr>
-            <a:xfrm>
-              <a:off x="2087627" y="4060031"/>
-              <a:ext cx="369061" cy="137160"/>
-            </a:xfrm>
-            <a:prstGeom prst="rect">
-              <a:avLst/>
-            </a:prstGeom>
-            <a:solidFill>
-              <a:schemeClr val="bg1">
-                <a:lumMod val="85000"/>
-              </a:schemeClr>
-            </a:solidFill>
-          </p:spPr>
-          <p:txBody>
-            <a:bodyPr wrap="none" lIns="0" tIns="0" rIns="0" bIns="0" anchor="ctr" anchorCtr="0">
-              <a:noAutofit/>
-            </a:bodyPr>
-            <a:lstStyle/>
-            <a:p>
-              <a:pPr algn="ctr"/>
-              <a:r>
-                <a:rPr lang="pt-BR" sz="1200" b="1" dirty="0"/>
-                <a:t>0_02</a:t>
-              </a:r>
-              <a:endParaRPr lang="LID4096" sz="1200" b="1" dirty="0"/>
-            </a:p>
-          </p:txBody>
-        </p:sp>
       </p:grpSp>
-      <p:sp>
-        <p:nvSpPr>
-          <p:cNvPr id="17" name="TextBox 16">
-            <a:extLst>
-              <a:ext uri="{FF2B5EF4-FFF2-40B4-BE49-F238E27FC236}">
-                <a16:creationId xmlns:a16="http://schemas.microsoft.com/office/drawing/2014/main" id="{2812BF2E-20DA-7EED-B617-0C95B1E2C097}"/>
-              </a:ext>
-            </a:extLst>
-          </p:cNvPr>
-          <p:cNvSpPr txBox="1">
-            <a:spLocks/>
-          </p:cNvSpPr>
-          <p:nvPr/>
-        </p:nvSpPr>
-        <p:spPr>
-          <a:xfrm>
-            <a:off x="2220261" y="3094744"/>
-            <a:ext cx="365760" cy="137160"/>
-          </a:xfrm>
-          <a:prstGeom prst="rect">
-            <a:avLst/>
-          </a:prstGeom>
-          <a:solidFill>
-            <a:schemeClr val="bg1">
-              <a:lumMod val="85000"/>
-            </a:schemeClr>
-          </a:solidFill>
-        </p:spPr>
-        <p:txBody>
-          <a:bodyPr wrap="none" lIns="0" tIns="0" rIns="0" bIns="0" anchor="ctr" anchorCtr="0">
-            <a:noAutofit/>
-          </a:bodyPr>
-          <a:lstStyle/>
-          <a:p>
-            <a:pPr algn="ctr"/>
-            <a:r>
-              <a:rPr lang="pt-BR" sz="1200" b="1" dirty="0"/>
-              <a:t>2_02</a:t>
-            </a:r>
-            <a:endParaRPr lang="LID4096" sz="1200" b="1" dirty="0"/>
-          </a:p>
-        </p:txBody>
-      </p:sp>
       <p:sp>
         <p:nvSpPr>
           <p:cNvPr id="18" name="TextBox 17">
@@ -5279,8 +4980,78 @@
         </p:nvSpPr>
         <p:spPr>
           <a:xfrm>
-            <a:off x="2215919" y="1912946"/>
+            <a:off x="2215919" y="1870216"/>
             <a:ext cx="369060" cy="137160"/>
+          </a:xfrm>
+          <a:prstGeom prst="rect">
+            <a:avLst/>
+          </a:prstGeom>
+          <a:solidFill>
+            <a:srgbClr val="00FF00"/>
+          </a:solidFill>
+        </p:spPr>
+        <p:txBody>
+          <a:bodyPr wrap="none" lIns="0" tIns="0" rIns="0" bIns="0" anchor="ctr" anchorCtr="0">
+            <a:noAutofit/>
+          </a:bodyPr>
+          <a:lstStyle/>
+          <a:p>
+            <a:pPr algn="ctr"/>
+            <a:r>
+              <a:rPr lang="pt-BR" sz="1200" b="1" dirty="0"/>
+              <a:t>0_01</a:t>
+            </a:r>
+            <a:endParaRPr lang="LID4096" sz="1200" b="1" dirty="0"/>
+          </a:p>
+        </p:txBody>
+      </p:sp>
+      <p:pic>
+        <p:nvPicPr>
+          <p:cNvPr id="42" name="Picture 41">
+            <a:extLst>
+              <a:ext uri="{FF2B5EF4-FFF2-40B4-BE49-F238E27FC236}">
+                <a16:creationId xmlns:a16="http://schemas.microsoft.com/office/drawing/2014/main" id="{6D5DDDAC-1E6F-5486-4D4C-F1111E9277AF}"/>
+              </a:ext>
+            </a:extLst>
+          </p:cNvPr>
+          <p:cNvPicPr>
+            <a:picLocks noChangeAspect="1"/>
+          </p:cNvPicPr>
+          <p:nvPr/>
+        </p:nvPicPr>
+        <p:blipFill>
+          <a:blip r:embed="rId2"/>
+          <a:srcRect t="35584" b="12645"/>
+          <a:stretch/>
+        </p:blipFill>
+        <p:spPr>
+          <a:xfrm>
+            <a:off x="215967" y="2812582"/>
+            <a:ext cx="2419350" cy="951699"/>
+          </a:xfrm>
+          <a:prstGeom prst="rect">
+            <a:avLst/>
+          </a:prstGeom>
+        </p:spPr>
+      </p:pic>
+      <p:sp>
+        <p:nvSpPr>
+          <p:cNvPr id="54" name="TextBox 53">
+            <a:extLst>
+              <a:ext uri="{FF2B5EF4-FFF2-40B4-BE49-F238E27FC236}">
+                <a16:creationId xmlns:a16="http://schemas.microsoft.com/office/drawing/2014/main" id="{2812BF2E-20DA-7EED-B617-0C95B1E2C097}"/>
+              </a:ext>
+            </a:extLst>
+          </p:cNvPr>
+          <p:cNvSpPr txBox="1">
+            <a:spLocks/>
+          </p:cNvSpPr>
+          <p:nvPr/>
+        </p:nvSpPr>
+        <p:spPr>
+          <a:xfrm>
+            <a:off x="2210067" y="3377025"/>
+            <a:ext cx="365760" cy="137160"/>
           </a:xfrm>
           <a:prstGeom prst="rect">
             <a:avLst/>
@@ -5300,12 +5071,172 @@
             <a:pPr algn="ctr"/>
             <a:r>
               <a:rPr lang="pt-BR" sz="1200" b="1" dirty="0"/>
-              <a:t>0_01</a:t>
+              <a:t>2_02</a:t>
             </a:r>
             <a:endParaRPr lang="LID4096" sz="1200" b="1" dirty="0"/>
           </a:p>
         </p:txBody>
       </p:sp>
+      <p:sp>
+        <p:nvSpPr>
+          <p:cNvPr id="57" name="Rectangle 56">
+            <a:extLst>
+              <a:ext uri="{FF2B5EF4-FFF2-40B4-BE49-F238E27FC236}">
+                <a16:creationId xmlns:a16="http://schemas.microsoft.com/office/drawing/2014/main" id="{D8887CD3-9237-D9A2-19D0-F20F55A5BDD3}"/>
+              </a:ext>
+            </a:extLst>
+          </p:cNvPr>
+          <p:cNvSpPr/>
+          <p:nvPr/>
+        </p:nvSpPr>
+        <p:spPr>
+          <a:xfrm>
+            <a:off x="215966" y="3580915"/>
+            <a:ext cx="2562515" cy="183366"/>
+          </a:xfrm>
+          <a:prstGeom prst="rect">
+            <a:avLst/>
+          </a:prstGeom>
+          <a:noFill/>
+          <a:ln w="6350">
+            <a:solidFill>
+              <a:schemeClr val="tx1"/>
+            </a:solidFill>
+          </a:ln>
+          <a:effectLst>
+            <a:outerShdw blurRad="50800" dist="38100" dir="8100000" algn="tr" rotWithShape="0">
+              <a:prstClr val="black">
+                <a:alpha val="40000"/>
+              </a:prstClr>
+            </a:outerShdw>
+          </a:effectLst>
+        </p:spPr>
+        <p:txBody>
+          <a:bodyPr wrap="none" anchor="ctr" anchorCtr="0">
+            <a:noAutofit/>
+          </a:bodyPr>
+          <a:lstStyle/>
+          <a:p>
+            <a:endParaRPr lang="LID4096" dirty="0"/>
+          </a:p>
+        </p:txBody>
+      </p:sp>
+      <p:sp>
+        <p:nvSpPr>
+          <p:cNvPr id="61" name="TextBox 60">
+            <a:extLst>
+              <a:ext uri="{FF2B5EF4-FFF2-40B4-BE49-F238E27FC236}">
+                <a16:creationId xmlns:a16="http://schemas.microsoft.com/office/drawing/2014/main" id="{84017375-D00C-832E-02F4-84F56D403A6E}"/>
+              </a:ext>
+            </a:extLst>
+          </p:cNvPr>
+          <p:cNvSpPr txBox="1">
+            <a:spLocks noChangeAspect="1"/>
+          </p:cNvSpPr>
+          <p:nvPr/>
+        </p:nvSpPr>
+        <p:spPr>
+          <a:xfrm>
+            <a:off x="2210067" y="3177443"/>
+            <a:ext cx="369061" cy="136632"/>
+          </a:xfrm>
+          <a:prstGeom prst="rect">
+            <a:avLst/>
+          </a:prstGeom>
+          <a:solidFill>
+            <a:schemeClr val="bg1">
+              <a:lumMod val="85000"/>
+            </a:schemeClr>
+          </a:solidFill>
+        </p:spPr>
+        <p:txBody>
+          <a:bodyPr wrap="none" lIns="0" tIns="0" rIns="0" bIns="0" anchor="ctr" anchorCtr="0">
+            <a:noAutofit/>
+          </a:bodyPr>
+          <a:lstStyle/>
+          <a:p>
+            <a:pPr algn="ctr"/>
+            <a:r>
+              <a:rPr lang="pt-BR" sz="1200" b="1" dirty="0"/>
+              <a:t>2_01</a:t>
+            </a:r>
+            <a:endParaRPr lang="LID4096" sz="1200" b="1" dirty="0"/>
+          </a:p>
+        </p:txBody>
+      </p:sp>
+      <p:sp>
+        <p:nvSpPr>
+          <p:cNvPr id="64" name="Rectangle 63">
+            <a:extLst>
+              <a:ext uri="{FF2B5EF4-FFF2-40B4-BE49-F238E27FC236}">
+                <a16:creationId xmlns:a16="http://schemas.microsoft.com/office/drawing/2014/main" id="{3EE4C159-F572-5665-3D80-32E5E55F2CBC}"/>
+              </a:ext>
+            </a:extLst>
+          </p:cNvPr>
+          <p:cNvSpPr/>
+          <p:nvPr/>
+        </p:nvSpPr>
+        <p:spPr>
+          <a:xfrm>
+            <a:off x="388638" y="2570857"/>
+            <a:ext cx="2562515" cy="183366"/>
+          </a:xfrm>
+          <a:prstGeom prst="rect">
+            <a:avLst/>
+          </a:prstGeom>
+          <a:noFill/>
+          <a:ln w="6350">
+            <a:solidFill>
+              <a:schemeClr val="tx1"/>
+            </a:solidFill>
+          </a:ln>
+          <a:effectLst>
+            <a:outerShdw blurRad="50800" dist="38100" dir="8100000" algn="tr" rotWithShape="0">
+              <a:prstClr val="black">
+                <a:alpha val="40000"/>
+              </a:prstClr>
+            </a:outerShdw>
+          </a:effectLst>
+        </p:spPr>
+        <p:txBody>
+          <a:bodyPr wrap="none" anchor="ctr" anchorCtr="0">
+            <a:noAutofit/>
+          </a:bodyPr>
+          <a:lstStyle/>
+          <a:p>
+            <a:endParaRPr lang="LID4096" dirty="0"/>
+          </a:p>
+        </p:txBody>
+      </p:sp>
+      <p:pic>
+        <p:nvPicPr>
+          <p:cNvPr id="66" name="Picture 65">
+            <a:extLst>
+              <a:ext uri="{FF2B5EF4-FFF2-40B4-BE49-F238E27FC236}">
+                <a16:creationId xmlns:a16="http://schemas.microsoft.com/office/drawing/2014/main" id="{382928BC-EF48-0CAB-9DBE-FA5430E09A32}"/>
+              </a:ext>
+            </a:extLst>
+          </p:cNvPr>
+          <p:cNvPicPr>
+            <a:picLocks noChangeAspect="1"/>
+          </p:cNvPicPr>
+          <p:nvPr/>
+        </p:nvPicPr>
+        <p:blipFill>
+          <a:blip r:embed="rId2"/>
+          <a:srcRect t="89315" b="3071"/>
+          <a:stretch/>
+        </p:blipFill>
+        <p:spPr>
+          <a:xfrm>
+            <a:off x="287548" y="5536789"/>
+            <a:ext cx="2419350" cy="139967"/>
+          </a:xfrm>
+          <a:prstGeom prst="rect">
+            <a:avLst/>
+          </a:prstGeom>
+        </p:spPr>
+      </p:pic>
     </p:spTree>
     <p:extLst>
       <p:ext uri="{BB962C8B-B14F-4D97-AF65-F5344CB8AC3E}">
@@ -5344,10 +5275,10 @@
       </p:grpSpPr>
       <p:pic>
         <p:nvPicPr>
-          <p:cNvPr id="117" name="Picture 116">
-            <a:extLst>
-              <a:ext uri="{FF2B5EF4-FFF2-40B4-BE49-F238E27FC236}">
-                <a16:creationId xmlns:a16="http://schemas.microsoft.com/office/drawing/2014/main" id="{A7269365-4CF9-545E-4B6B-4DB3919E846F}"/>
+          <p:cNvPr id="116" name="Picture 115">
+            <a:extLst>
+              <a:ext uri="{FF2B5EF4-FFF2-40B4-BE49-F238E27FC236}">
+                <a16:creationId xmlns:a16="http://schemas.microsoft.com/office/drawing/2014/main" id="{66CCF9A6-887B-CABC-3DCA-4727B50FBCD6}"/>
               </a:ext>
             </a:extLst>
           </p:cNvPr>
@@ -5358,12 +5289,42 @@
         </p:nvPicPr>
         <p:blipFill>
           <a:blip r:embed="rId2"/>
+          <a:stretch>
+            <a:fillRect/>
+          </a:stretch>
+        </p:blipFill>
+        <p:spPr>
+          <a:xfrm>
+            <a:off x="385168" y="2801130"/>
+            <a:ext cx="2676525" cy="314325"/>
+          </a:xfrm>
+          <a:prstGeom prst="rect">
+            <a:avLst/>
+          </a:prstGeom>
+        </p:spPr>
+      </p:pic>
+      <p:pic>
+        <p:nvPicPr>
+          <p:cNvPr id="117" name="Picture 116">
+            <a:extLst>
+              <a:ext uri="{FF2B5EF4-FFF2-40B4-BE49-F238E27FC236}">
+                <a16:creationId xmlns:a16="http://schemas.microsoft.com/office/drawing/2014/main" id="{A7269365-4CF9-545E-4B6B-4DB3919E846F}"/>
+              </a:ext>
+            </a:extLst>
+          </p:cNvPr>
+          <p:cNvPicPr>
+            <a:picLocks noChangeAspect="1"/>
+          </p:cNvPicPr>
+          <p:nvPr/>
+        </p:nvPicPr>
+        <p:blipFill>
+          <a:blip r:embed="rId3"/>
           <a:srcRect l="278" t="33544" r="-278" b="55799"/>
           <a:stretch/>
         </p:blipFill>
         <p:spPr>
           <a:xfrm>
-            <a:off x="255591" y="3100546"/>
+            <a:off x="255591" y="3014821"/>
             <a:ext cx="3019425" cy="192865"/>
           </a:xfrm>
           <a:prstGeom prst="rect">
@@ -5385,7 +5346,7 @@
         </p:nvSpPr>
         <p:spPr>
           <a:xfrm>
-            <a:off x="3642923" y="1691371"/>
+            <a:off x="3585515" y="2243707"/>
             <a:ext cx="1458551" cy="523220"/>
           </a:xfrm>
           <a:prstGeom prst="rect">
@@ -5414,758 +5375,6 @@
           </a:p>
         </p:txBody>
       </p:sp>
-      <p:grpSp>
-        <p:nvGrpSpPr>
-          <p:cNvPr id="85" name="Group 84">
-            <a:extLst>
-              <a:ext uri="{FF2B5EF4-FFF2-40B4-BE49-F238E27FC236}">
-                <a16:creationId xmlns:a16="http://schemas.microsoft.com/office/drawing/2014/main" id="{6C309C22-B6B2-C7EF-FF74-A614BFD5D744}"/>
-              </a:ext>
-            </a:extLst>
-          </p:cNvPr>
-          <p:cNvGrpSpPr/>
-          <p:nvPr/>
-        </p:nvGrpSpPr>
-        <p:grpSpPr>
-          <a:xfrm>
-            <a:off x="4611335" y="885373"/>
-            <a:ext cx="3031252" cy="2600930"/>
-            <a:chOff x="6205821" y="221742"/>
-            <a:chExt cx="3031252" cy="2600930"/>
-          </a:xfrm>
-        </p:grpSpPr>
-        <p:grpSp>
-          <p:nvGrpSpPr>
-            <p:cNvPr id="190" name="Group 189">
-              <a:extLst>
-                <a:ext uri="{FF2B5EF4-FFF2-40B4-BE49-F238E27FC236}">
-                  <a16:creationId xmlns:a16="http://schemas.microsoft.com/office/drawing/2014/main" id="{1C11BEC2-D6DB-4BF3-594A-985F4AAD6F3B}"/>
-                </a:ext>
-              </a:extLst>
-            </p:cNvPr>
-            <p:cNvGrpSpPr/>
-            <p:nvPr/>
-          </p:nvGrpSpPr>
-          <p:grpSpPr>
-            <a:xfrm>
-              <a:off x="6205821" y="221742"/>
-              <a:ext cx="1458493" cy="286458"/>
-              <a:chOff x="2703989" y="1581590"/>
-              <a:chExt cx="1458493" cy="286458"/>
-            </a:xfrm>
-          </p:grpSpPr>
-          <p:grpSp>
-            <p:nvGrpSpPr>
-              <p:cNvPr id="62" name="Group 61">
-                <a:extLst>
-                  <a:ext uri="{FF2B5EF4-FFF2-40B4-BE49-F238E27FC236}">
-                    <a16:creationId xmlns:a16="http://schemas.microsoft.com/office/drawing/2014/main" id="{6E73D71F-F742-B0E6-DE5B-366DFE333A09}"/>
-                  </a:ext>
-                </a:extLst>
-              </p:cNvPr>
-              <p:cNvGrpSpPr/>
-              <p:nvPr/>
-            </p:nvGrpSpPr>
-            <p:grpSpPr>
-              <a:xfrm>
-                <a:off x="3206898" y="1581590"/>
-                <a:ext cx="955584" cy="232193"/>
-                <a:chOff x="358299" y="3903805"/>
-                <a:chExt cx="955584" cy="232193"/>
-              </a:xfrm>
-            </p:grpSpPr>
-            <p:pic>
-              <p:nvPicPr>
-                <p:cNvPr id="64" name="Picture 63">
-                  <a:extLst>
-                    <a:ext uri="{FF2B5EF4-FFF2-40B4-BE49-F238E27FC236}">
-                      <a16:creationId xmlns:a16="http://schemas.microsoft.com/office/drawing/2014/main" id="{E5F01EB9-5661-F767-8DAC-BFE260077241}"/>
-                    </a:ext>
-                  </a:extLst>
-                </p:cNvPr>
-                <p:cNvPicPr>
-                  <a:picLocks noChangeAspect="1"/>
-                </p:cNvPicPr>
-                <p:nvPr/>
-              </p:nvPicPr>
-              <p:blipFill>
-                <a:blip r:embed="rId3"/>
-                <a:srcRect t="58454" r="57025" b="21387"/>
-                <a:stretch/>
-              </p:blipFill>
-              <p:spPr>
-                <a:xfrm>
-                  <a:off x="358299" y="3922959"/>
-                  <a:ext cx="867792" cy="207373"/>
-                </a:xfrm>
-                <a:prstGeom prst="rect">
-                  <a:avLst/>
-                </a:prstGeom>
-              </p:spPr>
-            </p:pic>
-            <p:sp>
-              <p:nvSpPr>
-                <p:cNvPr id="71" name="Rectangle 70">
-                  <a:extLst>
-                    <a:ext uri="{FF2B5EF4-FFF2-40B4-BE49-F238E27FC236}">
-                      <a16:creationId xmlns:a16="http://schemas.microsoft.com/office/drawing/2014/main" id="{A1E48D17-6520-9E3C-DD09-FAA9A81F7C27}"/>
-                    </a:ext>
-                  </a:extLst>
-                </p:cNvPr>
-                <p:cNvSpPr/>
-                <p:nvPr/>
-              </p:nvSpPr>
-              <p:spPr>
-                <a:xfrm>
-                  <a:off x="371399" y="3903805"/>
-                  <a:ext cx="942484" cy="232193"/>
-                </a:xfrm>
-                <a:prstGeom prst="rect">
-                  <a:avLst/>
-                </a:prstGeom>
-                <a:noFill/>
-                <a:ln w="6350">
-                  <a:solidFill>
-                    <a:srgbClr val="0000FF"/>
-                  </a:solidFill>
-                </a:ln>
-                <a:effectLst>
-                  <a:outerShdw blurRad="50800" dist="38100" dir="8100000" algn="tr" rotWithShape="0">
-                    <a:prstClr val="black">
-                      <a:alpha val="40000"/>
-                    </a:prstClr>
-                  </a:outerShdw>
-                </a:effectLst>
-              </p:spPr>
-              <p:txBody>
-                <a:bodyPr wrap="none" anchor="ctr" anchorCtr="0">
-                  <a:noAutofit/>
-                </a:bodyPr>
-                <a:lstStyle/>
-                <a:p>
-                  <a:endParaRPr lang="LID4096" dirty="0"/>
-                </a:p>
-              </p:txBody>
-            </p:sp>
-          </p:grpSp>
-          <p:sp>
-            <p:nvSpPr>
-              <p:cNvPr id="187" name="TextBox 186">
-                <a:extLst>
-                  <a:ext uri="{FF2B5EF4-FFF2-40B4-BE49-F238E27FC236}">
-                    <a16:creationId xmlns:a16="http://schemas.microsoft.com/office/drawing/2014/main" id="{E99AECEE-1527-C251-0DCB-CBCF9ACC47A9}"/>
-                  </a:ext>
-                </a:extLst>
-              </p:cNvPr>
-              <p:cNvSpPr txBox="1">
-                <a:spLocks noChangeAspect="1"/>
-              </p:cNvSpPr>
-              <p:nvPr/>
-            </p:nvSpPr>
-            <p:spPr>
-              <a:xfrm>
-                <a:off x="2703989" y="1594301"/>
-                <a:ext cx="385181" cy="273747"/>
-              </a:xfrm>
-              <a:prstGeom prst="rect">
-                <a:avLst/>
-              </a:prstGeom>
-              <a:solidFill>
-                <a:schemeClr val="accent6">
-                  <a:lumMod val="60000"/>
-                  <a:lumOff val="40000"/>
-                </a:schemeClr>
-              </a:solidFill>
-            </p:spPr>
-            <p:txBody>
-              <a:bodyPr wrap="none" lIns="0" tIns="0" rIns="0" bIns="0" anchor="ctr" anchorCtr="0">
-                <a:noAutofit/>
-              </a:bodyPr>
-              <a:lstStyle/>
-              <a:p>
-                <a:pPr algn="ctr"/>
-                <a:r>
-                  <a:rPr lang="pt-BR" sz="1500" b="1" dirty="0"/>
-                  <a:t>03</a:t>
-                </a:r>
-                <a:endParaRPr lang="LID4096" sz="1500" b="1" dirty="0"/>
-              </a:p>
-            </p:txBody>
-          </p:sp>
-        </p:grpSp>
-        <p:pic>
-          <p:nvPicPr>
-            <p:cNvPr id="49" name="Picture 48">
-              <a:extLst>
-                <a:ext uri="{FF2B5EF4-FFF2-40B4-BE49-F238E27FC236}">
-                  <a16:creationId xmlns:a16="http://schemas.microsoft.com/office/drawing/2014/main" id="{CFB6F3C2-96FE-71A0-E635-F7E8F23C6FCB}"/>
-                </a:ext>
-              </a:extLst>
-            </p:cNvPr>
-            <p:cNvPicPr>
-              <a:picLocks noChangeAspect="1"/>
-            </p:cNvPicPr>
-            <p:nvPr/>
-          </p:nvPicPr>
-          <p:blipFill>
-            <a:blip r:embed="rId4"/>
-            <a:stretch>
-              <a:fillRect/>
-            </a:stretch>
-          </p:blipFill>
-          <p:spPr>
-            <a:xfrm>
-              <a:off x="6751048" y="565247"/>
-              <a:ext cx="2486025" cy="2257425"/>
-            </a:xfrm>
-            <a:prstGeom prst="rect">
-              <a:avLst/>
-            </a:prstGeom>
-          </p:spPr>
-        </p:pic>
-        <p:sp>
-          <p:nvSpPr>
-            <p:cNvPr id="53" name="TextBox 52">
-              <a:extLst>
-                <a:ext uri="{FF2B5EF4-FFF2-40B4-BE49-F238E27FC236}">
-                  <a16:creationId xmlns:a16="http://schemas.microsoft.com/office/drawing/2014/main" id="{B8FBDC37-7C79-7F44-F2C0-494E35EBD30F}"/>
-                </a:ext>
-              </a:extLst>
-            </p:cNvPr>
-            <p:cNvSpPr txBox="1"/>
-            <p:nvPr/>
-          </p:nvSpPr>
-          <p:spPr>
-            <a:xfrm>
-              <a:off x="8643649" y="315756"/>
-              <a:ext cx="588361" cy="523220"/>
-            </a:xfrm>
-            <a:prstGeom prst="rect">
-              <a:avLst/>
-            </a:prstGeom>
-            <a:noFill/>
-          </p:spPr>
-          <p:txBody>
-            <a:bodyPr wrap="square">
-              <a:spAutoFit/>
-            </a:bodyPr>
-            <a:lstStyle>
-              <a:defPPr>
-                <a:defRPr lang="LID4096"/>
-              </a:defPPr>
-              <a:lvl1pPr>
-                <a:defRPr sz="1100" b="1"/>
-              </a:lvl1pPr>
-            </a:lstStyle>
-            <a:p>
-              <a:r>
-                <a:rPr lang="en-US" sz="2800" dirty="0"/>
-                <a:t>06</a:t>
-              </a:r>
-              <a:endParaRPr lang="LID4096" sz="2800" dirty="0"/>
-            </a:p>
-          </p:txBody>
-        </p:sp>
-      </p:grpSp>
-      <p:grpSp>
-        <p:nvGrpSpPr>
-          <p:cNvPr id="35" name="Group 34">
-            <a:extLst>
-              <a:ext uri="{FF2B5EF4-FFF2-40B4-BE49-F238E27FC236}">
-                <a16:creationId xmlns:a16="http://schemas.microsoft.com/office/drawing/2014/main" id="{D268C645-4D08-D11B-511F-77E314F9E79E}"/>
-              </a:ext>
-            </a:extLst>
-          </p:cNvPr>
-          <p:cNvGrpSpPr/>
-          <p:nvPr/>
-        </p:nvGrpSpPr>
-        <p:grpSpPr>
-          <a:xfrm>
-            <a:off x="8581957" y="932269"/>
-            <a:ext cx="2886494" cy="3550070"/>
-            <a:chOff x="8926871" y="2854083"/>
-            <a:chExt cx="2886494" cy="3550070"/>
-          </a:xfrm>
-        </p:grpSpPr>
-        <p:pic>
-          <p:nvPicPr>
-            <p:cNvPr id="36" name="Picture 35">
-              <a:extLst>
-                <a:ext uri="{FF2B5EF4-FFF2-40B4-BE49-F238E27FC236}">
-                  <a16:creationId xmlns:a16="http://schemas.microsoft.com/office/drawing/2014/main" id="{47E9B374-E291-C028-EFAF-443A46471E0B}"/>
-                </a:ext>
-              </a:extLst>
-            </p:cNvPr>
-            <p:cNvPicPr>
-              <a:picLocks noChangeAspect="1"/>
-            </p:cNvPicPr>
-            <p:nvPr/>
-          </p:nvPicPr>
-          <p:blipFill>
-            <a:blip r:embed="rId5"/>
-            <a:stretch>
-              <a:fillRect/>
-            </a:stretch>
-          </p:blipFill>
-          <p:spPr>
-            <a:xfrm>
-              <a:off x="9555297" y="3556178"/>
-              <a:ext cx="1895475" cy="2847975"/>
-            </a:xfrm>
-            <a:prstGeom prst="rect">
-              <a:avLst/>
-            </a:prstGeom>
-          </p:spPr>
-        </p:pic>
-        <p:grpSp>
-          <p:nvGrpSpPr>
-            <p:cNvPr id="37" name="Group 36">
-              <a:extLst>
-                <a:ext uri="{FF2B5EF4-FFF2-40B4-BE49-F238E27FC236}">
-                  <a16:creationId xmlns:a16="http://schemas.microsoft.com/office/drawing/2014/main" id="{5EC069B9-D945-CA6C-4EAE-D6DFAFC86D0D}"/>
-                </a:ext>
-              </a:extLst>
-            </p:cNvPr>
-            <p:cNvGrpSpPr>
-              <a:grpSpLocks noChangeAspect="1"/>
-            </p:cNvGrpSpPr>
-            <p:nvPr/>
-          </p:nvGrpSpPr>
-          <p:grpSpPr>
-            <a:xfrm>
-              <a:off x="8926871" y="2854083"/>
-              <a:ext cx="2886494" cy="1927407"/>
-              <a:chOff x="8729034" y="3125937"/>
-              <a:chExt cx="2886494" cy="1927407"/>
-            </a:xfrm>
-          </p:grpSpPr>
-          <p:grpSp>
-            <p:nvGrpSpPr>
-              <p:cNvPr id="41" name="Group 40">
-                <a:extLst>
-                  <a:ext uri="{FF2B5EF4-FFF2-40B4-BE49-F238E27FC236}">
-                    <a16:creationId xmlns:a16="http://schemas.microsoft.com/office/drawing/2014/main" id="{A191205C-6722-B049-7157-1E90BAADBF23}"/>
-                  </a:ext>
-                </a:extLst>
-              </p:cNvPr>
-              <p:cNvGrpSpPr>
-                <a:grpSpLocks noChangeAspect="1"/>
-              </p:cNvGrpSpPr>
-              <p:nvPr/>
-            </p:nvGrpSpPr>
-            <p:grpSpPr>
-              <a:xfrm>
-                <a:off x="8729034" y="3125937"/>
-                <a:ext cx="2886494" cy="1927407"/>
-                <a:chOff x="9240825" y="40260"/>
-                <a:chExt cx="2886494" cy="1927407"/>
-              </a:xfrm>
-            </p:grpSpPr>
-            <p:grpSp>
-              <p:nvGrpSpPr>
-                <p:cNvPr id="44" name="Group 43">
-                  <a:extLst>
-                    <a:ext uri="{FF2B5EF4-FFF2-40B4-BE49-F238E27FC236}">
-                      <a16:creationId xmlns:a16="http://schemas.microsoft.com/office/drawing/2014/main" id="{90EA5097-0193-3238-5F0B-EDCE2590E75D}"/>
-                    </a:ext>
-                  </a:extLst>
-                </p:cNvPr>
-                <p:cNvGrpSpPr/>
-                <p:nvPr/>
-              </p:nvGrpSpPr>
-              <p:grpSpPr>
-                <a:xfrm>
-                  <a:off x="9576343" y="46702"/>
-                  <a:ext cx="2550976" cy="1920965"/>
-                  <a:chOff x="9576343" y="46702"/>
-                  <a:chExt cx="2550976" cy="1920965"/>
-                </a:xfrm>
-              </p:grpSpPr>
-              <p:pic>
-                <p:nvPicPr>
-                  <p:cNvPr id="45" name="Picture 44">
-                    <a:extLst>
-                      <a:ext uri="{FF2B5EF4-FFF2-40B4-BE49-F238E27FC236}">
-                        <a16:creationId xmlns:a16="http://schemas.microsoft.com/office/drawing/2014/main" id="{B500DA42-EE7D-238B-DEA6-DCD7C1DA9D6E}"/>
-                      </a:ext>
-                    </a:extLst>
-                  </p:cNvPr>
-                  <p:cNvPicPr>
-                    <a:picLocks noChangeAspect="1"/>
-                  </p:cNvPicPr>
-                  <p:nvPr/>
-                </p:nvPicPr>
-                <p:blipFill>
-                  <a:blip r:embed="rId6"/>
-                  <a:srcRect t="65550" b="15487"/>
-                  <a:stretch/>
-                </p:blipFill>
-                <p:spPr>
-                  <a:xfrm>
-                    <a:off x="9624673" y="60343"/>
-                    <a:ext cx="1767113" cy="197024"/>
-                  </a:xfrm>
-                  <a:prstGeom prst="rect">
-                    <a:avLst/>
-                  </a:prstGeom>
-                </p:spPr>
-              </p:pic>
-              <p:grpSp>
-                <p:nvGrpSpPr>
-                  <p:cNvPr id="46" name="Group 45">
-                    <a:extLst>
-                      <a:ext uri="{FF2B5EF4-FFF2-40B4-BE49-F238E27FC236}">
-                        <a16:creationId xmlns:a16="http://schemas.microsoft.com/office/drawing/2014/main" id="{C69B49A8-6C66-D4E2-CEAF-50081B8197EB}"/>
-                      </a:ext>
-                    </a:extLst>
-                  </p:cNvPr>
-                  <p:cNvGrpSpPr>
-                    <a:grpSpLocks noChangeAspect="1"/>
-                  </p:cNvGrpSpPr>
-                  <p:nvPr/>
-                </p:nvGrpSpPr>
-                <p:grpSpPr>
-                  <a:xfrm>
-                    <a:off x="9576343" y="46702"/>
-                    <a:ext cx="2550976" cy="1920965"/>
-                    <a:chOff x="333786" y="1557544"/>
-                    <a:chExt cx="2180241" cy="1641790"/>
-                  </a:xfrm>
-                </p:grpSpPr>
-                <p:grpSp>
-                  <p:nvGrpSpPr>
-                    <p:cNvPr id="47" name="Group 46">
-                      <a:extLst>
-                        <a:ext uri="{FF2B5EF4-FFF2-40B4-BE49-F238E27FC236}">
-                          <a16:creationId xmlns:a16="http://schemas.microsoft.com/office/drawing/2014/main" id="{7FA5A1F7-DF81-108E-28B5-77BBBBA5FFDB}"/>
-                        </a:ext>
-                      </a:extLst>
-                    </p:cNvPr>
-                    <p:cNvGrpSpPr>
-                      <a:grpSpLocks noChangeAspect="1"/>
-                    </p:cNvGrpSpPr>
-                    <p:nvPr/>
-                  </p:nvGrpSpPr>
-                  <p:grpSpPr>
-                    <a:xfrm>
-                      <a:off x="405319" y="1753327"/>
-                      <a:ext cx="2108708" cy="1446007"/>
-                      <a:chOff x="405319" y="1753327"/>
-                      <a:chExt cx="2108708" cy="1446007"/>
-                    </a:xfrm>
-                  </p:grpSpPr>
-                  <p:grpSp>
-                    <p:nvGrpSpPr>
-                      <p:cNvPr id="51" name="Group 50">
-                        <a:extLst>
-                          <a:ext uri="{FF2B5EF4-FFF2-40B4-BE49-F238E27FC236}">
-                            <a16:creationId xmlns:a16="http://schemas.microsoft.com/office/drawing/2014/main" id="{0CAE9E38-DD80-2996-9A8E-8DB3824C4F12}"/>
-                          </a:ext>
-                        </a:extLst>
-                      </p:cNvPr>
-                      <p:cNvGrpSpPr/>
-                      <p:nvPr/>
-                    </p:nvGrpSpPr>
-                    <p:grpSpPr>
-                      <a:xfrm>
-                        <a:off x="405319" y="1753327"/>
-                        <a:ext cx="1275071" cy="420322"/>
-                        <a:chOff x="405319" y="1753327"/>
-                        <a:chExt cx="1275071" cy="420322"/>
-                      </a:xfrm>
-                    </p:grpSpPr>
-                    <p:pic>
-                      <p:nvPicPr>
-                        <p:cNvPr id="54" name="Picture 53">
-                          <a:extLst>
-                            <a:ext uri="{FF2B5EF4-FFF2-40B4-BE49-F238E27FC236}">
-                              <a16:creationId xmlns:a16="http://schemas.microsoft.com/office/drawing/2014/main" id="{AE8ECB0E-2715-8DDF-9589-F05E73D77176}"/>
-                            </a:ext>
-                          </a:extLst>
-                        </p:cNvPr>
-                        <p:cNvPicPr>
-                          <a:picLocks noChangeAspect="1"/>
-                        </p:cNvPicPr>
-                        <p:nvPr/>
-                      </p:nvPicPr>
-                      <p:blipFill>
-                        <a:blip r:embed="rId7"/>
-                        <a:srcRect t="1" b="14084"/>
-                        <a:stretch/>
-                      </p:blipFill>
-                      <p:spPr>
-                        <a:xfrm>
-                          <a:off x="405319" y="1753327"/>
-                          <a:ext cx="901287" cy="166448"/>
-                        </a:xfrm>
-                        <a:prstGeom prst="rect">
-                          <a:avLst/>
-                        </a:prstGeom>
-                      </p:spPr>
-                    </p:pic>
-                    <p:pic>
-                      <p:nvPicPr>
-                        <p:cNvPr id="55" name="Picture 54">
-                          <a:extLst>
-                            <a:ext uri="{FF2B5EF4-FFF2-40B4-BE49-F238E27FC236}">
-                              <a16:creationId xmlns:a16="http://schemas.microsoft.com/office/drawing/2014/main" id="{73765CD3-C052-AC47-9B1F-BCA635DBFF4F}"/>
-                            </a:ext>
-                          </a:extLst>
-                        </p:cNvPr>
-                        <p:cNvPicPr>
-                          <a:picLocks noChangeAspect="1"/>
-                        </p:cNvPicPr>
-                        <p:nvPr/>
-                      </p:nvPicPr>
-                      <p:blipFill>
-                        <a:blip r:embed="rId8"/>
-                        <a:stretch>
-                          <a:fillRect/>
-                        </a:stretch>
-                      </p:blipFill>
-                      <p:spPr>
-                        <a:xfrm>
-                          <a:off x="427548" y="1907895"/>
-                          <a:ext cx="1252842" cy="265754"/>
-                        </a:xfrm>
-                        <a:prstGeom prst="rect">
-                          <a:avLst/>
-                        </a:prstGeom>
-                      </p:spPr>
-                    </p:pic>
-                  </p:grpSp>
-                  <p:sp>
-                    <p:nvSpPr>
-                      <p:cNvPr id="52" name="Rectangle 51">
-                        <a:extLst>
-                          <a:ext uri="{FF2B5EF4-FFF2-40B4-BE49-F238E27FC236}">
-                            <a16:creationId xmlns:a16="http://schemas.microsoft.com/office/drawing/2014/main" id="{90E8683F-796F-37E5-11B1-274F0E3F7E3C}"/>
-                          </a:ext>
-                        </a:extLst>
-                      </p:cNvPr>
-                      <p:cNvSpPr/>
-                      <p:nvPr/>
-                    </p:nvSpPr>
-                    <p:spPr>
-                      <a:xfrm>
-                        <a:off x="586178" y="3034432"/>
-                        <a:ext cx="1927849" cy="164902"/>
-                      </a:xfrm>
-                      <a:prstGeom prst="rect">
-                        <a:avLst/>
-                      </a:prstGeom>
-                      <a:noFill/>
-                      <a:ln w="6350">
-                        <a:solidFill>
-                          <a:srgbClr val="FF0000"/>
-                        </a:solidFill>
-                      </a:ln>
-                      <a:effectLst>
-                        <a:outerShdw blurRad="50800" dist="38100" dir="8100000" algn="tr" rotWithShape="0">
-                          <a:prstClr val="black">
-                            <a:alpha val="40000"/>
-                          </a:prstClr>
-                        </a:outerShdw>
-                      </a:effectLst>
-                    </p:spPr>
-                    <p:txBody>
-                      <a:bodyPr wrap="none" anchor="ctr" anchorCtr="0">
-                        <a:noAutofit/>
-                      </a:bodyPr>
-                      <a:lstStyle/>
-                      <a:p>
-                        <a:endParaRPr lang="LID4096"/>
-                      </a:p>
-                    </p:txBody>
-                  </p:sp>
-                </p:grpSp>
-                <p:sp>
-                  <p:nvSpPr>
-                    <p:cNvPr id="50" name="Rectangle 49">
-                      <a:extLst>
-                        <a:ext uri="{FF2B5EF4-FFF2-40B4-BE49-F238E27FC236}">
-                          <a16:creationId xmlns:a16="http://schemas.microsoft.com/office/drawing/2014/main" id="{D427A391-F10E-9113-69F1-3D6F6FFA1EF7}"/>
-                        </a:ext>
-                      </a:extLst>
-                    </p:cNvPr>
-                    <p:cNvSpPr/>
-                    <p:nvPr/>
-                  </p:nvSpPr>
-                  <p:spPr>
-                    <a:xfrm>
-                      <a:off x="333786" y="1557544"/>
-                      <a:ext cx="1944467" cy="171513"/>
-                    </a:xfrm>
-                    <a:prstGeom prst="rect">
-                      <a:avLst/>
-                    </a:prstGeom>
-                    <a:noFill/>
-                    <a:ln w="6350">
-                      <a:solidFill>
-                        <a:srgbClr val="0000FF"/>
-                      </a:solidFill>
-                    </a:ln>
-                    <a:effectLst>
-                      <a:outerShdw blurRad="50800" dist="38100" dir="8100000" algn="tr" rotWithShape="0">
-                        <a:prstClr val="black">
-                          <a:alpha val="40000"/>
-                        </a:prstClr>
-                      </a:outerShdw>
-                    </a:effectLst>
-                  </p:spPr>
-                  <p:txBody>
-                    <a:bodyPr wrap="none" anchor="ctr" anchorCtr="0">
-                      <a:noAutofit/>
-                    </a:bodyPr>
-                    <a:lstStyle/>
-                    <a:p>
-                      <a:endParaRPr lang="LID4096"/>
-                    </a:p>
-                  </p:txBody>
-                </p:sp>
-              </p:grpSp>
-            </p:grpSp>
-            <p:sp>
-              <p:nvSpPr>
-                <p:cNvPr id="43" name="TextBox 42">
-                  <a:extLst>
-                    <a:ext uri="{FF2B5EF4-FFF2-40B4-BE49-F238E27FC236}">
-                      <a16:creationId xmlns:a16="http://schemas.microsoft.com/office/drawing/2014/main" id="{D68EEDF4-E29A-4B80-FC65-DA6CD61F15B4}"/>
-                    </a:ext>
-                  </a:extLst>
-                </p:cNvPr>
-                <p:cNvSpPr txBox="1">
-                  <a:spLocks noChangeAspect="1"/>
-                </p:cNvSpPr>
-                <p:nvPr/>
-              </p:nvSpPr>
-              <p:spPr>
-                <a:xfrm>
-                  <a:off x="9240825" y="40260"/>
-                  <a:ext cx="281830" cy="273747"/>
-                </a:xfrm>
-                <a:prstGeom prst="rect">
-                  <a:avLst/>
-                </a:prstGeom>
-                <a:solidFill>
-                  <a:srgbClr val="00B0F0"/>
-                </a:solidFill>
-              </p:spPr>
-              <p:txBody>
-                <a:bodyPr wrap="none" lIns="0" tIns="0" rIns="0" bIns="0" anchor="ctr" anchorCtr="0">
-                  <a:noAutofit/>
-                </a:bodyPr>
-                <a:lstStyle/>
-                <a:p>
-                  <a:pPr algn="ctr"/>
-                  <a:r>
-                    <a:rPr lang="pt-BR" sz="1500" b="1" dirty="0">
-                      <a:solidFill>
-                        <a:schemeClr val="bg1"/>
-                      </a:solidFill>
-                    </a:rPr>
-                    <a:t>04</a:t>
-                  </a:r>
-                  <a:endParaRPr lang="LID4096" sz="1500" b="1" dirty="0">
-                    <a:solidFill>
-                      <a:schemeClr val="bg1"/>
-                    </a:solidFill>
-                  </a:endParaRPr>
-                </a:p>
-              </p:txBody>
-            </p:sp>
-          </p:grpSp>
-          <p:pic>
-            <p:nvPicPr>
-              <p:cNvPr id="42" name="Picture 41">
-                <a:extLst>
-                  <a:ext uri="{FF2B5EF4-FFF2-40B4-BE49-F238E27FC236}">
-                    <a16:creationId xmlns:a16="http://schemas.microsoft.com/office/drawing/2014/main" id="{D624F873-5AE5-CF00-50CA-6970F4D3190E}"/>
-                  </a:ext>
-                </a:extLst>
-              </p:cNvPr>
-              <p:cNvPicPr>
-                <a:picLocks noChangeAspect="1"/>
-              </p:cNvPicPr>
-              <p:nvPr/>
-            </p:nvPicPr>
-            <p:blipFill>
-              <a:blip r:embed="rId9"/>
-              <a:stretch>
-                <a:fillRect/>
-              </a:stretch>
-            </p:blipFill>
-            <p:spPr>
-              <a:xfrm>
-                <a:off x="10870215" y="4083872"/>
-                <a:ext cx="550000" cy="224648"/>
-              </a:xfrm>
-              <a:prstGeom prst="rect">
-                <a:avLst/>
-              </a:prstGeom>
-              <a:ln>
-                <a:solidFill>
-                  <a:schemeClr val="tx1"/>
-                </a:solidFill>
-              </a:ln>
-              <a:effectLst>
-                <a:outerShdw blurRad="50800" dist="38100" dir="8100000" algn="tr" rotWithShape="0">
-                  <a:prstClr val="black">
-                    <a:alpha val="40000"/>
-                  </a:prstClr>
-                </a:outerShdw>
-              </a:effectLst>
-            </p:spPr>
-          </p:pic>
-        </p:grpSp>
-        <p:sp>
-          <p:nvSpPr>
-            <p:cNvPr id="38" name="TextBox 37">
-              <a:extLst>
-                <a:ext uri="{FF2B5EF4-FFF2-40B4-BE49-F238E27FC236}">
-                  <a16:creationId xmlns:a16="http://schemas.microsoft.com/office/drawing/2014/main" id="{8418C598-5704-EAB8-C4CC-FEA7A24DB7A2}"/>
-                </a:ext>
-              </a:extLst>
-            </p:cNvPr>
-            <p:cNvSpPr txBox="1"/>
-            <p:nvPr/>
-          </p:nvSpPr>
-          <p:spPr>
-            <a:xfrm>
-              <a:off x="10263286" y="3058627"/>
-              <a:ext cx="735151" cy="307777"/>
-            </a:xfrm>
-            <a:prstGeom prst="rect">
-              <a:avLst/>
-            </a:prstGeom>
-            <a:noFill/>
-          </p:spPr>
-          <p:txBody>
-            <a:bodyPr wrap="square">
-              <a:spAutoFit/>
-            </a:bodyPr>
-            <a:lstStyle>
-              <a:defPPr>
-                <a:defRPr lang="LID4096"/>
-              </a:defPPr>
-              <a:lvl1pPr>
-                <a:defRPr b="1"/>
-              </a:lvl1pPr>
-            </a:lstStyle>
-            <a:p>
-              <a:r>
-                <a:rPr lang="pt-BR" sz="1400" dirty="0"/>
-                <a:t>+</a:t>
-              </a:r>
-              <a:r>
-                <a:rPr lang="pt-BR" sz="1400" b="0" dirty="0"/>
-                <a:t>10</a:t>
-              </a:r>
-              <a:endParaRPr lang="LID4096" sz="1400" b="0" dirty="0"/>
-            </a:p>
-          </p:txBody>
-        </p:sp>
-      </p:grpSp>
       <p:grpSp>
         <p:nvGrpSpPr>
           <p:cNvPr id="192" name="Group 191">
@@ -6221,7 +5430,7 @@
               <p:nvPr/>
             </p:nvPicPr>
             <p:blipFill>
-              <a:blip r:embed="rId3"/>
+              <a:blip r:embed="rId4"/>
               <a:srcRect r="54588"/>
               <a:stretch/>
             </p:blipFill>
@@ -6529,49 +5738,6 @@
           </p:txBody>
         </p:sp>
       </p:grpSp>
-      <p:sp>
-        <p:nvSpPr>
-          <p:cNvPr id="30" name="TextBox 29">
-            <a:extLst>
-              <a:ext uri="{FF2B5EF4-FFF2-40B4-BE49-F238E27FC236}">
-                <a16:creationId xmlns:a16="http://schemas.microsoft.com/office/drawing/2014/main" id="{5EE13865-E183-1F82-9AF7-B84301E466A4}"/>
-              </a:ext>
-            </a:extLst>
-          </p:cNvPr>
-          <p:cNvSpPr txBox="1"/>
-          <p:nvPr/>
-        </p:nvSpPr>
-        <p:spPr>
-          <a:xfrm>
-            <a:off x="10992974" y="2958939"/>
-            <a:ext cx="588361" cy="523220"/>
-          </a:xfrm>
-          <a:prstGeom prst="rect">
-            <a:avLst/>
-          </a:prstGeom>
-          <a:noFill/>
-        </p:spPr>
-        <p:txBody>
-          <a:bodyPr wrap="square">
-            <a:spAutoFit/>
-          </a:bodyPr>
-          <a:lstStyle>
-            <a:defPPr>
-              <a:defRPr lang="LID4096"/>
-            </a:defPPr>
-            <a:lvl1pPr>
-              <a:defRPr sz="1100" b="1"/>
-            </a:lvl1pPr>
-          </a:lstStyle>
-          <a:p>
-            <a:r>
-              <a:rPr lang="en-US" sz="2800" dirty="0"/>
-              <a:t>02</a:t>
-            </a:r>
-            <a:endParaRPr lang="LID4096" sz="2800" dirty="0"/>
-          </a:p>
-        </p:txBody>
-      </p:sp>
       <p:grpSp>
         <p:nvGrpSpPr>
           <p:cNvPr id="86" name="Group 85">
@@ -6586,10 +5752,10 @@
         </p:nvGrpSpPr>
         <p:grpSpPr>
           <a:xfrm>
-            <a:off x="550595" y="3970243"/>
-            <a:ext cx="2824270" cy="637600"/>
+            <a:off x="550595" y="3884518"/>
+            <a:ext cx="2824270" cy="599500"/>
             <a:chOff x="441013" y="2259849"/>
-            <a:chExt cx="2824270" cy="637600"/>
+            <a:chExt cx="2824270" cy="599500"/>
           </a:xfrm>
         </p:grpSpPr>
         <p:pic>
@@ -6607,7 +5773,7 @@
             <p:nvPr/>
           </p:nvPicPr>
           <p:blipFill>
-            <a:blip r:embed="rId10"/>
+            <a:blip r:embed="rId5"/>
             <a:stretch>
               <a:fillRect/>
             </a:stretch>
@@ -6637,14 +5803,14 @@
             <p:nvPr/>
           </p:nvPicPr>
           <p:blipFill>
-            <a:blip r:embed="rId11"/>
+            <a:blip r:embed="rId6"/>
             <a:stretch>
               <a:fillRect/>
             </a:stretch>
           </p:blipFill>
           <p:spPr>
             <a:xfrm>
-              <a:off x="474458" y="2487874"/>
+              <a:off x="474458" y="2449774"/>
               <a:ext cx="2790825" cy="409575"/>
             </a:xfrm>
             <a:prstGeom prst="rect">
@@ -6696,118 +5862,6 @@
           </p:txBody>
         </p:sp>
       </p:grpSp>
-      <p:sp>
-        <p:nvSpPr>
-          <p:cNvPr id="68" name="Rectangle 1">
-            <a:extLst>
-              <a:ext uri="{FF2B5EF4-FFF2-40B4-BE49-F238E27FC236}">
-                <a16:creationId xmlns:a16="http://schemas.microsoft.com/office/drawing/2014/main" id="{859A6A90-0DE6-B877-6C23-8E89C5AF3244}"/>
-              </a:ext>
-            </a:extLst>
-          </p:cNvPr>
-          <p:cNvSpPr>
-            <a:spLocks noChangeArrowheads="1"/>
-          </p:cNvSpPr>
-          <p:nvPr/>
-        </p:nvSpPr>
-        <p:spPr bwMode="auto">
-          <a:xfrm>
-            <a:off x="9528444" y="3503761"/>
-            <a:ext cx="1974167" cy="1169551"/>
-          </a:xfrm>
-          <a:prstGeom prst="rect">
-            <a:avLst/>
-          </a:prstGeom>
-          <a:noFill/>
-        </p:spPr>
-        <p:txBody>
-          <a:bodyPr wrap="square">
-            <a:spAutoFit/>
-          </a:bodyPr>
-          <a:lstStyle/>
-          <a:p>
-            <a:pPr algn="r"/>
-            <a:r>
-              <a:rPr lang="LID4096" altLang="LID4096" sz="1400" b="1" dirty="0"/>
-              <a:t>multi_threads</a:t>
-            </a:r>
-            <a:endParaRPr lang="pt-BR" altLang="LID4096" sz="1400" b="1" dirty="0"/>
-          </a:p>
-          <a:p>
-            <a:pPr algn="r"/>
-            <a:r>
-              <a:rPr lang="LID4096" altLang="LID4096" sz="1400" b="1" dirty="0"/>
-              <a:t>=</a:t>
-            </a:r>
-            <a:endParaRPr lang="pt-BR" altLang="LID4096" sz="1400" b="1" dirty="0"/>
-          </a:p>
-          <a:p>
-            <a:pPr algn="r"/>
-            <a:r>
-              <a:rPr lang="LID4096" altLang="LID4096" sz="1400" b="1" dirty="0"/>
-              <a:t>false </a:t>
-            </a:r>
-            <a:endParaRPr lang="pt-BR" altLang="LID4096" sz="1400" b="1" dirty="0"/>
-          </a:p>
-          <a:p>
-            <a:pPr algn="r"/>
-            <a:r>
-              <a:rPr lang="LID4096" altLang="LID4096" sz="1400" b="1" dirty="0"/>
-              <a:t>error</a:t>
-            </a:r>
-          </a:p>
-          <a:p>
-            <a:pPr algn="r"/>
-            <a:endParaRPr lang="LID4096" altLang="LID4096" sz="1400" b="1" dirty="0"/>
-          </a:p>
-        </p:txBody>
-      </p:sp>
-      <p:sp>
-        <p:nvSpPr>
-          <p:cNvPr id="70" name="Rectangle 1">
-            <a:extLst>
-              <a:ext uri="{FF2B5EF4-FFF2-40B4-BE49-F238E27FC236}">
-                <a16:creationId xmlns:a16="http://schemas.microsoft.com/office/drawing/2014/main" id="{4FDD9E44-BBC2-91F5-563D-D977254D8380}"/>
-              </a:ext>
-            </a:extLst>
-          </p:cNvPr>
-          <p:cNvSpPr>
-            <a:spLocks noChangeArrowheads="1"/>
-          </p:cNvSpPr>
-          <p:nvPr/>
-        </p:nvSpPr>
-        <p:spPr bwMode="auto">
-          <a:xfrm>
-            <a:off x="9361772" y="1393822"/>
-            <a:ext cx="1974167" cy="523220"/>
-          </a:xfrm>
-          <a:prstGeom prst="rect">
-            <a:avLst/>
-          </a:prstGeom>
-          <a:noFill/>
-        </p:spPr>
-        <p:txBody>
-          <a:bodyPr wrap="square">
-            <a:spAutoFit/>
-          </a:bodyPr>
-          <a:lstStyle/>
-          <a:p>
-            <a:pPr algn="r"/>
-            <a:r>
-              <a:rPr lang="pt-BR" altLang="LID4096" sz="1400" b="1" dirty="0"/>
-              <a:t>Folders </a:t>
-            </a:r>
-          </a:p>
-          <a:p>
-            <a:pPr algn="r"/>
-            <a:r>
-              <a:rPr lang="pt-BR" altLang="LID4096" sz="1400" b="1" dirty="0"/>
-              <a:t>swap</a:t>
-            </a:r>
-            <a:endParaRPr lang="LID4096" altLang="LID4096" sz="1400" b="1" dirty="0"/>
-          </a:p>
-        </p:txBody>
-      </p:sp>
       <p:grpSp>
         <p:nvGrpSpPr>
           <p:cNvPr id="31" name="Group 30">
@@ -6843,7 +5897,7 @@
             <p:nvPr/>
           </p:nvPicPr>
           <p:blipFill>
-            <a:blip r:embed="rId3"/>
+            <a:blip r:embed="rId4"/>
             <a:srcRect t="40041" r="46014" b="40053"/>
             <a:stretch/>
           </p:blipFill>
@@ -6966,14 +6020,14 @@
           <p:nvPr/>
         </p:nvPicPr>
         <p:blipFill>
-          <a:blip r:embed="rId2"/>
-          <a:srcRect t="43159" r="10448" b="44747"/>
+          <a:blip r:embed="rId3"/>
+          <a:srcRect t="43159" r="23408" b="44747"/>
           <a:stretch/>
         </p:blipFill>
         <p:spPr>
           <a:xfrm>
-            <a:off x="385328" y="3724527"/>
-            <a:ext cx="3260523" cy="263917"/>
+            <a:off x="385328" y="3638802"/>
+            <a:ext cx="2788671" cy="263917"/>
           </a:xfrm>
           <a:prstGeom prst="rect">
             <a:avLst/>
@@ -6994,7 +6048,7 @@
         </p:nvGrpSpPr>
         <p:grpSpPr>
           <a:xfrm>
-            <a:off x="454303" y="3197483"/>
+            <a:off x="454303" y="3111758"/>
             <a:ext cx="3136830" cy="400110"/>
             <a:chOff x="560487" y="2050563"/>
             <a:chExt cx="3136830" cy="400110"/>
@@ -7059,7 +6113,7 @@
             <p:nvPr/>
           </p:nvPicPr>
           <p:blipFill>
-            <a:blip r:embed="rId12"/>
+            <a:blip r:embed="rId7"/>
             <a:stretch>
               <a:fillRect/>
             </a:stretch>
@@ -7093,13 +6147,13 @@
           <p:nvPr/>
         </p:nvPicPr>
         <p:blipFill>
-          <a:blip r:embed="rId2"/>
+          <a:blip r:embed="rId3"/>
           <a:srcRect t="53592" b="11909"/>
           <a:stretch/>
         </p:blipFill>
         <p:spPr>
           <a:xfrm>
-            <a:off x="555658" y="4676764"/>
+            <a:off x="555658" y="4495789"/>
             <a:ext cx="3019425" cy="624320"/>
           </a:xfrm>
           <a:prstGeom prst="rect">
@@ -7123,7 +6177,7 @@
         </p:nvSpPr>
         <p:spPr>
           <a:xfrm>
-            <a:off x="121509" y="4123978"/>
+            <a:off x="121509" y="4038253"/>
             <a:ext cx="361950" cy="409575"/>
           </a:xfrm>
           <a:prstGeom prst="rect">
@@ -7161,7 +6215,7 @@
         </p:nvSpPr>
         <p:spPr>
           <a:xfrm>
-            <a:off x="1968672" y="4563909"/>
+            <a:off x="1968672" y="4440084"/>
             <a:ext cx="1564037" cy="246221"/>
           </a:xfrm>
           <a:prstGeom prst="rect">
@@ -7189,10 +6243,10 @@
       </p:sp>
       <p:pic>
         <p:nvPicPr>
-          <p:cNvPr id="90" name="Picture 89">
-            <a:extLst>
-              <a:ext uri="{FF2B5EF4-FFF2-40B4-BE49-F238E27FC236}">
-                <a16:creationId xmlns:a16="http://schemas.microsoft.com/office/drawing/2014/main" id="{4746827A-2EFB-3149-2065-B36F9FAB45B3}"/>
+          <p:cNvPr id="107" name="Picture 106">
+            <a:extLst>
+              <a:ext uri="{FF2B5EF4-FFF2-40B4-BE49-F238E27FC236}">
+                <a16:creationId xmlns:a16="http://schemas.microsoft.com/office/drawing/2014/main" id="{9468C124-5E23-0AF0-AD9B-CE5A19E1E402}"/>
               </a:ext>
             </a:extLst>
           </p:cNvPr>
@@ -7202,116 +6256,7 @@
           <p:nvPr/>
         </p:nvPicPr>
         <p:blipFill>
-          <a:blip r:embed="rId13"/>
-          <a:srcRect t="4425"/>
-          <a:stretch/>
-        </p:blipFill>
-        <p:spPr>
-          <a:xfrm>
-            <a:off x="711893" y="5321805"/>
-            <a:ext cx="2324100" cy="1028700"/>
-          </a:xfrm>
-          <a:prstGeom prst="rect">
-            <a:avLst/>
-          </a:prstGeom>
-        </p:spPr>
-      </p:pic>
-      <p:pic>
-        <p:nvPicPr>
-          <p:cNvPr id="92" name="Picture 91">
-            <a:extLst>
-              <a:ext uri="{FF2B5EF4-FFF2-40B4-BE49-F238E27FC236}">
-                <a16:creationId xmlns:a16="http://schemas.microsoft.com/office/drawing/2014/main" id="{376F00C9-2291-8BCF-7F6E-FC6C5FBEC1AF}"/>
-              </a:ext>
-            </a:extLst>
-          </p:cNvPr>
-          <p:cNvPicPr>
-            <a:picLocks noChangeAspect="1"/>
-          </p:cNvPicPr>
-          <p:nvPr/>
-        </p:nvPicPr>
-        <p:blipFill>
-          <a:blip r:embed="rId2"/>
-          <a:srcRect l="690" t="89164" r="-690" b="1695"/>
-          <a:stretch/>
-        </p:blipFill>
-        <p:spPr>
-          <a:xfrm>
-            <a:off x="599427" y="6338089"/>
-            <a:ext cx="3019425" cy="165433"/>
-          </a:xfrm>
-          <a:prstGeom prst="rect">
-            <a:avLst/>
-          </a:prstGeom>
-        </p:spPr>
-      </p:pic>
-      <p:sp>
-        <p:nvSpPr>
-          <p:cNvPr id="105" name="TextBox 104">
-            <a:extLst>
-              <a:ext uri="{FF2B5EF4-FFF2-40B4-BE49-F238E27FC236}">
-                <a16:creationId xmlns:a16="http://schemas.microsoft.com/office/drawing/2014/main" id="{24C257E0-69A8-2101-C6C8-AAABFEA746B7}"/>
-              </a:ext>
-            </a:extLst>
-          </p:cNvPr>
-          <p:cNvSpPr txBox="1"/>
-          <p:nvPr/>
-        </p:nvSpPr>
-        <p:spPr>
-          <a:xfrm>
-            <a:off x="2965665" y="5903794"/>
-            <a:ext cx="588361" cy="523220"/>
-          </a:xfrm>
-          <a:prstGeom prst="rect">
-            <a:avLst/>
-          </a:prstGeom>
-          <a:noFill/>
-        </p:spPr>
-        <p:txBody>
-          <a:bodyPr wrap="square">
-            <a:spAutoFit/>
-          </a:bodyPr>
-          <a:lstStyle>
-            <a:defPPr>
-              <a:defRPr lang="LID4096"/>
-            </a:defPPr>
-            <a:lvl1pPr>
-              <a:defRPr sz="1100" b="1"/>
-            </a:lvl1pPr>
-          </a:lstStyle>
-          <a:p>
-            <a:r>
-              <a:rPr lang="en-US" sz="2800" dirty="0">
-                <a:solidFill>
-                  <a:srgbClr val="FF0000"/>
-                </a:solidFill>
-              </a:rPr>
-              <a:t>01</a:t>
-            </a:r>
-            <a:endParaRPr lang="LID4096" sz="2800" dirty="0">
-              <a:solidFill>
-                <a:srgbClr val="FF0000"/>
-              </a:solidFill>
-            </a:endParaRPr>
-          </a:p>
-        </p:txBody>
-      </p:sp>
-      <p:pic>
-        <p:nvPicPr>
-          <p:cNvPr id="107" name="Picture 106">
-            <a:extLst>
-              <a:ext uri="{FF2B5EF4-FFF2-40B4-BE49-F238E27FC236}">
-                <a16:creationId xmlns:a16="http://schemas.microsoft.com/office/drawing/2014/main" id="{9468C124-5E23-0AF0-AD9B-CE5A19E1E402}"/>
-              </a:ext>
-            </a:extLst>
-          </p:cNvPr>
-          <p:cNvPicPr>
-            <a:picLocks noChangeAspect="1"/>
-          </p:cNvPicPr>
-          <p:nvPr/>
-        </p:nvPicPr>
-        <p:blipFill>
-          <a:blip r:embed="rId2"/>
+          <a:blip r:embed="rId3"/>
           <a:srcRect b="89343"/>
           <a:stretch/>
         </p:blipFill>
@@ -7340,7 +6285,7 @@
           <p:nvPr/>
         </p:nvPicPr>
         <p:blipFill>
-          <a:blip r:embed="rId14"/>
+          <a:blip r:embed="rId8"/>
           <a:stretch>
             <a:fillRect/>
           </a:stretch>
@@ -7370,7 +6315,7 @@
           <p:nvPr/>
         </p:nvPicPr>
         <p:blipFill>
-          <a:blip r:embed="rId2"/>
+          <a:blip r:embed="rId3"/>
           <a:srcRect t="11178" b="78165"/>
           <a:stretch/>
         </p:blipFill>
@@ -7399,7 +6344,7 @@
           <p:nvPr/>
         </p:nvPicPr>
         <p:blipFill>
-          <a:blip r:embed="rId15"/>
+          <a:blip r:embed="rId9"/>
           <a:stretch>
             <a:fillRect/>
           </a:stretch>
@@ -7429,7 +6374,7 @@
           <p:nvPr/>
         </p:nvPicPr>
         <p:blipFill>
-          <a:blip r:embed="rId2"/>
+          <a:blip r:embed="rId3"/>
           <a:srcRect l="341" t="21724" r="-341" b="67619"/>
           <a:stretch/>
         </p:blipFill>
@@ -7437,36 +6382,6 @@
           <a:xfrm>
             <a:off x="255591" y="2588507"/>
             <a:ext cx="3019425" cy="192865"/>
-          </a:xfrm>
-          <a:prstGeom prst="rect">
-            <a:avLst/>
-          </a:prstGeom>
-        </p:spPr>
-      </p:pic>
-      <p:pic>
-        <p:nvPicPr>
-          <p:cNvPr id="116" name="Picture 115">
-            <a:extLst>
-              <a:ext uri="{FF2B5EF4-FFF2-40B4-BE49-F238E27FC236}">
-                <a16:creationId xmlns:a16="http://schemas.microsoft.com/office/drawing/2014/main" id="{66CCF9A6-887B-CABC-3DCA-4727B50FBCD6}"/>
-              </a:ext>
-            </a:extLst>
-          </p:cNvPr>
-          <p:cNvPicPr>
-            <a:picLocks noChangeAspect="1"/>
-          </p:cNvPicPr>
-          <p:nvPr/>
-        </p:nvPicPr>
-        <p:blipFill>
-          <a:blip r:embed="rId16"/>
-          <a:stretch>
-            <a:fillRect/>
-          </a:stretch>
-        </p:blipFill>
-        <p:spPr>
-          <a:xfrm>
-            <a:off x="385168" y="2801130"/>
-            <a:ext cx="2676525" cy="314325"/>
           </a:xfrm>
           <a:prstGeom prst="rect">
             <a:avLst/>
@@ -7527,15 +6442,15 @@
           <p:nvPr/>
         </p:nvPicPr>
         <p:blipFill>
-          <a:blip r:embed="rId17"/>
+          <a:blip r:embed="rId10"/>
           <a:stretch>
             <a:fillRect/>
           </a:stretch>
         </p:blipFill>
         <p:spPr>
           <a:xfrm>
-            <a:off x="441756" y="3512039"/>
-            <a:ext cx="1590675" cy="228600"/>
+            <a:off x="441757" y="3438764"/>
+            <a:ext cx="1201042" cy="172605"/>
           </a:xfrm>
           <a:prstGeom prst="rect">
             <a:avLst/>
@@ -7579,49 +6494,6 @@
               <a:rPr lang="en-US" sz="1000" b="1" dirty="0"/>
               <a:t>Change TEMP folder</a:t>
             </a:r>
-          </a:p>
-        </p:txBody>
-      </p:sp>
-      <p:sp>
-        <p:nvSpPr>
-          <p:cNvPr id="125" name="TextBox 124">
-            <a:extLst>
-              <a:ext uri="{FF2B5EF4-FFF2-40B4-BE49-F238E27FC236}">
-                <a16:creationId xmlns:a16="http://schemas.microsoft.com/office/drawing/2014/main" id="{D77193A3-2293-ABF9-0E24-C7778F3256B7}"/>
-              </a:ext>
-            </a:extLst>
-          </p:cNvPr>
-          <p:cNvSpPr txBox="1"/>
-          <p:nvPr/>
-        </p:nvSpPr>
-        <p:spPr>
-          <a:xfrm>
-            <a:off x="3397290" y="2482421"/>
-            <a:ext cx="1458551" cy="523220"/>
-          </a:xfrm>
-          <a:prstGeom prst="rect">
-            <a:avLst/>
-          </a:prstGeom>
-          <a:noFill/>
-        </p:spPr>
-        <p:txBody>
-          <a:bodyPr wrap="square">
-            <a:spAutoFit/>
-          </a:bodyPr>
-          <a:lstStyle>
-            <a:defPPr>
-              <a:defRPr lang="LID4096"/>
-            </a:defPPr>
-            <a:lvl1pPr>
-              <a:defRPr sz="1100" b="1"/>
-            </a:lvl1pPr>
-          </a:lstStyle>
-          <a:p>
-            <a:r>
-              <a:rPr lang="en-US" sz="2800" dirty="0"/>
-              <a:t>05</a:t>
-            </a:r>
-            <a:endParaRPr lang="LID4096" sz="2800" dirty="0"/>
           </a:p>
         </p:txBody>
       </p:sp>
@@ -7680,16 +6552,14 @@
         </p:nvSpPr>
         <p:spPr>
           <a:xfrm>
-            <a:off x="2243693" y="3057068"/>
+            <a:off x="2205593" y="3009443"/>
             <a:ext cx="369060" cy="137160"/>
           </a:xfrm>
           <a:prstGeom prst="rect">
             <a:avLst/>
           </a:prstGeom>
           <a:solidFill>
-            <a:schemeClr val="bg1">
-              <a:lumMod val="85000"/>
-            </a:schemeClr>
+            <a:srgbClr val="00FF00"/>
           </a:solidFill>
         </p:spPr>
         <p:txBody>
@@ -7722,13 +6592,13 @@
           <p:nvPr/>
         </p:nvPicPr>
         <p:blipFill>
-          <a:blip r:embed="rId18"/>
+          <a:blip r:embed="rId11"/>
           <a:srcRect t="3106" r="43214" b="86087"/>
           <a:stretch/>
         </p:blipFill>
         <p:spPr>
           <a:xfrm>
-            <a:off x="2039551" y="3548432"/>
+            <a:off x="2039551" y="3462707"/>
             <a:ext cx="1514475" cy="179110"/>
           </a:xfrm>
           <a:prstGeom prst="rect">
@@ -7755,7 +6625,7 @@
         </p:nvSpPr>
         <p:spPr>
           <a:xfrm>
-            <a:off x="181901" y="3333850"/>
+            <a:off x="155774" y="3213290"/>
             <a:ext cx="795178" cy="461665"/>
           </a:xfrm>
           <a:prstGeom prst="rect">
@@ -7885,52 +6755,1098 @@
           </a:p>
         </p:txBody>
       </p:sp>
-      <p:sp>
-        <p:nvSpPr>
-          <p:cNvPr id="134" name="TextBox 133">
-            <a:extLst>
-              <a:ext uri="{FF2B5EF4-FFF2-40B4-BE49-F238E27FC236}">
-                <a16:creationId xmlns:a16="http://schemas.microsoft.com/office/drawing/2014/main" id="{39F2EC80-A977-DD84-5DB0-07F68B922D77}"/>
-              </a:ext>
-            </a:extLst>
-          </p:cNvPr>
-          <p:cNvSpPr txBox="1"/>
-          <p:nvPr/>
-        </p:nvSpPr>
-        <p:spPr>
-          <a:xfrm>
-            <a:off x="6533298" y="1421856"/>
-            <a:ext cx="1106757" cy="246221"/>
-          </a:xfrm>
-          <a:prstGeom prst="rect">
-            <a:avLst/>
-          </a:prstGeom>
-          <a:noFill/>
-        </p:spPr>
-        <p:txBody>
-          <a:bodyPr wrap="square">
-            <a:spAutoFit/>
-          </a:bodyPr>
-          <a:lstStyle/>
-          <a:p>
-            <a:pPr algn="r"/>
-            <a:r>
-              <a:rPr lang="en-US" sz="1000" dirty="0">
-                <a:solidFill>
-                  <a:srgbClr val="FF0000"/>
-                </a:solidFill>
-              </a:rPr>
-              <a:t>NEXT</a:t>
-            </a:r>
-          </a:p>
-        </p:txBody>
-      </p:sp>
       <p:grpSp>
         <p:nvGrpSpPr>
-          <p:cNvPr id="136" name="Group 135">
-            <a:extLst>
-              <a:ext uri="{FF2B5EF4-FFF2-40B4-BE49-F238E27FC236}">
-                <a16:creationId xmlns:a16="http://schemas.microsoft.com/office/drawing/2014/main" id="{193CCD78-E99F-132D-93A7-007ABEAA2C03}"/>
+          <p:cNvPr id="2" name="Group 1">
+            <a:extLst>
+              <a:ext uri="{FF2B5EF4-FFF2-40B4-BE49-F238E27FC236}">
+                <a16:creationId xmlns:a16="http://schemas.microsoft.com/office/drawing/2014/main" id="{016F68C4-8183-5F71-D029-4F14FE2226C4}"/>
+              </a:ext>
+            </a:extLst>
+          </p:cNvPr>
+          <p:cNvGrpSpPr/>
+          <p:nvPr/>
+        </p:nvGrpSpPr>
+        <p:grpSpPr>
+          <a:xfrm>
+            <a:off x="3800955" y="327673"/>
+            <a:ext cx="2943704" cy="2905869"/>
+            <a:chOff x="4611094" y="-14814"/>
+            <a:chExt cx="2943704" cy="2905869"/>
+          </a:xfrm>
+        </p:grpSpPr>
+        <p:grpSp>
+          <p:nvGrpSpPr>
+            <p:cNvPr id="85" name="Group 84">
+              <a:extLst>
+                <a:ext uri="{FF2B5EF4-FFF2-40B4-BE49-F238E27FC236}">
+                  <a16:creationId xmlns:a16="http://schemas.microsoft.com/office/drawing/2014/main" id="{6C309C22-B6B2-C7EF-FF74-A614BFD5D744}"/>
+                </a:ext>
+              </a:extLst>
+            </p:cNvPr>
+            <p:cNvGrpSpPr/>
+            <p:nvPr/>
+          </p:nvGrpSpPr>
+          <p:grpSpPr>
+            <a:xfrm>
+              <a:off x="4611094" y="-14814"/>
+              <a:ext cx="2943704" cy="2905869"/>
+              <a:chOff x="6293369" y="-83197"/>
+              <a:chExt cx="2943704" cy="2905869"/>
+            </a:xfrm>
+          </p:grpSpPr>
+          <p:grpSp>
+            <p:nvGrpSpPr>
+              <p:cNvPr id="190" name="Group 189">
+                <a:extLst>
+                  <a:ext uri="{FF2B5EF4-FFF2-40B4-BE49-F238E27FC236}">
+                    <a16:creationId xmlns:a16="http://schemas.microsoft.com/office/drawing/2014/main" id="{1C11BEC2-D6DB-4BF3-594A-985F4AAD6F3B}"/>
+                  </a:ext>
+                </a:extLst>
+              </p:cNvPr>
+              <p:cNvGrpSpPr/>
+              <p:nvPr/>
+            </p:nvGrpSpPr>
+            <p:grpSpPr>
+              <a:xfrm>
+                <a:off x="6293369" y="221742"/>
+                <a:ext cx="1370945" cy="273747"/>
+                <a:chOff x="2791537" y="1581590"/>
+                <a:chExt cx="1370945" cy="273747"/>
+              </a:xfrm>
+            </p:grpSpPr>
+            <p:grpSp>
+              <p:nvGrpSpPr>
+                <p:cNvPr id="62" name="Group 61">
+                  <a:extLst>
+                    <a:ext uri="{FF2B5EF4-FFF2-40B4-BE49-F238E27FC236}">
+                      <a16:creationId xmlns:a16="http://schemas.microsoft.com/office/drawing/2014/main" id="{6E73D71F-F742-B0E6-DE5B-366DFE333A09}"/>
+                    </a:ext>
+                  </a:extLst>
+                </p:cNvPr>
+                <p:cNvGrpSpPr/>
+                <p:nvPr/>
+              </p:nvGrpSpPr>
+              <p:grpSpPr>
+                <a:xfrm>
+                  <a:off x="3206898" y="1581590"/>
+                  <a:ext cx="955584" cy="232193"/>
+                  <a:chOff x="358299" y="3903805"/>
+                  <a:chExt cx="955584" cy="232193"/>
+                </a:xfrm>
+              </p:grpSpPr>
+              <p:pic>
+                <p:nvPicPr>
+                  <p:cNvPr id="64" name="Picture 63">
+                    <a:extLst>
+                      <a:ext uri="{FF2B5EF4-FFF2-40B4-BE49-F238E27FC236}">
+                        <a16:creationId xmlns:a16="http://schemas.microsoft.com/office/drawing/2014/main" id="{E5F01EB9-5661-F767-8DAC-BFE260077241}"/>
+                      </a:ext>
+                    </a:extLst>
+                  </p:cNvPr>
+                  <p:cNvPicPr>
+                    <a:picLocks noChangeAspect="1"/>
+                  </p:cNvPicPr>
+                  <p:nvPr/>
+                </p:nvPicPr>
+                <p:blipFill>
+                  <a:blip r:embed="rId4"/>
+                  <a:srcRect t="58454" r="57025" b="21387"/>
+                  <a:stretch/>
+                </p:blipFill>
+                <p:spPr>
+                  <a:xfrm>
+                    <a:off x="358299" y="3922959"/>
+                    <a:ext cx="867792" cy="207373"/>
+                  </a:xfrm>
+                  <a:prstGeom prst="rect">
+                    <a:avLst/>
+                  </a:prstGeom>
+                </p:spPr>
+              </p:pic>
+              <p:sp>
+                <p:nvSpPr>
+                  <p:cNvPr id="71" name="Rectangle 70">
+                    <a:extLst>
+                      <a:ext uri="{FF2B5EF4-FFF2-40B4-BE49-F238E27FC236}">
+                        <a16:creationId xmlns:a16="http://schemas.microsoft.com/office/drawing/2014/main" id="{A1E48D17-6520-9E3C-DD09-FAA9A81F7C27}"/>
+                      </a:ext>
+                    </a:extLst>
+                  </p:cNvPr>
+                  <p:cNvSpPr/>
+                  <p:nvPr/>
+                </p:nvSpPr>
+                <p:spPr>
+                  <a:xfrm>
+                    <a:off x="371399" y="3903805"/>
+                    <a:ext cx="942484" cy="232193"/>
+                  </a:xfrm>
+                  <a:prstGeom prst="rect">
+                    <a:avLst/>
+                  </a:prstGeom>
+                  <a:noFill/>
+                  <a:ln w="6350">
+                    <a:solidFill>
+                      <a:srgbClr val="0000FF"/>
+                    </a:solidFill>
+                  </a:ln>
+                  <a:effectLst>
+                    <a:outerShdw blurRad="50800" dist="38100" dir="8100000" algn="tr" rotWithShape="0">
+                      <a:prstClr val="black">
+                        <a:alpha val="40000"/>
+                      </a:prstClr>
+                    </a:outerShdw>
+                  </a:effectLst>
+                </p:spPr>
+                <p:txBody>
+                  <a:bodyPr wrap="none" anchor="ctr" anchorCtr="0">
+                    <a:noAutofit/>
+                  </a:bodyPr>
+                  <a:lstStyle/>
+                  <a:p>
+                    <a:endParaRPr lang="LID4096" dirty="0"/>
+                  </a:p>
+                </p:txBody>
+              </p:sp>
+            </p:grpSp>
+            <p:sp>
+              <p:nvSpPr>
+                <p:cNvPr id="187" name="TextBox 186">
+                  <a:extLst>
+                    <a:ext uri="{FF2B5EF4-FFF2-40B4-BE49-F238E27FC236}">
+                      <a16:creationId xmlns:a16="http://schemas.microsoft.com/office/drawing/2014/main" id="{E99AECEE-1527-C251-0DCB-CBCF9ACC47A9}"/>
+                    </a:ext>
+                  </a:extLst>
+                </p:cNvPr>
+                <p:cNvSpPr txBox="1">
+                  <a:spLocks noChangeAspect="1"/>
+                </p:cNvSpPr>
+                <p:nvPr/>
+              </p:nvSpPr>
+              <p:spPr>
+                <a:xfrm>
+                  <a:off x="2791537" y="1581590"/>
+                  <a:ext cx="322244" cy="273747"/>
+                </a:xfrm>
+                <a:prstGeom prst="rect">
+                  <a:avLst/>
+                </a:prstGeom>
+                <a:solidFill>
+                  <a:schemeClr val="accent6">
+                    <a:lumMod val="60000"/>
+                    <a:lumOff val="40000"/>
+                  </a:schemeClr>
+                </a:solidFill>
+              </p:spPr>
+              <p:txBody>
+                <a:bodyPr wrap="none" lIns="0" tIns="0" rIns="0" bIns="0" anchor="ctr" anchorCtr="0">
+                  <a:noAutofit/>
+                </a:bodyPr>
+                <a:lstStyle/>
+                <a:p>
+                  <a:pPr algn="ctr"/>
+                  <a:r>
+                    <a:rPr lang="pt-BR" sz="1500" b="1" dirty="0"/>
+                    <a:t>03</a:t>
+                  </a:r>
+                  <a:endParaRPr lang="LID4096" sz="1500" b="1" dirty="0"/>
+                </a:p>
+              </p:txBody>
+            </p:sp>
+          </p:grpSp>
+          <p:pic>
+            <p:nvPicPr>
+              <p:cNvPr id="49" name="Picture 48">
+                <a:extLst>
+                  <a:ext uri="{FF2B5EF4-FFF2-40B4-BE49-F238E27FC236}">
+                    <a16:creationId xmlns:a16="http://schemas.microsoft.com/office/drawing/2014/main" id="{CFB6F3C2-96FE-71A0-E635-F7E8F23C6FCB}"/>
+                  </a:ext>
+                </a:extLst>
+              </p:cNvPr>
+              <p:cNvPicPr>
+                <a:picLocks noChangeAspect="1"/>
+              </p:cNvPicPr>
+              <p:nvPr/>
+            </p:nvPicPr>
+            <p:blipFill>
+              <a:blip r:embed="rId12"/>
+              <a:stretch>
+                <a:fillRect/>
+              </a:stretch>
+            </p:blipFill>
+            <p:spPr>
+              <a:xfrm>
+                <a:off x="6751048" y="565247"/>
+                <a:ext cx="2486025" cy="2257425"/>
+              </a:xfrm>
+              <a:prstGeom prst="rect">
+                <a:avLst/>
+              </a:prstGeom>
+            </p:spPr>
+          </p:pic>
+          <p:sp>
+            <p:nvSpPr>
+              <p:cNvPr id="53" name="TextBox 52">
+                <a:extLst>
+                  <a:ext uri="{FF2B5EF4-FFF2-40B4-BE49-F238E27FC236}">
+                    <a16:creationId xmlns:a16="http://schemas.microsoft.com/office/drawing/2014/main" id="{B8FBDC37-7C79-7F44-F2C0-494E35EBD30F}"/>
+                  </a:ext>
+                </a:extLst>
+              </p:cNvPr>
+              <p:cNvSpPr txBox="1"/>
+              <p:nvPr/>
+            </p:nvSpPr>
+            <p:spPr>
+              <a:xfrm>
+                <a:off x="7642210" y="-83197"/>
+                <a:ext cx="588361" cy="523220"/>
+              </a:xfrm>
+              <a:prstGeom prst="rect">
+                <a:avLst/>
+              </a:prstGeom>
+              <a:noFill/>
+            </p:spPr>
+            <p:txBody>
+              <a:bodyPr wrap="square">
+                <a:spAutoFit/>
+              </a:bodyPr>
+              <a:lstStyle>
+                <a:defPPr>
+                  <a:defRPr lang="LID4096"/>
+                </a:defPPr>
+                <a:lvl1pPr>
+                  <a:defRPr sz="1100" b="1"/>
+                </a:lvl1pPr>
+              </a:lstStyle>
+              <a:p>
+                <a:r>
+                  <a:rPr lang="en-US" sz="2800" dirty="0"/>
+                  <a:t>06</a:t>
+                </a:r>
+                <a:endParaRPr lang="LID4096" sz="2800" dirty="0"/>
+              </a:p>
+            </p:txBody>
+          </p:sp>
+        </p:grpSp>
+        <p:sp>
+          <p:nvSpPr>
+            <p:cNvPr id="134" name="TextBox 133">
+              <a:extLst>
+                <a:ext uri="{FF2B5EF4-FFF2-40B4-BE49-F238E27FC236}">
+                  <a16:creationId xmlns:a16="http://schemas.microsoft.com/office/drawing/2014/main" id="{39F2EC80-A977-DD84-5DB0-07F68B922D77}"/>
+                </a:ext>
+              </a:extLst>
+            </p:cNvPr>
+            <p:cNvSpPr txBox="1"/>
+            <p:nvPr/>
+          </p:nvSpPr>
+          <p:spPr>
+            <a:xfrm>
+              <a:off x="5597148" y="368759"/>
+              <a:ext cx="1106757" cy="246221"/>
+            </a:xfrm>
+            <a:prstGeom prst="rect">
+              <a:avLst/>
+            </a:prstGeom>
+            <a:noFill/>
+          </p:spPr>
+          <p:txBody>
+            <a:bodyPr wrap="square">
+              <a:spAutoFit/>
+            </a:bodyPr>
+            <a:lstStyle/>
+            <a:p>
+              <a:pPr algn="r"/>
+              <a:r>
+                <a:rPr lang="en-US" sz="1000" dirty="0">
+                  <a:solidFill>
+                    <a:srgbClr val="FF0000"/>
+                  </a:solidFill>
+                </a:rPr>
+                <a:t>NEXT</a:t>
+              </a:r>
+            </a:p>
+          </p:txBody>
+        </p:sp>
+      </p:grpSp>
+      <p:grpSp>
+        <p:nvGrpSpPr>
+          <p:cNvPr id="3" name="Group 2">
+            <a:extLst>
+              <a:ext uri="{FF2B5EF4-FFF2-40B4-BE49-F238E27FC236}">
+                <a16:creationId xmlns:a16="http://schemas.microsoft.com/office/drawing/2014/main" id="{C053977A-3D39-1707-78CC-AD0AD300A251}"/>
+              </a:ext>
+            </a:extLst>
+          </p:cNvPr>
+          <p:cNvGrpSpPr/>
+          <p:nvPr/>
+        </p:nvGrpSpPr>
+        <p:grpSpPr>
+          <a:xfrm>
+            <a:off x="6282164" y="920711"/>
+            <a:ext cx="3109322" cy="5472501"/>
+            <a:chOff x="8581957" y="932269"/>
+            <a:chExt cx="3109322" cy="5472501"/>
+          </a:xfrm>
+        </p:grpSpPr>
+        <p:grpSp>
+          <p:nvGrpSpPr>
+            <p:cNvPr id="35" name="Group 34">
+              <a:extLst>
+                <a:ext uri="{FF2B5EF4-FFF2-40B4-BE49-F238E27FC236}">
+                  <a16:creationId xmlns:a16="http://schemas.microsoft.com/office/drawing/2014/main" id="{D268C645-4D08-D11B-511F-77E314F9E79E}"/>
+                </a:ext>
+              </a:extLst>
+            </p:cNvPr>
+            <p:cNvGrpSpPr/>
+            <p:nvPr/>
+          </p:nvGrpSpPr>
+          <p:grpSpPr>
+            <a:xfrm>
+              <a:off x="8581957" y="932269"/>
+              <a:ext cx="2886494" cy="3550070"/>
+              <a:chOff x="8926871" y="2854083"/>
+              <a:chExt cx="2886494" cy="3550070"/>
+            </a:xfrm>
+          </p:grpSpPr>
+          <p:pic>
+            <p:nvPicPr>
+              <p:cNvPr id="36" name="Picture 35">
+                <a:extLst>
+                  <a:ext uri="{FF2B5EF4-FFF2-40B4-BE49-F238E27FC236}">
+                    <a16:creationId xmlns:a16="http://schemas.microsoft.com/office/drawing/2014/main" id="{47E9B374-E291-C028-EFAF-443A46471E0B}"/>
+                  </a:ext>
+                </a:extLst>
+              </p:cNvPr>
+              <p:cNvPicPr>
+                <a:picLocks noChangeAspect="1"/>
+              </p:cNvPicPr>
+              <p:nvPr/>
+            </p:nvPicPr>
+            <p:blipFill>
+              <a:blip r:embed="rId13"/>
+              <a:stretch>
+                <a:fillRect/>
+              </a:stretch>
+            </p:blipFill>
+            <p:spPr>
+              <a:xfrm>
+                <a:off x="9555297" y="3556178"/>
+                <a:ext cx="1895475" cy="2847975"/>
+              </a:xfrm>
+              <a:prstGeom prst="rect">
+                <a:avLst/>
+              </a:prstGeom>
+            </p:spPr>
+          </p:pic>
+          <p:grpSp>
+            <p:nvGrpSpPr>
+              <p:cNvPr id="37" name="Group 36">
+                <a:extLst>
+                  <a:ext uri="{FF2B5EF4-FFF2-40B4-BE49-F238E27FC236}">
+                    <a16:creationId xmlns:a16="http://schemas.microsoft.com/office/drawing/2014/main" id="{5EC069B9-D945-CA6C-4EAE-D6DFAFC86D0D}"/>
+                  </a:ext>
+                </a:extLst>
+              </p:cNvPr>
+              <p:cNvGrpSpPr>
+                <a:grpSpLocks noChangeAspect="1"/>
+              </p:cNvGrpSpPr>
+              <p:nvPr/>
+            </p:nvGrpSpPr>
+            <p:grpSpPr>
+              <a:xfrm>
+                <a:off x="8926871" y="2854083"/>
+                <a:ext cx="2886494" cy="1927407"/>
+                <a:chOff x="8729034" y="3125937"/>
+                <a:chExt cx="2886494" cy="1927407"/>
+              </a:xfrm>
+            </p:grpSpPr>
+            <p:grpSp>
+              <p:nvGrpSpPr>
+                <p:cNvPr id="41" name="Group 40">
+                  <a:extLst>
+                    <a:ext uri="{FF2B5EF4-FFF2-40B4-BE49-F238E27FC236}">
+                      <a16:creationId xmlns:a16="http://schemas.microsoft.com/office/drawing/2014/main" id="{A191205C-6722-B049-7157-1E90BAADBF23}"/>
+                    </a:ext>
+                  </a:extLst>
+                </p:cNvPr>
+                <p:cNvGrpSpPr>
+                  <a:grpSpLocks noChangeAspect="1"/>
+                </p:cNvGrpSpPr>
+                <p:nvPr/>
+              </p:nvGrpSpPr>
+              <p:grpSpPr>
+                <a:xfrm>
+                  <a:off x="8729034" y="3125937"/>
+                  <a:ext cx="2886494" cy="1927407"/>
+                  <a:chOff x="9240825" y="40260"/>
+                  <a:chExt cx="2886494" cy="1927407"/>
+                </a:xfrm>
+              </p:grpSpPr>
+              <p:grpSp>
+                <p:nvGrpSpPr>
+                  <p:cNvPr id="44" name="Group 43">
+                    <a:extLst>
+                      <a:ext uri="{FF2B5EF4-FFF2-40B4-BE49-F238E27FC236}">
+                        <a16:creationId xmlns:a16="http://schemas.microsoft.com/office/drawing/2014/main" id="{90EA5097-0193-3238-5F0B-EDCE2590E75D}"/>
+                      </a:ext>
+                    </a:extLst>
+                  </p:cNvPr>
+                  <p:cNvGrpSpPr/>
+                  <p:nvPr/>
+                </p:nvGrpSpPr>
+                <p:grpSpPr>
+                  <a:xfrm>
+                    <a:off x="9576343" y="46702"/>
+                    <a:ext cx="2550976" cy="1920965"/>
+                    <a:chOff x="9576343" y="46702"/>
+                    <a:chExt cx="2550976" cy="1920965"/>
+                  </a:xfrm>
+                </p:grpSpPr>
+                <p:pic>
+                  <p:nvPicPr>
+                    <p:cNvPr id="45" name="Picture 44">
+                      <a:extLst>
+                        <a:ext uri="{FF2B5EF4-FFF2-40B4-BE49-F238E27FC236}">
+                          <a16:creationId xmlns:a16="http://schemas.microsoft.com/office/drawing/2014/main" id="{B500DA42-EE7D-238B-DEA6-DCD7C1DA9D6E}"/>
+                        </a:ext>
+                      </a:extLst>
+                    </p:cNvPr>
+                    <p:cNvPicPr>
+                      <a:picLocks noChangeAspect="1"/>
+                    </p:cNvPicPr>
+                    <p:nvPr/>
+                  </p:nvPicPr>
+                  <p:blipFill>
+                    <a:blip r:embed="rId14"/>
+                    <a:srcRect t="65550" b="15487"/>
+                    <a:stretch/>
+                  </p:blipFill>
+                  <p:spPr>
+                    <a:xfrm>
+                      <a:off x="9624673" y="60343"/>
+                      <a:ext cx="1767113" cy="197024"/>
+                    </a:xfrm>
+                    <a:prstGeom prst="rect">
+                      <a:avLst/>
+                    </a:prstGeom>
+                  </p:spPr>
+                </p:pic>
+                <p:grpSp>
+                  <p:nvGrpSpPr>
+                    <p:cNvPr id="46" name="Group 45">
+                      <a:extLst>
+                        <a:ext uri="{FF2B5EF4-FFF2-40B4-BE49-F238E27FC236}">
+                          <a16:creationId xmlns:a16="http://schemas.microsoft.com/office/drawing/2014/main" id="{C69B49A8-6C66-D4E2-CEAF-50081B8197EB}"/>
+                        </a:ext>
+                      </a:extLst>
+                    </p:cNvPr>
+                    <p:cNvGrpSpPr>
+                      <a:grpSpLocks noChangeAspect="1"/>
+                    </p:cNvGrpSpPr>
+                    <p:nvPr/>
+                  </p:nvGrpSpPr>
+                  <p:grpSpPr>
+                    <a:xfrm>
+                      <a:off x="9576343" y="46702"/>
+                      <a:ext cx="2550976" cy="1920965"/>
+                      <a:chOff x="333786" y="1557544"/>
+                      <a:chExt cx="2180241" cy="1641790"/>
+                    </a:xfrm>
+                  </p:grpSpPr>
+                  <p:grpSp>
+                    <p:nvGrpSpPr>
+                      <p:cNvPr id="47" name="Group 46">
+                        <a:extLst>
+                          <a:ext uri="{FF2B5EF4-FFF2-40B4-BE49-F238E27FC236}">
+                            <a16:creationId xmlns:a16="http://schemas.microsoft.com/office/drawing/2014/main" id="{7FA5A1F7-DF81-108E-28B5-77BBBBA5FFDB}"/>
+                          </a:ext>
+                        </a:extLst>
+                      </p:cNvPr>
+                      <p:cNvGrpSpPr>
+                        <a:grpSpLocks noChangeAspect="1"/>
+                      </p:cNvGrpSpPr>
+                      <p:nvPr/>
+                    </p:nvGrpSpPr>
+                    <p:grpSpPr>
+                      <a:xfrm>
+                        <a:off x="405319" y="1753327"/>
+                        <a:ext cx="2108708" cy="1446007"/>
+                        <a:chOff x="405319" y="1753327"/>
+                        <a:chExt cx="2108708" cy="1446007"/>
+                      </a:xfrm>
+                    </p:grpSpPr>
+                    <p:grpSp>
+                      <p:nvGrpSpPr>
+                        <p:cNvPr id="51" name="Group 50">
+                          <a:extLst>
+                            <a:ext uri="{FF2B5EF4-FFF2-40B4-BE49-F238E27FC236}">
+                              <a16:creationId xmlns:a16="http://schemas.microsoft.com/office/drawing/2014/main" id="{0CAE9E38-DD80-2996-9A8E-8DB3824C4F12}"/>
+                            </a:ext>
+                          </a:extLst>
+                        </p:cNvPr>
+                        <p:cNvGrpSpPr/>
+                        <p:nvPr/>
+                      </p:nvGrpSpPr>
+                      <p:grpSpPr>
+                        <a:xfrm>
+                          <a:off x="405319" y="1753327"/>
+                          <a:ext cx="1275071" cy="420322"/>
+                          <a:chOff x="405319" y="1753327"/>
+                          <a:chExt cx="1275071" cy="420322"/>
+                        </a:xfrm>
+                      </p:grpSpPr>
+                      <p:pic>
+                        <p:nvPicPr>
+                          <p:cNvPr id="54" name="Picture 53">
+                            <a:extLst>
+                              <a:ext uri="{FF2B5EF4-FFF2-40B4-BE49-F238E27FC236}">
+                                <a16:creationId xmlns:a16="http://schemas.microsoft.com/office/drawing/2014/main" id="{AE8ECB0E-2715-8DDF-9589-F05E73D77176}"/>
+                              </a:ext>
+                            </a:extLst>
+                          </p:cNvPr>
+                          <p:cNvPicPr>
+                            <a:picLocks noChangeAspect="1"/>
+                          </p:cNvPicPr>
+                          <p:nvPr/>
+                        </p:nvPicPr>
+                        <p:blipFill>
+                          <a:blip r:embed="rId15"/>
+                          <a:srcRect t="1" b="14084"/>
+                          <a:stretch/>
+                        </p:blipFill>
+                        <p:spPr>
+                          <a:xfrm>
+                            <a:off x="405319" y="1753327"/>
+                            <a:ext cx="901287" cy="166448"/>
+                          </a:xfrm>
+                          <a:prstGeom prst="rect">
+                            <a:avLst/>
+                          </a:prstGeom>
+                        </p:spPr>
+                      </p:pic>
+                      <p:pic>
+                        <p:nvPicPr>
+                          <p:cNvPr id="55" name="Picture 54">
+                            <a:extLst>
+                              <a:ext uri="{FF2B5EF4-FFF2-40B4-BE49-F238E27FC236}">
+                                <a16:creationId xmlns:a16="http://schemas.microsoft.com/office/drawing/2014/main" id="{73765CD3-C052-AC47-9B1F-BCA635DBFF4F}"/>
+                              </a:ext>
+                            </a:extLst>
+                          </p:cNvPr>
+                          <p:cNvPicPr>
+                            <a:picLocks noChangeAspect="1"/>
+                          </p:cNvPicPr>
+                          <p:nvPr/>
+                        </p:nvPicPr>
+                        <p:blipFill>
+                          <a:blip r:embed="rId16"/>
+                          <a:stretch>
+                            <a:fillRect/>
+                          </a:stretch>
+                        </p:blipFill>
+                        <p:spPr>
+                          <a:xfrm>
+                            <a:off x="427548" y="1907895"/>
+                            <a:ext cx="1252842" cy="265754"/>
+                          </a:xfrm>
+                          <a:prstGeom prst="rect">
+                            <a:avLst/>
+                          </a:prstGeom>
+                        </p:spPr>
+                      </p:pic>
+                    </p:grpSp>
+                    <p:sp>
+                      <p:nvSpPr>
+                        <p:cNvPr id="52" name="Rectangle 51">
+                          <a:extLst>
+                            <a:ext uri="{FF2B5EF4-FFF2-40B4-BE49-F238E27FC236}">
+                              <a16:creationId xmlns:a16="http://schemas.microsoft.com/office/drawing/2014/main" id="{90E8683F-796F-37E5-11B1-274F0E3F7E3C}"/>
+                            </a:ext>
+                          </a:extLst>
+                        </p:cNvPr>
+                        <p:cNvSpPr/>
+                        <p:nvPr/>
+                      </p:nvSpPr>
+                      <p:spPr>
+                        <a:xfrm>
+                          <a:off x="586178" y="3034432"/>
+                          <a:ext cx="1927849" cy="164902"/>
+                        </a:xfrm>
+                        <a:prstGeom prst="rect">
+                          <a:avLst/>
+                        </a:prstGeom>
+                        <a:noFill/>
+                        <a:ln w="6350">
+                          <a:solidFill>
+                            <a:srgbClr val="FF0000"/>
+                          </a:solidFill>
+                        </a:ln>
+                        <a:effectLst>
+                          <a:outerShdw blurRad="50800" dist="38100" dir="8100000" algn="tr" rotWithShape="0">
+                            <a:prstClr val="black">
+                              <a:alpha val="40000"/>
+                            </a:prstClr>
+                          </a:outerShdw>
+                        </a:effectLst>
+                      </p:spPr>
+                      <p:txBody>
+                        <a:bodyPr wrap="none" anchor="ctr" anchorCtr="0">
+                          <a:noAutofit/>
+                        </a:bodyPr>
+                        <a:lstStyle/>
+                        <a:p>
+                          <a:endParaRPr lang="LID4096"/>
+                        </a:p>
+                      </p:txBody>
+                    </p:sp>
+                  </p:grpSp>
+                  <p:sp>
+                    <p:nvSpPr>
+                      <p:cNvPr id="50" name="Rectangle 49">
+                        <a:extLst>
+                          <a:ext uri="{FF2B5EF4-FFF2-40B4-BE49-F238E27FC236}">
+                            <a16:creationId xmlns:a16="http://schemas.microsoft.com/office/drawing/2014/main" id="{D427A391-F10E-9113-69F1-3D6F6FFA1EF7}"/>
+                          </a:ext>
+                        </a:extLst>
+                      </p:cNvPr>
+                      <p:cNvSpPr/>
+                      <p:nvPr/>
+                    </p:nvSpPr>
+                    <p:spPr>
+                      <a:xfrm>
+                        <a:off x="333786" y="1557544"/>
+                        <a:ext cx="1944467" cy="171513"/>
+                      </a:xfrm>
+                      <a:prstGeom prst="rect">
+                        <a:avLst/>
+                      </a:prstGeom>
+                      <a:noFill/>
+                      <a:ln w="6350">
+                        <a:solidFill>
+                          <a:srgbClr val="0000FF"/>
+                        </a:solidFill>
+                      </a:ln>
+                      <a:effectLst>
+                        <a:outerShdw blurRad="50800" dist="38100" dir="8100000" algn="tr" rotWithShape="0">
+                          <a:prstClr val="black">
+                            <a:alpha val="40000"/>
+                          </a:prstClr>
+                        </a:outerShdw>
+                      </a:effectLst>
+                    </p:spPr>
+                    <p:txBody>
+                      <a:bodyPr wrap="none" anchor="ctr" anchorCtr="0">
+                        <a:noAutofit/>
+                      </a:bodyPr>
+                      <a:lstStyle/>
+                      <a:p>
+                        <a:endParaRPr lang="LID4096"/>
+                      </a:p>
+                    </p:txBody>
+                  </p:sp>
+                </p:grpSp>
+              </p:grpSp>
+              <p:sp>
+                <p:nvSpPr>
+                  <p:cNvPr id="43" name="TextBox 42">
+                    <a:extLst>
+                      <a:ext uri="{FF2B5EF4-FFF2-40B4-BE49-F238E27FC236}">
+                        <a16:creationId xmlns:a16="http://schemas.microsoft.com/office/drawing/2014/main" id="{D68EEDF4-E29A-4B80-FC65-DA6CD61F15B4}"/>
+                      </a:ext>
+                    </a:extLst>
+                  </p:cNvPr>
+                  <p:cNvSpPr txBox="1">
+                    <a:spLocks noChangeAspect="1"/>
+                  </p:cNvSpPr>
+                  <p:nvPr/>
+                </p:nvSpPr>
+                <p:spPr>
+                  <a:xfrm>
+                    <a:off x="9240825" y="40260"/>
+                    <a:ext cx="281830" cy="273747"/>
+                  </a:xfrm>
+                  <a:prstGeom prst="rect">
+                    <a:avLst/>
+                  </a:prstGeom>
+                  <a:solidFill>
+                    <a:srgbClr val="00B0F0"/>
+                  </a:solidFill>
+                </p:spPr>
+                <p:txBody>
+                  <a:bodyPr wrap="none" lIns="0" tIns="0" rIns="0" bIns="0" anchor="ctr" anchorCtr="0">
+                    <a:noAutofit/>
+                  </a:bodyPr>
+                  <a:lstStyle/>
+                  <a:p>
+                    <a:pPr algn="ctr"/>
+                    <a:r>
+                      <a:rPr lang="pt-BR" sz="1500" b="1" dirty="0">
+                        <a:solidFill>
+                          <a:schemeClr val="bg1"/>
+                        </a:solidFill>
+                      </a:rPr>
+                      <a:t>04</a:t>
+                    </a:r>
+                    <a:endParaRPr lang="LID4096" sz="1500" b="1" dirty="0">
+                      <a:solidFill>
+                        <a:schemeClr val="bg1"/>
+                      </a:solidFill>
+                    </a:endParaRPr>
+                  </a:p>
+                </p:txBody>
+              </p:sp>
+            </p:grpSp>
+            <p:pic>
+              <p:nvPicPr>
+                <p:cNvPr id="42" name="Picture 41">
+                  <a:extLst>
+                    <a:ext uri="{FF2B5EF4-FFF2-40B4-BE49-F238E27FC236}">
+                      <a16:creationId xmlns:a16="http://schemas.microsoft.com/office/drawing/2014/main" id="{D624F873-5AE5-CF00-50CA-6970F4D3190E}"/>
+                    </a:ext>
+                  </a:extLst>
+                </p:cNvPr>
+                <p:cNvPicPr>
+                  <a:picLocks noChangeAspect="1"/>
+                </p:cNvPicPr>
+                <p:nvPr/>
+              </p:nvPicPr>
+              <p:blipFill>
+                <a:blip r:embed="rId17"/>
+                <a:stretch>
+                  <a:fillRect/>
+                </a:stretch>
+              </p:blipFill>
+              <p:spPr>
+                <a:xfrm>
+                  <a:off x="10870215" y="4083872"/>
+                  <a:ext cx="550000" cy="224648"/>
+                </a:xfrm>
+                <a:prstGeom prst="rect">
+                  <a:avLst/>
+                </a:prstGeom>
+                <a:ln>
+                  <a:solidFill>
+                    <a:schemeClr val="tx1"/>
+                  </a:solidFill>
+                </a:ln>
+                <a:effectLst>
+                  <a:outerShdw blurRad="50800" dist="38100" dir="8100000" algn="tr" rotWithShape="0">
+                    <a:prstClr val="black">
+                      <a:alpha val="40000"/>
+                    </a:prstClr>
+                  </a:outerShdw>
+                </a:effectLst>
+              </p:spPr>
+            </p:pic>
+          </p:grpSp>
+          <p:sp>
+            <p:nvSpPr>
+              <p:cNvPr id="38" name="TextBox 37">
+                <a:extLst>
+                  <a:ext uri="{FF2B5EF4-FFF2-40B4-BE49-F238E27FC236}">
+                    <a16:creationId xmlns:a16="http://schemas.microsoft.com/office/drawing/2014/main" id="{8418C598-5704-EAB8-C4CC-FEA7A24DB7A2}"/>
+                  </a:ext>
+                </a:extLst>
+              </p:cNvPr>
+              <p:cNvSpPr txBox="1"/>
+              <p:nvPr/>
+            </p:nvSpPr>
+            <p:spPr>
+              <a:xfrm>
+                <a:off x="10263286" y="3058627"/>
+                <a:ext cx="735151" cy="307777"/>
+              </a:xfrm>
+              <a:prstGeom prst="rect">
+                <a:avLst/>
+              </a:prstGeom>
+              <a:noFill/>
+            </p:spPr>
+            <p:txBody>
+              <a:bodyPr wrap="square">
+                <a:spAutoFit/>
+              </a:bodyPr>
+              <a:lstStyle>
+                <a:defPPr>
+                  <a:defRPr lang="LID4096"/>
+                </a:defPPr>
+                <a:lvl1pPr>
+                  <a:defRPr b="1"/>
+                </a:lvl1pPr>
+              </a:lstStyle>
+              <a:p>
+                <a:r>
+                  <a:rPr lang="pt-BR" sz="1400" dirty="0"/>
+                  <a:t>+</a:t>
+                </a:r>
+                <a:r>
+                  <a:rPr lang="pt-BR" sz="1400" b="0" dirty="0"/>
+                  <a:t>10</a:t>
+                </a:r>
+                <a:endParaRPr lang="LID4096" sz="1400" b="0" dirty="0"/>
+              </a:p>
+            </p:txBody>
+          </p:sp>
+        </p:grpSp>
+        <p:sp>
+          <p:nvSpPr>
+            <p:cNvPr id="30" name="TextBox 29">
+              <a:extLst>
+                <a:ext uri="{FF2B5EF4-FFF2-40B4-BE49-F238E27FC236}">
+                  <a16:creationId xmlns:a16="http://schemas.microsoft.com/office/drawing/2014/main" id="{5EE13865-E183-1F82-9AF7-B84301E466A4}"/>
+                </a:ext>
+              </a:extLst>
+            </p:cNvPr>
+            <p:cNvSpPr txBox="1"/>
+            <p:nvPr/>
+          </p:nvSpPr>
+          <p:spPr>
+            <a:xfrm>
+              <a:off x="10992974" y="2958939"/>
+              <a:ext cx="588361" cy="523220"/>
+            </a:xfrm>
+            <a:prstGeom prst="rect">
+              <a:avLst/>
+            </a:prstGeom>
+            <a:noFill/>
+          </p:spPr>
+          <p:txBody>
+            <a:bodyPr wrap="square">
+              <a:spAutoFit/>
+            </a:bodyPr>
+            <a:lstStyle>
+              <a:defPPr>
+                <a:defRPr lang="LID4096"/>
+              </a:defPPr>
+              <a:lvl1pPr>
+                <a:defRPr sz="1100" b="1"/>
+              </a:lvl1pPr>
+            </a:lstStyle>
+            <a:p>
+              <a:r>
+                <a:rPr lang="en-US" sz="2800" dirty="0"/>
+                <a:t>02</a:t>
+              </a:r>
+              <a:endParaRPr lang="LID4096" sz="2800" dirty="0"/>
+            </a:p>
+          </p:txBody>
+        </p:sp>
+        <p:sp>
+          <p:nvSpPr>
+            <p:cNvPr id="68" name="Rectangle 1">
+              <a:extLst>
+                <a:ext uri="{FF2B5EF4-FFF2-40B4-BE49-F238E27FC236}">
+                  <a16:creationId xmlns:a16="http://schemas.microsoft.com/office/drawing/2014/main" id="{859A6A90-0DE6-B877-6C23-8E89C5AF3244}"/>
+                </a:ext>
+              </a:extLst>
+            </p:cNvPr>
+            <p:cNvSpPr>
+              <a:spLocks noChangeArrowheads="1"/>
+            </p:cNvSpPr>
+            <p:nvPr/>
+          </p:nvSpPr>
+          <p:spPr bwMode="auto">
+            <a:xfrm>
+              <a:off x="9528444" y="3503761"/>
+              <a:ext cx="1974167" cy="1169551"/>
+            </a:xfrm>
+            <a:prstGeom prst="rect">
+              <a:avLst/>
+            </a:prstGeom>
+            <a:noFill/>
+          </p:spPr>
+          <p:txBody>
+            <a:bodyPr wrap="square">
+              <a:spAutoFit/>
+            </a:bodyPr>
+            <a:lstStyle/>
+            <a:p>
+              <a:pPr algn="r"/>
+              <a:r>
+                <a:rPr lang="LID4096" altLang="LID4096" sz="1400" b="1" dirty="0"/>
+                <a:t>multi_threads</a:t>
+              </a:r>
+              <a:endParaRPr lang="pt-BR" altLang="LID4096" sz="1400" b="1" dirty="0"/>
+            </a:p>
+            <a:p>
+              <a:pPr algn="r"/>
+              <a:r>
+                <a:rPr lang="LID4096" altLang="LID4096" sz="1400" b="1" dirty="0"/>
+                <a:t>=</a:t>
+              </a:r>
+              <a:endParaRPr lang="pt-BR" altLang="LID4096" sz="1400" b="1" dirty="0"/>
+            </a:p>
+            <a:p>
+              <a:pPr algn="r"/>
+              <a:r>
+                <a:rPr lang="LID4096" altLang="LID4096" sz="1400" b="1" dirty="0"/>
+                <a:t>false </a:t>
+              </a:r>
+              <a:endParaRPr lang="pt-BR" altLang="LID4096" sz="1400" b="1" dirty="0"/>
+            </a:p>
+            <a:p>
+              <a:pPr algn="r"/>
+              <a:r>
+                <a:rPr lang="LID4096" altLang="LID4096" sz="1400" b="1" dirty="0"/>
+                <a:t>error</a:t>
+              </a:r>
+            </a:p>
+            <a:p>
+              <a:pPr algn="r"/>
+              <a:endParaRPr lang="LID4096" altLang="LID4096" sz="1400" b="1" dirty="0"/>
+            </a:p>
+          </p:txBody>
+        </p:sp>
+        <p:sp>
+          <p:nvSpPr>
+            <p:cNvPr id="70" name="Rectangle 1">
+              <a:extLst>
+                <a:ext uri="{FF2B5EF4-FFF2-40B4-BE49-F238E27FC236}">
+                  <a16:creationId xmlns:a16="http://schemas.microsoft.com/office/drawing/2014/main" id="{4FDD9E44-BBC2-91F5-563D-D977254D8380}"/>
+                </a:ext>
+              </a:extLst>
+            </p:cNvPr>
+            <p:cNvSpPr>
+              <a:spLocks noChangeArrowheads="1"/>
+            </p:cNvSpPr>
+            <p:nvPr/>
+          </p:nvSpPr>
+          <p:spPr bwMode="auto">
+            <a:xfrm>
+              <a:off x="9361772" y="1393822"/>
+              <a:ext cx="1974167" cy="523220"/>
+            </a:xfrm>
+            <a:prstGeom prst="rect">
+              <a:avLst/>
+            </a:prstGeom>
+            <a:noFill/>
+          </p:spPr>
+          <p:txBody>
+            <a:bodyPr wrap="square">
+              <a:spAutoFit/>
+            </a:bodyPr>
+            <a:lstStyle/>
+            <a:p>
+              <a:pPr algn="r"/>
+              <a:r>
+                <a:rPr lang="pt-BR" altLang="LID4096" sz="1400" b="1" dirty="0"/>
+                <a:t>Folders </a:t>
+              </a:r>
+            </a:p>
+            <a:p>
+              <a:pPr algn="r"/>
+              <a:r>
+                <a:rPr lang="pt-BR" altLang="LID4096" sz="1400" b="1" dirty="0"/>
+                <a:t>swap</a:t>
+              </a:r>
+              <a:endParaRPr lang="LID4096" altLang="LID4096" sz="1400" b="1" dirty="0"/>
+            </a:p>
+          </p:txBody>
+        </p:sp>
+        <p:grpSp>
+          <p:nvGrpSpPr>
+            <p:cNvPr id="148" name="Group 147">
+              <a:extLst>
+                <a:ext uri="{FF2B5EF4-FFF2-40B4-BE49-F238E27FC236}">
+                  <a16:creationId xmlns:a16="http://schemas.microsoft.com/office/drawing/2014/main" id="{488939A4-A781-B7A2-FD8F-0E8F1EB0CECF}"/>
+                </a:ext>
+              </a:extLst>
+            </p:cNvPr>
+            <p:cNvGrpSpPr/>
+            <p:nvPr/>
+          </p:nvGrpSpPr>
+          <p:grpSpPr>
+            <a:xfrm>
+              <a:off x="9210382" y="4594386"/>
+              <a:ext cx="2480897" cy="1810384"/>
+              <a:chOff x="9210382" y="4594386"/>
+              <a:chExt cx="2480897" cy="1810384"/>
+            </a:xfrm>
+          </p:grpSpPr>
+          <p:pic>
+            <p:nvPicPr>
+              <p:cNvPr id="6" name="Picture 5">
+                <a:extLst>
+                  <a:ext uri="{FF2B5EF4-FFF2-40B4-BE49-F238E27FC236}">
+                    <a16:creationId xmlns:a16="http://schemas.microsoft.com/office/drawing/2014/main" id="{14450CD6-44A1-A1B4-0568-C40663F2F3A6}"/>
+                  </a:ext>
+                </a:extLst>
+              </p:cNvPr>
+              <p:cNvPicPr>
+                <a:picLocks noChangeAspect="1"/>
+              </p:cNvPicPr>
+              <p:nvPr/>
+            </p:nvPicPr>
+            <p:blipFill>
+              <a:blip r:embed="rId18">
+                <a:extLst>
+                  <a:ext uri="{28A0092B-C50C-407E-A947-70E740481C1C}">
+                    <a14:useLocalDpi xmlns:a14="http://schemas.microsoft.com/office/drawing/2010/main" val="0"/>
+                  </a:ext>
+                </a:extLst>
+              </a:blip>
+              <a:stretch>
+                <a:fillRect/>
+              </a:stretch>
+            </p:blipFill>
+            <p:spPr>
+              <a:xfrm>
+                <a:off x="9210382" y="4594386"/>
+                <a:ext cx="2480897" cy="1810384"/>
+              </a:xfrm>
+              <a:prstGeom prst="rect">
+                <a:avLst/>
+              </a:prstGeom>
+              <a:ln>
+                <a:solidFill>
+                  <a:schemeClr val="tx1"/>
+                </a:solidFill>
+              </a:ln>
+            </p:spPr>
+          </p:pic>
+          <p:pic>
+            <p:nvPicPr>
+              <p:cNvPr id="144" name="Picture 143">
+                <a:extLst>
+                  <a:ext uri="{FF2B5EF4-FFF2-40B4-BE49-F238E27FC236}">
+                    <a16:creationId xmlns:a16="http://schemas.microsoft.com/office/drawing/2014/main" id="{F8B0EF57-D975-045D-47EE-BB8F8E27D12E}"/>
+                  </a:ext>
+                </a:extLst>
+              </p:cNvPr>
+              <p:cNvPicPr>
+                <a:picLocks noChangeAspect="1"/>
+              </p:cNvPicPr>
+              <p:nvPr/>
+            </p:nvPicPr>
+            <p:blipFill>
+              <a:blip r:embed="rId19"/>
+              <a:stretch>
+                <a:fillRect/>
+              </a:stretch>
+            </p:blipFill>
+            <p:spPr>
+              <a:xfrm>
+                <a:off x="9596518" y="5361248"/>
+                <a:ext cx="854312" cy="719877"/>
+              </a:xfrm>
+              <a:prstGeom prst="rect">
+                <a:avLst/>
+              </a:prstGeom>
+              <a:ln>
+                <a:solidFill>
+                  <a:schemeClr val="tx1"/>
+                </a:solidFill>
+              </a:ln>
+            </p:spPr>
+          </p:pic>
+        </p:grpSp>
+      </p:grpSp>
+      <p:grpSp>
+        <p:nvGrpSpPr>
+          <p:cNvPr id="4" name="Group 3">
+            <a:extLst>
+              <a:ext uri="{FF2B5EF4-FFF2-40B4-BE49-F238E27FC236}">
+                <a16:creationId xmlns:a16="http://schemas.microsoft.com/office/drawing/2014/main" id="{C2F6C737-D9C2-750D-B7FA-39A05EEFF47D}"/>
               </a:ext>
             </a:extLst>
           </p:cNvPr>
@@ -7947,10 +7863,10 @@
         </p:grpSpPr>
         <p:sp>
           <p:nvSpPr>
-            <p:cNvPr id="137" name="Rectangle 136">
+            <p:cNvPr id="5" name="Rectangle 4">
               <a:extLst>
                 <a:ext uri="{FF2B5EF4-FFF2-40B4-BE49-F238E27FC236}">
-                  <a16:creationId xmlns:a16="http://schemas.microsoft.com/office/drawing/2014/main" id="{642B9F87-AE2E-7B77-7380-DF374D65518E}"/>
+                  <a16:creationId xmlns:a16="http://schemas.microsoft.com/office/drawing/2014/main" id="{2B134E8E-55AD-6F6C-84B2-224F55E10444}"/>
                 </a:ext>
               </a:extLst>
             </p:cNvPr>
@@ -8001,10 +7917,10 @@
         </p:sp>
         <p:sp>
           <p:nvSpPr>
-            <p:cNvPr id="138" name="TextBox 137">
+            <p:cNvPr id="7" name="TextBox 6">
               <a:extLst>
                 <a:ext uri="{FF2B5EF4-FFF2-40B4-BE49-F238E27FC236}">
-                  <a16:creationId xmlns:a16="http://schemas.microsoft.com/office/drawing/2014/main" id="{B37621CA-E331-9F21-4D3B-51092DCA4950}"/>
+                  <a16:creationId xmlns:a16="http://schemas.microsoft.com/office/drawing/2014/main" id="{09B5DB5C-9FCF-3959-B68A-58E167543DA6}"/>
                 </a:ext>
               </a:extLst>
             </p:cNvPr>
@@ -8062,10 +7978,10 @@
         </p:sp>
         <p:sp>
           <p:nvSpPr>
-            <p:cNvPr id="139" name="TextBox 138">
+            <p:cNvPr id="8" name="TextBox 7">
               <a:extLst>
                 <a:ext uri="{FF2B5EF4-FFF2-40B4-BE49-F238E27FC236}">
-                  <a16:creationId xmlns:a16="http://schemas.microsoft.com/office/drawing/2014/main" id="{D8490DDD-6959-263C-1E5A-497B683EFDBD}"/>
+                  <a16:creationId xmlns:a16="http://schemas.microsoft.com/office/drawing/2014/main" id="{15EF7A4D-7322-A27E-B572-99070112CB8C}"/>
                 </a:ext>
               </a:extLst>
             </p:cNvPr>
@@ -8108,7 +8024,7 @@
                   <a:latin typeface="Lucida Casual"/>
                   <a:ea typeface="Calibri" panose="020F0502020204030204" pitchFamily="34" charset="0"/>
                   <a:cs typeface="Arial" panose="020B0604020202020204" pitchFamily="34" charset="0"/>
-                  <a:hlinkClick r:id="rId19">
+                  <a:hlinkClick r:id="rId20">
                     <a:extLst>
                       <a:ext uri="{A12FA001-AC4F-418D-AE19-62706E023703}">
                         <ahyp:hlinkClr xmlns:ahyp="http://schemas.microsoft.com/office/drawing/2018/hyperlinkcolor" val="tx"/>
@@ -8127,7 +8043,7 @@
                   <a:latin typeface="Lucida Casual"/>
                   <a:ea typeface="Calibri" panose="020F0502020204030204" pitchFamily="34" charset="0"/>
                   <a:cs typeface="Arial" panose="020B0604020202020204" pitchFamily="34" charset="0"/>
-                  <a:hlinkClick r:id="rId19">
+                  <a:hlinkClick r:id="rId20">
                     <a:extLst>
                       <a:ext uri="{A12FA001-AC4F-418D-AE19-62706E023703}">
                         <ahyp:hlinkClr xmlns:ahyp="http://schemas.microsoft.com/office/drawing/2018/hyperlinkcolor" val="tx"/>
@@ -8152,10 +8068,10 @@
       </p:grpSp>
       <p:grpSp>
         <p:nvGrpSpPr>
-          <p:cNvPr id="143" name="Group 142">
-            <a:extLst>
-              <a:ext uri="{FF2B5EF4-FFF2-40B4-BE49-F238E27FC236}">
-                <a16:creationId xmlns:a16="http://schemas.microsoft.com/office/drawing/2014/main" id="{EAE38931-AF24-805C-EFAD-288FE30EE03A}"/>
+          <p:cNvPr id="10" name="Group 9">
+            <a:extLst>
+              <a:ext uri="{FF2B5EF4-FFF2-40B4-BE49-F238E27FC236}">
+                <a16:creationId xmlns:a16="http://schemas.microsoft.com/office/drawing/2014/main" id="{B3A9A5EA-52DA-010A-1C4F-B9D19D434102}"/>
               </a:ext>
             </a:extLst>
           </p:cNvPr>
@@ -8164,18 +8080,124 @@
         </p:nvGrpSpPr>
         <p:grpSpPr>
           <a:xfrm>
-            <a:off x="3758285" y="4103860"/>
+            <a:off x="3718384" y="3631485"/>
             <a:ext cx="2620955" cy="1404300"/>
-            <a:chOff x="3758285" y="4103860"/>
+            <a:chOff x="3718384" y="3631485"/>
             <a:chExt cx="2620955" cy="1404300"/>
           </a:xfrm>
         </p:grpSpPr>
+        <p:grpSp>
+          <p:nvGrpSpPr>
+            <p:cNvPr id="143" name="Group 142">
+              <a:extLst>
+                <a:ext uri="{FF2B5EF4-FFF2-40B4-BE49-F238E27FC236}">
+                  <a16:creationId xmlns:a16="http://schemas.microsoft.com/office/drawing/2014/main" id="{EAE38931-AF24-805C-EFAD-288FE30EE03A}"/>
+                </a:ext>
+              </a:extLst>
+            </p:cNvPr>
+            <p:cNvGrpSpPr/>
+            <p:nvPr/>
+          </p:nvGrpSpPr>
+          <p:grpSpPr>
+            <a:xfrm>
+              <a:off x="3718384" y="3631485"/>
+              <a:ext cx="2620955" cy="1404300"/>
+              <a:chOff x="3758285" y="4103860"/>
+              <a:chExt cx="2620955" cy="1404300"/>
+            </a:xfrm>
+          </p:grpSpPr>
+          <p:pic>
+            <p:nvPicPr>
+              <p:cNvPr id="141" name="Picture 140">
+                <a:extLst>
+                  <a:ext uri="{FF2B5EF4-FFF2-40B4-BE49-F238E27FC236}">
+                    <a16:creationId xmlns:a16="http://schemas.microsoft.com/office/drawing/2014/main" id="{1392F25D-8C2A-55E5-2B95-A938C921271E}"/>
+                  </a:ext>
+                </a:extLst>
+              </p:cNvPr>
+              <p:cNvPicPr>
+                <a:picLocks noChangeAspect="1"/>
+              </p:cNvPicPr>
+              <p:nvPr/>
+            </p:nvPicPr>
+            <p:blipFill>
+              <a:blip r:embed="rId21"/>
+              <a:stretch>
+                <a:fillRect/>
+              </a:stretch>
+            </p:blipFill>
+            <p:spPr>
+              <a:xfrm>
+                <a:off x="3758285" y="4103860"/>
+                <a:ext cx="2620955" cy="1404300"/>
+              </a:xfrm>
+              <a:prstGeom prst="rect">
+                <a:avLst/>
+              </a:prstGeom>
+              <a:noFill/>
+              <a:ln w="3175">
+                <a:solidFill>
+                  <a:schemeClr val="tx1"/>
+                </a:solidFill>
+              </a:ln>
+              <a:effectLst>
+                <a:outerShdw blurRad="50800" dist="38100" dir="8100000" algn="tr" rotWithShape="0">
+                  <a:prstClr val="black">
+                    <a:alpha val="40000"/>
+                  </a:prstClr>
+                </a:outerShdw>
+              </a:effectLst>
+            </p:spPr>
+          </p:pic>
+          <p:pic>
+            <p:nvPicPr>
+              <p:cNvPr id="142" name="Picture 141">
+                <a:extLst>
+                  <a:ext uri="{FF2B5EF4-FFF2-40B4-BE49-F238E27FC236}">
+                    <a16:creationId xmlns:a16="http://schemas.microsoft.com/office/drawing/2014/main" id="{4D1114EB-36DD-128A-221E-16DD99CAC069}"/>
+                  </a:ext>
+                </a:extLst>
+              </p:cNvPr>
+              <p:cNvPicPr>
+                <a:picLocks noChangeAspect="1"/>
+              </p:cNvPicPr>
+              <p:nvPr/>
+            </p:nvPicPr>
+            <p:blipFill>
+              <a:blip r:embed="rId22"/>
+              <a:srcRect l="60891" t="34101" r="8441" b="49671"/>
+              <a:stretch/>
+            </p:blipFill>
+            <p:spPr>
+              <a:xfrm>
+                <a:off x="4691586" y="4902987"/>
+                <a:ext cx="1101218" cy="556459"/>
+              </a:xfrm>
+              <a:prstGeom prst="rect">
+                <a:avLst/>
+              </a:prstGeom>
+              <a:noFill/>
+              <a:ln w="6350">
+                <a:solidFill>
+                  <a:schemeClr val="tx1"/>
+                </a:solidFill>
+              </a:ln>
+              <a:effectLst>
+                <a:outerShdw blurRad="50800" dist="38100" dir="8100000" algn="tr" rotWithShape="0">
+                  <a:prstClr val="black">
+                    <a:alpha val="40000"/>
+                  </a:prstClr>
+                </a:outerShdw>
+              </a:effectLst>
+            </p:spPr>
+          </p:pic>
+        </p:grpSp>
         <p:pic>
           <p:nvPicPr>
-            <p:cNvPr id="141" name="Picture 140">
+            <p:cNvPr id="9" name="Picture 8">
               <a:extLst>
                 <a:ext uri="{FF2B5EF4-FFF2-40B4-BE49-F238E27FC236}">
-                  <a16:creationId xmlns:a16="http://schemas.microsoft.com/office/drawing/2014/main" id="{1392F25D-8C2A-55E5-2B95-A938C921271E}"/>
+                  <a16:creationId xmlns:a16="http://schemas.microsoft.com/office/drawing/2014/main" id="{A7F463BB-C264-9F0C-7FE9-26E23EC0BF09}"/>
                 </a:ext>
               </a:extLst>
             </p:cNvPr>
@@ -8185,57 +8207,15 @@
             <p:nvPr/>
           </p:nvPicPr>
           <p:blipFill>
-            <a:blip r:embed="rId20"/>
+            <a:blip r:embed="rId23"/>
             <a:stretch>
               <a:fillRect/>
             </a:stretch>
           </p:blipFill>
           <p:spPr>
             <a:xfrm>
-              <a:off x="3758285" y="4103860"/>
-              <a:ext cx="2620955" cy="1404300"/>
-            </a:xfrm>
-            <a:prstGeom prst="rect">
-              <a:avLst/>
-            </a:prstGeom>
-            <a:noFill/>
-            <a:ln w="3175">
-              <a:solidFill>
-                <a:schemeClr val="tx1"/>
-              </a:solidFill>
-            </a:ln>
-            <a:effectLst>
-              <a:outerShdw blurRad="50800" dist="38100" dir="8100000" algn="tr" rotWithShape="0">
-                <a:prstClr val="black">
-                  <a:alpha val="40000"/>
-                </a:prstClr>
-              </a:outerShdw>
-            </a:effectLst>
-          </p:spPr>
-        </p:pic>
-        <p:pic>
-          <p:nvPicPr>
-            <p:cNvPr id="142" name="Picture 141">
-              <a:extLst>
-                <a:ext uri="{FF2B5EF4-FFF2-40B4-BE49-F238E27FC236}">
-                  <a16:creationId xmlns:a16="http://schemas.microsoft.com/office/drawing/2014/main" id="{4D1114EB-36DD-128A-221E-16DD99CAC069}"/>
-                </a:ext>
-              </a:extLst>
-            </p:cNvPr>
-            <p:cNvPicPr>
-              <a:picLocks noChangeAspect="1"/>
-            </p:cNvPicPr>
-            <p:nvPr/>
-          </p:nvPicPr>
-          <p:blipFill>
-            <a:blip r:embed="rId21"/>
-            <a:srcRect l="60891" t="34101" r="8441" b="49671"/>
-            <a:stretch/>
-          </p:blipFill>
-          <p:spPr>
-            <a:xfrm>
-              <a:off x="4999669" y="4859916"/>
-              <a:ext cx="1101218" cy="556459"/>
+              <a:off x="5795623" y="3674751"/>
+              <a:ext cx="486541" cy="1312320"/>
             </a:xfrm>
             <a:prstGeom prst="rect">
               <a:avLst/>
@@ -8256,12 +8236,56 @@
           </p:spPr>
         </p:pic>
       </p:grpSp>
+      <p:sp>
+        <p:nvSpPr>
+          <p:cNvPr id="13" name="Rectangle 12">
+            <a:extLst>
+              <a:ext uri="{FF2B5EF4-FFF2-40B4-BE49-F238E27FC236}">
+                <a16:creationId xmlns:a16="http://schemas.microsoft.com/office/drawing/2014/main" id="{AC872042-2819-CADA-6CDA-DDD8F698A2D2}"/>
+              </a:ext>
+            </a:extLst>
+          </p:cNvPr>
+          <p:cNvSpPr/>
+          <p:nvPr/>
+        </p:nvSpPr>
+        <p:spPr>
+          <a:xfrm>
+            <a:off x="4267656" y="1977428"/>
+            <a:ext cx="1539061" cy="378679"/>
+          </a:xfrm>
+          <a:prstGeom prst="rect">
+            <a:avLst/>
+          </a:prstGeom>
+          <a:noFill/>
+          <a:ln w="6350">
+            <a:solidFill>
+              <a:schemeClr val="tx1"/>
+            </a:solidFill>
+          </a:ln>
+          <a:effectLst>
+            <a:outerShdw blurRad="50800" dist="38100" dir="8100000" algn="tr" rotWithShape="0">
+              <a:prstClr val="black">
+                <a:alpha val="40000"/>
+              </a:prstClr>
+            </a:outerShdw>
+          </a:effectLst>
+        </p:spPr>
+        <p:txBody>
+          <a:bodyPr wrap="none" anchor="ctr" anchorCtr="0">
+            <a:noAutofit/>
+          </a:bodyPr>
+          <a:lstStyle/>
+          <a:p>
+            <a:endParaRPr lang="LID4096" dirty="0"/>
+          </a:p>
+        </p:txBody>
+      </p:sp>
       <p:grpSp>
         <p:nvGrpSpPr>
-          <p:cNvPr id="148" name="Group 147">
-            <a:extLst>
-              <a:ext uri="{FF2B5EF4-FFF2-40B4-BE49-F238E27FC236}">
-                <a16:creationId xmlns:a16="http://schemas.microsoft.com/office/drawing/2014/main" id="{488939A4-A781-B7A2-FD8F-0E8F1EB0CECF}"/>
+          <p:cNvPr id="20" name="Group 19">
+            <a:extLst>
+              <a:ext uri="{FF2B5EF4-FFF2-40B4-BE49-F238E27FC236}">
+                <a16:creationId xmlns:a16="http://schemas.microsoft.com/office/drawing/2014/main" id="{146D9DF4-9B5C-1C6D-E82B-AD381BC3B75A}"/>
               </a:ext>
             </a:extLst>
           </p:cNvPr>
@@ -8270,18 +8294,18 @@
         </p:nvGrpSpPr>
         <p:grpSpPr>
           <a:xfrm>
-            <a:off x="9210382" y="4594386"/>
-            <a:ext cx="2480897" cy="1810384"/>
-            <a:chOff x="9210382" y="4594386"/>
-            <a:chExt cx="2480897" cy="1810384"/>
+            <a:off x="599427" y="5008831"/>
+            <a:ext cx="3047090" cy="1313716"/>
+            <a:chOff x="599427" y="5008831"/>
+            <a:chExt cx="3047090" cy="1313716"/>
           </a:xfrm>
         </p:grpSpPr>
         <p:pic>
           <p:nvPicPr>
-            <p:cNvPr id="6" name="Picture 5">
+            <p:cNvPr id="90" name="Picture 89">
               <a:extLst>
                 <a:ext uri="{FF2B5EF4-FFF2-40B4-BE49-F238E27FC236}">
-                  <a16:creationId xmlns:a16="http://schemas.microsoft.com/office/drawing/2014/main" id="{14450CD6-44A1-A1B4-0568-C40663F2F3A6}"/>
+                  <a16:creationId xmlns:a16="http://schemas.microsoft.com/office/drawing/2014/main" id="{4746827A-2EFB-3149-2065-B36F9FAB45B3}"/>
                 </a:ext>
               </a:extLst>
             </p:cNvPr>
@@ -8291,38 +8315,26 @@
             <p:nvPr/>
           </p:nvPicPr>
           <p:blipFill>
-            <a:blip r:embed="rId22">
-              <a:extLst>
-                <a:ext uri="{28A0092B-C50C-407E-A947-70E740481C1C}">
-                  <a14:useLocalDpi xmlns:a14="http://schemas.microsoft.com/office/drawing/2010/main" val="0"/>
-                </a:ext>
-              </a:extLst>
-            </a:blip>
-            <a:stretch>
-              <a:fillRect/>
-            </a:stretch>
+            <a:blip r:embed="rId24"/>
+            <a:srcRect t="4425"/>
+            <a:stretch/>
           </p:blipFill>
           <p:spPr>
             <a:xfrm>
-              <a:off x="9210382" y="4594386"/>
-              <a:ext cx="2480897" cy="1810384"/>
+              <a:off x="711893" y="5140830"/>
+              <a:ext cx="2324100" cy="1028700"/>
             </a:xfrm>
             <a:prstGeom prst="rect">
               <a:avLst/>
             </a:prstGeom>
-            <a:ln>
-              <a:solidFill>
-                <a:schemeClr val="tx1"/>
-              </a:solidFill>
-            </a:ln>
           </p:spPr>
         </p:pic>
         <p:pic>
           <p:nvPicPr>
-            <p:cNvPr id="144" name="Picture 143">
+            <p:cNvPr id="92" name="Picture 91">
               <a:extLst>
                 <a:ext uri="{FF2B5EF4-FFF2-40B4-BE49-F238E27FC236}">
-                  <a16:creationId xmlns:a16="http://schemas.microsoft.com/office/drawing/2014/main" id="{F8B0EF57-D975-045D-47EE-BB8F8E27D12E}"/>
+                  <a16:creationId xmlns:a16="http://schemas.microsoft.com/office/drawing/2014/main" id="{376F00C9-2291-8BCF-7F6E-FC6C5FBEC1AF}"/>
                 </a:ext>
               </a:extLst>
             </p:cNvPr>
@@ -8332,67 +8344,178 @@
             <p:nvPr/>
           </p:nvPicPr>
           <p:blipFill>
-            <a:blip r:embed="rId23"/>
-            <a:stretch>
-              <a:fillRect/>
-            </a:stretch>
+            <a:blip r:embed="rId3"/>
+            <a:srcRect l="690" t="89164" r="-690" b="1695"/>
+            <a:stretch/>
           </p:blipFill>
           <p:spPr>
             <a:xfrm>
-              <a:off x="9596518" y="5361248"/>
-              <a:ext cx="854312" cy="719877"/>
+              <a:off x="599427" y="6157114"/>
+              <a:ext cx="3019425" cy="165433"/>
             </a:xfrm>
             <a:prstGeom prst="rect">
               <a:avLst/>
             </a:prstGeom>
-            <a:ln>
-              <a:solidFill>
-                <a:schemeClr val="tx1"/>
-              </a:solidFill>
-            </a:ln>
           </p:spPr>
         </p:pic>
+        <p:sp>
+          <p:nvSpPr>
+            <p:cNvPr id="105" name="TextBox 104">
+              <a:extLst>
+                <a:ext uri="{FF2B5EF4-FFF2-40B4-BE49-F238E27FC236}">
+                  <a16:creationId xmlns:a16="http://schemas.microsoft.com/office/drawing/2014/main" id="{24C257E0-69A8-2101-C6C8-AAABFEA746B7}"/>
+                </a:ext>
+              </a:extLst>
+            </p:cNvPr>
+            <p:cNvSpPr txBox="1"/>
+            <p:nvPr/>
+          </p:nvSpPr>
+          <p:spPr>
+            <a:xfrm>
+              <a:off x="3058156" y="5008831"/>
+              <a:ext cx="588361" cy="523220"/>
+            </a:xfrm>
+            <a:prstGeom prst="rect">
+              <a:avLst/>
+            </a:prstGeom>
+            <a:noFill/>
+          </p:spPr>
+          <p:txBody>
+            <a:bodyPr wrap="square">
+              <a:spAutoFit/>
+            </a:bodyPr>
+            <a:lstStyle>
+              <a:defPPr>
+                <a:defRPr lang="LID4096"/>
+              </a:defPPr>
+              <a:lvl1pPr>
+                <a:defRPr sz="1100" b="1"/>
+              </a:lvl1pPr>
+            </a:lstStyle>
+            <a:p>
+              <a:r>
+                <a:rPr lang="en-US" sz="2800" dirty="0"/>
+                <a:t>01</a:t>
+              </a:r>
+              <a:endParaRPr lang="LID4096" sz="2800" dirty="0"/>
+            </a:p>
+          </p:txBody>
+        </p:sp>
+        <p:sp>
+          <p:nvSpPr>
+            <p:cNvPr id="14" name="TextBox 13">
+              <a:extLst>
+                <a:ext uri="{FF2B5EF4-FFF2-40B4-BE49-F238E27FC236}">
+                  <a16:creationId xmlns:a16="http://schemas.microsoft.com/office/drawing/2014/main" id="{A236EC68-3562-206E-FDC4-9B88277D747C}"/>
+                </a:ext>
+              </a:extLst>
+            </p:cNvPr>
+            <p:cNvSpPr txBox="1"/>
+            <p:nvPr/>
+          </p:nvSpPr>
+          <p:spPr>
+            <a:xfrm>
+              <a:off x="2676293" y="5786831"/>
+              <a:ext cx="352768" cy="122957"/>
+            </a:xfrm>
+            <a:prstGeom prst="rect">
+              <a:avLst/>
+            </a:prstGeom>
+            <a:solidFill>
+              <a:schemeClr val="bg1"/>
+            </a:solidFill>
+          </p:spPr>
+          <p:txBody>
+            <a:bodyPr wrap="square" lIns="0" tIns="0" rIns="0" bIns="0" anchor="ctr" anchorCtr="0">
+              <a:noAutofit/>
+            </a:bodyPr>
+            <a:lstStyle/>
+            <a:p>
+              <a:pPr algn="ctr"/>
+              <a:r>
+                <a:rPr lang="en-US" sz="1200" b="1" dirty="0"/>
+                <a:t>ok</a:t>
+              </a:r>
+            </a:p>
+          </p:txBody>
+        </p:sp>
+        <p:sp>
+          <p:nvSpPr>
+            <p:cNvPr id="18" name="TextBox 17">
+              <a:extLst>
+                <a:ext uri="{FF2B5EF4-FFF2-40B4-BE49-F238E27FC236}">
+                  <a16:creationId xmlns:a16="http://schemas.microsoft.com/office/drawing/2014/main" id="{049D1D93-CA8E-BCAD-554D-195C86CCE980}"/>
+                </a:ext>
+              </a:extLst>
+            </p:cNvPr>
+            <p:cNvSpPr txBox="1"/>
+            <p:nvPr/>
+          </p:nvSpPr>
+          <p:spPr>
+            <a:xfrm>
+              <a:off x="2666319" y="5999053"/>
+              <a:ext cx="352768" cy="122957"/>
+            </a:xfrm>
+            <a:prstGeom prst="rect">
+              <a:avLst/>
+            </a:prstGeom>
+            <a:solidFill>
+              <a:schemeClr val="bg1"/>
+            </a:solidFill>
+          </p:spPr>
+          <p:txBody>
+            <a:bodyPr wrap="square" lIns="0" tIns="0" rIns="0" bIns="0" anchor="ctr" anchorCtr="0">
+              <a:noAutofit/>
+            </a:bodyPr>
+            <a:lstStyle/>
+            <a:p>
+              <a:pPr algn="ctr"/>
+              <a:r>
+                <a:rPr lang="en-US" sz="1200" b="1" dirty="0"/>
+                <a:t>ok</a:t>
+              </a:r>
+            </a:p>
+          </p:txBody>
+        </p:sp>
+        <p:sp>
+          <p:nvSpPr>
+            <p:cNvPr id="19" name="TextBox 18">
+              <a:extLst>
+                <a:ext uri="{FF2B5EF4-FFF2-40B4-BE49-F238E27FC236}">
+                  <a16:creationId xmlns:a16="http://schemas.microsoft.com/office/drawing/2014/main" id="{D4A5AE59-B3E1-3AF4-E96B-B5026394D408}"/>
+                </a:ext>
+              </a:extLst>
+            </p:cNvPr>
+            <p:cNvSpPr txBox="1"/>
+            <p:nvPr/>
+          </p:nvSpPr>
+          <p:spPr>
+            <a:xfrm>
+              <a:off x="2676293" y="5215231"/>
+              <a:ext cx="352768" cy="122957"/>
+            </a:xfrm>
+            <a:prstGeom prst="rect">
+              <a:avLst/>
+            </a:prstGeom>
+            <a:solidFill>
+              <a:schemeClr val="bg1"/>
+            </a:solidFill>
+          </p:spPr>
+          <p:txBody>
+            <a:bodyPr wrap="square" lIns="0" tIns="0" rIns="0" bIns="0" anchor="ctr" anchorCtr="0">
+              <a:noAutofit/>
+            </a:bodyPr>
+            <a:lstStyle/>
+            <a:p>
+              <a:pPr algn="ctr"/>
+              <a:r>
+                <a:rPr lang="en-US" sz="1200" b="1" dirty="0"/>
+                <a:t>ok</a:t>
+              </a:r>
+            </a:p>
+          </p:txBody>
+        </p:sp>
       </p:grpSp>
-      <p:sp>
-        <p:nvSpPr>
-          <p:cNvPr id="149" name="TextBox 148">
-            <a:extLst>
-              <a:ext uri="{FF2B5EF4-FFF2-40B4-BE49-F238E27FC236}">
-                <a16:creationId xmlns:a16="http://schemas.microsoft.com/office/drawing/2014/main" id="{C4DCA72B-C858-3789-AE3D-D70DBBA4079E}"/>
-              </a:ext>
-            </a:extLst>
-          </p:cNvPr>
-          <p:cNvSpPr txBox="1"/>
-          <p:nvPr/>
-        </p:nvSpPr>
-        <p:spPr>
-          <a:xfrm>
-            <a:off x="2750690" y="5691448"/>
-            <a:ext cx="771895" cy="276999"/>
-          </a:xfrm>
-          <a:prstGeom prst="rect">
-            <a:avLst/>
-          </a:prstGeom>
-          <a:noFill/>
-        </p:spPr>
-        <p:txBody>
-          <a:bodyPr wrap="square">
-            <a:spAutoFit/>
-          </a:bodyPr>
-          <a:lstStyle/>
-          <a:p>
-            <a:pPr algn="ctr"/>
-            <a:r>
-              <a:rPr lang="en-US" sz="1200" b="1" dirty="0">
-                <a:solidFill>
-                  <a:srgbClr val="FF0000"/>
-                </a:solidFill>
-              </a:rPr>
-              <a:t>Again</a:t>
-            </a:r>
-          </a:p>
-        </p:txBody>
-      </p:sp>
     </p:spTree>
     <p:extLst>
       <p:ext uri="{BB962C8B-B14F-4D97-AF65-F5344CB8AC3E}">

--- a/01_Follow_up__activities.pptx
+++ b/01_Follow_up__activities.pptx
@@ -269,7 +269,7 @@
           <a:p>
             <a:fld id="{830943F9-8AC6-4393-AEEF-D45C2A43C7C7}" type="datetimeFigureOut">
               <a:rPr lang="LID4096" smtClean="0"/>
-              <a:t>01/12/2025</a:t>
+              <a:t>01/13/2025</a:t>
             </a:fld>
             <a:endParaRPr lang="LID4096"/>
           </a:p>
@@ -469,7 +469,7 @@
           <a:p>
             <a:fld id="{830943F9-8AC6-4393-AEEF-D45C2A43C7C7}" type="datetimeFigureOut">
               <a:rPr lang="LID4096" smtClean="0"/>
-              <a:t>01/12/2025</a:t>
+              <a:t>01/13/2025</a:t>
             </a:fld>
             <a:endParaRPr lang="LID4096"/>
           </a:p>
@@ -679,7 +679,7 @@
           <a:p>
             <a:fld id="{830943F9-8AC6-4393-AEEF-D45C2A43C7C7}" type="datetimeFigureOut">
               <a:rPr lang="LID4096" smtClean="0"/>
-              <a:t>01/12/2025</a:t>
+              <a:t>01/13/2025</a:t>
             </a:fld>
             <a:endParaRPr lang="LID4096"/>
           </a:p>
@@ -879,7 +879,7 @@
           <a:p>
             <a:fld id="{830943F9-8AC6-4393-AEEF-D45C2A43C7C7}" type="datetimeFigureOut">
               <a:rPr lang="LID4096" smtClean="0"/>
-              <a:t>01/12/2025</a:t>
+              <a:t>01/13/2025</a:t>
             </a:fld>
             <a:endParaRPr lang="LID4096"/>
           </a:p>
@@ -1155,7 +1155,7 @@
           <a:p>
             <a:fld id="{830943F9-8AC6-4393-AEEF-D45C2A43C7C7}" type="datetimeFigureOut">
               <a:rPr lang="LID4096" smtClean="0"/>
-              <a:t>01/12/2025</a:t>
+              <a:t>01/13/2025</a:t>
             </a:fld>
             <a:endParaRPr lang="LID4096"/>
           </a:p>
@@ -1423,7 +1423,7 @@
           <a:p>
             <a:fld id="{830943F9-8AC6-4393-AEEF-D45C2A43C7C7}" type="datetimeFigureOut">
               <a:rPr lang="LID4096" smtClean="0"/>
-              <a:t>01/12/2025</a:t>
+              <a:t>01/13/2025</a:t>
             </a:fld>
             <a:endParaRPr lang="LID4096"/>
           </a:p>
@@ -1838,7 +1838,7 @@
           <a:p>
             <a:fld id="{830943F9-8AC6-4393-AEEF-D45C2A43C7C7}" type="datetimeFigureOut">
               <a:rPr lang="LID4096" smtClean="0"/>
-              <a:t>01/12/2025</a:t>
+              <a:t>01/13/2025</a:t>
             </a:fld>
             <a:endParaRPr lang="LID4096"/>
           </a:p>
@@ -1980,7 +1980,7 @@
           <a:p>
             <a:fld id="{830943F9-8AC6-4393-AEEF-D45C2A43C7C7}" type="datetimeFigureOut">
               <a:rPr lang="LID4096" smtClean="0"/>
-              <a:t>01/12/2025</a:t>
+              <a:t>01/13/2025</a:t>
             </a:fld>
             <a:endParaRPr lang="LID4096"/>
           </a:p>
@@ -2093,7 +2093,7 @@
           <a:p>
             <a:fld id="{830943F9-8AC6-4393-AEEF-D45C2A43C7C7}" type="datetimeFigureOut">
               <a:rPr lang="LID4096" smtClean="0"/>
-              <a:t>01/12/2025</a:t>
+              <a:t>01/13/2025</a:t>
             </a:fld>
             <a:endParaRPr lang="LID4096"/>
           </a:p>
@@ -2406,7 +2406,7 @@
           <a:p>
             <a:fld id="{830943F9-8AC6-4393-AEEF-D45C2A43C7C7}" type="datetimeFigureOut">
               <a:rPr lang="LID4096" smtClean="0"/>
-              <a:t>01/12/2025</a:t>
+              <a:t>01/13/2025</a:t>
             </a:fld>
             <a:endParaRPr lang="LID4096"/>
           </a:p>
@@ -2695,7 +2695,7 @@
           <a:p>
             <a:fld id="{830943F9-8AC6-4393-AEEF-D45C2A43C7C7}" type="datetimeFigureOut">
               <a:rPr lang="LID4096" smtClean="0"/>
-              <a:t>01/12/2025</a:t>
+              <a:t>01/13/2025</a:t>
             </a:fld>
             <a:endParaRPr lang="LID4096"/>
           </a:p>
@@ -2938,7 +2938,7 @@
           <a:p>
             <a:fld id="{830943F9-8AC6-4393-AEEF-D45C2A43C7C7}" type="datetimeFigureOut">
               <a:rPr lang="LID4096" smtClean="0"/>
-              <a:t>01/12/2025</a:t>
+              <a:t>01/13/2025</a:t>
             </a:fld>
             <a:endParaRPr lang="LID4096"/>
           </a:p>
@@ -3382,7 +3382,7 @@
         </p:blipFill>
         <p:spPr>
           <a:xfrm>
-            <a:off x="124496" y="3385148"/>
+            <a:off x="101584" y="2019153"/>
             <a:ext cx="2695575" cy="229963"/>
           </a:xfrm>
           <a:prstGeom prst="rect">
@@ -3411,7 +3411,7 @@
         </p:blipFill>
         <p:spPr>
           <a:xfrm>
-            <a:off x="227782" y="1675069"/>
+            <a:off x="160341" y="435581"/>
             <a:ext cx="2695575" cy="229963"/>
           </a:xfrm>
           <a:prstGeom prst="rect">
@@ -3440,7 +3440,7 @@
         </p:blipFill>
         <p:spPr>
           <a:xfrm>
-            <a:off x="351462" y="4625702"/>
+            <a:off x="328550" y="3259707"/>
             <a:ext cx="2838450" cy="200164"/>
           </a:xfrm>
           <a:prstGeom prst="rect">
@@ -3469,7 +3469,7 @@
         </p:blipFill>
         <p:spPr>
           <a:xfrm>
-            <a:off x="163471" y="3624971"/>
+            <a:off x="140559" y="2258976"/>
             <a:ext cx="2838450" cy="207649"/>
           </a:xfrm>
           <a:prstGeom prst="rect">
@@ -3479,10 +3479,10 @@
       </p:pic>
       <p:grpSp>
         <p:nvGrpSpPr>
-          <p:cNvPr id="192" name="Group 191">
-            <a:extLst>
-              <a:ext uri="{FF2B5EF4-FFF2-40B4-BE49-F238E27FC236}">
-                <a16:creationId xmlns:a16="http://schemas.microsoft.com/office/drawing/2014/main" id="{CA1FDEF0-3861-1FDF-2A43-F44D4C4B755D}"/>
+          <p:cNvPr id="86" name="Group 85">
+            <a:extLst>
+              <a:ext uri="{FF2B5EF4-FFF2-40B4-BE49-F238E27FC236}">
+                <a16:creationId xmlns:a16="http://schemas.microsoft.com/office/drawing/2014/main" id="{2BABCB55-15A1-DE28-7A29-98993B69B6E5}"/>
               </a:ext>
             </a:extLst>
           </p:cNvPr>
@@ -3491,370 +3491,7 @@
         </p:nvGrpSpPr>
         <p:grpSpPr>
           <a:xfrm>
-            <a:off x="125598" y="25886"/>
-            <a:ext cx="2369976" cy="1100890"/>
-            <a:chOff x="125598" y="25886"/>
-            <a:chExt cx="2369976" cy="1100890"/>
-          </a:xfrm>
-        </p:grpSpPr>
-        <p:grpSp>
-          <p:nvGrpSpPr>
-            <p:cNvPr id="56" name="Group 55">
-              <a:extLst>
-                <a:ext uri="{FF2B5EF4-FFF2-40B4-BE49-F238E27FC236}">
-                  <a16:creationId xmlns:a16="http://schemas.microsoft.com/office/drawing/2014/main" id="{B03518C5-262A-9194-1D98-2D9BA4A7F70F}"/>
-                </a:ext>
-              </a:extLst>
-            </p:cNvPr>
-            <p:cNvGrpSpPr/>
-            <p:nvPr/>
-          </p:nvGrpSpPr>
-          <p:grpSpPr>
-            <a:xfrm>
-              <a:off x="125598" y="25886"/>
-              <a:ext cx="1919943" cy="1079479"/>
-              <a:chOff x="125598" y="25886"/>
-              <a:chExt cx="1919943" cy="1079479"/>
-            </a:xfrm>
-          </p:grpSpPr>
-          <p:pic>
-            <p:nvPicPr>
-              <p:cNvPr id="58" name="Picture 57">
-                <a:extLst>
-                  <a:ext uri="{FF2B5EF4-FFF2-40B4-BE49-F238E27FC236}">
-                    <a16:creationId xmlns:a16="http://schemas.microsoft.com/office/drawing/2014/main" id="{B376AD06-90AF-7CA0-43B8-4EF29807A09A}"/>
-                  </a:ext>
-                </a:extLst>
-              </p:cNvPr>
-              <p:cNvPicPr>
-                <a:picLocks noChangeAspect="1"/>
-              </p:cNvPicPr>
-              <p:nvPr/>
-            </p:nvPicPr>
-            <p:blipFill>
-              <a:blip r:embed="rId4"/>
-              <a:srcRect r="54588"/>
-              <a:stretch/>
-            </p:blipFill>
-            <p:spPr>
-              <a:xfrm>
-                <a:off x="125598" y="76665"/>
-                <a:ext cx="916989" cy="1028700"/>
-              </a:xfrm>
-              <a:prstGeom prst="rect">
-                <a:avLst/>
-              </a:prstGeom>
-            </p:spPr>
-          </p:pic>
-          <p:sp>
-            <p:nvSpPr>
-              <p:cNvPr id="59" name="Rectangle 58">
-                <a:extLst>
-                  <a:ext uri="{FF2B5EF4-FFF2-40B4-BE49-F238E27FC236}">
-                    <a16:creationId xmlns:a16="http://schemas.microsoft.com/office/drawing/2014/main" id="{2A521011-99BE-0968-DC43-C3A7E530A7D9}"/>
-                  </a:ext>
-                </a:extLst>
-              </p:cNvPr>
-              <p:cNvSpPr/>
-              <p:nvPr/>
-            </p:nvSpPr>
-            <p:spPr>
-              <a:xfrm>
-                <a:off x="129322" y="79497"/>
-                <a:ext cx="1916219" cy="1019573"/>
-              </a:xfrm>
-              <a:prstGeom prst="rect">
-                <a:avLst/>
-              </a:prstGeom>
-              <a:noFill/>
-              <a:ln w="6350">
-                <a:solidFill>
-                  <a:srgbClr val="0000FF"/>
-                </a:solidFill>
-              </a:ln>
-              <a:effectLst>
-                <a:outerShdw blurRad="50800" dist="38100" dir="8100000" algn="tr" rotWithShape="0">
-                  <a:prstClr val="black">
-                    <a:alpha val="40000"/>
-                  </a:prstClr>
-                </a:outerShdw>
-              </a:effectLst>
-            </p:spPr>
-            <p:txBody>
-              <a:bodyPr wrap="none" anchor="ctr" anchorCtr="0">
-                <a:noAutofit/>
-              </a:bodyPr>
-              <a:lstStyle/>
-              <a:p>
-                <a:endParaRPr lang="LID4096"/>
-              </a:p>
-            </p:txBody>
-          </p:sp>
-          <p:sp>
-            <p:nvSpPr>
-              <p:cNvPr id="60" name="Rectangle 59">
-                <a:extLst>
-                  <a:ext uri="{FF2B5EF4-FFF2-40B4-BE49-F238E27FC236}">
-                    <a16:creationId xmlns:a16="http://schemas.microsoft.com/office/drawing/2014/main" id="{25EBE369-4C35-94BD-D06F-AAC130E9271B}"/>
-                  </a:ext>
-                </a:extLst>
-              </p:cNvPr>
-              <p:cNvSpPr/>
-              <p:nvPr/>
-            </p:nvSpPr>
-            <p:spPr>
-              <a:xfrm>
-                <a:off x="125598" y="25886"/>
-                <a:ext cx="1916220" cy="468653"/>
-              </a:xfrm>
-              <a:prstGeom prst="rect">
-                <a:avLst/>
-              </a:prstGeom>
-              <a:solidFill>
-                <a:srgbClr val="FFF2CC">
-                  <a:alpha val="80000"/>
-                </a:srgbClr>
-              </a:solidFill>
-              <a:ln>
-                <a:noFill/>
-              </a:ln>
-            </p:spPr>
-            <p:style>
-              <a:lnRef idx="2">
-                <a:schemeClr val="accent1">
-                  <a:shade val="15000"/>
-                </a:schemeClr>
-              </a:lnRef>
-              <a:fillRef idx="1">
-                <a:schemeClr val="accent1"/>
-              </a:fillRef>
-              <a:effectRef idx="0">
-                <a:schemeClr val="accent1"/>
-              </a:effectRef>
-              <a:fontRef idx="minor">
-                <a:schemeClr val="lt1"/>
-              </a:fontRef>
-            </p:style>
-            <p:txBody>
-              <a:bodyPr rtlCol="0" anchor="ctr"/>
-              <a:lstStyle/>
-              <a:p>
-                <a:pPr algn="ctr"/>
-                <a:endParaRPr lang="LID4096"/>
-              </a:p>
-            </p:txBody>
-          </p:sp>
-        </p:grpSp>
-        <p:sp>
-          <p:nvSpPr>
-            <p:cNvPr id="175" name="TextBox 174">
-              <a:extLst>
-                <a:ext uri="{FF2B5EF4-FFF2-40B4-BE49-F238E27FC236}">
-                  <a16:creationId xmlns:a16="http://schemas.microsoft.com/office/drawing/2014/main" id="{1F30BEBA-BD84-A0FB-AA9D-44D2B2D994FD}"/>
-                </a:ext>
-              </a:extLst>
-            </p:cNvPr>
-            <p:cNvSpPr txBox="1">
-              <a:spLocks noChangeAspect="1"/>
-            </p:cNvSpPr>
-            <p:nvPr/>
-          </p:nvSpPr>
-          <p:spPr>
-            <a:xfrm>
-              <a:off x="2110393" y="711790"/>
-              <a:ext cx="385181" cy="213260"/>
-            </a:xfrm>
-            <a:prstGeom prst="rect">
-              <a:avLst/>
-            </a:prstGeom>
-            <a:solidFill>
-              <a:schemeClr val="accent6">
-                <a:lumMod val="60000"/>
-                <a:lumOff val="40000"/>
-              </a:schemeClr>
-            </a:solidFill>
-          </p:spPr>
-          <p:txBody>
-            <a:bodyPr wrap="none" lIns="0" tIns="0" rIns="0" bIns="0" anchor="ctr" anchorCtr="0">
-              <a:noAutofit/>
-            </a:bodyPr>
-            <a:lstStyle/>
-            <a:p>
-              <a:pPr algn="ctr"/>
-              <a:r>
-                <a:rPr lang="pt-BR" sz="1200" b="1" dirty="0"/>
-                <a:t>03</a:t>
-              </a:r>
-              <a:endParaRPr lang="LID4096" sz="1200" b="1" dirty="0"/>
-            </a:p>
-          </p:txBody>
-        </p:sp>
-        <p:sp>
-          <p:nvSpPr>
-            <p:cNvPr id="176" name="TextBox 175">
-              <a:extLst>
-                <a:ext uri="{FF2B5EF4-FFF2-40B4-BE49-F238E27FC236}">
-                  <a16:creationId xmlns:a16="http://schemas.microsoft.com/office/drawing/2014/main" id="{D2E2E01A-9E97-94D7-EF40-5ED0A217631B}"/>
-                </a:ext>
-              </a:extLst>
-            </p:cNvPr>
-            <p:cNvSpPr txBox="1">
-              <a:spLocks noChangeAspect="1"/>
-            </p:cNvSpPr>
-            <p:nvPr/>
-          </p:nvSpPr>
-          <p:spPr>
-            <a:xfrm>
-              <a:off x="2109525" y="492654"/>
-              <a:ext cx="385181" cy="213260"/>
-            </a:xfrm>
-            <a:prstGeom prst="rect">
-              <a:avLst/>
-            </a:prstGeom>
-            <a:solidFill>
-              <a:schemeClr val="accent2"/>
-            </a:solidFill>
-          </p:spPr>
-          <p:txBody>
-            <a:bodyPr wrap="none" lIns="0" tIns="0" rIns="0" bIns="0" anchor="ctr" anchorCtr="0">
-              <a:noAutofit/>
-            </a:bodyPr>
-            <a:lstStyle/>
-            <a:p>
-              <a:pPr algn="ctr"/>
-              <a:r>
-                <a:rPr lang="pt-BR" sz="1200" b="1" dirty="0">
-                  <a:solidFill>
-                    <a:schemeClr val="bg1"/>
-                  </a:solidFill>
-                </a:rPr>
-                <a:t>02</a:t>
-              </a:r>
-              <a:endParaRPr lang="LID4096" sz="1200" b="1" dirty="0">
-                <a:solidFill>
-                  <a:schemeClr val="bg1"/>
-                </a:solidFill>
-              </a:endParaRPr>
-            </a:p>
-          </p:txBody>
-        </p:sp>
-        <p:sp>
-          <p:nvSpPr>
-            <p:cNvPr id="185" name="TextBox 184">
-              <a:extLst>
-                <a:ext uri="{FF2B5EF4-FFF2-40B4-BE49-F238E27FC236}">
-                  <a16:creationId xmlns:a16="http://schemas.microsoft.com/office/drawing/2014/main" id="{978135B2-CFCC-9CF0-EF3C-7FDD32261233}"/>
-                </a:ext>
-              </a:extLst>
-            </p:cNvPr>
-            <p:cNvSpPr txBox="1">
-              <a:spLocks noChangeAspect="1"/>
-            </p:cNvSpPr>
-            <p:nvPr/>
-          </p:nvSpPr>
-          <p:spPr>
-            <a:xfrm>
-              <a:off x="2109525" y="913516"/>
-              <a:ext cx="385181" cy="213260"/>
-            </a:xfrm>
-            <a:prstGeom prst="rect">
-              <a:avLst/>
-            </a:prstGeom>
-            <a:solidFill>
-              <a:srgbClr val="00B0F0"/>
-            </a:solidFill>
-          </p:spPr>
-          <p:txBody>
-            <a:bodyPr wrap="none" lIns="0" tIns="0" rIns="0" bIns="0" anchor="ctr" anchorCtr="0">
-              <a:noAutofit/>
-            </a:bodyPr>
-            <a:lstStyle>
-              <a:defPPr>
-                <a:defRPr lang="LID4096"/>
-              </a:defPPr>
-              <a:lvl1pPr algn="ctr">
-                <a:defRPr sz="1500" b="1">
-                  <a:solidFill>
-                    <a:schemeClr val="bg1"/>
-                  </a:solidFill>
-                </a:defRPr>
-              </a:lvl1pPr>
-            </a:lstStyle>
-            <a:p>
-              <a:r>
-                <a:rPr lang="pt-BR" sz="1200" dirty="0"/>
-                <a:t>04</a:t>
-              </a:r>
-              <a:endParaRPr lang="LID4096" sz="1200" dirty="0"/>
-            </a:p>
-          </p:txBody>
-        </p:sp>
-        <p:sp>
-          <p:nvSpPr>
-            <p:cNvPr id="191" name="TextBox 190">
-              <a:extLst>
-                <a:ext uri="{FF2B5EF4-FFF2-40B4-BE49-F238E27FC236}">
-                  <a16:creationId xmlns:a16="http://schemas.microsoft.com/office/drawing/2014/main" id="{B97F9A6C-A840-3144-7F4A-4A520F167C93}"/>
-                </a:ext>
-              </a:extLst>
-            </p:cNvPr>
-            <p:cNvSpPr txBox="1">
-              <a:spLocks noChangeAspect="1"/>
-            </p:cNvSpPr>
-            <p:nvPr/>
-          </p:nvSpPr>
-          <p:spPr>
-            <a:xfrm>
-              <a:off x="2109345" y="109861"/>
-              <a:ext cx="384048" cy="400299"/>
-            </a:xfrm>
-            <a:prstGeom prst="rect">
-              <a:avLst/>
-            </a:prstGeom>
-            <a:solidFill>
-              <a:schemeClr val="bg1">
-                <a:lumMod val="85000"/>
-              </a:schemeClr>
-            </a:solidFill>
-          </p:spPr>
-          <p:txBody>
-            <a:bodyPr wrap="none" lIns="0" tIns="0" rIns="0" bIns="0" anchor="ctr" anchorCtr="0">
-              <a:noAutofit/>
-            </a:bodyPr>
-            <a:lstStyle/>
-            <a:p>
-              <a:pPr algn="ctr"/>
-              <a:r>
-                <a:rPr lang="pt-BR" sz="1200" b="1" dirty="0"/>
-                <a:t>0</a:t>
-              </a:r>
-            </a:p>
-            <a:p>
-              <a:pPr algn="ctr"/>
-              <a:r>
-                <a:rPr lang="pt-BR" sz="1200" b="1" dirty="0"/>
-                <a:t>0</a:t>
-              </a:r>
-              <a:endParaRPr lang="LID4096" sz="1200" b="1" dirty="0"/>
-            </a:p>
-          </p:txBody>
-        </p:sp>
-      </p:grpSp>
-      <p:grpSp>
-        <p:nvGrpSpPr>
-          <p:cNvPr id="86" name="Group 85">
-            <a:extLst>
-              <a:ext uri="{FF2B5EF4-FFF2-40B4-BE49-F238E27FC236}">
-                <a16:creationId xmlns:a16="http://schemas.microsoft.com/office/drawing/2014/main" id="{2BABCB55-15A1-DE28-7A29-98993B69B6E5}"/>
-              </a:ext>
-            </a:extLst>
-          </p:cNvPr>
-          <p:cNvGrpSpPr/>
-          <p:nvPr/>
-        </p:nvGrpSpPr>
-        <p:grpSpPr>
-          <a:xfrm>
-            <a:off x="339109" y="3853409"/>
+            <a:off x="316197" y="2487414"/>
             <a:ext cx="2790825" cy="574109"/>
             <a:chOff x="474458" y="2285240"/>
             <a:chExt cx="2790825" cy="574109"/>
@@ -3875,7 +3512,7 @@
             <p:nvPr/>
           </p:nvPicPr>
           <p:blipFill>
-            <a:blip r:embed="rId5"/>
+            <a:blip r:embed="rId4"/>
             <a:stretch>
               <a:fillRect/>
             </a:stretch>
@@ -3948,7 +3585,7 @@
         </p:nvGrpSpPr>
         <p:grpSpPr>
           <a:xfrm>
-            <a:off x="202886" y="1408436"/>
+            <a:off x="135445" y="168948"/>
             <a:ext cx="2403300" cy="273747"/>
             <a:chOff x="202886" y="1307843"/>
             <a:chExt cx="2403300" cy="273747"/>
@@ -3969,7 +3606,7 @@
             <p:nvPr/>
           </p:nvPicPr>
           <p:blipFill>
-            <a:blip r:embed="rId4"/>
+            <a:blip r:embed="rId5"/>
             <a:srcRect t="40041" r="46014" b="40053"/>
             <a:stretch/>
           </p:blipFill>
@@ -4079,46 +3716,6 @@
       </p:grpSp>
       <p:sp>
         <p:nvSpPr>
-          <p:cNvPr id="72" name="TextBox 71">
-            <a:extLst>
-              <a:ext uri="{FF2B5EF4-FFF2-40B4-BE49-F238E27FC236}">
-                <a16:creationId xmlns:a16="http://schemas.microsoft.com/office/drawing/2014/main" id="{E1306BEF-02CF-D663-26B6-B8F4A1CA97EF}"/>
-              </a:ext>
-            </a:extLst>
-          </p:cNvPr>
-          <p:cNvSpPr txBox="1">
-            <a:spLocks/>
-          </p:cNvSpPr>
-          <p:nvPr/>
-        </p:nvSpPr>
-        <p:spPr>
-          <a:xfrm>
-            <a:off x="2516194" y="5286127"/>
-            <a:ext cx="361950" cy="409575"/>
-          </a:xfrm>
-          <a:prstGeom prst="rect">
-            <a:avLst/>
-          </a:prstGeom>
-          <a:solidFill>
-            <a:srgbClr val="FFCCFF"/>
-          </a:solidFill>
-        </p:spPr>
-        <p:txBody>
-          <a:bodyPr wrap="square" lIns="0" tIns="0" rIns="0" bIns="0" anchor="ctr" anchorCtr="0">
-            <a:noAutofit/>
-          </a:bodyPr>
-          <a:lstStyle/>
-          <a:p>
-            <a:pPr algn="ctr"/>
-            <a:r>
-              <a:rPr lang="en-US" sz="800" b="1" dirty="0"/>
-              <a:t>Move on … </a:t>
-            </a:r>
-          </a:p>
-        </p:txBody>
-      </p:sp>
-      <p:sp>
-        <p:nvSpPr>
           <p:cNvPr id="75" name="TextBox 74">
             <a:extLst>
               <a:ext uri="{FF2B5EF4-FFF2-40B4-BE49-F238E27FC236}">
@@ -4131,7 +3728,7 @@
         </p:nvSpPr>
         <p:spPr>
           <a:xfrm>
-            <a:off x="1718844" y="4593411"/>
+            <a:off x="1695932" y="3227416"/>
             <a:ext cx="1564037" cy="246221"/>
           </a:xfrm>
           <a:prstGeom prst="rect">
@@ -4179,7 +3776,7 @@
         </p:blipFill>
         <p:spPr>
           <a:xfrm>
-            <a:off x="432225" y="1867668"/>
+            <a:off x="364784" y="628180"/>
             <a:ext cx="2486025" cy="228600"/>
           </a:xfrm>
           <a:prstGeom prst="rect">
@@ -4201,7 +3798,7 @@
         </p:nvSpPr>
         <p:spPr>
           <a:xfrm>
-            <a:off x="2408371" y="2201400"/>
+            <a:off x="2340930" y="961912"/>
             <a:ext cx="964831" cy="246221"/>
           </a:xfrm>
           <a:prstGeom prst="rect">
@@ -4240,7 +3837,7 @@
         </p:nvGrpSpPr>
         <p:grpSpPr>
           <a:xfrm>
-            <a:off x="241387" y="2531051"/>
+            <a:off x="218475" y="1165056"/>
             <a:ext cx="2960175" cy="706118"/>
             <a:chOff x="241387" y="2531051"/>
             <a:chExt cx="2960175" cy="706118"/>
@@ -4360,7 +3957,7 @@
         </p:nvSpPr>
         <p:spPr>
           <a:xfrm>
-            <a:off x="2012992" y="3337124"/>
+            <a:off x="1990080" y="1971129"/>
             <a:ext cx="703144" cy="246221"/>
           </a:xfrm>
           <a:prstGeom prst="rect">
@@ -4399,7 +3996,7 @@
         </p:nvSpPr>
         <p:spPr>
           <a:xfrm>
-            <a:off x="16246" y="3990870"/>
+            <a:off x="-6666" y="2624875"/>
             <a:ext cx="795178" cy="646331"/>
           </a:xfrm>
           <a:prstGeom prst="rect">
@@ -5036,7 +4633,7 @@
         </p:blipFill>
         <p:spPr>
           <a:xfrm>
-            <a:off x="340516" y="5081882"/>
+            <a:off x="317604" y="3715887"/>
             <a:ext cx="2219325" cy="619125"/>
           </a:xfrm>
           <a:prstGeom prst="rect">
@@ -5248,7 +4845,7 @@
         </p:blipFill>
         <p:spPr>
           <a:xfrm>
-            <a:off x="184212" y="4870355"/>
+            <a:off x="161300" y="3504360"/>
             <a:ext cx="2838450" cy="200164"/>
           </a:xfrm>
           <a:prstGeom prst="rect">
@@ -5277,7 +4874,7 @@
         </p:blipFill>
         <p:spPr>
           <a:xfrm>
-            <a:off x="247789" y="5721465"/>
+            <a:off x="234378" y="4352594"/>
             <a:ext cx="2838450" cy="207649"/>
           </a:xfrm>
           <a:prstGeom prst="rect">
@@ -5672,13 +5269,15 @@
               </a:ext>
             </a:extLst>
           </p:cNvPr>
-          <p:cNvGrpSpPr/>
+          <p:cNvGrpSpPr>
+            <a:grpSpLocks noChangeAspect="1"/>
+          </p:cNvGrpSpPr>
           <p:nvPr/>
         </p:nvGrpSpPr>
         <p:grpSpPr>
           <a:xfrm>
-            <a:off x="3264761" y="4762536"/>
-            <a:ext cx="2620955" cy="1404300"/>
+            <a:off x="3241244" y="2535875"/>
+            <a:ext cx="1750219" cy="937762"/>
             <a:chOff x="3359013" y="3874720"/>
             <a:chExt cx="2620955" cy="1404300"/>
           </a:xfrm>
@@ -5867,23 +5466,25 @@
           </p:nvSpPr>
           <p:spPr>
             <a:xfrm>
-              <a:off x="4294929" y="5015280"/>
-              <a:ext cx="1106757" cy="246221"/>
+              <a:off x="4211221" y="4309499"/>
+              <a:ext cx="1101217" cy="230266"/>
             </a:xfrm>
             <a:prstGeom prst="rect">
               <a:avLst/>
             </a:prstGeom>
-            <a:noFill/>
+            <a:solidFill>
+              <a:schemeClr val="bg1"/>
+            </a:solidFill>
           </p:spPr>
           <p:txBody>
-            <a:bodyPr wrap="square">
-              <a:spAutoFit/>
+            <a:bodyPr wrap="square" lIns="0" tIns="0" rIns="0" bIns="0" anchor="ctr" anchorCtr="0">
+              <a:noAutofit/>
             </a:bodyPr>
             <a:lstStyle/>
             <a:p>
               <a:pPr algn="r"/>
               <a:r>
-                <a:rPr lang="en-US" sz="1000" dirty="0">
+                <a:rPr lang="en-US" sz="1000" b="1" dirty="0">
                   <a:solidFill>
                     <a:srgbClr val="FF0000"/>
                   </a:solidFill>
@@ -6041,7 +5642,7 @@
             <p:nvPr/>
           </p:nvPicPr>
           <p:blipFill>
-            <a:blip r:embed="rId4"/>
+            <a:blip r:embed="rId5"/>
             <a:srcRect t="58454" r="57025" b="21387"/>
             <a:stretch/>
           </p:blipFill>
@@ -6373,7 +5974,7 @@
         </p:blipFill>
         <p:spPr>
           <a:xfrm>
-            <a:off x="305664" y="3828018"/>
+            <a:off x="282752" y="2462023"/>
             <a:ext cx="904875" cy="228600"/>
           </a:xfrm>
           <a:prstGeom prst="rect">
@@ -6402,7 +6003,7 @@
         </p:blipFill>
         <p:spPr>
           <a:xfrm>
-            <a:off x="446844" y="4409414"/>
+            <a:off x="423932" y="3043419"/>
             <a:ext cx="1602201" cy="187052"/>
           </a:xfrm>
           <a:prstGeom prst="rect">
@@ -6432,7 +6033,7 @@
         </p:blipFill>
         <p:spPr>
           <a:xfrm>
-            <a:off x="2041343" y="4435229"/>
+            <a:off x="2018431" y="3069234"/>
             <a:ext cx="746700" cy="162326"/>
           </a:xfrm>
           <a:prstGeom prst="rect">
@@ -6677,7 +6278,7 @@
         </p:blipFill>
         <p:spPr>
           <a:xfrm>
-            <a:off x="3264761" y="2836667"/>
+            <a:off x="3241849" y="1470672"/>
             <a:ext cx="1157869" cy="975666"/>
           </a:xfrm>
           <a:prstGeom prst="rect">
@@ -6712,8 +6313,109 @@
         </p:blipFill>
         <p:spPr>
           <a:xfrm>
-            <a:off x="458362" y="2072984"/>
+            <a:off x="390921" y="833496"/>
             <a:ext cx="2743200" cy="200025"/>
+          </a:xfrm>
+          <a:prstGeom prst="rect">
+            <a:avLst/>
+          </a:prstGeom>
+        </p:spPr>
+      </p:pic>
+      <p:sp>
+        <p:nvSpPr>
+          <p:cNvPr id="13" name="TextBox 12">
+            <a:extLst>
+              <a:ext uri="{FF2B5EF4-FFF2-40B4-BE49-F238E27FC236}">
+                <a16:creationId xmlns:a16="http://schemas.microsoft.com/office/drawing/2014/main" id="{E1306BEF-02CF-D663-26B6-B8F4A1CA97EF}"/>
+              </a:ext>
+            </a:extLst>
+          </p:cNvPr>
+          <p:cNvSpPr txBox="1">
+            <a:spLocks/>
+          </p:cNvSpPr>
+          <p:nvPr/>
+        </p:nvSpPr>
+        <p:spPr>
+          <a:xfrm>
+            <a:off x="2502760" y="3807850"/>
+            <a:ext cx="696097" cy="409575"/>
+          </a:xfrm>
+          <a:prstGeom prst="rect">
+            <a:avLst/>
+          </a:prstGeom>
+          <a:noFill/>
+        </p:spPr>
+        <p:txBody>
+          <a:bodyPr wrap="square" lIns="0" tIns="0" rIns="0" bIns="0" anchor="ctr" anchorCtr="0">
+            <a:noAutofit/>
+          </a:bodyPr>
+          <a:lstStyle/>
+          <a:p>
+            <a:pPr algn="ctr"/>
+            <a:r>
+              <a:rPr lang="en-US" sz="800" dirty="0">
+                <a:latin typeface="Cambria" panose="02040503050406030204" pitchFamily="18" charset="0"/>
+                <a:ea typeface="Cambria" panose="02040503050406030204" pitchFamily="18" charset="0"/>
+              </a:rPr>
+              <a:t>First assumptions</a:t>
+            </a:r>
+          </a:p>
+        </p:txBody>
+      </p:sp>
+      <p:pic>
+        <p:nvPicPr>
+          <p:cNvPr id="28" name="Picture 27">
+            <a:extLst>
+              <a:ext uri="{FF2B5EF4-FFF2-40B4-BE49-F238E27FC236}">
+                <a16:creationId xmlns:a16="http://schemas.microsoft.com/office/drawing/2014/main" id="{B0287FAB-998A-62AD-9101-C672BAD9E9C4}"/>
+              </a:ext>
+            </a:extLst>
+          </p:cNvPr>
+          <p:cNvPicPr>
+            <a:picLocks noChangeAspect="1"/>
+          </p:cNvPicPr>
+          <p:nvPr/>
+        </p:nvPicPr>
+        <p:blipFill>
+          <a:blip r:embed="rId32"/>
+          <a:stretch>
+            <a:fillRect/>
+          </a:stretch>
+        </p:blipFill>
+        <p:spPr>
+          <a:xfrm>
+            <a:off x="312740" y="4599092"/>
+            <a:ext cx="2390775" cy="619125"/>
+          </a:xfrm>
+          <a:prstGeom prst="rect">
+            <a:avLst/>
+          </a:prstGeom>
+        </p:spPr>
+      </p:pic>
+      <p:pic>
+        <p:nvPicPr>
+          <p:cNvPr id="39" name="Picture 38">
+            <a:extLst>
+              <a:ext uri="{FF2B5EF4-FFF2-40B4-BE49-F238E27FC236}">
+                <a16:creationId xmlns:a16="http://schemas.microsoft.com/office/drawing/2014/main" id="{901580E5-95FF-2D74-611B-D1FACD9B03BB}"/>
+              </a:ext>
+            </a:extLst>
+          </p:cNvPr>
+          <p:cNvPicPr>
+            <a:picLocks noChangeAspect="1"/>
+          </p:cNvPicPr>
+          <p:nvPr/>
+        </p:nvPicPr>
+        <p:blipFill>
+          <a:blip r:embed="rId33"/>
+          <a:stretch>
+            <a:fillRect/>
+          </a:stretch>
+        </p:blipFill>
+        <p:spPr>
+          <a:xfrm>
+            <a:off x="2573375" y="4523223"/>
+            <a:ext cx="698287" cy="685435"/>
           </a:xfrm>
           <a:prstGeom prst="rect">
             <a:avLst/>

--- a/01_Follow_up__activities.pptx
+++ b/01_Follow_up__activities.pptx
@@ -8,12 +8,11 @@
     <p:sldId id="279" r:id="rId2"/>
     <p:sldId id="277" r:id="rId3"/>
     <p:sldId id="281" r:id="rId4"/>
-    <p:sldId id="278" r:id="rId5"/>
-    <p:sldId id="274" r:id="rId6"/>
+    <p:sldId id="274" r:id="rId5"/>
+    <p:sldId id="278" r:id="rId6"/>
     <p:sldId id="261" r:id="rId7"/>
-    <p:sldId id="282" r:id="rId8"/>
-    <p:sldId id="280" r:id="rId9"/>
-    <p:sldId id="273" r:id="rId10"/>
+    <p:sldId id="280" r:id="rId8"/>
+    <p:sldId id="273" r:id="rId9"/>
   </p:sldIdLst>
   <p:sldSz cx="12192000" cy="6858000"/>
   <p:notesSz cx="6858000" cy="9144000"/>
@@ -269,7 +268,7 @@
           <a:p>
             <a:fld id="{830943F9-8AC6-4393-AEEF-D45C2A43C7C7}" type="datetimeFigureOut">
               <a:rPr lang="LID4096" smtClean="0"/>
-              <a:t>01/13/2025</a:t>
+              <a:t>01/14/2025</a:t>
             </a:fld>
             <a:endParaRPr lang="LID4096"/>
           </a:p>
@@ -469,7 +468,7 @@
           <a:p>
             <a:fld id="{830943F9-8AC6-4393-AEEF-D45C2A43C7C7}" type="datetimeFigureOut">
               <a:rPr lang="LID4096" smtClean="0"/>
-              <a:t>01/13/2025</a:t>
+              <a:t>01/14/2025</a:t>
             </a:fld>
             <a:endParaRPr lang="LID4096"/>
           </a:p>
@@ -679,7 +678,7 @@
           <a:p>
             <a:fld id="{830943F9-8AC6-4393-AEEF-D45C2A43C7C7}" type="datetimeFigureOut">
               <a:rPr lang="LID4096" smtClean="0"/>
-              <a:t>01/13/2025</a:t>
+              <a:t>01/14/2025</a:t>
             </a:fld>
             <a:endParaRPr lang="LID4096"/>
           </a:p>
@@ -879,7 +878,7 @@
           <a:p>
             <a:fld id="{830943F9-8AC6-4393-AEEF-D45C2A43C7C7}" type="datetimeFigureOut">
               <a:rPr lang="LID4096" smtClean="0"/>
-              <a:t>01/13/2025</a:t>
+              <a:t>01/14/2025</a:t>
             </a:fld>
             <a:endParaRPr lang="LID4096"/>
           </a:p>
@@ -1155,7 +1154,7 @@
           <a:p>
             <a:fld id="{830943F9-8AC6-4393-AEEF-D45C2A43C7C7}" type="datetimeFigureOut">
               <a:rPr lang="LID4096" smtClean="0"/>
-              <a:t>01/13/2025</a:t>
+              <a:t>01/14/2025</a:t>
             </a:fld>
             <a:endParaRPr lang="LID4096"/>
           </a:p>
@@ -1423,7 +1422,7 @@
           <a:p>
             <a:fld id="{830943F9-8AC6-4393-AEEF-D45C2A43C7C7}" type="datetimeFigureOut">
               <a:rPr lang="LID4096" smtClean="0"/>
-              <a:t>01/13/2025</a:t>
+              <a:t>01/14/2025</a:t>
             </a:fld>
             <a:endParaRPr lang="LID4096"/>
           </a:p>
@@ -1838,7 +1837,7 @@
           <a:p>
             <a:fld id="{830943F9-8AC6-4393-AEEF-D45C2A43C7C7}" type="datetimeFigureOut">
               <a:rPr lang="LID4096" smtClean="0"/>
-              <a:t>01/13/2025</a:t>
+              <a:t>01/14/2025</a:t>
             </a:fld>
             <a:endParaRPr lang="LID4096"/>
           </a:p>
@@ -1980,7 +1979,7 @@
           <a:p>
             <a:fld id="{830943F9-8AC6-4393-AEEF-D45C2A43C7C7}" type="datetimeFigureOut">
               <a:rPr lang="LID4096" smtClean="0"/>
-              <a:t>01/13/2025</a:t>
+              <a:t>01/14/2025</a:t>
             </a:fld>
             <a:endParaRPr lang="LID4096"/>
           </a:p>
@@ -2093,7 +2092,7 @@
           <a:p>
             <a:fld id="{830943F9-8AC6-4393-AEEF-D45C2A43C7C7}" type="datetimeFigureOut">
               <a:rPr lang="LID4096" smtClean="0"/>
-              <a:t>01/13/2025</a:t>
+              <a:t>01/14/2025</a:t>
             </a:fld>
             <a:endParaRPr lang="LID4096"/>
           </a:p>
@@ -2406,7 +2405,7 @@
           <a:p>
             <a:fld id="{830943F9-8AC6-4393-AEEF-D45C2A43C7C7}" type="datetimeFigureOut">
               <a:rPr lang="LID4096" smtClean="0"/>
-              <a:t>01/13/2025</a:t>
+              <a:t>01/14/2025</a:t>
             </a:fld>
             <a:endParaRPr lang="LID4096"/>
           </a:p>
@@ -2695,7 +2694,7 @@
           <a:p>
             <a:fld id="{830943F9-8AC6-4393-AEEF-D45C2A43C7C7}" type="datetimeFigureOut">
               <a:rPr lang="LID4096" smtClean="0"/>
-              <a:t>01/13/2025</a:t>
+              <a:t>01/14/2025</a:t>
             </a:fld>
             <a:endParaRPr lang="LID4096"/>
           </a:p>
@@ -2938,7 +2937,7 @@
           <a:p>
             <a:fld id="{830943F9-8AC6-4393-AEEF-D45C2A43C7C7}" type="datetimeFigureOut">
               <a:rPr lang="LID4096" smtClean="0"/>
-              <a:t>01/13/2025</a:t>
+              <a:t>01/14/2025</a:t>
             </a:fld>
             <a:endParaRPr lang="LID4096"/>
           </a:p>
@@ -4684,49 +4683,6 @@
           </a:p>
         </p:txBody>
       </p:sp>
-      <p:sp>
-        <p:nvSpPr>
-          <p:cNvPr id="25" name="TextBox 24">
-            <a:extLst>
-              <a:ext uri="{FF2B5EF4-FFF2-40B4-BE49-F238E27FC236}">
-                <a16:creationId xmlns:a16="http://schemas.microsoft.com/office/drawing/2014/main" id="{32B185A9-A194-3308-8A93-270B59715315}"/>
-              </a:ext>
-            </a:extLst>
-          </p:cNvPr>
-          <p:cNvSpPr txBox="1"/>
-          <p:nvPr/>
-        </p:nvSpPr>
-        <p:spPr>
-          <a:xfrm>
-            <a:off x="10290893" y="5038443"/>
-            <a:ext cx="659328" cy="523220"/>
-          </a:xfrm>
-          <a:prstGeom prst="rect">
-            <a:avLst/>
-          </a:prstGeom>
-          <a:noFill/>
-        </p:spPr>
-        <p:txBody>
-          <a:bodyPr wrap="square">
-            <a:spAutoFit/>
-          </a:bodyPr>
-          <a:lstStyle>
-            <a:defPPr>
-              <a:defRPr lang="LID4096"/>
-            </a:defPPr>
-            <a:lvl1pPr>
-              <a:defRPr sz="1100" b="1"/>
-            </a:lvl1pPr>
-          </a:lstStyle>
-          <a:p>
-            <a:r>
-              <a:rPr lang="en-US" sz="2800" dirty="0"/>
-              <a:t>02</a:t>
-            </a:r>
-            <a:endParaRPr lang="LID4096" sz="2800" dirty="0"/>
-          </a:p>
-        </p:txBody>
-      </p:sp>
       <p:pic>
         <p:nvPicPr>
           <p:cNvPr id="77" name="Picture 76">
@@ -6041,180 +5997,6 @@
           </a:prstGeom>
         </p:spPr>
       </p:pic>
-      <p:grpSp>
-        <p:nvGrpSpPr>
-          <p:cNvPr id="19" name="Group 18">
-            <a:extLst>
-              <a:ext uri="{FF2B5EF4-FFF2-40B4-BE49-F238E27FC236}">
-                <a16:creationId xmlns:a16="http://schemas.microsoft.com/office/drawing/2014/main" id="{E92A4977-0C72-5C65-CBE1-4FBF8B5E474F}"/>
-              </a:ext>
-            </a:extLst>
-          </p:cNvPr>
-          <p:cNvGrpSpPr/>
-          <p:nvPr/>
-        </p:nvGrpSpPr>
-        <p:grpSpPr>
-          <a:xfrm>
-            <a:off x="6702688" y="4523223"/>
-            <a:ext cx="4220969" cy="1855922"/>
-            <a:chOff x="7012215" y="4605024"/>
-            <a:chExt cx="4220969" cy="1855922"/>
-          </a:xfrm>
-        </p:grpSpPr>
-        <p:sp>
-          <p:nvSpPr>
-            <p:cNvPr id="140" name="TextBox 139">
-              <a:extLst>
-                <a:ext uri="{FF2B5EF4-FFF2-40B4-BE49-F238E27FC236}">
-                  <a16:creationId xmlns:a16="http://schemas.microsoft.com/office/drawing/2014/main" id="{2B07EE64-A8C7-241F-979A-4BB07683528C}"/>
-                </a:ext>
-              </a:extLst>
-            </p:cNvPr>
-            <p:cNvSpPr txBox="1"/>
-            <p:nvPr/>
-          </p:nvSpPr>
-          <p:spPr>
-            <a:xfrm>
-              <a:off x="9433700" y="5725753"/>
-              <a:ext cx="1799484" cy="646331"/>
-            </a:xfrm>
-            <a:prstGeom prst="rect">
-              <a:avLst/>
-            </a:prstGeom>
-            <a:noFill/>
-          </p:spPr>
-          <p:txBody>
-            <a:bodyPr wrap="square">
-              <a:spAutoFit/>
-            </a:bodyPr>
-            <a:lstStyle>
-              <a:defPPr>
-                <a:defRPr lang="LID4096"/>
-              </a:defPPr>
-              <a:lvl1pPr>
-                <a:defRPr sz="1100" b="1"/>
-              </a:lvl1pPr>
-            </a:lstStyle>
-            <a:p>
-              <a:r>
-                <a:rPr lang="en-US" sz="1800" dirty="0"/>
-                <a:t>… FloPy freyberg</a:t>
-              </a:r>
-            </a:p>
-            <a:p>
-              <a:r>
-                <a:rPr lang="en-US" sz="1800" dirty="0"/>
-                <a:t>… PstFrom</a:t>
-              </a:r>
-              <a:endParaRPr lang="LID4096" sz="1800" dirty="0"/>
-            </a:p>
-          </p:txBody>
-        </p:sp>
-        <p:pic>
-          <p:nvPicPr>
-            <p:cNvPr id="12" name="Picture 11">
-              <a:extLst>
-                <a:ext uri="{FF2B5EF4-FFF2-40B4-BE49-F238E27FC236}">
-                  <a16:creationId xmlns:a16="http://schemas.microsoft.com/office/drawing/2014/main" id="{C4AEE5F2-5257-5232-2610-DF1CA02B9732}"/>
-                </a:ext>
-              </a:extLst>
-            </p:cNvPr>
-            <p:cNvPicPr>
-              <a:picLocks noChangeAspect="1"/>
-            </p:cNvPicPr>
-            <p:nvPr/>
-          </p:nvPicPr>
-          <p:blipFill>
-            <a:blip r:embed="rId27"/>
-            <a:stretch>
-              <a:fillRect/>
-            </a:stretch>
-          </p:blipFill>
-          <p:spPr>
-            <a:xfrm>
-              <a:off x="7012215" y="4605024"/>
-              <a:ext cx="2028825" cy="1028700"/>
-            </a:xfrm>
-            <a:prstGeom prst="rect">
-              <a:avLst/>
-            </a:prstGeom>
-          </p:spPr>
-        </p:pic>
-        <p:pic>
-          <p:nvPicPr>
-            <p:cNvPr id="14" name="Picture 13">
-              <a:extLst>
-                <a:ext uri="{FF2B5EF4-FFF2-40B4-BE49-F238E27FC236}">
-                  <a16:creationId xmlns:a16="http://schemas.microsoft.com/office/drawing/2014/main" id="{2853E7E4-DD9C-10AC-1E74-EE238D6140E2}"/>
-                </a:ext>
-              </a:extLst>
-            </p:cNvPr>
-            <p:cNvPicPr>
-              <a:picLocks noChangeAspect="1"/>
-            </p:cNvPicPr>
-            <p:nvPr/>
-          </p:nvPicPr>
-          <p:blipFill>
-            <a:blip r:embed="rId28"/>
-            <a:stretch>
-              <a:fillRect/>
-            </a:stretch>
-          </p:blipFill>
-          <p:spPr>
-            <a:xfrm>
-              <a:off x="7886133" y="5203646"/>
-              <a:ext cx="1552575" cy="1257300"/>
-            </a:xfrm>
-            <a:prstGeom prst="rect">
-              <a:avLst/>
-            </a:prstGeom>
-          </p:spPr>
-        </p:pic>
-        <p:sp>
-          <p:nvSpPr>
-            <p:cNvPr id="17" name="Rectangle 16">
-              <a:extLst>
-                <a:ext uri="{FF2B5EF4-FFF2-40B4-BE49-F238E27FC236}">
-                  <a16:creationId xmlns:a16="http://schemas.microsoft.com/office/drawing/2014/main" id="{4B4C7AF8-36EC-576D-FF6A-532DBAD36AEA}"/>
-                </a:ext>
-              </a:extLst>
-            </p:cNvPr>
-            <p:cNvSpPr/>
-            <p:nvPr/>
-          </p:nvSpPr>
-          <p:spPr>
-            <a:xfrm>
-              <a:off x="7886133" y="5810978"/>
-              <a:ext cx="1656160" cy="213066"/>
-            </a:xfrm>
-            <a:prstGeom prst="rect">
-              <a:avLst/>
-            </a:prstGeom>
-            <a:noFill/>
-            <a:ln w="6350">
-              <a:solidFill>
-                <a:schemeClr val="tx1"/>
-              </a:solidFill>
-            </a:ln>
-            <a:effectLst>
-              <a:outerShdw blurRad="50800" dist="38100" dir="8100000" algn="tr" rotWithShape="0">
-                <a:prstClr val="black">
-                  <a:alpha val="40000"/>
-                </a:prstClr>
-              </a:outerShdw>
-            </a:effectLst>
-          </p:spPr>
-          <p:txBody>
-            <a:bodyPr wrap="none" anchor="ctr" anchorCtr="0">
-              <a:noAutofit/>
-            </a:bodyPr>
-            <a:lstStyle/>
-            <a:p>
-              <a:endParaRPr lang="LID4096" dirty="0"/>
-            </a:p>
-          </p:txBody>
-        </p:sp>
-      </p:grpSp>
       <p:pic>
         <p:nvPicPr>
           <p:cNvPr id="26" name="Picture 25">
@@ -6230,7 +6012,7 @@
           <p:nvPr/>
         </p:nvPicPr>
         <p:blipFill>
-          <a:blip r:embed="rId29">
+          <a:blip r:embed="rId27">
             <a:extLst>
               <a:ext uri="{28A0092B-C50C-407E-A947-70E740481C1C}">
                 <a14:useLocalDpi xmlns:a14="http://schemas.microsoft.com/office/drawing/2010/main" val="0"/>
@@ -6271,7 +6053,7 @@
           <p:nvPr/>
         </p:nvPicPr>
         <p:blipFill>
-          <a:blip r:embed="rId30"/>
+          <a:blip r:embed="rId28"/>
           <a:stretch>
             <a:fillRect/>
           </a:stretch>
@@ -6306,7 +6088,7 @@
           <p:nvPr/>
         </p:nvPicPr>
         <p:blipFill>
-          <a:blip r:embed="rId31"/>
+          <a:blip r:embed="rId29"/>
           <a:stretch>
             <a:fillRect/>
           </a:stretch>
@@ -6377,7 +6159,7 @@
           <p:nvPr/>
         </p:nvPicPr>
         <p:blipFill>
-          <a:blip r:embed="rId32"/>
+          <a:blip r:embed="rId30"/>
           <a:stretch>
             <a:fillRect/>
           </a:stretch>
@@ -6407,7 +6189,7 @@
           <p:nvPr/>
         </p:nvPicPr>
         <p:blipFill>
-          <a:blip r:embed="rId33"/>
+          <a:blip r:embed="rId31"/>
           <a:stretch>
             <a:fillRect/>
           </a:stretch>
@@ -6422,6 +6204,225 @@
           </a:prstGeom>
         </p:spPr>
       </p:pic>
+      <p:pic>
+        <p:nvPicPr>
+          <p:cNvPr id="7" name="Picture 6">
+            <a:extLst>
+              <a:ext uri="{FF2B5EF4-FFF2-40B4-BE49-F238E27FC236}">
+                <a16:creationId xmlns:a16="http://schemas.microsoft.com/office/drawing/2014/main" id="{B2125132-030A-82D8-C207-05CBAEEB1714}"/>
+              </a:ext>
+            </a:extLst>
+          </p:cNvPr>
+          <p:cNvPicPr>
+            <a:picLocks noChangeAspect="1"/>
+          </p:cNvPicPr>
+          <p:nvPr/>
+        </p:nvPicPr>
+        <p:blipFill>
+          <a:blip r:embed="rId32"/>
+          <a:stretch>
+            <a:fillRect/>
+          </a:stretch>
+        </p:blipFill>
+        <p:spPr>
+          <a:xfrm>
+            <a:off x="5324475" y="2728912"/>
+            <a:ext cx="1543050" cy="1400175"/>
+          </a:xfrm>
+          <a:prstGeom prst="rect">
+            <a:avLst/>
+          </a:prstGeom>
+        </p:spPr>
+      </p:pic>
+      <p:grpSp>
+        <p:nvGrpSpPr>
+          <p:cNvPr id="32" name="Group 31">
+            <a:extLst>
+              <a:ext uri="{FF2B5EF4-FFF2-40B4-BE49-F238E27FC236}">
+                <a16:creationId xmlns:a16="http://schemas.microsoft.com/office/drawing/2014/main" id="{ABF5003A-A3BD-BDF3-CA92-2E338C3FE78E}"/>
+              </a:ext>
+            </a:extLst>
+          </p:cNvPr>
+          <p:cNvGrpSpPr/>
+          <p:nvPr/>
+        </p:nvGrpSpPr>
+        <p:grpSpPr>
+          <a:xfrm>
+            <a:off x="8353586" y="4694980"/>
+            <a:ext cx="2824343" cy="1942734"/>
+            <a:chOff x="8353586" y="4694980"/>
+            <a:chExt cx="2824343" cy="1942734"/>
+          </a:xfrm>
+        </p:grpSpPr>
+        <p:grpSp>
+          <p:nvGrpSpPr>
+            <p:cNvPr id="19" name="Group 18">
+              <a:extLst>
+                <a:ext uri="{FF2B5EF4-FFF2-40B4-BE49-F238E27FC236}">
+                  <a16:creationId xmlns:a16="http://schemas.microsoft.com/office/drawing/2014/main" id="{E92A4977-0C72-5C65-CBE1-4FBF8B5E474F}"/>
+                </a:ext>
+              </a:extLst>
+            </p:cNvPr>
+            <p:cNvGrpSpPr/>
+            <p:nvPr/>
+          </p:nvGrpSpPr>
+          <p:grpSpPr>
+            <a:xfrm>
+              <a:off x="8353586" y="4694980"/>
+              <a:ext cx="2530078" cy="1855922"/>
+              <a:chOff x="7012215" y="4605024"/>
+              <a:chExt cx="2530078" cy="1855922"/>
+            </a:xfrm>
+          </p:grpSpPr>
+          <p:pic>
+            <p:nvPicPr>
+              <p:cNvPr id="12" name="Picture 11">
+                <a:extLst>
+                  <a:ext uri="{FF2B5EF4-FFF2-40B4-BE49-F238E27FC236}">
+                    <a16:creationId xmlns:a16="http://schemas.microsoft.com/office/drawing/2014/main" id="{C4AEE5F2-5257-5232-2610-DF1CA02B9732}"/>
+                  </a:ext>
+                </a:extLst>
+              </p:cNvPr>
+              <p:cNvPicPr>
+                <a:picLocks noChangeAspect="1"/>
+              </p:cNvPicPr>
+              <p:nvPr/>
+            </p:nvPicPr>
+            <p:blipFill>
+              <a:blip r:embed="rId33"/>
+              <a:stretch>
+                <a:fillRect/>
+              </a:stretch>
+            </p:blipFill>
+            <p:spPr>
+              <a:xfrm>
+                <a:off x="7012215" y="4605024"/>
+                <a:ext cx="2028825" cy="1028700"/>
+              </a:xfrm>
+              <a:prstGeom prst="rect">
+                <a:avLst/>
+              </a:prstGeom>
+            </p:spPr>
+          </p:pic>
+          <p:pic>
+            <p:nvPicPr>
+              <p:cNvPr id="14" name="Picture 13">
+                <a:extLst>
+                  <a:ext uri="{FF2B5EF4-FFF2-40B4-BE49-F238E27FC236}">
+                    <a16:creationId xmlns:a16="http://schemas.microsoft.com/office/drawing/2014/main" id="{2853E7E4-DD9C-10AC-1E74-EE238D6140E2}"/>
+                  </a:ext>
+                </a:extLst>
+              </p:cNvPr>
+              <p:cNvPicPr>
+                <a:picLocks noChangeAspect="1"/>
+              </p:cNvPicPr>
+              <p:nvPr/>
+            </p:nvPicPr>
+            <p:blipFill>
+              <a:blip r:embed="rId34"/>
+              <a:stretch>
+                <a:fillRect/>
+              </a:stretch>
+            </p:blipFill>
+            <p:spPr>
+              <a:xfrm>
+                <a:off x="7886133" y="5203646"/>
+                <a:ext cx="1552575" cy="1257300"/>
+              </a:xfrm>
+              <a:prstGeom prst="rect">
+                <a:avLst/>
+              </a:prstGeom>
+            </p:spPr>
+          </p:pic>
+          <p:sp>
+            <p:nvSpPr>
+              <p:cNvPr id="17" name="Rectangle 16">
+                <a:extLst>
+                  <a:ext uri="{FF2B5EF4-FFF2-40B4-BE49-F238E27FC236}">
+                    <a16:creationId xmlns:a16="http://schemas.microsoft.com/office/drawing/2014/main" id="{4B4C7AF8-36EC-576D-FF6A-532DBAD36AEA}"/>
+                  </a:ext>
+                </a:extLst>
+              </p:cNvPr>
+              <p:cNvSpPr/>
+              <p:nvPr/>
+            </p:nvSpPr>
+            <p:spPr>
+              <a:xfrm>
+                <a:off x="7886133" y="5810978"/>
+                <a:ext cx="1656160" cy="213066"/>
+              </a:xfrm>
+              <a:prstGeom prst="rect">
+                <a:avLst/>
+              </a:prstGeom>
+              <a:noFill/>
+              <a:ln w="6350">
+                <a:solidFill>
+                  <a:schemeClr val="tx1"/>
+                </a:solidFill>
+              </a:ln>
+              <a:effectLst>
+                <a:outerShdw blurRad="50800" dist="38100" dir="8100000" algn="tr" rotWithShape="0">
+                  <a:prstClr val="black">
+                    <a:alpha val="40000"/>
+                  </a:prstClr>
+                </a:outerShdw>
+              </a:effectLst>
+            </p:spPr>
+            <p:txBody>
+              <a:bodyPr wrap="none" anchor="ctr" anchorCtr="0">
+                <a:noAutofit/>
+              </a:bodyPr>
+              <a:lstStyle/>
+              <a:p>
+                <a:endParaRPr lang="LID4096" dirty="0"/>
+              </a:p>
+            </p:txBody>
+          </p:sp>
+        </p:grpSp>
+        <p:sp>
+          <p:nvSpPr>
+            <p:cNvPr id="27" name="TextBox 26">
+              <a:extLst>
+                <a:ext uri="{FF2B5EF4-FFF2-40B4-BE49-F238E27FC236}">
+                  <a16:creationId xmlns:a16="http://schemas.microsoft.com/office/drawing/2014/main" id="{32B185A9-A194-3308-8A93-270B59715315}"/>
+                </a:ext>
+              </a:extLst>
+            </p:cNvPr>
+            <p:cNvSpPr txBox="1"/>
+            <p:nvPr/>
+          </p:nvSpPr>
+          <p:spPr>
+            <a:xfrm>
+              <a:off x="10518601" y="6114494"/>
+              <a:ext cx="659328" cy="523220"/>
+            </a:xfrm>
+            <a:prstGeom prst="rect">
+              <a:avLst/>
+            </a:prstGeom>
+            <a:noFill/>
+          </p:spPr>
+          <p:txBody>
+            <a:bodyPr wrap="square">
+              <a:spAutoFit/>
+            </a:bodyPr>
+            <a:lstStyle>
+              <a:defPPr>
+                <a:defRPr lang="LID4096"/>
+              </a:defPPr>
+              <a:lvl1pPr>
+                <a:defRPr sz="1100" b="1"/>
+              </a:lvl1pPr>
+            </a:lstStyle>
+            <a:p>
+              <a:r>
+                <a:rPr lang="en-US" sz="2800" dirty="0"/>
+                <a:t>02</a:t>
+              </a:r>
+              <a:endParaRPr lang="LID4096" sz="2800" dirty="0"/>
+            </a:p>
+          </p:txBody>
+        </p:sp>
+      </p:grpSp>
     </p:spTree>
     <p:extLst>
       <p:ext uri="{BB962C8B-B14F-4D97-AF65-F5344CB8AC3E}">
@@ -8845,6 +8846,2336 @@
 </file>
 
 <file path=ppt/slides/slide4.xml><?xml version="1.0" encoding="utf-8"?>
+<p:sld xmlns:a="http://schemas.openxmlformats.org/drawingml/2006/main" xmlns:r="http://schemas.openxmlformats.org/officeDocument/2006/relationships" xmlns:p="http://schemas.openxmlformats.org/presentationml/2006/main">
+  <p:cSld>
+    <p:spTree>
+      <p:nvGrpSpPr>
+        <p:cNvPr id="1" name=""/>
+        <p:cNvGrpSpPr/>
+        <p:nvPr/>
+      </p:nvGrpSpPr>
+      <p:grpSpPr>
+        <a:xfrm>
+          <a:off x="0" y="0"/>
+          <a:ext cx="0" cy="0"/>
+          <a:chOff x="0" y="0"/>
+          <a:chExt cx="0" cy="0"/>
+        </a:xfrm>
+      </p:grpSpPr>
+      <p:grpSp>
+        <p:nvGrpSpPr>
+          <p:cNvPr id="40" name="Group 39">
+            <a:extLst>
+              <a:ext uri="{FF2B5EF4-FFF2-40B4-BE49-F238E27FC236}">
+                <a16:creationId xmlns:a16="http://schemas.microsoft.com/office/drawing/2014/main" id="{B940F550-241D-A68B-75AC-F9664BF850D3}"/>
+              </a:ext>
+            </a:extLst>
+          </p:cNvPr>
+          <p:cNvGrpSpPr/>
+          <p:nvPr/>
+        </p:nvGrpSpPr>
+        <p:grpSpPr>
+          <a:xfrm>
+            <a:off x="125598" y="76665"/>
+            <a:ext cx="1919943" cy="1028700"/>
+            <a:chOff x="125598" y="76665"/>
+            <a:chExt cx="1919943" cy="1028700"/>
+          </a:xfrm>
+        </p:grpSpPr>
+        <p:pic>
+          <p:nvPicPr>
+            <p:cNvPr id="163" name="Picture 162">
+              <a:extLst>
+                <a:ext uri="{FF2B5EF4-FFF2-40B4-BE49-F238E27FC236}">
+                  <a16:creationId xmlns:a16="http://schemas.microsoft.com/office/drawing/2014/main" id="{5546B4FE-2BB7-BB02-886F-42BD11CD1E9C}"/>
+                </a:ext>
+              </a:extLst>
+            </p:cNvPr>
+            <p:cNvPicPr>
+              <a:picLocks noChangeAspect="1"/>
+            </p:cNvPicPr>
+            <p:nvPr/>
+          </p:nvPicPr>
+          <p:blipFill>
+            <a:blip r:embed="rId2"/>
+            <a:srcRect r="53369"/>
+            <a:stretch/>
+          </p:blipFill>
+          <p:spPr>
+            <a:xfrm>
+              <a:off x="125598" y="76665"/>
+              <a:ext cx="941616" cy="1028700"/>
+            </a:xfrm>
+            <a:prstGeom prst="rect">
+              <a:avLst/>
+            </a:prstGeom>
+          </p:spPr>
+        </p:pic>
+        <p:sp>
+          <p:nvSpPr>
+            <p:cNvPr id="165" name="Rectangle 164">
+              <a:extLst>
+                <a:ext uri="{FF2B5EF4-FFF2-40B4-BE49-F238E27FC236}">
+                  <a16:creationId xmlns:a16="http://schemas.microsoft.com/office/drawing/2014/main" id="{E83D2FC6-6D62-F712-166B-BBC6BFC4B11C}"/>
+                </a:ext>
+              </a:extLst>
+            </p:cNvPr>
+            <p:cNvSpPr/>
+            <p:nvPr/>
+          </p:nvSpPr>
+          <p:spPr>
+            <a:xfrm>
+              <a:off x="129322" y="79497"/>
+              <a:ext cx="1916219" cy="1019573"/>
+            </a:xfrm>
+            <a:prstGeom prst="rect">
+              <a:avLst/>
+            </a:prstGeom>
+            <a:noFill/>
+            <a:ln w="6350">
+              <a:solidFill>
+                <a:srgbClr val="0000FF"/>
+              </a:solidFill>
+            </a:ln>
+            <a:effectLst>
+              <a:outerShdw blurRad="50800" dist="38100" dir="8100000" algn="tr" rotWithShape="0">
+                <a:prstClr val="black">
+                  <a:alpha val="40000"/>
+                </a:prstClr>
+              </a:outerShdw>
+            </a:effectLst>
+          </p:spPr>
+          <p:txBody>
+            <a:bodyPr wrap="none" anchor="ctr" anchorCtr="0">
+              <a:noAutofit/>
+            </a:bodyPr>
+            <a:lstStyle/>
+            <a:p>
+              <a:endParaRPr lang="LID4096"/>
+            </a:p>
+          </p:txBody>
+        </p:sp>
+        <p:sp>
+          <p:nvSpPr>
+            <p:cNvPr id="38" name="Rectangle 37">
+              <a:extLst>
+                <a:ext uri="{FF2B5EF4-FFF2-40B4-BE49-F238E27FC236}">
+                  <a16:creationId xmlns:a16="http://schemas.microsoft.com/office/drawing/2014/main" id="{B2868757-8D17-2A29-8B10-9154FC4D2C63}"/>
+                </a:ext>
+              </a:extLst>
+            </p:cNvPr>
+            <p:cNvSpPr/>
+            <p:nvPr/>
+          </p:nvSpPr>
+          <p:spPr>
+            <a:xfrm>
+              <a:off x="125598" y="281279"/>
+              <a:ext cx="1916220" cy="796334"/>
+            </a:xfrm>
+            <a:prstGeom prst="rect">
+              <a:avLst/>
+            </a:prstGeom>
+            <a:solidFill>
+              <a:srgbClr val="FFF2CC">
+                <a:alpha val="80000"/>
+              </a:srgbClr>
+            </a:solidFill>
+            <a:ln>
+              <a:noFill/>
+            </a:ln>
+          </p:spPr>
+          <p:style>
+            <a:lnRef idx="2">
+              <a:schemeClr val="accent1">
+                <a:shade val="15000"/>
+              </a:schemeClr>
+            </a:lnRef>
+            <a:fillRef idx="1">
+              <a:schemeClr val="accent1"/>
+            </a:fillRef>
+            <a:effectRef idx="0">
+              <a:schemeClr val="accent1"/>
+            </a:effectRef>
+            <a:fontRef idx="minor">
+              <a:schemeClr val="lt1"/>
+            </a:fontRef>
+          </p:style>
+          <p:txBody>
+            <a:bodyPr rtlCol="0" anchor="ctr"/>
+            <a:lstStyle/>
+            <a:p>
+              <a:pPr algn="ctr"/>
+              <a:endParaRPr lang="LID4096"/>
+            </a:p>
+          </p:txBody>
+        </p:sp>
+      </p:grpSp>
+      <p:grpSp>
+        <p:nvGrpSpPr>
+          <p:cNvPr id="134" name="Group 133">
+            <a:extLst>
+              <a:ext uri="{FF2B5EF4-FFF2-40B4-BE49-F238E27FC236}">
+                <a16:creationId xmlns:a16="http://schemas.microsoft.com/office/drawing/2014/main" id="{7459E8E5-B4A5-5AA5-4D97-2F5EFDFC8D20}"/>
+              </a:ext>
+            </a:extLst>
+          </p:cNvPr>
+          <p:cNvGrpSpPr/>
+          <p:nvPr/>
+        </p:nvGrpSpPr>
+        <p:grpSpPr>
+          <a:xfrm>
+            <a:off x="125598" y="1215172"/>
+            <a:ext cx="3496287" cy="806330"/>
+            <a:chOff x="5395878" y="183643"/>
+            <a:chExt cx="3496287" cy="806330"/>
+          </a:xfrm>
+        </p:grpSpPr>
+        <p:pic>
+          <p:nvPicPr>
+            <p:cNvPr id="30" name="Picture 29">
+              <a:extLst>
+                <a:ext uri="{FF2B5EF4-FFF2-40B4-BE49-F238E27FC236}">
+                  <a16:creationId xmlns:a16="http://schemas.microsoft.com/office/drawing/2014/main" id="{CA383C92-4F8D-C21F-6189-C9867C123B50}"/>
+                </a:ext>
+              </a:extLst>
+            </p:cNvPr>
+            <p:cNvPicPr>
+              <a:picLocks noChangeAspect="1"/>
+            </p:cNvPicPr>
+            <p:nvPr/>
+          </p:nvPicPr>
+          <p:blipFill>
+            <a:blip r:embed="rId3"/>
+            <a:stretch>
+              <a:fillRect/>
+            </a:stretch>
+          </p:blipFill>
+          <p:spPr>
+            <a:xfrm>
+              <a:off x="5395878" y="183643"/>
+              <a:ext cx="2647950" cy="209550"/>
+            </a:xfrm>
+            <a:prstGeom prst="rect">
+              <a:avLst/>
+            </a:prstGeom>
+          </p:spPr>
+        </p:pic>
+        <p:pic>
+          <p:nvPicPr>
+            <p:cNvPr id="34" name="Picture 33">
+              <a:extLst>
+                <a:ext uri="{FF2B5EF4-FFF2-40B4-BE49-F238E27FC236}">
+                  <a16:creationId xmlns:a16="http://schemas.microsoft.com/office/drawing/2014/main" id="{EC367468-DE37-7A1C-FC82-A78B059418C4}"/>
+                </a:ext>
+              </a:extLst>
+            </p:cNvPr>
+            <p:cNvPicPr>
+              <a:picLocks noChangeAspect="1"/>
+            </p:cNvPicPr>
+            <p:nvPr/>
+          </p:nvPicPr>
+          <p:blipFill>
+            <a:blip r:embed="rId4"/>
+            <a:stretch>
+              <a:fillRect/>
+            </a:stretch>
+          </p:blipFill>
+          <p:spPr>
+            <a:xfrm>
+              <a:off x="5539365" y="392442"/>
+              <a:ext cx="3352800" cy="219075"/>
+            </a:xfrm>
+            <a:prstGeom prst="rect">
+              <a:avLst/>
+            </a:prstGeom>
+          </p:spPr>
+        </p:pic>
+        <p:pic>
+          <p:nvPicPr>
+            <p:cNvPr id="39" name="Picture 38">
+              <a:extLst>
+                <a:ext uri="{FF2B5EF4-FFF2-40B4-BE49-F238E27FC236}">
+                  <a16:creationId xmlns:a16="http://schemas.microsoft.com/office/drawing/2014/main" id="{C05A62A7-F689-55E9-B009-C8BBCD2EF77F}"/>
+                </a:ext>
+              </a:extLst>
+            </p:cNvPr>
+            <p:cNvPicPr>
+              <a:picLocks noChangeAspect="1"/>
+            </p:cNvPicPr>
+            <p:nvPr/>
+          </p:nvPicPr>
+          <p:blipFill>
+            <a:blip r:embed="rId5"/>
+            <a:stretch>
+              <a:fillRect/>
+            </a:stretch>
+          </p:blipFill>
+          <p:spPr>
+            <a:xfrm>
+              <a:off x="5625047" y="561348"/>
+              <a:ext cx="1828800" cy="428625"/>
+            </a:xfrm>
+            <a:prstGeom prst="rect">
+              <a:avLst/>
+            </a:prstGeom>
+          </p:spPr>
+        </p:pic>
+        <p:sp>
+          <p:nvSpPr>
+            <p:cNvPr id="44" name="TextBox 43">
+              <a:extLst>
+                <a:ext uri="{FF2B5EF4-FFF2-40B4-BE49-F238E27FC236}">
+                  <a16:creationId xmlns:a16="http://schemas.microsoft.com/office/drawing/2014/main" id="{3AEC3FF2-F6FD-DB99-DCFA-28647C40D707}"/>
+                </a:ext>
+              </a:extLst>
+            </p:cNvPr>
+            <p:cNvSpPr txBox="1"/>
+            <p:nvPr/>
+          </p:nvSpPr>
+          <p:spPr>
+            <a:xfrm>
+              <a:off x="8077743" y="710505"/>
+              <a:ext cx="369061" cy="279468"/>
+            </a:xfrm>
+            <a:prstGeom prst="rect">
+              <a:avLst/>
+            </a:prstGeom>
+            <a:solidFill>
+              <a:srgbClr val="93E3FF"/>
+            </a:solidFill>
+          </p:spPr>
+          <p:txBody>
+            <a:bodyPr wrap="none" lIns="0" tIns="0" rIns="0" bIns="0" rtlCol="0" anchor="ctr" anchorCtr="0">
+              <a:noAutofit/>
+            </a:bodyPr>
+            <a:lstStyle>
+              <a:defPPr>
+                <a:defRPr lang="LID4096"/>
+              </a:defPPr>
+              <a:lvl1pPr algn="ctr">
+                <a:defRPr sz="1100" b="1">
+                  <a:latin typeface="Calibri bold" panose="020F0702030404030204" pitchFamily="34" charset="0"/>
+                  <a:cs typeface="Calibri bold" panose="020F0702030404030204" pitchFamily="34" charset="0"/>
+                </a:defRPr>
+              </a:lvl1pPr>
+            </a:lstStyle>
+            <a:p>
+              <a:r>
+                <a:rPr lang="pt-BR" dirty="0"/>
+                <a:t>S1 </a:t>
+              </a:r>
+              <a:endParaRPr lang="LID4096" dirty="0"/>
+            </a:p>
+          </p:txBody>
+        </p:sp>
+        <p:sp>
+          <p:nvSpPr>
+            <p:cNvPr id="78" name="TextBox 77">
+              <a:extLst>
+                <a:ext uri="{FF2B5EF4-FFF2-40B4-BE49-F238E27FC236}">
+                  <a16:creationId xmlns:a16="http://schemas.microsoft.com/office/drawing/2014/main" id="{DB1A1129-9174-6A90-3B2B-A65C0EC77712}"/>
+                </a:ext>
+              </a:extLst>
+            </p:cNvPr>
+            <p:cNvSpPr txBox="1">
+              <a:spLocks noChangeAspect="1"/>
+            </p:cNvSpPr>
+            <p:nvPr/>
+          </p:nvSpPr>
+          <p:spPr>
+            <a:xfrm>
+              <a:off x="8077743" y="188506"/>
+              <a:ext cx="369061" cy="136632"/>
+            </a:xfrm>
+            <a:prstGeom prst="rect">
+              <a:avLst/>
+            </a:prstGeom>
+            <a:solidFill>
+              <a:schemeClr val="bg1">
+                <a:lumMod val="85000"/>
+              </a:schemeClr>
+            </a:solidFill>
+          </p:spPr>
+          <p:txBody>
+            <a:bodyPr wrap="none" lIns="0" tIns="0" rIns="0" bIns="0" anchor="ctr" anchorCtr="0">
+              <a:noAutofit/>
+            </a:bodyPr>
+            <a:lstStyle/>
+            <a:p>
+              <a:pPr algn="ctr"/>
+              <a:r>
+                <a:rPr lang="pt-BR" sz="1200" b="1" dirty="0"/>
+                <a:t>2_01</a:t>
+              </a:r>
+              <a:endParaRPr lang="LID4096" sz="1200" b="1" dirty="0"/>
+            </a:p>
+          </p:txBody>
+        </p:sp>
+      </p:grpSp>
+      <p:pic>
+        <p:nvPicPr>
+          <p:cNvPr id="105" name="Picture 104">
+            <a:extLst>
+              <a:ext uri="{FF2B5EF4-FFF2-40B4-BE49-F238E27FC236}">
+                <a16:creationId xmlns:a16="http://schemas.microsoft.com/office/drawing/2014/main" id="{0E47D66D-5E0C-DFFD-A12F-84C7535A71B2}"/>
+              </a:ext>
+            </a:extLst>
+          </p:cNvPr>
+          <p:cNvPicPr>
+            <a:picLocks noChangeAspect="1"/>
+          </p:cNvPicPr>
+          <p:nvPr/>
+        </p:nvPicPr>
+        <p:blipFill>
+          <a:blip r:embed="rId6"/>
+          <a:srcRect r="12284"/>
+          <a:stretch/>
+        </p:blipFill>
+        <p:spPr>
+          <a:xfrm>
+            <a:off x="9948346" y="3895104"/>
+            <a:ext cx="1754541" cy="800100"/>
+          </a:xfrm>
+          <a:prstGeom prst="rect">
+            <a:avLst/>
+          </a:prstGeom>
+          <a:noFill/>
+          <a:ln w="3175">
+            <a:solidFill>
+              <a:schemeClr val="tx1"/>
+            </a:solidFill>
+          </a:ln>
+          <a:effectLst>
+            <a:outerShdw blurRad="50800" dist="38100" dir="8100000" algn="tr" rotWithShape="0">
+              <a:prstClr val="black">
+                <a:alpha val="40000"/>
+              </a:prstClr>
+            </a:outerShdw>
+          </a:effectLst>
+        </p:spPr>
+      </p:pic>
+      <p:pic>
+        <p:nvPicPr>
+          <p:cNvPr id="107" name="Picture 106">
+            <a:extLst>
+              <a:ext uri="{FF2B5EF4-FFF2-40B4-BE49-F238E27FC236}">
+                <a16:creationId xmlns:a16="http://schemas.microsoft.com/office/drawing/2014/main" id="{AC55FCA2-C8E0-293D-9EBD-BAFACCE595C0}"/>
+              </a:ext>
+            </a:extLst>
+          </p:cNvPr>
+          <p:cNvPicPr>
+            <a:picLocks noChangeAspect="1"/>
+          </p:cNvPicPr>
+          <p:nvPr/>
+        </p:nvPicPr>
+        <p:blipFill>
+          <a:blip r:embed="rId7"/>
+          <a:srcRect l="2155" r="1"/>
+          <a:stretch/>
+        </p:blipFill>
+        <p:spPr>
+          <a:xfrm>
+            <a:off x="9921333" y="1428380"/>
+            <a:ext cx="2218096" cy="2409825"/>
+          </a:xfrm>
+          <a:prstGeom prst="rect">
+            <a:avLst/>
+          </a:prstGeom>
+          <a:noFill/>
+          <a:ln w="3175">
+            <a:solidFill>
+              <a:schemeClr val="tx1"/>
+            </a:solidFill>
+          </a:ln>
+          <a:effectLst>
+            <a:outerShdw blurRad="50800" dist="38100" dir="8100000" algn="tr" rotWithShape="0">
+              <a:prstClr val="black">
+                <a:alpha val="40000"/>
+              </a:prstClr>
+            </a:outerShdw>
+          </a:effectLst>
+        </p:spPr>
+      </p:pic>
+      <p:grpSp>
+        <p:nvGrpSpPr>
+          <p:cNvPr id="111" name="Group 110">
+            <a:extLst>
+              <a:ext uri="{FF2B5EF4-FFF2-40B4-BE49-F238E27FC236}">
+                <a16:creationId xmlns:a16="http://schemas.microsoft.com/office/drawing/2014/main" id="{08DC3186-CC44-A3E7-3E54-B94638787832}"/>
+              </a:ext>
+            </a:extLst>
+          </p:cNvPr>
+          <p:cNvGrpSpPr/>
+          <p:nvPr/>
+        </p:nvGrpSpPr>
+        <p:grpSpPr>
+          <a:xfrm>
+            <a:off x="9948346" y="4761446"/>
+            <a:ext cx="1590675" cy="1981200"/>
+            <a:chOff x="9803122" y="306081"/>
+            <a:chExt cx="1590675" cy="1981200"/>
+          </a:xfrm>
+        </p:grpSpPr>
+        <p:pic>
+          <p:nvPicPr>
+            <p:cNvPr id="109" name="Picture 108">
+              <a:extLst>
+                <a:ext uri="{FF2B5EF4-FFF2-40B4-BE49-F238E27FC236}">
+                  <a16:creationId xmlns:a16="http://schemas.microsoft.com/office/drawing/2014/main" id="{4C6FAC17-DBC2-7E5D-00FB-DC87EF8C25C2}"/>
+                </a:ext>
+              </a:extLst>
+            </p:cNvPr>
+            <p:cNvPicPr>
+              <a:picLocks noChangeAspect="1"/>
+            </p:cNvPicPr>
+            <p:nvPr/>
+          </p:nvPicPr>
+          <p:blipFill>
+            <a:blip r:embed="rId8"/>
+            <a:stretch>
+              <a:fillRect/>
+            </a:stretch>
+          </p:blipFill>
+          <p:spPr>
+            <a:xfrm>
+              <a:off x="9803122" y="306081"/>
+              <a:ext cx="1590675" cy="1981200"/>
+            </a:xfrm>
+            <a:prstGeom prst="rect">
+              <a:avLst/>
+            </a:prstGeom>
+            <a:noFill/>
+            <a:ln w="3175">
+              <a:solidFill>
+                <a:schemeClr val="tx1"/>
+              </a:solidFill>
+            </a:ln>
+            <a:effectLst>
+              <a:outerShdw blurRad="50800" dist="38100" dir="8100000" algn="tr" rotWithShape="0">
+                <a:prstClr val="black">
+                  <a:alpha val="40000"/>
+                </a:prstClr>
+              </a:outerShdw>
+            </a:effectLst>
+          </p:spPr>
+        </p:pic>
+        <p:sp>
+          <p:nvSpPr>
+            <p:cNvPr id="110" name="Rectangle 109">
+              <a:extLst>
+                <a:ext uri="{FF2B5EF4-FFF2-40B4-BE49-F238E27FC236}">
+                  <a16:creationId xmlns:a16="http://schemas.microsoft.com/office/drawing/2014/main" id="{475B251B-918B-6B1F-9547-BEEB513C393E}"/>
+                </a:ext>
+              </a:extLst>
+            </p:cNvPr>
+            <p:cNvSpPr/>
+            <p:nvPr/>
+          </p:nvSpPr>
+          <p:spPr>
+            <a:xfrm>
+              <a:off x="9846804" y="699562"/>
+              <a:ext cx="1189469" cy="206273"/>
+            </a:xfrm>
+            <a:prstGeom prst="rect">
+              <a:avLst/>
+            </a:prstGeom>
+            <a:noFill/>
+            <a:ln w="6350">
+              <a:solidFill>
+                <a:schemeClr val="tx1"/>
+              </a:solidFill>
+            </a:ln>
+            <a:effectLst>
+              <a:outerShdw blurRad="50800" dist="38100" dir="8100000" algn="tr" rotWithShape="0">
+                <a:prstClr val="black">
+                  <a:alpha val="40000"/>
+                </a:prstClr>
+              </a:outerShdw>
+            </a:effectLst>
+          </p:spPr>
+          <p:txBody>
+            <a:bodyPr wrap="none" anchor="ctr" anchorCtr="0">
+              <a:noAutofit/>
+            </a:bodyPr>
+            <a:lstStyle/>
+            <a:p>
+              <a:endParaRPr lang="LID4096" dirty="0"/>
+            </a:p>
+          </p:txBody>
+        </p:sp>
+      </p:grpSp>
+      <p:sp>
+        <p:nvSpPr>
+          <p:cNvPr id="112" name="TextBox 111">
+            <a:extLst>
+              <a:ext uri="{FF2B5EF4-FFF2-40B4-BE49-F238E27FC236}">
+                <a16:creationId xmlns:a16="http://schemas.microsoft.com/office/drawing/2014/main" id="{F7197B7E-8186-184B-C850-746DF6A3F2EE}"/>
+              </a:ext>
+            </a:extLst>
+          </p:cNvPr>
+          <p:cNvSpPr txBox="1"/>
+          <p:nvPr/>
+        </p:nvSpPr>
+        <p:spPr>
+          <a:xfrm>
+            <a:off x="11144850" y="6419480"/>
+            <a:ext cx="334635" cy="276999"/>
+          </a:xfrm>
+          <a:prstGeom prst="rect">
+            <a:avLst/>
+          </a:prstGeom>
+          <a:noFill/>
+        </p:spPr>
+        <p:txBody>
+          <a:bodyPr wrap="square" lIns="0" tIns="0" rIns="0" bIns="0" anchor="ctr" anchorCtr="0">
+            <a:spAutoFit/>
+          </a:bodyPr>
+          <a:lstStyle>
+            <a:defPPr>
+              <a:defRPr lang="LID4096"/>
+            </a:defPPr>
+            <a:lvl1pPr>
+              <a:defRPr sz="1100" b="1"/>
+            </a:lvl1pPr>
+          </a:lstStyle>
+          <a:p>
+            <a:pPr algn="ctr"/>
+            <a:r>
+              <a:rPr lang="en-US" sz="1800" dirty="0"/>
+              <a:t>a</a:t>
+            </a:r>
+            <a:endParaRPr lang="LID4096" sz="1800" dirty="0"/>
+          </a:p>
+        </p:txBody>
+      </p:sp>
+      <p:sp>
+        <p:nvSpPr>
+          <p:cNvPr id="113" name="TextBox 112">
+            <a:extLst>
+              <a:ext uri="{FF2B5EF4-FFF2-40B4-BE49-F238E27FC236}">
+                <a16:creationId xmlns:a16="http://schemas.microsoft.com/office/drawing/2014/main" id="{A55CCC37-E5AE-364C-DAFF-CFD0C725CC5F}"/>
+              </a:ext>
+            </a:extLst>
+          </p:cNvPr>
+          <p:cNvSpPr txBox="1"/>
+          <p:nvPr/>
+        </p:nvSpPr>
+        <p:spPr>
+          <a:xfrm>
+            <a:off x="11357698" y="4402837"/>
+            <a:ext cx="212848" cy="276999"/>
+          </a:xfrm>
+          <a:prstGeom prst="rect">
+            <a:avLst/>
+          </a:prstGeom>
+          <a:noFill/>
+        </p:spPr>
+        <p:txBody>
+          <a:bodyPr wrap="square" lIns="0" tIns="0" rIns="0" bIns="0" anchor="ctr" anchorCtr="0">
+            <a:spAutoFit/>
+          </a:bodyPr>
+          <a:lstStyle>
+            <a:defPPr>
+              <a:defRPr lang="LID4096"/>
+            </a:defPPr>
+            <a:lvl1pPr>
+              <a:defRPr sz="1100" b="1"/>
+            </a:lvl1pPr>
+          </a:lstStyle>
+          <a:p>
+            <a:pPr algn="ctr"/>
+            <a:r>
+              <a:rPr lang="en-US" sz="1800" dirty="0"/>
+              <a:t>b</a:t>
+            </a:r>
+            <a:endParaRPr lang="LID4096" sz="1800" dirty="0"/>
+          </a:p>
+        </p:txBody>
+      </p:sp>
+      <p:sp>
+        <p:nvSpPr>
+          <p:cNvPr id="114" name="TextBox 113">
+            <a:extLst>
+              <a:ext uri="{FF2B5EF4-FFF2-40B4-BE49-F238E27FC236}">
+                <a16:creationId xmlns:a16="http://schemas.microsoft.com/office/drawing/2014/main" id="{6BD44752-E82B-1723-0182-EFA1DC13FC61}"/>
+              </a:ext>
+            </a:extLst>
+          </p:cNvPr>
+          <p:cNvSpPr txBox="1"/>
+          <p:nvPr/>
+        </p:nvSpPr>
+        <p:spPr>
+          <a:xfrm>
+            <a:off x="11918746" y="3551493"/>
+            <a:ext cx="212848" cy="276999"/>
+          </a:xfrm>
+          <a:prstGeom prst="rect">
+            <a:avLst/>
+          </a:prstGeom>
+          <a:noFill/>
+        </p:spPr>
+        <p:txBody>
+          <a:bodyPr wrap="square" lIns="0" tIns="0" rIns="0" bIns="0" anchor="ctr" anchorCtr="0">
+            <a:spAutoFit/>
+          </a:bodyPr>
+          <a:lstStyle>
+            <a:defPPr>
+              <a:defRPr lang="LID4096"/>
+            </a:defPPr>
+            <a:lvl1pPr>
+              <a:defRPr sz="1100" b="1"/>
+            </a:lvl1pPr>
+          </a:lstStyle>
+          <a:p>
+            <a:r>
+              <a:rPr lang="en-US" sz="1800" dirty="0"/>
+              <a:t>c</a:t>
+            </a:r>
+            <a:endParaRPr lang="LID4096" sz="1800" dirty="0"/>
+          </a:p>
+        </p:txBody>
+      </p:sp>
+      <p:sp>
+        <p:nvSpPr>
+          <p:cNvPr id="115" name="TextBox 114">
+            <a:extLst>
+              <a:ext uri="{FF2B5EF4-FFF2-40B4-BE49-F238E27FC236}">
+                <a16:creationId xmlns:a16="http://schemas.microsoft.com/office/drawing/2014/main" id="{1E59F847-8B37-AD84-C8CF-9D4CB64C5217}"/>
+              </a:ext>
+            </a:extLst>
+          </p:cNvPr>
+          <p:cNvSpPr txBox="1"/>
+          <p:nvPr/>
+        </p:nvSpPr>
+        <p:spPr>
+          <a:xfrm>
+            <a:off x="9989018" y="250542"/>
+            <a:ext cx="871539" cy="1077218"/>
+          </a:xfrm>
+          <a:prstGeom prst="rect">
+            <a:avLst/>
+          </a:prstGeom>
+          <a:noFill/>
+        </p:spPr>
+        <p:txBody>
+          <a:bodyPr wrap="square" lIns="0" tIns="0" rIns="0" bIns="0" anchor="ctr" anchorCtr="0">
+            <a:spAutoFit/>
+          </a:bodyPr>
+          <a:lstStyle>
+            <a:defPPr>
+              <a:defRPr lang="LID4096"/>
+            </a:defPPr>
+            <a:lvl1pPr>
+              <a:defRPr sz="1100" b="1"/>
+            </a:lvl1pPr>
+          </a:lstStyle>
+          <a:p>
+            <a:r>
+              <a:rPr lang="en-US" sz="1400" dirty="0">
+                <a:solidFill>
+                  <a:srgbClr val="0000FF"/>
+                </a:solidFill>
+              </a:rPr>
+              <a:t>…</a:t>
+            </a:r>
+          </a:p>
+          <a:p>
+            <a:r>
+              <a:rPr lang="en-US" sz="1400" dirty="0">
+                <a:solidFill>
+                  <a:srgbClr val="0000FF"/>
+                </a:solidFill>
+              </a:rPr>
+              <a:t>__</a:t>
+            </a:r>
+            <a:r>
+              <a:rPr lang="en-US" sz="1400" dirty="0" err="1">
+                <a:solidFill>
+                  <a:srgbClr val="0000FF"/>
+                </a:solidFill>
+              </a:rPr>
+              <a:t>ic</a:t>
+            </a:r>
+            <a:endParaRPr lang="en-US" sz="1400" dirty="0">
+              <a:solidFill>
+                <a:srgbClr val="0000FF"/>
+              </a:solidFill>
+            </a:endParaRPr>
+          </a:p>
+          <a:p>
+            <a:r>
+              <a:rPr lang="en-US" sz="1400" dirty="0">
+                <a:solidFill>
+                  <a:srgbClr val="0000FF"/>
+                </a:solidFill>
+              </a:rPr>
+              <a:t>__rch</a:t>
+            </a:r>
+          </a:p>
+          <a:p>
+            <a:r>
+              <a:rPr lang="en-US" sz="1400" dirty="0">
+                <a:solidFill>
+                  <a:srgbClr val="0000FF"/>
+                </a:solidFill>
+              </a:rPr>
+              <a:t>__ne</a:t>
+            </a:r>
+          </a:p>
+          <a:p>
+            <a:r>
+              <a:rPr lang="en-US" sz="1400" dirty="0">
+                <a:solidFill>
+                  <a:srgbClr val="0000FF"/>
+                </a:solidFill>
+              </a:rPr>
+              <a:t>__sto</a:t>
+            </a:r>
+            <a:endParaRPr lang="LID4096" sz="1400" dirty="0">
+              <a:solidFill>
+                <a:srgbClr val="0000FF"/>
+              </a:solidFill>
+            </a:endParaRPr>
+          </a:p>
+        </p:txBody>
+      </p:sp>
+      <p:sp>
+        <p:nvSpPr>
+          <p:cNvPr id="116" name="TextBox 115">
+            <a:extLst>
+              <a:ext uri="{FF2B5EF4-FFF2-40B4-BE49-F238E27FC236}">
+                <a16:creationId xmlns:a16="http://schemas.microsoft.com/office/drawing/2014/main" id="{15C98A1E-7A4A-3C54-1A10-794A7BAC1847}"/>
+              </a:ext>
+            </a:extLst>
+          </p:cNvPr>
+          <p:cNvSpPr txBox="1"/>
+          <p:nvPr/>
+        </p:nvSpPr>
+        <p:spPr>
+          <a:xfrm>
+            <a:off x="11926581" y="1059490"/>
+            <a:ext cx="212848" cy="276999"/>
+          </a:xfrm>
+          <a:prstGeom prst="rect">
+            <a:avLst/>
+          </a:prstGeom>
+          <a:noFill/>
+        </p:spPr>
+        <p:txBody>
+          <a:bodyPr wrap="square" lIns="0" tIns="0" rIns="0" bIns="0" anchor="ctr" anchorCtr="0">
+            <a:spAutoFit/>
+          </a:bodyPr>
+          <a:lstStyle>
+            <a:defPPr>
+              <a:defRPr lang="LID4096"/>
+            </a:defPPr>
+            <a:lvl1pPr>
+              <a:defRPr sz="1100" b="1"/>
+            </a:lvl1pPr>
+          </a:lstStyle>
+          <a:p>
+            <a:r>
+              <a:rPr lang="en-US" sz="1800" dirty="0"/>
+              <a:t>d</a:t>
+            </a:r>
+            <a:endParaRPr lang="LID4096" sz="1800" dirty="0"/>
+          </a:p>
+        </p:txBody>
+      </p:sp>
+      <p:sp>
+        <p:nvSpPr>
+          <p:cNvPr id="118" name="TextBox 117">
+            <a:extLst>
+              <a:ext uri="{FF2B5EF4-FFF2-40B4-BE49-F238E27FC236}">
+                <a16:creationId xmlns:a16="http://schemas.microsoft.com/office/drawing/2014/main" id="{AB6DB165-FAFB-AF76-8FA3-6D5597F7C4CE}"/>
+              </a:ext>
+            </a:extLst>
+          </p:cNvPr>
+          <p:cNvSpPr txBox="1"/>
+          <p:nvPr/>
+        </p:nvSpPr>
+        <p:spPr>
+          <a:xfrm>
+            <a:off x="10749672" y="296563"/>
+            <a:ext cx="867473" cy="369332"/>
+          </a:xfrm>
+          <a:prstGeom prst="rect">
+            <a:avLst/>
+          </a:prstGeom>
+          <a:noFill/>
+        </p:spPr>
+        <p:txBody>
+          <a:bodyPr wrap="square">
+            <a:spAutoFit/>
+          </a:bodyPr>
+          <a:lstStyle/>
+          <a:p>
+            <a:r>
+              <a:rPr lang="pt-BR" dirty="0">
+                <a:solidFill>
+                  <a:srgbClr val="0000FF"/>
+                </a:solidFill>
+              </a:rPr>
+              <a:t>*.</a:t>
+            </a:r>
+            <a:r>
+              <a:rPr lang="pt-BR" dirty="0" err="1">
+                <a:solidFill>
+                  <a:srgbClr val="0000FF"/>
+                </a:solidFill>
+              </a:rPr>
+              <a:t>ins</a:t>
+            </a:r>
+            <a:endParaRPr lang="LID4096" dirty="0">
+              <a:solidFill>
+                <a:srgbClr val="0000FF"/>
+              </a:solidFill>
+            </a:endParaRPr>
+          </a:p>
+        </p:txBody>
+      </p:sp>
+      <p:sp>
+        <p:nvSpPr>
+          <p:cNvPr id="121" name="TextBox 120">
+            <a:extLst>
+              <a:ext uri="{FF2B5EF4-FFF2-40B4-BE49-F238E27FC236}">
+                <a16:creationId xmlns:a16="http://schemas.microsoft.com/office/drawing/2014/main" id="{AA366356-73E7-E9F0-CD6C-5681D5E58371}"/>
+              </a:ext>
+            </a:extLst>
+          </p:cNvPr>
+          <p:cNvSpPr txBox="1"/>
+          <p:nvPr/>
+        </p:nvSpPr>
+        <p:spPr>
+          <a:xfrm>
+            <a:off x="10764412" y="729375"/>
+            <a:ext cx="867473" cy="646331"/>
+          </a:xfrm>
+          <a:prstGeom prst="rect">
+            <a:avLst/>
+          </a:prstGeom>
+          <a:noFill/>
+        </p:spPr>
+        <p:txBody>
+          <a:bodyPr wrap="square">
+            <a:spAutoFit/>
+          </a:bodyPr>
+          <a:lstStyle/>
+          <a:p>
+            <a:r>
+              <a:rPr lang="pt-BR" dirty="0">
+                <a:solidFill>
+                  <a:srgbClr val="0000FF"/>
+                </a:solidFill>
+              </a:rPr>
+              <a:t>*.</a:t>
+            </a:r>
+            <a:r>
+              <a:rPr lang="LID4096" dirty="0">
+                <a:solidFill>
+                  <a:srgbClr val="0000FF"/>
+                </a:solidFill>
+              </a:rPr>
+              <a:t>tpl</a:t>
+            </a:r>
+            <a:endParaRPr lang="pt-BR" dirty="0">
+              <a:solidFill>
+                <a:srgbClr val="0000FF"/>
+              </a:solidFill>
+            </a:endParaRPr>
+          </a:p>
+          <a:p>
+            <a:r>
+              <a:rPr lang="pt-BR" dirty="0">
+                <a:solidFill>
+                  <a:srgbClr val="0000FF"/>
+                </a:solidFill>
+              </a:rPr>
+              <a:t>*.zone</a:t>
+            </a:r>
+            <a:endParaRPr lang="LID4096" dirty="0">
+              <a:solidFill>
+                <a:srgbClr val="0000FF"/>
+              </a:solidFill>
+            </a:endParaRPr>
+          </a:p>
+        </p:txBody>
+      </p:sp>
+      <p:grpSp>
+        <p:nvGrpSpPr>
+          <p:cNvPr id="131" name="Group 130">
+            <a:extLst>
+              <a:ext uri="{FF2B5EF4-FFF2-40B4-BE49-F238E27FC236}">
+                <a16:creationId xmlns:a16="http://schemas.microsoft.com/office/drawing/2014/main" id="{53D5AECC-5C64-36DE-6B6B-B36904E8B8FA}"/>
+              </a:ext>
+            </a:extLst>
+          </p:cNvPr>
+          <p:cNvGrpSpPr/>
+          <p:nvPr/>
+        </p:nvGrpSpPr>
+        <p:grpSpPr>
+          <a:xfrm>
+            <a:off x="7283184" y="5464554"/>
+            <a:ext cx="2514600" cy="1257300"/>
+            <a:chOff x="6096000" y="5514383"/>
+            <a:chExt cx="2514600" cy="1257300"/>
+          </a:xfrm>
+        </p:grpSpPr>
+        <p:pic>
+          <p:nvPicPr>
+            <p:cNvPr id="120" name="Picture 119">
+              <a:extLst>
+                <a:ext uri="{FF2B5EF4-FFF2-40B4-BE49-F238E27FC236}">
+                  <a16:creationId xmlns:a16="http://schemas.microsoft.com/office/drawing/2014/main" id="{6400C53C-C6A8-3B3F-18BB-C17941FE82D6}"/>
+                </a:ext>
+              </a:extLst>
+            </p:cNvPr>
+            <p:cNvPicPr>
+              <a:picLocks noChangeAspect="1"/>
+            </p:cNvPicPr>
+            <p:nvPr/>
+          </p:nvPicPr>
+          <p:blipFill>
+            <a:blip r:embed="rId9"/>
+            <a:stretch>
+              <a:fillRect/>
+            </a:stretch>
+          </p:blipFill>
+          <p:spPr>
+            <a:xfrm>
+              <a:off x="6096000" y="5514383"/>
+              <a:ext cx="2514600" cy="1257300"/>
+            </a:xfrm>
+            <a:prstGeom prst="rect">
+              <a:avLst/>
+            </a:prstGeom>
+            <a:noFill/>
+            <a:ln w="3175">
+              <a:solidFill>
+                <a:schemeClr val="tx1"/>
+              </a:solidFill>
+            </a:ln>
+            <a:effectLst>
+              <a:outerShdw blurRad="50800" dist="38100" dir="8100000" algn="tr" rotWithShape="0">
+                <a:prstClr val="black">
+                  <a:alpha val="40000"/>
+                </a:prstClr>
+              </a:outerShdw>
+            </a:effectLst>
+          </p:spPr>
+        </p:pic>
+        <p:sp>
+          <p:nvSpPr>
+            <p:cNvPr id="122" name="TextBox 121">
+              <a:extLst>
+                <a:ext uri="{FF2B5EF4-FFF2-40B4-BE49-F238E27FC236}">
+                  <a16:creationId xmlns:a16="http://schemas.microsoft.com/office/drawing/2014/main" id="{6287FECB-FA4C-BD7E-9CF2-7666E03EB4F2}"/>
+                </a:ext>
+              </a:extLst>
+            </p:cNvPr>
+            <p:cNvSpPr txBox="1"/>
+            <p:nvPr/>
+          </p:nvSpPr>
+          <p:spPr>
+            <a:xfrm>
+              <a:off x="8397134" y="6296538"/>
+              <a:ext cx="212848" cy="276999"/>
+            </a:xfrm>
+            <a:prstGeom prst="rect">
+              <a:avLst/>
+            </a:prstGeom>
+            <a:noFill/>
+          </p:spPr>
+          <p:txBody>
+            <a:bodyPr wrap="square" lIns="0" tIns="0" rIns="0" bIns="0" anchor="ctr" anchorCtr="0">
+              <a:spAutoFit/>
+            </a:bodyPr>
+            <a:lstStyle>
+              <a:defPPr>
+                <a:defRPr lang="LID4096"/>
+              </a:defPPr>
+              <a:lvl1pPr>
+                <a:defRPr sz="1100" b="1"/>
+              </a:lvl1pPr>
+            </a:lstStyle>
+            <a:p>
+              <a:r>
+                <a:rPr lang="en-US" sz="1800" dirty="0"/>
+                <a:t>e</a:t>
+              </a:r>
+              <a:endParaRPr lang="LID4096" sz="1800" dirty="0"/>
+            </a:p>
+          </p:txBody>
+        </p:sp>
+      </p:grpSp>
+      <p:grpSp>
+        <p:nvGrpSpPr>
+          <p:cNvPr id="136" name="Group 135">
+            <a:extLst>
+              <a:ext uri="{FF2B5EF4-FFF2-40B4-BE49-F238E27FC236}">
+                <a16:creationId xmlns:a16="http://schemas.microsoft.com/office/drawing/2014/main" id="{ADB3EDE7-6DD8-0C73-6214-CD01D90FDF2D}"/>
+              </a:ext>
+            </a:extLst>
+          </p:cNvPr>
+          <p:cNvGrpSpPr/>
+          <p:nvPr/>
+        </p:nvGrpSpPr>
+        <p:grpSpPr>
+          <a:xfrm>
+            <a:off x="2758420" y="3429000"/>
+            <a:ext cx="1923640" cy="3316415"/>
+            <a:chOff x="5225547" y="1066179"/>
+            <a:chExt cx="1923640" cy="3316415"/>
+          </a:xfrm>
+        </p:grpSpPr>
+        <p:grpSp>
+          <p:nvGrpSpPr>
+            <p:cNvPr id="129" name="Group 128">
+              <a:extLst>
+                <a:ext uri="{FF2B5EF4-FFF2-40B4-BE49-F238E27FC236}">
+                  <a16:creationId xmlns:a16="http://schemas.microsoft.com/office/drawing/2014/main" id="{864474F4-0F4A-0F7A-F93A-4172F3394CEF}"/>
+                </a:ext>
+              </a:extLst>
+            </p:cNvPr>
+            <p:cNvGrpSpPr/>
+            <p:nvPr/>
+          </p:nvGrpSpPr>
+          <p:grpSpPr>
+            <a:xfrm>
+              <a:off x="5242023" y="1066179"/>
+              <a:ext cx="1885950" cy="3257550"/>
+              <a:chOff x="4961756" y="1085097"/>
+              <a:chExt cx="1885950" cy="3257550"/>
+            </a:xfrm>
+          </p:grpSpPr>
+          <p:pic>
+            <p:nvPicPr>
+              <p:cNvPr id="126" name="Picture 125">
+                <a:extLst>
+                  <a:ext uri="{FF2B5EF4-FFF2-40B4-BE49-F238E27FC236}">
+                    <a16:creationId xmlns:a16="http://schemas.microsoft.com/office/drawing/2014/main" id="{4026EF31-6786-7A55-33FD-F51670FB827F}"/>
+                  </a:ext>
+                </a:extLst>
+              </p:cNvPr>
+              <p:cNvPicPr>
+                <a:picLocks noChangeAspect="1"/>
+              </p:cNvPicPr>
+              <p:nvPr/>
+            </p:nvPicPr>
+            <p:blipFill>
+              <a:blip r:embed="rId10"/>
+              <a:stretch>
+                <a:fillRect/>
+              </a:stretch>
+            </p:blipFill>
+            <p:spPr>
+              <a:xfrm>
+                <a:off x="4961756" y="1085097"/>
+                <a:ext cx="1885950" cy="3257550"/>
+              </a:xfrm>
+              <a:prstGeom prst="rect">
+                <a:avLst/>
+              </a:prstGeom>
+              <a:noFill/>
+              <a:ln w="3175">
+                <a:solidFill>
+                  <a:schemeClr val="tx1"/>
+                </a:solidFill>
+              </a:ln>
+              <a:effectLst>
+                <a:outerShdw blurRad="50800" dist="38100" dir="8100000" algn="tr" rotWithShape="0">
+                  <a:prstClr val="black">
+                    <a:alpha val="40000"/>
+                  </a:prstClr>
+                </a:outerShdw>
+              </a:effectLst>
+            </p:spPr>
+          </p:pic>
+          <p:sp>
+            <p:nvSpPr>
+              <p:cNvPr id="128" name="TextBox 127">
+                <a:extLst>
+                  <a:ext uri="{FF2B5EF4-FFF2-40B4-BE49-F238E27FC236}">
+                    <a16:creationId xmlns:a16="http://schemas.microsoft.com/office/drawing/2014/main" id="{441E1B5B-ADEA-7DE5-AEEA-131E1765C58F}"/>
+                  </a:ext>
+                </a:extLst>
+              </p:cNvPr>
+              <p:cNvSpPr txBox="1"/>
+              <p:nvPr/>
+            </p:nvSpPr>
+            <p:spPr>
+              <a:xfrm>
+                <a:off x="6575933" y="3718567"/>
+                <a:ext cx="212848" cy="276999"/>
+              </a:xfrm>
+              <a:prstGeom prst="rect">
+                <a:avLst/>
+              </a:prstGeom>
+              <a:noFill/>
+            </p:spPr>
+            <p:txBody>
+              <a:bodyPr wrap="square" lIns="0" tIns="0" rIns="0" bIns="0" anchor="ctr" anchorCtr="0">
+                <a:spAutoFit/>
+              </a:bodyPr>
+              <a:lstStyle>
+                <a:defPPr>
+                  <a:defRPr lang="LID4096"/>
+                </a:defPPr>
+                <a:lvl1pPr>
+                  <a:defRPr sz="1100" b="1"/>
+                </a:lvl1pPr>
+              </a:lstStyle>
+              <a:p>
+                <a:r>
+                  <a:rPr lang="en-US" sz="1800" dirty="0">
+                    <a:solidFill>
+                      <a:srgbClr val="FF0000"/>
+                    </a:solidFill>
+                  </a:rPr>
+                  <a:t>g</a:t>
+                </a:r>
+                <a:endParaRPr lang="LID4096" sz="1800" dirty="0">
+                  <a:solidFill>
+                    <a:srgbClr val="FF0000"/>
+                  </a:solidFill>
+                </a:endParaRPr>
+              </a:p>
+            </p:txBody>
+          </p:sp>
+        </p:grpSp>
+        <p:sp>
+          <p:nvSpPr>
+            <p:cNvPr id="132" name="Rectangle 131">
+              <a:extLst>
+                <a:ext uri="{FF2B5EF4-FFF2-40B4-BE49-F238E27FC236}">
+                  <a16:creationId xmlns:a16="http://schemas.microsoft.com/office/drawing/2014/main" id="{D7714769-DA43-8EAD-157F-E903B22DB626}"/>
+                </a:ext>
+              </a:extLst>
+            </p:cNvPr>
+            <p:cNvSpPr/>
+            <p:nvPr/>
+          </p:nvSpPr>
+          <p:spPr>
+            <a:xfrm>
+              <a:off x="5225547" y="4285688"/>
+              <a:ext cx="1923640" cy="96906"/>
+            </a:xfrm>
+            <a:prstGeom prst="rect">
+              <a:avLst/>
+            </a:prstGeom>
+            <a:solidFill>
+              <a:schemeClr val="accent4">
+                <a:lumMod val="20000"/>
+                <a:lumOff val="80000"/>
+              </a:schemeClr>
+            </a:solidFill>
+            <a:ln>
+              <a:noFill/>
+            </a:ln>
+          </p:spPr>
+          <p:style>
+            <a:lnRef idx="2">
+              <a:schemeClr val="accent1">
+                <a:shade val="15000"/>
+              </a:schemeClr>
+            </a:lnRef>
+            <a:fillRef idx="1">
+              <a:schemeClr val="accent1"/>
+            </a:fillRef>
+            <a:effectRef idx="0">
+              <a:schemeClr val="accent1"/>
+            </a:effectRef>
+            <a:fontRef idx="minor">
+              <a:schemeClr val="lt1"/>
+            </a:fontRef>
+          </p:style>
+          <p:txBody>
+            <a:bodyPr rtlCol="0" anchor="ctr"/>
+            <a:lstStyle/>
+            <a:p>
+              <a:pPr algn="ctr"/>
+              <a:endParaRPr lang="LID4096"/>
+            </a:p>
+          </p:txBody>
+        </p:sp>
+      </p:grpSp>
+      <p:grpSp>
+        <p:nvGrpSpPr>
+          <p:cNvPr id="135" name="Group 134">
+            <a:extLst>
+              <a:ext uri="{FF2B5EF4-FFF2-40B4-BE49-F238E27FC236}">
+                <a16:creationId xmlns:a16="http://schemas.microsoft.com/office/drawing/2014/main" id="{EE2A3F7C-2388-0043-FB58-5CA94462039C}"/>
+              </a:ext>
+            </a:extLst>
+          </p:cNvPr>
+          <p:cNvGrpSpPr/>
+          <p:nvPr/>
+        </p:nvGrpSpPr>
+        <p:grpSpPr>
+          <a:xfrm>
+            <a:off x="4870807" y="3790413"/>
+            <a:ext cx="2314576" cy="2935502"/>
+            <a:chOff x="7273658" y="2380735"/>
+            <a:chExt cx="2314576" cy="2935502"/>
+          </a:xfrm>
+        </p:grpSpPr>
+        <p:grpSp>
+          <p:nvGrpSpPr>
+            <p:cNvPr id="130" name="Group 129">
+              <a:extLst>
+                <a:ext uri="{FF2B5EF4-FFF2-40B4-BE49-F238E27FC236}">
+                  <a16:creationId xmlns:a16="http://schemas.microsoft.com/office/drawing/2014/main" id="{2BF62C5E-4D49-0ADE-3750-32A347AE922A}"/>
+                </a:ext>
+              </a:extLst>
+            </p:cNvPr>
+            <p:cNvGrpSpPr/>
+            <p:nvPr/>
+          </p:nvGrpSpPr>
+          <p:grpSpPr>
+            <a:xfrm>
+              <a:off x="7273659" y="2496837"/>
+              <a:ext cx="2314575" cy="2819400"/>
+              <a:chOff x="7075009" y="2510046"/>
+              <a:chExt cx="2314575" cy="2819400"/>
+            </a:xfrm>
+          </p:grpSpPr>
+          <p:pic>
+            <p:nvPicPr>
+              <p:cNvPr id="124" name="Picture 123">
+                <a:extLst>
+                  <a:ext uri="{FF2B5EF4-FFF2-40B4-BE49-F238E27FC236}">
+                    <a16:creationId xmlns:a16="http://schemas.microsoft.com/office/drawing/2014/main" id="{3C96B9E5-14C8-A807-F452-2796CC2BC3AC}"/>
+                  </a:ext>
+                </a:extLst>
+              </p:cNvPr>
+              <p:cNvPicPr>
+                <a:picLocks noChangeAspect="1"/>
+              </p:cNvPicPr>
+              <p:nvPr/>
+            </p:nvPicPr>
+            <p:blipFill>
+              <a:blip r:embed="rId11"/>
+              <a:stretch>
+                <a:fillRect/>
+              </a:stretch>
+            </p:blipFill>
+            <p:spPr>
+              <a:xfrm>
+                <a:off x="7075009" y="2510046"/>
+                <a:ext cx="2314575" cy="2819400"/>
+              </a:xfrm>
+              <a:prstGeom prst="rect">
+                <a:avLst/>
+              </a:prstGeom>
+              <a:noFill/>
+              <a:ln w="3175">
+                <a:solidFill>
+                  <a:schemeClr val="tx1"/>
+                </a:solidFill>
+              </a:ln>
+              <a:effectLst>
+                <a:outerShdw blurRad="50800" dist="38100" dir="8100000" algn="tr" rotWithShape="0">
+                  <a:prstClr val="black">
+                    <a:alpha val="40000"/>
+                  </a:prstClr>
+                </a:outerShdw>
+              </a:effectLst>
+            </p:spPr>
+          </p:pic>
+          <p:sp>
+            <p:nvSpPr>
+              <p:cNvPr id="127" name="TextBox 126">
+                <a:extLst>
+                  <a:ext uri="{FF2B5EF4-FFF2-40B4-BE49-F238E27FC236}">
+                    <a16:creationId xmlns:a16="http://schemas.microsoft.com/office/drawing/2014/main" id="{58F2B392-A623-1567-3E7D-5C676D264512}"/>
+                  </a:ext>
+                </a:extLst>
+              </p:cNvPr>
+              <p:cNvSpPr txBox="1"/>
+              <p:nvPr/>
+            </p:nvSpPr>
+            <p:spPr>
+              <a:xfrm>
+                <a:off x="9104694" y="4999137"/>
+                <a:ext cx="212848" cy="276999"/>
+              </a:xfrm>
+              <a:prstGeom prst="rect">
+                <a:avLst/>
+              </a:prstGeom>
+              <a:noFill/>
+            </p:spPr>
+            <p:txBody>
+              <a:bodyPr wrap="square" lIns="0" tIns="0" rIns="0" bIns="0" anchor="ctr" anchorCtr="0">
+                <a:spAutoFit/>
+              </a:bodyPr>
+              <a:lstStyle>
+                <a:defPPr>
+                  <a:defRPr lang="LID4096"/>
+                </a:defPPr>
+                <a:lvl1pPr>
+                  <a:defRPr sz="1100" b="1"/>
+                </a:lvl1pPr>
+              </a:lstStyle>
+              <a:p>
+                <a:r>
+                  <a:rPr lang="en-US" sz="1800" dirty="0">
+                    <a:solidFill>
+                      <a:srgbClr val="FF0000"/>
+                    </a:solidFill>
+                  </a:rPr>
+                  <a:t>f</a:t>
+                </a:r>
+                <a:endParaRPr lang="LID4096" sz="1800" dirty="0">
+                  <a:solidFill>
+                    <a:srgbClr val="FF0000"/>
+                  </a:solidFill>
+                </a:endParaRPr>
+              </a:p>
+            </p:txBody>
+          </p:sp>
+        </p:grpSp>
+        <p:sp>
+          <p:nvSpPr>
+            <p:cNvPr id="133" name="Rectangle 132">
+              <a:extLst>
+                <a:ext uri="{FF2B5EF4-FFF2-40B4-BE49-F238E27FC236}">
+                  <a16:creationId xmlns:a16="http://schemas.microsoft.com/office/drawing/2014/main" id="{7D7B473C-E389-4029-A505-56FDB6460E50}"/>
+                </a:ext>
+              </a:extLst>
+            </p:cNvPr>
+            <p:cNvSpPr/>
+            <p:nvPr/>
+          </p:nvSpPr>
+          <p:spPr>
+            <a:xfrm>
+              <a:off x="7273658" y="2380735"/>
+              <a:ext cx="2313957" cy="116102"/>
+            </a:xfrm>
+            <a:prstGeom prst="rect">
+              <a:avLst/>
+            </a:prstGeom>
+            <a:solidFill>
+              <a:schemeClr val="accent4">
+                <a:lumMod val="20000"/>
+                <a:lumOff val="80000"/>
+              </a:schemeClr>
+            </a:solidFill>
+            <a:ln>
+              <a:noFill/>
+            </a:ln>
+          </p:spPr>
+          <p:style>
+            <a:lnRef idx="2">
+              <a:schemeClr val="accent1">
+                <a:shade val="15000"/>
+              </a:schemeClr>
+            </a:lnRef>
+            <a:fillRef idx="1">
+              <a:schemeClr val="accent1"/>
+            </a:fillRef>
+            <a:effectRef idx="0">
+              <a:schemeClr val="accent1"/>
+            </a:effectRef>
+            <a:fontRef idx="minor">
+              <a:schemeClr val="lt1"/>
+            </a:fontRef>
+          </p:style>
+          <p:txBody>
+            <a:bodyPr rtlCol="0" anchor="ctr"/>
+            <a:lstStyle/>
+            <a:p>
+              <a:pPr algn="ctr"/>
+              <a:endParaRPr lang="LID4096"/>
+            </a:p>
+          </p:txBody>
+        </p:sp>
+      </p:grpSp>
+      <p:grpSp>
+        <p:nvGrpSpPr>
+          <p:cNvPr id="141" name="Group 140">
+            <a:extLst>
+              <a:ext uri="{FF2B5EF4-FFF2-40B4-BE49-F238E27FC236}">
+                <a16:creationId xmlns:a16="http://schemas.microsoft.com/office/drawing/2014/main" id="{719CFF69-E2C3-947E-C9C3-97EB8C3DB356}"/>
+              </a:ext>
+            </a:extLst>
+          </p:cNvPr>
+          <p:cNvGrpSpPr>
+            <a:grpSpLocks noChangeAspect="1"/>
+          </p:cNvGrpSpPr>
+          <p:nvPr/>
+        </p:nvGrpSpPr>
+        <p:grpSpPr>
+          <a:xfrm>
+            <a:off x="6628402" y="5923743"/>
+            <a:ext cx="152934" cy="388692"/>
+            <a:chOff x="6941900" y="1176810"/>
+            <a:chExt cx="205483" cy="522251"/>
+          </a:xfrm>
+        </p:grpSpPr>
+        <p:sp>
+          <p:nvSpPr>
+            <p:cNvPr id="142" name="Arrow: Right 141">
+              <a:extLst>
+                <a:ext uri="{FF2B5EF4-FFF2-40B4-BE49-F238E27FC236}">
+                  <a16:creationId xmlns:a16="http://schemas.microsoft.com/office/drawing/2014/main" id="{AF16BB87-1603-4257-D739-8E2E1BD307C7}"/>
+                </a:ext>
+              </a:extLst>
+            </p:cNvPr>
+            <p:cNvSpPr>
+              <a:spLocks noChangeAspect="1"/>
+            </p:cNvSpPr>
+            <p:nvPr/>
+          </p:nvSpPr>
+          <p:spPr>
+            <a:xfrm flipH="1">
+              <a:off x="6941900" y="1176810"/>
+              <a:ext cx="202549" cy="233910"/>
+            </a:xfrm>
+            <a:prstGeom prst="rightArrow">
+              <a:avLst/>
+            </a:prstGeom>
+            <a:ln>
+              <a:noFill/>
+            </a:ln>
+          </p:spPr>
+          <p:style>
+            <a:lnRef idx="2">
+              <a:schemeClr val="accent1">
+                <a:shade val="15000"/>
+              </a:schemeClr>
+            </a:lnRef>
+            <a:fillRef idx="1">
+              <a:schemeClr val="accent1"/>
+            </a:fillRef>
+            <a:effectRef idx="0">
+              <a:schemeClr val="accent1"/>
+            </a:effectRef>
+            <a:fontRef idx="minor">
+              <a:schemeClr val="lt1"/>
+            </a:fontRef>
+          </p:style>
+          <p:txBody>
+            <a:bodyPr rtlCol="0" anchor="ctr"/>
+            <a:lstStyle/>
+            <a:p>
+              <a:pPr algn="ctr"/>
+              <a:endParaRPr lang="LID4096"/>
+            </a:p>
+          </p:txBody>
+        </p:sp>
+        <p:sp>
+          <p:nvSpPr>
+            <p:cNvPr id="143" name="Arrow: Right 142">
+              <a:extLst>
+                <a:ext uri="{FF2B5EF4-FFF2-40B4-BE49-F238E27FC236}">
+                  <a16:creationId xmlns:a16="http://schemas.microsoft.com/office/drawing/2014/main" id="{CDE78E00-1086-9F11-2258-F58B115586D4}"/>
+                </a:ext>
+              </a:extLst>
+            </p:cNvPr>
+            <p:cNvSpPr>
+              <a:spLocks noChangeAspect="1"/>
+            </p:cNvSpPr>
+            <p:nvPr/>
+          </p:nvSpPr>
+          <p:spPr>
+            <a:xfrm flipH="1">
+              <a:off x="6944834" y="1465153"/>
+              <a:ext cx="202549" cy="233908"/>
+            </a:xfrm>
+            <a:prstGeom prst="rightArrow">
+              <a:avLst/>
+            </a:prstGeom>
+            <a:ln>
+              <a:noFill/>
+            </a:ln>
+          </p:spPr>
+          <p:style>
+            <a:lnRef idx="2">
+              <a:schemeClr val="accent1">
+                <a:shade val="15000"/>
+              </a:schemeClr>
+            </a:lnRef>
+            <a:fillRef idx="1">
+              <a:schemeClr val="accent1"/>
+            </a:fillRef>
+            <a:effectRef idx="0">
+              <a:schemeClr val="accent1"/>
+            </a:effectRef>
+            <a:fontRef idx="minor">
+              <a:schemeClr val="lt1"/>
+            </a:fontRef>
+          </p:style>
+          <p:txBody>
+            <a:bodyPr rtlCol="0" anchor="ctr"/>
+            <a:lstStyle/>
+            <a:p>
+              <a:pPr algn="ctr"/>
+              <a:endParaRPr lang="LID4096"/>
+            </a:p>
+          </p:txBody>
+        </p:sp>
+      </p:grpSp>
+      <p:grpSp>
+        <p:nvGrpSpPr>
+          <p:cNvPr id="145" name="Group 144">
+            <a:extLst>
+              <a:ext uri="{FF2B5EF4-FFF2-40B4-BE49-F238E27FC236}">
+                <a16:creationId xmlns:a16="http://schemas.microsoft.com/office/drawing/2014/main" id="{B3028CB7-8100-08B1-9441-55650A464C30}"/>
+              </a:ext>
+            </a:extLst>
+          </p:cNvPr>
+          <p:cNvGrpSpPr/>
+          <p:nvPr/>
+        </p:nvGrpSpPr>
+        <p:grpSpPr>
+          <a:xfrm>
+            <a:off x="4474774" y="3681371"/>
+            <a:ext cx="152934" cy="582189"/>
+            <a:chOff x="6941901" y="1318550"/>
+            <a:chExt cx="152934" cy="582189"/>
+          </a:xfrm>
+        </p:grpSpPr>
+        <p:grpSp>
+          <p:nvGrpSpPr>
+            <p:cNvPr id="140" name="Group 139">
+              <a:extLst>
+                <a:ext uri="{FF2B5EF4-FFF2-40B4-BE49-F238E27FC236}">
+                  <a16:creationId xmlns:a16="http://schemas.microsoft.com/office/drawing/2014/main" id="{24DB2828-9394-539C-89EC-7BBAD64D7024}"/>
+                </a:ext>
+              </a:extLst>
+            </p:cNvPr>
+            <p:cNvGrpSpPr>
+              <a:grpSpLocks noChangeAspect="1"/>
+            </p:cNvGrpSpPr>
+            <p:nvPr/>
+          </p:nvGrpSpPr>
+          <p:grpSpPr>
+            <a:xfrm>
+              <a:off x="6941901" y="1318550"/>
+              <a:ext cx="152934" cy="388692"/>
+              <a:chOff x="6941900" y="1176810"/>
+              <a:chExt cx="205483" cy="522251"/>
+            </a:xfrm>
+          </p:grpSpPr>
+          <p:sp>
+            <p:nvSpPr>
+              <p:cNvPr id="138" name="Arrow: Right 137">
+                <a:extLst>
+                  <a:ext uri="{FF2B5EF4-FFF2-40B4-BE49-F238E27FC236}">
+                    <a16:creationId xmlns:a16="http://schemas.microsoft.com/office/drawing/2014/main" id="{8B0A63EA-F59A-B6A9-AA67-2FA46122065A}"/>
+                  </a:ext>
+                </a:extLst>
+              </p:cNvPr>
+              <p:cNvSpPr>
+                <a:spLocks noChangeAspect="1"/>
+              </p:cNvSpPr>
+              <p:nvPr/>
+            </p:nvSpPr>
+            <p:spPr>
+              <a:xfrm flipH="1">
+                <a:off x="6941900" y="1176810"/>
+                <a:ext cx="202549" cy="233910"/>
+              </a:xfrm>
+              <a:prstGeom prst="rightArrow">
+                <a:avLst/>
+              </a:prstGeom>
+              <a:ln>
+                <a:noFill/>
+              </a:ln>
+            </p:spPr>
+            <p:style>
+              <a:lnRef idx="2">
+                <a:schemeClr val="accent1">
+                  <a:shade val="15000"/>
+                </a:schemeClr>
+              </a:lnRef>
+              <a:fillRef idx="1">
+                <a:schemeClr val="accent1"/>
+              </a:fillRef>
+              <a:effectRef idx="0">
+                <a:schemeClr val="accent1"/>
+              </a:effectRef>
+              <a:fontRef idx="minor">
+                <a:schemeClr val="lt1"/>
+              </a:fontRef>
+            </p:style>
+            <p:txBody>
+              <a:bodyPr rtlCol="0" anchor="ctr"/>
+              <a:lstStyle/>
+              <a:p>
+                <a:pPr algn="ctr"/>
+                <a:endParaRPr lang="LID4096"/>
+              </a:p>
+            </p:txBody>
+          </p:sp>
+          <p:sp>
+            <p:nvSpPr>
+              <p:cNvPr id="139" name="Arrow: Right 138">
+                <a:extLst>
+                  <a:ext uri="{FF2B5EF4-FFF2-40B4-BE49-F238E27FC236}">
+                    <a16:creationId xmlns:a16="http://schemas.microsoft.com/office/drawing/2014/main" id="{9A5F8FA1-3AAE-371E-EDCE-DE3F157919AC}"/>
+                  </a:ext>
+                </a:extLst>
+              </p:cNvPr>
+              <p:cNvSpPr>
+                <a:spLocks noChangeAspect="1"/>
+              </p:cNvSpPr>
+              <p:nvPr/>
+            </p:nvSpPr>
+            <p:spPr>
+              <a:xfrm flipH="1">
+                <a:off x="6944834" y="1465153"/>
+                <a:ext cx="202549" cy="233908"/>
+              </a:xfrm>
+              <a:prstGeom prst="rightArrow">
+                <a:avLst/>
+              </a:prstGeom>
+              <a:ln>
+                <a:noFill/>
+              </a:ln>
+            </p:spPr>
+            <p:style>
+              <a:lnRef idx="2">
+                <a:schemeClr val="accent1">
+                  <a:shade val="15000"/>
+                </a:schemeClr>
+              </a:lnRef>
+              <a:fillRef idx="1">
+                <a:schemeClr val="accent1"/>
+              </a:fillRef>
+              <a:effectRef idx="0">
+                <a:schemeClr val="accent1"/>
+              </a:effectRef>
+              <a:fontRef idx="minor">
+                <a:schemeClr val="lt1"/>
+              </a:fontRef>
+            </p:style>
+            <p:txBody>
+              <a:bodyPr rtlCol="0" anchor="ctr"/>
+              <a:lstStyle/>
+              <a:p>
+                <a:pPr algn="ctr"/>
+                <a:endParaRPr lang="LID4096"/>
+              </a:p>
+            </p:txBody>
+          </p:sp>
+        </p:grpSp>
+        <p:sp>
+          <p:nvSpPr>
+            <p:cNvPr id="144" name="Arrow: Right 143">
+              <a:extLst>
+                <a:ext uri="{FF2B5EF4-FFF2-40B4-BE49-F238E27FC236}">
+                  <a16:creationId xmlns:a16="http://schemas.microsoft.com/office/drawing/2014/main" id="{53298920-71B9-28FC-0D12-ABB0B09FACD7}"/>
+                </a:ext>
+              </a:extLst>
+            </p:cNvPr>
+            <p:cNvSpPr>
+              <a:spLocks noChangeAspect="1"/>
+            </p:cNvSpPr>
+            <p:nvPr/>
+          </p:nvSpPr>
+          <p:spPr>
+            <a:xfrm flipH="1">
+              <a:off x="6941901" y="1726650"/>
+              <a:ext cx="150750" cy="174089"/>
+            </a:xfrm>
+            <a:prstGeom prst="rightArrow">
+              <a:avLst/>
+            </a:prstGeom>
+            <a:ln>
+              <a:noFill/>
+            </a:ln>
+          </p:spPr>
+          <p:style>
+            <a:lnRef idx="2">
+              <a:schemeClr val="accent1">
+                <a:shade val="15000"/>
+              </a:schemeClr>
+            </a:lnRef>
+            <a:fillRef idx="1">
+              <a:schemeClr val="accent1"/>
+            </a:fillRef>
+            <a:effectRef idx="0">
+              <a:schemeClr val="accent1"/>
+            </a:effectRef>
+            <a:fontRef idx="minor">
+              <a:schemeClr val="lt1"/>
+            </a:fontRef>
+          </p:style>
+          <p:txBody>
+            <a:bodyPr rtlCol="0" anchor="ctr"/>
+            <a:lstStyle/>
+            <a:p>
+              <a:pPr algn="ctr"/>
+              <a:endParaRPr lang="LID4096"/>
+            </a:p>
+          </p:txBody>
+        </p:sp>
+      </p:grpSp>
+      <p:grpSp>
+        <p:nvGrpSpPr>
+          <p:cNvPr id="146" name="Group 145">
+            <a:extLst>
+              <a:ext uri="{FF2B5EF4-FFF2-40B4-BE49-F238E27FC236}">
+                <a16:creationId xmlns:a16="http://schemas.microsoft.com/office/drawing/2014/main" id="{3875B81B-946D-4CC8-4B0D-C64E4C2BB106}"/>
+              </a:ext>
+            </a:extLst>
+          </p:cNvPr>
+          <p:cNvGrpSpPr/>
+          <p:nvPr/>
+        </p:nvGrpSpPr>
+        <p:grpSpPr>
+          <a:xfrm>
+            <a:off x="325082" y="2053081"/>
+            <a:ext cx="2416009" cy="478972"/>
+            <a:chOff x="3675026" y="2311520"/>
+            <a:chExt cx="2416009" cy="478972"/>
+          </a:xfrm>
+        </p:grpSpPr>
+        <p:pic>
+          <p:nvPicPr>
+            <p:cNvPr id="149" name="Picture 148">
+              <a:extLst>
+                <a:ext uri="{FF2B5EF4-FFF2-40B4-BE49-F238E27FC236}">
+                  <a16:creationId xmlns:a16="http://schemas.microsoft.com/office/drawing/2014/main" id="{08C6472A-EE90-E524-097E-C174FB2256EB}"/>
+                </a:ext>
+              </a:extLst>
+            </p:cNvPr>
+            <p:cNvPicPr>
+              <a:picLocks noChangeAspect="1"/>
+            </p:cNvPicPr>
+            <p:nvPr/>
+          </p:nvPicPr>
+          <p:blipFill>
+            <a:blip r:embed="rId12"/>
+            <a:stretch>
+              <a:fillRect/>
+            </a:stretch>
+          </p:blipFill>
+          <p:spPr>
+            <a:xfrm>
+              <a:off x="3675026" y="2311520"/>
+              <a:ext cx="2400300" cy="219075"/>
+            </a:xfrm>
+            <a:prstGeom prst="rect">
+              <a:avLst/>
+            </a:prstGeom>
+          </p:spPr>
+        </p:pic>
+        <p:sp>
+          <p:nvSpPr>
+            <p:cNvPr id="151" name="TextBox 150">
+              <a:extLst>
+                <a:ext uri="{FF2B5EF4-FFF2-40B4-BE49-F238E27FC236}">
+                  <a16:creationId xmlns:a16="http://schemas.microsoft.com/office/drawing/2014/main" id="{6C24F72B-EBE5-7246-3067-E9D89DB5F363}"/>
+                </a:ext>
+              </a:extLst>
+            </p:cNvPr>
+            <p:cNvSpPr txBox="1"/>
+            <p:nvPr/>
+          </p:nvSpPr>
+          <p:spPr>
+            <a:xfrm>
+              <a:off x="5035814" y="2589460"/>
+              <a:ext cx="1055221" cy="201032"/>
+            </a:xfrm>
+            <a:prstGeom prst="rect">
+              <a:avLst/>
+            </a:prstGeom>
+            <a:solidFill>
+              <a:schemeClr val="accent4">
+                <a:lumMod val="40000"/>
+                <a:lumOff val="60000"/>
+              </a:schemeClr>
+            </a:solidFill>
+          </p:spPr>
+          <p:txBody>
+            <a:bodyPr wrap="square" lIns="0" tIns="0" rIns="0" bIns="0" anchor="ctr" anchorCtr="0">
+              <a:noAutofit/>
+            </a:bodyPr>
+            <a:lstStyle/>
+            <a:p>
+              <a:pPr algn="ctr"/>
+              <a:r>
+                <a:rPr lang="en-US" sz="1000" dirty="0"/>
+                <a:t>simplified</a:t>
+              </a:r>
+            </a:p>
+          </p:txBody>
+        </p:sp>
+      </p:grpSp>
+      <p:grpSp>
+        <p:nvGrpSpPr>
+          <p:cNvPr id="167" name="Group 166">
+            <a:extLst>
+              <a:ext uri="{FF2B5EF4-FFF2-40B4-BE49-F238E27FC236}">
+                <a16:creationId xmlns:a16="http://schemas.microsoft.com/office/drawing/2014/main" id="{D09149F4-5954-F771-2422-C24B864533D5}"/>
+              </a:ext>
+            </a:extLst>
+          </p:cNvPr>
+          <p:cNvGrpSpPr/>
+          <p:nvPr/>
+        </p:nvGrpSpPr>
+        <p:grpSpPr>
+          <a:xfrm>
+            <a:off x="354767" y="2346096"/>
+            <a:ext cx="1662710" cy="1877434"/>
+            <a:chOff x="558293" y="4533575"/>
+            <a:chExt cx="1662710" cy="1877434"/>
+          </a:xfrm>
+        </p:grpSpPr>
+        <p:pic>
+          <p:nvPicPr>
+            <p:cNvPr id="161" name="Picture 160">
+              <a:extLst>
+                <a:ext uri="{FF2B5EF4-FFF2-40B4-BE49-F238E27FC236}">
+                  <a16:creationId xmlns:a16="http://schemas.microsoft.com/office/drawing/2014/main" id="{5DA5A112-DB35-B8A7-0CEB-1E74E7EBE584}"/>
+                </a:ext>
+              </a:extLst>
+            </p:cNvPr>
+            <p:cNvPicPr>
+              <a:picLocks noChangeAspect="1"/>
+            </p:cNvPicPr>
+            <p:nvPr/>
+          </p:nvPicPr>
+          <p:blipFill>
+            <a:blip r:embed="rId13"/>
+            <a:stretch>
+              <a:fillRect/>
+            </a:stretch>
+          </p:blipFill>
+          <p:spPr>
+            <a:xfrm>
+              <a:off x="677953" y="4743895"/>
+              <a:ext cx="1543050" cy="1400175"/>
+            </a:xfrm>
+            <a:prstGeom prst="rect">
+              <a:avLst/>
+            </a:prstGeom>
+          </p:spPr>
+        </p:pic>
+        <p:pic>
+          <p:nvPicPr>
+            <p:cNvPr id="162" name="Picture 161">
+              <a:extLst>
+                <a:ext uri="{FF2B5EF4-FFF2-40B4-BE49-F238E27FC236}">
+                  <a16:creationId xmlns:a16="http://schemas.microsoft.com/office/drawing/2014/main" id="{085EEBB1-E455-4507-AD16-833B2518594A}"/>
+                </a:ext>
+              </a:extLst>
+            </p:cNvPr>
+            <p:cNvPicPr>
+              <a:picLocks noChangeAspect="1"/>
+            </p:cNvPicPr>
+            <p:nvPr/>
+          </p:nvPicPr>
+          <p:blipFill>
+            <a:blip r:embed="rId14"/>
+            <a:srcRect b="11002"/>
+            <a:stretch/>
+          </p:blipFill>
+          <p:spPr>
+            <a:xfrm>
+              <a:off x="558293" y="4533575"/>
+              <a:ext cx="809625" cy="194970"/>
+            </a:xfrm>
+            <a:prstGeom prst="rect">
+              <a:avLst/>
+            </a:prstGeom>
+          </p:spPr>
+        </p:pic>
+        <p:pic>
+          <p:nvPicPr>
+            <p:cNvPr id="164" name="Picture 163">
+              <a:extLst>
+                <a:ext uri="{FF2B5EF4-FFF2-40B4-BE49-F238E27FC236}">
+                  <a16:creationId xmlns:a16="http://schemas.microsoft.com/office/drawing/2014/main" id="{4C65D9C4-E690-FDA5-4B57-281A166CD716}"/>
+                </a:ext>
+              </a:extLst>
+            </p:cNvPr>
+            <p:cNvPicPr>
+              <a:picLocks noChangeAspect="1"/>
+            </p:cNvPicPr>
+            <p:nvPr/>
+          </p:nvPicPr>
+          <p:blipFill>
+            <a:blip r:embed="rId15"/>
+            <a:stretch>
+              <a:fillRect/>
+            </a:stretch>
+          </p:blipFill>
+          <p:spPr>
+            <a:xfrm>
+              <a:off x="581575" y="6178254"/>
+              <a:ext cx="800100" cy="219075"/>
+            </a:xfrm>
+            <a:prstGeom prst="rect">
+              <a:avLst/>
+            </a:prstGeom>
+          </p:spPr>
+        </p:pic>
+        <p:pic>
+          <p:nvPicPr>
+            <p:cNvPr id="166" name="Picture 165">
+              <a:extLst>
+                <a:ext uri="{FF2B5EF4-FFF2-40B4-BE49-F238E27FC236}">
+                  <a16:creationId xmlns:a16="http://schemas.microsoft.com/office/drawing/2014/main" id="{7A51D51E-E97D-0666-91EE-72B5314A92FC}"/>
+                </a:ext>
+              </a:extLst>
+            </p:cNvPr>
+            <p:cNvPicPr>
+              <a:picLocks noChangeAspect="1"/>
+            </p:cNvPicPr>
+            <p:nvPr/>
+          </p:nvPicPr>
+          <p:blipFill>
+            <a:blip r:embed="rId16"/>
+            <a:stretch>
+              <a:fillRect/>
+            </a:stretch>
+          </p:blipFill>
+          <p:spPr>
+            <a:xfrm>
+              <a:off x="1314723" y="5944284"/>
+              <a:ext cx="838200" cy="466725"/>
+            </a:xfrm>
+            <a:prstGeom prst="rect">
+              <a:avLst/>
+            </a:prstGeom>
+          </p:spPr>
+        </p:pic>
+      </p:grpSp>
+      <p:grpSp>
+        <p:nvGrpSpPr>
+          <p:cNvPr id="190" name="Group 189">
+            <a:extLst>
+              <a:ext uri="{FF2B5EF4-FFF2-40B4-BE49-F238E27FC236}">
+                <a16:creationId xmlns:a16="http://schemas.microsoft.com/office/drawing/2014/main" id="{49DFA32A-63AF-4CBC-3603-17B0977686CD}"/>
+              </a:ext>
+            </a:extLst>
+          </p:cNvPr>
+          <p:cNvGrpSpPr/>
+          <p:nvPr/>
+        </p:nvGrpSpPr>
+        <p:grpSpPr>
+          <a:xfrm>
+            <a:off x="6423837" y="1423971"/>
+            <a:ext cx="2447084" cy="1675672"/>
+            <a:chOff x="5885408" y="1500407"/>
+            <a:chExt cx="2447084" cy="1675672"/>
+          </a:xfrm>
+        </p:grpSpPr>
+        <p:grpSp>
+          <p:nvGrpSpPr>
+            <p:cNvPr id="188" name="Group 187">
+              <a:extLst>
+                <a:ext uri="{FF2B5EF4-FFF2-40B4-BE49-F238E27FC236}">
+                  <a16:creationId xmlns:a16="http://schemas.microsoft.com/office/drawing/2014/main" id="{8D79153D-7BA3-94D1-3778-5168F4ABF538}"/>
+                </a:ext>
+              </a:extLst>
+            </p:cNvPr>
+            <p:cNvGrpSpPr/>
+            <p:nvPr/>
+          </p:nvGrpSpPr>
+          <p:grpSpPr>
+            <a:xfrm>
+              <a:off x="5885408" y="1500407"/>
+              <a:ext cx="2447084" cy="1675672"/>
+              <a:chOff x="4474774" y="1598808"/>
+              <a:chExt cx="2447084" cy="1675672"/>
+            </a:xfrm>
+          </p:grpSpPr>
+          <p:pic>
+            <p:nvPicPr>
+              <p:cNvPr id="180" name="Picture 179">
+                <a:extLst>
+                  <a:ext uri="{FF2B5EF4-FFF2-40B4-BE49-F238E27FC236}">
+                    <a16:creationId xmlns:a16="http://schemas.microsoft.com/office/drawing/2014/main" id="{B06A3654-C59E-8C65-F558-2A56455152C2}"/>
+                  </a:ext>
+                </a:extLst>
+              </p:cNvPr>
+              <p:cNvPicPr>
+                <a:picLocks noChangeAspect="1"/>
+              </p:cNvPicPr>
+              <p:nvPr/>
+            </p:nvPicPr>
+            <p:blipFill>
+              <a:blip r:embed="rId17"/>
+              <a:stretch>
+                <a:fillRect/>
+              </a:stretch>
+            </p:blipFill>
+            <p:spPr>
+              <a:xfrm>
+                <a:off x="4474774" y="2859127"/>
+                <a:ext cx="2092740" cy="415353"/>
+              </a:xfrm>
+              <a:prstGeom prst="rect">
+                <a:avLst/>
+              </a:prstGeom>
+            </p:spPr>
+          </p:pic>
+          <p:sp>
+            <p:nvSpPr>
+              <p:cNvPr id="181" name="TextBox 180">
+                <a:extLst>
+                  <a:ext uri="{FF2B5EF4-FFF2-40B4-BE49-F238E27FC236}">
+                    <a16:creationId xmlns:a16="http://schemas.microsoft.com/office/drawing/2014/main" id="{A464CB10-0302-6DAC-12B6-C8546425913B}"/>
+                  </a:ext>
+                </a:extLst>
+              </p:cNvPr>
+              <p:cNvSpPr txBox="1"/>
+              <p:nvPr/>
+            </p:nvSpPr>
+            <p:spPr>
+              <a:xfrm>
+                <a:off x="4722601" y="2654293"/>
+                <a:ext cx="1187629" cy="215444"/>
+              </a:xfrm>
+              <a:prstGeom prst="rect">
+                <a:avLst/>
+              </a:prstGeom>
+              <a:noFill/>
+            </p:spPr>
+            <p:txBody>
+              <a:bodyPr wrap="square" lIns="0" tIns="0" rIns="0" bIns="0" anchor="ctr" anchorCtr="0">
+                <a:spAutoFit/>
+              </a:bodyPr>
+              <a:lstStyle>
+                <a:defPPr>
+                  <a:defRPr lang="LID4096"/>
+                </a:defPPr>
+                <a:lvl1pPr>
+                  <a:defRPr sz="1100" b="1"/>
+                </a:lvl1pPr>
+              </a:lstStyle>
+              <a:p>
+                <a:r>
+                  <a:rPr lang="en-US" sz="1400" dirty="0">
+                    <a:solidFill>
+                      <a:srgbClr val="0000FF"/>
+                    </a:solidFill>
+                  </a:rPr>
+                  <a:t>Monte Carlo</a:t>
+                </a:r>
+                <a:endParaRPr lang="LID4096" sz="1400" dirty="0">
+                  <a:solidFill>
+                    <a:srgbClr val="0000FF"/>
+                  </a:solidFill>
+                </a:endParaRPr>
+              </a:p>
+            </p:txBody>
+          </p:sp>
+          <p:sp>
+            <p:nvSpPr>
+              <p:cNvPr id="182" name="TextBox 181">
+                <a:extLst>
+                  <a:ext uri="{FF2B5EF4-FFF2-40B4-BE49-F238E27FC236}">
+                    <a16:creationId xmlns:a16="http://schemas.microsoft.com/office/drawing/2014/main" id="{7D1C1E36-5F80-0227-983C-A37AA76948FE}"/>
+                  </a:ext>
+                </a:extLst>
+              </p:cNvPr>
+              <p:cNvSpPr txBox="1"/>
+              <p:nvPr/>
+            </p:nvSpPr>
+            <p:spPr>
+              <a:xfrm>
+                <a:off x="4682060" y="2397298"/>
+                <a:ext cx="1187629" cy="215444"/>
+              </a:xfrm>
+              <a:prstGeom prst="rect">
+                <a:avLst/>
+              </a:prstGeom>
+              <a:noFill/>
+            </p:spPr>
+            <p:txBody>
+              <a:bodyPr wrap="square" lIns="0" tIns="0" rIns="0" bIns="0" anchor="ctr" anchorCtr="0">
+                <a:spAutoFit/>
+              </a:bodyPr>
+              <a:lstStyle>
+                <a:defPPr>
+                  <a:defRPr lang="LID4096"/>
+                </a:defPPr>
+                <a:lvl1pPr>
+                  <a:defRPr sz="1100" b="1"/>
+                </a:lvl1pPr>
+              </a:lstStyle>
+              <a:p>
+                <a:r>
+                  <a:rPr lang="en-US" sz="1400" dirty="0">
+                    <a:solidFill>
+                      <a:srgbClr val="0000FF"/>
+                    </a:solidFill>
+                  </a:rPr>
+                  <a:t>Ensemble</a:t>
+                </a:r>
+                <a:endParaRPr lang="LID4096" sz="1400" dirty="0">
+                  <a:solidFill>
+                    <a:srgbClr val="0000FF"/>
+                  </a:solidFill>
+                </a:endParaRPr>
+              </a:p>
+            </p:txBody>
+          </p:sp>
+          <p:sp>
+            <p:nvSpPr>
+              <p:cNvPr id="184" name="TextBox 183">
+                <a:extLst>
+                  <a:ext uri="{FF2B5EF4-FFF2-40B4-BE49-F238E27FC236}">
+                    <a16:creationId xmlns:a16="http://schemas.microsoft.com/office/drawing/2014/main" id="{21C256F6-4CF0-077B-2B4F-4736E8362076}"/>
+                  </a:ext>
+                </a:extLst>
+              </p:cNvPr>
+              <p:cNvSpPr txBox="1"/>
+              <p:nvPr/>
+            </p:nvSpPr>
+            <p:spPr>
+              <a:xfrm>
+                <a:off x="5093058" y="1598808"/>
+                <a:ext cx="1828800" cy="369332"/>
+              </a:xfrm>
+              <a:prstGeom prst="rect">
+                <a:avLst/>
+              </a:prstGeom>
+              <a:noFill/>
+            </p:spPr>
+            <p:txBody>
+              <a:bodyPr wrap="square">
+                <a:spAutoFit/>
+              </a:bodyPr>
+              <a:lstStyle/>
+              <a:p>
+                <a:r>
+                  <a:rPr lang="LID4096" b="1" dirty="0"/>
+                  <a:t>PARVAL </a:t>
+                </a:r>
+              </a:p>
+            </p:txBody>
+          </p:sp>
+          <p:pic>
+            <p:nvPicPr>
+              <p:cNvPr id="186" name="Picture 185">
+                <a:extLst>
+                  <a:ext uri="{FF2B5EF4-FFF2-40B4-BE49-F238E27FC236}">
+                    <a16:creationId xmlns:a16="http://schemas.microsoft.com/office/drawing/2014/main" id="{8106EA78-39E5-DBB4-0FAD-7A96F469858C}"/>
+                  </a:ext>
+                </a:extLst>
+              </p:cNvPr>
+              <p:cNvPicPr>
+                <a:picLocks noChangeAspect="1"/>
+              </p:cNvPicPr>
+              <p:nvPr/>
+            </p:nvPicPr>
+            <p:blipFill>
+              <a:blip r:embed="rId18"/>
+              <a:stretch>
+                <a:fillRect/>
+              </a:stretch>
+            </p:blipFill>
+            <p:spPr>
+              <a:xfrm>
+                <a:off x="4629065" y="1986768"/>
+                <a:ext cx="1492042" cy="384090"/>
+              </a:xfrm>
+              <a:prstGeom prst="rect">
+                <a:avLst/>
+              </a:prstGeom>
+            </p:spPr>
+          </p:pic>
+        </p:grpSp>
+        <p:sp>
+          <p:nvSpPr>
+            <p:cNvPr id="187" name="TextBox 186">
+              <a:extLst>
+                <a:ext uri="{FF2B5EF4-FFF2-40B4-BE49-F238E27FC236}">
+                  <a16:creationId xmlns:a16="http://schemas.microsoft.com/office/drawing/2014/main" id="{9E5F68CE-E05D-B2DA-3AF6-4A3368BB35BE}"/>
+                </a:ext>
+              </a:extLst>
+            </p:cNvPr>
+            <p:cNvSpPr txBox="1"/>
+            <p:nvPr/>
+          </p:nvSpPr>
+          <p:spPr>
+            <a:xfrm>
+              <a:off x="7400403" y="1791225"/>
+              <a:ext cx="724422" cy="369332"/>
+            </a:xfrm>
+            <a:prstGeom prst="rect">
+              <a:avLst/>
+            </a:prstGeom>
+            <a:noFill/>
+          </p:spPr>
+          <p:txBody>
+            <a:bodyPr wrap="square">
+              <a:spAutoFit/>
+            </a:bodyPr>
+            <a:lstStyle/>
+            <a:p>
+              <a:r>
+                <a:rPr lang="pt-BR" b="1" dirty="0"/>
+                <a:t>85M</a:t>
+              </a:r>
+              <a:endParaRPr lang="LID4096" b="1" dirty="0"/>
+            </a:p>
+          </p:txBody>
+        </p:sp>
+        <p:sp>
+          <p:nvSpPr>
+            <p:cNvPr id="189" name="TextBox 188">
+              <a:extLst>
+                <a:ext uri="{FF2B5EF4-FFF2-40B4-BE49-F238E27FC236}">
+                  <a16:creationId xmlns:a16="http://schemas.microsoft.com/office/drawing/2014/main" id="{35FF8DB2-708F-5936-80DB-73F5533367C0}"/>
+                </a:ext>
+              </a:extLst>
+            </p:cNvPr>
+            <p:cNvSpPr txBox="1"/>
+            <p:nvPr/>
+          </p:nvSpPr>
+          <p:spPr>
+            <a:xfrm>
+              <a:off x="7615575" y="2598478"/>
+              <a:ext cx="212848" cy="276999"/>
+            </a:xfrm>
+            <a:prstGeom prst="rect">
+              <a:avLst/>
+            </a:prstGeom>
+            <a:noFill/>
+          </p:spPr>
+          <p:txBody>
+            <a:bodyPr wrap="square" lIns="0" tIns="0" rIns="0" bIns="0" anchor="ctr" anchorCtr="0">
+              <a:spAutoFit/>
+            </a:bodyPr>
+            <a:lstStyle>
+              <a:defPPr>
+                <a:defRPr lang="LID4096"/>
+              </a:defPPr>
+              <a:lvl1pPr>
+                <a:defRPr sz="1100" b="1"/>
+              </a:lvl1pPr>
+            </a:lstStyle>
+            <a:p>
+              <a:r>
+                <a:rPr lang="en-US" sz="1800" dirty="0"/>
+                <a:t>h</a:t>
+              </a:r>
+              <a:endParaRPr lang="LID4096" sz="1800" dirty="0"/>
+            </a:p>
+          </p:txBody>
+        </p:sp>
+      </p:grpSp>
+    </p:spTree>
+    <p:extLst>
+      <p:ext uri="{BB962C8B-B14F-4D97-AF65-F5344CB8AC3E}">
+        <p14:creationId xmlns:p14="http://schemas.microsoft.com/office/powerpoint/2010/main" val="139564977"/>
+      </p:ext>
+    </p:extLst>
+  </p:cSld>
+  <p:clrMapOvr>
+    <a:masterClrMapping/>
+  </p:clrMapOvr>
+</p:sld>
+</file>
+
+<file path=ppt/slides/slide5.xml><?xml version="1.0" encoding="utf-8"?>
 <p:sld xmlns:a="http://schemas.openxmlformats.org/drawingml/2006/main" xmlns:r="http://schemas.openxmlformats.org/officeDocument/2006/relationships" xmlns:p="http://schemas.openxmlformats.org/presentationml/2006/main">
   <p:cSld>
     <p:bg>
@@ -9332,71 +11663,12 @@
           </p:pic>
         </p:grpSp>
       </p:grpSp>
-    </p:spTree>
-    <p:extLst>
-      <p:ext uri="{BB962C8B-B14F-4D97-AF65-F5344CB8AC3E}">
-        <p14:creationId xmlns:p14="http://schemas.microsoft.com/office/powerpoint/2010/main" val="2752659032"/>
-      </p:ext>
-    </p:extLst>
-  </p:cSld>
-  <p:clrMapOvr>
-    <a:masterClrMapping/>
-  </p:clrMapOvr>
-</p:sld>
-</file>
-
-<file path=ppt/slides/slide5.xml><?xml version="1.0" encoding="utf-8"?>
-<p:sld xmlns:a="http://schemas.openxmlformats.org/drawingml/2006/main" xmlns:r="http://schemas.openxmlformats.org/officeDocument/2006/relationships" xmlns:p="http://schemas.openxmlformats.org/presentationml/2006/main">
-  <p:cSld>
-    <p:spTree>
-      <p:nvGrpSpPr>
-        <p:cNvPr id="1" name=""/>
-        <p:cNvGrpSpPr/>
-        <p:nvPr/>
-      </p:nvGrpSpPr>
-      <p:grpSpPr>
-        <a:xfrm>
-          <a:off x="0" y="0"/>
-          <a:ext cx="0" cy="0"/>
-          <a:chOff x="0" y="0"/>
-          <a:chExt cx="0" cy="0"/>
-        </a:xfrm>
-      </p:grpSpPr>
-      <p:pic>
-        <p:nvPicPr>
-          <p:cNvPr id="20" name="Picture 19">
-            <a:extLst>
-              <a:ext uri="{FF2B5EF4-FFF2-40B4-BE49-F238E27FC236}">
-                <a16:creationId xmlns:a16="http://schemas.microsoft.com/office/drawing/2014/main" id="{DB7A4848-79D1-CF76-A381-C15D8771C3FE}"/>
-              </a:ext>
-            </a:extLst>
-          </p:cNvPr>
-          <p:cNvPicPr>
-            <a:picLocks noChangeAspect="1"/>
-          </p:cNvPicPr>
-          <p:nvPr/>
-        </p:nvPicPr>
-        <p:blipFill>
-          <a:blip r:embed="rId2"/>
-          <a:srcRect t="66407" b="22720"/>
-          <a:stretch/>
-        </p:blipFill>
-        <p:spPr>
-          <a:xfrm>
-            <a:off x="8416598" y="299141"/>
-            <a:ext cx="2419350" cy="199867"/>
-          </a:xfrm>
-          <a:prstGeom prst="rect">
-            <a:avLst/>
-          </a:prstGeom>
-        </p:spPr>
-      </p:pic>
       <p:grpSp>
         <p:nvGrpSpPr>
-          <p:cNvPr id="6" name="Group 5">
-            <a:extLst>
-              <a:ext uri="{FF2B5EF4-FFF2-40B4-BE49-F238E27FC236}">
-                <a16:creationId xmlns:a16="http://schemas.microsoft.com/office/drawing/2014/main" id="{2B70A95A-D0F7-F911-B4B8-35531BA9B406}"/>
+          <p:cNvPr id="88" name="Group 87">
+            <a:extLst>
+              <a:ext uri="{FF2B5EF4-FFF2-40B4-BE49-F238E27FC236}">
+                <a16:creationId xmlns:a16="http://schemas.microsoft.com/office/drawing/2014/main" id="{FE01F1E2-0056-D4DF-793B-51E13DE86E3D}"/>
               </a:ext>
             </a:extLst>
           </p:cNvPr>
@@ -9405,69 +11677,38 @@
         </p:nvGrpSpPr>
         <p:grpSpPr>
           <a:xfrm>
-            <a:off x="226417" y="1443989"/>
-            <a:ext cx="2419350" cy="982232"/>
-            <a:chOff x="8088629" y="908833"/>
-            <a:chExt cx="2419350" cy="982232"/>
+            <a:off x="4361246" y="231255"/>
+            <a:ext cx="2233276" cy="1453762"/>
+            <a:chOff x="8353586" y="5524034"/>
+            <a:chExt cx="2233276" cy="1453762"/>
           </a:xfrm>
         </p:grpSpPr>
-        <p:pic>
-          <p:nvPicPr>
-            <p:cNvPr id="7" name="Picture 6">
+        <p:grpSp>
+          <p:nvGrpSpPr>
+            <p:cNvPr id="90" name="Group 89">
               <a:extLst>
                 <a:ext uri="{FF2B5EF4-FFF2-40B4-BE49-F238E27FC236}">
-                  <a16:creationId xmlns:a16="http://schemas.microsoft.com/office/drawing/2014/main" id="{E9645DA4-708E-868D-388F-1F68D6B31104}"/>
+                  <a16:creationId xmlns:a16="http://schemas.microsoft.com/office/drawing/2014/main" id="{3FE577AC-DB6A-2982-35EB-FF49449D459C}"/>
                 </a:ext>
               </a:extLst>
             </p:cNvPr>
-            <p:cNvPicPr>
-              <a:picLocks noChangeAspect="1"/>
-            </p:cNvPicPr>
-            <p:nvPr/>
-          </p:nvPicPr>
-          <p:blipFill>
-            <a:blip r:embed="rId2"/>
-            <a:srcRect b="67880"/>
-            <a:stretch/>
-          </p:blipFill>
-          <p:spPr>
-            <a:xfrm>
-              <a:off x="8088629" y="1300595"/>
-              <a:ext cx="2419350" cy="590470"/>
-            </a:xfrm>
-            <a:prstGeom prst="rect">
-              <a:avLst/>
-            </a:prstGeom>
-          </p:spPr>
-        </p:pic>
-        <p:grpSp>
-          <p:nvGrpSpPr>
-            <p:cNvPr id="10" name="Group 9">
-              <a:extLst>
-                <a:ext uri="{FF2B5EF4-FFF2-40B4-BE49-F238E27FC236}">
-                  <a16:creationId xmlns:a16="http://schemas.microsoft.com/office/drawing/2014/main" id="{359750D3-2064-5C41-992F-62C8B7621C0F}"/>
-                </a:ext>
-              </a:extLst>
-            </p:cNvPr>
-            <p:cNvGrpSpPr>
-              <a:grpSpLocks noChangeAspect="1"/>
-            </p:cNvGrpSpPr>
+            <p:cNvGrpSpPr/>
             <p:nvPr/>
           </p:nvGrpSpPr>
           <p:grpSpPr>
             <a:xfrm>
-              <a:off x="8088645" y="908833"/>
-              <a:ext cx="1590675" cy="445549"/>
-              <a:chOff x="4048244" y="603453"/>
-              <a:chExt cx="1590675" cy="445549"/>
+              <a:off x="8353586" y="5524034"/>
+              <a:ext cx="2028825" cy="1453762"/>
+              <a:chOff x="7012215" y="5434078"/>
+              <a:chExt cx="2028825" cy="1453762"/>
             </a:xfrm>
           </p:grpSpPr>
           <p:pic>
             <p:nvPicPr>
-              <p:cNvPr id="12" name="Picture 11">
+              <p:cNvPr id="92" name="Picture 91">
                 <a:extLst>
                   <a:ext uri="{FF2B5EF4-FFF2-40B4-BE49-F238E27FC236}">
-                    <a16:creationId xmlns:a16="http://schemas.microsoft.com/office/drawing/2014/main" id="{3EB304BF-7A13-C8C6-B7CF-08C8E5871C80}"/>
+                    <a16:creationId xmlns:a16="http://schemas.microsoft.com/office/drawing/2014/main" id="{4CC90721-1541-2AB6-12D4-B2EC5103270C}"/>
                   </a:ext>
                 </a:extLst>
               </p:cNvPr>
@@ -9477,32 +11718,26 @@
               <p:nvPr/>
             </p:nvPicPr>
             <p:blipFill>
-              <a:blip r:embed="rId3"/>
-              <a:stretch>
-                <a:fillRect/>
-              </a:stretch>
+              <a:blip r:embed="rId9"/>
+              <a:srcRect t="80592"/>
+              <a:stretch/>
             </p:blipFill>
             <p:spPr>
               <a:xfrm>
-                <a:off x="4048244" y="603453"/>
-                <a:ext cx="1590675" cy="228600"/>
+                <a:off x="7012215" y="5434078"/>
+                <a:ext cx="2028825" cy="199646"/>
               </a:xfrm>
               <a:prstGeom prst="rect">
                 <a:avLst/>
               </a:prstGeom>
-              <a:ln>
-                <a:solidFill>
-                  <a:srgbClr val="0000FF"/>
-                </a:solidFill>
-              </a:ln>
             </p:spPr>
           </p:pic>
           <p:pic>
             <p:nvPicPr>
-              <p:cNvPr id="14" name="Picture 13">
+              <p:cNvPr id="93" name="Picture 92">
                 <a:extLst>
                   <a:ext uri="{FF2B5EF4-FFF2-40B4-BE49-F238E27FC236}">
-                    <a16:creationId xmlns:a16="http://schemas.microsoft.com/office/drawing/2014/main" id="{F82E947A-5D23-DF1F-605C-6789D4D6010C}"/>
+                    <a16:creationId xmlns:a16="http://schemas.microsoft.com/office/drawing/2014/main" id="{EBEB791D-7865-7AF2-A033-7309AB158B5F}"/>
                   </a:ext>
                 </a:extLst>
               </p:cNvPr>
@@ -9512,103 +11747,72 @@
               <p:nvPr/>
             </p:nvPicPr>
             <p:blipFill>
-              <a:blip r:embed="rId4"/>
+              <a:blip r:embed="rId10"/>
               <a:stretch>
                 <a:fillRect/>
               </a:stretch>
             </p:blipFill>
             <p:spPr>
               <a:xfrm>
-                <a:off x="4191411" y="854077"/>
-                <a:ext cx="1291378" cy="194925"/>
+                <a:off x="7126474" y="5630540"/>
+                <a:ext cx="1552575" cy="1257300"/>
               </a:xfrm>
               <a:prstGeom prst="rect">
                 <a:avLst/>
               </a:prstGeom>
             </p:spPr>
           </p:pic>
+          <p:sp>
+            <p:nvSpPr>
+              <p:cNvPr id="94" name="Rectangle 93">
+                <a:extLst>
+                  <a:ext uri="{FF2B5EF4-FFF2-40B4-BE49-F238E27FC236}">
+                    <a16:creationId xmlns:a16="http://schemas.microsoft.com/office/drawing/2014/main" id="{0285D463-467D-7BD7-A2C5-D553A4F83788}"/>
+                  </a:ext>
+                </a:extLst>
+              </p:cNvPr>
+              <p:cNvSpPr/>
+              <p:nvPr/>
+            </p:nvSpPr>
+            <p:spPr>
+              <a:xfrm>
+                <a:off x="7126474" y="6237872"/>
+                <a:ext cx="1656160" cy="213066"/>
+              </a:xfrm>
+              <a:prstGeom prst="rect">
+                <a:avLst/>
+              </a:prstGeom>
+              <a:noFill/>
+              <a:ln w="6350">
+                <a:solidFill>
+                  <a:schemeClr val="tx1"/>
+                </a:solidFill>
+              </a:ln>
+              <a:effectLst>
+                <a:outerShdw blurRad="50800" dist="38100" dir="8100000" algn="tr" rotWithShape="0">
+                  <a:prstClr val="black">
+                    <a:alpha val="40000"/>
+                  </a:prstClr>
+                </a:outerShdw>
+              </a:effectLst>
+            </p:spPr>
+            <p:txBody>
+              <a:bodyPr wrap="none" anchor="ctr" anchorCtr="0">
+                <a:noAutofit/>
+              </a:bodyPr>
+              <a:lstStyle/>
+              <a:p>
+                <a:endParaRPr lang="LID4096" dirty="0"/>
+              </a:p>
+            </p:txBody>
+          </p:sp>
         </p:grpSp>
-      </p:grpSp>
-      <p:grpSp>
-        <p:nvGrpSpPr>
-          <p:cNvPr id="2" name="Group 1">
-            <a:extLst>
-              <a:ext uri="{FF2B5EF4-FFF2-40B4-BE49-F238E27FC236}">
-                <a16:creationId xmlns:a16="http://schemas.microsoft.com/office/drawing/2014/main" id="{E9B6A999-ADF7-6701-8D5A-AEC636B79333}"/>
-              </a:ext>
-            </a:extLst>
-          </p:cNvPr>
-          <p:cNvGrpSpPr/>
-          <p:nvPr/>
-        </p:nvGrpSpPr>
-        <p:grpSpPr>
-          <a:xfrm>
-            <a:off x="10503035" y="6690487"/>
-            <a:ext cx="1671873" cy="212080"/>
-            <a:chOff x="9777178" y="6260306"/>
-            <a:chExt cx="1671873" cy="212080"/>
-          </a:xfrm>
-        </p:grpSpPr>
         <p:sp>
           <p:nvSpPr>
-            <p:cNvPr id="3" name="Rectangle 2">
+            <p:cNvPr id="91" name="TextBox 90">
               <a:extLst>
                 <a:ext uri="{FF2B5EF4-FFF2-40B4-BE49-F238E27FC236}">
-                  <a16:creationId xmlns:a16="http://schemas.microsoft.com/office/drawing/2014/main" id="{CD60D592-013D-ACA7-DCEB-0B03FCA64C33}"/>
-                </a:ext>
-              </a:extLst>
-            </p:cNvPr>
-            <p:cNvSpPr/>
-            <p:nvPr/>
-          </p:nvSpPr>
-          <p:spPr>
-            <a:xfrm>
-              <a:off x="10934701" y="6260306"/>
-              <a:ext cx="514350" cy="154136"/>
-            </a:xfrm>
-            <a:prstGeom prst="rect">
-              <a:avLst/>
-            </a:prstGeom>
-            <a:solidFill>
-              <a:schemeClr val="bg1">
-                <a:lumMod val="75000"/>
-              </a:schemeClr>
-            </a:solidFill>
-            <a:ln>
-              <a:noFill/>
-            </a:ln>
-          </p:spPr>
-          <p:style>
-            <a:lnRef idx="2">
-              <a:schemeClr val="accent1">
-                <a:shade val="50000"/>
-              </a:schemeClr>
-            </a:lnRef>
-            <a:fillRef idx="1">
-              <a:schemeClr val="accent1"/>
-            </a:fillRef>
-            <a:effectRef idx="0">
-              <a:schemeClr val="accent1"/>
-            </a:effectRef>
-            <a:fontRef idx="minor">
-              <a:schemeClr val="lt1"/>
-            </a:fontRef>
-          </p:style>
-          <p:txBody>
-            <a:bodyPr rtlCol="0" anchor="ctr"/>
-            <a:lstStyle/>
-            <a:p>
-              <a:pPr algn="ctr"/>
-              <a:endParaRPr lang="LID4096" sz="1100" dirty="0"/>
-            </a:p>
-          </p:txBody>
-        </p:sp>
-        <p:sp>
-          <p:nvSpPr>
-            <p:cNvPr id="4" name="TextBox 3">
-              <a:extLst>
-                <a:ext uri="{FF2B5EF4-FFF2-40B4-BE49-F238E27FC236}">
-                  <a16:creationId xmlns:a16="http://schemas.microsoft.com/office/drawing/2014/main" id="{B37EFBAF-ABEC-6F99-497B-578572136581}"/>
+                  <a16:creationId xmlns:a16="http://schemas.microsoft.com/office/drawing/2014/main" id="{8EC7666F-BB5B-9514-BC6F-466C4E4EAC2B}"/>
                 </a:ext>
               </a:extLst>
             </p:cNvPr>
@@ -9617,69 +11821,8 @@
           </p:nvSpPr>
           <p:spPr>
             <a:xfrm>
-              <a:off x="10965423" y="6260306"/>
-              <a:ext cx="462196" cy="184666"/>
-            </a:xfrm>
-            <a:prstGeom prst="rect">
-              <a:avLst/>
-            </a:prstGeom>
-            <a:noFill/>
-          </p:spPr>
-          <p:txBody>
-            <a:bodyPr wrap="square" lIns="0" tIns="0" rIns="0" bIns="0" anchor="ctr" anchorCtr="0">
-              <a:spAutoFit/>
-            </a:bodyPr>
-            <a:lstStyle/>
-            <a:p>
-              <a:pPr algn="ctr"/>
-              <a:r>
-                <a:rPr lang="pt-BR" sz="1200" b="1" dirty="0">
-                  <a:solidFill>
-                    <a:srgbClr val="0000FF"/>
-                  </a:solidFill>
-                  <a:effectLst/>
-                  <a:latin typeface="Times New Roman" panose="02020603050405020304" pitchFamily="18" charset="0"/>
-                  <a:ea typeface="Times New Roman" panose="02020603050405020304" pitchFamily="18" charset="0"/>
-                </a:rPr>
-                <a:t>Beta </a:t>
-              </a:r>
-              <a:r>
-                <a:rPr lang="pt-BR" sz="1200" b="1" dirty="0">
-                  <a:solidFill>
-                    <a:srgbClr val="0000FF"/>
-                  </a:solidFill>
-                  <a:effectLst/>
-                  <a:latin typeface="Times New Roman" panose="02020603050405020304" pitchFamily="18" charset="0"/>
-                  <a:ea typeface="Times New Roman" panose="02020603050405020304" pitchFamily="18" charset="0"/>
-                  <a:cs typeface="Times New Roman" panose="02020603050405020304" pitchFamily="18" charset="0"/>
-                  <a:sym typeface="Symbol" panose="05050102010706020507" pitchFamily="18" charset="2"/>
-                </a:rPr>
-                <a:t></a:t>
-              </a:r>
-              <a:endParaRPr lang="LID4096" sz="1200" dirty="0">
-                <a:solidFill>
-                  <a:srgbClr val="0000FF"/>
-                </a:solidFill>
-              </a:endParaRPr>
-            </a:p>
-          </p:txBody>
-        </p:sp>
-        <p:sp>
-          <p:nvSpPr>
-            <p:cNvPr id="5" name="TextBox 4">
-              <a:extLst>
-                <a:ext uri="{FF2B5EF4-FFF2-40B4-BE49-F238E27FC236}">
-                  <a16:creationId xmlns:a16="http://schemas.microsoft.com/office/drawing/2014/main" id="{9E371B48-B119-C9A4-8099-CF73644A0BC7}"/>
-                </a:ext>
-              </a:extLst>
-            </p:cNvPr>
-            <p:cNvSpPr txBox="1"/>
-            <p:nvPr/>
-          </p:nvSpPr>
-          <p:spPr>
-            <a:xfrm>
-              <a:off x="9777178" y="6269830"/>
-              <a:ext cx="1240866" cy="202556"/>
+              <a:off x="9927534" y="6132460"/>
+              <a:ext cx="659328" cy="523220"/>
             </a:xfrm>
             <a:prstGeom prst="rect">
               <a:avLst/>
@@ -9690,1056 +11833,30 @@
             <a:bodyPr wrap="square">
               <a:spAutoFit/>
             </a:bodyPr>
-            <a:lstStyle/>
+            <a:lstStyle>
+              <a:defPPr>
+                <a:defRPr lang="LID4096"/>
+              </a:defPPr>
+              <a:lvl1pPr>
+                <a:defRPr sz="1100" b="1"/>
+              </a:lvl1pPr>
+            </a:lstStyle>
             <a:p>
-              <a:pPr marL="0" marR="0">
-                <a:lnSpc>
-                  <a:spcPct val="107000"/>
-                </a:lnSpc>
-                <a:spcBef>
-                  <a:spcPts val="0"/>
-                </a:spcBef>
-                <a:spcAft>
-                  <a:spcPts val="800"/>
-                </a:spcAft>
-              </a:pPr>
               <a:r>
-                <a:rPr lang="pt-BR" sz="700" u="sng" kern="100" dirty="0">
-                  <a:solidFill>
-                    <a:srgbClr val="0000FF"/>
-                  </a:solidFill>
-                  <a:effectLst/>
-                  <a:latin typeface="Lucida Casual"/>
-                  <a:ea typeface="Calibri" panose="020F0502020204030204" pitchFamily="34" charset="0"/>
-                  <a:cs typeface="Arial" panose="020B0604020202020204" pitchFamily="34" charset="0"/>
-                  <a:hlinkClick r:id="rId5">
-                    <a:extLst>
-                      <a:ext uri="{A12FA001-AC4F-418D-AE19-62706E023703}">
-                        <ahyp:hlinkClr xmlns:ahyp="http://schemas.microsoft.com/office/drawing/2018/hyperlinkcolor" val="tx"/>
-                      </a:ext>
-                    </a:extLst>
-                  </a:hlinkClick>
-                </a:rPr>
-                <a:t>2025 - www.betami.com.br</a:t>
+                <a:rPr lang="en-US" sz="2800" dirty="0"/>
+                <a:t>*</a:t>
               </a:r>
-              <a:endParaRPr lang="pt-BR" sz="700" kern="100" dirty="0">
-                <a:solidFill>
-                  <a:srgbClr val="0000FF"/>
-                </a:solidFill>
-                <a:effectLst/>
-                <a:latin typeface="Lucida Casual"/>
-                <a:ea typeface="Calibri" panose="020F0502020204030204" pitchFamily="34" charset="0"/>
-                <a:cs typeface="Arial" panose="020B0604020202020204" pitchFamily="34" charset="0"/>
-              </a:endParaRPr>
-            </a:p>
-          </p:txBody>
-        </p:sp>
-      </p:grpSp>
-      <p:grpSp>
-        <p:nvGrpSpPr>
-          <p:cNvPr id="43" name="Group 42">
-            <a:extLst>
-              <a:ext uri="{FF2B5EF4-FFF2-40B4-BE49-F238E27FC236}">
-                <a16:creationId xmlns:a16="http://schemas.microsoft.com/office/drawing/2014/main" id="{EB57C950-3CD6-C020-C22D-EF93E84F1565}"/>
-              </a:ext>
-            </a:extLst>
-          </p:cNvPr>
-          <p:cNvGrpSpPr/>
-          <p:nvPr/>
-        </p:nvGrpSpPr>
-        <p:grpSpPr>
-          <a:xfrm>
-            <a:off x="8425144" y="281279"/>
-            <a:ext cx="3448456" cy="4667098"/>
-            <a:chOff x="6150339" y="239922"/>
-            <a:chExt cx="3448456" cy="4667098"/>
-          </a:xfrm>
-        </p:grpSpPr>
-        <p:grpSp>
-          <p:nvGrpSpPr>
-            <p:cNvPr id="156" name="Group 155">
-              <a:extLst>
-                <a:ext uri="{FF2B5EF4-FFF2-40B4-BE49-F238E27FC236}">
-                  <a16:creationId xmlns:a16="http://schemas.microsoft.com/office/drawing/2014/main" id="{74C48DC9-1C0B-CD35-1696-054FF3327D1B}"/>
-                </a:ext>
-              </a:extLst>
-            </p:cNvPr>
-            <p:cNvGrpSpPr/>
-            <p:nvPr/>
-          </p:nvGrpSpPr>
-          <p:grpSpPr>
-            <a:xfrm>
-              <a:off x="6150339" y="239922"/>
-              <a:ext cx="3448456" cy="4667098"/>
-              <a:chOff x="5894964" y="190494"/>
-              <a:chExt cx="3448456" cy="4667098"/>
-            </a:xfrm>
-          </p:grpSpPr>
-          <p:pic>
-            <p:nvPicPr>
-              <p:cNvPr id="84" name="Picture 83">
-                <a:extLst>
-                  <a:ext uri="{FF2B5EF4-FFF2-40B4-BE49-F238E27FC236}">
-                    <a16:creationId xmlns:a16="http://schemas.microsoft.com/office/drawing/2014/main" id="{F24192E2-21C9-0D81-3F0E-6D9F7A4D8ED1}"/>
-                  </a:ext>
-                </a:extLst>
-              </p:cNvPr>
-              <p:cNvPicPr>
-                <a:picLocks noChangeAspect="1"/>
-              </p:cNvPicPr>
-              <p:nvPr/>
-            </p:nvPicPr>
-            <p:blipFill>
-              <a:blip r:embed="rId6"/>
-              <a:stretch>
-                <a:fillRect/>
-              </a:stretch>
-            </p:blipFill>
-            <p:spPr>
-              <a:xfrm>
-                <a:off x="5942995" y="437992"/>
-                <a:ext cx="3400425" cy="4419600"/>
-              </a:xfrm>
-              <a:prstGeom prst="rect">
-                <a:avLst/>
-              </a:prstGeom>
-            </p:spPr>
-          </p:pic>
-          <p:grpSp>
-            <p:nvGrpSpPr>
-              <p:cNvPr id="85" name="Group 84">
-                <a:extLst>
-                  <a:ext uri="{FF2B5EF4-FFF2-40B4-BE49-F238E27FC236}">
-                    <a16:creationId xmlns:a16="http://schemas.microsoft.com/office/drawing/2014/main" id="{B1D5889B-DC96-FF80-36E4-B47A74F97FE1}"/>
-                  </a:ext>
-                </a:extLst>
-              </p:cNvPr>
-              <p:cNvGrpSpPr>
-                <a:grpSpLocks noChangeAspect="1"/>
-              </p:cNvGrpSpPr>
-              <p:nvPr/>
-            </p:nvGrpSpPr>
-            <p:grpSpPr>
-              <a:xfrm>
-                <a:off x="5894964" y="190494"/>
-                <a:ext cx="3446437" cy="1452757"/>
-                <a:chOff x="2719109" y="952704"/>
-                <a:chExt cx="3446437" cy="1452757"/>
-              </a:xfrm>
-            </p:grpSpPr>
-            <p:sp>
-              <p:nvSpPr>
-                <p:cNvPr id="87" name="Rectangle 86">
-                  <a:extLst>
-                    <a:ext uri="{FF2B5EF4-FFF2-40B4-BE49-F238E27FC236}">
-                      <a16:creationId xmlns:a16="http://schemas.microsoft.com/office/drawing/2014/main" id="{985412BB-A522-C2DC-47AA-8C33303EDEBA}"/>
-                    </a:ext>
-                  </a:extLst>
-                </p:cNvPr>
-                <p:cNvSpPr/>
-                <p:nvPr/>
-              </p:nvSpPr>
-              <p:spPr>
-                <a:xfrm>
-                  <a:off x="2788535" y="2205595"/>
-                  <a:ext cx="3377011" cy="199866"/>
-                </a:xfrm>
-                <a:prstGeom prst="rect">
-                  <a:avLst/>
-                </a:prstGeom>
-                <a:noFill/>
-                <a:ln w="6350">
-                  <a:solidFill>
-                    <a:srgbClr val="FF0000"/>
-                  </a:solidFill>
-                </a:ln>
-                <a:effectLst>
-                  <a:outerShdw blurRad="50800" dist="38100" dir="8100000" algn="tr" rotWithShape="0">
-                    <a:prstClr val="black">
-                      <a:alpha val="40000"/>
-                    </a:prstClr>
-                  </a:outerShdw>
-                </a:effectLst>
-              </p:spPr>
-              <p:txBody>
-                <a:bodyPr wrap="none" anchor="ctr" anchorCtr="0">
-                  <a:noAutofit/>
-                </a:bodyPr>
-                <a:lstStyle/>
-                <a:p>
-                  <a:endParaRPr lang="LID4096"/>
-                </a:p>
-              </p:txBody>
-            </p:sp>
-            <p:sp>
-              <p:nvSpPr>
-                <p:cNvPr id="89" name="Rectangle 88">
-                  <a:extLst>
-                    <a:ext uri="{FF2B5EF4-FFF2-40B4-BE49-F238E27FC236}">
-                      <a16:creationId xmlns:a16="http://schemas.microsoft.com/office/drawing/2014/main" id="{620C5B0E-95C9-E7D5-E319-93E703289604}"/>
-                    </a:ext>
-                  </a:extLst>
-                </p:cNvPr>
-                <p:cNvSpPr/>
-                <p:nvPr/>
-              </p:nvSpPr>
-              <p:spPr>
-                <a:xfrm>
-                  <a:off x="2719109" y="952704"/>
-                  <a:ext cx="1993298" cy="192942"/>
-                </a:xfrm>
-                <a:prstGeom prst="rect">
-                  <a:avLst/>
-                </a:prstGeom>
-                <a:noFill/>
-                <a:ln w="6350">
-                  <a:solidFill>
-                    <a:schemeClr val="tx1"/>
-                  </a:solidFill>
-                </a:ln>
-                <a:effectLst>
-                  <a:outerShdw blurRad="50800" dist="38100" dir="8100000" algn="tr" rotWithShape="0">
-                    <a:prstClr val="black">
-                      <a:alpha val="40000"/>
-                    </a:prstClr>
-                  </a:outerShdw>
-                </a:effectLst>
-              </p:spPr>
-              <p:txBody>
-                <a:bodyPr wrap="none" anchor="ctr" anchorCtr="0">
-                  <a:noAutofit/>
-                </a:bodyPr>
-                <a:lstStyle/>
-                <a:p>
-                  <a:endParaRPr lang="LID4096" dirty="0"/>
-                </a:p>
-              </p:txBody>
-            </p:sp>
-          </p:grpSp>
-        </p:grpSp>
-        <p:sp>
-          <p:nvSpPr>
-            <p:cNvPr id="8" name="TextBox 7">
-              <a:extLst>
-                <a:ext uri="{FF2B5EF4-FFF2-40B4-BE49-F238E27FC236}">
-                  <a16:creationId xmlns:a16="http://schemas.microsoft.com/office/drawing/2014/main" id="{59ACC9D0-B0A2-7634-C4DE-6C267A1D925D}"/>
-                </a:ext>
-              </a:extLst>
-            </p:cNvPr>
-            <p:cNvSpPr txBox="1"/>
-            <p:nvPr/>
-          </p:nvSpPr>
-          <p:spPr>
-            <a:xfrm>
-              <a:off x="8687786" y="1305171"/>
-              <a:ext cx="908990" cy="182880"/>
-            </a:xfrm>
-            <a:prstGeom prst="rect">
-              <a:avLst/>
-            </a:prstGeom>
-            <a:solidFill>
-              <a:srgbClr val="93E3FF"/>
-            </a:solidFill>
-          </p:spPr>
-          <p:txBody>
-            <a:bodyPr wrap="none" lIns="0" tIns="0" rIns="0" bIns="0" rtlCol="0" anchor="ctr" anchorCtr="0">
-              <a:noAutofit/>
-            </a:bodyPr>
-            <a:lstStyle/>
-            <a:p>
-              <a:pPr algn="ctr"/>
-              <a:r>
-                <a:rPr lang="en-US" sz="1100" b="1" dirty="0">
-                  <a:latin typeface="Calibri bold" panose="020F0702030404030204" pitchFamily="34" charset="0"/>
-                  <a:cs typeface="Calibri bold" panose="020F0702030404030204" pitchFamily="34" charset="0"/>
-                </a:rPr>
-                <a:t>S2  sequence</a:t>
-              </a:r>
-            </a:p>
-          </p:txBody>
-        </p:sp>
-        <p:sp>
-          <p:nvSpPr>
-            <p:cNvPr id="29" name="TextBox 28">
-              <a:extLst>
-                <a:ext uri="{FF2B5EF4-FFF2-40B4-BE49-F238E27FC236}">
-                  <a16:creationId xmlns:a16="http://schemas.microsoft.com/office/drawing/2014/main" id="{9A3AB913-217C-C188-7084-52FDBDCBB51C}"/>
-                </a:ext>
-              </a:extLst>
-            </p:cNvPr>
-            <p:cNvSpPr txBox="1">
-              <a:spLocks noChangeAspect="1"/>
-            </p:cNvSpPr>
-            <p:nvPr/>
-          </p:nvSpPr>
-          <p:spPr>
-            <a:xfrm>
-              <a:off x="8444634" y="627748"/>
-              <a:ext cx="405347" cy="273747"/>
-            </a:xfrm>
-            <a:prstGeom prst="rect">
-              <a:avLst/>
-            </a:prstGeom>
-            <a:solidFill>
-              <a:schemeClr val="bg1">
-                <a:lumMod val="85000"/>
-              </a:schemeClr>
-            </a:solidFill>
-          </p:spPr>
-          <p:txBody>
-            <a:bodyPr wrap="none" lIns="0" tIns="0" rIns="0" bIns="0" anchor="ctr" anchorCtr="0">
-              <a:noAutofit/>
-            </a:bodyPr>
-            <a:lstStyle/>
-            <a:p>
-              <a:pPr algn="ctr"/>
-              <a:r>
-                <a:rPr lang="pt-BR" sz="1500" b="1" dirty="0"/>
-                <a:t>2_02</a:t>
-              </a:r>
-              <a:endParaRPr lang="LID4096" sz="1500" b="1" dirty="0"/>
-            </a:p>
-          </p:txBody>
-        </p:sp>
-      </p:grpSp>
-      <p:grpSp>
-        <p:nvGrpSpPr>
-          <p:cNvPr id="40" name="Group 39">
-            <a:extLst>
-              <a:ext uri="{FF2B5EF4-FFF2-40B4-BE49-F238E27FC236}">
-                <a16:creationId xmlns:a16="http://schemas.microsoft.com/office/drawing/2014/main" id="{B940F550-241D-A68B-75AC-F9664BF850D3}"/>
-              </a:ext>
-            </a:extLst>
-          </p:cNvPr>
-          <p:cNvGrpSpPr/>
-          <p:nvPr/>
-        </p:nvGrpSpPr>
-        <p:grpSpPr>
-          <a:xfrm>
-            <a:off x="125598" y="76665"/>
-            <a:ext cx="1919943" cy="1074824"/>
-            <a:chOff x="125598" y="76665"/>
-            <a:chExt cx="1919943" cy="1074824"/>
-          </a:xfrm>
-        </p:grpSpPr>
-        <p:pic>
-          <p:nvPicPr>
-            <p:cNvPr id="163" name="Picture 162">
-              <a:extLst>
-                <a:ext uri="{FF2B5EF4-FFF2-40B4-BE49-F238E27FC236}">
-                  <a16:creationId xmlns:a16="http://schemas.microsoft.com/office/drawing/2014/main" id="{5546B4FE-2BB7-BB02-886F-42BD11CD1E9C}"/>
-                </a:ext>
-              </a:extLst>
-            </p:cNvPr>
-            <p:cNvPicPr>
-              <a:picLocks noChangeAspect="1"/>
-            </p:cNvPicPr>
-            <p:nvPr/>
-          </p:nvPicPr>
-          <p:blipFill>
-            <a:blip r:embed="rId7"/>
-            <a:srcRect r="53369"/>
-            <a:stretch/>
-          </p:blipFill>
-          <p:spPr>
-            <a:xfrm>
-              <a:off x="125598" y="76665"/>
-              <a:ext cx="941616" cy="1028700"/>
-            </a:xfrm>
-            <a:prstGeom prst="rect">
-              <a:avLst/>
-            </a:prstGeom>
-          </p:spPr>
-        </p:pic>
-        <p:sp>
-          <p:nvSpPr>
-            <p:cNvPr id="165" name="Rectangle 164">
-              <a:extLst>
-                <a:ext uri="{FF2B5EF4-FFF2-40B4-BE49-F238E27FC236}">
-                  <a16:creationId xmlns:a16="http://schemas.microsoft.com/office/drawing/2014/main" id="{E83D2FC6-6D62-F712-166B-BBC6BFC4B11C}"/>
-                </a:ext>
-              </a:extLst>
-            </p:cNvPr>
-            <p:cNvSpPr/>
-            <p:nvPr/>
-          </p:nvSpPr>
-          <p:spPr>
-            <a:xfrm>
-              <a:off x="129322" y="79497"/>
-              <a:ext cx="1916219" cy="1019573"/>
-            </a:xfrm>
-            <a:prstGeom prst="rect">
-              <a:avLst/>
-            </a:prstGeom>
-            <a:noFill/>
-            <a:ln w="6350">
-              <a:solidFill>
-                <a:srgbClr val="0000FF"/>
-              </a:solidFill>
-            </a:ln>
-            <a:effectLst>
-              <a:outerShdw blurRad="50800" dist="38100" dir="8100000" algn="tr" rotWithShape="0">
-                <a:prstClr val="black">
-                  <a:alpha val="40000"/>
-                </a:prstClr>
-              </a:outerShdw>
-            </a:effectLst>
-          </p:spPr>
-          <p:txBody>
-            <a:bodyPr wrap="none" anchor="ctr" anchorCtr="0">
-              <a:noAutofit/>
-            </a:bodyPr>
-            <a:lstStyle/>
-            <a:p>
-              <a:endParaRPr lang="LID4096"/>
-            </a:p>
-          </p:txBody>
-        </p:sp>
-        <p:sp>
-          <p:nvSpPr>
-            <p:cNvPr id="38" name="Rectangle 37">
-              <a:extLst>
-                <a:ext uri="{FF2B5EF4-FFF2-40B4-BE49-F238E27FC236}">
-                  <a16:creationId xmlns:a16="http://schemas.microsoft.com/office/drawing/2014/main" id="{B2868757-8D17-2A29-8B10-9154FC4D2C63}"/>
-                </a:ext>
-              </a:extLst>
-            </p:cNvPr>
-            <p:cNvSpPr/>
-            <p:nvPr/>
-          </p:nvSpPr>
-          <p:spPr>
-            <a:xfrm>
-              <a:off x="125598" y="281279"/>
-              <a:ext cx="1916220" cy="870210"/>
-            </a:xfrm>
-            <a:prstGeom prst="rect">
-              <a:avLst/>
-            </a:prstGeom>
-            <a:solidFill>
-              <a:srgbClr val="FFF2CC">
-                <a:alpha val="80000"/>
-              </a:srgbClr>
-            </a:solidFill>
-            <a:ln>
-              <a:noFill/>
-            </a:ln>
-          </p:spPr>
-          <p:style>
-            <a:lnRef idx="2">
-              <a:schemeClr val="accent1">
-                <a:shade val="15000"/>
-              </a:schemeClr>
-            </a:lnRef>
-            <a:fillRef idx="1">
-              <a:schemeClr val="accent1"/>
-            </a:fillRef>
-            <a:effectRef idx="0">
-              <a:schemeClr val="accent1"/>
-            </a:effectRef>
-            <a:fontRef idx="minor">
-              <a:schemeClr val="lt1"/>
-            </a:fontRef>
-          </p:style>
-          <p:txBody>
-            <a:bodyPr rtlCol="0" anchor="ctr"/>
-            <a:lstStyle/>
-            <a:p>
-              <a:pPr algn="ctr"/>
-              <a:endParaRPr lang="LID4096"/>
-            </a:p>
-          </p:txBody>
-        </p:sp>
-      </p:grpSp>
-      <p:grpSp>
-        <p:nvGrpSpPr>
-          <p:cNvPr id="67" name="Group 66">
-            <a:extLst>
-              <a:ext uri="{FF2B5EF4-FFF2-40B4-BE49-F238E27FC236}">
-                <a16:creationId xmlns:a16="http://schemas.microsoft.com/office/drawing/2014/main" id="{DFCB0EF8-3C80-021B-F825-D705EDDA9350}"/>
-              </a:ext>
-            </a:extLst>
-          </p:cNvPr>
-          <p:cNvGrpSpPr/>
-          <p:nvPr/>
-        </p:nvGrpSpPr>
-        <p:grpSpPr>
-          <a:xfrm>
-            <a:off x="3689435" y="217617"/>
-            <a:ext cx="4125450" cy="4959205"/>
-            <a:chOff x="3318721" y="221634"/>
-            <a:chExt cx="4125450" cy="4959205"/>
-          </a:xfrm>
-        </p:grpSpPr>
-        <p:grpSp>
-          <p:nvGrpSpPr>
-            <p:cNvPr id="45" name="Group 44">
-              <a:extLst>
-                <a:ext uri="{FF2B5EF4-FFF2-40B4-BE49-F238E27FC236}">
-                  <a16:creationId xmlns:a16="http://schemas.microsoft.com/office/drawing/2014/main" id="{C397D61D-C606-BA4E-0B30-3D2F72C64A0B}"/>
-                </a:ext>
-              </a:extLst>
-            </p:cNvPr>
-            <p:cNvGrpSpPr/>
-            <p:nvPr/>
-          </p:nvGrpSpPr>
-          <p:grpSpPr>
-            <a:xfrm>
-              <a:off x="3318721" y="221634"/>
-              <a:ext cx="4125450" cy="4959205"/>
-              <a:chOff x="2733833" y="221634"/>
-              <a:chExt cx="4125450" cy="4959205"/>
-            </a:xfrm>
-          </p:grpSpPr>
-          <p:pic>
-            <p:nvPicPr>
-              <p:cNvPr id="26" name="Picture 25">
-                <a:extLst>
-                  <a:ext uri="{FF2B5EF4-FFF2-40B4-BE49-F238E27FC236}">
-                    <a16:creationId xmlns:a16="http://schemas.microsoft.com/office/drawing/2014/main" id="{48D769A3-708C-CC1A-D367-7677B89BFF54}"/>
-                  </a:ext>
-                </a:extLst>
-              </p:cNvPr>
-              <p:cNvPicPr>
-                <a:picLocks noChangeAspect="1"/>
-              </p:cNvPicPr>
-              <p:nvPr/>
-            </p:nvPicPr>
-            <p:blipFill>
-              <a:blip r:embed="rId8"/>
-              <a:stretch>
-                <a:fillRect/>
-              </a:stretch>
-            </p:blipFill>
-            <p:spPr>
-              <a:xfrm>
-                <a:off x="2733833" y="221634"/>
-                <a:ext cx="2085975" cy="190500"/>
-              </a:xfrm>
-              <a:prstGeom prst="rect">
-                <a:avLst/>
-              </a:prstGeom>
-            </p:spPr>
-          </p:pic>
-          <p:pic>
-            <p:nvPicPr>
-              <p:cNvPr id="28" name="Picture 27">
-                <a:extLst>
-                  <a:ext uri="{FF2B5EF4-FFF2-40B4-BE49-F238E27FC236}">
-                    <a16:creationId xmlns:a16="http://schemas.microsoft.com/office/drawing/2014/main" id="{D143FAA7-AE1B-D652-EE1A-A3500740E5CD}"/>
-                  </a:ext>
-                </a:extLst>
-              </p:cNvPr>
-              <p:cNvPicPr>
-                <a:picLocks noChangeAspect="1"/>
-              </p:cNvPicPr>
-              <p:nvPr/>
-            </p:nvPicPr>
-            <p:blipFill>
-              <a:blip r:embed="rId9"/>
-              <a:stretch>
-                <a:fillRect/>
-              </a:stretch>
-            </p:blipFill>
-            <p:spPr>
-              <a:xfrm>
-                <a:off x="2820762" y="494539"/>
-                <a:ext cx="3333750" cy="4686300"/>
-              </a:xfrm>
-              <a:prstGeom prst="rect">
-                <a:avLst/>
-              </a:prstGeom>
-            </p:spPr>
-          </p:pic>
-          <p:grpSp>
-            <p:nvGrpSpPr>
-              <p:cNvPr id="65" name="Group 64">
-                <a:extLst>
-                  <a:ext uri="{FF2B5EF4-FFF2-40B4-BE49-F238E27FC236}">
-                    <a16:creationId xmlns:a16="http://schemas.microsoft.com/office/drawing/2014/main" id="{2AA25CF9-E338-5AD6-CCA4-4CDF0ACE015B}"/>
-                  </a:ext>
-                </a:extLst>
-              </p:cNvPr>
-              <p:cNvGrpSpPr>
-                <a:grpSpLocks noChangeAspect="1"/>
-              </p:cNvGrpSpPr>
-              <p:nvPr/>
-            </p:nvGrpSpPr>
-            <p:grpSpPr>
-              <a:xfrm>
-                <a:off x="2785655" y="223834"/>
-                <a:ext cx="3364094" cy="2874454"/>
-                <a:chOff x="3346788" y="1316304"/>
-                <a:chExt cx="3364094" cy="2874454"/>
-              </a:xfrm>
-            </p:grpSpPr>
-            <p:sp>
-              <p:nvSpPr>
-                <p:cNvPr id="70" name="Rectangle 69">
-                  <a:extLst>
-                    <a:ext uri="{FF2B5EF4-FFF2-40B4-BE49-F238E27FC236}">
-                      <a16:creationId xmlns:a16="http://schemas.microsoft.com/office/drawing/2014/main" id="{CC70F754-E2DB-2B2A-2D0A-2DB0C14F97F1}"/>
-                    </a:ext>
-                  </a:extLst>
-                </p:cNvPr>
-                <p:cNvSpPr/>
-                <p:nvPr/>
-              </p:nvSpPr>
-              <p:spPr>
-                <a:xfrm>
-                  <a:off x="3346788" y="1316304"/>
-                  <a:ext cx="1993298" cy="192942"/>
-                </a:xfrm>
-                <a:prstGeom prst="rect">
-                  <a:avLst/>
-                </a:prstGeom>
-                <a:noFill/>
-                <a:ln w="6350">
-                  <a:solidFill>
-                    <a:schemeClr val="tx1"/>
-                  </a:solidFill>
-                </a:ln>
-                <a:effectLst>
-                  <a:outerShdw blurRad="50800" dist="38100" dir="8100000" algn="tr" rotWithShape="0">
-                    <a:prstClr val="black">
-                      <a:alpha val="40000"/>
-                    </a:prstClr>
-                  </a:outerShdw>
-                </a:effectLst>
-              </p:spPr>
-              <p:txBody>
-                <a:bodyPr wrap="none" anchor="ctr" anchorCtr="0">
-                  <a:noAutofit/>
-                </a:bodyPr>
-                <a:lstStyle/>
-                <a:p>
-                  <a:endParaRPr lang="LID4096" dirty="0"/>
-                </a:p>
-              </p:txBody>
-            </p:sp>
-            <p:sp>
-              <p:nvSpPr>
-                <p:cNvPr id="68" name="Rectangle 67">
-                  <a:extLst>
-                    <a:ext uri="{FF2B5EF4-FFF2-40B4-BE49-F238E27FC236}">
-                      <a16:creationId xmlns:a16="http://schemas.microsoft.com/office/drawing/2014/main" id="{53286607-8E3A-AFD3-0227-4AE2F32FB195}"/>
-                    </a:ext>
-                  </a:extLst>
-                </p:cNvPr>
-                <p:cNvSpPr/>
-                <p:nvPr/>
-              </p:nvSpPr>
-              <p:spPr>
-                <a:xfrm>
-                  <a:off x="3386657" y="4011648"/>
-                  <a:ext cx="3324225" cy="179110"/>
-                </a:xfrm>
-                <a:prstGeom prst="rect">
-                  <a:avLst/>
-                </a:prstGeom>
-                <a:noFill/>
-                <a:ln w="6350">
-                  <a:solidFill>
-                    <a:srgbClr val="FF0000"/>
-                  </a:solidFill>
-                </a:ln>
-                <a:effectLst>
-                  <a:outerShdw blurRad="50800" dist="38100" dir="8100000" algn="tr" rotWithShape="0">
-                    <a:prstClr val="black">
-                      <a:alpha val="40000"/>
-                    </a:prstClr>
-                  </a:outerShdw>
-                </a:effectLst>
-              </p:spPr>
-              <p:txBody>
-                <a:bodyPr wrap="none" anchor="ctr" anchorCtr="0">
-                  <a:noAutofit/>
-                </a:bodyPr>
-                <a:lstStyle/>
-                <a:p>
-                  <a:endParaRPr lang="LID4096"/>
-                </a:p>
-              </p:txBody>
-            </p:sp>
-          </p:grpSp>
-          <p:sp>
-            <p:nvSpPr>
-              <p:cNvPr id="63" name="TextBox 62">
-                <a:extLst>
-                  <a:ext uri="{FF2B5EF4-FFF2-40B4-BE49-F238E27FC236}">
-                    <a16:creationId xmlns:a16="http://schemas.microsoft.com/office/drawing/2014/main" id="{0B4D0450-C456-ABC0-E140-A389125BBA47}"/>
-                  </a:ext>
-                </a:extLst>
-              </p:cNvPr>
-              <p:cNvSpPr txBox="1">
-                <a:spLocks noChangeAspect="1"/>
-              </p:cNvSpPr>
-              <p:nvPr/>
-            </p:nvSpPr>
-            <p:spPr>
-              <a:xfrm>
-                <a:off x="5079856" y="625871"/>
-                <a:ext cx="405347" cy="273747"/>
-              </a:xfrm>
-              <a:prstGeom prst="rect">
-                <a:avLst/>
-              </a:prstGeom>
-              <a:solidFill>
-                <a:schemeClr val="bg1">
-                  <a:lumMod val="85000"/>
-                </a:schemeClr>
-              </a:solidFill>
-            </p:spPr>
-            <p:txBody>
-              <a:bodyPr wrap="none" lIns="0" tIns="0" rIns="0" bIns="0" anchor="ctr" anchorCtr="0">
-                <a:noAutofit/>
-              </a:bodyPr>
-              <a:lstStyle/>
-              <a:p>
-                <a:pPr algn="ctr"/>
-                <a:r>
-                  <a:rPr lang="pt-BR" sz="1500" b="1" dirty="0"/>
-                  <a:t>2_01</a:t>
-                </a:r>
-                <a:endParaRPr lang="LID4096" sz="1500" b="1" dirty="0"/>
-              </a:p>
-            </p:txBody>
-          </p:sp>
-          <p:sp>
-            <p:nvSpPr>
-              <p:cNvPr id="13" name="TextBox 12">
-                <a:extLst>
-                  <a:ext uri="{FF2B5EF4-FFF2-40B4-BE49-F238E27FC236}">
-                    <a16:creationId xmlns:a16="http://schemas.microsoft.com/office/drawing/2014/main" id="{3AEC3FF2-F6FD-DB99-DCFA-28647C40D707}"/>
-                  </a:ext>
-                </a:extLst>
-              </p:cNvPr>
-              <p:cNvSpPr txBox="1"/>
-              <p:nvPr/>
-            </p:nvSpPr>
-            <p:spPr>
-              <a:xfrm>
-                <a:off x="6164316" y="2851348"/>
-                <a:ext cx="694967" cy="182880"/>
-              </a:xfrm>
-              <a:prstGeom prst="rect">
-                <a:avLst/>
-              </a:prstGeom>
-              <a:solidFill>
-                <a:srgbClr val="93E3FF"/>
-              </a:solidFill>
-            </p:spPr>
-            <p:txBody>
-              <a:bodyPr wrap="none" lIns="0" tIns="0" rIns="0" bIns="0" rtlCol="0" anchor="ctr" anchorCtr="0">
-                <a:noAutofit/>
-              </a:bodyPr>
-              <a:lstStyle>
-                <a:defPPr>
-                  <a:defRPr lang="LID4096"/>
-                </a:defPPr>
-                <a:lvl1pPr algn="ctr">
-                  <a:defRPr sz="1100" b="1">
-                    <a:latin typeface="Calibri bold" panose="020F0702030404030204" pitchFamily="34" charset="0"/>
-                    <a:cs typeface="Calibri bold" panose="020F0702030404030204" pitchFamily="34" charset="0"/>
-                  </a:defRPr>
-                </a:lvl1pPr>
-              </a:lstStyle>
-              <a:p>
-                <a:r>
-                  <a:rPr lang="pt-BR" dirty="0"/>
-                  <a:t>S1 </a:t>
-                </a:r>
-                <a:endParaRPr lang="LID4096" dirty="0"/>
-              </a:p>
-            </p:txBody>
-          </p:sp>
-          <p:sp>
-            <p:nvSpPr>
-              <p:cNvPr id="41" name="TextBox 40">
-                <a:extLst>
-                  <a:ext uri="{FF2B5EF4-FFF2-40B4-BE49-F238E27FC236}">
-                    <a16:creationId xmlns:a16="http://schemas.microsoft.com/office/drawing/2014/main" id="{D17B880A-374B-A2D8-0D8A-F7749FCC4F6A}"/>
-                  </a:ext>
-                </a:extLst>
-              </p:cNvPr>
-              <p:cNvSpPr txBox="1">
-                <a:spLocks noChangeAspect="1"/>
-              </p:cNvSpPr>
-              <p:nvPr/>
-            </p:nvSpPr>
-            <p:spPr>
-              <a:xfrm>
-                <a:off x="5161171" y="3433017"/>
-                <a:ext cx="709686" cy="283668"/>
-              </a:xfrm>
-              <a:prstGeom prst="rect">
-                <a:avLst/>
-              </a:prstGeom>
-              <a:solidFill>
-                <a:srgbClr val="FFCCFF"/>
-              </a:solidFill>
-            </p:spPr>
-            <p:txBody>
-              <a:bodyPr wrap="none" lIns="0" tIns="0" rIns="0" bIns="0" anchor="ctr" anchorCtr="0">
-                <a:noAutofit/>
-              </a:bodyPr>
-              <a:lstStyle/>
-              <a:p>
-                <a:pPr algn="ctr"/>
-                <a:r>
-                  <a:rPr lang="en-US" sz="800" b="1" dirty="0"/>
-                  <a:t>Last one: </a:t>
-                </a:r>
-              </a:p>
-              <a:p>
-                <a:pPr algn="ctr"/>
-                <a:r>
-                  <a:rPr lang="en-US" sz="800" b="1" dirty="0"/>
-                  <a:t>Move on … </a:t>
-                </a:r>
-              </a:p>
-            </p:txBody>
-          </p:sp>
-        </p:grpSp>
-        <p:sp>
-          <p:nvSpPr>
-            <p:cNvPr id="46" name="TextBox 45">
-              <a:extLst>
-                <a:ext uri="{FF2B5EF4-FFF2-40B4-BE49-F238E27FC236}">
-                  <a16:creationId xmlns:a16="http://schemas.microsoft.com/office/drawing/2014/main" id="{6C24F72B-EBE5-7246-3067-E9D89DB5F363}"/>
-                </a:ext>
-              </a:extLst>
-            </p:cNvPr>
-            <p:cNvSpPr txBox="1"/>
-            <p:nvPr/>
-          </p:nvSpPr>
-          <p:spPr>
-            <a:xfrm>
-              <a:off x="5455641" y="3295498"/>
-              <a:ext cx="640359" cy="179110"/>
-            </a:xfrm>
-            <a:prstGeom prst="rect">
-              <a:avLst/>
-            </a:prstGeom>
-            <a:solidFill>
-              <a:schemeClr val="accent4">
-                <a:lumMod val="40000"/>
-                <a:lumOff val="60000"/>
-              </a:schemeClr>
-            </a:solidFill>
-          </p:spPr>
-          <p:txBody>
-            <a:bodyPr wrap="square" lIns="0" tIns="0" rIns="0" bIns="0" anchor="ctr" anchorCtr="0">
-              <a:noAutofit/>
-            </a:bodyPr>
-            <a:lstStyle/>
-            <a:p>
-              <a:pPr algn="ctr"/>
-              <a:r>
-                <a:rPr lang="en-US" sz="1100" b="1" dirty="0"/>
-                <a:t>simplified</a:t>
-              </a:r>
+              <a:endParaRPr lang="LID4096" sz="2800" dirty="0"/>
             </a:p>
           </p:txBody>
         </p:sp>
       </p:grpSp>
       <p:sp>
         <p:nvSpPr>
-          <p:cNvPr id="59" name="TextBox 58">
-            <a:extLst>
-              <a:ext uri="{FF2B5EF4-FFF2-40B4-BE49-F238E27FC236}">
-                <a16:creationId xmlns:a16="http://schemas.microsoft.com/office/drawing/2014/main" id="{B2C793D5-8B74-9A81-FAB6-3D7A08C6E814}"/>
-              </a:ext>
-            </a:extLst>
-          </p:cNvPr>
-          <p:cNvSpPr txBox="1">
-            <a:spLocks/>
-          </p:cNvSpPr>
-          <p:nvPr/>
-        </p:nvSpPr>
-        <p:spPr>
-          <a:xfrm>
-            <a:off x="2225165" y="2289061"/>
-            <a:ext cx="369060" cy="137160"/>
-          </a:xfrm>
-          <a:prstGeom prst="rect">
-            <a:avLst/>
-          </a:prstGeom>
-          <a:solidFill>
-            <a:srgbClr val="00FF00"/>
-          </a:solidFill>
-        </p:spPr>
-        <p:txBody>
-          <a:bodyPr wrap="none" lIns="0" tIns="0" rIns="0" bIns="0" anchor="ctr" anchorCtr="0">
-            <a:noAutofit/>
-          </a:bodyPr>
-          <a:lstStyle/>
-          <a:p>
-            <a:pPr algn="ctr"/>
-            <a:r>
-              <a:rPr lang="pt-BR" sz="1200" b="1" dirty="0"/>
-              <a:t>0_02</a:t>
-            </a:r>
-            <a:endParaRPr lang="LID4096" sz="1200" b="1" dirty="0"/>
-          </a:p>
-        </p:txBody>
-      </p:sp>
-      <p:grpSp>
-        <p:nvGrpSpPr>
-          <p:cNvPr id="62" name="Group 61">
-            <a:extLst>
-              <a:ext uri="{FF2B5EF4-FFF2-40B4-BE49-F238E27FC236}">
-                <a16:creationId xmlns:a16="http://schemas.microsoft.com/office/drawing/2014/main" id="{944F3E29-308F-3FFC-D032-1EAB5B7EA67F}"/>
-              </a:ext>
-            </a:extLst>
-          </p:cNvPr>
-          <p:cNvGrpSpPr/>
-          <p:nvPr/>
-        </p:nvGrpSpPr>
-        <p:grpSpPr>
-          <a:xfrm>
-            <a:off x="369600" y="2359139"/>
-            <a:ext cx="2668350" cy="3123914"/>
-            <a:chOff x="35500" y="2503589"/>
-            <a:chExt cx="2668350" cy="3123914"/>
-          </a:xfrm>
-        </p:grpSpPr>
-        <p:pic>
-          <p:nvPicPr>
-            <p:cNvPr id="51" name="Picture 50">
-              <a:extLst>
-                <a:ext uri="{FF2B5EF4-FFF2-40B4-BE49-F238E27FC236}">
-                  <a16:creationId xmlns:a16="http://schemas.microsoft.com/office/drawing/2014/main" id="{BFABCC11-DD2E-6482-D221-E96AE4402379}"/>
-                </a:ext>
-              </a:extLst>
-            </p:cNvPr>
-            <p:cNvPicPr>
-              <a:picLocks noChangeAspect="1"/>
-            </p:cNvPicPr>
-            <p:nvPr/>
-          </p:nvPicPr>
-          <p:blipFill>
-            <a:blip r:embed="rId10"/>
-            <a:stretch>
-              <a:fillRect/>
-            </a:stretch>
-          </p:blipFill>
-          <p:spPr>
-            <a:xfrm>
-              <a:off x="209025" y="3962467"/>
-              <a:ext cx="2494825" cy="1665036"/>
-            </a:xfrm>
-            <a:prstGeom prst="rect">
-              <a:avLst/>
-            </a:prstGeom>
-          </p:spPr>
-        </p:pic>
-        <p:pic>
-          <p:nvPicPr>
-            <p:cNvPr id="55" name="Picture 54">
-              <a:extLst>
-                <a:ext uri="{FF2B5EF4-FFF2-40B4-BE49-F238E27FC236}">
-                  <a16:creationId xmlns:a16="http://schemas.microsoft.com/office/drawing/2014/main" id="{899196B3-F75B-19B0-D7ED-0DDE1D3640DE}"/>
-                </a:ext>
-              </a:extLst>
-            </p:cNvPr>
-            <p:cNvPicPr>
-              <a:picLocks noChangeAspect="1"/>
-            </p:cNvPicPr>
-            <p:nvPr/>
-          </p:nvPicPr>
-          <p:blipFill>
-            <a:blip r:embed="rId11"/>
-            <a:srcRect l="636" t="87625" r="-636" b="1311"/>
-            <a:stretch/>
-          </p:blipFill>
-          <p:spPr>
-            <a:xfrm>
-              <a:off x="35500" y="2711729"/>
-              <a:ext cx="2667000" cy="183366"/>
-            </a:xfrm>
-            <a:prstGeom prst="rect">
-              <a:avLst/>
-            </a:prstGeom>
-          </p:spPr>
-        </p:pic>
-        <p:sp>
-          <p:nvSpPr>
-            <p:cNvPr id="56" name="TextBox 55">
-              <a:extLst>
-                <a:ext uri="{FF2B5EF4-FFF2-40B4-BE49-F238E27FC236}">
-                  <a16:creationId xmlns:a16="http://schemas.microsoft.com/office/drawing/2014/main" id="{DD463AB6-D03E-E001-C141-600F0A9EB5B4}"/>
-                </a:ext>
-              </a:extLst>
-            </p:cNvPr>
-            <p:cNvSpPr txBox="1"/>
-            <p:nvPr/>
-          </p:nvSpPr>
-          <p:spPr>
-            <a:xfrm>
-              <a:off x="35500" y="2503589"/>
-              <a:ext cx="1224285" cy="261610"/>
-            </a:xfrm>
-            <a:prstGeom prst="rect">
-              <a:avLst/>
-            </a:prstGeom>
-            <a:noFill/>
-          </p:spPr>
-          <p:txBody>
-            <a:bodyPr wrap="square">
-              <a:spAutoFit/>
-            </a:bodyPr>
-            <a:lstStyle/>
-            <a:p>
-              <a:r>
-                <a:rPr lang="en-US" sz="1100" b="1" dirty="0"/>
-                <a:t> + time series</a:t>
-              </a:r>
-            </a:p>
-          </p:txBody>
-        </p:sp>
-      </p:grpSp>
-      <p:sp>
-        <p:nvSpPr>
-          <p:cNvPr id="18" name="TextBox 17">
-            <a:extLst>
-              <a:ext uri="{FF2B5EF4-FFF2-40B4-BE49-F238E27FC236}">
-                <a16:creationId xmlns:a16="http://schemas.microsoft.com/office/drawing/2014/main" id="{ED29F966-C0C5-385B-21C0-F73DF992AEA4}"/>
-              </a:ext>
-            </a:extLst>
-          </p:cNvPr>
-          <p:cNvSpPr txBox="1"/>
-          <p:nvPr/>
-        </p:nvSpPr>
-        <p:spPr>
-          <a:xfrm>
-            <a:off x="10343291" y="2701868"/>
-            <a:ext cx="1547141" cy="261610"/>
-          </a:xfrm>
-          <a:prstGeom prst="rect">
-            <a:avLst/>
-          </a:prstGeom>
-          <a:noFill/>
-        </p:spPr>
-        <p:txBody>
-          <a:bodyPr wrap="square">
-            <a:spAutoFit/>
-          </a:bodyPr>
-          <a:lstStyle/>
-          <a:p>
-            <a:pPr algn="r"/>
-            <a:r>
-              <a:rPr lang="en-US" sz="1100" b="1" dirty="0"/>
-              <a:t>Original version</a:t>
-            </a:r>
-          </a:p>
-        </p:txBody>
-      </p:sp>
-      <p:sp>
-        <p:nvSpPr>
-          <p:cNvPr id="19" name="Rectangle 18">
-            <a:extLst>
-              <a:ext uri="{FF2B5EF4-FFF2-40B4-BE49-F238E27FC236}">
-                <a16:creationId xmlns:a16="http://schemas.microsoft.com/office/drawing/2014/main" id="{AD5926F2-FA6D-41A2-5559-53F179C89CE5}"/>
+          <p:cNvPr id="101" name="Rectangle 100">
+            <a:extLst>
+              <a:ext uri="{FF2B5EF4-FFF2-40B4-BE49-F238E27FC236}">
+                <a16:creationId xmlns:a16="http://schemas.microsoft.com/office/drawing/2014/main" id="{BE2E718A-7F48-1C18-27C9-BE5A90E290C9}"/>
               </a:ext>
             </a:extLst>
           </p:cNvPr>
@@ -10748,541 +11865,8 @@
         </p:nvSpPr>
         <p:spPr>
           <a:xfrm>
-            <a:off x="8467269" y="2936712"/>
-            <a:ext cx="3377011" cy="199866"/>
-          </a:xfrm>
-          <a:prstGeom prst="rect">
-            <a:avLst/>
-          </a:prstGeom>
-          <a:noFill/>
-          <a:ln w="6350">
-            <a:solidFill>
-              <a:srgbClr val="FF0000"/>
-            </a:solidFill>
-          </a:ln>
-          <a:effectLst>
-            <a:outerShdw blurRad="50800" dist="38100" dir="8100000" algn="tr" rotWithShape="0">
-              <a:prstClr val="black">
-                <a:alpha val="40000"/>
-              </a:prstClr>
-            </a:outerShdw>
-          </a:effectLst>
-        </p:spPr>
-        <p:txBody>
-          <a:bodyPr wrap="none" anchor="ctr" anchorCtr="0">
-            <a:noAutofit/>
-          </a:bodyPr>
-          <a:lstStyle/>
-          <a:p>
-            <a:endParaRPr lang="LID4096"/>
-          </a:p>
-        </p:txBody>
-      </p:sp>
-      <p:sp>
-        <p:nvSpPr>
-          <p:cNvPr id="25" name="TextBox 24">
-            <a:extLst>
-              <a:ext uri="{FF2B5EF4-FFF2-40B4-BE49-F238E27FC236}">
-                <a16:creationId xmlns:a16="http://schemas.microsoft.com/office/drawing/2014/main" id="{AD5EDBCF-49BD-26AD-FD57-76D4623DB14F}"/>
-              </a:ext>
-            </a:extLst>
-          </p:cNvPr>
-          <p:cNvSpPr txBox="1"/>
-          <p:nvPr/>
-        </p:nvSpPr>
-        <p:spPr>
-          <a:xfrm>
-            <a:off x="1882144" y="1634097"/>
-            <a:ext cx="795178" cy="261610"/>
-          </a:xfrm>
-          <a:prstGeom prst="rect">
-            <a:avLst/>
-          </a:prstGeom>
-          <a:noFill/>
-        </p:spPr>
-        <p:txBody>
-          <a:bodyPr wrap="square">
-            <a:spAutoFit/>
-          </a:bodyPr>
-          <a:lstStyle/>
-          <a:p>
-            <a:r>
-              <a:rPr lang="LID4096" sz="1100" b="1" dirty="0">
-                <a:solidFill>
-                  <a:srgbClr val="FF0000"/>
-                </a:solidFill>
-              </a:rPr>
-              <a:t>FREYBERG</a:t>
-            </a:r>
-          </a:p>
-        </p:txBody>
-      </p:sp>
-      <p:sp>
-        <p:nvSpPr>
-          <p:cNvPr id="21" name="Arrow: Right 20">
-            <a:extLst>
-              <a:ext uri="{FF2B5EF4-FFF2-40B4-BE49-F238E27FC236}">
-                <a16:creationId xmlns:a16="http://schemas.microsoft.com/office/drawing/2014/main" id="{037047CD-E58C-D7B8-8D0B-45F8AC36B0B4}"/>
-              </a:ext>
-            </a:extLst>
-          </p:cNvPr>
-          <p:cNvSpPr/>
-          <p:nvPr/>
-        </p:nvSpPr>
-        <p:spPr>
-          <a:xfrm rot="20429806">
-            <a:off x="7080200" y="3346035"/>
-            <a:ext cx="402193" cy="308340"/>
-          </a:xfrm>
-          <a:prstGeom prst="rightArrow">
-            <a:avLst/>
-          </a:prstGeom>
-        </p:spPr>
-        <p:style>
-          <a:lnRef idx="2">
-            <a:schemeClr val="accent1">
-              <a:shade val="15000"/>
-            </a:schemeClr>
-          </a:lnRef>
-          <a:fillRef idx="1">
-            <a:schemeClr val="accent1"/>
-          </a:fillRef>
-          <a:effectRef idx="0">
-            <a:schemeClr val="accent1"/>
-          </a:effectRef>
-          <a:fontRef idx="minor">
-            <a:schemeClr val="lt1"/>
-          </a:fontRef>
-        </p:style>
-        <p:txBody>
-          <a:bodyPr rtlCol="0" anchor="ctr"/>
-          <a:lstStyle/>
-          <a:p>
-            <a:pPr algn="ctr"/>
-            <a:endParaRPr lang="LID4096"/>
-          </a:p>
-        </p:txBody>
-      </p:sp>
-      <p:sp>
-        <p:nvSpPr>
-          <p:cNvPr id="22" name="Arrow: Right 21">
-            <a:extLst>
-              <a:ext uri="{FF2B5EF4-FFF2-40B4-BE49-F238E27FC236}">
-                <a16:creationId xmlns:a16="http://schemas.microsoft.com/office/drawing/2014/main" id="{761C912C-3B1A-A9CE-6334-E6DE5859BB58}"/>
-              </a:ext>
-            </a:extLst>
-          </p:cNvPr>
-          <p:cNvSpPr/>
-          <p:nvPr/>
-        </p:nvSpPr>
-        <p:spPr>
-          <a:xfrm rot="4214347">
-            <a:off x="6981609" y="3512749"/>
-            <a:ext cx="402193" cy="308340"/>
-          </a:xfrm>
-          <a:prstGeom prst="rightArrow">
-            <a:avLst/>
-          </a:prstGeom>
-        </p:spPr>
-        <p:style>
-          <a:lnRef idx="2">
-            <a:schemeClr val="accent1">
-              <a:shade val="15000"/>
-            </a:schemeClr>
-          </a:lnRef>
-          <a:fillRef idx="1">
-            <a:schemeClr val="accent1"/>
-          </a:fillRef>
-          <a:effectRef idx="0">
-            <a:schemeClr val="accent1"/>
-          </a:effectRef>
-          <a:fontRef idx="minor">
-            <a:schemeClr val="lt1"/>
-          </a:fontRef>
-        </p:style>
-        <p:txBody>
-          <a:bodyPr rtlCol="0" anchor="ctr"/>
-          <a:lstStyle/>
-          <a:p>
-            <a:pPr algn="ctr"/>
-            <a:endParaRPr lang="LID4096"/>
-          </a:p>
-        </p:txBody>
-      </p:sp>
-      <p:sp>
-        <p:nvSpPr>
-          <p:cNvPr id="23" name="TextBox 22">
-            <a:extLst>
-              <a:ext uri="{FF2B5EF4-FFF2-40B4-BE49-F238E27FC236}">
-                <a16:creationId xmlns:a16="http://schemas.microsoft.com/office/drawing/2014/main" id="{9B47317D-5D39-CF9A-5EB3-B431B84D3955}"/>
-              </a:ext>
-            </a:extLst>
-          </p:cNvPr>
-          <p:cNvSpPr txBox="1"/>
-          <p:nvPr/>
-        </p:nvSpPr>
-        <p:spPr>
-          <a:xfrm>
-            <a:off x="10394192" y="103115"/>
-            <a:ext cx="1458551" cy="523220"/>
-          </a:xfrm>
-          <a:prstGeom prst="rect">
-            <a:avLst/>
-          </a:prstGeom>
-          <a:noFill/>
-        </p:spPr>
-        <p:txBody>
-          <a:bodyPr wrap="square">
-            <a:spAutoFit/>
-          </a:bodyPr>
-          <a:lstStyle>
-            <a:defPPr>
-              <a:defRPr lang="LID4096"/>
-            </a:defPPr>
-            <a:lvl1pPr>
-              <a:defRPr sz="1100" b="1"/>
-            </a:lvl1pPr>
-          </a:lstStyle>
-          <a:p>
-            <a:pPr algn="r"/>
-            <a:r>
-              <a:rPr lang="en-US" sz="2800" dirty="0"/>
-              <a:t>next</a:t>
-            </a:r>
-            <a:endParaRPr lang="LID4096" sz="2800" dirty="0"/>
-          </a:p>
-        </p:txBody>
-      </p:sp>
-      <p:sp>
-        <p:nvSpPr>
-          <p:cNvPr id="24" name="TextBox 23">
-            <a:extLst>
-              <a:ext uri="{FF2B5EF4-FFF2-40B4-BE49-F238E27FC236}">
-                <a16:creationId xmlns:a16="http://schemas.microsoft.com/office/drawing/2014/main" id="{A97F9C9E-86D5-C53E-2197-EED9FA1DC254}"/>
-              </a:ext>
-            </a:extLst>
-          </p:cNvPr>
-          <p:cNvSpPr txBox="1">
-            <a:spLocks/>
-          </p:cNvSpPr>
-          <p:nvPr/>
-        </p:nvSpPr>
-        <p:spPr>
-          <a:xfrm>
-            <a:off x="2215919" y="1870216"/>
-            <a:ext cx="369060" cy="137160"/>
-          </a:xfrm>
-          <a:prstGeom prst="rect">
-            <a:avLst/>
-          </a:prstGeom>
-          <a:solidFill>
-            <a:srgbClr val="00FF00"/>
-          </a:solidFill>
-        </p:spPr>
-        <p:txBody>
-          <a:bodyPr wrap="none" lIns="0" tIns="0" rIns="0" bIns="0" anchor="ctr" anchorCtr="0">
-            <a:noAutofit/>
-          </a:bodyPr>
-          <a:lstStyle/>
-          <a:p>
-            <a:pPr algn="ctr"/>
-            <a:r>
-              <a:rPr lang="pt-BR" sz="1200" b="1" dirty="0"/>
-              <a:t>0_01</a:t>
-            </a:r>
-            <a:endParaRPr lang="LID4096" sz="1200" b="1" dirty="0"/>
-          </a:p>
-        </p:txBody>
-      </p:sp>
-      <p:pic>
-        <p:nvPicPr>
-          <p:cNvPr id="42" name="Picture 41">
-            <a:extLst>
-              <a:ext uri="{FF2B5EF4-FFF2-40B4-BE49-F238E27FC236}">
-                <a16:creationId xmlns:a16="http://schemas.microsoft.com/office/drawing/2014/main" id="{6D5DDDAC-1E6F-5486-4D4C-F1111E9277AF}"/>
-              </a:ext>
-            </a:extLst>
-          </p:cNvPr>
-          <p:cNvPicPr>
-            <a:picLocks noChangeAspect="1"/>
-          </p:cNvPicPr>
-          <p:nvPr/>
-        </p:nvPicPr>
-        <p:blipFill>
-          <a:blip r:embed="rId2"/>
-          <a:srcRect t="35584" b="12645"/>
-          <a:stretch/>
-        </p:blipFill>
-        <p:spPr>
-          <a:xfrm>
-            <a:off x="215967" y="2812582"/>
-            <a:ext cx="2419350" cy="951699"/>
-          </a:xfrm>
-          <a:prstGeom prst="rect">
-            <a:avLst/>
-          </a:prstGeom>
-        </p:spPr>
-      </p:pic>
-      <p:sp>
-        <p:nvSpPr>
-          <p:cNvPr id="54" name="TextBox 53">
-            <a:extLst>
-              <a:ext uri="{FF2B5EF4-FFF2-40B4-BE49-F238E27FC236}">
-                <a16:creationId xmlns:a16="http://schemas.microsoft.com/office/drawing/2014/main" id="{2812BF2E-20DA-7EED-B617-0C95B1E2C097}"/>
-              </a:ext>
-            </a:extLst>
-          </p:cNvPr>
-          <p:cNvSpPr txBox="1">
-            <a:spLocks/>
-          </p:cNvSpPr>
-          <p:nvPr/>
-        </p:nvSpPr>
-        <p:spPr>
-          <a:xfrm>
-            <a:off x="2210067" y="3377025"/>
-            <a:ext cx="365760" cy="137160"/>
-          </a:xfrm>
-          <a:prstGeom prst="rect">
-            <a:avLst/>
-          </a:prstGeom>
-          <a:solidFill>
-            <a:schemeClr val="bg1">
-              <a:lumMod val="85000"/>
-            </a:schemeClr>
-          </a:solidFill>
-        </p:spPr>
-        <p:txBody>
-          <a:bodyPr wrap="none" lIns="0" tIns="0" rIns="0" bIns="0" anchor="ctr" anchorCtr="0">
-            <a:noAutofit/>
-          </a:bodyPr>
-          <a:lstStyle/>
-          <a:p>
-            <a:pPr algn="ctr"/>
-            <a:r>
-              <a:rPr lang="pt-BR" sz="1200" b="1" dirty="0"/>
-              <a:t>2_02</a:t>
-            </a:r>
-            <a:endParaRPr lang="LID4096" sz="1200" b="1" dirty="0"/>
-          </a:p>
-        </p:txBody>
-      </p:sp>
-      <p:sp>
-        <p:nvSpPr>
-          <p:cNvPr id="57" name="Rectangle 56">
-            <a:extLst>
-              <a:ext uri="{FF2B5EF4-FFF2-40B4-BE49-F238E27FC236}">
-                <a16:creationId xmlns:a16="http://schemas.microsoft.com/office/drawing/2014/main" id="{D8887CD3-9237-D9A2-19D0-F20F55A5BDD3}"/>
-              </a:ext>
-            </a:extLst>
-          </p:cNvPr>
-          <p:cNvSpPr/>
-          <p:nvPr/>
-        </p:nvSpPr>
-        <p:spPr>
-          <a:xfrm>
-            <a:off x="215966" y="3580915"/>
-            <a:ext cx="2562515" cy="183366"/>
-          </a:xfrm>
-          <a:prstGeom prst="rect">
-            <a:avLst/>
-          </a:prstGeom>
-          <a:noFill/>
-          <a:ln w="6350">
-            <a:solidFill>
-              <a:schemeClr val="tx1"/>
-            </a:solidFill>
-          </a:ln>
-          <a:effectLst>
-            <a:outerShdw blurRad="50800" dist="38100" dir="8100000" algn="tr" rotWithShape="0">
-              <a:prstClr val="black">
-                <a:alpha val="40000"/>
-              </a:prstClr>
-            </a:outerShdw>
-          </a:effectLst>
-        </p:spPr>
-        <p:txBody>
-          <a:bodyPr wrap="none" anchor="ctr" anchorCtr="0">
-            <a:noAutofit/>
-          </a:bodyPr>
-          <a:lstStyle/>
-          <a:p>
-            <a:endParaRPr lang="LID4096" dirty="0"/>
-          </a:p>
-        </p:txBody>
-      </p:sp>
-      <p:sp>
-        <p:nvSpPr>
-          <p:cNvPr id="61" name="TextBox 60">
-            <a:extLst>
-              <a:ext uri="{FF2B5EF4-FFF2-40B4-BE49-F238E27FC236}">
-                <a16:creationId xmlns:a16="http://schemas.microsoft.com/office/drawing/2014/main" id="{84017375-D00C-832E-02F4-84F56D403A6E}"/>
-              </a:ext>
-            </a:extLst>
-          </p:cNvPr>
-          <p:cNvSpPr txBox="1">
-            <a:spLocks noChangeAspect="1"/>
-          </p:cNvSpPr>
-          <p:nvPr/>
-        </p:nvSpPr>
-        <p:spPr>
-          <a:xfrm>
-            <a:off x="2210067" y="3177443"/>
-            <a:ext cx="369061" cy="136632"/>
-          </a:xfrm>
-          <a:prstGeom prst="rect">
-            <a:avLst/>
-          </a:prstGeom>
-          <a:solidFill>
-            <a:schemeClr val="bg1">
-              <a:lumMod val="85000"/>
-            </a:schemeClr>
-          </a:solidFill>
-        </p:spPr>
-        <p:txBody>
-          <a:bodyPr wrap="none" lIns="0" tIns="0" rIns="0" bIns="0" anchor="ctr" anchorCtr="0">
-            <a:noAutofit/>
-          </a:bodyPr>
-          <a:lstStyle/>
-          <a:p>
-            <a:pPr algn="ctr"/>
-            <a:r>
-              <a:rPr lang="pt-BR" sz="1200" b="1" dirty="0"/>
-              <a:t>2_01</a:t>
-            </a:r>
-            <a:endParaRPr lang="LID4096" sz="1200" b="1" dirty="0"/>
-          </a:p>
-        </p:txBody>
-      </p:sp>
-      <p:sp>
-        <p:nvSpPr>
-          <p:cNvPr id="64" name="Rectangle 63">
-            <a:extLst>
-              <a:ext uri="{FF2B5EF4-FFF2-40B4-BE49-F238E27FC236}">
-                <a16:creationId xmlns:a16="http://schemas.microsoft.com/office/drawing/2014/main" id="{3EE4C159-F572-5665-3D80-32E5E55F2CBC}"/>
-              </a:ext>
-            </a:extLst>
-          </p:cNvPr>
-          <p:cNvSpPr/>
-          <p:nvPr/>
-        </p:nvSpPr>
-        <p:spPr>
-          <a:xfrm>
-            <a:off x="388638" y="2570857"/>
-            <a:ext cx="2562515" cy="183366"/>
-          </a:xfrm>
-          <a:prstGeom prst="rect">
-            <a:avLst/>
-          </a:prstGeom>
-          <a:noFill/>
-          <a:ln w="6350">
-            <a:solidFill>
-              <a:schemeClr val="tx1"/>
-            </a:solidFill>
-          </a:ln>
-          <a:effectLst>
-            <a:outerShdw blurRad="50800" dist="38100" dir="8100000" algn="tr" rotWithShape="0">
-              <a:prstClr val="black">
-                <a:alpha val="40000"/>
-              </a:prstClr>
-            </a:outerShdw>
-          </a:effectLst>
-        </p:spPr>
-        <p:txBody>
-          <a:bodyPr wrap="none" anchor="ctr" anchorCtr="0">
-            <a:noAutofit/>
-          </a:bodyPr>
-          <a:lstStyle/>
-          <a:p>
-            <a:endParaRPr lang="LID4096" dirty="0"/>
-          </a:p>
-        </p:txBody>
-      </p:sp>
-      <p:pic>
-        <p:nvPicPr>
-          <p:cNvPr id="66" name="Picture 65">
-            <a:extLst>
-              <a:ext uri="{FF2B5EF4-FFF2-40B4-BE49-F238E27FC236}">
-                <a16:creationId xmlns:a16="http://schemas.microsoft.com/office/drawing/2014/main" id="{382928BC-EF48-0CAB-9DBE-FA5430E09A32}"/>
-              </a:ext>
-            </a:extLst>
-          </p:cNvPr>
-          <p:cNvPicPr>
-            <a:picLocks noChangeAspect="1"/>
-          </p:cNvPicPr>
-          <p:nvPr/>
-        </p:nvPicPr>
-        <p:blipFill>
-          <a:blip r:embed="rId2"/>
-          <a:srcRect t="89315" b="3071"/>
-          <a:stretch/>
-        </p:blipFill>
-        <p:spPr>
-          <a:xfrm>
-            <a:off x="287548" y="5536789"/>
-            <a:ext cx="2419350" cy="139967"/>
-          </a:xfrm>
-          <a:prstGeom prst="rect">
-            <a:avLst/>
-          </a:prstGeom>
-        </p:spPr>
-      </p:pic>
-    </p:spTree>
-    <p:extLst>
-      <p:ext uri="{BB962C8B-B14F-4D97-AF65-F5344CB8AC3E}">
-        <p14:creationId xmlns:p14="http://schemas.microsoft.com/office/powerpoint/2010/main" val="139564977"/>
-      </p:ext>
-    </p:extLst>
-  </p:cSld>
-  <p:clrMapOvr>
-    <a:masterClrMapping/>
-  </p:clrMapOvr>
-</p:sld>
-</file>
-
-<file path=ppt/slides/slide6.xml><?xml version="1.0" encoding="utf-8"?>
-<p:sld xmlns:a="http://schemas.openxmlformats.org/drawingml/2006/main" xmlns:r="http://schemas.openxmlformats.org/officeDocument/2006/relationships" xmlns:p="http://schemas.openxmlformats.org/presentationml/2006/main">
-  <p:cSld>
-    <p:bg>
-      <p:bgPr>
-        <a:solidFill>
-          <a:schemeClr val="accent4">
-            <a:lumMod val="20000"/>
-            <a:lumOff val="80000"/>
-          </a:schemeClr>
-        </a:solidFill>
-        <a:effectLst/>
-      </p:bgPr>
-    </p:bg>
-    <p:spTree>
-      <p:nvGrpSpPr>
-        <p:cNvPr id="1" name=""/>
-        <p:cNvGrpSpPr/>
-        <p:nvPr/>
-      </p:nvGrpSpPr>
-      <p:grpSpPr>
-        <a:xfrm>
-          <a:off x="0" y="0"/>
-          <a:ext cx="0" cy="0"/>
-          <a:chOff x="0" y="0"/>
-          <a:chExt cx="0" cy="0"/>
-        </a:xfrm>
-      </p:grpSpPr>
-      <p:sp>
-        <p:nvSpPr>
-          <p:cNvPr id="7" name="Rectangle 6">
-            <a:extLst>
-              <a:ext uri="{FF2B5EF4-FFF2-40B4-BE49-F238E27FC236}">
-                <a16:creationId xmlns:a16="http://schemas.microsoft.com/office/drawing/2014/main" id="{A66BCB43-9E61-38ED-D7BA-97748B6329D6}"/>
-              </a:ext>
-            </a:extLst>
-          </p:cNvPr>
-          <p:cNvSpPr/>
-          <p:nvPr/>
-        </p:nvSpPr>
-        <p:spPr>
-          <a:xfrm>
-            <a:off x="0" y="0"/>
-            <a:ext cx="4052330" cy="6858000"/>
+            <a:off x="8852608" y="2524097"/>
+            <a:ext cx="3144852" cy="4196132"/>
           </a:xfrm>
           <a:prstGeom prst="rect">
             <a:avLst/>
@@ -11327,6 +11911,672 @@
           <p:cNvPr id="12" name="Picture 11">
             <a:extLst>
               <a:ext uri="{FF2B5EF4-FFF2-40B4-BE49-F238E27FC236}">
+                <a16:creationId xmlns:a16="http://schemas.microsoft.com/office/drawing/2014/main" id="{3EB304BF-7A13-C8C6-B7CF-08C8E5871C80}"/>
+              </a:ext>
+            </a:extLst>
+          </p:cNvPr>
+          <p:cNvPicPr>
+            <a:picLocks noChangeAspect="1"/>
+          </p:cNvPicPr>
+          <p:nvPr/>
+        </p:nvPicPr>
+        <p:blipFill>
+          <a:blip r:embed="rId11"/>
+          <a:stretch>
+            <a:fillRect/>
+          </a:stretch>
+        </p:blipFill>
+        <p:spPr>
+          <a:xfrm>
+            <a:off x="9027486" y="2607432"/>
+            <a:ext cx="1590675" cy="228600"/>
+          </a:xfrm>
+          <a:prstGeom prst="rect">
+            <a:avLst/>
+          </a:prstGeom>
+          <a:ln>
+            <a:solidFill>
+              <a:srgbClr val="0000FF"/>
+            </a:solidFill>
+          </a:ln>
+        </p:spPr>
+      </p:pic>
+      <p:pic>
+        <p:nvPicPr>
+          <p:cNvPr id="66" name="Picture 65">
+            <a:extLst>
+              <a:ext uri="{FF2B5EF4-FFF2-40B4-BE49-F238E27FC236}">
+                <a16:creationId xmlns:a16="http://schemas.microsoft.com/office/drawing/2014/main" id="{382928BC-EF48-0CAB-9DBE-FA5430E09A32}"/>
+              </a:ext>
+            </a:extLst>
+          </p:cNvPr>
+          <p:cNvPicPr>
+            <a:picLocks noChangeAspect="1"/>
+          </p:cNvPicPr>
+          <p:nvPr/>
+        </p:nvPicPr>
+        <p:blipFill>
+          <a:blip r:embed="rId12"/>
+          <a:srcRect t="89315" b="3071"/>
+          <a:stretch/>
+        </p:blipFill>
+        <p:spPr>
+          <a:xfrm>
+            <a:off x="9065659" y="6054721"/>
+            <a:ext cx="2419350" cy="139967"/>
+          </a:xfrm>
+          <a:prstGeom prst="rect">
+            <a:avLst/>
+          </a:prstGeom>
+        </p:spPr>
+      </p:pic>
+      <p:pic>
+        <p:nvPicPr>
+          <p:cNvPr id="49" name="Picture 48">
+            <a:extLst>
+              <a:ext uri="{FF2B5EF4-FFF2-40B4-BE49-F238E27FC236}">
+                <a16:creationId xmlns:a16="http://schemas.microsoft.com/office/drawing/2014/main" id="{BFABCC11-DD2E-6482-D221-E96AE4402379}"/>
+              </a:ext>
+            </a:extLst>
+          </p:cNvPr>
+          <p:cNvPicPr>
+            <a:picLocks noChangeAspect="1"/>
+          </p:cNvPicPr>
+          <p:nvPr/>
+        </p:nvPicPr>
+        <p:blipFill>
+          <a:blip r:embed="rId13"/>
+          <a:stretch>
+            <a:fillRect/>
+          </a:stretch>
+        </p:blipFill>
+        <p:spPr>
+          <a:xfrm>
+            <a:off x="9321236" y="4335949"/>
+            <a:ext cx="2494825" cy="1665036"/>
+          </a:xfrm>
+          <a:prstGeom prst="rect">
+            <a:avLst/>
+          </a:prstGeom>
+        </p:spPr>
+      </p:pic>
+      <p:pic>
+        <p:nvPicPr>
+          <p:cNvPr id="52" name="Picture 51">
+            <a:extLst>
+              <a:ext uri="{FF2B5EF4-FFF2-40B4-BE49-F238E27FC236}">
+                <a16:creationId xmlns:a16="http://schemas.microsoft.com/office/drawing/2014/main" id="{625CB90F-037B-592D-D555-4025F902AA72}"/>
+              </a:ext>
+            </a:extLst>
+          </p:cNvPr>
+          <p:cNvPicPr>
+            <a:picLocks noChangeAspect="1"/>
+          </p:cNvPicPr>
+          <p:nvPr/>
+        </p:nvPicPr>
+        <p:blipFill>
+          <a:blip r:embed="rId14"/>
+          <a:srcRect b="74161"/>
+          <a:stretch/>
+        </p:blipFill>
+        <p:spPr>
+          <a:xfrm>
+            <a:off x="9114728" y="2842851"/>
+            <a:ext cx="2667000" cy="420851"/>
+          </a:xfrm>
+          <a:prstGeom prst="rect">
+            <a:avLst/>
+          </a:prstGeom>
+        </p:spPr>
+      </p:pic>
+      <p:pic>
+        <p:nvPicPr>
+          <p:cNvPr id="53" name="Picture 52">
+            <a:extLst>
+              <a:ext uri="{FF2B5EF4-FFF2-40B4-BE49-F238E27FC236}">
+                <a16:creationId xmlns:a16="http://schemas.microsoft.com/office/drawing/2014/main" id="{45B9749F-579E-E848-7531-BF564589909A}"/>
+              </a:ext>
+            </a:extLst>
+          </p:cNvPr>
+          <p:cNvPicPr>
+            <a:picLocks noChangeAspect="1"/>
+          </p:cNvPicPr>
+          <p:nvPr/>
+        </p:nvPicPr>
+        <p:blipFill>
+          <a:blip r:embed="rId14"/>
+          <a:srcRect t="27112" b="12123"/>
+          <a:stretch/>
+        </p:blipFill>
+        <p:spPr>
+          <a:xfrm>
+            <a:off x="9110241" y="3310294"/>
+            <a:ext cx="2667000" cy="989728"/>
+          </a:xfrm>
+          <a:prstGeom prst="rect">
+            <a:avLst/>
+          </a:prstGeom>
+        </p:spPr>
+      </p:pic>
+      <p:sp>
+        <p:nvSpPr>
+          <p:cNvPr id="58" name="TextBox 57">
+            <a:extLst>
+              <a:ext uri="{FF2B5EF4-FFF2-40B4-BE49-F238E27FC236}">
+                <a16:creationId xmlns:a16="http://schemas.microsoft.com/office/drawing/2014/main" id="{AD5EDBCF-49BD-26AD-FD57-76D4623DB14F}"/>
+              </a:ext>
+            </a:extLst>
+          </p:cNvPr>
+          <p:cNvSpPr txBox="1"/>
+          <p:nvPr/>
+        </p:nvSpPr>
+        <p:spPr>
+          <a:xfrm>
+            <a:off x="10716071" y="2654460"/>
+            <a:ext cx="795178" cy="261610"/>
+          </a:xfrm>
+          <a:prstGeom prst="rect">
+            <a:avLst/>
+          </a:prstGeom>
+          <a:noFill/>
+        </p:spPr>
+        <p:txBody>
+          <a:bodyPr wrap="square">
+            <a:spAutoFit/>
+          </a:bodyPr>
+          <a:lstStyle/>
+          <a:p>
+            <a:r>
+              <a:rPr lang="LID4096" sz="1100" b="1" dirty="0">
+                <a:solidFill>
+                  <a:srgbClr val="FF0000"/>
+                </a:solidFill>
+              </a:rPr>
+              <a:t>FREYBERG</a:t>
+            </a:r>
+          </a:p>
+        </p:txBody>
+      </p:sp>
+      <p:sp>
+        <p:nvSpPr>
+          <p:cNvPr id="60" name="TextBox 59">
+            <a:extLst>
+              <a:ext uri="{FF2B5EF4-FFF2-40B4-BE49-F238E27FC236}">
+                <a16:creationId xmlns:a16="http://schemas.microsoft.com/office/drawing/2014/main" id="{A97F9C9E-86D5-C53E-2197-EED9FA1DC254}"/>
+              </a:ext>
+            </a:extLst>
+          </p:cNvPr>
+          <p:cNvSpPr txBox="1">
+            <a:spLocks/>
+          </p:cNvSpPr>
+          <p:nvPr/>
+        </p:nvSpPr>
+        <p:spPr>
+          <a:xfrm>
+            <a:off x="11049846" y="2890579"/>
+            <a:ext cx="369060" cy="137160"/>
+          </a:xfrm>
+          <a:prstGeom prst="rect">
+            <a:avLst/>
+          </a:prstGeom>
+          <a:solidFill>
+            <a:srgbClr val="00FF00"/>
+          </a:solidFill>
+        </p:spPr>
+        <p:txBody>
+          <a:bodyPr wrap="none" lIns="0" tIns="0" rIns="0" bIns="0" anchor="ctr" anchorCtr="0">
+            <a:noAutofit/>
+          </a:bodyPr>
+          <a:lstStyle/>
+          <a:p>
+            <a:pPr algn="ctr"/>
+            <a:r>
+              <a:rPr lang="pt-BR" sz="1200" b="1" dirty="0"/>
+              <a:t>0_01</a:t>
+            </a:r>
+            <a:endParaRPr lang="LID4096" sz="1200" b="1" dirty="0"/>
+          </a:p>
+        </p:txBody>
+      </p:sp>
+      <p:sp>
+        <p:nvSpPr>
+          <p:cNvPr id="14" name="TextBox 13">
+            <a:extLst>
+              <a:ext uri="{FF2B5EF4-FFF2-40B4-BE49-F238E27FC236}">
+                <a16:creationId xmlns:a16="http://schemas.microsoft.com/office/drawing/2014/main" id="{DD463AB6-D03E-E001-C141-600F0A9EB5B4}"/>
+              </a:ext>
+            </a:extLst>
+          </p:cNvPr>
+          <p:cNvSpPr txBox="1"/>
+          <p:nvPr/>
+        </p:nvSpPr>
+        <p:spPr>
+          <a:xfrm>
+            <a:off x="10998100" y="3031771"/>
+            <a:ext cx="867473" cy="261610"/>
+          </a:xfrm>
+          <a:prstGeom prst="rect">
+            <a:avLst/>
+          </a:prstGeom>
+          <a:noFill/>
+        </p:spPr>
+        <p:txBody>
+          <a:bodyPr wrap="square">
+            <a:spAutoFit/>
+          </a:bodyPr>
+          <a:lstStyle/>
+          <a:p>
+            <a:r>
+              <a:rPr lang="en-US" sz="1100" b="1" dirty="0"/>
+              <a:t> time series</a:t>
+            </a:r>
+          </a:p>
+        </p:txBody>
+      </p:sp>
+      <p:sp>
+        <p:nvSpPr>
+          <p:cNvPr id="16" name="TextBox 15">
+            <a:extLst>
+              <a:ext uri="{FF2B5EF4-FFF2-40B4-BE49-F238E27FC236}">
+                <a16:creationId xmlns:a16="http://schemas.microsoft.com/office/drawing/2014/main" id="{B2C793D5-8B74-9A81-FAB6-3D7A08C6E814}"/>
+              </a:ext>
+            </a:extLst>
+          </p:cNvPr>
+          <p:cNvSpPr txBox="1">
+            <a:spLocks/>
+          </p:cNvSpPr>
+          <p:nvPr/>
+        </p:nvSpPr>
+        <p:spPr>
+          <a:xfrm>
+            <a:off x="10326191" y="3096371"/>
+            <a:ext cx="369060" cy="137160"/>
+          </a:xfrm>
+          <a:prstGeom prst="rect">
+            <a:avLst/>
+          </a:prstGeom>
+          <a:solidFill>
+            <a:srgbClr val="00FF00"/>
+          </a:solidFill>
+        </p:spPr>
+        <p:txBody>
+          <a:bodyPr wrap="none" lIns="0" tIns="0" rIns="0" bIns="0" anchor="ctr" anchorCtr="0">
+            <a:noAutofit/>
+          </a:bodyPr>
+          <a:lstStyle/>
+          <a:p>
+            <a:pPr algn="ctr"/>
+            <a:r>
+              <a:rPr lang="pt-BR" sz="1200" b="1" dirty="0"/>
+              <a:t>0_02</a:t>
+            </a:r>
+            <a:endParaRPr lang="LID4096" sz="1200" b="1" dirty="0"/>
+          </a:p>
+        </p:txBody>
+      </p:sp>
+      <p:sp>
+        <p:nvSpPr>
+          <p:cNvPr id="73" name="Rectangle 72">
+            <a:extLst>
+              <a:ext uri="{FF2B5EF4-FFF2-40B4-BE49-F238E27FC236}">
+                <a16:creationId xmlns:a16="http://schemas.microsoft.com/office/drawing/2014/main" id="{252F35DB-0A9A-10F2-E356-1C6CF2022CF6}"/>
+              </a:ext>
+            </a:extLst>
+          </p:cNvPr>
+          <p:cNvSpPr/>
+          <p:nvPr/>
+        </p:nvSpPr>
+        <p:spPr>
+          <a:xfrm>
+            <a:off x="9140729" y="3057429"/>
+            <a:ext cx="2742246" cy="206273"/>
+          </a:xfrm>
+          <a:prstGeom prst="rect">
+            <a:avLst/>
+          </a:prstGeom>
+          <a:noFill/>
+          <a:ln w="6350">
+            <a:solidFill>
+              <a:schemeClr val="tx1"/>
+            </a:solidFill>
+          </a:ln>
+          <a:effectLst>
+            <a:outerShdw blurRad="50800" dist="38100" dir="8100000" algn="tr" rotWithShape="0">
+              <a:prstClr val="black">
+                <a:alpha val="40000"/>
+              </a:prstClr>
+            </a:outerShdw>
+          </a:effectLst>
+        </p:spPr>
+        <p:txBody>
+          <a:bodyPr wrap="none" anchor="ctr" anchorCtr="0">
+            <a:noAutofit/>
+          </a:bodyPr>
+          <a:lstStyle/>
+          <a:p>
+            <a:endParaRPr lang="LID4096" dirty="0"/>
+          </a:p>
+        </p:txBody>
+      </p:sp>
+      <p:sp>
+        <p:nvSpPr>
+          <p:cNvPr id="74" name="Rectangle 73">
+            <a:extLst>
+              <a:ext uri="{FF2B5EF4-FFF2-40B4-BE49-F238E27FC236}">
+                <a16:creationId xmlns:a16="http://schemas.microsoft.com/office/drawing/2014/main" id="{950FFDF8-1A8D-F9F5-8001-DBB10011E2A1}"/>
+              </a:ext>
+            </a:extLst>
+          </p:cNvPr>
+          <p:cNvSpPr/>
+          <p:nvPr/>
+        </p:nvSpPr>
+        <p:spPr>
+          <a:xfrm>
+            <a:off x="9147218" y="4091131"/>
+            <a:ext cx="2742246" cy="194705"/>
+          </a:xfrm>
+          <a:prstGeom prst="rect">
+            <a:avLst/>
+          </a:prstGeom>
+          <a:noFill/>
+          <a:ln w="6350">
+            <a:solidFill>
+              <a:schemeClr val="tx1"/>
+            </a:solidFill>
+          </a:ln>
+          <a:effectLst>
+            <a:outerShdw blurRad="50800" dist="38100" dir="8100000" algn="tr" rotWithShape="0">
+              <a:prstClr val="black">
+                <a:alpha val="40000"/>
+              </a:prstClr>
+            </a:outerShdw>
+          </a:effectLst>
+        </p:spPr>
+        <p:txBody>
+          <a:bodyPr wrap="none" anchor="ctr" anchorCtr="0">
+            <a:noAutofit/>
+          </a:bodyPr>
+          <a:lstStyle/>
+          <a:p>
+            <a:endParaRPr lang="LID4096" dirty="0"/>
+          </a:p>
+        </p:txBody>
+      </p:sp>
+      <p:sp>
+        <p:nvSpPr>
+          <p:cNvPr id="75" name="TextBox 74">
+            <a:extLst>
+              <a:ext uri="{FF2B5EF4-FFF2-40B4-BE49-F238E27FC236}">
+                <a16:creationId xmlns:a16="http://schemas.microsoft.com/office/drawing/2014/main" id="{2812BF2E-20DA-7EED-B617-0C95B1E2C097}"/>
+              </a:ext>
+            </a:extLst>
+          </p:cNvPr>
+          <p:cNvSpPr txBox="1">
+            <a:spLocks/>
+          </p:cNvSpPr>
+          <p:nvPr/>
+        </p:nvSpPr>
+        <p:spPr>
+          <a:xfrm>
+            <a:off x="11427630" y="3917539"/>
+            <a:ext cx="365760" cy="137160"/>
+          </a:xfrm>
+          <a:prstGeom prst="rect">
+            <a:avLst/>
+          </a:prstGeom>
+          <a:solidFill>
+            <a:schemeClr val="bg1">
+              <a:lumMod val="85000"/>
+            </a:schemeClr>
+          </a:solidFill>
+        </p:spPr>
+        <p:txBody>
+          <a:bodyPr wrap="none" lIns="0" tIns="0" rIns="0" bIns="0" anchor="ctr" anchorCtr="0">
+            <a:noAutofit/>
+          </a:bodyPr>
+          <a:lstStyle/>
+          <a:p>
+            <a:pPr algn="ctr"/>
+            <a:r>
+              <a:rPr lang="pt-BR" sz="1200" b="1" dirty="0"/>
+              <a:t>2_02</a:t>
+            </a:r>
+            <a:endParaRPr lang="LID4096" sz="1200" b="1" dirty="0"/>
+          </a:p>
+        </p:txBody>
+      </p:sp>
+      <p:sp>
+        <p:nvSpPr>
+          <p:cNvPr id="76" name="TextBox 75">
+            <a:extLst>
+              <a:ext uri="{FF2B5EF4-FFF2-40B4-BE49-F238E27FC236}">
+                <a16:creationId xmlns:a16="http://schemas.microsoft.com/office/drawing/2014/main" id="{84017375-D00C-832E-02F4-84F56D403A6E}"/>
+              </a:ext>
+            </a:extLst>
+          </p:cNvPr>
+          <p:cNvSpPr txBox="1">
+            <a:spLocks noChangeAspect="1"/>
+          </p:cNvSpPr>
+          <p:nvPr/>
+        </p:nvSpPr>
+        <p:spPr>
+          <a:xfrm>
+            <a:off x="11427630" y="3717957"/>
+            <a:ext cx="369061" cy="136632"/>
+          </a:xfrm>
+          <a:prstGeom prst="rect">
+            <a:avLst/>
+          </a:prstGeom>
+          <a:solidFill>
+            <a:schemeClr val="bg1">
+              <a:lumMod val="85000"/>
+            </a:schemeClr>
+          </a:solidFill>
+        </p:spPr>
+        <p:txBody>
+          <a:bodyPr wrap="none" lIns="0" tIns="0" rIns="0" bIns="0" anchor="ctr" anchorCtr="0">
+            <a:noAutofit/>
+          </a:bodyPr>
+          <a:lstStyle/>
+          <a:p>
+            <a:pPr algn="ctr"/>
+            <a:r>
+              <a:rPr lang="pt-BR" sz="1200" b="1" dirty="0"/>
+              <a:t>2_01</a:t>
+            </a:r>
+            <a:endParaRPr lang="LID4096" sz="1200" b="1" dirty="0"/>
+          </a:p>
+        </p:txBody>
+      </p:sp>
+      <p:pic>
+        <p:nvPicPr>
+          <p:cNvPr id="153" name="Picture 152">
+            <a:extLst>
+              <a:ext uri="{FF2B5EF4-FFF2-40B4-BE49-F238E27FC236}">
+                <a16:creationId xmlns:a16="http://schemas.microsoft.com/office/drawing/2014/main" id="{1B72778C-DEE9-E091-8651-FE1B7D03B8E2}"/>
+              </a:ext>
+            </a:extLst>
+          </p:cNvPr>
+          <p:cNvPicPr>
+            <a:picLocks noChangeAspect="1"/>
+          </p:cNvPicPr>
+          <p:nvPr/>
+        </p:nvPicPr>
+        <p:blipFill>
+          <a:blip r:embed="rId15"/>
+          <a:stretch>
+            <a:fillRect/>
+          </a:stretch>
+        </p:blipFill>
+        <p:spPr>
+          <a:xfrm>
+            <a:off x="6304782" y="454848"/>
+            <a:ext cx="1028700" cy="838200"/>
+          </a:xfrm>
+          <a:prstGeom prst="rect">
+            <a:avLst/>
+          </a:prstGeom>
+        </p:spPr>
+      </p:pic>
+      <p:pic>
+        <p:nvPicPr>
+          <p:cNvPr id="154" name="Picture 153">
+            <a:extLst>
+              <a:ext uri="{FF2B5EF4-FFF2-40B4-BE49-F238E27FC236}">
+                <a16:creationId xmlns:a16="http://schemas.microsoft.com/office/drawing/2014/main" id="{5182FA7B-A3CF-132C-3670-300DF7D94DA9}"/>
+              </a:ext>
+            </a:extLst>
+          </p:cNvPr>
+          <p:cNvPicPr>
+            <a:picLocks noChangeAspect="1"/>
+          </p:cNvPicPr>
+          <p:nvPr/>
+        </p:nvPicPr>
+        <p:blipFill>
+          <a:blip r:embed="rId16"/>
+          <a:srcRect t="2506" b="78744"/>
+          <a:stretch/>
+        </p:blipFill>
+        <p:spPr>
+          <a:xfrm>
+            <a:off x="6176957" y="230276"/>
+            <a:ext cx="2581275" cy="200024"/>
+          </a:xfrm>
+          <a:prstGeom prst="rect">
+            <a:avLst/>
+          </a:prstGeom>
+        </p:spPr>
+      </p:pic>
+      <p:pic>
+        <p:nvPicPr>
+          <p:cNvPr id="19" name="Picture 18">
+            <a:extLst>
+              <a:ext uri="{FF2B5EF4-FFF2-40B4-BE49-F238E27FC236}">
+                <a16:creationId xmlns:a16="http://schemas.microsoft.com/office/drawing/2014/main" id="{565E576B-9DC1-BC9B-7C5B-A6C47327E28E}"/>
+              </a:ext>
+            </a:extLst>
+          </p:cNvPr>
+          <p:cNvPicPr>
+            <a:picLocks noChangeAspect="1"/>
+          </p:cNvPicPr>
+          <p:nvPr/>
+        </p:nvPicPr>
+        <p:blipFill>
+          <a:blip r:embed="rId17"/>
+          <a:srcRect t="18085"/>
+          <a:stretch/>
+        </p:blipFill>
+        <p:spPr>
+          <a:xfrm>
+            <a:off x="6223708" y="1362135"/>
+            <a:ext cx="2628900" cy="1029911"/>
+          </a:xfrm>
+          <a:prstGeom prst="rect">
+            <a:avLst/>
+          </a:prstGeom>
+        </p:spPr>
+      </p:pic>
+    </p:spTree>
+    <p:extLst>
+      <p:ext uri="{BB962C8B-B14F-4D97-AF65-F5344CB8AC3E}">
+        <p14:creationId xmlns:p14="http://schemas.microsoft.com/office/powerpoint/2010/main" val="2752659032"/>
+      </p:ext>
+    </p:extLst>
+  </p:cSld>
+  <p:clrMapOvr>
+    <a:masterClrMapping/>
+  </p:clrMapOvr>
+</p:sld>
+</file>
+
+<file path=ppt/slides/slide6.xml><?xml version="1.0" encoding="utf-8"?>
+<p:sld xmlns:a="http://schemas.openxmlformats.org/drawingml/2006/main" xmlns:r="http://schemas.openxmlformats.org/officeDocument/2006/relationships" xmlns:p="http://schemas.openxmlformats.org/presentationml/2006/main">
+  <p:cSld>
+    <p:bg>
+      <p:bgPr>
+        <a:solidFill>
+          <a:schemeClr val="accent4">
+            <a:lumMod val="20000"/>
+            <a:lumOff val="80000"/>
+          </a:schemeClr>
+        </a:solidFill>
+        <a:effectLst/>
+      </p:bgPr>
+    </p:bg>
+    <p:spTree>
+      <p:nvGrpSpPr>
+        <p:cNvPr id="1" name=""/>
+        <p:cNvGrpSpPr/>
+        <p:nvPr/>
+      </p:nvGrpSpPr>
+      <p:grpSpPr>
+        <a:xfrm>
+          <a:off x="0" y="0"/>
+          <a:ext cx="0" cy="0"/>
+          <a:chOff x="0" y="0"/>
+          <a:chExt cx="0" cy="0"/>
+        </a:xfrm>
+      </p:grpSpPr>
+      <p:sp>
+        <p:nvSpPr>
+          <p:cNvPr id="7" name="Rectangle 6">
+            <a:extLst>
+              <a:ext uri="{FF2B5EF4-FFF2-40B4-BE49-F238E27FC236}">
+                <a16:creationId xmlns:a16="http://schemas.microsoft.com/office/drawing/2014/main" id="{A66BCB43-9E61-38ED-D7BA-97748B6329D6}"/>
+              </a:ext>
+            </a:extLst>
+          </p:cNvPr>
+          <p:cNvSpPr/>
+          <p:nvPr/>
+        </p:nvSpPr>
+        <p:spPr>
+          <a:xfrm>
+            <a:off x="0" y="0"/>
+            <a:ext cx="4052330" cy="6858000"/>
+          </a:xfrm>
+          <a:prstGeom prst="rect">
+            <a:avLst/>
+          </a:prstGeom>
+          <a:solidFill>
+            <a:schemeClr val="accent5">
+              <a:lumMod val="20000"/>
+              <a:lumOff val="80000"/>
+            </a:schemeClr>
+          </a:solidFill>
+          <a:ln>
+            <a:noFill/>
+          </a:ln>
+        </p:spPr>
+        <p:style>
+          <a:lnRef idx="2">
+            <a:schemeClr val="accent1">
+              <a:shade val="15000"/>
+            </a:schemeClr>
+          </a:lnRef>
+          <a:fillRef idx="1">
+            <a:schemeClr val="accent1"/>
+          </a:fillRef>
+          <a:effectRef idx="0">
+            <a:schemeClr val="accent1"/>
+          </a:effectRef>
+          <a:fontRef idx="minor">
+            <a:schemeClr val="lt1"/>
+          </a:fontRef>
+        </p:style>
+        <p:txBody>
+          <a:bodyPr rtlCol="0" anchor="ctr"/>
+          <a:lstStyle/>
+          <a:p>
+            <a:pPr algn="ctr"/>
+            <a:endParaRPr lang="LID4096"/>
+          </a:p>
+        </p:txBody>
+      </p:sp>
+      <p:pic>
+        <p:nvPicPr>
+          <p:cNvPr id="12" name="Picture 11">
+            <a:extLst>
+              <a:ext uri="{FF2B5EF4-FFF2-40B4-BE49-F238E27FC236}">
                 <a16:creationId xmlns:a16="http://schemas.microsoft.com/office/drawing/2014/main" id="{773F6384-73C8-A2DB-6372-BBF6B20B549C}"/>
               </a:ext>
             </a:extLst>
@@ -11692,53 +12942,320 @@
           </a:p>
         </p:txBody>
       </p:sp>
-    </p:spTree>
-    <p:extLst>
-      <p:ext uri="{BB962C8B-B14F-4D97-AF65-F5344CB8AC3E}">
-        <p14:creationId xmlns:p14="http://schemas.microsoft.com/office/powerpoint/2010/main" val="235134825"/>
-      </p:ext>
-    </p:extLst>
-  </p:cSld>
-  <p:clrMapOvr>
-    <a:masterClrMapping/>
-  </p:clrMapOvr>
-</p:sld>
-</file>
-
-<file path=ppt/slides/slide7.xml><?xml version="1.0" encoding="utf-8"?>
-<p:sld xmlns:a="http://schemas.openxmlformats.org/drawingml/2006/main" xmlns:r="http://schemas.openxmlformats.org/officeDocument/2006/relationships" xmlns:p="http://schemas.openxmlformats.org/presentationml/2006/main">
-  <p:cSld>
-    <p:bg>
-      <p:bgPr>
-        <a:solidFill>
-          <a:schemeClr val="accent4">
-            <a:lumMod val="20000"/>
-            <a:lumOff val="80000"/>
-          </a:schemeClr>
-        </a:solidFill>
-        <a:effectLst/>
-      </p:bgPr>
-    </p:bg>
-    <p:spTree>
-      <p:nvGrpSpPr>
-        <p:cNvPr id="1" name="">
-          <a:extLst>
-            <a:ext uri="{FF2B5EF4-FFF2-40B4-BE49-F238E27FC236}">
-              <a16:creationId xmlns:a16="http://schemas.microsoft.com/office/drawing/2014/main" id="{BCD38546-2BB1-98D2-5B51-79DE4948B2D2}"/>
-            </a:ext>
-          </a:extLst>
-        </p:cNvPr>
-        <p:cNvGrpSpPr/>
-        <p:nvPr/>
-      </p:nvGrpSpPr>
-      <p:grpSpPr>
-        <a:xfrm>
-          <a:off x="0" y="0"/>
-          <a:ext cx="0" cy="0"/>
-          <a:chOff x="0" y="0"/>
-          <a:chExt cx="0" cy="0"/>
-        </a:xfrm>
-      </p:grpSpPr>
+      <p:grpSp>
+        <p:nvGrpSpPr>
+          <p:cNvPr id="81" name="Group 80">
+            <a:extLst>
+              <a:ext uri="{FF2B5EF4-FFF2-40B4-BE49-F238E27FC236}">
+                <a16:creationId xmlns:a16="http://schemas.microsoft.com/office/drawing/2014/main" id="{FB51CA71-55B1-B559-9223-0F431074299C}"/>
+              </a:ext>
+            </a:extLst>
+          </p:cNvPr>
+          <p:cNvGrpSpPr/>
+          <p:nvPr/>
+        </p:nvGrpSpPr>
+        <p:grpSpPr>
+          <a:xfrm>
+            <a:off x="2999889" y="2903461"/>
+            <a:ext cx="3761084" cy="2551911"/>
+            <a:chOff x="6793505" y="2816619"/>
+            <a:chExt cx="3761084" cy="2551911"/>
+          </a:xfrm>
+        </p:grpSpPr>
+        <p:pic>
+          <p:nvPicPr>
+            <p:cNvPr id="20" name="Picture 19">
+              <a:extLst>
+                <a:ext uri="{FF2B5EF4-FFF2-40B4-BE49-F238E27FC236}">
+                  <a16:creationId xmlns:a16="http://schemas.microsoft.com/office/drawing/2014/main" id="{6B69C102-FF46-9282-4B8F-5D161CD5B602}"/>
+                </a:ext>
+              </a:extLst>
+            </p:cNvPr>
+            <p:cNvPicPr>
+              <a:picLocks noChangeAspect="1"/>
+            </p:cNvPicPr>
+            <p:nvPr/>
+          </p:nvPicPr>
+          <p:blipFill>
+            <a:blip r:embed="rId9"/>
+            <a:srcRect t="66407" b="22720"/>
+            <a:stretch/>
+          </p:blipFill>
+          <p:spPr>
+            <a:xfrm>
+              <a:off x="6793505" y="2816619"/>
+              <a:ext cx="2419350" cy="199867"/>
+            </a:xfrm>
+            <a:prstGeom prst="rect">
+              <a:avLst/>
+            </a:prstGeom>
+          </p:spPr>
+        </p:pic>
+        <p:grpSp>
+          <p:nvGrpSpPr>
+            <p:cNvPr id="43" name="Group 42">
+              <a:extLst>
+                <a:ext uri="{FF2B5EF4-FFF2-40B4-BE49-F238E27FC236}">
+                  <a16:creationId xmlns:a16="http://schemas.microsoft.com/office/drawing/2014/main" id="{573220D8-4CB5-31A5-250B-A1A295A29D3D}"/>
+                </a:ext>
+              </a:extLst>
+            </p:cNvPr>
+            <p:cNvGrpSpPr/>
+            <p:nvPr/>
+          </p:nvGrpSpPr>
+          <p:grpSpPr>
+            <a:xfrm>
+              <a:off x="6898587" y="3016486"/>
+              <a:ext cx="3400425" cy="1597358"/>
+              <a:chOff x="6198370" y="487421"/>
+              <a:chExt cx="3400425" cy="1597358"/>
+            </a:xfrm>
+          </p:grpSpPr>
+          <p:grpSp>
+            <p:nvGrpSpPr>
+              <p:cNvPr id="156" name="Group 155">
+                <a:extLst>
+                  <a:ext uri="{FF2B5EF4-FFF2-40B4-BE49-F238E27FC236}">
+                    <a16:creationId xmlns:a16="http://schemas.microsoft.com/office/drawing/2014/main" id="{D04595A3-795C-9EAF-EF76-373971287C64}"/>
+                  </a:ext>
+                </a:extLst>
+              </p:cNvPr>
+              <p:cNvGrpSpPr/>
+              <p:nvPr/>
+            </p:nvGrpSpPr>
+            <p:grpSpPr>
+              <a:xfrm>
+                <a:off x="6198370" y="487421"/>
+                <a:ext cx="3400425" cy="1597358"/>
+                <a:chOff x="5942995" y="437993"/>
+                <a:chExt cx="3400425" cy="1597358"/>
+              </a:xfrm>
+            </p:grpSpPr>
+            <p:pic>
+              <p:nvPicPr>
+                <p:cNvPr id="84" name="Picture 83">
+                  <a:extLst>
+                    <a:ext uri="{FF2B5EF4-FFF2-40B4-BE49-F238E27FC236}">
+                      <a16:creationId xmlns:a16="http://schemas.microsoft.com/office/drawing/2014/main" id="{6D5DC471-5C4D-318C-6E06-203293D1FAB9}"/>
+                    </a:ext>
+                  </a:extLst>
+                </p:cNvPr>
+                <p:cNvPicPr>
+                  <a:picLocks noChangeAspect="1"/>
+                </p:cNvPicPr>
+                <p:nvPr/>
+              </p:nvPicPr>
+              <p:blipFill>
+                <a:blip r:embed="rId10"/>
+                <a:srcRect b="63857"/>
+                <a:stretch/>
+              </p:blipFill>
+              <p:spPr>
+                <a:xfrm>
+                  <a:off x="5942995" y="437993"/>
+                  <a:ext cx="3400425" cy="1597358"/>
+                </a:xfrm>
+                <a:prstGeom prst="rect">
+                  <a:avLst/>
+                </a:prstGeom>
+              </p:spPr>
+            </p:pic>
+            <p:sp>
+              <p:nvSpPr>
+                <p:cNvPr id="87" name="Rectangle 86">
+                  <a:extLst>
+                    <a:ext uri="{FF2B5EF4-FFF2-40B4-BE49-F238E27FC236}">
+                      <a16:creationId xmlns:a16="http://schemas.microsoft.com/office/drawing/2014/main" id="{7C194E03-2765-4082-0DAE-491F3B92EC4D}"/>
+                    </a:ext>
+                  </a:extLst>
+                </p:cNvPr>
+                <p:cNvSpPr/>
+                <p:nvPr/>
+              </p:nvSpPr>
+              <p:spPr>
+                <a:xfrm>
+                  <a:off x="5964390" y="1443385"/>
+                  <a:ext cx="3377011" cy="199866"/>
+                </a:xfrm>
+                <a:prstGeom prst="rect">
+                  <a:avLst/>
+                </a:prstGeom>
+                <a:noFill/>
+                <a:ln w="6350">
+                  <a:solidFill>
+                    <a:srgbClr val="FF0000"/>
+                  </a:solidFill>
+                </a:ln>
+                <a:effectLst>
+                  <a:outerShdw blurRad="50800" dist="38100" dir="8100000" algn="tr" rotWithShape="0">
+                    <a:prstClr val="black">
+                      <a:alpha val="40000"/>
+                    </a:prstClr>
+                  </a:outerShdw>
+                </a:effectLst>
+              </p:spPr>
+              <p:txBody>
+                <a:bodyPr wrap="none" anchor="ctr" anchorCtr="0">
+                  <a:noAutofit/>
+                </a:bodyPr>
+                <a:lstStyle/>
+                <a:p>
+                  <a:endParaRPr lang="LID4096"/>
+                </a:p>
+              </p:txBody>
+            </p:sp>
+          </p:grpSp>
+          <p:sp>
+            <p:nvSpPr>
+              <p:cNvPr id="8" name="TextBox 7">
+                <a:extLst>
+                  <a:ext uri="{FF2B5EF4-FFF2-40B4-BE49-F238E27FC236}">
+                    <a16:creationId xmlns:a16="http://schemas.microsoft.com/office/drawing/2014/main" id="{EE82E0E0-1E9C-3966-ACD7-6A619DD07335}"/>
+                  </a:ext>
+                </a:extLst>
+              </p:cNvPr>
+              <p:cNvSpPr txBox="1"/>
+              <p:nvPr/>
+            </p:nvSpPr>
+            <p:spPr>
+              <a:xfrm>
+                <a:off x="8687786" y="1305171"/>
+                <a:ext cx="908990" cy="182880"/>
+              </a:xfrm>
+              <a:prstGeom prst="rect">
+                <a:avLst/>
+              </a:prstGeom>
+              <a:solidFill>
+                <a:srgbClr val="93E3FF"/>
+              </a:solidFill>
+            </p:spPr>
+            <p:txBody>
+              <a:bodyPr wrap="none" lIns="0" tIns="0" rIns="0" bIns="0" rtlCol="0" anchor="ctr" anchorCtr="0">
+                <a:noAutofit/>
+              </a:bodyPr>
+              <a:lstStyle/>
+              <a:p>
+                <a:pPr algn="ctr"/>
+                <a:r>
+                  <a:rPr lang="en-US" sz="1100" b="1" dirty="0">
+                    <a:latin typeface="Calibri bold" panose="020F0702030404030204" pitchFamily="34" charset="0"/>
+                    <a:cs typeface="Calibri bold" panose="020F0702030404030204" pitchFamily="34" charset="0"/>
+                  </a:rPr>
+                  <a:t>S2  sequence</a:t>
+                </a:r>
+              </a:p>
+            </p:txBody>
+          </p:sp>
+        </p:grpSp>
+        <p:sp>
+          <p:nvSpPr>
+            <p:cNvPr id="2" name="TextBox 1">
+              <a:extLst>
+                <a:ext uri="{FF2B5EF4-FFF2-40B4-BE49-F238E27FC236}">
+                  <a16:creationId xmlns:a16="http://schemas.microsoft.com/office/drawing/2014/main" id="{19CE6CE2-A8DC-398E-A4B5-E3DB298B41C0}"/>
+                </a:ext>
+              </a:extLst>
+            </p:cNvPr>
+            <p:cNvSpPr txBox="1"/>
+            <p:nvPr/>
+          </p:nvSpPr>
+          <p:spPr>
+            <a:xfrm>
+              <a:off x="9007448" y="4179133"/>
+              <a:ext cx="1547141" cy="261610"/>
+            </a:xfrm>
+            <a:prstGeom prst="rect">
+              <a:avLst/>
+            </a:prstGeom>
+            <a:noFill/>
+          </p:spPr>
+          <p:txBody>
+            <a:bodyPr wrap="square">
+              <a:spAutoFit/>
+            </a:bodyPr>
+            <a:lstStyle/>
+            <a:p>
+              <a:pPr algn="r"/>
+              <a:r>
+                <a:rPr lang="en-US" sz="1100" b="1" dirty="0"/>
+                <a:t>Original version</a:t>
+              </a:r>
+            </a:p>
+          </p:txBody>
+        </p:sp>
+        <p:sp>
+          <p:nvSpPr>
+            <p:cNvPr id="79" name="TextBox 78">
+              <a:extLst>
+                <a:ext uri="{FF2B5EF4-FFF2-40B4-BE49-F238E27FC236}">
+                  <a16:creationId xmlns:a16="http://schemas.microsoft.com/office/drawing/2014/main" id="{81DFB071-1683-80D2-A4D4-DC40B67D6066}"/>
+                </a:ext>
+              </a:extLst>
+            </p:cNvPr>
+            <p:cNvSpPr txBox="1">
+              <a:spLocks noChangeAspect="1"/>
+            </p:cNvSpPr>
+            <p:nvPr/>
+          </p:nvSpPr>
+          <p:spPr>
+            <a:xfrm>
+              <a:off x="9204089" y="2822940"/>
+              <a:ext cx="369061" cy="136632"/>
+            </a:xfrm>
+            <a:prstGeom prst="rect">
+              <a:avLst/>
+            </a:prstGeom>
+            <a:solidFill>
+              <a:schemeClr val="bg1">
+                <a:lumMod val="85000"/>
+              </a:schemeClr>
+            </a:solidFill>
+          </p:spPr>
+          <p:txBody>
+            <a:bodyPr wrap="none" lIns="0" tIns="0" rIns="0" bIns="0" anchor="ctr" anchorCtr="0">
+              <a:noAutofit/>
+            </a:bodyPr>
+            <a:lstStyle/>
+            <a:p>
+              <a:pPr algn="ctr"/>
+              <a:r>
+                <a:rPr lang="pt-BR" sz="1200" b="1" dirty="0"/>
+                <a:t>2_01</a:t>
+              </a:r>
+              <a:endParaRPr lang="LID4096" sz="1200" b="1" dirty="0"/>
+            </a:p>
+          </p:txBody>
+        </p:sp>
+        <p:pic>
+          <p:nvPicPr>
+            <p:cNvPr id="80" name="Picture 79">
+              <a:extLst>
+                <a:ext uri="{FF2B5EF4-FFF2-40B4-BE49-F238E27FC236}">
+                  <a16:creationId xmlns:a16="http://schemas.microsoft.com/office/drawing/2014/main" id="{FDA777F1-69F6-7AD4-8838-B48759656BB6}"/>
+                </a:ext>
+              </a:extLst>
+            </p:cNvPr>
+            <p:cNvPicPr>
+              <a:picLocks noChangeAspect="1"/>
+            </p:cNvPicPr>
+            <p:nvPr/>
+          </p:nvPicPr>
+          <p:blipFill>
+            <a:blip r:embed="rId10"/>
+            <a:srcRect t="54422" b="28366"/>
+            <a:stretch/>
+          </p:blipFill>
+          <p:spPr>
+            <a:xfrm>
+              <a:off x="6896568" y="4607831"/>
+              <a:ext cx="3400425" cy="760699"/>
+            </a:xfrm>
+            <a:prstGeom prst="rect">
+              <a:avLst/>
+            </a:prstGeom>
+          </p:spPr>
+        </p:pic>
+      </p:grpSp>
       <p:grpSp>
         <p:nvGrpSpPr>
           <p:cNvPr id="16" name="Group 15">
@@ -11931,7 +13448,7 @@
                 <p:nvPr/>
               </p:nvPicPr>
               <p:blipFill>
-                <a:blip r:embed="rId2"/>
+                <a:blip r:embed="rId11"/>
                 <a:stretch>
                   <a:fillRect/>
                 </a:stretch>
@@ -11961,7 +13478,7 @@
                 <p:nvPr/>
               </p:nvPicPr>
               <p:blipFill>
-                <a:blip r:embed="rId3"/>
+                <a:blip r:embed="rId12"/>
                 <a:stretch>
                   <a:fillRect/>
                 </a:stretch>
@@ -11991,7 +13508,7 @@
           </p:grpSp>
           <p:pic>
             <p:nvPicPr>
-              <p:cNvPr id="80" name="Picture 79">
+              <p:cNvPr id="17" name="Picture 16">
                 <a:extLst>
                   <a:ext uri="{FF2B5EF4-FFF2-40B4-BE49-F238E27FC236}">
                     <a16:creationId xmlns:a16="http://schemas.microsoft.com/office/drawing/2014/main" id="{BD3714D8-AC64-CE40-2745-248E5933F728}"/>
@@ -12004,7 +13521,7 @@
               <p:nvPr/>
             </p:nvPicPr>
             <p:blipFill>
-              <a:blip r:embed="rId4"/>
+              <a:blip r:embed="rId13"/>
               <a:srcRect t="9057"/>
               <a:stretch/>
             </p:blipFill>
@@ -12054,7 +13571,7 @@
               <p:nvPr/>
             </p:nvPicPr>
             <p:blipFill>
-              <a:blip r:embed="rId5"/>
+              <a:blip r:embed="rId9"/>
               <a:stretch>
                 <a:fillRect/>
               </a:stretch>
@@ -12071,7 +13588,7 @@
           </p:pic>
           <p:grpSp>
             <p:nvGrpSpPr>
-              <p:cNvPr id="2" name="Group 1">
+              <p:cNvPr id="3" name="Group 2">
                 <a:extLst>
                   <a:ext uri="{FF2B5EF4-FFF2-40B4-BE49-F238E27FC236}">
                     <a16:creationId xmlns:a16="http://schemas.microsoft.com/office/drawing/2014/main" id="{6498EB62-2E4D-9B9B-BC73-85B7AB25CF22}"/>
@@ -12113,7 +13630,7 @@
               </p:grpSpPr>
               <p:pic>
                 <p:nvPicPr>
-                  <p:cNvPr id="8" name="Picture 7">
+                  <p:cNvPr id="6" name="Picture 5">
                     <a:extLst>
                       <a:ext uri="{FF2B5EF4-FFF2-40B4-BE49-F238E27FC236}">
                         <a16:creationId xmlns:a16="http://schemas.microsoft.com/office/drawing/2014/main" id="{1DBEC1E2-9D4D-1524-F4B8-5E0292A3C3BE}"/>
@@ -12126,7 +13643,7 @@
                   <p:nvPr/>
                 </p:nvPicPr>
                 <p:blipFill>
-                  <a:blip r:embed="rId6"/>
+                  <a:blip r:embed="rId14"/>
                   <a:stretch>
                     <a:fillRect/>
                   </a:stretch>
@@ -12156,7 +13673,7 @@
                   <p:nvPr/>
                 </p:nvPicPr>
                 <p:blipFill>
-                  <a:blip r:embed="rId7"/>
+                  <a:blip r:embed="rId15"/>
                   <a:stretch>
                     <a:fillRect/>
                   </a:stretch>
@@ -12352,7 +13869,7 @@
       </p:grpSp>
       <p:sp>
         <p:nvSpPr>
-          <p:cNvPr id="3" name="TextBox 2">
+          <p:cNvPr id="21" name="TextBox 20">
             <a:extLst>
               <a:ext uri="{FF2B5EF4-FFF2-40B4-BE49-F238E27FC236}">
                 <a16:creationId xmlns:a16="http://schemas.microsoft.com/office/drawing/2014/main" id="{9EAD5A2F-63A9-F921-F00F-C7CA764578EA}"/>
@@ -12399,7 +13916,7 @@
       </p:sp>
       <p:sp>
         <p:nvSpPr>
-          <p:cNvPr id="6" name="TextBox 5">
+          <p:cNvPr id="22" name="TextBox 21">
             <a:extLst>
               <a:ext uri="{FF2B5EF4-FFF2-40B4-BE49-F238E27FC236}">
                 <a16:creationId xmlns:a16="http://schemas.microsoft.com/office/drawing/2014/main" id="{CF6EC615-C8D0-11AE-E356-B7CC81BA6D00}"/>
@@ -12446,7 +13963,7 @@
       </p:sp>
       <p:grpSp>
         <p:nvGrpSpPr>
-          <p:cNvPr id="20" name="Group 19">
+          <p:cNvPr id="23" name="Group 22">
             <a:extLst>
               <a:ext uri="{FF2B5EF4-FFF2-40B4-BE49-F238E27FC236}">
                 <a16:creationId xmlns:a16="http://schemas.microsoft.com/office/drawing/2014/main" id="{745E7A01-E292-A97C-617A-2505B718A0CD}"/>
@@ -12466,7 +13983,7 @@
         </p:grpSpPr>
         <p:pic>
           <p:nvPicPr>
-            <p:cNvPr id="21" name="Picture 20">
+            <p:cNvPr id="26" name="Picture 25">
               <a:extLst>
                 <a:ext uri="{FF2B5EF4-FFF2-40B4-BE49-F238E27FC236}">
                   <a16:creationId xmlns:a16="http://schemas.microsoft.com/office/drawing/2014/main" id="{FCD79A4E-6E01-D27F-552E-5646F4DF8924}"/>
@@ -12479,7 +13996,7 @@
             <p:nvPr/>
           </p:nvPicPr>
           <p:blipFill>
-            <a:blip r:embed="rId8"/>
+            <a:blip r:embed="rId16"/>
             <a:srcRect r="53369"/>
             <a:stretch/>
           </p:blipFill>
@@ -12495,7 +14012,7 @@
         </p:pic>
         <p:sp>
           <p:nvSpPr>
-            <p:cNvPr id="22" name="Rectangle 21">
+            <p:cNvPr id="32" name="Rectangle 31">
               <a:extLst>
                 <a:ext uri="{FF2B5EF4-FFF2-40B4-BE49-F238E27FC236}">
                   <a16:creationId xmlns:a16="http://schemas.microsoft.com/office/drawing/2014/main" id="{5EA7A0B2-04B8-E32D-8ECA-D48D25BA8D30}"/>
@@ -12539,7 +14056,7 @@
         </p:sp>
         <p:sp>
           <p:nvSpPr>
-            <p:cNvPr id="23" name="Rectangle 22">
+            <p:cNvPr id="33" name="Rectangle 32">
               <a:extLst>
                 <a:ext uri="{FF2B5EF4-FFF2-40B4-BE49-F238E27FC236}">
                   <a16:creationId xmlns:a16="http://schemas.microsoft.com/office/drawing/2014/main" id="{AF29661A-4FB5-CCC0-BF0F-42220BE95139}"/>
@@ -12592,49 +14109,10 @@
           </p:txBody>
         </p:sp>
       </p:grpSp>
-      <p:sp>
-        <p:nvSpPr>
-          <p:cNvPr id="17" name="TextBox 16">
-            <a:extLst>
-              <a:ext uri="{FF2B5EF4-FFF2-40B4-BE49-F238E27FC236}">
-                <a16:creationId xmlns:a16="http://schemas.microsoft.com/office/drawing/2014/main" id="{22615A95-B2AC-7F07-FE01-549C96FB3CC2}"/>
-              </a:ext>
-            </a:extLst>
-          </p:cNvPr>
-          <p:cNvSpPr txBox="1"/>
-          <p:nvPr/>
-        </p:nvSpPr>
-        <p:spPr>
-          <a:xfrm>
-            <a:off x="0" y="33825"/>
-            <a:ext cx="795178" cy="261610"/>
-          </a:xfrm>
-          <a:prstGeom prst="rect">
-            <a:avLst/>
-          </a:prstGeom>
-          <a:noFill/>
-        </p:spPr>
-        <p:txBody>
-          <a:bodyPr wrap="square">
-            <a:spAutoFit/>
-          </a:bodyPr>
-          <a:lstStyle/>
-          <a:p>
-            <a:r>
-              <a:rPr lang="LID4096" sz="1100" b="1" dirty="0">
-                <a:solidFill>
-                  <a:srgbClr val="FF0000"/>
-                </a:solidFill>
-              </a:rPr>
-              <a:t>FREYBERG</a:t>
-            </a:r>
-          </a:p>
-        </p:txBody>
-      </p:sp>
     </p:spTree>
     <p:extLst>
       <p:ext uri="{BB962C8B-B14F-4D97-AF65-F5344CB8AC3E}">
-        <p14:creationId xmlns:p14="http://schemas.microsoft.com/office/powerpoint/2010/main" val="282079849"/>
+        <p14:creationId xmlns:p14="http://schemas.microsoft.com/office/powerpoint/2010/main" val="235134825"/>
       </p:ext>
     </p:extLst>
   </p:cSld>
@@ -12644,7 +14122,7 @@
 </p:sld>
 </file>
 
-<file path=ppt/slides/slide8.xml><?xml version="1.0" encoding="utf-8"?>
+<file path=ppt/slides/slide7.xml><?xml version="1.0" encoding="utf-8"?>
 <p:sld xmlns:a="http://schemas.openxmlformats.org/drawingml/2006/main" xmlns:r="http://schemas.openxmlformats.org/officeDocument/2006/relationships" xmlns:p="http://schemas.openxmlformats.org/presentationml/2006/main">
   <p:cSld>
     <p:bg>
@@ -16114,7 +17592,7 @@
 </p:sld>
 </file>
 
-<file path=ppt/slides/slide9.xml><?xml version="1.0" encoding="utf-8"?>
+<file path=ppt/slides/slide8.xml><?xml version="1.0" encoding="utf-8"?>
 <p:sld xmlns:a="http://schemas.openxmlformats.org/drawingml/2006/main" xmlns:r="http://schemas.openxmlformats.org/officeDocument/2006/relationships" xmlns:p="http://schemas.openxmlformats.org/presentationml/2006/main">
   <p:cSld>
     <p:bg>

--- a/01_Follow_up__activities.pptx
+++ b/01_Follow_up__activities.pptx
@@ -7,12 +7,12 @@
   <p:sldIdLst>
     <p:sldId id="279" r:id="rId2"/>
     <p:sldId id="277" r:id="rId3"/>
-    <p:sldId id="281" r:id="rId4"/>
-    <p:sldId id="274" r:id="rId5"/>
-    <p:sldId id="278" r:id="rId6"/>
-    <p:sldId id="261" r:id="rId7"/>
-    <p:sldId id="280" r:id="rId8"/>
-    <p:sldId id="273" r:id="rId9"/>
+    <p:sldId id="274" r:id="rId4"/>
+    <p:sldId id="278" r:id="rId5"/>
+    <p:sldId id="261" r:id="rId6"/>
+    <p:sldId id="280" r:id="rId7"/>
+    <p:sldId id="273" r:id="rId8"/>
+    <p:sldId id="281" r:id="rId9"/>
   </p:sldIdLst>
   <p:sldSz cx="12192000" cy="6858000"/>
   <p:notesSz cx="6858000" cy="9144000"/>
@@ -4705,7 +4705,7 @@
         </p:blipFill>
         <p:spPr>
           <a:xfrm>
-            <a:off x="399833" y="6176243"/>
+            <a:off x="364784" y="6153030"/>
             <a:ext cx="2343150" cy="180975"/>
           </a:xfrm>
           <a:prstGeom prst="rect">
@@ -4738,7 +4738,7 @@
         </p:blipFill>
         <p:spPr>
           <a:xfrm>
-            <a:off x="522686" y="6344195"/>
+            <a:off x="487637" y="6320982"/>
             <a:ext cx="1201042" cy="172605"/>
           </a:xfrm>
           <a:prstGeom prst="rect">
@@ -4767,7 +4767,7 @@
         </p:blipFill>
         <p:spPr>
           <a:xfrm>
-            <a:off x="560971" y="6517758"/>
+            <a:off x="525922" y="6494545"/>
             <a:ext cx="1514475" cy="179110"/>
           </a:xfrm>
           <a:prstGeom prst="rect">
@@ -4859,7 +4859,7 @@
         </p:blipFill>
         <p:spPr>
           <a:xfrm>
-            <a:off x="234378" y="5928864"/>
+            <a:off x="199329" y="5905651"/>
             <a:ext cx="2838450" cy="200164"/>
           </a:xfrm>
           <a:prstGeom prst="rect">
@@ -4883,7 +4883,7 @@
         </p:nvSpPr>
         <p:spPr>
           <a:xfrm>
-            <a:off x="2525944" y="5937336"/>
+            <a:off x="2490895" y="5914123"/>
             <a:ext cx="369060" cy="137160"/>
           </a:xfrm>
           <a:prstGeom prst="rect">
@@ -4922,8 +4922,8 @@
         </p:nvSpPr>
         <p:spPr>
           <a:xfrm>
-            <a:off x="2201846" y="6347649"/>
-            <a:ext cx="795178" cy="400110"/>
+            <a:off x="2166796" y="6324436"/>
+            <a:ext cx="870983" cy="400110"/>
           </a:xfrm>
           <a:prstGeom prst="rect">
             <a:avLst/>
@@ -4936,13 +4936,25 @@
           </a:bodyPr>
           <a:lstStyle/>
           <a:p>
+            <a:pPr algn="ctr"/>
             <a:r>
               <a:rPr lang="pt-BR" sz="1000" dirty="0">
                 <a:solidFill>
                   <a:srgbClr val="0000FF"/>
                 </a:solidFill>
               </a:rPr>
-              <a:t>No Local Temp. ok</a:t>
+              <a:t>Local </a:t>
+            </a:r>
+          </a:p>
+          <a:p>
+            <a:pPr algn="ctr"/>
+            <a:r>
+              <a:rPr lang="pt-BR" sz="1000" dirty="0">
+                <a:solidFill>
+                  <a:srgbClr val="0000FF"/>
+                </a:solidFill>
+              </a:rPr>
+              <a:t>&amp; Temp.</a:t>
             </a:r>
             <a:endParaRPr lang="LID4096" sz="1000" dirty="0">
               <a:solidFill>
@@ -5191,7 +5203,7 @@
         </p:nvSpPr>
         <p:spPr>
           <a:xfrm>
-            <a:off x="1761635" y="5870392"/>
+            <a:off x="1726586" y="5847179"/>
             <a:ext cx="795178" cy="261610"/>
           </a:xfrm>
           <a:prstGeom prst="rect">
@@ -5871,8 +5883,8 @@
         </p:nvSpPr>
         <p:spPr>
           <a:xfrm>
-            <a:off x="307611" y="6369881"/>
-            <a:ext cx="2667995" cy="307777"/>
+            <a:off x="272562" y="6346668"/>
+            <a:ext cx="1767835" cy="307777"/>
           </a:xfrm>
           <a:prstGeom prst="rect">
             <a:avLst/>
@@ -6236,30 +6248,32 @@
       </p:pic>
       <p:grpSp>
         <p:nvGrpSpPr>
-          <p:cNvPr id="32" name="Group 31">
-            <a:extLst>
-              <a:ext uri="{FF2B5EF4-FFF2-40B4-BE49-F238E27FC236}">
-                <a16:creationId xmlns:a16="http://schemas.microsoft.com/office/drawing/2014/main" id="{ABF5003A-A3BD-BDF3-CA92-2E338C3FE78E}"/>
-              </a:ext>
-            </a:extLst>
-          </p:cNvPr>
-          <p:cNvGrpSpPr/>
+          <p:cNvPr id="6" name="Group 5">
+            <a:extLst>
+              <a:ext uri="{FF2B5EF4-FFF2-40B4-BE49-F238E27FC236}">
+                <a16:creationId xmlns:a16="http://schemas.microsoft.com/office/drawing/2014/main" id="{8D3F0414-A17A-934C-EEAF-41EB4B9AC432}"/>
+              </a:ext>
+            </a:extLst>
+          </p:cNvPr>
+          <p:cNvGrpSpPr>
+            <a:grpSpLocks noChangeAspect="1"/>
+          </p:cNvGrpSpPr>
           <p:nvPr/>
         </p:nvGrpSpPr>
         <p:grpSpPr>
           <a:xfrm>
-            <a:off x="8353586" y="4694980"/>
-            <a:ext cx="2824343" cy="1942734"/>
-            <a:chOff x="8353586" y="4694980"/>
-            <a:chExt cx="2824343" cy="1942734"/>
+            <a:off x="3024468" y="5680015"/>
+            <a:ext cx="870983" cy="1046706"/>
+            <a:chOff x="7165644" y="3690758"/>
+            <a:chExt cx="2577825" cy="3097909"/>
           </a:xfrm>
         </p:grpSpPr>
         <p:grpSp>
           <p:nvGrpSpPr>
-            <p:cNvPr id="19" name="Group 18">
+            <p:cNvPr id="61" name="Group 60">
               <a:extLst>
                 <a:ext uri="{FF2B5EF4-FFF2-40B4-BE49-F238E27FC236}">
-                  <a16:creationId xmlns:a16="http://schemas.microsoft.com/office/drawing/2014/main" id="{E92A4977-0C72-5C65-CBE1-4FBF8B5E474F}"/>
+                  <a16:creationId xmlns:a16="http://schemas.microsoft.com/office/drawing/2014/main" id="{3405BA07-79A3-7D90-4450-E0626A6C5E50}"/>
                 </a:ext>
               </a:extLst>
             </p:cNvPr>
@@ -6268,18 +6282,18 @@
           </p:nvGrpSpPr>
           <p:grpSpPr>
             <a:xfrm>
-              <a:off x="8353586" y="4694980"/>
-              <a:ext cx="2530078" cy="1855922"/>
-              <a:chOff x="7012215" y="4605024"/>
-              <a:chExt cx="2530078" cy="1855922"/>
+              <a:off x="7165644" y="3690758"/>
+              <a:ext cx="2172917" cy="3097909"/>
+              <a:chOff x="6887080" y="3509404"/>
+              <a:chExt cx="2172917" cy="3097909"/>
             </a:xfrm>
           </p:grpSpPr>
           <p:pic>
             <p:nvPicPr>
-              <p:cNvPr id="12" name="Picture 11">
+              <p:cNvPr id="25" name="Picture 24">
                 <a:extLst>
                   <a:ext uri="{FF2B5EF4-FFF2-40B4-BE49-F238E27FC236}">
-                    <a16:creationId xmlns:a16="http://schemas.microsoft.com/office/drawing/2014/main" id="{C4AEE5F2-5257-5232-2610-DF1CA02B9732}"/>
+                    <a16:creationId xmlns:a16="http://schemas.microsoft.com/office/drawing/2014/main" id="{3832A4A5-1A66-1CD6-6D55-0D9BD800EB73}"/>
                   </a:ext>
                 </a:extLst>
               </p:cNvPr>
@@ -6290,14 +6304,13 @@
             </p:nvPicPr>
             <p:blipFill>
               <a:blip r:embed="rId33"/>
-              <a:stretch>
-                <a:fillRect/>
-              </a:stretch>
+              <a:srcRect b="82696"/>
+              <a:stretch/>
             </p:blipFill>
             <p:spPr>
               <a:xfrm>
-                <a:off x="7012215" y="4605024"/>
-                <a:ext cx="2028825" cy="1028700"/>
+                <a:off x="6979362" y="3509404"/>
+                <a:ext cx="1952625" cy="469739"/>
               </a:xfrm>
               <a:prstGeom prst="rect">
                 <a:avLst/>
@@ -6306,10 +6319,10 @@
           </p:pic>
           <p:pic>
             <p:nvPicPr>
-              <p:cNvPr id="14" name="Picture 13">
+              <p:cNvPr id="40" name="Picture 39">
                 <a:extLst>
                   <a:ext uri="{FF2B5EF4-FFF2-40B4-BE49-F238E27FC236}">
-                    <a16:creationId xmlns:a16="http://schemas.microsoft.com/office/drawing/2014/main" id="{2853E7E4-DD9C-10AC-1E74-EE238D6140E2}"/>
+                    <a16:creationId xmlns:a16="http://schemas.microsoft.com/office/drawing/2014/main" id="{3C305CBD-01DC-3A88-9B55-778254C94550}"/>
                   </a:ext>
                 </a:extLst>
               </p:cNvPr>
@@ -6319,109 +6332,138 @@
               <p:nvPr/>
             </p:nvPicPr>
             <p:blipFill>
-              <a:blip r:embed="rId34"/>
-              <a:stretch>
-                <a:fillRect/>
-              </a:stretch>
+              <a:blip r:embed="rId33"/>
+              <a:srcRect t="89884"/>
+              <a:stretch/>
             </p:blipFill>
             <p:spPr>
               <a:xfrm>
-                <a:off x="7886133" y="5203646"/>
-                <a:ext cx="1552575" cy="1257300"/>
+                <a:off x="6979361" y="6332694"/>
+                <a:ext cx="1952625" cy="274619"/>
               </a:xfrm>
               <a:prstGeom prst="rect">
                 <a:avLst/>
               </a:prstGeom>
             </p:spPr>
           </p:pic>
-          <p:sp>
-            <p:nvSpPr>
-              <p:cNvPr id="17" name="Rectangle 16">
+          <p:pic>
+            <p:nvPicPr>
+              <p:cNvPr id="57" name="Picture 56">
                 <a:extLst>
                   <a:ext uri="{FF2B5EF4-FFF2-40B4-BE49-F238E27FC236}">
-                    <a16:creationId xmlns:a16="http://schemas.microsoft.com/office/drawing/2014/main" id="{4B4C7AF8-36EC-576D-FF6A-532DBAD36AEA}"/>
+                    <a16:creationId xmlns:a16="http://schemas.microsoft.com/office/drawing/2014/main" id="{D0D55197-8D3F-04B1-B480-B5780DC9D44B}"/>
                   </a:ext>
                 </a:extLst>
               </p:cNvPr>
-              <p:cNvSpPr/>
+              <p:cNvPicPr>
+                <a:picLocks noChangeAspect="1"/>
+              </p:cNvPicPr>
               <p:nvPr/>
-            </p:nvSpPr>
+            </p:nvPicPr>
+            <p:blipFill>
+              <a:blip r:embed="rId33"/>
+              <a:srcRect t="68692" b="10408"/>
+              <a:stretch/>
+            </p:blipFill>
             <p:spPr>
               <a:xfrm>
-                <a:off x="7886133" y="5810978"/>
-                <a:ext cx="1656160" cy="213066"/>
+                <a:off x="6946297" y="5594587"/>
+                <a:ext cx="1952625" cy="567370"/>
               </a:xfrm>
               <a:prstGeom prst="rect">
                 <a:avLst/>
               </a:prstGeom>
-              <a:noFill/>
-              <a:ln w="6350">
-                <a:solidFill>
-                  <a:schemeClr val="tx1"/>
-                </a:solidFill>
-              </a:ln>
-              <a:effectLst>
-                <a:outerShdw blurRad="50800" dist="38100" dir="8100000" algn="tr" rotWithShape="0">
-                  <a:prstClr val="black">
-                    <a:alpha val="40000"/>
-                  </a:prstClr>
-                </a:outerShdw>
-              </a:effectLst>
             </p:spPr>
-            <p:txBody>
-              <a:bodyPr wrap="none" anchor="ctr" anchorCtr="0">
-                <a:noAutofit/>
-              </a:bodyPr>
-              <a:lstStyle/>
-              <a:p>
-                <a:endParaRPr lang="LID4096" dirty="0"/>
-              </a:p>
-            </p:txBody>
-          </p:sp>
+          </p:pic>
+          <p:pic>
+            <p:nvPicPr>
+              <p:cNvPr id="58" name="Picture 57">
+                <a:extLst>
+                  <a:ext uri="{FF2B5EF4-FFF2-40B4-BE49-F238E27FC236}">
+                    <a16:creationId xmlns:a16="http://schemas.microsoft.com/office/drawing/2014/main" id="{24478180-8EE5-51C5-CB0A-22D9DB09AD81}"/>
+                  </a:ext>
+                </a:extLst>
+              </p:cNvPr>
+              <p:cNvPicPr>
+                <a:picLocks noChangeAspect="1"/>
+              </p:cNvPicPr>
+              <p:nvPr/>
+            </p:nvPicPr>
+            <p:blipFill>
+              <a:blip r:embed="rId33"/>
+              <a:srcRect t="16135" b="47376"/>
+              <a:stretch/>
+            </p:blipFill>
+            <p:spPr>
+              <a:xfrm>
+                <a:off x="6887080" y="4129088"/>
+                <a:ext cx="1952625" cy="990600"/>
+              </a:xfrm>
+              <a:prstGeom prst="rect">
+                <a:avLst/>
+              </a:prstGeom>
+            </p:spPr>
+          </p:pic>
+          <p:pic>
+            <p:nvPicPr>
+              <p:cNvPr id="59" name="Picture 58">
+                <a:extLst>
+                  <a:ext uri="{FF2B5EF4-FFF2-40B4-BE49-F238E27FC236}">
+                    <a16:creationId xmlns:a16="http://schemas.microsoft.com/office/drawing/2014/main" id="{6035A3C0-ED66-F9BA-FC3C-08EFB294167A}"/>
+                  </a:ext>
+                </a:extLst>
+              </p:cNvPr>
+              <p:cNvPicPr>
+                <a:picLocks noChangeAspect="1"/>
+              </p:cNvPicPr>
+              <p:nvPr/>
+            </p:nvPicPr>
+            <p:blipFill>
+              <a:blip r:embed="rId33"/>
+              <a:srcRect t="52625" b="32132"/>
+              <a:stretch/>
+            </p:blipFill>
+            <p:spPr>
+              <a:xfrm>
+                <a:off x="7107372" y="5134438"/>
+                <a:ext cx="1952625" cy="413820"/>
+              </a:xfrm>
+              <a:prstGeom prst="rect">
+                <a:avLst/>
+              </a:prstGeom>
+            </p:spPr>
+          </p:pic>
         </p:grpSp>
-        <p:sp>
-          <p:nvSpPr>
-            <p:cNvPr id="27" name="TextBox 26">
+        <p:pic>
+          <p:nvPicPr>
+            <p:cNvPr id="60" name="Picture 59">
               <a:extLst>
                 <a:ext uri="{FF2B5EF4-FFF2-40B4-BE49-F238E27FC236}">
-                  <a16:creationId xmlns:a16="http://schemas.microsoft.com/office/drawing/2014/main" id="{32B185A9-A194-3308-8A93-270B59715315}"/>
+                  <a16:creationId xmlns:a16="http://schemas.microsoft.com/office/drawing/2014/main" id="{29F9A4BA-1340-CF89-FF3E-7A41289664FF}"/>
                 </a:ext>
               </a:extLst>
             </p:cNvPr>
-            <p:cNvSpPr txBox="1"/>
+            <p:cNvPicPr>
+              <a:picLocks noChangeAspect="1"/>
+            </p:cNvPicPr>
             <p:nvPr/>
-          </p:nvSpPr>
+          </p:nvPicPr>
+          <p:blipFill>
+            <a:blip r:embed="rId34"/>
+            <a:stretch>
+              <a:fillRect/>
+            </a:stretch>
+          </p:blipFill>
           <p:spPr>
             <a:xfrm>
-              <a:off x="10518601" y="6114494"/>
-              <a:ext cx="659328" cy="523220"/>
+              <a:off x="8514744" y="3704524"/>
+              <a:ext cx="1228725" cy="3076575"/>
             </a:xfrm>
             <a:prstGeom prst="rect">
               <a:avLst/>
             </a:prstGeom>
-            <a:noFill/>
           </p:spPr>
-          <p:txBody>
-            <a:bodyPr wrap="square">
-              <a:spAutoFit/>
-            </a:bodyPr>
-            <a:lstStyle>
-              <a:defPPr>
-                <a:defRPr lang="LID4096"/>
-              </a:defPPr>
-              <a:lvl1pPr>
-                <a:defRPr sz="1100" b="1"/>
-              </a:lvl1pPr>
-            </a:lstStyle>
-            <a:p>
-              <a:r>
-                <a:rPr lang="en-US" sz="2800" dirty="0"/>
-                <a:t>02</a:t>
-              </a:r>
-              <a:endParaRPr lang="LID4096" sz="2800" dirty="0"/>
-            </a:p>
-          </p:txBody>
-        </p:sp>
+        </p:pic>
       </p:grpSp>
     </p:spTree>
     <p:extLst>
@@ -7274,1580 +7316,6 @@
 <file path=ppt/slides/slide3.xml><?xml version="1.0" encoding="utf-8"?>
 <p:sld xmlns:a="http://schemas.openxmlformats.org/drawingml/2006/main" xmlns:r="http://schemas.openxmlformats.org/officeDocument/2006/relationships" xmlns:p="http://schemas.openxmlformats.org/presentationml/2006/main">
   <p:cSld>
-    <p:bg>
-      <p:bgPr>
-        <a:solidFill>
-          <a:srgbClr val="EFDECD"/>
-        </a:solidFill>
-        <a:effectLst/>
-      </p:bgPr>
-    </p:bg>
-    <p:spTree>
-      <p:nvGrpSpPr>
-        <p:cNvPr id="1" name="">
-          <a:extLst>
-            <a:ext uri="{FF2B5EF4-FFF2-40B4-BE49-F238E27FC236}">
-              <a16:creationId xmlns:a16="http://schemas.microsoft.com/office/drawing/2014/main" id="{005A93EA-C738-87F8-AC56-2199256A77A9}"/>
-            </a:ext>
-          </a:extLst>
-        </p:cNvPr>
-        <p:cNvGrpSpPr/>
-        <p:nvPr/>
-      </p:nvGrpSpPr>
-      <p:grpSpPr>
-        <a:xfrm>
-          <a:off x="0" y="0"/>
-          <a:ext cx="0" cy="0"/>
-          <a:chOff x="0" y="0"/>
-          <a:chExt cx="0" cy="0"/>
-        </a:xfrm>
-      </p:grpSpPr>
-      <p:pic>
-        <p:nvPicPr>
-          <p:cNvPr id="1088" name="Picture 1087">
-            <a:extLst>
-              <a:ext uri="{FF2B5EF4-FFF2-40B4-BE49-F238E27FC236}">
-                <a16:creationId xmlns:a16="http://schemas.microsoft.com/office/drawing/2014/main" id="{1C5ADB66-5D3A-4762-1C4F-405B3D024573}"/>
-              </a:ext>
-            </a:extLst>
-          </p:cNvPr>
-          <p:cNvPicPr>
-            <a:picLocks noChangeAspect="1"/>
-          </p:cNvPicPr>
-          <p:nvPr/>
-        </p:nvPicPr>
-        <p:blipFill>
-          <a:blip r:embed="rId2"/>
-          <a:stretch>
-            <a:fillRect/>
-          </a:stretch>
-        </p:blipFill>
-        <p:spPr>
-          <a:xfrm>
-            <a:off x="155649" y="4562566"/>
-            <a:ext cx="733746" cy="301360"/>
-          </a:xfrm>
-          <a:prstGeom prst="rect">
-            <a:avLst/>
-          </a:prstGeom>
-        </p:spPr>
-      </p:pic>
-      <p:pic>
-        <p:nvPicPr>
-          <p:cNvPr id="1090" name="Picture 1089">
-            <a:extLst>
-              <a:ext uri="{FF2B5EF4-FFF2-40B4-BE49-F238E27FC236}">
-                <a16:creationId xmlns:a16="http://schemas.microsoft.com/office/drawing/2014/main" id="{D059915B-2B24-4350-83D5-EEF947AA9655}"/>
-              </a:ext>
-            </a:extLst>
-          </p:cNvPr>
-          <p:cNvPicPr>
-            <a:picLocks noChangeAspect="1"/>
-          </p:cNvPicPr>
-          <p:nvPr/>
-        </p:nvPicPr>
-        <p:blipFill>
-          <a:blip r:embed="rId3"/>
-          <a:stretch>
-            <a:fillRect/>
-          </a:stretch>
-        </p:blipFill>
-        <p:spPr>
-          <a:xfrm>
-            <a:off x="1798139" y="5675806"/>
-            <a:ext cx="1022004" cy="301360"/>
-          </a:xfrm>
-          <a:prstGeom prst="rect">
-            <a:avLst/>
-          </a:prstGeom>
-        </p:spPr>
-      </p:pic>
-      <p:pic>
-        <p:nvPicPr>
-          <p:cNvPr id="1092" name="Picture 1091">
-            <a:extLst>
-              <a:ext uri="{FF2B5EF4-FFF2-40B4-BE49-F238E27FC236}">
-                <a16:creationId xmlns:a16="http://schemas.microsoft.com/office/drawing/2014/main" id="{567405D1-7024-E12B-656B-F88D45815608}"/>
-              </a:ext>
-            </a:extLst>
-          </p:cNvPr>
-          <p:cNvPicPr>
-            <a:picLocks noChangeAspect="1"/>
-          </p:cNvPicPr>
-          <p:nvPr/>
-        </p:nvPicPr>
-        <p:blipFill>
-          <a:blip r:embed="rId4"/>
-          <a:stretch>
-            <a:fillRect/>
-          </a:stretch>
-        </p:blipFill>
-        <p:spPr>
-          <a:xfrm>
-            <a:off x="1792722" y="6008618"/>
-            <a:ext cx="799260" cy="301360"/>
-          </a:xfrm>
-          <a:prstGeom prst="rect">
-            <a:avLst/>
-          </a:prstGeom>
-        </p:spPr>
-      </p:pic>
-      <p:pic>
-        <p:nvPicPr>
-          <p:cNvPr id="1094" name="Picture 1093">
-            <a:extLst>
-              <a:ext uri="{FF2B5EF4-FFF2-40B4-BE49-F238E27FC236}">
-                <a16:creationId xmlns:a16="http://schemas.microsoft.com/office/drawing/2014/main" id="{3185E168-E99D-FB3D-24B5-B5DB70EA13B6}"/>
-              </a:ext>
-            </a:extLst>
-          </p:cNvPr>
-          <p:cNvPicPr>
-            <a:picLocks noChangeAspect="1"/>
-          </p:cNvPicPr>
-          <p:nvPr/>
-        </p:nvPicPr>
-        <p:blipFill>
-          <a:blip r:embed="rId5"/>
-          <a:stretch>
-            <a:fillRect/>
-          </a:stretch>
-        </p:blipFill>
-        <p:spPr>
-          <a:xfrm>
-            <a:off x="155648" y="4924077"/>
-            <a:ext cx="733747" cy="327566"/>
-          </a:xfrm>
-          <a:prstGeom prst="rect">
-            <a:avLst/>
-          </a:prstGeom>
-        </p:spPr>
-      </p:pic>
-      <p:pic>
-        <p:nvPicPr>
-          <p:cNvPr id="1096" name="Picture 1095">
-            <a:extLst>
-              <a:ext uri="{FF2B5EF4-FFF2-40B4-BE49-F238E27FC236}">
-                <a16:creationId xmlns:a16="http://schemas.microsoft.com/office/drawing/2014/main" id="{818EA404-6905-44C4-5E92-164401639B18}"/>
-              </a:ext>
-            </a:extLst>
-          </p:cNvPr>
-          <p:cNvPicPr>
-            <a:picLocks noChangeAspect="1"/>
-          </p:cNvPicPr>
-          <p:nvPr/>
-        </p:nvPicPr>
-        <p:blipFill>
-          <a:blip r:embed="rId6"/>
-          <a:stretch>
-            <a:fillRect/>
-          </a:stretch>
-        </p:blipFill>
-        <p:spPr>
-          <a:xfrm>
-            <a:off x="1792722" y="6361442"/>
-            <a:ext cx="642028" cy="301360"/>
-          </a:xfrm>
-          <a:prstGeom prst="rect">
-            <a:avLst/>
-          </a:prstGeom>
-        </p:spPr>
-      </p:pic>
-      <p:pic>
-        <p:nvPicPr>
-          <p:cNvPr id="1098" name="Picture 1097">
-            <a:extLst>
-              <a:ext uri="{FF2B5EF4-FFF2-40B4-BE49-F238E27FC236}">
-                <a16:creationId xmlns:a16="http://schemas.microsoft.com/office/drawing/2014/main" id="{C47623F3-558C-D700-BF32-95FD6200C443}"/>
-              </a:ext>
-            </a:extLst>
-          </p:cNvPr>
-          <p:cNvPicPr>
-            <a:picLocks noChangeAspect="1"/>
-          </p:cNvPicPr>
-          <p:nvPr/>
-        </p:nvPicPr>
-        <p:blipFill>
-          <a:blip r:embed="rId7"/>
-          <a:stretch>
-            <a:fillRect/>
-          </a:stretch>
-        </p:blipFill>
-        <p:spPr>
-          <a:xfrm>
-            <a:off x="144425" y="5573704"/>
-            <a:ext cx="1297159" cy="338145"/>
-          </a:xfrm>
-          <a:prstGeom prst="rect">
-            <a:avLst/>
-          </a:prstGeom>
-        </p:spPr>
-      </p:pic>
-      <p:pic>
-        <p:nvPicPr>
-          <p:cNvPr id="1100" name="Picture 1099">
-            <a:extLst>
-              <a:ext uri="{FF2B5EF4-FFF2-40B4-BE49-F238E27FC236}">
-                <a16:creationId xmlns:a16="http://schemas.microsoft.com/office/drawing/2014/main" id="{A0977BD7-F0F4-2634-7646-65502EC8BBB1}"/>
-              </a:ext>
-            </a:extLst>
-          </p:cNvPr>
-          <p:cNvPicPr>
-            <a:picLocks noChangeAspect="1"/>
-          </p:cNvPicPr>
-          <p:nvPr/>
-        </p:nvPicPr>
-        <p:blipFill>
-          <a:blip r:embed="rId8"/>
-          <a:stretch>
-            <a:fillRect/>
-          </a:stretch>
-        </p:blipFill>
-        <p:spPr>
-          <a:xfrm>
-            <a:off x="144425" y="5949451"/>
-            <a:ext cx="615822" cy="248949"/>
-          </a:xfrm>
-          <a:prstGeom prst="rect">
-            <a:avLst/>
-          </a:prstGeom>
-        </p:spPr>
-      </p:pic>
-      <p:pic>
-        <p:nvPicPr>
-          <p:cNvPr id="1103" name="Picture 1102">
-            <a:extLst>
-              <a:ext uri="{FF2B5EF4-FFF2-40B4-BE49-F238E27FC236}">
-                <a16:creationId xmlns:a16="http://schemas.microsoft.com/office/drawing/2014/main" id="{D4D7584C-1051-908C-ECC6-9F2B1119F201}"/>
-              </a:ext>
-            </a:extLst>
-          </p:cNvPr>
-          <p:cNvPicPr>
-            <a:picLocks noChangeAspect="1"/>
-          </p:cNvPicPr>
-          <p:nvPr/>
-        </p:nvPicPr>
-        <p:blipFill>
-          <a:blip r:embed="rId9"/>
-          <a:stretch>
-            <a:fillRect/>
-          </a:stretch>
-        </p:blipFill>
-        <p:spPr>
-          <a:xfrm>
-            <a:off x="144425" y="6255142"/>
-            <a:ext cx="919941" cy="301360"/>
-          </a:xfrm>
-          <a:prstGeom prst="rect">
-            <a:avLst/>
-          </a:prstGeom>
-        </p:spPr>
-      </p:pic>
-      <p:pic>
-        <p:nvPicPr>
-          <p:cNvPr id="1105" name="Picture 1104">
-            <a:extLst>
-              <a:ext uri="{FF2B5EF4-FFF2-40B4-BE49-F238E27FC236}">
-                <a16:creationId xmlns:a16="http://schemas.microsoft.com/office/drawing/2014/main" id="{2099EFBE-4990-A16A-6762-17B8764A3981}"/>
-              </a:ext>
-            </a:extLst>
-          </p:cNvPr>
-          <p:cNvPicPr>
-            <a:picLocks noChangeAspect="1"/>
-          </p:cNvPicPr>
-          <p:nvPr/>
-        </p:nvPicPr>
-        <p:blipFill>
-          <a:blip r:embed="rId10"/>
-          <a:stretch>
-            <a:fillRect/>
-          </a:stretch>
-        </p:blipFill>
-        <p:spPr>
-          <a:xfrm>
-            <a:off x="148307" y="5287196"/>
-            <a:ext cx="2667000" cy="266700"/>
-          </a:xfrm>
-          <a:prstGeom prst="rect">
-            <a:avLst/>
-          </a:prstGeom>
-        </p:spPr>
-      </p:pic>
-      <p:pic>
-        <p:nvPicPr>
-          <p:cNvPr id="4" name="Picture 3">
-            <a:extLst>
-              <a:ext uri="{FF2B5EF4-FFF2-40B4-BE49-F238E27FC236}">
-                <a16:creationId xmlns:a16="http://schemas.microsoft.com/office/drawing/2014/main" id="{52B1B0C3-0526-2B9D-05CD-8DB6B19F48A5}"/>
-              </a:ext>
-            </a:extLst>
-          </p:cNvPr>
-          <p:cNvPicPr>
-            <a:picLocks noChangeAspect="1"/>
-          </p:cNvPicPr>
-          <p:nvPr/>
-        </p:nvPicPr>
-        <p:blipFill>
-          <a:blip r:embed="rId11"/>
-          <a:stretch>
-            <a:fillRect/>
-          </a:stretch>
-        </p:blipFill>
-        <p:spPr>
-          <a:xfrm>
-            <a:off x="5248275" y="5505450"/>
-            <a:ext cx="6943725" cy="1352550"/>
-          </a:xfrm>
-          <a:prstGeom prst="rect">
-            <a:avLst/>
-          </a:prstGeom>
-          <a:ln>
-            <a:solidFill>
-              <a:schemeClr val="tx1"/>
-            </a:solidFill>
-          </a:ln>
-        </p:spPr>
-      </p:pic>
-      <p:grpSp>
-        <p:nvGrpSpPr>
-          <p:cNvPr id="19" name="Group 18">
-            <a:extLst>
-              <a:ext uri="{FF2B5EF4-FFF2-40B4-BE49-F238E27FC236}">
-                <a16:creationId xmlns:a16="http://schemas.microsoft.com/office/drawing/2014/main" id="{BA9CD93F-AF65-99BE-6389-7DC782E5CCC6}"/>
-              </a:ext>
-            </a:extLst>
-          </p:cNvPr>
-          <p:cNvGrpSpPr/>
-          <p:nvPr/>
-        </p:nvGrpSpPr>
-        <p:grpSpPr>
-          <a:xfrm>
-            <a:off x="144425" y="136600"/>
-            <a:ext cx="5173773" cy="4292421"/>
-            <a:chOff x="144425" y="130192"/>
-            <a:chExt cx="5173773" cy="4292421"/>
-          </a:xfrm>
-        </p:grpSpPr>
-        <p:pic>
-          <p:nvPicPr>
-            <p:cNvPr id="8" name="Picture 7">
-              <a:extLst>
-                <a:ext uri="{FF2B5EF4-FFF2-40B4-BE49-F238E27FC236}">
-                  <a16:creationId xmlns:a16="http://schemas.microsoft.com/office/drawing/2014/main" id="{78C9D8CA-F64D-5557-5B40-7E1F83A8812B}"/>
-                </a:ext>
-              </a:extLst>
-            </p:cNvPr>
-            <p:cNvPicPr>
-              <a:picLocks noChangeAspect="1"/>
-            </p:cNvPicPr>
-            <p:nvPr/>
-          </p:nvPicPr>
-          <p:blipFill>
-            <a:blip r:embed="rId12"/>
-            <a:stretch>
-              <a:fillRect/>
-            </a:stretch>
-          </p:blipFill>
-          <p:spPr>
-            <a:xfrm>
-              <a:off x="155648" y="130192"/>
-              <a:ext cx="5162550" cy="1381125"/>
-            </a:xfrm>
-            <a:prstGeom prst="rect">
-              <a:avLst/>
-            </a:prstGeom>
-            <a:noFill/>
-            <a:ln w="3175">
-              <a:solidFill>
-                <a:schemeClr val="tx1"/>
-              </a:solidFill>
-            </a:ln>
-            <a:effectLst>
-              <a:outerShdw blurRad="50800" dist="38100" dir="8100000" algn="tr" rotWithShape="0">
-                <a:prstClr val="black">
-                  <a:alpha val="40000"/>
-                </a:prstClr>
-              </a:outerShdw>
-            </a:effectLst>
-          </p:spPr>
-        </p:pic>
-        <p:grpSp>
-          <p:nvGrpSpPr>
-            <p:cNvPr id="1080" name="Group 1079">
-              <a:extLst>
-                <a:ext uri="{FF2B5EF4-FFF2-40B4-BE49-F238E27FC236}">
-                  <a16:creationId xmlns:a16="http://schemas.microsoft.com/office/drawing/2014/main" id="{9AA996AD-F2F5-1343-7E9D-C610E61A24DE}"/>
-                </a:ext>
-              </a:extLst>
-            </p:cNvPr>
-            <p:cNvGrpSpPr/>
-            <p:nvPr/>
-          </p:nvGrpSpPr>
-          <p:grpSpPr>
-            <a:xfrm>
-              <a:off x="148307" y="2431888"/>
-              <a:ext cx="4638804" cy="1990725"/>
-              <a:chOff x="148307" y="2431888"/>
-              <a:chExt cx="4638804" cy="1990725"/>
-            </a:xfrm>
-          </p:grpSpPr>
-          <p:pic>
-            <p:nvPicPr>
-              <p:cNvPr id="1066" name="Picture 1065">
-                <a:extLst>
-                  <a:ext uri="{FF2B5EF4-FFF2-40B4-BE49-F238E27FC236}">
-                    <a16:creationId xmlns:a16="http://schemas.microsoft.com/office/drawing/2014/main" id="{8236B543-9CE4-CF76-F017-4FD1351DA907}"/>
-                  </a:ext>
-                </a:extLst>
-              </p:cNvPr>
-              <p:cNvPicPr>
-                <a:picLocks noChangeAspect="1"/>
-              </p:cNvPicPr>
-              <p:nvPr/>
-            </p:nvPicPr>
-            <p:blipFill>
-              <a:blip r:embed="rId13"/>
-              <a:srcRect r="38712"/>
-              <a:stretch/>
-            </p:blipFill>
-            <p:spPr>
-              <a:xfrm>
-                <a:off x="148307" y="2431888"/>
-                <a:ext cx="2037346" cy="1990725"/>
-              </a:xfrm>
-              <a:prstGeom prst="rect">
-                <a:avLst/>
-              </a:prstGeom>
-              <a:noFill/>
-              <a:ln w="3175">
-                <a:solidFill>
-                  <a:schemeClr val="tx1"/>
-                </a:solidFill>
-              </a:ln>
-              <a:effectLst>
-                <a:outerShdw blurRad="50800" dist="38100" dir="8100000" algn="tr" rotWithShape="0">
-                  <a:prstClr val="black">
-                    <a:alpha val="40000"/>
-                  </a:prstClr>
-                </a:outerShdw>
-              </a:effectLst>
-            </p:spPr>
-          </p:pic>
-          <p:grpSp>
-            <p:nvGrpSpPr>
-              <p:cNvPr id="1071" name="Group 1070">
-                <a:extLst>
-                  <a:ext uri="{FF2B5EF4-FFF2-40B4-BE49-F238E27FC236}">
-                    <a16:creationId xmlns:a16="http://schemas.microsoft.com/office/drawing/2014/main" id="{C8C22A67-F622-7975-11BC-6E0BEBBA258A}"/>
-                  </a:ext>
-                </a:extLst>
-              </p:cNvPr>
-              <p:cNvGrpSpPr/>
-              <p:nvPr/>
-            </p:nvGrpSpPr>
-            <p:grpSpPr>
-              <a:xfrm>
-                <a:off x="1592441" y="2431888"/>
-                <a:ext cx="3194669" cy="1104900"/>
-                <a:chOff x="822070" y="2243835"/>
-                <a:chExt cx="3194669" cy="1104900"/>
-              </a:xfrm>
-            </p:grpSpPr>
-            <p:pic>
-              <p:nvPicPr>
-                <p:cNvPr id="1072" name="Picture 1071">
-                  <a:extLst>
-                    <a:ext uri="{FF2B5EF4-FFF2-40B4-BE49-F238E27FC236}">
-                      <a16:creationId xmlns:a16="http://schemas.microsoft.com/office/drawing/2014/main" id="{178C7A45-DF3A-C3AB-97AA-C057EE395D97}"/>
-                    </a:ext>
-                  </a:extLst>
-                </p:cNvPr>
-                <p:cNvPicPr>
-                  <a:picLocks noChangeAspect="1"/>
-                </p:cNvPicPr>
-                <p:nvPr/>
-              </p:nvPicPr>
-              <p:blipFill>
-                <a:blip r:embed="rId14"/>
-                <a:srcRect l="6649" t="64248" r="29467"/>
-                <a:stretch/>
-              </p:blipFill>
-              <p:spPr>
-                <a:xfrm>
-                  <a:off x="822070" y="2243835"/>
-                  <a:ext cx="3194669" cy="1104900"/>
-                </a:xfrm>
-                <a:prstGeom prst="rect">
-                  <a:avLst/>
-                </a:prstGeom>
-                <a:noFill/>
-                <a:ln w="3175">
-                  <a:solidFill>
-                    <a:schemeClr val="tx1"/>
-                  </a:solidFill>
-                </a:ln>
-                <a:effectLst>
-                  <a:outerShdw blurRad="50800" dist="38100" dir="8100000" algn="tr" rotWithShape="0">
-                    <a:prstClr val="black">
-                      <a:alpha val="40000"/>
-                    </a:prstClr>
-                  </a:outerShdw>
-                </a:effectLst>
-              </p:spPr>
-            </p:pic>
-            <p:grpSp>
-              <p:nvGrpSpPr>
-                <p:cNvPr id="1073" name="Group 1072">
-                  <a:extLst>
-                    <a:ext uri="{FF2B5EF4-FFF2-40B4-BE49-F238E27FC236}">
-                      <a16:creationId xmlns:a16="http://schemas.microsoft.com/office/drawing/2014/main" id="{448AA5DB-CCBF-0E92-98DB-5ED5FDAFFD51}"/>
-                    </a:ext>
-                  </a:extLst>
-                </p:cNvPr>
-                <p:cNvGrpSpPr/>
-                <p:nvPr/>
-              </p:nvGrpSpPr>
-              <p:grpSpPr>
-                <a:xfrm>
-                  <a:off x="900613" y="2578099"/>
-                  <a:ext cx="121738" cy="308738"/>
-                  <a:chOff x="900613" y="2578099"/>
-                  <a:chExt cx="121738" cy="308738"/>
-                </a:xfrm>
-              </p:grpSpPr>
-              <p:sp>
-                <p:nvSpPr>
-                  <p:cNvPr id="1074" name="Arrow: Right 1073">
-                    <a:extLst>
-                      <a:ext uri="{FF2B5EF4-FFF2-40B4-BE49-F238E27FC236}">
-                        <a16:creationId xmlns:a16="http://schemas.microsoft.com/office/drawing/2014/main" id="{2A6224F9-62AE-FFDF-FCC4-668872D6C756}"/>
-                      </a:ext>
-                    </a:extLst>
-                  </p:cNvPr>
-                  <p:cNvSpPr/>
-                  <p:nvPr/>
-                </p:nvSpPr>
-                <p:spPr>
-                  <a:xfrm rot="10800000" flipH="1">
-                    <a:off x="900613" y="2774059"/>
-                    <a:ext cx="121738" cy="112778"/>
-                  </a:xfrm>
-                  <a:prstGeom prst="rightArrow">
-                    <a:avLst/>
-                  </a:prstGeom>
-                  <a:solidFill>
-                    <a:schemeClr val="accent2"/>
-                  </a:solidFill>
-                  <a:ln>
-                    <a:solidFill>
-                      <a:srgbClr val="002060"/>
-                    </a:solidFill>
-                  </a:ln>
-                </p:spPr>
-                <p:style>
-                  <a:lnRef idx="2">
-                    <a:schemeClr val="accent1">
-                      <a:shade val="15000"/>
-                    </a:schemeClr>
-                  </a:lnRef>
-                  <a:fillRef idx="1">
-                    <a:schemeClr val="accent1"/>
-                  </a:fillRef>
-                  <a:effectRef idx="0">
-                    <a:schemeClr val="accent1"/>
-                  </a:effectRef>
-                  <a:fontRef idx="minor">
-                    <a:schemeClr val="lt1"/>
-                  </a:fontRef>
-                </p:style>
-                <p:txBody>
-                  <a:bodyPr rtlCol="0" anchor="ctr"/>
-                  <a:lstStyle/>
-                  <a:p>
-                    <a:pPr algn="ctr"/>
-                    <a:endParaRPr lang="LID4096"/>
-                  </a:p>
-                </p:txBody>
-              </p:sp>
-              <p:sp>
-                <p:nvSpPr>
-                  <p:cNvPr id="1075" name="Arrow: Right 1074">
-                    <a:extLst>
-                      <a:ext uri="{FF2B5EF4-FFF2-40B4-BE49-F238E27FC236}">
-                        <a16:creationId xmlns:a16="http://schemas.microsoft.com/office/drawing/2014/main" id="{E71F7809-FAAC-945F-2A81-1BBA30C5C6B9}"/>
-                      </a:ext>
-                    </a:extLst>
-                  </p:cNvPr>
-                  <p:cNvSpPr/>
-                  <p:nvPr/>
-                </p:nvSpPr>
-                <p:spPr>
-                  <a:xfrm rot="10800000" flipH="1">
-                    <a:off x="900613" y="2578099"/>
-                    <a:ext cx="121738" cy="112778"/>
-                  </a:xfrm>
-                  <a:prstGeom prst="rightArrow">
-                    <a:avLst/>
-                  </a:prstGeom>
-                  <a:solidFill>
-                    <a:schemeClr val="accent2"/>
-                  </a:solidFill>
-                  <a:ln>
-                    <a:solidFill>
-                      <a:srgbClr val="002060"/>
-                    </a:solidFill>
-                  </a:ln>
-                </p:spPr>
-                <p:style>
-                  <a:lnRef idx="2">
-                    <a:schemeClr val="accent1">
-                      <a:shade val="15000"/>
-                    </a:schemeClr>
-                  </a:lnRef>
-                  <a:fillRef idx="1">
-                    <a:schemeClr val="accent1"/>
-                  </a:fillRef>
-                  <a:effectRef idx="0">
-                    <a:schemeClr val="accent1"/>
-                  </a:effectRef>
-                  <a:fontRef idx="minor">
-                    <a:schemeClr val="lt1"/>
-                  </a:fontRef>
-                </p:style>
-                <p:txBody>
-                  <a:bodyPr rtlCol="0" anchor="ctr"/>
-                  <a:lstStyle/>
-                  <a:p>
-                    <a:pPr algn="ctr"/>
-                    <a:endParaRPr lang="LID4096"/>
-                  </a:p>
-                </p:txBody>
-              </p:sp>
-            </p:grpSp>
-          </p:grpSp>
-          <p:sp>
-            <p:nvSpPr>
-              <p:cNvPr id="1076" name="TextBox 1075">
-                <a:extLst>
-                  <a:ext uri="{FF2B5EF4-FFF2-40B4-BE49-F238E27FC236}">
-                    <a16:creationId xmlns:a16="http://schemas.microsoft.com/office/drawing/2014/main" id="{904FD576-073F-0D33-A9C5-46A52715E172}"/>
-                  </a:ext>
-                </a:extLst>
-              </p:cNvPr>
-              <p:cNvSpPr txBox="1"/>
-              <p:nvPr/>
-            </p:nvSpPr>
-            <p:spPr>
-              <a:xfrm>
-                <a:off x="4066685" y="2504542"/>
-                <a:ext cx="720425" cy="523220"/>
-              </a:xfrm>
-              <a:prstGeom prst="rect">
-                <a:avLst/>
-              </a:prstGeom>
-              <a:noFill/>
-            </p:spPr>
-            <p:txBody>
-              <a:bodyPr wrap="square">
-                <a:spAutoFit/>
-              </a:bodyPr>
-              <a:lstStyle/>
-              <a:p>
-                <a:r>
-                  <a:rPr lang="pt-BR" sz="2800" b="1" dirty="0"/>
-                  <a:t>. . .</a:t>
-                </a:r>
-                <a:endParaRPr lang="LID4096" sz="2800" b="1" dirty="0"/>
-              </a:p>
-            </p:txBody>
-          </p:sp>
-          <p:sp>
-            <p:nvSpPr>
-              <p:cNvPr id="1078" name="TextBox 1077">
-                <a:extLst>
-                  <a:ext uri="{FF2B5EF4-FFF2-40B4-BE49-F238E27FC236}">
-                    <a16:creationId xmlns:a16="http://schemas.microsoft.com/office/drawing/2014/main" id="{5C3B61B6-5A4E-A178-A860-6F86252AD12F}"/>
-                  </a:ext>
-                </a:extLst>
-              </p:cNvPr>
-              <p:cNvSpPr txBox="1"/>
-              <p:nvPr/>
-            </p:nvSpPr>
-            <p:spPr>
-              <a:xfrm>
-                <a:off x="2154851" y="4144567"/>
-                <a:ext cx="2632260" cy="276999"/>
-              </a:xfrm>
-              <a:prstGeom prst="rect">
-                <a:avLst/>
-              </a:prstGeom>
-              <a:noFill/>
-            </p:spPr>
-            <p:txBody>
-              <a:bodyPr wrap="square">
-                <a:spAutoFit/>
-              </a:bodyPr>
-              <a:lstStyle/>
-              <a:p>
-                <a:pPr algn="r"/>
-                <a:r>
-                  <a:rPr lang="LID4096" sz="600" dirty="0"/>
-                  <a:t>http://localhost:8888/notebooks/05_PEST_pp________On_the_run-01/benchmarks/01_one_dim_flow/02_Beta_model_SETUP___01__.ipynb</a:t>
-                </a:r>
-              </a:p>
-            </p:txBody>
-          </p:sp>
-        </p:grpSp>
-        <p:pic>
-          <p:nvPicPr>
-            <p:cNvPr id="18" name="Picture 17">
-              <a:extLst>
-                <a:ext uri="{FF2B5EF4-FFF2-40B4-BE49-F238E27FC236}">
-                  <a16:creationId xmlns:a16="http://schemas.microsoft.com/office/drawing/2014/main" id="{47AEE735-D8FA-B565-3E7B-848511943F96}"/>
-                </a:ext>
-              </a:extLst>
-            </p:cNvPr>
-            <p:cNvPicPr>
-              <a:picLocks noChangeAspect="1"/>
-            </p:cNvPicPr>
-            <p:nvPr/>
-          </p:nvPicPr>
-          <p:blipFill>
-            <a:blip r:embed="rId15"/>
-            <a:stretch>
-              <a:fillRect/>
-            </a:stretch>
-          </p:blipFill>
-          <p:spPr>
-            <a:xfrm>
-              <a:off x="144425" y="1700762"/>
-              <a:ext cx="4642685" cy="647817"/>
-            </a:xfrm>
-            <a:prstGeom prst="rect">
-              <a:avLst/>
-            </a:prstGeom>
-            <a:noFill/>
-            <a:ln w="3175">
-              <a:solidFill>
-                <a:schemeClr val="tx1"/>
-              </a:solidFill>
-            </a:ln>
-            <a:effectLst>
-              <a:outerShdw blurRad="50800" dist="38100" dir="8100000" algn="tr" rotWithShape="0">
-                <a:prstClr val="black">
-                  <a:alpha val="40000"/>
-                </a:prstClr>
-              </a:outerShdw>
-            </a:effectLst>
-          </p:spPr>
-        </p:pic>
-      </p:grpSp>
-      <p:sp>
-        <p:nvSpPr>
-          <p:cNvPr id="20" name="TextBox 19">
-            <a:extLst>
-              <a:ext uri="{FF2B5EF4-FFF2-40B4-BE49-F238E27FC236}">
-                <a16:creationId xmlns:a16="http://schemas.microsoft.com/office/drawing/2014/main" id="{0F2F49AB-1285-A1D5-04A8-B5CE89DF0314}"/>
-              </a:ext>
-            </a:extLst>
-          </p:cNvPr>
-          <p:cNvSpPr txBox="1"/>
-          <p:nvPr/>
-        </p:nvSpPr>
-        <p:spPr>
-          <a:xfrm>
-            <a:off x="1481807" y="345779"/>
-            <a:ext cx="952943" cy="174649"/>
-          </a:xfrm>
-          <a:prstGeom prst="rect">
-            <a:avLst/>
-          </a:prstGeom>
-          <a:noFill/>
-          <a:ln w="28575">
-            <a:solidFill>
-              <a:srgbClr val="FF0000"/>
-            </a:solidFill>
-          </a:ln>
-        </p:spPr>
-        <p:txBody>
-          <a:bodyPr wrap="square">
-            <a:noAutofit/>
-          </a:bodyPr>
-          <a:lstStyle/>
-          <a:p>
-            <a:endParaRPr lang="en-US" sz="1300" b="1" dirty="0">
-              <a:solidFill>
-                <a:srgbClr val="FF0000"/>
-              </a:solidFill>
-            </a:endParaRPr>
-          </a:p>
-        </p:txBody>
-      </p:sp>
-      <p:grpSp>
-        <p:nvGrpSpPr>
-          <p:cNvPr id="24" name="Group 23">
-            <a:extLst>
-              <a:ext uri="{FF2B5EF4-FFF2-40B4-BE49-F238E27FC236}">
-                <a16:creationId xmlns:a16="http://schemas.microsoft.com/office/drawing/2014/main" id="{667B37FE-16DD-2E72-8232-802306F46F71}"/>
-              </a:ext>
-            </a:extLst>
-          </p:cNvPr>
-          <p:cNvGrpSpPr>
-            <a:grpSpLocks noChangeAspect="1"/>
-          </p:cNvGrpSpPr>
-          <p:nvPr/>
-        </p:nvGrpSpPr>
-        <p:grpSpPr>
-          <a:xfrm>
-            <a:off x="5389852" y="170437"/>
-            <a:ext cx="5912364" cy="1536733"/>
-            <a:chOff x="6148890" y="507927"/>
-            <a:chExt cx="5708723" cy="1483803"/>
-          </a:xfrm>
-        </p:grpSpPr>
-        <p:grpSp>
-          <p:nvGrpSpPr>
-            <p:cNvPr id="14" name="Group 13">
-              <a:extLst>
-                <a:ext uri="{FF2B5EF4-FFF2-40B4-BE49-F238E27FC236}">
-                  <a16:creationId xmlns:a16="http://schemas.microsoft.com/office/drawing/2014/main" id="{BD6456DE-34A9-B7A0-4407-745F11867F33}"/>
-                </a:ext>
-              </a:extLst>
-            </p:cNvPr>
-            <p:cNvGrpSpPr/>
-            <p:nvPr/>
-          </p:nvGrpSpPr>
-          <p:grpSpPr>
-            <a:xfrm>
-              <a:off x="6148890" y="809156"/>
-              <a:ext cx="5708723" cy="883631"/>
-              <a:chOff x="6190858" y="587377"/>
-              <a:chExt cx="5708723" cy="883631"/>
-            </a:xfrm>
-          </p:grpSpPr>
-          <p:pic>
-            <p:nvPicPr>
-              <p:cNvPr id="11" name="Picture 10">
-                <a:extLst>
-                  <a:ext uri="{FF2B5EF4-FFF2-40B4-BE49-F238E27FC236}">
-                    <a16:creationId xmlns:a16="http://schemas.microsoft.com/office/drawing/2014/main" id="{93CBB4A1-CC54-17E8-5660-877C580E00D3}"/>
-                  </a:ext>
-                </a:extLst>
-              </p:cNvPr>
-              <p:cNvPicPr>
-                <a:picLocks noChangeAspect="1"/>
-              </p:cNvPicPr>
-              <p:nvPr/>
-            </p:nvPicPr>
-            <p:blipFill>
-              <a:blip r:embed="rId16"/>
-              <a:stretch>
-                <a:fillRect/>
-              </a:stretch>
-            </p:blipFill>
-            <p:spPr>
-              <a:xfrm>
-                <a:off x="8184831" y="587377"/>
-                <a:ext cx="3714750" cy="419100"/>
-              </a:xfrm>
-              <a:prstGeom prst="rect">
-                <a:avLst/>
-              </a:prstGeom>
-              <a:noFill/>
-              <a:ln w="3175">
-                <a:solidFill>
-                  <a:srgbClr val="00B050"/>
-                </a:solidFill>
-              </a:ln>
-              <a:effectLst>
-                <a:outerShdw blurRad="50800" dist="38100" dir="8100000" algn="tr" rotWithShape="0">
-                  <a:prstClr val="black">
-                    <a:alpha val="40000"/>
-                  </a:prstClr>
-                </a:outerShdw>
-              </a:effectLst>
-            </p:spPr>
-          </p:pic>
-          <p:pic>
-            <p:nvPicPr>
-              <p:cNvPr id="13" name="Picture 12">
-                <a:extLst>
-                  <a:ext uri="{FF2B5EF4-FFF2-40B4-BE49-F238E27FC236}">
-                    <a16:creationId xmlns:a16="http://schemas.microsoft.com/office/drawing/2014/main" id="{FCE5D845-D749-E684-8D12-32167A37D6EB}"/>
-                  </a:ext>
-                </a:extLst>
-              </p:cNvPr>
-              <p:cNvPicPr>
-                <a:picLocks noChangeAspect="1"/>
-              </p:cNvPicPr>
-              <p:nvPr/>
-            </p:nvPicPr>
-            <p:blipFill>
-              <a:blip r:embed="rId17"/>
-              <a:stretch>
-                <a:fillRect/>
-              </a:stretch>
-            </p:blipFill>
-            <p:spPr>
-              <a:xfrm>
-                <a:off x="6190858" y="1057587"/>
-                <a:ext cx="5708723" cy="413421"/>
-              </a:xfrm>
-              <a:prstGeom prst="rect">
-                <a:avLst/>
-              </a:prstGeom>
-              <a:noFill/>
-              <a:ln w="3175">
-                <a:solidFill>
-                  <a:srgbClr val="00B050"/>
-                </a:solidFill>
-              </a:ln>
-              <a:effectLst>
-                <a:outerShdw blurRad="50800" dist="38100" dir="8100000" algn="tr" rotWithShape="0">
-                  <a:prstClr val="black">
-                    <a:alpha val="40000"/>
-                  </a:prstClr>
-                </a:outerShdw>
-              </a:effectLst>
-            </p:spPr>
-          </p:pic>
-        </p:grpSp>
-        <p:pic>
-          <p:nvPicPr>
-            <p:cNvPr id="16" name="Picture 15">
-              <a:extLst>
-                <a:ext uri="{FF2B5EF4-FFF2-40B4-BE49-F238E27FC236}">
-                  <a16:creationId xmlns:a16="http://schemas.microsoft.com/office/drawing/2014/main" id="{82E59A25-6E72-45D0-61BE-A7D2C4BE9846}"/>
-                </a:ext>
-              </a:extLst>
-            </p:cNvPr>
-            <p:cNvPicPr>
-              <a:picLocks noChangeAspect="1"/>
-            </p:cNvPicPr>
-            <p:nvPr/>
-          </p:nvPicPr>
-          <p:blipFill>
-            <a:blip r:embed="rId18"/>
-            <a:stretch>
-              <a:fillRect/>
-            </a:stretch>
-          </p:blipFill>
-          <p:spPr>
-            <a:xfrm>
-              <a:off x="6845000" y="1753605"/>
-              <a:ext cx="4991100" cy="238125"/>
-            </a:xfrm>
-            <a:prstGeom prst="rect">
-              <a:avLst/>
-            </a:prstGeom>
-            <a:noFill/>
-            <a:ln w="3175">
-              <a:solidFill>
-                <a:srgbClr val="00B050"/>
-              </a:solidFill>
-            </a:ln>
-            <a:effectLst>
-              <a:outerShdw blurRad="50800" dist="38100" dir="8100000" algn="tr" rotWithShape="0">
-                <a:prstClr val="black">
-                  <a:alpha val="40000"/>
-                </a:prstClr>
-              </a:outerShdw>
-            </a:effectLst>
-          </p:spPr>
-        </p:pic>
-        <p:sp>
-          <p:nvSpPr>
-            <p:cNvPr id="21" name="TextBox 20">
-              <a:extLst>
-                <a:ext uri="{FF2B5EF4-FFF2-40B4-BE49-F238E27FC236}">
-                  <a16:creationId xmlns:a16="http://schemas.microsoft.com/office/drawing/2014/main" id="{41BC73B0-0412-5EDE-11F5-A42EAC25EB64}"/>
-                </a:ext>
-              </a:extLst>
-            </p:cNvPr>
-            <p:cNvSpPr txBox="1"/>
-            <p:nvPr/>
-          </p:nvSpPr>
-          <p:spPr>
-            <a:xfrm>
-              <a:off x="10613450" y="1761949"/>
-              <a:ext cx="1222650" cy="229781"/>
-            </a:xfrm>
-            <a:prstGeom prst="rect">
-              <a:avLst/>
-            </a:prstGeom>
-            <a:noFill/>
-            <a:ln w="28575">
-              <a:solidFill>
-                <a:srgbClr val="FF0000"/>
-              </a:solidFill>
-            </a:ln>
-          </p:spPr>
-          <p:txBody>
-            <a:bodyPr wrap="square">
-              <a:noAutofit/>
-            </a:bodyPr>
-            <a:lstStyle/>
-            <a:p>
-              <a:endParaRPr lang="en-US" sz="1300" b="1" dirty="0">
-                <a:solidFill>
-                  <a:srgbClr val="FF0000"/>
-                </a:solidFill>
-              </a:endParaRPr>
-            </a:p>
-          </p:txBody>
-        </p:sp>
-        <p:pic>
-          <p:nvPicPr>
-            <p:cNvPr id="22" name="Picture 21">
-              <a:extLst>
-                <a:ext uri="{FF2B5EF4-FFF2-40B4-BE49-F238E27FC236}">
-                  <a16:creationId xmlns:a16="http://schemas.microsoft.com/office/drawing/2014/main" id="{478FEEEF-9611-B556-B79B-F62EEDF894A2}"/>
-                </a:ext>
-              </a:extLst>
-            </p:cNvPr>
-            <p:cNvPicPr>
-              <a:picLocks noChangeAspect="1"/>
-            </p:cNvPicPr>
-            <p:nvPr/>
-          </p:nvPicPr>
-          <p:blipFill>
-            <a:blip r:embed="rId19"/>
-            <a:stretch>
-              <a:fillRect/>
-            </a:stretch>
-          </p:blipFill>
-          <p:spPr>
-            <a:xfrm>
-              <a:off x="8349262" y="507927"/>
-              <a:ext cx="3508351" cy="233890"/>
-            </a:xfrm>
-            <a:prstGeom prst="rect">
-              <a:avLst/>
-            </a:prstGeom>
-            <a:noFill/>
-            <a:ln w="3175">
-              <a:solidFill>
-                <a:srgbClr val="00B050"/>
-              </a:solidFill>
-            </a:ln>
-            <a:effectLst>
-              <a:outerShdw blurRad="50800" dist="38100" dir="8100000" algn="tr" rotWithShape="0">
-                <a:prstClr val="black">
-                  <a:alpha val="40000"/>
-                </a:prstClr>
-              </a:outerShdw>
-            </a:effectLst>
-          </p:spPr>
-        </p:pic>
-        <p:sp>
-          <p:nvSpPr>
-            <p:cNvPr id="23" name="Rectangle 22">
-              <a:extLst>
-                <a:ext uri="{FF2B5EF4-FFF2-40B4-BE49-F238E27FC236}">
-                  <a16:creationId xmlns:a16="http://schemas.microsoft.com/office/drawing/2014/main" id="{CDE29116-8C28-BDBF-F3C5-E04803BCB91C}"/>
-                </a:ext>
-              </a:extLst>
-            </p:cNvPr>
-            <p:cNvSpPr/>
-            <p:nvPr/>
-          </p:nvSpPr>
-          <p:spPr>
-            <a:xfrm>
-              <a:off x="10614212" y="532395"/>
-              <a:ext cx="1236996" cy="209422"/>
-            </a:xfrm>
-            <a:prstGeom prst="rect">
-              <a:avLst/>
-            </a:prstGeom>
-            <a:noFill/>
-            <a:ln w="19050">
-              <a:solidFill>
-                <a:srgbClr val="0000FF"/>
-              </a:solidFill>
-            </a:ln>
-            <a:effectLst>
-              <a:outerShdw blurRad="50800" dist="38100" dir="8100000" algn="tr" rotWithShape="0">
-                <a:prstClr val="black">
-                  <a:alpha val="40000"/>
-                </a:prstClr>
-              </a:outerShdw>
-            </a:effectLst>
-          </p:spPr>
-          <p:txBody>
-            <a:bodyPr wrap="none" anchor="ctr" anchorCtr="0">
-              <a:noAutofit/>
-            </a:bodyPr>
-            <a:lstStyle/>
-            <a:p>
-              <a:endParaRPr lang="LID4096"/>
-            </a:p>
-          </p:txBody>
-        </p:sp>
-      </p:grpSp>
-      <p:pic>
-        <p:nvPicPr>
-          <p:cNvPr id="26" name="Picture 25">
-            <a:extLst>
-              <a:ext uri="{FF2B5EF4-FFF2-40B4-BE49-F238E27FC236}">
-                <a16:creationId xmlns:a16="http://schemas.microsoft.com/office/drawing/2014/main" id="{F737D550-50B9-F525-E02D-42F18A9BE105}"/>
-              </a:ext>
-            </a:extLst>
-          </p:cNvPr>
-          <p:cNvPicPr>
-            <a:picLocks noChangeAspect="1"/>
-          </p:cNvPicPr>
-          <p:nvPr/>
-        </p:nvPicPr>
-        <p:blipFill>
-          <a:blip r:embed="rId20"/>
-          <a:stretch>
-            <a:fillRect/>
-          </a:stretch>
-        </p:blipFill>
-        <p:spPr>
-          <a:xfrm>
-            <a:off x="5587560" y="1825134"/>
-            <a:ext cx="3373116" cy="2260834"/>
-          </a:xfrm>
-          <a:prstGeom prst="rect">
-            <a:avLst/>
-          </a:prstGeom>
-          <a:noFill/>
-          <a:ln w="3175">
-            <a:solidFill>
-              <a:srgbClr val="00B050"/>
-            </a:solidFill>
-          </a:ln>
-          <a:effectLst>
-            <a:outerShdw blurRad="50800" dist="38100" dir="8100000" algn="tr" rotWithShape="0">
-              <a:prstClr val="black">
-                <a:alpha val="40000"/>
-              </a:prstClr>
-            </a:outerShdw>
-          </a:effectLst>
-        </p:spPr>
-      </p:pic>
-      <p:pic>
-        <p:nvPicPr>
-          <p:cNvPr id="28" name="Picture 27">
-            <a:extLst>
-              <a:ext uri="{FF2B5EF4-FFF2-40B4-BE49-F238E27FC236}">
-                <a16:creationId xmlns:a16="http://schemas.microsoft.com/office/drawing/2014/main" id="{2C3BBFDA-A194-FDD4-C23E-770AA7DA8F87}"/>
-              </a:ext>
-            </a:extLst>
-          </p:cNvPr>
-          <p:cNvPicPr>
-            <a:picLocks noChangeAspect="1"/>
-          </p:cNvPicPr>
-          <p:nvPr/>
-        </p:nvPicPr>
-        <p:blipFill>
-          <a:blip r:embed="rId20"/>
-          <a:srcRect l="61446" t="65114" r="17785" b="29264"/>
-          <a:stretch/>
-        </p:blipFill>
-        <p:spPr>
-          <a:xfrm>
-            <a:off x="8399426" y="6071286"/>
-            <a:ext cx="979159" cy="177633"/>
-          </a:xfrm>
-          <a:prstGeom prst="rect">
-            <a:avLst/>
-          </a:prstGeom>
-          <a:noFill/>
-          <a:ln w="3175">
-            <a:solidFill>
-              <a:srgbClr val="00B050"/>
-            </a:solidFill>
-          </a:ln>
-          <a:effectLst>
-            <a:outerShdw blurRad="50800" dist="38100" dir="8100000" algn="tr" rotWithShape="0">
-              <a:prstClr val="black">
-                <a:alpha val="40000"/>
-              </a:prstClr>
-            </a:outerShdw>
-          </a:effectLst>
-        </p:spPr>
-      </p:pic>
-      <p:pic>
-        <p:nvPicPr>
-          <p:cNvPr id="29" name="Picture 28">
-            <a:extLst>
-              <a:ext uri="{FF2B5EF4-FFF2-40B4-BE49-F238E27FC236}">
-                <a16:creationId xmlns:a16="http://schemas.microsoft.com/office/drawing/2014/main" id="{D76DF589-7685-24D1-25FB-4C01EC750D28}"/>
-              </a:ext>
-            </a:extLst>
-          </p:cNvPr>
-          <p:cNvPicPr>
-            <a:picLocks noChangeAspect="1"/>
-          </p:cNvPicPr>
-          <p:nvPr/>
-        </p:nvPicPr>
-        <p:blipFill>
-          <a:blip r:embed="rId20"/>
-          <a:srcRect l="70900" t="91671" r="11470" b="1933"/>
-          <a:stretch/>
-        </p:blipFill>
-        <p:spPr>
-          <a:xfrm>
-            <a:off x="10487571" y="5573704"/>
-            <a:ext cx="831167" cy="202110"/>
-          </a:xfrm>
-          <a:prstGeom prst="rect">
-            <a:avLst/>
-          </a:prstGeom>
-          <a:noFill/>
-          <a:ln w="3175">
-            <a:solidFill>
-              <a:srgbClr val="00B050"/>
-            </a:solidFill>
-          </a:ln>
-          <a:effectLst>
-            <a:outerShdw blurRad="50800" dist="38100" dir="8100000" algn="tr" rotWithShape="0">
-              <a:prstClr val="black">
-                <a:alpha val="40000"/>
-              </a:prstClr>
-            </a:outerShdw>
-          </a:effectLst>
-        </p:spPr>
-      </p:pic>
-      <p:pic>
-        <p:nvPicPr>
-          <p:cNvPr id="31" name="Picture 30">
-            <a:extLst>
-              <a:ext uri="{FF2B5EF4-FFF2-40B4-BE49-F238E27FC236}">
-                <a16:creationId xmlns:a16="http://schemas.microsoft.com/office/drawing/2014/main" id="{7949044D-7E3D-10DE-E9E7-48BF01BFE61F}"/>
-              </a:ext>
-            </a:extLst>
-          </p:cNvPr>
-          <p:cNvPicPr>
-            <a:picLocks noChangeAspect="1"/>
-          </p:cNvPicPr>
-          <p:nvPr/>
-        </p:nvPicPr>
-        <p:blipFill>
-          <a:blip r:embed="rId21"/>
-          <a:stretch>
-            <a:fillRect/>
-          </a:stretch>
-        </p:blipFill>
-        <p:spPr>
-          <a:xfrm>
-            <a:off x="9222517" y="2524406"/>
-            <a:ext cx="1885950" cy="257175"/>
-          </a:xfrm>
-          <a:prstGeom prst="rect">
-            <a:avLst/>
-          </a:prstGeom>
-          <a:noFill/>
-          <a:ln w="3175">
-            <a:solidFill>
-              <a:srgbClr val="00B050"/>
-            </a:solidFill>
-          </a:ln>
-          <a:effectLst>
-            <a:outerShdw blurRad="50800" dist="38100" dir="8100000" algn="tr" rotWithShape="0">
-              <a:prstClr val="black">
-                <a:alpha val="40000"/>
-              </a:prstClr>
-            </a:outerShdw>
-          </a:effectLst>
-        </p:spPr>
-      </p:pic>
-      <p:pic>
-        <p:nvPicPr>
-          <p:cNvPr id="33" name="Picture 32">
-            <a:extLst>
-              <a:ext uri="{FF2B5EF4-FFF2-40B4-BE49-F238E27FC236}">
-                <a16:creationId xmlns:a16="http://schemas.microsoft.com/office/drawing/2014/main" id="{1C5B4F5A-CC40-C6F5-74C6-17945A62746E}"/>
-              </a:ext>
-            </a:extLst>
-          </p:cNvPr>
-          <p:cNvPicPr>
-            <a:picLocks noChangeAspect="1"/>
-          </p:cNvPicPr>
-          <p:nvPr/>
-        </p:nvPicPr>
-        <p:blipFill>
-          <a:blip r:embed="rId22"/>
-          <a:srcRect t="12963" r="3642"/>
-          <a:stretch/>
-        </p:blipFill>
-        <p:spPr>
-          <a:xfrm>
-            <a:off x="9353820" y="2843632"/>
-            <a:ext cx="2358755" cy="223837"/>
-          </a:xfrm>
-          <a:prstGeom prst="rect">
-            <a:avLst/>
-          </a:prstGeom>
-          <a:noFill/>
-          <a:ln w="3175">
-            <a:solidFill>
-              <a:srgbClr val="00B050"/>
-            </a:solidFill>
-          </a:ln>
-          <a:effectLst>
-            <a:outerShdw blurRad="50800" dist="38100" dir="8100000" algn="tr" rotWithShape="0">
-              <a:prstClr val="black">
-                <a:alpha val="40000"/>
-              </a:prstClr>
-            </a:outerShdw>
-          </a:effectLst>
-        </p:spPr>
-      </p:pic>
-      <p:sp>
-        <p:nvSpPr>
-          <p:cNvPr id="52" name="TextBox 51">
-            <a:extLst>
-              <a:ext uri="{FF2B5EF4-FFF2-40B4-BE49-F238E27FC236}">
-                <a16:creationId xmlns:a16="http://schemas.microsoft.com/office/drawing/2014/main" id="{480999B4-C01B-1BCB-BB94-893CB59CB812}"/>
-              </a:ext>
-            </a:extLst>
-          </p:cNvPr>
-          <p:cNvSpPr txBox="1"/>
-          <p:nvPr/>
-        </p:nvSpPr>
-        <p:spPr>
-          <a:xfrm>
-            <a:off x="1607017" y="3575129"/>
-            <a:ext cx="3194669" cy="338554"/>
-          </a:xfrm>
-          <a:prstGeom prst="rect">
-            <a:avLst/>
-          </a:prstGeom>
-          <a:noFill/>
-        </p:spPr>
-        <p:txBody>
-          <a:bodyPr wrap="square">
-            <a:spAutoFit/>
-          </a:bodyPr>
-          <a:lstStyle/>
-          <a:p>
-            <a:pPr algn="r"/>
-            <a:r>
-              <a:rPr lang="LID4096" sz="1600" b="1" dirty="0"/>
-              <a:t>PEST_pp</a:t>
-            </a:r>
-            <a:r>
-              <a:rPr lang="pt-BR" sz="1600" b="1" dirty="0"/>
-              <a:t> \ B</a:t>
-            </a:r>
-            <a:r>
-              <a:rPr lang="LID4096" sz="1600" b="1" dirty="0"/>
-              <a:t>enchmarks</a:t>
-            </a:r>
-            <a:r>
-              <a:rPr lang="pt-BR" sz="1600" b="1" dirty="0"/>
-              <a:t> \ 1D</a:t>
-            </a:r>
-            <a:endParaRPr lang="LID4096" sz="1600" b="1" dirty="0"/>
-          </a:p>
-        </p:txBody>
-      </p:sp>
-      <p:sp>
-        <p:nvSpPr>
-          <p:cNvPr id="53" name="TextBox 52">
-            <a:extLst>
-              <a:ext uri="{FF2B5EF4-FFF2-40B4-BE49-F238E27FC236}">
-                <a16:creationId xmlns:a16="http://schemas.microsoft.com/office/drawing/2014/main" id="{DA7BC306-66E2-0B52-E1CD-A5FF006D9ED1}"/>
-              </a:ext>
-            </a:extLst>
-          </p:cNvPr>
-          <p:cNvSpPr txBox="1"/>
-          <p:nvPr/>
-        </p:nvSpPr>
-        <p:spPr>
-          <a:xfrm>
-            <a:off x="2591983" y="3845158"/>
-            <a:ext cx="2195128" cy="338554"/>
-          </a:xfrm>
-          <a:prstGeom prst="rect">
-            <a:avLst/>
-          </a:prstGeom>
-          <a:noFill/>
-        </p:spPr>
-        <p:txBody>
-          <a:bodyPr wrap="square">
-            <a:spAutoFit/>
-          </a:bodyPr>
-          <a:lstStyle/>
-          <a:p>
-            <a:pPr algn="r"/>
-            <a:r>
-              <a:rPr lang="pt-BR" sz="1600" b="1" dirty="0"/>
-              <a:t>Mf5 _1d ___ SETUP</a:t>
-            </a:r>
-            <a:endParaRPr lang="LID4096" sz="1600" b="1" dirty="0"/>
-          </a:p>
-        </p:txBody>
-      </p:sp>
-      <p:grpSp>
-        <p:nvGrpSpPr>
-          <p:cNvPr id="7" name="Group 6">
-            <a:extLst>
-              <a:ext uri="{FF2B5EF4-FFF2-40B4-BE49-F238E27FC236}">
-                <a16:creationId xmlns:a16="http://schemas.microsoft.com/office/drawing/2014/main" id="{068693F0-F9CE-BB8A-37C7-BDCB1EF6AF6C}"/>
-              </a:ext>
-            </a:extLst>
-          </p:cNvPr>
-          <p:cNvGrpSpPr/>
-          <p:nvPr/>
-        </p:nvGrpSpPr>
-        <p:grpSpPr>
-          <a:xfrm>
-            <a:off x="9191052" y="4239420"/>
-            <a:ext cx="2593039" cy="1012222"/>
-            <a:chOff x="9119537" y="4445279"/>
-            <a:chExt cx="2593039" cy="1012222"/>
-          </a:xfrm>
-        </p:grpSpPr>
-        <p:sp>
-          <p:nvSpPr>
-            <p:cNvPr id="6" name="TextBox 5">
-              <a:extLst>
-                <a:ext uri="{FF2B5EF4-FFF2-40B4-BE49-F238E27FC236}">
-                  <a16:creationId xmlns:a16="http://schemas.microsoft.com/office/drawing/2014/main" id="{1AD65824-997F-D76A-B3FF-D6FF597A7002}"/>
-                </a:ext>
-              </a:extLst>
-            </p:cNvPr>
-            <p:cNvSpPr txBox="1">
-              <a:spLocks noChangeAspect="1"/>
-            </p:cNvSpPr>
-            <p:nvPr/>
-          </p:nvSpPr>
-          <p:spPr>
-            <a:xfrm>
-              <a:off x="10993382" y="4758934"/>
-              <a:ext cx="719194" cy="698567"/>
-            </a:xfrm>
-            <a:prstGeom prst="rect">
-              <a:avLst/>
-            </a:prstGeom>
-            <a:solidFill>
-              <a:srgbClr val="00B0F0"/>
-            </a:solidFill>
-          </p:spPr>
-          <p:txBody>
-            <a:bodyPr wrap="none" lIns="0" tIns="0" rIns="0" bIns="0" anchor="ctr" anchorCtr="0">
-              <a:noAutofit/>
-            </a:bodyPr>
-            <a:lstStyle/>
-            <a:p>
-              <a:pPr algn="ctr"/>
-              <a:r>
-                <a:rPr lang="pt-BR" sz="2400" b="1" dirty="0">
-                  <a:solidFill>
-                    <a:schemeClr val="bg1"/>
-                  </a:solidFill>
-                </a:rPr>
-                <a:t>04</a:t>
-              </a:r>
-              <a:endParaRPr lang="LID4096" sz="2400" b="1" dirty="0">
-                <a:solidFill>
-                  <a:schemeClr val="bg1"/>
-                </a:solidFill>
-              </a:endParaRPr>
-            </a:p>
-          </p:txBody>
-        </p:sp>
-        <p:grpSp>
-          <p:nvGrpSpPr>
-            <p:cNvPr id="5" name="Group 4">
-              <a:extLst>
-                <a:ext uri="{FF2B5EF4-FFF2-40B4-BE49-F238E27FC236}">
-                  <a16:creationId xmlns:a16="http://schemas.microsoft.com/office/drawing/2014/main" id="{702AA38A-A141-296D-8FBB-C4A5A2C3CD12}"/>
-                </a:ext>
-              </a:extLst>
-            </p:cNvPr>
-            <p:cNvGrpSpPr>
-              <a:grpSpLocks noChangeAspect="1"/>
-            </p:cNvGrpSpPr>
-            <p:nvPr/>
-          </p:nvGrpSpPr>
-          <p:grpSpPr>
-            <a:xfrm>
-              <a:off x="9119537" y="4445279"/>
-              <a:ext cx="2593038" cy="601900"/>
-              <a:chOff x="10013671" y="3790532"/>
-              <a:chExt cx="1767113" cy="410185"/>
-            </a:xfrm>
-          </p:grpSpPr>
-          <p:pic>
-            <p:nvPicPr>
-              <p:cNvPr id="2" name="Picture 1">
-                <a:extLst>
-                  <a:ext uri="{FF2B5EF4-FFF2-40B4-BE49-F238E27FC236}">
-                    <a16:creationId xmlns:a16="http://schemas.microsoft.com/office/drawing/2014/main" id="{ADC53B97-8A8F-3D69-7740-45ECDF24ABE4}"/>
-                  </a:ext>
-                </a:extLst>
-              </p:cNvPr>
-              <p:cNvPicPr>
-                <a:picLocks noChangeAspect="1"/>
-              </p:cNvPicPr>
-              <p:nvPr/>
-            </p:nvPicPr>
-            <p:blipFill>
-              <a:blip r:embed="rId23"/>
-              <a:srcRect t="65550" b="15487"/>
-              <a:stretch/>
-            </p:blipFill>
-            <p:spPr>
-              <a:xfrm>
-                <a:off x="10013671" y="3790532"/>
-                <a:ext cx="1767113" cy="197024"/>
-              </a:xfrm>
-              <a:prstGeom prst="rect">
-                <a:avLst/>
-              </a:prstGeom>
-            </p:spPr>
-          </p:pic>
-          <p:pic>
-            <p:nvPicPr>
-              <p:cNvPr id="3" name="Picture 2">
-                <a:extLst>
-                  <a:ext uri="{FF2B5EF4-FFF2-40B4-BE49-F238E27FC236}">
-                    <a16:creationId xmlns:a16="http://schemas.microsoft.com/office/drawing/2014/main" id="{DBD501B8-216B-2142-DE5F-BC66004D7F13}"/>
-                  </a:ext>
-                </a:extLst>
-              </p:cNvPr>
-              <p:cNvPicPr>
-                <a:picLocks noChangeAspect="1"/>
-              </p:cNvPicPr>
-              <p:nvPr/>
-            </p:nvPicPr>
-            <p:blipFill>
-              <a:blip r:embed="rId24"/>
-              <a:srcRect t="1" b="14084"/>
-              <a:stretch/>
-            </p:blipFill>
-            <p:spPr>
-              <a:xfrm>
-                <a:off x="10049038" y="4005966"/>
-                <a:ext cx="1054545" cy="194751"/>
-              </a:xfrm>
-              <a:prstGeom prst="rect">
-                <a:avLst/>
-              </a:prstGeom>
-            </p:spPr>
-          </p:pic>
-        </p:grpSp>
-      </p:grpSp>
-    </p:spTree>
-    <p:extLst>
-      <p:ext uri="{BB962C8B-B14F-4D97-AF65-F5344CB8AC3E}">
-        <p14:creationId xmlns:p14="http://schemas.microsoft.com/office/powerpoint/2010/main" val="177492580"/>
-      </p:ext>
-    </p:extLst>
-  </p:cSld>
-  <p:clrMapOvr>
-    <a:masterClrMapping/>
-  </p:clrMapOvr>
-</p:sld>
-</file>
-
-<file path=ppt/slides/slide4.xml><?xml version="1.0" encoding="utf-8"?>
-<p:sld xmlns:a="http://schemas.openxmlformats.org/drawingml/2006/main" xmlns:r="http://schemas.openxmlformats.org/officeDocument/2006/relationships" xmlns:p="http://schemas.openxmlformats.org/presentationml/2006/main">
-  <p:cSld>
     <p:spTree>
       <p:nvGrpSpPr>
         <p:cNvPr id="1" name=""/>
@@ -8864,10 +7332,10 @@
       </p:grpSpPr>
       <p:grpSp>
         <p:nvGrpSpPr>
-          <p:cNvPr id="40" name="Group 39">
-            <a:extLst>
-              <a:ext uri="{FF2B5EF4-FFF2-40B4-BE49-F238E27FC236}">
-                <a16:creationId xmlns:a16="http://schemas.microsoft.com/office/drawing/2014/main" id="{B940F550-241D-A68B-75AC-F9664BF850D3}"/>
+          <p:cNvPr id="46" name="Group 45">
+            <a:extLst>
+              <a:ext uri="{FF2B5EF4-FFF2-40B4-BE49-F238E27FC236}">
+                <a16:creationId xmlns:a16="http://schemas.microsoft.com/office/drawing/2014/main" id="{DC3279FE-A2AB-CFD7-12C4-95862E910784}"/>
               </a:ext>
             </a:extLst>
           </p:cNvPr>
@@ -8876,7 +7344,138 @@
         </p:nvGrpSpPr>
         <p:grpSpPr>
           <a:xfrm>
-            <a:off x="125598" y="76665"/>
+            <a:off x="0" y="-1768"/>
+            <a:ext cx="12191999" cy="1899903"/>
+            <a:chOff x="0" y="-1768"/>
+            <a:chExt cx="12191999" cy="1899903"/>
+          </a:xfrm>
+        </p:grpSpPr>
+        <p:sp>
+          <p:nvSpPr>
+            <p:cNvPr id="45" name="Rectangle 44">
+              <a:extLst>
+                <a:ext uri="{FF2B5EF4-FFF2-40B4-BE49-F238E27FC236}">
+                  <a16:creationId xmlns:a16="http://schemas.microsoft.com/office/drawing/2014/main" id="{C880642C-F3DB-4023-0FBA-C5BDCF19A2AD}"/>
+                </a:ext>
+              </a:extLst>
+            </p:cNvPr>
+            <p:cNvSpPr/>
+            <p:nvPr/>
+          </p:nvSpPr>
+          <p:spPr>
+            <a:xfrm>
+              <a:off x="6054936" y="2600"/>
+              <a:ext cx="6137063" cy="1330724"/>
+            </a:xfrm>
+            <a:prstGeom prst="rect">
+              <a:avLst/>
+            </a:prstGeom>
+            <a:solidFill>
+              <a:schemeClr val="accent5">
+                <a:lumMod val="20000"/>
+                <a:lumOff val="80000"/>
+              </a:schemeClr>
+            </a:solidFill>
+            <a:ln>
+              <a:noFill/>
+            </a:ln>
+          </p:spPr>
+          <p:style>
+            <a:lnRef idx="2">
+              <a:schemeClr val="accent1">
+                <a:shade val="15000"/>
+              </a:schemeClr>
+            </a:lnRef>
+            <a:fillRef idx="1">
+              <a:schemeClr val="accent1"/>
+            </a:fillRef>
+            <a:effectRef idx="0">
+              <a:schemeClr val="accent1"/>
+            </a:effectRef>
+            <a:fontRef idx="minor">
+              <a:schemeClr val="lt1"/>
+            </a:fontRef>
+          </p:style>
+          <p:txBody>
+            <a:bodyPr rtlCol="0" anchor="ctr"/>
+            <a:lstStyle/>
+            <a:p>
+              <a:pPr algn="ctr"/>
+              <a:endParaRPr lang="LID4096"/>
+            </a:p>
+          </p:txBody>
+        </p:sp>
+        <p:sp>
+          <p:nvSpPr>
+            <p:cNvPr id="43" name="Rectangle 42">
+              <a:extLst>
+                <a:ext uri="{FF2B5EF4-FFF2-40B4-BE49-F238E27FC236}">
+                  <a16:creationId xmlns:a16="http://schemas.microsoft.com/office/drawing/2014/main" id="{27907C5C-151E-55B0-0EC3-573D9B1E5BE1}"/>
+                </a:ext>
+              </a:extLst>
+            </p:cNvPr>
+            <p:cNvSpPr/>
+            <p:nvPr/>
+          </p:nvSpPr>
+          <p:spPr>
+            <a:xfrm>
+              <a:off x="0" y="-1768"/>
+              <a:ext cx="9796336" cy="1899903"/>
+            </a:xfrm>
+            <a:prstGeom prst="rect">
+              <a:avLst/>
+            </a:prstGeom>
+            <a:solidFill>
+              <a:schemeClr val="accent5">
+                <a:lumMod val="20000"/>
+                <a:lumOff val="80000"/>
+              </a:schemeClr>
+            </a:solidFill>
+            <a:ln>
+              <a:noFill/>
+            </a:ln>
+          </p:spPr>
+          <p:style>
+            <a:lnRef idx="2">
+              <a:schemeClr val="accent1">
+                <a:shade val="15000"/>
+              </a:schemeClr>
+            </a:lnRef>
+            <a:fillRef idx="1">
+              <a:schemeClr val="accent1"/>
+            </a:fillRef>
+            <a:effectRef idx="0">
+              <a:schemeClr val="accent1"/>
+            </a:effectRef>
+            <a:fontRef idx="minor">
+              <a:schemeClr val="lt1"/>
+            </a:fontRef>
+          </p:style>
+          <p:txBody>
+            <a:bodyPr rtlCol="0" anchor="ctr"/>
+            <a:lstStyle/>
+            <a:p>
+              <a:pPr algn="ctr"/>
+              <a:endParaRPr lang="LID4096"/>
+            </a:p>
+          </p:txBody>
+        </p:sp>
+      </p:grpSp>
+      <p:grpSp>
+        <p:nvGrpSpPr>
+          <p:cNvPr id="40" name="Group 39">
+            <a:extLst>
+              <a:ext uri="{FF2B5EF4-FFF2-40B4-BE49-F238E27FC236}">
+                <a16:creationId xmlns:a16="http://schemas.microsoft.com/office/drawing/2014/main" id="{B940F550-241D-A68B-75AC-F9664BF850D3}"/>
+              </a:ext>
+            </a:extLst>
+          </p:cNvPr>
+          <p:cNvGrpSpPr/>
+          <p:nvPr/>
+        </p:nvGrpSpPr>
+        <p:grpSpPr>
+          <a:xfrm>
+            <a:off x="546085" y="5419946"/>
             <a:ext cx="1919943" cy="1028700"/>
             <a:chOff x="125598" y="76665"/>
             <a:chExt cx="1919943" cy="1028700"/>
@@ -9010,208 +7609,6 @@
           </p:txBody>
         </p:sp>
       </p:grpSp>
-      <p:grpSp>
-        <p:nvGrpSpPr>
-          <p:cNvPr id="134" name="Group 133">
-            <a:extLst>
-              <a:ext uri="{FF2B5EF4-FFF2-40B4-BE49-F238E27FC236}">
-                <a16:creationId xmlns:a16="http://schemas.microsoft.com/office/drawing/2014/main" id="{7459E8E5-B4A5-5AA5-4D97-2F5EFDFC8D20}"/>
-              </a:ext>
-            </a:extLst>
-          </p:cNvPr>
-          <p:cNvGrpSpPr/>
-          <p:nvPr/>
-        </p:nvGrpSpPr>
-        <p:grpSpPr>
-          <a:xfrm>
-            <a:off x="125598" y="1215172"/>
-            <a:ext cx="3496287" cy="806330"/>
-            <a:chOff x="5395878" y="183643"/>
-            <a:chExt cx="3496287" cy="806330"/>
-          </a:xfrm>
-        </p:grpSpPr>
-        <p:pic>
-          <p:nvPicPr>
-            <p:cNvPr id="30" name="Picture 29">
-              <a:extLst>
-                <a:ext uri="{FF2B5EF4-FFF2-40B4-BE49-F238E27FC236}">
-                  <a16:creationId xmlns:a16="http://schemas.microsoft.com/office/drawing/2014/main" id="{CA383C92-4F8D-C21F-6189-C9867C123B50}"/>
-                </a:ext>
-              </a:extLst>
-            </p:cNvPr>
-            <p:cNvPicPr>
-              <a:picLocks noChangeAspect="1"/>
-            </p:cNvPicPr>
-            <p:nvPr/>
-          </p:nvPicPr>
-          <p:blipFill>
-            <a:blip r:embed="rId3"/>
-            <a:stretch>
-              <a:fillRect/>
-            </a:stretch>
-          </p:blipFill>
-          <p:spPr>
-            <a:xfrm>
-              <a:off x="5395878" y="183643"/>
-              <a:ext cx="2647950" cy="209550"/>
-            </a:xfrm>
-            <a:prstGeom prst="rect">
-              <a:avLst/>
-            </a:prstGeom>
-          </p:spPr>
-        </p:pic>
-        <p:pic>
-          <p:nvPicPr>
-            <p:cNvPr id="34" name="Picture 33">
-              <a:extLst>
-                <a:ext uri="{FF2B5EF4-FFF2-40B4-BE49-F238E27FC236}">
-                  <a16:creationId xmlns:a16="http://schemas.microsoft.com/office/drawing/2014/main" id="{EC367468-DE37-7A1C-FC82-A78B059418C4}"/>
-                </a:ext>
-              </a:extLst>
-            </p:cNvPr>
-            <p:cNvPicPr>
-              <a:picLocks noChangeAspect="1"/>
-            </p:cNvPicPr>
-            <p:nvPr/>
-          </p:nvPicPr>
-          <p:blipFill>
-            <a:blip r:embed="rId4"/>
-            <a:stretch>
-              <a:fillRect/>
-            </a:stretch>
-          </p:blipFill>
-          <p:spPr>
-            <a:xfrm>
-              <a:off x="5539365" y="392442"/>
-              <a:ext cx="3352800" cy="219075"/>
-            </a:xfrm>
-            <a:prstGeom prst="rect">
-              <a:avLst/>
-            </a:prstGeom>
-          </p:spPr>
-        </p:pic>
-        <p:pic>
-          <p:nvPicPr>
-            <p:cNvPr id="39" name="Picture 38">
-              <a:extLst>
-                <a:ext uri="{FF2B5EF4-FFF2-40B4-BE49-F238E27FC236}">
-                  <a16:creationId xmlns:a16="http://schemas.microsoft.com/office/drawing/2014/main" id="{C05A62A7-F689-55E9-B009-C8BBCD2EF77F}"/>
-                </a:ext>
-              </a:extLst>
-            </p:cNvPr>
-            <p:cNvPicPr>
-              <a:picLocks noChangeAspect="1"/>
-            </p:cNvPicPr>
-            <p:nvPr/>
-          </p:nvPicPr>
-          <p:blipFill>
-            <a:blip r:embed="rId5"/>
-            <a:stretch>
-              <a:fillRect/>
-            </a:stretch>
-          </p:blipFill>
-          <p:spPr>
-            <a:xfrm>
-              <a:off x="5625047" y="561348"/>
-              <a:ext cx="1828800" cy="428625"/>
-            </a:xfrm>
-            <a:prstGeom prst="rect">
-              <a:avLst/>
-            </a:prstGeom>
-          </p:spPr>
-        </p:pic>
-        <p:sp>
-          <p:nvSpPr>
-            <p:cNvPr id="44" name="TextBox 43">
-              <a:extLst>
-                <a:ext uri="{FF2B5EF4-FFF2-40B4-BE49-F238E27FC236}">
-                  <a16:creationId xmlns:a16="http://schemas.microsoft.com/office/drawing/2014/main" id="{3AEC3FF2-F6FD-DB99-DCFA-28647C40D707}"/>
-                </a:ext>
-              </a:extLst>
-            </p:cNvPr>
-            <p:cNvSpPr txBox="1"/>
-            <p:nvPr/>
-          </p:nvSpPr>
-          <p:spPr>
-            <a:xfrm>
-              <a:off x="8077743" y="710505"/>
-              <a:ext cx="369061" cy="279468"/>
-            </a:xfrm>
-            <a:prstGeom prst="rect">
-              <a:avLst/>
-            </a:prstGeom>
-            <a:solidFill>
-              <a:srgbClr val="93E3FF"/>
-            </a:solidFill>
-          </p:spPr>
-          <p:txBody>
-            <a:bodyPr wrap="none" lIns="0" tIns="0" rIns="0" bIns="0" rtlCol="0" anchor="ctr" anchorCtr="0">
-              <a:noAutofit/>
-            </a:bodyPr>
-            <a:lstStyle>
-              <a:defPPr>
-                <a:defRPr lang="LID4096"/>
-              </a:defPPr>
-              <a:lvl1pPr algn="ctr">
-                <a:defRPr sz="1100" b="1">
-                  <a:latin typeface="Calibri bold" panose="020F0702030404030204" pitchFamily="34" charset="0"/>
-                  <a:cs typeface="Calibri bold" panose="020F0702030404030204" pitchFamily="34" charset="0"/>
-                </a:defRPr>
-              </a:lvl1pPr>
-            </a:lstStyle>
-            <a:p>
-              <a:r>
-                <a:rPr lang="pt-BR" dirty="0"/>
-                <a:t>S1 </a:t>
-              </a:r>
-              <a:endParaRPr lang="LID4096" dirty="0"/>
-            </a:p>
-          </p:txBody>
-        </p:sp>
-        <p:sp>
-          <p:nvSpPr>
-            <p:cNvPr id="78" name="TextBox 77">
-              <a:extLst>
-                <a:ext uri="{FF2B5EF4-FFF2-40B4-BE49-F238E27FC236}">
-                  <a16:creationId xmlns:a16="http://schemas.microsoft.com/office/drawing/2014/main" id="{DB1A1129-9174-6A90-3B2B-A65C0EC77712}"/>
-                </a:ext>
-              </a:extLst>
-            </p:cNvPr>
-            <p:cNvSpPr txBox="1">
-              <a:spLocks noChangeAspect="1"/>
-            </p:cNvSpPr>
-            <p:nvPr/>
-          </p:nvSpPr>
-          <p:spPr>
-            <a:xfrm>
-              <a:off x="8077743" y="188506"/>
-              <a:ext cx="369061" cy="136632"/>
-            </a:xfrm>
-            <a:prstGeom prst="rect">
-              <a:avLst/>
-            </a:prstGeom>
-            <a:solidFill>
-              <a:schemeClr val="bg1">
-                <a:lumMod val="85000"/>
-              </a:schemeClr>
-            </a:solidFill>
-          </p:spPr>
-          <p:txBody>
-            <a:bodyPr wrap="none" lIns="0" tIns="0" rIns="0" bIns="0" anchor="ctr" anchorCtr="0">
-              <a:noAutofit/>
-            </a:bodyPr>
-            <a:lstStyle/>
-            <a:p>
-              <a:pPr algn="ctr"/>
-              <a:r>
-                <a:rPr lang="pt-BR" sz="1200" b="1" dirty="0"/>
-                <a:t>2_01</a:t>
-              </a:r>
-              <a:endParaRPr lang="LID4096" sz="1200" b="1" dirty="0"/>
-            </a:p>
-          </p:txBody>
-        </p:sp>
-      </p:grpSp>
       <p:pic>
         <p:nvPicPr>
           <p:cNvPr id="105" name="Picture 104">
@@ -9227,7 +7624,7 @@
           <p:nvPr/>
         </p:nvPicPr>
         <p:blipFill>
-          <a:blip r:embed="rId6"/>
+          <a:blip r:embed="rId3"/>
           <a:srcRect r="12284"/>
           <a:stretch/>
         </p:blipFill>
@@ -9269,7 +7666,7 @@
           <p:nvPr/>
         </p:nvPicPr>
         <p:blipFill>
-          <a:blip r:embed="rId7"/>
+          <a:blip r:embed="rId4"/>
           <a:srcRect l="2155" r="1"/>
           <a:stretch/>
         </p:blipFill>
@@ -9331,7 +7728,7 @@
             <p:nvPr/>
           </p:nvPicPr>
           <p:blipFill>
-            <a:blip r:embed="rId8"/>
+            <a:blip r:embed="rId5"/>
             <a:stretch>
               <a:fillRect/>
             </a:stretch>
@@ -9535,272 +7932,6 @@
           </a:p>
         </p:txBody>
       </p:sp>
-      <p:sp>
-        <p:nvSpPr>
-          <p:cNvPr id="115" name="TextBox 114">
-            <a:extLst>
-              <a:ext uri="{FF2B5EF4-FFF2-40B4-BE49-F238E27FC236}">
-                <a16:creationId xmlns:a16="http://schemas.microsoft.com/office/drawing/2014/main" id="{1E59F847-8B37-AD84-C8CF-9D4CB64C5217}"/>
-              </a:ext>
-            </a:extLst>
-          </p:cNvPr>
-          <p:cNvSpPr txBox="1"/>
-          <p:nvPr/>
-        </p:nvSpPr>
-        <p:spPr>
-          <a:xfrm>
-            <a:off x="9989018" y="250542"/>
-            <a:ext cx="871539" cy="1077218"/>
-          </a:xfrm>
-          <a:prstGeom prst="rect">
-            <a:avLst/>
-          </a:prstGeom>
-          <a:noFill/>
-        </p:spPr>
-        <p:txBody>
-          <a:bodyPr wrap="square" lIns="0" tIns="0" rIns="0" bIns="0" anchor="ctr" anchorCtr="0">
-            <a:spAutoFit/>
-          </a:bodyPr>
-          <a:lstStyle>
-            <a:defPPr>
-              <a:defRPr lang="LID4096"/>
-            </a:defPPr>
-            <a:lvl1pPr>
-              <a:defRPr sz="1100" b="1"/>
-            </a:lvl1pPr>
-          </a:lstStyle>
-          <a:p>
-            <a:r>
-              <a:rPr lang="en-US" sz="1400" dirty="0">
-                <a:solidFill>
-                  <a:srgbClr val="0000FF"/>
-                </a:solidFill>
-              </a:rPr>
-              <a:t>…</a:t>
-            </a:r>
-          </a:p>
-          <a:p>
-            <a:r>
-              <a:rPr lang="en-US" sz="1400" dirty="0">
-                <a:solidFill>
-                  <a:srgbClr val="0000FF"/>
-                </a:solidFill>
-              </a:rPr>
-              <a:t>__</a:t>
-            </a:r>
-            <a:r>
-              <a:rPr lang="en-US" sz="1400" dirty="0" err="1">
-                <a:solidFill>
-                  <a:srgbClr val="0000FF"/>
-                </a:solidFill>
-              </a:rPr>
-              <a:t>ic</a:t>
-            </a:r>
-            <a:endParaRPr lang="en-US" sz="1400" dirty="0">
-              <a:solidFill>
-                <a:srgbClr val="0000FF"/>
-              </a:solidFill>
-            </a:endParaRPr>
-          </a:p>
-          <a:p>
-            <a:r>
-              <a:rPr lang="en-US" sz="1400" dirty="0">
-                <a:solidFill>
-                  <a:srgbClr val="0000FF"/>
-                </a:solidFill>
-              </a:rPr>
-              <a:t>__rch</a:t>
-            </a:r>
-          </a:p>
-          <a:p>
-            <a:r>
-              <a:rPr lang="en-US" sz="1400" dirty="0">
-                <a:solidFill>
-                  <a:srgbClr val="0000FF"/>
-                </a:solidFill>
-              </a:rPr>
-              <a:t>__ne</a:t>
-            </a:r>
-          </a:p>
-          <a:p>
-            <a:r>
-              <a:rPr lang="en-US" sz="1400" dirty="0">
-                <a:solidFill>
-                  <a:srgbClr val="0000FF"/>
-                </a:solidFill>
-              </a:rPr>
-              <a:t>__sto</a:t>
-            </a:r>
-            <a:endParaRPr lang="LID4096" sz="1400" dirty="0">
-              <a:solidFill>
-                <a:srgbClr val="0000FF"/>
-              </a:solidFill>
-            </a:endParaRPr>
-          </a:p>
-        </p:txBody>
-      </p:sp>
-      <p:sp>
-        <p:nvSpPr>
-          <p:cNvPr id="116" name="TextBox 115">
-            <a:extLst>
-              <a:ext uri="{FF2B5EF4-FFF2-40B4-BE49-F238E27FC236}">
-                <a16:creationId xmlns:a16="http://schemas.microsoft.com/office/drawing/2014/main" id="{15C98A1E-7A4A-3C54-1A10-794A7BAC1847}"/>
-              </a:ext>
-            </a:extLst>
-          </p:cNvPr>
-          <p:cNvSpPr txBox="1"/>
-          <p:nvPr/>
-        </p:nvSpPr>
-        <p:spPr>
-          <a:xfrm>
-            <a:off x="11926581" y="1059490"/>
-            <a:ext cx="212848" cy="276999"/>
-          </a:xfrm>
-          <a:prstGeom prst="rect">
-            <a:avLst/>
-          </a:prstGeom>
-          <a:noFill/>
-        </p:spPr>
-        <p:txBody>
-          <a:bodyPr wrap="square" lIns="0" tIns="0" rIns="0" bIns="0" anchor="ctr" anchorCtr="0">
-            <a:spAutoFit/>
-          </a:bodyPr>
-          <a:lstStyle>
-            <a:defPPr>
-              <a:defRPr lang="LID4096"/>
-            </a:defPPr>
-            <a:lvl1pPr>
-              <a:defRPr sz="1100" b="1"/>
-            </a:lvl1pPr>
-          </a:lstStyle>
-          <a:p>
-            <a:r>
-              <a:rPr lang="en-US" sz="1800" dirty="0"/>
-              <a:t>d</a:t>
-            </a:r>
-            <a:endParaRPr lang="LID4096" sz="1800" dirty="0"/>
-          </a:p>
-        </p:txBody>
-      </p:sp>
-      <p:sp>
-        <p:nvSpPr>
-          <p:cNvPr id="118" name="TextBox 117">
-            <a:extLst>
-              <a:ext uri="{FF2B5EF4-FFF2-40B4-BE49-F238E27FC236}">
-                <a16:creationId xmlns:a16="http://schemas.microsoft.com/office/drawing/2014/main" id="{AB6DB165-FAFB-AF76-8FA3-6D5597F7C4CE}"/>
-              </a:ext>
-            </a:extLst>
-          </p:cNvPr>
-          <p:cNvSpPr txBox="1"/>
-          <p:nvPr/>
-        </p:nvSpPr>
-        <p:spPr>
-          <a:xfrm>
-            <a:off x="10749672" y="296563"/>
-            <a:ext cx="867473" cy="369332"/>
-          </a:xfrm>
-          <a:prstGeom prst="rect">
-            <a:avLst/>
-          </a:prstGeom>
-          <a:noFill/>
-        </p:spPr>
-        <p:txBody>
-          <a:bodyPr wrap="square">
-            <a:spAutoFit/>
-          </a:bodyPr>
-          <a:lstStyle/>
-          <a:p>
-            <a:r>
-              <a:rPr lang="pt-BR" dirty="0">
-                <a:solidFill>
-                  <a:srgbClr val="0000FF"/>
-                </a:solidFill>
-              </a:rPr>
-              <a:t>*.</a:t>
-            </a:r>
-            <a:r>
-              <a:rPr lang="pt-BR" dirty="0" err="1">
-                <a:solidFill>
-                  <a:srgbClr val="0000FF"/>
-                </a:solidFill>
-              </a:rPr>
-              <a:t>ins</a:t>
-            </a:r>
-            <a:endParaRPr lang="LID4096" dirty="0">
-              <a:solidFill>
-                <a:srgbClr val="0000FF"/>
-              </a:solidFill>
-            </a:endParaRPr>
-          </a:p>
-        </p:txBody>
-      </p:sp>
-      <p:sp>
-        <p:nvSpPr>
-          <p:cNvPr id="121" name="TextBox 120">
-            <a:extLst>
-              <a:ext uri="{FF2B5EF4-FFF2-40B4-BE49-F238E27FC236}">
-                <a16:creationId xmlns:a16="http://schemas.microsoft.com/office/drawing/2014/main" id="{AA366356-73E7-E9F0-CD6C-5681D5E58371}"/>
-              </a:ext>
-            </a:extLst>
-          </p:cNvPr>
-          <p:cNvSpPr txBox="1"/>
-          <p:nvPr/>
-        </p:nvSpPr>
-        <p:spPr>
-          <a:xfrm>
-            <a:off x="10764412" y="729375"/>
-            <a:ext cx="867473" cy="646331"/>
-          </a:xfrm>
-          <a:prstGeom prst="rect">
-            <a:avLst/>
-          </a:prstGeom>
-          <a:noFill/>
-        </p:spPr>
-        <p:txBody>
-          <a:bodyPr wrap="square">
-            <a:spAutoFit/>
-          </a:bodyPr>
-          <a:lstStyle/>
-          <a:p>
-            <a:r>
-              <a:rPr lang="pt-BR" dirty="0">
-                <a:solidFill>
-                  <a:srgbClr val="0000FF"/>
-                </a:solidFill>
-              </a:rPr>
-              <a:t>*.</a:t>
-            </a:r>
-            <a:r>
-              <a:rPr lang="LID4096" dirty="0">
-                <a:solidFill>
-                  <a:srgbClr val="0000FF"/>
-                </a:solidFill>
-              </a:rPr>
-              <a:t>tpl</a:t>
-            </a:r>
-            <a:endParaRPr lang="pt-BR" dirty="0">
-              <a:solidFill>
-                <a:srgbClr val="0000FF"/>
-              </a:solidFill>
-            </a:endParaRPr>
-          </a:p>
-          <a:p>
-            <a:r>
-              <a:rPr lang="pt-BR" dirty="0">
-                <a:solidFill>
-                  <a:srgbClr val="0000FF"/>
-                </a:solidFill>
-              </a:rPr>
-              <a:t>*.zone</a:t>
-            </a:r>
-            <a:endParaRPr lang="LID4096" dirty="0">
-              <a:solidFill>
-                <a:srgbClr val="0000FF"/>
-              </a:solidFill>
-            </a:endParaRPr>
-          </a:p>
-        </p:txBody>
-      </p:sp>
       <p:grpSp>
         <p:nvGrpSpPr>
           <p:cNvPr id="131" name="Group 130">
@@ -9836,7 +7967,7 @@
             <p:nvPr/>
           </p:nvPicPr>
           <p:blipFill>
-            <a:blip r:embed="rId9"/>
+            <a:blip r:embed="rId6"/>
             <a:stretch>
               <a:fillRect/>
             </a:stretch>
@@ -9910,10 +8041,10 @@
       </p:grpSp>
       <p:grpSp>
         <p:nvGrpSpPr>
-          <p:cNvPr id="136" name="Group 135">
-            <a:extLst>
-              <a:ext uri="{FF2B5EF4-FFF2-40B4-BE49-F238E27FC236}">
-                <a16:creationId xmlns:a16="http://schemas.microsoft.com/office/drawing/2014/main" id="{ADB3EDE7-6DD8-0C73-6214-CD01D90FDF2D}"/>
+          <p:cNvPr id="13" name="Group 12">
+            <a:extLst>
+              <a:ext uri="{FF2B5EF4-FFF2-40B4-BE49-F238E27FC236}">
+                <a16:creationId xmlns:a16="http://schemas.microsoft.com/office/drawing/2014/main" id="{53262A0D-7355-CDBB-F2D6-FF200DC0DBDF}"/>
               </a:ext>
             </a:extLst>
           </p:cNvPr>
@@ -9922,18 +8053,18 @@
         </p:nvGrpSpPr>
         <p:grpSpPr>
           <a:xfrm>
-            <a:off x="2758420" y="3429000"/>
-            <a:ext cx="1923640" cy="3316415"/>
-            <a:chOff x="5225547" y="1066179"/>
-            <a:chExt cx="1923640" cy="3316415"/>
+            <a:off x="5381735" y="3786352"/>
+            <a:ext cx="1842947" cy="2935502"/>
+            <a:chOff x="4870807" y="3790413"/>
+            <a:chExt cx="1842947" cy="2935502"/>
           </a:xfrm>
         </p:grpSpPr>
         <p:grpSp>
           <p:nvGrpSpPr>
-            <p:cNvPr id="129" name="Group 128">
+            <p:cNvPr id="135" name="Group 134">
               <a:extLst>
                 <a:ext uri="{FF2B5EF4-FFF2-40B4-BE49-F238E27FC236}">
-                  <a16:creationId xmlns:a16="http://schemas.microsoft.com/office/drawing/2014/main" id="{864474F4-0F4A-0F7A-F93A-4172F3394CEF}"/>
+                  <a16:creationId xmlns:a16="http://schemas.microsoft.com/office/drawing/2014/main" id="{EE2A3F7C-2388-0043-FB58-5CA94462039C}"/>
                 </a:ext>
               </a:extLst>
             </p:cNvPr>
@@ -9942,505 +8073,188 @@
           </p:nvGrpSpPr>
           <p:grpSpPr>
             <a:xfrm>
-              <a:off x="5242023" y="1066179"/>
-              <a:ext cx="1885950" cy="3257550"/>
-              <a:chOff x="4961756" y="1085097"/>
-              <a:chExt cx="1885950" cy="3257550"/>
+              <a:off x="4870807" y="3790413"/>
+              <a:ext cx="1778810" cy="2935502"/>
+              <a:chOff x="7273658" y="2380735"/>
+              <a:chExt cx="1778810" cy="2935502"/>
             </a:xfrm>
           </p:grpSpPr>
-          <p:pic>
-            <p:nvPicPr>
-              <p:cNvPr id="126" name="Picture 125">
+          <p:grpSp>
+            <p:nvGrpSpPr>
+              <p:cNvPr id="130" name="Group 129">
                 <a:extLst>
                   <a:ext uri="{FF2B5EF4-FFF2-40B4-BE49-F238E27FC236}">
-                    <a16:creationId xmlns:a16="http://schemas.microsoft.com/office/drawing/2014/main" id="{4026EF31-6786-7A55-33FD-F51670FB827F}"/>
+                    <a16:creationId xmlns:a16="http://schemas.microsoft.com/office/drawing/2014/main" id="{2BF62C5E-4D49-0ADE-3750-32A347AE922A}"/>
                   </a:ext>
                 </a:extLst>
               </p:cNvPr>
-              <p:cNvPicPr>
-                <a:picLocks noChangeAspect="1"/>
-              </p:cNvPicPr>
+              <p:cNvGrpSpPr/>
               <p:nvPr/>
-            </p:nvPicPr>
-            <p:blipFill>
-              <a:blip r:embed="rId10"/>
-              <a:stretch>
-                <a:fillRect/>
-              </a:stretch>
-            </p:blipFill>
+            </p:nvGrpSpPr>
+            <p:grpSpPr>
+              <a:xfrm>
+                <a:off x="7273660" y="2496837"/>
+                <a:ext cx="1778808" cy="2819400"/>
+                <a:chOff x="7075010" y="2510046"/>
+                <a:chExt cx="1778808" cy="2819400"/>
+              </a:xfrm>
+            </p:grpSpPr>
+            <p:pic>
+              <p:nvPicPr>
+                <p:cNvPr id="124" name="Picture 123">
+                  <a:extLst>
+                    <a:ext uri="{FF2B5EF4-FFF2-40B4-BE49-F238E27FC236}">
+                      <a16:creationId xmlns:a16="http://schemas.microsoft.com/office/drawing/2014/main" id="{3C96B9E5-14C8-A807-F452-2796CC2BC3AC}"/>
+                    </a:ext>
+                  </a:extLst>
+                </p:cNvPr>
+                <p:cNvPicPr>
+                  <a:picLocks noChangeAspect="1"/>
+                </p:cNvPicPr>
+                <p:nvPr/>
+              </p:nvPicPr>
+              <p:blipFill>
+                <a:blip r:embed="rId7"/>
+                <a:srcRect r="23148"/>
+                <a:stretch/>
+              </p:blipFill>
+              <p:spPr>
+                <a:xfrm>
+                  <a:off x="7075010" y="2510046"/>
+                  <a:ext cx="1778808" cy="2819400"/>
+                </a:xfrm>
+                <a:prstGeom prst="rect">
+                  <a:avLst/>
+                </a:prstGeom>
+                <a:noFill/>
+                <a:ln w="3175">
+                  <a:solidFill>
+                    <a:schemeClr val="tx1"/>
+                  </a:solidFill>
+                </a:ln>
+                <a:effectLst>
+                  <a:outerShdw blurRad="50800" dist="38100" dir="8100000" algn="tr" rotWithShape="0">
+                    <a:prstClr val="black">
+                      <a:alpha val="40000"/>
+                    </a:prstClr>
+                  </a:outerShdw>
+                </a:effectLst>
+              </p:spPr>
+            </p:pic>
+            <p:sp>
+              <p:nvSpPr>
+                <p:cNvPr id="127" name="TextBox 126">
+                  <a:extLst>
+                    <a:ext uri="{FF2B5EF4-FFF2-40B4-BE49-F238E27FC236}">
+                      <a16:creationId xmlns:a16="http://schemas.microsoft.com/office/drawing/2014/main" id="{58F2B392-A623-1567-3E7D-5C676D264512}"/>
+                    </a:ext>
+                  </a:extLst>
+                </p:cNvPr>
+                <p:cNvSpPr txBox="1"/>
+                <p:nvPr/>
+              </p:nvSpPr>
+              <p:spPr>
+                <a:xfrm>
+                  <a:off x="8613819" y="2971878"/>
+                  <a:ext cx="212848" cy="276999"/>
+                </a:xfrm>
+                <a:prstGeom prst="rect">
+                  <a:avLst/>
+                </a:prstGeom>
+                <a:noFill/>
+              </p:spPr>
+              <p:txBody>
+                <a:bodyPr wrap="square" lIns="0" tIns="0" rIns="0" bIns="0" anchor="ctr" anchorCtr="0">
+                  <a:spAutoFit/>
+                </a:bodyPr>
+                <a:lstStyle>
+                  <a:defPPr>
+                    <a:defRPr lang="LID4096"/>
+                  </a:defPPr>
+                  <a:lvl1pPr>
+                    <a:defRPr sz="1100" b="1"/>
+                  </a:lvl1pPr>
+                </a:lstStyle>
+                <a:p>
+                  <a:r>
+                    <a:rPr lang="en-US" sz="1800" dirty="0">
+                      <a:solidFill>
+                        <a:srgbClr val="FF0000"/>
+                      </a:solidFill>
+                    </a:rPr>
+                    <a:t>f</a:t>
+                  </a:r>
+                  <a:endParaRPr lang="LID4096" sz="1800" dirty="0">
+                    <a:solidFill>
+                      <a:srgbClr val="FF0000"/>
+                    </a:solidFill>
+                  </a:endParaRPr>
+                </a:p>
+              </p:txBody>
+            </p:sp>
+          </p:grpSp>
+          <p:sp>
+            <p:nvSpPr>
+              <p:cNvPr id="133" name="Rectangle 132">
+                <a:extLst>
+                  <a:ext uri="{FF2B5EF4-FFF2-40B4-BE49-F238E27FC236}">
+                    <a16:creationId xmlns:a16="http://schemas.microsoft.com/office/drawing/2014/main" id="{7D7B473C-E389-4029-A505-56FDB6460E50}"/>
+                  </a:ext>
+                </a:extLst>
+              </p:cNvPr>
+              <p:cNvSpPr/>
+              <p:nvPr/>
+            </p:nvSpPr>
             <p:spPr>
               <a:xfrm>
-                <a:off x="4961756" y="1085097"/>
-                <a:ext cx="1885950" cy="3257550"/>
+                <a:off x="7273658" y="2380735"/>
+                <a:ext cx="1759779" cy="116102"/>
               </a:xfrm>
               <a:prstGeom prst="rect">
                 <a:avLst/>
               </a:prstGeom>
-              <a:noFill/>
-              <a:ln w="3175">
-                <a:solidFill>
-                  <a:schemeClr val="tx1"/>
-                </a:solidFill>
+              <a:solidFill>
+                <a:schemeClr val="accent4">
+                  <a:lumMod val="20000"/>
+                  <a:lumOff val="80000"/>
+                </a:schemeClr>
+              </a:solidFill>
+              <a:ln>
+                <a:noFill/>
               </a:ln>
-              <a:effectLst>
-                <a:outerShdw blurRad="50800" dist="38100" dir="8100000" algn="tr" rotWithShape="0">
-                  <a:prstClr val="black">
-                    <a:alpha val="40000"/>
-                  </a:prstClr>
-                </a:outerShdw>
-              </a:effectLst>
             </p:spPr>
-          </p:pic>
-          <p:sp>
-            <p:nvSpPr>
-              <p:cNvPr id="128" name="TextBox 127">
-                <a:extLst>
-                  <a:ext uri="{FF2B5EF4-FFF2-40B4-BE49-F238E27FC236}">
-                    <a16:creationId xmlns:a16="http://schemas.microsoft.com/office/drawing/2014/main" id="{441E1B5B-ADEA-7DE5-AEEA-131E1765C58F}"/>
-                  </a:ext>
-                </a:extLst>
-              </p:cNvPr>
-              <p:cNvSpPr txBox="1"/>
-              <p:nvPr/>
-            </p:nvSpPr>
-            <p:spPr>
-              <a:xfrm>
-                <a:off x="6575933" y="3718567"/>
-                <a:ext cx="212848" cy="276999"/>
-              </a:xfrm>
-              <a:prstGeom prst="rect">
-                <a:avLst/>
-              </a:prstGeom>
-              <a:noFill/>
-            </p:spPr>
+            <p:style>
+              <a:lnRef idx="2">
+                <a:schemeClr val="accent1">
+                  <a:shade val="15000"/>
+                </a:schemeClr>
+              </a:lnRef>
+              <a:fillRef idx="1">
+                <a:schemeClr val="accent1"/>
+              </a:fillRef>
+              <a:effectRef idx="0">
+                <a:schemeClr val="accent1"/>
+              </a:effectRef>
+              <a:fontRef idx="minor">
+                <a:schemeClr val="lt1"/>
+              </a:fontRef>
+            </p:style>
             <p:txBody>
-              <a:bodyPr wrap="square" lIns="0" tIns="0" rIns="0" bIns="0" anchor="ctr" anchorCtr="0">
-                <a:spAutoFit/>
-              </a:bodyPr>
-              <a:lstStyle>
-                <a:defPPr>
-                  <a:defRPr lang="LID4096"/>
-                </a:defPPr>
-                <a:lvl1pPr>
-                  <a:defRPr sz="1100" b="1"/>
-                </a:lvl1pPr>
-              </a:lstStyle>
+              <a:bodyPr rtlCol="0" anchor="ctr"/>
+              <a:lstStyle/>
               <a:p>
-                <a:r>
-                  <a:rPr lang="en-US" sz="1800" dirty="0">
-                    <a:solidFill>
-                      <a:srgbClr val="FF0000"/>
-                    </a:solidFill>
-                  </a:rPr>
-                  <a:t>g</a:t>
-                </a:r>
-                <a:endParaRPr lang="LID4096" sz="1800" dirty="0">
-                  <a:solidFill>
-                    <a:srgbClr val="FF0000"/>
-                  </a:solidFill>
-                </a:endParaRPr>
+                <a:pPr algn="ctr"/>
+                <a:endParaRPr lang="LID4096"/>
               </a:p>
             </p:txBody>
           </p:sp>
         </p:grpSp>
-        <p:sp>
-          <p:nvSpPr>
-            <p:cNvPr id="132" name="Rectangle 131">
+        <p:grpSp>
+          <p:nvGrpSpPr>
+            <p:cNvPr id="141" name="Group 140">
               <a:extLst>
                 <a:ext uri="{FF2B5EF4-FFF2-40B4-BE49-F238E27FC236}">
-                  <a16:creationId xmlns:a16="http://schemas.microsoft.com/office/drawing/2014/main" id="{D7714769-DA43-8EAD-157F-E903B22DB626}"/>
-                </a:ext>
-              </a:extLst>
-            </p:cNvPr>
-            <p:cNvSpPr/>
-            <p:nvPr/>
-          </p:nvSpPr>
-          <p:spPr>
-            <a:xfrm>
-              <a:off x="5225547" y="4285688"/>
-              <a:ext cx="1923640" cy="96906"/>
-            </a:xfrm>
-            <a:prstGeom prst="rect">
-              <a:avLst/>
-            </a:prstGeom>
-            <a:solidFill>
-              <a:schemeClr val="accent4">
-                <a:lumMod val="20000"/>
-                <a:lumOff val="80000"/>
-              </a:schemeClr>
-            </a:solidFill>
-            <a:ln>
-              <a:noFill/>
-            </a:ln>
-          </p:spPr>
-          <p:style>
-            <a:lnRef idx="2">
-              <a:schemeClr val="accent1">
-                <a:shade val="15000"/>
-              </a:schemeClr>
-            </a:lnRef>
-            <a:fillRef idx="1">
-              <a:schemeClr val="accent1"/>
-            </a:fillRef>
-            <a:effectRef idx="0">
-              <a:schemeClr val="accent1"/>
-            </a:effectRef>
-            <a:fontRef idx="minor">
-              <a:schemeClr val="lt1"/>
-            </a:fontRef>
-          </p:style>
-          <p:txBody>
-            <a:bodyPr rtlCol="0" anchor="ctr"/>
-            <a:lstStyle/>
-            <a:p>
-              <a:pPr algn="ctr"/>
-              <a:endParaRPr lang="LID4096"/>
-            </a:p>
-          </p:txBody>
-        </p:sp>
-      </p:grpSp>
-      <p:grpSp>
-        <p:nvGrpSpPr>
-          <p:cNvPr id="135" name="Group 134">
-            <a:extLst>
-              <a:ext uri="{FF2B5EF4-FFF2-40B4-BE49-F238E27FC236}">
-                <a16:creationId xmlns:a16="http://schemas.microsoft.com/office/drawing/2014/main" id="{EE2A3F7C-2388-0043-FB58-5CA94462039C}"/>
-              </a:ext>
-            </a:extLst>
-          </p:cNvPr>
-          <p:cNvGrpSpPr/>
-          <p:nvPr/>
-        </p:nvGrpSpPr>
-        <p:grpSpPr>
-          <a:xfrm>
-            <a:off x="4870807" y="3790413"/>
-            <a:ext cx="2314576" cy="2935502"/>
-            <a:chOff x="7273658" y="2380735"/>
-            <a:chExt cx="2314576" cy="2935502"/>
-          </a:xfrm>
-        </p:grpSpPr>
-        <p:grpSp>
-          <p:nvGrpSpPr>
-            <p:cNvPr id="130" name="Group 129">
-              <a:extLst>
-                <a:ext uri="{FF2B5EF4-FFF2-40B4-BE49-F238E27FC236}">
-                  <a16:creationId xmlns:a16="http://schemas.microsoft.com/office/drawing/2014/main" id="{2BF62C5E-4D49-0ADE-3750-32A347AE922A}"/>
-                </a:ext>
-              </a:extLst>
-            </p:cNvPr>
-            <p:cNvGrpSpPr/>
-            <p:nvPr/>
-          </p:nvGrpSpPr>
-          <p:grpSpPr>
-            <a:xfrm>
-              <a:off x="7273659" y="2496837"/>
-              <a:ext cx="2314575" cy="2819400"/>
-              <a:chOff x="7075009" y="2510046"/>
-              <a:chExt cx="2314575" cy="2819400"/>
-            </a:xfrm>
-          </p:grpSpPr>
-          <p:pic>
-            <p:nvPicPr>
-              <p:cNvPr id="124" name="Picture 123">
-                <a:extLst>
-                  <a:ext uri="{FF2B5EF4-FFF2-40B4-BE49-F238E27FC236}">
-                    <a16:creationId xmlns:a16="http://schemas.microsoft.com/office/drawing/2014/main" id="{3C96B9E5-14C8-A807-F452-2796CC2BC3AC}"/>
-                  </a:ext>
-                </a:extLst>
-              </p:cNvPr>
-              <p:cNvPicPr>
-                <a:picLocks noChangeAspect="1"/>
-              </p:cNvPicPr>
-              <p:nvPr/>
-            </p:nvPicPr>
-            <p:blipFill>
-              <a:blip r:embed="rId11"/>
-              <a:stretch>
-                <a:fillRect/>
-              </a:stretch>
-            </p:blipFill>
-            <p:spPr>
-              <a:xfrm>
-                <a:off x="7075009" y="2510046"/>
-                <a:ext cx="2314575" cy="2819400"/>
-              </a:xfrm>
-              <a:prstGeom prst="rect">
-                <a:avLst/>
-              </a:prstGeom>
-              <a:noFill/>
-              <a:ln w="3175">
-                <a:solidFill>
-                  <a:schemeClr val="tx1"/>
-                </a:solidFill>
-              </a:ln>
-              <a:effectLst>
-                <a:outerShdw blurRad="50800" dist="38100" dir="8100000" algn="tr" rotWithShape="0">
-                  <a:prstClr val="black">
-                    <a:alpha val="40000"/>
-                  </a:prstClr>
-                </a:outerShdw>
-              </a:effectLst>
-            </p:spPr>
-          </p:pic>
-          <p:sp>
-            <p:nvSpPr>
-              <p:cNvPr id="127" name="TextBox 126">
-                <a:extLst>
-                  <a:ext uri="{FF2B5EF4-FFF2-40B4-BE49-F238E27FC236}">
-                    <a16:creationId xmlns:a16="http://schemas.microsoft.com/office/drawing/2014/main" id="{58F2B392-A623-1567-3E7D-5C676D264512}"/>
-                  </a:ext>
-                </a:extLst>
-              </p:cNvPr>
-              <p:cNvSpPr txBox="1"/>
-              <p:nvPr/>
-            </p:nvSpPr>
-            <p:spPr>
-              <a:xfrm>
-                <a:off x="9104694" y="4999137"/>
-                <a:ext cx="212848" cy="276999"/>
-              </a:xfrm>
-              <a:prstGeom prst="rect">
-                <a:avLst/>
-              </a:prstGeom>
-              <a:noFill/>
-            </p:spPr>
-            <p:txBody>
-              <a:bodyPr wrap="square" lIns="0" tIns="0" rIns="0" bIns="0" anchor="ctr" anchorCtr="0">
-                <a:spAutoFit/>
-              </a:bodyPr>
-              <a:lstStyle>
-                <a:defPPr>
-                  <a:defRPr lang="LID4096"/>
-                </a:defPPr>
-                <a:lvl1pPr>
-                  <a:defRPr sz="1100" b="1"/>
-                </a:lvl1pPr>
-              </a:lstStyle>
-              <a:p>
-                <a:r>
-                  <a:rPr lang="en-US" sz="1800" dirty="0">
-                    <a:solidFill>
-                      <a:srgbClr val="FF0000"/>
-                    </a:solidFill>
-                  </a:rPr>
-                  <a:t>f</a:t>
-                </a:r>
-                <a:endParaRPr lang="LID4096" sz="1800" dirty="0">
-                  <a:solidFill>
-                    <a:srgbClr val="FF0000"/>
-                  </a:solidFill>
-                </a:endParaRPr>
-              </a:p>
-            </p:txBody>
-          </p:sp>
-        </p:grpSp>
-        <p:sp>
-          <p:nvSpPr>
-            <p:cNvPr id="133" name="Rectangle 132">
-              <a:extLst>
-                <a:ext uri="{FF2B5EF4-FFF2-40B4-BE49-F238E27FC236}">
-                  <a16:creationId xmlns:a16="http://schemas.microsoft.com/office/drawing/2014/main" id="{7D7B473C-E389-4029-A505-56FDB6460E50}"/>
-                </a:ext>
-              </a:extLst>
-            </p:cNvPr>
-            <p:cNvSpPr/>
-            <p:nvPr/>
-          </p:nvSpPr>
-          <p:spPr>
-            <a:xfrm>
-              <a:off x="7273658" y="2380735"/>
-              <a:ext cx="2313957" cy="116102"/>
-            </a:xfrm>
-            <a:prstGeom prst="rect">
-              <a:avLst/>
-            </a:prstGeom>
-            <a:solidFill>
-              <a:schemeClr val="accent4">
-                <a:lumMod val="20000"/>
-                <a:lumOff val="80000"/>
-              </a:schemeClr>
-            </a:solidFill>
-            <a:ln>
-              <a:noFill/>
-            </a:ln>
-          </p:spPr>
-          <p:style>
-            <a:lnRef idx="2">
-              <a:schemeClr val="accent1">
-                <a:shade val="15000"/>
-              </a:schemeClr>
-            </a:lnRef>
-            <a:fillRef idx="1">
-              <a:schemeClr val="accent1"/>
-            </a:fillRef>
-            <a:effectRef idx="0">
-              <a:schemeClr val="accent1"/>
-            </a:effectRef>
-            <a:fontRef idx="minor">
-              <a:schemeClr val="lt1"/>
-            </a:fontRef>
-          </p:style>
-          <p:txBody>
-            <a:bodyPr rtlCol="0" anchor="ctr"/>
-            <a:lstStyle/>
-            <a:p>
-              <a:pPr algn="ctr"/>
-              <a:endParaRPr lang="LID4096"/>
-            </a:p>
-          </p:txBody>
-        </p:sp>
-      </p:grpSp>
-      <p:grpSp>
-        <p:nvGrpSpPr>
-          <p:cNvPr id="141" name="Group 140">
-            <a:extLst>
-              <a:ext uri="{FF2B5EF4-FFF2-40B4-BE49-F238E27FC236}">
-                <a16:creationId xmlns:a16="http://schemas.microsoft.com/office/drawing/2014/main" id="{719CFF69-E2C3-947E-C9C3-97EB8C3DB356}"/>
-              </a:ext>
-            </a:extLst>
-          </p:cNvPr>
-          <p:cNvGrpSpPr>
-            <a:grpSpLocks noChangeAspect="1"/>
-          </p:cNvGrpSpPr>
-          <p:nvPr/>
-        </p:nvGrpSpPr>
-        <p:grpSpPr>
-          <a:xfrm>
-            <a:off x="6628402" y="5923743"/>
-            <a:ext cx="152934" cy="388692"/>
-            <a:chOff x="6941900" y="1176810"/>
-            <a:chExt cx="205483" cy="522251"/>
-          </a:xfrm>
-        </p:grpSpPr>
-        <p:sp>
-          <p:nvSpPr>
-            <p:cNvPr id="142" name="Arrow: Right 141">
-              <a:extLst>
-                <a:ext uri="{FF2B5EF4-FFF2-40B4-BE49-F238E27FC236}">
-                  <a16:creationId xmlns:a16="http://schemas.microsoft.com/office/drawing/2014/main" id="{AF16BB87-1603-4257-D739-8E2E1BD307C7}"/>
-                </a:ext>
-              </a:extLst>
-            </p:cNvPr>
-            <p:cNvSpPr>
-              <a:spLocks noChangeAspect="1"/>
-            </p:cNvSpPr>
-            <p:nvPr/>
-          </p:nvSpPr>
-          <p:spPr>
-            <a:xfrm flipH="1">
-              <a:off x="6941900" y="1176810"/>
-              <a:ext cx="202549" cy="233910"/>
-            </a:xfrm>
-            <a:prstGeom prst="rightArrow">
-              <a:avLst/>
-            </a:prstGeom>
-            <a:ln>
-              <a:noFill/>
-            </a:ln>
-          </p:spPr>
-          <p:style>
-            <a:lnRef idx="2">
-              <a:schemeClr val="accent1">
-                <a:shade val="15000"/>
-              </a:schemeClr>
-            </a:lnRef>
-            <a:fillRef idx="1">
-              <a:schemeClr val="accent1"/>
-            </a:fillRef>
-            <a:effectRef idx="0">
-              <a:schemeClr val="accent1"/>
-            </a:effectRef>
-            <a:fontRef idx="minor">
-              <a:schemeClr val="lt1"/>
-            </a:fontRef>
-          </p:style>
-          <p:txBody>
-            <a:bodyPr rtlCol="0" anchor="ctr"/>
-            <a:lstStyle/>
-            <a:p>
-              <a:pPr algn="ctr"/>
-              <a:endParaRPr lang="LID4096"/>
-            </a:p>
-          </p:txBody>
-        </p:sp>
-        <p:sp>
-          <p:nvSpPr>
-            <p:cNvPr id="143" name="Arrow: Right 142">
-              <a:extLst>
-                <a:ext uri="{FF2B5EF4-FFF2-40B4-BE49-F238E27FC236}">
-                  <a16:creationId xmlns:a16="http://schemas.microsoft.com/office/drawing/2014/main" id="{CDE78E00-1086-9F11-2258-F58B115586D4}"/>
-                </a:ext>
-              </a:extLst>
-            </p:cNvPr>
-            <p:cNvSpPr>
-              <a:spLocks noChangeAspect="1"/>
-            </p:cNvSpPr>
-            <p:nvPr/>
-          </p:nvSpPr>
-          <p:spPr>
-            <a:xfrm flipH="1">
-              <a:off x="6944834" y="1465153"/>
-              <a:ext cx="202549" cy="233908"/>
-            </a:xfrm>
-            <a:prstGeom prst="rightArrow">
-              <a:avLst/>
-            </a:prstGeom>
-            <a:ln>
-              <a:noFill/>
-            </a:ln>
-          </p:spPr>
-          <p:style>
-            <a:lnRef idx="2">
-              <a:schemeClr val="accent1">
-                <a:shade val="15000"/>
-              </a:schemeClr>
-            </a:lnRef>
-            <a:fillRef idx="1">
-              <a:schemeClr val="accent1"/>
-            </a:fillRef>
-            <a:effectRef idx="0">
-              <a:schemeClr val="accent1"/>
-            </a:effectRef>
-            <a:fontRef idx="minor">
-              <a:schemeClr val="lt1"/>
-            </a:fontRef>
-          </p:style>
-          <p:txBody>
-            <a:bodyPr rtlCol="0" anchor="ctr"/>
-            <a:lstStyle/>
-            <a:p>
-              <a:pPr algn="ctr"/>
-              <a:endParaRPr lang="LID4096"/>
-            </a:p>
-          </p:txBody>
-        </p:sp>
-      </p:grpSp>
-      <p:grpSp>
-        <p:nvGrpSpPr>
-          <p:cNvPr id="145" name="Group 144">
-            <a:extLst>
-              <a:ext uri="{FF2B5EF4-FFF2-40B4-BE49-F238E27FC236}">
-                <a16:creationId xmlns:a16="http://schemas.microsoft.com/office/drawing/2014/main" id="{B3028CB7-8100-08B1-9441-55650A464C30}"/>
-              </a:ext>
-            </a:extLst>
-          </p:cNvPr>
-          <p:cNvGrpSpPr/>
-          <p:nvPr/>
-        </p:nvGrpSpPr>
-        <p:grpSpPr>
-          <a:xfrm>
-            <a:off x="4474774" y="3681371"/>
-            <a:ext cx="152934" cy="582189"/>
-            <a:chOff x="6941901" y="1318550"/>
-            <a:chExt cx="152934" cy="582189"/>
-          </a:xfrm>
-        </p:grpSpPr>
-        <p:grpSp>
-          <p:nvGrpSpPr>
-            <p:cNvPr id="140" name="Group 139">
-              <a:extLst>
-                <a:ext uri="{FF2B5EF4-FFF2-40B4-BE49-F238E27FC236}">
-                  <a16:creationId xmlns:a16="http://schemas.microsoft.com/office/drawing/2014/main" id="{24DB2828-9394-539C-89EC-7BBAD64D7024}"/>
+                  <a16:creationId xmlns:a16="http://schemas.microsoft.com/office/drawing/2014/main" id="{719CFF69-E2C3-947E-C9C3-97EB8C3DB356}"/>
                 </a:ext>
               </a:extLst>
             </p:cNvPr>
@@ -10451,18 +8265,18 @@
           </p:nvGrpSpPr>
           <p:grpSpPr>
             <a:xfrm>
-              <a:off x="6941901" y="1318550"/>
-              <a:ext cx="152934" cy="388692"/>
-              <a:chOff x="6941900" y="1176810"/>
-              <a:chExt cx="205483" cy="522251"/>
+              <a:off x="6560809" y="5938357"/>
+              <a:ext cx="152945" cy="388693"/>
+              <a:chOff x="6851122" y="1196454"/>
+              <a:chExt cx="205499" cy="522255"/>
             </a:xfrm>
           </p:grpSpPr>
           <p:sp>
             <p:nvSpPr>
-              <p:cNvPr id="138" name="Arrow: Right 137">
+              <p:cNvPr id="142" name="Arrow: Right 141">
                 <a:extLst>
                   <a:ext uri="{FF2B5EF4-FFF2-40B4-BE49-F238E27FC236}">
-                    <a16:creationId xmlns:a16="http://schemas.microsoft.com/office/drawing/2014/main" id="{8B0A63EA-F59A-B6A9-AA67-2FA46122065A}"/>
+                    <a16:creationId xmlns:a16="http://schemas.microsoft.com/office/drawing/2014/main" id="{AF16BB87-1603-4257-D739-8E2E1BD307C7}"/>
                   </a:ext>
                 </a:extLst>
               </p:cNvPr>
@@ -10473,8 +8287,8 @@
             </p:nvSpPr>
             <p:spPr>
               <a:xfrm flipH="1">
-                <a:off x="6941900" y="1176810"/>
-                <a:ext cx="202549" cy="233910"/>
+                <a:off x="6851122" y="1196454"/>
+                <a:ext cx="202548" cy="233909"/>
               </a:xfrm>
               <a:prstGeom prst="rightArrow">
                 <a:avLst/>
@@ -10510,10 +8324,10 @@
           </p:sp>
           <p:sp>
             <p:nvSpPr>
-              <p:cNvPr id="139" name="Arrow: Right 138">
+              <p:cNvPr id="143" name="Arrow: Right 142">
                 <a:extLst>
                   <a:ext uri="{FF2B5EF4-FFF2-40B4-BE49-F238E27FC236}">
-                    <a16:creationId xmlns:a16="http://schemas.microsoft.com/office/drawing/2014/main" id="{9A5F8FA1-3AAE-371E-EDCE-DE3F157919AC}"/>
+                    <a16:creationId xmlns:a16="http://schemas.microsoft.com/office/drawing/2014/main" id="{CDE78E00-1086-9F11-2258-F58B115586D4}"/>
                   </a:ext>
                 </a:extLst>
               </p:cNvPr>
@@ -10524,8 +8338,8 @@
             </p:nvSpPr>
             <p:spPr>
               <a:xfrm flipH="1">
-                <a:off x="6944834" y="1465153"/>
-                <a:ext cx="202549" cy="233908"/>
+                <a:off x="6854073" y="1484800"/>
+                <a:ext cx="202548" cy="233909"/>
               </a:xfrm>
               <a:prstGeom prst="rightArrow">
                 <a:avLst/>
@@ -10560,31 +8374,914 @@
             </p:txBody>
           </p:sp>
         </p:grpSp>
-        <p:sp>
-          <p:nvSpPr>
-            <p:cNvPr id="144" name="Arrow: Right 143">
+      </p:grpSp>
+      <p:grpSp>
+        <p:nvGrpSpPr>
+          <p:cNvPr id="14" name="Group 13">
+            <a:extLst>
+              <a:ext uri="{FF2B5EF4-FFF2-40B4-BE49-F238E27FC236}">
+                <a16:creationId xmlns:a16="http://schemas.microsoft.com/office/drawing/2014/main" id="{9D6C7D11-D6BC-46E9-DD04-8CD6D3ED257D}"/>
+              </a:ext>
+            </a:extLst>
+          </p:cNvPr>
+          <p:cNvGrpSpPr/>
+          <p:nvPr/>
+        </p:nvGrpSpPr>
+        <p:grpSpPr>
+          <a:xfrm>
+            <a:off x="3360064" y="3429000"/>
+            <a:ext cx="1923640" cy="3316415"/>
+            <a:chOff x="3360064" y="3429000"/>
+            <a:chExt cx="1923640" cy="3316415"/>
+          </a:xfrm>
+        </p:grpSpPr>
+        <p:grpSp>
+          <p:nvGrpSpPr>
+            <p:cNvPr id="136" name="Group 135">
               <a:extLst>
                 <a:ext uri="{FF2B5EF4-FFF2-40B4-BE49-F238E27FC236}">
-                  <a16:creationId xmlns:a16="http://schemas.microsoft.com/office/drawing/2014/main" id="{53298920-71B9-28FC-0D12-ABB0B09FACD7}"/>
+                  <a16:creationId xmlns:a16="http://schemas.microsoft.com/office/drawing/2014/main" id="{ADB3EDE7-6DD8-0C73-6214-CD01D90FDF2D}"/>
                 </a:ext>
               </a:extLst>
             </p:cNvPr>
-            <p:cNvSpPr>
-              <a:spLocks noChangeAspect="1"/>
-            </p:cNvSpPr>
+            <p:cNvGrpSpPr/>
+            <p:nvPr/>
+          </p:nvGrpSpPr>
+          <p:grpSpPr>
+            <a:xfrm>
+              <a:off x="3360064" y="3429000"/>
+              <a:ext cx="1923640" cy="3316415"/>
+              <a:chOff x="5225547" y="1066179"/>
+              <a:chExt cx="1923640" cy="3316415"/>
+            </a:xfrm>
+          </p:grpSpPr>
+          <p:grpSp>
+            <p:nvGrpSpPr>
+              <p:cNvPr id="129" name="Group 128">
+                <a:extLst>
+                  <a:ext uri="{FF2B5EF4-FFF2-40B4-BE49-F238E27FC236}">
+                    <a16:creationId xmlns:a16="http://schemas.microsoft.com/office/drawing/2014/main" id="{864474F4-0F4A-0F7A-F93A-4172F3394CEF}"/>
+                  </a:ext>
+                </a:extLst>
+              </p:cNvPr>
+              <p:cNvGrpSpPr/>
+              <p:nvPr/>
+            </p:nvGrpSpPr>
+            <p:grpSpPr>
+              <a:xfrm>
+                <a:off x="5242023" y="1066179"/>
+                <a:ext cx="1885950" cy="3257550"/>
+                <a:chOff x="4961756" y="1085097"/>
+                <a:chExt cx="1885950" cy="3257550"/>
+              </a:xfrm>
+            </p:grpSpPr>
+            <p:pic>
+              <p:nvPicPr>
+                <p:cNvPr id="126" name="Picture 125">
+                  <a:extLst>
+                    <a:ext uri="{FF2B5EF4-FFF2-40B4-BE49-F238E27FC236}">
+                      <a16:creationId xmlns:a16="http://schemas.microsoft.com/office/drawing/2014/main" id="{4026EF31-6786-7A55-33FD-F51670FB827F}"/>
+                    </a:ext>
+                  </a:extLst>
+                </p:cNvPr>
+                <p:cNvPicPr>
+                  <a:picLocks noChangeAspect="1"/>
+                </p:cNvPicPr>
+                <p:nvPr/>
+              </p:nvPicPr>
+              <p:blipFill>
+                <a:blip r:embed="rId8"/>
+                <a:stretch>
+                  <a:fillRect/>
+                </a:stretch>
+              </p:blipFill>
+              <p:spPr>
+                <a:xfrm>
+                  <a:off x="4961756" y="1085097"/>
+                  <a:ext cx="1885950" cy="3257550"/>
+                </a:xfrm>
+                <a:prstGeom prst="rect">
+                  <a:avLst/>
+                </a:prstGeom>
+                <a:noFill/>
+                <a:ln w="3175">
+                  <a:solidFill>
+                    <a:schemeClr val="tx1"/>
+                  </a:solidFill>
+                </a:ln>
+                <a:effectLst>
+                  <a:outerShdw blurRad="50800" dist="38100" dir="8100000" algn="tr" rotWithShape="0">
+                    <a:prstClr val="black">
+                      <a:alpha val="40000"/>
+                    </a:prstClr>
+                  </a:outerShdw>
+                </a:effectLst>
+              </p:spPr>
+            </p:pic>
+            <p:sp>
+              <p:nvSpPr>
+                <p:cNvPr id="128" name="TextBox 127">
+                  <a:extLst>
+                    <a:ext uri="{FF2B5EF4-FFF2-40B4-BE49-F238E27FC236}">
+                      <a16:creationId xmlns:a16="http://schemas.microsoft.com/office/drawing/2014/main" id="{441E1B5B-ADEA-7DE5-AEEA-131E1765C58F}"/>
+                    </a:ext>
+                  </a:extLst>
+                </p:cNvPr>
+                <p:cNvSpPr txBox="1"/>
+                <p:nvPr/>
+              </p:nvSpPr>
+              <p:spPr>
+                <a:xfrm>
+                  <a:off x="6575933" y="3718567"/>
+                  <a:ext cx="212848" cy="276999"/>
+                </a:xfrm>
+                <a:prstGeom prst="rect">
+                  <a:avLst/>
+                </a:prstGeom>
+                <a:noFill/>
+              </p:spPr>
+              <p:txBody>
+                <a:bodyPr wrap="square" lIns="0" tIns="0" rIns="0" bIns="0" anchor="ctr" anchorCtr="0">
+                  <a:spAutoFit/>
+                </a:bodyPr>
+                <a:lstStyle>
+                  <a:defPPr>
+                    <a:defRPr lang="LID4096"/>
+                  </a:defPPr>
+                  <a:lvl1pPr>
+                    <a:defRPr sz="1100" b="1"/>
+                  </a:lvl1pPr>
+                </a:lstStyle>
+                <a:p>
+                  <a:r>
+                    <a:rPr lang="en-US" sz="1800" dirty="0">
+                      <a:solidFill>
+                        <a:srgbClr val="FF0000"/>
+                      </a:solidFill>
+                    </a:rPr>
+                    <a:t>g</a:t>
+                  </a:r>
+                  <a:endParaRPr lang="LID4096" sz="1800" dirty="0">
+                    <a:solidFill>
+                      <a:srgbClr val="FF0000"/>
+                    </a:solidFill>
+                  </a:endParaRPr>
+                </a:p>
+              </p:txBody>
+            </p:sp>
+          </p:grpSp>
+          <p:sp>
+            <p:nvSpPr>
+              <p:cNvPr id="132" name="Rectangle 131">
+                <a:extLst>
+                  <a:ext uri="{FF2B5EF4-FFF2-40B4-BE49-F238E27FC236}">
+                    <a16:creationId xmlns:a16="http://schemas.microsoft.com/office/drawing/2014/main" id="{D7714769-DA43-8EAD-157F-E903B22DB626}"/>
+                  </a:ext>
+                </a:extLst>
+              </p:cNvPr>
+              <p:cNvSpPr/>
+              <p:nvPr/>
+            </p:nvSpPr>
+            <p:spPr>
+              <a:xfrm>
+                <a:off x="5225547" y="4285688"/>
+                <a:ext cx="1923640" cy="96906"/>
+              </a:xfrm>
+              <a:prstGeom prst="rect">
+                <a:avLst/>
+              </a:prstGeom>
+              <a:solidFill>
+                <a:schemeClr val="accent4">
+                  <a:lumMod val="20000"/>
+                  <a:lumOff val="80000"/>
+                </a:schemeClr>
+              </a:solidFill>
+              <a:ln>
+                <a:noFill/>
+              </a:ln>
+            </p:spPr>
+            <p:style>
+              <a:lnRef idx="2">
+                <a:schemeClr val="accent1">
+                  <a:shade val="15000"/>
+                </a:schemeClr>
+              </a:lnRef>
+              <a:fillRef idx="1">
+                <a:schemeClr val="accent1"/>
+              </a:fillRef>
+              <a:effectRef idx="0">
+                <a:schemeClr val="accent1"/>
+              </a:effectRef>
+              <a:fontRef idx="minor">
+                <a:schemeClr val="lt1"/>
+              </a:fontRef>
+            </p:style>
+            <p:txBody>
+              <a:bodyPr rtlCol="0" anchor="ctr"/>
+              <a:lstStyle/>
+              <a:p>
+                <a:pPr algn="ctr"/>
+                <a:endParaRPr lang="LID4096"/>
+              </a:p>
+            </p:txBody>
+          </p:sp>
+        </p:grpSp>
+        <p:grpSp>
+          <p:nvGrpSpPr>
+            <p:cNvPr id="145" name="Group 144">
+              <a:extLst>
+                <a:ext uri="{FF2B5EF4-FFF2-40B4-BE49-F238E27FC236}">
+                  <a16:creationId xmlns:a16="http://schemas.microsoft.com/office/drawing/2014/main" id="{B3028CB7-8100-08B1-9441-55650A464C30}"/>
+                </a:ext>
+              </a:extLst>
+            </p:cNvPr>
+            <p:cNvGrpSpPr/>
+            <p:nvPr/>
+          </p:nvGrpSpPr>
+          <p:grpSpPr>
+            <a:xfrm>
+              <a:off x="5076418" y="3681371"/>
+              <a:ext cx="152934" cy="582189"/>
+              <a:chOff x="6941901" y="1318550"/>
+              <a:chExt cx="152934" cy="582189"/>
+            </a:xfrm>
+          </p:grpSpPr>
+          <p:grpSp>
+            <p:nvGrpSpPr>
+              <p:cNvPr id="140" name="Group 139">
+                <a:extLst>
+                  <a:ext uri="{FF2B5EF4-FFF2-40B4-BE49-F238E27FC236}">
+                    <a16:creationId xmlns:a16="http://schemas.microsoft.com/office/drawing/2014/main" id="{24DB2828-9394-539C-89EC-7BBAD64D7024}"/>
+                  </a:ext>
+                </a:extLst>
+              </p:cNvPr>
+              <p:cNvGrpSpPr>
+                <a:grpSpLocks noChangeAspect="1"/>
+              </p:cNvGrpSpPr>
+              <p:nvPr/>
+            </p:nvGrpSpPr>
+            <p:grpSpPr>
+              <a:xfrm>
+                <a:off x="6941901" y="1318550"/>
+                <a:ext cx="152934" cy="388692"/>
+                <a:chOff x="6941900" y="1176810"/>
+                <a:chExt cx="205483" cy="522251"/>
+              </a:xfrm>
+            </p:grpSpPr>
+            <p:sp>
+              <p:nvSpPr>
+                <p:cNvPr id="138" name="Arrow: Right 137">
+                  <a:extLst>
+                    <a:ext uri="{FF2B5EF4-FFF2-40B4-BE49-F238E27FC236}">
+                      <a16:creationId xmlns:a16="http://schemas.microsoft.com/office/drawing/2014/main" id="{8B0A63EA-F59A-B6A9-AA67-2FA46122065A}"/>
+                    </a:ext>
+                  </a:extLst>
+                </p:cNvPr>
+                <p:cNvSpPr>
+                  <a:spLocks noChangeAspect="1"/>
+                </p:cNvSpPr>
+                <p:nvPr/>
+              </p:nvSpPr>
+              <p:spPr>
+                <a:xfrm flipH="1">
+                  <a:off x="6941900" y="1176810"/>
+                  <a:ext cx="202549" cy="233910"/>
+                </a:xfrm>
+                <a:prstGeom prst="rightArrow">
+                  <a:avLst/>
+                </a:prstGeom>
+                <a:ln>
+                  <a:noFill/>
+                </a:ln>
+              </p:spPr>
+              <p:style>
+                <a:lnRef idx="2">
+                  <a:schemeClr val="accent1">
+                    <a:shade val="15000"/>
+                  </a:schemeClr>
+                </a:lnRef>
+                <a:fillRef idx="1">
+                  <a:schemeClr val="accent1"/>
+                </a:fillRef>
+                <a:effectRef idx="0">
+                  <a:schemeClr val="accent1"/>
+                </a:effectRef>
+                <a:fontRef idx="minor">
+                  <a:schemeClr val="lt1"/>
+                </a:fontRef>
+              </p:style>
+              <p:txBody>
+                <a:bodyPr rtlCol="0" anchor="ctr"/>
+                <a:lstStyle/>
+                <a:p>
+                  <a:pPr algn="ctr"/>
+                  <a:endParaRPr lang="LID4096"/>
+                </a:p>
+              </p:txBody>
+            </p:sp>
+            <p:sp>
+              <p:nvSpPr>
+                <p:cNvPr id="139" name="Arrow: Right 138">
+                  <a:extLst>
+                    <a:ext uri="{FF2B5EF4-FFF2-40B4-BE49-F238E27FC236}">
+                      <a16:creationId xmlns:a16="http://schemas.microsoft.com/office/drawing/2014/main" id="{9A5F8FA1-3AAE-371E-EDCE-DE3F157919AC}"/>
+                    </a:ext>
+                  </a:extLst>
+                </p:cNvPr>
+                <p:cNvSpPr>
+                  <a:spLocks noChangeAspect="1"/>
+                </p:cNvSpPr>
+                <p:nvPr/>
+              </p:nvSpPr>
+              <p:spPr>
+                <a:xfrm flipH="1">
+                  <a:off x="6944834" y="1465153"/>
+                  <a:ext cx="202549" cy="233908"/>
+                </a:xfrm>
+                <a:prstGeom prst="rightArrow">
+                  <a:avLst/>
+                </a:prstGeom>
+                <a:ln>
+                  <a:noFill/>
+                </a:ln>
+              </p:spPr>
+              <p:style>
+                <a:lnRef idx="2">
+                  <a:schemeClr val="accent1">
+                    <a:shade val="15000"/>
+                  </a:schemeClr>
+                </a:lnRef>
+                <a:fillRef idx="1">
+                  <a:schemeClr val="accent1"/>
+                </a:fillRef>
+                <a:effectRef idx="0">
+                  <a:schemeClr val="accent1"/>
+                </a:effectRef>
+                <a:fontRef idx="minor">
+                  <a:schemeClr val="lt1"/>
+                </a:fontRef>
+              </p:style>
+              <p:txBody>
+                <a:bodyPr rtlCol="0" anchor="ctr"/>
+                <a:lstStyle/>
+                <a:p>
+                  <a:pPr algn="ctr"/>
+                  <a:endParaRPr lang="LID4096"/>
+                </a:p>
+              </p:txBody>
+            </p:sp>
+          </p:grpSp>
+          <p:sp>
+            <p:nvSpPr>
+              <p:cNvPr id="144" name="Arrow: Right 143">
+                <a:extLst>
+                  <a:ext uri="{FF2B5EF4-FFF2-40B4-BE49-F238E27FC236}">
+                    <a16:creationId xmlns:a16="http://schemas.microsoft.com/office/drawing/2014/main" id="{53298920-71B9-28FC-0D12-ABB0B09FACD7}"/>
+                  </a:ext>
+                </a:extLst>
+              </p:cNvPr>
+              <p:cNvSpPr>
+                <a:spLocks noChangeAspect="1"/>
+              </p:cNvSpPr>
+              <p:nvPr/>
+            </p:nvSpPr>
+            <p:spPr>
+              <a:xfrm flipH="1">
+                <a:off x="6941901" y="1726650"/>
+                <a:ext cx="150750" cy="174089"/>
+              </a:xfrm>
+              <a:prstGeom prst="rightArrow">
+                <a:avLst/>
+              </a:prstGeom>
+              <a:ln>
+                <a:noFill/>
+              </a:ln>
+            </p:spPr>
+            <p:style>
+              <a:lnRef idx="2">
+                <a:schemeClr val="accent1">
+                  <a:shade val="15000"/>
+                </a:schemeClr>
+              </a:lnRef>
+              <a:fillRef idx="1">
+                <a:schemeClr val="accent1"/>
+              </a:fillRef>
+              <a:effectRef idx="0">
+                <a:schemeClr val="accent1"/>
+              </a:effectRef>
+              <a:fontRef idx="minor">
+                <a:schemeClr val="lt1"/>
+              </a:fontRef>
+            </p:style>
+            <p:txBody>
+              <a:bodyPr rtlCol="0" anchor="ctr"/>
+              <a:lstStyle/>
+              <a:p>
+                <a:pPr algn="ctr"/>
+                <a:endParaRPr lang="LID4096"/>
+              </a:p>
+            </p:txBody>
+          </p:sp>
+        </p:grpSp>
+      </p:grpSp>
+      <p:grpSp>
+        <p:nvGrpSpPr>
+          <p:cNvPr id="32" name="Group 31">
+            <a:extLst>
+              <a:ext uri="{FF2B5EF4-FFF2-40B4-BE49-F238E27FC236}">
+                <a16:creationId xmlns:a16="http://schemas.microsoft.com/office/drawing/2014/main" id="{32A88E49-B488-FFFA-A4FE-66BAED366FF9}"/>
+              </a:ext>
+            </a:extLst>
+          </p:cNvPr>
+          <p:cNvGrpSpPr/>
+          <p:nvPr/>
+        </p:nvGrpSpPr>
+        <p:grpSpPr>
+          <a:xfrm>
+            <a:off x="197256" y="2071638"/>
+            <a:ext cx="3496287" cy="3008358"/>
+            <a:chOff x="125598" y="1215172"/>
+            <a:chExt cx="3496287" cy="3008358"/>
+          </a:xfrm>
+        </p:grpSpPr>
+        <p:grpSp>
+          <p:nvGrpSpPr>
+            <p:cNvPr id="134" name="Group 133">
+              <a:extLst>
+                <a:ext uri="{FF2B5EF4-FFF2-40B4-BE49-F238E27FC236}">
+                  <a16:creationId xmlns:a16="http://schemas.microsoft.com/office/drawing/2014/main" id="{7459E8E5-B4A5-5AA5-4D97-2F5EFDFC8D20}"/>
+                </a:ext>
+              </a:extLst>
+            </p:cNvPr>
+            <p:cNvGrpSpPr/>
+            <p:nvPr/>
+          </p:nvGrpSpPr>
+          <p:grpSpPr>
+            <a:xfrm>
+              <a:off x="125598" y="1215172"/>
+              <a:ext cx="3496287" cy="806330"/>
+              <a:chOff x="5395878" y="183643"/>
+              <a:chExt cx="3496287" cy="806330"/>
+            </a:xfrm>
+          </p:grpSpPr>
+          <p:pic>
+            <p:nvPicPr>
+              <p:cNvPr id="30" name="Picture 29">
+                <a:extLst>
+                  <a:ext uri="{FF2B5EF4-FFF2-40B4-BE49-F238E27FC236}">
+                    <a16:creationId xmlns:a16="http://schemas.microsoft.com/office/drawing/2014/main" id="{CA383C92-4F8D-C21F-6189-C9867C123B50}"/>
+                  </a:ext>
+                </a:extLst>
+              </p:cNvPr>
+              <p:cNvPicPr>
+                <a:picLocks noChangeAspect="1"/>
+              </p:cNvPicPr>
+              <p:nvPr/>
+            </p:nvPicPr>
+            <p:blipFill>
+              <a:blip r:embed="rId9"/>
+              <a:stretch>
+                <a:fillRect/>
+              </a:stretch>
+            </p:blipFill>
+            <p:spPr>
+              <a:xfrm>
+                <a:off x="5395878" y="183643"/>
+                <a:ext cx="2647950" cy="209550"/>
+              </a:xfrm>
+              <a:prstGeom prst="rect">
+                <a:avLst/>
+              </a:prstGeom>
+            </p:spPr>
+          </p:pic>
+          <p:pic>
+            <p:nvPicPr>
+              <p:cNvPr id="34" name="Picture 33">
+                <a:extLst>
+                  <a:ext uri="{FF2B5EF4-FFF2-40B4-BE49-F238E27FC236}">
+                    <a16:creationId xmlns:a16="http://schemas.microsoft.com/office/drawing/2014/main" id="{EC367468-DE37-7A1C-FC82-A78B059418C4}"/>
+                  </a:ext>
+                </a:extLst>
+              </p:cNvPr>
+              <p:cNvPicPr>
+                <a:picLocks noChangeAspect="1"/>
+              </p:cNvPicPr>
+              <p:nvPr/>
+            </p:nvPicPr>
+            <p:blipFill>
+              <a:blip r:embed="rId10"/>
+              <a:stretch>
+                <a:fillRect/>
+              </a:stretch>
+            </p:blipFill>
+            <p:spPr>
+              <a:xfrm>
+                <a:off x="5539365" y="392442"/>
+                <a:ext cx="3352800" cy="219075"/>
+              </a:xfrm>
+              <a:prstGeom prst="rect">
+                <a:avLst/>
+              </a:prstGeom>
+            </p:spPr>
+          </p:pic>
+          <p:pic>
+            <p:nvPicPr>
+              <p:cNvPr id="39" name="Picture 38">
+                <a:extLst>
+                  <a:ext uri="{FF2B5EF4-FFF2-40B4-BE49-F238E27FC236}">
+                    <a16:creationId xmlns:a16="http://schemas.microsoft.com/office/drawing/2014/main" id="{C05A62A7-F689-55E9-B009-C8BBCD2EF77F}"/>
+                  </a:ext>
+                </a:extLst>
+              </p:cNvPr>
+              <p:cNvPicPr>
+                <a:picLocks noChangeAspect="1"/>
+              </p:cNvPicPr>
+              <p:nvPr/>
+            </p:nvPicPr>
+            <p:blipFill>
+              <a:blip r:embed="rId11"/>
+              <a:stretch>
+                <a:fillRect/>
+              </a:stretch>
+            </p:blipFill>
+            <p:spPr>
+              <a:xfrm>
+                <a:off x="5625047" y="561348"/>
+                <a:ext cx="1828800" cy="428625"/>
+              </a:xfrm>
+              <a:prstGeom prst="rect">
+                <a:avLst/>
+              </a:prstGeom>
+            </p:spPr>
+          </p:pic>
+          <p:sp>
+            <p:nvSpPr>
+              <p:cNvPr id="44" name="TextBox 43">
+                <a:extLst>
+                  <a:ext uri="{FF2B5EF4-FFF2-40B4-BE49-F238E27FC236}">
+                    <a16:creationId xmlns:a16="http://schemas.microsoft.com/office/drawing/2014/main" id="{3AEC3FF2-F6FD-DB99-DCFA-28647C40D707}"/>
+                  </a:ext>
+                </a:extLst>
+              </p:cNvPr>
+              <p:cNvSpPr txBox="1"/>
+              <p:nvPr/>
+            </p:nvSpPr>
+            <p:spPr>
+              <a:xfrm>
+                <a:off x="8480719" y="185605"/>
+                <a:ext cx="369061" cy="216126"/>
+              </a:xfrm>
+              <a:prstGeom prst="rect">
+                <a:avLst/>
+              </a:prstGeom>
+              <a:solidFill>
+                <a:srgbClr val="93E3FF"/>
+              </a:solidFill>
+            </p:spPr>
+            <p:txBody>
+              <a:bodyPr wrap="none" lIns="0" tIns="0" rIns="0" bIns="0" rtlCol="0" anchor="ctr" anchorCtr="0">
+                <a:noAutofit/>
+              </a:bodyPr>
+              <a:lstStyle>
+                <a:defPPr>
+                  <a:defRPr lang="LID4096"/>
+                </a:defPPr>
+                <a:lvl1pPr algn="ctr">
+                  <a:defRPr sz="1100" b="1">
+                    <a:latin typeface="Calibri bold" panose="020F0702030404030204" pitchFamily="34" charset="0"/>
+                    <a:cs typeface="Calibri bold" panose="020F0702030404030204" pitchFamily="34" charset="0"/>
+                  </a:defRPr>
+                </a:lvl1pPr>
+              </a:lstStyle>
+              <a:p>
+                <a:r>
+                  <a:rPr lang="pt-BR" dirty="0"/>
+                  <a:t>S1 </a:t>
+                </a:r>
+                <a:endParaRPr lang="LID4096" dirty="0"/>
+              </a:p>
+            </p:txBody>
+          </p:sp>
+          <p:sp>
+            <p:nvSpPr>
+              <p:cNvPr id="78" name="TextBox 77">
+                <a:extLst>
+                  <a:ext uri="{FF2B5EF4-FFF2-40B4-BE49-F238E27FC236}">
+                    <a16:creationId xmlns:a16="http://schemas.microsoft.com/office/drawing/2014/main" id="{DB1A1129-9174-6A90-3B2B-A65C0EC77712}"/>
+                  </a:ext>
+                </a:extLst>
+              </p:cNvPr>
+              <p:cNvSpPr txBox="1">
+                <a:spLocks noChangeAspect="1"/>
+              </p:cNvSpPr>
+              <p:nvPr/>
+            </p:nvSpPr>
+            <p:spPr>
+              <a:xfrm>
+                <a:off x="8077743" y="188506"/>
+                <a:ext cx="369061" cy="136632"/>
+              </a:xfrm>
+              <a:prstGeom prst="rect">
+                <a:avLst/>
+              </a:prstGeom>
+              <a:solidFill>
+                <a:schemeClr val="bg1">
+                  <a:lumMod val="85000"/>
+                </a:schemeClr>
+              </a:solidFill>
+            </p:spPr>
+            <p:txBody>
+              <a:bodyPr wrap="none" lIns="0" tIns="0" rIns="0" bIns="0" anchor="ctr" anchorCtr="0">
+                <a:noAutofit/>
+              </a:bodyPr>
+              <a:lstStyle/>
+              <a:p>
+                <a:pPr algn="ctr"/>
+                <a:r>
+                  <a:rPr lang="pt-BR" sz="1200" b="1" dirty="0"/>
+                  <a:t>2_01</a:t>
+                </a:r>
+                <a:endParaRPr lang="LID4096" sz="1200" b="1" dirty="0"/>
+              </a:p>
+            </p:txBody>
+          </p:sp>
+        </p:grpSp>
+        <p:grpSp>
+          <p:nvGrpSpPr>
+            <p:cNvPr id="146" name="Group 145">
+              <a:extLst>
+                <a:ext uri="{FF2B5EF4-FFF2-40B4-BE49-F238E27FC236}">
+                  <a16:creationId xmlns:a16="http://schemas.microsoft.com/office/drawing/2014/main" id="{3875B81B-946D-4CC8-4B0D-C64E4C2BB106}"/>
+                </a:ext>
+              </a:extLst>
+            </p:cNvPr>
+            <p:cNvGrpSpPr/>
+            <p:nvPr/>
+          </p:nvGrpSpPr>
+          <p:grpSpPr>
+            <a:xfrm>
+              <a:off x="325082" y="2053081"/>
+              <a:ext cx="2416009" cy="478972"/>
+              <a:chOff x="3675026" y="2311520"/>
+              <a:chExt cx="2416009" cy="478972"/>
+            </a:xfrm>
+          </p:grpSpPr>
+          <p:pic>
+            <p:nvPicPr>
+              <p:cNvPr id="149" name="Picture 148">
+                <a:extLst>
+                  <a:ext uri="{FF2B5EF4-FFF2-40B4-BE49-F238E27FC236}">
+                    <a16:creationId xmlns:a16="http://schemas.microsoft.com/office/drawing/2014/main" id="{08C6472A-EE90-E524-097E-C174FB2256EB}"/>
+                  </a:ext>
+                </a:extLst>
+              </p:cNvPr>
+              <p:cNvPicPr>
+                <a:picLocks noChangeAspect="1"/>
+              </p:cNvPicPr>
+              <p:nvPr/>
+            </p:nvPicPr>
+            <p:blipFill>
+              <a:blip r:embed="rId12"/>
+              <a:stretch>
+                <a:fillRect/>
+              </a:stretch>
+            </p:blipFill>
+            <p:spPr>
+              <a:xfrm>
+                <a:off x="3675026" y="2311520"/>
+                <a:ext cx="2400300" cy="219075"/>
+              </a:xfrm>
+              <a:prstGeom prst="rect">
+                <a:avLst/>
+              </a:prstGeom>
+            </p:spPr>
+          </p:pic>
+          <p:sp>
+            <p:nvSpPr>
+              <p:cNvPr id="151" name="TextBox 150">
+                <a:extLst>
+                  <a:ext uri="{FF2B5EF4-FFF2-40B4-BE49-F238E27FC236}">
+                    <a16:creationId xmlns:a16="http://schemas.microsoft.com/office/drawing/2014/main" id="{6C24F72B-EBE5-7246-3067-E9D89DB5F363}"/>
+                  </a:ext>
+                </a:extLst>
+              </p:cNvPr>
+              <p:cNvSpPr txBox="1"/>
+              <p:nvPr/>
+            </p:nvSpPr>
+            <p:spPr>
+              <a:xfrm>
+                <a:off x="5035814" y="2589460"/>
+                <a:ext cx="1055221" cy="201032"/>
+              </a:xfrm>
+              <a:prstGeom prst="rect">
+                <a:avLst/>
+              </a:prstGeom>
+              <a:solidFill>
+                <a:schemeClr val="accent4">
+                  <a:lumMod val="40000"/>
+                  <a:lumOff val="60000"/>
+                </a:schemeClr>
+              </a:solidFill>
+            </p:spPr>
+            <p:txBody>
+              <a:bodyPr wrap="square" lIns="0" tIns="0" rIns="0" bIns="0" anchor="ctr" anchorCtr="0">
+                <a:noAutofit/>
+              </a:bodyPr>
+              <a:lstStyle/>
+              <a:p>
+                <a:pPr algn="ctr"/>
+                <a:r>
+                  <a:rPr lang="en-US" sz="1000" dirty="0"/>
+                  <a:t>simplified</a:t>
+                </a:r>
+              </a:p>
+            </p:txBody>
+          </p:sp>
+        </p:grpSp>
+        <p:grpSp>
+          <p:nvGrpSpPr>
+            <p:cNvPr id="167" name="Group 166">
+              <a:extLst>
+                <a:ext uri="{FF2B5EF4-FFF2-40B4-BE49-F238E27FC236}">
+                  <a16:creationId xmlns:a16="http://schemas.microsoft.com/office/drawing/2014/main" id="{D09149F4-5954-F771-2422-C24B864533D5}"/>
+                </a:ext>
+              </a:extLst>
+            </p:cNvPr>
+            <p:cNvGrpSpPr/>
+            <p:nvPr/>
+          </p:nvGrpSpPr>
+          <p:grpSpPr>
+            <a:xfrm>
+              <a:off x="354767" y="2346096"/>
+              <a:ext cx="1662710" cy="1877434"/>
+              <a:chOff x="558293" y="4533575"/>
+              <a:chExt cx="1662710" cy="1877434"/>
+            </a:xfrm>
+          </p:grpSpPr>
+          <p:pic>
+            <p:nvPicPr>
+              <p:cNvPr id="161" name="Picture 160">
+                <a:extLst>
+                  <a:ext uri="{FF2B5EF4-FFF2-40B4-BE49-F238E27FC236}">
+                    <a16:creationId xmlns:a16="http://schemas.microsoft.com/office/drawing/2014/main" id="{5DA5A112-DB35-B8A7-0CEB-1E74E7EBE584}"/>
+                  </a:ext>
+                </a:extLst>
+              </p:cNvPr>
+              <p:cNvPicPr>
+                <a:picLocks noChangeAspect="1"/>
+              </p:cNvPicPr>
+              <p:nvPr/>
+            </p:nvPicPr>
+            <p:blipFill>
+              <a:blip r:embed="rId13"/>
+              <a:stretch>
+                <a:fillRect/>
+              </a:stretch>
+            </p:blipFill>
+            <p:spPr>
+              <a:xfrm>
+                <a:off x="677953" y="4743895"/>
+                <a:ext cx="1543050" cy="1400175"/>
+              </a:xfrm>
+              <a:prstGeom prst="rect">
+                <a:avLst/>
+              </a:prstGeom>
+            </p:spPr>
+          </p:pic>
+          <p:pic>
+            <p:nvPicPr>
+              <p:cNvPr id="162" name="Picture 161">
+                <a:extLst>
+                  <a:ext uri="{FF2B5EF4-FFF2-40B4-BE49-F238E27FC236}">
+                    <a16:creationId xmlns:a16="http://schemas.microsoft.com/office/drawing/2014/main" id="{085EEBB1-E455-4507-AD16-833B2518594A}"/>
+                  </a:ext>
+                </a:extLst>
+              </p:cNvPr>
+              <p:cNvPicPr>
+                <a:picLocks noChangeAspect="1"/>
+              </p:cNvPicPr>
+              <p:nvPr/>
+            </p:nvPicPr>
+            <p:blipFill>
+              <a:blip r:embed="rId14"/>
+              <a:srcRect b="11002"/>
+              <a:stretch/>
+            </p:blipFill>
+            <p:spPr>
+              <a:xfrm>
+                <a:off x="558293" y="4533575"/>
+                <a:ext cx="809625" cy="194970"/>
+              </a:xfrm>
+              <a:prstGeom prst="rect">
+                <a:avLst/>
+              </a:prstGeom>
+            </p:spPr>
+          </p:pic>
+          <p:pic>
+            <p:nvPicPr>
+              <p:cNvPr id="164" name="Picture 163">
+                <a:extLst>
+                  <a:ext uri="{FF2B5EF4-FFF2-40B4-BE49-F238E27FC236}">
+                    <a16:creationId xmlns:a16="http://schemas.microsoft.com/office/drawing/2014/main" id="{4C65D9C4-E690-FDA5-4B57-281A166CD716}"/>
+                  </a:ext>
+                </a:extLst>
+              </p:cNvPr>
+              <p:cNvPicPr>
+                <a:picLocks noChangeAspect="1"/>
+              </p:cNvPicPr>
+              <p:nvPr/>
+            </p:nvPicPr>
+            <p:blipFill>
+              <a:blip r:embed="rId15"/>
+              <a:stretch>
+                <a:fillRect/>
+              </a:stretch>
+            </p:blipFill>
+            <p:spPr>
+              <a:xfrm>
+                <a:off x="581575" y="6178254"/>
+                <a:ext cx="800100" cy="219075"/>
+              </a:xfrm>
+              <a:prstGeom prst="rect">
+                <a:avLst/>
+              </a:prstGeom>
+            </p:spPr>
+          </p:pic>
+          <p:pic>
+            <p:nvPicPr>
+              <p:cNvPr id="166" name="Picture 165">
+                <a:extLst>
+                  <a:ext uri="{FF2B5EF4-FFF2-40B4-BE49-F238E27FC236}">
+                    <a16:creationId xmlns:a16="http://schemas.microsoft.com/office/drawing/2014/main" id="{7A51D51E-E97D-0666-91EE-72B5314A92FC}"/>
+                  </a:ext>
+                </a:extLst>
+              </p:cNvPr>
+              <p:cNvPicPr>
+                <a:picLocks noChangeAspect="1"/>
+              </p:cNvPicPr>
+              <p:nvPr/>
+            </p:nvPicPr>
+            <p:blipFill>
+              <a:blip r:embed="rId16"/>
+              <a:stretch>
+                <a:fillRect/>
+              </a:stretch>
+            </p:blipFill>
+            <p:spPr>
+              <a:xfrm>
+                <a:off x="1314723" y="5944284"/>
+                <a:ext cx="838200" cy="466725"/>
+              </a:xfrm>
+              <a:prstGeom prst="rect">
+                <a:avLst/>
+              </a:prstGeom>
+            </p:spPr>
+          </p:pic>
+        </p:grpSp>
+      </p:grpSp>
+      <p:grpSp>
+        <p:nvGrpSpPr>
+          <p:cNvPr id="12" name="Group 11">
+            <a:extLst>
+              <a:ext uri="{FF2B5EF4-FFF2-40B4-BE49-F238E27FC236}">
+                <a16:creationId xmlns:a16="http://schemas.microsoft.com/office/drawing/2014/main" id="{9D0AB96B-CF3A-26EB-360C-F5E94688CE4C}"/>
+              </a:ext>
+            </a:extLst>
+          </p:cNvPr>
+          <p:cNvGrpSpPr/>
+          <p:nvPr/>
+        </p:nvGrpSpPr>
+        <p:grpSpPr>
+          <a:xfrm>
+            <a:off x="8113173" y="4015257"/>
+            <a:ext cx="1746514" cy="1359893"/>
+            <a:chOff x="7282566" y="3906515"/>
+            <a:chExt cx="1746514" cy="1359893"/>
+          </a:xfrm>
+        </p:grpSpPr>
+        <p:sp>
+          <p:nvSpPr>
+            <p:cNvPr id="2" name="Rectangle 1">
+              <a:extLst>
+                <a:ext uri="{FF2B5EF4-FFF2-40B4-BE49-F238E27FC236}">
+                  <a16:creationId xmlns:a16="http://schemas.microsoft.com/office/drawing/2014/main" id="{4246E244-3863-B15A-76F0-CC2883200D00}"/>
+                </a:ext>
+              </a:extLst>
+            </p:cNvPr>
+            <p:cNvSpPr/>
             <p:nvPr/>
           </p:nvSpPr>
           <p:spPr>
-            <a:xfrm flipH="1">
-              <a:off x="6941901" y="1726650"/>
-              <a:ext cx="150750" cy="174089"/>
+            <a:xfrm>
+              <a:off x="7282566" y="3906515"/>
+              <a:ext cx="1673427" cy="1359893"/>
             </a:xfrm>
-            <a:prstGeom prst="rightArrow">
+            <a:prstGeom prst="rect">
               <a:avLst/>
             </a:prstGeom>
-            <a:ln>
-              <a:noFill/>
-            </a:ln>
+            <a:solidFill>
+              <a:schemeClr val="bg1"/>
+            </a:solidFill>
           </p:spPr>
           <p:style>
             <a:lnRef idx="2">
@@ -10611,265 +9308,12 @@
             </a:p>
           </p:txBody>
         </p:sp>
-      </p:grpSp>
-      <p:grpSp>
-        <p:nvGrpSpPr>
-          <p:cNvPr id="146" name="Group 145">
-            <a:extLst>
-              <a:ext uri="{FF2B5EF4-FFF2-40B4-BE49-F238E27FC236}">
-                <a16:creationId xmlns:a16="http://schemas.microsoft.com/office/drawing/2014/main" id="{3875B81B-946D-4CC8-4B0D-C64E4C2BB106}"/>
-              </a:ext>
-            </a:extLst>
-          </p:cNvPr>
-          <p:cNvGrpSpPr/>
-          <p:nvPr/>
-        </p:nvGrpSpPr>
-        <p:grpSpPr>
-          <a:xfrm>
-            <a:off x="325082" y="2053081"/>
-            <a:ext cx="2416009" cy="478972"/>
-            <a:chOff x="3675026" y="2311520"/>
-            <a:chExt cx="2416009" cy="478972"/>
-          </a:xfrm>
-        </p:grpSpPr>
-        <p:pic>
-          <p:nvPicPr>
-            <p:cNvPr id="149" name="Picture 148">
+        <p:grpSp>
+          <p:nvGrpSpPr>
+            <p:cNvPr id="3" name="Group 2">
               <a:extLst>
                 <a:ext uri="{FF2B5EF4-FFF2-40B4-BE49-F238E27FC236}">
-                  <a16:creationId xmlns:a16="http://schemas.microsoft.com/office/drawing/2014/main" id="{08C6472A-EE90-E524-097E-C174FB2256EB}"/>
-                </a:ext>
-              </a:extLst>
-            </p:cNvPr>
-            <p:cNvPicPr>
-              <a:picLocks noChangeAspect="1"/>
-            </p:cNvPicPr>
-            <p:nvPr/>
-          </p:nvPicPr>
-          <p:blipFill>
-            <a:blip r:embed="rId12"/>
-            <a:stretch>
-              <a:fillRect/>
-            </a:stretch>
-          </p:blipFill>
-          <p:spPr>
-            <a:xfrm>
-              <a:off x="3675026" y="2311520"/>
-              <a:ext cx="2400300" cy="219075"/>
-            </a:xfrm>
-            <a:prstGeom prst="rect">
-              <a:avLst/>
-            </a:prstGeom>
-          </p:spPr>
-        </p:pic>
-        <p:sp>
-          <p:nvSpPr>
-            <p:cNvPr id="151" name="TextBox 150">
-              <a:extLst>
-                <a:ext uri="{FF2B5EF4-FFF2-40B4-BE49-F238E27FC236}">
-                  <a16:creationId xmlns:a16="http://schemas.microsoft.com/office/drawing/2014/main" id="{6C24F72B-EBE5-7246-3067-E9D89DB5F363}"/>
-                </a:ext>
-              </a:extLst>
-            </p:cNvPr>
-            <p:cNvSpPr txBox="1"/>
-            <p:nvPr/>
-          </p:nvSpPr>
-          <p:spPr>
-            <a:xfrm>
-              <a:off x="5035814" y="2589460"/>
-              <a:ext cx="1055221" cy="201032"/>
-            </a:xfrm>
-            <a:prstGeom prst="rect">
-              <a:avLst/>
-            </a:prstGeom>
-            <a:solidFill>
-              <a:schemeClr val="accent4">
-                <a:lumMod val="40000"/>
-                <a:lumOff val="60000"/>
-              </a:schemeClr>
-            </a:solidFill>
-          </p:spPr>
-          <p:txBody>
-            <a:bodyPr wrap="square" lIns="0" tIns="0" rIns="0" bIns="0" anchor="ctr" anchorCtr="0">
-              <a:noAutofit/>
-            </a:bodyPr>
-            <a:lstStyle/>
-            <a:p>
-              <a:pPr algn="ctr"/>
-              <a:r>
-                <a:rPr lang="en-US" sz="1000" dirty="0"/>
-                <a:t>simplified</a:t>
-              </a:r>
-            </a:p>
-          </p:txBody>
-        </p:sp>
-      </p:grpSp>
-      <p:grpSp>
-        <p:nvGrpSpPr>
-          <p:cNvPr id="167" name="Group 166">
-            <a:extLst>
-              <a:ext uri="{FF2B5EF4-FFF2-40B4-BE49-F238E27FC236}">
-                <a16:creationId xmlns:a16="http://schemas.microsoft.com/office/drawing/2014/main" id="{D09149F4-5954-F771-2422-C24B864533D5}"/>
-              </a:ext>
-            </a:extLst>
-          </p:cNvPr>
-          <p:cNvGrpSpPr/>
-          <p:nvPr/>
-        </p:nvGrpSpPr>
-        <p:grpSpPr>
-          <a:xfrm>
-            <a:off x="354767" y="2346096"/>
-            <a:ext cx="1662710" cy="1877434"/>
-            <a:chOff x="558293" y="4533575"/>
-            <a:chExt cx="1662710" cy="1877434"/>
-          </a:xfrm>
-        </p:grpSpPr>
-        <p:pic>
-          <p:nvPicPr>
-            <p:cNvPr id="161" name="Picture 160">
-              <a:extLst>
-                <a:ext uri="{FF2B5EF4-FFF2-40B4-BE49-F238E27FC236}">
-                  <a16:creationId xmlns:a16="http://schemas.microsoft.com/office/drawing/2014/main" id="{5DA5A112-DB35-B8A7-0CEB-1E74E7EBE584}"/>
-                </a:ext>
-              </a:extLst>
-            </p:cNvPr>
-            <p:cNvPicPr>
-              <a:picLocks noChangeAspect="1"/>
-            </p:cNvPicPr>
-            <p:nvPr/>
-          </p:nvPicPr>
-          <p:blipFill>
-            <a:blip r:embed="rId13"/>
-            <a:stretch>
-              <a:fillRect/>
-            </a:stretch>
-          </p:blipFill>
-          <p:spPr>
-            <a:xfrm>
-              <a:off x="677953" y="4743895"/>
-              <a:ext cx="1543050" cy="1400175"/>
-            </a:xfrm>
-            <a:prstGeom prst="rect">
-              <a:avLst/>
-            </a:prstGeom>
-          </p:spPr>
-        </p:pic>
-        <p:pic>
-          <p:nvPicPr>
-            <p:cNvPr id="162" name="Picture 161">
-              <a:extLst>
-                <a:ext uri="{FF2B5EF4-FFF2-40B4-BE49-F238E27FC236}">
-                  <a16:creationId xmlns:a16="http://schemas.microsoft.com/office/drawing/2014/main" id="{085EEBB1-E455-4507-AD16-833B2518594A}"/>
-                </a:ext>
-              </a:extLst>
-            </p:cNvPr>
-            <p:cNvPicPr>
-              <a:picLocks noChangeAspect="1"/>
-            </p:cNvPicPr>
-            <p:nvPr/>
-          </p:nvPicPr>
-          <p:blipFill>
-            <a:blip r:embed="rId14"/>
-            <a:srcRect b="11002"/>
-            <a:stretch/>
-          </p:blipFill>
-          <p:spPr>
-            <a:xfrm>
-              <a:off x="558293" y="4533575"/>
-              <a:ext cx="809625" cy="194970"/>
-            </a:xfrm>
-            <a:prstGeom prst="rect">
-              <a:avLst/>
-            </a:prstGeom>
-          </p:spPr>
-        </p:pic>
-        <p:pic>
-          <p:nvPicPr>
-            <p:cNvPr id="164" name="Picture 163">
-              <a:extLst>
-                <a:ext uri="{FF2B5EF4-FFF2-40B4-BE49-F238E27FC236}">
-                  <a16:creationId xmlns:a16="http://schemas.microsoft.com/office/drawing/2014/main" id="{4C65D9C4-E690-FDA5-4B57-281A166CD716}"/>
-                </a:ext>
-              </a:extLst>
-            </p:cNvPr>
-            <p:cNvPicPr>
-              <a:picLocks noChangeAspect="1"/>
-            </p:cNvPicPr>
-            <p:nvPr/>
-          </p:nvPicPr>
-          <p:blipFill>
-            <a:blip r:embed="rId15"/>
-            <a:stretch>
-              <a:fillRect/>
-            </a:stretch>
-          </p:blipFill>
-          <p:spPr>
-            <a:xfrm>
-              <a:off x="581575" y="6178254"/>
-              <a:ext cx="800100" cy="219075"/>
-            </a:xfrm>
-            <a:prstGeom prst="rect">
-              <a:avLst/>
-            </a:prstGeom>
-          </p:spPr>
-        </p:pic>
-        <p:pic>
-          <p:nvPicPr>
-            <p:cNvPr id="166" name="Picture 165">
-              <a:extLst>
-                <a:ext uri="{FF2B5EF4-FFF2-40B4-BE49-F238E27FC236}">
-                  <a16:creationId xmlns:a16="http://schemas.microsoft.com/office/drawing/2014/main" id="{7A51D51E-E97D-0666-91EE-72B5314A92FC}"/>
-                </a:ext>
-              </a:extLst>
-            </p:cNvPr>
-            <p:cNvPicPr>
-              <a:picLocks noChangeAspect="1"/>
-            </p:cNvPicPr>
-            <p:nvPr/>
-          </p:nvPicPr>
-          <p:blipFill>
-            <a:blip r:embed="rId16"/>
-            <a:stretch>
-              <a:fillRect/>
-            </a:stretch>
-          </p:blipFill>
-          <p:spPr>
-            <a:xfrm>
-              <a:off x="1314723" y="5944284"/>
-              <a:ext cx="838200" cy="466725"/>
-            </a:xfrm>
-            <a:prstGeom prst="rect">
-              <a:avLst/>
-            </a:prstGeom>
-          </p:spPr>
-        </p:pic>
-      </p:grpSp>
-      <p:grpSp>
-        <p:nvGrpSpPr>
-          <p:cNvPr id="190" name="Group 189">
-            <a:extLst>
-              <a:ext uri="{FF2B5EF4-FFF2-40B4-BE49-F238E27FC236}">
-                <a16:creationId xmlns:a16="http://schemas.microsoft.com/office/drawing/2014/main" id="{49DFA32A-63AF-4CBC-3603-17B0977686CD}"/>
-              </a:ext>
-            </a:extLst>
-          </p:cNvPr>
-          <p:cNvGrpSpPr/>
-          <p:nvPr/>
-        </p:nvGrpSpPr>
-        <p:grpSpPr>
-          <a:xfrm>
-            <a:off x="6423837" y="1423971"/>
-            <a:ext cx="2447084" cy="1675672"/>
-            <a:chOff x="5885408" y="1500407"/>
-            <a:chExt cx="2447084" cy="1675672"/>
-          </a:xfrm>
-        </p:grpSpPr>
-        <p:grpSp>
-          <p:nvGrpSpPr>
-            <p:cNvPr id="188" name="Group 187">
-              <a:extLst>
-                <a:ext uri="{FF2B5EF4-FFF2-40B4-BE49-F238E27FC236}">
-                  <a16:creationId xmlns:a16="http://schemas.microsoft.com/office/drawing/2014/main" id="{8D79153D-7BA3-94D1-3778-5168F4ABF538}"/>
+                  <a16:creationId xmlns:a16="http://schemas.microsoft.com/office/drawing/2014/main" id="{49DFA32A-63AF-4CBC-3603-17B0977686CD}"/>
                 </a:ext>
               </a:extLst>
             </p:cNvPr>
@@ -10878,48 +9322,236 @@
           </p:nvGrpSpPr>
           <p:grpSpPr>
             <a:xfrm>
-              <a:off x="5885408" y="1500407"/>
-              <a:ext cx="2447084" cy="1675672"/>
-              <a:chOff x="4474774" y="1598808"/>
-              <a:chExt cx="2447084" cy="1675672"/>
+              <a:off x="7382057" y="3915410"/>
+              <a:ext cx="1647023" cy="1330123"/>
+              <a:chOff x="5878978" y="1930131"/>
+              <a:chExt cx="1647023" cy="1330123"/>
             </a:xfrm>
           </p:grpSpPr>
-          <p:pic>
-            <p:nvPicPr>
-              <p:cNvPr id="180" name="Picture 179">
+          <p:grpSp>
+            <p:nvGrpSpPr>
+              <p:cNvPr id="4" name="Group 3">
                 <a:extLst>
                   <a:ext uri="{FF2B5EF4-FFF2-40B4-BE49-F238E27FC236}">
-                    <a16:creationId xmlns:a16="http://schemas.microsoft.com/office/drawing/2014/main" id="{B06A3654-C59E-8C65-F558-2A56455152C2}"/>
+                    <a16:creationId xmlns:a16="http://schemas.microsoft.com/office/drawing/2014/main" id="{8D79153D-7BA3-94D1-3778-5168F4ABF538}"/>
                   </a:ext>
                 </a:extLst>
               </p:cNvPr>
-              <p:cNvPicPr>
-                <a:picLocks noChangeAspect="1"/>
-              </p:cNvPicPr>
+              <p:cNvGrpSpPr/>
               <p:nvPr/>
-            </p:nvPicPr>
-            <p:blipFill>
-              <a:blip r:embed="rId17"/>
-              <a:stretch>
-                <a:fillRect/>
-              </a:stretch>
-            </p:blipFill>
-            <p:spPr>
+            </p:nvGrpSpPr>
+            <p:grpSpPr>
               <a:xfrm>
-                <a:off x="4474774" y="2859127"/>
-                <a:ext cx="2092740" cy="415353"/>
+                <a:off x="5878978" y="1930131"/>
+                <a:ext cx="1634076" cy="1276449"/>
+                <a:chOff x="4468344" y="2028532"/>
+                <a:chExt cx="1634076" cy="1276449"/>
               </a:xfrm>
-              <a:prstGeom prst="rect">
-                <a:avLst/>
-              </a:prstGeom>
-            </p:spPr>
-          </p:pic>
+            </p:grpSpPr>
+            <p:pic>
+              <p:nvPicPr>
+                <p:cNvPr id="7" name="Picture 6">
+                  <a:extLst>
+                    <a:ext uri="{FF2B5EF4-FFF2-40B4-BE49-F238E27FC236}">
+                      <a16:creationId xmlns:a16="http://schemas.microsoft.com/office/drawing/2014/main" id="{B06A3654-C59E-8C65-F558-2A56455152C2}"/>
+                    </a:ext>
+                  </a:extLst>
+                </p:cNvPr>
+                <p:cNvPicPr>
+                  <a:picLocks noChangeAspect="1"/>
+                </p:cNvPicPr>
+                <p:nvPr/>
+              </p:nvPicPr>
+              <p:blipFill>
+                <a:blip r:embed="rId17"/>
+                <a:stretch>
+                  <a:fillRect/>
+                </a:stretch>
+              </p:blipFill>
+              <p:spPr>
+                <a:xfrm>
+                  <a:off x="4474774" y="3015394"/>
+                  <a:ext cx="1459073" cy="289587"/>
+                </a:xfrm>
+                <a:prstGeom prst="rect">
+                  <a:avLst/>
+                </a:prstGeom>
+              </p:spPr>
+            </p:pic>
+            <p:sp>
+              <p:nvSpPr>
+                <p:cNvPr id="8" name="TextBox 7">
+                  <a:extLst>
+                    <a:ext uri="{FF2B5EF4-FFF2-40B4-BE49-F238E27FC236}">
+                      <a16:creationId xmlns:a16="http://schemas.microsoft.com/office/drawing/2014/main" id="{A464CB10-0302-6DAC-12B6-C8546425913B}"/>
+                    </a:ext>
+                  </a:extLst>
+                </p:cNvPr>
+                <p:cNvSpPr txBox="1"/>
+                <p:nvPr/>
+              </p:nvSpPr>
+              <p:spPr>
+                <a:xfrm>
+                  <a:off x="4629065" y="2799950"/>
+                  <a:ext cx="1187629" cy="215444"/>
+                </a:xfrm>
+                <a:prstGeom prst="rect">
+                  <a:avLst/>
+                </a:prstGeom>
+                <a:noFill/>
+              </p:spPr>
+              <p:txBody>
+                <a:bodyPr wrap="square" lIns="0" tIns="0" rIns="0" bIns="0" anchor="ctr" anchorCtr="0">
+                  <a:spAutoFit/>
+                </a:bodyPr>
+                <a:lstStyle>
+                  <a:defPPr>
+                    <a:defRPr lang="LID4096"/>
+                  </a:defPPr>
+                  <a:lvl1pPr>
+                    <a:defRPr sz="1100" b="1"/>
+                  </a:lvl1pPr>
+                </a:lstStyle>
+                <a:p>
+                  <a:r>
+                    <a:rPr lang="en-US" sz="1400" dirty="0">
+                      <a:solidFill>
+                        <a:srgbClr val="0000FF"/>
+                      </a:solidFill>
+                    </a:rPr>
+                    <a:t>Monte Carlo</a:t>
+                  </a:r>
+                  <a:endParaRPr lang="LID4096" sz="1400" dirty="0">
+                    <a:solidFill>
+                      <a:srgbClr val="0000FF"/>
+                    </a:solidFill>
+                  </a:endParaRPr>
+                </a:p>
+              </p:txBody>
+            </p:sp>
+            <p:sp>
+              <p:nvSpPr>
+                <p:cNvPr id="9" name="TextBox 8">
+                  <a:extLst>
+                    <a:ext uri="{FF2B5EF4-FFF2-40B4-BE49-F238E27FC236}">
+                      <a16:creationId xmlns:a16="http://schemas.microsoft.com/office/drawing/2014/main" id="{7D1C1E36-5F80-0227-983C-A37AA76948FE}"/>
+                    </a:ext>
+                  </a:extLst>
+                </p:cNvPr>
+                <p:cNvSpPr txBox="1"/>
+                <p:nvPr/>
+              </p:nvSpPr>
+              <p:spPr>
+                <a:xfrm>
+                  <a:off x="4468344" y="2333104"/>
+                  <a:ext cx="1187629" cy="215444"/>
+                </a:xfrm>
+                <a:prstGeom prst="rect">
+                  <a:avLst/>
+                </a:prstGeom>
+                <a:noFill/>
+              </p:spPr>
+              <p:txBody>
+                <a:bodyPr wrap="square" lIns="0" tIns="0" rIns="0" bIns="0" anchor="ctr" anchorCtr="0">
+                  <a:spAutoFit/>
+                </a:bodyPr>
+                <a:lstStyle>
+                  <a:defPPr>
+                    <a:defRPr lang="LID4096"/>
+                  </a:defPPr>
+                  <a:lvl1pPr>
+                    <a:defRPr sz="1100" b="1"/>
+                  </a:lvl1pPr>
+                </a:lstStyle>
+                <a:p>
+                  <a:r>
+                    <a:rPr lang="en-US" sz="1400" dirty="0">
+                      <a:solidFill>
+                        <a:srgbClr val="0000FF"/>
+                      </a:solidFill>
+                    </a:rPr>
+                    <a:t>Ensemble</a:t>
+                  </a:r>
+                  <a:endParaRPr lang="LID4096" sz="1400" dirty="0">
+                    <a:solidFill>
+                      <a:srgbClr val="0000FF"/>
+                    </a:solidFill>
+                  </a:endParaRPr>
+                </a:p>
+              </p:txBody>
+            </p:sp>
+            <p:sp>
+              <p:nvSpPr>
+                <p:cNvPr id="10" name="TextBox 9">
+                  <a:extLst>
+                    <a:ext uri="{FF2B5EF4-FFF2-40B4-BE49-F238E27FC236}">
+                      <a16:creationId xmlns:a16="http://schemas.microsoft.com/office/drawing/2014/main" id="{21C256F6-4CF0-077B-2B4F-4736E8362076}"/>
+                    </a:ext>
+                  </a:extLst>
+                </p:cNvPr>
+                <p:cNvSpPr txBox="1"/>
+                <p:nvPr/>
+              </p:nvSpPr>
+              <p:spPr>
+                <a:xfrm>
+                  <a:off x="5062158" y="2028532"/>
+                  <a:ext cx="1040262" cy="369332"/>
+                </a:xfrm>
+                <a:prstGeom prst="rect">
+                  <a:avLst/>
+                </a:prstGeom>
+                <a:noFill/>
+              </p:spPr>
+              <p:txBody>
+                <a:bodyPr wrap="square">
+                  <a:spAutoFit/>
+                </a:bodyPr>
+                <a:lstStyle/>
+                <a:p>
+                  <a:r>
+                    <a:rPr lang="LID4096" b="1" dirty="0"/>
+                    <a:t>PARVAL </a:t>
+                  </a:r>
+                </a:p>
+              </p:txBody>
+            </p:sp>
+            <p:pic>
+              <p:nvPicPr>
+                <p:cNvPr id="11" name="Picture 10">
+                  <a:extLst>
+                    <a:ext uri="{FF2B5EF4-FFF2-40B4-BE49-F238E27FC236}">
+                      <a16:creationId xmlns:a16="http://schemas.microsoft.com/office/drawing/2014/main" id="{8106EA78-39E5-DBB4-0FAD-7A96F469858C}"/>
+                    </a:ext>
+                  </a:extLst>
+                </p:cNvPr>
+                <p:cNvPicPr>
+                  <a:picLocks noChangeAspect="1"/>
+                </p:cNvPicPr>
+                <p:nvPr/>
+              </p:nvPicPr>
+              <p:blipFill>
+                <a:blip r:embed="rId18"/>
+                <a:stretch>
+                  <a:fillRect/>
+                </a:stretch>
+              </p:blipFill>
+              <p:spPr>
+                <a:xfrm>
+                  <a:off x="4511912" y="2515831"/>
+                  <a:ext cx="1040262" cy="267790"/>
+                </a:xfrm>
+                <a:prstGeom prst="rect">
+                  <a:avLst/>
+                </a:prstGeom>
+              </p:spPr>
+            </p:pic>
+          </p:grpSp>
           <p:sp>
             <p:nvSpPr>
-              <p:cNvPr id="181" name="TextBox 180">
+              <p:cNvPr id="5" name="TextBox 4">
                 <a:extLst>
                   <a:ext uri="{FF2B5EF4-FFF2-40B4-BE49-F238E27FC236}">
-                    <a16:creationId xmlns:a16="http://schemas.microsoft.com/office/drawing/2014/main" id="{A464CB10-0302-6DAC-12B6-C8546425913B}"/>
+                    <a16:creationId xmlns:a16="http://schemas.microsoft.com/office/drawing/2014/main" id="{9E5F68CE-E05D-B2DA-3AF6-4A3368BB35BE}"/>
                   </a:ext>
                 </a:extLst>
               </p:cNvPr>
@@ -10928,8 +9560,178 @@
             </p:nvSpPr>
             <p:spPr>
               <a:xfrm>
-                <a:off x="4722601" y="2654293"/>
-                <a:ext cx="1187629" cy="215444"/>
+                <a:off x="6801579" y="2374158"/>
+                <a:ext cx="724422" cy="369332"/>
+              </a:xfrm>
+              <a:prstGeom prst="rect">
+                <a:avLst/>
+              </a:prstGeom>
+              <a:noFill/>
+            </p:spPr>
+            <p:txBody>
+              <a:bodyPr wrap="square">
+                <a:spAutoFit/>
+              </a:bodyPr>
+              <a:lstStyle/>
+              <a:p>
+                <a:r>
+                  <a:rPr lang="pt-BR" b="1" dirty="0"/>
+                  <a:t>85M</a:t>
+                </a:r>
+                <a:endParaRPr lang="LID4096" b="1" dirty="0"/>
+              </a:p>
+            </p:txBody>
+          </p:sp>
+          <p:sp>
+            <p:nvSpPr>
+              <p:cNvPr id="6" name="TextBox 5">
+                <a:extLst>
+                  <a:ext uri="{FF2B5EF4-FFF2-40B4-BE49-F238E27FC236}">
+                    <a16:creationId xmlns:a16="http://schemas.microsoft.com/office/drawing/2014/main" id="{35FF8DB2-708F-5936-80DB-73F5533367C0}"/>
+                  </a:ext>
+                </a:extLst>
+              </p:cNvPr>
+              <p:cNvSpPr txBox="1"/>
+              <p:nvPr/>
+            </p:nvSpPr>
+            <p:spPr>
+              <a:xfrm>
+                <a:off x="7163790" y="2983255"/>
+                <a:ext cx="212848" cy="276999"/>
+              </a:xfrm>
+              <a:prstGeom prst="rect">
+                <a:avLst/>
+              </a:prstGeom>
+              <a:noFill/>
+            </p:spPr>
+            <p:txBody>
+              <a:bodyPr wrap="square" lIns="0" tIns="0" rIns="0" bIns="0" anchor="ctr" anchorCtr="0">
+                <a:spAutoFit/>
+              </a:bodyPr>
+              <a:lstStyle>
+                <a:defPPr>
+                  <a:defRPr lang="LID4096"/>
+                </a:defPPr>
+                <a:lvl1pPr>
+                  <a:defRPr sz="1100" b="1"/>
+                </a:lvl1pPr>
+              </a:lstStyle>
+              <a:p>
+                <a:r>
+                  <a:rPr lang="en-US" sz="1800" dirty="0"/>
+                  <a:t>h</a:t>
+                </a:r>
+                <a:endParaRPr lang="LID4096" sz="1800" dirty="0"/>
+              </a:p>
+            </p:txBody>
+          </p:sp>
+        </p:grpSp>
+      </p:grpSp>
+      <p:grpSp>
+        <p:nvGrpSpPr>
+          <p:cNvPr id="22" name="Group 21">
+            <a:extLst>
+              <a:ext uri="{FF2B5EF4-FFF2-40B4-BE49-F238E27FC236}">
+                <a16:creationId xmlns:a16="http://schemas.microsoft.com/office/drawing/2014/main" id="{9F6BFB2A-921B-9550-AB00-A43D5DDBC35D}"/>
+              </a:ext>
+            </a:extLst>
+          </p:cNvPr>
+          <p:cNvGrpSpPr/>
+          <p:nvPr/>
+        </p:nvGrpSpPr>
+        <p:grpSpPr>
+          <a:xfrm>
+            <a:off x="8110743" y="2545445"/>
+            <a:ext cx="1687236" cy="1363948"/>
+            <a:chOff x="8110743" y="2545445"/>
+            <a:chExt cx="1687236" cy="1363948"/>
+          </a:xfrm>
+        </p:grpSpPr>
+        <p:sp>
+          <p:nvSpPr>
+            <p:cNvPr id="16" name="Rectangle 15">
+              <a:extLst>
+                <a:ext uri="{FF2B5EF4-FFF2-40B4-BE49-F238E27FC236}">
+                  <a16:creationId xmlns:a16="http://schemas.microsoft.com/office/drawing/2014/main" id="{63F8EC1F-2E17-55D6-E2CB-9F36CF29E8AA}"/>
+                </a:ext>
+              </a:extLst>
+            </p:cNvPr>
+            <p:cNvSpPr/>
+            <p:nvPr/>
+          </p:nvSpPr>
+          <p:spPr>
+            <a:xfrm>
+              <a:off x="8110743" y="2545445"/>
+              <a:ext cx="1673427" cy="1359893"/>
+            </a:xfrm>
+            <a:prstGeom prst="rect">
+              <a:avLst/>
+            </a:prstGeom>
+            <a:solidFill>
+              <a:schemeClr val="bg1"/>
+            </a:solidFill>
+          </p:spPr>
+          <p:style>
+            <a:lnRef idx="2">
+              <a:schemeClr val="accent1">
+                <a:shade val="15000"/>
+              </a:schemeClr>
+            </a:lnRef>
+            <a:fillRef idx="1">
+              <a:schemeClr val="accent1"/>
+            </a:fillRef>
+            <a:effectRef idx="0">
+              <a:schemeClr val="accent1"/>
+            </a:effectRef>
+            <a:fontRef idx="minor">
+              <a:schemeClr val="lt1"/>
+            </a:fontRef>
+          </p:style>
+          <p:txBody>
+            <a:bodyPr rtlCol="0" anchor="ctr"/>
+            <a:lstStyle/>
+            <a:p>
+              <a:pPr algn="ctr"/>
+              <a:endParaRPr lang="LID4096"/>
+            </a:p>
+          </p:txBody>
+        </p:sp>
+        <p:grpSp>
+          <p:nvGrpSpPr>
+            <p:cNvPr id="17" name="Group 16">
+              <a:extLst>
+                <a:ext uri="{FF2B5EF4-FFF2-40B4-BE49-F238E27FC236}">
+                  <a16:creationId xmlns:a16="http://schemas.microsoft.com/office/drawing/2014/main" id="{A533B4DF-21AC-6809-8C61-F505068C9740}"/>
+                </a:ext>
+              </a:extLst>
+            </p:cNvPr>
+            <p:cNvGrpSpPr/>
+            <p:nvPr/>
+          </p:nvGrpSpPr>
+          <p:grpSpPr>
+            <a:xfrm>
+              <a:off x="8291388" y="2648636"/>
+              <a:ext cx="1506591" cy="1260757"/>
+              <a:chOff x="10646647" y="75732"/>
+              <a:chExt cx="1506591" cy="1260757"/>
+            </a:xfrm>
+          </p:grpSpPr>
+          <p:sp>
+            <p:nvSpPr>
+              <p:cNvPr id="18" name="TextBox 17">
+                <a:extLst>
+                  <a:ext uri="{FF2B5EF4-FFF2-40B4-BE49-F238E27FC236}">
+                    <a16:creationId xmlns:a16="http://schemas.microsoft.com/office/drawing/2014/main" id="{1E59F847-8B37-AD84-C8CF-9D4CB64C5217}"/>
+                  </a:ext>
+                </a:extLst>
+              </p:cNvPr>
+              <p:cNvSpPr txBox="1"/>
+              <p:nvPr/>
+            </p:nvSpPr>
+            <p:spPr>
+              <a:xfrm>
+                <a:off x="10646647" y="142654"/>
+                <a:ext cx="871539" cy="1077218"/>
               </a:xfrm>
               <a:prstGeom prst="rect">
                 <a:avLst/>
@@ -10955,7 +9757,60 @@
                       <a:srgbClr val="0000FF"/>
                     </a:solidFill>
                   </a:rPr>
-                  <a:t>Monte Carlo</a:t>
+                  <a:t>…</a:t>
+                </a:r>
+              </a:p>
+              <a:p>
+                <a:r>
+                  <a:rPr lang="en-US" sz="1400" dirty="0">
+                    <a:solidFill>
+                      <a:srgbClr val="0000FF"/>
+                    </a:solidFill>
+                  </a:rPr>
+                  <a:t>__</a:t>
+                </a:r>
+                <a:r>
+                  <a:rPr lang="en-US" sz="1400" dirty="0" err="1">
+                    <a:solidFill>
+                      <a:srgbClr val="0000FF"/>
+                    </a:solidFill>
+                  </a:rPr>
+                  <a:t>ic</a:t>
+                </a:r>
+                <a:endParaRPr lang="en-US" sz="1400" dirty="0">
+                  <a:solidFill>
+                    <a:srgbClr val="0000FF"/>
+                  </a:solidFill>
+                </a:endParaRPr>
+              </a:p>
+              <a:p>
+                <a:r>
+                  <a:rPr lang="en-US" sz="1400" dirty="0">
+                    <a:solidFill>
+                      <a:srgbClr val="0000FF"/>
+                    </a:solidFill>
+                  </a:rPr>
+                  <a:t>__rch</a:t>
+                </a:r>
+              </a:p>
+              <a:p>
+                <a:r>
+                  <a:rPr lang="en-US" sz="1400" dirty="0">
+                    <a:solidFill>
+                      <a:srgbClr val="0000FF"/>
+                    </a:solidFill>
+                  </a:rPr>
+                  <a:t>__ne</a:t>
+                </a:r>
+              </a:p>
+              <a:p>
+                <a:r>
+                  <a:rPr lang="en-US" sz="1400" dirty="0">
+                    <a:solidFill>
+                      <a:srgbClr val="0000FF"/>
+                    </a:solidFill>
+                  </a:rPr>
+                  <a:t>__sto</a:t>
                 </a:r>
                 <a:endParaRPr lang="LID4096" sz="1400" dirty="0">
                   <a:solidFill>
@@ -10967,10 +9822,10 @@
           </p:sp>
           <p:sp>
             <p:nvSpPr>
-              <p:cNvPr id="182" name="TextBox 181">
+              <p:cNvPr id="19" name="TextBox 18">
                 <a:extLst>
                   <a:ext uri="{FF2B5EF4-FFF2-40B4-BE49-F238E27FC236}">
-                    <a16:creationId xmlns:a16="http://schemas.microsoft.com/office/drawing/2014/main" id="{7D1C1E36-5F80-0227-983C-A37AA76948FE}"/>
+                    <a16:creationId xmlns:a16="http://schemas.microsoft.com/office/drawing/2014/main" id="{15C98A1E-7A4A-3C54-1A10-794A7BAC1847}"/>
                   </a:ext>
                 </a:extLst>
               </p:cNvPr>
@@ -10979,8 +9834,8 @@
             </p:nvSpPr>
             <p:spPr>
               <a:xfrm>
-                <a:off x="4682060" y="2397298"/>
-                <a:ext cx="1187629" cy="215444"/>
+                <a:off x="11926581" y="1059490"/>
+                <a:ext cx="212848" cy="276999"/>
               </a:xfrm>
               <a:prstGeom prst="rect">
                 <a:avLst/>
@@ -11001,27 +9856,19 @@
               </a:lstStyle>
               <a:p>
                 <a:r>
-                  <a:rPr lang="en-US" sz="1400" dirty="0">
-                    <a:solidFill>
-                      <a:srgbClr val="0000FF"/>
-                    </a:solidFill>
-                  </a:rPr>
-                  <a:t>Ensemble</a:t>
+                  <a:rPr lang="en-US" sz="1800" dirty="0"/>
+                  <a:t>d</a:t>
                 </a:r>
-                <a:endParaRPr lang="LID4096" sz="1400" dirty="0">
-                  <a:solidFill>
-                    <a:srgbClr val="0000FF"/>
-                  </a:solidFill>
-                </a:endParaRPr>
+                <a:endParaRPr lang="LID4096" sz="1800" dirty="0"/>
               </a:p>
             </p:txBody>
           </p:sp>
           <p:sp>
             <p:nvSpPr>
-              <p:cNvPr id="184" name="TextBox 183">
+              <p:cNvPr id="20" name="TextBox 19">
                 <a:extLst>
                   <a:ext uri="{FF2B5EF4-FFF2-40B4-BE49-F238E27FC236}">
-                    <a16:creationId xmlns:a16="http://schemas.microsoft.com/office/drawing/2014/main" id="{21C256F6-4CF0-077B-2B4F-4736E8362076}"/>
+                    <a16:creationId xmlns:a16="http://schemas.microsoft.com/office/drawing/2014/main" id="{AB6DB165-FAFB-AF76-8FA3-6D5597F7C4CE}"/>
                   </a:ext>
                 </a:extLst>
               </p:cNvPr>
@@ -11030,8 +9877,8 @@
             </p:nvSpPr>
             <p:spPr>
               <a:xfrm>
-                <a:off x="5093058" y="1598808"/>
-                <a:ext cx="1828800" cy="369332"/>
+                <a:off x="11285765" y="75732"/>
+                <a:ext cx="867473" cy="369332"/>
               </a:xfrm>
               <a:prstGeom prst="rect">
                 <a:avLst/>
@@ -11045,18 +9892,504 @@
               <a:lstStyle/>
               <a:p>
                 <a:r>
-                  <a:rPr lang="LID4096" b="1" dirty="0"/>
-                  <a:t>PARVAL </a:t>
+                  <a:rPr lang="pt-BR" dirty="0">
+                    <a:solidFill>
+                      <a:srgbClr val="0000FF"/>
+                    </a:solidFill>
+                  </a:rPr>
+                  <a:t>*.</a:t>
                 </a:r>
+                <a:r>
+                  <a:rPr lang="pt-BR" dirty="0" err="1">
+                    <a:solidFill>
+                      <a:srgbClr val="0000FF"/>
+                    </a:solidFill>
+                  </a:rPr>
+                  <a:t>ins</a:t>
+                </a:r>
+                <a:endParaRPr lang="LID4096" dirty="0">
+                  <a:solidFill>
+                    <a:srgbClr val="0000FF"/>
+                  </a:solidFill>
+                </a:endParaRPr>
               </a:p>
             </p:txBody>
           </p:sp>
+          <p:sp>
+            <p:nvSpPr>
+              <p:cNvPr id="21" name="TextBox 20">
+                <a:extLst>
+                  <a:ext uri="{FF2B5EF4-FFF2-40B4-BE49-F238E27FC236}">
+                    <a16:creationId xmlns:a16="http://schemas.microsoft.com/office/drawing/2014/main" id="{AA366356-73E7-E9F0-CD6C-5681D5E58371}"/>
+                  </a:ext>
+                </a:extLst>
+              </p:cNvPr>
+              <p:cNvSpPr txBox="1"/>
+              <p:nvPr/>
+            </p:nvSpPr>
+            <p:spPr>
+              <a:xfrm>
+                <a:off x="11284122" y="349802"/>
+                <a:ext cx="867473" cy="646331"/>
+              </a:xfrm>
+              <a:prstGeom prst="rect">
+                <a:avLst/>
+              </a:prstGeom>
+              <a:noFill/>
+            </p:spPr>
+            <p:txBody>
+              <a:bodyPr wrap="square">
+                <a:spAutoFit/>
+              </a:bodyPr>
+              <a:lstStyle/>
+              <a:p>
+                <a:r>
+                  <a:rPr lang="pt-BR" dirty="0">
+                    <a:solidFill>
+                      <a:srgbClr val="0000FF"/>
+                    </a:solidFill>
+                  </a:rPr>
+                  <a:t>*.</a:t>
+                </a:r>
+                <a:r>
+                  <a:rPr lang="LID4096" dirty="0">
+                    <a:solidFill>
+                      <a:srgbClr val="0000FF"/>
+                    </a:solidFill>
+                  </a:rPr>
+                  <a:t>tpl</a:t>
+                </a:r>
+                <a:endParaRPr lang="pt-BR" dirty="0">
+                  <a:solidFill>
+                    <a:srgbClr val="0000FF"/>
+                  </a:solidFill>
+                </a:endParaRPr>
+              </a:p>
+              <a:p>
+                <a:r>
+                  <a:rPr lang="pt-BR" dirty="0">
+                    <a:solidFill>
+                      <a:srgbClr val="0000FF"/>
+                    </a:solidFill>
+                  </a:rPr>
+                  <a:t>*.zone</a:t>
+                </a:r>
+                <a:endParaRPr lang="LID4096" dirty="0">
+                  <a:solidFill>
+                    <a:srgbClr val="0000FF"/>
+                  </a:solidFill>
+                </a:endParaRPr>
+              </a:p>
+            </p:txBody>
+          </p:sp>
+        </p:grpSp>
+      </p:grpSp>
+      <p:grpSp>
+        <p:nvGrpSpPr>
+          <p:cNvPr id="23" name="Group 22">
+            <a:extLst>
+              <a:ext uri="{FF2B5EF4-FFF2-40B4-BE49-F238E27FC236}">
+                <a16:creationId xmlns:a16="http://schemas.microsoft.com/office/drawing/2014/main" id="{9A5DD1C9-9758-44A8-A91E-1D6E0F48D6FD}"/>
+              </a:ext>
+            </a:extLst>
+          </p:cNvPr>
+          <p:cNvGrpSpPr/>
+          <p:nvPr/>
+        </p:nvGrpSpPr>
+        <p:grpSpPr>
+          <a:xfrm>
+            <a:off x="3360064" y="2677740"/>
+            <a:ext cx="4625682" cy="517251"/>
+            <a:chOff x="4266483" y="94266"/>
+            <a:chExt cx="4625682" cy="517251"/>
+          </a:xfrm>
+        </p:grpSpPr>
+        <p:pic>
+          <p:nvPicPr>
+            <p:cNvPr id="24" name="Picture 23">
+              <a:extLst>
+                <a:ext uri="{FF2B5EF4-FFF2-40B4-BE49-F238E27FC236}">
+                  <a16:creationId xmlns:a16="http://schemas.microsoft.com/office/drawing/2014/main" id="{4BA6DA7B-3FA6-CD13-0C7D-784AA76CC042}"/>
+                </a:ext>
+              </a:extLst>
+            </p:cNvPr>
+            <p:cNvPicPr>
+              <a:picLocks noChangeAspect="1"/>
+            </p:cNvPicPr>
+            <p:nvPr/>
+          </p:nvPicPr>
+          <p:blipFill>
+            <a:blip r:embed="rId9"/>
+            <a:stretch>
+              <a:fillRect/>
+            </a:stretch>
+          </p:blipFill>
+          <p:spPr>
+            <a:xfrm>
+              <a:off x="4266483" y="94266"/>
+              <a:ext cx="3777346" cy="298927"/>
+            </a:xfrm>
+            <a:prstGeom prst="rect">
+              <a:avLst/>
+            </a:prstGeom>
+          </p:spPr>
+        </p:pic>
+        <p:pic>
+          <p:nvPicPr>
+            <p:cNvPr id="25" name="Picture 24">
+              <a:extLst>
+                <a:ext uri="{FF2B5EF4-FFF2-40B4-BE49-F238E27FC236}">
+                  <a16:creationId xmlns:a16="http://schemas.microsoft.com/office/drawing/2014/main" id="{705AA7B6-0655-84A9-6BE7-488909A769E5}"/>
+                </a:ext>
+              </a:extLst>
+            </p:cNvPr>
+            <p:cNvPicPr>
+              <a:picLocks noChangeAspect="1"/>
+            </p:cNvPicPr>
+            <p:nvPr/>
+          </p:nvPicPr>
+          <p:blipFill>
+            <a:blip r:embed="rId10"/>
+            <a:stretch>
+              <a:fillRect/>
+            </a:stretch>
+          </p:blipFill>
+          <p:spPr>
+            <a:xfrm>
+              <a:off x="5539365" y="392442"/>
+              <a:ext cx="3352800" cy="219075"/>
+            </a:xfrm>
+            <a:prstGeom prst="rect">
+              <a:avLst/>
+            </a:prstGeom>
+          </p:spPr>
+        </p:pic>
+        <p:sp>
+          <p:nvSpPr>
+            <p:cNvPr id="27" name="TextBox 26">
+              <a:extLst>
+                <a:ext uri="{FF2B5EF4-FFF2-40B4-BE49-F238E27FC236}">
+                  <a16:creationId xmlns:a16="http://schemas.microsoft.com/office/drawing/2014/main" id="{570399D3-335E-94AD-1AD1-49A599C75775}"/>
+                </a:ext>
+              </a:extLst>
+            </p:cNvPr>
+            <p:cNvSpPr txBox="1"/>
+            <p:nvPr/>
+          </p:nvSpPr>
+          <p:spPr>
+            <a:xfrm>
+              <a:off x="8490152" y="181753"/>
+              <a:ext cx="369061" cy="227165"/>
+            </a:xfrm>
+            <a:prstGeom prst="rect">
+              <a:avLst/>
+            </a:prstGeom>
+            <a:solidFill>
+              <a:srgbClr val="93E3FF"/>
+            </a:solidFill>
+          </p:spPr>
+          <p:txBody>
+            <a:bodyPr wrap="none" lIns="0" tIns="0" rIns="0" bIns="0" rtlCol="0" anchor="ctr" anchorCtr="0">
+              <a:noAutofit/>
+            </a:bodyPr>
+            <a:lstStyle>
+              <a:defPPr>
+                <a:defRPr lang="LID4096"/>
+              </a:defPPr>
+              <a:lvl1pPr algn="ctr">
+                <a:defRPr sz="1100" b="1">
+                  <a:latin typeface="Calibri bold" panose="020F0702030404030204" pitchFamily="34" charset="0"/>
+                  <a:cs typeface="Calibri bold" panose="020F0702030404030204" pitchFamily="34" charset="0"/>
+                </a:defRPr>
+              </a:lvl1pPr>
+            </a:lstStyle>
+            <a:p>
+              <a:r>
+                <a:rPr lang="pt-BR" dirty="0"/>
+                <a:t>S1 </a:t>
+              </a:r>
+              <a:endParaRPr lang="LID4096" dirty="0"/>
+            </a:p>
+          </p:txBody>
+        </p:sp>
+        <p:sp>
+          <p:nvSpPr>
+            <p:cNvPr id="28" name="TextBox 27">
+              <a:extLst>
+                <a:ext uri="{FF2B5EF4-FFF2-40B4-BE49-F238E27FC236}">
+                  <a16:creationId xmlns:a16="http://schemas.microsoft.com/office/drawing/2014/main" id="{4B65C221-E89F-318E-6383-843E716AA9D2}"/>
+                </a:ext>
+              </a:extLst>
+            </p:cNvPr>
+            <p:cNvSpPr txBox="1">
+              <a:spLocks noChangeAspect="1"/>
+            </p:cNvSpPr>
+            <p:nvPr/>
+          </p:nvSpPr>
+          <p:spPr>
+            <a:xfrm>
+              <a:off x="8094219" y="188506"/>
+              <a:ext cx="369061" cy="136632"/>
+            </a:xfrm>
+            <a:prstGeom prst="rect">
+              <a:avLst/>
+            </a:prstGeom>
+            <a:solidFill>
+              <a:schemeClr val="bg1">
+                <a:lumMod val="85000"/>
+              </a:schemeClr>
+            </a:solidFill>
+          </p:spPr>
+          <p:txBody>
+            <a:bodyPr wrap="none" lIns="0" tIns="0" rIns="0" bIns="0" anchor="ctr" anchorCtr="0">
+              <a:noAutofit/>
+            </a:bodyPr>
+            <a:lstStyle/>
+            <a:p>
+              <a:pPr algn="ctr"/>
+              <a:r>
+                <a:rPr lang="pt-BR" sz="1200" b="1" dirty="0"/>
+                <a:t>2_01</a:t>
+              </a:r>
+              <a:endParaRPr lang="LID4096" sz="1200" b="1" dirty="0"/>
+            </a:p>
+          </p:txBody>
+        </p:sp>
+      </p:grpSp>
+      <p:grpSp>
+        <p:nvGrpSpPr>
+          <p:cNvPr id="37" name="Group 36">
+            <a:extLst>
+              <a:ext uri="{FF2B5EF4-FFF2-40B4-BE49-F238E27FC236}">
+                <a16:creationId xmlns:a16="http://schemas.microsoft.com/office/drawing/2014/main" id="{7676CA47-6628-D468-5FBF-03CEFC4E9871}"/>
+              </a:ext>
+            </a:extLst>
+          </p:cNvPr>
+          <p:cNvGrpSpPr/>
+          <p:nvPr/>
+        </p:nvGrpSpPr>
+        <p:grpSpPr>
+          <a:xfrm>
+            <a:off x="1725074" y="132361"/>
+            <a:ext cx="8180374" cy="1623674"/>
+            <a:chOff x="3126104" y="232629"/>
+            <a:chExt cx="8180374" cy="1623674"/>
+          </a:xfrm>
+        </p:grpSpPr>
+        <p:grpSp>
+          <p:nvGrpSpPr>
+            <p:cNvPr id="31" name="Group 30">
+              <a:extLst>
+                <a:ext uri="{FF2B5EF4-FFF2-40B4-BE49-F238E27FC236}">
+                  <a16:creationId xmlns:a16="http://schemas.microsoft.com/office/drawing/2014/main" id="{B47D28F1-BF96-A0CC-D651-CCCDCB0126BA}"/>
+                </a:ext>
+              </a:extLst>
+            </p:cNvPr>
+            <p:cNvGrpSpPr/>
+            <p:nvPr/>
+          </p:nvGrpSpPr>
+          <p:grpSpPr>
+            <a:xfrm>
+              <a:off x="3126104" y="232629"/>
+              <a:ext cx="3844536" cy="1461693"/>
+              <a:chOff x="4045574" y="223224"/>
+              <a:chExt cx="3844536" cy="1461693"/>
+            </a:xfrm>
+          </p:grpSpPr>
+          <p:grpSp>
+            <p:nvGrpSpPr>
+              <p:cNvPr id="88" name="Group 87">
+                <a:extLst>
+                  <a:ext uri="{FF2B5EF4-FFF2-40B4-BE49-F238E27FC236}">
+                    <a16:creationId xmlns:a16="http://schemas.microsoft.com/office/drawing/2014/main" id="{FE01F1E2-0056-D4DF-793B-51E13DE86E3D}"/>
+                  </a:ext>
+                </a:extLst>
+              </p:cNvPr>
+              <p:cNvGrpSpPr/>
+              <p:nvPr/>
+            </p:nvGrpSpPr>
+            <p:grpSpPr>
+              <a:xfrm>
+                <a:off x="4045574" y="231155"/>
+                <a:ext cx="2233276" cy="1453762"/>
+                <a:chOff x="8353586" y="5524034"/>
+                <a:chExt cx="2233276" cy="1453762"/>
+              </a:xfrm>
+            </p:grpSpPr>
+            <p:grpSp>
+              <p:nvGrpSpPr>
+                <p:cNvPr id="90" name="Group 89">
+                  <a:extLst>
+                    <a:ext uri="{FF2B5EF4-FFF2-40B4-BE49-F238E27FC236}">
+                      <a16:creationId xmlns:a16="http://schemas.microsoft.com/office/drawing/2014/main" id="{3FE577AC-DB6A-2982-35EB-FF49449D459C}"/>
+                    </a:ext>
+                  </a:extLst>
+                </p:cNvPr>
+                <p:cNvGrpSpPr/>
+                <p:nvPr/>
+              </p:nvGrpSpPr>
+              <p:grpSpPr>
+                <a:xfrm>
+                  <a:off x="8353586" y="5524034"/>
+                  <a:ext cx="2028825" cy="1453762"/>
+                  <a:chOff x="7012215" y="5434078"/>
+                  <a:chExt cx="2028825" cy="1453762"/>
+                </a:xfrm>
+              </p:grpSpPr>
+              <p:pic>
+                <p:nvPicPr>
+                  <p:cNvPr id="92" name="Picture 91">
+                    <a:extLst>
+                      <a:ext uri="{FF2B5EF4-FFF2-40B4-BE49-F238E27FC236}">
+                        <a16:creationId xmlns:a16="http://schemas.microsoft.com/office/drawing/2014/main" id="{4CC90721-1541-2AB6-12D4-B2EC5103270C}"/>
+                      </a:ext>
+                    </a:extLst>
+                  </p:cNvPr>
+                  <p:cNvPicPr>
+                    <a:picLocks noChangeAspect="1"/>
+                  </p:cNvPicPr>
+                  <p:nvPr/>
+                </p:nvPicPr>
+                <p:blipFill>
+                  <a:blip r:embed="rId19"/>
+                  <a:srcRect t="80592"/>
+                  <a:stretch/>
+                </p:blipFill>
+                <p:spPr>
+                  <a:xfrm>
+                    <a:off x="7012215" y="5434078"/>
+                    <a:ext cx="2028825" cy="199646"/>
+                  </a:xfrm>
+                  <a:prstGeom prst="rect">
+                    <a:avLst/>
+                  </a:prstGeom>
+                </p:spPr>
+              </p:pic>
+              <p:pic>
+                <p:nvPicPr>
+                  <p:cNvPr id="93" name="Picture 92">
+                    <a:extLst>
+                      <a:ext uri="{FF2B5EF4-FFF2-40B4-BE49-F238E27FC236}">
+                        <a16:creationId xmlns:a16="http://schemas.microsoft.com/office/drawing/2014/main" id="{EBEB791D-7865-7AF2-A033-7309AB158B5F}"/>
+                      </a:ext>
+                    </a:extLst>
+                  </p:cNvPr>
+                  <p:cNvPicPr>
+                    <a:picLocks noChangeAspect="1"/>
+                  </p:cNvPicPr>
+                  <p:nvPr/>
+                </p:nvPicPr>
+                <p:blipFill>
+                  <a:blip r:embed="rId20"/>
+                  <a:stretch>
+                    <a:fillRect/>
+                  </a:stretch>
+                </p:blipFill>
+                <p:spPr>
+                  <a:xfrm>
+                    <a:off x="7126474" y="5630540"/>
+                    <a:ext cx="1552575" cy="1257300"/>
+                  </a:xfrm>
+                  <a:prstGeom prst="rect">
+                    <a:avLst/>
+                  </a:prstGeom>
+                </p:spPr>
+              </p:pic>
+              <p:sp>
+                <p:nvSpPr>
+                  <p:cNvPr id="94" name="Rectangle 93">
+                    <a:extLst>
+                      <a:ext uri="{FF2B5EF4-FFF2-40B4-BE49-F238E27FC236}">
+                        <a16:creationId xmlns:a16="http://schemas.microsoft.com/office/drawing/2014/main" id="{0285D463-467D-7BD7-A2C5-D553A4F83788}"/>
+                      </a:ext>
+                    </a:extLst>
+                  </p:cNvPr>
+                  <p:cNvSpPr/>
+                  <p:nvPr/>
+                </p:nvSpPr>
+                <p:spPr>
+                  <a:xfrm>
+                    <a:off x="7126474" y="6237872"/>
+                    <a:ext cx="1656160" cy="213066"/>
+                  </a:xfrm>
+                  <a:prstGeom prst="rect">
+                    <a:avLst/>
+                  </a:prstGeom>
+                  <a:noFill/>
+                  <a:ln w="6350">
+                    <a:solidFill>
+                      <a:schemeClr val="tx1"/>
+                    </a:solidFill>
+                  </a:ln>
+                  <a:effectLst>
+                    <a:outerShdw blurRad="50800" dist="38100" dir="8100000" algn="tr" rotWithShape="0">
+                      <a:prstClr val="black">
+                        <a:alpha val="40000"/>
+                      </a:prstClr>
+                    </a:outerShdw>
+                  </a:effectLst>
+                </p:spPr>
+                <p:txBody>
+                  <a:bodyPr wrap="none" anchor="ctr" anchorCtr="0">
+                    <a:noAutofit/>
+                  </a:bodyPr>
+                  <a:lstStyle/>
+                  <a:p>
+                    <a:endParaRPr lang="LID4096" dirty="0"/>
+                  </a:p>
+                </p:txBody>
+              </p:sp>
+            </p:grpSp>
+            <p:sp>
+              <p:nvSpPr>
+                <p:cNvPr id="91" name="TextBox 90">
+                  <a:extLst>
+                    <a:ext uri="{FF2B5EF4-FFF2-40B4-BE49-F238E27FC236}">
+                      <a16:creationId xmlns:a16="http://schemas.microsoft.com/office/drawing/2014/main" id="{8EC7666F-BB5B-9514-BC6F-466C4E4EAC2B}"/>
+                    </a:ext>
+                  </a:extLst>
+                </p:cNvPr>
+                <p:cNvSpPr txBox="1"/>
+                <p:nvPr/>
+              </p:nvSpPr>
+              <p:spPr>
+                <a:xfrm>
+                  <a:off x="9927534" y="6132460"/>
+                  <a:ext cx="659328" cy="523220"/>
+                </a:xfrm>
+                <a:prstGeom prst="rect">
+                  <a:avLst/>
+                </a:prstGeom>
+                <a:noFill/>
+              </p:spPr>
+              <p:txBody>
+                <a:bodyPr wrap="square">
+                  <a:spAutoFit/>
+                </a:bodyPr>
+                <a:lstStyle>
+                  <a:defPPr>
+                    <a:defRPr lang="LID4096"/>
+                  </a:defPPr>
+                  <a:lvl1pPr>
+                    <a:defRPr sz="1100" b="1"/>
+                  </a:lvl1pPr>
+                </a:lstStyle>
+                <a:p>
+                  <a:r>
+                    <a:rPr lang="en-US" sz="2800" dirty="0"/>
+                    <a:t>*</a:t>
+                  </a:r>
+                  <a:endParaRPr lang="LID4096" sz="2800" dirty="0"/>
+                </a:p>
+              </p:txBody>
+            </p:sp>
+          </p:grpSp>
           <p:pic>
             <p:nvPicPr>
-              <p:cNvPr id="186" name="Picture 185">
+              <p:cNvPr id="153" name="Picture 152">
                 <a:extLst>
                   <a:ext uri="{FF2B5EF4-FFF2-40B4-BE49-F238E27FC236}">
-                    <a16:creationId xmlns:a16="http://schemas.microsoft.com/office/drawing/2014/main" id="{8106EA78-39E5-DBB4-0FAD-7A96F469858C}"/>
+                    <a16:creationId xmlns:a16="http://schemas.microsoft.com/office/drawing/2014/main" id="{1B72778C-DEE9-E091-8651-FE1B7D03B8E2}"/>
                   </a:ext>
                 </a:extLst>
               </p:cNvPr>
@@ -11066,15 +10399,73 @@
               <p:nvPr/>
             </p:nvPicPr>
             <p:blipFill>
-              <a:blip r:embed="rId18"/>
+              <a:blip r:embed="rId21"/>
               <a:stretch>
                 <a:fillRect/>
               </a:stretch>
             </p:blipFill>
             <p:spPr>
               <a:xfrm>
-                <a:off x="4629065" y="1986768"/>
-                <a:ext cx="1492042" cy="384090"/>
+                <a:off x="5989110" y="454748"/>
+                <a:ext cx="1028700" cy="838200"/>
+              </a:xfrm>
+              <a:prstGeom prst="rect">
+                <a:avLst/>
+              </a:prstGeom>
+            </p:spPr>
+          </p:pic>
+          <p:pic>
+            <p:nvPicPr>
+              <p:cNvPr id="154" name="Picture 153">
+                <a:extLst>
+                  <a:ext uri="{FF2B5EF4-FFF2-40B4-BE49-F238E27FC236}">
+                    <a16:creationId xmlns:a16="http://schemas.microsoft.com/office/drawing/2014/main" id="{5182FA7B-A3CF-132C-3670-300DF7D94DA9}"/>
+                  </a:ext>
+                </a:extLst>
+              </p:cNvPr>
+              <p:cNvPicPr>
+                <a:picLocks noChangeAspect="1"/>
+              </p:cNvPicPr>
+              <p:nvPr/>
+            </p:nvPicPr>
+            <p:blipFill>
+              <a:blip r:embed="rId22"/>
+              <a:srcRect t="2506" r="71031" b="78986"/>
+              <a:stretch/>
+            </p:blipFill>
+            <p:spPr>
+              <a:xfrm>
+                <a:off x="5861286" y="230176"/>
+                <a:ext cx="747770" cy="197441"/>
+              </a:xfrm>
+              <a:prstGeom prst="rect">
+                <a:avLst/>
+              </a:prstGeom>
+            </p:spPr>
+          </p:pic>
+          <p:pic>
+            <p:nvPicPr>
+              <p:cNvPr id="29" name="Picture 28">
+                <a:extLst>
+                  <a:ext uri="{FF2B5EF4-FFF2-40B4-BE49-F238E27FC236}">
+                    <a16:creationId xmlns:a16="http://schemas.microsoft.com/office/drawing/2014/main" id="{565E576B-9DC1-BC9B-7C5B-A6C47327E28E}"/>
+                  </a:ext>
+                </a:extLst>
+              </p:cNvPr>
+              <p:cNvPicPr>
+                <a:picLocks noChangeAspect="1"/>
+              </p:cNvPicPr>
+              <p:nvPr/>
+            </p:nvPicPr>
+            <p:blipFill>
+              <a:blip r:embed="rId23"/>
+              <a:srcRect t="18085" r="69833" b="51260"/>
+              <a:stretch/>
+            </p:blipFill>
+            <p:spPr>
+              <a:xfrm>
+                <a:off x="7097048" y="223224"/>
+                <a:ext cx="793062" cy="385423"/>
               </a:xfrm>
               <a:prstGeom prst="rect">
                 <a:avLst/>
@@ -11082,86 +10473,162 @@
             </p:spPr>
           </p:pic>
         </p:grpSp>
-        <p:sp>
-          <p:nvSpPr>
-            <p:cNvPr id="187" name="TextBox 186">
+        <p:pic>
+          <p:nvPicPr>
+            <p:cNvPr id="33" name="Picture 32">
               <a:extLst>
                 <a:ext uri="{FF2B5EF4-FFF2-40B4-BE49-F238E27FC236}">
-                  <a16:creationId xmlns:a16="http://schemas.microsoft.com/office/drawing/2014/main" id="{9E5F68CE-E05D-B2DA-3AF6-4A3368BB35BE}"/>
+                  <a16:creationId xmlns:a16="http://schemas.microsoft.com/office/drawing/2014/main" id="{66F22664-3A8C-BE18-448C-2A946424FAFD}"/>
                 </a:ext>
               </a:extLst>
             </p:cNvPr>
-            <p:cNvSpPr txBox="1"/>
+            <p:cNvPicPr>
+              <a:picLocks noChangeAspect="1"/>
+            </p:cNvPicPr>
             <p:nvPr/>
-          </p:nvSpPr>
+          </p:nvPicPr>
+          <p:blipFill>
+            <a:blip r:embed="rId23"/>
+            <a:srcRect t="48018"/>
+            <a:stretch/>
+          </p:blipFill>
           <p:spPr>
             <a:xfrm>
-              <a:off x="7400403" y="1791225"/>
-              <a:ext cx="724422" cy="369332"/>
+              <a:off x="8677578" y="430150"/>
+              <a:ext cx="2628900" cy="653562"/>
             </a:xfrm>
             <a:prstGeom prst="rect">
               <a:avLst/>
             </a:prstGeom>
-            <a:noFill/>
           </p:spPr>
-          <p:txBody>
-            <a:bodyPr wrap="square">
-              <a:spAutoFit/>
-            </a:bodyPr>
-            <a:lstStyle/>
-            <a:p>
-              <a:r>
-                <a:rPr lang="pt-BR" b="1" dirty="0"/>
-                <a:t>85M</a:t>
-              </a:r>
-              <a:endParaRPr lang="LID4096" b="1" dirty="0"/>
-            </a:p>
-          </p:txBody>
-        </p:sp>
-        <p:sp>
-          <p:nvSpPr>
-            <p:cNvPr id="189" name="TextBox 188">
+        </p:pic>
+        <p:pic>
+          <p:nvPicPr>
+            <p:cNvPr id="36" name="Picture 35">
               <a:extLst>
                 <a:ext uri="{FF2B5EF4-FFF2-40B4-BE49-F238E27FC236}">
-                  <a16:creationId xmlns:a16="http://schemas.microsoft.com/office/drawing/2014/main" id="{35FF8DB2-708F-5936-80DB-73F5533367C0}"/>
+                  <a16:creationId xmlns:a16="http://schemas.microsoft.com/office/drawing/2014/main" id="{1E336DE2-00AF-26A7-DDED-EA8EB57787CB}"/>
                 </a:ext>
               </a:extLst>
             </p:cNvPr>
-            <p:cNvSpPr txBox="1"/>
+            <p:cNvPicPr>
+              <a:picLocks noChangeAspect="1"/>
+            </p:cNvPicPr>
             <p:nvPr/>
-          </p:nvSpPr>
+          </p:nvPicPr>
+          <p:blipFill>
+            <a:blip r:embed="rId24"/>
+            <a:stretch>
+              <a:fillRect/>
+            </a:stretch>
+          </p:blipFill>
           <p:spPr>
             <a:xfrm>
-              <a:off x="7615575" y="2598478"/>
-              <a:ext cx="212848" cy="276999"/>
+              <a:off x="6309346" y="618053"/>
+              <a:ext cx="2295525" cy="1238250"/>
             </a:xfrm>
             <a:prstGeom prst="rect">
               <a:avLst/>
             </a:prstGeom>
-            <a:noFill/>
           </p:spPr>
-          <p:txBody>
-            <a:bodyPr wrap="square" lIns="0" tIns="0" rIns="0" bIns="0" anchor="ctr" anchorCtr="0">
-              <a:spAutoFit/>
-            </a:bodyPr>
-            <a:lstStyle>
-              <a:defPPr>
-                <a:defRPr lang="LID4096"/>
-              </a:defPPr>
-              <a:lvl1pPr>
-                <a:defRPr sz="1100" b="1"/>
-              </a:lvl1pPr>
-            </a:lstStyle>
-            <a:p>
-              <a:r>
-                <a:rPr lang="en-US" sz="1800" dirty="0"/>
-                <a:t>h</a:t>
-              </a:r>
-              <a:endParaRPr lang="LID4096" sz="1800" dirty="0"/>
-            </a:p>
-          </p:txBody>
-        </p:sp>
+        </p:pic>
       </p:grpSp>
+      <p:pic>
+        <p:nvPicPr>
+          <p:cNvPr id="42" name="Picture 41">
+            <a:extLst>
+              <a:ext uri="{FF2B5EF4-FFF2-40B4-BE49-F238E27FC236}">
+                <a16:creationId xmlns:a16="http://schemas.microsoft.com/office/drawing/2014/main" id="{7989ACEA-185C-ECF2-2084-CD86F8FA1105}"/>
+              </a:ext>
+            </a:extLst>
+          </p:cNvPr>
+          <p:cNvPicPr>
+            <a:picLocks noChangeAspect="1"/>
+          </p:cNvPicPr>
+          <p:nvPr/>
+        </p:nvPicPr>
+        <p:blipFill>
+          <a:blip r:embed="rId25"/>
+          <a:stretch>
+            <a:fillRect/>
+          </a:stretch>
+        </p:blipFill>
+        <p:spPr>
+          <a:xfrm>
+            <a:off x="142001" y="82401"/>
+            <a:ext cx="1336361" cy="1670452"/>
+          </a:xfrm>
+          <a:prstGeom prst="rect">
+            <a:avLst/>
+          </a:prstGeom>
+        </p:spPr>
+      </p:pic>
+      <p:sp>
+        <p:nvSpPr>
+          <p:cNvPr id="47" name="TextBox 46">
+            <a:extLst>
+              <a:ext uri="{FF2B5EF4-FFF2-40B4-BE49-F238E27FC236}">
+                <a16:creationId xmlns:a16="http://schemas.microsoft.com/office/drawing/2014/main" id="{99DDD2E3-BE65-F592-CBCE-B29E1B8EEF19}"/>
+              </a:ext>
+            </a:extLst>
+          </p:cNvPr>
+          <p:cNvSpPr txBox="1"/>
+          <p:nvPr/>
+        </p:nvSpPr>
+        <p:spPr>
+          <a:xfrm>
+            <a:off x="11182756" y="12034"/>
+            <a:ext cx="1009244" cy="369332"/>
+          </a:xfrm>
+          <a:prstGeom prst="rect">
+            <a:avLst/>
+          </a:prstGeom>
+          <a:noFill/>
+        </p:spPr>
+        <p:txBody>
+          <a:bodyPr wrap="square">
+            <a:spAutoFit/>
+          </a:bodyPr>
+          <a:lstStyle/>
+          <a:p>
+            <a:pPr algn="r"/>
+            <a:r>
+              <a:rPr lang="pt-BR" b="1" dirty="0"/>
+              <a:t>Flopy</a:t>
+            </a:r>
+            <a:endParaRPr lang="LID4096" b="1" dirty="0"/>
+          </a:p>
+        </p:txBody>
+      </p:sp>
+      <p:pic>
+        <p:nvPicPr>
+          <p:cNvPr id="49" name="Picture 48">
+            <a:extLst>
+              <a:ext uri="{FF2B5EF4-FFF2-40B4-BE49-F238E27FC236}">
+                <a16:creationId xmlns:a16="http://schemas.microsoft.com/office/drawing/2014/main" id="{E3F33C2A-F133-D5A7-40E1-3321E082181B}"/>
+              </a:ext>
+            </a:extLst>
+          </p:cNvPr>
+          <p:cNvPicPr>
+            <a:picLocks noChangeAspect="1"/>
+          </p:cNvPicPr>
+          <p:nvPr/>
+        </p:nvPicPr>
+        <p:blipFill>
+          <a:blip r:embed="rId26"/>
+          <a:srcRect r="6828"/>
+          <a:stretch/>
+        </p:blipFill>
+        <p:spPr>
+          <a:xfrm>
+            <a:off x="7282740" y="1080389"/>
+            <a:ext cx="2440543" cy="609600"/>
+          </a:xfrm>
+          <a:prstGeom prst="rect">
+            <a:avLst/>
+          </a:prstGeom>
+        </p:spPr>
+      </p:pic>
     </p:spTree>
     <p:extLst>
       <p:ext uri="{BB962C8B-B14F-4D97-AF65-F5344CB8AC3E}">
@@ -11175,7 +10642,7 @@
 </p:sld>
 </file>
 
-<file path=ppt/slides/slide5.xml><?xml version="1.0" encoding="utf-8"?>
+<file path=ppt/slides/slide4.xml><?xml version="1.0" encoding="utf-8"?>
 <p:sld xmlns:a="http://schemas.openxmlformats.org/drawingml/2006/main" xmlns:r="http://schemas.openxmlformats.org/officeDocument/2006/relationships" xmlns:p="http://schemas.openxmlformats.org/presentationml/2006/main">
   <p:cSld>
     <p:bg>
@@ -11663,194 +11130,6 @@
           </p:pic>
         </p:grpSp>
       </p:grpSp>
-      <p:grpSp>
-        <p:nvGrpSpPr>
-          <p:cNvPr id="88" name="Group 87">
-            <a:extLst>
-              <a:ext uri="{FF2B5EF4-FFF2-40B4-BE49-F238E27FC236}">
-                <a16:creationId xmlns:a16="http://schemas.microsoft.com/office/drawing/2014/main" id="{FE01F1E2-0056-D4DF-793B-51E13DE86E3D}"/>
-              </a:ext>
-            </a:extLst>
-          </p:cNvPr>
-          <p:cNvGrpSpPr/>
-          <p:nvPr/>
-        </p:nvGrpSpPr>
-        <p:grpSpPr>
-          <a:xfrm>
-            <a:off x="4361246" y="231255"/>
-            <a:ext cx="2233276" cy="1453762"/>
-            <a:chOff x="8353586" y="5524034"/>
-            <a:chExt cx="2233276" cy="1453762"/>
-          </a:xfrm>
-        </p:grpSpPr>
-        <p:grpSp>
-          <p:nvGrpSpPr>
-            <p:cNvPr id="90" name="Group 89">
-              <a:extLst>
-                <a:ext uri="{FF2B5EF4-FFF2-40B4-BE49-F238E27FC236}">
-                  <a16:creationId xmlns:a16="http://schemas.microsoft.com/office/drawing/2014/main" id="{3FE577AC-DB6A-2982-35EB-FF49449D459C}"/>
-                </a:ext>
-              </a:extLst>
-            </p:cNvPr>
-            <p:cNvGrpSpPr/>
-            <p:nvPr/>
-          </p:nvGrpSpPr>
-          <p:grpSpPr>
-            <a:xfrm>
-              <a:off x="8353586" y="5524034"/>
-              <a:ext cx="2028825" cy="1453762"/>
-              <a:chOff x="7012215" y="5434078"/>
-              <a:chExt cx="2028825" cy="1453762"/>
-            </a:xfrm>
-          </p:grpSpPr>
-          <p:pic>
-            <p:nvPicPr>
-              <p:cNvPr id="92" name="Picture 91">
-                <a:extLst>
-                  <a:ext uri="{FF2B5EF4-FFF2-40B4-BE49-F238E27FC236}">
-                    <a16:creationId xmlns:a16="http://schemas.microsoft.com/office/drawing/2014/main" id="{4CC90721-1541-2AB6-12D4-B2EC5103270C}"/>
-                  </a:ext>
-                </a:extLst>
-              </p:cNvPr>
-              <p:cNvPicPr>
-                <a:picLocks noChangeAspect="1"/>
-              </p:cNvPicPr>
-              <p:nvPr/>
-            </p:nvPicPr>
-            <p:blipFill>
-              <a:blip r:embed="rId9"/>
-              <a:srcRect t="80592"/>
-              <a:stretch/>
-            </p:blipFill>
-            <p:spPr>
-              <a:xfrm>
-                <a:off x="7012215" y="5434078"/>
-                <a:ext cx="2028825" cy="199646"/>
-              </a:xfrm>
-              <a:prstGeom prst="rect">
-                <a:avLst/>
-              </a:prstGeom>
-            </p:spPr>
-          </p:pic>
-          <p:pic>
-            <p:nvPicPr>
-              <p:cNvPr id="93" name="Picture 92">
-                <a:extLst>
-                  <a:ext uri="{FF2B5EF4-FFF2-40B4-BE49-F238E27FC236}">
-                    <a16:creationId xmlns:a16="http://schemas.microsoft.com/office/drawing/2014/main" id="{EBEB791D-7865-7AF2-A033-7309AB158B5F}"/>
-                  </a:ext>
-                </a:extLst>
-              </p:cNvPr>
-              <p:cNvPicPr>
-                <a:picLocks noChangeAspect="1"/>
-              </p:cNvPicPr>
-              <p:nvPr/>
-            </p:nvPicPr>
-            <p:blipFill>
-              <a:blip r:embed="rId10"/>
-              <a:stretch>
-                <a:fillRect/>
-              </a:stretch>
-            </p:blipFill>
-            <p:spPr>
-              <a:xfrm>
-                <a:off x="7126474" y="5630540"/>
-                <a:ext cx="1552575" cy="1257300"/>
-              </a:xfrm>
-              <a:prstGeom prst="rect">
-                <a:avLst/>
-              </a:prstGeom>
-            </p:spPr>
-          </p:pic>
-          <p:sp>
-            <p:nvSpPr>
-              <p:cNvPr id="94" name="Rectangle 93">
-                <a:extLst>
-                  <a:ext uri="{FF2B5EF4-FFF2-40B4-BE49-F238E27FC236}">
-                    <a16:creationId xmlns:a16="http://schemas.microsoft.com/office/drawing/2014/main" id="{0285D463-467D-7BD7-A2C5-D553A4F83788}"/>
-                  </a:ext>
-                </a:extLst>
-              </p:cNvPr>
-              <p:cNvSpPr/>
-              <p:nvPr/>
-            </p:nvSpPr>
-            <p:spPr>
-              <a:xfrm>
-                <a:off x="7126474" y="6237872"/>
-                <a:ext cx="1656160" cy="213066"/>
-              </a:xfrm>
-              <a:prstGeom prst="rect">
-                <a:avLst/>
-              </a:prstGeom>
-              <a:noFill/>
-              <a:ln w="6350">
-                <a:solidFill>
-                  <a:schemeClr val="tx1"/>
-                </a:solidFill>
-              </a:ln>
-              <a:effectLst>
-                <a:outerShdw blurRad="50800" dist="38100" dir="8100000" algn="tr" rotWithShape="0">
-                  <a:prstClr val="black">
-                    <a:alpha val="40000"/>
-                  </a:prstClr>
-                </a:outerShdw>
-              </a:effectLst>
-            </p:spPr>
-            <p:txBody>
-              <a:bodyPr wrap="none" anchor="ctr" anchorCtr="0">
-                <a:noAutofit/>
-              </a:bodyPr>
-              <a:lstStyle/>
-              <a:p>
-                <a:endParaRPr lang="LID4096" dirty="0"/>
-              </a:p>
-            </p:txBody>
-          </p:sp>
-        </p:grpSp>
-        <p:sp>
-          <p:nvSpPr>
-            <p:cNvPr id="91" name="TextBox 90">
-              <a:extLst>
-                <a:ext uri="{FF2B5EF4-FFF2-40B4-BE49-F238E27FC236}">
-                  <a16:creationId xmlns:a16="http://schemas.microsoft.com/office/drawing/2014/main" id="{8EC7666F-BB5B-9514-BC6F-466C4E4EAC2B}"/>
-                </a:ext>
-              </a:extLst>
-            </p:cNvPr>
-            <p:cNvSpPr txBox="1"/>
-            <p:nvPr/>
-          </p:nvSpPr>
-          <p:spPr>
-            <a:xfrm>
-              <a:off x="9927534" y="6132460"/>
-              <a:ext cx="659328" cy="523220"/>
-            </a:xfrm>
-            <a:prstGeom prst="rect">
-              <a:avLst/>
-            </a:prstGeom>
-            <a:noFill/>
-          </p:spPr>
-          <p:txBody>
-            <a:bodyPr wrap="square">
-              <a:spAutoFit/>
-            </a:bodyPr>
-            <a:lstStyle>
-              <a:defPPr>
-                <a:defRPr lang="LID4096"/>
-              </a:defPPr>
-              <a:lvl1pPr>
-                <a:defRPr sz="1100" b="1"/>
-              </a:lvl1pPr>
-            </a:lstStyle>
-            <a:p>
-              <a:r>
-                <a:rPr lang="en-US" sz="2800" dirty="0"/>
-                <a:t>*</a:t>
-              </a:r>
-              <a:endParaRPr lang="LID4096" sz="2800" dirty="0"/>
-            </a:p>
-          </p:txBody>
-        </p:sp>
-      </p:grpSp>
       <p:sp>
         <p:nvSpPr>
           <p:cNvPr id="101" name="Rectangle 100">
@@ -11921,7 +11200,7 @@
           <p:nvPr/>
         </p:nvPicPr>
         <p:blipFill>
-          <a:blip r:embed="rId11"/>
+          <a:blip r:embed="rId9"/>
           <a:stretch>
             <a:fillRect/>
           </a:stretch>
@@ -11956,7 +11235,7 @@
           <p:nvPr/>
         </p:nvPicPr>
         <p:blipFill>
-          <a:blip r:embed="rId12"/>
+          <a:blip r:embed="rId10"/>
           <a:srcRect t="89315" b="3071"/>
           <a:stretch/>
         </p:blipFill>
@@ -11985,7 +11264,7 @@
           <p:nvPr/>
         </p:nvPicPr>
         <p:blipFill>
-          <a:blip r:embed="rId13"/>
+          <a:blip r:embed="rId11"/>
           <a:stretch>
             <a:fillRect/>
           </a:stretch>
@@ -12015,7 +11294,7 @@
           <p:nvPr/>
         </p:nvPicPr>
         <p:blipFill>
-          <a:blip r:embed="rId14"/>
+          <a:blip r:embed="rId12"/>
           <a:srcRect b="74161"/>
           <a:stretch/>
         </p:blipFill>
@@ -12044,7 +11323,7 @@
           <p:nvPr/>
         </p:nvPicPr>
         <p:blipFill>
-          <a:blip r:embed="rId14"/>
+          <a:blip r:embed="rId12"/>
           <a:srcRect t="27112" b="12123"/>
           <a:stretch/>
         </p:blipFill>
@@ -12388,94 +11667,6 @@
           </a:p>
         </p:txBody>
       </p:sp>
-      <p:pic>
-        <p:nvPicPr>
-          <p:cNvPr id="153" name="Picture 152">
-            <a:extLst>
-              <a:ext uri="{FF2B5EF4-FFF2-40B4-BE49-F238E27FC236}">
-                <a16:creationId xmlns:a16="http://schemas.microsoft.com/office/drawing/2014/main" id="{1B72778C-DEE9-E091-8651-FE1B7D03B8E2}"/>
-              </a:ext>
-            </a:extLst>
-          </p:cNvPr>
-          <p:cNvPicPr>
-            <a:picLocks noChangeAspect="1"/>
-          </p:cNvPicPr>
-          <p:nvPr/>
-        </p:nvPicPr>
-        <p:blipFill>
-          <a:blip r:embed="rId15"/>
-          <a:stretch>
-            <a:fillRect/>
-          </a:stretch>
-        </p:blipFill>
-        <p:spPr>
-          <a:xfrm>
-            <a:off x="6304782" y="454848"/>
-            <a:ext cx="1028700" cy="838200"/>
-          </a:xfrm>
-          <a:prstGeom prst="rect">
-            <a:avLst/>
-          </a:prstGeom>
-        </p:spPr>
-      </p:pic>
-      <p:pic>
-        <p:nvPicPr>
-          <p:cNvPr id="154" name="Picture 153">
-            <a:extLst>
-              <a:ext uri="{FF2B5EF4-FFF2-40B4-BE49-F238E27FC236}">
-                <a16:creationId xmlns:a16="http://schemas.microsoft.com/office/drawing/2014/main" id="{5182FA7B-A3CF-132C-3670-300DF7D94DA9}"/>
-              </a:ext>
-            </a:extLst>
-          </p:cNvPr>
-          <p:cNvPicPr>
-            <a:picLocks noChangeAspect="1"/>
-          </p:cNvPicPr>
-          <p:nvPr/>
-        </p:nvPicPr>
-        <p:blipFill>
-          <a:blip r:embed="rId16"/>
-          <a:srcRect t="2506" b="78744"/>
-          <a:stretch/>
-        </p:blipFill>
-        <p:spPr>
-          <a:xfrm>
-            <a:off x="6176957" y="230276"/>
-            <a:ext cx="2581275" cy="200024"/>
-          </a:xfrm>
-          <a:prstGeom prst="rect">
-            <a:avLst/>
-          </a:prstGeom>
-        </p:spPr>
-      </p:pic>
-      <p:pic>
-        <p:nvPicPr>
-          <p:cNvPr id="19" name="Picture 18">
-            <a:extLst>
-              <a:ext uri="{FF2B5EF4-FFF2-40B4-BE49-F238E27FC236}">
-                <a16:creationId xmlns:a16="http://schemas.microsoft.com/office/drawing/2014/main" id="{565E576B-9DC1-BC9B-7C5B-A6C47327E28E}"/>
-              </a:ext>
-            </a:extLst>
-          </p:cNvPr>
-          <p:cNvPicPr>
-            <a:picLocks noChangeAspect="1"/>
-          </p:cNvPicPr>
-          <p:nvPr/>
-        </p:nvPicPr>
-        <p:blipFill>
-          <a:blip r:embed="rId17"/>
-          <a:srcRect t="18085"/>
-          <a:stretch/>
-        </p:blipFill>
-        <p:spPr>
-          <a:xfrm>
-            <a:off x="6223708" y="1362135"/>
-            <a:ext cx="2628900" cy="1029911"/>
-          </a:xfrm>
-          <a:prstGeom prst="rect">
-            <a:avLst/>
-          </a:prstGeom>
-        </p:spPr>
-      </p:pic>
     </p:spTree>
     <p:extLst>
       <p:ext uri="{BB962C8B-B14F-4D97-AF65-F5344CB8AC3E}">
@@ -12489,7 +11680,7 @@
 </p:sld>
 </file>
 
-<file path=ppt/slides/slide6.xml><?xml version="1.0" encoding="utf-8"?>
+<file path=ppt/slides/slide5.xml><?xml version="1.0" encoding="utf-8"?>
 <p:sld xmlns:a="http://schemas.openxmlformats.org/drawingml/2006/main" xmlns:r="http://schemas.openxmlformats.org/officeDocument/2006/relationships" xmlns:p="http://schemas.openxmlformats.org/presentationml/2006/main">
   <p:cSld>
     <p:bg>
@@ -14122,7 +13313,7 @@
 </p:sld>
 </file>
 
-<file path=ppt/slides/slide7.xml><?xml version="1.0" encoding="utf-8"?>
+<file path=ppt/slides/slide6.xml><?xml version="1.0" encoding="utf-8"?>
 <p:sld xmlns:a="http://schemas.openxmlformats.org/drawingml/2006/main" xmlns:r="http://schemas.openxmlformats.org/officeDocument/2006/relationships" xmlns:p="http://schemas.openxmlformats.org/presentationml/2006/main">
   <p:cSld>
     <p:bg>
@@ -17592,7 +16783,7 @@
 </p:sld>
 </file>
 
-<file path=ppt/slides/slide8.xml><?xml version="1.0" encoding="utf-8"?>
+<file path=ppt/slides/slide7.xml><?xml version="1.0" encoding="utf-8"?>
 <p:sld xmlns:a="http://schemas.openxmlformats.org/drawingml/2006/main" xmlns:r="http://schemas.openxmlformats.org/officeDocument/2006/relationships" xmlns:p="http://schemas.openxmlformats.org/presentationml/2006/main">
   <p:cSld>
     <p:bg>
@@ -20338,6 +19529,1580 @@
 </p:sld>
 </file>
 
+<file path=ppt/slides/slide8.xml><?xml version="1.0" encoding="utf-8"?>
+<p:sld xmlns:a="http://schemas.openxmlformats.org/drawingml/2006/main" xmlns:r="http://schemas.openxmlformats.org/officeDocument/2006/relationships" xmlns:p="http://schemas.openxmlformats.org/presentationml/2006/main">
+  <p:cSld>
+    <p:bg>
+      <p:bgPr>
+        <a:solidFill>
+          <a:srgbClr val="EFDECD"/>
+        </a:solidFill>
+        <a:effectLst/>
+      </p:bgPr>
+    </p:bg>
+    <p:spTree>
+      <p:nvGrpSpPr>
+        <p:cNvPr id="1" name="">
+          <a:extLst>
+            <a:ext uri="{FF2B5EF4-FFF2-40B4-BE49-F238E27FC236}">
+              <a16:creationId xmlns:a16="http://schemas.microsoft.com/office/drawing/2014/main" id="{005A93EA-C738-87F8-AC56-2199256A77A9}"/>
+            </a:ext>
+          </a:extLst>
+        </p:cNvPr>
+        <p:cNvGrpSpPr/>
+        <p:nvPr/>
+      </p:nvGrpSpPr>
+      <p:grpSpPr>
+        <a:xfrm>
+          <a:off x="0" y="0"/>
+          <a:ext cx="0" cy="0"/>
+          <a:chOff x="0" y="0"/>
+          <a:chExt cx="0" cy="0"/>
+        </a:xfrm>
+      </p:grpSpPr>
+      <p:pic>
+        <p:nvPicPr>
+          <p:cNvPr id="1088" name="Picture 1087">
+            <a:extLst>
+              <a:ext uri="{FF2B5EF4-FFF2-40B4-BE49-F238E27FC236}">
+                <a16:creationId xmlns:a16="http://schemas.microsoft.com/office/drawing/2014/main" id="{1C5ADB66-5D3A-4762-1C4F-405B3D024573}"/>
+              </a:ext>
+            </a:extLst>
+          </p:cNvPr>
+          <p:cNvPicPr>
+            <a:picLocks noChangeAspect="1"/>
+          </p:cNvPicPr>
+          <p:nvPr/>
+        </p:nvPicPr>
+        <p:blipFill>
+          <a:blip r:embed="rId2"/>
+          <a:stretch>
+            <a:fillRect/>
+          </a:stretch>
+        </p:blipFill>
+        <p:spPr>
+          <a:xfrm>
+            <a:off x="155649" y="4562566"/>
+            <a:ext cx="733746" cy="301360"/>
+          </a:xfrm>
+          <a:prstGeom prst="rect">
+            <a:avLst/>
+          </a:prstGeom>
+        </p:spPr>
+      </p:pic>
+      <p:pic>
+        <p:nvPicPr>
+          <p:cNvPr id="1090" name="Picture 1089">
+            <a:extLst>
+              <a:ext uri="{FF2B5EF4-FFF2-40B4-BE49-F238E27FC236}">
+                <a16:creationId xmlns:a16="http://schemas.microsoft.com/office/drawing/2014/main" id="{D059915B-2B24-4350-83D5-EEF947AA9655}"/>
+              </a:ext>
+            </a:extLst>
+          </p:cNvPr>
+          <p:cNvPicPr>
+            <a:picLocks noChangeAspect="1"/>
+          </p:cNvPicPr>
+          <p:nvPr/>
+        </p:nvPicPr>
+        <p:blipFill>
+          <a:blip r:embed="rId3"/>
+          <a:stretch>
+            <a:fillRect/>
+          </a:stretch>
+        </p:blipFill>
+        <p:spPr>
+          <a:xfrm>
+            <a:off x="1798139" y="5675806"/>
+            <a:ext cx="1022004" cy="301360"/>
+          </a:xfrm>
+          <a:prstGeom prst="rect">
+            <a:avLst/>
+          </a:prstGeom>
+        </p:spPr>
+      </p:pic>
+      <p:pic>
+        <p:nvPicPr>
+          <p:cNvPr id="1092" name="Picture 1091">
+            <a:extLst>
+              <a:ext uri="{FF2B5EF4-FFF2-40B4-BE49-F238E27FC236}">
+                <a16:creationId xmlns:a16="http://schemas.microsoft.com/office/drawing/2014/main" id="{567405D1-7024-E12B-656B-F88D45815608}"/>
+              </a:ext>
+            </a:extLst>
+          </p:cNvPr>
+          <p:cNvPicPr>
+            <a:picLocks noChangeAspect="1"/>
+          </p:cNvPicPr>
+          <p:nvPr/>
+        </p:nvPicPr>
+        <p:blipFill>
+          <a:blip r:embed="rId4"/>
+          <a:stretch>
+            <a:fillRect/>
+          </a:stretch>
+        </p:blipFill>
+        <p:spPr>
+          <a:xfrm>
+            <a:off x="1792722" y="6008618"/>
+            <a:ext cx="799260" cy="301360"/>
+          </a:xfrm>
+          <a:prstGeom prst="rect">
+            <a:avLst/>
+          </a:prstGeom>
+        </p:spPr>
+      </p:pic>
+      <p:pic>
+        <p:nvPicPr>
+          <p:cNvPr id="1094" name="Picture 1093">
+            <a:extLst>
+              <a:ext uri="{FF2B5EF4-FFF2-40B4-BE49-F238E27FC236}">
+                <a16:creationId xmlns:a16="http://schemas.microsoft.com/office/drawing/2014/main" id="{3185E168-E99D-FB3D-24B5-B5DB70EA13B6}"/>
+              </a:ext>
+            </a:extLst>
+          </p:cNvPr>
+          <p:cNvPicPr>
+            <a:picLocks noChangeAspect="1"/>
+          </p:cNvPicPr>
+          <p:nvPr/>
+        </p:nvPicPr>
+        <p:blipFill>
+          <a:blip r:embed="rId5"/>
+          <a:stretch>
+            <a:fillRect/>
+          </a:stretch>
+        </p:blipFill>
+        <p:spPr>
+          <a:xfrm>
+            <a:off x="155648" y="4924077"/>
+            <a:ext cx="733747" cy="327566"/>
+          </a:xfrm>
+          <a:prstGeom prst="rect">
+            <a:avLst/>
+          </a:prstGeom>
+        </p:spPr>
+      </p:pic>
+      <p:pic>
+        <p:nvPicPr>
+          <p:cNvPr id="1096" name="Picture 1095">
+            <a:extLst>
+              <a:ext uri="{FF2B5EF4-FFF2-40B4-BE49-F238E27FC236}">
+                <a16:creationId xmlns:a16="http://schemas.microsoft.com/office/drawing/2014/main" id="{818EA404-6905-44C4-5E92-164401639B18}"/>
+              </a:ext>
+            </a:extLst>
+          </p:cNvPr>
+          <p:cNvPicPr>
+            <a:picLocks noChangeAspect="1"/>
+          </p:cNvPicPr>
+          <p:nvPr/>
+        </p:nvPicPr>
+        <p:blipFill>
+          <a:blip r:embed="rId6"/>
+          <a:stretch>
+            <a:fillRect/>
+          </a:stretch>
+        </p:blipFill>
+        <p:spPr>
+          <a:xfrm>
+            <a:off x="1792722" y="6361442"/>
+            <a:ext cx="642028" cy="301360"/>
+          </a:xfrm>
+          <a:prstGeom prst="rect">
+            <a:avLst/>
+          </a:prstGeom>
+        </p:spPr>
+      </p:pic>
+      <p:pic>
+        <p:nvPicPr>
+          <p:cNvPr id="1098" name="Picture 1097">
+            <a:extLst>
+              <a:ext uri="{FF2B5EF4-FFF2-40B4-BE49-F238E27FC236}">
+                <a16:creationId xmlns:a16="http://schemas.microsoft.com/office/drawing/2014/main" id="{C47623F3-558C-D700-BF32-95FD6200C443}"/>
+              </a:ext>
+            </a:extLst>
+          </p:cNvPr>
+          <p:cNvPicPr>
+            <a:picLocks noChangeAspect="1"/>
+          </p:cNvPicPr>
+          <p:nvPr/>
+        </p:nvPicPr>
+        <p:blipFill>
+          <a:blip r:embed="rId7"/>
+          <a:stretch>
+            <a:fillRect/>
+          </a:stretch>
+        </p:blipFill>
+        <p:spPr>
+          <a:xfrm>
+            <a:off x="144425" y="5573704"/>
+            <a:ext cx="1297159" cy="338145"/>
+          </a:xfrm>
+          <a:prstGeom prst="rect">
+            <a:avLst/>
+          </a:prstGeom>
+        </p:spPr>
+      </p:pic>
+      <p:pic>
+        <p:nvPicPr>
+          <p:cNvPr id="1100" name="Picture 1099">
+            <a:extLst>
+              <a:ext uri="{FF2B5EF4-FFF2-40B4-BE49-F238E27FC236}">
+                <a16:creationId xmlns:a16="http://schemas.microsoft.com/office/drawing/2014/main" id="{A0977BD7-F0F4-2634-7646-65502EC8BBB1}"/>
+              </a:ext>
+            </a:extLst>
+          </p:cNvPr>
+          <p:cNvPicPr>
+            <a:picLocks noChangeAspect="1"/>
+          </p:cNvPicPr>
+          <p:nvPr/>
+        </p:nvPicPr>
+        <p:blipFill>
+          <a:blip r:embed="rId8"/>
+          <a:stretch>
+            <a:fillRect/>
+          </a:stretch>
+        </p:blipFill>
+        <p:spPr>
+          <a:xfrm>
+            <a:off x="144425" y="5949451"/>
+            <a:ext cx="615822" cy="248949"/>
+          </a:xfrm>
+          <a:prstGeom prst="rect">
+            <a:avLst/>
+          </a:prstGeom>
+        </p:spPr>
+      </p:pic>
+      <p:pic>
+        <p:nvPicPr>
+          <p:cNvPr id="1103" name="Picture 1102">
+            <a:extLst>
+              <a:ext uri="{FF2B5EF4-FFF2-40B4-BE49-F238E27FC236}">
+                <a16:creationId xmlns:a16="http://schemas.microsoft.com/office/drawing/2014/main" id="{D4D7584C-1051-908C-ECC6-9F2B1119F201}"/>
+              </a:ext>
+            </a:extLst>
+          </p:cNvPr>
+          <p:cNvPicPr>
+            <a:picLocks noChangeAspect="1"/>
+          </p:cNvPicPr>
+          <p:nvPr/>
+        </p:nvPicPr>
+        <p:blipFill>
+          <a:blip r:embed="rId9"/>
+          <a:stretch>
+            <a:fillRect/>
+          </a:stretch>
+        </p:blipFill>
+        <p:spPr>
+          <a:xfrm>
+            <a:off x="144425" y="6255142"/>
+            <a:ext cx="919941" cy="301360"/>
+          </a:xfrm>
+          <a:prstGeom prst="rect">
+            <a:avLst/>
+          </a:prstGeom>
+        </p:spPr>
+      </p:pic>
+      <p:pic>
+        <p:nvPicPr>
+          <p:cNvPr id="1105" name="Picture 1104">
+            <a:extLst>
+              <a:ext uri="{FF2B5EF4-FFF2-40B4-BE49-F238E27FC236}">
+                <a16:creationId xmlns:a16="http://schemas.microsoft.com/office/drawing/2014/main" id="{2099EFBE-4990-A16A-6762-17B8764A3981}"/>
+              </a:ext>
+            </a:extLst>
+          </p:cNvPr>
+          <p:cNvPicPr>
+            <a:picLocks noChangeAspect="1"/>
+          </p:cNvPicPr>
+          <p:nvPr/>
+        </p:nvPicPr>
+        <p:blipFill>
+          <a:blip r:embed="rId10"/>
+          <a:stretch>
+            <a:fillRect/>
+          </a:stretch>
+        </p:blipFill>
+        <p:spPr>
+          <a:xfrm>
+            <a:off x="148307" y="5287196"/>
+            <a:ext cx="2667000" cy="266700"/>
+          </a:xfrm>
+          <a:prstGeom prst="rect">
+            <a:avLst/>
+          </a:prstGeom>
+        </p:spPr>
+      </p:pic>
+      <p:pic>
+        <p:nvPicPr>
+          <p:cNvPr id="4" name="Picture 3">
+            <a:extLst>
+              <a:ext uri="{FF2B5EF4-FFF2-40B4-BE49-F238E27FC236}">
+                <a16:creationId xmlns:a16="http://schemas.microsoft.com/office/drawing/2014/main" id="{52B1B0C3-0526-2B9D-05CD-8DB6B19F48A5}"/>
+              </a:ext>
+            </a:extLst>
+          </p:cNvPr>
+          <p:cNvPicPr>
+            <a:picLocks noChangeAspect="1"/>
+          </p:cNvPicPr>
+          <p:nvPr/>
+        </p:nvPicPr>
+        <p:blipFill>
+          <a:blip r:embed="rId11"/>
+          <a:stretch>
+            <a:fillRect/>
+          </a:stretch>
+        </p:blipFill>
+        <p:spPr>
+          <a:xfrm>
+            <a:off x="5248275" y="5505450"/>
+            <a:ext cx="6943725" cy="1352550"/>
+          </a:xfrm>
+          <a:prstGeom prst="rect">
+            <a:avLst/>
+          </a:prstGeom>
+          <a:ln>
+            <a:solidFill>
+              <a:schemeClr val="tx1"/>
+            </a:solidFill>
+          </a:ln>
+        </p:spPr>
+      </p:pic>
+      <p:grpSp>
+        <p:nvGrpSpPr>
+          <p:cNvPr id="19" name="Group 18">
+            <a:extLst>
+              <a:ext uri="{FF2B5EF4-FFF2-40B4-BE49-F238E27FC236}">
+                <a16:creationId xmlns:a16="http://schemas.microsoft.com/office/drawing/2014/main" id="{BA9CD93F-AF65-99BE-6389-7DC782E5CCC6}"/>
+              </a:ext>
+            </a:extLst>
+          </p:cNvPr>
+          <p:cNvGrpSpPr/>
+          <p:nvPr/>
+        </p:nvGrpSpPr>
+        <p:grpSpPr>
+          <a:xfrm>
+            <a:off x="144425" y="136600"/>
+            <a:ext cx="5173773" cy="4292421"/>
+            <a:chOff x="144425" y="130192"/>
+            <a:chExt cx="5173773" cy="4292421"/>
+          </a:xfrm>
+        </p:grpSpPr>
+        <p:pic>
+          <p:nvPicPr>
+            <p:cNvPr id="8" name="Picture 7">
+              <a:extLst>
+                <a:ext uri="{FF2B5EF4-FFF2-40B4-BE49-F238E27FC236}">
+                  <a16:creationId xmlns:a16="http://schemas.microsoft.com/office/drawing/2014/main" id="{78C9D8CA-F64D-5557-5B40-7E1F83A8812B}"/>
+                </a:ext>
+              </a:extLst>
+            </p:cNvPr>
+            <p:cNvPicPr>
+              <a:picLocks noChangeAspect="1"/>
+            </p:cNvPicPr>
+            <p:nvPr/>
+          </p:nvPicPr>
+          <p:blipFill>
+            <a:blip r:embed="rId12"/>
+            <a:stretch>
+              <a:fillRect/>
+            </a:stretch>
+          </p:blipFill>
+          <p:spPr>
+            <a:xfrm>
+              <a:off x="155648" y="130192"/>
+              <a:ext cx="5162550" cy="1381125"/>
+            </a:xfrm>
+            <a:prstGeom prst="rect">
+              <a:avLst/>
+            </a:prstGeom>
+            <a:noFill/>
+            <a:ln w="3175">
+              <a:solidFill>
+                <a:schemeClr val="tx1"/>
+              </a:solidFill>
+            </a:ln>
+            <a:effectLst>
+              <a:outerShdw blurRad="50800" dist="38100" dir="8100000" algn="tr" rotWithShape="0">
+                <a:prstClr val="black">
+                  <a:alpha val="40000"/>
+                </a:prstClr>
+              </a:outerShdw>
+            </a:effectLst>
+          </p:spPr>
+        </p:pic>
+        <p:grpSp>
+          <p:nvGrpSpPr>
+            <p:cNvPr id="1080" name="Group 1079">
+              <a:extLst>
+                <a:ext uri="{FF2B5EF4-FFF2-40B4-BE49-F238E27FC236}">
+                  <a16:creationId xmlns:a16="http://schemas.microsoft.com/office/drawing/2014/main" id="{9AA996AD-F2F5-1343-7E9D-C610E61A24DE}"/>
+                </a:ext>
+              </a:extLst>
+            </p:cNvPr>
+            <p:cNvGrpSpPr/>
+            <p:nvPr/>
+          </p:nvGrpSpPr>
+          <p:grpSpPr>
+            <a:xfrm>
+              <a:off x="148307" y="2431888"/>
+              <a:ext cx="4638804" cy="1990725"/>
+              <a:chOff x="148307" y="2431888"/>
+              <a:chExt cx="4638804" cy="1990725"/>
+            </a:xfrm>
+          </p:grpSpPr>
+          <p:pic>
+            <p:nvPicPr>
+              <p:cNvPr id="1066" name="Picture 1065">
+                <a:extLst>
+                  <a:ext uri="{FF2B5EF4-FFF2-40B4-BE49-F238E27FC236}">
+                    <a16:creationId xmlns:a16="http://schemas.microsoft.com/office/drawing/2014/main" id="{8236B543-9CE4-CF76-F017-4FD1351DA907}"/>
+                  </a:ext>
+                </a:extLst>
+              </p:cNvPr>
+              <p:cNvPicPr>
+                <a:picLocks noChangeAspect="1"/>
+              </p:cNvPicPr>
+              <p:nvPr/>
+            </p:nvPicPr>
+            <p:blipFill>
+              <a:blip r:embed="rId13"/>
+              <a:srcRect r="38712"/>
+              <a:stretch/>
+            </p:blipFill>
+            <p:spPr>
+              <a:xfrm>
+                <a:off x="148307" y="2431888"/>
+                <a:ext cx="2037346" cy="1990725"/>
+              </a:xfrm>
+              <a:prstGeom prst="rect">
+                <a:avLst/>
+              </a:prstGeom>
+              <a:noFill/>
+              <a:ln w="3175">
+                <a:solidFill>
+                  <a:schemeClr val="tx1"/>
+                </a:solidFill>
+              </a:ln>
+              <a:effectLst>
+                <a:outerShdw blurRad="50800" dist="38100" dir="8100000" algn="tr" rotWithShape="0">
+                  <a:prstClr val="black">
+                    <a:alpha val="40000"/>
+                  </a:prstClr>
+                </a:outerShdw>
+              </a:effectLst>
+            </p:spPr>
+          </p:pic>
+          <p:grpSp>
+            <p:nvGrpSpPr>
+              <p:cNvPr id="1071" name="Group 1070">
+                <a:extLst>
+                  <a:ext uri="{FF2B5EF4-FFF2-40B4-BE49-F238E27FC236}">
+                    <a16:creationId xmlns:a16="http://schemas.microsoft.com/office/drawing/2014/main" id="{C8C22A67-F622-7975-11BC-6E0BEBBA258A}"/>
+                  </a:ext>
+                </a:extLst>
+              </p:cNvPr>
+              <p:cNvGrpSpPr/>
+              <p:nvPr/>
+            </p:nvGrpSpPr>
+            <p:grpSpPr>
+              <a:xfrm>
+                <a:off x="1592441" y="2431888"/>
+                <a:ext cx="3194669" cy="1104900"/>
+                <a:chOff x="822070" y="2243835"/>
+                <a:chExt cx="3194669" cy="1104900"/>
+              </a:xfrm>
+            </p:grpSpPr>
+            <p:pic>
+              <p:nvPicPr>
+                <p:cNvPr id="1072" name="Picture 1071">
+                  <a:extLst>
+                    <a:ext uri="{FF2B5EF4-FFF2-40B4-BE49-F238E27FC236}">
+                      <a16:creationId xmlns:a16="http://schemas.microsoft.com/office/drawing/2014/main" id="{178C7A45-DF3A-C3AB-97AA-C057EE395D97}"/>
+                    </a:ext>
+                  </a:extLst>
+                </p:cNvPr>
+                <p:cNvPicPr>
+                  <a:picLocks noChangeAspect="1"/>
+                </p:cNvPicPr>
+                <p:nvPr/>
+              </p:nvPicPr>
+              <p:blipFill>
+                <a:blip r:embed="rId14"/>
+                <a:srcRect l="6649" t="64248" r="29467"/>
+                <a:stretch/>
+              </p:blipFill>
+              <p:spPr>
+                <a:xfrm>
+                  <a:off x="822070" y="2243835"/>
+                  <a:ext cx="3194669" cy="1104900"/>
+                </a:xfrm>
+                <a:prstGeom prst="rect">
+                  <a:avLst/>
+                </a:prstGeom>
+                <a:noFill/>
+                <a:ln w="3175">
+                  <a:solidFill>
+                    <a:schemeClr val="tx1"/>
+                  </a:solidFill>
+                </a:ln>
+                <a:effectLst>
+                  <a:outerShdw blurRad="50800" dist="38100" dir="8100000" algn="tr" rotWithShape="0">
+                    <a:prstClr val="black">
+                      <a:alpha val="40000"/>
+                    </a:prstClr>
+                  </a:outerShdw>
+                </a:effectLst>
+              </p:spPr>
+            </p:pic>
+            <p:grpSp>
+              <p:nvGrpSpPr>
+                <p:cNvPr id="1073" name="Group 1072">
+                  <a:extLst>
+                    <a:ext uri="{FF2B5EF4-FFF2-40B4-BE49-F238E27FC236}">
+                      <a16:creationId xmlns:a16="http://schemas.microsoft.com/office/drawing/2014/main" id="{448AA5DB-CCBF-0E92-98DB-5ED5FDAFFD51}"/>
+                    </a:ext>
+                  </a:extLst>
+                </p:cNvPr>
+                <p:cNvGrpSpPr/>
+                <p:nvPr/>
+              </p:nvGrpSpPr>
+              <p:grpSpPr>
+                <a:xfrm>
+                  <a:off x="900613" y="2578099"/>
+                  <a:ext cx="121738" cy="308738"/>
+                  <a:chOff x="900613" y="2578099"/>
+                  <a:chExt cx="121738" cy="308738"/>
+                </a:xfrm>
+              </p:grpSpPr>
+              <p:sp>
+                <p:nvSpPr>
+                  <p:cNvPr id="1074" name="Arrow: Right 1073">
+                    <a:extLst>
+                      <a:ext uri="{FF2B5EF4-FFF2-40B4-BE49-F238E27FC236}">
+                        <a16:creationId xmlns:a16="http://schemas.microsoft.com/office/drawing/2014/main" id="{2A6224F9-62AE-FFDF-FCC4-668872D6C756}"/>
+                      </a:ext>
+                    </a:extLst>
+                  </p:cNvPr>
+                  <p:cNvSpPr/>
+                  <p:nvPr/>
+                </p:nvSpPr>
+                <p:spPr>
+                  <a:xfrm rot="10800000" flipH="1">
+                    <a:off x="900613" y="2774059"/>
+                    <a:ext cx="121738" cy="112778"/>
+                  </a:xfrm>
+                  <a:prstGeom prst="rightArrow">
+                    <a:avLst/>
+                  </a:prstGeom>
+                  <a:solidFill>
+                    <a:schemeClr val="accent2"/>
+                  </a:solidFill>
+                  <a:ln>
+                    <a:solidFill>
+                      <a:srgbClr val="002060"/>
+                    </a:solidFill>
+                  </a:ln>
+                </p:spPr>
+                <p:style>
+                  <a:lnRef idx="2">
+                    <a:schemeClr val="accent1">
+                      <a:shade val="15000"/>
+                    </a:schemeClr>
+                  </a:lnRef>
+                  <a:fillRef idx="1">
+                    <a:schemeClr val="accent1"/>
+                  </a:fillRef>
+                  <a:effectRef idx="0">
+                    <a:schemeClr val="accent1"/>
+                  </a:effectRef>
+                  <a:fontRef idx="minor">
+                    <a:schemeClr val="lt1"/>
+                  </a:fontRef>
+                </p:style>
+                <p:txBody>
+                  <a:bodyPr rtlCol="0" anchor="ctr"/>
+                  <a:lstStyle/>
+                  <a:p>
+                    <a:pPr algn="ctr"/>
+                    <a:endParaRPr lang="LID4096"/>
+                  </a:p>
+                </p:txBody>
+              </p:sp>
+              <p:sp>
+                <p:nvSpPr>
+                  <p:cNvPr id="1075" name="Arrow: Right 1074">
+                    <a:extLst>
+                      <a:ext uri="{FF2B5EF4-FFF2-40B4-BE49-F238E27FC236}">
+                        <a16:creationId xmlns:a16="http://schemas.microsoft.com/office/drawing/2014/main" id="{E71F7809-FAAC-945F-2A81-1BBA30C5C6B9}"/>
+                      </a:ext>
+                    </a:extLst>
+                  </p:cNvPr>
+                  <p:cNvSpPr/>
+                  <p:nvPr/>
+                </p:nvSpPr>
+                <p:spPr>
+                  <a:xfrm rot="10800000" flipH="1">
+                    <a:off x="900613" y="2578099"/>
+                    <a:ext cx="121738" cy="112778"/>
+                  </a:xfrm>
+                  <a:prstGeom prst="rightArrow">
+                    <a:avLst/>
+                  </a:prstGeom>
+                  <a:solidFill>
+                    <a:schemeClr val="accent2"/>
+                  </a:solidFill>
+                  <a:ln>
+                    <a:solidFill>
+                      <a:srgbClr val="002060"/>
+                    </a:solidFill>
+                  </a:ln>
+                </p:spPr>
+                <p:style>
+                  <a:lnRef idx="2">
+                    <a:schemeClr val="accent1">
+                      <a:shade val="15000"/>
+                    </a:schemeClr>
+                  </a:lnRef>
+                  <a:fillRef idx="1">
+                    <a:schemeClr val="accent1"/>
+                  </a:fillRef>
+                  <a:effectRef idx="0">
+                    <a:schemeClr val="accent1"/>
+                  </a:effectRef>
+                  <a:fontRef idx="minor">
+                    <a:schemeClr val="lt1"/>
+                  </a:fontRef>
+                </p:style>
+                <p:txBody>
+                  <a:bodyPr rtlCol="0" anchor="ctr"/>
+                  <a:lstStyle/>
+                  <a:p>
+                    <a:pPr algn="ctr"/>
+                    <a:endParaRPr lang="LID4096"/>
+                  </a:p>
+                </p:txBody>
+              </p:sp>
+            </p:grpSp>
+          </p:grpSp>
+          <p:sp>
+            <p:nvSpPr>
+              <p:cNvPr id="1076" name="TextBox 1075">
+                <a:extLst>
+                  <a:ext uri="{FF2B5EF4-FFF2-40B4-BE49-F238E27FC236}">
+                    <a16:creationId xmlns:a16="http://schemas.microsoft.com/office/drawing/2014/main" id="{904FD576-073F-0D33-A9C5-46A52715E172}"/>
+                  </a:ext>
+                </a:extLst>
+              </p:cNvPr>
+              <p:cNvSpPr txBox="1"/>
+              <p:nvPr/>
+            </p:nvSpPr>
+            <p:spPr>
+              <a:xfrm>
+                <a:off x="4066685" y="2504542"/>
+                <a:ext cx="720425" cy="523220"/>
+              </a:xfrm>
+              <a:prstGeom prst="rect">
+                <a:avLst/>
+              </a:prstGeom>
+              <a:noFill/>
+            </p:spPr>
+            <p:txBody>
+              <a:bodyPr wrap="square">
+                <a:spAutoFit/>
+              </a:bodyPr>
+              <a:lstStyle/>
+              <a:p>
+                <a:r>
+                  <a:rPr lang="pt-BR" sz="2800" b="1" dirty="0"/>
+                  <a:t>. . .</a:t>
+                </a:r>
+                <a:endParaRPr lang="LID4096" sz="2800" b="1" dirty="0"/>
+              </a:p>
+            </p:txBody>
+          </p:sp>
+          <p:sp>
+            <p:nvSpPr>
+              <p:cNvPr id="1078" name="TextBox 1077">
+                <a:extLst>
+                  <a:ext uri="{FF2B5EF4-FFF2-40B4-BE49-F238E27FC236}">
+                    <a16:creationId xmlns:a16="http://schemas.microsoft.com/office/drawing/2014/main" id="{5C3B61B6-5A4E-A178-A860-6F86252AD12F}"/>
+                  </a:ext>
+                </a:extLst>
+              </p:cNvPr>
+              <p:cNvSpPr txBox="1"/>
+              <p:nvPr/>
+            </p:nvSpPr>
+            <p:spPr>
+              <a:xfrm>
+                <a:off x="2154851" y="4144567"/>
+                <a:ext cx="2632260" cy="276999"/>
+              </a:xfrm>
+              <a:prstGeom prst="rect">
+                <a:avLst/>
+              </a:prstGeom>
+              <a:noFill/>
+            </p:spPr>
+            <p:txBody>
+              <a:bodyPr wrap="square">
+                <a:spAutoFit/>
+              </a:bodyPr>
+              <a:lstStyle/>
+              <a:p>
+                <a:pPr algn="r"/>
+                <a:r>
+                  <a:rPr lang="LID4096" sz="600" dirty="0"/>
+                  <a:t>http://localhost:8888/notebooks/05_PEST_pp________On_the_run-01/benchmarks/01_one_dim_flow/02_Beta_model_SETUP___01__.ipynb</a:t>
+                </a:r>
+              </a:p>
+            </p:txBody>
+          </p:sp>
+        </p:grpSp>
+        <p:pic>
+          <p:nvPicPr>
+            <p:cNvPr id="18" name="Picture 17">
+              <a:extLst>
+                <a:ext uri="{FF2B5EF4-FFF2-40B4-BE49-F238E27FC236}">
+                  <a16:creationId xmlns:a16="http://schemas.microsoft.com/office/drawing/2014/main" id="{47AEE735-D8FA-B565-3E7B-848511943F96}"/>
+                </a:ext>
+              </a:extLst>
+            </p:cNvPr>
+            <p:cNvPicPr>
+              <a:picLocks noChangeAspect="1"/>
+            </p:cNvPicPr>
+            <p:nvPr/>
+          </p:nvPicPr>
+          <p:blipFill>
+            <a:blip r:embed="rId15"/>
+            <a:stretch>
+              <a:fillRect/>
+            </a:stretch>
+          </p:blipFill>
+          <p:spPr>
+            <a:xfrm>
+              <a:off x="144425" y="1700762"/>
+              <a:ext cx="4642685" cy="647817"/>
+            </a:xfrm>
+            <a:prstGeom prst="rect">
+              <a:avLst/>
+            </a:prstGeom>
+            <a:noFill/>
+            <a:ln w="3175">
+              <a:solidFill>
+                <a:schemeClr val="tx1"/>
+              </a:solidFill>
+            </a:ln>
+            <a:effectLst>
+              <a:outerShdw blurRad="50800" dist="38100" dir="8100000" algn="tr" rotWithShape="0">
+                <a:prstClr val="black">
+                  <a:alpha val="40000"/>
+                </a:prstClr>
+              </a:outerShdw>
+            </a:effectLst>
+          </p:spPr>
+        </p:pic>
+      </p:grpSp>
+      <p:sp>
+        <p:nvSpPr>
+          <p:cNvPr id="20" name="TextBox 19">
+            <a:extLst>
+              <a:ext uri="{FF2B5EF4-FFF2-40B4-BE49-F238E27FC236}">
+                <a16:creationId xmlns:a16="http://schemas.microsoft.com/office/drawing/2014/main" id="{0F2F49AB-1285-A1D5-04A8-B5CE89DF0314}"/>
+              </a:ext>
+            </a:extLst>
+          </p:cNvPr>
+          <p:cNvSpPr txBox="1"/>
+          <p:nvPr/>
+        </p:nvSpPr>
+        <p:spPr>
+          <a:xfrm>
+            <a:off x="1481807" y="345779"/>
+            <a:ext cx="952943" cy="174649"/>
+          </a:xfrm>
+          <a:prstGeom prst="rect">
+            <a:avLst/>
+          </a:prstGeom>
+          <a:noFill/>
+          <a:ln w="28575">
+            <a:solidFill>
+              <a:srgbClr val="FF0000"/>
+            </a:solidFill>
+          </a:ln>
+        </p:spPr>
+        <p:txBody>
+          <a:bodyPr wrap="square">
+            <a:noAutofit/>
+          </a:bodyPr>
+          <a:lstStyle/>
+          <a:p>
+            <a:endParaRPr lang="en-US" sz="1300" b="1" dirty="0">
+              <a:solidFill>
+                <a:srgbClr val="FF0000"/>
+              </a:solidFill>
+            </a:endParaRPr>
+          </a:p>
+        </p:txBody>
+      </p:sp>
+      <p:grpSp>
+        <p:nvGrpSpPr>
+          <p:cNvPr id="24" name="Group 23">
+            <a:extLst>
+              <a:ext uri="{FF2B5EF4-FFF2-40B4-BE49-F238E27FC236}">
+                <a16:creationId xmlns:a16="http://schemas.microsoft.com/office/drawing/2014/main" id="{667B37FE-16DD-2E72-8232-802306F46F71}"/>
+              </a:ext>
+            </a:extLst>
+          </p:cNvPr>
+          <p:cNvGrpSpPr>
+            <a:grpSpLocks noChangeAspect="1"/>
+          </p:cNvGrpSpPr>
+          <p:nvPr/>
+        </p:nvGrpSpPr>
+        <p:grpSpPr>
+          <a:xfrm>
+            <a:off x="5389852" y="170437"/>
+            <a:ext cx="5912364" cy="1536733"/>
+            <a:chOff x="6148890" y="507927"/>
+            <a:chExt cx="5708723" cy="1483803"/>
+          </a:xfrm>
+        </p:grpSpPr>
+        <p:grpSp>
+          <p:nvGrpSpPr>
+            <p:cNvPr id="14" name="Group 13">
+              <a:extLst>
+                <a:ext uri="{FF2B5EF4-FFF2-40B4-BE49-F238E27FC236}">
+                  <a16:creationId xmlns:a16="http://schemas.microsoft.com/office/drawing/2014/main" id="{BD6456DE-34A9-B7A0-4407-745F11867F33}"/>
+                </a:ext>
+              </a:extLst>
+            </p:cNvPr>
+            <p:cNvGrpSpPr/>
+            <p:nvPr/>
+          </p:nvGrpSpPr>
+          <p:grpSpPr>
+            <a:xfrm>
+              <a:off x="6148890" y="809156"/>
+              <a:ext cx="5708723" cy="883631"/>
+              <a:chOff x="6190858" y="587377"/>
+              <a:chExt cx="5708723" cy="883631"/>
+            </a:xfrm>
+          </p:grpSpPr>
+          <p:pic>
+            <p:nvPicPr>
+              <p:cNvPr id="11" name="Picture 10">
+                <a:extLst>
+                  <a:ext uri="{FF2B5EF4-FFF2-40B4-BE49-F238E27FC236}">
+                    <a16:creationId xmlns:a16="http://schemas.microsoft.com/office/drawing/2014/main" id="{93CBB4A1-CC54-17E8-5660-877C580E00D3}"/>
+                  </a:ext>
+                </a:extLst>
+              </p:cNvPr>
+              <p:cNvPicPr>
+                <a:picLocks noChangeAspect="1"/>
+              </p:cNvPicPr>
+              <p:nvPr/>
+            </p:nvPicPr>
+            <p:blipFill>
+              <a:blip r:embed="rId16"/>
+              <a:stretch>
+                <a:fillRect/>
+              </a:stretch>
+            </p:blipFill>
+            <p:spPr>
+              <a:xfrm>
+                <a:off x="8184831" y="587377"/>
+                <a:ext cx="3714750" cy="419100"/>
+              </a:xfrm>
+              <a:prstGeom prst="rect">
+                <a:avLst/>
+              </a:prstGeom>
+              <a:noFill/>
+              <a:ln w="3175">
+                <a:solidFill>
+                  <a:srgbClr val="00B050"/>
+                </a:solidFill>
+              </a:ln>
+              <a:effectLst>
+                <a:outerShdw blurRad="50800" dist="38100" dir="8100000" algn="tr" rotWithShape="0">
+                  <a:prstClr val="black">
+                    <a:alpha val="40000"/>
+                  </a:prstClr>
+                </a:outerShdw>
+              </a:effectLst>
+            </p:spPr>
+          </p:pic>
+          <p:pic>
+            <p:nvPicPr>
+              <p:cNvPr id="13" name="Picture 12">
+                <a:extLst>
+                  <a:ext uri="{FF2B5EF4-FFF2-40B4-BE49-F238E27FC236}">
+                    <a16:creationId xmlns:a16="http://schemas.microsoft.com/office/drawing/2014/main" id="{FCE5D845-D749-E684-8D12-32167A37D6EB}"/>
+                  </a:ext>
+                </a:extLst>
+              </p:cNvPr>
+              <p:cNvPicPr>
+                <a:picLocks noChangeAspect="1"/>
+              </p:cNvPicPr>
+              <p:nvPr/>
+            </p:nvPicPr>
+            <p:blipFill>
+              <a:blip r:embed="rId17"/>
+              <a:stretch>
+                <a:fillRect/>
+              </a:stretch>
+            </p:blipFill>
+            <p:spPr>
+              <a:xfrm>
+                <a:off x="6190858" y="1057587"/>
+                <a:ext cx="5708723" cy="413421"/>
+              </a:xfrm>
+              <a:prstGeom prst="rect">
+                <a:avLst/>
+              </a:prstGeom>
+              <a:noFill/>
+              <a:ln w="3175">
+                <a:solidFill>
+                  <a:srgbClr val="00B050"/>
+                </a:solidFill>
+              </a:ln>
+              <a:effectLst>
+                <a:outerShdw blurRad="50800" dist="38100" dir="8100000" algn="tr" rotWithShape="0">
+                  <a:prstClr val="black">
+                    <a:alpha val="40000"/>
+                  </a:prstClr>
+                </a:outerShdw>
+              </a:effectLst>
+            </p:spPr>
+          </p:pic>
+        </p:grpSp>
+        <p:pic>
+          <p:nvPicPr>
+            <p:cNvPr id="16" name="Picture 15">
+              <a:extLst>
+                <a:ext uri="{FF2B5EF4-FFF2-40B4-BE49-F238E27FC236}">
+                  <a16:creationId xmlns:a16="http://schemas.microsoft.com/office/drawing/2014/main" id="{82E59A25-6E72-45D0-61BE-A7D2C4BE9846}"/>
+                </a:ext>
+              </a:extLst>
+            </p:cNvPr>
+            <p:cNvPicPr>
+              <a:picLocks noChangeAspect="1"/>
+            </p:cNvPicPr>
+            <p:nvPr/>
+          </p:nvPicPr>
+          <p:blipFill>
+            <a:blip r:embed="rId18"/>
+            <a:stretch>
+              <a:fillRect/>
+            </a:stretch>
+          </p:blipFill>
+          <p:spPr>
+            <a:xfrm>
+              <a:off x="6845000" y="1753605"/>
+              <a:ext cx="4991100" cy="238125"/>
+            </a:xfrm>
+            <a:prstGeom prst="rect">
+              <a:avLst/>
+            </a:prstGeom>
+            <a:noFill/>
+            <a:ln w="3175">
+              <a:solidFill>
+                <a:srgbClr val="00B050"/>
+              </a:solidFill>
+            </a:ln>
+            <a:effectLst>
+              <a:outerShdw blurRad="50800" dist="38100" dir="8100000" algn="tr" rotWithShape="0">
+                <a:prstClr val="black">
+                  <a:alpha val="40000"/>
+                </a:prstClr>
+              </a:outerShdw>
+            </a:effectLst>
+          </p:spPr>
+        </p:pic>
+        <p:sp>
+          <p:nvSpPr>
+            <p:cNvPr id="21" name="TextBox 20">
+              <a:extLst>
+                <a:ext uri="{FF2B5EF4-FFF2-40B4-BE49-F238E27FC236}">
+                  <a16:creationId xmlns:a16="http://schemas.microsoft.com/office/drawing/2014/main" id="{41BC73B0-0412-5EDE-11F5-A42EAC25EB64}"/>
+                </a:ext>
+              </a:extLst>
+            </p:cNvPr>
+            <p:cNvSpPr txBox="1"/>
+            <p:nvPr/>
+          </p:nvSpPr>
+          <p:spPr>
+            <a:xfrm>
+              <a:off x="10613450" y="1761949"/>
+              <a:ext cx="1222650" cy="229781"/>
+            </a:xfrm>
+            <a:prstGeom prst="rect">
+              <a:avLst/>
+            </a:prstGeom>
+            <a:noFill/>
+            <a:ln w="28575">
+              <a:solidFill>
+                <a:srgbClr val="FF0000"/>
+              </a:solidFill>
+            </a:ln>
+          </p:spPr>
+          <p:txBody>
+            <a:bodyPr wrap="square">
+              <a:noAutofit/>
+            </a:bodyPr>
+            <a:lstStyle/>
+            <a:p>
+              <a:endParaRPr lang="en-US" sz="1300" b="1" dirty="0">
+                <a:solidFill>
+                  <a:srgbClr val="FF0000"/>
+                </a:solidFill>
+              </a:endParaRPr>
+            </a:p>
+          </p:txBody>
+        </p:sp>
+        <p:pic>
+          <p:nvPicPr>
+            <p:cNvPr id="22" name="Picture 21">
+              <a:extLst>
+                <a:ext uri="{FF2B5EF4-FFF2-40B4-BE49-F238E27FC236}">
+                  <a16:creationId xmlns:a16="http://schemas.microsoft.com/office/drawing/2014/main" id="{478FEEEF-9611-B556-B79B-F62EEDF894A2}"/>
+                </a:ext>
+              </a:extLst>
+            </p:cNvPr>
+            <p:cNvPicPr>
+              <a:picLocks noChangeAspect="1"/>
+            </p:cNvPicPr>
+            <p:nvPr/>
+          </p:nvPicPr>
+          <p:blipFill>
+            <a:blip r:embed="rId19"/>
+            <a:stretch>
+              <a:fillRect/>
+            </a:stretch>
+          </p:blipFill>
+          <p:spPr>
+            <a:xfrm>
+              <a:off x="8349262" y="507927"/>
+              <a:ext cx="3508351" cy="233890"/>
+            </a:xfrm>
+            <a:prstGeom prst="rect">
+              <a:avLst/>
+            </a:prstGeom>
+            <a:noFill/>
+            <a:ln w="3175">
+              <a:solidFill>
+                <a:srgbClr val="00B050"/>
+              </a:solidFill>
+            </a:ln>
+            <a:effectLst>
+              <a:outerShdw blurRad="50800" dist="38100" dir="8100000" algn="tr" rotWithShape="0">
+                <a:prstClr val="black">
+                  <a:alpha val="40000"/>
+                </a:prstClr>
+              </a:outerShdw>
+            </a:effectLst>
+          </p:spPr>
+        </p:pic>
+        <p:sp>
+          <p:nvSpPr>
+            <p:cNvPr id="23" name="Rectangle 22">
+              <a:extLst>
+                <a:ext uri="{FF2B5EF4-FFF2-40B4-BE49-F238E27FC236}">
+                  <a16:creationId xmlns:a16="http://schemas.microsoft.com/office/drawing/2014/main" id="{CDE29116-8C28-BDBF-F3C5-E04803BCB91C}"/>
+                </a:ext>
+              </a:extLst>
+            </p:cNvPr>
+            <p:cNvSpPr/>
+            <p:nvPr/>
+          </p:nvSpPr>
+          <p:spPr>
+            <a:xfrm>
+              <a:off x="10614212" y="532395"/>
+              <a:ext cx="1236996" cy="209422"/>
+            </a:xfrm>
+            <a:prstGeom prst="rect">
+              <a:avLst/>
+            </a:prstGeom>
+            <a:noFill/>
+            <a:ln w="19050">
+              <a:solidFill>
+                <a:srgbClr val="0000FF"/>
+              </a:solidFill>
+            </a:ln>
+            <a:effectLst>
+              <a:outerShdw blurRad="50800" dist="38100" dir="8100000" algn="tr" rotWithShape="0">
+                <a:prstClr val="black">
+                  <a:alpha val="40000"/>
+                </a:prstClr>
+              </a:outerShdw>
+            </a:effectLst>
+          </p:spPr>
+          <p:txBody>
+            <a:bodyPr wrap="none" anchor="ctr" anchorCtr="0">
+              <a:noAutofit/>
+            </a:bodyPr>
+            <a:lstStyle/>
+            <a:p>
+              <a:endParaRPr lang="LID4096"/>
+            </a:p>
+          </p:txBody>
+        </p:sp>
+      </p:grpSp>
+      <p:pic>
+        <p:nvPicPr>
+          <p:cNvPr id="26" name="Picture 25">
+            <a:extLst>
+              <a:ext uri="{FF2B5EF4-FFF2-40B4-BE49-F238E27FC236}">
+                <a16:creationId xmlns:a16="http://schemas.microsoft.com/office/drawing/2014/main" id="{F737D550-50B9-F525-E02D-42F18A9BE105}"/>
+              </a:ext>
+            </a:extLst>
+          </p:cNvPr>
+          <p:cNvPicPr>
+            <a:picLocks noChangeAspect="1"/>
+          </p:cNvPicPr>
+          <p:nvPr/>
+        </p:nvPicPr>
+        <p:blipFill>
+          <a:blip r:embed="rId20"/>
+          <a:stretch>
+            <a:fillRect/>
+          </a:stretch>
+        </p:blipFill>
+        <p:spPr>
+          <a:xfrm>
+            <a:off x="5587560" y="1825134"/>
+            <a:ext cx="3373116" cy="2260834"/>
+          </a:xfrm>
+          <a:prstGeom prst="rect">
+            <a:avLst/>
+          </a:prstGeom>
+          <a:noFill/>
+          <a:ln w="3175">
+            <a:solidFill>
+              <a:srgbClr val="00B050"/>
+            </a:solidFill>
+          </a:ln>
+          <a:effectLst>
+            <a:outerShdw blurRad="50800" dist="38100" dir="8100000" algn="tr" rotWithShape="0">
+              <a:prstClr val="black">
+                <a:alpha val="40000"/>
+              </a:prstClr>
+            </a:outerShdw>
+          </a:effectLst>
+        </p:spPr>
+      </p:pic>
+      <p:pic>
+        <p:nvPicPr>
+          <p:cNvPr id="28" name="Picture 27">
+            <a:extLst>
+              <a:ext uri="{FF2B5EF4-FFF2-40B4-BE49-F238E27FC236}">
+                <a16:creationId xmlns:a16="http://schemas.microsoft.com/office/drawing/2014/main" id="{2C3BBFDA-A194-FDD4-C23E-770AA7DA8F87}"/>
+              </a:ext>
+            </a:extLst>
+          </p:cNvPr>
+          <p:cNvPicPr>
+            <a:picLocks noChangeAspect="1"/>
+          </p:cNvPicPr>
+          <p:nvPr/>
+        </p:nvPicPr>
+        <p:blipFill>
+          <a:blip r:embed="rId20"/>
+          <a:srcRect l="61446" t="65114" r="17785" b="29264"/>
+          <a:stretch/>
+        </p:blipFill>
+        <p:spPr>
+          <a:xfrm>
+            <a:off x="8399426" y="6071286"/>
+            <a:ext cx="979159" cy="177633"/>
+          </a:xfrm>
+          <a:prstGeom prst="rect">
+            <a:avLst/>
+          </a:prstGeom>
+          <a:noFill/>
+          <a:ln w="3175">
+            <a:solidFill>
+              <a:srgbClr val="00B050"/>
+            </a:solidFill>
+          </a:ln>
+          <a:effectLst>
+            <a:outerShdw blurRad="50800" dist="38100" dir="8100000" algn="tr" rotWithShape="0">
+              <a:prstClr val="black">
+                <a:alpha val="40000"/>
+              </a:prstClr>
+            </a:outerShdw>
+          </a:effectLst>
+        </p:spPr>
+      </p:pic>
+      <p:pic>
+        <p:nvPicPr>
+          <p:cNvPr id="29" name="Picture 28">
+            <a:extLst>
+              <a:ext uri="{FF2B5EF4-FFF2-40B4-BE49-F238E27FC236}">
+                <a16:creationId xmlns:a16="http://schemas.microsoft.com/office/drawing/2014/main" id="{D76DF589-7685-24D1-25FB-4C01EC750D28}"/>
+              </a:ext>
+            </a:extLst>
+          </p:cNvPr>
+          <p:cNvPicPr>
+            <a:picLocks noChangeAspect="1"/>
+          </p:cNvPicPr>
+          <p:nvPr/>
+        </p:nvPicPr>
+        <p:blipFill>
+          <a:blip r:embed="rId20"/>
+          <a:srcRect l="70900" t="91671" r="11470" b="1933"/>
+          <a:stretch/>
+        </p:blipFill>
+        <p:spPr>
+          <a:xfrm>
+            <a:off x="10487571" y="5573704"/>
+            <a:ext cx="831167" cy="202110"/>
+          </a:xfrm>
+          <a:prstGeom prst="rect">
+            <a:avLst/>
+          </a:prstGeom>
+          <a:noFill/>
+          <a:ln w="3175">
+            <a:solidFill>
+              <a:srgbClr val="00B050"/>
+            </a:solidFill>
+          </a:ln>
+          <a:effectLst>
+            <a:outerShdw blurRad="50800" dist="38100" dir="8100000" algn="tr" rotWithShape="0">
+              <a:prstClr val="black">
+                <a:alpha val="40000"/>
+              </a:prstClr>
+            </a:outerShdw>
+          </a:effectLst>
+        </p:spPr>
+      </p:pic>
+      <p:pic>
+        <p:nvPicPr>
+          <p:cNvPr id="31" name="Picture 30">
+            <a:extLst>
+              <a:ext uri="{FF2B5EF4-FFF2-40B4-BE49-F238E27FC236}">
+                <a16:creationId xmlns:a16="http://schemas.microsoft.com/office/drawing/2014/main" id="{7949044D-7E3D-10DE-E9E7-48BF01BFE61F}"/>
+              </a:ext>
+            </a:extLst>
+          </p:cNvPr>
+          <p:cNvPicPr>
+            <a:picLocks noChangeAspect="1"/>
+          </p:cNvPicPr>
+          <p:nvPr/>
+        </p:nvPicPr>
+        <p:blipFill>
+          <a:blip r:embed="rId21"/>
+          <a:stretch>
+            <a:fillRect/>
+          </a:stretch>
+        </p:blipFill>
+        <p:spPr>
+          <a:xfrm>
+            <a:off x="9222517" y="2524406"/>
+            <a:ext cx="1885950" cy="257175"/>
+          </a:xfrm>
+          <a:prstGeom prst="rect">
+            <a:avLst/>
+          </a:prstGeom>
+          <a:noFill/>
+          <a:ln w="3175">
+            <a:solidFill>
+              <a:srgbClr val="00B050"/>
+            </a:solidFill>
+          </a:ln>
+          <a:effectLst>
+            <a:outerShdw blurRad="50800" dist="38100" dir="8100000" algn="tr" rotWithShape="0">
+              <a:prstClr val="black">
+                <a:alpha val="40000"/>
+              </a:prstClr>
+            </a:outerShdw>
+          </a:effectLst>
+        </p:spPr>
+      </p:pic>
+      <p:pic>
+        <p:nvPicPr>
+          <p:cNvPr id="33" name="Picture 32">
+            <a:extLst>
+              <a:ext uri="{FF2B5EF4-FFF2-40B4-BE49-F238E27FC236}">
+                <a16:creationId xmlns:a16="http://schemas.microsoft.com/office/drawing/2014/main" id="{1C5B4F5A-CC40-C6F5-74C6-17945A62746E}"/>
+              </a:ext>
+            </a:extLst>
+          </p:cNvPr>
+          <p:cNvPicPr>
+            <a:picLocks noChangeAspect="1"/>
+          </p:cNvPicPr>
+          <p:nvPr/>
+        </p:nvPicPr>
+        <p:blipFill>
+          <a:blip r:embed="rId22"/>
+          <a:srcRect t="12963" r="3642"/>
+          <a:stretch/>
+        </p:blipFill>
+        <p:spPr>
+          <a:xfrm>
+            <a:off x="9353820" y="2843632"/>
+            <a:ext cx="2358755" cy="223837"/>
+          </a:xfrm>
+          <a:prstGeom prst="rect">
+            <a:avLst/>
+          </a:prstGeom>
+          <a:noFill/>
+          <a:ln w="3175">
+            <a:solidFill>
+              <a:srgbClr val="00B050"/>
+            </a:solidFill>
+          </a:ln>
+          <a:effectLst>
+            <a:outerShdw blurRad="50800" dist="38100" dir="8100000" algn="tr" rotWithShape="0">
+              <a:prstClr val="black">
+                <a:alpha val="40000"/>
+              </a:prstClr>
+            </a:outerShdw>
+          </a:effectLst>
+        </p:spPr>
+      </p:pic>
+      <p:sp>
+        <p:nvSpPr>
+          <p:cNvPr id="52" name="TextBox 51">
+            <a:extLst>
+              <a:ext uri="{FF2B5EF4-FFF2-40B4-BE49-F238E27FC236}">
+                <a16:creationId xmlns:a16="http://schemas.microsoft.com/office/drawing/2014/main" id="{480999B4-C01B-1BCB-BB94-893CB59CB812}"/>
+              </a:ext>
+            </a:extLst>
+          </p:cNvPr>
+          <p:cNvSpPr txBox="1"/>
+          <p:nvPr/>
+        </p:nvSpPr>
+        <p:spPr>
+          <a:xfrm>
+            <a:off x="1607017" y="3575129"/>
+            <a:ext cx="3194669" cy="338554"/>
+          </a:xfrm>
+          <a:prstGeom prst="rect">
+            <a:avLst/>
+          </a:prstGeom>
+          <a:noFill/>
+        </p:spPr>
+        <p:txBody>
+          <a:bodyPr wrap="square">
+            <a:spAutoFit/>
+          </a:bodyPr>
+          <a:lstStyle/>
+          <a:p>
+            <a:pPr algn="r"/>
+            <a:r>
+              <a:rPr lang="LID4096" sz="1600" b="1" dirty="0"/>
+              <a:t>PEST_pp</a:t>
+            </a:r>
+            <a:r>
+              <a:rPr lang="pt-BR" sz="1600" b="1" dirty="0"/>
+              <a:t> \ B</a:t>
+            </a:r>
+            <a:r>
+              <a:rPr lang="LID4096" sz="1600" b="1" dirty="0"/>
+              <a:t>enchmarks</a:t>
+            </a:r>
+            <a:r>
+              <a:rPr lang="pt-BR" sz="1600" b="1" dirty="0"/>
+              <a:t> \ 1D</a:t>
+            </a:r>
+            <a:endParaRPr lang="LID4096" sz="1600" b="1" dirty="0"/>
+          </a:p>
+        </p:txBody>
+      </p:sp>
+      <p:sp>
+        <p:nvSpPr>
+          <p:cNvPr id="53" name="TextBox 52">
+            <a:extLst>
+              <a:ext uri="{FF2B5EF4-FFF2-40B4-BE49-F238E27FC236}">
+                <a16:creationId xmlns:a16="http://schemas.microsoft.com/office/drawing/2014/main" id="{DA7BC306-66E2-0B52-E1CD-A5FF006D9ED1}"/>
+              </a:ext>
+            </a:extLst>
+          </p:cNvPr>
+          <p:cNvSpPr txBox="1"/>
+          <p:nvPr/>
+        </p:nvSpPr>
+        <p:spPr>
+          <a:xfrm>
+            <a:off x="2591983" y="3845158"/>
+            <a:ext cx="2195128" cy="338554"/>
+          </a:xfrm>
+          <a:prstGeom prst="rect">
+            <a:avLst/>
+          </a:prstGeom>
+          <a:noFill/>
+        </p:spPr>
+        <p:txBody>
+          <a:bodyPr wrap="square">
+            <a:spAutoFit/>
+          </a:bodyPr>
+          <a:lstStyle/>
+          <a:p>
+            <a:pPr algn="r"/>
+            <a:r>
+              <a:rPr lang="pt-BR" sz="1600" b="1" dirty="0"/>
+              <a:t>Mf5 _1d ___ SETUP</a:t>
+            </a:r>
+            <a:endParaRPr lang="LID4096" sz="1600" b="1" dirty="0"/>
+          </a:p>
+        </p:txBody>
+      </p:sp>
+      <p:grpSp>
+        <p:nvGrpSpPr>
+          <p:cNvPr id="7" name="Group 6">
+            <a:extLst>
+              <a:ext uri="{FF2B5EF4-FFF2-40B4-BE49-F238E27FC236}">
+                <a16:creationId xmlns:a16="http://schemas.microsoft.com/office/drawing/2014/main" id="{068693F0-F9CE-BB8A-37C7-BDCB1EF6AF6C}"/>
+              </a:ext>
+            </a:extLst>
+          </p:cNvPr>
+          <p:cNvGrpSpPr/>
+          <p:nvPr/>
+        </p:nvGrpSpPr>
+        <p:grpSpPr>
+          <a:xfrm>
+            <a:off x="9191052" y="4239420"/>
+            <a:ext cx="2593039" cy="1012222"/>
+            <a:chOff x="9119537" y="4445279"/>
+            <a:chExt cx="2593039" cy="1012222"/>
+          </a:xfrm>
+        </p:grpSpPr>
+        <p:sp>
+          <p:nvSpPr>
+            <p:cNvPr id="6" name="TextBox 5">
+              <a:extLst>
+                <a:ext uri="{FF2B5EF4-FFF2-40B4-BE49-F238E27FC236}">
+                  <a16:creationId xmlns:a16="http://schemas.microsoft.com/office/drawing/2014/main" id="{1AD65824-997F-D76A-B3FF-D6FF597A7002}"/>
+                </a:ext>
+              </a:extLst>
+            </p:cNvPr>
+            <p:cNvSpPr txBox="1">
+              <a:spLocks noChangeAspect="1"/>
+            </p:cNvSpPr>
+            <p:nvPr/>
+          </p:nvSpPr>
+          <p:spPr>
+            <a:xfrm>
+              <a:off x="10993382" y="4758934"/>
+              <a:ext cx="719194" cy="698567"/>
+            </a:xfrm>
+            <a:prstGeom prst="rect">
+              <a:avLst/>
+            </a:prstGeom>
+            <a:solidFill>
+              <a:srgbClr val="00B0F0"/>
+            </a:solidFill>
+          </p:spPr>
+          <p:txBody>
+            <a:bodyPr wrap="none" lIns="0" tIns="0" rIns="0" bIns="0" anchor="ctr" anchorCtr="0">
+              <a:noAutofit/>
+            </a:bodyPr>
+            <a:lstStyle/>
+            <a:p>
+              <a:pPr algn="ctr"/>
+              <a:r>
+                <a:rPr lang="pt-BR" sz="2400" b="1" dirty="0">
+                  <a:solidFill>
+                    <a:schemeClr val="bg1"/>
+                  </a:solidFill>
+                </a:rPr>
+                <a:t>04</a:t>
+              </a:r>
+              <a:endParaRPr lang="LID4096" sz="2400" b="1" dirty="0">
+                <a:solidFill>
+                  <a:schemeClr val="bg1"/>
+                </a:solidFill>
+              </a:endParaRPr>
+            </a:p>
+          </p:txBody>
+        </p:sp>
+        <p:grpSp>
+          <p:nvGrpSpPr>
+            <p:cNvPr id="5" name="Group 4">
+              <a:extLst>
+                <a:ext uri="{FF2B5EF4-FFF2-40B4-BE49-F238E27FC236}">
+                  <a16:creationId xmlns:a16="http://schemas.microsoft.com/office/drawing/2014/main" id="{702AA38A-A141-296D-8FBB-C4A5A2C3CD12}"/>
+                </a:ext>
+              </a:extLst>
+            </p:cNvPr>
+            <p:cNvGrpSpPr>
+              <a:grpSpLocks noChangeAspect="1"/>
+            </p:cNvGrpSpPr>
+            <p:nvPr/>
+          </p:nvGrpSpPr>
+          <p:grpSpPr>
+            <a:xfrm>
+              <a:off x="9119537" y="4445279"/>
+              <a:ext cx="2593038" cy="601900"/>
+              <a:chOff x="10013671" y="3790532"/>
+              <a:chExt cx="1767113" cy="410185"/>
+            </a:xfrm>
+          </p:grpSpPr>
+          <p:pic>
+            <p:nvPicPr>
+              <p:cNvPr id="2" name="Picture 1">
+                <a:extLst>
+                  <a:ext uri="{FF2B5EF4-FFF2-40B4-BE49-F238E27FC236}">
+                    <a16:creationId xmlns:a16="http://schemas.microsoft.com/office/drawing/2014/main" id="{ADC53B97-8A8F-3D69-7740-45ECDF24ABE4}"/>
+                  </a:ext>
+                </a:extLst>
+              </p:cNvPr>
+              <p:cNvPicPr>
+                <a:picLocks noChangeAspect="1"/>
+              </p:cNvPicPr>
+              <p:nvPr/>
+            </p:nvPicPr>
+            <p:blipFill>
+              <a:blip r:embed="rId23"/>
+              <a:srcRect t="65550" b="15487"/>
+              <a:stretch/>
+            </p:blipFill>
+            <p:spPr>
+              <a:xfrm>
+                <a:off x="10013671" y="3790532"/>
+                <a:ext cx="1767113" cy="197024"/>
+              </a:xfrm>
+              <a:prstGeom prst="rect">
+                <a:avLst/>
+              </a:prstGeom>
+            </p:spPr>
+          </p:pic>
+          <p:pic>
+            <p:nvPicPr>
+              <p:cNvPr id="3" name="Picture 2">
+                <a:extLst>
+                  <a:ext uri="{FF2B5EF4-FFF2-40B4-BE49-F238E27FC236}">
+                    <a16:creationId xmlns:a16="http://schemas.microsoft.com/office/drawing/2014/main" id="{DBD501B8-216B-2142-DE5F-BC66004D7F13}"/>
+                  </a:ext>
+                </a:extLst>
+              </p:cNvPr>
+              <p:cNvPicPr>
+                <a:picLocks noChangeAspect="1"/>
+              </p:cNvPicPr>
+              <p:nvPr/>
+            </p:nvPicPr>
+            <p:blipFill>
+              <a:blip r:embed="rId24"/>
+              <a:srcRect t="1" b="14084"/>
+              <a:stretch/>
+            </p:blipFill>
+            <p:spPr>
+              <a:xfrm>
+                <a:off x="10049038" y="4005966"/>
+                <a:ext cx="1054545" cy="194751"/>
+              </a:xfrm>
+              <a:prstGeom prst="rect">
+                <a:avLst/>
+              </a:prstGeom>
+            </p:spPr>
+          </p:pic>
+        </p:grpSp>
+      </p:grpSp>
+    </p:spTree>
+    <p:extLst>
+      <p:ext uri="{BB962C8B-B14F-4D97-AF65-F5344CB8AC3E}">
+        <p14:creationId xmlns:p14="http://schemas.microsoft.com/office/powerpoint/2010/main" val="177492580"/>
+      </p:ext>
+    </p:extLst>
+  </p:cSld>
+  <p:clrMapOvr>
+    <a:masterClrMapping/>
+  </p:clrMapOvr>
+</p:sld>
+</file>
+
 <file path=ppt/theme/theme1.xml><?xml version="1.0" encoding="utf-8"?>
 <a:theme xmlns:a="http://schemas.openxmlformats.org/drawingml/2006/main" name="Office Theme">
   <a:themeElements>

--- a/01_Follow_up__activities.pptx
+++ b/01_Follow_up__activities.pptx
@@ -268,7 +268,7 @@
           <a:p>
             <a:fld id="{830943F9-8AC6-4393-AEEF-D45C2A43C7C7}" type="datetimeFigureOut">
               <a:rPr lang="LID4096" smtClean="0"/>
-              <a:t>01/14/2025</a:t>
+              <a:t>01/15/2025</a:t>
             </a:fld>
             <a:endParaRPr lang="LID4096"/>
           </a:p>
@@ -468,7 +468,7 @@
           <a:p>
             <a:fld id="{830943F9-8AC6-4393-AEEF-D45C2A43C7C7}" type="datetimeFigureOut">
               <a:rPr lang="LID4096" smtClean="0"/>
-              <a:t>01/14/2025</a:t>
+              <a:t>01/15/2025</a:t>
             </a:fld>
             <a:endParaRPr lang="LID4096"/>
           </a:p>
@@ -678,7 +678,7 @@
           <a:p>
             <a:fld id="{830943F9-8AC6-4393-AEEF-D45C2A43C7C7}" type="datetimeFigureOut">
               <a:rPr lang="LID4096" smtClean="0"/>
-              <a:t>01/14/2025</a:t>
+              <a:t>01/15/2025</a:t>
             </a:fld>
             <a:endParaRPr lang="LID4096"/>
           </a:p>
@@ -878,7 +878,7 @@
           <a:p>
             <a:fld id="{830943F9-8AC6-4393-AEEF-D45C2A43C7C7}" type="datetimeFigureOut">
               <a:rPr lang="LID4096" smtClean="0"/>
-              <a:t>01/14/2025</a:t>
+              <a:t>01/15/2025</a:t>
             </a:fld>
             <a:endParaRPr lang="LID4096"/>
           </a:p>
@@ -1154,7 +1154,7 @@
           <a:p>
             <a:fld id="{830943F9-8AC6-4393-AEEF-D45C2A43C7C7}" type="datetimeFigureOut">
               <a:rPr lang="LID4096" smtClean="0"/>
-              <a:t>01/14/2025</a:t>
+              <a:t>01/15/2025</a:t>
             </a:fld>
             <a:endParaRPr lang="LID4096"/>
           </a:p>
@@ -1422,7 +1422,7 @@
           <a:p>
             <a:fld id="{830943F9-8AC6-4393-AEEF-D45C2A43C7C7}" type="datetimeFigureOut">
               <a:rPr lang="LID4096" smtClean="0"/>
-              <a:t>01/14/2025</a:t>
+              <a:t>01/15/2025</a:t>
             </a:fld>
             <a:endParaRPr lang="LID4096"/>
           </a:p>
@@ -1837,7 +1837,7 @@
           <a:p>
             <a:fld id="{830943F9-8AC6-4393-AEEF-D45C2A43C7C7}" type="datetimeFigureOut">
               <a:rPr lang="LID4096" smtClean="0"/>
-              <a:t>01/14/2025</a:t>
+              <a:t>01/15/2025</a:t>
             </a:fld>
             <a:endParaRPr lang="LID4096"/>
           </a:p>
@@ -1979,7 +1979,7 @@
           <a:p>
             <a:fld id="{830943F9-8AC6-4393-AEEF-D45C2A43C7C7}" type="datetimeFigureOut">
               <a:rPr lang="LID4096" smtClean="0"/>
-              <a:t>01/14/2025</a:t>
+              <a:t>01/15/2025</a:t>
             </a:fld>
             <a:endParaRPr lang="LID4096"/>
           </a:p>
@@ -2092,7 +2092,7 @@
           <a:p>
             <a:fld id="{830943F9-8AC6-4393-AEEF-D45C2A43C7C7}" type="datetimeFigureOut">
               <a:rPr lang="LID4096" smtClean="0"/>
-              <a:t>01/14/2025</a:t>
+              <a:t>01/15/2025</a:t>
             </a:fld>
             <a:endParaRPr lang="LID4096"/>
           </a:p>
@@ -2405,7 +2405,7 @@
           <a:p>
             <a:fld id="{830943F9-8AC6-4393-AEEF-D45C2A43C7C7}" type="datetimeFigureOut">
               <a:rPr lang="LID4096" smtClean="0"/>
-              <a:t>01/14/2025</a:t>
+              <a:t>01/15/2025</a:t>
             </a:fld>
             <a:endParaRPr lang="LID4096"/>
           </a:p>
@@ -2694,7 +2694,7 @@
           <a:p>
             <a:fld id="{830943F9-8AC6-4393-AEEF-D45C2A43C7C7}" type="datetimeFigureOut">
               <a:rPr lang="LID4096" smtClean="0"/>
-              <a:t>01/14/2025</a:t>
+              <a:t>01/15/2025</a:t>
             </a:fld>
             <a:endParaRPr lang="LID4096"/>
           </a:p>
@@ -2937,7 +2937,7 @@
           <a:p>
             <a:fld id="{830943F9-8AC6-4393-AEEF-D45C2A43C7C7}" type="datetimeFigureOut">
               <a:rPr lang="LID4096" smtClean="0"/>
-              <a:t>01/14/2025</a:t>
+              <a:t>01/15/2025</a:t>
             </a:fld>
             <a:endParaRPr lang="LID4096"/>
           </a:p>
@@ -5477,10 +5477,10 @@
         </p:nvGrpSpPr>
         <p:grpSpPr>
           <a:xfrm>
-            <a:off x="4806746" y="168948"/>
-            <a:ext cx="3610113" cy="3055407"/>
-            <a:chOff x="4005637" y="156552"/>
-            <a:chExt cx="3610113" cy="3055407"/>
+            <a:off x="4806746" y="302730"/>
+            <a:ext cx="2928286" cy="407108"/>
+            <a:chOff x="4005637" y="290334"/>
+            <a:chExt cx="2928286" cy="407108"/>
           </a:xfrm>
         </p:grpSpPr>
         <p:sp>
@@ -5497,8 +5497,8 @@
           </p:nvSpPr>
           <p:spPr>
             <a:xfrm>
-              <a:off x="5468045" y="435832"/>
-              <a:ext cx="795178" cy="261610"/>
+              <a:off x="5468044" y="435832"/>
+              <a:ext cx="1465879" cy="261610"/>
             </a:xfrm>
             <a:prstGeom prst="rect">
               <a:avLst/>
@@ -5519,79 +5519,19 @@
                 </a:rPr>
                 <a:t>FREYBERG</a:t>
               </a:r>
-            </a:p>
-          </p:txBody>
-        </p:sp>
-        <p:pic>
-          <p:nvPicPr>
-            <p:cNvPr id="109" name="Picture 108">
-              <a:extLst>
-                <a:ext uri="{FF2B5EF4-FFF2-40B4-BE49-F238E27FC236}">
-                  <a16:creationId xmlns:a16="http://schemas.microsoft.com/office/drawing/2014/main" id="{CFB6F3C2-96FE-71A0-E635-F7E8F23C6FCB}"/>
-                </a:ext>
-              </a:extLst>
-            </p:cNvPr>
-            <p:cNvPicPr>
-              <a:picLocks noChangeAspect="1"/>
-            </p:cNvPicPr>
-            <p:nvPr/>
-          </p:nvPicPr>
-          <p:blipFill>
-            <a:blip r:embed="rId21"/>
-            <a:srcRect t="10280"/>
-            <a:stretch/>
-          </p:blipFill>
-          <p:spPr>
-            <a:xfrm>
-              <a:off x="4488278" y="1186597"/>
-              <a:ext cx="2486025" cy="2025362"/>
-            </a:xfrm>
-            <a:prstGeom prst="rect">
-              <a:avLst/>
-            </a:prstGeom>
-          </p:spPr>
-        </p:pic>
-        <p:sp>
-          <p:nvSpPr>
-            <p:cNvPr id="122" name="Rectangle 121">
-              <a:extLst>
-                <a:ext uri="{FF2B5EF4-FFF2-40B4-BE49-F238E27FC236}">
-                  <a16:creationId xmlns:a16="http://schemas.microsoft.com/office/drawing/2014/main" id="{AC872042-2819-CADA-6CDA-DDD8F698A2D2}"/>
-                </a:ext>
-              </a:extLst>
-            </p:cNvPr>
-            <p:cNvSpPr/>
-            <p:nvPr/>
-          </p:nvSpPr>
-          <p:spPr>
-            <a:xfrm>
-              <a:off x="4497300" y="1955845"/>
-              <a:ext cx="1539061" cy="378679"/>
-            </a:xfrm>
-            <a:prstGeom prst="rect">
-              <a:avLst/>
-            </a:prstGeom>
-            <a:noFill/>
-            <a:ln w="6350">
-              <a:solidFill>
-                <a:schemeClr val="tx1"/>
-              </a:solidFill>
-            </a:ln>
-            <a:effectLst>
-              <a:outerShdw blurRad="50800" dist="38100" dir="8100000" algn="tr" rotWithShape="0">
-                <a:prstClr val="black">
-                  <a:alpha val="40000"/>
-                </a:prstClr>
-              </a:outerShdw>
-            </a:effectLst>
-          </p:spPr>
-          <p:txBody>
-            <a:bodyPr wrap="none" anchor="ctr" anchorCtr="0">
-              <a:noAutofit/>
-            </a:bodyPr>
-            <a:lstStyle/>
-            <a:p>
-              <a:endParaRPr lang="LID4096" dirty="0"/>
+              <a:r>
+                <a:rPr lang="pt-BR" sz="1100" b="1" dirty="0">
+                  <a:solidFill>
+                    <a:srgbClr val="FF0000"/>
+                  </a:solidFill>
+                </a:rPr>
+                <a:t> _original</a:t>
+              </a:r>
+              <a:endParaRPr lang="LID4096" sz="1100" b="1" dirty="0">
+                <a:solidFill>
+                  <a:srgbClr val="FF0000"/>
+                </a:solidFill>
+              </a:endParaRPr>
             </a:p>
           </p:txBody>
         </p:sp>
@@ -5712,162 +5652,6 @@
             </a:p>
           </p:txBody>
         </p:sp>
-        <p:pic>
-          <p:nvPicPr>
-            <p:cNvPr id="136" name="Picture 135">
-              <a:extLst>
-                <a:ext uri="{FF2B5EF4-FFF2-40B4-BE49-F238E27FC236}">
-                  <a16:creationId xmlns:a16="http://schemas.microsoft.com/office/drawing/2014/main" id="{C948B58B-6B27-F0ED-1397-1EF6A62F9073}"/>
-                </a:ext>
-              </a:extLst>
-            </p:cNvPr>
-            <p:cNvPicPr>
-              <a:picLocks noChangeAspect="1"/>
-            </p:cNvPicPr>
-            <p:nvPr/>
-          </p:nvPicPr>
-          <p:blipFill>
-            <a:blip r:embed="rId22"/>
-            <a:stretch>
-              <a:fillRect/>
-            </a:stretch>
-          </p:blipFill>
-          <p:spPr>
-            <a:xfrm>
-              <a:off x="4538271" y="689726"/>
-              <a:ext cx="2066925" cy="209550"/>
-            </a:xfrm>
-            <a:prstGeom prst="rect">
-              <a:avLst/>
-            </a:prstGeom>
-            <a:ln>
-              <a:solidFill>
-                <a:schemeClr val="tx1"/>
-              </a:solidFill>
-            </a:ln>
-          </p:spPr>
-        </p:pic>
-        <p:pic>
-          <p:nvPicPr>
-            <p:cNvPr id="138" name="Picture 137">
-              <a:extLst>
-                <a:ext uri="{FF2B5EF4-FFF2-40B4-BE49-F238E27FC236}">
-                  <a16:creationId xmlns:a16="http://schemas.microsoft.com/office/drawing/2014/main" id="{F36C9EB6-92E5-F865-BBBB-473C26719CF8}"/>
-                </a:ext>
-              </a:extLst>
-            </p:cNvPr>
-            <p:cNvPicPr>
-              <a:picLocks noChangeAspect="1"/>
-            </p:cNvPicPr>
-            <p:nvPr/>
-          </p:nvPicPr>
-          <p:blipFill>
-            <a:blip r:embed="rId23"/>
-            <a:srcRect t="1" b="23755"/>
-            <a:stretch/>
-          </p:blipFill>
-          <p:spPr>
-            <a:xfrm>
-              <a:off x="4538271" y="930696"/>
-              <a:ext cx="2790825" cy="196080"/>
-            </a:xfrm>
-            <a:prstGeom prst="rect">
-              <a:avLst/>
-            </a:prstGeom>
-            <a:ln>
-              <a:solidFill>
-                <a:schemeClr val="tx1"/>
-              </a:solidFill>
-            </a:ln>
-          </p:spPr>
-        </p:pic>
-        <p:sp>
-          <p:nvSpPr>
-            <p:cNvPr id="139" name="Rectangle 138">
-              <a:extLst>
-                <a:ext uri="{FF2B5EF4-FFF2-40B4-BE49-F238E27FC236}">
-                  <a16:creationId xmlns:a16="http://schemas.microsoft.com/office/drawing/2014/main" id="{115B31AB-DC25-954F-A39E-505238652285}"/>
-                </a:ext>
-              </a:extLst>
-            </p:cNvPr>
-            <p:cNvSpPr/>
-            <p:nvPr/>
-          </p:nvSpPr>
-          <p:spPr>
-            <a:xfrm>
-              <a:off x="4673188" y="2641937"/>
-              <a:ext cx="1539061" cy="45719"/>
-            </a:xfrm>
-            <a:prstGeom prst="rect">
-              <a:avLst/>
-            </a:prstGeom>
-            <a:noFill/>
-            <a:ln w="6350">
-              <a:solidFill>
-                <a:schemeClr val="tx1"/>
-              </a:solidFill>
-            </a:ln>
-            <a:effectLst>
-              <a:outerShdw blurRad="50800" dist="38100" dir="8100000" algn="tr" rotWithShape="0">
-                <a:prstClr val="black">
-                  <a:alpha val="40000"/>
-                </a:prstClr>
-              </a:outerShdw>
-            </a:effectLst>
-          </p:spPr>
-          <p:txBody>
-            <a:bodyPr wrap="none" anchor="ctr" anchorCtr="0">
-              <a:noAutofit/>
-            </a:bodyPr>
-            <a:lstStyle/>
-            <a:p>
-              <a:endParaRPr lang="LID4096" dirty="0"/>
-            </a:p>
-          </p:txBody>
-        </p:sp>
-        <p:sp>
-          <p:nvSpPr>
-            <p:cNvPr id="2" name="TextBox 1">
-              <a:extLst>
-                <a:ext uri="{FF2B5EF4-FFF2-40B4-BE49-F238E27FC236}">
-                  <a16:creationId xmlns:a16="http://schemas.microsoft.com/office/drawing/2014/main" id="{AA7D2A01-0176-ECF5-65FA-302E0FB3F761}"/>
-                </a:ext>
-              </a:extLst>
-            </p:cNvPr>
-            <p:cNvSpPr txBox="1"/>
-            <p:nvPr/>
-          </p:nvSpPr>
-          <p:spPr>
-            <a:xfrm>
-              <a:off x="6069389" y="156552"/>
-              <a:ext cx="1546361" cy="369332"/>
-            </a:xfrm>
-            <a:prstGeom prst="rect">
-              <a:avLst/>
-            </a:prstGeom>
-            <a:noFill/>
-          </p:spPr>
-          <p:txBody>
-            <a:bodyPr wrap="square">
-              <a:spAutoFit/>
-            </a:bodyPr>
-            <a:lstStyle>
-              <a:defPPr>
-                <a:defRPr lang="LID4096"/>
-              </a:defPPr>
-              <a:lvl1pPr>
-                <a:defRPr sz="1100" b="1"/>
-              </a:lvl1pPr>
-            </a:lstStyle>
-            <a:p>
-              <a:r>
-                <a:rPr lang="en-US" sz="1800" dirty="0"/>
-                <a:t>Afterwards</a:t>
-              </a:r>
-              <a:endParaRPr lang="LID4096" sz="1800" dirty="0"/>
-            </a:p>
-          </p:txBody>
-        </p:sp>
       </p:grpSp>
       <p:sp>
         <p:nvSpPr>
@@ -5935,7 +5719,7 @@
           <p:nvPr/>
         </p:nvPicPr>
         <p:blipFill>
-          <a:blip r:embed="rId24"/>
+          <a:blip r:embed="rId21"/>
           <a:stretch>
             <a:fillRect/>
           </a:stretch>
@@ -5965,7 +5749,7 @@
           <p:nvPr/>
         </p:nvPicPr>
         <p:blipFill>
-          <a:blip r:embed="rId25"/>
+          <a:blip r:embed="rId22"/>
           <a:srcRect t="1" r="38610" b="21447"/>
           <a:stretch/>
         </p:blipFill>
@@ -5994,7 +5778,7 @@
           <p:nvPr/>
         </p:nvPicPr>
         <p:blipFill>
-          <a:blip r:embed="rId26"/>
+          <a:blip r:embed="rId23"/>
           <a:stretch>
             <a:fillRect/>
           </a:stretch>
@@ -6024,7 +5808,7 @@
           <p:nvPr/>
         </p:nvPicPr>
         <p:blipFill>
-          <a:blip r:embed="rId27">
+          <a:blip r:embed="rId24">
             <a:extLst>
               <a:ext uri="{28A0092B-C50C-407E-A947-70E740481C1C}">
                 <a14:useLocalDpi xmlns:a14="http://schemas.microsoft.com/office/drawing/2010/main" val="0"/>
@@ -6065,7 +5849,7 @@
           <p:nvPr/>
         </p:nvPicPr>
         <p:blipFill>
-          <a:blip r:embed="rId28"/>
+          <a:blip r:embed="rId25"/>
           <a:stretch>
             <a:fillRect/>
           </a:stretch>
@@ -6100,7 +5884,7 @@
           <p:nvPr/>
         </p:nvPicPr>
         <p:blipFill>
-          <a:blip r:embed="rId29"/>
+          <a:blip r:embed="rId26"/>
           <a:stretch>
             <a:fillRect/>
           </a:stretch>
@@ -6171,7 +5955,7 @@
           <p:nvPr/>
         </p:nvPicPr>
         <p:blipFill>
-          <a:blip r:embed="rId30"/>
+          <a:blip r:embed="rId27"/>
           <a:stretch>
             <a:fillRect/>
           </a:stretch>
@@ -6201,7 +5985,7 @@
           <p:nvPr/>
         </p:nvPicPr>
         <p:blipFill>
-          <a:blip r:embed="rId31"/>
+          <a:blip r:embed="rId28"/>
           <a:stretch>
             <a:fillRect/>
           </a:stretch>
@@ -6210,36 +5994,6 @@
           <a:xfrm>
             <a:off x="2573375" y="4523223"/>
             <a:ext cx="698287" cy="685435"/>
-          </a:xfrm>
-          <a:prstGeom prst="rect">
-            <a:avLst/>
-          </a:prstGeom>
-        </p:spPr>
-      </p:pic>
-      <p:pic>
-        <p:nvPicPr>
-          <p:cNvPr id="7" name="Picture 6">
-            <a:extLst>
-              <a:ext uri="{FF2B5EF4-FFF2-40B4-BE49-F238E27FC236}">
-                <a16:creationId xmlns:a16="http://schemas.microsoft.com/office/drawing/2014/main" id="{B2125132-030A-82D8-C207-05CBAEEB1714}"/>
-              </a:ext>
-            </a:extLst>
-          </p:cNvPr>
-          <p:cNvPicPr>
-            <a:picLocks noChangeAspect="1"/>
-          </p:cNvPicPr>
-          <p:nvPr/>
-        </p:nvPicPr>
-        <p:blipFill>
-          <a:blip r:embed="rId32"/>
-          <a:stretch>
-            <a:fillRect/>
-          </a:stretch>
-        </p:blipFill>
-        <p:spPr>
-          <a:xfrm>
-            <a:off x="5324475" y="2728912"/>
-            <a:ext cx="1543050" cy="1400175"/>
           </a:xfrm>
           <a:prstGeom prst="rect">
             <a:avLst/>
@@ -6303,7 +6057,7 @@
               <p:nvPr/>
             </p:nvPicPr>
             <p:blipFill>
-              <a:blip r:embed="rId33"/>
+              <a:blip r:embed="rId29"/>
               <a:srcRect b="82696"/>
               <a:stretch/>
             </p:blipFill>
@@ -6332,7 +6086,7 @@
               <p:nvPr/>
             </p:nvPicPr>
             <p:blipFill>
-              <a:blip r:embed="rId33"/>
+              <a:blip r:embed="rId29"/>
               <a:srcRect t="89884"/>
               <a:stretch/>
             </p:blipFill>
@@ -6361,7 +6115,7 @@
               <p:nvPr/>
             </p:nvPicPr>
             <p:blipFill>
-              <a:blip r:embed="rId33"/>
+              <a:blip r:embed="rId29"/>
               <a:srcRect t="68692" b="10408"/>
               <a:stretch/>
             </p:blipFill>
@@ -6390,7 +6144,7 @@
               <p:nvPr/>
             </p:nvPicPr>
             <p:blipFill>
-              <a:blip r:embed="rId33"/>
+              <a:blip r:embed="rId29"/>
               <a:srcRect t="16135" b="47376"/>
               <a:stretch/>
             </p:blipFill>
@@ -6419,7 +6173,7 @@
               <p:nvPr/>
             </p:nvPicPr>
             <p:blipFill>
-              <a:blip r:embed="rId33"/>
+              <a:blip r:embed="rId29"/>
               <a:srcRect t="52625" b="32132"/>
               <a:stretch/>
             </p:blipFill>
@@ -6449,7 +6203,7 @@
             <p:nvPr/>
           </p:nvPicPr>
           <p:blipFill>
-            <a:blip r:embed="rId34"/>
+            <a:blip r:embed="rId30"/>
             <a:stretch>
               <a:fillRect/>
             </a:stretch>
@@ -6465,6 +6219,123 @@
           </p:spPr>
         </p:pic>
       </p:grpSp>
+      <p:pic>
+        <p:nvPicPr>
+          <p:cNvPr id="14" name="Picture 13">
+            <a:extLst>
+              <a:ext uri="{FF2B5EF4-FFF2-40B4-BE49-F238E27FC236}">
+                <a16:creationId xmlns:a16="http://schemas.microsoft.com/office/drawing/2014/main" id="{DADD4FD6-14CC-0C75-D802-C0C9EFF68F97}"/>
+              </a:ext>
+            </a:extLst>
+          </p:cNvPr>
+          <p:cNvPicPr>
+            <a:picLocks noChangeAspect="1"/>
+          </p:cNvPicPr>
+          <p:nvPr/>
+        </p:nvPicPr>
+        <p:blipFill>
+          <a:blip r:embed="rId31"/>
+          <a:srcRect b="91757"/>
+          <a:stretch/>
+        </p:blipFill>
+        <p:spPr>
+          <a:xfrm>
+            <a:off x="5361479" y="639293"/>
+            <a:ext cx="2638425" cy="217488"/>
+          </a:xfrm>
+          <a:prstGeom prst="rect">
+            <a:avLst/>
+          </a:prstGeom>
+        </p:spPr>
+      </p:pic>
+      <p:pic>
+        <p:nvPicPr>
+          <p:cNvPr id="19" name="Picture 18">
+            <a:extLst>
+              <a:ext uri="{FF2B5EF4-FFF2-40B4-BE49-F238E27FC236}">
+                <a16:creationId xmlns:a16="http://schemas.microsoft.com/office/drawing/2014/main" id="{86BD54D0-DE16-B5C6-BC14-7E0A230534ED}"/>
+              </a:ext>
+            </a:extLst>
+          </p:cNvPr>
+          <p:cNvPicPr>
+            <a:picLocks noChangeAspect="1"/>
+          </p:cNvPicPr>
+          <p:nvPr/>
+        </p:nvPicPr>
+        <p:blipFill>
+          <a:blip r:embed="rId32"/>
+          <a:stretch>
+            <a:fillRect/>
+          </a:stretch>
+        </p:blipFill>
+        <p:spPr>
+          <a:xfrm>
+            <a:off x="5400736" y="880388"/>
+            <a:ext cx="3190875" cy="428625"/>
+          </a:xfrm>
+          <a:prstGeom prst="rect">
+            <a:avLst/>
+          </a:prstGeom>
+        </p:spPr>
+      </p:pic>
+      <p:pic>
+        <p:nvPicPr>
+          <p:cNvPr id="33" name="Picture 32">
+            <a:extLst>
+              <a:ext uri="{FF2B5EF4-FFF2-40B4-BE49-F238E27FC236}">
+                <a16:creationId xmlns:a16="http://schemas.microsoft.com/office/drawing/2014/main" id="{98CD807C-78E5-5760-8B1F-11621D942F19}"/>
+              </a:ext>
+            </a:extLst>
+          </p:cNvPr>
+          <p:cNvPicPr>
+            <a:picLocks noChangeAspect="1"/>
+          </p:cNvPicPr>
+          <p:nvPr/>
+        </p:nvPicPr>
+        <p:blipFill>
+          <a:blip r:embed="rId33"/>
+          <a:srcRect b="48960"/>
+          <a:stretch/>
+        </p:blipFill>
+        <p:spPr>
+          <a:xfrm>
+            <a:off x="5595180" y="1336672"/>
+            <a:ext cx="2143125" cy="170151"/>
+          </a:xfrm>
+          <a:prstGeom prst="rect">
+            <a:avLst/>
+          </a:prstGeom>
+        </p:spPr>
+      </p:pic>
+      <p:pic>
+        <p:nvPicPr>
+          <p:cNvPr id="53" name="Picture 52">
+            <a:extLst>
+              <a:ext uri="{FF2B5EF4-FFF2-40B4-BE49-F238E27FC236}">
+                <a16:creationId xmlns:a16="http://schemas.microsoft.com/office/drawing/2014/main" id="{F6EDA782-7D3C-A71A-1463-03279D6571EB}"/>
+              </a:ext>
+            </a:extLst>
+          </p:cNvPr>
+          <p:cNvPicPr>
+            <a:picLocks noChangeAspect="1"/>
+          </p:cNvPicPr>
+          <p:nvPr/>
+        </p:nvPicPr>
+        <p:blipFill>
+          <a:blip r:embed="rId34"/>
+          <a:srcRect t="7885"/>
+          <a:stretch/>
+        </p:blipFill>
+        <p:spPr>
+          <a:xfrm>
+            <a:off x="5291780" y="1567198"/>
+            <a:ext cx="2771775" cy="2412832"/>
+          </a:xfrm>
+          <a:prstGeom prst="rect">
+            <a:avLst/>
+          </a:prstGeom>
+        </p:spPr>
+      </p:pic>
     </p:spTree>
     <p:extLst>
       <p:ext uri="{BB962C8B-B14F-4D97-AF65-F5344CB8AC3E}">
@@ -8182,7 +8053,7 @@
                         <a:srgbClr val="FF0000"/>
                       </a:solidFill>
                     </a:rPr>
-                    <a:t>f</a:t>
+                    <a:t>f1</a:t>
                   </a:r>
                   <a:endParaRPr lang="LID4096" sz="1800" dirty="0">
                     <a:solidFill>
@@ -8519,7 +8390,7 @@
                         <a:srgbClr val="FF0000"/>
                       </a:solidFill>
                     </a:rPr>
-                    <a:t>g</a:t>
+                    <a:t>f2</a:t>
                   </a:r>
                   <a:endParaRPr lang="LID4096" sz="1800" dirty="0">
                     <a:solidFill>
@@ -8798,7 +8669,7 @@
         </p:nvGrpSpPr>
         <p:grpSpPr>
           <a:xfrm>
-            <a:off x="197256" y="2071638"/>
+            <a:off x="123114" y="2013972"/>
             <a:ext cx="3496287" cy="3008358"/>
             <a:chOff x="125598" y="1215172"/>
             <a:chExt cx="3496287" cy="3008358"/>
@@ -9253,7 +9124,7 @@
         </p:nvGrpSpPr>
         <p:grpSpPr>
           <a:xfrm>
-            <a:off x="8113173" y="4015257"/>
+            <a:off x="7262840" y="4015257"/>
             <a:ext cx="1746514" cy="1359893"/>
             <a:chOff x="7282566" y="3906515"/>
             <a:chExt cx="1746514" cy="1359893"/>
@@ -9619,7 +9490,7 @@
               <a:p>
                 <a:r>
                   <a:rPr lang="en-US" sz="1800" dirty="0"/>
-                  <a:t>h</a:t>
+                  <a:t>g</a:t>
                 </a:r>
                 <a:endParaRPr lang="LID4096" sz="1800" dirty="0"/>
               </a:p>
@@ -9641,7 +9512,7 @@
         </p:nvGrpSpPr>
         <p:grpSpPr>
           <a:xfrm>
-            <a:off x="8110743" y="2545445"/>
+            <a:off x="8110743" y="2537207"/>
             <a:ext cx="1687236" cy="1363948"/>
             <a:chOff x="8110743" y="2545445"/>
             <a:chExt cx="1687236" cy="1363948"/>
@@ -9986,202 +9857,81 @@
       </p:grpSp>
       <p:grpSp>
         <p:nvGrpSpPr>
-          <p:cNvPr id="23" name="Group 22">
-            <a:extLst>
-              <a:ext uri="{FF2B5EF4-FFF2-40B4-BE49-F238E27FC236}">
-                <a16:creationId xmlns:a16="http://schemas.microsoft.com/office/drawing/2014/main" id="{9A5DD1C9-9758-44A8-A91E-1D6E0F48D6FD}"/>
-              </a:ext>
-            </a:extLst>
-          </p:cNvPr>
-          <p:cNvGrpSpPr/>
+          <p:cNvPr id="26" name="Group 25">
+            <a:extLst>
+              <a:ext uri="{FF2B5EF4-FFF2-40B4-BE49-F238E27FC236}">
+                <a16:creationId xmlns:a16="http://schemas.microsoft.com/office/drawing/2014/main" id="{D67E0F4B-632D-252A-AA0A-204B6B0E3DC3}"/>
+              </a:ext>
+            </a:extLst>
+          </p:cNvPr>
+          <p:cNvGrpSpPr>
+            <a:grpSpLocks noChangeAspect="1"/>
+          </p:cNvGrpSpPr>
           <p:nvPr/>
         </p:nvGrpSpPr>
         <p:grpSpPr>
           <a:xfrm>
-            <a:off x="3360064" y="2677740"/>
-            <a:ext cx="4625682" cy="517251"/>
-            <a:chOff x="4266483" y="94266"/>
-            <a:chExt cx="4625682" cy="517251"/>
+            <a:off x="3376541" y="2540024"/>
+            <a:ext cx="4671704" cy="791479"/>
+            <a:chOff x="3376541" y="2540024"/>
+            <a:chExt cx="4671704" cy="791479"/>
           </a:xfrm>
         </p:grpSpPr>
-        <p:pic>
-          <p:nvPicPr>
-            <p:cNvPr id="24" name="Picture 23">
+        <p:sp>
+          <p:nvSpPr>
+            <p:cNvPr id="15" name="Rectangle 14">
               <a:extLst>
                 <a:ext uri="{FF2B5EF4-FFF2-40B4-BE49-F238E27FC236}">
-                  <a16:creationId xmlns:a16="http://schemas.microsoft.com/office/drawing/2014/main" id="{4BA6DA7B-3FA6-CD13-0C7D-784AA76CC042}"/>
+                  <a16:creationId xmlns:a16="http://schemas.microsoft.com/office/drawing/2014/main" id="{BFF946A8-2FB2-6155-BF32-769EC5691ED4}"/>
                 </a:ext>
               </a:extLst>
             </p:cNvPr>
-            <p:cNvPicPr>
-              <a:picLocks noChangeAspect="1"/>
-            </p:cNvPicPr>
-            <p:nvPr/>
-          </p:nvPicPr>
-          <p:blipFill>
-            <a:blip r:embed="rId9"/>
-            <a:stretch>
-              <a:fillRect/>
-            </a:stretch>
-          </p:blipFill>
-          <p:spPr>
-            <a:xfrm>
-              <a:off x="4266483" y="94266"/>
-              <a:ext cx="3777346" cy="298927"/>
-            </a:xfrm>
-            <a:prstGeom prst="rect">
-              <a:avLst/>
-            </a:prstGeom>
-          </p:spPr>
-        </p:pic>
-        <p:pic>
-          <p:nvPicPr>
-            <p:cNvPr id="25" name="Picture 24">
-              <a:extLst>
-                <a:ext uri="{FF2B5EF4-FFF2-40B4-BE49-F238E27FC236}">
-                  <a16:creationId xmlns:a16="http://schemas.microsoft.com/office/drawing/2014/main" id="{705AA7B6-0655-84A9-6BE7-488909A769E5}"/>
-                </a:ext>
-              </a:extLst>
-            </p:cNvPr>
-            <p:cNvPicPr>
-              <a:picLocks noChangeAspect="1"/>
-            </p:cNvPicPr>
-            <p:nvPr/>
-          </p:nvPicPr>
-          <p:blipFill>
-            <a:blip r:embed="rId10"/>
-            <a:stretch>
-              <a:fillRect/>
-            </a:stretch>
-          </p:blipFill>
-          <p:spPr>
-            <a:xfrm>
-              <a:off x="5539365" y="392442"/>
-              <a:ext cx="3352800" cy="219075"/>
-            </a:xfrm>
-            <a:prstGeom prst="rect">
-              <a:avLst/>
-            </a:prstGeom>
-          </p:spPr>
-        </p:pic>
-        <p:sp>
-          <p:nvSpPr>
-            <p:cNvPr id="27" name="TextBox 26">
-              <a:extLst>
-                <a:ext uri="{FF2B5EF4-FFF2-40B4-BE49-F238E27FC236}">
-                  <a16:creationId xmlns:a16="http://schemas.microsoft.com/office/drawing/2014/main" id="{570399D3-335E-94AD-1AD1-49A599C75775}"/>
-                </a:ext>
-              </a:extLst>
-            </p:cNvPr>
-            <p:cNvSpPr txBox="1"/>
+            <p:cNvSpPr/>
             <p:nvPr/>
           </p:nvSpPr>
           <p:spPr>
             <a:xfrm>
-              <a:off x="8490152" y="181753"/>
-              <a:ext cx="369061" cy="227165"/>
+              <a:off x="3376541" y="2540024"/>
+              <a:ext cx="4671704" cy="791479"/>
             </a:xfrm>
             <a:prstGeom prst="rect">
               <a:avLst/>
             </a:prstGeom>
             <a:solidFill>
-              <a:srgbClr val="93E3FF"/>
+              <a:schemeClr val="bg1"/>
             </a:solidFill>
           </p:spPr>
+          <p:style>
+            <a:lnRef idx="2">
+              <a:schemeClr val="accent1">
+                <a:shade val="15000"/>
+              </a:schemeClr>
+            </a:lnRef>
+            <a:fillRef idx="1">
+              <a:schemeClr val="accent1"/>
+            </a:fillRef>
+            <a:effectRef idx="0">
+              <a:schemeClr val="accent1"/>
+            </a:effectRef>
+            <a:fontRef idx="minor">
+              <a:schemeClr val="lt1"/>
+            </a:fontRef>
+          </p:style>
           <p:txBody>
-            <a:bodyPr wrap="none" lIns="0" tIns="0" rIns="0" bIns="0" rtlCol="0" anchor="ctr" anchorCtr="0">
-              <a:noAutofit/>
-            </a:bodyPr>
-            <a:lstStyle>
-              <a:defPPr>
-                <a:defRPr lang="LID4096"/>
-              </a:defPPr>
-              <a:lvl1pPr algn="ctr">
-                <a:defRPr sz="1100" b="1">
-                  <a:latin typeface="Calibri bold" panose="020F0702030404030204" pitchFamily="34" charset="0"/>
-                  <a:cs typeface="Calibri bold" panose="020F0702030404030204" pitchFamily="34" charset="0"/>
-                </a:defRPr>
-              </a:lvl1pPr>
-            </a:lstStyle>
+            <a:bodyPr rtlCol="0" anchor="ctr"/>
+            <a:lstStyle/>
             <a:p>
-              <a:r>
-                <a:rPr lang="pt-BR" dirty="0"/>
-                <a:t>S1 </a:t>
-              </a:r>
-              <a:endParaRPr lang="LID4096" dirty="0"/>
+              <a:pPr algn="ctr"/>
+              <a:endParaRPr lang="LID4096"/>
             </a:p>
           </p:txBody>
         </p:sp>
-        <p:sp>
-          <p:nvSpPr>
-            <p:cNvPr id="28" name="TextBox 27">
+        <p:grpSp>
+          <p:nvGrpSpPr>
+            <p:cNvPr id="23" name="Group 22">
               <a:extLst>
                 <a:ext uri="{FF2B5EF4-FFF2-40B4-BE49-F238E27FC236}">
-                  <a16:creationId xmlns:a16="http://schemas.microsoft.com/office/drawing/2014/main" id="{4B65C221-E89F-318E-6383-843E716AA9D2}"/>
-                </a:ext>
-              </a:extLst>
-            </p:cNvPr>
-            <p:cNvSpPr txBox="1">
-              <a:spLocks noChangeAspect="1"/>
-            </p:cNvSpPr>
-            <p:nvPr/>
-          </p:nvSpPr>
-          <p:spPr>
-            <a:xfrm>
-              <a:off x="8094219" y="188506"/>
-              <a:ext cx="369061" cy="136632"/>
-            </a:xfrm>
-            <a:prstGeom prst="rect">
-              <a:avLst/>
-            </a:prstGeom>
-            <a:solidFill>
-              <a:schemeClr val="bg1">
-                <a:lumMod val="85000"/>
-              </a:schemeClr>
-            </a:solidFill>
-          </p:spPr>
-          <p:txBody>
-            <a:bodyPr wrap="none" lIns="0" tIns="0" rIns="0" bIns="0" anchor="ctr" anchorCtr="0">
-              <a:noAutofit/>
-            </a:bodyPr>
-            <a:lstStyle/>
-            <a:p>
-              <a:pPr algn="ctr"/>
-              <a:r>
-                <a:rPr lang="pt-BR" sz="1200" b="1" dirty="0"/>
-                <a:t>2_01</a:t>
-              </a:r>
-              <a:endParaRPr lang="LID4096" sz="1200" b="1" dirty="0"/>
-            </a:p>
-          </p:txBody>
-        </p:sp>
-      </p:grpSp>
-      <p:grpSp>
-        <p:nvGrpSpPr>
-          <p:cNvPr id="37" name="Group 36">
-            <a:extLst>
-              <a:ext uri="{FF2B5EF4-FFF2-40B4-BE49-F238E27FC236}">
-                <a16:creationId xmlns:a16="http://schemas.microsoft.com/office/drawing/2014/main" id="{7676CA47-6628-D468-5FBF-03CEFC4E9871}"/>
-              </a:ext>
-            </a:extLst>
-          </p:cNvPr>
-          <p:cNvGrpSpPr/>
-          <p:nvPr/>
-        </p:nvGrpSpPr>
-        <p:grpSpPr>
-          <a:xfrm>
-            <a:off x="1725074" y="132361"/>
-            <a:ext cx="8180374" cy="1623674"/>
-            <a:chOff x="3126104" y="232629"/>
-            <a:chExt cx="8180374" cy="1623674"/>
-          </a:xfrm>
-        </p:grpSpPr>
-        <p:grpSp>
-          <p:nvGrpSpPr>
-            <p:cNvPr id="31" name="Group 30">
-              <a:extLst>
-                <a:ext uri="{FF2B5EF4-FFF2-40B4-BE49-F238E27FC236}">
-                  <a16:creationId xmlns:a16="http://schemas.microsoft.com/office/drawing/2014/main" id="{B47D28F1-BF96-A0CC-D651-CCCDCB0126BA}"/>
+                  <a16:creationId xmlns:a16="http://schemas.microsoft.com/office/drawing/2014/main" id="{9A5DD1C9-9758-44A8-A91E-1D6E0F48D6FD}"/>
                 </a:ext>
               </a:extLst>
             </p:cNvPr>
@@ -10190,206 +9940,18 @@
           </p:nvGrpSpPr>
           <p:grpSpPr>
             <a:xfrm>
-              <a:off x="3126104" y="232629"/>
-              <a:ext cx="3844536" cy="1461693"/>
-              <a:chOff x="4045574" y="223224"/>
-              <a:chExt cx="3844536" cy="1461693"/>
+              <a:off x="3452407" y="2685311"/>
+              <a:ext cx="4552628" cy="517251"/>
+              <a:chOff x="4339537" y="94266"/>
+              <a:chExt cx="4552628" cy="517251"/>
             </a:xfrm>
           </p:grpSpPr>
-          <p:grpSp>
-            <p:nvGrpSpPr>
-              <p:cNvPr id="88" name="Group 87">
+          <p:pic>
+            <p:nvPicPr>
+              <p:cNvPr id="24" name="Picture 23">
                 <a:extLst>
                   <a:ext uri="{FF2B5EF4-FFF2-40B4-BE49-F238E27FC236}">
-                    <a16:creationId xmlns:a16="http://schemas.microsoft.com/office/drawing/2014/main" id="{FE01F1E2-0056-D4DF-793B-51E13DE86E3D}"/>
-                  </a:ext>
-                </a:extLst>
-              </p:cNvPr>
-              <p:cNvGrpSpPr/>
-              <p:nvPr/>
-            </p:nvGrpSpPr>
-            <p:grpSpPr>
-              <a:xfrm>
-                <a:off x="4045574" y="231155"/>
-                <a:ext cx="2233276" cy="1453762"/>
-                <a:chOff x="8353586" y="5524034"/>
-                <a:chExt cx="2233276" cy="1453762"/>
-              </a:xfrm>
-            </p:grpSpPr>
-            <p:grpSp>
-              <p:nvGrpSpPr>
-                <p:cNvPr id="90" name="Group 89">
-                  <a:extLst>
-                    <a:ext uri="{FF2B5EF4-FFF2-40B4-BE49-F238E27FC236}">
-                      <a16:creationId xmlns:a16="http://schemas.microsoft.com/office/drawing/2014/main" id="{3FE577AC-DB6A-2982-35EB-FF49449D459C}"/>
-                    </a:ext>
-                  </a:extLst>
-                </p:cNvPr>
-                <p:cNvGrpSpPr/>
-                <p:nvPr/>
-              </p:nvGrpSpPr>
-              <p:grpSpPr>
-                <a:xfrm>
-                  <a:off x="8353586" y="5524034"/>
-                  <a:ext cx="2028825" cy="1453762"/>
-                  <a:chOff x="7012215" y="5434078"/>
-                  <a:chExt cx="2028825" cy="1453762"/>
-                </a:xfrm>
-              </p:grpSpPr>
-              <p:pic>
-                <p:nvPicPr>
-                  <p:cNvPr id="92" name="Picture 91">
-                    <a:extLst>
-                      <a:ext uri="{FF2B5EF4-FFF2-40B4-BE49-F238E27FC236}">
-                        <a16:creationId xmlns:a16="http://schemas.microsoft.com/office/drawing/2014/main" id="{4CC90721-1541-2AB6-12D4-B2EC5103270C}"/>
-                      </a:ext>
-                    </a:extLst>
-                  </p:cNvPr>
-                  <p:cNvPicPr>
-                    <a:picLocks noChangeAspect="1"/>
-                  </p:cNvPicPr>
-                  <p:nvPr/>
-                </p:nvPicPr>
-                <p:blipFill>
-                  <a:blip r:embed="rId19"/>
-                  <a:srcRect t="80592"/>
-                  <a:stretch/>
-                </p:blipFill>
-                <p:spPr>
-                  <a:xfrm>
-                    <a:off x="7012215" y="5434078"/>
-                    <a:ext cx="2028825" cy="199646"/>
-                  </a:xfrm>
-                  <a:prstGeom prst="rect">
-                    <a:avLst/>
-                  </a:prstGeom>
-                </p:spPr>
-              </p:pic>
-              <p:pic>
-                <p:nvPicPr>
-                  <p:cNvPr id="93" name="Picture 92">
-                    <a:extLst>
-                      <a:ext uri="{FF2B5EF4-FFF2-40B4-BE49-F238E27FC236}">
-                        <a16:creationId xmlns:a16="http://schemas.microsoft.com/office/drawing/2014/main" id="{EBEB791D-7865-7AF2-A033-7309AB158B5F}"/>
-                      </a:ext>
-                    </a:extLst>
-                  </p:cNvPr>
-                  <p:cNvPicPr>
-                    <a:picLocks noChangeAspect="1"/>
-                  </p:cNvPicPr>
-                  <p:nvPr/>
-                </p:nvPicPr>
-                <p:blipFill>
-                  <a:blip r:embed="rId20"/>
-                  <a:stretch>
-                    <a:fillRect/>
-                  </a:stretch>
-                </p:blipFill>
-                <p:spPr>
-                  <a:xfrm>
-                    <a:off x="7126474" y="5630540"/>
-                    <a:ext cx="1552575" cy="1257300"/>
-                  </a:xfrm>
-                  <a:prstGeom prst="rect">
-                    <a:avLst/>
-                  </a:prstGeom>
-                </p:spPr>
-              </p:pic>
-              <p:sp>
-                <p:nvSpPr>
-                  <p:cNvPr id="94" name="Rectangle 93">
-                    <a:extLst>
-                      <a:ext uri="{FF2B5EF4-FFF2-40B4-BE49-F238E27FC236}">
-                        <a16:creationId xmlns:a16="http://schemas.microsoft.com/office/drawing/2014/main" id="{0285D463-467D-7BD7-A2C5-D553A4F83788}"/>
-                      </a:ext>
-                    </a:extLst>
-                  </p:cNvPr>
-                  <p:cNvSpPr/>
-                  <p:nvPr/>
-                </p:nvSpPr>
-                <p:spPr>
-                  <a:xfrm>
-                    <a:off x="7126474" y="6237872"/>
-                    <a:ext cx="1656160" cy="213066"/>
-                  </a:xfrm>
-                  <a:prstGeom prst="rect">
-                    <a:avLst/>
-                  </a:prstGeom>
-                  <a:noFill/>
-                  <a:ln w="6350">
-                    <a:solidFill>
-                      <a:schemeClr val="tx1"/>
-                    </a:solidFill>
-                  </a:ln>
-                  <a:effectLst>
-                    <a:outerShdw blurRad="50800" dist="38100" dir="8100000" algn="tr" rotWithShape="0">
-                      <a:prstClr val="black">
-                        <a:alpha val="40000"/>
-                      </a:prstClr>
-                    </a:outerShdw>
-                  </a:effectLst>
-                </p:spPr>
-                <p:txBody>
-                  <a:bodyPr wrap="none" anchor="ctr" anchorCtr="0">
-                    <a:noAutofit/>
-                  </a:bodyPr>
-                  <a:lstStyle/>
-                  <a:p>
-                    <a:endParaRPr lang="LID4096" dirty="0"/>
-                  </a:p>
-                </p:txBody>
-              </p:sp>
-            </p:grpSp>
-            <p:sp>
-              <p:nvSpPr>
-                <p:cNvPr id="91" name="TextBox 90">
-                  <a:extLst>
-                    <a:ext uri="{FF2B5EF4-FFF2-40B4-BE49-F238E27FC236}">
-                      <a16:creationId xmlns:a16="http://schemas.microsoft.com/office/drawing/2014/main" id="{8EC7666F-BB5B-9514-BC6F-466C4E4EAC2B}"/>
-                    </a:ext>
-                  </a:extLst>
-                </p:cNvPr>
-                <p:cNvSpPr txBox="1"/>
-                <p:nvPr/>
-              </p:nvSpPr>
-              <p:spPr>
-                <a:xfrm>
-                  <a:off x="9927534" y="6132460"/>
-                  <a:ext cx="659328" cy="523220"/>
-                </a:xfrm>
-                <a:prstGeom prst="rect">
-                  <a:avLst/>
-                </a:prstGeom>
-                <a:noFill/>
-              </p:spPr>
-              <p:txBody>
-                <a:bodyPr wrap="square">
-                  <a:spAutoFit/>
-                </a:bodyPr>
-                <a:lstStyle>
-                  <a:defPPr>
-                    <a:defRPr lang="LID4096"/>
-                  </a:defPPr>
-                  <a:lvl1pPr>
-                    <a:defRPr sz="1100" b="1"/>
-                  </a:lvl1pPr>
-                </a:lstStyle>
-                <a:p>
-                  <a:r>
-                    <a:rPr lang="en-US" sz="2800" dirty="0"/>
-                    <a:t>*</a:t>
-                  </a:r>
-                  <a:endParaRPr lang="LID4096" sz="2800" dirty="0"/>
-                </a:p>
-              </p:txBody>
-            </p:sp>
-          </p:grpSp>
-          <p:pic>
-            <p:nvPicPr>
-              <p:cNvPr id="153" name="Picture 152">
-                <a:extLst>
-                  <a:ext uri="{FF2B5EF4-FFF2-40B4-BE49-F238E27FC236}">
-                    <a16:creationId xmlns:a16="http://schemas.microsoft.com/office/drawing/2014/main" id="{1B72778C-DEE9-E091-8651-FE1B7D03B8E2}"/>
+                    <a16:creationId xmlns:a16="http://schemas.microsoft.com/office/drawing/2014/main" id="{4BA6DA7B-3FA6-CD13-0C7D-784AA76CC042}"/>
                   </a:ext>
                 </a:extLst>
               </p:cNvPr>
@@ -10399,15 +9961,14 @@
               <p:nvPr/>
             </p:nvPicPr>
             <p:blipFill>
-              <a:blip r:embed="rId21"/>
-              <a:stretch>
-                <a:fillRect/>
-              </a:stretch>
+              <a:blip r:embed="rId9"/>
+              <a:srcRect l="1934"/>
+              <a:stretch/>
             </p:blipFill>
             <p:spPr>
               <a:xfrm>
-                <a:off x="5989110" y="454748"/>
-                <a:ext cx="1028700" cy="838200"/>
+                <a:off x="4339537" y="94266"/>
+                <a:ext cx="3704291" cy="298927"/>
               </a:xfrm>
               <a:prstGeom prst="rect">
                 <a:avLst/>
@@ -10416,10 +9977,361 @@
           </p:pic>
           <p:pic>
             <p:nvPicPr>
-              <p:cNvPr id="154" name="Picture 153">
+              <p:cNvPr id="25" name="Picture 24">
                 <a:extLst>
                   <a:ext uri="{FF2B5EF4-FFF2-40B4-BE49-F238E27FC236}">
-                    <a16:creationId xmlns:a16="http://schemas.microsoft.com/office/drawing/2014/main" id="{5182FA7B-A3CF-132C-3670-300DF7D94DA9}"/>
+                    <a16:creationId xmlns:a16="http://schemas.microsoft.com/office/drawing/2014/main" id="{705AA7B6-0655-84A9-6BE7-488909A769E5}"/>
+                  </a:ext>
+                </a:extLst>
+              </p:cNvPr>
+              <p:cNvPicPr>
+                <a:picLocks noChangeAspect="1"/>
+              </p:cNvPicPr>
+              <p:nvPr/>
+            </p:nvPicPr>
+            <p:blipFill>
+              <a:blip r:embed="rId10"/>
+              <a:stretch>
+                <a:fillRect/>
+              </a:stretch>
+            </p:blipFill>
+            <p:spPr>
+              <a:xfrm>
+                <a:off x="5539365" y="392442"/>
+                <a:ext cx="3352800" cy="219075"/>
+              </a:xfrm>
+              <a:prstGeom prst="rect">
+                <a:avLst/>
+              </a:prstGeom>
+            </p:spPr>
+          </p:pic>
+          <p:sp>
+            <p:nvSpPr>
+              <p:cNvPr id="27" name="TextBox 26">
+                <a:extLst>
+                  <a:ext uri="{FF2B5EF4-FFF2-40B4-BE49-F238E27FC236}">
+                    <a16:creationId xmlns:a16="http://schemas.microsoft.com/office/drawing/2014/main" id="{570399D3-335E-94AD-1AD1-49A599C75775}"/>
+                  </a:ext>
+                </a:extLst>
+              </p:cNvPr>
+              <p:cNvSpPr txBox="1"/>
+              <p:nvPr/>
+            </p:nvSpPr>
+            <p:spPr>
+              <a:xfrm>
+                <a:off x="8490152" y="181753"/>
+                <a:ext cx="369061" cy="227165"/>
+              </a:xfrm>
+              <a:prstGeom prst="rect">
+                <a:avLst/>
+              </a:prstGeom>
+              <a:solidFill>
+                <a:srgbClr val="93E3FF"/>
+              </a:solidFill>
+            </p:spPr>
+            <p:txBody>
+              <a:bodyPr wrap="none" lIns="0" tIns="0" rIns="0" bIns="0" rtlCol="0" anchor="ctr" anchorCtr="0">
+                <a:noAutofit/>
+              </a:bodyPr>
+              <a:lstStyle>
+                <a:defPPr>
+                  <a:defRPr lang="LID4096"/>
+                </a:defPPr>
+                <a:lvl1pPr algn="ctr">
+                  <a:defRPr sz="1100" b="1">
+                    <a:latin typeface="Calibri bold" panose="020F0702030404030204" pitchFamily="34" charset="0"/>
+                    <a:cs typeface="Calibri bold" panose="020F0702030404030204" pitchFamily="34" charset="0"/>
+                  </a:defRPr>
+                </a:lvl1pPr>
+              </a:lstStyle>
+              <a:p>
+                <a:r>
+                  <a:rPr lang="pt-BR" dirty="0"/>
+                  <a:t>S1 </a:t>
+                </a:r>
+                <a:endParaRPr lang="LID4096" dirty="0"/>
+              </a:p>
+            </p:txBody>
+          </p:sp>
+          <p:sp>
+            <p:nvSpPr>
+              <p:cNvPr id="28" name="TextBox 27">
+                <a:extLst>
+                  <a:ext uri="{FF2B5EF4-FFF2-40B4-BE49-F238E27FC236}">
+                    <a16:creationId xmlns:a16="http://schemas.microsoft.com/office/drawing/2014/main" id="{4B65C221-E89F-318E-6383-843E716AA9D2}"/>
+                  </a:ext>
+                </a:extLst>
+              </p:cNvPr>
+              <p:cNvSpPr txBox="1">
+                <a:spLocks noChangeAspect="1"/>
+              </p:cNvSpPr>
+              <p:nvPr/>
+            </p:nvSpPr>
+            <p:spPr>
+              <a:xfrm>
+                <a:off x="8094219" y="188506"/>
+                <a:ext cx="369061" cy="136632"/>
+              </a:xfrm>
+              <a:prstGeom prst="rect">
+                <a:avLst/>
+              </a:prstGeom>
+              <a:solidFill>
+                <a:schemeClr val="bg1">
+                  <a:lumMod val="85000"/>
+                </a:schemeClr>
+              </a:solidFill>
+            </p:spPr>
+            <p:txBody>
+              <a:bodyPr wrap="none" lIns="0" tIns="0" rIns="0" bIns="0" anchor="ctr" anchorCtr="0">
+                <a:noAutofit/>
+              </a:bodyPr>
+              <a:lstStyle/>
+              <a:p>
+                <a:pPr algn="ctr"/>
+                <a:r>
+                  <a:rPr lang="pt-BR" sz="1200" b="1" dirty="0"/>
+                  <a:t>2_01</a:t>
+                </a:r>
+                <a:endParaRPr lang="LID4096" sz="1200" b="1" dirty="0"/>
+              </a:p>
+            </p:txBody>
+          </p:sp>
+        </p:grpSp>
+      </p:grpSp>
+      <p:sp>
+        <p:nvSpPr>
+          <p:cNvPr id="47" name="TextBox 46">
+            <a:extLst>
+              <a:ext uri="{FF2B5EF4-FFF2-40B4-BE49-F238E27FC236}">
+                <a16:creationId xmlns:a16="http://schemas.microsoft.com/office/drawing/2014/main" id="{99DDD2E3-BE65-F592-CBCE-B29E1B8EEF19}"/>
+              </a:ext>
+            </a:extLst>
+          </p:cNvPr>
+          <p:cNvSpPr txBox="1"/>
+          <p:nvPr/>
+        </p:nvSpPr>
+        <p:spPr>
+          <a:xfrm>
+            <a:off x="10942956" y="12034"/>
+            <a:ext cx="1249044" cy="923330"/>
+          </a:xfrm>
+          <a:prstGeom prst="rect">
+            <a:avLst/>
+          </a:prstGeom>
+          <a:noFill/>
+        </p:spPr>
+        <p:txBody>
+          <a:bodyPr wrap="square">
+            <a:spAutoFit/>
+          </a:bodyPr>
+          <a:lstStyle/>
+          <a:p>
+            <a:pPr algn="r"/>
+            <a:r>
+              <a:rPr lang="en-US" b="1" dirty="0"/>
+              <a:t>Freyberg </a:t>
+            </a:r>
+          </a:p>
+          <a:p>
+            <a:pPr algn="r"/>
+            <a:r>
+              <a:rPr lang="en-US" b="1" dirty="0"/>
+              <a:t>Flopy</a:t>
+            </a:r>
+          </a:p>
+          <a:p>
+            <a:pPr algn="r"/>
+            <a:r>
+              <a:rPr lang="en-US" b="1" dirty="0"/>
+              <a:t>not yet</a:t>
+            </a:r>
+          </a:p>
+        </p:txBody>
+      </p:sp>
+      <p:grpSp>
+        <p:nvGrpSpPr>
+          <p:cNvPr id="51" name="Group 50">
+            <a:extLst>
+              <a:ext uri="{FF2B5EF4-FFF2-40B4-BE49-F238E27FC236}">
+                <a16:creationId xmlns:a16="http://schemas.microsoft.com/office/drawing/2014/main" id="{82A62C7E-24CB-389F-020E-58E305B16A68}"/>
+              </a:ext>
+            </a:extLst>
+          </p:cNvPr>
+          <p:cNvGrpSpPr/>
+          <p:nvPr/>
+        </p:nvGrpSpPr>
+        <p:grpSpPr>
+          <a:xfrm>
+            <a:off x="142001" y="82401"/>
+            <a:ext cx="9763447" cy="1673634"/>
+            <a:chOff x="142001" y="82401"/>
+            <a:chExt cx="9763447" cy="1673634"/>
+          </a:xfrm>
+        </p:grpSpPr>
+        <p:grpSp>
+          <p:nvGrpSpPr>
+            <p:cNvPr id="37" name="Group 36">
+              <a:extLst>
+                <a:ext uri="{FF2B5EF4-FFF2-40B4-BE49-F238E27FC236}">
+                  <a16:creationId xmlns:a16="http://schemas.microsoft.com/office/drawing/2014/main" id="{7676CA47-6628-D468-5FBF-03CEFC4E9871}"/>
+                </a:ext>
+              </a:extLst>
+            </p:cNvPr>
+            <p:cNvGrpSpPr/>
+            <p:nvPr/>
+          </p:nvGrpSpPr>
+          <p:grpSpPr>
+            <a:xfrm>
+              <a:off x="1725074" y="132361"/>
+              <a:ext cx="8180374" cy="1623674"/>
+              <a:chOff x="3126104" y="232629"/>
+              <a:chExt cx="8180374" cy="1623674"/>
+            </a:xfrm>
+          </p:grpSpPr>
+          <p:grpSp>
+            <p:nvGrpSpPr>
+              <p:cNvPr id="31" name="Group 30">
+                <a:extLst>
+                  <a:ext uri="{FF2B5EF4-FFF2-40B4-BE49-F238E27FC236}">
+                    <a16:creationId xmlns:a16="http://schemas.microsoft.com/office/drawing/2014/main" id="{B47D28F1-BF96-A0CC-D651-CCCDCB0126BA}"/>
+                  </a:ext>
+                </a:extLst>
+              </p:cNvPr>
+              <p:cNvGrpSpPr/>
+              <p:nvPr/>
+            </p:nvGrpSpPr>
+            <p:grpSpPr>
+              <a:xfrm>
+                <a:off x="3126104" y="232629"/>
+                <a:ext cx="3844536" cy="1069724"/>
+                <a:chOff x="4045574" y="223224"/>
+                <a:chExt cx="3844536" cy="1069724"/>
+              </a:xfrm>
+            </p:grpSpPr>
+            <p:pic>
+              <p:nvPicPr>
+                <p:cNvPr id="92" name="Picture 91">
+                  <a:extLst>
+                    <a:ext uri="{FF2B5EF4-FFF2-40B4-BE49-F238E27FC236}">
+                      <a16:creationId xmlns:a16="http://schemas.microsoft.com/office/drawing/2014/main" id="{4CC90721-1541-2AB6-12D4-B2EC5103270C}"/>
+                    </a:ext>
+                  </a:extLst>
+                </p:cNvPr>
+                <p:cNvPicPr>
+                  <a:picLocks noChangeAspect="1"/>
+                </p:cNvPicPr>
+                <p:nvPr/>
+              </p:nvPicPr>
+              <p:blipFill>
+                <a:blip r:embed="rId19"/>
+                <a:srcRect t="80592"/>
+                <a:stretch/>
+              </p:blipFill>
+              <p:spPr>
+                <a:xfrm>
+                  <a:off x="4045574" y="231155"/>
+                  <a:ext cx="2028825" cy="199646"/>
+                </a:xfrm>
+                <a:prstGeom prst="rect">
+                  <a:avLst/>
+                </a:prstGeom>
+              </p:spPr>
+            </p:pic>
+            <p:pic>
+              <p:nvPicPr>
+                <p:cNvPr id="153" name="Picture 152">
+                  <a:extLst>
+                    <a:ext uri="{FF2B5EF4-FFF2-40B4-BE49-F238E27FC236}">
+                      <a16:creationId xmlns:a16="http://schemas.microsoft.com/office/drawing/2014/main" id="{1B72778C-DEE9-E091-8651-FE1B7D03B8E2}"/>
+                    </a:ext>
+                  </a:extLst>
+                </p:cNvPr>
+                <p:cNvPicPr>
+                  <a:picLocks noChangeAspect="1"/>
+                </p:cNvPicPr>
+                <p:nvPr/>
+              </p:nvPicPr>
+              <p:blipFill>
+                <a:blip r:embed="rId20"/>
+                <a:stretch>
+                  <a:fillRect/>
+                </a:stretch>
+              </p:blipFill>
+              <p:spPr>
+                <a:xfrm>
+                  <a:off x="5989110" y="454748"/>
+                  <a:ext cx="1028700" cy="838200"/>
+                </a:xfrm>
+                <a:prstGeom prst="rect">
+                  <a:avLst/>
+                </a:prstGeom>
+              </p:spPr>
+            </p:pic>
+            <p:pic>
+              <p:nvPicPr>
+                <p:cNvPr id="154" name="Picture 153">
+                  <a:extLst>
+                    <a:ext uri="{FF2B5EF4-FFF2-40B4-BE49-F238E27FC236}">
+                      <a16:creationId xmlns:a16="http://schemas.microsoft.com/office/drawing/2014/main" id="{5182FA7B-A3CF-132C-3670-300DF7D94DA9}"/>
+                    </a:ext>
+                  </a:extLst>
+                </p:cNvPr>
+                <p:cNvPicPr>
+                  <a:picLocks noChangeAspect="1"/>
+                </p:cNvPicPr>
+                <p:nvPr/>
+              </p:nvPicPr>
+              <p:blipFill>
+                <a:blip r:embed="rId21"/>
+                <a:srcRect t="2506" r="71031" b="78986"/>
+                <a:stretch/>
+              </p:blipFill>
+              <p:spPr>
+                <a:xfrm>
+                  <a:off x="5861286" y="230176"/>
+                  <a:ext cx="747770" cy="197441"/>
+                </a:xfrm>
+                <a:prstGeom prst="rect">
+                  <a:avLst/>
+                </a:prstGeom>
+              </p:spPr>
+            </p:pic>
+            <p:pic>
+              <p:nvPicPr>
+                <p:cNvPr id="29" name="Picture 28">
+                  <a:extLst>
+                    <a:ext uri="{FF2B5EF4-FFF2-40B4-BE49-F238E27FC236}">
+                      <a16:creationId xmlns:a16="http://schemas.microsoft.com/office/drawing/2014/main" id="{565E576B-9DC1-BC9B-7C5B-A6C47327E28E}"/>
+                    </a:ext>
+                  </a:extLst>
+                </p:cNvPr>
+                <p:cNvPicPr>
+                  <a:picLocks noChangeAspect="1"/>
+                </p:cNvPicPr>
+                <p:nvPr/>
+              </p:nvPicPr>
+              <p:blipFill>
+                <a:blip r:embed="rId22"/>
+                <a:srcRect t="18085" r="69833" b="51260"/>
+                <a:stretch/>
+              </p:blipFill>
+              <p:spPr>
+                <a:xfrm>
+                  <a:off x="7097048" y="223224"/>
+                  <a:ext cx="793062" cy="385423"/>
+                </a:xfrm>
+                <a:prstGeom prst="rect">
+                  <a:avLst/>
+                </a:prstGeom>
+              </p:spPr>
+            </p:pic>
+          </p:grpSp>
+          <p:pic>
+            <p:nvPicPr>
+              <p:cNvPr id="33" name="Picture 32">
+                <a:extLst>
+                  <a:ext uri="{FF2B5EF4-FFF2-40B4-BE49-F238E27FC236}">
+                    <a16:creationId xmlns:a16="http://schemas.microsoft.com/office/drawing/2014/main" id="{66F22664-3A8C-BE18-448C-2A946424FAFD}"/>
                   </a:ext>
                 </a:extLst>
               </p:cNvPr>
@@ -10430,13 +10342,13 @@
             </p:nvPicPr>
             <p:blipFill>
               <a:blip r:embed="rId22"/>
-              <a:srcRect t="2506" r="71031" b="78986"/>
+              <a:srcRect t="48018"/>
               <a:stretch/>
             </p:blipFill>
             <p:spPr>
               <a:xfrm>
-                <a:off x="5861286" y="230176"/>
-                <a:ext cx="747770" cy="197441"/>
+                <a:off x="8677578" y="430150"/>
+                <a:ext cx="2628900" cy="653562"/>
               </a:xfrm>
               <a:prstGeom prst="rect">
                 <a:avLst/>
@@ -10445,10 +10357,10 @@
           </p:pic>
           <p:pic>
             <p:nvPicPr>
-              <p:cNvPr id="29" name="Picture 28">
+              <p:cNvPr id="36" name="Picture 35">
                 <a:extLst>
                   <a:ext uri="{FF2B5EF4-FFF2-40B4-BE49-F238E27FC236}">
-                    <a16:creationId xmlns:a16="http://schemas.microsoft.com/office/drawing/2014/main" id="{565E576B-9DC1-BC9B-7C5B-A6C47327E28E}"/>
+                    <a16:creationId xmlns:a16="http://schemas.microsoft.com/office/drawing/2014/main" id="{1E336DE2-00AF-26A7-DDED-EA8EB57787CB}"/>
                   </a:ext>
                 </a:extLst>
               </p:cNvPr>
@@ -10459,13 +10371,14 @@
             </p:nvPicPr>
             <p:blipFill>
               <a:blip r:embed="rId23"/>
-              <a:srcRect t="18085" r="69833" b="51260"/>
-              <a:stretch/>
+              <a:stretch>
+                <a:fillRect/>
+              </a:stretch>
             </p:blipFill>
             <p:spPr>
               <a:xfrm>
-                <a:off x="7097048" y="223224"/>
-                <a:ext cx="793062" cy="385423"/>
+                <a:off x="6309346" y="618053"/>
+                <a:ext cx="2295525" cy="1238250"/>
               </a:xfrm>
               <a:prstGeom prst="rect">
                 <a:avLst/>
@@ -10475,39 +10388,10 @@
         </p:grpSp>
         <p:pic>
           <p:nvPicPr>
-            <p:cNvPr id="33" name="Picture 32">
+            <p:cNvPr id="42" name="Picture 41">
               <a:extLst>
                 <a:ext uri="{FF2B5EF4-FFF2-40B4-BE49-F238E27FC236}">
-                  <a16:creationId xmlns:a16="http://schemas.microsoft.com/office/drawing/2014/main" id="{66F22664-3A8C-BE18-448C-2A946424FAFD}"/>
-                </a:ext>
-              </a:extLst>
-            </p:cNvPr>
-            <p:cNvPicPr>
-              <a:picLocks noChangeAspect="1"/>
-            </p:cNvPicPr>
-            <p:nvPr/>
-          </p:nvPicPr>
-          <p:blipFill>
-            <a:blip r:embed="rId23"/>
-            <a:srcRect t="48018"/>
-            <a:stretch/>
-          </p:blipFill>
-          <p:spPr>
-            <a:xfrm>
-              <a:off x="8677578" y="430150"/>
-              <a:ext cx="2628900" cy="653562"/>
-            </a:xfrm>
-            <a:prstGeom prst="rect">
-              <a:avLst/>
-            </a:prstGeom>
-          </p:spPr>
-        </p:pic>
-        <p:pic>
-          <p:nvPicPr>
-            <p:cNvPr id="36" name="Picture 35">
-              <a:extLst>
-                <a:ext uri="{FF2B5EF4-FFF2-40B4-BE49-F238E27FC236}">
-                  <a16:creationId xmlns:a16="http://schemas.microsoft.com/office/drawing/2014/main" id="{1E336DE2-00AF-26A7-DDED-EA8EB57787CB}"/>
+                  <a16:creationId xmlns:a16="http://schemas.microsoft.com/office/drawing/2014/main" id="{7989ACEA-185C-ECF2-2084-CD86F8FA1105}"/>
                 </a:ext>
               </a:extLst>
             </p:cNvPr>
@@ -10524,111 +10408,161 @@
           </p:blipFill>
           <p:spPr>
             <a:xfrm>
-              <a:off x="6309346" y="618053"/>
-              <a:ext cx="2295525" cy="1238250"/>
+              <a:off x="142001" y="82401"/>
+              <a:ext cx="1336361" cy="1670452"/>
             </a:xfrm>
             <a:prstGeom prst="rect">
               <a:avLst/>
             </a:prstGeom>
           </p:spPr>
         </p:pic>
+        <p:pic>
+          <p:nvPicPr>
+            <p:cNvPr id="49" name="Picture 48">
+              <a:extLst>
+                <a:ext uri="{FF2B5EF4-FFF2-40B4-BE49-F238E27FC236}">
+                  <a16:creationId xmlns:a16="http://schemas.microsoft.com/office/drawing/2014/main" id="{E3F33C2A-F133-D5A7-40E1-3321E082181B}"/>
+                </a:ext>
+              </a:extLst>
+            </p:cNvPr>
+            <p:cNvPicPr>
+              <a:picLocks noChangeAspect="1"/>
+            </p:cNvPicPr>
+            <p:nvPr/>
+          </p:nvPicPr>
+          <p:blipFill>
+            <a:blip r:embed="rId25"/>
+            <a:srcRect r="6828"/>
+            <a:stretch/>
+          </p:blipFill>
+          <p:spPr>
+            <a:xfrm>
+              <a:off x="7282740" y="1080389"/>
+              <a:ext cx="2440543" cy="609600"/>
+            </a:xfrm>
+            <a:prstGeom prst="rect">
+              <a:avLst/>
+            </a:prstGeom>
+          </p:spPr>
+        </p:pic>
+        <p:pic>
+          <p:nvPicPr>
+            <p:cNvPr id="41" name="Picture 40">
+              <a:extLst>
+                <a:ext uri="{FF2B5EF4-FFF2-40B4-BE49-F238E27FC236}">
+                  <a16:creationId xmlns:a16="http://schemas.microsoft.com/office/drawing/2014/main" id="{90375C80-D35F-2696-EAAF-6B5FD297F74F}"/>
+                </a:ext>
+              </a:extLst>
+            </p:cNvPr>
+            <p:cNvPicPr>
+              <a:picLocks noChangeAspect="1"/>
+            </p:cNvPicPr>
+            <p:nvPr/>
+          </p:nvPicPr>
+          <p:blipFill>
+            <a:blip r:embed="rId26"/>
+            <a:stretch>
+              <a:fillRect/>
+            </a:stretch>
+          </p:blipFill>
+          <p:spPr>
+            <a:xfrm>
+              <a:off x="1797037" y="329270"/>
+              <a:ext cx="1809750" cy="1257300"/>
+            </a:xfrm>
+            <a:prstGeom prst="rect">
+              <a:avLst/>
+            </a:prstGeom>
+          </p:spPr>
+        </p:pic>
+        <p:sp>
+          <p:nvSpPr>
+            <p:cNvPr id="48" name="Rectangle 47">
+              <a:extLst>
+                <a:ext uri="{FF2B5EF4-FFF2-40B4-BE49-F238E27FC236}">
+                  <a16:creationId xmlns:a16="http://schemas.microsoft.com/office/drawing/2014/main" id="{0285D463-467D-7BD7-A2C5-D553A4F83788}"/>
+                </a:ext>
+              </a:extLst>
+            </p:cNvPr>
+            <p:cNvSpPr/>
+            <p:nvPr/>
+          </p:nvSpPr>
+          <p:spPr>
+            <a:xfrm>
+              <a:off x="1839333" y="927610"/>
+              <a:ext cx="1656160" cy="213066"/>
+            </a:xfrm>
+            <a:prstGeom prst="rect">
+              <a:avLst/>
+            </a:prstGeom>
+            <a:noFill/>
+            <a:ln w="6350">
+              <a:solidFill>
+                <a:schemeClr val="tx1"/>
+              </a:solidFill>
+            </a:ln>
+            <a:effectLst>
+              <a:outerShdw blurRad="50800" dist="38100" dir="8100000" algn="tr" rotWithShape="0">
+                <a:prstClr val="black">
+                  <a:alpha val="40000"/>
+                </a:prstClr>
+              </a:outerShdw>
+            </a:effectLst>
+          </p:spPr>
+          <p:txBody>
+            <a:bodyPr wrap="none" anchor="ctr" anchorCtr="0">
+              <a:noAutofit/>
+            </a:bodyPr>
+            <a:lstStyle/>
+            <a:p>
+              <a:endParaRPr lang="LID4096" dirty="0"/>
+            </a:p>
+          </p:txBody>
+        </p:sp>
+        <p:sp>
+          <p:nvSpPr>
+            <p:cNvPr id="50" name="TextBox 49">
+              <a:extLst>
+                <a:ext uri="{FF2B5EF4-FFF2-40B4-BE49-F238E27FC236}">
+                  <a16:creationId xmlns:a16="http://schemas.microsoft.com/office/drawing/2014/main" id="{8EC7666F-BB5B-9514-BC6F-466C4E4EAC2B}"/>
+                </a:ext>
+              </a:extLst>
+            </p:cNvPr>
+            <p:cNvSpPr txBox="1"/>
+            <p:nvPr/>
+          </p:nvSpPr>
+          <p:spPr>
+            <a:xfrm>
+              <a:off x="3299022" y="748718"/>
+              <a:ext cx="659328" cy="523220"/>
+            </a:xfrm>
+            <a:prstGeom prst="rect">
+              <a:avLst/>
+            </a:prstGeom>
+            <a:noFill/>
+          </p:spPr>
+          <p:txBody>
+            <a:bodyPr wrap="square">
+              <a:spAutoFit/>
+            </a:bodyPr>
+            <a:lstStyle>
+              <a:defPPr>
+                <a:defRPr lang="LID4096"/>
+              </a:defPPr>
+              <a:lvl1pPr>
+                <a:defRPr sz="1100" b="1"/>
+              </a:lvl1pPr>
+            </a:lstStyle>
+            <a:p>
+              <a:r>
+                <a:rPr lang="en-US" sz="2800" dirty="0"/>
+                <a:t>*</a:t>
+              </a:r>
+              <a:endParaRPr lang="LID4096" sz="2800" dirty="0"/>
+            </a:p>
+          </p:txBody>
+        </p:sp>
       </p:grpSp>
-      <p:pic>
-        <p:nvPicPr>
-          <p:cNvPr id="42" name="Picture 41">
-            <a:extLst>
-              <a:ext uri="{FF2B5EF4-FFF2-40B4-BE49-F238E27FC236}">
-                <a16:creationId xmlns:a16="http://schemas.microsoft.com/office/drawing/2014/main" id="{7989ACEA-185C-ECF2-2084-CD86F8FA1105}"/>
-              </a:ext>
-            </a:extLst>
-          </p:cNvPr>
-          <p:cNvPicPr>
-            <a:picLocks noChangeAspect="1"/>
-          </p:cNvPicPr>
-          <p:nvPr/>
-        </p:nvPicPr>
-        <p:blipFill>
-          <a:blip r:embed="rId25"/>
-          <a:stretch>
-            <a:fillRect/>
-          </a:stretch>
-        </p:blipFill>
-        <p:spPr>
-          <a:xfrm>
-            <a:off x="142001" y="82401"/>
-            <a:ext cx="1336361" cy="1670452"/>
-          </a:xfrm>
-          <a:prstGeom prst="rect">
-            <a:avLst/>
-          </a:prstGeom>
-        </p:spPr>
-      </p:pic>
-      <p:sp>
-        <p:nvSpPr>
-          <p:cNvPr id="47" name="TextBox 46">
-            <a:extLst>
-              <a:ext uri="{FF2B5EF4-FFF2-40B4-BE49-F238E27FC236}">
-                <a16:creationId xmlns:a16="http://schemas.microsoft.com/office/drawing/2014/main" id="{99DDD2E3-BE65-F592-CBCE-B29E1B8EEF19}"/>
-              </a:ext>
-            </a:extLst>
-          </p:cNvPr>
-          <p:cNvSpPr txBox="1"/>
-          <p:nvPr/>
-        </p:nvSpPr>
-        <p:spPr>
-          <a:xfrm>
-            <a:off x="11182756" y="12034"/>
-            <a:ext cx="1009244" cy="369332"/>
-          </a:xfrm>
-          <a:prstGeom prst="rect">
-            <a:avLst/>
-          </a:prstGeom>
-          <a:noFill/>
-        </p:spPr>
-        <p:txBody>
-          <a:bodyPr wrap="square">
-            <a:spAutoFit/>
-          </a:bodyPr>
-          <a:lstStyle/>
-          <a:p>
-            <a:pPr algn="r"/>
-            <a:r>
-              <a:rPr lang="pt-BR" b="1" dirty="0"/>
-              <a:t>Flopy</a:t>
-            </a:r>
-            <a:endParaRPr lang="LID4096" b="1" dirty="0"/>
-          </a:p>
-        </p:txBody>
-      </p:sp>
-      <p:pic>
-        <p:nvPicPr>
-          <p:cNvPr id="49" name="Picture 48">
-            <a:extLst>
-              <a:ext uri="{FF2B5EF4-FFF2-40B4-BE49-F238E27FC236}">
-                <a16:creationId xmlns:a16="http://schemas.microsoft.com/office/drawing/2014/main" id="{E3F33C2A-F133-D5A7-40E1-3321E082181B}"/>
-              </a:ext>
-            </a:extLst>
-          </p:cNvPr>
-          <p:cNvPicPr>
-            <a:picLocks noChangeAspect="1"/>
-          </p:cNvPicPr>
-          <p:nvPr/>
-        </p:nvPicPr>
-        <p:blipFill>
-          <a:blip r:embed="rId26"/>
-          <a:srcRect r="6828"/>
-          <a:stretch/>
-        </p:blipFill>
-        <p:spPr>
-          <a:xfrm>
-            <a:off x="7282740" y="1080389"/>
-            <a:ext cx="2440543" cy="609600"/>
-          </a:xfrm>
-          <a:prstGeom prst="rect">
-            <a:avLst/>
-          </a:prstGeom>
-        </p:spPr>
-      </p:pic>
     </p:spTree>
     <p:extLst>
       <p:ext uri="{BB962C8B-B14F-4D97-AF65-F5344CB8AC3E}">

--- a/01_Follow_up__activities.pptx
+++ b/01_Follow_up__activities.pptx
@@ -4640,49 +4640,6 @@
           </a:prstGeom>
         </p:spPr>
       </p:pic>
-      <p:sp>
-        <p:nvSpPr>
-          <p:cNvPr id="22" name="TextBox 21">
-            <a:extLst>
-              <a:ext uri="{FF2B5EF4-FFF2-40B4-BE49-F238E27FC236}">
-                <a16:creationId xmlns:a16="http://schemas.microsoft.com/office/drawing/2014/main" id="{32CEA5DE-6D5E-E7B0-4F03-EAD3BC02F3A6}"/>
-              </a:ext>
-            </a:extLst>
-          </p:cNvPr>
-          <p:cNvSpPr txBox="1"/>
-          <p:nvPr/>
-        </p:nvSpPr>
-        <p:spPr>
-          <a:xfrm>
-            <a:off x="10652770" y="2369800"/>
-            <a:ext cx="1091131" cy="523220"/>
-          </a:xfrm>
-          <a:prstGeom prst="rect">
-            <a:avLst/>
-          </a:prstGeom>
-          <a:noFill/>
-        </p:spPr>
-        <p:txBody>
-          <a:bodyPr wrap="square">
-            <a:spAutoFit/>
-          </a:bodyPr>
-          <a:lstStyle>
-            <a:defPPr>
-              <a:defRPr lang="LID4096"/>
-            </a:defPPr>
-            <a:lvl1pPr>
-              <a:defRPr sz="1100" b="1"/>
-            </a:lvl1pPr>
-          </a:lstStyle>
-          <a:p>
-            <a:r>
-              <a:rPr lang="en-US" sz="2800" dirty="0"/>
-              <a:t>01</a:t>
-            </a:r>
-            <a:endParaRPr lang="LID4096" sz="2800" dirty="0"/>
-          </a:p>
-        </p:txBody>
-      </p:sp>
       <p:pic>
         <p:nvPicPr>
           <p:cNvPr id="77" name="Picture 76">
@@ -6336,6 +6293,50 @@
           </a:prstGeom>
         </p:spPr>
       </p:pic>
+      <p:sp>
+        <p:nvSpPr>
+          <p:cNvPr id="2" name="TextBox 1">
+            <a:extLst>
+              <a:ext uri="{FF2B5EF4-FFF2-40B4-BE49-F238E27FC236}">
+                <a16:creationId xmlns:a16="http://schemas.microsoft.com/office/drawing/2014/main" id="{32CEA5DE-6D5E-E7B0-4F03-EAD3BC02F3A6}"/>
+              </a:ext>
+            </a:extLst>
+          </p:cNvPr>
+          <p:cNvSpPr txBox="1"/>
+          <p:nvPr/>
+        </p:nvSpPr>
+        <p:spPr>
+          <a:xfrm>
+            <a:off x="7331932" y="1350819"/>
+            <a:ext cx="1091131" cy="707886"/>
+          </a:xfrm>
+          <a:prstGeom prst="rect">
+            <a:avLst/>
+          </a:prstGeom>
+          <a:noFill/>
+        </p:spPr>
+        <p:txBody>
+          <a:bodyPr wrap="square">
+            <a:spAutoFit/>
+          </a:bodyPr>
+          <a:lstStyle>
+            <a:defPPr>
+              <a:defRPr lang="LID4096"/>
+            </a:defPPr>
+            <a:lvl1pPr>
+              <a:defRPr sz="1100" b="1"/>
+            </a:lvl1pPr>
+          </a:lstStyle>
+          <a:p>
+            <a:pPr algn="r"/>
+            <a:r>
+              <a:rPr lang="en-US" sz="2000" dirty="0"/>
+              <a:t>At moment </a:t>
+            </a:r>
+            <a:endParaRPr lang="LID4096" sz="2000" dirty="0"/>
+          </a:p>
+        </p:txBody>
+      </p:sp>
     </p:spTree>
     <p:extLst>
       <p:ext uri="{BB962C8B-B14F-4D97-AF65-F5344CB8AC3E}">
@@ -10563,6 +10564,50 @@
           </p:txBody>
         </p:sp>
       </p:grpSp>
+      <p:sp>
+        <p:nvSpPr>
+          <p:cNvPr id="35" name="TextBox 34">
+            <a:extLst>
+              <a:ext uri="{FF2B5EF4-FFF2-40B4-BE49-F238E27FC236}">
+                <a16:creationId xmlns:a16="http://schemas.microsoft.com/office/drawing/2014/main" id="{FA90B3AC-4220-4BB9-1FBA-145B33370BFB}"/>
+              </a:ext>
+            </a:extLst>
+          </p:cNvPr>
+          <p:cNvSpPr txBox="1"/>
+          <p:nvPr/>
+        </p:nvSpPr>
+        <p:spPr>
+          <a:xfrm>
+            <a:off x="8706398" y="2132939"/>
+            <a:ext cx="1091131" cy="400110"/>
+          </a:xfrm>
+          <a:prstGeom prst="rect">
+            <a:avLst/>
+          </a:prstGeom>
+          <a:noFill/>
+        </p:spPr>
+        <p:txBody>
+          <a:bodyPr wrap="square">
+            <a:spAutoFit/>
+          </a:bodyPr>
+          <a:lstStyle>
+            <a:defPPr>
+              <a:defRPr lang="LID4096"/>
+            </a:defPPr>
+            <a:lvl1pPr>
+              <a:defRPr sz="1100" b="1"/>
+            </a:lvl1pPr>
+          </a:lstStyle>
+          <a:p>
+            <a:pPr algn="r"/>
+            <a:r>
+              <a:rPr lang="en-US" sz="2000" dirty="0"/>
+              <a:t>Last one </a:t>
+            </a:r>
+            <a:endParaRPr lang="LID4096" sz="2000" dirty="0"/>
+          </a:p>
+        </p:txBody>
+      </p:sp>
     </p:spTree>
     <p:extLst>
       <p:ext uri="{BB962C8B-B14F-4D97-AF65-F5344CB8AC3E}">

--- a/01_Follow_up__activities.pptx
+++ b/01_Follow_up__activities.pptx
@@ -6,8 +6,8 @@
   </p:sldMasterIdLst>
   <p:sldIdLst>
     <p:sldId id="279" r:id="rId2"/>
-    <p:sldId id="277" r:id="rId3"/>
-    <p:sldId id="274" r:id="rId4"/>
+    <p:sldId id="274" r:id="rId3"/>
+    <p:sldId id="277" r:id="rId4"/>
     <p:sldId id="278" r:id="rId5"/>
     <p:sldId id="261" r:id="rId6"/>
     <p:sldId id="280" r:id="rId7"/>
@@ -268,7 +268,7 @@
           <a:p>
             <a:fld id="{830943F9-8AC6-4393-AEEF-D45C2A43C7C7}" type="datetimeFigureOut">
               <a:rPr lang="LID4096" smtClean="0"/>
-              <a:t>01/15/2025</a:t>
+              <a:t>01/17/2025</a:t>
             </a:fld>
             <a:endParaRPr lang="LID4096"/>
           </a:p>
@@ -468,7 +468,7 @@
           <a:p>
             <a:fld id="{830943F9-8AC6-4393-AEEF-D45C2A43C7C7}" type="datetimeFigureOut">
               <a:rPr lang="LID4096" smtClean="0"/>
-              <a:t>01/15/2025</a:t>
+              <a:t>01/17/2025</a:t>
             </a:fld>
             <a:endParaRPr lang="LID4096"/>
           </a:p>
@@ -678,7 +678,7 @@
           <a:p>
             <a:fld id="{830943F9-8AC6-4393-AEEF-D45C2A43C7C7}" type="datetimeFigureOut">
               <a:rPr lang="LID4096" smtClean="0"/>
-              <a:t>01/15/2025</a:t>
+              <a:t>01/17/2025</a:t>
             </a:fld>
             <a:endParaRPr lang="LID4096"/>
           </a:p>
@@ -878,7 +878,7 @@
           <a:p>
             <a:fld id="{830943F9-8AC6-4393-AEEF-D45C2A43C7C7}" type="datetimeFigureOut">
               <a:rPr lang="LID4096" smtClean="0"/>
-              <a:t>01/15/2025</a:t>
+              <a:t>01/17/2025</a:t>
             </a:fld>
             <a:endParaRPr lang="LID4096"/>
           </a:p>
@@ -1154,7 +1154,7 @@
           <a:p>
             <a:fld id="{830943F9-8AC6-4393-AEEF-D45C2A43C7C7}" type="datetimeFigureOut">
               <a:rPr lang="LID4096" smtClean="0"/>
-              <a:t>01/15/2025</a:t>
+              <a:t>01/17/2025</a:t>
             </a:fld>
             <a:endParaRPr lang="LID4096"/>
           </a:p>
@@ -1422,7 +1422,7 @@
           <a:p>
             <a:fld id="{830943F9-8AC6-4393-AEEF-D45C2A43C7C7}" type="datetimeFigureOut">
               <a:rPr lang="LID4096" smtClean="0"/>
-              <a:t>01/15/2025</a:t>
+              <a:t>01/17/2025</a:t>
             </a:fld>
             <a:endParaRPr lang="LID4096"/>
           </a:p>
@@ -1837,7 +1837,7 @@
           <a:p>
             <a:fld id="{830943F9-8AC6-4393-AEEF-D45C2A43C7C7}" type="datetimeFigureOut">
               <a:rPr lang="LID4096" smtClean="0"/>
-              <a:t>01/15/2025</a:t>
+              <a:t>01/17/2025</a:t>
             </a:fld>
             <a:endParaRPr lang="LID4096"/>
           </a:p>
@@ -1979,7 +1979,7 @@
           <a:p>
             <a:fld id="{830943F9-8AC6-4393-AEEF-D45C2A43C7C7}" type="datetimeFigureOut">
               <a:rPr lang="LID4096" smtClean="0"/>
-              <a:t>01/15/2025</a:t>
+              <a:t>01/17/2025</a:t>
             </a:fld>
             <a:endParaRPr lang="LID4096"/>
           </a:p>
@@ -2092,7 +2092,7 @@
           <a:p>
             <a:fld id="{830943F9-8AC6-4393-AEEF-D45C2A43C7C7}" type="datetimeFigureOut">
               <a:rPr lang="LID4096" smtClean="0"/>
-              <a:t>01/15/2025</a:t>
+              <a:t>01/17/2025</a:t>
             </a:fld>
             <a:endParaRPr lang="LID4096"/>
           </a:p>
@@ -2405,7 +2405,7 @@
           <a:p>
             <a:fld id="{830943F9-8AC6-4393-AEEF-D45C2A43C7C7}" type="datetimeFigureOut">
               <a:rPr lang="LID4096" smtClean="0"/>
-              <a:t>01/15/2025</a:t>
+              <a:t>01/17/2025</a:t>
             </a:fld>
             <a:endParaRPr lang="LID4096"/>
           </a:p>
@@ -2694,7 +2694,7 @@
           <a:p>
             <a:fld id="{830943F9-8AC6-4393-AEEF-D45C2A43C7C7}" type="datetimeFigureOut">
               <a:rPr lang="LID4096" smtClean="0"/>
-              <a:t>01/15/2025</a:t>
+              <a:t>01/17/2025</a:t>
             </a:fld>
             <a:endParaRPr lang="LID4096"/>
           </a:p>
@@ -2937,7 +2937,7 @@
           <a:p>
             <a:fld id="{830943F9-8AC6-4393-AEEF-D45C2A43C7C7}" type="datetimeFigureOut">
               <a:rPr lang="LID4096" smtClean="0"/>
-              <a:t>01/15/2025</a:t>
+              <a:t>01/17/2025</a:t>
             </a:fld>
             <a:endParaRPr lang="LID4096"/>
           </a:p>
@@ -4059,7 +4059,7 @@
         </p:nvGrpSpPr>
         <p:grpSpPr>
           <a:xfrm>
-            <a:off x="8523995" y="324240"/>
+            <a:off x="9200036" y="98044"/>
             <a:ext cx="2886494" cy="2512480"/>
             <a:chOff x="8581957" y="932269"/>
             <a:chExt cx="2886494" cy="2512480"/>
@@ -4580,7 +4580,7 @@
           <p:spPr bwMode="auto">
             <a:xfrm>
               <a:off x="9361772" y="1393822"/>
-              <a:ext cx="1974167" cy="523220"/>
+              <a:ext cx="1974167" cy="400110"/>
             </a:xfrm>
             <a:prstGeom prst="rect">
               <a:avLst/>
@@ -4595,17 +4595,29 @@
             <a:p>
               <a:pPr algn="r"/>
               <a:r>
-                <a:rPr lang="pt-BR" altLang="LID4096" sz="1400" b="1" dirty="0"/>
+                <a:rPr lang="pt-BR" altLang="LID4096" sz="1000" dirty="0">
+                  <a:solidFill>
+                    <a:srgbClr val="0000FF"/>
+                  </a:solidFill>
+                </a:rPr>
                 <a:t>Folders </a:t>
               </a:r>
             </a:p>
             <a:p>
               <a:pPr algn="r"/>
               <a:r>
-                <a:rPr lang="pt-BR" altLang="LID4096" sz="1400" b="1" dirty="0"/>
+                <a:rPr lang="pt-BR" altLang="LID4096" sz="1000" dirty="0">
+                  <a:solidFill>
+                    <a:srgbClr val="0000FF"/>
+                  </a:solidFill>
+                </a:rPr>
                 <a:t>swap</a:t>
               </a:r>
-              <a:endParaRPr lang="LID4096" altLang="LID4096" sz="1400" b="1" dirty="0"/>
+              <a:endParaRPr lang="LID4096" altLang="LID4096" sz="1000" dirty="0">
+                <a:solidFill>
+                  <a:srgbClr val="0000FF"/>
+                </a:solidFill>
+              </a:endParaRPr>
             </a:p>
           </p:txBody>
         </p:sp>
@@ -5434,7 +5446,7 @@
         </p:nvGrpSpPr>
         <p:grpSpPr>
           <a:xfrm>
-            <a:off x="4806746" y="302730"/>
+            <a:off x="5449793" y="1898652"/>
             <a:ext cx="2928286" cy="407108"/>
             <a:chOff x="4005637" y="290334"/>
             <a:chExt cx="2928286" cy="407108"/>
@@ -5778,8 +5790,8 @@
         </p:blipFill>
         <p:spPr>
           <a:xfrm>
-            <a:off x="10100158" y="2932352"/>
-            <a:ext cx="1740380" cy="1270006"/>
+            <a:off x="11203204" y="2264292"/>
+            <a:ext cx="914708" cy="667489"/>
           </a:xfrm>
           <a:prstGeom prst="rect">
             <a:avLst/>
@@ -6197,7 +6209,7 @@
         </p:blipFill>
         <p:spPr>
           <a:xfrm>
-            <a:off x="5361479" y="639293"/>
+            <a:off x="6004526" y="2235215"/>
             <a:ext cx="2638425" cy="217488"/>
           </a:xfrm>
           <a:prstGeom prst="rect">
@@ -6227,7 +6239,7 @@
         </p:blipFill>
         <p:spPr>
           <a:xfrm>
-            <a:off x="5400736" y="880388"/>
+            <a:off x="6043783" y="2476310"/>
             <a:ext cx="3190875" cy="428625"/>
           </a:xfrm>
           <a:prstGeom prst="rect">
@@ -6256,7 +6268,7 @@
         </p:blipFill>
         <p:spPr>
           <a:xfrm>
-            <a:off x="5595180" y="1336672"/>
+            <a:off x="6166675" y="2916401"/>
             <a:ext cx="2143125" cy="170151"/>
           </a:xfrm>
           <a:prstGeom prst="rect">
@@ -6285,7 +6297,7 @@
         </p:blipFill>
         <p:spPr>
           <a:xfrm>
-            <a:off x="5291780" y="1567198"/>
+            <a:off x="5947347" y="3520740"/>
             <a:ext cx="2771775" cy="2412832"/>
           </a:xfrm>
           <a:prstGeom prst="rect">
@@ -6307,7 +6319,7 @@
         </p:nvSpPr>
         <p:spPr>
           <a:xfrm>
-            <a:off x="7331932" y="1350819"/>
+            <a:off x="7865982" y="2996583"/>
             <a:ext cx="1091131" cy="707886"/>
           </a:xfrm>
           <a:prstGeom prst="rect">
@@ -6337,6 +6349,36 @@
           </a:p>
         </p:txBody>
       </p:sp>
+      <p:pic>
+        <p:nvPicPr>
+          <p:cNvPr id="22" name="Picture 21">
+            <a:extLst>
+              <a:ext uri="{FF2B5EF4-FFF2-40B4-BE49-F238E27FC236}">
+                <a16:creationId xmlns:a16="http://schemas.microsoft.com/office/drawing/2014/main" id="{B45B7B70-5C3C-1FEB-CAB6-7F63D742F731}"/>
+              </a:ext>
+            </a:extLst>
+          </p:cNvPr>
+          <p:cNvPicPr>
+            <a:picLocks noChangeAspect="1"/>
+          </p:cNvPicPr>
+          <p:nvPr/>
+        </p:nvPicPr>
+        <p:blipFill>
+          <a:blip r:embed="rId35"/>
+          <a:stretch>
+            <a:fillRect/>
+          </a:stretch>
+        </p:blipFill>
+        <p:spPr>
+          <a:xfrm>
+            <a:off x="6157339" y="3132531"/>
+            <a:ext cx="1200150" cy="209550"/>
+          </a:xfrm>
+          <a:prstGeom prst="rect">
+            <a:avLst/>
+          </a:prstGeom>
+        </p:spPr>
+      </p:pic>
     </p:spTree>
     <p:extLst>
       <p:ext uri="{BB962C8B-B14F-4D97-AF65-F5344CB8AC3E}">
@@ -6353,14 +6395,6 @@
 <file path=ppt/slides/slide2.xml><?xml version="1.0" encoding="utf-8"?>
 <p:sld xmlns:a="http://schemas.openxmlformats.org/drawingml/2006/main" xmlns:r="http://schemas.openxmlformats.org/officeDocument/2006/relationships" xmlns:p="http://schemas.openxmlformats.org/presentationml/2006/main">
   <p:cSld>
-    <p:bg>
-      <p:bgPr>
-        <a:solidFill>
-          <a:srgbClr val="F3FCFF"/>
-        </a:solidFill>
-        <a:effectLst/>
-      </p:bgPr>
-    </p:bg>
     <p:spTree>
       <p:nvGrpSpPr>
         <p:cNvPr id="1" name=""/>
@@ -6375,55 +6409,12 @@
           <a:chExt cx="0" cy="0"/>
         </a:xfrm>
       </p:grpSpPr>
-      <p:pic>
-        <p:nvPicPr>
-          <p:cNvPr id="7" name="Picture 6">
-            <a:extLst>
-              <a:ext uri="{FF2B5EF4-FFF2-40B4-BE49-F238E27FC236}">
-                <a16:creationId xmlns:a16="http://schemas.microsoft.com/office/drawing/2014/main" id="{2238DDAC-43EC-8AEE-220D-E1F6A95727E2}"/>
-              </a:ext>
-            </a:extLst>
-          </p:cNvPr>
-          <p:cNvPicPr>
-            <a:picLocks noChangeAspect="1"/>
-          </p:cNvPicPr>
-          <p:nvPr/>
-        </p:nvPicPr>
-        <p:blipFill>
-          <a:blip r:embed="rId2"/>
-          <a:stretch>
-            <a:fillRect/>
-          </a:stretch>
-        </p:blipFill>
-        <p:spPr>
-          <a:xfrm>
-            <a:off x="257486" y="271418"/>
-            <a:ext cx="6600825" cy="247650"/>
-          </a:xfrm>
-          <a:prstGeom prst="rect">
-            <a:avLst/>
-          </a:prstGeom>
-          <a:noFill/>
-          <a:ln w="3175">
-            <a:solidFill>
-              <a:schemeClr val="tx1"/>
-            </a:solidFill>
-          </a:ln>
-          <a:effectLst>
-            <a:outerShdw blurRad="50800" dist="38100" dir="8100000" algn="tr" rotWithShape="0">
-              <a:prstClr val="black">
-                <a:alpha val="40000"/>
-              </a:prstClr>
-            </a:outerShdw>
-          </a:effectLst>
-        </p:spPr>
-      </p:pic>
       <p:grpSp>
         <p:nvGrpSpPr>
-          <p:cNvPr id="24" name="Group 23">
-            <a:extLst>
-              <a:ext uri="{FF2B5EF4-FFF2-40B4-BE49-F238E27FC236}">
-                <a16:creationId xmlns:a16="http://schemas.microsoft.com/office/drawing/2014/main" id="{58701FFC-9B5A-B1D0-2688-EAA5342CAD14}"/>
+          <p:cNvPr id="71" name="Group 70">
+            <a:extLst>
+              <a:ext uri="{FF2B5EF4-FFF2-40B4-BE49-F238E27FC236}">
+                <a16:creationId xmlns:a16="http://schemas.microsoft.com/office/drawing/2014/main" id="{052E7861-E474-EF08-CFC1-297F17AC30C9}"/>
               </a:ext>
             </a:extLst>
           </p:cNvPr>
@@ -6432,18 +6423,48 @@
         </p:nvGrpSpPr>
         <p:grpSpPr>
           <a:xfrm>
-            <a:off x="274418" y="2264890"/>
-            <a:ext cx="6191250" cy="1543050"/>
-            <a:chOff x="5743264" y="1292553"/>
-            <a:chExt cx="6191250" cy="1543050"/>
+            <a:off x="287551" y="2500832"/>
+            <a:ext cx="2416009" cy="2596767"/>
+            <a:chOff x="287551" y="2500832"/>
+            <a:chExt cx="2416009" cy="2596767"/>
           </a:xfrm>
         </p:grpSpPr>
         <p:pic>
           <p:nvPicPr>
-            <p:cNvPr id="17" name="Picture 16">
+            <p:cNvPr id="64" name="Picture 63">
               <a:extLst>
                 <a:ext uri="{FF2B5EF4-FFF2-40B4-BE49-F238E27FC236}">
-                  <a16:creationId xmlns:a16="http://schemas.microsoft.com/office/drawing/2014/main" id="{DE7475D6-F17B-D5B1-BE8D-E90F8433F4FB}"/>
+                  <a16:creationId xmlns:a16="http://schemas.microsoft.com/office/drawing/2014/main" id="{C05A62A7-F689-55E9-B009-C8BBCD2EF77F}"/>
+                </a:ext>
+              </a:extLst>
+            </p:cNvPr>
+            <p:cNvPicPr>
+              <a:picLocks noChangeAspect="1"/>
+            </p:cNvPicPr>
+            <p:nvPr/>
+          </p:nvPicPr>
+          <p:blipFill>
+            <a:blip r:embed="rId2"/>
+            <a:stretch>
+              <a:fillRect/>
+            </a:stretch>
+          </p:blipFill>
+          <p:spPr>
+            <a:xfrm>
+              <a:off x="532689" y="2500832"/>
+              <a:ext cx="1828800" cy="428625"/>
+            </a:xfrm>
+            <a:prstGeom prst="rect">
+              <a:avLst/>
+            </a:prstGeom>
+          </p:spPr>
+        </p:pic>
+        <p:pic>
+          <p:nvPicPr>
+            <p:cNvPr id="65" name="Picture 64">
+              <a:extLst>
+                <a:ext uri="{FF2B5EF4-FFF2-40B4-BE49-F238E27FC236}">
+                  <a16:creationId xmlns:a16="http://schemas.microsoft.com/office/drawing/2014/main" id="{08C6472A-EE90-E524-097E-C174FB2256EB}"/>
                 </a:ext>
               </a:extLst>
             </p:cNvPr>
@@ -6454,25 +6475,67 @@
           </p:nvPicPr>
           <p:blipFill>
             <a:blip r:embed="rId3"/>
-            <a:srcRect t="19802"/>
-            <a:stretch/>
+            <a:stretch>
+              <a:fillRect/>
+            </a:stretch>
           </p:blipFill>
           <p:spPr>
             <a:xfrm>
-              <a:off x="5743264" y="1292553"/>
-              <a:ext cx="6191250" cy="1543050"/>
+              <a:off x="287551" y="2927150"/>
+              <a:ext cx="2400300" cy="219075"/>
             </a:xfrm>
             <a:prstGeom prst="rect">
               <a:avLst/>
             </a:prstGeom>
           </p:spPr>
         </p:pic>
+        <p:sp>
+          <p:nvSpPr>
+            <p:cNvPr id="66" name="TextBox 65">
+              <a:extLst>
+                <a:ext uri="{FF2B5EF4-FFF2-40B4-BE49-F238E27FC236}">
+                  <a16:creationId xmlns:a16="http://schemas.microsoft.com/office/drawing/2014/main" id="{6C24F72B-EBE5-7246-3067-E9D89DB5F363}"/>
+                </a:ext>
+              </a:extLst>
+            </p:cNvPr>
+            <p:cNvSpPr txBox="1"/>
+            <p:nvPr/>
+          </p:nvSpPr>
+          <p:spPr>
+            <a:xfrm>
+              <a:off x="1648339" y="3205090"/>
+              <a:ext cx="1055221" cy="201032"/>
+            </a:xfrm>
+            <a:prstGeom prst="rect">
+              <a:avLst/>
+            </a:prstGeom>
+            <a:solidFill>
+              <a:schemeClr val="accent4">
+                <a:lumMod val="40000"/>
+                <a:lumOff val="60000"/>
+              </a:schemeClr>
+            </a:solidFill>
+          </p:spPr>
+          <p:txBody>
+            <a:bodyPr wrap="square" lIns="0" tIns="0" rIns="0" bIns="0" anchor="ctr" anchorCtr="0">
+              <a:noAutofit/>
+            </a:bodyPr>
+            <a:lstStyle/>
+            <a:p>
+              <a:pPr algn="ctr"/>
+              <a:r>
+                <a:rPr lang="en-US" sz="1000" dirty="0"/>
+                <a:t>simplified</a:t>
+              </a:r>
+            </a:p>
+          </p:txBody>
+        </p:sp>
         <p:pic>
           <p:nvPicPr>
-            <p:cNvPr id="22" name="Picture 21">
+            <p:cNvPr id="67" name="Picture 66">
               <a:extLst>
                 <a:ext uri="{FF2B5EF4-FFF2-40B4-BE49-F238E27FC236}">
-                  <a16:creationId xmlns:a16="http://schemas.microsoft.com/office/drawing/2014/main" id="{AD1BA22F-D52B-9F56-5710-8CEEBE27B98A}"/>
+                  <a16:creationId xmlns:a16="http://schemas.microsoft.com/office/drawing/2014/main" id="{5DA5A112-DB35-B8A7-0CEB-1E74E7EBE584}"/>
                 </a:ext>
               </a:extLst>
             </p:cNvPr>
@@ -6489,54 +6552,20 @@
           </p:blipFill>
           <p:spPr>
             <a:xfrm>
-              <a:off x="8006600" y="2124156"/>
-              <a:ext cx="3676650" cy="571500"/>
+              <a:off x="436896" y="3430485"/>
+              <a:ext cx="1543050" cy="1400175"/>
             </a:xfrm>
             <a:prstGeom prst="rect">
               <a:avLst/>
             </a:prstGeom>
-            <a:noFill/>
-            <a:ln w="3175">
-              <a:solidFill>
-                <a:schemeClr val="tx1"/>
-              </a:solidFill>
-            </a:ln>
-            <a:effectLst>
-              <a:outerShdw blurRad="50800" dist="38100" dir="8100000" algn="tr" rotWithShape="0">
-                <a:prstClr val="black">
-                  <a:alpha val="40000"/>
-                </a:prstClr>
-              </a:outerShdw>
-            </a:effectLst>
           </p:spPr>
         </p:pic>
-      </p:grpSp>
-      <p:grpSp>
-        <p:nvGrpSpPr>
-          <p:cNvPr id="27" name="Group 26">
-            <a:extLst>
-              <a:ext uri="{FF2B5EF4-FFF2-40B4-BE49-F238E27FC236}">
-                <a16:creationId xmlns:a16="http://schemas.microsoft.com/office/drawing/2014/main" id="{E284BB19-3C1D-8931-FD8D-EE31ADB1E977}"/>
-              </a:ext>
-            </a:extLst>
-          </p:cNvPr>
-          <p:cNvGrpSpPr/>
-          <p:nvPr/>
-        </p:nvGrpSpPr>
-        <p:grpSpPr>
-          <a:xfrm>
-            <a:off x="282175" y="3897240"/>
-            <a:ext cx="4791075" cy="1733550"/>
-            <a:chOff x="5505406" y="3762859"/>
-            <a:chExt cx="4791075" cy="1733550"/>
-          </a:xfrm>
-        </p:grpSpPr>
         <p:pic>
           <p:nvPicPr>
-            <p:cNvPr id="25" name="Picture 24">
+            <p:cNvPr id="68" name="Picture 67">
               <a:extLst>
                 <a:ext uri="{FF2B5EF4-FFF2-40B4-BE49-F238E27FC236}">
-                  <a16:creationId xmlns:a16="http://schemas.microsoft.com/office/drawing/2014/main" id="{5FA86D58-C684-C8CD-453F-FB31D8515989}"/>
+                  <a16:creationId xmlns:a16="http://schemas.microsoft.com/office/drawing/2014/main" id="{085EEBB1-E455-4507-AD16-833B2518594A}"/>
                 </a:ext>
               </a:extLst>
             </p:cNvPr>
@@ -6547,14 +6576,13 @@
           </p:nvPicPr>
           <p:blipFill>
             <a:blip r:embed="rId5"/>
-            <a:stretch>
-              <a:fillRect/>
-            </a:stretch>
+            <a:srcRect b="11002"/>
+            <a:stretch/>
           </p:blipFill>
           <p:spPr>
             <a:xfrm>
-              <a:off x="5505406" y="3762859"/>
-              <a:ext cx="4791075" cy="1733550"/>
+              <a:off x="317236" y="3220165"/>
+              <a:ext cx="809625" cy="194970"/>
             </a:xfrm>
             <a:prstGeom prst="rect">
               <a:avLst/>
@@ -6563,10 +6591,10 @@
         </p:pic>
         <p:pic>
           <p:nvPicPr>
-            <p:cNvPr id="26" name="Picture 25">
+            <p:cNvPr id="69" name="Picture 68">
               <a:extLst>
                 <a:ext uri="{FF2B5EF4-FFF2-40B4-BE49-F238E27FC236}">
-                  <a16:creationId xmlns:a16="http://schemas.microsoft.com/office/drawing/2014/main" id="{AECB0CD2-0D1B-F09B-8767-CA7EFA8FAA28}"/>
+                  <a16:creationId xmlns:a16="http://schemas.microsoft.com/office/drawing/2014/main" id="{4C65D9C4-E690-FDA5-4B57-281A166CD716}"/>
                 </a:ext>
               </a:extLst>
             </p:cNvPr>
@@ -6583,54 +6611,20 @@
           </p:blipFill>
           <p:spPr>
             <a:xfrm>
-              <a:off x="7029139" y="4510571"/>
-              <a:ext cx="3067050" cy="238125"/>
+              <a:off x="340518" y="4864844"/>
+              <a:ext cx="800100" cy="219075"/>
             </a:xfrm>
             <a:prstGeom prst="rect">
               <a:avLst/>
             </a:prstGeom>
-            <a:noFill/>
-            <a:ln w="3175">
-              <a:solidFill>
-                <a:schemeClr val="tx1"/>
-              </a:solidFill>
-            </a:ln>
-            <a:effectLst>
-              <a:outerShdw blurRad="50800" dist="38100" dir="8100000" algn="tr" rotWithShape="0">
-                <a:prstClr val="black">
-                  <a:alpha val="40000"/>
-                </a:prstClr>
-              </a:outerShdw>
-            </a:effectLst>
           </p:spPr>
         </p:pic>
-      </p:grpSp>
-      <p:grpSp>
-        <p:nvGrpSpPr>
-          <p:cNvPr id="30" name="Group 29">
-            <a:extLst>
-              <a:ext uri="{FF2B5EF4-FFF2-40B4-BE49-F238E27FC236}">
-                <a16:creationId xmlns:a16="http://schemas.microsoft.com/office/drawing/2014/main" id="{63A97240-CBA6-9582-5028-48480670A27A}"/>
-              </a:ext>
-            </a:extLst>
-          </p:cNvPr>
-          <p:cNvGrpSpPr/>
-          <p:nvPr/>
-        </p:nvGrpSpPr>
-        <p:grpSpPr>
-          <a:xfrm>
-            <a:off x="6381439" y="395243"/>
-            <a:ext cx="5553075" cy="1400343"/>
-            <a:chOff x="6381439" y="395243"/>
-            <a:chExt cx="5553075" cy="1400343"/>
-          </a:xfrm>
-        </p:grpSpPr>
         <p:pic>
           <p:nvPicPr>
-            <p:cNvPr id="13" name="Picture 12">
+            <p:cNvPr id="70" name="Picture 69">
               <a:extLst>
                 <a:ext uri="{FF2B5EF4-FFF2-40B4-BE49-F238E27FC236}">
-                  <a16:creationId xmlns:a16="http://schemas.microsoft.com/office/drawing/2014/main" id="{AE606439-CAF1-EB7E-CD18-98CBB1E83F6C}"/>
+                  <a16:creationId xmlns:a16="http://schemas.microsoft.com/office/drawing/2014/main" id="{7A51D51E-E97D-0666-91EE-72B5314A92FC}"/>
                 </a:ext>
               </a:extLst>
             </p:cNvPr>
@@ -6647,51 +6641,8 @@
           </p:blipFill>
           <p:spPr>
             <a:xfrm>
-              <a:off x="8095237" y="395243"/>
-              <a:ext cx="3752850" cy="609600"/>
-            </a:xfrm>
-            <a:prstGeom prst="rect">
-              <a:avLst/>
-            </a:prstGeom>
-            <a:noFill/>
-            <a:ln w="3175">
-              <a:solidFill>
-                <a:schemeClr val="tx1"/>
-              </a:solidFill>
-            </a:ln>
-            <a:effectLst>
-              <a:outerShdw blurRad="50800" dist="38100" dir="8100000" algn="tr" rotWithShape="0">
-                <a:prstClr val="black">
-                  <a:alpha val="40000"/>
-                </a:prstClr>
-              </a:outerShdw>
-            </a:effectLst>
-          </p:spPr>
-        </p:pic>
-        <p:pic>
-          <p:nvPicPr>
-            <p:cNvPr id="28" name="Picture 27">
-              <a:extLst>
-                <a:ext uri="{FF2B5EF4-FFF2-40B4-BE49-F238E27FC236}">
-                  <a16:creationId xmlns:a16="http://schemas.microsoft.com/office/drawing/2014/main" id="{3DDA4D67-5FC2-303F-CC7F-F8ECD8C201D1}"/>
-                </a:ext>
-              </a:extLst>
-            </p:cNvPr>
-            <p:cNvPicPr>
-              <a:picLocks noChangeAspect="1"/>
-            </p:cNvPicPr>
-            <p:nvPr/>
-          </p:nvPicPr>
-          <p:blipFill>
-            <a:blip r:embed="rId8"/>
-            <a:stretch>
-              <a:fillRect/>
-            </a:stretch>
-          </p:blipFill>
-          <p:spPr>
-            <a:xfrm>
-              <a:off x="6381439" y="1014536"/>
-              <a:ext cx="5553075" cy="781050"/>
+              <a:off x="1073666" y="4630874"/>
+              <a:ext cx="838200" cy="466725"/>
             </a:xfrm>
             <a:prstGeom prst="rect">
               <a:avLst/>
@@ -6699,509 +6650,6 @@
           </p:spPr>
         </p:pic>
       </p:grpSp>
-      <p:pic>
-        <p:nvPicPr>
-          <p:cNvPr id="33" name="Picture 32">
-            <a:extLst>
-              <a:ext uri="{FF2B5EF4-FFF2-40B4-BE49-F238E27FC236}">
-                <a16:creationId xmlns:a16="http://schemas.microsoft.com/office/drawing/2014/main" id="{3C59EF44-FA66-F163-333D-AA6BD11799ED}"/>
-              </a:ext>
-            </a:extLst>
-          </p:cNvPr>
-          <p:cNvPicPr>
-            <a:picLocks noChangeAspect="1"/>
-          </p:cNvPicPr>
-          <p:nvPr/>
-        </p:nvPicPr>
-        <p:blipFill>
-          <a:blip r:embed="rId9"/>
-          <a:stretch>
-            <a:fillRect/>
-          </a:stretch>
-        </p:blipFill>
-        <p:spPr>
-          <a:xfrm>
-            <a:off x="7095814" y="1805279"/>
-            <a:ext cx="4838700" cy="971550"/>
-          </a:xfrm>
-          <a:prstGeom prst="rect">
-            <a:avLst/>
-          </a:prstGeom>
-        </p:spPr>
-      </p:pic>
-      <p:pic>
-        <p:nvPicPr>
-          <p:cNvPr id="34" name="Picture 33">
-            <a:extLst>
-              <a:ext uri="{FF2B5EF4-FFF2-40B4-BE49-F238E27FC236}">
-                <a16:creationId xmlns:a16="http://schemas.microsoft.com/office/drawing/2014/main" id="{6F29F7AC-A877-C893-EE20-094BF184EE2B}"/>
-              </a:ext>
-            </a:extLst>
-          </p:cNvPr>
-          <p:cNvPicPr>
-            <a:picLocks noChangeAspect="1"/>
-          </p:cNvPicPr>
-          <p:nvPr/>
-        </p:nvPicPr>
-        <p:blipFill>
-          <a:blip r:embed="rId10"/>
-          <a:stretch>
-            <a:fillRect/>
-          </a:stretch>
-        </p:blipFill>
-        <p:spPr>
-          <a:xfrm>
-            <a:off x="274418" y="595193"/>
-            <a:ext cx="4724400" cy="1543050"/>
-          </a:xfrm>
-          <a:prstGeom prst="rect">
-            <a:avLst/>
-          </a:prstGeom>
-        </p:spPr>
-      </p:pic>
-      <p:sp>
-        <p:nvSpPr>
-          <p:cNvPr id="36" name="TextBox 35">
-            <a:extLst>
-              <a:ext uri="{FF2B5EF4-FFF2-40B4-BE49-F238E27FC236}">
-                <a16:creationId xmlns:a16="http://schemas.microsoft.com/office/drawing/2014/main" id="{9E26837E-C24D-2639-4C96-FD4AF4E286DF}"/>
-              </a:ext>
-            </a:extLst>
-          </p:cNvPr>
-          <p:cNvSpPr txBox="1">
-            <a:spLocks noChangeAspect="1"/>
-          </p:cNvSpPr>
-          <p:nvPr/>
-        </p:nvSpPr>
-        <p:spPr>
-          <a:xfrm>
-            <a:off x="4087062" y="1018443"/>
-            <a:ext cx="1245879" cy="1016851"/>
-          </a:xfrm>
-          <a:prstGeom prst="rect">
-            <a:avLst/>
-          </a:prstGeom>
-          <a:solidFill>
-            <a:schemeClr val="accent2">
-              <a:lumMod val="40000"/>
-              <a:lumOff val="60000"/>
-            </a:schemeClr>
-          </a:solidFill>
-        </p:spPr>
-        <p:txBody>
-          <a:bodyPr wrap="square" lIns="0" tIns="0" rIns="0" bIns="0" anchor="t" anchorCtr="0">
-            <a:noAutofit/>
-          </a:bodyPr>
-          <a:lstStyle/>
-          <a:p>
-            <a:r>
-              <a:rPr lang="pt-BR" sz="1500" b="1" dirty="0"/>
-              <a:t>  1   -   1, 201</a:t>
-            </a:r>
-          </a:p>
-          <a:p>
-            <a:r>
-              <a:rPr lang="pt-BR" sz="1500" b="1" dirty="0"/>
-              <a:t>          10,     1   </a:t>
-            </a:r>
-          </a:p>
-          <a:p>
-            <a:r>
-              <a:rPr lang="pt-BR" sz="1500" b="1" dirty="0"/>
-              <a:t>  20</a:t>
-            </a:r>
-          </a:p>
-          <a:p>
-            <a:r>
-              <a:rPr lang="pt-BR" sz="1500" b="1" dirty="0"/>
-              <a:t> -30</a:t>
-            </a:r>
-          </a:p>
-          <a:p>
-            <a:endParaRPr lang="pt-BR" sz="1500" b="1" dirty="0"/>
-          </a:p>
-          <a:p>
-            <a:endParaRPr lang="pt-BR" sz="1500" b="1" dirty="0"/>
-          </a:p>
-          <a:p>
-            <a:endParaRPr lang="LID4096" sz="1500" b="1" dirty="0"/>
-          </a:p>
-        </p:txBody>
-      </p:sp>
-      <p:grpSp>
-        <p:nvGrpSpPr>
-          <p:cNvPr id="44" name="Group 43">
-            <a:extLst>
-              <a:ext uri="{FF2B5EF4-FFF2-40B4-BE49-F238E27FC236}">
-                <a16:creationId xmlns:a16="http://schemas.microsoft.com/office/drawing/2014/main" id="{05314FF5-E4D6-CD32-C103-AD3B965FC210}"/>
-              </a:ext>
-            </a:extLst>
-          </p:cNvPr>
-          <p:cNvGrpSpPr>
-            <a:grpSpLocks noChangeAspect="1"/>
-          </p:cNvGrpSpPr>
-          <p:nvPr/>
-        </p:nvGrpSpPr>
-        <p:grpSpPr>
-          <a:xfrm>
-            <a:off x="4132124" y="5000227"/>
-            <a:ext cx="2830011" cy="1747608"/>
-            <a:chOff x="6742123" y="3639916"/>
-            <a:chExt cx="5211245" cy="3218084"/>
-          </a:xfrm>
-        </p:grpSpPr>
-        <p:pic>
-          <p:nvPicPr>
-            <p:cNvPr id="38" name="Picture 37">
-              <a:extLst>
-                <a:ext uri="{FF2B5EF4-FFF2-40B4-BE49-F238E27FC236}">
-                  <a16:creationId xmlns:a16="http://schemas.microsoft.com/office/drawing/2014/main" id="{4C2ADABC-2677-AB01-3C36-3F06947A6BFD}"/>
-                </a:ext>
-              </a:extLst>
-            </p:cNvPr>
-            <p:cNvPicPr>
-              <a:picLocks noChangeAspect="1"/>
-            </p:cNvPicPr>
-            <p:nvPr/>
-          </p:nvPicPr>
-          <p:blipFill>
-            <a:blip r:embed="rId11">
-              <a:extLst>
-                <a:ext uri="{28A0092B-C50C-407E-A947-70E740481C1C}">
-                  <a14:useLocalDpi xmlns:a14="http://schemas.microsoft.com/office/drawing/2010/main" val="0"/>
-                </a:ext>
-              </a:extLst>
-            </a:blip>
-            <a:stretch>
-              <a:fillRect/>
-            </a:stretch>
-          </p:blipFill>
-          <p:spPr>
-            <a:xfrm>
-              <a:off x="6742123" y="3639916"/>
-              <a:ext cx="4409967" cy="3218084"/>
-            </a:xfrm>
-            <a:prstGeom prst="rect">
-              <a:avLst/>
-            </a:prstGeom>
-          </p:spPr>
-        </p:pic>
-        <p:cxnSp>
-          <p:nvCxnSpPr>
-            <p:cNvPr id="40" name="Straight Connector 39">
-              <a:extLst>
-                <a:ext uri="{FF2B5EF4-FFF2-40B4-BE49-F238E27FC236}">
-                  <a16:creationId xmlns:a16="http://schemas.microsoft.com/office/drawing/2014/main" id="{D9AE1858-4309-B97E-BDCD-B0772D468D5B}"/>
-                </a:ext>
-              </a:extLst>
-            </p:cNvPr>
-            <p:cNvCxnSpPr>
-              <a:cxnSpLocks/>
-            </p:cNvCxnSpPr>
-            <p:nvPr/>
-          </p:nvCxnSpPr>
-          <p:spPr>
-            <a:xfrm>
-              <a:off x="7437749" y="4542666"/>
-              <a:ext cx="4515619" cy="0"/>
-            </a:xfrm>
-            <a:prstGeom prst="line">
-              <a:avLst/>
-            </a:prstGeom>
-            <a:ln w="19050">
-              <a:solidFill>
-                <a:schemeClr val="tx1"/>
-              </a:solidFill>
-              <a:prstDash val="dash"/>
-            </a:ln>
-          </p:spPr>
-          <p:style>
-            <a:lnRef idx="1">
-              <a:schemeClr val="accent1"/>
-            </a:lnRef>
-            <a:fillRef idx="0">
-              <a:schemeClr val="accent1"/>
-            </a:fillRef>
-            <a:effectRef idx="0">
-              <a:schemeClr val="accent1"/>
-            </a:effectRef>
-            <a:fontRef idx="minor">
-              <a:schemeClr val="tx1"/>
-            </a:fontRef>
-          </p:style>
-        </p:cxnSp>
-        <p:sp>
-          <p:nvSpPr>
-            <p:cNvPr id="42" name="TextBox 41">
-              <a:extLst>
-                <a:ext uri="{FF2B5EF4-FFF2-40B4-BE49-F238E27FC236}">
-                  <a16:creationId xmlns:a16="http://schemas.microsoft.com/office/drawing/2014/main" id="{849A8F2B-B499-803A-056C-34BAB164B984}"/>
-                </a:ext>
-              </a:extLst>
-            </p:cNvPr>
-            <p:cNvSpPr txBox="1"/>
-            <p:nvPr/>
-          </p:nvSpPr>
-          <p:spPr>
-            <a:xfrm>
-              <a:off x="7212818" y="4721725"/>
-              <a:ext cx="3174054" cy="532505"/>
-            </a:xfrm>
-            <a:prstGeom prst="rect">
-              <a:avLst/>
-            </a:prstGeom>
-            <a:noFill/>
-          </p:spPr>
-          <p:txBody>
-            <a:bodyPr wrap="square">
-              <a:spAutoFit/>
-            </a:bodyPr>
-            <a:lstStyle/>
-            <a:p>
-              <a:r>
-                <a:rPr lang="en-US" sz="1100" b="1" dirty="0"/>
-                <a:t>insert line ..</a:t>
-              </a:r>
-            </a:p>
-          </p:txBody>
-        </p:sp>
-      </p:grpSp>
-      <p:sp>
-        <p:nvSpPr>
-          <p:cNvPr id="3" name="TextBox 2">
-            <a:extLst>
-              <a:ext uri="{FF2B5EF4-FFF2-40B4-BE49-F238E27FC236}">
-                <a16:creationId xmlns:a16="http://schemas.microsoft.com/office/drawing/2014/main" id="{C2CDF533-C35F-4E0C-CADB-C35507E54222}"/>
-              </a:ext>
-            </a:extLst>
-          </p:cNvPr>
-          <p:cNvSpPr txBox="1">
-            <a:spLocks noChangeAspect="1"/>
-          </p:cNvSpPr>
-          <p:nvPr/>
-        </p:nvSpPr>
-        <p:spPr>
-          <a:xfrm>
-            <a:off x="116570" y="6175458"/>
-            <a:ext cx="3751893" cy="547998"/>
-          </a:xfrm>
-          <a:prstGeom prst="rect">
-            <a:avLst/>
-          </a:prstGeom>
-          <a:solidFill>
-            <a:schemeClr val="accent6">
-              <a:lumMod val="60000"/>
-              <a:lumOff val="40000"/>
-            </a:schemeClr>
-          </a:solidFill>
-        </p:spPr>
-        <p:txBody>
-          <a:bodyPr wrap="none" lIns="0" tIns="0" rIns="0" bIns="0" anchor="ctr" anchorCtr="0">
-            <a:noAutofit/>
-          </a:bodyPr>
-          <a:lstStyle/>
-          <a:p>
-            <a:pPr algn="ctr"/>
-            <a:r>
-              <a:rPr lang="pt-BR" sz="2000" b="1" dirty="0"/>
-              <a:t>03 pyEMU __ 01D &amp; Capture</a:t>
-            </a:r>
-            <a:endParaRPr lang="LID4096" sz="2000" b="1" dirty="0"/>
-          </a:p>
-        </p:txBody>
-      </p:sp>
-      <p:grpSp>
-        <p:nvGrpSpPr>
-          <p:cNvPr id="9" name="Group 8">
-            <a:extLst>
-              <a:ext uri="{FF2B5EF4-FFF2-40B4-BE49-F238E27FC236}">
-                <a16:creationId xmlns:a16="http://schemas.microsoft.com/office/drawing/2014/main" id="{7DA3B80A-A5BD-F3BA-B55B-65657840790B}"/>
-              </a:ext>
-            </a:extLst>
-          </p:cNvPr>
-          <p:cNvGrpSpPr>
-            <a:grpSpLocks noChangeAspect="1"/>
-          </p:cNvGrpSpPr>
-          <p:nvPr/>
-        </p:nvGrpSpPr>
-        <p:grpSpPr>
-          <a:xfrm>
-            <a:off x="3423170" y="2443566"/>
-            <a:ext cx="8470093" cy="2728932"/>
-            <a:chOff x="-4776816" y="-788029"/>
-            <a:chExt cx="12619287" cy="4065736"/>
-          </a:xfrm>
-        </p:grpSpPr>
-        <p:pic>
-          <p:nvPicPr>
-            <p:cNvPr id="4" name="Picture 3">
-              <a:extLst>
-                <a:ext uri="{FF2B5EF4-FFF2-40B4-BE49-F238E27FC236}">
-                  <a16:creationId xmlns:a16="http://schemas.microsoft.com/office/drawing/2014/main" id="{408A273C-9221-8C39-9741-7EC38DF8EAE8}"/>
-                </a:ext>
-              </a:extLst>
-            </p:cNvPr>
-            <p:cNvPicPr>
-              <a:picLocks noChangeAspect="1"/>
-            </p:cNvPicPr>
-            <p:nvPr/>
-          </p:nvPicPr>
-          <p:blipFill>
-            <a:blip r:embed="rId12"/>
-            <a:stretch>
-              <a:fillRect/>
-            </a:stretch>
-          </p:blipFill>
-          <p:spPr>
-            <a:xfrm>
-              <a:off x="240278" y="213821"/>
-              <a:ext cx="3636057" cy="3063884"/>
-            </a:xfrm>
-            <a:prstGeom prst="rect">
-              <a:avLst/>
-            </a:prstGeom>
-            <a:ln>
-              <a:solidFill>
-                <a:schemeClr val="tx1"/>
-              </a:solidFill>
-            </a:ln>
-          </p:spPr>
-        </p:pic>
-        <p:pic>
-          <p:nvPicPr>
-            <p:cNvPr id="5" name="Picture 4">
-              <a:extLst>
-                <a:ext uri="{FF2B5EF4-FFF2-40B4-BE49-F238E27FC236}">
-                  <a16:creationId xmlns:a16="http://schemas.microsoft.com/office/drawing/2014/main" id="{AD3649E2-CEBA-4BAE-5A23-EF8FBF2D8AA4}"/>
-                </a:ext>
-              </a:extLst>
-            </p:cNvPr>
-            <p:cNvPicPr>
-              <a:picLocks noChangeAspect="1"/>
-            </p:cNvPicPr>
-            <p:nvPr/>
-          </p:nvPicPr>
-          <p:blipFill>
-            <a:blip r:embed="rId13"/>
-            <a:srcRect r="36312"/>
-            <a:stretch/>
-          </p:blipFill>
-          <p:spPr>
-            <a:xfrm>
-              <a:off x="4206414" y="213821"/>
-              <a:ext cx="3636057" cy="3063886"/>
-            </a:xfrm>
-            <a:prstGeom prst="rect">
-              <a:avLst/>
-            </a:prstGeom>
-            <a:ln>
-              <a:solidFill>
-                <a:schemeClr val="tx1"/>
-              </a:solidFill>
-            </a:ln>
-          </p:spPr>
-        </p:pic>
-        <p:pic>
-          <p:nvPicPr>
-            <p:cNvPr id="6" name="Picture 5">
-              <a:extLst>
-                <a:ext uri="{FF2B5EF4-FFF2-40B4-BE49-F238E27FC236}">
-                  <a16:creationId xmlns:a16="http://schemas.microsoft.com/office/drawing/2014/main" id="{57C7AD07-C0A7-CAE1-A133-4E1B752CC946}"/>
-                </a:ext>
-              </a:extLst>
-            </p:cNvPr>
-            <p:cNvPicPr>
-              <a:picLocks noChangeAspect="1"/>
-            </p:cNvPicPr>
-            <p:nvPr/>
-          </p:nvPicPr>
-          <p:blipFill>
-            <a:blip r:embed="rId13"/>
-            <a:srcRect l="85777"/>
-            <a:stretch/>
-          </p:blipFill>
-          <p:spPr>
-            <a:xfrm>
-              <a:off x="5618443" y="213821"/>
-              <a:ext cx="811995" cy="3063886"/>
-            </a:xfrm>
-            <a:prstGeom prst="rect">
-              <a:avLst/>
-            </a:prstGeom>
-            <a:ln>
-              <a:solidFill>
-                <a:schemeClr val="tx1"/>
-              </a:solidFill>
-            </a:ln>
-          </p:spPr>
-        </p:pic>
-        <p:sp>
-          <p:nvSpPr>
-            <p:cNvPr id="8" name="TextBox 7">
-              <a:extLst>
-                <a:ext uri="{FF2B5EF4-FFF2-40B4-BE49-F238E27FC236}">
-                  <a16:creationId xmlns:a16="http://schemas.microsoft.com/office/drawing/2014/main" id="{72303FDE-0413-AF3A-9C8D-42A61DAACAF5}"/>
-                </a:ext>
-              </a:extLst>
-            </p:cNvPr>
-            <p:cNvSpPr txBox="1"/>
-            <p:nvPr/>
-          </p:nvSpPr>
-          <p:spPr>
-            <a:xfrm>
-              <a:off x="-4776816" y="-788029"/>
-              <a:ext cx="5834455" cy="596109"/>
-            </a:xfrm>
-            <a:prstGeom prst="rect">
-              <a:avLst/>
-            </a:prstGeom>
-            <a:noFill/>
-          </p:spPr>
-          <p:txBody>
-            <a:bodyPr wrap="square">
-              <a:spAutoFit/>
-            </a:bodyPr>
-            <a:lstStyle/>
-            <a:p>
-              <a:pPr algn="ctr"/>
-              <a:r>
-                <a:rPr lang="en-US" sz="2000" b="1" dirty="0"/>
-                <a:t>Flopy construction?</a:t>
-              </a:r>
-            </a:p>
-          </p:txBody>
-        </p:sp>
-      </p:grpSp>
-    </p:spTree>
-    <p:extLst>
-      <p:ext uri="{BB962C8B-B14F-4D97-AF65-F5344CB8AC3E}">
-        <p14:creationId xmlns:p14="http://schemas.microsoft.com/office/powerpoint/2010/main" val="3452270432"/>
-      </p:ext>
-    </p:extLst>
-  </p:cSld>
-  <p:clrMapOvr>
-    <a:masterClrMapping/>
-  </p:clrMapOvr>
-</p:sld>
-</file>
-
-<file path=ppt/slides/slide3.xml><?xml version="1.0" encoding="utf-8"?>
-<p:sld xmlns:a="http://schemas.openxmlformats.org/drawingml/2006/main" xmlns:r="http://schemas.openxmlformats.org/officeDocument/2006/relationships" xmlns:p="http://schemas.openxmlformats.org/presentationml/2006/main">
-  <p:cSld>
-    <p:spTree>
-      <p:nvGrpSpPr>
-        <p:cNvPr id="1" name=""/>
-        <p:cNvGrpSpPr/>
-        <p:nvPr/>
-      </p:nvGrpSpPr>
-      <p:grpSpPr>
-        <a:xfrm>
-          <a:off x="0" y="0"/>
-          <a:ext cx="0" cy="0"/>
-          <a:chOff x="0" y="0"/>
-          <a:chExt cx="0" cy="0"/>
-        </a:xfrm>
-      </p:grpSpPr>
       <p:grpSp>
         <p:nvGrpSpPr>
           <p:cNvPr id="46" name="Group 45">
@@ -7368,7 +6816,7 @@
             <p:nvPr/>
           </p:nvPicPr>
           <p:blipFill>
-            <a:blip r:embed="rId2"/>
+            <a:blip r:embed="rId8"/>
             <a:srcRect r="53369"/>
             <a:stretch/>
           </p:blipFill>
@@ -7496,7 +6944,7 @@
           <p:nvPr/>
         </p:nvPicPr>
         <p:blipFill>
-          <a:blip r:embed="rId3"/>
+          <a:blip r:embed="rId9"/>
           <a:srcRect r="12284"/>
           <a:stretch/>
         </p:blipFill>
@@ -7538,7 +6986,7 @@
           <p:nvPr/>
         </p:nvPicPr>
         <p:blipFill>
-          <a:blip r:embed="rId4"/>
+          <a:blip r:embed="rId10"/>
           <a:srcRect l="2155" r="1"/>
           <a:stretch/>
         </p:blipFill>
@@ -7600,7 +7048,7 @@
             <p:nvPr/>
           </p:nvPicPr>
           <p:blipFill>
-            <a:blip r:embed="rId5"/>
+            <a:blip r:embed="rId11"/>
             <a:stretch>
               <a:fillRect/>
             </a:stretch>
@@ -7839,7 +7287,7 @@
             <p:nvPr/>
           </p:nvPicPr>
           <p:blipFill>
-            <a:blip r:embed="rId6"/>
+            <a:blip r:embed="rId12"/>
             <a:stretch>
               <a:fillRect/>
             </a:stretch>
@@ -7986,7 +7434,7 @@
                 <p:nvPr/>
               </p:nvPicPr>
               <p:blipFill>
-                <a:blip r:embed="rId7"/>
+                <a:blip r:embed="rId13"/>
                 <a:srcRect r="23148"/>
                 <a:stretch/>
               </p:blipFill>
@@ -8322,7 +7770,7 @@
                 <p:nvPr/>
               </p:nvPicPr>
               <p:blipFill>
-                <a:blip r:embed="rId8"/>
+                <a:blip r:embed="rId14"/>
                 <a:stretch>
                   <a:fillRect/>
                 </a:stretch>
@@ -8658,10 +8106,10 @@
       </p:grpSp>
       <p:grpSp>
         <p:nvGrpSpPr>
-          <p:cNvPr id="32" name="Group 31">
-            <a:extLst>
-              <a:ext uri="{FF2B5EF4-FFF2-40B4-BE49-F238E27FC236}">
-                <a16:creationId xmlns:a16="http://schemas.microsoft.com/office/drawing/2014/main" id="{32A88E49-B488-FFFA-A4FE-66BAED366FF9}"/>
+          <p:cNvPr id="63" name="Group 62">
+            <a:extLst>
+              <a:ext uri="{FF2B5EF4-FFF2-40B4-BE49-F238E27FC236}">
+                <a16:creationId xmlns:a16="http://schemas.microsoft.com/office/drawing/2014/main" id="{A4C3FF1A-9BA5-C364-B58D-9F4B2D43A51D}"/>
               </a:ext>
             </a:extLst>
           </p:cNvPr>
@@ -8670,12 +8118,66 @@
         </p:nvGrpSpPr>
         <p:grpSpPr>
           <a:xfrm>
-            <a:off x="123114" y="2013972"/>
-            <a:ext cx="3496287" cy="3008358"/>
-            <a:chOff x="125598" y="1215172"/>
-            <a:chExt cx="3496287" cy="3008358"/>
+            <a:off x="52571" y="1938029"/>
+            <a:ext cx="3651892" cy="528056"/>
+            <a:chOff x="52571" y="1938029"/>
+            <a:chExt cx="3651892" cy="528056"/>
           </a:xfrm>
         </p:grpSpPr>
+        <p:sp>
+          <p:nvSpPr>
+            <p:cNvPr id="62" name="Rectangle 61">
+              <a:extLst>
+                <a:ext uri="{FF2B5EF4-FFF2-40B4-BE49-F238E27FC236}">
+                  <a16:creationId xmlns:a16="http://schemas.microsoft.com/office/drawing/2014/main" id="{AF6201DE-A246-EB32-4B2C-A411072FB3B1}"/>
+                </a:ext>
+              </a:extLst>
+            </p:cNvPr>
+            <p:cNvSpPr/>
+            <p:nvPr/>
+          </p:nvSpPr>
+          <p:spPr>
+            <a:xfrm>
+              <a:off x="52571" y="1938029"/>
+              <a:ext cx="3651892" cy="528056"/>
+            </a:xfrm>
+            <a:prstGeom prst="rect">
+              <a:avLst/>
+            </a:prstGeom>
+            <a:solidFill>
+              <a:schemeClr val="bg1"/>
+            </a:solidFill>
+            <a:ln>
+              <a:solidFill>
+                <a:srgbClr val="0000FF"/>
+              </a:solidFill>
+            </a:ln>
+          </p:spPr>
+          <p:style>
+            <a:lnRef idx="2">
+              <a:schemeClr val="accent1">
+                <a:shade val="15000"/>
+              </a:schemeClr>
+            </a:lnRef>
+            <a:fillRef idx="1">
+              <a:schemeClr val="accent1"/>
+            </a:fillRef>
+            <a:effectRef idx="0">
+              <a:schemeClr val="accent1"/>
+            </a:effectRef>
+            <a:fontRef idx="minor">
+              <a:schemeClr val="lt1"/>
+            </a:fontRef>
+          </p:style>
+          <p:txBody>
+            <a:bodyPr rtlCol="0" anchor="ctr"/>
+            <a:lstStyle/>
+            <a:p>
+              <a:pPr algn="ctr"/>
+              <a:endParaRPr lang="LID4096"/>
+            </a:p>
+          </p:txBody>
+        </p:sp>
         <p:grpSp>
           <p:nvGrpSpPr>
             <p:cNvPr id="134" name="Group 133">
@@ -8690,10 +8192,10 @@
           </p:nvGrpSpPr>
           <p:grpSpPr>
             <a:xfrm>
-              <a:off x="125598" y="1215172"/>
-              <a:ext cx="3496287" cy="806330"/>
+              <a:off x="123114" y="2013972"/>
+              <a:ext cx="3496287" cy="427874"/>
               <a:chOff x="5395878" y="183643"/>
-              <a:chExt cx="3496287" cy="806330"/>
+              <a:chExt cx="3496287" cy="427874"/>
             </a:xfrm>
           </p:grpSpPr>
           <p:pic>
@@ -8711,7 +8213,7 @@
               <p:nvPr/>
             </p:nvPicPr>
             <p:blipFill>
-              <a:blip r:embed="rId9"/>
+              <a:blip r:embed="rId15"/>
               <a:stretch>
                 <a:fillRect/>
               </a:stretch>
@@ -8741,7 +8243,7 @@
               <p:nvPr/>
             </p:nvPicPr>
             <p:blipFill>
-              <a:blip r:embed="rId10"/>
+              <a:blip r:embed="rId16"/>
               <a:stretch>
                 <a:fillRect/>
               </a:stretch>
@@ -8750,36 +8252,6 @@
               <a:xfrm>
                 <a:off x="5539365" y="392442"/>
                 <a:ext cx="3352800" cy="219075"/>
-              </a:xfrm>
-              <a:prstGeom prst="rect">
-                <a:avLst/>
-              </a:prstGeom>
-            </p:spPr>
-          </p:pic>
-          <p:pic>
-            <p:nvPicPr>
-              <p:cNvPr id="39" name="Picture 38">
-                <a:extLst>
-                  <a:ext uri="{FF2B5EF4-FFF2-40B4-BE49-F238E27FC236}">
-                    <a16:creationId xmlns:a16="http://schemas.microsoft.com/office/drawing/2014/main" id="{C05A62A7-F689-55E9-B009-C8BBCD2EF77F}"/>
-                  </a:ext>
-                </a:extLst>
-              </p:cNvPr>
-              <p:cNvPicPr>
-                <a:picLocks noChangeAspect="1"/>
-              </p:cNvPicPr>
-              <p:nvPr/>
-            </p:nvPicPr>
-            <p:blipFill>
-              <a:blip r:embed="rId11"/>
-              <a:stretch>
-                <a:fillRect/>
-              </a:stretch>
-            </p:blipFill>
-            <p:spPr>
-              <a:xfrm>
-                <a:off x="5625047" y="561348"/>
-                <a:ext cx="1828800" cy="428625"/>
               </a:xfrm>
               <a:prstGeom prst="rect">
                 <a:avLst/>
@@ -8877,238 +8349,6 @@
               </a:p>
             </p:txBody>
           </p:sp>
-        </p:grpSp>
-        <p:grpSp>
-          <p:nvGrpSpPr>
-            <p:cNvPr id="146" name="Group 145">
-              <a:extLst>
-                <a:ext uri="{FF2B5EF4-FFF2-40B4-BE49-F238E27FC236}">
-                  <a16:creationId xmlns:a16="http://schemas.microsoft.com/office/drawing/2014/main" id="{3875B81B-946D-4CC8-4B0D-C64E4C2BB106}"/>
-                </a:ext>
-              </a:extLst>
-            </p:cNvPr>
-            <p:cNvGrpSpPr/>
-            <p:nvPr/>
-          </p:nvGrpSpPr>
-          <p:grpSpPr>
-            <a:xfrm>
-              <a:off x="325082" y="2053081"/>
-              <a:ext cx="2416009" cy="478972"/>
-              <a:chOff x="3675026" y="2311520"/>
-              <a:chExt cx="2416009" cy="478972"/>
-            </a:xfrm>
-          </p:grpSpPr>
-          <p:pic>
-            <p:nvPicPr>
-              <p:cNvPr id="149" name="Picture 148">
-                <a:extLst>
-                  <a:ext uri="{FF2B5EF4-FFF2-40B4-BE49-F238E27FC236}">
-                    <a16:creationId xmlns:a16="http://schemas.microsoft.com/office/drawing/2014/main" id="{08C6472A-EE90-E524-097E-C174FB2256EB}"/>
-                  </a:ext>
-                </a:extLst>
-              </p:cNvPr>
-              <p:cNvPicPr>
-                <a:picLocks noChangeAspect="1"/>
-              </p:cNvPicPr>
-              <p:nvPr/>
-            </p:nvPicPr>
-            <p:blipFill>
-              <a:blip r:embed="rId12"/>
-              <a:stretch>
-                <a:fillRect/>
-              </a:stretch>
-            </p:blipFill>
-            <p:spPr>
-              <a:xfrm>
-                <a:off x="3675026" y="2311520"/>
-                <a:ext cx="2400300" cy="219075"/>
-              </a:xfrm>
-              <a:prstGeom prst="rect">
-                <a:avLst/>
-              </a:prstGeom>
-            </p:spPr>
-          </p:pic>
-          <p:sp>
-            <p:nvSpPr>
-              <p:cNvPr id="151" name="TextBox 150">
-                <a:extLst>
-                  <a:ext uri="{FF2B5EF4-FFF2-40B4-BE49-F238E27FC236}">
-                    <a16:creationId xmlns:a16="http://schemas.microsoft.com/office/drawing/2014/main" id="{6C24F72B-EBE5-7246-3067-E9D89DB5F363}"/>
-                  </a:ext>
-                </a:extLst>
-              </p:cNvPr>
-              <p:cNvSpPr txBox="1"/>
-              <p:nvPr/>
-            </p:nvSpPr>
-            <p:spPr>
-              <a:xfrm>
-                <a:off x="5035814" y="2589460"/>
-                <a:ext cx="1055221" cy="201032"/>
-              </a:xfrm>
-              <a:prstGeom prst="rect">
-                <a:avLst/>
-              </a:prstGeom>
-              <a:solidFill>
-                <a:schemeClr val="accent4">
-                  <a:lumMod val="40000"/>
-                  <a:lumOff val="60000"/>
-                </a:schemeClr>
-              </a:solidFill>
-            </p:spPr>
-            <p:txBody>
-              <a:bodyPr wrap="square" lIns="0" tIns="0" rIns="0" bIns="0" anchor="ctr" anchorCtr="0">
-                <a:noAutofit/>
-              </a:bodyPr>
-              <a:lstStyle/>
-              <a:p>
-                <a:pPr algn="ctr"/>
-                <a:r>
-                  <a:rPr lang="en-US" sz="1000" dirty="0"/>
-                  <a:t>simplified</a:t>
-                </a:r>
-              </a:p>
-            </p:txBody>
-          </p:sp>
-        </p:grpSp>
-        <p:grpSp>
-          <p:nvGrpSpPr>
-            <p:cNvPr id="167" name="Group 166">
-              <a:extLst>
-                <a:ext uri="{FF2B5EF4-FFF2-40B4-BE49-F238E27FC236}">
-                  <a16:creationId xmlns:a16="http://schemas.microsoft.com/office/drawing/2014/main" id="{D09149F4-5954-F771-2422-C24B864533D5}"/>
-                </a:ext>
-              </a:extLst>
-            </p:cNvPr>
-            <p:cNvGrpSpPr/>
-            <p:nvPr/>
-          </p:nvGrpSpPr>
-          <p:grpSpPr>
-            <a:xfrm>
-              <a:off x="354767" y="2346096"/>
-              <a:ext cx="1662710" cy="1877434"/>
-              <a:chOff x="558293" y="4533575"/>
-              <a:chExt cx="1662710" cy="1877434"/>
-            </a:xfrm>
-          </p:grpSpPr>
-          <p:pic>
-            <p:nvPicPr>
-              <p:cNvPr id="161" name="Picture 160">
-                <a:extLst>
-                  <a:ext uri="{FF2B5EF4-FFF2-40B4-BE49-F238E27FC236}">
-                    <a16:creationId xmlns:a16="http://schemas.microsoft.com/office/drawing/2014/main" id="{5DA5A112-DB35-B8A7-0CEB-1E74E7EBE584}"/>
-                  </a:ext>
-                </a:extLst>
-              </p:cNvPr>
-              <p:cNvPicPr>
-                <a:picLocks noChangeAspect="1"/>
-              </p:cNvPicPr>
-              <p:nvPr/>
-            </p:nvPicPr>
-            <p:blipFill>
-              <a:blip r:embed="rId13"/>
-              <a:stretch>
-                <a:fillRect/>
-              </a:stretch>
-            </p:blipFill>
-            <p:spPr>
-              <a:xfrm>
-                <a:off x="677953" y="4743895"/>
-                <a:ext cx="1543050" cy="1400175"/>
-              </a:xfrm>
-              <a:prstGeom prst="rect">
-                <a:avLst/>
-              </a:prstGeom>
-            </p:spPr>
-          </p:pic>
-          <p:pic>
-            <p:nvPicPr>
-              <p:cNvPr id="162" name="Picture 161">
-                <a:extLst>
-                  <a:ext uri="{FF2B5EF4-FFF2-40B4-BE49-F238E27FC236}">
-                    <a16:creationId xmlns:a16="http://schemas.microsoft.com/office/drawing/2014/main" id="{085EEBB1-E455-4507-AD16-833B2518594A}"/>
-                  </a:ext>
-                </a:extLst>
-              </p:cNvPr>
-              <p:cNvPicPr>
-                <a:picLocks noChangeAspect="1"/>
-              </p:cNvPicPr>
-              <p:nvPr/>
-            </p:nvPicPr>
-            <p:blipFill>
-              <a:blip r:embed="rId14"/>
-              <a:srcRect b="11002"/>
-              <a:stretch/>
-            </p:blipFill>
-            <p:spPr>
-              <a:xfrm>
-                <a:off x="558293" y="4533575"/>
-                <a:ext cx="809625" cy="194970"/>
-              </a:xfrm>
-              <a:prstGeom prst="rect">
-                <a:avLst/>
-              </a:prstGeom>
-            </p:spPr>
-          </p:pic>
-          <p:pic>
-            <p:nvPicPr>
-              <p:cNvPr id="164" name="Picture 163">
-                <a:extLst>
-                  <a:ext uri="{FF2B5EF4-FFF2-40B4-BE49-F238E27FC236}">
-                    <a16:creationId xmlns:a16="http://schemas.microsoft.com/office/drawing/2014/main" id="{4C65D9C4-E690-FDA5-4B57-281A166CD716}"/>
-                  </a:ext>
-                </a:extLst>
-              </p:cNvPr>
-              <p:cNvPicPr>
-                <a:picLocks noChangeAspect="1"/>
-              </p:cNvPicPr>
-              <p:nvPr/>
-            </p:nvPicPr>
-            <p:blipFill>
-              <a:blip r:embed="rId15"/>
-              <a:stretch>
-                <a:fillRect/>
-              </a:stretch>
-            </p:blipFill>
-            <p:spPr>
-              <a:xfrm>
-                <a:off x="581575" y="6178254"/>
-                <a:ext cx="800100" cy="219075"/>
-              </a:xfrm>
-              <a:prstGeom prst="rect">
-                <a:avLst/>
-              </a:prstGeom>
-            </p:spPr>
-          </p:pic>
-          <p:pic>
-            <p:nvPicPr>
-              <p:cNvPr id="166" name="Picture 165">
-                <a:extLst>
-                  <a:ext uri="{FF2B5EF4-FFF2-40B4-BE49-F238E27FC236}">
-                    <a16:creationId xmlns:a16="http://schemas.microsoft.com/office/drawing/2014/main" id="{7A51D51E-E97D-0666-91EE-72B5314A92FC}"/>
-                  </a:ext>
-                </a:extLst>
-              </p:cNvPr>
-              <p:cNvPicPr>
-                <a:picLocks noChangeAspect="1"/>
-              </p:cNvPicPr>
-              <p:nvPr/>
-            </p:nvPicPr>
-            <p:blipFill>
-              <a:blip r:embed="rId16"/>
-              <a:stretch>
-                <a:fillRect/>
-              </a:stretch>
-            </p:blipFill>
-            <p:spPr>
-              <a:xfrm>
-                <a:off x="1314723" y="5944284"/>
-                <a:ext cx="838200" cy="466725"/>
-              </a:xfrm>
-              <a:prstGeom prst="rect">
-                <a:avLst/>
-              </a:prstGeom>
-            </p:spPr>
-          </p:pic>
         </p:grpSp>
       </p:grpSp>
       <p:grpSp>
@@ -9901,6 +9141,11 @@
             <a:solidFill>
               <a:schemeClr val="bg1"/>
             </a:solidFill>
+            <a:ln>
+              <a:solidFill>
+                <a:srgbClr val="0000FF"/>
+              </a:solidFill>
+            </a:ln>
           </p:spPr>
           <p:style>
             <a:lnRef idx="2">
@@ -9923,7 +9168,11 @@
             <a:lstStyle/>
             <a:p>
               <a:pPr algn="ctr"/>
-              <a:endParaRPr lang="LID4096"/>
+              <a:r>
+                <a:rPr lang="en-US" b="1" dirty="0"/>
+                <a:t>Freyberg</a:t>
+              </a:r>
+              <a:endParaRPr lang="LID4096" dirty="0"/>
             </a:p>
           </p:txBody>
         </p:sp>
@@ -9962,7 +9211,7 @@
               <p:nvPr/>
             </p:nvPicPr>
             <p:blipFill>
-              <a:blip r:embed="rId9"/>
+              <a:blip r:embed="rId15"/>
               <a:srcRect l="1934"/>
               <a:stretch/>
             </p:blipFill>
@@ -9991,7 +9240,7 @@
               <p:nvPr/>
             </p:nvPicPr>
             <p:blipFill>
-              <a:blip r:embed="rId10"/>
+              <a:blip r:embed="rId16"/>
               <a:stretch>
                 <a:fillRect/>
               </a:stretch>
@@ -10113,8 +9362,8 @@
         </p:nvSpPr>
         <p:spPr>
           <a:xfrm>
-            <a:off x="10942956" y="12034"/>
-            <a:ext cx="1249044" cy="923330"/>
+            <a:off x="9225463" y="12034"/>
+            <a:ext cx="2966537" cy="646331"/>
           </a:xfrm>
           <a:prstGeom prst="rect">
             <a:avLst/>
@@ -10130,21 +9379,14 @@
             <a:pPr algn="r"/>
             <a:r>
               <a:rPr lang="en-US" b="1" dirty="0"/>
-              <a:t>Freyberg </a:t>
+              <a:t>Freyberg Flopy not yet</a:t>
             </a:r>
           </a:p>
           <a:p>
             <a:pPr algn="r"/>
             <a:r>
               <a:rPr lang="en-US" b="1" dirty="0"/>
-              <a:t>Flopy</a:t>
-            </a:r>
-          </a:p>
-          <a:p>
-            <a:pPr algn="r"/>
-            <a:r>
-              <a:rPr lang="en-US" b="1" dirty="0"/>
-              <a:t>not yet</a:t>
+              <a:t>Freyberg GMS – ok – Steady</a:t>
             </a:r>
           </a:p>
         </p:txBody>
@@ -10164,9 +9406,9 @@
         <p:grpSpPr>
           <a:xfrm>
             <a:off x="142001" y="82401"/>
-            <a:ext cx="9763447" cy="1673634"/>
+            <a:ext cx="6191362" cy="1670452"/>
             <a:chOff x="142001" y="82401"/>
-            <a:chExt cx="9763447" cy="1673634"/>
+            <a:chExt cx="6191362" cy="1670452"/>
           </a:xfrm>
         </p:grpSpPr>
         <p:grpSp>
@@ -10183,10 +9425,10 @@
           </p:nvGrpSpPr>
           <p:grpSpPr>
             <a:xfrm>
-              <a:off x="1725074" y="132361"/>
-              <a:ext cx="8180374" cy="1623674"/>
-              <a:chOff x="3126104" y="232629"/>
-              <a:chExt cx="8180374" cy="1623674"/>
+              <a:off x="1725074" y="139313"/>
+              <a:ext cx="4608289" cy="1365145"/>
+              <a:chOff x="3126104" y="239581"/>
+              <a:chExt cx="4608289" cy="1365145"/>
             </a:xfrm>
           </p:grpSpPr>
           <p:grpSp>
@@ -10203,10 +9445,10 @@
             </p:nvGrpSpPr>
             <p:grpSpPr>
               <a:xfrm>
-                <a:off x="3126104" y="232629"/>
-                <a:ext cx="3844536" cy="1069724"/>
-                <a:chOff x="4045574" y="223224"/>
-                <a:chExt cx="3844536" cy="1069724"/>
+                <a:off x="3126104" y="239581"/>
+                <a:ext cx="2709256" cy="642485"/>
+                <a:chOff x="4045574" y="230176"/>
+                <a:chExt cx="2709256" cy="642485"/>
               </a:xfrm>
             </p:grpSpPr>
             <p:pic>
@@ -10240,36 +9482,6 @@
             </p:pic>
             <p:pic>
               <p:nvPicPr>
-                <p:cNvPr id="153" name="Picture 152">
-                  <a:extLst>
-                    <a:ext uri="{FF2B5EF4-FFF2-40B4-BE49-F238E27FC236}">
-                      <a16:creationId xmlns:a16="http://schemas.microsoft.com/office/drawing/2014/main" id="{1B72778C-DEE9-E091-8651-FE1B7D03B8E2}"/>
-                    </a:ext>
-                  </a:extLst>
-                </p:cNvPr>
-                <p:cNvPicPr>
-                  <a:picLocks noChangeAspect="1"/>
-                </p:cNvPicPr>
-                <p:nvPr/>
-              </p:nvPicPr>
-              <p:blipFill>
-                <a:blip r:embed="rId20"/>
-                <a:stretch>
-                  <a:fillRect/>
-                </a:stretch>
-              </p:blipFill>
-              <p:spPr>
-                <a:xfrm>
-                  <a:off x="5989110" y="454748"/>
-                  <a:ext cx="1028700" cy="838200"/>
-                </a:xfrm>
-                <a:prstGeom prst="rect">
-                  <a:avLst/>
-                </a:prstGeom>
-              </p:spPr>
-            </p:pic>
-            <p:pic>
-              <p:nvPicPr>
                 <p:cNvPr id="154" name="Picture 153">
                   <a:extLst>
                     <a:ext uri="{FF2B5EF4-FFF2-40B4-BE49-F238E27FC236}">
@@ -10283,7 +9495,7 @@
                 <p:nvPr/>
               </p:nvPicPr>
               <p:blipFill>
-                <a:blip r:embed="rId21"/>
+                <a:blip r:embed="rId20"/>
                 <a:srcRect t="2506" r="71031" b="78986"/>
                 <a:stretch/>
               </p:blipFill>
@@ -10312,13 +9524,13 @@
                 <p:nvPr/>
               </p:nvPicPr>
               <p:blipFill>
-                <a:blip r:embed="rId22"/>
+                <a:blip r:embed="rId21"/>
                 <a:srcRect t="18085" r="69833" b="51260"/>
                 <a:stretch/>
               </p:blipFill>
               <p:spPr>
                 <a:xfrm>
-                  <a:off x="7097048" y="223224"/>
+                  <a:off x="5961768" y="487238"/>
                   <a:ext cx="793062" cy="385423"/>
                 </a:xfrm>
                 <a:prstGeom prst="rect">
@@ -10342,44 +9554,14 @@
               <p:nvPr/>
             </p:nvPicPr>
             <p:blipFill>
-              <a:blip r:embed="rId22"/>
+              <a:blip r:embed="rId21"/>
               <a:srcRect t="48018"/>
               <a:stretch/>
             </p:blipFill>
             <p:spPr>
               <a:xfrm>
-                <a:off x="8677578" y="430150"/>
+                <a:off x="5105493" y="951164"/>
                 <a:ext cx="2628900" cy="653562"/>
-              </a:xfrm>
-              <a:prstGeom prst="rect">
-                <a:avLst/>
-              </a:prstGeom>
-            </p:spPr>
-          </p:pic>
-          <p:pic>
-            <p:nvPicPr>
-              <p:cNvPr id="36" name="Picture 35">
-                <a:extLst>
-                  <a:ext uri="{FF2B5EF4-FFF2-40B4-BE49-F238E27FC236}">
-                    <a16:creationId xmlns:a16="http://schemas.microsoft.com/office/drawing/2014/main" id="{1E336DE2-00AF-26A7-DDED-EA8EB57787CB}"/>
-                  </a:ext>
-                </a:extLst>
-              </p:cNvPr>
-              <p:cNvPicPr>
-                <a:picLocks noChangeAspect="1"/>
-              </p:cNvPicPr>
-              <p:nvPr/>
-            </p:nvPicPr>
-            <p:blipFill>
-              <a:blip r:embed="rId23"/>
-              <a:stretch>
-                <a:fillRect/>
-              </a:stretch>
-            </p:blipFill>
-            <p:spPr>
-              <a:xfrm>
-                <a:off x="6309346" y="618053"/>
-                <a:ext cx="2295525" cy="1238250"/>
               </a:xfrm>
               <a:prstGeom prst="rect">
                 <a:avLst/>
@@ -10402,7 +9584,7 @@
             <p:nvPr/>
           </p:nvPicPr>
           <p:blipFill>
-            <a:blip r:embed="rId24"/>
+            <a:blip r:embed="rId22"/>
             <a:stretch>
               <a:fillRect/>
             </a:stretch>
@@ -10411,35 +9593,6 @@
             <a:xfrm>
               <a:off x="142001" y="82401"/>
               <a:ext cx="1336361" cy="1670452"/>
-            </a:xfrm>
-            <a:prstGeom prst="rect">
-              <a:avLst/>
-            </a:prstGeom>
-          </p:spPr>
-        </p:pic>
-        <p:pic>
-          <p:nvPicPr>
-            <p:cNvPr id="49" name="Picture 48">
-              <a:extLst>
-                <a:ext uri="{FF2B5EF4-FFF2-40B4-BE49-F238E27FC236}">
-                  <a16:creationId xmlns:a16="http://schemas.microsoft.com/office/drawing/2014/main" id="{E3F33C2A-F133-D5A7-40E1-3321E082181B}"/>
-                </a:ext>
-              </a:extLst>
-            </p:cNvPr>
-            <p:cNvPicPr>
-              <a:picLocks noChangeAspect="1"/>
-            </p:cNvPicPr>
-            <p:nvPr/>
-          </p:nvPicPr>
-          <p:blipFill>
-            <a:blip r:embed="rId25"/>
-            <a:srcRect r="6828"/>
-            <a:stretch/>
-          </p:blipFill>
-          <p:spPr>
-            <a:xfrm>
-              <a:off x="7282740" y="1080389"/>
-              <a:ext cx="2440543" cy="609600"/>
             </a:xfrm>
             <a:prstGeom prst="rect">
               <a:avLst/>
@@ -10461,7 +9614,7 @@
             <p:nvPr/>
           </p:nvPicPr>
           <p:blipFill>
-            <a:blip r:embed="rId26"/>
+            <a:blip r:embed="rId23"/>
             <a:stretch>
               <a:fillRect/>
             </a:stretch>
@@ -10608,10 +9761,1174 @@
           </a:p>
         </p:txBody>
       </p:sp>
+      <p:grpSp>
+        <p:nvGrpSpPr>
+          <p:cNvPr id="61" name="Group 60">
+            <a:extLst>
+              <a:ext uri="{FF2B5EF4-FFF2-40B4-BE49-F238E27FC236}">
+                <a16:creationId xmlns:a16="http://schemas.microsoft.com/office/drawing/2014/main" id="{E7C1B390-9F62-808C-03D2-0A0465471952}"/>
+              </a:ext>
+            </a:extLst>
+          </p:cNvPr>
+          <p:cNvGrpSpPr/>
+          <p:nvPr/>
+        </p:nvGrpSpPr>
+        <p:grpSpPr>
+          <a:xfrm>
+            <a:off x="6032305" y="106988"/>
+            <a:ext cx="3827595" cy="1340877"/>
+            <a:chOff x="6032305" y="106988"/>
+            <a:chExt cx="3827595" cy="1340877"/>
+          </a:xfrm>
+        </p:grpSpPr>
+        <p:grpSp>
+          <p:nvGrpSpPr>
+            <p:cNvPr id="52" name="Group 51">
+              <a:extLst>
+                <a:ext uri="{FF2B5EF4-FFF2-40B4-BE49-F238E27FC236}">
+                  <a16:creationId xmlns:a16="http://schemas.microsoft.com/office/drawing/2014/main" id="{E9B4C809-59E1-94B1-70FC-A7BD18498B77}"/>
+                </a:ext>
+              </a:extLst>
+            </p:cNvPr>
+            <p:cNvGrpSpPr/>
+            <p:nvPr/>
+          </p:nvGrpSpPr>
+          <p:grpSpPr>
+            <a:xfrm>
+              <a:off x="6032305" y="106988"/>
+              <a:ext cx="2928286" cy="296010"/>
+              <a:chOff x="4005637" y="290334"/>
+              <a:chExt cx="2928286" cy="296010"/>
+            </a:xfrm>
+          </p:grpSpPr>
+          <p:sp>
+            <p:nvSpPr>
+              <p:cNvPr id="53" name="TextBox 52">
+                <a:extLst>
+                  <a:ext uri="{FF2B5EF4-FFF2-40B4-BE49-F238E27FC236}">
+                    <a16:creationId xmlns:a16="http://schemas.microsoft.com/office/drawing/2014/main" id="{C6AEA9D8-9B57-D974-2E37-A5FD06ECDEC2}"/>
+                  </a:ext>
+                </a:extLst>
+              </p:cNvPr>
+              <p:cNvSpPr txBox="1"/>
+              <p:nvPr/>
+            </p:nvSpPr>
+            <p:spPr>
+              <a:xfrm>
+                <a:off x="5468044" y="324734"/>
+                <a:ext cx="1465879" cy="261610"/>
+              </a:xfrm>
+              <a:prstGeom prst="rect">
+                <a:avLst/>
+              </a:prstGeom>
+              <a:noFill/>
+            </p:spPr>
+            <p:txBody>
+              <a:bodyPr wrap="square">
+                <a:spAutoFit/>
+              </a:bodyPr>
+              <a:lstStyle/>
+              <a:p>
+                <a:r>
+                  <a:rPr lang="LID4096" sz="1100" b="1" dirty="0">
+                    <a:solidFill>
+                      <a:srgbClr val="FF0000"/>
+                    </a:solidFill>
+                  </a:rPr>
+                  <a:t>FREYBERG</a:t>
+                </a:r>
+                <a:r>
+                  <a:rPr lang="pt-BR" sz="1100" b="1" dirty="0">
+                    <a:solidFill>
+                      <a:srgbClr val="FF0000"/>
+                    </a:solidFill>
+                  </a:rPr>
+                  <a:t> _original</a:t>
+                </a:r>
+                <a:endParaRPr lang="LID4096" sz="1100" b="1" dirty="0">
+                  <a:solidFill>
+                    <a:srgbClr val="FF0000"/>
+                  </a:solidFill>
+                </a:endParaRPr>
+              </a:p>
+            </p:txBody>
+          </p:sp>
+          <p:pic>
+            <p:nvPicPr>
+              <p:cNvPr id="54" name="Picture 53">
+                <a:extLst>
+                  <a:ext uri="{FF2B5EF4-FFF2-40B4-BE49-F238E27FC236}">
+                    <a16:creationId xmlns:a16="http://schemas.microsoft.com/office/drawing/2014/main" id="{D690D612-B239-F99E-F721-14D5DF54BCC6}"/>
+                  </a:ext>
+                </a:extLst>
+              </p:cNvPr>
+              <p:cNvPicPr>
+                <a:picLocks noChangeAspect="1"/>
+              </p:cNvPicPr>
+              <p:nvPr/>
+            </p:nvPicPr>
+            <p:blipFill>
+              <a:blip r:embed="rId8"/>
+              <a:srcRect t="58454" r="57025" b="21387"/>
+              <a:stretch/>
+            </p:blipFill>
+            <p:spPr>
+              <a:xfrm>
+                <a:off x="4420998" y="309488"/>
+                <a:ext cx="867792" cy="207373"/>
+              </a:xfrm>
+              <a:prstGeom prst="rect">
+                <a:avLst/>
+              </a:prstGeom>
+            </p:spPr>
+          </p:pic>
+          <p:sp>
+            <p:nvSpPr>
+              <p:cNvPr id="55" name="TextBox 54">
+                <a:extLst>
+                  <a:ext uri="{FF2B5EF4-FFF2-40B4-BE49-F238E27FC236}">
+                    <a16:creationId xmlns:a16="http://schemas.microsoft.com/office/drawing/2014/main" id="{271AF85A-8C0C-4820-D489-AB0C1F8359FE}"/>
+                  </a:ext>
+                </a:extLst>
+              </p:cNvPr>
+              <p:cNvSpPr txBox="1">
+                <a:spLocks noChangeAspect="1"/>
+              </p:cNvSpPr>
+              <p:nvPr/>
+            </p:nvSpPr>
+            <p:spPr>
+              <a:xfrm>
+                <a:off x="4005637" y="290334"/>
+                <a:ext cx="322244" cy="273747"/>
+              </a:xfrm>
+              <a:prstGeom prst="rect">
+                <a:avLst/>
+              </a:prstGeom>
+              <a:solidFill>
+                <a:schemeClr val="accent6">
+                  <a:lumMod val="60000"/>
+                  <a:lumOff val="40000"/>
+                </a:schemeClr>
+              </a:solidFill>
+            </p:spPr>
+            <p:txBody>
+              <a:bodyPr wrap="none" lIns="0" tIns="0" rIns="0" bIns="0" anchor="ctr" anchorCtr="0">
+                <a:noAutofit/>
+              </a:bodyPr>
+              <a:lstStyle/>
+              <a:p>
+                <a:pPr algn="ctr"/>
+                <a:r>
+                  <a:rPr lang="pt-BR" sz="1500" b="1" dirty="0"/>
+                  <a:t>03</a:t>
+                </a:r>
+                <a:endParaRPr lang="LID4096" sz="1500" b="1" dirty="0"/>
+              </a:p>
+            </p:txBody>
+          </p:sp>
+          <p:sp>
+            <p:nvSpPr>
+              <p:cNvPr id="56" name="Rectangle 55">
+                <a:extLst>
+                  <a:ext uri="{FF2B5EF4-FFF2-40B4-BE49-F238E27FC236}">
+                    <a16:creationId xmlns:a16="http://schemas.microsoft.com/office/drawing/2014/main" id="{610415F6-7BAA-DFC0-B17F-5BF7D8936B74}"/>
+                  </a:ext>
+                </a:extLst>
+              </p:cNvPr>
+              <p:cNvSpPr/>
+              <p:nvPr/>
+            </p:nvSpPr>
+            <p:spPr>
+              <a:xfrm>
+                <a:off x="4434098" y="290334"/>
+                <a:ext cx="942484" cy="232193"/>
+              </a:xfrm>
+              <a:prstGeom prst="rect">
+                <a:avLst/>
+              </a:prstGeom>
+              <a:noFill/>
+              <a:ln w="6350">
+                <a:solidFill>
+                  <a:srgbClr val="0000FF"/>
+                </a:solidFill>
+              </a:ln>
+              <a:effectLst>
+                <a:outerShdw blurRad="50800" dist="38100" dir="8100000" algn="tr" rotWithShape="0">
+                  <a:prstClr val="black">
+                    <a:alpha val="40000"/>
+                  </a:prstClr>
+                </a:outerShdw>
+              </a:effectLst>
+            </p:spPr>
+            <p:txBody>
+              <a:bodyPr wrap="none" anchor="ctr" anchorCtr="0">
+                <a:noAutofit/>
+              </a:bodyPr>
+              <a:lstStyle/>
+              <a:p>
+                <a:endParaRPr lang="LID4096" dirty="0"/>
+              </a:p>
+            </p:txBody>
+          </p:sp>
+        </p:grpSp>
+        <p:pic>
+          <p:nvPicPr>
+            <p:cNvPr id="57" name="Picture 56">
+              <a:extLst>
+                <a:ext uri="{FF2B5EF4-FFF2-40B4-BE49-F238E27FC236}">
+                  <a16:creationId xmlns:a16="http://schemas.microsoft.com/office/drawing/2014/main" id="{FB4D3804-31BF-8E61-BCB1-212AB2CD68C8}"/>
+                </a:ext>
+              </a:extLst>
+            </p:cNvPr>
+            <p:cNvPicPr>
+              <a:picLocks noChangeAspect="1"/>
+            </p:cNvPicPr>
+            <p:nvPr/>
+          </p:nvPicPr>
+          <p:blipFill>
+            <a:blip r:embed="rId24"/>
+            <a:srcRect b="91757"/>
+            <a:stretch/>
+          </p:blipFill>
+          <p:spPr>
+            <a:xfrm>
+              <a:off x="6587038" y="383729"/>
+              <a:ext cx="2638425" cy="217488"/>
+            </a:xfrm>
+            <a:prstGeom prst="rect">
+              <a:avLst/>
+            </a:prstGeom>
+          </p:spPr>
+        </p:pic>
+        <p:pic>
+          <p:nvPicPr>
+            <p:cNvPr id="58" name="Picture 57">
+              <a:extLst>
+                <a:ext uri="{FF2B5EF4-FFF2-40B4-BE49-F238E27FC236}">
+                  <a16:creationId xmlns:a16="http://schemas.microsoft.com/office/drawing/2014/main" id="{E9551E61-298B-2842-06CC-4643F2ACFA71}"/>
+                </a:ext>
+              </a:extLst>
+            </p:cNvPr>
+            <p:cNvPicPr>
+              <a:picLocks noChangeAspect="1"/>
+            </p:cNvPicPr>
+            <p:nvPr/>
+          </p:nvPicPr>
+          <p:blipFill>
+            <a:blip r:embed="rId25"/>
+            <a:stretch>
+              <a:fillRect/>
+            </a:stretch>
+          </p:blipFill>
+          <p:spPr>
+            <a:xfrm>
+              <a:off x="6669025" y="607732"/>
+              <a:ext cx="3190875" cy="428625"/>
+            </a:xfrm>
+            <a:prstGeom prst="rect">
+              <a:avLst/>
+            </a:prstGeom>
+          </p:spPr>
+        </p:pic>
+        <p:pic>
+          <p:nvPicPr>
+            <p:cNvPr id="59" name="Picture 58">
+              <a:extLst>
+                <a:ext uri="{FF2B5EF4-FFF2-40B4-BE49-F238E27FC236}">
+                  <a16:creationId xmlns:a16="http://schemas.microsoft.com/office/drawing/2014/main" id="{51CBDF88-5B83-01AC-1540-F6E194222EF4}"/>
+                </a:ext>
+              </a:extLst>
+            </p:cNvPr>
+            <p:cNvPicPr>
+              <a:picLocks noChangeAspect="1"/>
+            </p:cNvPicPr>
+            <p:nvPr/>
+          </p:nvPicPr>
+          <p:blipFill>
+            <a:blip r:embed="rId26"/>
+            <a:srcRect b="48960"/>
+            <a:stretch/>
+          </p:blipFill>
+          <p:spPr>
+            <a:xfrm>
+              <a:off x="6791917" y="1047823"/>
+              <a:ext cx="2143125" cy="170151"/>
+            </a:xfrm>
+            <a:prstGeom prst="rect">
+              <a:avLst/>
+            </a:prstGeom>
+          </p:spPr>
+        </p:pic>
+        <p:pic>
+          <p:nvPicPr>
+            <p:cNvPr id="60" name="Picture 59">
+              <a:extLst>
+                <a:ext uri="{FF2B5EF4-FFF2-40B4-BE49-F238E27FC236}">
+                  <a16:creationId xmlns:a16="http://schemas.microsoft.com/office/drawing/2014/main" id="{5CB1B161-D6FD-0D5B-7F6D-6020ADCF132B}"/>
+                </a:ext>
+              </a:extLst>
+            </p:cNvPr>
+            <p:cNvPicPr>
+              <a:picLocks noChangeAspect="1"/>
+            </p:cNvPicPr>
+            <p:nvPr/>
+          </p:nvPicPr>
+          <p:blipFill>
+            <a:blip r:embed="rId27"/>
+            <a:stretch>
+              <a:fillRect/>
+            </a:stretch>
+          </p:blipFill>
+          <p:spPr>
+            <a:xfrm>
+              <a:off x="6782581" y="1238315"/>
+              <a:ext cx="1200150" cy="209550"/>
+            </a:xfrm>
+            <a:prstGeom prst="rect">
+              <a:avLst/>
+            </a:prstGeom>
+          </p:spPr>
+        </p:pic>
+      </p:grpSp>
     </p:spTree>
     <p:extLst>
       <p:ext uri="{BB962C8B-B14F-4D97-AF65-F5344CB8AC3E}">
         <p14:creationId xmlns:p14="http://schemas.microsoft.com/office/powerpoint/2010/main" val="139564977"/>
+      </p:ext>
+    </p:extLst>
+  </p:cSld>
+  <p:clrMapOvr>
+    <a:masterClrMapping/>
+  </p:clrMapOvr>
+</p:sld>
+</file>
+
+<file path=ppt/slides/slide3.xml><?xml version="1.0" encoding="utf-8"?>
+<p:sld xmlns:a="http://schemas.openxmlformats.org/drawingml/2006/main" xmlns:r="http://schemas.openxmlformats.org/officeDocument/2006/relationships" xmlns:p="http://schemas.openxmlformats.org/presentationml/2006/main">
+  <p:cSld>
+    <p:bg>
+      <p:bgPr>
+        <a:solidFill>
+          <a:srgbClr val="F3FCFF"/>
+        </a:solidFill>
+        <a:effectLst/>
+      </p:bgPr>
+    </p:bg>
+    <p:spTree>
+      <p:nvGrpSpPr>
+        <p:cNvPr id="1" name=""/>
+        <p:cNvGrpSpPr/>
+        <p:nvPr/>
+      </p:nvGrpSpPr>
+      <p:grpSpPr>
+        <a:xfrm>
+          <a:off x="0" y="0"/>
+          <a:ext cx="0" cy="0"/>
+          <a:chOff x="0" y="0"/>
+          <a:chExt cx="0" cy="0"/>
+        </a:xfrm>
+      </p:grpSpPr>
+      <p:pic>
+        <p:nvPicPr>
+          <p:cNvPr id="7" name="Picture 6">
+            <a:extLst>
+              <a:ext uri="{FF2B5EF4-FFF2-40B4-BE49-F238E27FC236}">
+                <a16:creationId xmlns:a16="http://schemas.microsoft.com/office/drawing/2014/main" id="{2238DDAC-43EC-8AEE-220D-E1F6A95727E2}"/>
+              </a:ext>
+            </a:extLst>
+          </p:cNvPr>
+          <p:cNvPicPr>
+            <a:picLocks noChangeAspect="1"/>
+          </p:cNvPicPr>
+          <p:nvPr/>
+        </p:nvPicPr>
+        <p:blipFill>
+          <a:blip r:embed="rId2"/>
+          <a:stretch>
+            <a:fillRect/>
+          </a:stretch>
+        </p:blipFill>
+        <p:spPr>
+          <a:xfrm>
+            <a:off x="257486" y="271418"/>
+            <a:ext cx="6600825" cy="247650"/>
+          </a:xfrm>
+          <a:prstGeom prst="rect">
+            <a:avLst/>
+          </a:prstGeom>
+          <a:noFill/>
+          <a:ln w="3175">
+            <a:solidFill>
+              <a:schemeClr val="tx1"/>
+            </a:solidFill>
+          </a:ln>
+          <a:effectLst>
+            <a:outerShdw blurRad="50800" dist="38100" dir="8100000" algn="tr" rotWithShape="0">
+              <a:prstClr val="black">
+                <a:alpha val="40000"/>
+              </a:prstClr>
+            </a:outerShdw>
+          </a:effectLst>
+        </p:spPr>
+      </p:pic>
+      <p:grpSp>
+        <p:nvGrpSpPr>
+          <p:cNvPr id="24" name="Group 23">
+            <a:extLst>
+              <a:ext uri="{FF2B5EF4-FFF2-40B4-BE49-F238E27FC236}">
+                <a16:creationId xmlns:a16="http://schemas.microsoft.com/office/drawing/2014/main" id="{58701FFC-9B5A-B1D0-2688-EAA5342CAD14}"/>
+              </a:ext>
+            </a:extLst>
+          </p:cNvPr>
+          <p:cNvGrpSpPr/>
+          <p:nvPr/>
+        </p:nvGrpSpPr>
+        <p:grpSpPr>
+          <a:xfrm>
+            <a:off x="274418" y="2264890"/>
+            <a:ext cx="6191250" cy="1543050"/>
+            <a:chOff x="5743264" y="1292553"/>
+            <a:chExt cx="6191250" cy="1543050"/>
+          </a:xfrm>
+        </p:grpSpPr>
+        <p:pic>
+          <p:nvPicPr>
+            <p:cNvPr id="17" name="Picture 16">
+              <a:extLst>
+                <a:ext uri="{FF2B5EF4-FFF2-40B4-BE49-F238E27FC236}">
+                  <a16:creationId xmlns:a16="http://schemas.microsoft.com/office/drawing/2014/main" id="{DE7475D6-F17B-D5B1-BE8D-E90F8433F4FB}"/>
+                </a:ext>
+              </a:extLst>
+            </p:cNvPr>
+            <p:cNvPicPr>
+              <a:picLocks noChangeAspect="1"/>
+            </p:cNvPicPr>
+            <p:nvPr/>
+          </p:nvPicPr>
+          <p:blipFill>
+            <a:blip r:embed="rId3"/>
+            <a:srcRect t="19802"/>
+            <a:stretch/>
+          </p:blipFill>
+          <p:spPr>
+            <a:xfrm>
+              <a:off x="5743264" y="1292553"/>
+              <a:ext cx="6191250" cy="1543050"/>
+            </a:xfrm>
+            <a:prstGeom prst="rect">
+              <a:avLst/>
+            </a:prstGeom>
+          </p:spPr>
+        </p:pic>
+        <p:pic>
+          <p:nvPicPr>
+            <p:cNvPr id="22" name="Picture 21">
+              <a:extLst>
+                <a:ext uri="{FF2B5EF4-FFF2-40B4-BE49-F238E27FC236}">
+                  <a16:creationId xmlns:a16="http://schemas.microsoft.com/office/drawing/2014/main" id="{AD1BA22F-D52B-9F56-5710-8CEEBE27B98A}"/>
+                </a:ext>
+              </a:extLst>
+            </p:cNvPr>
+            <p:cNvPicPr>
+              <a:picLocks noChangeAspect="1"/>
+            </p:cNvPicPr>
+            <p:nvPr/>
+          </p:nvPicPr>
+          <p:blipFill>
+            <a:blip r:embed="rId4"/>
+            <a:stretch>
+              <a:fillRect/>
+            </a:stretch>
+          </p:blipFill>
+          <p:spPr>
+            <a:xfrm>
+              <a:off x="8006600" y="2124156"/>
+              <a:ext cx="3676650" cy="571500"/>
+            </a:xfrm>
+            <a:prstGeom prst="rect">
+              <a:avLst/>
+            </a:prstGeom>
+            <a:noFill/>
+            <a:ln w="3175">
+              <a:solidFill>
+                <a:schemeClr val="tx1"/>
+              </a:solidFill>
+            </a:ln>
+            <a:effectLst>
+              <a:outerShdw blurRad="50800" dist="38100" dir="8100000" algn="tr" rotWithShape="0">
+                <a:prstClr val="black">
+                  <a:alpha val="40000"/>
+                </a:prstClr>
+              </a:outerShdw>
+            </a:effectLst>
+          </p:spPr>
+        </p:pic>
+      </p:grpSp>
+      <p:grpSp>
+        <p:nvGrpSpPr>
+          <p:cNvPr id="27" name="Group 26">
+            <a:extLst>
+              <a:ext uri="{FF2B5EF4-FFF2-40B4-BE49-F238E27FC236}">
+                <a16:creationId xmlns:a16="http://schemas.microsoft.com/office/drawing/2014/main" id="{E284BB19-3C1D-8931-FD8D-EE31ADB1E977}"/>
+              </a:ext>
+            </a:extLst>
+          </p:cNvPr>
+          <p:cNvGrpSpPr/>
+          <p:nvPr/>
+        </p:nvGrpSpPr>
+        <p:grpSpPr>
+          <a:xfrm>
+            <a:off x="282175" y="3897240"/>
+            <a:ext cx="4791075" cy="1733550"/>
+            <a:chOff x="5505406" y="3762859"/>
+            <a:chExt cx="4791075" cy="1733550"/>
+          </a:xfrm>
+        </p:grpSpPr>
+        <p:pic>
+          <p:nvPicPr>
+            <p:cNvPr id="25" name="Picture 24">
+              <a:extLst>
+                <a:ext uri="{FF2B5EF4-FFF2-40B4-BE49-F238E27FC236}">
+                  <a16:creationId xmlns:a16="http://schemas.microsoft.com/office/drawing/2014/main" id="{5FA86D58-C684-C8CD-453F-FB31D8515989}"/>
+                </a:ext>
+              </a:extLst>
+            </p:cNvPr>
+            <p:cNvPicPr>
+              <a:picLocks noChangeAspect="1"/>
+            </p:cNvPicPr>
+            <p:nvPr/>
+          </p:nvPicPr>
+          <p:blipFill>
+            <a:blip r:embed="rId5"/>
+            <a:stretch>
+              <a:fillRect/>
+            </a:stretch>
+          </p:blipFill>
+          <p:spPr>
+            <a:xfrm>
+              <a:off x="5505406" y="3762859"/>
+              <a:ext cx="4791075" cy="1733550"/>
+            </a:xfrm>
+            <a:prstGeom prst="rect">
+              <a:avLst/>
+            </a:prstGeom>
+          </p:spPr>
+        </p:pic>
+        <p:pic>
+          <p:nvPicPr>
+            <p:cNvPr id="26" name="Picture 25">
+              <a:extLst>
+                <a:ext uri="{FF2B5EF4-FFF2-40B4-BE49-F238E27FC236}">
+                  <a16:creationId xmlns:a16="http://schemas.microsoft.com/office/drawing/2014/main" id="{AECB0CD2-0D1B-F09B-8767-CA7EFA8FAA28}"/>
+                </a:ext>
+              </a:extLst>
+            </p:cNvPr>
+            <p:cNvPicPr>
+              <a:picLocks noChangeAspect="1"/>
+            </p:cNvPicPr>
+            <p:nvPr/>
+          </p:nvPicPr>
+          <p:blipFill>
+            <a:blip r:embed="rId6"/>
+            <a:stretch>
+              <a:fillRect/>
+            </a:stretch>
+          </p:blipFill>
+          <p:spPr>
+            <a:xfrm>
+              <a:off x="7029139" y="4510571"/>
+              <a:ext cx="3067050" cy="238125"/>
+            </a:xfrm>
+            <a:prstGeom prst="rect">
+              <a:avLst/>
+            </a:prstGeom>
+            <a:noFill/>
+            <a:ln w="3175">
+              <a:solidFill>
+                <a:schemeClr val="tx1"/>
+              </a:solidFill>
+            </a:ln>
+            <a:effectLst>
+              <a:outerShdw blurRad="50800" dist="38100" dir="8100000" algn="tr" rotWithShape="0">
+                <a:prstClr val="black">
+                  <a:alpha val="40000"/>
+                </a:prstClr>
+              </a:outerShdw>
+            </a:effectLst>
+          </p:spPr>
+        </p:pic>
+      </p:grpSp>
+      <p:grpSp>
+        <p:nvGrpSpPr>
+          <p:cNvPr id="30" name="Group 29">
+            <a:extLst>
+              <a:ext uri="{FF2B5EF4-FFF2-40B4-BE49-F238E27FC236}">
+                <a16:creationId xmlns:a16="http://schemas.microsoft.com/office/drawing/2014/main" id="{63A97240-CBA6-9582-5028-48480670A27A}"/>
+              </a:ext>
+            </a:extLst>
+          </p:cNvPr>
+          <p:cNvGrpSpPr/>
+          <p:nvPr/>
+        </p:nvGrpSpPr>
+        <p:grpSpPr>
+          <a:xfrm>
+            <a:off x="6381439" y="395243"/>
+            <a:ext cx="5553075" cy="1400343"/>
+            <a:chOff x="6381439" y="395243"/>
+            <a:chExt cx="5553075" cy="1400343"/>
+          </a:xfrm>
+        </p:grpSpPr>
+        <p:pic>
+          <p:nvPicPr>
+            <p:cNvPr id="13" name="Picture 12">
+              <a:extLst>
+                <a:ext uri="{FF2B5EF4-FFF2-40B4-BE49-F238E27FC236}">
+                  <a16:creationId xmlns:a16="http://schemas.microsoft.com/office/drawing/2014/main" id="{AE606439-CAF1-EB7E-CD18-98CBB1E83F6C}"/>
+                </a:ext>
+              </a:extLst>
+            </p:cNvPr>
+            <p:cNvPicPr>
+              <a:picLocks noChangeAspect="1"/>
+            </p:cNvPicPr>
+            <p:nvPr/>
+          </p:nvPicPr>
+          <p:blipFill>
+            <a:blip r:embed="rId7"/>
+            <a:stretch>
+              <a:fillRect/>
+            </a:stretch>
+          </p:blipFill>
+          <p:spPr>
+            <a:xfrm>
+              <a:off x="8095237" y="395243"/>
+              <a:ext cx="3752850" cy="609600"/>
+            </a:xfrm>
+            <a:prstGeom prst="rect">
+              <a:avLst/>
+            </a:prstGeom>
+            <a:noFill/>
+            <a:ln w="3175">
+              <a:solidFill>
+                <a:schemeClr val="tx1"/>
+              </a:solidFill>
+            </a:ln>
+            <a:effectLst>
+              <a:outerShdw blurRad="50800" dist="38100" dir="8100000" algn="tr" rotWithShape="0">
+                <a:prstClr val="black">
+                  <a:alpha val="40000"/>
+                </a:prstClr>
+              </a:outerShdw>
+            </a:effectLst>
+          </p:spPr>
+        </p:pic>
+        <p:pic>
+          <p:nvPicPr>
+            <p:cNvPr id="28" name="Picture 27">
+              <a:extLst>
+                <a:ext uri="{FF2B5EF4-FFF2-40B4-BE49-F238E27FC236}">
+                  <a16:creationId xmlns:a16="http://schemas.microsoft.com/office/drawing/2014/main" id="{3DDA4D67-5FC2-303F-CC7F-F8ECD8C201D1}"/>
+                </a:ext>
+              </a:extLst>
+            </p:cNvPr>
+            <p:cNvPicPr>
+              <a:picLocks noChangeAspect="1"/>
+            </p:cNvPicPr>
+            <p:nvPr/>
+          </p:nvPicPr>
+          <p:blipFill>
+            <a:blip r:embed="rId8"/>
+            <a:stretch>
+              <a:fillRect/>
+            </a:stretch>
+          </p:blipFill>
+          <p:spPr>
+            <a:xfrm>
+              <a:off x="6381439" y="1014536"/>
+              <a:ext cx="5553075" cy="781050"/>
+            </a:xfrm>
+            <a:prstGeom prst="rect">
+              <a:avLst/>
+            </a:prstGeom>
+          </p:spPr>
+        </p:pic>
+      </p:grpSp>
+      <p:pic>
+        <p:nvPicPr>
+          <p:cNvPr id="33" name="Picture 32">
+            <a:extLst>
+              <a:ext uri="{FF2B5EF4-FFF2-40B4-BE49-F238E27FC236}">
+                <a16:creationId xmlns:a16="http://schemas.microsoft.com/office/drawing/2014/main" id="{3C59EF44-FA66-F163-333D-AA6BD11799ED}"/>
+              </a:ext>
+            </a:extLst>
+          </p:cNvPr>
+          <p:cNvPicPr>
+            <a:picLocks noChangeAspect="1"/>
+          </p:cNvPicPr>
+          <p:nvPr/>
+        </p:nvPicPr>
+        <p:blipFill>
+          <a:blip r:embed="rId9"/>
+          <a:stretch>
+            <a:fillRect/>
+          </a:stretch>
+        </p:blipFill>
+        <p:spPr>
+          <a:xfrm>
+            <a:off x="7095814" y="1805279"/>
+            <a:ext cx="4838700" cy="971550"/>
+          </a:xfrm>
+          <a:prstGeom prst="rect">
+            <a:avLst/>
+          </a:prstGeom>
+        </p:spPr>
+      </p:pic>
+      <p:pic>
+        <p:nvPicPr>
+          <p:cNvPr id="34" name="Picture 33">
+            <a:extLst>
+              <a:ext uri="{FF2B5EF4-FFF2-40B4-BE49-F238E27FC236}">
+                <a16:creationId xmlns:a16="http://schemas.microsoft.com/office/drawing/2014/main" id="{6F29F7AC-A877-C893-EE20-094BF184EE2B}"/>
+              </a:ext>
+            </a:extLst>
+          </p:cNvPr>
+          <p:cNvPicPr>
+            <a:picLocks noChangeAspect="1"/>
+          </p:cNvPicPr>
+          <p:nvPr/>
+        </p:nvPicPr>
+        <p:blipFill>
+          <a:blip r:embed="rId10"/>
+          <a:stretch>
+            <a:fillRect/>
+          </a:stretch>
+        </p:blipFill>
+        <p:spPr>
+          <a:xfrm>
+            <a:off x="274418" y="595193"/>
+            <a:ext cx="4724400" cy="1543050"/>
+          </a:xfrm>
+          <a:prstGeom prst="rect">
+            <a:avLst/>
+          </a:prstGeom>
+        </p:spPr>
+      </p:pic>
+      <p:sp>
+        <p:nvSpPr>
+          <p:cNvPr id="36" name="TextBox 35">
+            <a:extLst>
+              <a:ext uri="{FF2B5EF4-FFF2-40B4-BE49-F238E27FC236}">
+                <a16:creationId xmlns:a16="http://schemas.microsoft.com/office/drawing/2014/main" id="{9E26837E-C24D-2639-4C96-FD4AF4E286DF}"/>
+              </a:ext>
+            </a:extLst>
+          </p:cNvPr>
+          <p:cNvSpPr txBox="1">
+            <a:spLocks noChangeAspect="1"/>
+          </p:cNvSpPr>
+          <p:nvPr/>
+        </p:nvSpPr>
+        <p:spPr>
+          <a:xfrm>
+            <a:off x="4087062" y="1018443"/>
+            <a:ext cx="1245879" cy="1016851"/>
+          </a:xfrm>
+          <a:prstGeom prst="rect">
+            <a:avLst/>
+          </a:prstGeom>
+          <a:solidFill>
+            <a:schemeClr val="accent2">
+              <a:lumMod val="40000"/>
+              <a:lumOff val="60000"/>
+            </a:schemeClr>
+          </a:solidFill>
+        </p:spPr>
+        <p:txBody>
+          <a:bodyPr wrap="square" lIns="0" tIns="0" rIns="0" bIns="0" anchor="t" anchorCtr="0">
+            <a:noAutofit/>
+          </a:bodyPr>
+          <a:lstStyle/>
+          <a:p>
+            <a:r>
+              <a:rPr lang="pt-BR" sz="1500" b="1" dirty="0"/>
+              <a:t>  1   -   1, 201</a:t>
+            </a:r>
+          </a:p>
+          <a:p>
+            <a:r>
+              <a:rPr lang="pt-BR" sz="1500" b="1" dirty="0"/>
+              <a:t>          10,     1   </a:t>
+            </a:r>
+          </a:p>
+          <a:p>
+            <a:r>
+              <a:rPr lang="pt-BR" sz="1500" b="1" dirty="0"/>
+              <a:t>  20</a:t>
+            </a:r>
+          </a:p>
+          <a:p>
+            <a:r>
+              <a:rPr lang="pt-BR" sz="1500" b="1" dirty="0"/>
+              <a:t> -30</a:t>
+            </a:r>
+          </a:p>
+          <a:p>
+            <a:endParaRPr lang="pt-BR" sz="1500" b="1" dirty="0"/>
+          </a:p>
+          <a:p>
+            <a:endParaRPr lang="pt-BR" sz="1500" b="1" dirty="0"/>
+          </a:p>
+          <a:p>
+            <a:endParaRPr lang="LID4096" sz="1500" b="1" dirty="0"/>
+          </a:p>
+        </p:txBody>
+      </p:sp>
+      <p:grpSp>
+        <p:nvGrpSpPr>
+          <p:cNvPr id="44" name="Group 43">
+            <a:extLst>
+              <a:ext uri="{FF2B5EF4-FFF2-40B4-BE49-F238E27FC236}">
+                <a16:creationId xmlns:a16="http://schemas.microsoft.com/office/drawing/2014/main" id="{05314FF5-E4D6-CD32-C103-AD3B965FC210}"/>
+              </a:ext>
+            </a:extLst>
+          </p:cNvPr>
+          <p:cNvGrpSpPr>
+            <a:grpSpLocks noChangeAspect="1"/>
+          </p:cNvGrpSpPr>
+          <p:nvPr/>
+        </p:nvGrpSpPr>
+        <p:grpSpPr>
+          <a:xfrm>
+            <a:off x="4132124" y="5000227"/>
+            <a:ext cx="2830011" cy="1747608"/>
+            <a:chOff x="6742123" y="3639916"/>
+            <a:chExt cx="5211245" cy="3218084"/>
+          </a:xfrm>
+        </p:grpSpPr>
+        <p:pic>
+          <p:nvPicPr>
+            <p:cNvPr id="38" name="Picture 37">
+              <a:extLst>
+                <a:ext uri="{FF2B5EF4-FFF2-40B4-BE49-F238E27FC236}">
+                  <a16:creationId xmlns:a16="http://schemas.microsoft.com/office/drawing/2014/main" id="{4C2ADABC-2677-AB01-3C36-3F06947A6BFD}"/>
+                </a:ext>
+              </a:extLst>
+            </p:cNvPr>
+            <p:cNvPicPr>
+              <a:picLocks noChangeAspect="1"/>
+            </p:cNvPicPr>
+            <p:nvPr/>
+          </p:nvPicPr>
+          <p:blipFill>
+            <a:blip r:embed="rId11">
+              <a:extLst>
+                <a:ext uri="{28A0092B-C50C-407E-A947-70E740481C1C}">
+                  <a14:useLocalDpi xmlns:a14="http://schemas.microsoft.com/office/drawing/2010/main" val="0"/>
+                </a:ext>
+              </a:extLst>
+            </a:blip>
+            <a:stretch>
+              <a:fillRect/>
+            </a:stretch>
+          </p:blipFill>
+          <p:spPr>
+            <a:xfrm>
+              <a:off x="6742123" y="3639916"/>
+              <a:ext cx="4409967" cy="3218084"/>
+            </a:xfrm>
+            <a:prstGeom prst="rect">
+              <a:avLst/>
+            </a:prstGeom>
+          </p:spPr>
+        </p:pic>
+        <p:cxnSp>
+          <p:nvCxnSpPr>
+            <p:cNvPr id="40" name="Straight Connector 39">
+              <a:extLst>
+                <a:ext uri="{FF2B5EF4-FFF2-40B4-BE49-F238E27FC236}">
+                  <a16:creationId xmlns:a16="http://schemas.microsoft.com/office/drawing/2014/main" id="{D9AE1858-4309-B97E-BDCD-B0772D468D5B}"/>
+                </a:ext>
+              </a:extLst>
+            </p:cNvPr>
+            <p:cNvCxnSpPr>
+              <a:cxnSpLocks/>
+            </p:cNvCxnSpPr>
+            <p:nvPr/>
+          </p:nvCxnSpPr>
+          <p:spPr>
+            <a:xfrm>
+              <a:off x="7437749" y="4542666"/>
+              <a:ext cx="4515619" cy="0"/>
+            </a:xfrm>
+            <a:prstGeom prst="line">
+              <a:avLst/>
+            </a:prstGeom>
+            <a:ln w="19050">
+              <a:solidFill>
+                <a:schemeClr val="tx1"/>
+              </a:solidFill>
+              <a:prstDash val="dash"/>
+            </a:ln>
+          </p:spPr>
+          <p:style>
+            <a:lnRef idx="1">
+              <a:schemeClr val="accent1"/>
+            </a:lnRef>
+            <a:fillRef idx="0">
+              <a:schemeClr val="accent1"/>
+            </a:fillRef>
+            <a:effectRef idx="0">
+              <a:schemeClr val="accent1"/>
+            </a:effectRef>
+            <a:fontRef idx="minor">
+              <a:schemeClr val="tx1"/>
+            </a:fontRef>
+          </p:style>
+        </p:cxnSp>
+        <p:sp>
+          <p:nvSpPr>
+            <p:cNvPr id="42" name="TextBox 41">
+              <a:extLst>
+                <a:ext uri="{FF2B5EF4-FFF2-40B4-BE49-F238E27FC236}">
+                  <a16:creationId xmlns:a16="http://schemas.microsoft.com/office/drawing/2014/main" id="{849A8F2B-B499-803A-056C-34BAB164B984}"/>
+                </a:ext>
+              </a:extLst>
+            </p:cNvPr>
+            <p:cNvSpPr txBox="1"/>
+            <p:nvPr/>
+          </p:nvSpPr>
+          <p:spPr>
+            <a:xfrm>
+              <a:off x="7212818" y="4721725"/>
+              <a:ext cx="3174054" cy="532505"/>
+            </a:xfrm>
+            <a:prstGeom prst="rect">
+              <a:avLst/>
+            </a:prstGeom>
+            <a:noFill/>
+          </p:spPr>
+          <p:txBody>
+            <a:bodyPr wrap="square">
+              <a:spAutoFit/>
+            </a:bodyPr>
+            <a:lstStyle/>
+            <a:p>
+              <a:r>
+                <a:rPr lang="en-US" sz="1100" b="1" dirty="0"/>
+                <a:t>insert line ..</a:t>
+              </a:r>
+            </a:p>
+          </p:txBody>
+        </p:sp>
+      </p:grpSp>
+      <p:sp>
+        <p:nvSpPr>
+          <p:cNvPr id="3" name="TextBox 2">
+            <a:extLst>
+              <a:ext uri="{FF2B5EF4-FFF2-40B4-BE49-F238E27FC236}">
+                <a16:creationId xmlns:a16="http://schemas.microsoft.com/office/drawing/2014/main" id="{C2CDF533-C35F-4E0C-CADB-C35507E54222}"/>
+              </a:ext>
+            </a:extLst>
+          </p:cNvPr>
+          <p:cNvSpPr txBox="1">
+            <a:spLocks noChangeAspect="1"/>
+          </p:cNvSpPr>
+          <p:nvPr/>
+        </p:nvSpPr>
+        <p:spPr>
+          <a:xfrm>
+            <a:off x="116570" y="6175458"/>
+            <a:ext cx="3751893" cy="547998"/>
+          </a:xfrm>
+          <a:prstGeom prst="rect">
+            <a:avLst/>
+          </a:prstGeom>
+          <a:solidFill>
+            <a:schemeClr val="accent6">
+              <a:lumMod val="60000"/>
+              <a:lumOff val="40000"/>
+            </a:schemeClr>
+          </a:solidFill>
+        </p:spPr>
+        <p:txBody>
+          <a:bodyPr wrap="none" lIns="0" tIns="0" rIns="0" bIns="0" anchor="ctr" anchorCtr="0">
+            <a:noAutofit/>
+          </a:bodyPr>
+          <a:lstStyle/>
+          <a:p>
+            <a:pPr algn="ctr"/>
+            <a:r>
+              <a:rPr lang="pt-BR" sz="2000" b="1" dirty="0"/>
+              <a:t>03 pyEMU __ 01D &amp; Capture</a:t>
+            </a:r>
+            <a:endParaRPr lang="LID4096" sz="2000" b="1" dirty="0"/>
+          </a:p>
+        </p:txBody>
+      </p:sp>
+      <p:grpSp>
+        <p:nvGrpSpPr>
+          <p:cNvPr id="9" name="Group 8">
+            <a:extLst>
+              <a:ext uri="{FF2B5EF4-FFF2-40B4-BE49-F238E27FC236}">
+                <a16:creationId xmlns:a16="http://schemas.microsoft.com/office/drawing/2014/main" id="{7DA3B80A-A5BD-F3BA-B55B-65657840790B}"/>
+              </a:ext>
+            </a:extLst>
+          </p:cNvPr>
+          <p:cNvGrpSpPr>
+            <a:grpSpLocks noChangeAspect="1"/>
+          </p:cNvGrpSpPr>
+          <p:nvPr/>
+        </p:nvGrpSpPr>
+        <p:grpSpPr>
+          <a:xfrm>
+            <a:off x="3423170" y="2443566"/>
+            <a:ext cx="8470093" cy="2728932"/>
+            <a:chOff x="-4776816" y="-788029"/>
+            <a:chExt cx="12619287" cy="4065736"/>
+          </a:xfrm>
+        </p:grpSpPr>
+        <p:pic>
+          <p:nvPicPr>
+            <p:cNvPr id="4" name="Picture 3">
+              <a:extLst>
+                <a:ext uri="{FF2B5EF4-FFF2-40B4-BE49-F238E27FC236}">
+                  <a16:creationId xmlns:a16="http://schemas.microsoft.com/office/drawing/2014/main" id="{408A273C-9221-8C39-9741-7EC38DF8EAE8}"/>
+                </a:ext>
+              </a:extLst>
+            </p:cNvPr>
+            <p:cNvPicPr>
+              <a:picLocks noChangeAspect="1"/>
+            </p:cNvPicPr>
+            <p:nvPr/>
+          </p:nvPicPr>
+          <p:blipFill>
+            <a:blip r:embed="rId12"/>
+            <a:stretch>
+              <a:fillRect/>
+            </a:stretch>
+          </p:blipFill>
+          <p:spPr>
+            <a:xfrm>
+              <a:off x="240278" y="213821"/>
+              <a:ext cx="3636057" cy="3063884"/>
+            </a:xfrm>
+            <a:prstGeom prst="rect">
+              <a:avLst/>
+            </a:prstGeom>
+            <a:ln>
+              <a:solidFill>
+                <a:schemeClr val="tx1"/>
+              </a:solidFill>
+            </a:ln>
+          </p:spPr>
+        </p:pic>
+        <p:pic>
+          <p:nvPicPr>
+            <p:cNvPr id="5" name="Picture 4">
+              <a:extLst>
+                <a:ext uri="{FF2B5EF4-FFF2-40B4-BE49-F238E27FC236}">
+                  <a16:creationId xmlns:a16="http://schemas.microsoft.com/office/drawing/2014/main" id="{AD3649E2-CEBA-4BAE-5A23-EF8FBF2D8AA4}"/>
+                </a:ext>
+              </a:extLst>
+            </p:cNvPr>
+            <p:cNvPicPr>
+              <a:picLocks noChangeAspect="1"/>
+            </p:cNvPicPr>
+            <p:nvPr/>
+          </p:nvPicPr>
+          <p:blipFill>
+            <a:blip r:embed="rId13"/>
+            <a:srcRect r="36312"/>
+            <a:stretch/>
+          </p:blipFill>
+          <p:spPr>
+            <a:xfrm>
+              <a:off x="4206414" y="213821"/>
+              <a:ext cx="3636057" cy="3063886"/>
+            </a:xfrm>
+            <a:prstGeom prst="rect">
+              <a:avLst/>
+            </a:prstGeom>
+            <a:ln>
+              <a:solidFill>
+                <a:schemeClr val="tx1"/>
+              </a:solidFill>
+            </a:ln>
+          </p:spPr>
+        </p:pic>
+        <p:pic>
+          <p:nvPicPr>
+            <p:cNvPr id="6" name="Picture 5">
+              <a:extLst>
+                <a:ext uri="{FF2B5EF4-FFF2-40B4-BE49-F238E27FC236}">
+                  <a16:creationId xmlns:a16="http://schemas.microsoft.com/office/drawing/2014/main" id="{57C7AD07-C0A7-CAE1-A133-4E1B752CC946}"/>
+                </a:ext>
+              </a:extLst>
+            </p:cNvPr>
+            <p:cNvPicPr>
+              <a:picLocks noChangeAspect="1"/>
+            </p:cNvPicPr>
+            <p:nvPr/>
+          </p:nvPicPr>
+          <p:blipFill>
+            <a:blip r:embed="rId13"/>
+            <a:srcRect l="85777"/>
+            <a:stretch/>
+          </p:blipFill>
+          <p:spPr>
+            <a:xfrm>
+              <a:off x="5618443" y="213821"/>
+              <a:ext cx="811995" cy="3063886"/>
+            </a:xfrm>
+            <a:prstGeom prst="rect">
+              <a:avLst/>
+            </a:prstGeom>
+            <a:ln>
+              <a:solidFill>
+                <a:schemeClr val="tx1"/>
+              </a:solidFill>
+            </a:ln>
+          </p:spPr>
+        </p:pic>
+        <p:sp>
+          <p:nvSpPr>
+            <p:cNvPr id="8" name="TextBox 7">
+              <a:extLst>
+                <a:ext uri="{FF2B5EF4-FFF2-40B4-BE49-F238E27FC236}">
+                  <a16:creationId xmlns:a16="http://schemas.microsoft.com/office/drawing/2014/main" id="{72303FDE-0413-AF3A-9C8D-42A61DAACAF5}"/>
+                </a:ext>
+              </a:extLst>
+            </p:cNvPr>
+            <p:cNvSpPr txBox="1"/>
+            <p:nvPr/>
+          </p:nvSpPr>
+          <p:spPr>
+            <a:xfrm>
+              <a:off x="-4776816" y="-788029"/>
+              <a:ext cx="5834455" cy="596109"/>
+            </a:xfrm>
+            <a:prstGeom prst="rect">
+              <a:avLst/>
+            </a:prstGeom>
+            <a:noFill/>
+          </p:spPr>
+          <p:txBody>
+            <a:bodyPr wrap="square">
+              <a:spAutoFit/>
+            </a:bodyPr>
+            <a:lstStyle/>
+            <a:p>
+              <a:pPr algn="ctr"/>
+              <a:r>
+                <a:rPr lang="en-US" sz="2000" b="1" dirty="0"/>
+                <a:t>Flopy construction?</a:t>
+              </a:r>
+            </a:p>
+          </p:txBody>
+        </p:sp>
+      </p:grpSp>
+    </p:spTree>
+    <p:extLst>
+      <p:ext uri="{BB962C8B-B14F-4D97-AF65-F5344CB8AC3E}">
+        <p14:creationId xmlns:p14="http://schemas.microsoft.com/office/powerpoint/2010/main" val="3452270432"/>
       </p:ext>
     </p:extLst>
   </p:cSld>

--- a/01_Follow_up__activities.pptx
+++ b/01_Follow_up__activities.pptx
@@ -268,7 +268,7 @@
           <a:p>
             <a:fld id="{830943F9-8AC6-4393-AEEF-D45C2A43C7C7}" type="datetimeFigureOut">
               <a:rPr lang="LID4096" smtClean="0"/>
-              <a:t>01/17/2025</a:t>
+              <a:t>01/20/2025</a:t>
             </a:fld>
             <a:endParaRPr lang="LID4096"/>
           </a:p>
@@ -468,7 +468,7 @@
           <a:p>
             <a:fld id="{830943F9-8AC6-4393-AEEF-D45C2A43C7C7}" type="datetimeFigureOut">
               <a:rPr lang="LID4096" smtClean="0"/>
-              <a:t>01/17/2025</a:t>
+              <a:t>01/20/2025</a:t>
             </a:fld>
             <a:endParaRPr lang="LID4096"/>
           </a:p>
@@ -678,7 +678,7 @@
           <a:p>
             <a:fld id="{830943F9-8AC6-4393-AEEF-D45C2A43C7C7}" type="datetimeFigureOut">
               <a:rPr lang="LID4096" smtClean="0"/>
-              <a:t>01/17/2025</a:t>
+              <a:t>01/20/2025</a:t>
             </a:fld>
             <a:endParaRPr lang="LID4096"/>
           </a:p>
@@ -878,7 +878,7 @@
           <a:p>
             <a:fld id="{830943F9-8AC6-4393-AEEF-D45C2A43C7C7}" type="datetimeFigureOut">
               <a:rPr lang="LID4096" smtClean="0"/>
-              <a:t>01/17/2025</a:t>
+              <a:t>01/20/2025</a:t>
             </a:fld>
             <a:endParaRPr lang="LID4096"/>
           </a:p>
@@ -1154,7 +1154,7 @@
           <a:p>
             <a:fld id="{830943F9-8AC6-4393-AEEF-D45C2A43C7C7}" type="datetimeFigureOut">
               <a:rPr lang="LID4096" smtClean="0"/>
-              <a:t>01/17/2025</a:t>
+              <a:t>01/20/2025</a:t>
             </a:fld>
             <a:endParaRPr lang="LID4096"/>
           </a:p>
@@ -1422,7 +1422,7 @@
           <a:p>
             <a:fld id="{830943F9-8AC6-4393-AEEF-D45C2A43C7C7}" type="datetimeFigureOut">
               <a:rPr lang="LID4096" smtClean="0"/>
-              <a:t>01/17/2025</a:t>
+              <a:t>01/20/2025</a:t>
             </a:fld>
             <a:endParaRPr lang="LID4096"/>
           </a:p>
@@ -1837,7 +1837,7 @@
           <a:p>
             <a:fld id="{830943F9-8AC6-4393-AEEF-D45C2A43C7C7}" type="datetimeFigureOut">
               <a:rPr lang="LID4096" smtClean="0"/>
-              <a:t>01/17/2025</a:t>
+              <a:t>01/20/2025</a:t>
             </a:fld>
             <a:endParaRPr lang="LID4096"/>
           </a:p>
@@ -1979,7 +1979,7 @@
           <a:p>
             <a:fld id="{830943F9-8AC6-4393-AEEF-D45C2A43C7C7}" type="datetimeFigureOut">
               <a:rPr lang="LID4096" smtClean="0"/>
-              <a:t>01/17/2025</a:t>
+              <a:t>01/20/2025</a:t>
             </a:fld>
             <a:endParaRPr lang="LID4096"/>
           </a:p>
@@ -2092,7 +2092,7 @@
           <a:p>
             <a:fld id="{830943F9-8AC6-4393-AEEF-D45C2A43C7C7}" type="datetimeFigureOut">
               <a:rPr lang="LID4096" smtClean="0"/>
-              <a:t>01/17/2025</a:t>
+              <a:t>01/20/2025</a:t>
             </a:fld>
             <a:endParaRPr lang="LID4096"/>
           </a:p>
@@ -2405,7 +2405,7 @@
           <a:p>
             <a:fld id="{830943F9-8AC6-4393-AEEF-D45C2A43C7C7}" type="datetimeFigureOut">
               <a:rPr lang="LID4096" smtClean="0"/>
-              <a:t>01/17/2025</a:t>
+              <a:t>01/20/2025</a:t>
             </a:fld>
             <a:endParaRPr lang="LID4096"/>
           </a:p>
@@ -2694,7 +2694,7 @@
           <a:p>
             <a:fld id="{830943F9-8AC6-4393-AEEF-D45C2A43C7C7}" type="datetimeFigureOut">
               <a:rPr lang="LID4096" smtClean="0"/>
-              <a:t>01/17/2025</a:t>
+              <a:t>01/20/2025</a:t>
             </a:fld>
             <a:endParaRPr lang="LID4096"/>
           </a:p>
@@ -2937,7 +2937,7 @@
           <a:p>
             <a:fld id="{830943F9-8AC6-4393-AEEF-D45C2A43C7C7}" type="datetimeFigureOut">
               <a:rPr lang="LID4096" smtClean="0"/>
-              <a:t>01/17/2025</a:t>
+              <a:t>01/20/2025</a:t>
             </a:fld>
             <a:endParaRPr lang="LID4096"/>
           </a:p>
@@ -6319,8 +6319,8 @@
         </p:nvSpPr>
         <p:spPr>
           <a:xfrm>
-            <a:off x="7865982" y="2996583"/>
-            <a:ext cx="1091131" cy="707886"/>
+            <a:off x="7832513" y="3082790"/>
+            <a:ext cx="1091131" cy="276999"/>
           </a:xfrm>
           <a:prstGeom prst="rect">
             <a:avLst/>
@@ -6342,10 +6342,18 @@
           <a:p>
             <a:pPr algn="r"/>
             <a:r>
-              <a:rPr lang="en-US" sz="2000" dirty="0"/>
-              <a:t>At moment </a:t>
+              <a:rPr lang="en-US" sz="1200" dirty="0">
+                <a:solidFill>
+                  <a:srgbClr val="0000FF"/>
+                </a:solidFill>
+              </a:rPr>
+              <a:t>till GMS</a:t>
             </a:r>
-            <a:endParaRPr lang="LID4096" sz="2000" dirty="0"/>
+            <a:endParaRPr lang="LID4096" sz="1200" dirty="0">
+              <a:solidFill>
+                <a:srgbClr val="0000FF"/>
+              </a:solidFill>
+            </a:endParaRPr>
           </a:p>
         </p:txBody>
       </p:sp>

--- a/01_Follow_up__activities.pptx
+++ b/01_Follow_up__activities.pptx
@@ -5,14 +5,15 @@
     <p:sldMasterId id="2147483648" r:id="rId1"/>
   </p:sldMasterIdLst>
   <p:sldIdLst>
-    <p:sldId id="279" r:id="rId2"/>
-    <p:sldId id="274" r:id="rId3"/>
-    <p:sldId id="277" r:id="rId4"/>
-    <p:sldId id="278" r:id="rId5"/>
-    <p:sldId id="261" r:id="rId6"/>
-    <p:sldId id="280" r:id="rId7"/>
-    <p:sldId id="273" r:id="rId8"/>
-    <p:sldId id="281" r:id="rId9"/>
+    <p:sldId id="282" r:id="rId2"/>
+    <p:sldId id="279" r:id="rId3"/>
+    <p:sldId id="274" r:id="rId4"/>
+    <p:sldId id="277" r:id="rId5"/>
+    <p:sldId id="278" r:id="rId6"/>
+    <p:sldId id="261" r:id="rId7"/>
+    <p:sldId id="280" r:id="rId8"/>
+    <p:sldId id="273" r:id="rId9"/>
+    <p:sldId id="281" r:id="rId10"/>
   </p:sldIdLst>
   <p:sldSz cx="12192000" cy="6858000"/>
   <p:notesSz cx="6858000" cy="9144000"/>
@@ -268,7 +269,7 @@
           <a:p>
             <a:fld id="{830943F9-8AC6-4393-AEEF-D45C2A43C7C7}" type="datetimeFigureOut">
               <a:rPr lang="LID4096" smtClean="0"/>
-              <a:t>01/20/2025</a:t>
+              <a:t>01/21/2025</a:t>
             </a:fld>
             <a:endParaRPr lang="LID4096"/>
           </a:p>
@@ -468,7 +469,7 @@
           <a:p>
             <a:fld id="{830943F9-8AC6-4393-AEEF-D45C2A43C7C7}" type="datetimeFigureOut">
               <a:rPr lang="LID4096" smtClean="0"/>
-              <a:t>01/20/2025</a:t>
+              <a:t>01/21/2025</a:t>
             </a:fld>
             <a:endParaRPr lang="LID4096"/>
           </a:p>
@@ -678,7 +679,7 @@
           <a:p>
             <a:fld id="{830943F9-8AC6-4393-AEEF-D45C2A43C7C7}" type="datetimeFigureOut">
               <a:rPr lang="LID4096" smtClean="0"/>
-              <a:t>01/20/2025</a:t>
+              <a:t>01/21/2025</a:t>
             </a:fld>
             <a:endParaRPr lang="LID4096"/>
           </a:p>
@@ -878,7 +879,7 @@
           <a:p>
             <a:fld id="{830943F9-8AC6-4393-AEEF-D45C2A43C7C7}" type="datetimeFigureOut">
               <a:rPr lang="LID4096" smtClean="0"/>
-              <a:t>01/20/2025</a:t>
+              <a:t>01/21/2025</a:t>
             </a:fld>
             <a:endParaRPr lang="LID4096"/>
           </a:p>
@@ -1154,7 +1155,7 @@
           <a:p>
             <a:fld id="{830943F9-8AC6-4393-AEEF-D45C2A43C7C7}" type="datetimeFigureOut">
               <a:rPr lang="LID4096" smtClean="0"/>
-              <a:t>01/20/2025</a:t>
+              <a:t>01/21/2025</a:t>
             </a:fld>
             <a:endParaRPr lang="LID4096"/>
           </a:p>
@@ -1422,7 +1423,7 @@
           <a:p>
             <a:fld id="{830943F9-8AC6-4393-AEEF-D45C2A43C7C7}" type="datetimeFigureOut">
               <a:rPr lang="LID4096" smtClean="0"/>
-              <a:t>01/20/2025</a:t>
+              <a:t>01/21/2025</a:t>
             </a:fld>
             <a:endParaRPr lang="LID4096"/>
           </a:p>
@@ -1837,7 +1838,7 @@
           <a:p>
             <a:fld id="{830943F9-8AC6-4393-AEEF-D45C2A43C7C7}" type="datetimeFigureOut">
               <a:rPr lang="LID4096" smtClean="0"/>
-              <a:t>01/20/2025</a:t>
+              <a:t>01/21/2025</a:t>
             </a:fld>
             <a:endParaRPr lang="LID4096"/>
           </a:p>
@@ -1979,7 +1980,7 @@
           <a:p>
             <a:fld id="{830943F9-8AC6-4393-AEEF-D45C2A43C7C7}" type="datetimeFigureOut">
               <a:rPr lang="LID4096" smtClean="0"/>
-              <a:t>01/20/2025</a:t>
+              <a:t>01/21/2025</a:t>
             </a:fld>
             <a:endParaRPr lang="LID4096"/>
           </a:p>
@@ -2092,7 +2093,7 @@
           <a:p>
             <a:fld id="{830943F9-8AC6-4393-AEEF-D45C2A43C7C7}" type="datetimeFigureOut">
               <a:rPr lang="LID4096" smtClean="0"/>
-              <a:t>01/20/2025</a:t>
+              <a:t>01/21/2025</a:t>
             </a:fld>
             <a:endParaRPr lang="LID4096"/>
           </a:p>
@@ -2405,7 +2406,7 @@
           <a:p>
             <a:fld id="{830943F9-8AC6-4393-AEEF-D45C2A43C7C7}" type="datetimeFigureOut">
               <a:rPr lang="LID4096" smtClean="0"/>
-              <a:t>01/20/2025</a:t>
+              <a:t>01/21/2025</a:t>
             </a:fld>
             <a:endParaRPr lang="LID4096"/>
           </a:p>
@@ -2694,7 +2695,7 @@
           <a:p>
             <a:fld id="{830943F9-8AC6-4393-AEEF-D45C2A43C7C7}" type="datetimeFigureOut">
               <a:rPr lang="LID4096" smtClean="0"/>
-              <a:t>01/20/2025</a:t>
+              <a:t>01/21/2025</a:t>
             </a:fld>
             <a:endParaRPr lang="LID4096"/>
           </a:p>
@@ -2937,7 +2938,7 @@
           <a:p>
             <a:fld id="{830943F9-8AC6-4393-AEEF-D45C2A43C7C7}" type="datetimeFigureOut">
               <a:rPr lang="LID4096" smtClean="0"/>
-              <a:t>01/20/2025</a:t>
+              <a:t>01/21/2025</a:t>
             </a:fld>
             <a:endParaRPr lang="LID4096"/>
           </a:p>
@@ -3338,6 +3339,170 @@
 </file>
 
 <file path=ppt/slides/slide1.xml><?xml version="1.0" encoding="utf-8"?>
+<p:sld xmlns:a="http://schemas.openxmlformats.org/drawingml/2006/main" xmlns:r="http://schemas.openxmlformats.org/officeDocument/2006/relationships" xmlns:p="http://schemas.openxmlformats.org/presentationml/2006/main">
+  <p:cSld>
+    <p:spTree>
+      <p:nvGrpSpPr>
+        <p:cNvPr id="1" name=""/>
+        <p:cNvGrpSpPr/>
+        <p:nvPr/>
+      </p:nvGrpSpPr>
+      <p:grpSpPr>
+        <a:xfrm>
+          <a:off x="0" y="0"/>
+          <a:ext cx="0" cy="0"/>
+          <a:chOff x="0" y="0"/>
+          <a:chExt cx="0" cy="0"/>
+        </a:xfrm>
+      </p:grpSpPr>
+      <p:pic>
+        <p:nvPicPr>
+          <p:cNvPr id="6" name="Picture 5">
+            <a:extLst>
+              <a:ext uri="{FF2B5EF4-FFF2-40B4-BE49-F238E27FC236}">
+                <a16:creationId xmlns:a16="http://schemas.microsoft.com/office/drawing/2014/main" id="{5C96F5D8-F594-BA42-470C-6B41549E9C05}"/>
+              </a:ext>
+            </a:extLst>
+          </p:cNvPr>
+          <p:cNvPicPr>
+            <a:picLocks noChangeAspect="1"/>
+          </p:cNvPicPr>
+          <p:nvPr/>
+        </p:nvPicPr>
+        <p:blipFill>
+          <a:blip r:embed="rId2"/>
+          <a:stretch>
+            <a:fillRect/>
+          </a:stretch>
+        </p:blipFill>
+        <p:spPr>
+          <a:xfrm>
+            <a:off x="989710" y="622864"/>
+            <a:ext cx="2247900" cy="1390650"/>
+          </a:xfrm>
+          <a:prstGeom prst="rect">
+            <a:avLst/>
+          </a:prstGeom>
+        </p:spPr>
+      </p:pic>
+      <p:pic>
+        <p:nvPicPr>
+          <p:cNvPr id="8" name="Picture 7">
+            <a:extLst>
+              <a:ext uri="{FF2B5EF4-FFF2-40B4-BE49-F238E27FC236}">
+                <a16:creationId xmlns:a16="http://schemas.microsoft.com/office/drawing/2014/main" id="{27D10672-04DF-0E4C-C83A-917F8547D1D0}"/>
+              </a:ext>
+            </a:extLst>
+          </p:cNvPr>
+          <p:cNvPicPr>
+            <a:picLocks noChangeAspect="1"/>
+          </p:cNvPicPr>
+          <p:nvPr/>
+        </p:nvPicPr>
+        <p:blipFill>
+          <a:blip r:embed="rId3"/>
+          <a:stretch>
+            <a:fillRect/>
+          </a:stretch>
+        </p:blipFill>
+        <p:spPr>
+          <a:xfrm>
+            <a:off x="1517057" y="2214400"/>
+            <a:ext cx="1524000" cy="1047750"/>
+          </a:xfrm>
+          <a:prstGeom prst="rect">
+            <a:avLst/>
+          </a:prstGeom>
+        </p:spPr>
+      </p:pic>
+      <p:pic>
+        <p:nvPicPr>
+          <p:cNvPr id="10" name="Picture 9">
+            <a:extLst>
+              <a:ext uri="{FF2B5EF4-FFF2-40B4-BE49-F238E27FC236}">
+                <a16:creationId xmlns:a16="http://schemas.microsoft.com/office/drawing/2014/main" id="{AA40FEFD-1C19-1721-2701-19876E9AFF06}"/>
+              </a:ext>
+            </a:extLst>
+          </p:cNvPr>
+          <p:cNvPicPr>
+            <a:picLocks noChangeAspect="1"/>
+          </p:cNvPicPr>
+          <p:nvPr/>
+        </p:nvPicPr>
+        <p:blipFill>
+          <a:blip r:embed="rId4"/>
+          <a:stretch>
+            <a:fillRect/>
+          </a:stretch>
+        </p:blipFill>
+        <p:spPr>
+          <a:xfrm>
+            <a:off x="2279057" y="3255593"/>
+            <a:ext cx="1752600" cy="628650"/>
+          </a:xfrm>
+          <a:prstGeom prst="rect">
+            <a:avLst/>
+          </a:prstGeom>
+        </p:spPr>
+      </p:pic>
+      <p:sp>
+        <p:nvSpPr>
+          <p:cNvPr id="11" name="TextBox 10">
+            <a:extLst>
+              <a:ext uri="{FF2B5EF4-FFF2-40B4-BE49-F238E27FC236}">
+                <a16:creationId xmlns:a16="http://schemas.microsoft.com/office/drawing/2014/main" id="{20EC9BDC-90D1-A8F6-1350-A3AB66577D07}"/>
+              </a:ext>
+            </a:extLst>
+          </p:cNvPr>
+          <p:cNvSpPr txBox="1"/>
+          <p:nvPr/>
+        </p:nvSpPr>
+        <p:spPr>
+          <a:xfrm>
+            <a:off x="3041057" y="3705365"/>
+            <a:ext cx="1091131" cy="707886"/>
+          </a:xfrm>
+          <a:prstGeom prst="rect">
+            <a:avLst/>
+          </a:prstGeom>
+          <a:noFill/>
+        </p:spPr>
+        <p:txBody>
+          <a:bodyPr wrap="square">
+            <a:spAutoFit/>
+          </a:bodyPr>
+          <a:lstStyle>
+            <a:defPPr>
+              <a:defRPr lang="LID4096"/>
+            </a:defPPr>
+            <a:lvl1pPr>
+              <a:defRPr sz="1100" b="1"/>
+            </a:lvl1pPr>
+          </a:lstStyle>
+          <a:p>
+            <a:pPr algn="r"/>
+            <a:r>
+              <a:rPr lang="en-US" sz="2000" dirty="0"/>
+              <a:t>Algebra Linear</a:t>
+            </a:r>
+            <a:endParaRPr lang="LID4096" sz="2000" dirty="0"/>
+          </a:p>
+        </p:txBody>
+      </p:sp>
+    </p:spTree>
+    <p:extLst>
+      <p:ext uri="{BB962C8B-B14F-4D97-AF65-F5344CB8AC3E}">
+        <p14:creationId xmlns:p14="http://schemas.microsoft.com/office/powerpoint/2010/main" val="3718547452"/>
+      </p:ext>
+    </p:extLst>
+  </p:cSld>
+  <p:clrMapOvr>
+    <a:masterClrMapping/>
+  </p:clrMapOvr>
+</p:sld>
+</file>
+
+<file path=ppt/slides/slide2.xml><?xml version="1.0" encoding="utf-8"?>
 <p:sld xmlns:a="http://schemas.openxmlformats.org/drawingml/2006/main" xmlns:r="http://schemas.openxmlformats.org/officeDocument/2006/relationships" xmlns:p="http://schemas.openxmlformats.org/presentationml/2006/main">
   <p:cSld>
     <p:spTree>
@@ -6400,7 +6565,7 @@
 </p:sld>
 </file>
 
-<file path=ppt/slides/slide2.xml><?xml version="1.0" encoding="utf-8"?>
+<file path=ppt/slides/slide3.xml><?xml version="1.0" encoding="utf-8"?>
 <p:sld xmlns:a="http://schemas.openxmlformats.org/drawingml/2006/main" xmlns:r="http://schemas.openxmlformats.org/officeDocument/2006/relationships" xmlns:p="http://schemas.openxmlformats.org/presentationml/2006/main">
   <p:cSld>
     <p:spTree>
@@ -10111,7 +10276,7 @@
 </p:sld>
 </file>
 
-<file path=ppt/slides/slide3.xml><?xml version="1.0" encoding="utf-8"?>
+<file path=ppt/slides/slide4.xml><?xml version="1.0" encoding="utf-8"?>
 <p:sld xmlns:a="http://schemas.openxmlformats.org/drawingml/2006/main" xmlns:r="http://schemas.openxmlformats.org/officeDocument/2006/relationships" xmlns:p="http://schemas.openxmlformats.org/presentationml/2006/main">
   <p:cSld>
     <p:bg>
@@ -10946,7 +11111,7 @@
 </p:sld>
 </file>
 
-<file path=ppt/slides/slide4.xml><?xml version="1.0" encoding="utf-8"?>
+<file path=ppt/slides/slide5.xml><?xml version="1.0" encoding="utf-8"?>
 <p:sld xmlns:a="http://schemas.openxmlformats.org/drawingml/2006/main" xmlns:r="http://schemas.openxmlformats.org/officeDocument/2006/relationships" xmlns:p="http://schemas.openxmlformats.org/presentationml/2006/main">
   <p:cSld>
     <p:bg>
@@ -11984,7 +12149,7 @@
 </p:sld>
 </file>
 
-<file path=ppt/slides/slide5.xml><?xml version="1.0" encoding="utf-8"?>
+<file path=ppt/slides/slide6.xml><?xml version="1.0" encoding="utf-8"?>
 <p:sld xmlns:a="http://schemas.openxmlformats.org/drawingml/2006/main" xmlns:r="http://schemas.openxmlformats.org/officeDocument/2006/relationships" xmlns:p="http://schemas.openxmlformats.org/presentationml/2006/main">
   <p:cSld>
     <p:bg>
@@ -13617,7 +13782,7 @@
 </p:sld>
 </file>
 
-<file path=ppt/slides/slide6.xml><?xml version="1.0" encoding="utf-8"?>
+<file path=ppt/slides/slide7.xml><?xml version="1.0" encoding="utf-8"?>
 <p:sld xmlns:a="http://schemas.openxmlformats.org/drawingml/2006/main" xmlns:r="http://schemas.openxmlformats.org/officeDocument/2006/relationships" xmlns:p="http://schemas.openxmlformats.org/presentationml/2006/main">
   <p:cSld>
     <p:bg>
@@ -17087,7 +17252,7 @@
 </p:sld>
 </file>
 
-<file path=ppt/slides/slide7.xml><?xml version="1.0" encoding="utf-8"?>
+<file path=ppt/slides/slide8.xml><?xml version="1.0" encoding="utf-8"?>
 <p:sld xmlns:a="http://schemas.openxmlformats.org/drawingml/2006/main" xmlns:r="http://schemas.openxmlformats.org/officeDocument/2006/relationships" xmlns:p="http://schemas.openxmlformats.org/presentationml/2006/main">
   <p:cSld>
     <p:bg>
@@ -19833,7 +19998,7 @@
 </p:sld>
 </file>
 
-<file path=ppt/slides/slide8.xml><?xml version="1.0" encoding="utf-8"?>
+<file path=ppt/slides/slide9.xml><?xml version="1.0" encoding="utf-8"?>
 <p:sld xmlns:a="http://schemas.openxmlformats.org/drawingml/2006/main" xmlns:r="http://schemas.openxmlformats.org/officeDocument/2006/relationships" xmlns:p="http://schemas.openxmlformats.org/presentationml/2006/main">
   <p:cSld>
     <p:bg>

--- a/01_Follow_up__activities.pptx
+++ b/01_Follow_up__activities.pptx
@@ -3371,14 +3371,13 @@
         </p:nvPicPr>
         <p:blipFill>
           <a:blip r:embed="rId2"/>
-          <a:stretch>
-            <a:fillRect/>
-          </a:stretch>
+          <a:srcRect b="27848"/>
+          <a:stretch/>
         </p:blipFill>
         <p:spPr>
           <a:xfrm>
             <a:off x="989710" y="622864"/>
-            <a:ext cx="2247900" cy="1390650"/>
+            <a:ext cx="2247900" cy="1003383"/>
           </a:xfrm>
           <a:prstGeom prst="rect">
             <a:avLst/>
@@ -3407,7 +3406,7 @@
         </p:blipFill>
         <p:spPr>
           <a:xfrm>
-            <a:off x="1517057" y="2214400"/>
+            <a:off x="1160404" y="1658350"/>
             <a:ext cx="1524000" cy="1047750"/>
           </a:xfrm>
           <a:prstGeom prst="rect">
@@ -3437,7 +3436,7 @@
         </p:blipFill>
         <p:spPr>
           <a:xfrm>
-            <a:off x="2279057" y="3255593"/>
+            <a:off x="1507798" y="3534043"/>
             <a:ext cx="1752600" cy="628650"/>
           </a:xfrm>
           <a:prstGeom prst="rect">
@@ -3459,7 +3458,7 @@
         </p:nvSpPr>
         <p:spPr>
           <a:xfrm>
-            <a:off x="3041057" y="3705365"/>
+            <a:off x="2339409" y="3518651"/>
             <a:ext cx="1091131" cy="707886"/>
           </a:xfrm>
           <a:prstGeom prst="rect">
@@ -3489,6 +3488,93 @@
           </a:p>
         </p:txBody>
       </p:sp>
+      <p:pic>
+        <p:nvPicPr>
+          <p:cNvPr id="3" name="Picture 2">
+            <a:extLst>
+              <a:ext uri="{FF2B5EF4-FFF2-40B4-BE49-F238E27FC236}">
+                <a16:creationId xmlns:a16="http://schemas.microsoft.com/office/drawing/2014/main" id="{3D046A75-9BAD-82C6-1973-99603AA0DDBF}"/>
+              </a:ext>
+            </a:extLst>
+          </p:cNvPr>
+          <p:cNvPicPr>
+            <a:picLocks noChangeAspect="1"/>
+          </p:cNvPicPr>
+          <p:nvPr/>
+        </p:nvPicPr>
+        <p:blipFill>
+          <a:blip r:embed="rId5"/>
+          <a:srcRect b="55796"/>
+          <a:stretch/>
+        </p:blipFill>
+        <p:spPr>
+          <a:xfrm>
+            <a:off x="1239272" y="2914812"/>
+            <a:ext cx="2238375" cy="623147"/>
+          </a:xfrm>
+          <a:prstGeom prst="rect">
+            <a:avLst/>
+          </a:prstGeom>
+        </p:spPr>
+      </p:pic>
+      <p:pic>
+        <p:nvPicPr>
+          <p:cNvPr id="4" name="Picture 3">
+            <a:extLst>
+              <a:ext uri="{FF2B5EF4-FFF2-40B4-BE49-F238E27FC236}">
+                <a16:creationId xmlns:a16="http://schemas.microsoft.com/office/drawing/2014/main" id="{3B556A22-1305-24B8-6580-83F190ED8AF2}"/>
+              </a:ext>
+            </a:extLst>
+          </p:cNvPr>
+          <p:cNvPicPr>
+            <a:picLocks noChangeAspect="1"/>
+          </p:cNvPicPr>
+          <p:nvPr/>
+        </p:nvPicPr>
+        <p:blipFill>
+          <a:blip r:embed="rId2"/>
+          <a:srcRect t="85950"/>
+          <a:stretch/>
+        </p:blipFill>
+        <p:spPr>
+          <a:xfrm>
+            <a:off x="1012498" y="4234977"/>
+            <a:ext cx="2247900" cy="195401"/>
+          </a:xfrm>
+          <a:prstGeom prst="rect">
+            <a:avLst/>
+          </a:prstGeom>
+        </p:spPr>
+      </p:pic>
+      <p:pic>
+        <p:nvPicPr>
+          <p:cNvPr id="5" name="Picture 4">
+            <a:extLst>
+              <a:ext uri="{FF2B5EF4-FFF2-40B4-BE49-F238E27FC236}">
+                <a16:creationId xmlns:a16="http://schemas.microsoft.com/office/drawing/2014/main" id="{97F7823F-AB22-359D-F343-B37503CAECB8}"/>
+              </a:ext>
+            </a:extLst>
+          </p:cNvPr>
+          <p:cNvPicPr>
+            <a:picLocks noChangeAspect="1"/>
+          </p:cNvPicPr>
+          <p:nvPr/>
+        </p:nvPicPr>
+        <p:blipFill>
+          <a:blip r:embed="rId2"/>
+          <a:srcRect t="72072" b="13422"/>
+          <a:stretch/>
+        </p:blipFill>
+        <p:spPr>
+          <a:xfrm>
+            <a:off x="989710" y="2678891"/>
+            <a:ext cx="2247900" cy="201737"/>
+          </a:xfrm>
+          <a:prstGeom prst="rect">
+            <a:avLst/>
+          </a:prstGeom>
+        </p:spPr>
+      </p:pic>
     </p:spTree>
     <p:extLst>
       <p:ext uri="{BB962C8B-B14F-4D97-AF65-F5344CB8AC3E}">

--- a/01_Follow_up__activities.pptx
+++ b/01_Follow_up__activities.pptx
@@ -269,7 +269,7 @@
           <a:p>
             <a:fld id="{830943F9-8AC6-4393-AEEF-D45C2A43C7C7}" type="datetimeFigureOut">
               <a:rPr lang="LID4096" smtClean="0"/>
-              <a:t>01/21/2025</a:t>
+              <a:t>01/22/2025</a:t>
             </a:fld>
             <a:endParaRPr lang="LID4096"/>
           </a:p>
@@ -469,7 +469,7 @@
           <a:p>
             <a:fld id="{830943F9-8AC6-4393-AEEF-D45C2A43C7C7}" type="datetimeFigureOut">
               <a:rPr lang="LID4096" smtClean="0"/>
-              <a:t>01/21/2025</a:t>
+              <a:t>01/22/2025</a:t>
             </a:fld>
             <a:endParaRPr lang="LID4096"/>
           </a:p>
@@ -679,7 +679,7 @@
           <a:p>
             <a:fld id="{830943F9-8AC6-4393-AEEF-D45C2A43C7C7}" type="datetimeFigureOut">
               <a:rPr lang="LID4096" smtClean="0"/>
-              <a:t>01/21/2025</a:t>
+              <a:t>01/22/2025</a:t>
             </a:fld>
             <a:endParaRPr lang="LID4096"/>
           </a:p>
@@ -879,7 +879,7 @@
           <a:p>
             <a:fld id="{830943F9-8AC6-4393-AEEF-D45C2A43C7C7}" type="datetimeFigureOut">
               <a:rPr lang="LID4096" smtClean="0"/>
-              <a:t>01/21/2025</a:t>
+              <a:t>01/22/2025</a:t>
             </a:fld>
             <a:endParaRPr lang="LID4096"/>
           </a:p>
@@ -1155,7 +1155,7 @@
           <a:p>
             <a:fld id="{830943F9-8AC6-4393-AEEF-D45C2A43C7C7}" type="datetimeFigureOut">
               <a:rPr lang="LID4096" smtClean="0"/>
-              <a:t>01/21/2025</a:t>
+              <a:t>01/22/2025</a:t>
             </a:fld>
             <a:endParaRPr lang="LID4096"/>
           </a:p>
@@ -1423,7 +1423,7 @@
           <a:p>
             <a:fld id="{830943F9-8AC6-4393-AEEF-D45C2A43C7C7}" type="datetimeFigureOut">
               <a:rPr lang="LID4096" smtClean="0"/>
-              <a:t>01/21/2025</a:t>
+              <a:t>01/22/2025</a:t>
             </a:fld>
             <a:endParaRPr lang="LID4096"/>
           </a:p>
@@ -1838,7 +1838,7 @@
           <a:p>
             <a:fld id="{830943F9-8AC6-4393-AEEF-D45C2A43C7C7}" type="datetimeFigureOut">
               <a:rPr lang="LID4096" smtClean="0"/>
-              <a:t>01/21/2025</a:t>
+              <a:t>01/22/2025</a:t>
             </a:fld>
             <a:endParaRPr lang="LID4096"/>
           </a:p>
@@ -1980,7 +1980,7 @@
           <a:p>
             <a:fld id="{830943F9-8AC6-4393-AEEF-D45C2A43C7C7}" type="datetimeFigureOut">
               <a:rPr lang="LID4096" smtClean="0"/>
-              <a:t>01/21/2025</a:t>
+              <a:t>01/22/2025</a:t>
             </a:fld>
             <a:endParaRPr lang="LID4096"/>
           </a:p>
@@ -2093,7 +2093,7 @@
           <a:p>
             <a:fld id="{830943F9-8AC6-4393-AEEF-D45C2A43C7C7}" type="datetimeFigureOut">
               <a:rPr lang="LID4096" smtClean="0"/>
-              <a:t>01/21/2025</a:t>
+              <a:t>01/22/2025</a:t>
             </a:fld>
             <a:endParaRPr lang="LID4096"/>
           </a:p>
@@ -2406,7 +2406,7 @@
           <a:p>
             <a:fld id="{830943F9-8AC6-4393-AEEF-D45C2A43C7C7}" type="datetimeFigureOut">
               <a:rPr lang="LID4096" smtClean="0"/>
-              <a:t>01/21/2025</a:t>
+              <a:t>01/22/2025</a:t>
             </a:fld>
             <a:endParaRPr lang="LID4096"/>
           </a:p>
@@ -2695,7 +2695,7 @@
           <a:p>
             <a:fld id="{830943F9-8AC6-4393-AEEF-D45C2A43C7C7}" type="datetimeFigureOut">
               <a:rPr lang="LID4096" smtClean="0"/>
-              <a:t>01/21/2025</a:t>
+              <a:t>01/22/2025</a:t>
             </a:fld>
             <a:endParaRPr lang="LID4096"/>
           </a:p>
@@ -2938,7 +2938,7 @@
           <a:p>
             <a:fld id="{830943F9-8AC6-4393-AEEF-D45C2A43C7C7}" type="datetimeFigureOut">
               <a:rPr lang="LID4096" smtClean="0"/>
-              <a:t>01/21/2025</a:t>
+              <a:t>01/22/2025</a:t>
             </a:fld>
             <a:endParaRPr lang="LID4096"/>
           </a:p>
@@ -3357,10 +3357,10 @@
       </p:grpSpPr>
       <p:pic>
         <p:nvPicPr>
-          <p:cNvPr id="6" name="Picture 5">
-            <a:extLst>
-              <a:ext uri="{FF2B5EF4-FFF2-40B4-BE49-F238E27FC236}">
-                <a16:creationId xmlns:a16="http://schemas.microsoft.com/office/drawing/2014/main" id="{5C96F5D8-F594-BA42-470C-6B41549E9C05}"/>
+          <p:cNvPr id="8" name="Picture 7">
+            <a:extLst>
+              <a:ext uri="{FF2B5EF4-FFF2-40B4-BE49-F238E27FC236}">
+                <a16:creationId xmlns:a16="http://schemas.microsoft.com/office/drawing/2014/main" id="{27D10672-04DF-0E4C-C83A-917F8547D1D0}"/>
               </a:ext>
             </a:extLst>
           </p:cNvPr>
@@ -3371,13 +3371,14 @@
         </p:nvPicPr>
         <p:blipFill>
           <a:blip r:embed="rId2"/>
-          <a:srcRect b="27848"/>
-          <a:stretch/>
+          <a:stretch>
+            <a:fillRect/>
+          </a:stretch>
         </p:blipFill>
         <p:spPr>
           <a:xfrm>
-            <a:off x="989710" y="622864"/>
-            <a:ext cx="2247900" cy="1003383"/>
+            <a:off x="1153906" y="3650939"/>
+            <a:ext cx="1524000" cy="1047750"/>
           </a:xfrm>
           <a:prstGeom prst="rect">
             <a:avLst/>
@@ -3386,10 +3387,10 @@
       </p:pic>
       <p:pic>
         <p:nvPicPr>
-          <p:cNvPr id="8" name="Picture 7">
-            <a:extLst>
-              <a:ext uri="{FF2B5EF4-FFF2-40B4-BE49-F238E27FC236}">
-                <a16:creationId xmlns:a16="http://schemas.microsoft.com/office/drawing/2014/main" id="{27D10672-04DF-0E4C-C83A-917F8547D1D0}"/>
+          <p:cNvPr id="10" name="Picture 9">
+            <a:extLst>
+              <a:ext uri="{FF2B5EF4-FFF2-40B4-BE49-F238E27FC236}">
+                <a16:creationId xmlns:a16="http://schemas.microsoft.com/office/drawing/2014/main" id="{AA40FEFD-1C19-1721-2701-19876E9AFF06}"/>
               </a:ext>
             </a:extLst>
           </p:cNvPr>
@@ -3406,8 +3407,8 @@
         </p:blipFill>
         <p:spPr>
           <a:xfrm>
-            <a:off x="1160404" y="1658350"/>
-            <a:ext cx="1524000" cy="1047750"/>
+            <a:off x="1395699" y="2678820"/>
+            <a:ext cx="1752600" cy="628650"/>
           </a:xfrm>
           <a:prstGeom prst="rect">
             <a:avLst/>
@@ -3416,10 +3417,10 @@
       </p:pic>
       <p:pic>
         <p:nvPicPr>
-          <p:cNvPr id="10" name="Picture 9">
-            <a:extLst>
-              <a:ext uri="{FF2B5EF4-FFF2-40B4-BE49-F238E27FC236}">
-                <a16:creationId xmlns:a16="http://schemas.microsoft.com/office/drawing/2014/main" id="{AA40FEFD-1C19-1721-2701-19876E9AFF06}"/>
+          <p:cNvPr id="7" name="Picture 6">
+            <a:extLst>
+              <a:ext uri="{FF2B5EF4-FFF2-40B4-BE49-F238E27FC236}">
+                <a16:creationId xmlns:a16="http://schemas.microsoft.com/office/drawing/2014/main" id="{D06740CC-8E71-D0E7-3EAE-6849379712F1}"/>
               </a:ext>
             </a:extLst>
           </p:cNvPr>
@@ -3436,8 +3437,125 @@
         </p:blipFill>
         <p:spPr>
           <a:xfrm>
-            <a:off x="1507798" y="3534043"/>
-            <a:ext cx="1752600" cy="628650"/>
+            <a:off x="1196857" y="1425178"/>
+            <a:ext cx="2200275" cy="1238250"/>
+          </a:xfrm>
+          <a:prstGeom prst="rect">
+            <a:avLst/>
+          </a:prstGeom>
+        </p:spPr>
+      </p:pic>
+      <p:pic>
+        <p:nvPicPr>
+          <p:cNvPr id="12" name="Picture 11">
+            <a:extLst>
+              <a:ext uri="{FF2B5EF4-FFF2-40B4-BE49-F238E27FC236}">
+                <a16:creationId xmlns:a16="http://schemas.microsoft.com/office/drawing/2014/main" id="{BF35B011-EB4F-0734-17F6-A448EA69C94F}"/>
+              </a:ext>
+            </a:extLst>
+          </p:cNvPr>
+          <p:cNvPicPr>
+            <a:picLocks noChangeAspect="1"/>
+          </p:cNvPicPr>
+          <p:nvPr/>
+        </p:nvPicPr>
+        <p:blipFill>
+          <a:blip r:embed="rId5"/>
+          <a:srcRect b="29284"/>
+          <a:stretch/>
+        </p:blipFill>
+        <p:spPr>
+          <a:xfrm>
+            <a:off x="978314" y="411659"/>
+            <a:ext cx="2295525" cy="1017091"/>
+          </a:xfrm>
+          <a:prstGeom prst="rect">
+            <a:avLst/>
+          </a:prstGeom>
+        </p:spPr>
+      </p:pic>
+      <p:pic>
+        <p:nvPicPr>
+          <p:cNvPr id="14" name="Picture 13">
+            <a:extLst>
+              <a:ext uri="{FF2B5EF4-FFF2-40B4-BE49-F238E27FC236}">
+                <a16:creationId xmlns:a16="http://schemas.microsoft.com/office/drawing/2014/main" id="{D09C072F-4DE4-E891-2952-B7197B9753D0}"/>
+              </a:ext>
+            </a:extLst>
+          </p:cNvPr>
+          <p:cNvPicPr>
+            <a:picLocks noChangeAspect="1"/>
+          </p:cNvPicPr>
+          <p:nvPr/>
+        </p:nvPicPr>
+        <p:blipFill>
+          <a:blip r:embed="rId5"/>
+          <a:srcRect t="86322"/>
+          <a:stretch/>
+        </p:blipFill>
+        <p:spPr>
+          <a:xfrm>
+            <a:off x="976107" y="4664505"/>
+            <a:ext cx="2295525" cy="196732"/>
+          </a:xfrm>
+          <a:prstGeom prst="rect">
+            <a:avLst/>
+          </a:prstGeom>
+        </p:spPr>
+      </p:pic>
+      <p:pic>
+        <p:nvPicPr>
+          <p:cNvPr id="15" name="Picture 14">
+            <a:extLst>
+              <a:ext uri="{FF2B5EF4-FFF2-40B4-BE49-F238E27FC236}">
+                <a16:creationId xmlns:a16="http://schemas.microsoft.com/office/drawing/2014/main" id="{620A7454-9756-79D7-60A2-09D05AB24568}"/>
+              </a:ext>
+            </a:extLst>
+          </p:cNvPr>
+          <p:cNvPicPr>
+            <a:picLocks noChangeAspect="1"/>
+          </p:cNvPicPr>
+          <p:nvPr/>
+        </p:nvPicPr>
+        <p:blipFill>
+          <a:blip r:embed="rId5"/>
+          <a:srcRect t="71090" b="13907"/>
+          <a:stretch/>
+        </p:blipFill>
+        <p:spPr>
+          <a:xfrm>
+            <a:off x="976995" y="3371314"/>
+            <a:ext cx="2295525" cy="215781"/>
+          </a:xfrm>
+          <a:prstGeom prst="rect">
+            <a:avLst/>
+          </a:prstGeom>
+        </p:spPr>
+      </p:pic>
+      <p:pic>
+        <p:nvPicPr>
+          <p:cNvPr id="18" name="Picture 17">
+            <a:extLst>
+              <a:ext uri="{FF2B5EF4-FFF2-40B4-BE49-F238E27FC236}">
+                <a16:creationId xmlns:a16="http://schemas.microsoft.com/office/drawing/2014/main" id="{FB3B0D3C-592F-E3CC-08DC-456F3F57EDFD}"/>
+              </a:ext>
+            </a:extLst>
+          </p:cNvPr>
+          <p:cNvPicPr>
+            <a:picLocks noChangeAspect="1"/>
+          </p:cNvPicPr>
+          <p:nvPr/>
+        </p:nvPicPr>
+        <p:blipFill>
+          <a:blip r:embed="rId6"/>
+          <a:stretch>
+            <a:fillRect/>
+          </a:stretch>
+        </p:blipFill>
+        <p:spPr>
+          <a:xfrm>
+            <a:off x="1153906" y="4838789"/>
+            <a:ext cx="3228975" cy="1066800"/>
           </a:xfrm>
           <a:prstGeom prst="rect">
             <a:avLst/>
@@ -3446,7 +3564,7 @@
       </p:pic>
       <p:sp>
         <p:nvSpPr>
-          <p:cNvPr id="11" name="TextBox 10">
+          <p:cNvPr id="2" name="TextBox 1">
             <a:extLst>
               <a:ext uri="{FF2B5EF4-FFF2-40B4-BE49-F238E27FC236}">
                 <a16:creationId xmlns:a16="http://schemas.microsoft.com/office/drawing/2014/main" id="{20EC9BDC-90D1-A8F6-1350-A3AB66577D07}"/>
@@ -3458,8 +3576,8 @@
         </p:nvSpPr>
         <p:spPr>
           <a:xfrm>
-            <a:off x="2339409" y="3518651"/>
-            <a:ext cx="1091131" cy="707886"/>
+            <a:off x="2184580" y="2663428"/>
+            <a:ext cx="1618299" cy="1015663"/>
           </a:xfrm>
           <a:prstGeom prst="rect">
             <a:avLst/>
@@ -3484,97 +3602,17 @@
               <a:rPr lang="en-US" sz="2000" dirty="0"/>
               <a:t>Algebra Linear</a:t>
             </a:r>
+          </a:p>
+          <a:p>
+            <a:pPr algn="r"/>
+            <a:r>
+              <a:rPr lang="en-US" sz="2000" dirty="0"/>
+              <a:t>Q.E.D</a:t>
+            </a:r>
             <a:endParaRPr lang="LID4096" sz="2000" dirty="0"/>
           </a:p>
         </p:txBody>
       </p:sp>
-      <p:pic>
-        <p:nvPicPr>
-          <p:cNvPr id="3" name="Picture 2">
-            <a:extLst>
-              <a:ext uri="{FF2B5EF4-FFF2-40B4-BE49-F238E27FC236}">
-                <a16:creationId xmlns:a16="http://schemas.microsoft.com/office/drawing/2014/main" id="{3D046A75-9BAD-82C6-1973-99603AA0DDBF}"/>
-              </a:ext>
-            </a:extLst>
-          </p:cNvPr>
-          <p:cNvPicPr>
-            <a:picLocks noChangeAspect="1"/>
-          </p:cNvPicPr>
-          <p:nvPr/>
-        </p:nvPicPr>
-        <p:blipFill>
-          <a:blip r:embed="rId5"/>
-          <a:srcRect b="55796"/>
-          <a:stretch/>
-        </p:blipFill>
-        <p:spPr>
-          <a:xfrm>
-            <a:off x="1239272" y="2914812"/>
-            <a:ext cx="2238375" cy="623147"/>
-          </a:xfrm>
-          <a:prstGeom prst="rect">
-            <a:avLst/>
-          </a:prstGeom>
-        </p:spPr>
-      </p:pic>
-      <p:pic>
-        <p:nvPicPr>
-          <p:cNvPr id="4" name="Picture 3">
-            <a:extLst>
-              <a:ext uri="{FF2B5EF4-FFF2-40B4-BE49-F238E27FC236}">
-                <a16:creationId xmlns:a16="http://schemas.microsoft.com/office/drawing/2014/main" id="{3B556A22-1305-24B8-6580-83F190ED8AF2}"/>
-              </a:ext>
-            </a:extLst>
-          </p:cNvPr>
-          <p:cNvPicPr>
-            <a:picLocks noChangeAspect="1"/>
-          </p:cNvPicPr>
-          <p:nvPr/>
-        </p:nvPicPr>
-        <p:blipFill>
-          <a:blip r:embed="rId2"/>
-          <a:srcRect t="85950"/>
-          <a:stretch/>
-        </p:blipFill>
-        <p:spPr>
-          <a:xfrm>
-            <a:off x="1012498" y="4234977"/>
-            <a:ext cx="2247900" cy="195401"/>
-          </a:xfrm>
-          <a:prstGeom prst="rect">
-            <a:avLst/>
-          </a:prstGeom>
-        </p:spPr>
-      </p:pic>
-      <p:pic>
-        <p:nvPicPr>
-          <p:cNvPr id="5" name="Picture 4">
-            <a:extLst>
-              <a:ext uri="{FF2B5EF4-FFF2-40B4-BE49-F238E27FC236}">
-                <a16:creationId xmlns:a16="http://schemas.microsoft.com/office/drawing/2014/main" id="{97F7823F-AB22-359D-F343-B37503CAECB8}"/>
-              </a:ext>
-            </a:extLst>
-          </p:cNvPr>
-          <p:cNvPicPr>
-            <a:picLocks noChangeAspect="1"/>
-          </p:cNvPicPr>
-          <p:nvPr/>
-        </p:nvPicPr>
-        <p:blipFill>
-          <a:blip r:embed="rId2"/>
-          <a:srcRect t="72072" b="13422"/>
-          <a:stretch/>
-        </p:blipFill>
-        <p:spPr>
-          <a:xfrm>
-            <a:off x="989710" y="2678891"/>
-            <a:ext cx="2247900" cy="201737"/>
-          </a:xfrm>
-          <a:prstGeom prst="rect">
-            <a:avLst/>
-          </a:prstGeom>
-        </p:spPr>
-      </p:pic>
     </p:spTree>
     <p:extLst>
       <p:ext uri="{BB962C8B-B14F-4D97-AF65-F5344CB8AC3E}">

--- a/01_Follow_up__activities.pptx
+++ b/01_Follow_up__activities.pptx
@@ -269,7 +269,7 @@
           <a:p>
             <a:fld id="{830943F9-8AC6-4393-AEEF-D45C2A43C7C7}" type="datetimeFigureOut">
               <a:rPr lang="LID4096" smtClean="0"/>
-              <a:t>01/22/2025</a:t>
+              <a:t>01/26/2025</a:t>
             </a:fld>
             <a:endParaRPr lang="LID4096"/>
           </a:p>
@@ -469,7 +469,7 @@
           <a:p>
             <a:fld id="{830943F9-8AC6-4393-AEEF-D45C2A43C7C7}" type="datetimeFigureOut">
               <a:rPr lang="LID4096" smtClean="0"/>
-              <a:t>01/22/2025</a:t>
+              <a:t>01/26/2025</a:t>
             </a:fld>
             <a:endParaRPr lang="LID4096"/>
           </a:p>
@@ -679,7 +679,7 @@
           <a:p>
             <a:fld id="{830943F9-8AC6-4393-AEEF-D45C2A43C7C7}" type="datetimeFigureOut">
               <a:rPr lang="LID4096" smtClean="0"/>
-              <a:t>01/22/2025</a:t>
+              <a:t>01/26/2025</a:t>
             </a:fld>
             <a:endParaRPr lang="LID4096"/>
           </a:p>
@@ -879,7 +879,7 @@
           <a:p>
             <a:fld id="{830943F9-8AC6-4393-AEEF-D45C2A43C7C7}" type="datetimeFigureOut">
               <a:rPr lang="LID4096" smtClean="0"/>
-              <a:t>01/22/2025</a:t>
+              <a:t>01/26/2025</a:t>
             </a:fld>
             <a:endParaRPr lang="LID4096"/>
           </a:p>
@@ -1155,7 +1155,7 @@
           <a:p>
             <a:fld id="{830943F9-8AC6-4393-AEEF-D45C2A43C7C7}" type="datetimeFigureOut">
               <a:rPr lang="LID4096" smtClean="0"/>
-              <a:t>01/22/2025</a:t>
+              <a:t>01/26/2025</a:t>
             </a:fld>
             <a:endParaRPr lang="LID4096"/>
           </a:p>
@@ -1423,7 +1423,7 @@
           <a:p>
             <a:fld id="{830943F9-8AC6-4393-AEEF-D45C2A43C7C7}" type="datetimeFigureOut">
               <a:rPr lang="LID4096" smtClean="0"/>
-              <a:t>01/22/2025</a:t>
+              <a:t>01/26/2025</a:t>
             </a:fld>
             <a:endParaRPr lang="LID4096"/>
           </a:p>
@@ -1838,7 +1838,7 @@
           <a:p>
             <a:fld id="{830943F9-8AC6-4393-AEEF-D45C2A43C7C7}" type="datetimeFigureOut">
               <a:rPr lang="LID4096" smtClean="0"/>
-              <a:t>01/22/2025</a:t>
+              <a:t>01/26/2025</a:t>
             </a:fld>
             <a:endParaRPr lang="LID4096"/>
           </a:p>
@@ -1980,7 +1980,7 @@
           <a:p>
             <a:fld id="{830943F9-8AC6-4393-AEEF-D45C2A43C7C7}" type="datetimeFigureOut">
               <a:rPr lang="LID4096" smtClean="0"/>
-              <a:t>01/22/2025</a:t>
+              <a:t>01/26/2025</a:t>
             </a:fld>
             <a:endParaRPr lang="LID4096"/>
           </a:p>
@@ -2093,7 +2093,7 @@
           <a:p>
             <a:fld id="{830943F9-8AC6-4393-AEEF-D45C2A43C7C7}" type="datetimeFigureOut">
               <a:rPr lang="LID4096" smtClean="0"/>
-              <a:t>01/22/2025</a:t>
+              <a:t>01/26/2025</a:t>
             </a:fld>
             <a:endParaRPr lang="LID4096"/>
           </a:p>
@@ -2406,7 +2406,7 @@
           <a:p>
             <a:fld id="{830943F9-8AC6-4393-AEEF-D45C2A43C7C7}" type="datetimeFigureOut">
               <a:rPr lang="LID4096" smtClean="0"/>
-              <a:t>01/22/2025</a:t>
+              <a:t>01/26/2025</a:t>
             </a:fld>
             <a:endParaRPr lang="LID4096"/>
           </a:p>
@@ -2695,7 +2695,7 @@
           <a:p>
             <a:fld id="{830943F9-8AC6-4393-AEEF-D45C2A43C7C7}" type="datetimeFigureOut">
               <a:rPr lang="LID4096" smtClean="0"/>
-              <a:t>01/22/2025</a:t>
+              <a:t>01/26/2025</a:t>
             </a:fld>
             <a:endParaRPr lang="LID4096"/>
           </a:p>
@@ -2938,7 +2938,7 @@
           <a:p>
             <a:fld id="{830943F9-8AC6-4393-AEEF-D45C2A43C7C7}" type="datetimeFigureOut">
               <a:rPr lang="LID4096" smtClean="0"/>
-              <a:t>01/22/2025</a:t>
+              <a:t>01/26/2025</a:t>
             </a:fld>
             <a:endParaRPr lang="LID4096"/>
           </a:p>
@@ -3576,7 +3576,7 @@
         </p:nvSpPr>
         <p:spPr>
           <a:xfrm>
-            <a:off x="2184580" y="2663428"/>
+            <a:off x="2123869" y="1309214"/>
             <a:ext cx="1618299" cy="1015663"/>
           </a:xfrm>
           <a:prstGeom prst="rect">

--- a/01_Follow_up__activities.pptx
+++ b/01_Follow_up__activities.pptx
@@ -269,7 +269,7 @@
           <a:p>
             <a:fld id="{830943F9-8AC6-4393-AEEF-D45C2A43C7C7}" type="datetimeFigureOut">
               <a:rPr lang="LID4096" smtClean="0"/>
-              <a:t>01/26/2025</a:t>
+              <a:t>01/30/2025</a:t>
             </a:fld>
             <a:endParaRPr lang="LID4096"/>
           </a:p>
@@ -469,7 +469,7 @@
           <a:p>
             <a:fld id="{830943F9-8AC6-4393-AEEF-D45C2A43C7C7}" type="datetimeFigureOut">
               <a:rPr lang="LID4096" smtClean="0"/>
-              <a:t>01/26/2025</a:t>
+              <a:t>01/30/2025</a:t>
             </a:fld>
             <a:endParaRPr lang="LID4096"/>
           </a:p>
@@ -679,7 +679,7 @@
           <a:p>
             <a:fld id="{830943F9-8AC6-4393-AEEF-D45C2A43C7C7}" type="datetimeFigureOut">
               <a:rPr lang="LID4096" smtClean="0"/>
-              <a:t>01/26/2025</a:t>
+              <a:t>01/30/2025</a:t>
             </a:fld>
             <a:endParaRPr lang="LID4096"/>
           </a:p>
@@ -879,7 +879,7 @@
           <a:p>
             <a:fld id="{830943F9-8AC6-4393-AEEF-D45C2A43C7C7}" type="datetimeFigureOut">
               <a:rPr lang="LID4096" smtClean="0"/>
-              <a:t>01/26/2025</a:t>
+              <a:t>01/30/2025</a:t>
             </a:fld>
             <a:endParaRPr lang="LID4096"/>
           </a:p>
@@ -1155,7 +1155,7 @@
           <a:p>
             <a:fld id="{830943F9-8AC6-4393-AEEF-D45C2A43C7C7}" type="datetimeFigureOut">
               <a:rPr lang="LID4096" smtClean="0"/>
-              <a:t>01/26/2025</a:t>
+              <a:t>01/30/2025</a:t>
             </a:fld>
             <a:endParaRPr lang="LID4096"/>
           </a:p>
@@ -1423,7 +1423,7 @@
           <a:p>
             <a:fld id="{830943F9-8AC6-4393-AEEF-D45C2A43C7C7}" type="datetimeFigureOut">
               <a:rPr lang="LID4096" smtClean="0"/>
-              <a:t>01/26/2025</a:t>
+              <a:t>01/30/2025</a:t>
             </a:fld>
             <a:endParaRPr lang="LID4096"/>
           </a:p>
@@ -1838,7 +1838,7 @@
           <a:p>
             <a:fld id="{830943F9-8AC6-4393-AEEF-D45C2A43C7C7}" type="datetimeFigureOut">
               <a:rPr lang="LID4096" smtClean="0"/>
-              <a:t>01/26/2025</a:t>
+              <a:t>01/30/2025</a:t>
             </a:fld>
             <a:endParaRPr lang="LID4096"/>
           </a:p>
@@ -1980,7 +1980,7 @@
           <a:p>
             <a:fld id="{830943F9-8AC6-4393-AEEF-D45C2A43C7C7}" type="datetimeFigureOut">
               <a:rPr lang="LID4096" smtClean="0"/>
-              <a:t>01/26/2025</a:t>
+              <a:t>01/30/2025</a:t>
             </a:fld>
             <a:endParaRPr lang="LID4096"/>
           </a:p>
@@ -2093,7 +2093,7 @@
           <a:p>
             <a:fld id="{830943F9-8AC6-4393-AEEF-D45C2A43C7C7}" type="datetimeFigureOut">
               <a:rPr lang="LID4096" smtClean="0"/>
-              <a:t>01/26/2025</a:t>
+              <a:t>01/30/2025</a:t>
             </a:fld>
             <a:endParaRPr lang="LID4096"/>
           </a:p>
@@ -2406,7 +2406,7 @@
           <a:p>
             <a:fld id="{830943F9-8AC6-4393-AEEF-D45C2A43C7C7}" type="datetimeFigureOut">
               <a:rPr lang="LID4096" smtClean="0"/>
-              <a:t>01/26/2025</a:t>
+              <a:t>01/30/2025</a:t>
             </a:fld>
             <a:endParaRPr lang="LID4096"/>
           </a:p>
@@ -2695,7 +2695,7 @@
           <a:p>
             <a:fld id="{830943F9-8AC6-4393-AEEF-D45C2A43C7C7}" type="datetimeFigureOut">
               <a:rPr lang="LID4096" smtClean="0"/>
-              <a:t>01/26/2025</a:t>
+              <a:t>01/30/2025</a:t>
             </a:fld>
             <a:endParaRPr lang="LID4096"/>
           </a:p>
@@ -2938,7 +2938,7 @@
           <a:p>
             <a:fld id="{830943F9-8AC6-4393-AEEF-D45C2A43C7C7}" type="datetimeFigureOut">
               <a:rPr lang="LID4096" smtClean="0"/>
-              <a:t>01/26/2025</a:t>
+              <a:t>01/30/2025</a:t>
             </a:fld>
             <a:endParaRPr lang="LID4096"/>
           </a:p>
@@ -3613,6 +3613,155 @@
           </a:p>
         </p:txBody>
       </p:sp>
+      <p:pic>
+        <p:nvPicPr>
+          <p:cNvPr id="4" name="Picture 3">
+            <a:extLst>
+              <a:ext uri="{FF2B5EF4-FFF2-40B4-BE49-F238E27FC236}">
+                <a16:creationId xmlns:a16="http://schemas.microsoft.com/office/drawing/2014/main" id="{CAA79721-9790-4B17-0F8E-C20296D4BDEB}"/>
+              </a:ext>
+            </a:extLst>
+          </p:cNvPr>
+          <p:cNvPicPr>
+            <a:picLocks noChangeAspect="1"/>
+          </p:cNvPicPr>
+          <p:nvPr/>
+        </p:nvPicPr>
+        <p:blipFill>
+          <a:blip r:embed="rId7"/>
+          <a:stretch>
+            <a:fillRect/>
+          </a:stretch>
+        </p:blipFill>
+        <p:spPr>
+          <a:xfrm>
+            <a:off x="4418075" y="281047"/>
+            <a:ext cx="2190750" cy="1619250"/>
+          </a:xfrm>
+          <a:prstGeom prst="rect">
+            <a:avLst/>
+          </a:prstGeom>
+        </p:spPr>
+      </p:pic>
+      <p:pic>
+        <p:nvPicPr>
+          <p:cNvPr id="6" name="Picture 5">
+            <a:extLst>
+              <a:ext uri="{FF2B5EF4-FFF2-40B4-BE49-F238E27FC236}">
+                <a16:creationId xmlns:a16="http://schemas.microsoft.com/office/drawing/2014/main" id="{CA557227-47CB-8EF3-CDB0-1EC8AE298BD3}"/>
+              </a:ext>
+            </a:extLst>
+          </p:cNvPr>
+          <p:cNvPicPr>
+            <a:picLocks noChangeAspect="1"/>
+          </p:cNvPicPr>
+          <p:nvPr/>
+        </p:nvPicPr>
+        <p:blipFill>
+          <a:blip r:embed="rId8"/>
+          <a:stretch>
+            <a:fillRect/>
+          </a:stretch>
+        </p:blipFill>
+        <p:spPr>
+          <a:xfrm>
+            <a:off x="6281973" y="1090672"/>
+            <a:ext cx="1400175" cy="1076325"/>
+          </a:xfrm>
+          <a:prstGeom prst="rect">
+            <a:avLst/>
+          </a:prstGeom>
+        </p:spPr>
+      </p:pic>
+      <p:pic>
+        <p:nvPicPr>
+          <p:cNvPr id="11" name="Picture 10">
+            <a:extLst>
+              <a:ext uri="{FF2B5EF4-FFF2-40B4-BE49-F238E27FC236}">
+                <a16:creationId xmlns:a16="http://schemas.microsoft.com/office/drawing/2014/main" id="{74410DBF-9D2F-99BC-B429-11019BA94026}"/>
+              </a:ext>
+            </a:extLst>
+          </p:cNvPr>
+          <p:cNvPicPr>
+            <a:picLocks noChangeAspect="1"/>
+          </p:cNvPicPr>
+          <p:nvPr/>
+        </p:nvPicPr>
+        <p:blipFill>
+          <a:blip r:embed="rId9"/>
+          <a:stretch>
+            <a:fillRect/>
+          </a:stretch>
+        </p:blipFill>
+        <p:spPr>
+          <a:xfrm>
+            <a:off x="7277335" y="1785997"/>
+            <a:ext cx="2390775" cy="2381250"/>
+          </a:xfrm>
+          <a:prstGeom prst="rect">
+            <a:avLst/>
+          </a:prstGeom>
+        </p:spPr>
+      </p:pic>
+      <p:sp>
+        <p:nvSpPr>
+          <p:cNvPr id="13" name="TextBox 12">
+            <a:extLst>
+              <a:ext uri="{FF2B5EF4-FFF2-40B4-BE49-F238E27FC236}">
+                <a16:creationId xmlns:a16="http://schemas.microsoft.com/office/drawing/2014/main" id="{36625287-2FC5-5977-9BFF-2F2C36817BBA}"/>
+              </a:ext>
+            </a:extLst>
+          </p:cNvPr>
+          <p:cNvSpPr txBox="1"/>
+          <p:nvPr/>
+        </p:nvSpPr>
+        <p:spPr>
+          <a:xfrm>
+            <a:off x="9987151" y="2324877"/>
+            <a:ext cx="1618299" cy="3477875"/>
+          </a:xfrm>
+          <a:prstGeom prst="rect">
+            <a:avLst/>
+          </a:prstGeom>
+          <a:noFill/>
+        </p:spPr>
+        <p:txBody>
+          <a:bodyPr wrap="square">
+            <a:spAutoFit/>
+          </a:bodyPr>
+          <a:lstStyle>
+            <a:defPPr>
+              <a:defRPr lang="LID4096"/>
+            </a:defPPr>
+            <a:lvl1pPr>
+              <a:defRPr sz="1100" b="1"/>
+            </a:lvl1pPr>
+          </a:lstStyle>
+          <a:p>
+            <a:pPr algn="r"/>
+            <a:r>
+              <a:rPr lang="en-US" sz="2000" dirty="0" err="1"/>
+              <a:t>Mfsetup</a:t>
+            </a:r>
+            <a:r>
+              <a:rPr lang="en-US" sz="2000" dirty="0"/>
+              <a:t> Kernel !</a:t>
+            </a:r>
+          </a:p>
+          <a:p>
+            <a:pPr algn="r"/>
+            <a:endParaRPr lang="en-US" sz="2000" dirty="0"/>
+          </a:p>
+          <a:p>
+            <a:pPr algn="r"/>
+            <a:r>
+              <a:rPr lang="en-US" sz="2000" dirty="0"/>
+              <a:t>https://doi-usgs.github.io/modflow-setup/latest/notebooks/Pleasant_lake_lgr_example.html</a:t>
+            </a:r>
+            <a:endParaRPr lang="LID4096" sz="2000" dirty="0"/>
+          </a:p>
+        </p:txBody>
+      </p:sp>
     </p:spTree>
     <p:extLst>
       <p:ext uri="{BB962C8B-B14F-4D97-AF65-F5344CB8AC3E}">
@@ -3670,7 +3819,7 @@
         </p:blipFill>
         <p:spPr>
           <a:xfrm>
-            <a:off x="101584" y="2019153"/>
+            <a:off x="215844" y="1523482"/>
             <a:ext cx="2695575" cy="229963"/>
           </a:xfrm>
           <a:prstGeom prst="rect">
@@ -3728,7 +3877,7 @@
         </p:blipFill>
         <p:spPr>
           <a:xfrm>
-            <a:off x="328550" y="3259707"/>
+            <a:off x="311929" y="3540340"/>
             <a:ext cx="2838450" cy="200164"/>
           </a:xfrm>
           <a:prstGeom prst="rect">
@@ -3757,7 +3906,7 @@
         </p:blipFill>
         <p:spPr>
           <a:xfrm>
-            <a:off x="140559" y="2258976"/>
+            <a:off x="116717" y="1781474"/>
             <a:ext cx="2838450" cy="207649"/>
           </a:xfrm>
           <a:prstGeom prst="rect">
@@ -3779,7 +3928,7 @@
         </p:nvGrpSpPr>
         <p:grpSpPr>
           <a:xfrm>
-            <a:off x="316197" y="2487414"/>
+            <a:off x="306007" y="2066981"/>
             <a:ext cx="2790825" cy="574109"/>
             <a:chOff x="474458" y="2285240"/>
             <a:chExt cx="2790825" cy="574109"/>
@@ -4016,7 +4165,7 @@
         </p:nvSpPr>
         <p:spPr>
           <a:xfrm>
-            <a:off x="1695932" y="3227416"/>
+            <a:off x="1679311" y="3508049"/>
             <a:ext cx="1564037" cy="246221"/>
           </a:xfrm>
           <a:prstGeom prst="rect">
@@ -4086,7 +4235,7 @@
         </p:nvSpPr>
         <p:spPr>
           <a:xfrm>
-            <a:off x="2340930" y="961912"/>
+            <a:off x="2718626" y="628119"/>
             <a:ext cx="964831" cy="246221"/>
           </a:xfrm>
           <a:prstGeom prst="rect">
@@ -4125,10 +4274,10 @@
         </p:nvGrpSpPr>
         <p:grpSpPr>
           <a:xfrm>
-            <a:off x="218475" y="1165056"/>
-            <a:ext cx="2960175" cy="706118"/>
+            <a:off x="215844" y="1029701"/>
+            <a:ext cx="2960175" cy="457366"/>
             <a:chOff x="241387" y="2531051"/>
-            <a:chExt cx="2960175" cy="706118"/>
+            <a:chExt cx="2960175" cy="457366"/>
           </a:xfrm>
         </p:grpSpPr>
         <p:pic>
@@ -4190,46 +4339,6 @@
             </a:prstGeom>
           </p:spPr>
         </p:pic>
-        <p:sp>
-          <p:nvSpPr>
-            <p:cNvPr id="124" name="TextBox 123">
-              <a:extLst>
-                <a:ext uri="{FF2B5EF4-FFF2-40B4-BE49-F238E27FC236}">
-                  <a16:creationId xmlns:a16="http://schemas.microsoft.com/office/drawing/2014/main" id="{01699DA8-C790-A682-D182-EB462237B056}"/>
-                </a:ext>
-              </a:extLst>
-            </p:cNvPr>
-            <p:cNvSpPr txBox="1">
-              <a:spLocks noChangeAspect="1"/>
-            </p:cNvSpPr>
-            <p:nvPr/>
-          </p:nvSpPr>
-          <p:spPr>
-            <a:xfrm>
-              <a:off x="1905605" y="3048939"/>
-              <a:ext cx="1206084" cy="188230"/>
-            </a:xfrm>
-            <a:prstGeom prst="rect">
-              <a:avLst/>
-            </a:prstGeom>
-            <a:solidFill>
-              <a:srgbClr val="FFCCFF"/>
-            </a:solidFill>
-          </p:spPr>
-          <p:txBody>
-            <a:bodyPr wrap="none" lIns="0" tIns="0" rIns="0" bIns="0" anchor="ctr" anchorCtr="0">
-              <a:noAutofit/>
-            </a:bodyPr>
-            <a:lstStyle/>
-            <a:p>
-              <a:pPr algn="ctr"/>
-              <a:r>
-                <a:rPr lang="en-US" sz="1000" b="1" dirty="0"/>
-                <a:t>Change TEMP folder</a:t>
-              </a:r>
-            </a:p>
-          </p:txBody>
-        </p:sp>
       </p:grpSp>
       <p:sp>
         <p:nvSpPr>
@@ -4245,7 +4354,7 @@
         </p:nvSpPr>
         <p:spPr>
           <a:xfrm>
-            <a:off x="1990080" y="1971129"/>
+            <a:off x="2104340" y="1475458"/>
             <a:ext cx="703144" cy="246221"/>
           </a:xfrm>
           <a:prstGeom prst="rect">
@@ -4284,7 +4393,7 @@
         </p:nvSpPr>
         <p:spPr>
           <a:xfrm>
-            <a:off x="-6666" y="2624875"/>
+            <a:off x="-16856" y="2204442"/>
             <a:ext cx="795178" cy="646331"/>
           </a:xfrm>
           <a:prstGeom prst="rect">
@@ -4933,7 +5042,7 @@
         </p:blipFill>
         <p:spPr>
           <a:xfrm>
-            <a:off x="317604" y="3715887"/>
+            <a:off x="300983" y="3996520"/>
             <a:ext cx="2219325" cy="619125"/>
           </a:xfrm>
           <a:prstGeom prst="rect">
@@ -5059,7 +5168,7 @@
         </p:blipFill>
         <p:spPr>
           <a:xfrm>
-            <a:off x="161300" y="3504360"/>
+            <a:off x="144679" y="3784993"/>
             <a:ext cx="2838450" cy="200164"/>
           </a:xfrm>
           <a:prstGeom prst="rect">
@@ -5088,7 +5197,7 @@
         </p:blipFill>
         <p:spPr>
           <a:xfrm>
-            <a:off x="234378" y="4352594"/>
+            <a:off x="217757" y="4633227"/>
             <a:ext cx="2838450" cy="207649"/>
           </a:xfrm>
           <a:prstGeom prst="rect">
@@ -5502,7 +5611,7 @@
         </p:nvGrpSpPr>
         <p:grpSpPr>
           <a:xfrm>
-            <a:off x="3241244" y="2535875"/>
+            <a:off x="3505223" y="1248942"/>
             <a:ext cx="1750219" cy="937762"/>
             <a:chOff x="3359013" y="3874720"/>
             <a:chExt cx="2620955" cy="1404300"/>
@@ -5984,7 +6093,7 @@
         </p:blipFill>
         <p:spPr>
           <a:xfrm>
-            <a:off x="282752" y="2462023"/>
+            <a:off x="272562" y="2041590"/>
             <a:ext cx="904875" cy="228600"/>
           </a:xfrm>
           <a:prstGeom prst="rect">
@@ -6013,7 +6122,7 @@
         </p:blipFill>
         <p:spPr>
           <a:xfrm>
-            <a:off x="423932" y="3043419"/>
+            <a:off x="390308" y="2700237"/>
             <a:ext cx="1602201" cy="187052"/>
           </a:xfrm>
           <a:prstGeom prst="rect">
@@ -6043,7 +6152,7 @@
         </p:blipFill>
         <p:spPr>
           <a:xfrm>
-            <a:off x="2018431" y="3069234"/>
+            <a:off x="1984807" y="2726052"/>
             <a:ext cx="746700" cy="162326"/>
           </a:xfrm>
           <a:prstGeom prst="rect">
@@ -6114,7 +6223,7 @@
         </p:blipFill>
         <p:spPr>
           <a:xfrm>
-            <a:off x="3241849" y="1470672"/>
+            <a:off x="3505828" y="183739"/>
             <a:ext cx="1157869" cy="975666"/>
           </a:xfrm>
           <a:prstGeom prst="rect">
@@ -6173,7 +6282,7 @@
         </p:nvSpPr>
         <p:spPr>
           <a:xfrm>
-            <a:off x="2502760" y="3807850"/>
+            <a:off x="2486139" y="4088483"/>
             <a:ext cx="696097" cy="409575"/>
           </a:xfrm>
           <a:prstGeom prst="rect">
@@ -6220,7 +6329,7 @@
         </p:blipFill>
         <p:spPr>
           <a:xfrm>
-            <a:off x="312740" y="4599092"/>
+            <a:off x="296119" y="4879725"/>
             <a:ext cx="2390775" cy="619125"/>
           </a:xfrm>
           <a:prstGeom prst="rect">
@@ -6250,7 +6359,7 @@
         </p:blipFill>
         <p:spPr>
           <a:xfrm>
-            <a:off x="2573375" y="4523223"/>
+            <a:off x="2556754" y="4803856"/>
             <a:ext cx="698287" cy="685435"/>
           </a:xfrm>
           <a:prstGeom prst="rect">

--- a/01_Follow_up__activities.pptx
+++ b/01_Follow_up__activities.pptx
@@ -269,7 +269,7 @@
           <a:p>
             <a:fld id="{830943F9-8AC6-4393-AEEF-D45C2A43C7C7}" type="datetimeFigureOut">
               <a:rPr lang="LID4096" smtClean="0"/>
-              <a:t>01/30/2025</a:t>
+              <a:t>01/31/2025</a:t>
             </a:fld>
             <a:endParaRPr lang="LID4096"/>
           </a:p>
@@ -469,7 +469,7 @@
           <a:p>
             <a:fld id="{830943F9-8AC6-4393-AEEF-D45C2A43C7C7}" type="datetimeFigureOut">
               <a:rPr lang="LID4096" smtClean="0"/>
-              <a:t>01/30/2025</a:t>
+              <a:t>01/31/2025</a:t>
             </a:fld>
             <a:endParaRPr lang="LID4096"/>
           </a:p>
@@ -679,7 +679,7 @@
           <a:p>
             <a:fld id="{830943F9-8AC6-4393-AEEF-D45C2A43C7C7}" type="datetimeFigureOut">
               <a:rPr lang="LID4096" smtClean="0"/>
-              <a:t>01/30/2025</a:t>
+              <a:t>01/31/2025</a:t>
             </a:fld>
             <a:endParaRPr lang="LID4096"/>
           </a:p>
@@ -879,7 +879,7 @@
           <a:p>
             <a:fld id="{830943F9-8AC6-4393-AEEF-D45C2A43C7C7}" type="datetimeFigureOut">
               <a:rPr lang="LID4096" smtClean="0"/>
-              <a:t>01/30/2025</a:t>
+              <a:t>01/31/2025</a:t>
             </a:fld>
             <a:endParaRPr lang="LID4096"/>
           </a:p>
@@ -1155,7 +1155,7 @@
           <a:p>
             <a:fld id="{830943F9-8AC6-4393-AEEF-D45C2A43C7C7}" type="datetimeFigureOut">
               <a:rPr lang="LID4096" smtClean="0"/>
-              <a:t>01/30/2025</a:t>
+              <a:t>01/31/2025</a:t>
             </a:fld>
             <a:endParaRPr lang="LID4096"/>
           </a:p>
@@ -1423,7 +1423,7 @@
           <a:p>
             <a:fld id="{830943F9-8AC6-4393-AEEF-D45C2A43C7C7}" type="datetimeFigureOut">
               <a:rPr lang="LID4096" smtClean="0"/>
-              <a:t>01/30/2025</a:t>
+              <a:t>01/31/2025</a:t>
             </a:fld>
             <a:endParaRPr lang="LID4096"/>
           </a:p>
@@ -1838,7 +1838,7 @@
           <a:p>
             <a:fld id="{830943F9-8AC6-4393-AEEF-D45C2A43C7C7}" type="datetimeFigureOut">
               <a:rPr lang="LID4096" smtClean="0"/>
-              <a:t>01/30/2025</a:t>
+              <a:t>01/31/2025</a:t>
             </a:fld>
             <a:endParaRPr lang="LID4096"/>
           </a:p>
@@ -1980,7 +1980,7 @@
           <a:p>
             <a:fld id="{830943F9-8AC6-4393-AEEF-D45C2A43C7C7}" type="datetimeFigureOut">
               <a:rPr lang="LID4096" smtClean="0"/>
-              <a:t>01/30/2025</a:t>
+              <a:t>01/31/2025</a:t>
             </a:fld>
             <a:endParaRPr lang="LID4096"/>
           </a:p>
@@ -2093,7 +2093,7 @@
           <a:p>
             <a:fld id="{830943F9-8AC6-4393-AEEF-D45C2A43C7C7}" type="datetimeFigureOut">
               <a:rPr lang="LID4096" smtClean="0"/>
-              <a:t>01/30/2025</a:t>
+              <a:t>01/31/2025</a:t>
             </a:fld>
             <a:endParaRPr lang="LID4096"/>
           </a:p>
@@ -2406,7 +2406,7 @@
           <a:p>
             <a:fld id="{830943F9-8AC6-4393-AEEF-D45C2A43C7C7}" type="datetimeFigureOut">
               <a:rPr lang="LID4096" smtClean="0"/>
-              <a:t>01/30/2025</a:t>
+              <a:t>01/31/2025</a:t>
             </a:fld>
             <a:endParaRPr lang="LID4096"/>
           </a:p>
@@ -2695,7 +2695,7 @@
           <a:p>
             <a:fld id="{830943F9-8AC6-4393-AEEF-D45C2A43C7C7}" type="datetimeFigureOut">
               <a:rPr lang="LID4096" smtClean="0"/>
-              <a:t>01/30/2025</a:t>
+              <a:t>01/31/2025</a:t>
             </a:fld>
             <a:endParaRPr lang="LID4096"/>
           </a:p>
@@ -2938,7 +2938,7 @@
           <a:p>
             <a:fld id="{830943F9-8AC6-4393-AEEF-D45C2A43C7C7}" type="datetimeFigureOut">
               <a:rPr lang="LID4096" smtClean="0"/>
-              <a:t>01/30/2025</a:t>
+              <a:t>01/31/2025</a:t>
             </a:fld>
             <a:endParaRPr lang="LID4096"/>
           </a:p>
@@ -3355,413 +3355,495 @@
           <a:chExt cx="0" cy="0"/>
         </a:xfrm>
       </p:grpSpPr>
-      <p:pic>
-        <p:nvPicPr>
-          <p:cNvPr id="8" name="Picture 7">
-            <a:extLst>
-              <a:ext uri="{FF2B5EF4-FFF2-40B4-BE49-F238E27FC236}">
-                <a16:creationId xmlns:a16="http://schemas.microsoft.com/office/drawing/2014/main" id="{27D10672-04DF-0E4C-C83A-917F8547D1D0}"/>
-              </a:ext>
-            </a:extLst>
-          </p:cNvPr>
-          <p:cNvPicPr>
-            <a:picLocks noChangeAspect="1"/>
-          </p:cNvPicPr>
+      <p:grpSp>
+        <p:nvGrpSpPr>
+          <p:cNvPr id="3" name="Group 2">
+            <a:extLst>
+              <a:ext uri="{FF2B5EF4-FFF2-40B4-BE49-F238E27FC236}">
+                <a16:creationId xmlns:a16="http://schemas.microsoft.com/office/drawing/2014/main" id="{BC629075-A5FB-C047-96DB-936E8C944371}"/>
+              </a:ext>
+            </a:extLst>
+          </p:cNvPr>
+          <p:cNvGrpSpPr/>
           <p:nvPr/>
-        </p:nvPicPr>
-        <p:blipFill>
-          <a:blip r:embed="rId2"/>
-          <a:stretch>
-            <a:fillRect/>
-          </a:stretch>
-        </p:blipFill>
-        <p:spPr>
+        </p:nvGrpSpPr>
+        <p:grpSpPr>
           <a:xfrm>
-            <a:off x="1153906" y="3650939"/>
-            <a:ext cx="1524000" cy="1047750"/>
-          </a:xfrm>
-          <a:prstGeom prst="rect">
-            <a:avLst/>
-          </a:prstGeom>
-        </p:spPr>
-      </p:pic>
-      <p:pic>
-        <p:nvPicPr>
-          <p:cNvPr id="10" name="Picture 9">
-            <a:extLst>
-              <a:ext uri="{FF2B5EF4-FFF2-40B4-BE49-F238E27FC236}">
-                <a16:creationId xmlns:a16="http://schemas.microsoft.com/office/drawing/2014/main" id="{AA40FEFD-1C19-1721-2701-19876E9AFF06}"/>
-              </a:ext>
-            </a:extLst>
-          </p:cNvPr>
-          <p:cNvPicPr>
-            <a:picLocks noChangeAspect="1"/>
-          </p:cNvPicPr>
+            <a:off x="134381" y="73581"/>
+            <a:ext cx="3406774" cy="5493930"/>
+            <a:chOff x="134381" y="73581"/>
+            <a:chExt cx="3406774" cy="5493930"/>
+          </a:xfrm>
+        </p:grpSpPr>
+        <p:pic>
+          <p:nvPicPr>
+            <p:cNvPr id="8" name="Picture 7">
+              <a:extLst>
+                <a:ext uri="{FF2B5EF4-FFF2-40B4-BE49-F238E27FC236}">
+                  <a16:creationId xmlns:a16="http://schemas.microsoft.com/office/drawing/2014/main" id="{27D10672-04DF-0E4C-C83A-917F8547D1D0}"/>
+                </a:ext>
+              </a:extLst>
+            </p:cNvPr>
+            <p:cNvPicPr>
+              <a:picLocks noChangeAspect="1"/>
+            </p:cNvPicPr>
+            <p:nvPr/>
+          </p:nvPicPr>
+          <p:blipFill>
+            <a:blip r:embed="rId2"/>
+            <a:stretch>
+              <a:fillRect/>
+            </a:stretch>
+          </p:blipFill>
+          <p:spPr>
+            <a:xfrm>
+              <a:off x="312180" y="3312861"/>
+              <a:ext cx="1524000" cy="1047750"/>
+            </a:xfrm>
+            <a:prstGeom prst="rect">
+              <a:avLst/>
+            </a:prstGeom>
+          </p:spPr>
+        </p:pic>
+        <p:pic>
+          <p:nvPicPr>
+            <p:cNvPr id="10" name="Picture 9">
+              <a:extLst>
+                <a:ext uri="{FF2B5EF4-FFF2-40B4-BE49-F238E27FC236}">
+                  <a16:creationId xmlns:a16="http://schemas.microsoft.com/office/drawing/2014/main" id="{AA40FEFD-1C19-1721-2701-19876E9AFF06}"/>
+                </a:ext>
+              </a:extLst>
+            </p:cNvPr>
+            <p:cNvPicPr>
+              <a:picLocks noChangeAspect="1"/>
+            </p:cNvPicPr>
+            <p:nvPr/>
+          </p:nvPicPr>
+          <p:blipFill>
+            <a:blip r:embed="rId3"/>
+            <a:stretch>
+              <a:fillRect/>
+            </a:stretch>
+          </p:blipFill>
+          <p:spPr>
+            <a:xfrm>
+              <a:off x="553973" y="2340742"/>
+              <a:ext cx="1752600" cy="628650"/>
+            </a:xfrm>
+            <a:prstGeom prst="rect">
+              <a:avLst/>
+            </a:prstGeom>
+          </p:spPr>
+        </p:pic>
+        <p:pic>
+          <p:nvPicPr>
+            <p:cNvPr id="7" name="Picture 6">
+              <a:extLst>
+                <a:ext uri="{FF2B5EF4-FFF2-40B4-BE49-F238E27FC236}">
+                  <a16:creationId xmlns:a16="http://schemas.microsoft.com/office/drawing/2014/main" id="{D06740CC-8E71-D0E7-3EAE-6849379712F1}"/>
+                </a:ext>
+              </a:extLst>
+            </p:cNvPr>
+            <p:cNvPicPr>
+              <a:picLocks noChangeAspect="1"/>
+            </p:cNvPicPr>
+            <p:nvPr/>
+          </p:nvPicPr>
+          <p:blipFill>
+            <a:blip r:embed="rId4"/>
+            <a:stretch>
+              <a:fillRect/>
+            </a:stretch>
+          </p:blipFill>
+          <p:spPr>
+            <a:xfrm>
+              <a:off x="355131" y="1087100"/>
+              <a:ext cx="2200275" cy="1238250"/>
+            </a:xfrm>
+            <a:prstGeom prst="rect">
+              <a:avLst/>
+            </a:prstGeom>
+          </p:spPr>
+        </p:pic>
+        <p:pic>
+          <p:nvPicPr>
+            <p:cNvPr id="12" name="Picture 11">
+              <a:extLst>
+                <a:ext uri="{FF2B5EF4-FFF2-40B4-BE49-F238E27FC236}">
+                  <a16:creationId xmlns:a16="http://schemas.microsoft.com/office/drawing/2014/main" id="{BF35B011-EB4F-0734-17F6-A448EA69C94F}"/>
+                </a:ext>
+              </a:extLst>
+            </p:cNvPr>
+            <p:cNvPicPr>
+              <a:picLocks noChangeAspect="1"/>
+            </p:cNvPicPr>
+            <p:nvPr/>
+          </p:nvPicPr>
+          <p:blipFill>
+            <a:blip r:embed="rId5"/>
+            <a:srcRect b="29284"/>
+            <a:stretch/>
+          </p:blipFill>
+          <p:spPr>
+            <a:xfrm>
+              <a:off x="136588" y="73581"/>
+              <a:ext cx="2295525" cy="1017091"/>
+            </a:xfrm>
+            <a:prstGeom prst="rect">
+              <a:avLst/>
+            </a:prstGeom>
+          </p:spPr>
+        </p:pic>
+        <p:pic>
+          <p:nvPicPr>
+            <p:cNvPr id="14" name="Picture 13">
+              <a:extLst>
+                <a:ext uri="{FF2B5EF4-FFF2-40B4-BE49-F238E27FC236}">
+                  <a16:creationId xmlns:a16="http://schemas.microsoft.com/office/drawing/2014/main" id="{D09C072F-4DE4-E891-2952-B7197B9753D0}"/>
+                </a:ext>
+              </a:extLst>
+            </p:cNvPr>
+            <p:cNvPicPr>
+              <a:picLocks noChangeAspect="1"/>
+            </p:cNvPicPr>
+            <p:nvPr/>
+          </p:nvPicPr>
+          <p:blipFill>
+            <a:blip r:embed="rId5"/>
+            <a:srcRect t="86322"/>
+            <a:stretch/>
+          </p:blipFill>
+          <p:spPr>
+            <a:xfrm>
+              <a:off x="134381" y="4326427"/>
+              <a:ext cx="2295525" cy="196732"/>
+            </a:xfrm>
+            <a:prstGeom prst="rect">
+              <a:avLst/>
+            </a:prstGeom>
+          </p:spPr>
+        </p:pic>
+        <p:pic>
+          <p:nvPicPr>
+            <p:cNvPr id="15" name="Picture 14">
+              <a:extLst>
+                <a:ext uri="{FF2B5EF4-FFF2-40B4-BE49-F238E27FC236}">
+                  <a16:creationId xmlns:a16="http://schemas.microsoft.com/office/drawing/2014/main" id="{620A7454-9756-79D7-60A2-09D05AB24568}"/>
+                </a:ext>
+              </a:extLst>
+            </p:cNvPr>
+            <p:cNvPicPr>
+              <a:picLocks noChangeAspect="1"/>
+            </p:cNvPicPr>
+            <p:nvPr/>
+          </p:nvPicPr>
+          <p:blipFill>
+            <a:blip r:embed="rId5"/>
+            <a:srcRect t="71090" b="13907"/>
+            <a:stretch/>
+          </p:blipFill>
+          <p:spPr>
+            <a:xfrm>
+              <a:off x="135269" y="3033236"/>
+              <a:ext cx="2295525" cy="215781"/>
+            </a:xfrm>
+            <a:prstGeom prst="rect">
+              <a:avLst/>
+            </a:prstGeom>
+          </p:spPr>
+        </p:pic>
+        <p:pic>
+          <p:nvPicPr>
+            <p:cNvPr id="18" name="Picture 17">
+              <a:extLst>
+                <a:ext uri="{FF2B5EF4-FFF2-40B4-BE49-F238E27FC236}">
+                  <a16:creationId xmlns:a16="http://schemas.microsoft.com/office/drawing/2014/main" id="{FB3B0D3C-592F-E3CC-08DC-456F3F57EDFD}"/>
+                </a:ext>
+              </a:extLst>
+            </p:cNvPr>
+            <p:cNvPicPr>
+              <a:picLocks noChangeAspect="1"/>
+            </p:cNvPicPr>
+            <p:nvPr/>
+          </p:nvPicPr>
+          <p:blipFill>
+            <a:blip r:embed="rId6"/>
+            <a:stretch>
+              <a:fillRect/>
+            </a:stretch>
+          </p:blipFill>
+          <p:spPr>
+            <a:xfrm>
+              <a:off x="312180" y="4500711"/>
+              <a:ext cx="3228975" cy="1066800"/>
+            </a:xfrm>
+            <a:prstGeom prst="rect">
+              <a:avLst/>
+            </a:prstGeom>
+          </p:spPr>
+        </p:pic>
+        <p:sp>
+          <p:nvSpPr>
+            <p:cNvPr id="2" name="TextBox 1">
+              <a:extLst>
+                <a:ext uri="{FF2B5EF4-FFF2-40B4-BE49-F238E27FC236}">
+                  <a16:creationId xmlns:a16="http://schemas.microsoft.com/office/drawing/2014/main" id="{20EC9BDC-90D1-A8F6-1350-A3AB66577D07}"/>
+                </a:ext>
+              </a:extLst>
+            </p:cNvPr>
+            <p:cNvSpPr txBox="1"/>
+            <p:nvPr/>
+          </p:nvSpPr>
+          <p:spPr>
+            <a:xfrm>
+              <a:off x="1282143" y="971136"/>
+              <a:ext cx="1618299" cy="1015663"/>
+            </a:xfrm>
+            <a:prstGeom prst="rect">
+              <a:avLst/>
+            </a:prstGeom>
+            <a:noFill/>
+          </p:spPr>
+          <p:txBody>
+            <a:bodyPr wrap="square">
+              <a:spAutoFit/>
+            </a:bodyPr>
+            <a:lstStyle>
+              <a:defPPr>
+                <a:defRPr lang="LID4096"/>
+              </a:defPPr>
+              <a:lvl1pPr>
+                <a:defRPr sz="1100" b="1"/>
+              </a:lvl1pPr>
+            </a:lstStyle>
+            <a:p>
+              <a:pPr algn="r"/>
+              <a:r>
+                <a:rPr lang="en-US" sz="2000" dirty="0"/>
+                <a:t>Algebra Linear</a:t>
+              </a:r>
+            </a:p>
+            <a:p>
+              <a:pPr algn="r"/>
+              <a:r>
+                <a:rPr lang="en-US" sz="2000" dirty="0"/>
+                <a:t>Q.E.D</a:t>
+              </a:r>
+              <a:endParaRPr lang="LID4096" sz="2000" dirty="0"/>
+            </a:p>
+          </p:txBody>
+        </p:sp>
+      </p:grpSp>
+      <p:grpSp>
+        <p:nvGrpSpPr>
+          <p:cNvPr id="9" name="Group 8">
+            <a:extLst>
+              <a:ext uri="{FF2B5EF4-FFF2-40B4-BE49-F238E27FC236}">
+                <a16:creationId xmlns:a16="http://schemas.microsoft.com/office/drawing/2014/main" id="{B0A2CBF5-EC51-2777-6D0E-DB5AA4D52C4E}"/>
+              </a:ext>
+            </a:extLst>
+          </p:cNvPr>
+          <p:cNvGrpSpPr/>
           <p:nvPr/>
-        </p:nvPicPr>
-        <p:blipFill>
-          <a:blip r:embed="rId3"/>
-          <a:stretch>
-            <a:fillRect/>
-          </a:stretch>
-        </p:blipFill>
-        <p:spPr>
+        </p:nvGrpSpPr>
+        <p:grpSpPr>
           <a:xfrm>
-            <a:off x="1395699" y="2678820"/>
-            <a:ext cx="1752600" cy="628650"/>
-          </a:xfrm>
-          <a:prstGeom prst="rect">
-            <a:avLst/>
-          </a:prstGeom>
-        </p:spPr>
-      </p:pic>
-      <p:pic>
-        <p:nvPicPr>
-          <p:cNvPr id="7" name="Picture 6">
-            <a:extLst>
-              <a:ext uri="{FF2B5EF4-FFF2-40B4-BE49-F238E27FC236}">
-                <a16:creationId xmlns:a16="http://schemas.microsoft.com/office/drawing/2014/main" id="{D06740CC-8E71-D0E7-3EAE-6849379712F1}"/>
-              </a:ext>
-            </a:extLst>
-          </p:cNvPr>
-          <p:cNvPicPr>
-            <a:picLocks noChangeAspect="1"/>
-          </p:cNvPicPr>
-          <p:nvPr/>
-        </p:nvPicPr>
-        <p:blipFill>
-          <a:blip r:embed="rId4"/>
-          <a:stretch>
-            <a:fillRect/>
-          </a:stretch>
-        </p:blipFill>
-        <p:spPr>
-          <a:xfrm>
-            <a:off x="1196857" y="1425178"/>
-            <a:ext cx="2200275" cy="1238250"/>
-          </a:xfrm>
-          <a:prstGeom prst="rect">
-            <a:avLst/>
-          </a:prstGeom>
-        </p:spPr>
-      </p:pic>
-      <p:pic>
-        <p:nvPicPr>
-          <p:cNvPr id="12" name="Picture 11">
-            <a:extLst>
-              <a:ext uri="{FF2B5EF4-FFF2-40B4-BE49-F238E27FC236}">
-                <a16:creationId xmlns:a16="http://schemas.microsoft.com/office/drawing/2014/main" id="{BF35B011-EB4F-0734-17F6-A448EA69C94F}"/>
-              </a:ext>
-            </a:extLst>
-          </p:cNvPr>
-          <p:cNvPicPr>
-            <a:picLocks noChangeAspect="1"/>
-          </p:cNvPicPr>
-          <p:nvPr/>
-        </p:nvPicPr>
-        <p:blipFill>
-          <a:blip r:embed="rId5"/>
-          <a:srcRect b="29284"/>
-          <a:stretch/>
-        </p:blipFill>
-        <p:spPr>
-          <a:xfrm>
-            <a:off x="978314" y="411659"/>
-            <a:ext cx="2295525" cy="1017091"/>
-          </a:xfrm>
-          <a:prstGeom prst="rect">
-            <a:avLst/>
-          </a:prstGeom>
-        </p:spPr>
-      </p:pic>
-      <p:pic>
-        <p:nvPicPr>
-          <p:cNvPr id="14" name="Picture 13">
-            <a:extLst>
-              <a:ext uri="{FF2B5EF4-FFF2-40B4-BE49-F238E27FC236}">
-                <a16:creationId xmlns:a16="http://schemas.microsoft.com/office/drawing/2014/main" id="{D09C072F-4DE4-E891-2952-B7197B9753D0}"/>
-              </a:ext>
-            </a:extLst>
-          </p:cNvPr>
-          <p:cNvPicPr>
-            <a:picLocks noChangeAspect="1"/>
-          </p:cNvPicPr>
-          <p:nvPr/>
-        </p:nvPicPr>
-        <p:blipFill>
-          <a:blip r:embed="rId5"/>
-          <a:srcRect t="86322"/>
-          <a:stretch/>
-        </p:blipFill>
-        <p:spPr>
-          <a:xfrm>
-            <a:off x="976107" y="4664505"/>
-            <a:ext cx="2295525" cy="196732"/>
-          </a:xfrm>
-          <a:prstGeom prst="rect">
-            <a:avLst/>
-          </a:prstGeom>
-        </p:spPr>
-      </p:pic>
-      <p:pic>
-        <p:nvPicPr>
-          <p:cNvPr id="15" name="Picture 14">
-            <a:extLst>
-              <a:ext uri="{FF2B5EF4-FFF2-40B4-BE49-F238E27FC236}">
-                <a16:creationId xmlns:a16="http://schemas.microsoft.com/office/drawing/2014/main" id="{620A7454-9756-79D7-60A2-09D05AB24568}"/>
-              </a:ext>
-            </a:extLst>
-          </p:cNvPr>
-          <p:cNvPicPr>
-            <a:picLocks noChangeAspect="1"/>
-          </p:cNvPicPr>
-          <p:nvPr/>
-        </p:nvPicPr>
-        <p:blipFill>
-          <a:blip r:embed="rId5"/>
-          <a:srcRect t="71090" b="13907"/>
-          <a:stretch/>
-        </p:blipFill>
-        <p:spPr>
-          <a:xfrm>
-            <a:off x="976995" y="3371314"/>
-            <a:ext cx="2295525" cy="215781"/>
-          </a:xfrm>
-          <a:prstGeom prst="rect">
-            <a:avLst/>
-          </a:prstGeom>
-        </p:spPr>
-      </p:pic>
-      <p:pic>
-        <p:nvPicPr>
-          <p:cNvPr id="18" name="Picture 17">
-            <a:extLst>
-              <a:ext uri="{FF2B5EF4-FFF2-40B4-BE49-F238E27FC236}">
-                <a16:creationId xmlns:a16="http://schemas.microsoft.com/office/drawing/2014/main" id="{FB3B0D3C-592F-E3CC-08DC-456F3F57EDFD}"/>
-              </a:ext>
-            </a:extLst>
-          </p:cNvPr>
-          <p:cNvPicPr>
-            <a:picLocks noChangeAspect="1"/>
-          </p:cNvPicPr>
-          <p:nvPr/>
-        </p:nvPicPr>
-        <p:blipFill>
-          <a:blip r:embed="rId6"/>
-          <a:stretch>
-            <a:fillRect/>
-          </a:stretch>
-        </p:blipFill>
-        <p:spPr>
-          <a:xfrm>
-            <a:off x="1153906" y="4838789"/>
-            <a:ext cx="3228975" cy="1066800"/>
-          </a:xfrm>
-          <a:prstGeom prst="rect">
-            <a:avLst/>
-          </a:prstGeom>
-        </p:spPr>
-      </p:pic>
-      <p:sp>
-        <p:nvSpPr>
-          <p:cNvPr id="2" name="TextBox 1">
-            <a:extLst>
-              <a:ext uri="{FF2B5EF4-FFF2-40B4-BE49-F238E27FC236}">
-                <a16:creationId xmlns:a16="http://schemas.microsoft.com/office/drawing/2014/main" id="{20EC9BDC-90D1-A8F6-1350-A3AB66577D07}"/>
-              </a:ext>
-            </a:extLst>
-          </p:cNvPr>
-          <p:cNvSpPr txBox="1"/>
-          <p:nvPr/>
-        </p:nvSpPr>
-        <p:spPr>
-          <a:xfrm>
-            <a:off x="2123869" y="1309214"/>
-            <a:ext cx="1618299" cy="1015663"/>
-          </a:xfrm>
-          <a:prstGeom prst="rect">
-            <a:avLst/>
-          </a:prstGeom>
-          <a:noFill/>
-        </p:spPr>
-        <p:txBody>
-          <a:bodyPr wrap="square">
-            <a:spAutoFit/>
-          </a:bodyPr>
-          <a:lstStyle>
-            <a:defPPr>
-              <a:defRPr lang="LID4096"/>
-            </a:defPPr>
-            <a:lvl1pPr>
-              <a:defRPr sz="1100" b="1"/>
-            </a:lvl1pPr>
-          </a:lstStyle>
-          <a:p>
-            <a:pPr algn="r"/>
-            <a:r>
-              <a:rPr lang="en-US" sz="2000" dirty="0"/>
-              <a:t>Algebra Linear</a:t>
-            </a:r>
-          </a:p>
-          <a:p>
-            <a:pPr algn="r"/>
-            <a:r>
-              <a:rPr lang="en-US" sz="2000" dirty="0"/>
-              <a:t>Q.E.D</a:t>
-            </a:r>
-            <a:endParaRPr lang="LID4096" sz="2000" dirty="0"/>
-          </a:p>
-        </p:txBody>
-      </p:sp>
-      <p:pic>
-        <p:nvPicPr>
-          <p:cNvPr id="4" name="Picture 3">
-            <a:extLst>
-              <a:ext uri="{FF2B5EF4-FFF2-40B4-BE49-F238E27FC236}">
-                <a16:creationId xmlns:a16="http://schemas.microsoft.com/office/drawing/2014/main" id="{CAA79721-9790-4B17-0F8E-C20296D4BDEB}"/>
-              </a:ext>
-            </a:extLst>
-          </p:cNvPr>
-          <p:cNvPicPr>
-            <a:picLocks noChangeAspect="1"/>
-          </p:cNvPicPr>
-          <p:nvPr/>
-        </p:nvPicPr>
-        <p:blipFill>
-          <a:blip r:embed="rId7"/>
-          <a:stretch>
-            <a:fillRect/>
-          </a:stretch>
-        </p:blipFill>
-        <p:spPr>
-          <a:xfrm>
-            <a:off x="4418075" y="281047"/>
-            <a:ext cx="2190750" cy="1619250"/>
-          </a:xfrm>
-          <a:prstGeom prst="rect">
-            <a:avLst/>
-          </a:prstGeom>
-        </p:spPr>
-      </p:pic>
-      <p:pic>
-        <p:nvPicPr>
-          <p:cNvPr id="6" name="Picture 5">
-            <a:extLst>
-              <a:ext uri="{FF2B5EF4-FFF2-40B4-BE49-F238E27FC236}">
-                <a16:creationId xmlns:a16="http://schemas.microsoft.com/office/drawing/2014/main" id="{CA557227-47CB-8EF3-CDB0-1EC8AE298BD3}"/>
-              </a:ext>
-            </a:extLst>
-          </p:cNvPr>
-          <p:cNvPicPr>
-            <a:picLocks noChangeAspect="1"/>
-          </p:cNvPicPr>
-          <p:nvPr/>
-        </p:nvPicPr>
-        <p:blipFill>
-          <a:blip r:embed="rId8"/>
-          <a:stretch>
-            <a:fillRect/>
-          </a:stretch>
-        </p:blipFill>
-        <p:spPr>
-          <a:xfrm>
-            <a:off x="6281973" y="1090672"/>
-            <a:ext cx="1400175" cy="1076325"/>
-          </a:xfrm>
-          <a:prstGeom prst="rect">
-            <a:avLst/>
-          </a:prstGeom>
-        </p:spPr>
-      </p:pic>
-      <p:pic>
-        <p:nvPicPr>
-          <p:cNvPr id="11" name="Picture 10">
-            <a:extLst>
-              <a:ext uri="{FF2B5EF4-FFF2-40B4-BE49-F238E27FC236}">
-                <a16:creationId xmlns:a16="http://schemas.microsoft.com/office/drawing/2014/main" id="{74410DBF-9D2F-99BC-B429-11019BA94026}"/>
-              </a:ext>
-            </a:extLst>
-          </p:cNvPr>
-          <p:cNvPicPr>
-            <a:picLocks noChangeAspect="1"/>
-          </p:cNvPicPr>
-          <p:nvPr/>
-        </p:nvPicPr>
-        <p:blipFill>
-          <a:blip r:embed="rId9"/>
-          <a:stretch>
-            <a:fillRect/>
-          </a:stretch>
-        </p:blipFill>
-        <p:spPr>
-          <a:xfrm>
-            <a:off x="7277335" y="1785997"/>
-            <a:ext cx="2390775" cy="2381250"/>
-          </a:xfrm>
-          <a:prstGeom prst="rect">
-            <a:avLst/>
-          </a:prstGeom>
-        </p:spPr>
-      </p:pic>
-      <p:sp>
-        <p:nvSpPr>
-          <p:cNvPr id="13" name="TextBox 12">
-            <a:extLst>
-              <a:ext uri="{FF2B5EF4-FFF2-40B4-BE49-F238E27FC236}">
-                <a16:creationId xmlns:a16="http://schemas.microsoft.com/office/drawing/2014/main" id="{36625287-2FC5-5977-9BFF-2F2C36817BBA}"/>
-              </a:ext>
-            </a:extLst>
-          </p:cNvPr>
-          <p:cNvSpPr txBox="1"/>
-          <p:nvPr/>
-        </p:nvSpPr>
-        <p:spPr>
-          <a:xfrm>
-            <a:off x="9987151" y="2324877"/>
-            <a:ext cx="1618299" cy="3477875"/>
-          </a:xfrm>
-          <a:prstGeom prst="rect">
-            <a:avLst/>
-          </a:prstGeom>
-          <a:noFill/>
-        </p:spPr>
-        <p:txBody>
-          <a:bodyPr wrap="square">
-            <a:spAutoFit/>
-          </a:bodyPr>
-          <a:lstStyle>
-            <a:defPPr>
-              <a:defRPr lang="LID4096"/>
-            </a:defPPr>
-            <a:lvl1pPr>
-              <a:defRPr sz="1100" b="1"/>
-            </a:lvl1pPr>
-          </a:lstStyle>
-          <a:p>
-            <a:pPr algn="r"/>
-            <a:r>
-              <a:rPr lang="en-US" sz="2000" dirty="0" err="1"/>
-              <a:t>Mfsetup</a:t>
-            </a:r>
-            <a:r>
-              <a:rPr lang="en-US" sz="2000" dirty="0"/>
-              <a:t> Kernel !</a:t>
-            </a:r>
-          </a:p>
-          <a:p>
-            <a:pPr algn="r"/>
-            <a:endParaRPr lang="en-US" sz="2000" dirty="0"/>
-          </a:p>
-          <a:p>
-            <a:pPr algn="r"/>
-            <a:r>
-              <a:rPr lang="en-US" sz="2000" dirty="0"/>
-              <a:t>https://doi-usgs.github.io/modflow-setup/latest/notebooks/Pleasant_lake_lgr_example.html</a:t>
-            </a:r>
-            <a:endParaRPr lang="LID4096" sz="2000" dirty="0"/>
-          </a:p>
-        </p:txBody>
-      </p:sp>
+            <a:off x="4401959" y="160083"/>
+            <a:ext cx="5443752" cy="2381250"/>
+            <a:chOff x="4401959" y="160083"/>
+            <a:chExt cx="5443752" cy="2381250"/>
+          </a:xfrm>
+        </p:grpSpPr>
+        <p:pic>
+          <p:nvPicPr>
+            <p:cNvPr id="4" name="Picture 3">
+              <a:extLst>
+                <a:ext uri="{FF2B5EF4-FFF2-40B4-BE49-F238E27FC236}">
+                  <a16:creationId xmlns:a16="http://schemas.microsoft.com/office/drawing/2014/main" id="{CAA79721-9790-4B17-0F8E-C20296D4BDEB}"/>
+                </a:ext>
+              </a:extLst>
+            </p:cNvPr>
+            <p:cNvPicPr>
+              <a:picLocks noChangeAspect="1"/>
+            </p:cNvPicPr>
+            <p:nvPr/>
+          </p:nvPicPr>
+          <p:blipFill>
+            <a:blip r:embed="rId7"/>
+            <a:stretch>
+              <a:fillRect/>
+            </a:stretch>
+          </p:blipFill>
+          <p:spPr>
+            <a:xfrm>
+              <a:off x="4401959" y="367549"/>
+              <a:ext cx="2190750" cy="1619250"/>
+            </a:xfrm>
+            <a:prstGeom prst="rect">
+              <a:avLst/>
+            </a:prstGeom>
+          </p:spPr>
+        </p:pic>
+        <p:pic>
+          <p:nvPicPr>
+            <p:cNvPr id="6" name="Picture 5">
+              <a:extLst>
+                <a:ext uri="{FF2B5EF4-FFF2-40B4-BE49-F238E27FC236}">
+                  <a16:creationId xmlns:a16="http://schemas.microsoft.com/office/drawing/2014/main" id="{CA557227-47CB-8EF3-CDB0-1EC8AE298BD3}"/>
+                </a:ext>
+              </a:extLst>
+            </p:cNvPr>
+            <p:cNvPicPr>
+              <a:picLocks noChangeAspect="1"/>
+            </p:cNvPicPr>
+            <p:nvPr/>
+          </p:nvPicPr>
+          <p:blipFill>
+            <a:blip r:embed="rId8"/>
+            <a:stretch>
+              <a:fillRect/>
+            </a:stretch>
+          </p:blipFill>
+          <p:spPr>
+            <a:xfrm>
+              <a:off x="6074778" y="956274"/>
+              <a:ext cx="1400175" cy="1076325"/>
+            </a:xfrm>
+            <a:prstGeom prst="rect">
+              <a:avLst/>
+            </a:prstGeom>
+          </p:spPr>
+        </p:pic>
+        <p:pic>
+          <p:nvPicPr>
+            <p:cNvPr id="11" name="Picture 10">
+              <a:extLst>
+                <a:ext uri="{FF2B5EF4-FFF2-40B4-BE49-F238E27FC236}">
+                  <a16:creationId xmlns:a16="http://schemas.microsoft.com/office/drawing/2014/main" id="{74410DBF-9D2F-99BC-B429-11019BA94026}"/>
+                </a:ext>
+              </a:extLst>
+            </p:cNvPr>
+            <p:cNvPicPr>
+              <a:picLocks noChangeAspect="1"/>
+            </p:cNvPicPr>
+            <p:nvPr/>
+          </p:nvPicPr>
+          <p:blipFill>
+            <a:blip r:embed="rId9"/>
+            <a:stretch>
+              <a:fillRect/>
+            </a:stretch>
+          </p:blipFill>
+          <p:spPr>
+            <a:xfrm>
+              <a:off x="7454936" y="160083"/>
+              <a:ext cx="2390775" cy="2381250"/>
+            </a:xfrm>
+            <a:prstGeom prst="rect">
+              <a:avLst/>
+            </a:prstGeom>
+          </p:spPr>
+        </p:pic>
+        <p:sp>
+          <p:nvSpPr>
+            <p:cNvPr id="13" name="TextBox 12">
+              <a:extLst>
+                <a:ext uri="{FF2B5EF4-FFF2-40B4-BE49-F238E27FC236}">
+                  <a16:creationId xmlns:a16="http://schemas.microsoft.com/office/drawing/2014/main" id="{36625287-2FC5-5977-9BFF-2F2C36817BBA}"/>
+                </a:ext>
+              </a:extLst>
+            </p:cNvPr>
+            <p:cNvSpPr txBox="1"/>
+            <p:nvPr/>
+          </p:nvSpPr>
+          <p:spPr>
+            <a:xfrm>
+              <a:off x="4401959" y="1960926"/>
+              <a:ext cx="3052977" cy="384721"/>
+            </a:xfrm>
+            <a:prstGeom prst="rect">
+              <a:avLst/>
+            </a:prstGeom>
+            <a:noFill/>
+          </p:spPr>
+          <p:txBody>
+            <a:bodyPr wrap="square">
+              <a:spAutoFit/>
+            </a:bodyPr>
+            <a:lstStyle>
+              <a:defPPr>
+                <a:defRPr lang="LID4096"/>
+              </a:defPPr>
+              <a:lvl1pPr>
+                <a:defRPr sz="1100" b="1"/>
+              </a:lvl1pPr>
+            </a:lstStyle>
+            <a:p>
+              <a:r>
+                <a:rPr lang="en-US" b="0" dirty="0"/>
+                <a:t>gis env! mfsetup kernel </a:t>
+              </a:r>
+              <a:r>
+                <a:rPr lang="en-US" sz="800" b="0" dirty="0">
+                  <a:solidFill>
+                    <a:srgbClr val="0000FF"/>
+                  </a:solidFill>
+                </a:rPr>
+                <a:t>https://doi-usgs.github.io/modflow-setup/latest/notebooks/Pleasant_lake_lgr_example.html</a:t>
+              </a:r>
+              <a:endParaRPr lang="LID4096" sz="800" b="0" dirty="0">
+                <a:solidFill>
+                  <a:srgbClr val="0000FF"/>
+                </a:solidFill>
+              </a:endParaRPr>
+            </a:p>
+          </p:txBody>
+        </p:sp>
+        <p:sp>
+          <p:nvSpPr>
+            <p:cNvPr id="5" name="Rectangle 4">
+              <a:extLst>
+                <a:ext uri="{FF2B5EF4-FFF2-40B4-BE49-F238E27FC236}">
+                  <a16:creationId xmlns:a16="http://schemas.microsoft.com/office/drawing/2014/main" id="{4D1B2026-5581-14F7-0231-0BB4466CE84E}"/>
+                </a:ext>
+              </a:extLst>
+            </p:cNvPr>
+            <p:cNvSpPr/>
+            <p:nvPr/>
+          </p:nvSpPr>
+          <p:spPr>
+            <a:xfrm>
+              <a:off x="4401959" y="1574015"/>
+              <a:ext cx="5303520" cy="192942"/>
+            </a:xfrm>
+            <a:prstGeom prst="rect">
+              <a:avLst/>
+            </a:prstGeom>
+            <a:noFill/>
+            <a:ln w="6350">
+              <a:solidFill>
+                <a:schemeClr val="tx1"/>
+              </a:solidFill>
+            </a:ln>
+            <a:effectLst>
+              <a:outerShdw blurRad="50800" dist="38100" dir="8100000" algn="tr" rotWithShape="0">
+                <a:prstClr val="black">
+                  <a:alpha val="40000"/>
+                </a:prstClr>
+              </a:outerShdw>
+            </a:effectLst>
+          </p:spPr>
+          <p:txBody>
+            <a:bodyPr wrap="none" anchor="ctr" anchorCtr="0">
+              <a:noAutofit/>
+            </a:bodyPr>
+            <a:lstStyle/>
+            <a:p>
+              <a:endParaRPr lang="LID4096"/>
+            </a:p>
+          </p:txBody>
+        </p:sp>
+      </p:grpSp>
     </p:spTree>
     <p:extLst>
       <p:ext uri="{BB962C8B-B14F-4D97-AF65-F5344CB8AC3E}">

--- a/01_Follow_up__activities.pptx
+++ b/01_Follow_up__activities.pptx
@@ -269,7 +269,7 @@
           <a:p>
             <a:fld id="{830943F9-8AC6-4393-AEEF-D45C2A43C7C7}" type="datetimeFigureOut">
               <a:rPr lang="LID4096" smtClean="0"/>
-              <a:t>01/31/2025</a:t>
+              <a:t>02/01/2025</a:t>
             </a:fld>
             <a:endParaRPr lang="LID4096"/>
           </a:p>
@@ -469,7 +469,7 @@
           <a:p>
             <a:fld id="{830943F9-8AC6-4393-AEEF-D45C2A43C7C7}" type="datetimeFigureOut">
               <a:rPr lang="LID4096" smtClean="0"/>
-              <a:t>01/31/2025</a:t>
+              <a:t>02/01/2025</a:t>
             </a:fld>
             <a:endParaRPr lang="LID4096"/>
           </a:p>
@@ -679,7 +679,7 @@
           <a:p>
             <a:fld id="{830943F9-8AC6-4393-AEEF-D45C2A43C7C7}" type="datetimeFigureOut">
               <a:rPr lang="LID4096" smtClean="0"/>
-              <a:t>01/31/2025</a:t>
+              <a:t>02/01/2025</a:t>
             </a:fld>
             <a:endParaRPr lang="LID4096"/>
           </a:p>
@@ -879,7 +879,7 @@
           <a:p>
             <a:fld id="{830943F9-8AC6-4393-AEEF-D45C2A43C7C7}" type="datetimeFigureOut">
               <a:rPr lang="LID4096" smtClean="0"/>
-              <a:t>01/31/2025</a:t>
+              <a:t>02/01/2025</a:t>
             </a:fld>
             <a:endParaRPr lang="LID4096"/>
           </a:p>
@@ -1155,7 +1155,7 @@
           <a:p>
             <a:fld id="{830943F9-8AC6-4393-AEEF-D45C2A43C7C7}" type="datetimeFigureOut">
               <a:rPr lang="LID4096" smtClean="0"/>
-              <a:t>01/31/2025</a:t>
+              <a:t>02/01/2025</a:t>
             </a:fld>
             <a:endParaRPr lang="LID4096"/>
           </a:p>
@@ -1423,7 +1423,7 @@
           <a:p>
             <a:fld id="{830943F9-8AC6-4393-AEEF-D45C2A43C7C7}" type="datetimeFigureOut">
               <a:rPr lang="LID4096" smtClean="0"/>
-              <a:t>01/31/2025</a:t>
+              <a:t>02/01/2025</a:t>
             </a:fld>
             <a:endParaRPr lang="LID4096"/>
           </a:p>
@@ -1838,7 +1838,7 @@
           <a:p>
             <a:fld id="{830943F9-8AC6-4393-AEEF-D45C2A43C7C7}" type="datetimeFigureOut">
               <a:rPr lang="LID4096" smtClean="0"/>
-              <a:t>01/31/2025</a:t>
+              <a:t>02/01/2025</a:t>
             </a:fld>
             <a:endParaRPr lang="LID4096"/>
           </a:p>
@@ -1980,7 +1980,7 @@
           <a:p>
             <a:fld id="{830943F9-8AC6-4393-AEEF-D45C2A43C7C7}" type="datetimeFigureOut">
               <a:rPr lang="LID4096" smtClean="0"/>
-              <a:t>01/31/2025</a:t>
+              <a:t>02/01/2025</a:t>
             </a:fld>
             <a:endParaRPr lang="LID4096"/>
           </a:p>
@@ -2093,7 +2093,7 @@
           <a:p>
             <a:fld id="{830943F9-8AC6-4393-AEEF-D45C2A43C7C7}" type="datetimeFigureOut">
               <a:rPr lang="LID4096" smtClean="0"/>
-              <a:t>01/31/2025</a:t>
+              <a:t>02/01/2025</a:t>
             </a:fld>
             <a:endParaRPr lang="LID4096"/>
           </a:p>
@@ -2406,7 +2406,7 @@
           <a:p>
             <a:fld id="{830943F9-8AC6-4393-AEEF-D45C2A43C7C7}" type="datetimeFigureOut">
               <a:rPr lang="LID4096" smtClean="0"/>
-              <a:t>01/31/2025</a:t>
+              <a:t>02/01/2025</a:t>
             </a:fld>
             <a:endParaRPr lang="LID4096"/>
           </a:p>
@@ -2695,7 +2695,7 @@
           <a:p>
             <a:fld id="{830943F9-8AC6-4393-AEEF-D45C2A43C7C7}" type="datetimeFigureOut">
               <a:rPr lang="LID4096" smtClean="0"/>
-              <a:t>01/31/2025</a:t>
+              <a:t>02/01/2025</a:t>
             </a:fld>
             <a:endParaRPr lang="LID4096"/>
           </a:p>
@@ -2938,7 +2938,7 @@
           <a:p>
             <a:fld id="{830943F9-8AC6-4393-AEEF-D45C2A43C7C7}" type="datetimeFigureOut">
               <a:rPr lang="LID4096" smtClean="0"/>
-              <a:t>01/31/2025</a:t>
+              <a:t>02/01/2025</a:t>
             </a:fld>
             <a:endParaRPr lang="LID4096"/>
           </a:p>
@@ -3880,651 +3880,6 @@
           <a:chExt cx="0" cy="0"/>
         </a:xfrm>
       </p:grpSpPr>
-      <p:pic>
-        <p:nvPicPr>
-          <p:cNvPr id="94" name="Picture 93">
-            <a:extLst>
-              <a:ext uri="{FF2B5EF4-FFF2-40B4-BE49-F238E27FC236}">
-                <a16:creationId xmlns:a16="http://schemas.microsoft.com/office/drawing/2014/main" id="{DE695EE5-1827-7DFE-DCD4-92486ED4A050}"/>
-              </a:ext>
-            </a:extLst>
-          </p:cNvPr>
-          <p:cNvPicPr>
-            <a:picLocks noChangeAspect="1"/>
-          </p:cNvPicPr>
-          <p:nvPr/>
-        </p:nvPicPr>
-        <p:blipFill>
-          <a:blip r:embed="rId2"/>
-          <a:srcRect l="868" t="63380" r="-868" b="2129"/>
-          <a:stretch/>
-        </p:blipFill>
-        <p:spPr>
-          <a:xfrm>
-            <a:off x="215844" y="1523482"/>
-            <a:ext cx="2695575" cy="229963"/>
-          </a:xfrm>
-          <a:prstGeom prst="rect">
-            <a:avLst/>
-          </a:prstGeom>
-        </p:spPr>
-      </p:pic>
-      <p:pic>
-        <p:nvPicPr>
-          <p:cNvPr id="91" name="Picture 90">
-            <a:extLst>
-              <a:ext uri="{FF2B5EF4-FFF2-40B4-BE49-F238E27FC236}">
-                <a16:creationId xmlns:a16="http://schemas.microsoft.com/office/drawing/2014/main" id="{3ED2BEEB-5E75-28E4-A162-BFCDCF228081}"/>
-              </a:ext>
-            </a:extLst>
-          </p:cNvPr>
-          <p:cNvPicPr>
-            <a:picLocks noChangeAspect="1"/>
-          </p:cNvPicPr>
-          <p:nvPr/>
-        </p:nvPicPr>
-        <p:blipFill>
-          <a:blip r:embed="rId2"/>
-          <a:srcRect t="-1" b="65510"/>
-          <a:stretch/>
-        </p:blipFill>
-        <p:spPr>
-          <a:xfrm>
-            <a:off x="160341" y="435581"/>
-            <a:ext cx="2695575" cy="229963"/>
-          </a:xfrm>
-          <a:prstGeom prst="rect">
-            <a:avLst/>
-          </a:prstGeom>
-        </p:spPr>
-      </p:pic>
-      <p:pic>
-        <p:nvPicPr>
-          <p:cNvPr id="81" name="Picture 80">
-            <a:extLst>
-              <a:ext uri="{FF2B5EF4-FFF2-40B4-BE49-F238E27FC236}">
-                <a16:creationId xmlns:a16="http://schemas.microsoft.com/office/drawing/2014/main" id="{2CBD049D-B977-FF81-0544-08BC64B59864}"/>
-              </a:ext>
-            </a:extLst>
-          </p:cNvPr>
-          <p:cNvPicPr>
-            <a:picLocks noChangeAspect="1"/>
-          </p:cNvPicPr>
-          <p:nvPr/>
-        </p:nvPicPr>
-        <p:blipFill>
-          <a:blip r:embed="rId3"/>
-          <a:srcRect l="570" t="40186" r="-570" b="50039"/>
-          <a:stretch/>
-        </p:blipFill>
-        <p:spPr>
-          <a:xfrm>
-            <a:off x="311929" y="3540340"/>
-            <a:ext cx="2838450" cy="200164"/>
-          </a:xfrm>
-          <a:prstGeom prst="rect">
-            <a:avLst/>
-          </a:prstGeom>
-        </p:spPr>
-      </p:pic>
-      <p:pic>
-        <p:nvPicPr>
-          <p:cNvPr id="73" name="Picture 72">
-            <a:extLst>
-              <a:ext uri="{FF2B5EF4-FFF2-40B4-BE49-F238E27FC236}">
-                <a16:creationId xmlns:a16="http://schemas.microsoft.com/office/drawing/2014/main" id="{5F3CF102-BC73-814B-9D57-AA2FD186C5BE}"/>
-              </a:ext>
-            </a:extLst>
-          </p:cNvPr>
-          <p:cNvPicPr>
-            <a:picLocks noChangeAspect="1"/>
-          </p:cNvPicPr>
-          <p:nvPr/>
-        </p:nvPicPr>
-        <p:blipFill>
-          <a:blip r:embed="rId3"/>
-          <a:srcRect l="570" t="30906" r="-570" b="58953"/>
-          <a:stretch/>
-        </p:blipFill>
-        <p:spPr>
-          <a:xfrm>
-            <a:off x="116717" y="1781474"/>
-            <a:ext cx="2838450" cy="207649"/>
-          </a:xfrm>
-          <a:prstGeom prst="rect">
-            <a:avLst/>
-          </a:prstGeom>
-        </p:spPr>
-      </p:pic>
-      <p:grpSp>
-        <p:nvGrpSpPr>
-          <p:cNvPr id="86" name="Group 85">
-            <a:extLst>
-              <a:ext uri="{FF2B5EF4-FFF2-40B4-BE49-F238E27FC236}">
-                <a16:creationId xmlns:a16="http://schemas.microsoft.com/office/drawing/2014/main" id="{2BABCB55-15A1-DE28-7A29-98993B69B6E5}"/>
-              </a:ext>
-            </a:extLst>
-          </p:cNvPr>
-          <p:cNvGrpSpPr/>
-          <p:nvPr/>
-        </p:nvGrpSpPr>
-        <p:grpSpPr>
-          <a:xfrm>
-            <a:off x="306007" y="2066981"/>
-            <a:ext cx="2790825" cy="574109"/>
-            <a:chOff x="474458" y="2285240"/>
-            <a:chExt cx="2790825" cy="574109"/>
-          </a:xfrm>
-        </p:grpSpPr>
-        <p:pic>
-          <p:nvPicPr>
-            <p:cNvPr id="11" name="Picture 10">
-              <a:extLst>
-                <a:ext uri="{FF2B5EF4-FFF2-40B4-BE49-F238E27FC236}">
-                  <a16:creationId xmlns:a16="http://schemas.microsoft.com/office/drawing/2014/main" id="{745EB0EC-CE42-C9EA-AECD-B72A481757F0}"/>
-                </a:ext>
-              </a:extLst>
-            </p:cNvPr>
-            <p:cNvPicPr>
-              <a:picLocks noChangeAspect="1"/>
-            </p:cNvPicPr>
-            <p:nvPr/>
-          </p:nvPicPr>
-          <p:blipFill>
-            <a:blip r:embed="rId4"/>
-            <a:stretch>
-              <a:fillRect/>
-            </a:stretch>
-          </p:blipFill>
-          <p:spPr>
-            <a:xfrm>
-              <a:off x="474458" y="2449774"/>
-              <a:ext cx="2790825" cy="409575"/>
-            </a:xfrm>
-            <a:prstGeom prst="rect">
-              <a:avLst/>
-            </a:prstGeom>
-            <a:ln>
-              <a:noFill/>
-            </a:ln>
-          </p:spPr>
-        </p:pic>
-        <p:sp>
-          <p:nvSpPr>
-            <p:cNvPr id="15" name="TextBox 14">
-              <a:extLst>
-                <a:ext uri="{FF2B5EF4-FFF2-40B4-BE49-F238E27FC236}">
-                  <a16:creationId xmlns:a16="http://schemas.microsoft.com/office/drawing/2014/main" id="{7DDD30BD-0845-D3C2-3409-A2B98F2B6646}"/>
-                </a:ext>
-              </a:extLst>
-            </p:cNvPr>
-            <p:cNvSpPr txBox="1"/>
-            <p:nvPr/>
-          </p:nvSpPr>
-          <p:spPr>
-            <a:xfrm>
-              <a:off x="2154446" y="2285240"/>
-              <a:ext cx="1106757" cy="246221"/>
-            </a:xfrm>
-            <a:prstGeom prst="rect">
-              <a:avLst/>
-            </a:prstGeom>
-            <a:noFill/>
-          </p:spPr>
-          <p:txBody>
-            <a:bodyPr wrap="square">
-              <a:spAutoFit/>
-            </a:bodyPr>
-            <a:lstStyle/>
-            <a:p>
-              <a:pPr algn="r"/>
-              <a:r>
-                <a:rPr lang="en-US" sz="1000" dirty="0">
-                  <a:solidFill>
-                    <a:srgbClr val="FF0000"/>
-                  </a:solidFill>
-                </a:rPr>
-                <a:t>Sfrmaker err</a:t>
-              </a:r>
-            </a:p>
-          </p:txBody>
-        </p:sp>
-      </p:grpSp>
-      <p:grpSp>
-        <p:nvGrpSpPr>
-          <p:cNvPr id="31" name="Group 30">
-            <a:extLst>
-              <a:ext uri="{FF2B5EF4-FFF2-40B4-BE49-F238E27FC236}">
-                <a16:creationId xmlns:a16="http://schemas.microsoft.com/office/drawing/2014/main" id="{E31A01C1-CBE8-682D-FA89-CC91FB9EC386}"/>
-              </a:ext>
-            </a:extLst>
-          </p:cNvPr>
-          <p:cNvGrpSpPr/>
-          <p:nvPr/>
-        </p:nvGrpSpPr>
-        <p:grpSpPr>
-          <a:xfrm>
-            <a:off x="135445" y="168948"/>
-            <a:ext cx="2403300" cy="273747"/>
-            <a:chOff x="202886" y="1307843"/>
-            <a:chExt cx="2403300" cy="273747"/>
-          </a:xfrm>
-        </p:grpSpPr>
-        <p:pic>
-          <p:nvPicPr>
-            <p:cNvPr id="23" name="Picture 22">
-              <a:extLst>
-                <a:ext uri="{FF2B5EF4-FFF2-40B4-BE49-F238E27FC236}">
-                  <a16:creationId xmlns:a16="http://schemas.microsoft.com/office/drawing/2014/main" id="{A02B55DE-E1BB-B21A-EC5C-89FA83EC778A}"/>
-                </a:ext>
-              </a:extLst>
-            </p:cNvPr>
-            <p:cNvPicPr>
-              <a:picLocks noChangeAspect="1"/>
-            </p:cNvPicPr>
-            <p:nvPr/>
-          </p:nvPicPr>
-          <p:blipFill>
-            <a:blip r:embed="rId5"/>
-            <a:srcRect t="40041" r="46014" b="40053"/>
-            <a:stretch/>
-          </p:blipFill>
-          <p:spPr>
-            <a:xfrm>
-              <a:off x="202886" y="1345243"/>
-              <a:ext cx="1090133" cy="204773"/>
-            </a:xfrm>
-            <a:prstGeom prst="rect">
-              <a:avLst/>
-            </a:prstGeom>
-          </p:spPr>
-        </p:pic>
-        <p:sp>
-          <p:nvSpPr>
-            <p:cNvPr id="24" name="Rectangle 23">
-              <a:extLst>
-                <a:ext uri="{FF2B5EF4-FFF2-40B4-BE49-F238E27FC236}">
-                  <a16:creationId xmlns:a16="http://schemas.microsoft.com/office/drawing/2014/main" id="{25743ECA-7AA8-97EB-2D50-69BCFAD039E8}"/>
-                </a:ext>
-              </a:extLst>
-            </p:cNvPr>
-            <p:cNvSpPr/>
-            <p:nvPr/>
-          </p:nvSpPr>
-          <p:spPr>
-            <a:xfrm>
-              <a:off x="202886" y="1324401"/>
-              <a:ext cx="2305761" cy="213260"/>
-            </a:xfrm>
-            <a:prstGeom prst="rect">
-              <a:avLst/>
-            </a:prstGeom>
-            <a:noFill/>
-            <a:ln w="6350">
-              <a:solidFill>
-                <a:srgbClr val="0000FF"/>
-              </a:solidFill>
-            </a:ln>
-            <a:effectLst>
-              <a:outerShdw blurRad="50800" dist="38100" dir="8100000" algn="tr" rotWithShape="0">
-                <a:prstClr val="black">
-                  <a:alpha val="40000"/>
-                </a:prstClr>
-              </a:outerShdw>
-            </a:effectLst>
-          </p:spPr>
-          <p:txBody>
-            <a:bodyPr wrap="none" anchor="ctr" anchorCtr="0">
-              <a:noAutofit/>
-            </a:bodyPr>
-            <a:lstStyle/>
-            <a:p>
-              <a:endParaRPr lang="LID4096"/>
-            </a:p>
-          </p:txBody>
-        </p:sp>
-        <p:sp>
-          <p:nvSpPr>
-            <p:cNvPr id="29" name="TextBox 28">
-              <a:extLst>
-                <a:ext uri="{FF2B5EF4-FFF2-40B4-BE49-F238E27FC236}">
-                  <a16:creationId xmlns:a16="http://schemas.microsoft.com/office/drawing/2014/main" id="{CE455491-2848-88AE-5040-6C6D1D9C8752}"/>
-                </a:ext>
-              </a:extLst>
-            </p:cNvPr>
-            <p:cNvSpPr txBox="1">
-              <a:spLocks noChangeAspect="1"/>
-            </p:cNvSpPr>
-            <p:nvPr/>
-          </p:nvSpPr>
-          <p:spPr>
-            <a:xfrm>
-              <a:off x="2324356" y="1307843"/>
-              <a:ext cx="281830" cy="273747"/>
-            </a:xfrm>
-            <a:prstGeom prst="rect">
-              <a:avLst/>
-            </a:prstGeom>
-            <a:solidFill>
-              <a:schemeClr val="accent2"/>
-            </a:solidFill>
-          </p:spPr>
-          <p:txBody>
-            <a:bodyPr wrap="none" lIns="0" tIns="0" rIns="0" bIns="0" anchor="ctr" anchorCtr="0">
-              <a:noAutofit/>
-            </a:bodyPr>
-            <a:lstStyle/>
-            <a:p>
-              <a:pPr algn="ctr"/>
-              <a:r>
-                <a:rPr lang="pt-BR" sz="1500" b="1" dirty="0">
-                  <a:solidFill>
-                    <a:schemeClr val="bg1"/>
-                  </a:solidFill>
-                </a:rPr>
-                <a:t>02</a:t>
-              </a:r>
-              <a:endParaRPr lang="LID4096" sz="1500" b="1" dirty="0">
-                <a:solidFill>
-                  <a:schemeClr val="bg1"/>
-                </a:solidFill>
-              </a:endParaRPr>
-            </a:p>
-          </p:txBody>
-        </p:sp>
-      </p:grpSp>
-      <p:sp>
-        <p:nvSpPr>
-          <p:cNvPr id="75" name="TextBox 74">
-            <a:extLst>
-              <a:ext uri="{FF2B5EF4-FFF2-40B4-BE49-F238E27FC236}">
-                <a16:creationId xmlns:a16="http://schemas.microsoft.com/office/drawing/2014/main" id="{D1B19020-64F5-1E91-C134-C5F989CFBE26}"/>
-              </a:ext>
-            </a:extLst>
-          </p:cNvPr>
-          <p:cNvSpPr txBox="1"/>
-          <p:nvPr/>
-        </p:nvSpPr>
-        <p:spPr>
-          <a:xfrm>
-            <a:off x="1679311" y="3508049"/>
-            <a:ext cx="1564037" cy="246221"/>
-          </a:xfrm>
-          <a:prstGeom prst="rect">
-            <a:avLst/>
-          </a:prstGeom>
-          <a:noFill/>
-        </p:spPr>
-        <p:txBody>
-          <a:bodyPr wrap="square">
-            <a:spAutoFit/>
-          </a:bodyPr>
-          <a:lstStyle/>
-          <a:p>
-            <a:pPr algn="r"/>
-            <a:r>
-              <a:rPr lang="en-US" sz="1000" dirty="0">
-                <a:solidFill>
-                  <a:srgbClr val="FF0000"/>
-                </a:solidFill>
-              </a:rPr>
-              <a:t>Sfrmaker &amp; New folder err</a:t>
-            </a:r>
-          </a:p>
-        </p:txBody>
-      </p:sp>
-      <p:pic>
-        <p:nvPicPr>
-          <p:cNvPr id="110" name="Picture 109">
-            <a:extLst>
-              <a:ext uri="{FF2B5EF4-FFF2-40B4-BE49-F238E27FC236}">
-                <a16:creationId xmlns:a16="http://schemas.microsoft.com/office/drawing/2014/main" id="{F86236EB-2743-8BA8-F38B-73501D48544B}"/>
-              </a:ext>
-            </a:extLst>
-          </p:cNvPr>
-          <p:cNvPicPr>
-            <a:picLocks noChangeAspect="1"/>
-          </p:cNvPicPr>
-          <p:nvPr/>
-        </p:nvPicPr>
-        <p:blipFill>
-          <a:blip r:embed="rId6"/>
-          <a:stretch>
-            <a:fillRect/>
-          </a:stretch>
-        </p:blipFill>
-        <p:spPr>
-          <a:xfrm>
-            <a:off x="364784" y="628180"/>
-            <a:ext cx="2486025" cy="228600"/>
-          </a:xfrm>
-          <a:prstGeom prst="rect">
-            <a:avLst/>
-          </a:prstGeom>
-        </p:spPr>
-      </p:pic>
-      <p:sp>
-        <p:nvSpPr>
-          <p:cNvPr id="118" name="TextBox 117">
-            <a:extLst>
-              <a:ext uri="{FF2B5EF4-FFF2-40B4-BE49-F238E27FC236}">
-                <a16:creationId xmlns:a16="http://schemas.microsoft.com/office/drawing/2014/main" id="{2011415F-6355-3776-326C-2C0571DCB8E8}"/>
-              </a:ext>
-            </a:extLst>
-          </p:cNvPr>
-          <p:cNvSpPr txBox="1"/>
-          <p:nvPr/>
-        </p:nvSpPr>
-        <p:spPr>
-          <a:xfrm>
-            <a:off x="2718626" y="628119"/>
-            <a:ext cx="964831" cy="246221"/>
-          </a:xfrm>
-          <a:prstGeom prst="rect">
-            <a:avLst/>
-          </a:prstGeom>
-          <a:noFill/>
-        </p:spPr>
-        <p:txBody>
-          <a:bodyPr wrap="square">
-            <a:spAutoFit/>
-          </a:bodyPr>
-          <a:lstStyle/>
-          <a:p>
-            <a:r>
-              <a:rPr lang="en-US" sz="1000" dirty="0">
-                <a:solidFill>
-                  <a:srgbClr val="0000FF"/>
-                </a:solidFill>
-              </a:rPr>
-              <a:t>On analysis</a:t>
-            </a:r>
-          </a:p>
-        </p:txBody>
-      </p:sp>
-      <p:grpSp>
-        <p:nvGrpSpPr>
-          <p:cNvPr id="49" name="Group 48">
-            <a:extLst>
-              <a:ext uri="{FF2B5EF4-FFF2-40B4-BE49-F238E27FC236}">
-                <a16:creationId xmlns:a16="http://schemas.microsoft.com/office/drawing/2014/main" id="{400AE3AD-3269-09B1-CF23-0554F964D916}"/>
-              </a:ext>
-            </a:extLst>
-          </p:cNvPr>
-          <p:cNvGrpSpPr/>
-          <p:nvPr/>
-        </p:nvGrpSpPr>
-        <p:grpSpPr>
-          <a:xfrm>
-            <a:off x="215844" y="1029701"/>
-            <a:ext cx="2960175" cy="457366"/>
-            <a:chOff x="241387" y="2531051"/>
-            <a:chExt cx="2960175" cy="457366"/>
-          </a:xfrm>
-        </p:grpSpPr>
-        <p:pic>
-          <p:nvPicPr>
-            <p:cNvPr id="93" name="Picture 92">
-              <a:extLst>
-                <a:ext uri="{FF2B5EF4-FFF2-40B4-BE49-F238E27FC236}">
-                  <a16:creationId xmlns:a16="http://schemas.microsoft.com/office/drawing/2014/main" id="{0F9E0152-5386-FF58-5C29-B4760E473D7A}"/>
-                </a:ext>
-              </a:extLst>
-            </p:cNvPr>
-            <p:cNvPicPr>
-              <a:picLocks noChangeAspect="1"/>
-            </p:cNvPicPr>
-            <p:nvPr/>
-          </p:nvPicPr>
-          <p:blipFill>
-            <a:blip r:embed="rId2"/>
-            <a:srcRect l="865" t="30605" r="-865" b="34904"/>
-            <a:stretch/>
-          </p:blipFill>
-          <p:spPr>
-            <a:xfrm>
-              <a:off x="241387" y="2531051"/>
-              <a:ext cx="2695575" cy="229963"/>
-            </a:xfrm>
-            <a:prstGeom prst="rect">
-              <a:avLst/>
-            </a:prstGeom>
-          </p:spPr>
-        </p:pic>
-        <p:pic>
-          <p:nvPicPr>
-            <p:cNvPr id="113" name="Picture 112">
-              <a:extLst>
-                <a:ext uri="{FF2B5EF4-FFF2-40B4-BE49-F238E27FC236}">
-                  <a16:creationId xmlns:a16="http://schemas.microsoft.com/office/drawing/2014/main" id="{60A75705-8356-A8D9-C261-6C0DDE6596C4}"/>
-                </a:ext>
-              </a:extLst>
-            </p:cNvPr>
-            <p:cNvPicPr>
-              <a:picLocks noChangeAspect="1"/>
-            </p:cNvPicPr>
-            <p:nvPr/>
-          </p:nvPicPr>
-          <p:blipFill>
-            <a:blip r:embed="rId7"/>
-            <a:stretch>
-              <a:fillRect/>
-            </a:stretch>
-          </p:blipFill>
-          <p:spPr>
-            <a:xfrm>
-              <a:off x="372637" y="2750292"/>
-              <a:ext cx="2828925" cy="238125"/>
-            </a:xfrm>
-            <a:prstGeom prst="rect">
-              <a:avLst/>
-            </a:prstGeom>
-          </p:spPr>
-        </p:pic>
-      </p:grpSp>
-      <p:sp>
-        <p:nvSpPr>
-          <p:cNvPr id="126" name="TextBox 125">
-            <a:extLst>
-              <a:ext uri="{FF2B5EF4-FFF2-40B4-BE49-F238E27FC236}">
-                <a16:creationId xmlns:a16="http://schemas.microsoft.com/office/drawing/2014/main" id="{226168DB-29F3-BAE2-04E0-F535567C8DE0}"/>
-              </a:ext>
-            </a:extLst>
-          </p:cNvPr>
-          <p:cNvSpPr txBox="1"/>
-          <p:nvPr/>
-        </p:nvSpPr>
-        <p:spPr>
-          <a:xfrm>
-            <a:off x="2104340" y="1475458"/>
-            <a:ext cx="703144" cy="246221"/>
-          </a:xfrm>
-          <a:prstGeom prst="rect">
-            <a:avLst/>
-          </a:prstGeom>
-          <a:noFill/>
-        </p:spPr>
-        <p:txBody>
-          <a:bodyPr wrap="square">
-            <a:spAutoFit/>
-          </a:bodyPr>
-          <a:lstStyle/>
-          <a:p>
-            <a:r>
-              <a:rPr lang="en-US" sz="1000" dirty="0">
-                <a:solidFill>
-                  <a:srgbClr val="0000FF"/>
-                </a:solidFill>
-              </a:rPr>
-              <a:t>Not yet</a:t>
-            </a:r>
-          </a:p>
-        </p:txBody>
-      </p:sp>
-      <p:sp>
-        <p:nvSpPr>
-          <p:cNvPr id="129" name="TextBox 128">
-            <a:extLst>
-              <a:ext uri="{FF2B5EF4-FFF2-40B4-BE49-F238E27FC236}">
-                <a16:creationId xmlns:a16="http://schemas.microsoft.com/office/drawing/2014/main" id="{549E7C78-E0FF-F705-01DE-AE42E344A130}"/>
-              </a:ext>
-            </a:extLst>
-          </p:cNvPr>
-          <p:cNvSpPr txBox="1"/>
-          <p:nvPr/>
-        </p:nvSpPr>
-        <p:spPr>
-          <a:xfrm>
-            <a:off x="-16856" y="2204442"/>
-            <a:ext cx="795178" cy="646331"/>
-          </a:xfrm>
-          <a:prstGeom prst="rect">
-            <a:avLst/>
-          </a:prstGeom>
-          <a:noFill/>
-        </p:spPr>
-        <p:txBody>
-          <a:bodyPr wrap="square">
-            <a:spAutoFit/>
-          </a:bodyPr>
-          <a:lstStyle/>
-          <a:p>
-            <a:r>
-              <a:rPr lang="pt-BR" sz="1200" dirty="0">
-                <a:solidFill>
-                  <a:srgbClr val="0000FF"/>
-                </a:solidFill>
-              </a:rPr>
-              <a:t>1.1</a:t>
-            </a:r>
-          </a:p>
-          <a:p>
-            <a:r>
-              <a:rPr lang="pt-BR" sz="1200" dirty="0">
-                <a:solidFill>
-                  <a:srgbClr val="0000FF"/>
-                </a:solidFill>
-              </a:rPr>
-              <a:t>1.2</a:t>
-            </a:r>
-          </a:p>
-          <a:p>
-            <a:r>
-              <a:rPr lang="pt-BR" sz="1200" dirty="0">
-                <a:solidFill>
-                  <a:srgbClr val="0000FF"/>
-                </a:solidFill>
-              </a:rPr>
-              <a:t>1.3</a:t>
-            </a:r>
-            <a:endParaRPr lang="LID4096" sz="1200" dirty="0">
-              <a:solidFill>
-                <a:srgbClr val="0000FF"/>
-              </a:solidFill>
-            </a:endParaRPr>
-          </a:p>
-        </p:txBody>
-      </p:sp>
       <p:grpSp>
         <p:nvGrpSpPr>
           <p:cNvPr id="3" name="Group 2">
@@ -4580,7 +3935,7 @@
               <p:nvPr/>
             </p:nvPicPr>
             <p:blipFill>
-              <a:blip r:embed="rId8"/>
+              <a:blip r:embed="rId2"/>
               <a:srcRect b="36433"/>
               <a:stretch/>
             </p:blipFill>
@@ -4673,7 +4028,7 @@
                     <p:nvPr/>
                   </p:nvPicPr>
                   <p:blipFill>
-                    <a:blip r:embed="rId9"/>
+                    <a:blip r:embed="rId3"/>
                     <a:srcRect t="65550" b="15487"/>
                     <a:stretch/>
                   </p:blipFill>
@@ -4766,7 +4121,7 @@
                           <p:nvPr/>
                         </p:nvPicPr>
                         <p:blipFill>
-                          <a:blip r:embed="rId10"/>
+                          <a:blip r:embed="rId4"/>
                           <a:srcRect t="1" b="14084"/>
                           <a:stretch/>
                         </p:blipFill>
@@ -4795,7 +4150,7 @@
                           <p:nvPr/>
                         </p:nvPicPr>
                         <p:blipFill>
-                          <a:blip r:embed="rId11"/>
+                          <a:blip r:embed="rId5"/>
                           <a:stretch>
                             <a:fillRect/>
                           </a:stretch>
@@ -4967,7 +4322,7 @@
                 <p:nvPr/>
               </p:nvPicPr>
               <p:blipFill>
-                <a:blip r:embed="rId12"/>
+                <a:blip r:embed="rId6"/>
                 <a:stretch>
                   <a:fillRect/>
                 </a:stretch>
@@ -5102,317 +4457,6 @@
           </p:txBody>
         </p:sp>
       </p:grpSp>
-      <p:pic>
-        <p:nvPicPr>
-          <p:cNvPr id="21" name="Picture 20">
-            <a:extLst>
-              <a:ext uri="{FF2B5EF4-FFF2-40B4-BE49-F238E27FC236}">
-                <a16:creationId xmlns:a16="http://schemas.microsoft.com/office/drawing/2014/main" id="{22D7A92B-5E3E-578D-43AE-0A1931899ED3}"/>
-              </a:ext>
-            </a:extLst>
-          </p:cNvPr>
-          <p:cNvPicPr>
-            <a:picLocks noChangeAspect="1"/>
-          </p:cNvPicPr>
-          <p:nvPr/>
-        </p:nvPicPr>
-        <p:blipFill>
-          <a:blip r:embed="rId13"/>
-          <a:stretch>
-            <a:fillRect/>
-          </a:stretch>
-        </p:blipFill>
-        <p:spPr>
-          <a:xfrm>
-            <a:off x="300983" y="3996520"/>
-            <a:ext cx="2219325" cy="619125"/>
-          </a:xfrm>
-          <a:prstGeom prst="rect">
-            <a:avLst/>
-          </a:prstGeom>
-        </p:spPr>
-      </p:pic>
-      <p:pic>
-        <p:nvPicPr>
-          <p:cNvPr id="77" name="Picture 76">
-            <a:extLst>
-              <a:ext uri="{FF2B5EF4-FFF2-40B4-BE49-F238E27FC236}">
-                <a16:creationId xmlns:a16="http://schemas.microsoft.com/office/drawing/2014/main" id="{B439789A-090D-4A1D-DF97-7BACEE7DB22D}"/>
-              </a:ext>
-            </a:extLst>
-          </p:cNvPr>
-          <p:cNvPicPr>
-            <a:picLocks noChangeAspect="1"/>
-          </p:cNvPicPr>
-          <p:nvPr/>
-        </p:nvPicPr>
-        <p:blipFill>
-          <a:blip r:embed="rId14"/>
-          <a:stretch>
-            <a:fillRect/>
-          </a:stretch>
-        </p:blipFill>
-        <p:spPr>
-          <a:xfrm>
-            <a:off x="364784" y="6153030"/>
-            <a:ext cx="2343150" cy="180975"/>
-          </a:xfrm>
-          <a:prstGeom prst="rect">
-            <a:avLst/>
-          </a:prstGeom>
-          <a:ln>
-            <a:noFill/>
-          </a:ln>
-        </p:spPr>
-      </p:pic>
-      <p:pic>
-        <p:nvPicPr>
-          <p:cNvPr id="78" name="Picture 77">
-            <a:extLst>
-              <a:ext uri="{FF2B5EF4-FFF2-40B4-BE49-F238E27FC236}">
-                <a16:creationId xmlns:a16="http://schemas.microsoft.com/office/drawing/2014/main" id="{DF4AF777-9E0F-3AC6-11E2-A82B7391FD6C}"/>
-              </a:ext>
-            </a:extLst>
-          </p:cNvPr>
-          <p:cNvPicPr>
-            <a:picLocks noChangeAspect="1"/>
-          </p:cNvPicPr>
-          <p:nvPr/>
-        </p:nvPicPr>
-        <p:blipFill>
-          <a:blip r:embed="rId15"/>
-          <a:stretch>
-            <a:fillRect/>
-          </a:stretch>
-        </p:blipFill>
-        <p:spPr>
-          <a:xfrm>
-            <a:off x="487637" y="6320982"/>
-            <a:ext cx="1201042" cy="172605"/>
-          </a:xfrm>
-          <a:prstGeom prst="rect">
-            <a:avLst/>
-          </a:prstGeom>
-        </p:spPr>
-      </p:pic>
-      <p:pic>
-        <p:nvPicPr>
-          <p:cNvPr id="79" name="Picture 78">
-            <a:extLst>
-              <a:ext uri="{FF2B5EF4-FFF2-40B4-BE49-F238E27FC236}">
-                <a16:creationId xmlns:a16="http://schemas.microsoft.com/office/drawing/2014/main" id="{72B59B0A-99E4-D0FB-E91A-FF79E22C4770}"/>
-              </a:ext>
-            </a:extLst>
-          </p:cNvPr>
-          <p:cNvPicPr>
-            <a:picLocks noChangeAspect="1"/>
-          </p:cNvPicPr>
-          <p:nvPr/>
-        </p:nvPicPr>
-        <p:blipFill>
-          <a:blip r:embed="rId16"/>
-          <a:srcRect t="3106" r="43214" b="86087"/>
-          <a:stretch/>
-        </p:blipFill>
-        <p:spPr>
-          <a:xfrm>
-            <a:off x="525922" y="6494545"/>
-            <a:ext cx="1514475" cy="179110"/>
-          </a:xfrm>
-          <a:prstGeom prst="rect">
-            <a:avLst/>
-          </a:prstGeom>
-          <a:ln>
-            <a:solidFill>
-              <a:srgbClr val="0000FF"/>
-            </a:solidFill>
-          </a:ln>
-        </p:spPr>
-      </p:pic>
-      <p:pic>
-        <p:nvPicPr>
-          <p:cNvPr id="80" name="Picture 79">
-            <a:extLst>
-              <a:ext uri="{FF2B5EF4-FFF2-40B4-BE49-F238E27FC236}">
-                <a16:creationId xmlns:a16="http://schemas.microsoft.com/office/drawing/2014/main" id="{B0D78205-81B9-1A64-D1C2-EB6E77558C7A}"/>
-              </a:ext>
-            </a:extLst>
-          </p:cNvPr>
-          <p:cNvPicPr>
-            <a:picLocks noChangeAspect="1"/>
-          </p:cNvPicPr>
-          <p:nvPr/>
-        </p:nvPicPr>
-        <p:blipFill>
-          <a:blip r:embed="rId3"/>
-          <a:srcRect l="-439" t="50109" r="439" b="40116"/>
-          <a:stretch/>
-        </p:blipFill>
-        <p:spPr>
-          <a:xfrm>
-            <a:off x="144679" y="3784993"/>
-            <a:ext cx="2838450" cy="200164"/>
-          </a:xfrm>
-          <a:prstGeom prst="rect">
-            <a:avLst/>
-          </a:prstGeom>
-        </p:spPr>
-      </p:pic>
-      <p:pic>
-        <p:nvPicPr>
-          <p:cNvPr id="82" name="Picture 81">
-            <a:extLst>
-              <a:ext uri="{FF2B5EF4-FFF2-40B4-BE49-F238E27FC236}">
-                <a16:creationId xmlns:a16="http://schemas.microsoft.com/office/drawing/2014/main" id="{DEDA4271-8F43-D113-16BE-D5741BC7E071}"/>
-              </a:ext>
-            </a:extLst>
-          </p:cNvPr>
-          <p:cNvPicPr>
-            <a:picLocks noChangeAspect="1"/>
-          </p:cNvPicPr>
-          <p:nvPr/>
-        </p:nvPicPr>
-        <p:blipFill>
-          <a:blip r:embed="rId3"/>
-          <a:srcRect l="1205" t="60205" r="-1205" b="29654"/>
-          <a:stretch/>
-        </p:blipFill>
-        <p:spPr>
-          <a:xfrm>
-            <a:off x="217757" y="4633227"/>
-            <a:ext cx="2838450" cy="207649"/>
-          </a:xfrm>
-          <a:prstGeom prst="rect">
-            <a:avLst/>
-          </a:prstGeom>
-        </p:spPr>
-      </p:pic>
-      <p:pic>
-        <p:nvPicPr>
-          <p:cNvPr id="83" name="Picture 82">
-            <a:extLst>
-              <a:ext uri="{FF2B5EF4-FFF2-40B4-BE49-F238E27FC236}">
-                <a16:creationId xmlns:a16="http://schemas.microsoft.com/office/drawing/2014/main" id="{7E0FE3E0-A736-8733-4E67-C9353C28F7FD}"/>
-              </a:ext>
-            </a:extLst>
-          </p:cNvPr>
-          <p:cNvPicPr>
-            <a:picLocks noChangeAspect="1"/>
-          </p:cNvPicPr>
-          <p:nvPr/>
-        </p:nvPicPr>
-        <p:blipFill>
-          <a:blip r:embed="rId3"/>
-          <a:srcRect l="499" t="69727" r="-499" b="20498"/>
-          <a:stretch/>
-        </p:blipFill>
-        <p:spPr>
-          <a:xfrm>
-            <a:off x="199329" y="5905651"/>
-            <a:ext cx="2838450" cy="200164"/>
-          </a:xfrm>
-          <a:prstGeom prst="rect">
-            <a:avLst/>
-          </a:prstGeom>
-        </p:spPr>
-      </p:pic>
-      <p:sp>
-        <p:nvSpPr>
-          <p:cNvPr id="84" name="TextBox 83">
-            <a:extLst>
-              <a:ext uri="{FF2B5EF4-FFF2-40B4-BE49-F238E27FC236}">
-                <a16:creationId xmlns:a16="http://schemas.microsoft.com/office/drawing/2014/main" id="{9935E674-20BB-FDD0-FEF6-BEBD184E0984}"/>
-              </a:ext>
-            </a:extLst>
-          </p:cNvPr>
-          <p:cNvSpPr txBox="1">
-            <a:spLocks/>
-          </p:cNvSpPr>
-          <p:nvPr/>
-        </p:nvSpPr>
-        <p:spPr>
-          <a:xfrm>
-            <a:off x="2490895" y="5914123"/>
-            <a:ext cx="369060" cy="137160"/>
-          </a:xfrm>
-          <a:prstGeom prst="rect">
-            <a:avLst/>
-          </a:prstGeom>
-          <a:solidFill>
-            <a:srgbClr val="00FF00"/>
-          </a:solidFill>
-        </p:spPr>
-        <p:txBody>
-          <a:bodyPr wrap="none" lIns="0" tIns="0" rIns="0" bIns="0" anchor="ctr" anchorCtr="0">
-            <a:noAutofit/>
-          </a:bodyPr>
-          <a:lstStyle/>
-          <a:p>
-            <a:pPr algn="ctr"/>
-            <a:r>
-              <a:rPr lang="pt-BR" sz="1200" b="1" dirty="0"/>
-              <a:t>0_01</a:t>
-            </a:r>
-            <a:endParaRPr lang="LID4096" sz="1200" b="1" dirty="0"/>
-          </a:p>
-        </p:txBody>
-      </p:sp>
-      <p:sp>
-        <p:nvSpPr>
-          <p:cNvPr id="87" name="TextBox 86">
-            <a:extLst>
-              <a:ext uri="{FF2B5EF4-FFF2-40B4-BE49-F238E27FC236}">
-                <a16:creationId xmlns:a16="http://schemas.microsoft.com/office/drawing/2014/main" id="{388779FE-7549-FF7E-561E-402898173FFC}"/>
-              </a:ext>
-            </a:extLst>
-          </p:cNvPr>
-          <p:cNvSpPr txBox="1"/>
-          <p:nvPr/>
-        </p:nvSpPr>
-        <p:spPr>
-          <a:xfrm>
-            <a:off x="2166796" y="6324436"/>
-            <a:ext cx="870983" cy="400110"/>
-          </a:xfrm>
-          <a:prstGeom prst="rect">
-            <a:avLst/>
-          </a:prstGeom>
-          <a:noFill/>
-        </p:spPr>
-        <p:txBody>
-          <a:bodyPr wrap="square">
-            <a:spAutoFit/>
-          </a:bodyPr>
-          <a:lstStyle/>
-          <a:p>
-            <a:pPr algn="ctr"/>
-            <a:r>
-              <a:rPr lang="pt-BR" sz="1000" dirty="0">
-                <a:solidFill>
-                  <a:srgbClr val="0000FF"/>
-                </a:solidFill>
-              </a:rPr>
-              <a:t>Local </a:t>
-            </a:r>
-          </a:p>
-          <a:p>
-            <a:pPr algn="ctr"/>
-            <a:r>
-              <a:rPr lang="pt-BR" sz="1000" dirty="0">
-                <a:solidFill>
-                  <a:srgbClr val="0000FF"/>
-                </a:solidFill>
-              </a:rPr>
-              <a:t>&amp; Temp.</a:t>
-            </a:r>
-            <a:endParaRPr lang="LID4096" sz="1000" dirty="0">
-              <a:solidFill>
-                <a:srgbClr val="0000FF"/>
-              </a:solidFill>
-            </a:endParaRPr>
-          </a:p>
-        </p:txBody>
-      </p:sp>
       <p:grpSp>
         <p:nvGrpSpPr>
           <p:cNvPr id="95" name="Group 94">
@@ -5596,7 +4640,7 @@
                   <a:latin typeface="Lucida Casual"/>
                   <a:ea typeface="Calibri" panose="020F0502020204030204" pitchFamily="34" charset="0"/>
                   <a:cs typeface="Arial" panose="020B0604020202020204" pitchFamily="34" charset="0"/>
-                  <a:hlinkClick r:id="rId17">
+                  <a:hlinkClick r:id="rId7">
                     <a:extLst>
                       <a:ext uri="{A12FA001-AC4F-418D-AE19-62706E023703}">
                         <ahyp:hlinkClr xmlns:ahyp="http://schemas.microsoft.com/office/drawing/2018/hyperlinkcolor" val="tx"/>
@@ -5615,7 +4659,7 @@
                   <a:latin typeface="Lucida Casual"/>
                   <a:ea typeface="Calibri" panose="020F0502020204030204" pitchFamily="34" charset="0"/>
                   <a:cs typeface="Arial" panose="020B0604020202020204" pitchFamily="34" charset="0"/>
-                  <a:hlinkClick r:id="rId17">
+                  <a:hlinkClick r:id="rId7">
                     <a:extLst>
                       <a:ext uri="{A12FA001-AC4F-418D-AE19-62706E023703}">
                         <ahyp:hlinkClr xmlns:ahyp="http://schemas.microsoft.com/office/drawing/2018/hyperlinkcolor" val="tx"/>
@@ -5638,73 +4682,131 @@
           </p:txBody>
         </p:sp>
       </p:grpSp>
-      <p:sp>
-        <p:nvSpPr>
-          <p:cNvPr id="99" name="TextBox 98">
-            <a:extLst>
-              <a:ext uri="{FF2B5EF4-FFF2-40B4-BE49-F238E27FC236}">
-                <a16:creationId xmlns:a16="http://schemas.microsoft.com/office/drawing/2014/main" id="{B1601243-856A-45E8-168A-9D61EB1E2A8E}"/>
-              </a:ext>
-            </a:extLst>
-          </p:cNvPr>
-          <p:cNvSpPr txBox="1"/>
+      <p:pic>
+        <p:nvPicPr>
+          <p:cNvPr id="26" name="Picture 25">
+            <a:extLst>
+              <a:ext uri="{FF2B5EF4-FFF2-40B4-BE49-F238E27FC236}">
+                <a16:creationId xmlns:a16="http://schemas.microsoft.com/office/drawing/2014/main" id="{14450CD6-44A1-A1B4-0568-C40663F2F3A6}"/>
+              </a:ext>
+            </a:extLst>
+          </p:cNvPr>
+          <p:cNvPicPr>
+            <a:picLocks noChangeAspect="1"/>
+          </p:cNvPicPr>
           <p:nvPr/>
-        </p:nvSpPr>
+        </p:nvPicPr>
+        <p:blipFill>
+          <a:blip r:embed="rId8">
+            <a:extLst>
+              <a:ext uri="{28A0092B-C50C-407E-A947-70E740481C1C}">
+                <a14:useLocalDpi xmlns:a14="http://schemas.microsoft.com/office/drawing/2010/main" val="0"/>
+              </a:ext>
+            </a:extLst>
+          </a:blip>
+          <a:stretch>
+            <a:fillRect/>
+          </a:stretch>
+        </p:blipFill>
         <p:spPr>
           <a:xfrm>
-            <a:off x="1726586" y="5847179"/>
-            <a:ext cx="795178" cy="261610"/>
+            <a:off x="11203204" y="2264292"/>
+            <a:ext cx="914708" cy="667489"/>
           </a:xfrm>
           <a:prstGeom prst="rect">
             <a:avLst/>
           </a:prstGeom>
-          <a:noFill/>
+          <a:ln>
+            <a:solidFill>
+              <a:schemeClr val="tx1"/>
+            </a:solidFill>
+          </a:ln>
         </p:spPr>
-        <p:txBody>
-          <a:bodyPr wrap="square">
-            <a:spAutoFit/>
-          </a:bodyPr>
-          <a:lstStyle/>
-          <a:p>
-            <a:r>
-              <a:rPr lang="LID4096" sz="1100" b="1" dirty="0">
-                <a:solidFill>
-                  <a:srgbClr val="FF0000"/>
-                </a:solidFill>
-              </a:rPr>
-              <a:t>FREYBERG</a:t>
-            </a:r>
-          </a:p>
-        </p:txBody>
-      </p:sp>
+      </p:pic>
       <p:grpSp>
         <p:nvGrpSpPr>
-          <p:cNvPr id="152" name="Group 151">
-            <a:extLst>
-              <a:ext uri="{FF2B5EF4-FFF2-40B4-BE49-F238E27FC236}">
-                <a16:creationId xmlns:a16="http://schemas.microsoft.com/office/drawing/2014/main" id="{5FE4C295-E936-A659-CDBA-616496FB3442}"/>
-              </a:ext>
-            </a:extLst>
-          </p:cNvPr>
-          <p:cNvGrpSpPr>
-            <a:grpSpLocks noChangeAspect="1"/>
-          </p:cNvGrpSpPr>
+          <p:cNvPr id="27" name="Group 26">
+            <a:extLst>
+              <a:ext uri="{FF2B5EF4-FFF2-40B4-BE49-F238E27FC236}">
+                <a16:creationId xmlns:a16="http://schemas.microsoft.com/office/drawing/2014/main" id="{A91DCF14-06C2-C809-423F-67CF8F58A262}"/>
+              </a:ext>
+            </a:extLst>
+          </p:cNvPr>
+          <p:cNvGrpSpPr/>
           <p:nvPr/>
         </p:nvGrpSpPr>
         <p:grpSpPr>
           <a:xfrm>
-            <a:off x="3505223" y="1248942"/>
-            <a:ext cx="1750219" cy="937762"/>
-            <a:chOff x="3359013" y="3874720"/>
-            <a:chExt cx="2620955" cy="1404300"/>
+            <a:off x="135445" y="168948"/>
+            <a:ext cx="3548012" cy="1584497"/>
+            <a:chOff x="135445" y="168948"/>
+            <a:chExt cx="3548012" cy="1584497"/>
           </a:xfrm>
         </p:grpSpPr>
+        <p:pic>
+          <p:nvPicPr>
+            <p:cNvPr id="94" name="Picture 93">
+              <a:extLst>
+                <a:ext uri="{FF2B5EF4-FFF2-40B4-BE49-F238E27FC236}">
+                  <a16:creationId xmlns:a16="http://schemas.microsoft.com/office/drawing/2014/main" id="{DE695EE5-1827-7DFE-DCD4-92486ED4A050}"/>
+                </a:ext>
+              </a:extLst>
+            </p:cNvPr>
+            <p:cNvPicPr>
+              <a:picLocks noChangeAspect="1"/>
+            </p:cNvPicPr>
+            <p:nvPr/>
+          </p:nvPicPr>
+          <p:blipFill>
+            <a:blip r:embed="rId9"/>
+            <a:srcRect l="868" t="63380" r="-868" b="2129"/>
+            <a:stretch/>
+          </p:blipFill>
+          <p:spPr>
+            <a:xfrm>
+              <a:off x="215844" y="1523482"/>
+              <a:ext cx="2695575" cy="229963"/>
+            </a:xfrm>
+            <a:prstGeom prst="rect">
+              <a:avLst/>
+            </a:prstGeom>
+          </p:spPr>
+        </p:pic>
+        <p:pic>
+          <p:nvPicPr>
+            <p:cNvPr id="91" name="Picture 90">
+              <a:extLst>
+                <a:ext uri="{FF2B5EF4-FFF2-40B4-BE49-F238E27FC236}">
+                  <a16:creationId xmlns:a16="http://schemas.microsoft.com/office/drawing/2014/main" id="{3ED2BEEB-5E75-28E4-A162-BFCDCF228081}"/>
+                </a:ext>
+              </a:extLst>
+            </p:cNvPr>
+            <p:cNvPicPr>
+              <a:picLocks noChangeAspect="1"/>
+            </p:cNvPicPr>
+            <p:nvPr/>
+          </p:nvPicPr>
+          <p:blipFill>
+            <a:blip r:embed="rId9"/>
+            <a:srcRect t="-1" b="65510"/>
+            <a:stretch/>
+          </p:blipFill>
+          <p:spPr>
+            <a:xfrm>
+              <a:off x="160341" y="435581"/>
+              <a:ext cx="2695575" cy="229963"/>
+            </a:xfrm>
+            <a:prstGeom prst="rect">
+              <a:avLst/>
+            </a:prstGeom>
+          </p:spPr>
+        </p:pic>
         <p:grpSp>
           <p:nvGrpSpPr>
-            <p:cNvPr id="10" name="Group 9">
+            <p:cNvPr id="31" name="Group 30">
               <a:extLst>
                 <a:ext uri="{FF2B5EF4-FFF2-40B4-BE49-F238E27FC236}">
-                  <a16:creationId xmlns:a16="http://schemas.microsoft.com/office/drawing/2014/main" id="{B3A9A5EA-52DA-010A-1C4F-B9D19D434102}"/>
+                  <a16:creationId xmlns:a16="http://schemas.microsoft.com/office/drawing/2014/main" id="{E31A01C1-CBE8-682D-FA89-CC91FB9EC386}"/>
                 </a:ext>
               </a:extLst>
             </p:cNvPr>
@@ -5713,18 +4815,994 @@
           </p:nvGrpSpPr>
           <p:grpSpPr>
             <a:xfrm>
-              <a:off x="3359013" y="3874720"/>
-              <a:ext cx="2620955" cy="1404300"/>
-              <a:chOff x="3718384" y="3631485"/>
-              <a:chExt cx="2620955" cy="1404300"/>
+              <a:off x="135445" y="168948"/>
+              <a:ext cx="2403300" cy="273747"/>
+              <a:chOff x="202886" y="1307843"/>
+              <a:chExt cx="2403300" cy="273747"/>
+            </a:xfrm>
+          </p:grpSpPr>
+          <p:pic>
+            <p:nvPicPr>
+              <p:cNvPr id="23" name="Picture 22">
+                <a:extLst>
+                  <a:ext uri="{FF2B5EF4-FFF2-40B4-BE49-F238E27FC236}">
+                    <a16:creationId xmlns:a16="http://schemas.microsoft.com/office/drawing/2014/main" id="{A02B55DE-E1BB-B21A-EC5C-89FA83EC778A}"/>
+                  </a:ext>
+                </a:extLst>
+              </p:cNvPr>
+              <p:cNvPicPr>
+                <a:picLocks noChangeAspect="1"/>
+              </p:cNvPicPr>
+              <p:nvPr/>
+            </p:nvPicPr>
+            <p:blipFill>
+              <a:blip r:embed="rId10"/>
+              <a:srcRect t="40041" r="46014" b="40053"/>
+              <a:stretch/>
+            </p:blipFill>
+            <p:spPr>
+              <a:xfrm>
+                <a:off x="202886" y="1345243"/>
+                <a:ext cx="1090133" cy="204773"/>
+              </a:xfrm>
+              <a:prstGeom prst="rect">
+                <a:avLst/>
+              </a:prstGeom>
+            </p:spPr>
+          </p:pic>
+          <p:sp>
+            <p:nvSpPr>
+              <p:cNvPr id="24" name="Rectangle 23">
+                <a:extLst>
+                  <a:ext uri="{FF2B5EF4-FFF2-40B4-BE49-F238E27FC236}">
+                    <a16:creationId xmlns:a16="http://schemas.microsoft.com/office/drawing/2014/main" id="{25743ECA-7AA8-97EB-2D50-69BCFAD039E8}"/>
+                  </a:ext>
+                </a:extLst>
+              </p:cNvPr>
+              <p:cNvSpPr/>
+              <p:nvPr/>
+            </p:nvSpPr>
+            <p:spPr>
+              <a:xfrm>
+                <a:off x="202886" y="1324401"/>
+                <a:ext cx="2305761" cy="213260"/>
+              </a:xfrm>
+              <a:prstGeom prst="rect">
+                <a:avLst/>
+              </a:prstGeom>
+              <a:noFill/>
+              <a:ln w="6350">
+                <a:solidFill>
+                  <a:srgbClr val="0000FF"/>
+                </a:solidFill>
+              </a:ln>
+              <a:effectLst>
+                <a:outerShdw blurRad="50800" dist="38100" dir="8100000" algn="tr" rotWithShape="0">
+                  <a:prstClr val="black">
+                    <a:alpha val="40000"/>
+                  </a:prstClr>
+                </a:outerShdw>
+              </a:effectLst>
+            </p:spPr>
+            <p:txBody>
+              <a:bodyPr wrap="none" anchor="ctr" anchorCtr="0">
+                <a:noAutofit/>
+              </a:bodyPr>
+              <a:lstStyle/>
+              <a:p>
+                <a:endParaRPr lang="LID4096"/>
+              </a:p>
+            </p:txBody>
+          </p:sp>
+          <p:sp>
+            <p:nvSpPr>
+              <p:cNvPr id="29" name="TextBox 28">
+                <a:extLst>
+                  <a:ext uri="{FF2B5EF4-FFF2-40B4-BE49-F238E27FC236}">
+                    <a16:creationId xmlns:a16="http://schemas.microsoft.com/office/drawing/2014/main" id="{CE455491-2848-88AE-5040-6C6D1D9C8752}"/>
+                  </a:ext>
+                </a:extLst>
+              </p:cNvPr>
+              <p:cNvSpPr txBox="1">
+                <a:spLocks noChangeAspect="1"/>
+              </p:cNvSpPr>
+              <p:nvPr/>
+            </p:nvSpPr>
+            <p:spPr>
+              <a:xfrm>
+                <a:off x="2324356" y="1307843"/>
+                <a:ext cx="281830" cy="273747"/>
+              </a:xfrm>
+              <a:prstGeom prst="rect">
+                <a:avLst/>
+              </a:prstGeom>
+              <a:solidFill>
+                <a:schemeClr val="accent2"/>
+              </a:solidFill>
+            </p:spPr>
+            <p:txBody>
+              <a:bodyPr wrap="none" lIns="0" tIns="0" rIns="0" bIns="0" anchor="ctr" anchorCtr="0">
+                <a:noAutofit/>
+              </a:bodyPr>
+              <a:lstStyle/>
+              <a:p>
+                <a:pPr algn="ctr"/>
+                <a:r>
+                  <a:rPr lang="pt-BR" sz="1500" b="1" dirty="0">
+                    <a:solidFill>
+                      <a:schemeClr val="bg1"/>
+                    </a:solidFill>
+                  </a:rPr>
+                  <a:t>02</a:t>
+                </a:r>
+                <a:endParaRPr lang="LID4096" sz="1500" b="1" dirty="0">
+                  <a:solidFill>
+                    <a:schemeClr val="bg1"/>
+                  </a:solidFill>
+                </a:endParaRPr>
+              </a:p>
+            </p:txBody>
+          </p:sp>
+        </p:grpSp>
+        <p:pic>
+          <p:nvPicPr>
+            <p:cNvPr id="110" name="Picture 109">
+              <a:extLst>
+                <a:ext uri="{FF2B5EF4-FFF2-40B4-BE49-F238E27FC236}">
+                  <a16:creationId xmlns:a16="http://schemas.microsoft.com/office/drawing/2014/main" id="{F86236EB-2743-8BA8-F38B-73501D48544B}"/>
+                </a:ext>
+              </a:extLst>
+            </p:cNvPr>
+            <p:cNvPicPr>
+              <a:picLocks noChangeAspect="1"/>
+            </p:cNvPicPr>
+            <p:nvPr/>
+          </p:nvPicPr>
+          <p:blipFill>
+            <a:blip r:embed="rId11"/>
+            <a:stretch>
+              <a:fillRect/>
+            </a:stretch>
+          </p:blipFill>
+          <p:spPr>
+            <a:xfrm>
+              <a:off x="364784" y="628180"/>
+              <a:ext cx="2486025" cy="228600"/>
+            </a:xfrm>
+            <a:prstGeom prst="rect">
+              <a:avLst/>
+            </a:prstGeom>
+          </p:spPr>
+        </p:pic>
+        <p:sp>
+          <p:nvSpPr>
+            <p:cNvPr id="118" name="TextBox 117">
+              <a:extLst>
+                <a:ext uri="{FF2B5EF4-FFF2-40B4-BE49-F238E27FC236}">
+                  <a16:creationId xmlns:a16="http://schemas.microsoft.com/office/drawing/2014/main" id="{2011415F-6355-3776-326C-2C0571DCB8E8}"/>
+                </a:ext>
+              </a:extLst>
+            </p:cNvPr>
+            <p:cNvSpPr txBox="1"/>
+            <p:nvPr/>
+          </p:nvSpPr>
+          <p:spPr>
+            <a:xfrm>
+              <a:off x="2718626" y="628119"/>
+              <a:ext cx="964831" cy="246221"/>
+            </a:xfrm>
+            <a:prstGeom prst="rect">
+              <a:avLst/>
+            </a:prstGeom>
+            <a:noFill/>
+          </p:spPr>
+          <p:txBody>
+            <a:bodyPr wrap="square">
+              <a:spAutoFit/>
+            </a:bodyPr>
+            <a:lstStyle/>
+            <a:p>
+              <a:r>
+                <a:rPr lang="en-US" sz="1000" dirty="0">
+                  <a:solidFill>
+                    <a:srgbClr val="0000FF"/>
+                  </a:solidFill>
+                </a:rPr>
+                <a:t>On analysis</a:t>
+              </a:r>
+            </a:p>
+          </p:txBody>
+        </p:sp>
+        <p:grpSp>
+          <p:nvGrpSpPr>
+            <p:cNvPr id="49" name="Group 48">
+              <a:extLst>
+                <a:ext uri="{FF2B5EF4-FFF2-40B4-BE49-F238E27FC236}">
+                  <a16:creationId xmlns:a16="http://schemas.microsoft.com/office/drawing/2014/main" id="{400AE3AD-3269-09B1-CF23-0554F964D916}"/>
+                </a:ext>
+              </a:extLst>
+            </p:cNvPr>
+            <p:cNvGrpSpPr/>
+            <p:nvPr/>
+          </p:nvGrpSpPr>
+          <p:grpSpPr>
+            <a:xfrm>
+              <a:off x="215844" y="1029701"/>
+              <a:ext cx="2960175" cy="457366"/>
+              <a:chOff x="241387" y="2531051"/>
+              <a:chExt cx="2960175" cy="457366"/>
+            </a:xfrm>
+          </p:grpSpPr>
+          <p:pic>
+            <p:nvPicPr>
+              <p:cNvPr id="93" name="Picture 92">
+                <a:extLst>
+                  <a:ext uri="{FF2B5EF4-FFF2-40B4-BE49-F238E27FC236}">
+                    <a16:creationId xmlns:a16="http://schemas.microsoft.com/office/drawing/2014/main" id="{0F9E0152-5386-FF58-5C29-B4760E473D7A}"/>
+                  </a:ext>
+                </a:extLst>
+              </p:cNvPr>
+              <p:cNvPicPr>
+                <a:picLocks noChangeAspect="1"/>
+              </p:cNvPicPr>
+              <p:nvPr/>
+            </p:nvPicPr>
+            <p:blipFill>
+              <a:blip r:embed="rId9"/>
+              <a:srcRect l="865" t="30605" r="-865" b="34904"/>
+              <a:stretch/>
+            </p:blipFill>
+            <p:spPr>
+              <a:xfrm>
+                <a:off x="241387" y="2531051"/>
+                <a:ext cx="2695575" cy="229963"/>
+              </a:xfrm>
+              <a:prstGeom prst="rect">
+                <a:avLst/>
+              </a:prstGeom>
+            </p:spPr>
+          </p:pic>
+          <p:pic>
+            <p:nvPicPr>
+              <p:cNvPr id="113" name="Picture 112">
+                <a:extLst>
+                  <a:ext uri="{FF2B5EF4-FFF2-40B4-BE49-F238E27FC236}">
+                    <a16:creationId xmlns:a16="http://schemas.microsoft.com/office/drawing/2014/main" id="{60A75705-8356-A8D9-C261-6C0DDE6596C4}"/>
+                  </a:ext>
+                </a:extLst>
+              </p:cNvPr>
+              <p:cNvPicPr>
+                <a:picLocks noChangeAspect="1"/>
+              </p:cNvPicPr>
+              <p:nvPr/>
+            </p:nvPicPr>
+            <p:blipFill>
+              <a:blip r:embed="rId12"/>
+              <a:stretch>
+                <a:fillRect/>
+              </a:stretch>
+            </p:blipFill>
+            <p:spPr>
+              <a:xfrm>
+                <a:off x="372637" y="2750292"/>
+                <a:ext cx="2828925" cy="238125"/>
+              </a:xfrm>
+              <a:prstGeom prst="rect">
+                <a:avLst/>
+              </a:prstGeom>
+            </p:spPr>
+          </p:pic>
+        </p:grpSp>
+        <p:sp>
+          <p:nvSpPr>
+            <p:cNvPr id="126" name="TextBox 125">
+              <a:extLst>
+                <a:ext uri="{FF2B5EF4-FFF2-40B4-BE49-F238E27FC236}">
+                  <a16:creationId xmlns:a16="http://schemas.microsoft.com/office/drawing/2014/main" id="{226168DB-29F3-BAE2-04E0-F535567C8DE0}"/>
+                </a:ext>
+              </a:extLst>
+            </p:cNvPr>
+            <p:cNvSpPr txBox="1"/>
+            <p:nvPr/>
+          </p:nvSpPr>
+          <p:spPr>
+            <a:xfrm>
+              <a:off x="2104340" y="1475458"/>
+              <a:ext cx="703144" cy="246221"/>
+            </a:xfrm>
+            <a:prstGeom prst="rect">
+              <a:avLst/>
+            </a:prstGeom>
+            <a:noFill/>
+          </p:spPr>
+          <p:txBody>
+            <a:bodyPr wrap="square">
+              <a:spAutoFit/>
+            </a:bodyPr>
+            <a:lstStyle/>
+            <a:p>
+              <a:r>
+                <a:rPr lang="en-US" sz="1000" dirty="0">
+                  <a:solidFill>
+                    <a:srgbClr val="0000FF"/>
+                  </a:solidFill>
+                </a:rPr>
+                <a:t>Not yet</a:t>
+              </a:r>
+            </a:p>
+          </p:txBody>
+        </p:sp>
+        <p:pic>
+          <p:nvPicPr>
+            <p:cNvPr id="48" name="Picture 47">
+              <a:extLst>
+                <a:ext uri="{FF2B5EF4-FFF2-40B4-BE49-F238E27FC236}">
+                  <a16:creationId xmlns:a16="http://schemas.microsoft.com/office/drawing/2014/main" id="{B705D8E0-0771-27DD-F690-E71424E9A589}"/>
+                </a:ext>
+              </a:extLst>
+            </p:cNvPr>
+            <p:cNvPicPr>
+              <a:picLocks noChangeAspect="1"/>
+            </p:cNvPicPr>
+            <p:nvPr/>
+          </p:nvPicPr>
+          <p:blipFill>
+            <a:blip r:embed="rId13"/>
+            <a:stretch>
+              <a:fillRect/>
+            </a:stretch>
+          </p:blipFill>
+          <p:spPr>
+            <a:xfrm>
+              <a:off x="390921" y="833496"/>
+              <a:ext cx="2743200" cy="200025"/>
+            </a:xfrm>
+            <a:prstGeom prst="rect">
+              <a:avLst/>
+            </a:prstGeom>
+          </p:spPr>
+        </p:pic>
+      </p:grpSp>
+      <p:grpSp>
+        <p:nvGrpSpPr>
+          <p:cNvPr id="34" name="Group 33">
+            <a:extLst>
+              <a:ext uri="{FF2B5EF4-FFF2-40B4-BE49-F238E27FC236}">
+                <a16:creationId xmlns:a16="http://schemas.microsoft.com/office/drawing/2014/main" id="{44B88B3A-5C1C-29C3-6CA0-136763AD4FCC}"/>
+              </a:ext>
+            </a:extLst>
+          </p:cNvPr>
+          <p:cNvGrpSpPr/>
+          <p:nvPr/>
+        </p:nvGrpSpPr>
+        <p:grpSpPr>
+          <a:xfrm>
+            <a:off x="144679" y="3508049"/>
+            <a:ext cx="3110362" cy="1990801"/>
+            <a:chOff x="144679" y="3508049"/>
+            <a:chExt cx="3110362" cy="1990801"/>
+          </a:xfrm>
+        </p:grpSpPr>
+        <p:pic>
+          <p:nvPicPr>
+            <p:cNvPr id="81" name="Picture 80">
+              <a:extLst>
+                <a:ext uri="{FF2B5EF4-FFF2-40B4-BE49-F238E27FC236}">
+                  <a16:creationId xmlns:a16="http://schemas.microsoft.com/office/drawing/2014/main" id="{2CBD049D-B977-FF81-0544-08BC64B59864}"/>
+                </a:ext>
+              </a:extLst>
+            </p:cNvPr>
+            <p:cNvPicPr>
+              <a:picLocks noChangeAspect="1"/>
+            </p:cNvPicPr>
+            <p:nvPr/>
+          </p:nvPicPr>
+          <p:blipFill>
+            <a:blip r:embed="rId14"/>
+            <a:srcRect l="570" t="40186" r="-570" b="50039"/>
+            <a:stretch/>
+          </p:blipFill>
+          <p:spPr>
+            <a:xfrm>
+              <a:off x="311929" y="3540340"/>
+              <a:ext cx="2838450" cy="200164"/>
+            </a:xfrm>
+            <a:prstGeom prst="rect">
+              <a:avLst/>
+            </a:prstGeom>
+          </p:spPr>
+        </p:pic>
+        <p:sp>
+          <p:nvSpPr>
+            <p:cNvPr id="75" name="TextBox 74">
+              <a:extLst>
+                <a:ext uri="{FF2B5EF4-FFF2-40B4-BE49-F238E27FC236}">
+                  <a16:creationId xmlns:a16="http://schemas.microsoft.com/office/drawing/2014/main" id="{D1B19020-64F5-1E91-C134-C5F989CFBE26}"/>
+                </a:ext>
+              </a:extLst>
+            </p:cNvPr>
+            <p:cNvSpPr txBox="1"/>
+            <p:nvPr/>
+          </p:nvSpPr>
+          <p:spPr>
+            <a:xfrm>
+              <a:off x="1679311" y="3508049"/>
+              <a:ext cx="1564037" cy="246221"/>
+            </a:xfrm>
+            <a:prstGeom prst="rect">
+              <a:avLst/>
+            </a:prstGeom>
+            <a:noFill/>
+          </p:spPr>
+          <p:txBody>
+            <a:bodyPr wrap="square">
+              <a:spAutoFit/>
+            </a:bodyPr>
+            <a:lstStyle/>
+            <a:p>
+              <a:pPr algn="r"/>
+              <a:r>
+                <a:rPr lang="en-US" sz="1000" dirty="0">
+                  <a:solidFill>
+                    <a:srgbClr val="FF0000"/>
+                  </a:solidFill>
+                </a:rPr>
+                <a:t>Sfrmaker &amp; New folder err</a:t>
+              </a:r>
+            </a:p>
+          </p:txBody>
+        </p:sp>
+        <p:pic>
+          <p:nvPicPr>
+            <p:cNvPr id="21" name="Picture 20">
+              <a:extLst>
+                <a:ext uri="{FF2B5EF4-FFF2-40B4-BE49-F238E27FC236}">
+                  <a16:creationId xmlns:a16="http://schemas.microsoft.com/office/drawing/2014/main" id="{22D7A92B-5E3E-578D-43AE-0A1931899ED3}"/>
+                </a:ext>
+              </a:extLst>
+            </p:cNvPr>
+            <p:cNvPicPr>
+              <a:picLocks noChangeAspect="1"/>
+            </p:cNvPicPr>
+            <p:nvPr/>
+          </p:nvPicPr>
+          <p:blipFill>
+            <a:blip r:embed="rId15"/>
+            <a:stretch>
+              <a:fillRect/>
+            </a:stretch>
+          </p:blipFill>
+          <p:spPr>
+            <a:xfrm>
+              <a:off x="300983" y="3996520"/>
+              <a:ext cx="2219325" cy="619125"/>
+            </a:xfrm>
+            <a:prstGeom prst="rect">
+              <a:avLst/>
+            </a:prstGeom>
+          </p:spPr>
+        </p:pic>
+        <p:pic>
+          <p:nvPicPr>
+            <p:cNvPr id="80" name="Picture 79">
+              <a:extLst>
+                <a:ext uri="{FF2B5EF4-FFF2-40B4-BE49-F238E27FC236}">
+                  <a16:creationId xmlns:a16="http://schemas.microsoft.com/office/drawing/2014/main" id="{B0D78205-81B9-1A64-D1C2-EB6E77558C7A}"/>
+                </a:ext>
+              </a:extLst>
+            </p:cNvPr>
+            <p:cNvPicPr>
+              <a:picLocks noChangeAspect="1"/>
+            </p:cNvPicPr>
+            <p:nvPr/>
+          </p:nvPicPr>
+          <p:blipFill>
+            <a:blip r:embed="rId14"/>
+            <a:srcRect l="-439" t="50109" r="439" b="40116"/>
+            <a:stretch/>
+          </p:blipFill>
+          <p:spPr>
+            <a:xfrm>
+              <a:off x="144679" y="3784993"/>
+              <a:ext cx="2838450" cy="200164"/>
+            </a:xfrm>
+            <a:prstGeom prst="rect">
+              <a:avLst/>
+            </a:prstGeom>
+          </p:spPr>
+        </p:pic>
+        <p:pic>
+          <p:nvPicPr>
+            <p:cNvPr id="82" name="Picture 81">
+              <a:extLst>
+                <a:ext uri="{FF2B5EF4-FFF2-40B4-BE49-F238E27FC236}">
+                  <a16:creationId xmlns:a16="http://schemas.microsoft.com/office/drawing/2014/main" id="{DEDA4271-8F43-D113-16BE-D5741BC7E071}"/>
+                </a:ext>
+              </a:extLst>
+            </p:cNvPr>
+            <p:cNvPicPr>
+              <a:picLocks noChangeAspect="1"/>
+            </p:cNvPicPr>
+            <p:nvPr/>
+          </p:nvPicPr>
+          <p:blipFill>
+            <a:blip r:embed="rId14"/>
+            <a:srcRect l="1205" t="60205" r="-1205" b="29654"/>
+            <a:stretch/>
+          </p:blipFill>
+          <p:spPr>
+            <a:xfrm>
+              <a:off x="217757" y="4633227"/>
+              <a:ext cx="2838450" cy="207649"/>
+            </a:xfrm>
+            <a:prstGeom prst="rect">
+              <a:avLst/>
+            </a:prstGeom>
+          </p:spPr>
+        </p:pic>
+        <p:sp>
+          <p:nvSpPr>
+            <p:cNvPr id="13" name="TextBox 12">
+              <a:extLst>
+                <a:ext uri="{FF2B5EF4-FFF2-40B4-BE49-F238E27FC236}">
+                  <a16:creationId xmlns:a16="http://schemas.microsoft.com/office/drawing/2014/main" id="{E1306BEF-02CF-D663-26B6-B8F4A1CA97EF}"/>
+                </a:ext>
+              </a:extLst>
+            </p:cNvPr>
+            <p:cNvSpPr txBox="1">
+              <a:spLocks/>
+            </p:cNvSpPr>
+            <p:nvPr/>
+          </p:nvSpPr>
+          <p:spPr>
+            <a:xfrm>
+              <a:off x="2486139" y="4088483"/>
+              <a:ext cx="696097" cy="409575"/>
+            </a:xfrm>
+            <a:prstGeom prst="rect">
+              <a:avLst/>
+            </a:prstGeom>
+            <a:noFill/>
+          </p:spPr>
+          <p:txBody>
+            <a:bodyPr wrap="square" lIns="0" tIns="0" rIns="0" bIns="0" anchor="ctr" anchorCtr="0">
+              <a:noAutofit/>
+            </a:bodyPr>
+            <a:lstStyle/>
+            <a:p>
+              <a:pPr algn="ctr"/>
+              <a:r>
+                <a:rPr lang="en-US" sz="800" dirty="0">
+                  <a:latin typeface="Cambria" panose="02040503050406030204" pitchFamily="18" charset="0"/>
+                  <a:ea typeface="Cambria" panose="02040503050406030204" pitchFamily="18" charset="0"/>
+                </a:rPr>
+                <a:t>First assumptions</a:t>
+              </a:r>
+            </a:p>
+          </p:txBody>
+        </p:sp>
+        <p:pic>
+          <p:nvPicPr>
+            <p:cNvPr id="28" name="Picture 27">
+              <a:extLst>
+                <a:ext uri="{FF2B5EF4-FFF2-40B4-BE49-F238E27FC236}">
+                  <a16:creationId xmlns:a16="http://schemas.microsoft.com/office/drawing/2014/main" id="{B0287FAB-998A-62AD-9101-C672BAD9E9C4}"/>
+                </a:ext>
+              </a:extLst>
+            </p:cNvPr>
+            <p:cNvPicPr>
+              <a:picLocks noChangeAspect="1"/>
+            </p:cNvPicPr>
+            <p:nvPr/>
+          </p:nvPicPr>
+          <p:blipFill>
+            <a:blip r:embed="rId16"/>
+            <a:stretch>
+              <a:fillRect/>
+            </a:stretch>
+          </p:blipFill>
+          <p:spPr>
+            <a:xfrm>
+              <a:off x="296119" y="4879725"/>
+              <a:ext cx="2390775" cy="619125"/>
+            </a:xfrm>
+            <a:prstGeom prst="rect">
+              <a:avLst/>
+            </a:prstGeom>
+          </p:spPr>
+        </p:pic>
+        <p:pic>
+          <p:nvPicPr>
+            <p:cNvPr id="39" name="Picture 38">
+              <a:extLst>
+                <a:ext uri="{FF2B5EF4-FFF2-40B4-BE49-F238E27FC236}">
+                  <a16:creationId xmlns:a16="http://schemas.microsoft.com/office/drawing/2014/main" id="{901580E5-95FF-2D74-611B-D1FACD9B03BB}"/>
+                </a:ext>
+              </a:extLst>
+            </p:cNvPr>
+            <p:cNvPicPr>
+              <a:picLocks noChangeAspect="1"/>
+            </p:cNvPicPr>
+            <p:nvPr/>
+          </p:nvPicPr>
+          <p:blipFill>
+            <a:blip r:embed="rId17"/>
+            <a:stretch>
+              <a:fillRect/>
+            </a:stretch>
+          </p:blipFill>
+          <p:spPr>
+            <a:xfrm>
+              <a:off x="2556754" y="4803856"/>
+              <a:ext cx="698287" cy="685435"/>
+            </a:xfrm>
+            <a:prstGeom prst="rect">
+              <a:avLst/>
+            </a:prstGeom>
+          </p:spPr>
+        </p:pic>
+      </p:grpSp>
+      <p:grpSp>
+        <p:nvGrpSpPr>
+          <p:cNvPr id="32" name="Group 31">
+            <a:extLst>
+              <a:ext uri="{FF2B5EF4-FFF2-40B4-BE49-F238E27FC236}">
+                <a16:creationId xmlns:a16="http://schemas.microsoft.com/office/drawing/2014/main" id="{2423EE49-916E-700E-31BC-7FAF8A06534C}"/>
+              </a:ext>
+            </a:extLst>
+          </p:cNvPr>
+          <p:cNvGrpSpPr/>
+          <p:nvPr/>
+        </p:nvGrpSpPr>
+        <p:grpSpPr>
+          <a:xfrm>
+            <a:off x="199329" y="5680015"/>
+            <a:ext cx="3696122" cy="1046706"/>
+            <a:chOff x="199329" y="5680015"/>
+            <a:chExt cx="3696122" cy="1046706"/>
+          </a:xfrm>
+        </p:grpSpPr>
+        <p:pic>
+          <p:nvPicPr>
+            <p:cNvPr id="77" name="Picture 76">
+              <a:extLst>
+                <a:ext uri="{FF2B5EF4-FFF2-40B4-BE49-F238E27FC236}">
+                  <a16:creationId xmlns:a16="http://schemas.microsoft.com/office/drawing/2014/main" id="{B439789A-090D-4A1D-DF97-7BACEE7DB22D}"/>
+                </a:ext>
+              </a:extLst>
+            </p:cNvPr>
+            <p:cNvPicPr>
+              <a:picLocks noChangeAspect="1"/>
+            </p:cNvPicPr>
+            <p:nvPr/>
+          </p:nvPicPr>
+          <p:blipFill>
+            <a:blip r:embed="rId18"/>
+            <a:stretch>
+              <a:fillRect/>
+            </a:stretch>
+          </p:blipFill>
+          <p:spPr>
+            <a:xfrm>
+              <a:off x="364784" y="6153030"/>
+              <a:ext cx="2343150" cy="180975"/>
+            </a:xfrm>
+            <a:prstGeom prst="rect">
+              <a:avLst/>
+            </a:prstGeom>
+            <a:ln>
+              <a:noFill/>
+            </a:ln>
+          </p:spPr>
+        </p:pic>
+        <p:pic>
+          <p:nvPicPr>
+            <p:cNvPr id="78" name="Picture 77">
+              <a:extLst>
+                <a:ext uri="{FF2B5EF4-FFF2-40B4-BE49-F238E27FC236}">
+                  <a16:creationId xmlns:a16="http://schemas.microsoft.com/office/drawing/2014/main" id="{DF4AF777-9E0F-3AC6-11E2-A82B7391FD6C}"/>
+                </a:ext>
+              </a:extLst>
+            </p:cNvPr>
+            <p:cNvPicPr>
+              <a:picLocks noChangeAspect="1"/>
+            </p:cNvPicPr>
+            <p:nvPr/>
+          </p:nvPicPr>
+          <p:blipFill>
+            <a:blip r:embed="rId19"/>
+            <a:stretch>
+              <a:fillRect/>
+            </a:stretch>
+          </p:blipFill>
+          <p:spPr>
+            <a:xfrm>
+              <a:off x="487637" y="6320982"/>
+              <a:ext cx="1201042" cy="172605"/>
+            </a:xfrm>
+            <a:prstGeom prst="rect">
+              <a:avLst/>
+            </a:prstGeom>
+          </p:spPr>
+        </p:pic>
+        <p:pic>
+          <p:nvPicPr>
+            <p:cNvPr id="79" name="Picture 78">
+              <a:extLst>
+                <a:ext uri="{FF2B5EF4-FFF2-40B4-BE49-F238E27FC236}">
+                  <a16:creationId xmlns:a16="http://schemas.microsoft.com/office/drawing/2014/main" id="{72B59B0A-99E4-D0FB-E91A-FF79E22C4770}"/>
+                </a:ext>
+              </a:extLst>
+            </p:cNvPr>
+            <p:cNvPicPr>
+              <a:picLocks noChangeAspect="1"/>
+            </p:cNvPicPr>
+            <p:nvPr/>
+          </p:nvPicPr>
+          <p:blipFill>
+            <a:blip r:embed="rId20"/>
+            <a:srcRect t="3106" r="43214" b="86087"/>
+            <a:stretch/>
+          </p:blipFill>
+          <p:spPr>
+            <a:xfrm>
+              <a:off x="525922" y="6494545"/>
+              <a:ext cx="1514475" cy="179110"/>
+            </a:xfrm>
+            <a:prstGeom prst="rect">
+              <a:avLst/>
+            </a:prstGeom>
+            <a:ln>
+              <a:solidFill>
+                <a:srgbClr val="0000FF"/>
+              </a:solidFill>
+            </a:ln>
+          </p:spPr>
+        </p:pic>
+        <p:pic>
+          <p:nvPicPr>
+            <p:cNvPr id="83" name="Picture 82">
+              <a:extLst>
+                <a:ext uri="{FF2B5EF4-FFF2-40B4-BE49-F238E27FC236}">
+                  <a16:creationId xmlns:a16="http://schemas.microsoft.com/office/drawing/2014/main" id="{7E0FE3E0-A736-8733-4E67-C9353C28F7FD}"/>
+                </a:ext>
+              </a:extLst>
+            </p:cNvPr>
+            <p:cNvPicPr>
+              <a:picLocks noChangeAspect="1"/>
+            </p:cNvPicPr>
+            <p:nvPr/>
+          </p:nvPicPr>
+          <p:blipFill>
+            <a:blip r:embed="rId14"/>
+            <a:srcRect l="499" t="69727" r="-499" b="20498"/>
+            <a:stretch/>
+          </p:blipFill>
+          <p:spPr>
+            <a:xfrm>
+              <a:off x="199329" y="5905651"/>
+              <a:ext cx="2838450" cy="200164"/>
+            </a:xfrm>
+            <a:prstGeom prst="rect">
+              <a:avLst/>
+            </a:prstGeom>
+          </p:spPr>
+        </p:pic>
+        <p:sp>
+          <p:nvSpPr>
+            <p:cNvPr id="84" name="TextBox 83">
+              <a:extLst>
+                <a:ext uri="{FF2B5EF4-FFF2-40B4-BE49-F238E27FC236}">
+                  <a16:creationId xmlns:a16="http://schemas.microsoft.com/office/drawing/2014/main" id="{9935E674-20BB-FDD0-FEF6-BEBD184E0984}"/>
+                </a:ext>
+              </a:extLst>
+            </p:cNvPr>
+            <p:cNvSpPr txBox="1">
+              <a:spLocks/>
+            </p:cNvSpPr>
+            <p:nvPr/>
+          </p:nvSpPr>
+          <p:spPr>
+            <a:xfrm>
+              <a:off x="2490895" y="5914123"/>
+              <a:ext cx="369060" cy="137160"/>
+            </a:xfrm>
+            <a:prstGeom prst="rect">
+              <a:avLst/>
+            </a:prstGeom>
+            <a:solidFill>
+              <a:srgbClr val="00FF00"/>
+            </a:solidFill>
+          </p:spPr>
+          <p:txBody>
+            <a:bodyPr wrap="none" lIns="0" tIns="0" rIns="0" bIns="0" anchor="ctr" anchorCtr="0">
+              <a:noAutofit/>
+            </a:bodyPr>
+            <a:lstStyle/>
+            <a:p>
+              <a:pPr algn="ctr"/>
+              <a:r>
+                <a:rPr lang="pt-BR" sz="1200" b="1" dirty="0"/>
+                <a:t>0_01</a:t>
+              </a:r>
+              <a:endParaRPr lang="LID4096" sz="1200" b="1" dirty="0"/>
+            </a:p>
+          </p:txBody>
+        </p:sp>
+        <p:sp>
+          <p:nvSpPr>
+            <p:cNvPr id="87" name="TextBox 86">
+              <a:extLst>
+                <a:ext uri="{FF2B5EF4-FFF2-40B4-BE49-F238E27FC236}">
+                  <a16:creationId xmlns:a16="http://schemas.microsoft.com/office/drawing/2014/main" id="{388779FE-7549-FF7E-561E-402898173FFC}"/>
+                </a:ext>
+              </a:extLst>
+            </p:cNvPr>
+            <p:cNvSpPr txBox="1"/>
+            <p:nvPr/>
+          </p:nvSpPr>
+          <p:spPr>
+            <a:xfrm>
+              <a:off x="2166796" y="6324436"/>
+              <a:ext cx="870983" cy="400110"/>
+            </a:xfrm>
+            <a:prstGeom prst="rect">
+              <a:avLst/>
+            </a:prstGeom>
+            <a:noFill/>
+          </p:spPr>
+          <p:txBody>
+            <a:bodyPr wrap="square">
+              <a:spAutoFit/>
+            </a:bodyPr>
+            <a:lstStyle/>
+            <a:p>
+              <a:pPr algn="ctr"/>
+              <a:r>
+                <a:rPr lang="pt-BR" sz="1000" dirty="0">
+                  <a:solidFill>
+                    <a:srgbClr val="0000FF"/>
+                  </a:solidFill>
+                </a:rPr>
+                <a:t>Local </a:t>
+              </a:r>
+            </a:p>
+            <a:p>
+              <a:pPr algn="ctr"/>
+              <a:r>
+                <a:rPr lang="pt-BR" sz="1000" dirty="0">
+                  <a:solidFill>
+                    <a:srgbClr val="0000FF"/>
+                  </a:solidFill>
+                </a:rPr>
+                <a:t>&amp; Temp.</a:t>
+              </a:r>
+              <a:endParaRPr lang="LID4096" sz="1000" dirty="0">
+                <a:solidFill>
+                  <a:srgbClr val="0000FF"/>
+                </a:solidFill>
+              </a:endParaRPr>
+            </a:p>
+          </p:txBody>
+        </p:sp>
+        <p:sp>
+          <p:nvSpPr>
+            <p:cNvPr id="99" name="TextBox 98">
+              <a:extLst>
+                <a:ext uri="{FF2B5EF4-FFF2-40B4-BE49-F238E27FC236}">
+                  <a16:creationId xmlns:a16="http://schemas.microsoft.com/office/drawing/2014/main" id="{B1601243-856A-45E8-168A-9D61EB1E2A8E}"/>
+                </a:ext>
+              </a:extLst>
+            </p:cNvPr>
+            <p:cNvSpPr txBox="1"/>
+            <p:nvPr/>
+          </p:nvSpPr>
+          <p:spPr>
+            <a:xfrm>
+              <a:off x="1726586" y="5847179"/>
+              <a:ext cx="795178" cy="261610"/>
+            </a:xfrm>
+            <a:prstGeom prst="rect">
+              <a:avLst/>
+            </a:prstGeom>
+            <a:noFill/>
+          </p:spPr>
+          <p:txBody>
+            <a:bodyPr wrap="square">
+              <a:spAutoFit/>
+            </a:bodyPr>
+            <a:lstStyle/>
+            <a:p>
+              <a:r>
+                <a:rPr lang="LID4096" sz="1100" b="1" dirty="0">
+                  <a:solidFill>
+                    <a:srgbClr val="FF0000"/>
+                  </a:solidFill>
+                </a:rPr>
+                <a:t>FREYBERG</a:t>
+              </a:r>
+            </a:p>
+          </p:txBody>
+        </p:sp>
+        <p:sp>
+          <p:nvSpPr>
+            <p:cNvPr id="4" name="TextBox 3">
+              <a:extLst>
+                <a:ext uri="{FF2B5EF4-FFF2-40B4-BE49-F238E27FC236}">
+                  <a16:creationId xmlns:a16="http://schemas.microsoft.com/office/drawing/2014/main" id="{25A4C70E-A017-470A-C5DA-F216889EA41C}"/>
+                </a:ext>
+              </a:extLst>
+            </p:cNvPr>
+            <p:cNvSpPr txBox="1"/>
+            <p:nvPr/>
+          </p:nvSpPr>
+          <p:spPr>
+            <a:xfrm>
+              <a:off x="272562" y="6346668"/>
+              <a:ext cx="1767835" cy="307777"/>
+            </a:xfrm>
+            <a:prstGeom prst="rect">
+              <a:avLst/>
+            </a:prstGeom>
+            <a:noFill/>
+          </p:spPr>
+          <p:txBody>
+            <a:bodyPr wrap="square">
+              <a:spAutoFit/>
+            </a:bodyPr>
+            <a:lstStyle>
+              <a:defPPr>
+                <a:defRPr lang="LID4096"/>
+              </a:defPPr>
+              <a:lvl1pPr>
+                <a:defRPr sz="1100" b="1"/>
+              </a:lvl1pPr>
+            </a:lstStyle>
+            <a:p>
+              <a:r>
+                <a:rPr lang="en-US" sz="1400" b="0" dirty="0">
+                  <a:solidFill>
+                    <a:srgbClr val="0000FF"/>
+                  </a:solidFill>
+                </a:rPr>
+                <a:t>&amp;</a:t>
+              </a:r>
+              <a:endParaRPr lang="LID4096" sz="1400" b="0" dirty="0">
+                <a:solidFill>
+                  <a:srgbClr val="0000FF"/>
+                </a:solidFill>
+              </a:endParaRPr>
+            </a:p>
+          </p:txBody>
+        </p:sp>
+        <p:grpSp>
+          <p:nvGrpSpPr>
+            <p:cNvPr id="6" name="Group 5">
+              <a:extLst>
+                <a:ext uri="{FF2B5EF4-FFF2-40B4-BE49-F238E27FC236}">
+                  <a16:creationId xmlns:a16="http://schemas.microsoft.com/office/drawing/2014/main" id="{8D3F0414-A17A-934C-EEAF-41EB4B9AC432}"/>
+                </a:ext>
+              </a:extLst>
+            </p:cNvPr>
+            <p:cNvGrpSpPr>
+              <a:grpSpLocks noChangeAspect="1"/>
+            </p:cNvGrpSpPr>
+            <p:nvPr/>
+          </p:nvGrpSpPr>
+          <p:grpSpPr>
+            <a:xfrm>
+              <a:off x="3024468" y="5680015"/>
+              <a:ext cx="870983" cy="1046706"/>
+              <a:chOff x="7165644" y="3690758"/>
+              <a:chExt cx="2577825" cy="3097909"/>
             </a:xfrm>
           </p:grpSpPr>
           <p:grpSp>
             <p:nvGrpSpPr>
-              <p:cNvPr id="143" name="Group 142">
+              <p:cNvPr id="61" name="Group 60">
                 <a:extLst>
                   <a:ext uri="{FF2B5EF4-FFF2-40B4-BE49-F238E27FC236}">
-                    <a16:creationId xmlns:a16="http://schemas.microsoft.com/office/drawing/2014/main" id="{EAE38931-AF24-805C-EFAD-288FE30EE03A}"/>
+                    <a16:creationId xmlns:a16="http://schemas.microsoft.com/office/drawing/2014/main" id="{3405BA07-79A3-7D90-4450-E0626A6C5E50}"/>
                   </a:ext>
                 </a:extLst>
               </p:cNvPr>
@@ -5733,18 +5811,18 @@
             </p:nvGrpSpPr>
             <p:grpSpPr>
               <a:xfrm>
-                <a:off x="3718384" y="3631485"/>
-                <a:ext cx="2620955" cy="1404300"/>
-                <a:chOff x="3758285" y="4103860"/>
-                <a:chExt cx="2620955" cy="1404300"/>
+                <a:off x="7165644" y="3690758"/>
+                <a:ext cx="2172917" cy="3097909"/>
+                <a:chOff x="6887080" y="3509404"/>
+                <a:chExt cx="2172917" cy="3097909"/>
               </a:xfrm>
             </p:grpSpPr>
             <p:pic>
               <p:nvPicPr>
-                <p:cNvPr id="141" name="Picture 140">
+                <p:cNvPr id="25" name="Picture 24">
                   <a:extLst>
                     <a:ext uri="{FF2B5EF4-FFF2-40B4-BE49-F238E27FC236}">
-                      <a16:creationId xmlns:a16="http://schemas.microsoft.com/office/drawing/2014/main" id="{1392F25D-8C2A-55E5-2B95-A938C921271E}"/>
+                      <a16:creationId xmlns:a16="http://schemas.microsoft.com/office/drawing/2014/main" id="{3832A4A5-1A66-1CD6-6D55-0D9BD800EB73}"/>
                     </a:ext>
                   </a:extLst>
                 </p:cNvPr>
@@ -5754,40 +5832,26 @@
                 <p:nvPr/>
               </p:nvPicPr>
               <p:blipFill>
-                <a:blip r:embed="rId18"/>
-                <a:stretch>
-                  <a:fillRect/>
-                </a:stretch>
+                <a:blip r:embed="rId21"/>
+                <a:srcRect b="82696"/>
+                <a:stretch/>
               </p:blipFill>
               <p:spPr>
                 <a:xfrm>
-                  <a:off x="3758285" y="4103860"/>
-                  <a:ext cx="2620955" cy="1404300"/>
+                  <a:off x="6979362" y="3509404"/>
+                  <a:ext cx="1952625" cy="469739"/>
                 </a:xfrm>
                 <a:prstGeom prst="rect">
                   <a:avLst/>
                 </a:prstGeom>
-                <a:noFill/>
-                <a:ln w="3175">
-                  <a:solidFill>
-                    <a:schemeClr val="tx1"/>
-                  </a:solidFill>
-                </a:ln>
-                <a:effectLst>
-                  <a:outerShdw blurRad="50800" dist="38100" dir="8100000" algn="tr" rotWithShape="0">
-                    <a:prstClr val="black">
-                      <a:alpha val="40000"/>
-                    </a:prstClr>
-                  </a:outerShdw>
-                </a:effectLst>
               </p:spPr>
             </p:pic>
             <p:pic>
               <p:nvPicPr>
-                <p:cNvPr id="142" name="Picture 141">
+                <p:cNvPr id="40" name="Picture 39">
                   <a:extLst>
                     <a:ext uri="{FF2B5EF4-FFF2-40B4-BE49-F238E27FC236}">
-                      <a16:creationId xmlns:a16="http://schemas.microsoft.com/office/drawing/2014/main" id="{4D1114EB-36DD-128A-221E-16DD99CAC069}"/>
+                      <a16:creationId xmlns:a16="http://schemas.microsoft.com/office/drawing/2014/main" id="{3C305CBD-01DC-3A88-9B55-778254C94550}"/>
                     </a:ext>
                   </a:extLst>
                 </p:cNvPr>
@@ -5797,14 +5861,929 @@
                 <p:nvPr/>
               </p:nvPicPr>
               <p:blipFill>
-                <a:blip r:embed="rId19"/>
-                <a:srcRect l="60891" t="34101" r="8441" b="49671"/>
+                <a:blip r:embed="rId21"/>
+                <a:srcRect t="89884"/>
                 <a:stretch/>
               </p:blipFill>
               <p:spPr>
                 <a:xfrm>
-                  <a:off x="4691586" y="4902987"/>
-                  <a:ext cx="1101218" cy="556459"/>
+                  <a:off x="6979361" y="6332694"/>
+                  <a:ext cx="1952625" cy="274619"/>
+                </a:xfrm>
+                <a:prstGeom prst="rect">
+                  <a:avLst/>
+                </a:prstGeom>
+              </p:spPr>
+            </p:pic>
+            <p:pic>
+              <p:nvPicPr>
+                <p:cNvPr id="57" name="Picture 56">
+                  <a:extLst>
+                    <a:ext uri="{FF2B5EF4-FFF2-40B4-BE49-F238E27FC236}">
+                      <a16:creationId xmlns:a16="http://schemas.microsoft.com/office/drawing/2014/main" id="{D0D55197-8D3F-04B1-B480-B5780DC9D44B}"/>
+                    </a:ext>
+                  </a:extLst>
+                </p:cNvPr>
+                <p:cNvPicPr>
+                  <a:picLocks noChangeAspect="1"/>
+                </p:cNvPicPr>
+                <p:nvPr/>
+              </p:nvPicPr>
+              <p:blipFill>
+                <a:blip r:embed="rId21"/>
+                <a:srcRect t="68692" b="10408"/>
+                <a:stretch/>
+              </p:blipFill>
+              <p:spPr>
+                <a:xfrm>
+                  <a:off x="6946297" y="5594587"/>
+                  <a:ext cx="1952625" cy="567370"/>
+                </a:xfrm>
+                <a:prstGeom prst="rect">
+                  <a:avLst/>
+                </a:prstGeom>
+              </p:spPr>
+            </p:pic>
+            <p:pic>
+              <p:nvPicPr>
+                <p:cNvPr id="58" name="Picture 57">
+                  <a:extLst>
+                    <a:ext uri="{FF2B5EF4-FFF2-40B4-BE49-F238E27FC236}">
+                      <a16:creationId xmlns:a16="http://schemas.microsoft.com/office/drawing/2014/main" id="{24478180-8EE5-51C5-CB0A-22D9DB09AD81}"/>
+                    </a:ext>
+                  </a:extLst>
+                </p:cNvPr>
+                <p:cNvPicPr>
+                  <a:picLocks noChangeAspect="1"/>
+                </p:cNvPicPr>
+                <p:nvPr/>
+              </p:nvPicPr>
+              <p:blipFill>
+                <a:blip r:embed="rId21"/>
+                <a:srcRect t="16135" b="47376"/>
+                <a:stretch/>
+              </p:blipFill>
+              <p:spPr>
+                <a:xfrm>
+                  <a:off x="6887080" y="4129088"/>
+                  <a:ext cx="1952625" cy="990600"/>
+                </a:xfrm>
+                <a:prstGeom prst="rect">
+                  <a:avLst/>
+                </a:prstGeom>
+              </p:spPr>
+            </p:pic>
+            <p:pic>
+              <p:nvPicPr>
+                <p:cNvPr id="59" name="Picture 58">
+                  <a:extLst>
+                    <a:ext uri="{FF2B5EF4-FFF2-40B4-BE49-F238E27FC236}">
+                      <a16:creationId xmlns:a16="http://schemas.microsoft.com/office/drawing/2014/main" id="{6035A3C0-ED66-F9BA-FC3C-08EFB294167A}"/>
+                    </a:ext>
+                  </a:extLst>
+                </p:cNvPr>
+                <p:cNvPicPr>
+                  <a:picLocks noChangeAspect="1"/>
+                </p:cNvPicPr>
+                <p:nvPr/>
+              </p:nvPicPr>
+              <p:blipFill>
+                <a:blip r:embed="rId21"/>
+                <a:srcRect t="52625" b="32132"/>
+                <a:stretch/>
+              </p:blipFill>
+              <p:spPr>
+                <a:xfrm>
+                  <a:off x="7107372" y="5134438"/>
+                  <a:ext cx="1952625" cy="413820"/>
+                </a:xfrm>
+                <a:prstGeom prst="rect">
+                  <a:avLst/>
+                </a:prstGeom>
+              </p:spPr>
+            </p:pic>
+          </p:grpSp>
+          <p:pic>
+            <p:nvPicPr>
+              <p:cNvPr id="60" name="Picture 59">
+                <a:extLst>
+                  <a:ext uri="{FF2B5EF4-FFF2-40B4-BE49-F238E27FC236}">
+                    <a16:creationId xmlns:a16="http://schemas.microsoft.com/office/drawing/2014/main" id="{29F9A4BA-1340-CF89-FF3E-7A41289664FF}"/>
+                  </a:ext>
+                </a:extLst>
+              </p:cNvPr>
+              <p:cNvPicPr>
+                <a:picLocks noChangeAspect="1"/>
+              </p:cNvPicPr>
+              <p:nvPr/>
+            </p:nvPicPr>
+            <p:blipFill>
+              <a:blip r:embed="rId22"/>
+              <a:stretch>
+                <a:fillRect/>
+              </a:stretch>
+            </p:blipFill>
+            <p:spPr>
+              <a:xfrm>
+                <a:off x="8514744" y="3704524"/>
+                <a:ext cx="1228725" cy="3076575"/>
+              </a:xfrm>
+              <a:prstGeom prst="rect">
+                <a:avLst/>
+              </a:prstGeom>
+            </p:spPr>
+          </p:pic>
+        </p:grpSp>
+      </p:grpSp>
+      <p:pic>
+        <p:nvPicPr>
+          <p:cNvPr id="53" name="Picture 52">
+            <a:extLst>
+              <a:ext uri="{FF2B5EF4-FFF2-40B4-BE49-F238E27FC236}">
+                <a16:creationId xmlns:a16="http://schemas.microsoft.com/office/drawing/2014/main" id="{F6EDA782-7D3C-A71A-1463-03279D6571EB}"/>
+              </a:ext>
+            </a:extLst>
+          </p:cNvPr>
+          <p:cNvPicPr>
+            <a:picLocks noChangeAspect="1"/>
+          </p:cNvPicPr>
+          <p:nvPr/>
+        </p:nvPicPr>
+        <p:blipFill>
+          <a:blip r:embed="rId23"/>
+          <a:srcRect t="7885"/>
+          <a:stretch/>
+        </p:blipFill>
+        <p:spPr>
+          <a:xfrm>
+            <a:off x="6480483" y="4111607"/>
+            <a:ext cx="2771775" cy="2412832"/>
+          </a:xfrm>
+          <a:prstGeom prst="rect">
+            <a:avLst/>
+          </a:prstGeom>
+        </p:spPr>
+      </p:pic>
+      <p:grpSp>
+        <p:nvGrpSpPr>
+          <p:cNvPr id="56" name="Group 55">
+            <a:extLst>
+              <a:ext uri="{FF2B5EF4-FFF2-40B4-BE49-F238E27FC236}">
+                <a16:creationId xmlns:a16="http://schemas.microsoft.com/office/drawing/2014/main" id="{4A95DF2E-F82B-D360-65D8-B80257C3C531}"/>
+              </a:ext>
+            </a:extLst>
+          </p:cNvPr>
+          <p:cNvGrpSpPr/>
+          <p:nvPr/>
+        </p:nvGrpSpPr>
+        <p:grpSpPr>
+          <a:xfrm>
+            <a:off x="5982929" y="2489519"/>
+            <a:ext cx="3784865" cy="1461137"/>
+            <a:chOff x="6978104" y="2558184"/>
+            <a:chExt cx="3784865" cy="1461137"/>
+          </a:xfrm>
+        </p:grpSpPr>
+        <p:grpSp>
+          <p:nvGrpSpPr>
+            <p:cNvPr id="20" name="Group 19">
+              <a:extLst>
+                <a:ext uri="{FF2B5EF4-FFF2-40B4-BE49-F238E27FC236}">
+                  <a16:creationId xmlns:a16="http://schemas.microsoft.com/office/drawing/2014/main" id="{CCD04C4F-71E5-307D-5B6F-5A4F8D399FFE}"/>
+                </a:ext>
+              </a:extLst>
+            </p:cNvPr>
+            <p:cNvGrpSpPr/>
+            <p:nvPr/>
+          </p:nvGrpSpPr>
+          <p:grpSpPr>
+            <a:xfrm>
+              <a:off x="6978104" y="2558184"/>
+              <a:ext cx="2928286" cy="407108"/>
+              <a:chOff x="4005637" y="290334"/>
+              <a:chExt cx="2928286" cy="407108"/>
+            </a:xfrm>
+          </p:grpSpPr>
+          <p:sp>
+            <p:nvSpPr>
+              <p:cNvPr id="16" name="TextBox 15">
+                <a:extLst>
+                  <a:ext uri="{FF2B5EF4-FFF2-40B4-BE49-F238E27FC236}">
+                    <a16:creationId xmlns:a16="http://schemas.microsoft.com/office/drawing/2014/main" id="{FC0599C1-B248-91A4-6906-BC75D2D1F0D4}"/>
+                  </a:ext>
+                </a:extLst>
+              </p:cNvPr>
+              <p:cNvSpPr txBox="1"/>
+              <p:nvPr/>
+            </p:nvSpPr>
+            <p:spPr>
+              <a:xfrm>
+                <a:off x="5468044" y="435832"/>
+                <a:ext cx="1465879" cy="261610"/>
+              </a:xfrm>
+              <a:prstGeom prst="rect">
+                <a:avLst/>
+              </a:prstGeom>
+              <a:noFill/>
+            </p:spPr>
+            <p:txBody>
+              <a:bodyPr wrap="square">
+                <a:spAutoFit/>
+              </a:bodyPr>
+              <a:lstStyle/>
+              <a:p>
+                <a:r>
+                  <a:rPr lang="LID4096" sz="1100" b="1" dirty="0">
+                    <a:solidFill>
+                      <a:srgbClr val="FF0000"/>
+                    </a:solidFill>
+                  </a:rPr>
+                  <a:t>FREYBERG</a:t>
+                </a:r>
+                <a:r>
+                  <a:rPr lang="pt-BR" sz="1100" b="1" dirty="0">
+                    <a:solidFill>
+                      <a:srgbClr val="FF0000"/>
+                    </a:solidFill>
+                  </a:rPr>
+                  <a:t> _original</a:t>
+                </a:r>
+                <a:endParaRPr lang="LID4096" sz="1100" b="1" dirty="0">
+                  <a:solidFill>
+                    <a:srgbClr val="FF0000"/>
+                  </a:solidFill>
+                </a:endParaRPr>
+              </a:p>
+            </p:txBody>
+          </p:sp>
+          <p:pic>
+            <p:nvPicPr>
+              <p:cNvPr id="125" name="Picture 124">
+                <a:extLst>
+                  <a:ext uri="{FF2B5EF4-FFF2-40B4-BE49-F238E27FC236}">
+                    <a16:creationId xmlns:a16="http://schemas.microsoft.com/office/drawing/2014/main" id="{E5F01EB9-5661-F767-8DAC-BFE260077241}"/>
+                  </a:ext>
+                </a:extLst>
+              </p:cNvPr>
+              <p:cNvPicPr>
+                <a:picLocks noChangeAspect="1"/>
+              </p:cNvPicPr>
+              <p:nvPr/>
+            </p:nvPicPr>
+            <p:blipFill>
+              <a:blip r:embed="rId10"/>
+              <a:srcRect t="58454" r="57025" b="21387"/>
+              <a:stretch/>
+            </p:blipFill>
+            <p:spPr>
+              <a:xfrm>
+                <a:off x="4420998" y="309488"/>
+                <a:ext cx="867792" cy="207373"/>
+              </a:xfrm>
+              <a:prstGeom prst="rect">
+                <a:avLst/>
+              </a:prstGeom>
+            </p:spPr>
+          </p:pic>
+          <p:sp>
+            <p:nvSpPr>
+              <p:cNvPr id="131" name="TextBox 130">
+                <a:extLst>
+                  <a:ext uri="{FF2B5EF4-FFF2-40B4-BE49-F238E27FC236}">
+                    <a16:creationId xmlns:a16="http://schemas.microsoft.com/office/drawing/2014/main" id="{E99AECEE-1527-C251-0DCB-CBCF9ACC47A9}"/>
+                  </a:ext>
+                </a:extLst>
+              </p:cNvPr>
+              <p:cNvSpPr txBox="1">
+                <a:spLocks noChangeAspect="1"/>
+              </p:cNvSpPr>
+              <p:nvPr/>
+            </p:nvSpPr>
+            <p:spPr>
+              <a:xfrm>
+                <a:off x="4005637" y="290334"/>
+                <a:ext cx="322244" cy="273747"/>
+              </a:xfrm>
+              <a:prstGeom prst="rect">
+                <a:avLst/>
+              </a:prstGeom>
+              <a:solidFill>
+                <a:schemeClr val="accent6">
+                  <a:lumMod val="60000"/>
+                  <a:lumOff val="40000"/>
+                </a:schemeClr>
+              </a:solidFill>
+            </p:spPr>
+            <p:txBody>
+              <a:bodyPr wrap="none" lIns="0" tIns="0" rIns="0" bIns="0" anchor="ctr" anchorCtr="0">
+                <a:noAutofit/>
+              </a:bodyPr>
+              <a:lstStyle/>
+              <a:p>
+                <a:pPr algn="ctr"/>
+                <a:r>
+                  <a:rPr lang="pt-BR" sz="1500" b="1" dirty="0"/>
+                  <a:t>03</a:t>
+                </a:r>
+                <a:endParaRPr lang="LID4096" sz="1500" b="1" dirty="0"/>
+              </a:p>
+            </p:txBody>
+          </p:sp>
+          <p:sp>
+            <p:nvSpPr>
+              <p:cNvPr id="133" name="Rectangle 132">
+                <a:extLst>
+                  <a:ext uri="{FF2B5EF4-FFF2-40B4-BE49-F238E27FC236}">
+                    <a16:creationId xmlns:a16="http://schemas.microsoft.com/office/drawing/2014/main" id="{A1E48D17-6520-9E3C-DD09-FAA9A81F7C27}"/>
+                  </a:ext>
+                </a:extLst>
+              </p:cNvPr>
+              <p:cNvSpPr/>
+              <p:nvPr/>
+            </p:nvSpPr>
+            <p:spPr>
+              <a:xfrm>
+                <a:off x="4434098" y="290334"/>
+                <a:ext cx="942484" cy="232193"/>
+              </a:xfrm>
+              <a:prstGeom prst="rect">
+                <a:avLst/>
+              </a:prstGeom>
+              <a:noFill/>
+              <a:ln w="6350">
+                <a:solidFill>
+                  <a:srgbClr val="0000FF"/>
+                </a:solidFill>
+              </a:ln>
+              <a:effectLst>
+                <a:outerShdw blurRad="50800" dist="38100" dir="8100000" algn="tr" rotWithShape="0">
+                  <a:prstClr val="black">
+                    <a:alpha val="40000"/>
+                  </a:prstClr>
+                </a:outerShdw>
+              </a:effectLst>
+            </p:spPr>
+            <p:txBody>
+              <a:bodyPr wrap="none" anchor="ctr" anchorCtr="0">
+                <a:noAutofit/>
+              </a:bodyPr>
+              <a:lstStyle/>
+              <a:p>
+                <a:endParaRPr lang="LID4096" dirty="0"/>
+              </a:p>
+            </p:txBody>
+          </p:sp>
+        </p:grpSp>
+        <p:pic>
+          <p:nvPicPr>
+            <p:cNvPr id="14" name="Picture 13">
+              <a:extLst>
+                <a:ext uri="{FF2B5EF4-FFF2-40B4-BE49-F238E27FC236}">
+                  <a16:creationId xmlns:a16="http://schemas.microsoft.com/office/drawing/2014/main" id="{DADD4FD6-14CC-0C75-D802-C0C9EFF68F97}"/>
+                </a:ext>
+              </a:extLst>
+            </p:cNvPr>
+            <p:cNvPicPr>
+              <a:picLocks noChangeAspect="1"/>
+            </p:cNvPicPr>
+            <p:nvPr/>
+          </p:nvPicPr>
+          <p:blipFill>
+            <a:blip r:embed="rId24"/>
+            <a:srcRect b="91757"/>
+            <a:stretch/>
+          </p:blipFill>
+          <p:spPr>
+            <a:xfrm>
+              <a:off x="7532837" y="2894747"/>
+              <a:ext cx="2638425" cy="217488"/>
+            </a:xfrm>
+            <a:prstGeom prst="rect">
+              <a:avLst/>
+            </a:prstGeom>
+          </p:spPr>
+        </p:pic>
+        <p:pic>
+          <p:nvPicPr>
+            <p:cNvPr id="19" name="Picture 18">
+              <a:extLst>
+                <a:ext uri="{FF2B5EF4-FFF2-40B4-BE49-F238E27FC236}">
+                  <a16:creationId xmlns:a16="http://schemas.microsoft.com/office/drawing/2014/main" id="{86BD54D0-DE16-B5C6-BC14-7E0A230534ED}"/>
+                </a:ext>
+              </a:extLst>
+            </p:cNvPr>
+            <p:cNvPicPr>
+              <a:picLocks noChangeAspect="1"/>
+            </p:cNvPicPr>
+            <p:nvPr/>
+          </p:nvPicPr>
+          <p:blipFill>
+            <a:blip r:embed="rId25"/>
+            <a:stretch>
+              <a:fillRect/>
+            </a:stretch>
+          </p:blipFill>
+          <p:spPr>
+            <a:xfrm>
+              <a:off x="7572094" y="3135842"/>
+              <a:ext cx="3190875" cy="428625"/>
+            </a:xfrm>
+            <a:prstGeom prst="rect">
+              <a:avLst/>
+            </a:prstGeom>
+          </p:spPr>
+        </p:pic>
+        <p:pic>
+          <p:nvPicPr>
+            <p:cNvPr id="33" name="Picture 32">
+              <a:extLst>
+                <a:ext uri="{FF2B5EF4-FFF2-40B4-BE49-F238E27FC236}">
+                  <a16:creationId xmlns:a16="http://schemas.microsoft.com/office/drawing/2014/main" id="{98CD807C-78E5-5760-8B1F-11621D942F19}"/>
+                </a:ext>
+              </a:extLst>
+            </p:cNvPr>
+            <p:cNvPicPr>
+              <a:picLocks noChangeAspect="1"/>
+            </p:cNvPicPr>
+            <p:nvPr/>
+          </p:nvPicPr>
+          <p:blipFill>
+            <a:blip r:embed="rId26"/>
+            <a:srcRect b="48960"/>
+            <a:stretch/>
+          </p:blipFill>
+          <p:spPr>
+            <a:xfrm>
+              <a:off x="7694986" y="3575933"/>
+              <a:ext cx="2143125" cy="170151"/>
+            </a:xfrm>
+            <a:prstGeom prst="rect">
+              <a:avLst/>
+            </a:prstGeom>
+          </p:spPr>
+        </p:pic>
+        <p:sp>
+          <p:nvSpPr>
+            <p:cNvPr id="2" name="TextBox 1">
+              <a:extLst>
+                <a:ext uri="{FF2B5EF4-FFF2-40B4-BE49-F238E27FC236}">
+                  <a16:creationId xmlns:a16="http://schemas.microsoft.com/office/drawing/2014/main" id="{32CEA5DE-6D5E-E7B0-4F03-EAD3BC02F3A6}"/>
+                </a:ext>
+              </a:extLst>
+            </p:cNvPr>
+            <p:cNvSpPr txBox="1"/>
+            <p:nvPr/>
+          </p:nvSpPr>
+          <p:spPr>
+            <a:xfrm>
+              <a:off x="9360824" y="3742322"/>
+              <a:ext cx="1091131" cy="276999"/>
+            </a:xfrm>
+            <a:prstGeom prst="rect">
+              <a:avLst/>
+            </a:prstGeom>
+            <a:noFill/>
+          </p:spPr>
+          <p:txBody>
+            <a:bodyPr wrap="square">
+              <a:spAutoFit/>
+            </a:bodyPr>
+            <a:lstStyle>
+              <a:defPPr>
+                <a:defRPr lang="LID4096"/>
+              </a:defPPr>
+              <a:lvl1pPr>
+                <a:defRPr sz="1100" b="1"/>
+              </a:lvl1pPr>
+            </a:lstStyle>
+            <a:p>
+              <a:pPr algn="r"/>
+              <a:r>
+                <a:rPr lang="en-US" sz="1200" dirty="0">
+                  <a:solidFill>
+                    <a:srgbClr val="0000FF"/>
+                  </a:solidFill>
+                </a:rPr>
+                <a:t>till GMS</a:t>
+              </a:r>
+              <a:endParaRPr lang="LID4096" sz="1200" dirty="0">
+                <a:solidFill>
+                  <a:srgbClr val="0000FF"/>
+                </a:solidFill>
+              </a:endParaRPr>
+            </a:p>
+          </p:txBody>
+        </p:sp>
+        <p:pic>
+          <p:nvPicPr>
+            <p:cNvPr id="22" name="Picture 21">
+              <a:extLst>
+                <a:ext uri="{FF2B5EF4-FFF2-40B4-BE49-F238E27FC236}">
+                  <a16:creationId xmlns:a16="http://schemas.microsoft.com/office/drawing/2014/main" id="{B45B7B70-5C3C-1FEB-CAB6-7F63D742F731}"/>
+                </a:ext>
+              </a:extLst>
+            </p:cNvPr>
+            <p:cNvPicPr>
+              <a:picLocks noChangeAspect="1"/>
+            </p:cNvPicPr>
+            <p:nvPr/>
+          </p:nvPicPr>
+          <p:blipFill>
+            <a:blip r:embed="rId27"/>
+            <a:stretch>
+              <a:fillRect/>
+            </a:stretch>
+          </p:blipFill>
+          <p:spPr>
+            <a:xfrm>
+              <a:off x="7685650" y="3792063"/>
+              <a:ext cx="1200150" cy="209550"/>
+            </a:xfrm>
+            <a:prstGeom prst="rect">
+              <a:avLst/>
+            </a:prstGeom>
+          </p:spPr>
+        </p:pic>
+      </p:grpSp>
+      <p:grpSp>
+        <p:nvGrpSpPr>
+          <p:cNvPr id="17" name="Group 16">
+            <a:extLst>
+              <a:ext uri="{FF2B5EF4-FFF2-40B4-BE49-F238E27FC236}">
+                <a16:creationId xmlns:a16="http://schemas.microsoft.com/office/drawing/2014/main" id="{BC1DD014-823A-23B1-721B-197C804108CF}"/>
+              </a:ext>
+            </a:extLst>
+          </p:cNvPr>
+          <p:cNvGrpSpPr/>
+          <p:nvPr/>
+        </p:nvGrpSpPr>
+        <p:grpSpPr>
+          <a:xfrm>
+            <a:off x="-16856" y="1665424"/>
+            <a:ext cx="5435412" cy="2002965"/>
+            <a:chOff x="-16856" y="1665424"/>
+            <a:chExt cx="5435412" cy="2002965"/>
+          </a:xfrm>
+        </p:grpSpPr>
+        <p:pic>
+          <p:nvPicPr>
+            <p:cNvPr id="73" name="Picture 72">
+              <a:extLst>
+                <a:ext uri="{FF2B5EF4-FFF2-40B4-BE49-F238E27FC236}">
+                  <a16:creationId xmlns:a16="http://schemas.microsoft.com/office/drawing/2014/main" id="{5F3CF102-BC73-814B-9D57-AA2FD186C5BE}"/>
+                </a:ext>
+              </a:extLst>
+            </p:cNvPr>
+            <p:cNvPicPr>
+              <a:picLocks noChangeAspect="1"/>
+            </p:cNvPicPr>
+            <p:nvPr/>
+          </p:nvPicPr>
+          <p:blipFill>
+            <a:blip r:embed="rId14"/>
+            <a:srcRect l="570" t="30906" r="-570" b="58953"/>
+            <a:stretch/>
+          </p:blipFill>
+          <p:spPr>
+            <a:xfrm>
+              <a:off x="116717" y="1781474"/>
+              <a:ext cx="2838450" cy="207649"/>
+            </a:xfrm>
+            <a:prstGeom prst="rect">
+              <a:avLst/>
+            </a:prstGeom>
+          </p:spPr>
+        </p:pic>
+        <p:grpSp>
+          <p:nvGrpSpPr>
+            <p:cNvPr id="86" name="Group 85">
+              <a:extLst>
+                <a:ext uri="{FF2B5EF4-FFF2-40B4-BE49-F238E27FC236}">
+                  <a16:creationId xmlns:a16="http://schemas.microsoft.com/office/drawing/2014/main" id="{2BABCB55-15A1-DE28-7A29-98993B69B6E5}"/>
+                </a:ext>
+              </a:extLst>
+            </p:cNvPr>
+            <p:cNvGrpSpPr/>
+            <p:nvPr/>
+          </p:nvGrpSpPr>
+          <p:grpSpPr>
+            <a:xfrm>
+              <a:off x="306007" y="2066981"/>
+              <a:ext cx="2790825" cy="574109"/>
+              <a:chOff x="474458" y="2285240"/>
+              <a:chExt cx="2790825" cy="574109"/>
+            </a:xfrm>
+          </p:grpSpPr>
+          <p:pic>
+            <p:nvPicPr>
+              <p:cNvPr id="11" name="Picture 10">
+                <a:extLst>
+                  <a:ext uri="{FF2B5EF4-FFF2-40B4-BE49-F238E27FC236}">
+                    <a16:creationId xmlns:a16="http://schemas.microsoft.com/office/drawing/2014/main" id="{745EB0EC-CE42-C9EA-AECD-B72A481757F0}"/>
+                  </a:ext>
+                </a:extLst>
+              </p:cNvPr>
+              <p:cNvPicPr>
+                <a:picLocks noChangeAspect="1"/>
+              </p:cNvPicPr>
+              <p:nvPr/>
+            </p:nvPicPr>
+            <p:blipFill>
+              <a:blip r:embed="rId28"/>
+              <a:stretch>
+                <a:fillRect/>
+              </a:stretch>
+            </p:blipFill>
+            <p:spPr>
+              <a:xfrm>
+                <a:off x="474458" y="2449774"/>
+                <a:ext cx="2790825" cy="409575"/>
+              </a:xfrm>
+              <a:prstGeom prst="rect">
+                <a:avLst/>
+              </a:prstGeom>
+              <a:ln>
+                <a:noFill/>
+              </a:ln>
+            </p:spPr>
+          </p:pic>
+          <p:sp>
+            <p:nvSpPr>
+              <p:cNvPr id="15" name="TextBox 14">
+                <a:extLst>
+                  <a:ext uri="{FF2B5EF4-FFF2-40B4-BE49-F238E27FC236}">
+                    <a16:creationId xmlns:a16="http://schemas.microsoft.com/office/drawing/2014/main" id="{7DDD30BD-0845-D3C2-3409-A2B98F2B6646}"/>
+                  </a:ext>
+                </a:extLst>
+              </p:cNvPr>
+              <p:cNvSpPr txBox="1"/>
+              <p:nvPr/>
+            </p:nvSpPr>
+            <p:spPr>
+              <a:xfrm>
+                <a:off x="2154446" y="2285240"/>
+                <a:ext cx="1106757" cy="246221"/>
+              </a:xfrm>
+              <a:prstGeom prst="rect">
+                <a:avLst/>
+              </a:prstGeom>
+              <a:noFill/>
+            </p:spPr>
+            <p:txBody>
+              <a:bodyPr wrap="square">
+                <a:spAutoFit/>
+              </a:bodyPr>
+              <a:lstStyle/>
+              <a:p>
+                <a:pPr algn="r"/>
+                <a:r>
+                  <a:rPr lang="en-US" sz="1000" dirty="0">
+                    <a:solidFill>
+                      <a:srgbClr val="FF0000"/>
+                    </a:solidFill>
+                  </a:rPr>
+                  <a:t>Sfrmaker err</a:t>
+                </a:r>
+              </a:p>
+            </p:txBody>
+          </p:sp>
+        </p:grpSp>
+        <p:sp>
+          <p:nvSpPr>
+            <p:cNvPr id="129" name="TextBox 128">
+              <a:extLst>
+                <a:ext uri="{FF2B5EF4-FFF2-40B4-BE49-F238E27FC236}">
+                  <a16:creationId xmlns:a16="http://schemas.microsoft.com/office/drawing/2014/main" id="{549E7C78-E0FF-F705-01DE-AE42E344A130}"/>
+                </a:ext>
+              </a:extLst>
+            </p:cNvPr>
+            <p:cNvSpPr txBox="1"/>
+            <p:nvPr/>
+          </p:nvSpPr>
+          <p:spPr>
+            <a:xfrm>
+              <a:off x="-16856" y="2204442"/>
+              <a:ext cx="795178" cy="646331"/>
+            </a:xfrm>
+            <a:prstGeom prst="rect">
+              <a:avLst/>
+            </a:prstGeom>
+            <a:noFill/>
+          </p:spPr>
+          <p:txBody>
+            <a:bodyPr wrap="square">
+              <a:spAutoFit/>
+            </a:bodyPr>
+            <a:lstStyle/>
+            <a:p>
+              <a:r>
+                <a:rPr lang="pt-BR" sz="1200" dirty="0">
+                  <a:solidFill>
+                    <a:srgbClr val="0000FF"/>
+                  </a:solidFill>
+                </a:rPr>
+                <a:t>1.1</a:t>
+              </a:r>
+            </a:p>
+            <a:p>
+              <a:r>
+                <a:rPr lang="pt-BR" sz="1200" dirty="0">
+                  <a:solidFill>
+                    <a:srgbClr val="0000FF"/>
+                  </a:solidFill>
+                </a:rPr>
+                <a:t>1.2</a:t>
+              </a:r>
+            </a:p>
+            <a:p>
+              <a:r>
+                <a:rPr lang="pt-BR" sz="1200" dirty="0">
+                  <a:solidFill>
+                    <a:srgbClr val="0000FF"/>
+                  </a:solidFill>
+                </a:rPr>
+                <a:t>1.3</a:t>
+              </a:r>
+              <a:endParaRPr lang="LID4096" sz="1200" dirty="0">
+                <a:solidFill>
+                  <a:srgbClr val="0000FF"/>
+                </a:solidFill>
+              </a:endParaRPr>
+            </a:p>
+          </p:txBody>
+        </p:sp>
+        <p:grpSp>
+          <p:nvGrpSpPr>
+            <p:cNvPr id="152" name="Group 151">
+              <a:extLst>
+                <a:ext uri="{FF2B5EF4-FFF2-40B4-BE49-F238E27FC236}">
+                  <a16:creationId xmlns:a16="http://schemas.microsoft.com/office/drawing/2014/main" id="{5FE4C295-E936-A659-CDBA-616496FB3442}"/>
+                </a:ext>
+              </a:extLst>
+            </p:cNvPr>
+            <p:cNvGrpSpPr>
+              <a:grpSpLocks noChangeAspect="1"/>
+            </p:cNvGrpSpPr>
+            <p:nvPr/>
+          </p:nvGrpSpPr>
+          <p:grpSpPr>
+            <a:xfrm>
+              <a:off x="3668337" y="2730627"/>
+              <a:ext cx="1750219" cy="937762"/>
+              <a:chOff x="3359013" y="3874720"/>
+              <a:chExt cx="2620955" cy="1404300"/>
+            </a:xfrm>
+          </p:grpSpPr>
+          <p:grpSp>
+            <p:nvGrpSpPr>
+              <p:cNvPr id="10" name="Group 9">
+                <a:extLst>
+                  <a:ext uri="{FF2B5EF4-FFF2-40B4-BE49-F238E27FC236}">
+                    <a16:creationId xmlns:a16="http://schemas.microsoft.com/office/drawing/2014/main" id="{B3A9A5EA-52DA-010A-1C4F-B9D19D434102}"/>
+                  </a:ext>
+                </a:extLst>
+              </p:cNvPr>
+              <p:cNvGrpSpPr/>
+              <p:nvPr/>
+            </p:nvGrpSpPr>
+            <p:grpSpPr>
+              <a:xfrm>
+                <a:off x="3359013" y="3874720"/>
+                <a:ext cx="2620955" cy="1404300"/>
+                <a:chOff x="3718384" y="3631485"/>
+                <a:chExt cx="2620955" cy="1404300"/>
+              </a:xfrm>
+            </p:grpSpPr>
+            <p:grpSp>
+              <p:nvGrpSpPr>
+                <p:cNvPr id="143" name="Group 142">
+                  <a:extLst>
+                    <a:ext uri="{FF2B5EF4-FFF2-40B4-BE49-F238E27FC236}">
+                      <a16:creationId xmlns:a16="http://schemas.microsoft.com/office/drawing/2014/main" id="{EAE38931-AF24-805C-EFAD-288FE30EE03A}"/>
+                    </a:ext>
+                  </a:extLst>
+                </p:cNvPr>
+                <p:cNvGrpSpPr/>
+                <p:nvPr/>
+              </p:nvGrpSpPr>
+              <p:grpSpPr>
+                <a:xfrm>
+                  <a:off x="3718384" y="3631485"/>
+                  <a:ext cx="2620955" cy="1404300"/>
+                  <a:chOff x="3758285" y="4103860"/>
+                  <a:chExt cx="2620955" cy="1404300"/>
+                </a:xfrm>
+              </p:grpSpPr>
+              <p:pic>
+                <p:nvPicPr>
+                  <p:cNvPr id="141" name="Picture 140">
+                    <a:extLst>
+                      <a:ext uri="{FF2B5EF4-FFF2-40B4-BE49-F238E27FC236}">
+                        <a16:creationId xmlns:a16="http://schemas.microsoft.com/office/drawing/2014/main" id="{1392F25D-8C2A-55E5-2B95-A938C921271E}"/>
+                      </a:ext>
+                    </a:extLst>
+                  </p:cNvPr>
+                  <p:cNvPicPr>
+                    <a:picLocks noChangeAspect="1"/>
+                  </p:cNvPicPr>
+                  <p:nvPr/>
+                </p:nvPicPr>
+                <p:blipFill>
+                  <a:blip r:embed="rId29"/>
+                  <a:stretch>
+                    <a:fillRect/>
+                  </a:stretch>
+                </p:blipFill>
+                <p:spPr>
+                  <a:xfrm>
+                    <a:off x="3758285" y="4103860"/>
+                    <a:ext cx="2620955" cy="1404300"/>
+                  </a:xfrm>
+                  <a:prstGeom prst="rect">
+                    <a:avLst/>
+                  </a:prstGeom>
+                  <a:noFill/>
+                  <a:ln w="3175">
+                    <a:solidFill>
+                      <a:schemeClr val="tx1"/>
+                    </a:solidFill>
+                  </a:ln>
+                  <a:effectLst>
+                    <a:outerShdw blurRad="50800" dist="38100" dir="8100000" algn="tr" rotWithShape="0">
+                      <a:prstClr val="black">
+                        <a:alpha val="40000"/>
+                      </a:prstClr>
+                    </a:outerShdw>
+                  </a:effectLst>
+                </p:spPr>
+              </p:pic>
+              <p:pic>
+                <p:nvPicPr>
+                  <p:cNvPr id="142" name="Picture 141">
+                    <a:extLst>
+                      <a:ext uri="{FF2B5EF4-FFF2-40B4-BE49-F238E27FC236}">
+                        <a16:creationId xmlns:a16="http://schemas.microsoft.com/office/drawing/2014/main" id="{4D1114EB-36DD-128A-221E-16DD99CAC069}"/>
+                      </a:ext>
+                    </a:extLst>
+                  </p:cNvPr>
+                  <p:cNvPicPr>
+                    <a:picLocks noChangeAspect="1"/>
+                  </p:cNvPicPr>
+                  <p:nvPr/>
+                </p:nvPicPr>
+                <p:blipFill>
+                  <a:blip r:embed="rId30"/>
+                  <a:srcRect l="60891" t="34101" r="8441" b="49671"/>
+                  <a:stretch/>
+                </p:blipFill>
+                <p:spPr>
+                  <a:xfrm>
+                    <a:off x="4691586" y="4902987"/>
+                    <a:ext cx="1101218" cy="556459"/>
+                  </a:xfrm>
+                  <a:prstGeom prst="rect">
+                    <a:avLst/>
+                  </a:prstGeom>
+                  <a:noFill/>
+                  <a:ln w="6350">
+                    <a:solidFill>
+                      <a:schemeClr val="tx1"/>
+                    </a:solidFill>
+                  </a:ln>
+                  <a:effectLst>
+                    <a:outerShdw blurRad="50800" dist="38100" dir="8100000" algn="tr" rotWithShape="0">
+                      <a:prstClr val="black">
+                        <a:alpha val="40000"/>
+                      </a:prstClr>
+                    </a:outerShdw>
+                  </a:effectLst>
+                </p:spPr>
+              </p:pic>
+            </p:grpSp>
+            <p:pic>
+              <p:nvPicPr>
+                <p:cNvPr id="9" name="Picture 8">
+                  <a:extLst>
+                    <a:ext uri="{FF2B5EF4-FFF2-40B4-BE49-F238E27FC236}">
+                      <a16:creationId xmlns:a16="http://schemas.microsoft.com/office/drawing/2014/main" id="{A7F463BB-C264-9F0C-7FE9-26E23EC0BF09}"/>
+                    </a:ext>
+                  </a:extLst>
+                </p:cNvPr>
+                <p:cNvPicPr>
+                  <a:picLocks noChangeAspect="1"/>
+                </p:cNvPicPr>
+                <p:nvPr/>
+              </p:nvPicPr>
+              <p:blipFill>
+                <a:blip r:embed="rId31"/>
+                <a:stretch>
+                  <a:fillRect/>
+                </a:stretch>
+              </p:blipFill>
+              <p:spPr>
+                <a:xfrm>
+                  <a:off x="5795623" y="3674751"/>
+                  <a:ext cx="486541" cy="1312320"/>
                 </a:xfrm>
                 <a:prstGeom prst="rect">
                   <a:avLst/>
@@ -5825,171 +6804,55 @@
               </p:spPr>
             </p:pic>
           </p:grpSp>
-          <p:pic>
-            <p:nvPicPr>
-              <p:cNvPr id="9" name="Picture 8">
+          <p:sp>
+            <p:nvSpPr>
+              <p:cNvPr id="151" name="TextBox 150">
                 <a:extLst>
                   <a:ext uri="{FF2B5EF4-FFF2-40B4-BE49-F238E27FC236}">
-                    <a16:creationId xmlns:a16="http://schemas.microsoft.com/office/drawing/2014/main" id="{A7F463BB-C264-9F0C-7FE9-26E23EC0BF09}"/>
+                    <a16:creationId xmlns:a16="http://schemas.microsoft.com/office/drawing/2014/main" id="{3D5DB8BB-E542-C8DF-2F55-64EE3C0EAAF4}"/>
                   </a:ext>
                 </a:extLst>
               </p:cNvPr>
-              <p:cNvPicPr>
-                <a:picLocks noChangeAspect="1"/>
-              </p:cNvPicPr>
+              <p:cNvSpPr txBox="1"/>
               <p:nvPr/>
-            </p:nvPicPr>
-            <p:blipFill>
-              <a:blip r:embed="rId20"/>
-              <a:stretch>
-                <a:fillRect/>
-              </a:stretch>
-            </p:blipFill>
+            </p:nvSpPr>
             <p:spPr>
               <a:xfrm>
-                <a:off x="5795623" y="3674751"/>
-                <a:ext cx="486541" cy="1312320"/>
+                <a:off x="4211221" y="4309499"/>
+                <a:ext cx="1101217" cy="230266"/>
               </a:xfrm>
               <a:prstGeom prst="rect">
                 <a:avLst/>
               </a:prstGeom>
-              <a:noFill/>
-              <a:ln w="6350">
-                <a:solidFill>
-                  <a:schemeClr val="tx1"/>
-                </a:solidFill>
-              </a:ln>
-              <a:effectLst>
-                <a:outerShdw blurRad="50800" dist="38100" dir="8100000" algn="tr" rotWithShape="0">
-                  <a:prstClr val="black">
-                    <a:alpha val="40000"/>
-                  </a:prstClr>
-                </a:outerShdw>
-              </a:effectLst>
+              <a:solidFill>
+                <a:schemeClr val="bg1"/>
+              </a:solidFill>
             </p:spPr>
-          </p:pic>
+            <p:txBody>
+              <a:bodyPr wrap="square" lIns="0" tIns="0" rIns="0" bIns="0" anchor="ctr" anchorCtr="0">
+                <a:noAutofit/>
+              </a:bodyPr>
+              <a:lstStyle/>
+              <a:p>
+                <a:pPr algn="r"/>
+                <a:r>
+                  <a:rPr lang="en-US" sz="1000" b="1" dirty="0">
+                    <a:solidFill>
+                      <a:srgbClr val="FF0000"/>
+                    </a:solidFill>
+                  </a:rPr>
+                  <a:t>Pleasant lake</a:t>
+                </a:r>
+              </a:p>
+            </p:txBody>
+          </p:sp>
         </p:grpSp>
-        <p:sp>
-          <p:nvSpPr>
-            <p:cNvPr id="151" name="TextBox 150">
+        <p:pic>
+          <p:nvPicPr>
+            <p:cNvPr id="5" name="Picture 4">
               <a:extLst>
                 <a:ext uri="{FF2B5EF4-FFF2-40B4-BE49-F238E27FC236}">
-                  <a16:creationId xmlns:a16="http://schemas.microsoft.com/office/drawing/2014/main" id="{3D5DB8BB-E542-C8DF-2F55-64EE3C0EAAF4}"/>
-                </a:ext>
-              </a:extLst>
-            </p:cNvPr>
-            <p:cNvSpPr txBox="1"/>
-            <p:nvPr/>
-          </p:nvSpPr>
-          <p:spPr>
-            <a:xfrm>
-              <a:off x="4211221" y="4309499"/>
-              <a:ext cx="1101217" cy="230266"/>
-            </a:xfrm>
-            <a:prstGeom prst="rect">
-              <a:avLst/>
-            </a:prstGeom>
-            <a:solidFill>
-              <a:schemeClr val="bg1"/>
-            </a:solidFill>
-          </p:spPr>
-          <p:txBody>
-            <a:bodyPr wrap="square" lIns="0" tIns="0" rIns="0" bIns="0" anchor="ctr" anchorCtr="0">
-              <a:noAutofit/>
-            </a:bodyPr>
-            <a:lstStyle/>
-            <a:p>
-              <a:pPr algn="r"/>
-              <a:r>
-                <a:rPr lang="en-US" sz="1000" b="1" dirty="0">
-                  <a:solidFill>
-                    <a:srgbClr val="FF0000"/>
-                  </a:solidFill>
-                </a:rPr>
-                <a:t>Pleasant lake</a:t>
-              </a:r>
-            </a:p>
-          </p:txBody>
-        </p:sp>
-      </p:grpSp>
-      <p:grpSp>
-        <p:nvGrpSpPr>
-          <p:cNvPr id="20" name="Group 19">
-            <a:extLst>
-              <a:ext uri="{FF2B5EF4-FFF2-40B4-BE49-F238E27FC236}">
-                <a16:creationId xmlns:a16="http://schemas.microsoft.com/office/drawing/2014/main" id="{CCD04C4F-71E5-307D-5B6F-5A4F8D399FFE}"/>
-              </a:ext>
-            </a:extLst>
-          </p:cNvPr>
-          <p:cNvGrpSpPr/>
-          <p:nvPr/>
-        </p:nvGrpSpPr>
-        <p:grpSpPr>
-          <a:xfrm>
-            <a:off x="5449793" y="1898652"/>
-            <a:ext cx="2928286" cy="407108"/>
-            <a:chOff x="4005637" y="290334"/>
-            <a:chExt cx="2928286" cy="407108"/>
-          </a:xfrm>
-        </p:grpSpPr>
-        <p:sp>
-          <p:nvSpPr>
-            <p:cNvPr id="16" name="TextBox 15">
-              <a:extLst>
-                <a:ext uri="{FF2B5EF4-FFF2-40B4-BE49-F238E27FC236}">
-                  <a16:creationId xmlns:a16="http://schemas.microsoft.com/office/drawing/2014/main" id="{FC0599C1-B248-91A4-6906-BC75D2D1F0D4}"/>
-                </a:ext>
-              </a:extLst>
-            </p:cNvPr>
-            <p:cNvSpPr txBox="1"/>
-            <p:nvPr/>
-          </p:nvSpPr>
-          <p:spPr>
-            <a:xfrm>
-              <a:off x="5468044" y="435832"/>
-              <a:ext cx="1465879" cy="261610"/>
-            </a:xfrm>
-            <a:prstGeom prst="rect">
-              <a:avLst/>
-            </a:prstGeom>
-            <a:noFill/>
-          </p:spPr>
-          <p:txBody>
-            <a:bodyPr wrap="square">
-              <a:spAutoFit/>
-            </a:bodyPr>
-            <a:lstStyle/>
-            <a:p>
-              <a:r>
-                <a:rPr lang="LID4096" sz="1100" b="1" dirty="0">
-                  <a:solidFill>
-                    <a:srgbClr val="FF0000"/>
-                  </a:solidFill>
-                </a:rPr>
-                <a:t>FREYBERG</a:t>
-              </a:r>
-              <a:r>
-                <a:rPr lang="pt-BR" sz="1100" b="1" dirty="0">
-                  <a:solidFill>
-                    <a:srgbClr val="FF0000"/>
-                  </a:solidFill>
-                </a:rPr>
-                <a:t> _original</a:t>
-              </a:r>
-              <a:endParaRPr lang="LID4096" sz="1100" b="1" dirty="0">
-                <a:solidFill>
-                  <a:srgbClr val="FF0000"/>
-                </a:solidFill>
-              </a:endParaRPr>
-            </a:p>
-          </p:txBody>
-        </p:sp>
-        <p:pic>
-          <p:nvPicPr>
-            <p:cNvPr id="125" name="Picture 124">
-              <a:extLst>
-                <a:ext uri="{FF2B5EF4-FFF2-40B4-BE49-F238E27FC236}">
-                  <a16:creationId xmlns:a16="http://schemas.microsoft.com/office/drawing/2014/main" id="{E5F01EB9-5661-F767-8DAC-BFE260077241}"/>
+                  <a16:creationId xmlns:a16="http://schemas.microsoft.com/office/drawing/2014/main" id="{46CDE9FA-2B73-BA9C-FE8B-0072C2821F42}"/>
                 </a:ext>
               </a:extLst>
             </p:cNvPr>
@@ -5999,650 +6862,27 @@
             <p:nvPr/>
           </p:nvPicPr>
           <p:blipFill>
-            <a:blip r:embed="rId5"/>
-            <a:srcRect t="58454" r="57025" b="21387"/>
-            <a:stretch/>
+            <a:blip r:embed="rId32"/>
+            <a:stretch>
+              <a:fillRect/>
+            </a:stretch>
           </p:blipFill>
           <p:spPr>
             <a:xfrm>
-              <a:off x="4420998" y="309488"/>
-              <a:ext cx="867792" cy="207373"/>
+              <a:off x="272562" y="2041590"/>
+              <a:ext cx="904875" cy="228600"/>
             </a:xfrm>
             <a:prstGeom prst="rect">
               <a:avLst/>
             </a:prstGeom>
           </p:spPr>
         </p:pic>
-        <p:sp>
-          <p:nvSpPr>
-            <p:cNvPr id="131" name="TextBox 130">
+        <p:pic>
+          <p:nvPicPr>
+            <p:cNvPr id="8" name="Picture 7">
               <a:extLst>
                 <a:ext uri="{FF2B5EF4-FFF2-40B4-BE49-F238E27FC236}">
-                  <a16:creationId xmlns:a16="http://schemas.microsoft.com/office/drawing/2014/main" id="{E99AECEE-1527-C251-0DCB-CBCF9ACC47A9}"/>
-                </a:ext>
-              </a:extLst>
-            </p:cNvPr>
-            <p:cNvSpPr txBox="1">
-              <a:spLocks noChangeAspect="1"/>
-            </p:cNvSpPr>
-            <p:nvPr/>
-          </p:nvSpPr>
-          <p:spPr>
-            <a:xfrm>
-              <a:off x="4005637" y="290334"/>
-              <a:ext cx="322244" cy="273747"/>
-            </a:xfrm>
-            <a:prstGeom prst="rect">
-              <a:avLst/>
-            </a:prstGeom>
-            <a:solidFill>
-              <a:schemeClr val="accent6">
-                <a:lumMod val="60000"/>
-                <a:lumOff val="40000"/>
-              </a:schemeClr>
-            </a:solidFill>
-          </p:spPr>
-          <p:txBody>
-            <a:bodyPr wrap="none" lIns="0" tIns="0" rIns="0" bIns="0" anchor="ctr" anchorCtr="0">
-              <a:noAutofit/>
-            </a:bodyPr>
-            <a:lstStyle/>
-            <a:p>
-              <a:pPr algn="ctr"/>
-              <a:r>
-                <a:rPr lang="pt-BR" sz="1500" b="1" dirty="0"/>
-                <a:t>03</a:t>
-              </a:r>
-              <a:endParaRPr lang="LID4096" sz="1500" b="1" dirty="0"/>
-            </a:p>
-          </p:txBody>
-        </p:sp>
-        <p:sp>
-          <p:nvSpPr>
-            <p:cNvPr id="133" name="Rectangle 132">
-              <a:extLst>
-                <a:ext uri="{FF2B5EF4-FFF2-40B4-BE49-F238E27FC236}">
-                  <a16:creationId xmlns:a16="http://schemas.microsoft.com/office/drawing/2014/main" id="{A1E48D17-6520-9E3C-DD09-FAA9A81F7C27}"/>
-                </a:ext>
-              </a:extLst>
-            </p:cNvPr>
-            <p:cNvSpPr/>
-            <p:nvPr/>
-          </p:nvSpPr>
-          <p:spPr>
-            <a:xfrm>
-              <a:off x="4434098" y="290334"/>
-              <a:ext cx="942484" cy="232193"/>
-            </a:xfrm>
-            <a:prstGeom prst="rect">
-              <a:avLst/>
-            </a:prstGeom>
-            <a:noFill/>
-            <a:ln w="6350">
-              <a:solidFill>
-                <a:srgbClr val="0000FF"/>
-              </a:solidFill>
-            </a:ln>
-            <a:effectLst>
-              <a:outerShdw blurRad="50800" dist="38100" dir="8100000" algn="tr" rotWithShape="0">
-                <a:prstClr val="black">
-                  <a:alpha val="40000"/>
-                </a:prstClr>
-              </a:outerShdw>
-            </a:effectLst>
-          </p:spPr>
-          <p:txBody>
-            <a:bodyPr wrap="none" anchor="ctr" anchorCtr="0">
-              <a:noAutofit/>
-            </a:bodyPr>
-            <a:lstStyle/>
-            <a:p>
-              <a:endParaRPr lang="LID4096" dirty="0"/>
-            </a:p>
-          </p:txBody>
-        </p:sp>
-      </p:grpSp>
-      <p:sp>
-        <p:nvSpPr>
-          <p:cNvPr id="4" name="TextBox 3">
-            <a:extLst>
-              <a:ext uri="{FF2B5EF4-FFF2-40B4-BE49-F238E27FC236}">
-                <a16:creationId xmlns:a16="http://schemas.microsoft.com/office/drawing/2014/main" id="{25A4C70E-A017-470A-C5DA-F216889EA41C}"/>
-              </a:ext>
-            </a:extLst>
-          </p:cNvPr>
-          <p:cNvSpPr txBox="1"/>
-          <p:nvPr/>
-        </p:nvSpPr>
-        <p:spPr>
-          <a:xfrm>
-            <a:off x="272562" y="6346668"/>
-            <a:ext cx="1767835" cy="307777"/>
-          </a:xfrm>
-          <a:prstGeom prst="rect">
-            <a:avLst/>
-          </a:prstGeom>
-          <a:noFill/>
-        </p:spPr>
-        <p:txBody>
-          <a:bodyPr wrap="square">
-            <a:spAutoFit/>
-          </a:bodyPr>
-          <a:lstStyle>
-            <a:defPPr>
-              <a:defRPr lang="LID4096"/>
-            </a:defPPr>
-            <a:lvl1pPr>
-              <a:defRPr sz="1100" b="1"/>
-            </a:lvl1pPr>
-          </a:lstStyle>
-          <a:p>
-            <a:r>
-              <a:rPr lang="en-US" sz="1400" b="0" dirty="0">
-                <a:solidFill>
-                  <a:srgbClr val="0000FF"/>
-                </a:solidFill>
-              </a:rPr>
-              <a:t>&amp;</a:t>
-            </a:r>
-            <a:endParaRPr lang="LID4096" sz="1400" b="0" dirty="0">
-              <a:solidFill>
-                <a:srgbClr val="0000FF"/>
-              </a:solidFill>
-            </a:endParaRPr>
-          </a:p>
-        </p:txBody>
-      </p:sp>
-      <p:pic>
-        <p:nvPicPr>
-          <p:cNvPr id="5" name="Picture 4">
-            <a:extLst>
-              <a:ext uri="{FF2B5EF4-FFF2-40B4-BE49-F238E27FC236}">
-                <a16:creationId xmlns:a16="http://schemas.microsoft.com/office/drawing/2014/main" id="{46CDE9FA-2B73-BA9C-FE8B-0072C2821F42}"/>
-              </a:ext>
-            </a:extLst>
-          </p:cNvPr>
-          <p:cNvPicPr>
-            <a:picLocks noChangeAspect="1"/>
-          </p:cNvPicPr>
-          <p:nvPr/>
-        </p:nvPicPr>
-        <p:blipFill>
-          <a:blip r:embed="rId21"/>
-          <a:stretch>
-            <a:fillRect/>
-          </a:stretch>
-        </p:blipFill>
-        <p:spPr>
-          <a:xfrm>
-            <a:off x="272562" y="2041590"/>
-            <a:ext cx="904875" cy="228600"/>
-          </a:xfrm>
-          <a:prstGeom prst="rect">
-            <a:avLst/>
-          </a:prstGeom>
-        </p:spPr>
-      </p:pic>
-      <p:pic>
-        <p:nvPicPr>
-          <p:cNvPr id="8" name="Picture 7">
-            <a:extLst>
-              <a:ext uri="{FF2B5EF4-FFF2-40B4-BE49-F238E27FC236}">
-                <a16:creationId xmlns:a16="http://schemas.microsoft.com/office/drawing/2014/main" id="{52F33C83-A6CA-1238-F09E-CC9E680F358E}"/>
-              </a:ext>
-            </a:extLst>
-          </p:cNvPr>
-          <p:cNvPicPr>
-            <a:picLocks noChangeAspect="1"/>
-          </p:cNvPicPr>
-          <p:nvPr/>
-        </p:nvPicPr>
-        <p:blipFill>
-          <a:blip r:embed="rId22"/>
-          <a:srcRect t="1" r="38610" b="21447"/>
-          <a:stretch/>
-        </p:blipFill>
-        <p:spPr>
-          <a:xfrm>
-            <a:off x="390308" y="2700237"/>
-            <a:ext cx="1602201" cy="187052"/>
-          </a:xfrm>
-          <a:prstGeom prst="rect">
-            <a:avLst/>
-          </a:prstGeom>
-        </p:spPr>
-      </p:pic>
-      <p:pic>
-        <p:nvPicPr>
-          <p:cNvPr id="18" name="Picture 17">
-            <a:extLst>
-              <a:ext uri="{FF2B5EF4-FFF2-40B4-BE49-F238E27FC236}">
-                <a16:creationId xmlns:a16="http://schemas.microsoft.com/office/drawing/2014/main" id="{0F5FD37D-FFCF-59A8-0334-6EE066496915}"/>
-              </a:ext>
-            </a:extLst>
-          </p:cNvPr>
-          <p:cNvPicPr>
-            <a:picLocks noChangeAspect="1"/>
-          </p:cNvPicPr>
-          <p:nvPr/>
-        </p:nvPicPr>
-        <p:blipFill>
-          <a:blip r:embed="rId23"/>
-          <a:stretch>
-            <a:fillRect/>
-          </a:stretch>
-        </p:blipFill>
-        <p:spPr>
-          <a:xfrm>
-            <a:off x="1984807" y="2726052"/>
-            <a:ext cx="746700" cy="162326"/>
-          </a:xfrm>
-          <a:prstGeom prst="rect">
-            <a:avLst/>
-          </a:prstGeom>
-        </p:spPr>
-      </p:pic>
-      <p:pic>
-        <p:nvPicPr>
-          <p:cNvPr id="26" name="Picture 25">
-            <a:extLst>
-              <a:ext uri="{FF2B5EF4-FFF2-40B4-BE49-F238E27FC236}">
-                <a16:creationId xmlns:a16="http://schemas.microsoft.com/office/drawing/2014/main" id="{14450CD6-44A1-A1B4-0568-C40663F2F3A6}"/>
-              </a:ext>
-            </a:extLst>
-          </p:cNvPr>
-          <p:cNvPicPr>
-            <a:picLocks noChangeAspect="1"/>
-          </p:cNvPicPr>
-          <p:nvPr/>
-        </p:nvPicPr>
-        <p:blipFill>
-          <a:blip r:embed="rId24">
-            <a:extLst>
-              <a:ext uri="{28A0092B-C50C-407E-A947-70E740481C1C}">
-                <a14:useLocalDpi xmlns:a14="http://schemas.microsoft.com/office/drawing/2010/main" val="0"/>
-              </a:ext>
-            </a:extLst>
-          </a:blip>
-          <a:stretch>
-            <a:fillRect/>
-          </a:stretch>
-        </p:blipFill>
-        <p:spPr>
-          <a:xfrm>
-            <a:off x="11203204" y="2264292"/>
-            <a:ext cx="914708" cy="667489"/>
-          </a:xfrm>
-          <a:prstGeom prst="rect">
-            <a:avLst/>
-          </a:prstGeom>
-          <a:ln>
-            <a:solidFill>
-              <a:schemeClr val="tx1"/>
-            </a:solidFill>
-          </a:ln>
-        </p:spPr>
-      </p:pic>
-      <p:pic>
-        <p:nvPicPr>
-          <p:cNvPr id="30" name="Picture 29">
-            <a:extLst>
-              <a:ext uri="{FF2B5EF4-FFF2-40B4-BE49-F238E27FC236}">
-                <a16:creationId xmlns:a16="http://schemas.microsoft.com/office/drawing/2014/main" id="{F8B0EF57-D975-045D-47EE-BB8F8E27D12E}"/>
-              </a:ext>
-            </a:extLst>
-          </p:cNvPr>
-          <p:cNvPicPr>
-            <a:picLocks noChangeAspect="1"/>
-          </p:cNvPicPr>
-          <p:nvPr/>
-        </p:nvPicPr>
-        <p:blipFill>
-          <a:blip r:embed="rId25"/>
-          <a:stretch>
-            <a:fillRect/>
-          </a:stretch>
-        </p:blipFill>
-        <p:spPr>
-          <a:xfrm>
-            <a:off x="3505828" y="183739"/>
-            <a:ext cx="1157869" cy="975666"/>
-          </a:xfrm>
-          <a:prstGeom prst="rect">
-            <a:avLst/>
-          </a:prstGeom>
-          <a:ln>
-            <a:solidFill>
-              <a:schemeClr val="tx1"/>
-            </a:solidFill>
-          </a:ln>
-        </p:spPr>
-      </p:pic>
-      <p:pic>
-        <p:nvPicPr>
-          <p:cNvPr id="48" name="Picture 47">
-            <a:extLst>
-              <a:ext uri="{FF2B5EF4-FFF2-40B4-BE49-F238E27FC236}">
-                <a16:creationId xmlns:a16="http://schemas.microsoft.com/office/drawing/2014/main" id="{B705D8E0-0771-27DD-F690-E71424E9A589}"/>
-              </a:ext>
-            </a:extLst>
-          </p:cNvPr>
-          <p:cNvPicPr>
-            <a:picLocks noChangeAspect="1"/>
-          </p:cNvPicPr>
-          <p:nvPr/>
-        </p:nvPicPr>
-        <p:blipFill>
-          <a:blip r:embed="rId26"/>
-          <a:stretch>
-            <a:fillRect/>
-          </a:stretch>
-        </p:blipFill>
-        <p:spPr>
-          <a:xfrm>
-            <a:off x="390921" y="833496"/>
-            <a:ext cx="2743200" cy="200025"/>
-          </a:xfrm>
-          <a:prstGeom prst="rect">
-            <a:avLst/>
-          </a:prstGeom>
-        </p:spPr>
-      </p:pic>
-      <p:sp>
-        <p:nvSpPr>
-          <p:cNvPr id="13" name="TextBox 12">
-            <a:extLst>
-              <a:ext uri="{FF2B5EF4-FFF2-40B4-BE49-F238E27FC236}">
-                <a16:creationId xmlns:a16="http://schemas.microsoft.com/office/drawing/2014/main" id="{E1306BEF-02CF-D663-26B6-B8F4A1CA97EF}"/>
-              </a:ext>
-            </a:extLst>
-          </p:cNvPr>
-          <p:cNvSpPr txBox="1">
-            <a:spLocks/>
-          </p:cNvSpPr>
-          <p:nvPr/>
-        </p:nvSpPr>
-        <p:spPr>
-          <a:xfrm>
-            <a:off x="2486139" y="4088483"/>
-            <a:ext cx="696097" cy="409575"/>
-          </a:xfrm>
-          <a:prstGeom prst="rect">
-            <a:avLst/>
-          </a:prstGeom>
-          <a:noFill/>
-        </p:spPr>
-        <p:txBody>
-          <a:bodyPr wrap="square" lIns="0" tIns="0" rIns="0" bIns="0" anchor="ctr" anchorCtr="0">
-            <a:noAutofit/>
-          </a:bodyPr>
-          <a:lstStyle/>
-          <a:p>
-            <a:pPr algn="ctr"/>
-            <a:r>
-              <a:rPr lang="en-US" sz="800" dirty="0">
-                <a:latin typeface="Cambria" panose="02040503050406030204" pitchFamily="18" charset="0"/>
-                <a:ea typeface="Cambria" panose="02040503050406030204" pitchFamily="18" charset="0"/>
-              </a:rPr>
-              <a:t>First assumptions</a:t>
-            </a:r>
-          </a:p>
-        </p:txBody>
-      </p:sp>
-      <p:pic>
-        <p:nvPicPr>
-          <p:cNvPr id="28" name="Picture 27">
-            <a:extLst>
-              <a:ext uri="{FF2B5EF4-FFF2-40B4-BE49-F238E27FC236}">
-                <a16:creationId xmlns:a16="http://schemas.microsoft.com/office/drawing/2014/main" id="{B0287FAB-998A-62AD-9101-C672BAD9E9C4}"/>
-              </a:ext>
-            </a:extLst>
-          </p:cNvPr>
-          <p:cNvPicPr>
-            <a:picLocks noChangeAspect="1"/>
-          </p:cNvPicPr>
-          <p:nvPr/>
-        </p:nvPicPr>
-        <p:blipFill>
-          <a:blip r:embed="rId27"/>
-          <a:stretch>
-            <a:fillRect/>
-          </a:stretch>
-        </p:blipFill>
-        <p:spPr>
-          <a:xfrm>
-            <a:off x="296119" y="4879725"/>
-            <a:ext cx="2390775" cy="619125"/>
-          </a:xfrm>
-          <a:prstGeom prst="rect">
-            <a:avLst/>
-          </a:prstGeom>
-        </p:spPr>
-      </p:pic>
-      <p:pic>
-        <p:nvPicPr>
-          <p:cNvPr id="39" name="Picture 38">
-            <a:extLst>
-              <a:ext uri="{FF2B5EF4-FFF2-40B4-BE49-F238E27FC236}">
-                <a16:creationId xmlns:a16="http://schemas.microsoft.com/office/drawing/2014/main" id="{901580E5-95FF-2D74-611B-D1FACD9B03BB}"/>
-              </a:ext>
-            </a:extLst>
-          </p:cNvPr>
-          <p:cNvPicPr>
-            <a:picLocks noChangeAspect="1"/>
-          </p:cNvPicPr>
-          <p:nvPr/>
-        </p:nvPicPr>
-        <p:blipFill>
-          <a:blip r:embed="rId28"/>
-          <a:stretch>
-            <a:fillRect/>
-          </a:stretch>
-        </p:blipFill>
-        <p:spPr>
-          <a:xfrm>
-            <a:off x="2556754" y="4803856"/>
-            <a:ext cx="698287" cy="685435"/>
-          </a:xfrm>
-          <a:prstGeom prst="rect">
-            <a:avLst/>
-          </a:prstGeom>
-        </p:spPr>
-      </p:pic>
-      <p:grpSp>
-        <p:nvGrpSpPr>
-          <p:cNvPr id="6" name="Group 5">
-            <a:extLst>
-              <a:ext uri="{FF2B5EF4-FFF2-40B4-BE49-F238E27FC236}">
-                <a16:creationId xmlns:a16="http://schemas.microsoft.com/office/drawing/2014/main" id="{8D3F0414-A17A-934C-EEAF-41EB4B9AC432}"/>
-              </a:ext>
-            </a:extLst>
-          </p:cNvPr>
-          <p:cNvGrpSpPr>
-            <a:grpSpLocks noChangeAspect="1"/>
-          </p:cNvGrpSpPr>
-          <p:nvPr/>
-        </p:nvGrpSpPr>
-        <p:grpSpPr>
-          <a:xfrm>
-            <a:off x="3024468" y="5680015"/>
-            <a:ext cx="870983" cy="1046706"/>
-            <a:chOff x="7165644" y="3690758"/>
-            <a:chExt cx="2577825" cy="3097909"/>
-          </a:xfrm>
-        </p:grpSpPr>
-        <p:grpSp>
-          <p:nvGrpSpPr>
-            <p:cNvPr id="61" name="Group 60">
-              <a:extLst>
-                <a:ext uri="{FF2B5EF4-FFF2-40B4-BE49-F238E27FC236}">
-                  <a16:creationId xmlns:a16="http://schemas.microsoft.com/office/drawing/2014/main" id="{3405BA07-79A3-7D90-4450-E0626A6C5E50}"/>
-                </a:ext>
-              </a:extLst>
-            </p:cNvPr>
-            <p:cNvGrpSpPr/>
-            <p:nvPr/>
-          </p:nvGrpSpPr>
-          <p:grpSpPr>
-            <a:xfrm>
-              <a:off x="7165644" y="3690758"/>
-              <a:ext cx="2172917" cy="3097909"/>
-              <a:chOff x="6887080" y="3509404"/>
-              <a:chExt cx="2172917" cy="3097909"/>
-            </a:xfrm>
-          </p:grpSpPr>
-          <p:pic>
-            <p:nvPicPr>
-              <p:cNvPr id="25" name="Picture 24">
-                <a:extLst>
-                  <a:ext uri="{FF2B5EF4-FFF2-40B4-BE49-F238E27FC236}">
-                    <a16:creationId xmlns:a16="http://schemas.microsoft.com/office/drawing/2014/main" id="{3832A4A5-1A66-1CD6-6D55-0D9BD800EB73}"/>
-                  </a:ext>
-                </a:extLst>
-              </p:cNvPr>
-              <p:cNvPicPr>
-                <a:picLocks noChangeAspect="1"/>
-              </p:cNvPicPr>
-              <p:nvPr/>
-            </p:nvPicPr>
-            <p:blipFill>
-              <a:blip r:embed="rId29"/>
-              <a:srcRect b="82696"/>
-              <a:stretch/>
-            </p:blipFill>
-            <p:spPr>
-              <a:xfrm>
-                <a:off x="6979362" y="3509404"/>
-                <a:ext cx="1952625" cy="469739"/>
-              </a:xfrm>
-              <a:prstGeom prst="rect">
-                <a:avLst/>
-              </a:prstGeom>
-            </p:spPr>
-          </p:pic>
-          <p:pic>
-            <p:nvPicPr>
-              <p:cNvPr id="40" name="Picture 39">
-                <a:extLst>
-                  <a:ext uri="{FF2B5EF4-FFF2-40B4-BE49-F238E27FC236}">
-                    <a16:creationId xmlns:a16="http://schemas.microsoft.com/office/drawing/2014/main" id="{3C305CBD-01DC-3A88-9B55-778254C94550}"/>
-                  </a:ext>
-                </a:extLst>
-              </p:cNvPr>
-              <p:cNvPicPr>
-                <a:picLocks noChangeAspect="1"/>
-              </p:cNvPicPr>
-              <p:nvPr/>
-            </p:nvPicPr>
-            <p:blipFill>
-              <a:blip r:embed="rId29"/>
-              <a:srcRect t="89884"/>
-              <a:stretch/>
-            </p:blipFill>
-            <p:spPr>
-              <a:xfrm>
-                <a:off x="6979361" y="6332694"/>
-                <a:ext cx="1952625" cy="274619"/>
-              </a:xfrm>
-              <a:prstGeom prst="rect">
-                <a:avLst/>
-              </a:prstGeom>
-            </p:spPr>
-          </p:pic>
-          <p:pic>
-            <p:nvPicPr>
-              <p:cNvPr id="57" name="Picture 56">
-                <a:extLst>
-                  <a:ext uri="{FF2B5EF4-FFF2-40B4-BE49-F238E27FC236}">
-                    <a16:creationId xmlns:a16="http://schemas.microsoft.com/office/drawing/2014/main" id="{D0D55197-8D3F-04B1-B480-B5780DC9D44B}"/>
-                  </a:ext>
-                </a:extLst>
-              </p:cNvPr>
-              <p:cNvPicPr>
-                <a:picLocks noChangeAspect="1"/>
-              </p:cNvPicPr>
-              <p:nvPr/>
-            </p:nvPicPr>
-            <p:blipFill>
-              <a:blip r:embed="rId29"/>
-              <a:srcRect t="68692" b="10408"/>
-              <a:stretch/>
-            </p:blipFill>
-            <p:spPr>
-              <a:xfrm>
-                <a:off x="6946297" y="5594587"/>
-                <a:ext cx="1952625" cy="567370"/>
-              </a:xfrm>
-              <a:prstGeom prst="rect">
-                <a:avLst/>
-              </a:prstGeom>
-            </p:spPr>
-          </p:pic>
-          <p:pic>
-            <p:nvPicPr>
-              <p:cNvPr id="58" name="Picture 57">
-                <a:extLst>
-                  <a:ext uri="{FF2B5EF4-FFF2-40B4-BE49-F238E27FC236}">
-                    <a16:creationId xmlns:a16="http://schemas.microsoft.com/office/drawing/2014/main" id="{24478180-8EE5-51C5-CB0A-22D9DB09AD81}"/>
-                  </a:ext>
-                </a:extLst>
-              </p:cNvPr>
-              <p:cNvPicPr>
-                <a:picLocks noChangeAspect="1"/>
-              </p:cNvPicPr>
-              <p:nvPr/>
-            </p:nvPicPr>
-            <p:blipFill>
-              <a:blip r:embed="rId29"/>
-              <a:srcRect t="16135" b="47376"/>
-              <a:stretch/>
-            </p:blipFill>
-            <p:spPr>
-              <a:xfrm>
-                <a:off x="6887080" y="4129088"/>
-                <a:ext cx="1952625" cy="990600"/>
-              </a:xfrm>
-              <a:prstGeom prst="rect">
-                <a:avLst/>
-              </a:prstGeom>
-            </p:spPr>
-          </p:pic>
-          <p:pic>
-            <p:nvPicPr>
-              <p:cNvPr id="59" name="Picture 58">
-                <a:extLst>
-                  <a:ext uri="{FF2B5EF4-FFF2-40B4-BE49-F238E27FC236}">
-                    <a16:creationId xmlns:a16="http://schemas.microsoft.com/office/drawing/2014/main" id="{6035A3C0-ED66-F9BA-FC3C-08EFB294167A}"/>
-                  </a:ext>
-                </a:extLst>
-              </p:cNvPr>
-              <p:cNvPicPr>
-                <a:picLocks noChangeAspect="1"/>
-              </p:cNvPicPr>
-              <p:nvPr/>
-            </p:nvPicPr>
-            <p:blipFill>
-              <a:blip r:embed="rId29"/>
-              <a:srcRect t="52625" b="32132"/>
-              <a:stretch/>
-            </p:blipFill>
-            <p:spPr>
-              <a:xfrm>
-                <a:off x="7107372" y="5134438"/>
-                <a:ext cx="1952625" cy="413820"/>
-              </a:xfrm>
-              <a:prstGeom prst="rect">
-                <a:avLst/>
-              </a:prstGeom>
-            </p:spPr>
-          </p:pic>
-        </p:grpSp>
-        <p:pic>
-          <p:nvPicPr>
-            <p:cNvPr id="60" name="Picture 59">
-              <a:extLst>
-                <a:ext uri="{FF2B5EF4-FFF2-40B4-BE49-F238E27FC236}">
-                  <a16:creationId xmlns:a16="http://schemas.microsoft.com/office/drawing/2014/main" id="{29F9A4BA-1340-CF89-FF3E-7A41289664FF}"/>
+                  <a16:creationId xmlns:a16="http://schemas.microsoft.com/office/drawing/2014/main" id="{52F33C83-A6CA-1238-F09E-CC9E680F358E}"/>
                 </a:ext>
               </a:extLst>
             </p:cNvPr>
@@ -6652,221 +6892,170 @@
             <p:nvPr/>
           </p:nvPicPr>
           <p:blipFill>
-            <a:blip r:embed="rId30"/>
+            <a:blip r:embed="rId33"/>
+            <a:srcRect t="1" r="38610" b="21447"/>
+            <a:stretch/>
+          </p:blipFill>
+          <p:spPr>
+            <a:xfrm>
+              <a:off x="390308" y="2700237"/>
+              <a:ext cx="1602201" cy="187052"/>
+            </a:xfrm>
+            <a:prstGeom prst="rect">
+              <a:avLst/>
+            </a:prstGeom>
+          </p:spPr>
+        </p:pic>
+        <p:pic>
+          <p:nvPicPr>
+            <p:cNvPr id="18" name="Picture 17">
+              <a:extLst>
+                <a:ext uri="{FF2B5EF4-FFF2-40B4-BE49-F238E27FC236}">
+                  <a16:creationId xmlns:a16="http://schemas.microsoft.com/office/drawing/2014/main" id="{0F5FD37D-FFCF-59A8-0334-6EE066496915}"/>
+                </a:ext>
+              </a:extLst>
+            </p:cNvPr>
+            <p:cNvPicPr>
+              <a:picLocks noChangeAspect="1"/>
+            </p:cNvPicPr>
+            <p:nvPr/>
+          </p:nvPicPr>
+          <p:blipFill>
+            <a:blip r:embed="rId34"/>
             <a:stretch>
               <a:fillRect/>
             </a:stretch>
           </p:blipFill>
           <p:spPr>
             <a:xfrm>
-              <a:off x="8514744" y="3704524"/>
-              <a:ext cx="1228725" cy="3076575"/>
+              <a:off x="1984807" y="2726052"/>
+              <a:ext cx="746700" cy="162326"/>
             </a:xfrm>
             <a:prstGeom prst="rect">
               <a:avLst/>
             </a:prstGeom>
           </p:spPr>
         </p:pic>
+        <p:pic>
+          <p:nvPicPr>
+            <p:cNvPr id="30" name="Picture 29">
+              <a:extLst>
+                <a:ext uri="{FF2B5EF4-FFF2-40B4-BE49-F238E27FC236}">
+                  <a16:creationId xmlns:a16="http://schemas.microsoft.com/office/drawing/2014/main" id="{F8B0EF57-D975-045D-47EE-BB8F8E27D12E}"/>
+                </a:ext>
+              </a:extLst>
+            </p:cNvPr>
+            <p:cNvPicPr>
+              <a:picLocks noChangeAspect="1"/>
+            </p:cNvPicPr>
+            <p:nvPr/>
+          </p:nvPicPr>
+          <p:blipFill>
+            <a:blip r:embed="rId35"/>
+            <a:stretch>
+              <a:fillRect/>
+            </a:stretch>
+          </p:blipFill>
+          <p:spPr>
+            <a:xfrm>
+              <a:off x="3668942" y="1665424"/>
+              <a:ext cx="1157869" cy="975666"/>
+            </a:xfrm>
+            <a:prstGeom prst="rect">
+              <a:avLst/>
+            </a:prstGeom>
+            <a:ln>
+              <a:solidFill>
+                <a:schemeClr val="tx1"/>
+              </a:solidFill>
+            </a:ln>
+          </p:spPr>
+        </p:pic>
+        <p:pic>
+          <p:nvPicPr>
+            <p:cNvPr id="12" name="Picture 11">
+              <a:extLst>
+                <a:ext uri="{FF2B5EF4-FFF2-40B4-BE49-F238E27FC236}">
+                  <a16:creationId xmlns:a16="http://schemas.microsoft.com/office/drawing/2014/main" id="{B7672149-AC5F-0BD0-B4B3-A47F5656640B}"/>
+                </a:ext>
+              </a:extLst>
+            </p:cNvPr>
+            <p:cNvPicPr>
+              <a:picLocks noChangeAspect="1"/>
+            </p:cNvPicPr>
+            <p:nvPr/>
+          </p:nvPicPr>
+          <p:blipFill>
+            <a:blip r:embed="rId36"/>
+            <a:stretch>
+              <a:fillRect/>
+            </a:stretch>
+          </p:blipFill>
+          <p:spPr>
+            <a:xfrm>
+              <a:off x="88746" y="3011764"/>
+              <a:ext cx="3496911" cy="168329"/>
+            </a:xfrm>
+            <a:prstGeom prst="rect">
+              <a:avLst/>
+            </a:prstGeom>
+          </p:spPr>
+        </p:pic>
+        <p:sp>
+          <p:nvSpPr>
+            <p:cNvPr id="7" name="Arrow: Down 6">
+              <a:extLst>
+                <a:ext uri="{FF2B5EF4-FFF2-40B4-BE49-F238E27FC236}">
+                  <a16:creationId xmlns:a16="http://schemas.microsoft.com/office/drawing/2014/main" id="{9664BAAA-AE12-065E-81C4-9EBF6468CA96}"/>
+                </a:ext>
+              </a:extLst>
+            </p:cNvPr>
+            <p:cNvSpPr/>
+            <p:nvPr/>
+          </p:nvSpPr>
+          <p:spPr>
+            <a:xfrm rot="4035241">
+              <a:off x="1733519" y="1482612"/>
+              <a:ext cx="646497" cy="2309161"/>
+            </a:xfrm>
+            <a:prstGeom prst="downArrow">
+              <a:avLst/>
+            </a:prstGeom>
+            <a:noFill/>
+            <a:ln>
+              <a:solidFill>
+                <a:srgbClr val="000000">
+                  <a:alpha val="20000"/>
+                </a:srgbClr>
+              </a:solidFill>
+            </a:ln>
+          </p:spPr>
+          <p:style>
+            <a:lnRef idx="2">
+              <a:schemeClr val="accent1">
+                <a:shade val="15000"/>
+              </a:schemeClr>
+            </a:lnRef>
+            <a:fillRef idx="1">
+              <a:schemeClr val="accent1"/>
+            </a:fillRef>
+            <a:effectRef idx="0">
+              <a:schemeClr val="accent1"/>
+            </a:effectRef>
+            <a:fontRef idx="minor">
+              <a:schemeClr val="lt1"/>
+            </a:fontRef>
+          </p:style>
+          <p:txBody>
+            <a:bodyPr rtlCol="0" anchor="ctr"/>
+            <a:lstStyle/>
+            <a:p>
+              <a:pPr algn="ctr"/>
+              <a:endParaRPr lang="LID4096"/>
+            </a:p>
+          </p:txBody>
+        </p:sp>
       </p:grpSp>
-      <p:pic>
-        <p:nvPicPr>
-          <p:cNvPr id="14" name="Picture 13">
-            <a:extLst>
-              <a:ext uri="{FF2B5EF4-FFF2-40B4-BE49-F238E27FC236}">
-                <a16:creationId xmlns:a16="http://schemas.microsoft.com/office/drawing/2014/main" id="{DADD4FD6-14CC-0C75-D802-C0C9EFF68F97}"/>
-              </a:ext>
-            </a:extLst>
-          </p:cNvPr>
-          <p:cNvPicPr>
-            <a:picLocks noChangeAspect="1"/>
-          </p:cNvPicPr>
-          <p:nvPr/>
-        </p:nvPicPr>
-        <p:blipFill>
-          <a:blip r:embed="rId31"/>
-          <a:srcRect b="91757"/>
-          <a:stretch/>
-        </p:blipFill>
-        <p:spPr>
-          <a:xfrm>
-            <a:off x="6004526" y="2235215"/>
-            <a:ext cx="2638425" cy="217488"/>
-          </a:xfrm>
-          <a:prstGeom prst="rect">
-            <a:avLst/>
-          </a:prstGeom>
-        </p:spPr>
-      </p:pic>
-      <p:pic>
-        <p:nvPicPr>
-          <p:cNvPr id="19" name="Picture 18">
-            <a:extLst>
-              <a:ext uri="{FF2B5EF4-FFF2-40B4-BE49-F238E27FC236}">
-                <a16:creationId xmlns:a16="http://schemas.microsoft.com/office/drawing/2014/main" id="{86BD54D0-DE16-B5C6-BC14-7E0A230534ED}"/>
-              </a:ext>
-            </a:extLst>
-          </p:cNvPr>
-          <p:cNvPicPr>
-            <a:picLocks noChangeAspect="1"/>
-          </p:cNvPicPr>
-          <p:nvPr/>
-        </p:nvPicPr>
-        <p:blipFill>
-          <a:blip r:embed="rId32"/>
-          <a:stretch>
-            <a:fillRect/>
-          </a:stretch>
-        </p:blipFill>
-        <p:spPr>
-          <a:xfrm>
-            <a:off x="6043783" y="2476310"/>
-            <a:ext cx="3190875" cy="428625"/>
-          </a:xfrm>
-          <a:prstGeom prst="rect">
-            <a:avLst/>
-          </a:prstGeom>
-        </p:spPr>
-      </p:pic>
-      <p:pic>
-        <p:nvPicPr>
-          <p:cNvPr id="33" name="Picture 32">
-            <a:extLst>
-              <a:ext uri="{FF2B5EF4-FFF2-40B4-BE49-F238E27FC236}">
-                <a16:creationId xmlns:a16="http://schemas.microsoft.com/office/drawing/2014/main" id="{98CD807C-78E5-5760-8B1F-11621D942F19}"/>
-              </a:ext>
-            </a:extLst>
-          </p:cNvPr>
-          <p:cNvPicPr>
-            <a:picLocks noChangeAspect="1"/>
-          </p:cNvPicPr>
-          <p:nvPr/>
-        </p:nvPicPr>
-        <p:blipFill>
-          <a:blip r:embed="rId33"/>
-          <a:srcRect b="48960"/>
-          <a:stretch/>
-        </p:blipFill>
-        <p:spPr>
-          <a:xfrm>
-            <a:off x="6166675" y="2916401"/>
-            <a:ext cx="2143125" cy="170151"/>
-          </a:xfrm>
-          <a:prstGeom prst="rect">
-            <a:avLst/>
-          </a:prstGeom>
-        </p:spPr>
-      </p:pic>
-      <p:pic>
-        <p:nvPicPr>
-          <p:cNvPr id="53" name="Picture 52">
-            <a:extLst>
-              <a:ext uri="{FF2B5EF4-FFF2-40B4-BE49-F238E27FC236}">
-                <a16:creationId xmlns:a16="http://schemas.microsoft.com/office/drawing/2014/main" id="{F6EDA782-7D3C-A71A-1463-03279D6571EB}"/>
-              </a:ext>
-            </a:extLst>
-          </p:cNvPr>
-          <p:cNvPicPr>
-            <a:picLocks noChangeAspect="1"/>
-          </p:cNvPicPr>
-          <p:nvPr/>
-        </p:nvPicPr>
-        <p:blipFill>
-          <a:blip r:embed="rId34"/>
-          <a:srcRect t="7885"/>
-          <a:stretch/>
-        </p:blipFill>
-        <p:spPr>
-          <a:xfrm>
-            <a:off x="5947347" y="3520740"/>
-            <a:ext cx="2771775" cy="2412832"/>
-          </a:xfrm>
-          <a:prstGeom prst="rect">
-            <a:avLst/>
-          </a:prstGeom>
-        </p:spPr>
-      </p:pic>
-      <p:sp>
-        <p:nvSpPr>
-          <p:cNvPr id="2" name="TextBox 1">
-            <a:extLst>
-              <a:ext uri="{FF2B5EF4-FFF2-40B4-BE49-F238E27FC236}">
-                <a16:creationId xmlns:a16="http://schemas.microsoft.com/office/drawing/2014/main" id="{32CEA5DE-6D5E-E7B0-4F03-EAD3BC02F3A6}"/>
-              </a:ext>
-            </a:extLst>
-          </p:cNvPr>
-          <p:cNvSpPr txBox="1"/>
-          <p:nvPr/>
-        </p:nvSpPr>
-        <p:spPr>
-          <a:xfrm>
-            <a:off x="7832513" y="3082790"/>
-            <a:ext cx="1091131" cy="276999"/>
-          </a:xfrm>
-          <a:prstGeom prst="rect">
-            <a:avLst/>
-          </a:prstGeom>
-          <a:noFill/>
-        </p:spPr>
-        <p:txBody>
-          <a:bodyPr wrap="square">
-            <a:spAutoFit/>
-          </a:bodyPr>
-          <a:lstStyle>
-            <a:defPPr>
-              <a:defRPr lang="LID4096"/>
-            </a:defPPr>
-            <a:lvl1pPr>
-              <a:defRPr sz="1100" b="1"/>
-            </a:lvl1pPr>
-          </a:lstStyle>
-          <a:p>
-            <a:pPr algn="r"/>
-            <a:r>
-              <a:rPr lang="en-US" sz="1200" dirty="0">
-                <a:solidFill>
-                  <a:srgbClr val="0000FF"/>
-                </a:solidFill>
-              </a:rPr>
-              <a:t>till GMS</a:t>
-            </a:r>
-            <a:endParaRPr lang="LID4096" sz="1200" dirty="0">
-              <a:solidFill>
-                <a:srgbClr val="0000FF"/>
-              </a:solidFill>
-            </a:endParaRPr>
-          </a:p>
-        </p:txBody>
-      </p:sp>
-      <p:pic>
-        <p:nvPicPr>
-          <p:cNvPr id="22" name="Picture 21">
-            <a:extLst>
-              <a:ext uri="{FF2B5EF4-FFF2-40B4-BE49-F238E27FC236}">
-                <a16:creationId xmlns:a16="http://schemas.microsoft.com/office/drawing/2014/main" id="{B45B7B70-5C3C-1FEB-CAB6-7F63D742F731}"/>
-              </a:ext>
-            </a:extLst>
-          </p:cNvPr>
-          <p:cNvPicPr>
-            <a:picLocks noChangeAspect="1"/>
-          </p:cNvPicPr>
-          <p:nvPr/>
-        </p:nvPicPr>
-        <p:blipFill>
-          <a:blip r:embed="rId35"/>
-          <a:stretch>
-            <a:fillRect/>
-          </a:stretch>
-        </p:blipFill>
-        <p:spPr>
-          <a:xfrm>
-            <a:off x="6157339" y="3132531"/>
-            <a:ext cx="1200150" cy="209550"/>
-          </a:xfrm>
-          <a:prstGeom prst="rect">
-            <a:avLst/>
-          </a:prstGeom>
-        </p:spPr>
-      </p:pic>
     </p:spTree>
     <p:extLst>
       <p:ext uri="{BB962C8B-B14F-4D97-AF65-F5344CB8AC3E}">

--- a/01_Follow_up__activities.pptx
+++ b/01_Follow_up__activities.pptx
@@ -269,7 +269,7 @@
           <a:p>
             <a:fld id="{830943F9-8AC6-4393-AEEF-D45C2A43C7C7}" type="datetimeFigureOut">
               <a:rPr lang="LID4096" smtClean="0"/>
-              <a:t>02/01/2025</a:t>
+              <a:t>02/07/2025</a:t>
             </a:fld>
             <a:endParaRPr lang="LID4096"/>
           </a:p>
@@ -469,7 +469,7 @@
           <a:p>
             <a:fld id="{830943F9-8AC6-4393-AEEF-D45C2A43C7C7}" type="datetimeFigureOut">
               <a:rPr lang="LID4096" smtClean="0"/>
-              <a:t>02/01/2025</a:t>
+              <a:t>02/07/2025</a:t>
             </a:fld>
             <a:endParaRPr lang="LID4096"/>
           </a:p>
@@ -679,7 +679,7 @@
           <a:p>
             <a:fld id="{830943F9-8AC6-4393-AEEF-D45C2A43C7C7}" type="datetimeFigureOut">
               <a:rPr lang="LID4096" smtClean="0"/>
-              <a:t>02/01/2025</a:t>
+              <a:t>02/07/2025</a:t>
             </a:fld>
             <a:endParaRPr lang="LID4096"/>
           </a:p>
@@ -879,7 +879,7 @@
           <a:p>
             <a:fld id="{830943F9-8AC6-4393-AEEF-D45C2A43C7C7}" type="datetimeFigureOut">
               <a:rPr lang="LID4096" smtClean="0"/>
-              <a:t>02/01/2025</a:t>
+              <a:t>02/07/2025</a:t>
             </a:fld>
             <a:endParaRPr lang="LID4096"/>
           </a:p>
@@ -1155,7 +1155,7 @@
           <a:p>
             <a:fld id="{830943F9-8AC6-4393-AEEF-D45C2A43C7C7}" type="datetimeFigureOut">
               <a:rPr lang="LID4096" smtClean="0"/>
-              <a:t>02/01/2025</a:t>
+              <a:t>02/07/2025</a:t>
             </a:fld>
             <a:endParaRPr lang="LID4096"/>
           </a:p>
@@ -1423,7 +1423,7 @@
           <a:p>
             <a:fld id="{830943F9-8AC6-4393-AEEF-D45C2A43C7C7}" type="datetimeFigureOut">
               <a:rPr lang="LID4096" smtClean="0"/>
-              <a:t>02/01/2025</a:t>
+              <a:t>02/07/2025</a:t>
             </a:fld>
             <a:endParaRPr lang="LID4096"/>
           </a:p>
@@ -1838,7 +1838,7 @@
           <a:p>
             <a:fld id="{830943F9-8AC6-4393-AEEF-D45C2A43C7C7}" type="datetimeFigureOut">
               <a:rPr lang="LID4096" smtClean="0"/>
-              <a:t>02/01/2025</a:t>
+              <a:t>02/07/2025</a:t>
             </a:fld>
             <a:endParaRPr lang="LID4096"/>
           </a:p>
@@ -1980,7 +1980,7 @@
           <a:p>
             <a:fld id="{830943F9-8AC6-4393-AEEF-D45C2A43C7C7}" type="datetimeFigureOut">
               <a:rPr lang="LID4096" smtClean="0"/>
-              <a:t>02/01/2025</a:t>
+              <a:t>02/07/2025</a:t>
             </a:fld>
             <a:endParaRPr lang="LID4096"/>
           </a:p>
@@ -2093,7 +2093,7 @@
           <a:p>
             <a:fld id="{830943F9-8AC6-4393-AEEF-D45C2A43C7C7}" type="datetimeFigureOut">
               <a:rPr lang="LID4096" smtClean="0"/>
-              <a:t>02/01/2025</a:t>
+              <a:t>02/07/2025</a:t>
             </a:fld>
             <a:endParaRPr lang="LID4096"/>
           </a:p>
@@ -2406,7 +2406,7 @@
           <a:p>
             <a:fld id="{830943F9-8AC6-4393-AEEF-D45C2A43C7C7}" type="datetimeFigureOut">
               <a:rPr lang="LID4096" smtClean="0"/>
-              <a:t>02/01/2025</a:t>
+              <a:t>02/07/2025</a:t>
             </a:fld>
             <a:endParaRPr lang="LID4096"/>
           </a:p>
@@ -2695,7 +2695,7 @@
           <a:p>
             <a:fld id="{830943F9-8AC6-4393-AEEF-D45C2A43C7C7}" type="datetimeFigureOut">
               <a:rPr lang="LID4096" smtClean="0"/>
-              <a:t>02/01/2025</a:t>
+              <a:t>02/07/2025</a:t>
             </a:fld>
             <a:endParaRPr lang="LID4096"/>
           </a:p>
@@ -2938,7 +2938,7 @@
           <a:p>
             <a:fld id="{830943F9-8AC6-4393-AEEF-D45C2A43C7C7}" type="datetimeFigureOut">
               <a:rPr lang="LID4096" smtClean="0"/>
-              <a:t>02/01/2025</a:t>
+              <a:t>02/07/2025</a:t>
             </a:fld>
             <a:endParaRPr lang="LID4096"/>
           </a:p>
@@ -3355,12 +3355,50 @@
           <a:chExt cx="0" cy="0"/>
         </a:xfrm>
       </p:grpSpPr>
+      <p:sp>
+        <p:nvSpPr>
+          <p:cNvPr id="42" name="Rectangle 41">
+            <a:extLst>
+              <a:ext uri="{FF2B5EF4-FFF2-40B4-BE49-F238E27FC236}">
+                <a16:creationId xmlns:a16="http://schemas.microsoft.com/office/drawing/2014/main" id="{4EBAC75B-2E91-5562-1EDB-ACB9269FA3FA}"/>
+              </a:ext>
+            </a:extLst>
+          </p:cNvPr>
+          <p:cNvSpPr/>
+          <p:nvPr/>
+        </p:nvSpPr>
+        <p:spPr>
+          <a:xfrm>
+            <a:off x="8546" y="0"/>
+            <a:ext cx="2529688" cy="4512226"/>
+          </a:xfrm>
+          <a:prstGeom prst="rect">
+            <a:avLst/>
+          </a:prstGeom>
+          <a:noFill/>
+          <a:ln w="19050">
+            <a:solidFill>
+              <a:schemeClr val="tx1"/>
+            </a:solidFill>
+          </a:ln>
+          <a:effectLst/>
+        </p:spPr>
+        <p:txBody>
+          <a:bodyPr wrap="none" anchor="ctr" anchorCtr="0">
+            <a:noAutofit/>
+          </a:bodyPr>
+          <a:lstStyle/>
+          <a:p>
+            <a:endParaRPr lang="LID4096"/>
+          </a:p>
+        </p:txBody>
+      </p:sp>
       <p:grpSp>
         <p:nvGrpSpPr>
-          <p:cNvPr id="3" name="Group 2">
-            <a:extLst>
-              <a:ext uri="{FF2B5EF4-FFF2-40B4-BE49-F238E27FC236}">
-                <a16:creationId xmlns:a16="http://schemas.microsoft.com/office/drawing/2014/main" id="{BC629075-A5FB-C047-96DB-936E8C944371}"/>
+          <p:cNvPr id="40" name="Group 39">
+            <a:extLst>
+              <a:ext uri="{FF2B5EF4-FFF2-40B4-BE49-F238E27FC236}">
+                <a16:creationId xmlns:a16="http://schemas.microsoft.com/office/drawing/2014/main" id="{19769E79-0CF0-832B-81FB-C8B7645C7881}"/>
               </a:ext>
             </a:extLst>
           </p:cNvPr>
@@ -3369,195 +3407,489 @@
         </p:nvGrpSpPr>
         <p:grpSpPr>
           <a:xfrm>
-            <a:off x="134381" y="73581"/>
-            <a:ext cx="3406774" cy="5493930"/>
-            <a:chOff x="134381" y="73581"/>
-            <a:chExt cx="3406774" cy="5493930"/>
+            <a:off x="2691465" y="192186"/>
+            <a:ext cx="6234735" cy="4375340"/>
+            <a:chOff x="2638286" y="367821"/>
+            <a:chExt cx="6234735" cy="4375340"/>
           </a:xfrm>
         </p:grpSpPr>
-        <p:pic>
-          <p:nvPicPr>
-            <p:cNvPr id="8" name="Picture 7">
+        <p:grpSp>
+          <p:nvGrpSpPr>
+            <p:cNvPr id="31" name="Group 30">
               <a:extLst>
                 <a:ext uri="{FF2B5EF4-FFF2-40B4-BE49-F238E27FC236}">
-                  <a16:creationId xmlns:a16="http://schemas.microsoft.com/office/drawing/2014/main" id="{27D10672-04DF-0E4C-C83A-917F8547D1D0}"/>
+                  <a16:creationId xmlns:a16="http://schemas.microsoft.com/office/drawing/2014/main" id="{6AD7F534-F0CC-C99D-D670-C314320BCAC8}"/>
                 </a:ext>
               </a:extLst>
             </p:cNvPr>
-            <p:cNvPicPr>
-              <a:picLocks noChangeAspect="1"/>
-            </p:cNvPicPr>
+            <p:cNvGrpSpPr/>
             <p:nvPr/>
-          </p:nvPicPr>
-          <p:blipFill>
-            <a:blip r:embed="rId2"/>
-            <a:stretch>
-              <a:fillRect/>
-            </a:stretch>
-          </p:blipFill>
-          <p:spPr>
+          </p:nvGrpSpPr>
+          <p:grpSpPr>
             <a:xfrm>
-              <a:off x="312180" y="3312861"/>
-              <a:ext cx="1524000" cy="1047750"/>
+              <a:off x="2654058" y="681450"/>
+              <a:ext cx="6218963" cy="4061711"/>
+              <a:chOff x="2739015" y="189312"/>
+              <a:chExt cx="6218963" cy="4061711"/>
             </a:xfrm>
-            <a:prstGeom prst="rect">
-              <a:avLst/>
-            </a:prstGeom>
-          </p:spPr>
-        </p:pic>
+          </p:grpSpPr>
+          <p:grpSp>
+            <p:nvGrpSpPr>
+              <p:cNvPr id="17" name="Group 16">
+                <a:extLst>
+                  <a:ext uri="{FF2B5EF4-FFF2-40B4-BE49-F238E27FC236}">
+                    <a16:creationId xmlns:a16="http://schemas.microsoft.com/office/drawing/2014/main" id="{75D8DB4F-AB49-845D-331B-EE355AD9541F}"/>
+                  </a:ext>
+                </a:extLst>
+              </p:cNvPr>
+              <p:cNvGrpSpPr/>
+              <p:nvPr/>
+            </p:nvGrpSpPr>
+            <p:grpSpPr>
+              <a:xfrm>
+                <a:off x="2739015" y="189312"/>
+                <a:ext cx="1609725" cy="2247900"/>
+                <a:chOff x="2486609" y="-67934"/>
+                <a:chExt cx="1609725" cy="2247900"/>
+              </a:xfrm>
+            </p:grpSpPr>
+            <p:pic>
+              <p:nvPicPr>
+                <p:cNvPr id="19" name="Picture 18">
+                  <a:extLst>
+                    <a:ext uri="{FF2B5EF4-FFF2-40B4-BE49-F238E27FC236}">
+                      <a16:creationId xmlns:a16="http://schemas.microsoft.com/office/drawing/2014/main" id="{80E39C0C-8AB9-9D13-C593-345D7E6BB9DD}"/>
+                    </a:ext>
+                  </a:extLst>
+                </p:cNvPr>
+                <p:cNvPicPr>
+                  <a:picLocks noChangeAspect="1"/>
+                </p:cNvPicPr>
+                <p:nvPr/>
+              </p:nvPicPr>
+              <p:blipFill>
+                <a:blip r:embed="rId2"/>
+                <a:stretch>
+                  <a:fillRect/>
+                </a:stretch>
+              </p:blipFill>
+              <p:spPr>
+                <a:xfrm>
+                  <a:off x="2486609" y="-67934"/>
+                  <a:ext cx="1609725" cy="2247900"/>
+                </a:xfrm>
+                <a:prstGeom prst="rect">
+                  <a:avLst/>
+                </a:prstGeom>
+              </p:spPr>
+            </p:pic>
+            <p:sp>
+              <p:nvSpPr>
+                <p:cNvPr id="20" name="Rectangle 19">
+                  <a:extLst>
+                    <a:ext uri="{FF2B5EF4-FFF2-40B4-BE49-F238E27FC236}">
+                      <a16:creationId xmlns:a16="http://schemas.microsoft.com/office/drawing/2014/main" id="{CB28618C-0F5C-277F-D0FC-D6ADA04C2132}"/>
+                    </a:ext>
+                  </a:extLst>
+                </p:cNvPr>
+                <p:cNvSpPr/>
+                <p:nvPr/>
+              </p:nvSpPr>
+              <p:spPr>
+                <a:xfrm>
+                  <a:off x="2486609" y="1143157"/>
+                  <a:ext cx="1463040" cy="183332"/>
+                </a:xfrm>
+                <a:prstGeom prst="rect">
+                  <a:avLst/>
+                </a:prstGeom>
+                <a:noFill/>
+                <a:ln>
+                  <a:solidFill>
+                    <a:schemeClr val="tx1"/>
+                  </a:solidFill>
+                </a:ln>
+                <a:effectLst>
+                  <a:outerShdw blurRad="50800" dist="38100" dir="8100000" algn="tr" rotWithShape="0">
+                    <a:prstClr val="black">
+                      <a:alpha val="40000"/>
+                    </a:prstClr>
+                  </a:outerShdw>
+                </a:effectLst>
+              </p:spPr>
+              <p:style>
+                <a:lnRef idx="2">
+                  <a:schemeClr val="accent1">
+                    <a:shade val="15000"/>
+                  </a:schemeClr>
+                </a:lnRef>
+                <a:fillRef idx="1">
+                  <a:schemeClr val="accent1"/>
+                </a:fillRef>
+                <a:effectRef idx="0">
+                  <a:schemeClr val="accent1"/>
+                </a:effectRef>
+                <a:fontRef idx="minor">
+                  <a:schemeClr val="lt1"/>
+                </a:fontRef>
+              </p:style>
+              <p:txBody>
+                <a:bodyPr rtlCol="0" anchor="ctr"/>
+                <a:lstStyle/>
+                <a:p>
+                  <a:pPr algn="ctr"/>
+                  <a:endParaRPr lang="LID4096"/>
+                </a:p>
+              </p:txBody>
+            </p:sp>
+          </p:grpSp>
+          <p:grpSp>
+            <p:nvGrpSpPr>
+              <p:cNvPr id="21" name="Group 20">
+                <a:extLst>
+                  <a:ext uri="{FF2B5EF4-FFF2-40B4-BE49-F238E27FC236}">
+                    <a16:creationId xmlns:a16="http://schemas.microsoft.com/office/drawing/2014/main" id="{BA5F10E7-A97E-1615-4150-82BD8FAB419E}"/>
+                  </a:ext>
+                </a:extLst>
+              </p:cNvPr>
+              <p:cNvGrpSpPr/>
+              <p:nvPr/>
+            </p:nvGrpSpPr>
+            <p:grpSpPr>
+              <a:xfrm>
+                <a:off x="4202814" y="195642"/>
+                <a:ext cx="2638425" cy="3714750"/>
+                <a:chOff x="4133991" y="1300021"/>
+                <a:chExt cx="2638425" cy="3714750"/>
+              </a:xfrm>
+            </p:grpSpPr>
+            <p:pic>
+              <p:nvPicPr>
+                <p:cNvPr id="23" name="Picture 22">
+                  <a:extLst>
+                    <a:ext uri="{FF2B5EF4-FFF2-40B4-BE49-F238E27FC236}">
+                      <a16:creationId xmlns:a16="http://schemas.microsoft.com/office/drawing/2014/main" id="{F8511958-31CB-E9CB-8636-7F5FABAFE3C4}"/>
+                    </a:ext>
+                  </a:extLst>
+                </p:cNvPr>
+                <p:cNvPicPr>
+                  <a:picLocks noChangeAspect="1"/>
+                </p:cNvPicPr>
+                <p:nvPr/>
+              </p:nvPicPr>
+              <p:blipFill>
+                <a:blip r:embed="rId3"/>
+                <a:stretch>
+                  <a:fillRect/>
+                </a:stretch>
+              </p:blipFill>
+              <p:spPr>
+                <a:xfrm>
+                  <a:off x="4133991" y="1300021"/>
+                  <a:ext cx="2638425" cy="3714750"/>
+                </a:xfrm>
+                <a:prstGeom prst="rect">
+                  <a:avLst/>
+                </a:prstGeom>
+              </p:spPr>
+            </p:pic>
+            <p:sp>
+              <p:nvSpPr>
+                <p:cNvPr id="24" name="Rectangle 23">
+                  <a:extLst>
+                    <a:ext uri="{FF2B5EF4-FFF2-40B4-BE49-F238E27FC236}">
+                      <a16:creationId xmlns:a16="http://schemas.microsoft.com/office/drawing/2014/main" id="{7414AA48-64AA-5508-1AE3-E5AFE01F5730}"/>
+                    </a:ext>
+                  </a:extLst>
+                </p:cNvPr>
+                <p:cNvSpPr/>
+                <p:nvPr/>
+              </p:nvSpPr>
+              <p:spPr>
+                <a:xfrm>
+                  <a:off x="4178361" y="4341892"/>
+                  <a:ext cx="2376347" cy="574140"/>
+                </a:xfrm>
+                <a:prstGeom prst="rect">
+                  <a:avLst/>
+                </a:prstGeom>
+                <a:noFill/>
+                <a:ln>
+                  <a:solidFill>
+                    <a:schemeClr val="tx1"/>
+                  </a:solidFill>
+                </a:ln>
+                <a:effectLst>
+                  <a:outerShdw blurRad="50800" dist="38100" dir="8100000" algn="tr" rotWithShape="0">
+                    <a:prstClr val="black">
+                      <a:alpha val="40000"/>
+                    </a:prstClr>
+                  </a:outerShdw>
+                </a:effectLst>
+              </p:spPr>
+              <p:style>
+                <a:lnRef idx="2">
+                  <a:schemeClr val="accent1">
+                    <a:shade val="15000"/>
+                  </a:schemeClr>
+                </a:lnRef>
+                <a:fillRef idx="1">
+                  <a:schemeClr val="accent1"/>
+                </a:fillRef>
+                <a:effectRef idx="0">
+                  <a:schemeClr val="accent1"/>
+                </a:effectRef>
+                <a:fontRef idx="minor">
+                  <a:schemeClr val="lt1"/>
+                </a:fontRef>
+              </p:style>
+              <p:txBody>
+                <a:bodyPr rtlCol="0" anchor="ctr"/>
+                <a:lstStyle/>
+                <a:p>
+                  <a:pPr algn="ctr"/>
+                  <a:endParaRPr lang="LID4096"/>
+                </a:p>
+              </p:txBody>
+            </p:sp>
+          </p:grpSp>
+          <p:grpSp>
+            <p:nvGrpSpPr>
+              <p:cNvPr id="36" name="Group 35">
+                <a:extLst>
+                  <a:ext uri="{FF2B5EF4-FFF2-40B4-BE49-F238E27FC236}">
+                    <a16:creationId xmlns:a16="http://schemas.microsoft.com/office/drawing/2014/main" id="{B2616C38-5AFA-9384-AF14-6FD507964BDB}"/>
+                  </a:ext>
+                </a:extLst>
+              </p:cNvPr>
+              <p:cNvGrpSpPr/>
+              <p:nvPr/>
+            </p:nvGrpSpPr>
+            <p:grpSpPr>
+              <a:xfrm>
+                <a:off x="6090522" y="189312"/>
+                <a:ext cx="2867456" cy="4061711"/>
+                <a:chOff x="9106623" y="100778"/>
+                <a:chExt cx="2867456" cy="4061711"/>
+              </a:xfrm>
+            </p:grpSpPr>
+            <p:grpSp>
+              <p:nvGrpSpPr>
+                <p:cNvPr id="34" name="Group 33">
+                  <a:extLst>
+                    <a:ext uri="{FF2B5EF4-FFF2-40B4-BE49-F238E27FC236}">
+                      <a16:creationId xmlns:a16="http://schemas.microsoft.com/office/drawing/2014/main" id="{01DBF62B-64DF-9028-2AA4-6F8D0CA92CE5}"/>
+                    </a:ext>
+                  </a:extLst>
+                </p:cNvPr>
+                <p:cNvGrpSpPr/>
+                <p:nvPr/>
+              </p:nvGrpSpPr>
+              <p:grpSpPr>
+                <a:xfrm>
+                  <a:off x="9106623" y="100778"/>
+                  <a:ext cx="2867456" cy="4061711"/>
+                  <a:chOff x="8656776" y="214768"/>
+                  <a:chExt cx="2867456" cy="4061711"/>
+                </a:xfrm>
+              </p:grpSpPr>
+              <p:pic>
+                <p:nvPicPr>
+                  <p:cNvPr id="25" name="Picture 24">
+                    <a:extLst>
+                      <a:ext uri="{FF2B5EF4-FFF2-40B4-BE49-F238E27FC236}">
+                        <a16:creationId xmlns:a16="http://schemas.microsoft.com/office/drawing/2014/main" id="{D020E754-D24C-9D20-752B-558CAB4D5A42}"/>
+                      </a:ext>
+                    </a:extLst>
+                  </p:cNvPr>
+                  <p:cNvPicPr>
+                    <a:picLocks noChangeAspect="1"/>
+                  </p:cNvPicPr>
+                  <p:nvPr/>
+                </p:nvPicPr>
+                <p:blipFill>
+                  <a:blip r:embed="rId4"/>
+                  <a:srcRect b="27014"/>
+                  <a:stretch/>
+                </p:blipFill>
+                <p:spPr>
+                  <a:xfrm>
+                    <a:off x="8656776" y="214768"/>
+                    <a:ext cx="2009775" cy="611768"/>
+                  </a:xfrm>
+                  <a:prstGeom prst="rect">
+                    <a:avLst/>
+                  </a:prstGeom>
+                </p:spPr>
+              </p:pic>
+              <p:pic>
+                <p:nvPicPr>
+                  <p:cNvPr id="26" name="Picture 25">
+                    <a:extLst>
+                      <a:ext uri="{FF2B5EF4-FFF2-40B4-BE49-F238E27FC236}">
+                        <a16:creationId xmlns:a16="http://schemas.microsoft.com/office/drawing/2014/main" id="{97AACD88-D642-A2B3-0B15-20C911523468}"/>
+                      </a:ext>
+                    </a:extLst>
+                  </p:cNvPr>
+                  <p:cNvPicPr>
+                    <a:picLocks noChangeAspect="1"/>
+                  </p:cNvPicPr>
+                  <p:nvPr/>
+                </p:nvPicPr>
+                <p:blipFill>
+                  <a:blip r:embed="rId5"/>
+                  <a:srcRect b="43990"/>
+                  <a:stretch/>
+                </p:blipFill>
+                <p:spPr>
+                  <a:xfrm>
+                    <a:off x="9390632" y="627367"/>
+                    <a:ext cx="2133600" cy="3649112"/>
+                  </a:xfrm>
+                  <a:prstGeom prst="rect">
+                    <a:avLst/>
+                  </a:prstGeom>
+                </p:spPr>
+              </p:pic>
+            </p:grpSp>
+            <p:sp>
+              <p:nvSpPr>
+                <p:cNvPr id="35" name="Arrow: Right 34">
+                  <a:extLst>
+                    <a:ext uri="{FF2B5EF4-FFF2-40B4-BE49-F238E27FC236}">
+                      <a16:creationId xmlns:a16="http://schemas.microsoft.com/office/drawing/2014/main" id="{4794603A-17EB-A08F-8D7E-6F21EFB53D77}"/>
+                    </a:ext>
+                  </a:extLst>
+                </p:cNvPr>
+                <p:cNvSpPr/>
+                <p:nvPr/>
+              </p:nvSpPr>
+              <p:spPr>
+                <a:xfrm>
+                  <a:off x="9533291" y="3903320"/>
+                  <a:ext cx="226337" cy="259169"/>
+                </a:xfrm>
+                <a:prstGeom prst="rightArrow">
+                  <a:avLst/>
+                </a:prstGeom>
+              </p:spPr>
+              <p:style>
+                <a:lnRef idx="2">
+                  <a:schemeClr val="accent1">
+                    <a:shade val="15000"/>
+                  </a:schemeClr>
+                </a:lnRef>
+                <a:fillRef idx="1">
+                  <a:schemeClr val="accent1"/>
+                </a:fillRef>
+                <a:effectRef idx="0">
+                  <a:schemeClr val="accent1"/>
+                </a:effectRef>
+                <a:fontRef idx="minor">
+                  <a:schemeClr val="lt1"/>
+                </a:fontRef>
+              </p:style>
+              <p:txBody>
+                <a:bodyPr rtlCol="0" anchor="ctr"/>
+                <a:lstStyle/>
+                <a:p>
+                  <a:pPr algn="ctr"/>
+                  <a:endParaRPr lang="LID4096"/>
+                </a:p>
+              </p:txBody>
+            </p:sp>
+          </p:grpSp>
+          <p:sp>
+            <p:nvSpPr>
+              <p:cNvPr id="27" name="Arrow: Right 26">
+                <a:extLst>
+                  <a:ext uri="{FF2B5EF4-FFF2-40B4-BE49-F238E27FC236}">
+                    <a16:creationId xmlns:a16="http://schemas.microsoft.com/office/drawing/2014/main" id="{DEAE2318-10B3-F154-8CEF-9DC63A02AE9F}"/>
+                  </a:ext>
+                </a:extLst>
+              </p:cNvPr>
+              <p:cNvSpPr/>
+              <p:nvPr/>
+            </p:nvSpPr>
+            <p:spPr>
+              <a:xfrm>
+                <a:off x="3936051" y="3231977"/>
+                <a:ext cx="226337" cy="259169"/>
+              </a:xfrm>
+              <a:prstGeom prst="rightArrow">
+                <a:avLst/>
+              </a:prstGeom>
+              <a:solidFill>
+                <a:schemeClr val="accent2"/>
+              </a:solidFill>
+            </p:spPr>
+            <p:style>
+              <a:lnRef idx="2">
+                <a:schemeClr val="accent1">
+                  <a:shade val="15000"/>
+                </a:schemeClr>
+              </a:lnRef>
+              <a:fillRef idx="1">
+                <a:schemeClr val="accent1"/>
+              </a:fillRef>
+              <a:effectRef idx="0">
+                <a:schemeClr val="accent1"/>
+              </a:effectRef>
+              <a:fontRef idx="minor">
+                <a:schemeClr val="lt1"/>
+              </a:fontRef>
+            </p:style>
+            <p:txBody>
+              <a:bodyPr rtlCol="0" anchor="ctr"/>
+              <a:lstStyle/>
+              <a:p>
+                <a:pPr algn="ctr"/>
+                <a:endParaRPr lang="LID4096"/>
+              </a:p>
+            </p:txBody>
+          </p:sp>
+          <p:sp>
+            <p:nvSpPr>
+              <p:cNvPr id="28" name="TextBox 27">
+                <a:extLst>
+                  <a:ext uri="{FF2B5EF4-FFF2-40B4-BE49-F238E27FC236}">
+                    <a16:creationId xmlns:a16="http://schemas.microsoft.com/office/drawing/2014/main" id="{3CA50EC5-4561-5EBB-F5B7-2C762EB6EE44}"/>
+                  </a:ext>
+                </a:extLst>
+              </p:cNvPr>
+              <p:cNvSpPr txBox="1"/>
+              <p:nvPr/>
+            </p:nvSpPr>
+            <p:spPr>
+              <a:xfrm>
+                <a:off x="3230241" y="3201284"/>
+                <a:ext cx="803570" cy="461665"/>
+              </a:xfrm>
+              <a:prstGeom prst="rect">
+                <a:avLst/>
+              </a:prstGeom>
+              <a:noFill/>
+            </p:spPr>
+            <p:txBody>
+              <a:bodyPr wrap="square">
+                <a:spAutoFit/>
+              </a:bodyPr>
+              <a:lstStyle/>
+              <a:p>
+                <a:r>
+                  <a:rPr lang="en-US" sz="1200" b="1" noProof="0" dirty="0"/>
+                  <a:t>Stopped here</a:t>
+                </a:r>
+              </a:p>
+            </p:txBody>
+          </p:sp>
+        </p:grpSp>
         <p:pic>
           <p:nvPicPr>
-            <p:cNvPr id="10" name="Picture 9">
+            <p:cNvPr id="39" name="Picture 38">
               <a:extLst>
                 <a:ext uri="{FF2B5EF4-FFF2-40B4-BE49-F238E27FC236}">
-                  <a16:creationId xmlns:a16="http://schemas.microsoft.com/office/drawing/2014/main" id="{AA40FEFD-1C19-1721-2701-19876E9AFF06}"/>
-                </a:ext>
-              </a:extLst>
-            </p:cNvPr>
-            <p:cNvPicPr>
-              <a:picLocks noChangeAspect="1"/>
-            </p:cNvPicPr>
-            <p:nvPr/>
-          </p:nvPicPr>
-          <p:blipFill>
-            <a:blip r:embed="rId3"/>
-            <a:stretch>
-              <a:fillRect/>
-            </a:stretch>
-          </p:blipFill>
-          <p:spPr>
-            <a:xfrm>
-              <a:off x="553973" y="2340742"/>
-              <a:ext cx="1752600" cy="628650"/>
-            </a:xfrm>
-            <a:prstGeom prst="rect">
-              <a:avLst/>
-            </a:prstGeom>
-          </p:spPr>
-        </p:pic>
-        <p:pic>
-          <p:nvPicPr>
-            <p:cNvPr id="7" name="Picture 6">
-              <a:extLst>
-                <a:ext uri="{FF2B5EF4-FFF2-40B4-BE49-F238E27FC236}">
-                  <a16:creationId xmlns:a16="http://schemas.microsoft.com/office/drawing/2014/main" id="{D06740CC-8E71-D0E7-3EAE-6849379712F1}"/>
-                </a:ext>
-              </a:extLst>
-            </p:cNvPr>
-            <p:cNvPicPr>
-              <a:picLocks noChangeAspect="1"/>
-            </p:cNvPicPr>
-            <p:nvPr/>
-          </p:nvPicPr>
-          <p:blipFill>
-            <a:blip r:embed="rId4"/>
-            <a:stretch>
-              <a:fillRect/>
-            </a:stretch>
-          </p:blipFill>
-          <p:spPr>
-            <a:xfrm>
-              <a:off x="355131" y="1087100"/>
-              <a:ext cx="2200275" cy="1238250"/>
-            </a:xfrm>
-            <a:prstGeom prst="rect">
-              <a:avLst/>
-            </a:prstGeom>
-          </p:spPr>
-        </p:pic>
-        <p:pic>
-          <p:nvPicPr>
-            <p:cNvPr id="12" name="Picture 11">
-              <a:extLst>
-                <a:ext uri="{FF2B5EF4-FFF2-40B4-BE49-F238E27FC236}">
-                  <a16:creationId xmlns:a16="http://schemas.microsoft.com/office/drawing/2014/main" id="{BF35B011-EB4F-0734-17F6-A448EA69C94F}"/>
-                </a:ext>
-              </a:extLst>
-            </p:cNvPr>
-            <p:cNvPicPr>
-              <a:picLocks noChangeAspect="1"/>
-            </p:cNvPicPr>
-            <p:nvPr/>
-          </p:nvPicPr>
-          <p:blipFill>
-            <a:blip r:embed="rId5"/>
-            <a:srcRect b="29284"/>
-            <a:stretch/>
-          </p:blipFill>
-          <p:spPr>
-            <a:xfrm>
-              <a:off x="136588" y="73581"/>
-              <a:ext cx="2295525" cy="1017091"/>
-            </a:xfrm>
-            <a:prstGeom prst="rect">
-              <a:avLst/>
-            </a:prstGeom>
-          </p:spPr>
-        </p:pic>
-        <p:pic>
-          <p:nvPicPr>
-            <p:cNvPr id="14" name="Picture 13">
-              <a:extLst>
-                <a:ext uri="{FF2B5EF4-FFF2-40B4-BE49-F238E27FC236}">
-                  <a16:creationId xmlns:a16="http://schemas.microsoft.com/office/drawing/2014/main" id="{D09C072F-4DE4-E891-2952-B7197B9753D0}"/>
-                </a:ext>
-              </a:extLst>
-            </p:cNvPr>
-            <p:cNvPicPr>
-              <a:picLocks noChangeAspect="1"/>
-            </p:cNvPicPr>
-            <p:nvPr/>
-          </p:nvPicPr>
-          <p:blipFill>
-            <a:blip r:embed="rId5"/>
-            <a:srcRect t="86322"/>
-            <a:stretch/>
-          </p:blipFill>
-          <p:spPr>
-            <a:xfrm>
-              <a:off x="134381" y="4326427"/>
-              <a:ext cx="2295525" cy="196732"/>
-            </a:xfrm>
-            <a:prstGeom prst="rect">
-              <a:avLst/>
-            </a:prstGeom>
-          </p:spPr>
-        </p:pic>
-        <p:pic>
-          <p:nvPicPr>
-            <p:cNvPr id="15" name="Picture 14">
-              <a:extLst>
-                <a:ext uri="{FF2B5EF4-FFF2-40B4-BE49-F238E27FC236}">
-                  <a16:creationId xmlns:a16="http://schemas.microsoft.com/office/drawing/2014/main" id="{620A7454-9756-79D7-60A2-09D05AB24568}"/>
-                </a:ext>
-              </a:extLst>
-            </p:cNvPr>
-            <p:cNvPicPr>
-              <a:picLocks noChangeAspect="1"/>
-            </p:cNvPicPr>
-            <p:nvPr/>
-          </p:nvPicPr>
-          <p:blipFill>
-            <a:blip r:embed="rId5"/>
-            <a:srcRect t="71090" b="13907"/>
-            <a:stretch/>
-          </p:blipFill>
-          <p:spPr>
-            <a:xfrm>
-              <a:off x="135269" y="3033236"/>
-              <a:ext cx="2295525" cy="215781"/>
-            </a:xfrm>
-            <a:prstGeom prst="rect">
-              <a:avLst/>
-            </a:prstGeom>
-          </p:spPr>
-        </p:pic>
-        <p:pic>
-          <p:nvPicPr>
-            <p:cNvPr id="18" name="Picture 17">
-              <a:extLst>
-                <a:ext uri="{FF2B5EF4-FFF2-40B4-BE49-F238E27FC236}">
-                  <a16:creationId xmlns:a16="http://schemas.microsoft.com/office/drawing/2014/main" id="{FB3B0D3C-592F-E3CC-08DC-456F3F57EDFD}"/>
+                  <a16:creationId xmlns:a16="http://schemas.microsoft.com/office/drawing/2014/main" id="{A23AADDA-0D33-F41D-C6C1-6D52596EA7A0}"/>
                 </a:ext>
               </a:extLst>
             </p:cNvPr>
@@ -3568,71 +3900,24 @@
           </p:nvPicPr>
           <p:blipFill>
             <a:blip r:embed="rId6"/>
-            <a:stretch>
-              <a:fillRect/>
-            </a:stretch>
+            <a:srcRect l="-446" t="56994" r="47483" b="26641"/>
+            <a:stretch/>
           </p:blipFill>
           <p:spPr>
             <a:xfrm>
-              <a:off x="312180" y="4500711"/>
-              <a:ext cx="3228975" cy="1066800"/>
+              <a:off x="2638286" y="367821"/>
+              <a:ext cx="1439145" cy="227570"/>
             </a:xfrm>
             <a:prstGeom prst="rect">
               <a:avLst/>
             </a:prstGeom>
+            <a:ln w="19050">
+              <a:solidFill>
+                <a:srgbClr val="0000FF"/>
+              </a:solidFill>
+            </a:ln>
           </p:spPr>
         </p:pic>
-        <p:sp>
-          <p:nvSpPr>
-            <p:cNvPr id="2" name="TextBox 1">
-              <a:extLst>
-                <a:ext uri="{FF2B5EF4-FFF2-40B4-BE49-F238E27FC236}">
-                  <a16:creationId xmlns:a16="http://schemas.microsoft.com/office/drawing/2014/main" id="{20EC9BDC-90D1-A8F6-1350-A3AB66577D07}"/>
-                </a:ext>
-              </a:extLst>
-            </p:cNvPr>
-            <p:cNvSpPr txBox="1"/>
-            <p:nvPr/>
-          </p:nvSpPr>
-          <p:spPr>
-            <a:xfrm>
-              <a:off x="1282143" y="971136"/>
-              <a:ext cx="1618299" cy="1015663"/>
-            </a:xfrm>
-            <a:prstGeom prst="rect">
-              <a:avLst/>
-            </a:prstGeom>
-            <a:noFill/>
-          </p:spPr>
-          <p:txBody>
-            <a:bodyPr wrap="square">
-              <a:spAutoFit/>
-            </a:bodyPr>
-            <a:lstStyle>
-              <a:defPPr>
-                <a:defRPr lang="LID4096"/>
-              </a:defPPr>
-              <a:lvl1pPr>
-                <a:defRPr sz="1100" b="1"/>
-              </a:lvl1pPr>
-            </a:lstStyle>
-            <a:p>
-              <a:pPr algn="r"/>
-              <a:r>
-                <a:rPr lang="en-US" sz="2000" dirty="0"/>
-                <a:t>Algebra Linear</a:t>
-              </a:r>
-            </a:p>
-            <a:p>
-              <a:pPr algn="r"/>
-              <a:r>
-                <a:rPr lang="en-US" sz="2000" dirty="0"/>
-                <a:t>Q.E.D</a:t>
-              </a:r>
-              <a:endParaRPr lang="LID4096" sz="2000" dirty="0"/>
-            </a:p>
-          </p:txBody>
-        </p:sp>
       </p:grpSp>
       <p:grpSp>
         <p:nvGrpSpPr>
@@ -3648,10 +3933,10 @@
         </p:nvGrpSpPr>
         <p:grpSpPr>
           <a:xfrm>
-            <a:off x="4401959" y="160083"/>
-            <a:ext cx="5443752" cy="2381250"/>
+            <a:off x="132350" y="4551067"/>
+            <a:ext cx="5443752" cy="2247900"/>
             <a:chOff x="4401959" y="160083"/>
-            <a:chExt cx="5443752" cy="2381250"/>
+            <a:chExt cx="5443752" cy="2247900"/>
           </a:xfrm>
         </p:grpSpPr>
         <p:pic>
@@ -3730,14 +4015,13 @@
           </p:nvPicPr>
           <p:blipFill>
             <a:blip r:embed="rId9"/>
-            <a:stretch>
-              <a:fillRect/>
-            </a:stretch>
+            <a:srcRect b="5600"/>
+            <a:stretch/>
           </p:blipFill>
           <p:spPr>
             <a:xfrm>
               <a:off x="7454936" y="160083"/>
-              <a:ext cx="2390775" cy="2381250"/>
+              <a:ext cx="2390775" cy="2247900"/>
             </a:xfrm>
             <a:prstGeom prst="rect">
               <a:avLst/>
@@ -3844,6 +4128,510 @@
           </p:txBody>
         </p:sp>
       </p:grpSp>
+      <p:grpSp>
+        <p:nvGrpSpPr>
+          <p:cNvPr id="16" name="Group 15">
+            <a:extLst>
+              <a:ext uri="{FF2B5EF4-FFF2-40B4-BE49-F238E27FC236}">
+                <a16:creationId xmlns:a16="http://schemas.microsoft.com/office/drawing/2014/main" id="{D3D168F7-DC4D-4B5D-5E8E-838AD2BA5FFA}"/>
+              </a:ext>
+            </a:extLst>
+          </p:cNvPr>
+          <p:cNvGrpSpPr/>
+          <p:nvPr/>
+        </p:nvGrpSpPr>
+        <p:grpSpPr>
+          <a:xfrm>
+            <a:off x="145134" y="94006"/>
+            <a:ext cx="2337503" cy="4031221"/>
+            <a:chOff x="145134" y="8546"/>
+            <a:chExt cx="2337503" cy="4031221"/>
+          </a:xfrm>
+        </p:grpSpPr>
+        <p:grpSp>
+          <p:nvGrpSpPr>
+            <p:cNvPr id="3" name="Group 2">
+              <a:extLst>
+                <a:ext uri="{FF2B5EF4-FFF2-40B4-BE49-F238E27FC236}">
+                  <a16:creationId xmlns:a16="http://schemas.microsoft.com/office/drawing/2014/main" id="{BC629075-A5FB-C047-96DB-936E8C944371}"/>
+                </a:ext>
+              </a:extLst>
+            </p:cNvPr>
+            <p:cNvGrpSpPr/>
+            <p:nvPr/>
+          </p:nvGrpSpPr>
+          <p:grpSpPr>
+            <a:xfrm>
+              <a:off x="145134" y="8546"/>
+              <a:ext cx="2337503" cy="4031221"/>
+              <a:chOff x="136588" y="73581"/>
+              <a:chExt cx="2337503" cy="4031221"/>
+            </a:xfrm>
+          </p:grpSpPr>
+          <p:pic>
+            <p:nvPicPr>
+              <p:cNvPr id="7" name="Picture 6">
+                <a:extLst>
+                  <a:ext uri="{FF2B5EF4-FFF2-40B4-BE49-F238E27FC236}">
+                    <a16:creationId xmlns:a16="http://schemas.microsoft.com/office/drawing/2014/main" id="{D06740CC-8E71-D0E7-3EAE-6849379712F1}"/>
+                  </a:ext>
+                </a:extLst>
+              </p:cNvPr>
+              <p:cNvPicPr>
+                <a:picLocks noChangeAspect="1"/>
+              </p:cNvPicPr>
+              <p:nvPr/>
+            </p:nvPicPr>
+            <p:blipFill>
+              <a:blip r:embed="rId10"/>
+              <a:srcRect r="5603"/>
+              <a:stretch/>
+            </p:blipFill>
+            <p:spPr>
+              <a:xfrm>
+                <a:off x="355131" y="1087100"/>
+                <a:ext cx="2076982" cy="1238250"/>
+              </a:xfrm>
+              <a:prstGeom prst="rect">
+                <a:avLst/>
+              </a:prstGeom>
+            </p:spPr>
+          </p:pic>
+          <p:pic>
+            <p:nvPicPr>
+              <p:cNvPr id="12" name="Picture 11">
+                <a:extLst>
+                  <a:ext uri="{FF2B5EF4-FFF2-40B4-BE49-F238E27FC236}">
+                    <a16:creationId xmlns:a16="http://schemas.microsoft.com/office/drawing/2014/main" id="{BF35B011-EB4F-0734-17F6-A448EA69C94F}"/>
+                  </a:ext>
+                </a:extLst>
+              </p:cNvPr>
+              <p:cNvPicPr>
+                <a:picLocks noChangeAspect="1"/>
+              </p:cNvPicPr>
+              <p:nvPr/>
+            </p:nvPicPr>
+            <p:blipFill>
+              <a:blip r:embed="rId11"/>
+              <a:srcRect b="29284"/>
+              <a:stretch/>
+            </p:blipFill>
+            <p:spPr>
+              <a:xfrm>
+                <a:off x="136588" y="73581"/>
+                <a:ext cx="2295525" cy="1017091"/>
+              </a:xfrm>
+              <a:prstGeom prst="rect">
+                <a:avLst/>
+              </a:prstGeom>
+            </p:spPr>
+          </p:pic>
+          <p:pic>
+            <p:nvPicPr>
+              <p:cNvPr id="14" name="Picture 13">
+                <a:extLst>
+                  <a:ext uri="{FF2B5EF4-FFF2-40B4-BE49-F238E27FC236}">
+                    <a16:creationId xmlns:a16="http://schemas.microsoft.com/office/drawing/2014/main" id="{D09C072F-4DE4-E891-2952-B7197B9753D0}"/>
+                  </a:ext>
+                </a:extLst>
+              </p:cNvPr>
+              <p:cNvPicPr>
+                <a:picLocks noChangeAspect="1"/>
+              </p:cNvPicPr>
+              <p:nvPr/>
+            </p:nvPicPr>
+            <p:blipFill>
+              <a:blip r:embed="rId11"/>
+              <a:srcRect t="86322"/>
+              <a:stretch/>
+            </p:blipFill>
+            <p:spPr>
+              <a:xfrm>
+                <a:off x="178566" y="3908070"/>
+                <a:ext cx="2295525" cy="196732"/>
+              </a:xfrm>
+              <a:prstGeom prst="rect">
+                <a:avLst/>
+              </a:prstGeom>
+            </p:spPr>
+          </p:pic>
+          <p:pic>
+            <p:nvPicPr>
+              <p:cNvPr id="15" name="Picture 14">
+                <a:extLst>
+                  <a:ext uri="{FF2B5EF4-FFF2-40B4-BE49-F238E27FC236}">
+                    <a16:creationId xmlns:a16="http://schemas.microsoft.com/office/drawing/2014/main" id="{620A7454-9756-79D7-60A2-09D05AB24568}"/>
+                  </a:ext>
+                </a:extLst>
+              </p:cNvPr>
+              <p:cNvPicPr>
+                <a:picLocks noChangeAspect="1"/>
+              </p:cNvPicPr>
+              <p:nvPr/>
+            </p:nvPicPr>
+            <p:blipFill>
+              <a:blip r:embed="rId11"/>
+              <a:srcRect t="71090" b="13907"/>
+              <a:stretch/>
+            </p:blipFill>
+            <p:spPr>
+              <a:xfrm>
+                <a:off x="142159" y="2315366"/>
+                <a:ext cx="2295525" cy="215781"/>
+              </a:xfrm>
+              <a:prstGeom prst="rect">
+                <a:avLst/>
+              </a:prstGeom>
+            </p:spPr>
+          </p:pic>
+          <p:sp>
+            <p:nvSpPr>
+              <p:cNvPr id="2" name="TextBox 1">
+                <a:extLst>
+                  <a:ext uri="{FF2B5EF4-FFF2-40B4-BE49-F238E27FC236}">
+                    <a16:creationId xmlns:a16="http://schemas.microsoft.com/office/drawing/2014/main" id="{20EC9BDC-90D1-A8F6-1350-A3AB66577D07}"/>
+                  </a:ext>
+                </a:extLst>
+              </p:cNvPr>
+              <p:cNvSpPr txBox="1"/>
+              <p:nvPr/>
+            </p:nvSpPr>
+            <p:spPr>
+              <a:xfrm>
+                <a:off x="1675111" y="1156236"/>
+                <a:ext cx="560361" cy="553998"/>
+              </a:xfrm>
+              <a:prstGeom prst="rect">
+                <a:avLst/>
+              </a:prstGeom>
+              <a:solidFill>
+                <a:schemeClr val="bg1"/>
+              </a:solidFill>
+              <a:ln>
+                <a:solidFill>
+                  <a:schemeClr val="tx1"/>
+                </a:solidFill>
+              </a:ln>
+            </p:spPr>
+            <p:txBody>
+              <a:bodyPr wrap="square" lIns="0" tIns="0" rIns="0" bIns="0">
+                <a:spAutoFit/>
+              </a:bodyPr>
+              <a:lstStyle>
+                <a:defPPr>
+                  <a:defRPr lang="LID4096"/>
+                </a:defPPr>
+                <a:lvl1pPr>
+                  <a:defRPr sz="1100" b="1"/>
+                </a:lvl1pPr>
+              </a:lstStyle>
+              <a:p>
+                <a:pPr algn="ctr"/>
+                <a:r>
+                  <a:rPr lang="en-US" sz="1200" dirty="0"/>
+                  <a:t>Linear</a:t>
+                </a:r>
+              </a:p>
+              <a:p>
+                <a:pPr algn="ctr"/>
+                <a:r>
+                  <a:rPr lang="en-US" sz="1200" dirty="0"/>
+                  <a:t>Algebra</a:t>
+                </a:r>
+              </a:p>
+              <a:p>
+                <a:pPr algn="ctr"/>
+                <a:r>
+                  <a:rPr lang="en-US" sz="1200" dirty="0"/>
+                  <a:t>SVD</a:t>
+                </a:r>
+                <a:endParaRPr lang="LID4096" sz="1200" dirty="0"/>
+              </a:p>
+            </p:txBody>
+          </p:sp>
+        </p:grpSp>
+        <p:pic>
+          <p:nvPicPr>
+            <p:cNvPr id="22" name="Picture 21">
+              <a:extLst>
+                <a:ext uri="{FF2B5EF4-FFF2-40B4-BE49-F238E27FC236}">
+                  <a16:creationId xmlns:a16="http://schemas.microsoft.com/office/drawing/2014/main" id="{E761474A-B1D2-49A6-8551-AA43F5DD06D7}"/>
+                </a:ext>
+              </a:extLst>
+            </p:cNvPr>
+            <p:cNvPicPr>
+              <a:picLocks noChangeAspect="1"/>
+            </p:cNvPicPr>
+            <p:nvPr/>
+          </p:nvPicPr>
+          <p:blipFill>
+            <a:blip r:embed="rId6"/>
+            <a:stretch>
+              <a:fillRect/>
+            </a:stretch>
+          </p:blipFill>
+          <p:spPr>
+            <a:xfrm>
+              <a:off x="329493" y="2445856"/>
+              <a:ext cx="1914525" cy="1390650"/>
+            </a:xfrm>
+            <a:prstGeom prst="rect">
+              <a:avLst/>
+            </a:prstGeom>
+          </p:spPr>
+        </p:pic>
+      </p:grpSp>
+      <p:sp>
+        <p:nvSpPr>
+          <p:cNvPr id="30" name="Rectangle 29">
+            <a:extLst>
+              <a:ext uri="{FF2B5EF4-FFF2-40B4-BE49-F238E27FC236}">
+                <a16:creationId xmlns:a16="http://schemas.microsoft.com/office/drawing/2014/main" id="{BBAC765F-C4EB-ECEA-5567-38DC290FC8E7}"/>
+              </a:ext>
+            </a:extLst>
+          </p:cNvPr>
+          <p:cNvSpPr/>
+          <p:nvPr/>
+        </p:nvSpPr>
+        <p:spPr>
+          <a:xfrm>
+            <a:off x="379954" y="3335923"/>
+            <a:ext cx="1876905" cy="401440"/>
+          </a:xfrm>
+          <a:prstGeom prst="rect">
+            <a:avLst/>
+          </a:prstGeom>
+          <a:noFill/>
+          <a:ln w="19050">
+            <a:solidFill>
+              <a:srgbClr val="0000FF"/>
+            </a:solidFill>
+          </a:ln>
+          <a:effectLst>
+            <a:outerShdw blurRad="50800" dist="38100" dir="8100000" algn="tr" rotWithShape="0">
+              <a:prstClr val="black">
+                <a:alpha val="40000"/>
+              </a:prstClr>
+            </a:outerShdw>
+          </a:effectLst>
+        </p:spPr>
+        <p:txBody>
+          <a:bodyPr wrap="none" anchor="ctr" anchorCtr="0">
+            <a:noAutofit/>
+          </a:bodyPr>
+          <a:lstStyle/>
+          <a:p>
+            <a:endParaRPr lang="LID4096"/>
+          </a:p>
+        </p:txBody>
+      </p:sp>
+      <p:grpSp>
+        <p:nvGrpSpPr>
+          <p:cNvPr id="41" name="Group 40">
+            <a:extLst>
+              <a:ext uri="{FF2B5EF4-FFF2-40B4-BE49-F238E27FC236}">
+                <a16:creationId xmlns:a16="http://schemas.microsoft.com/office/drawing/2014/main" id="{61EC78A8-AF83-354F-0364-640D932212AE}"/>
+              </a:ext>
+            </a:extLst>
+          </p:cNvPr>
+          <p:cNvGrpSpPr/>
+          <p:nvPr/>
+        </p:nvGrpSpPr>
+        <p:grpSpPr>
+          <a:xfrm>
+            <a:off x="8572951" y="192186"/>
+            <a:ext cx="3562350" cy="6527353"/>
+            <a:chOff x="8543524" y="133490"/>
+            <a:chExt cx="3562350" cy="6527353"/>
+          </a:xfrm>
+        </p:grpSpPr>
+        <p:pic>
+          <p:nvPicPr>
+            <p:cNvPr id="33" name="Picture 32">
+              <a:extLst>
+                <a:ext uri="{FF2B5EF4-FFF2-40B4-BE49-F238E27FC236}">
+                  <a16:creationId xmlns:a16="http://schemas.microsoft.com/office/drawing/2014/main" id="{8792EE58-4FC1-692F-E66D-B5AA02FF0B82}"/>
+                </a:ext>
+              </a:extLst>
+            </p:cNvPr>
+            <p:cNvPicPr>
+              <a:picLocks noChangeAspect="1"/>
+            </p:cNvPicPr>
+            <p:nvPr/>
+          </p:nvPicPr>
+          <p:blipFill>
+            <a:blip r:embed="rId12"/>
+            <a:stretch>
+              <a:fillRect/>
+            </a:stretch>
+          </p:blipFill>
+          <p:spPr>
+            <a:xfrm>
+              <a:off x="8810224" y="412443"/>
+              <a:ext cx="3295650" cy="6248400"/>
+            </a:xfrm>
+            <a:prstGeom prst="rect">
+              <a:avLst/>
+            </a:prstGeom>
+          </p:spPr>
+        </p:pic>
+        <p:pic>
+          <p:nvPicPr>
+            <p:cNvPr id="38" name="Picture 37">
+              <a:extLst>
+                <a:ext uri="{FF2B5EF4-FFF2-40B4-BE49-F238E27FC236}">
+                  <a16:creationId xmlns:a16="http://schemas.microsoft.com/office/drawing/2014/main" id="{4215C089-19D3-8C3A-CFB7-0E15D6AB4AAE}"/>
+                </a:ext>
+              </a:extLst>
+            </p:cNvPr>
+            <p:cNvPicPr>
+              <a:picLocks noChangeAspect="1"/>
+            </p:cNvPicPr>
+            <p:nvPr/>
+          </p:nvPicPr>
+          <p:blipFill>
+            <a:blip r:embed="rId6"/>
+            <a:srcRect t="71133" b="13350"/>
+            <a:stretch/>
+          </p:blipFill>
+          <p:spPr>
+            <a:xfrm>
+              <a:off x="8543524" y="133490"/>
+              <a:ext cx="1914525" cy="227570"/>
+            </a:xfrm>
+            <a:prstGeom prst="rect">
+              <a:avLst/>
+            </a:prstGeom>
+            <a:ln w="19050">
+              <a:solidFill>
+                <a:srgbClr val="0000FF"/>
+              </a:solidFill>
+            </a:ln>
+          </p:spPr>
+        </p:pic>
+      </p:grpSp>
+      <p:sp>
+        <p:nvSpPr>
+          <p:cNvPr id="8" name="Arrow: Right 7">
+            <a:extLst>
+              <a:ext uri="{FF2B5EF4-FFF2-40B4-BE49-F238E27FC236}">
+                <a16:creationId xmlns:a16="http://schemas.microsoft.com/office/drawing/2014/main" id="{21CFF7AD-0B9B-1529-5E3C-C83A8E4F34D0}"/>
+              </a:ext>
+            </a:extLst>
+          </p:cNvPr>
+          <p:cNvSpPr/>
+          <p:nvPr/>
+        </p:nvSpPr>
+        <p:spPr>
+          <a:xfrm rot="10800000">
+            <a:off x="11434595" y="2072148"/>
+            <a:ext cx="226337" cy="259169"/>
+          </a:xfrm>
+          <a:prstGeom prst="rightArrow">
+            <a:avLst/>
+          </a:prstGeom>
+        </p:spPr>
+        <p:style>
+          <a:lnRef idx="2">
+            <a:schemeClr val="accent1">
+              <a:shade val="15000"/>
+            </a:schemeClr>
+          </a:lnRef>
+          <a:fillRef idx="1">
+            <a:schemeClr val="accent1"/>
+          </a:fillRef>
+          <a:effectRef idx="0">
+            <a:schemeClr val="accent1"/>
+          </a:effectRef>
+          <a:fontRef idx="minor">
+            <a:schemeClr val="lt1"/>
+          </a:fontRef>
+        </p:style>
+        <p:txBody>
+          <a:bodyPr rtlCol="0" anchor="ctr"/>
+          <a:lstStyle/>
+          <a:p>
+            <a:pPr algn="ctr"/>
+            <a:endParaRPr lang="LID4096"/>
+          </a:p>
+        </p:txBody>
+      </p:sp>
+      <p:pic>
+        <p:nvPicPr>
+          <p:cNvPr id="29" name="Picture 28">
+            <a:extLst>
+              <a:ext uri="{FF2B5EF4-FFF2-40B4-BE49-F238E27FC236}">
+                <a16:creationId xmlns:a16="http://schemas.microsoft.com/office/drawing/2014/main" id="{D44A888A-A4F9-9F66-9CF5-CD5E4F02519A}"/>
+              </a:ext>
+            </a:extLst>
+          </p:cNvPr>
+          <p:cNvPicPr>
+            <a:picLocks noChangeAspect="1"/>
+          </p:cNvPicPr>
+          <p:nvPr/>
+        </p:nvPicPr>
+        <p:blipFill>
+          <a:blip r:embed="rId13"/>
+          <a:srcRect l="9703" t="15811" r="28482" b="8836"/>
+          <a:stretch/>
+        </p:blipFill>
+        <p:spPr>
+          <a:xfrm>
+            <a:off x="6346661" y="4670101"/>
+            <a:ext cx="2390775" cy="2119576"/>
+          </a:xfrm>
+          <a:prstGeom prst="rect">
+            <a:avLst/>
+          </a:prstGeom>
+        </p:spPr>
+      </p:pic>
+      <p:pic>
+        <p:nvPicPr>
+          <p:cNvPr id="10" name="Picture 1">
+            <a:extLst>
+              <a:ext uri="{FF2B5EF4-FFF2-40B4-BE49-F238E27FC236}">
+                <a16:creationId xmlns:a16="http://schemas.microsoft.com/office/drawing/2014/main" id="{BBB224F8-D8FA-0041-92BD-62F6B6B0F84F}"/>
+              </a:ext>
+            </a:extLst>
+          </p:cNvPr>
+          <p:cNvPicPr>
+            <a:picLocks noChangeAspect="1" noChangeArrowheads="1"/>
+          </p:cNvPicPr>
+          <p:nvPr/>
+        </p:nvPicPr>
+        <p:blipFill>
+          <a:blip r:embed="rId14">
+            <a:extLst>
+              <a:ext uri="{28A0092B-C50C-407E-A947-70E740481C1C}">
+                <a14:useLocalDpi xmlns:a14="http://schemas.microsoft.com/office/drawing/2010/main" val="0"/>
+              </a:ext>
+            </a:extLst>
+          </a:blip>
+          <a:srcRect/>
+          <a:stretch>
+            <a:fillRect/>
+          </a:stretch>
+        </p:blipFill>
+        <p:spPr bwMode="auto">
+          <a:xfrm>
+            <a:off x="10045560" y="635802"/>
+            <a:ext cx="2017084" cy="1097274"/>
+          </a:xfrm>
+          <a:prstGeom prst="rect">
+            <a:avLst/>
+          </a:prstGeom>
+          <a:noFill/>
+          <a:extLst>
+            <a:ext uri="{909E8E84-426E-40DD-AFC4-6F175D3DCCD1}">
+              <a14:hiddenFill xmlns:a14="http://schemas.microsoft.com/office/drawing/2010/main">
+                <a:solidFill>
+                  <a:srgbClr val="FFFFFF"/>
+                </a:solidFill>
+              </a14:hiddenFill>
+            </a:ext>
+          </a:extLst>
+        </p:spPr>
+      </p:pic>
     </p:spTree>
     <p:extLst>
       <p:ext uri="{BB962C8B-B14F-4D97-AF65-F5344CB8AC3E}">

--- a/01_Follow_up__activities.pptx
+++ b/01_Follow_up__activities.pptx
@@ -4632,6 +4632,57 @@
           </a:extLst>
         </p:spPr>
       </p:pic>
+      <p:sp>
+        <p:nvSpPr>
+          <p:cNvPr id="32" name="TextBox 31">
+            <a:extLst>
+              <a:ext uri="{FF2B5EF4-FFF2-40B4-BE49-F238E27FC236}">
+                <a16:creationId xmlns:a16="http://schemas.microsoft.com/office/drawing/2014/main" id="{88676B5D-FDA7-EE76-D4B0-7B9336B613D0}"/>
+              </a:ext>
+            </a:extLst>
+          </p:cNvPr>
+          <p:cNvSpPr txBox="1"/>
+          <p:nvPr/>
+        </p:nvSpPr>
+        <p:spPr>
+          <a:xfrm>
+            <a:off x="9343535" y="918414"/>
+            <a:ext cx="560361" cy="184666"/>
+          </a:xfrm>
+          <a:prstGeom prst="rect">
+            <a:avLst/>
+          </a:prstGeom>
+          <a:solidFill>
+            <a:schemeClr val="bg1"/>
+          </a:solidFill>
+          <a:ln>
+            <a:solidFill>
+              <a:schemeClr val="tx1"/>
+            </a:solidFill>
+          </a:ln>
+        </p:spPr>
+        <p:txBody>
+          <a:bodyPr wrap="square" lIns="0" tIns="0" rIns="0" bIns="0">
+            <a:spAutoFit/>
+          </a:bodyPr>
+          <a:lstStyle>
+            <a:defPPr>
+              <a:defRPr lang="LID4096"/>
+            </a:defPPr>
+            <a:lvl1pPr>
+              <a:defRPr sz="1100" b="1"/>
+            </a:lvl1pPr>
+          </a:lstStyle>
+          <a:p>
+            <a:pPr algn="ctr"/>
+            <a:r>
+              <a:rPr lang="en-US" sz="1200" dirty="0"/>
+              <a:t>08</a:t>
+            </a:r>
+            <a:endParaRPr lang="LID4096" sz="1200" dirty="0"/>
+          </a:p>
+        </p:txBody>
+      </p:sp>
     </p:spTree>
     <p:extLst>
       <p:ext uri="{BB962C8B-B14F-4D97-AF65-F5344CB8AC3E}">

--- a/01_Follow_up__activities.pptx
+++ b/01_Follow_up__activities.pptx
@@ -269,7 +269,7 @@
           <a:p>
             <a:fld id="{830943F9-8AC6-4393-AEEF-D45C2A43C7C7}" type="datetimeFigureOut">
               <a:rPr lang="LID4096" smtClean="0"/>
-              <a:t>02/07/2025</a:t>
+              <a:t>02/10/2025</a:t>
             </a:fld>
             <a:endParaRPr lang="LID4096"/>
           </a:p>
@@ -469,7 +469,7 @@
           <a:p>
             <a:fld id="{830943F9-8AC6-4393-AEEF-D45C2A43C7C7}" type="datetimeFigureOut">
               <a:rPr lang="LID4096" smtClean="0"/>
-              <a:t>02/07/2025</a:t>
+              <a:t>02/10/2025</a:t>
             </a:fld>
             <a:endParaRPr lang="LID4096"/>
           </a:p>
@@ -679,7 +679,7 @@
           <a:p>
             <a:fld id="{830943F9-8AC6-4393-AEEF-D45C2A43C7C7}" type="datetimeFigureOut">
               <a:rPr lang="LID4096" smtClean="0"/>
-              <a:t>02/07/2025</a:t>
+              <a:t>02/10/2025</a:t>
             </a:fld>
             <a:endParaRPr lang="LID4096"/>
           </a:p>
@@ -879,7 +879,7 @@
           <a:p>
             <a:fld id="{830943F9-8AC6-4393-AEEF-D45C2A43C7C7}" type="datetimeFigureOut">
               <a:rPr lang="LID4096" smtClean="0"/>
-              <a:t>02/07/2025</a:t>
+              <a:t>02/10/2025</a:t>
             </a:fld>
             <a:endParaRPr lang="LID4096"/>
           </a:p>
@@ -1155,7 +1155,7 @@
           <a:p>
             <a:fld id="{830943F9-8AC6-4393-AEEF-D45C2A43C7C7}" type="datetimeFigureOut">
               <a:rPr lang="LID4096" smtClean="0"/>
-              <a:t>02/07/2025</a:t>
+              <a:t>02/10/2025</a:t>
             </a:fld>
             <a:endParaRPr lang="LID4096"/>
           </a:p>
@@ -1423,7 +1423,7 @@
           <a:p>
             <a:fld id="{830943F9-8AC6-4393-AEEF-D45C2A43C7C7}" type="datetimeFigureOut">
               <a:rPr lang="LID4096" smtClean="0"/>
-              <a:t>02/07/2025</a:t>
+              <a:t>02/10/2025</a:t>
             </a:fld>
             <a:endParaRPr lang="LID4096"/>
           </a:p>
@@ -1838,7 +1838,7 @@
           <a:p>
             <a:fld id="{830943F9-8AC6-4393-AEEF-D45C2A43C7C7}" type="datetimeFigureOut">
               <a:rPr lang="LID4096" smtClean="0"/>
-              <a:t>02/07/2025</a:t>
+              <a:t>02/10/2025</a:t>
             </a:fld>
             <a:endParaRPr lang="LID4096"/>
           </a:p>
@@ -1980,7 +1980,7 @@
           <a:p>
             <a:fld id="{830943F9-8AC6-4393-AEEF-D45C2A43C7C7}" type="datetimeFigureOut">
               <a:rPr lang="LID4096" smtClean="0"/>
-              <a:t>02/07/2025</a:t>
+              <a:t>02/10/2025</a:t>
             </a:fld>
             <a:endParaRPr lang="LID4096"/>
           </a:p>
@@ -2093,7 +2093,7 @@
           <a:p>
             <a:fld id="{830943F9-8AC6-4393-AEEF-D45C2A43C7C7}" type="datetimeFigureOut">
               <a:rPr lang="LID4096" smtClean="0"/>
-              <a:t>02/07/2025</a:t>
+              <a:t>02/10/2025</a:t>
             </a:fld>
             <a:endParaRPr lang="LID4096"/>
           </a:p>
@@ -2406,7 +2406,7 @@
           <a:p>
             <a:fld id="{830943F9-8AC6-4393-AEEF-D45C2A43C7C7}" type="datetimeFigureOut">
               <a:rPr lang="LID4096" smtClean="0"/>
-              <a:t>02/07/2025</a:t>
+              <a:t>02/10/2025</a:t>
             </a:fld>
             <a:endParaRPr lang="LID4096"/>
           </a:p>
@@ -2695,7 +2695,7 @@
           <a:p>
             <a:fld id="{830943F9-8AC6-4393-AEEF-D45C2A43C7C7}" type="datetimeFigureOut">
               <a:rPr lang="LID4096" smtClean="0"/>
-              <a:t>02/07/2025</a:t>
+              <a:t>02/10/2025</a:t>
             </a:fld>
             <a:endParaRPr lang="LID4096"/>
           </a:p>
@@ -2938,7 +2938,7 @@
           <a:p>
             <a:fld id="{830943F9-8AC6-4393-AEEF-D45C2A43C7C7}" type="datetimeFigureOut">
               <a:rPr lang="LID4096" smtClean="0"/>
-              <a:t>02/07/2025</a:t>
+              <a:t>02/10/2025</a:t>
             </a:fld>
             <a:endParaRPr lang="LID4096"/>
           </a:p>
@@ -3355,6 +3355,35 @@
           <a:chExt cx="0" cy="0"/>
         </a:xfrm>
       </p:grpSpPr>
+      <p:pic>
+        <p:nvPicPr>
+          <p:cNvPr id="37" name="Picture 36">
+            <a:extLst>
+              <a:ext uri="{FF2B5EF4-FFF2-40B4-BE49-F238E27FC236}">
+                <a16:creationId xmlns:a16="http://schemas.microsoft.com/office/drawing/2014/main" id="{2B2DB77F-EFD9-7C3F-8C35-50BD91BA451C}"/>
+              </a:ext>
+            </a:extLst>
+          </p:cNvPr>
+          <p:cNvPicPr>
+            <a:picLocks noChangeAspect="1"/>
+          </p:cNvPicPr>
+          <p:nvPr/>
+        </p:nvPicPr>
+        <p:blipFill>
+          <a:blip r:embed="rId2"/>
+          <a:srcRect t="22423"/>
+          <a:stretch/>
+        </p:blipFill>
+        <p:spPr>
+          <a:xfrm>
+            <a:off x="9130260" y="1433295"/>
+            <a:ext cx="2817341" cy="5320241"/>
+          </a:xfrm>
+          <a:prstGeom prst="rect">
+            <a:avLst/>
+          </a:prstGeom>
+        </p:spPr>
+      </p:pic>
       <p:sp>
         <p:nvSpPr>
           <p:cNvPr id="42" name="Rectangle 41">
@@ -3468,7 +3497,7 @@
                 <p:nvPr/>
               </p:nvPicPr>
               <p:blipFill>
-                <a:blip r:embed="rId2"/>
+                <a:blip r:embed="rId3"/>
                 <a:stretch>
                   <a:fillRect/>
                 </a:stretch>
@@ -3578,7 +3607,7 @@
                 <p:nvPr/>
               </p:nvPicPr>
               <p:blipFill>
-                <a:blip r:embed="rId3"/>
+                <a:blip r:embed="rId4"/>
                 <a:stretch>
                   <a:fillRect/>
                 </a:stretch>
@@ -3708,7 +3737,7 @@
                   <p:nvPr/>
                 </p:nvPicPr>
                 <p:blipFill>
-                  <a:blip r:embed="rId4"/>
+                  <a:blip r:embed="rId5"/>
                   <a:srcRect b="27014"/>
                   <a:stretch/>
                 </p:blipFill>
@@ -3737,7 +3766,7 @@
                   <p:nvPr/>
                 </p:nvPicPr>
                 <p:blipFill>
-                  <a:blip r:embed="rId5"/>
+                  <a:blip r:embed="rId6"/>
                   <a:srcRect b="43990"/>
                   <a:stretch/>
                 </p:blipFill>
@@ -3899,7 +3928,7 @@
             <p:nvPr/>
           </p:nvPicPr>
           <p:blipFill>
-            <a:blip r:embed="rId6"/>
+            <a:blip r:embed="rId7"/>
             <a:srcRect l="-446" t="56994" r="47483" b="26641"/>
             <a:stretch/>
           </p:blipFill>
@@ -3954,7 +3983,7 @@
             <p:nvPr/>
           </p:nvPicPr>
           <p:blipFill>
-            <a:blip r:embed="rId7"/>
+            <a:blip r:embed="rId8"/>
             <a:stretch>
               <a:fillRect/>
             </a:stretch>
@@ -3984,7 +4013,7 @@
             <p:nvPr/>
           </p:nvPicPr>
           <p:blipFill>
-            <a:blip r:embed="rId8"/>
+            <a:blip r:embed="rId9"/>
             <a:stretch>
               <a:fillRect/>
             </a:stretch>
@@ -4014,7 +4043,7 @@
             <p:nvPr/>
           </p:nvPicPr>
           <p:blipFill>
-            <a:blip r:embed="rId9"/>
+            <a:blip r:embed="rId10"/>
             <a:srcRect b="5600"/>
             <a:stretch/>
           </p:blipFill>
@@ -4183,7 +4212,7 @@
               <p:nvPr/>
             </p:nvPicPr>
             <p:blipFill>
-              <a:blip r:embed="rId10"/>
+              <a:blip r:embed="rId11"/>
               <a:srcRect r="5603"/>
               <a:stretch/>
             </p:blipFill>
@@ -4212,7 +4241,7 @@
               <p:nvPr/>
             </p:nvPicPr>
             <p:blipFill>
-              <a:blip r:embed="rId11"/>
+              <a:blip r:embed="rId12"/>
               <a:srcRect b="29284"/>
               <a:stretch/>
             </p:blipFill>
@@ -4241,7 +4270,7 @@
               <p:nvPr/>
             </p:nvPicPr>
             <p:blipFill>
-              <a:blip r:embed="rId11"/>
+              <a:blip r:embed="rId12"/>
               <a:srcRect t="86322"/>
               <a:stretch/>
             </p:blipFill>
@@ -4270,7 +4299,7 @@
               <p:nvPr/>
             </p:nvPicPr>
             <p:blipFill>
-              <a:blip r:embed="rId11"/>
+              <a:blip r:embed="rId12"/>
               <a:srcRect t="71090" b="13907"/>
               <a:stretch/>
             </p:blipFill>
@@ -4365,7 +4394,7 @@
             <p:nvPr/>
           </p:nvPicPr>
           <p:blipFill>
-            <a:blip r:embed="rId6"/>
+            <a:blip r:embed="rId7"/>
             <a:stretch>
               <a:fillRect/>
             </a:stretch>
@@ -4425,91 +4454,40 @@
           </a:p>
         </p:txBody>
       </p:sp>
-      <p:grpSp>
-        <p:nvGrpSpPr>
-          <p:cNvPr id="41" name="Group 40">
-            <a:extLst>
-              <a:ext uri="{FF2B5EF4-FFF2-40B4-BE49-F238E27FC236}">
-                <a16:creationId xmlns:a16="http://schemas.microsoft.com/office/drawing/2014/main" id="{61EC78A8-AF83-354F-0364-640D932212AE}"/>
-              </a:ext>
-            </a:extLst>
-          </p:cNvPr>
-          <p:cNvGrpSpPr/>
+      <p:pic>
+        <p:nvPicPr>
+          <p:cNvPr id="38" name="Picture 37">
+            <a:extLst>
+              <a:ext uri="{FF2B5EF4-FFF2-40B4-BE49-F238E27FC236}">
+                <a16:creationId xmlns:a16="http://schemas.microsoft.com/office/drawing/2014/main" id="{4215C089-19D3-8C3A-CFB7-0E15D6AB4AAE}"/>
+              </a:ext>
+            </a:extLst>
+          </p:cNvPr>
+          <p:cNvPicPr>
+            <a:picLocks noChangeAspect="1"/>
+          </p:cNvPicPr>
           <p:nvPr/>
-        </p:nvGrpSpPr>
-        <p:grpSpPr>
+        </p:nvPicPr>
+        <p:blipFill>
+          <a:blip r:embed="rId7"/>
+          <a:srcRect t="71133" b="13350"/>
+          <a:stretch/>
+        </p:blipFill>
+        <p:spPr>
           <a:xfrm>
             <a:off x="8572951" y="192186"/>
-            <a:ext cx="3562350" cy="6527353"/>
-            <a:chOff x="8543524" y="133490"/>
-            <a:chExt cx="3562350" cy="6527353"/>
+            <a:ext cx="1914525" cy="227570"/>
           </a:xfrm>
-        </p:grpSpPr>
-        <p:pic>
-          <p:nvPicPr>
-            <p:cNvPr id="33" name="Picture 32">
-              <a:extLst>
-                <a:ext uri="{FF2B5EF4-FFF2-40B4-BE49-F238E27FC236}">
-                  <a16:creationId xmlns:a16="http://schemas.microsoft.com/office/drawing/2014/main" id="{8792EE58-4FC1-692F-E66D-B5AA02FF0B82}"/>
-                </a:ext>
-              </a:extLst>
-            </p:cNvPr>
-            <p:cNvPicPr>
-              <a:picLocks noChangeAspect="1"/>
-            </p:cNvPicPr>
-            <p:nvPr/>
-          </p:nvPicPr>
-          <p:blipFill>
-            <a:blip r:embed="rId12"/>
-            <a:stretch>
-              <a:fillRect/>
-            </a:stretch>
-          </p:blipFill>
-          <p:spPr>
-            <a:xfrm>
-              <a:off x="8810224" y="412443"/>
-              <a:ext cx="3295650" cy="6248400"/>
-            </a:xfrm>
-            <a:prstGeom prst="rect">
-              <a:avLst/>
-            </a:prstGeom>
-          </p:spPr>
-        </p:pic>
-        <p:pic>
-          <p:nvPicPr>
-            <p:cNvPr id="38" name="Picture 37">
-              <a:extLst>
-                <a:ext uri="{FF2B5EF4-FFF2-40B4-BE49-F238E27FC236}">
-                  <a16:creationId xmlns:a16="http://schemas.microsoft.com/office/drawing/2014/main" id="{4215C089-19D3-8C3A-CFB7-0E15D6AB4AAE}"/>
-                </a:ext>
-              </a:extLst>
-            </p:cNvPr>
-            <p:cNvPicPr>
-              <a:picLocks noChangeAspect="1"/>
-            </p:cNvPicPr>
-            <p:nvPr/>
-          </p:nvPicPr>
-          <p:blipFill>
-            <a:blip r:embed="rId6"/>
-            <a:srcRect t="71133" b="13350"/>
-            <a:stretch/>
-          </p:blipFill>
-          <p:spPr>
-            <a:xfrm>
-              <a:off x="8543524" y="133490"/>
-              <a:ext cx="1914525" cy="227570"/>
-            </a:xfrm>
-            <a:prstGeom prst="rect">
-              <a:avLst/>
-            </a:prstGeom>
-            <a:ln w="19050">
-              <a:solidFill>
-                <a:srgbClr val="0000FF"/>
-              </a:solidFill>
-            </a:ln>
-          </p:spPr>
-        </p:pic>
-      </p:grpSp>
+          <a:prstGeom prst="rect">
+            <a:avLst/>
+          </a:prstGeom>
+          <a:ln w="19050">
+            <a:solidFill>
+              <a:srgbClr val="0000FF"/>
+            </a:solidFill>
+          </a:ln>
+        </p:spPr>
+      </p:pic>
       <p:sp>
         <p:nvSpPr>
           <p:cNvPr id="8" name="Arrow: Right 7">
@@ -4524,7 +4502,7 @@
         </p:nvSpPr>
         <p:spPr>
           <a:xfrm rot="10800000">
-            <a:off x="11434595" y="2072148"/>
+            <a:off x="9790727" y="1535091"/>
             <a:ext cx="226337" cy="259169"/>
           </a:xfrm>
           <a:prstGeom prst="rightArrow">
@@ -4632,57 +4610,6 @@
           </a:extLst>
         </p:spPr>
       </p:pic>
-      <p:sp>
-        <p:nvSpPr>
-          <p:cNvPr id="32" name="TextBox 31">
-            <a:extLst>
-              <a:ext uri="{FF2B5EF4-FFF2-40B4-BE49-F238E27FC236}">
-                <a16:creationId xmlns:a16="http://schemas.microsoft.com/office/drawing/2014/main" id="{88676B5D-FDA7-EE76-D4B0-7B9336B613D0}"/>
-              </a:ext>
-            </a:extLst>
-          </p:cNvPr>
-          <p:cNvSpPr txBox="1"/>
-          <p:nvPr/>
-        </p:nvSpPr>
-        <p:spPr>
-          <a:xfrm>
-            <a:off x="9343535" y="918414"/>
-            <a:ext cx="560361" cy="184666"/>
-          </a:xfrm>
-          <a:prstGeom prst="rect">
-            <a:avLst/>
-          </a:prstGeom>
-          <a:solidFill>
-            <a:schemeClr val="bg1"/>
-          </a:solidFill>
-          <a:ln>
-            <a:solidFill>
-              <a:schemeClr val="tx1"/>
-            </a:solidFill>
-          </a:ln>
-        </p:spPr>
-        <p:txBody>
-          <a:bodyPr wrap="square" lIns="0" tIns="0" rIns="0" bIns="0">
-            <a:spAutoFit/>
-          </a:bodyPr>
-          <a:lstStyle>
-            <a:defPPr>
-              <a:defRPr lang="LID4096"/>
-            </a:defPPr>
-            <a:lvl1pPr>
-              <a:defRPr sz="1100" b="1"/>
-            </a:lvl1pPr>
-          </a:lstStyle>
-          <a:p>
-            <a:pPr algn="ctr"/>
-            <a:r>
-              <a:rPr lang="en-US" sz="1200" dirty="0"/>
-              <a:t>08</a:t>
-            </a:r>
-            <a:endParaRPr lang="LID4096" sz="1200" dirty="0"/>
-          </a:p>
-        </p:txBody>
-      </p:sp>
     </p:spTree>
     <p:extLst>
       <p:ext uri="{BB962C8B-B14F-4D97-AF65-F5344CB8AC3E}">

--- a/01_Follow_up__activities.pptx
+++ b/01_Follow_up__activities.pptx
@@ -3355,35 +3355,6 @@
           <a:chExt cx="0" cy="0"/>
         </a:xfrm>
       </p:grpSpPr>
-      <p:pic>
-        <p:nvPicPr>
-          <p:cNvPr id="37" name="Picture 36">
-            <a:extLst>
-              <a:ext uri="{FF2B5EF4-FFF2-40B4-BE49-F238E27FC236}">
-                <a16:creationId xmlns:a16="http://schemas.microsoft.com/office/drawing/2014/main" id="{2B2DB77F-EFD9-7C3F-8C35-50BD91BA451C}"/>
-              </a:ext>
-            </a:extLst>
-          </p:cNvPr>
-          <p:cNvPicPr>
-            <a:picLocks noChangeAspect="1"/>
-          </p:cNvPicPr>
-          <p:nvPr/>
-        </p:nvPicPr>
-        <p:blipFill>
-          <a:blip r:embed="rId2"/>
-          <a:srcRect t="22423"/>
-          <a:stretch/>
-        </p:blipFill>
-        <p:spPr>
-          <a:xfrm>
-            <a:off x="9130260" y="1433295"/>
-            <a:ext cx="2817341" cy="5320241"/>
-          </a:xfrm>
-          <a:prstGeom prst="rect">
-            <a:avLst/>
-          </a:prstGeom>
-        </p:spPr>
-      </p:pic>
       <p:sp>
         <p:nvSpPr>
           <p:cNvPr id="42" name="Rectangle 41">
@@ -3497,7 +3468,7 @@
                 <p:nvPr/>
               </p:nvPicPr>
               <p:blipFill>
-                <a:blip r:embed="rId3"/>
+                <a:blip r:embed="rId2"/>
                 <a:stretch>
                   <a:fillRect/>
                 </a:stretch>
@@ -3607,7 +3578,7 @@
                 <p:nvPr/>
               </p:nvPicPr>
               <p:blipFill>
-                <a:blip r:embed="rId4"/>
+                <a:blip r:embed="rId3"/>
                 <a:stretch>
                   <a:fillRect/>
                 </a:stretch>
@@ -3737,7 +3708,7 @@
                   <p:nvPr/>
                 </p:nvPicPr>
                 <p:blipFill>
-                  <a:blip r:embed="rId5"/>
+                  <a:blip r:embed="rId4"/>
                   <a:srcRect b="27014"/>
                   <a:stretch/>
                 </p:blipFill>
@@ -3766,7 +3737,7 @@
                   <p:nvPr/>
                 </p:nvPicPr>
                 <p:blipFill>
-                  <a:blip r:embed="rId6"/>
+                  <a:blip r:embed="rId5"/>
                   <a:srcRect b="43990"/>
                   <a:stretch/>
                 </p:blipFill>
@@ -3928,7 +3899,7 @@
             <p:nvPr/>
           </p:nvPicPr>
           <p:blipFill>
-            <a:blip r:embed="rId7"/>
+            <a:blip r:embed="rId6"/>
             <a:srcRect l="-446" t="56994" r="47483" b="26641"/>
             <a:stretch/>
           </p:blipFill>
@@ -3983,7 +3954,7 @@
             <p:nvPr/>
           </p:nvPicPr>
           <p:blipFill>
-            <a:blip r:embed="rId8"/>
+            <a:blip r:embed="rId7"/>
             <a:stretch>
               <a:fillRect/>
             </a:stretch>
@@ -4013,7 +3984,7 @@
             <p:nvPr/>
           </p:nvPicPr>
           <p:blipFill>
-            <a:blip r:embed="rId9"/>
+            <a:blip r:embed="rId8"/>
             <a:stretch>
               <a:fillRect/>
             </a:stretch>
@@ -4043,7 +4014,7 @@
             <p:nvPr/>
           </p:nvPicPr>
           <p:blipFill>
-            <a:blip r:embed="rId10"/>
+            <a:blip r:embed="rId9"/>
             <a:srcRect b="5600"/>
             <a:stretch/>
           </p:blipFill>
@@ -4212,7 +4183,7 @@
               <p:nvPr/>
             </p:nvPicPr>
             <p:blipFill>
-              <a:blip r:embed="rId11"/>
+              <a:blip r:embed="rId10"/>
               <a:srcRect r="5603"/>
               <a:stretch/>
             </p:blipFill>
@@ -4241,7 +4212,7 @@
               <p:nvPr/>
             </p:nvPicPr>
             <p:blipFill>
-              <a:blip r:embed="rId12"/>
+              <a:blip r:embed="rId11"/>
               <a:srcRect b="29284"/>
               <a:stretch/>
             </p:blipFill>
@@ -4270,7 +4241,7 @@
               <p:nvPr/>
             </p:nvPicPr>
             <p:blipFill>
-              <a:blip r:embed="rId12"/>
+              <a:blip r:embed="rId11"/>
               <a:srcRect t="86322"/>
               <a:stretch/>
             </p:blipFill>
@@ -4299,7 +4270,7 @@
               <p:nvPr/>
             </p:nvPicPr>
             <p:blipFill>
-              <a:blip r:embed="rId12"/>
+              <a:blip r:embed="rId11"/>
               <a:srcRect t="71090" b="13907"/>
               <a:stretch/>
             </p:blipFill>
@@ -4394,7 +4365,7 @@
             <p:nvPr/>
           </p:nvPicPr>
           <p:blipFill>
-            <a:blip r:embed="rId7"/>
+            <a:blip r:embed="rId6"/>
             <a:stretch>
               <a:fillRect/>
             </a:stretch>
@@ -4469,7 +4440,7 @@
           <p:nvPr/>
         </p:nvPicPr>
         <p:blipFill>
-          <a:blip r:embed="rId7"/>
+          <a:blip r:embed="rId6"/>
           <a:srcRect t="71133" b="13350"/>
           <a:stretch/>
         </p:blipFill>
@@ -4488,52 +4459,6 @@
           </a:ln>
         </p:spPr>
       </p:pic>
-      <p:sp>
-        <p:nvSpPr>
-          <p:cNvPr id="8" name="Arrow: Right 7">
-            <a:extLst>
-              <a:ext uri="{FF2B5EF4-FFF2-40B4-BE49-F238E27FC236}">
-                <a16:creationId xmlns:a16="http://schemas.microsoft.com/office/drawing/2014/main" id="{21CFF7AD-0B9B-1529-5E3C-C83A8E4F34D0}"/>
-              </a:ext>
-            </a:extLst>
-          </p:cNvPr>
-          <p:cNvSpPr/>
-          <p:nvPr/>
-        </p:nvSpPr>
-        <p:spPr>
-          <a:xfrm rot="10800000">
-            <a:off x="9790727" y="1535091"/>
-            <a:ext cx="226337" cy="259169"/>
-          </a:xfrm>
-          <a:prstGeom prst="rightArrow">
-            <a:avLst/>
-          </a:prstGeom>
-        </p:spPr>
-        <p:style>
-          <a:lnRef idx="2">
-            <a:schemeClr val="accent1">
-              <a:shade val="15000"/>
-            </a:schemeClr>
-          </a:lnRef>
-          <a:fillRef idx="1">
-            <a:schemeClr val="accent1"/>
-          </a:fillRef>
-          <a:effectRef idx="0">
-            <a:schemeClr val="accent1"/>
-          </a:effectRef>
-          <a:fontRef idx="minor">
-            <a:schemeClr val="lt1"/>
-          </a:fontRef>
-        </p:style>
-        <p:txBody>
-          <a:bodyPr rtlCol="0" anchor="ctr"/>
-          <a:lstStyle/>
-          <a:p>
-            <a:pPr algn="ctr"/>
-            <a:endParaRPr lang="LID4096"/>
-          </a:p>
-        </p:txBody>
-      </p:sp>
       <p:pic>
         <p:nvPicPr>
           <p:cNvPr id="29" name="Picture 28">
@@ -4549,7 +4474,7 @@
           <p:nvPr/>
         </p:nvPicPr>
         <p:blipFill>
-          <a:blip r:embed="rId13"/>
+          <a:blip r:embed="rId12"/>
           <a:srcRect l="9703" t="15811" r="28482" b="8836"/>
           <a:stretch/>
         </p:blipFill>
@@ -4578,7 +4503,7 @@
           <p:nvPr/>
         </p:nvPicPr>
         <p:blipFill>
-          <a:blip r:embed="rId14">
+          <a:blip r:embed="rId13">
             <a:extLst>
               <a:ext uri="{28A0092B-C50C-407E-A947-70E740481C1C}">
                 <a14:useLocalDpi xmlns:a14="http://schemas.microsoft.com/office/drawing/2010/main" val="0"/>
@@ -4608,6 +4533,35 @@
               </a14:hiddenFill>
             </a:ext>
           </a:extLst>
+        </p:spPr>
+      </p:pic>
+      <p:pic>
+        <p:nvPicPr>
+          <p:cNvPr id="41" name="Picture 40">
+            <a:extLst>
+              <a:ext uri="{FF2B5EF4-FFF2-40B4-BE49-F238E27FC236}">
+                <a16:creationId xmlns:a16="http://schemas.microsoft.com/office/drawing/2014/main" id="{97BDAA0C-C4D8-B552-D514-5CEEC70B1DE5}"/>
+              </a:ext>
+            </a:extLst>
+          </p:cNvPr>
+          <p:cNvPicPr>
+            <a:picLocks noChangeAspect="1"/>
+          </p:cNvPicPr>
+          <p:nvPr/>
+        </p:nvPicPr>
+        <p:blipFill>
+          <a:blip r:embed="rId14"/>
+          <a:srcRect r="26475"/>
+          <a:stretch/>
+        </p:blipFill>
+        <p:spPr>
+          <a:xfrm>
+            <a:off x="9127047" y="1824455"/>
+            <a:ext cx="2633226" cy="3448050"/>
+          </a:xfrm>
+          <a:prstGeom prst="rect">
+            <a:avLst/>
+          </a:prstGeom>
         </p:spPr>
       </p:pic>
     </p:spTree>

--- a/01_Follow_up__activities.pptx
+++ b/01_Follow_up__activities.pptx
@@ -5,15 +5,16 @@
     <p:sldMasterId id="2147483648" r:id="rId1"/>
   </p:sldMasterIdLst>
   <p:sldIdLst>
-    <p:sldId id="282" r:id="rId2"/>
+    <p:sldId id="283" r:id="rId2"/>
     <p:sldId id="279" r:id="rId3"/>
     <p:sldId id="274" r:id="rId4"/>
     <p:sldId id="277" r:id="rId5"/>
-    <p:sldId id="278" r:id="rId6"/>
-    <p:sldId id="261" r:id="rId7"/>
-    <p:sldId id="280" r:id="rId8"/>
-    <p:sldId id="273" r:id="rId9"/>
-    <p:sldId id="281" r:id="rId10"/>
+    <p:sldId id="282" r:id="rId6"/>
+    <p:sldId id="278" r:id="rId7"/>
+    <p:sldId id="261" r:id="rId8"/>
+    <p:sldId id="280" r:id="rId9"/>
+    <p:sldId id="273" r:id="rId10"/>
+    <p:sldId id="281" r:id="rId11"/>
   </p:sldIdLst>
   <p:sldSz cx="12192000" cy="6858000"/>
   <p:notesSz cx="6858000" cy="9144000"/>
@@ -269,7 +270,7 @@
           <a:p>
             <a:fld id="{830943F9-8AC6-4393-AEEF-D45C2A43C7C7}" type="datetimeFigureOut">
               <a:rPr lang="LID4096" smtClean="0"/>
-              <a:t>02/10/2025</a:t>
+              <a:t>02/12/2025</a:t>
             </a:fld>
             <a:endParaRPr lang="LID4096"/>
           </a:p>
@@ -469,7 +470,7 @@
           <a:p>
             <a:fld id="{830943F9-8AC6-4393-AEEF-D45C2A43C7C7}" type="datetimeFigureOut">
               <a:rPr lang="LID4096" smtClean="0"/>
-              <a:t>02/10/2025</a:t>
+              <a:t>02/12/2025</a:t>
             </a:fld>
             <a:endParaRPr lang="LID4096"/>
           </a:p>
@@ -679,7 +680,7 @@
           <a:p>
             <a:fld id="{830943F9-8AC6-4393-AEEF-D45C2A43C7C7}" type="datetimeFigureOut">
               <a:rPr lang="LID4096" smtClean="0"/>
-              <a:t>02/10/2025</a:t>
+              <a:t>02/12/2025</a:t>
             </a:fld>
             <a:endParaRPr lang="LID4096"/>
           </a:p>
@@ -879,7 +880,7 @@
           <a:p>
             <a:fld id="{830943F9-8AC6-4393-AEEF-D45C2A43C7C7}" type="datetimeFigureOut">
               <a:rPr lang="LID4096" smtClean="0"/>
-              <a:t>02/10/2025</a:t>
+              <a:t>02/12/2025</a:t>
             </a:fld>
             <a:endParaRPr lang="LID4096"/>
           </a:p>
@@ -1155,7 +1156,7 @@
           <a:p>
             <a:fld id="{830943F9-8AC6-4393-AEEF-D45C2A43C7C7}" type="datetimeFigureOut">
               <a:rPr lang="LID4096" smtClean="0"/>
-              <a:t>02/10/2025</a:t>
+              <a:t>02/12/2025</a:t>
             </a:fld>
             <a:endParaRPr lang="LID4096"/>
           </a:p>
@@ -1423,7 +1424,7 @@
           <a:p>
             <a:fld id="{830943F9-8AC6-4393-AEEF-D45C2A43C7C7}" type="datetimeFigureOut">
               <a:rPr lang="LID4096" smtClean="0"/>
-              <a:t>02/10/2025</a:t>
+              <a:t>02/12/2025</a:t>
             </a:fld>
             <a:endParaRPr lang="LID4096"/>
           </a:p>
@@ -1838,7 +1839,7 @@
           <a:p>
             <a:fld id="{830943F9-8AC6-4393-AEEF-D45C2A43C7C7}" type="datetimeFigureOut">
               <a:rPr lang="LID4096" smtClean="0"/>
-              <a:t>02/10/2025</a:t>
+              <a:t>02/12/2025</a:t>
             </a:fld>
             <a:endParaRPr lang="LID4096"/>
           </a:p>
@@ -1980,7 +1981,7 @@
           <a:p>
             <a:fld id="{830943F9-8AC6-4393-AEEF-D45C2A43C7C7}" type="datetimeFigureOut">
               <a:rPr lang="LID4096" smtClean="0"/>
-              <a:t>02/10/2025</a:t>
+              <a:t>02/12/2025</a:t>
             </a:fld>
             <a:endParaRPr lang="LID4096"/>
           </a:p>
@@ -2093,7 +2094,7 @@
           <a:p>
             <a:fld id="{830943F9-8AC6-4393-AEEF-D45C2A43C7C7}" type="datetimeFigureOut">
               <a:rPr lang="LID4096" smtClean="0"/>
-              <a:t>02/10/2025</a:t>
+              <a:t>02/12/2025</a:t>
             </a:fld>
             <a:endParaRPr lang="LID4096"/>
           </a:p>
@@ -2406,7 +2407,7 @@
           <a:p>
             <a:fld id="{830943F9-8AC6-4393-AEEF-D45C2A43C7C7}" type="datetimeFigureOut">
               <a:rPr lang="LID4096" smtClean="0"/>
-              <a:t>02/10/2025</a:t>
+              <a:t>02/12/2025</a:t>
             </a:fld>
             <a:endParaRPr lang="LID4096"/>
           </a:p>
@@ -2695,7 +2696,7 @@
           <a:p>
             <a:fld id="{830943F9-8AC6-4393-AEEF-D45C2A43C7C7}" type="datetimeFigureOut">
               <a:rPr lang="LID4096" smtClean="0"/>
-              <a:t>02/10/2025</a:t>
+              <a:t>02/12/2025</a:t>
             </a:fld>
             <a:endParaRPr lang="LID4096"/>
           </a:p>
@@ -2938,7 +2939,7 @@
           <a:p>
             <a:fld id="{830943F9-8AC6-4393-AEEF-D45C2A43C7C7}" type="datetimeFigureOut">
               <a:rPr lang="LID4096" smtClean="0"/>
-              <a:t>02/10/2025</a:t>
+              <a:t>02/12/2025</a:t>
             </a:fld>
             <a:endParaRPr lang="LID4096"/>
           </a:p>
@@ -3355,12 +3356,165 @@
           <a:chExt cx="0" cy="0"/>
         </a:xfrm>
       </p:grpSpPr>
+      <p:pic>
+        <p:nvPicPr>
+          <p:cNvPr id="11" name="Picture 10">
+            <a:extLst>
+              <a:ext uri="{FF2B5EF4-FFF2-40B4-BE49-F238E27FC236}">
+                <a16:creationId xmlns:a16="http://schemas.microsoft.com/office/drawing/2014/main" id="{4B014EFD-6DFB-8F4D-47FC-C947A8F6EB13}"/>
+              </a:ext>
+            </a:extLst>
+          </p:cNvPr>
+          <p:cNvPicPr>
+            <a:picLocks noChangeAspect="1"/>
+          </p:cNvPicPr>
+          <p:nvPr/>
+        </p:nvPicPr>
+        <p:blipFill>
+          <a:blip r:embed="rId2"/>
+          <a:srcRect b="7461"/>
+          <a:stretch/>
+        </p:blipFill>
+        <p:spPr>
+          <a:xfrm>
+            <a:off x="4181633" y="297618"/>
+            <a:ext cx="1838325" cy="3984804"/>
+          </a:xfrm>
+          <a:prstGeom prst="rect">
+            <a:avLst/>
+          </a:prstGeom>
+        </p:spPr>
+      </p:pic>
+      <p:grpSp>
+        <p:nvGrpSpPr>
+          <p:cNvPr id="5" name="Group 4">
+            <a:extLst>
+              <a:ext uri="{FF2B5EF4-FFF2-40B4-BE49-F238E27FC236}">
+                <a16:creationId xmlns:a16="http://schemas.microsoft.com/office/drawing/2014/main" id="{0BE27CE1-E975-57C8-EF9B-055DA594A3E5}"/>
+              </a:ext>
+            </a:extLst>
+          </p:cNvPr>
+          <p:cNvGrpSpPr/>
+          <p:nvPr/>
+        </p:nvGrpSpPr>
+        <p:grpSpPr>
+          <a:xfrm>
+            <a:off x="2159592" y="1137305"/>
+            <a:ext cx="1838325" cy="1030728"/>
+            <a:chOff x="2210868" y="1111667"/>
+            <a:chExt cx="1838325" cy="1030728"/>
+          </a:xfrm>
+        </p:grpSpPr>
+        <p:pic>
+          <p:nvPicPr>
+            <p:cNvPr id="3" name="Picture 2">
+              <a:extLst>
+                <a:ext uri="{FF2B5EF4-FFF2-40B4-BE49-F238E27FC236}">
+                  <a16:creationId xmlns:a16="http://schemas.microsoft.com/office/drawing/2014/main" id="{E31DB8A2-0594-657A-B9DE-1CFF906CEAF3}"/>
+                </a:ext>
+              </a:extLst>
+            </p:cNvPr>
+            <p:cNvPicPr>
+              <a:picLocks noChangeAspect="1"/>
+            </p:cNvPicPr>
+            <p:nvPr/>
+          </p:nvPicPr>
+          <p:blipFill>
+            <a:blip r:embed="rId3"/>
+            <a:srcRect r="14222" b="28336"/>
+            <a:stretch/>
+          </p:blipFill>
+          <p:spPr>
+            <a:xfrm>
+              <a:off x="2210868" y="1111667"/>
+              <a:ext cx="1838325" cy="1030728"/>
+            </a:xfrm>
+            <a:prstGeom prst="rect">
+              <a:avLst/>
+            </a:prstGeom>
+          </p:spPr>
+        </p:pic>
+        <p:sp>
+          <p:nvSpPr>
+            <p:cNvPr id="4" name="Rectangle 3">
+              <a:extLst>
+                <a:ext uri="{FF2B5EF4-FFF2-40B4-BE49-F238E27FC236}">
+                  <a16:creationId xmlns:a16="http://schemas.microsoft.com/office/drawing/2014/main" id="{742D19CC-C521-68BA-AD05-63B57B0ABA03}"/>
+                </a:ext>
+              </a:extLst>
+            </p:cNvPr>
+            <p:cNvSpPr/>
+            <p:nvPr/>
+          </p:nvSpPr>
+          <p:spPr>
+            <a:xfrm>
+              <a:off x="2279236" y="1931812"/>
+              <a:ext cx="1233087" cy="210582"/>
+            </a:xfrm>
+            <a:prstGeom prst="rect">
+              <a:avLst/>
+            </a:prstGeom>
+            <a:noFill/>
+            <a:ln w="19050">
+              <a:solidFill>
+                <a:srgbClr val="0000FF"/>
+              </a:solidFill>
+            </a:ln>
+            <a:effectLst>
+              <a:outerShdw blurRad="50800" dist="38100" dir="8100000" algn="tr" rotWithShape="0">
+                <a:prstClr val="black">
+                  <a:alpha val="40000"/>
+                </a:prstClr>
+              </a:outerShdw>
+            </a:effectLst>
+          </p:spPr>
+          <p:txBody>
+            <a:bodyPr wrap="none" anchor="ctr" anchorCtr="0">
+              <a:noAutofit/>
+            </a:bodyPr>
+            <a:lstStyle/>
+            <a:p>
+              <a:endParaRPr lang="LID4096"/>
+            </a:p>
+          </p:txBody>
+        </p:sp>
+      </p:grpSp>
+      <p:pic>
+        <p:nvPicPr>
+          <p:cNvPr id="7" name="Picture 6">
+            <a:extLst>
+              <a:ext uri="{FF2B5EF4-FFF2-40B4-BE49-F238E27FC236}">
+                <a16:creationId xmlns:a16="http://schemas.microsoft.com/office/drawing/2014/main" id="{2C350136-759E-EEA7-2798-AA11429EB8CE}"/>
+              </a:ext>
+            </a:extLst>
+          </p:cNvPr>
+          <p:cNvPicPr>
+            <a:picLocks noChangeAspect="1"/>
+          </p:cNvPicPr>
+          <p:nvPr/>
+        </p:nvPicPr>
+        <p:blipFill>
+          <a:blip r:embed="rId4"/>
+          <a:stretch>
+            <a:fillRect/>
+          </a:stretch>
+        </p:blipFill>
+        <p:spPr>
+          <a:xfrm>
+            <a:off x="220143" y="155961"/>
+            <a:ext cx="1924050" cy="1828800"/>
+          </a:xfrm>
+          <a:prstGeom prst="rect">
+            <a:avLst/>
+          </a:prstGeom>
+        </p:spPr>
+      </p:pic>
       <p:sp>
         <p:nvSpPr>
-          <p:cNvPr id="42" name="Rectangle 41">
-            <a:extLst>
-              <a:ext uri="{FF2B5EF4-FFF2-40B4-BE49-F238E27FC236}">
-                <a16:creationId xmlns:a16="http://schemas.microsoft.com/office/drawing/2014/main" id="{4EBAC75B-2E91-5562-1EDB-ACB9269FA3FA}"/>
+          <p:cNvPr id="9" name="Rectangle 8">
+            <a:extLst>
+              <a:ext uri="{FF2B5EF4-FFF2-40B4-BE49-F238E27FC236}">
+                <a16:creationId xmlns:a16="http://schemas.microsoft.com/office/drawing/2014/main" id="{5F116184-E893-C154-4E26-E53E8F62027E}"/>
               </a:ext>
             </a:extLst>
           </p:cNvPr>
@@ -3369,11 +3523,197 @@
         </p:nvSpPr>
         <p:spPr>
           <a:xfrm>
-            <a:off x="8546" y="0"/>
-            <a:ext cx="2529688" cy="4512226"/>
+            <a:off x="220142" y="1361844"/>
+            <a:ext cx="5799815" cy="210582"/>
           </a:xfrm>
           <a:prstGeom prst="rect">
             <a:avLst/>
+          </a:prstGeom>
+          <a:noFill/>
+          <a:ln w="19050">
+            <a:solidFill>
+              <a:srgbClr val="0000FF"/>
+            </a:solidFill>
+          </a:ln>
+          <a:effectLst>
+            <a:outerShdw blurRad="50800" dist="38100" dir="8100000" algn="tr" rotWithShape="0">
+              <a:prstClr val="black">
+                <a:alpha val="40000"/>
+              </a:prstClr>
+            </a:outerShdw>
+          </a:effectLst>
+        </p:spPr>
+        <p:txBody>
+          <a:bodyPr wrap="none" anchor="ctr" anchorCtr="0">
+            <a:noAutofit/>
+          </a:bodyPr>
+          <a:lstStyle/>
+          <a:p>
+            <a:endParaRPr lang="LID4096"/>
+          </a:p>
+        </p:txBody>
+      </p:sp>
+      <p:pic>
+        <p:nvPicPr>
+          <p:cNvPr id="38" name="Picture 37">
+            <a:extLst>
+              <a:ext uri="{FF2B5EF4-FFF2-40B4-BE49-F238E27FC236}">
+                <a16:creationId xmlns:a16="http://schemas.microsoft.com/office/drawing/2014/main" id="{4215C089-19D3-8C3A-CFB7-0E15D6AB4AAE}"/>
+              </a:ext>
+            </a:extLst>
+          </p:cNvPr>
+          <p:cNvPicPr>
+            <a:picLocks noChangeAspect="1"/>
+          </p:cNvPicPr>
+          <p:nvPr/>
+        </p:nvPicPr>
+        <p:blipFill>
+          <a:blip r:embed="rId5"/>
+          <a:srcRect t="71133" b="13350"/>
+          <a:stretch/>
+        </p:blipFill>
+        <p:spPr>
+          <a:xfrm>
+            <a:off x="9025878" y="183833"/>
+            <a:ext cx="1914525" cy="227570"/>
+          </a:xfrm>
+          <a:prstGeom prst="rect">
+            <a:avLst/>
+          </a:prstGeom>
+          <a:ln w="19050">
+            <a:solidFill>
+              <a:srgbClr val="0000FF"/>
+            </a:solidFill>
+          </a:ln>
+        </p:spPr>
+      </p:pic>
+      <p:pic>
+        <p:nvPicPr>
+          <p:cNvPr id="29" name="Picture 28">
+            <a:extLst>
+              <a:ext uri="{FF2B5EF4-FFF2-40B4-BE49-F238E27FC236}">
+                <a16:creationId xmlns:a16="http://schemas.microsoft.com/office/drawing/2014/main" id="{D44A888A-A4F9-9F66-9CF5-CD5E4F02519A}"/>
+              </a:ext>
+            </a:extLst>
+          </p:cNvPr>
+          <p:cNvPicPr>
+            <a:picLocks noChangeAspect="1"/>
+          </p:cNvPicPr>
+          <p:nvPr/>
+        </p:nvPicPr>
+        <p:blipFill>
+          <a:blip r:embed="rId6"/>
+          <a:srcRect l="9703" t="15811" r="28482" b="8836"/>
+          <a:stretch/>
+        </p:blipFill>
+        <p:spPr>
+          <a:xfrm>
+            <a:off x="9530213" y="4615229"/>
+            <a:ext cx="2390775" cy="2119576"/>
+          </a:xfrm>
+          <a:prstGeom prst="rect">
+            <a:avLst/>
+          </a:prstGeom>
+        </p:spPr>
+      </p:pic>
+      <p:pic>
+        <p:nvPicPr>
+          <p:cNvPr id="10" name="Picture 1">
+            <a:extLst>
+              <a:ext uri="{FF2B5EF4-FFF2-40B4-BE49-F238E27FC236}">
+                <a16:creationId xmlns:a16="http://schemas.microsoft.com/office/drawing/2014/main" id="{BBB224F8-D8FA-0041-92BD-62F6B6B0F84F}"/>
+              </a:ext>
+            </a:extLst>
+          </p:cNvPr>
+          <p:cNvPicPr>
+            <a:picLocks noChangeAspect="1" noChangeArrowheads="1"/>
+          </p:cNvPicPr>
+          <p:nvPr/>
+        </p:nvPicPr>
+        <p:blipFill>
+          <a:blip r:embed="rId7">
+            <a:extLst>
+              <a:ext uri="{28A0092B-C50C-407E-A947-70E740481C1C}">
+                <a14:useLocalDpi xmlns:a14="http://schemas.microsoft.com/office/drawing/2010/main" val="0"/>
+              </a:ext>
+            </a:extLst>
+          </a:blip>
+          <a:srcRect/>
+          <a:stretch>
+            <a:fillRect/>
+          </a:stretch>
+        </p:blipFill>
+        <p:spPr bwMode="auto">
+          <a:xfrm>
+            <a:off x="6580417" y="5319557"/>
+            <a:ext cx="2727670" cy="1483826"/>
+          </a:xfrm>
+          <a:prstGeom prst="rect">
+            <a:avLst/>
+          </a:prstGeom>
+          <a:noFill/>
+          <a:extLst>
+            <a:ext uri="{909E8E84-426E-40DD-AFC4-6F175D3DCCD1}">
+              <a14:hiddenFill xmlns:a14="http://schemas.microsoft.com/office/drawing/2010/main">
+                <a:solidFill>
+                  <a:srgbClr val="FFFFFF"/>
+                </a:solidFill>
+              </a14:hiddenFill>
+            </a:ext>
+          </a:extLst>
+        </p:spPr>
+      </p:pic>
+      <p:pic>
+        <p:nvPicPr>
+          <p:cNvPr id="41" name="Picture 40">
+            <a:extLst>
+              <a:ext uri="{FF2B5EF4-FFF2-40B4-BE49-F238E27FC236}">
+                <a16:creationId xmlns:a16="http://schemas.microsoft.com/office/drawing/2014/main" id="{97BDAA0C-C4D8-B552-D514-5CEEC70B1DE5}"/>
+              </a:ext>
+            </a:extLst>
+          </p:cNvPr>
+          <p:cNvPicPr>
+            <a:picLocks noChangeAspect="1"/>
+          </p:cNvPicPr>
+          <p:nvPr/>
+        </p:nvPicPr>
+        <p:blipFill>
+          <a:blip r:embed="rId8"/>
+          <a:srcRect r="26475"/>
+          <a:stretch/>
+        </p:blipFill>
+        <p:spPr>
+          <a:xfrm>
+            <a:off x="9256336" y="578811"/>
+            <a:ext cx="2633226" cy="3448050"/>
+          </a:xfrm>
+          <a:prstGeom prst="rect">
+            <a:avLst/>
+          </a:prstGeom>
+        </p:spPr>
+      </p:pic>
+      <p:sp>
+        <p:nvSpPr>
+          <p:cNvPr id="32" name="L-Shape 31">
+            <a:extLst>
+              <a:ext uri="{FF2B5EF4-FFF2-40B4-BE49-F238E27FC236}">
+                <a16:creationId xmlns:a16="http://schemas.microsoft.com/office/drawing/2014/main" id="{E964451F-F389-0BA5-0D0A-D80850EB0FF4}"/>
+              </a:ext>
+            </a:extLst>
+          </p:cNvPr>
+          <p:cNvSpPr/>
+          <p:nvPr/>
+        </p:nvSpPr>
+        <p:spPr>
+          <a:xfrm flipH="1">
+            <a:off x="6466967" y="0"/>
+            <a:ext cx="5725032" cy="6858000"/>
+          </a:xfrm>
+          <a:prstGeom prst="corner">
+            <a:avLst>
+              <a:gd name="adj1" fmla="val 28356"/>
+              <a:gd name="adj2" fmla="val 59106"/>
+            </a:avLst>
           </a:prstGeom>
           <a:noFill/>
           <a:ln w="19050">
@@ -3389,539 +3729,17 @@
           </a:bodyPr>
           <a:lstStyle/>
           <a:p>
-            <a:endParaRPr lang="LID4096"/>
+            <a:endParaRPr lang="LID4096">
+              <a:solidFill>
+                <a:schemeClr val="tx1"/>
+              </a:solidFill>
+            </a:endParaRPr>
           </a:p>
         </p:txBody>
       </p:sp>
       <p:grpSp>
         <p:nvGrpSpPr>
-          <p:cNvPr id="40" name="Group 39">
-            <a:extLst>
-              <a:ext uri="{FF2B5EF4-FFF2-40B4-BE49-F238E27FC236}">
-                <a16:creationId xmlns:a16="http://schemas.microsoft.com/office/drawing/2014/main" id="{19769E79-0CF0-832B-81FB-C8B7645C7881}"/>
-              </a:ext>
-            </a:extLst>
-          </p:cNvPr>
-          <p:cNvGrpSpPr/>
-          <p:nvPr/>
-        </p:nvGrpSpPr>
-        <p:grpSpPr>
-          <a:xfrm>
-            <a:off x="2691465" y="192186"/>
-            <a:ext cx="6234735" cy="4375340"/>
-            <a:chOff x="2638286" y="367821"/>
-            <a:chExt cx="6234735" cy="4375340"/>
-          </a:xfrm>
-        </p:grpSpPr>
-        <p:grpSp>
-          <p:nvGrpSpPr>
-            <p:cNvPr id="31" name="Group 30">
-              <a:extLst>
-                <a:ext uri="{FF2B5EF4-FFF2-40B4-BE49-F238E27FC236}">
-                  <a16:creationId xmlns:a16="http://schemas.microsoft.com/office/drawing/2014/main" id="{6AD7F534-F0CC-C99D-D670-C314320BCAC8}"/>
-                </a:ext>
-              </a:extLst>
-            </p:cNvPr>
-            <p:cNvGrpSpPr/>
-            <p:nvPr/>
-          </p:nvGrpSpPr>
-          <p:grpSpPr>
-            <a:xfrm>
-              <a:off x="2654058" y="681450"/>
-              <a:ext cx="6218963" cy="4061711"/>
-              <a:chOff x="2739015" y="189312"/>
-              <a:chExt cx="6218963" cy="4061711"/>
-            </a:xfrm>
-          </p:grpSpPr>
-          <p:grpSp>
-            <p:nvGrpSpPr>
-              <p:cNvPr id="17" name="Group 16">
-                <a:extLst>
-                  <a:ext uri="{FF2B5EF4-FFF2-40B4-BE49-F238E27FC236}">
-                    <a16:creationId xmlns:a16="http://schemas.microsoft.com/office/drawing/2014/main" id="{75D8DB4F-AB49-845D-331B-EE355AD9541F}"/>
-                  </a:ext>
-                </a:extLst>
-              </p:cNvPr>
-              <p:cNvGrpSpPr/>
-              <p:nvPr/>
-            </p:nvGrpSpPr>
-            <p:grpSpPr>
-              <a:xfrm>
-                <a:off x="2739015" y="189312"/>
-                <a:ext cx="1609725" cy="2247900"/>
-                <a:chOff x="2486609" y="-67934"/>
-                <a:chExt cx="1609725" cy="2247900"/>
-              </a:xfrm>
-            </p:grpSpPr>
-            <p:pic>
-              <p:nvPicPr>
-                <p:cNvPr id="19" name="Picture 18">
-                  <a:extLst>
-                    <a:ext uri="{FF2B5EF4-FFF2-40B4-BE49-F238E27FC236}">
-                      <a16:creationId xmlns:a16="http://schemas.microsoft.com/office/drawing/2014/main" id="{80E39C0C-8AB9-9D13-C593-345D7E6BB9DD}"/>
-                    </a:ext>
-                  </a:extLst>
-                </p:cNvPr>
-                <p:cNvPicPr>
-                  <a:picLocks noChangeAspect="1"/>
-                </p:cNvPicPr>
-                <p:nvPr/>
-              </p:nvPicPr>
-              <p:blipFill>
-                <a:blip r:embed="rId2"/>
-                <a:stretch>
-                  <a:fillRect/>
-                </a:stretch>
-              </p:blipFill>
-              <p:spPr>
-                <a:xfrm>
-                  <a:off x="2486609" y="-67934"/>
-                  <a:ext cx="1609725" cy="2247900"/>
-                </a:xfrm>
-                <a:prstGeom prst="rect">
-                  <a:avLst/>
-                </a:prstGeom>
-              </p:spPr>
-            </p:pic>
-            <p:sp>
-              <p:nvSpPr>
-                <p:cNvPr id="20" name="Rectangle 19">
-                  <a:extLst>
-                    <a:ext uri="{FF2B5EF4-FFF2-40B4-BE49-F238E27FC236}">
-                      <a16:creationId xmlns:a16="http://schemas.microsoft.com/office/drawing/2014/main" id="{CB28618C-0F5C-277F-D0FC-D6ADA04C2132}"/>
-                    </a:ext>
-                  </a:extLst>
-                </p:cNvPr>
-                <p:cNvSpPr/>
-                <p:nvPr/>
-              </p:nvSpPr>
-              <p:spPr>
-                <a:xfrm>
-                  <a:off x="2486609" y="1143157"/>
-                  <a:ext cx="1463040" cy="183332"/>
-                </a:xfrm>
-                <a:prstGeom prst="rect">
-                  <a:avLst/>
-                </a:prstGeom>
-                <a:noFill/>
-                <a:ln>
-                  <a:solidFill>
-                    <a:schemeClr val="tx1"/>
-                  </a:solidFill>
-                </a:ln>
-                <a:effectLst>
-                  <a:outerShdw blurRad="50800" dist="38100" dir="8100000" algn="tr" rotWithShape="0">
-                    <a:prstClr val="black">
-                      <a:alpha val="40000"/>
-                    </a:prstClr>
-                  </a:outerShdw>
-                </a:effectLst>
-              </p:spPr>
-              <p:style>
-                <a:lnRef idx="2">
-                  <a:schemeClr val="accent1">
-                    <a:shade val="15000"/>
-                  </a:schemeClr>
-                </a:lnRef>
-                <a:fillRef idx="1">
-                  <a:schemeClr val="accent1"/>
-                </a:fillRef>
-                <a:effectRef idx="0">
-                  <a:schemeClr val="accent1"/>
-                </a:effectRef>
-                <a:fontRef idx="minor">
-                  <a:schemeClr val="lt1"/>
-                </a:fontRef>
-              </p:style>
-              <p:txBody>
-                <a:bodyPr rtlCol="0" anchor="ctr"/>
-                <a:lstStyle/>
-                <a:p>
-                  <a:pPr algn="ctr"/>
-                  <a:endParaRPr lang="LID4096"/>
-                </a:p>
-              </p:txBody>
-            </p:sp>
-          </p:grpSp>
-          <p:grpSp>
-            <p:nvGrpSpPr>
-              <p:cNvPr id="21" name="Group 20">
-                <a:extLst>
-                  <a:ext uri="{FF2B5EF4-FFF2-40B4-BE49-F238E27FC236}">
-                    <a16:creationId xmlns:a16="http://schemas.microsoft.com/office/drawing/2014/main" id="{BA5F10E7-A97E-1615-4150-82BD8FAB419E}"/>
-                  </a:ext>
-                </a:extLst>
-              </p:cNvPr>
-              <p:cNvGrpSpPr/>
-              <p:nvPr/>
-            </p:nvGrpSpPr>
-            <p:grpSpPr>
-              <a:xfrm>
-                <a:off x="4202814" y="195642"/>
-                <a:ext cx="2638425" cy="3714750"/>
-                <a:chOff x="4133991" y="1300021"/>
-                <a:chExt cx="2638425" cy="3714750"/>
-              </a:xfrm>
-            </p:grpSpPr>
-            <p:pic>
-              <p:nvPicPr>
-                <p:cNvPr id="23" name="Picture 22">
-                  <a:extLst>
-                    <a:ext uri="{FF2B5EF4-FFF2-40B4-BE49-F238E27FC236}">
-                      <a16:creationId xmlns:a16="http://schemas.microsoft.com/office/drawing/2014/main" id="{F8511958-31CB-E9CB-8636-7F5FABAFE3C4}"/>
-                    </a:ext>
-                  </a:extLst>
-                </p:cNvPr>
-                <p:cNvPicPr>
-                  <a:picLocks noChangeAspect="1"/>
-                </p:cNvPicPr>
-                <p:nvPr/>
-              </p:nvPicPr>
-              <p:blipFill>
-                <a:blip r:embed="rId3"/>
-                <a:stretch>
-                  <a:fillRect/>
-                </a:stretch>
-              </p:blipFill>
-              <p:spPr>
-                <a:xfrm>
-                  <a:off x="4133991" y="1300021"/>
-                  <a:ext cx="2638425" cy="3714750"/>
-                </a:xfrm>
-                <a:prstGeom prst="rect">
-                  <a:avLst/>
-                </a:prstGeom>
-              </p:spPr>
-            </p:pic>
-            <p:sp>
-              <p:nvSpPr>
-                <p:cNvPr id="24" name="Rectangle 23">
-                  <a:extLst>
-                    <a:ext uri="{FF2B5EF4-FFF2-40B4-BE49-F238E27FC236}">
-                      <a16:creationId xmlns:a16="http://schemas.microsoft.com/office/drawing/2014/main" id="{7414AA48-64AA-5508-1AE3-E5AFE01F5730}"/>
-                    </a:ext>
-                  </a:extLst>
-                </p:cNvPr>
-                <p:cNvSpPr/>
-                <p:nvPr/>
-              </p:nvSpPr>
-              <p:spPr>
-                <a:xfrm>
-                  <a:off x="4178361" y="4341892"/>
-                  <a:ext cx="2376347" cy="574140"/>
-                </a:xfrm>
-                <a:prstGeom prst="rect">
-                  <a:avLst/>
-                </a:prstGeom>
-                <a:noFill/>
-                <a:ln>
-                  <a:solidFill>
-                    <a:schemeClr val="tx1"/>
-                  </a:solidFill>
-                </a:ln>
-                <a:effectLst>
-                  <a:outerShdw blurRad="50800" dist="38100" dir="8100000" algn="tr" rotWithShape="0">
-                    <a:prstClr val="black">
-                      <a:alpha val="40000"/>
-                    </a:prstClr>
-                  </a:outerShdw>
-                </a:effectLst>
-              </p:spPr>
-              <p:style>
-                <a:lnRef idx="2">
-                  <a:schemeClr val="accent1">
-                    <a:shade val="15000"/>
-                  </a:schemeClr>
-                </a:lnRef>
-                <a:fillRef idx="1">
-                  <a:schemeClr val="accent1"/>
-                </a:fillRef>
-                <a:effectRef idx="0">
-                  <a:schemeClr val="accent1"/>
-                </a:effectRef>
-                <a:fontRef idx="minor">
-                  <a:schemeClr val="lt1"/>
-                </a:fontRef>
-              </p:style>
-              <p:txBody>
-                <a:bodyPr rtlCol="0" anchor="ctr"/>
-                <a:lstStyle/>
-                <a:p>
-                  <a:pPr algn="ctr"/>
-                  <a:endParaRPr lang="LID4096"/>
-                </a:p>
-              </p:txBody>
-            </p:sp>
-          </p:grpSp>
-          <p:grpSp>
-            <p:nvGrpSpPr>
-              <p:cNvPr id="36" name="Group 35">
-                <a:extLst>
-                  <a:ext uri="{FF2B5EF4-FFF2-40B4-BE49-F238E27FC236}">
-                    <a16:creationId xmlns:a16="http://schemas.microsoft.com/office/drawing/2014/main" id="{B2616C38-5AFA-9384-AF14-6FD507964BDB}"/>
-                  </a:ext>
-                </a:extLst>
-              </p:cNvPr>
-              <p:cNvGrpSpPr/>
-              <p:nvPr/>
-            </p:nvGrpSpPr>
-            <p:grpSpPr>
-              <a:xfrm>
-                <a:off x="6090522" y="189312"/>
-                <a:ext cx="2867456" cy="4061711"/>
-                <a:chOff x="9106623" y="100778"/>
-                <a:chExt cx="2867456" cy="4061711"/>
-              </a:xfrm>
-            </p:grpSpPr>
-            <p:grpSp>
-              <p:nvGrpSpPr>
-                <p:cNvPr id="34" name="Group 33">
-                  <a:extLst>
-                    <a:ext uri="{FF2B5EF4-FFF2-40B4-BE49-F238E27FC236}">
-                      <a16:creationId xmlns:a16="http://schemas.microsoft.com/office/drawing/2014/main" id="{01DBF62B-64DF-9028-2AA4-6F8D0CA92CE5}"/>
-                    </a:ext>
-                  </a:extLst>
-                </p:cNvPr>
-                <p:cNvGrpSpPr/>
-                <p:nvPr/>
-              </p:nvGrpSpPr>
-              <p:grpSpPr>
-                <a:xfrm>
-                  <a:off x="9106623" y="100778"/>
-                  <a:ext cx="2867456" cy="4061711"/>
-                  <a:chOff x="8656776" y="214768"/>
-                  <a:chExt cx="2867456" cy="4061711"/>
-                </a:xfrm>
-              </p:grpSpPr>
-              <p:pic>
-                <p:nvPicPr>
-                  <p:cNvPr id="25" name="Picture 24">
-                    <a:extLst>
-                      <a:ext uri="{FF2B5EF4-FFF2-40B4-BE49-F238E27FC236}">
-                        <a16:creationId xmlns:a16="http://schemas.microsoft.com/office/drawing/2014/main" id="{D020E754-D24C-9D20-752B-558CAB4D5A42}"/>
-                      </a:ext>
-                    </a:extLst>
-                  </p:cNvPr>
-                  <p:cNvPicPr>
-                    <a:picLocks noChangeAspect="1"/>
-                  </p:cNvPicPr>
-                  <p:nvPr/>
-                </p:nvPicPr>
-                <p:blipFill>
-                  <a:blip r:embed="rId4"/>
-                  <a:srcRect b="27014"/>
-                  <a:stretch/>
-                </p:blipFill>
-                <p:spPr>
-                  <a:xfrm>
-                    <a:off x="8656776" y="214768"/>
-                    <a:ext cx="2009775" cy="611768"/>
-                  </a:xfrm>
-                  <a:prstGeom prst="rect">
-                    <a:avLst/>
-                  </a:prstGeom>
-                </p:spPr>
-              </p:pic>
-              <p:pic>
-                <p:nvPicPr>
-                  <p:cNvPr id="26" name="Picture 25">
-                    <a:extLst>
-                      <a:ext uri="{FF2B5EF4-FFF2-40B4-BE49-F238E27FC236}">
-                        <a16:creationId xmlns:a16="http://schemas.microsoft.com/office/drawing/2014/main" id="{97AACD88-D642-A2B3-0B15-20C911523468}"/>
-                      </a:ext>
-                    </a:extLst>
-                  </p:cNvPr>
-                  <p:cNvPicPr>
-                    <a:picLocks noChangeAspect="1"/>
-                  </p:cNvPicPr>
-                  <p:nvPr/>
-                </p:nvPicPr>
-                <p:blipFill>
-                  <a:blip r:embed="rId5"/>
-                  <a:srcRect b="43990"/>
-                  <a:stretch/>
-                </p:blipFill>
-                <p:spPr>
-                  <a:xfrm>
-                    <a:off x="9390632" y="627367"/>
-                    <a:ext cx="2133600" cy="3649112"/>
-                  </a:xfrm>
-                  <a:prstGeom prst="rect">
-                    <a:avLst/>
-                  </a:prstGeom>
-                </p:spPr>
-              </p:pic>
-            </p:grpSp>
-            <p:sp>
-              <p:nvSpPr>
-                <p:cNvPr id="35" name="Arrow: Right 34">
-                  <a:extLst>
-                    <a:ext uri="{FF2B5EF4-FFF2-40B4-BE49-F238E27FC236}">
-                      <a16:creationId xmlns:a16="http://schemas.microsoft.com/office/drawing/2014/main" id="{4794603A-17EB-A08F-8D7E-6F21EFB53D77}"/>
-                    </a:ext>
-                  </a:extLst>
-                </p:cNvPr>
-                <p:cNvSpPr/>
-                <p:nvPr/>
-              </p:nvSpPr>
-              <p:spPr>
-                <a:xfrm>
-                  <a:off x="9533291" y="3903320"/>
-                  <a:ext cx="226337" cy="259169"/>
-                </a:xfrm>
-                <a:prstGeom prst="rightArrow">
-                  <a:avLst/>
-                </a:prstGeom>
-              </p:spPr>
-              <p:style>
-                <a:lnRef idx="2">
-                  <a:schemeClr val="accent1">
-                    <a:shade val="15000"/>
-                  </a:schemeClr>
-                </a:lnRef>
-                <a:fillRef idx="1">
-                  <a:schemeClr val="accent1"/>
-                </a:fillRef>
-                <a:effectRef idx="0">
-                  <a:schemeClr val="accent1"/>
-                </a:effectRef>
-                <a:fontRef idx="minor">
-                  <a:schemeClr val="lt1"/>
-                </a:fontRef>
-              </p:style>
-              <p:txBody>
-                <a:bodyPr rtlCol="0" anchor="ctr"/>
-                <a:lstStyle/>
-                <a:p>
-                  <a:pPr algn="ctr"/>
-                  <a:endParaRPr lang="LID4096"/>
-                </a:p>
-              </p:txBody>
-            </p:sp>
-          </p:grpSp>
-          <p:sp>
-            <p:nvSpPr>
-              <p:cNvPr id="27" name="Arrow: Right 26">
-                <a:extLst>
-                  <a:ext uri="{FF2B5EF4-FFF2-40B4-BE49-F238E27FC236}">
-                    <a16:creationId xmlns:a16="http://schemas.microsoft.com/office/drawing/2014/main" id="{DEAE2318-10B3-F154-8CEF-9DC63A02AE9F}"/>
-                  </a:ext>
-                </a:extLst>
-              </p:cNvPr>
-              <p:cNvSpPr/>
-              <p:nvPr/>
-            </p:nvSpPr>
-            <p:spPr>
-              <a:xfrm>
-                <a:off x="3936051" y="3231977"/>
-                <a:ext cx="226337" cy="259169"/>
-              </a:xfrm>
-              <a:prstGeom prst="rightArrow">
-                <a:avLst/>
-              </a:prstGeom>
-              <a:solidFill>
-                <a:schemeClr val="accent2"/>
-              </a:solidFill>
-            </p:spPr>
-            <p:style>
-              <a:lnRef idx="2">
-                <a:schemeClr val="accent1">
-                  <a:shade val="15000"/>
-                </a:schemeClr>
-              </a:lnRef>
-              <a:fillRef idx="1">
-                <a:schemeClr val="accent1"/>
-              </a:fillRef>
-              <a:effectRef idx="0">
-                <a:schemeClr val="accent1"/>
-              </a:effectRef>
-              <a:fontRef idx="minor">
-                <a:schemeClr val="lt1"/>
-              </a:fontRef>
-            </p:style>
-            <p:txBody>
-              <a:bodyPr rtlCol="0" anchor="ctr"/>
-              <a:lstStyle/>
-              <a:p>
-                <a:pPr algn="ctr"/>
-                <a:endParaRPr lang="LID4096"/>
-              </a:p>
-            </p:txBody>
-          </p:sp>
-          <p:sp>
-            <p:nvSpPr>
-              <p:cNvPr id="28" name="TextBox 27">
-                <a:extLst>
-                  <a:ext uri="{FF2B5EF4-FFF2-40B4-BE49-F238E27FC236}">
-                    <a16:creationId xmlns:a16="http://schemas.microsoft.com/office/drawing/2014/main" id="{3CA50EC5-4561-5EBB-F5B7-2C762EB6EE44}"/>
-                  </a:ext>
-                </a:extLst>
-              </p:cNvPr>
-              <p:cNvSpPr txBox="1"/>
-              <p:nvPr/>
-            </p:nvSpPr>
-            <p:spPr>
-              <a:xfrm>
-                <a:off x="3230241" y="3201284"/>
-                <a:ext cx="803570" cy="461665"/>
-              </a:xfrm>
-              <a:prstGeom prst="rect">
-                <a:avLst/>
-              </a:prstGeom>
-              <a:noFill/>
-            </p:spPr>
-            <p:txBody>
-              <a:bodyPr wrap="square">
-                <a:spAutoFit/>
-              </a:bodyPr>
-              <a:lstStyle/>
-              <a:p>
-                <a:r>
-                  <a:rPr lang="en-US" sz="1200" b="1" noProof="0" dirty="0"/>
-                  <a:t>Stopped here</a:t>
-                </a:r>
-              </a:p>
-            </p:txBody>
-          </p:sp>
-        </p:grpSp>
-        <p:pic>
-          <p:nvPicPr>
-            <p:cNvPr id="39" name="Picture 38">
-              <a:extLst>
-                <a:ext uri="{FF2B5EF4-FFF2-40B4-BE49-F238E27FC236}">
-                  <a16:creationId xmlns:a16="http://schemas.microsoft.com/office/drawing/2014/main" id="{A23AADDA-0D33-F41D-C6C1-6D52596EA7A0}"/>
-                </a:ext>
-              </a:extLst>
-            </p:cNvPr>
-            <p:cNvPicPr>
-              <a:picLocks noChangeAspect="1"/>
-            </p:cNvPicPr>
-            <p:nvPr/>
-          </p:nvPicPr>
-          <p:blipFill>
-            <a:blip r:embed="rId6"/>
-            <a:srcRect l="-446" t="56994" r="47483" b="26641"/>
-            <a:stretch/>
-          </p:blipFill>
-          <p:spPr>
-            <a:xfrm>
-              <a:off x="2638286" y="367821"/>
-              <a:ext cx="1439145" cy="227570"/>
-            </a:xfrm>
-            <a:prstGeom prst="rect">
-              <a:avLst/>
-            </a:prstGeom>
-            <a:ln w="19050">
-              <a:solidFill>
-                <a:srgbClr val="0000FF"/>
-              </a:solidFill>
-            </a:ln>
-          </p:spPr>
-        </p:pic>
-      </p:grpSp>
-      <p:grpSp>
-        <p:nvGrpSpPr>
-          <p:cNvPr id="9" name="Group 8">
+          <p:cNvPr id="6" name="Group 5">
             <a:extLst>
               <a:ext uri="{FF2B5EF4-FFF2-40B4-BE49-F238E27FC236}">
                 <a16:creationId xmlns:a16="http://schemas.microsoft.com/office/drawing/2014/main" id="{B0A2CBF5-EC51-2777-6D0E-DB5AA4D52C4E}"/>
@@ -3941,7 +3759,7 @@
         </p:grpSpPr>
         <p:pic>
           <p:nvPicPr>
-            <p:cNvPr id="4" name="Picture 3">
+            <p:cNvPr id="12" name="Picture 11">
               <a:extLst>
                 <a:ext uri="{FF2B5EF4-FFF2-40B4-BE49-F238E27FC236}">
                   <a16:creationId xmlns:a16="http://schemas.microsoft.com/office/drawing/2014/main" id="{CAA79721-9790-4B17-0F8E-C20296D4BDEB}"/>
@@ -3954,7 +3772,7 @@
             <p:nvPr/>
           </p:nvPicPr>
           <p:blipFill>
-            <a:blip r:embed="rId7"/>
+            <a:blip r:embed="rId9"/>
             <a:stretch>
               <a:fillRect/>
             </a:stretch>
@@ -3971,7 +3789,7 @@
         </p:pic>
         <p:pic>
           <p:nvPicPr>
-            <p:cNvPr id="6" name="Picture 5">
+            <p:cNvPr id="13" name="Picture 12">
               <a:extLst>
                 <a:ext uri="{FF2B5EF4-FFF2-40B4-BE49-F238E27FC236}">
                   <a16:creationId xmlns:a16="http://schemas.microsoft.com/office/drawing/2014/main" id="{CA557227-47CB-8EF3-CDB0-1EC8AE298BD3}"/>
@@ -3984,7 +3802,7 @@
             <p:nvPr/>
           </p:nvPicPr>
           <p:blipFill>
-            <a:blip r:embed="rId8"/>
+            <a:blip r:embed="rId10"/>
             <a:stretch>
               <a:fillRect/>
             </a:stretch>
@@ -4001,7 +3819,7 @@
         </p:pic>
         <p:pic>
           <p:nvPicPr>
-            <p:cNvPr id="11" name="Picture 10">
+            <p:cNvPr id="14" name="Picture 13">
               <a:extLst>
                 <a:ext uri="{FF2B5EF4-FFF2-40B4-BE49-F238E27FC236}">
                   <a16:creationId xmlns:a16="http://schemas.microsoft.com/office/drawing/2014/main" id="{74410DBF-9D2F-99BC-B429-11019BA94026}"/>
@@ -4014,7 +3832,7 @@
             <p:nvPr/>
           </p:nvPicPr>
           <p:blipFill>
-            <a:blip r:embed="rId9"/>
+            <a:blip r:embed="rId11"/>
             <a:srcRect b="5600"/>
             <a:stretch/>
           </p:blipFill>
@@ -4030,7 +3848,7 @@
         </p:pic>
         <p:sp>
           <p:nvSpPr>
-            <p:cNvPr id="13" name="TextBox 12">
+            <p:cNvPr id="15" name="TextBox 14">
               <a:extLst>
                 <a:ext uri="{FF2B5EF4-FFF2-40B4-BE49-F238E27FC236}">
                   <a16:creationId xmlns:a16="http://schemas.microsoft.com/office/drawing/2014/main" id="{36625287-2FC5-5977-9BFF-2F2C36817BBA}"/>
@@ -4085,7 +3903,7 @@
         </p:sp>
         <p:sp>
           <p:nvSpPr>
-            <p:cNvPr id="5" name="Rectangle 4">
+            <p:cNvPr id="16" name="Rectangle 15">
               <a:extLst>
                 <a:ext uri="{FF2B5EF4-FFF2-40B4-BE49-F238E27FC236}">
                   <a16:creationId xmlns:a16="http://schemas.microsoft.com/office/drawing/2014/main" id="{4D1B2026-5581-14F7-0231-0BB4466CE84E}"/>
@@ -4128,265 +3946,12 @@
           </p:txBody>
         </p:sp>
       </p:grpSp>
-      <p:grpSp>
-        <p:nvGrpSpPr>
-          <p:cNvPr id="16" name="Group 15">
-            <a:extLst>
-              <a:ext uri="{FF2B5EF4-FFF2-40B4-BE49-F238E27FC236}">
-                <a16:creationId xmlns:a16="http://schemas.microsoft.com/office/drawing/2014/main" id="{D3D168F7-DC4D-4B5D-5E8E-838AD2BA5FFA}"/>
-              </a:ext>
-            </a:extLst>
-          </p:cNvPr>
-          <p:cNvGrpSpPr/>
-          <p:nvPr/>
-        </p:nvGrpSpPr>
-        <p:grpSpPr>
-          <a:xfrm>
-            <a:off x="145134" y="94006"/>
-            <a:ext cx="2337503" cy="4031221"/>
-            <a:chOff x="145134" y="8546"/>
-            <a:chExt cx="2337503" cy="4031221"/>
-          </a:xfrm>
-        </p:grpSpPr>
-        <p:grpSp>
-          <p:nvGrpSpPr>
-            <p:cNvPr id="3" name="Group 2">
-              <a:extLst>
-                <a:ext uri="{FF2B5EF4-FFF2-40B4-BE49-F238E27FC236}">
-                  <a16:creationId xmlns:a16="http://schemas.microsoft.com/office/drawing/2014/main" id="{BC629075-A5FB-C047-96DB-936E8C944371}"/>
-                </a:ext>
-              </a:extLst>
-            </p:cNvPr>
-            <p:cNvGrpSpPr/>
-            <p:nvPr/>
-          </p:nvGrpSpPr>
-          <p:grpSpPr>
-            <a:xfrm>
-              <a:off x="145134" y="8546"/>
-              <a:ext cx="2337503" cy="4031221"/>
-              <a:chOff x="136588" y="73581"/>
-              <a:chExt cx="2337503" cy="4031221"/>
-            </a:xfrm>
-          </p:grpSpPr>
-          <p:pic>
-            <p:nvPicPr>
-              <p:cNvPr id="7" name="Picture 6">
-                <a:extLst>
-                  <a:ext uri="{FF2B5EF4-FFF2-40B4-BE49-F238E27FC236}">
-                    <a16:creationId xmlns:a16="http://schemas.microsoft.com/office/drawing/2014/main" id="{D06740CC-8E71-D0E7-3EAE-6849379712F1}"/>
-                  </a:ext>
-                </a:extLst>
-              </p:cNvPr>
-              <p:cNvPicPr>
-                <a:picLocks noChangeAspect="1"/>
-              </p:cNvPicPr>
-              <p:nvPr/>
-            </p:nvPicPr>
-            <p:blipFill>
-              <a:blip r:embed="rId10"/>
-              <a:srcRect r="5603"/>
-              <a:stretch/>
-            </p:blipFill>
-            <p:spPr>
-              <a:xfrm>
-                <a:off x="355131" y="1087100"/>
-                <a:ext cx="2076982" cy="1238250"/>
-              </a:xfrm>
-              <a:prstGeom prst="rect">
-                <a:avLst/>
-              </a:prstGeom>
-            </p:spPr>
-          </p:pic>
-          <p:pic>
-            <p:nvPicPr>
-              <p:cNvPr id="12" name="Picture 11">
-                <a:extLst>
-                  <a:ext uri="{FF2B5EF4-FFF2-40B4-BE49-F238E27FC236}">
-                    <a16:creationId xmlns:a16="http://schemas.microsoft.com/office/drawing/2014/main" id="{BF35B011-EB4F-0734-17F6-A448EA69C94F}"/>
-                  </a:ext>
-                </a:extLst>
-              </p:cNvPr>
-              <p:cNvPicPr>
-                <a:picLocks noChangeAspect="1"/>
-              </p:cNvPicPr>
-              <p:nvPr/>
-            </p:nvPicPr>
-            <p:blipFill>
-              <a:blip r:embed="rId11"/>
-              <a:srcRect b="29284"/>
-              <a:stretch/>
-            </p:blipFill>
-            <p:spPr>
-              <a:xfrm>
-                <a:off x="136588" y="73581"/>
-                <a:ext cx="2295525" cy="1017091"/>
-              </a:xfrm>
-              <a:prstGeom prst="rect">
-                <a:avLst/>
-              </a:prstGeom>
-            </p:spPr>
-          </p:pic>
-          <p:pic>
-            <p:nvPicPr>
-              <p:cNvPr id="14" name="Picture 13">
-                <a:extLst>
-                  <a:ext uri="{FF2B5EF4-FFF2-40B4-BE49-F238E27FC236}">
-                    <a16:creationId xmlns:a16="http://schemas.microsoft.com/office/drawing/2014/main" id="{D09C072F-4DE4-E891-2952-B7197B9753D0}"/>
-                  </a:ext>
-                </a:extLst>
-              </p:cNvPr>
-              <p:cNvPicPr>
-                <a:picLocks noChangeAspect="1"/>
-              </p:cNvPicPr>
-              <p:nvPr/>
-            </p:nvPicPr>
-            <p:blipFill>
-              <a:blip r:embed="rId11"/>
-              <a:srcRect t="86322"/>
-              <a:stretch/>
-            </p:blipFill>
-            <p:spPr>
-              <a:xfrm>
-                <a:off x="178566" y="3908070"/>
-                <a:ext cx="2295525" cy="196732"/>
-              </a:xfrm>
-              <a:prstGeom prst="rect">
-                <a:avLst/>
-              </a:prstGeom>
-            </p:spPr>
-          </p:pic>
-          <p:pic>
-            <p:nvPicPr>
-              <p:cNvPr id="15" name="Picture 14">
-                <a:extLst>
-                  <a:ext uri="{FF2B5EF4-FFF2-40B4-BE49-F238E27FC236}">
-                    <a16:creationId xmlns:a16="http://schemas.microsoft.com/office/drawing/2014/main" id="{620A7454-9756-79D7-60A2-09D05AB24568}"/>
-                  </a:ext>
-                </a:extLst>
-              </p:cNvPr>
-              <p:cNvPicPr>
-                <a:picLocks noChangeAspect="1"/>
-              </p:cNvPicPr>
-              <p:nvPr/>
-            </p:nvPicPr>
-            <p:blipFill>
-              <a:blip r:embed="rId11"/>
-              <a:srcRect t="71090" b="13907"/>
-              <a:stretch/>
-            </p:blipFill>
-            <p:spPr>
-              <a:xfrm>
-                <a:off x="142159" y="2315366"/>
-                <a:ext cx="2295525" cy="215781"/>
-              </a:xfrm>
-              <a:prstGeom prst="rect">
-                <a:avLst/>
-              </a:prstGeom>
-            </p:spPr>
-          </p:pic>
-          <p:sp>
-            <p:nvSpPr>
-              <p:cNvPr id="2" name="TextBox 1">
-                <a:extLst>
-                  <a:ext uri="{FF2B5EF4-FFF2-40B4-BE49-F238E27FC236}">
-                    <a16:creationId xmlns:a16="http://schemas.microsoft.com/office/drawing/2014/main" id="{20EC9BDC-90D1-A8F6-1350-A3AB66577D07}"/>
-                  </a:ext>
-                </a:extLst>
-              </p:cNvPr>
-              <p:cNvSpPr txBox="1"/>
-              <p:nvPr/>
-            </p:nvSpPr>
-            <p:spPr>
-              <a:xfrm>
-                <a:off x="1675111" y="1156236"/>
-                <a:ext cx="560361" cy="553998"/>
-              </a:xfrm>
-              <a:prstGeom prst="rect">
-                <a:avLst/>
-              </a:prstGeom>
-              <a:solidFill>
-                <a:schemeClr val="bg1"/>
-              </a:solidFill>
-              <a:ln>
-                <a:solidFill>
-                  <a:schemeClr val="tx1"/>
-                </a:solidFill>
-              </a:ln>
-            </p:spPr>
-            <p:txBody>
-              <a:bodyPr wrap="square" lIns="0" tIns="0" rIns="0" bIns="0">
-                <a:spAutoFit/>
-              </a:bodyPr>
-              <a:lstStyle>
-                <a:defPPr>
-                  <a:defRPr lang="LID4096"/>
-                </a:defPPr>
-                <a:lvl1pPr>
-                  <a:defRPr sz="1100" b="1"/>
-                </a:lvl1pPr>
-              </a:lstStyle>
-              <a:p>
-                <a:pPr algn="ctr"/>
-                <a:r>
-                  <a:rPr lang="en-US" sz="1200" dirty="0"/>
-                  <a:t>Linear</a:t>
-                </a:r>
-              </a:p>
-              <a:p>
-                <a:pPr algn="ctr"/>
-                <a:r>
-                  <a:rPr lang="en-US" sz="1200" dirty="0"/>
-                  <a:t>Algebra</a:t>
-                </a:r>
-              </a:p>
-              <a:p>
-                <a:pPr algn="ctr"/>
-                <a:r>
-                  <a:rPr lang="en-US" sz="1200" dirty="0"/>
-                  <a:t>SVD</a:t>
-                </a:r>
-                <a:endParaRPr lang="LID4096" sz="1200" dirty="0"/>
-              </a:p>
-            </p:txBody>
-          </p:sp>
-        </p:grpSp>
-        <p:pic>
-          <p:nvPicPr>
-            <p:cNvPr id="22" name="Picture 21">
-              <a:extLst>
-                <a:ext uri="{FF2B5EF4-FFF2-40B4-BE49-F238E27FC236}">
-                  <a16:creationId xmlns:a16="http://schemas.microsoft.com/office/drawing/2014/main" id="{E761474A-B1D2-49A6-8551-AA43F5DD06D7}"/>
-                </a:ext>
-              </a:extLst>
-            </p:cNvPr>
-            <p:cNvPicPr>
-              <a:picLocks noChangeAspect="1"/>
-            </p:cNvPicPr>
-            <p:nvPr/>
-          </p:nvPicPr>
-          <p:blipFill>
-            <a:blip r:embed="rId6"/>
-            <a:stretch>
-              <a:fillRect/>
-            </a:stretch>
-          </p:blipFill>
-          <p:spPr>
-            <a:xfrm>
-              <a:off x="329493" y="2445856"/>
-              <a:ext cx="1914525" cy="1390650"/>
-            </a:xfrm>
-            <a:prstGeom prst="rect">
-              <a:avLst/>
-            </a:prstGeom>
-          </p:spPr>
-        </p:pic>
-      </p:grpSp>
       <p:sp>
         <p:nvSpPr>
-          <p:cNvPr id="30" name="Rectangle 29">
-            <a:extLst>
-              <a:ext uri="{FF2B5EF4-FFF2-40B4-BE49-F238E27FC236}">
-                <a16:creationId xmlns:a16="http://schemas.microsoft.com/office/drawing/2014/main" id="{BBAC765F-C4EB-ECEA-5567-38DC290FC8E7}"/>
+          <p:cNvPr id="18" name="Rectangle 17">
+            <a:extLst>
+              <a:ext uri="{FF2B5EF4-FFF2-40B4-BE49-F238E27FC236}">
+                <a16:creationId xmlns:a16="http://schemas.microsoft.com/office/drawing/2014/main" id="{B4FB2323-94D1-2513-8975-D3E6553A7CC3}"/>
               </a:ext>
             </a:extLst>
           </p:cNvPr>
@@ -4395,8 +3960,8 @@
         </p:nvSpPr>
         <p:spPr>
           <a:xfrm>
-            <a:off x="379954" y="3335923"/>
-            <a:ext cx="1876905" cy="401440"/>
+            <a:off x="1" y="4551067"/>
+            <a:ext cx="5802593" cy="2306934"/>
           </a:xfrm>
           <a:prstGeom prst="rect">
             <a:avLst/>
@@ -4404,16 +3969,10 @@
           <a:noFill/>
           <a:ln w="19050">
             <a:solidFill>
-              <a:srgbClr val="0000FF"/>
+              <a:schemeClr val="tx1"/>
             </a:solidFill>
           </a:ln>
-          <a:effectLst>
-            <a:outerShdw blurRad="50800" dist="38100" dir="8100000" algn="tr" rotWithShape="0">
-              <a:prstClr val="black">
-                <a:alpha val="40000"/>
-              </a:prstClr>
-            </a:outerShdw>
-          </a:effectLst>
+          <a:effectLst/>
         </p:spPr>
         <p:txBody>
           <a:bodyPr wrap="none" anchor="ctr" anchorCtr="0">
@@ -4427,44 +3986,10 @@
       </p:sp>
       <p:pic>
         <p:nvPicPr>
-          <p:cNvPr id="38" name="Picture 37">
-            <a:extLst>
-              <a:ext uri="{FF2B5EF4-FFF2-40B4-BE49-F238E27FC236}">
-                <a16:creationId xmlns:a16="http://schemas.microsoft.com/office/drawing/2014/main" id="{4215C089-19D3-8C3A-CFB7-0E15D6AB4AAE}"/>
-              </a:ext>
-            </a:extLst>
-          </p:cNvPr>
-          <p:cNvPicPr>
-            <a:picLocks noChangeAspect="1"/>
-          </p:cNvPicPr>
-          <p:nvPr/>
-        </p:nvPicPr>
-        <p:blipFill>
-          <a:blip r:embed="rId6"/>
-          <a:srcRect t="71133" b="13350"/>
-          <a:stretch/>
-        </p:blipFill>
-        <p:spPr>
-          <a:xfrm>
-            <a:off x="8572951" y="192186"/>
-            <a:ext cx="1914525" cy="227570"/>
-          </a:xfrm>
-          <a:prstGeom prst="rect">
-            <a:avLst/>
-          </a:prstGeom>
-          <a:ln w="19050">
-            <a:solidFill>
-              <a:srgbClr val="0000FF"/>
-            </a:solidFill>
-          </a:ln>
-        </p:spPr>
-      </p:pic>
-      <p:pic>
-        <p:nvPicPr>
-          <p:cNvPr id="29" name="Picture 28">
-            <a:extLst>
-              <a:ext uri="{FF2B5EF4-FFF2-40B4-BE49-F238E27FC236}">
-                <a16:creationId xmlns:a16="http://schemas.microsoft.com/office/drawing/2014/main" id="{D44A888A-A4F9-9F66-9CF5-CD5E4F02519A}"/>
+          <p:cNvPr id="19" name="Picture 18">
+            <a:extLst>
+              <a:ext uri="{FF2B5EF4-FFF2-40B4-BE49-F238E27FC236}">
+                <a16:creationId xmlns:a16="http://schemas.microsoft.com/office/drawing/2014/main" id="{4FE13CEF-C4DC-6451-0388-2A1564020F2C}"/>
               </a:ext>
             </a:extLst>
           </p:cNvPr>
@@ -4475,89 +4000,13 @@
         </p:nvPicPr>
         <p:blipFill>
           <a:blip r:embed="rId12"/>
-          <a:srcRect l="9703" t="15811" r="28482" b="8836"/>
+          <a:srcRect r="5566"/>
           <a:stretch/>
         </p:blipFill>
         <p:spPr>
           <a:xfrm>
-            <a:off x="6346661" y="4670101"/>
-            <a:ext cx="2390775" cy="2119576"/>
-          </a:xfrm>
-          <a:prstGeom prst="rect">
-            <a:avLst/>
-          </a:prstGeom>
-        </p:spPr>
-      </p:pic>
-      <p:pic>
-        <p:nvPicPr>
-          <p:cNvPr id="10" name="Picture 1">
-            <a:extLst>
-              <a:ext uri="{FF2B5EF4-FFF2-40B4-BE49-F238E27FC236}">
-                <a16:creationId xmlns:a16="http://schemas.microsoft.com/office/drawing/2014/main" id="{BBB224F8-D8FA-0041-92BD-62F6B6B0F84F}"/>
-              </a:ext>
-            </a:extLst>
-          </p:cNvPr>
-          <p:cNvPicPr>
-            <a:picLocks noChangeAspect="1" noChangeArrowheads="1"/>
-          </p:cNvPicPr>
-          <p:nvPr/>
-        </p:nvPicPr>
-        <p:blipFill>
-          <a:blip r:embed="rId13">
-            <a:extLst>
-              <a:ext uri="{28A0092B-C50C-407E-A947-70E740481C1C}">
-                <a14:useLocalDpi xmlns:a14="http://schemas.microsoft.com/office/drawing/2010/main" val="0"/>
-              </a:ext>
-            </a:extLst>
-          </a:blip>
-          <a:srcRect/>
-          <a:stretch>
-            <a:fillRect/>
-          </a:stretch>
-        </p:blipFill>
-        <p:spPr bwMode="auto">
-          <a:xfrm>
-            <a:off x="10045560" y="635802"/>
-            <a:ext cx="2017084" cy="1097274"/>
-          </a:xfrm>
-          <a:prstGeom prst="rect">
-            <a:avLst/>
-          </a:prstGeom>
-          <a:noFill/>
-          <a:extLst>
-            <a:ext uri="{909E8E84-426E-40DD-AFC4-6F175D3DCCD1}">
-              <a14:hiddenFill xmlns:a14="http://schemas.microsoft.com/office/drawing/2010/main">
-                <a:solidFill>
-                  <a:srgbClr val="FFFFFF"/>
-                </a:solidFill>
-              </a14:hiddenFill>
-            </a:ext>
-          </a:extLst>
-        </p:spPr>
-      </p:pic>
-      <p:pic>
-        <p:nvPicPr>
-          <p:cNvPr id="41" name="Picture 40">
-            <a:extLst>
-              <a:ext uri="{FF2B5EF4-FFF2-40B4-BE49-F238E27FC236}">
-                <a16:creationId xmlns:a16="http://schemas.microsoft.com/office/drawing/2014/main" id="{97BDAA0C-C4D8-B552-D514-5CEEC70B1DE5}"/>
-              </a:ext>
-            </a:extLst>
-          </p:cNvPr>
-          <p:cNvPicPr>
-            <a:picLocks noChangeAspect="1"/>
-          </p:cNvPicPr>
-          <p:nvPr/>
-        </p:nvPicPr>
-        <p:blipFill>
-          <a:blip r:embed="rId14"/>
-          <a:srcRect r="26475"/>
-          <a:stretch/>
-        </p:blipFill>
-        <p:spPr>
-          <a:xfrm>
-            <a:off x="9127047" y="1824455"/>
-            <a:ext cx="2633226" cy="3448050"/>
+            <a:off x="2323100" y="2247898"/>
+            <a:ext cx="1762997" cy="1457325"/>
           </a:xfrm>
           <a:prstGeom prst="rect">
             <a:avLst/>
@@ -4567,7 +4016,1581 @@
     </p:spTree>
     <p:extLst>
       <p:ext uri="{BB962C8B-B14F-4D97-AF65-F5344CB8AC3E}">
-        <p14:creationId xmlns:p14="http://schemas.microsoft.com/office/powerpoint/2010/main" val="3718547452"/>
+        <p14:creationId xmlns:p14="http://schemas.microsoft.com/office/powerpoint/2010/main" val="2198856432"/>
+      </p:ext>
+    </p:extLst>
+  </p:cSld>
+  <p:clrMapOvr>
+    <a:masterClrMapping/>
+  </p:clrMapOvr>
+</p:sld>
+</file>
+
+<file path=ppt/slides/slide10.xml><?xml version="1.0" encoding="utf-8"?>
+<p:sld xmlns:a="http://schemas.openxmlformats.org/drawingml/2006/main" xmlns:r="http://schemas.openxmlformats.org/officeDocument/2006/relationships" xmlns:p="http://schemas.openxmlformats.org/presentationml/2006/main">
+  <p:cSld>
+    <p:bg>
+      <p:bgPr>
+        <a:solidFill>
+          <a:srgbClr val="EFDECD"/>
+        </a:solidFill>
+        <a:effectLst/>
+      </p:bgPr>
+    </p:bg>
+    <p:spTree>
+      <p:nvGrpSpPr>
+        <p:cNvPr id="1" name="">
+          <a:extLst>
+            <a:ext uri="{FF2B5EF4-FFF2-40B4-BE49-F238E27FC236}">
+              <a16:creationId xmlns:a16="http://schemas.microsoft.com/office/drawing/2014/main" id="{005A93EA-C738-87F8-AC56-2199256A77A9}"/>
+            </a:ext>
+          </a:extLst>
+        </p:cNvPr>
+        <p:cNvGrpSpPr/>
+        <p:nvPr/>
+      </p:nvGrpSpPr>
+      <p:grpSpPr>
+        <a:xfrm>
+          <a:off x="0" y="0"/>
+          <a:ext cx="0" cy="0"/>
+          <a:chOff x="0" y="0"/>
+          <a:chExt cx="0" cy="0"/>
+        </a:xfrm>
+      </p:grpSpPr>
+      <p:pic>
+        <p:nvPicPr>
+          <p:cNvPr id="1088" name="Picture 1087">
+            <a:extLst>
+              <a:ext uri="{FF2B5EF4-FFF2-40B4-BE49-F238E27FC236}">
+                <a16:creationId xmlns:a16="http://schemas.microsoft.com/office/drawing/2014/main" id="{1C5ADB66-5D3A-4762-1C4F-405B3D024573}"/>
+              </a:ext>
+            </a:extLst>
+          </p:cNvPr>
+          <p:cNvPicPr>
+            <a:picLocks noChangeAspect="1"/>
+          </p:cNvPicPr>
+          <p:nvPr/>
+        </p:nvPicPr>
+        <p:blipFill>
+          <a:blip r:embed="rId2"/>
+          <a:stretch>
+            <a:fillRect/>
+          </a:stretch>
+        </p:blipFill>
+        <p:spPr>
+          <a:xfrm>
+            <a:off x="155649" y="4562566"/>
+            <a:ext cx="733746" cy="301360"/>
+          </a:xfrm>
+          <a:prstGeom prst="rect">
+            <a:avLst/>
+          </a:prstGeom>
+        </p:spPr>
+      </p:pic>
+      <p:pic>
+        <p:nvPicPr>
+          <p:cNvPr id="1090" name="Picture 1089">
+            <a:extLst>
+              <a:ext uri="{FF2B5EF4-FFF2-40B4-BE49-F238E27FC236}">
+                <a16:creationId xmlns:a16="http://schemas.microsoft.com/office/drawing/2014/main" id="{D059915B-2B24-4350-83D5-EEF947AA9655}"/>
+              </a:ext>
+            </a:extLst>
+          </p:cNvPr>
+          <p:cNvPicPr>
+            <a:picLocks noChangeAspect="1"/>
+          </p:cNvPicPr>
+          <p:nvPr/>
+        </p:nvPicPr>
+        <p:blipFill>
+          <a:blip r:embed="rId3"/>
+          <a:stretch>
+            <a:fillRect/>
+          </a:stretch>
+        </p:blipFill>
+        <p:spPr>
+          <a:xfrm>
+            <a:off x="1798139" y="5675806"/>
+            <a:ext cx="1022004" cy="301360"/>
+          </a:xfrm>
+          <a:prstGeom prst="rect">
+            <a:avLst/>
+          </a:prstGeom>
+        </p:spPr>
+      </p:pic>
+      <p:pic>
+        <p:nvPicPr>
+          <p:cNvPr id="1092" name="Picture 1091">
+            <a:extLst>
+              <a:ext uri="{FF2B5EF4-FFF2-40B4-BE49-F238E27FC236}">
+                <a16:creationId xmlns:a16="http://schemas.microsoft.com/office/drawing/2014/main" id="{567405D1-7024-E12B-656B-F88D45815608}"/>
+              </a:ext>
+            </a:extLst>
+          </p:cNvPr>
+          <p:cNvPicPr>
+            <a:picLocks noChangeAspect="1"/>
+          </p:cNvPicPr>
+          <p:nvPr/>
+        </p:nvPicPr>
+        <p:blipFill>
+          <a:blip r:embed="rId4"/>
+          <a:stretch>
+            <a:fillRect/>
+          </a:stretch>
+        </p:blipFill>
+        <p:spPr>
+          <a:xfrm>
+            <a:off x="1792722" y="6008618"/>
+            <a:ext cx="799260" cy="301360"/>
+          </a:xfrm>
+          <a:prstGeom prst="rect">
+            <a:avLst/>
+          </a:prstGeom>
+        </p:spPr>
+      </p:pic>
+      <p:pic>
+        <p:nvPicPr>
+          <p:cNvPr id="1094" name="Picture 1093">
+            <a:extLst>
+              <a:ext uri="{FF2B5EF4-FFF2-40B4-BE49-F238E27FC236}">
+                <a16:creationId xmlns:a16="http://schemas.microsoft.com/office/drawing/2014/main" id="{3185E168-E99D-FB3D-24B5-B5DB70EA13B6}"/>
+              </a:ext>
+            </a:extLst>
+          </p:cNvPr>
+          <p:cNvPicPr>
+            <a:picLocks noChangeAspect="1"/>
+          </p:cNvPicPr>
+          <p:nvPr/>
+        </p:nvPicPr>
+        <p:blipFill>
+          <a:blip r:embed="rId5"/>
+          <a:stretch>
+            <a:fillRect/>
+          </a:stretch>
+        </p:blipFill>
+        <p:spPr>
+          <a:xfrm>
+            <a:off x="155648" y="4924077"/>
+            <a:ext cx="733747" cy="327566"/>
+          </a:xfrm>
+          <a:prstGeom prst="rect">
+            <a:avLst/>
+          </a:prstGeom>
+        </p:spPr>
+      </p:pic>
+      <p:pic>
+        <p:nvPicPr>
+          <p:cNvPr id="1096" name="Picture 1095">
+            <a:extLst>
+              <a:ext uri="{FF2B5EF4-FFF2-40B4-BE49-F238E27FC236}">
+                <a16:creationId xmlns:a16="http://schemas.microsoft.com/office/drawing/2014/main" id="{818EA404-6905-44C4-5E92-164401639B18}"/>
+              </a:ext>
+            </a:extLst>
+          </p:cNvPr>
+          <p:cNvPicPr>
+            <a:picLocks noChangeAspect="1"/>
+          </p:cNvPicPr>
+          <p:nvPr/>
+        </p:nvPicPr>
+        <p:blipFill>
+          <a:blip r:embed="rId6"/>
+          <a:stretch>
+            <a:fillRect/>
+          </a:stretch>
+        </p:blipFill>
+        <p:spPr>
+          <a:xfrm>
+            <a:off x="1792722" y="6361442"/>
+            <a:ext cx="642028" cy="301360"/>
+         